--- a/doc/Fun_with_C++11.pptx
+++ b/doc/Fun_with_C++11.pptx
@@ -6,6 +6,7 @@
   </p:sldMasterIdLst>
   <p:sldIdLst>
     <p:sldId id="256" r:id="rId2"/>
+    <p:sldId id="257" r:id="rId3"/>
   </p:sldIdLst>
   <p:sldSz cx="9144000" cy="6858000" type="screen4x3"/>
   <p:notesSz cx="6858000" cy="9144000"/>
@@ -288,7 +289,7 @@
           <a:p>
             <a:fld id="{81509AD4-132E-4B79-8E81-ED2DE054EDF4}" type="datetimeFigureOut">
               <a:rPr lang="en-US" smtClean="0"/>
-              <a:t>10/31/2014</a:t>
+              <a:t>11/4/2014</a:t>
             </a:fld>
             <a:endParaRPr lang="en-US"/>
           </a:p>
@@ -458,7 +459,7 @@
           <a:p>
             <a:fld id="{81509AD4-132E-4B79-8E81-ED2DE054EDF4}" type="datetimeFigureOut">
               <a:rPr lang="en-US" smtClean="0"/>
-              <a:t>10/31/2014</a:t>
+              <a:t>11/4/2014</a:t>
             </a:fld>
             <a:endParaRPr lang="en-US"/>
           </a:p>
@@ -638,7 +639,7 @@
           <a:p>
             <a:fld id="{81509AD4-132E-4B79-8E81-ED2DE054EDF4}" type="datetimeFigureOut">
               <a:rPr lang="en-US" smtClean="0"/>
-              <a:t>10/31/2014</a:t>
+              <a:t>11/4/2014</a:t>
             </a:fld>
             <a:endParaRPr lang="en-US"/>
           </a:p>
@@ -808,7 +809,7 @@
           <a:p>
             <a:fld id="{81509AD4-132E-4B79-8E81-ED2DE054EDF4}" type="datetimeFigureOut">
               <a:rPr lang="en-US" smtClean="0"/>
-              <a:t>10/31/2014</a:t>
+              <a:t>11/4/2014</a:t>
             </a:fld>
             <a:endParaRPr lang="en-US"/>
           </a:p>
@@ -1054,7 +1055,7 @@
           <a:p>
             <a:fld id="{81509AD4-132E-4B79-8E81-ED2DE054EDF4}" type="datetimeFigureOut">
               <a:rPr lang="en-US" smtClean="0"/>
-              <a:t>10/31/2014</a:t>
+              <a:t>11/4/2014</a:t>
             </a:fld>
             <a:endParaRPr lang="en-US"/>
           </a:p>
@@ -1342,7 +1343,7 @@
           <a:p>
             <a:fld id="{81509AD4-132E-4B79-8E81-ED2DE054EDF4}" type="datetimeFigureOut">
               <a:rPr lang="en-US" smtClean="0"/>
-              <a:t>10/31/2014</a:t>
+              <a:t>11/4/2014</a:t>
             </a:fld>
             <a:endParaRPr lang="en-US"/>
           </a:p>
@@ -1764,7 +1765,7 @@
           <a:p>
             <a:fld id="{81509AD4-132E-4B79-8E81-ED2DE054EDF4}" type="datetimeFigureOut">
               <a:rPr lang="en-US" smtClean="0"/>
-              <a:t>10/31/2014</a:t>
+              <a:t>11/4/2014</a:t>
             </a:fld>
             <a:endParaRPr lang="en-US"/>
           </a:p>
@@ -1882,7 +1883,7 @@
           <a:p>
             <a:fld id="{81509AD4-132E-4B79-8E81-ED2DE054EDF4}" type="datetimeFigureOut">
               <a:rPr lang="en-US" smtClean="0"/>
-              <a:t>10/31/2014</a:t>
+              <a:t>11/4/2014</a:t>
             </a:fld>
             <a:endParaRPr lang="en-US"/>
           </a:p>
@@ -1977,7 +1978,7 @@
           <a:p>
             <a:fld id="{81509AD4-132E-4B79-8E81-ED2DE054EDF4}" type="datetimeFigureOut">
               <a:rPr lang="en-US" smtClean="0"/>
-              <a:t>10/31/2014</a:t>
+              <a:t>11/4/2014</a:t>
             </a:fld>
             <a:endParaRPr lang="en-US"/>
           </a:p>
@@ -2254,7 +2255,7 @@
           <a:p>
             <a:fld id="{81509AD4-132E-4B79-8E81-ED2DE054EDF4}" type="datetimeFigureOut">
               <a:rPr lang="en-US" smtClean="0"/>
-              <a:t>10/31/2014</a:t>
+              <a:t>11/4/2014</a:t>
             </a:fld>
             <a:endParaRPr lang="en-US"/>
           </a:p>
@@ -2507,7 +2508,7 @@
           <a:p>
             <a:fld id="{81509AD4-132E-4B79-8E81-ED2DE054EDF4}" type="datetimeFigureOut">
               <a:rPr lang="en-US" smtClean="0"/>
-              <a:t>10/31/2014</a:t>
+              <a:t>11/4/2014</a:t>
             </a:fld>
             <a:endParaRPr lang="en-US"/>
           </a:p>
@@ -2720,7 +2721,7 @@
           <a:p>
             <a:fld id="{81509AD4-132E-4B79-8E81-ED2DE054EDF4}" type="datetimeFigureOut">
               <a:rPr lang="en-US" smtClean="0"/>
-              <a:t>10/31/2014</a:t>
+              <a:t>11/4/2014</a:t>
             </a:fld>
             <a:endParaRPr lang="en-US"/>
           </a:p>
@@ -3141,6 +3142,94 @@
     <p:extLst>
       <p:ext uri="{BB962C8B-B14F-4D97-AF65-F5344CB8AC3E}">
         <p14:creationId xmlns:p14="http://schemas.microsoft.com/office/powerpoint/2010/main" val="3862616716"/>
+      </p:ext>
+    </p:extLst>
+  </p:cSld>
+  <p:clrMapOvr>
+    <a:masterClrMapping/>
+  </p:clrMapOvr>
+</p:sld>
+</file>
+
+<file path=ppt/slides/slide2.xml><?xml version="1.0" encoding="utf-8"?>
+<p:sld xmlns:a="http://schemas.openxmlformats.org/drawingml/2006/main" xmlns:r="http://schemas.openxmlformats.org/officeDocument/2006/relationships" xmlns:p="http://schemas.openxmlformats.org/presentationml/2006/main">
+  <p:cSld>
+    <p:spTree>
+      <p:nvGrpSpPr>
+        <p:cNvPr id="1" name=""/>
+        <p:cNvGrpSpPr/>
+        <p:nvPr/>
+      </p:nvGrpSpPr>
+      <p:grpSpPr>
+        <a:xfrm>
+          <a:off x="0" y="0"/>
+          <a:ext cx="0" cy="0"/>
+          <a:chOff x="0" y="0"/>
+          <a:chExt cx="0" cy="0"/>
+        </a:xfrm>
+      </p:grpSpPr>
+      <p:sp>
+        <p:nvSpPr>
+          <p:cNvPr id="2" name="Title 1"/>
+          <p:cNvSpPr>
+            <a:spLocks noGrp="1"/>
+          </p:cNvSpPr>
+          <p:nvPr>
+            <p:ph type="title"/>
+          </p:nvPr>
+        </p:nvSpPr>
+        <p:spPr/>
+        <p:txBody>
+          <a:bodyPr/>
+          <a:lstStyle/>
+          <a:p>
+            <a:r>
+              <a:rPr lang="en-US" dirty="0" smtClean="0"/>
+              <a:t>What’s missing</a:t>
+            </a:r>
+            <a:endParaRPr lang="en-US" dirty="0"/>
+          </a:p>
+        </p:txBody>
+      </p:sp>
+      <p:sp>
+        <p:nvSpPr>
+          <p:cNvPr id="3" name="Content Placeholder 2"/>
+          <p:cNvSpPr>
+            <a:spLocks noGrp="1"/>
+          </p:cNvSpPr>
+          <p:nvPr>
+            <p:ph idx="1"/>
+          </p:nvPr>
+        </p:nvSpPr>
+        <p:spPr/>
+        <p:txBody>
+          <a:bodyPr/>
+          <a:lstStyle/>
+          <a:p>
+            <a:r>
+              <a:rPr lang="en-US" dirty="0" smtClean="0"/>
+              <a:t>XML</a:t>
+            </a:r>
+          </a:p>
+          <a:p>
+            <a:r>
+              <a:rPr lang="en-US" dirty="0" smtClean="0"/>
+              <a:t>Package (‘module’) system</a:t>
+            </a:r>
+          </a:p>
+          <a:p>
+            <a:r>
+              <a:rPr lang="en-US" smtClean="0"/>
+              <a:t>Garbage collection</a:t>
+            </a:r>
+            <a:endParaRPr lang="en-US"/>
+          </a:p>
+        </p:txBody>
+      </p:sp>
+    </p:spTree>
+    <p:extLst>
+      <p:ext uri="{BB962C8B-B14F-4D97-AF65-F5344CB8AC3E}">
+        <p14:creationId xmlns:p14="http://schemas.microsoft.com/office/powerpoint/2010/main" val="2897646070"/>
       </p:ext>
     </p:extLst>
   </p:cSld>

--- a/doc/Fun_with_C++11.pptx
+++ b/doc/Fun_with_C++11.pptx
@@ -7,6 +7,7 @@
   <p:sldIdLst>
     <p:sldId id="256" r:id="rId2"/>
     <p:sldId id="257" r:id="rId3"/>
+    <p:sldId id="258" r:id="rId4"/>
   </p:sldIdLst>
   <p:sldSz cx="9144000" cy="6858000" type="screen4x3"/>
   <p:notesSz cx="6858000" cy="9144000"/>
@@ -3219,10 +3220,14 @@
           </a:p>
           <a:p>
             <a:r>
-              <a:rPr lang="en-US" smtClean="0"/>
-              <a:t>Garbage collection</a:t>
-            </a:r>
-            <a:endParaRPr lang="en-US"/>
+              <a:rPr lang="en-US" dirty="0" smtClean="0"/>
+              <a:t>Garbage </a:t>
+            </a:r>
+            <a:r>
+              <a:rPr lang="en-US" dirty="0" smtClean="0"/>
+              <a:t>collection (as C#, Java, Python, …)</a:t>
+            </a:r>
+            <a:endParaRPr lang="en-US" dirty="0"/>
           </a:p>
         </p:txBody>
       </p:sp>
@@ -3230,6 +3235,100 @@
     <p:extLst>
       <p:ext uri="{BB962C8B-B14F-4D97-AF65-F5344CB8AC3E}">
         <p14:creationId xmlns:p14="http://schemas.microsoft.com/office/powerpoint/2010/main" val="2897646070"/>
+      </p:ext>
+    </p:extLst>
+  </p:cSld>
+  <p:clrMapOvr>
+    <a:masterClrMapping/>
+  </p:clrMapOvr>
+</p:sld>
+</file>
+
+<file path=ppt/slides/slide3.xml><?xml version="1.0" encoding="utf-8"?>
+<p:sld xmlns:a="http://schemas.openxmlformats.org/drawingml/2006/main" xmlns:r="http://schemas.openxmlformats.org/officeDocument/2006/relationships" xmlns:p="http://schemas.openxmlformats.org/presentationml/2006/main">
+  <p:cSld>
+    <p:spTree>
+      <p:nvGrpSpPr>
+        <p:cNvPr id="1" name=""/>
+        <p:cNvGrpSpPr/>
+        <p:nvPr/>
+      </p:nvGrpSpPr>
+      <p:grpSpPr>
+        <a:xfrm>
+          <a:off x="0" y="0"/>
+          <a:ext cx="0" cy="0"/>
+          <a:chOff x="0" y="0"/>
+          <a:chExt cx="0" cy="0"/>
+        </a:xfrm>
+      </p:grpSpPr>
+      <p:sp>
+        <p:nvSpPr>
+          <p:cNvPr id="2" name="Title 1"/>
+          <p:cNvSpPr>
+            <a:spLocks noGrp="1"/>
+          </p:cNvSpPr>
+          <p:nvPr>
+            <p:ph type="title"/>
+          </p:nvPr>
+        </p:nvSpPr>
+        <p:spPr/>
+        <p:txBody>
+          <a:bodyPr/>
+          <a:lstStyle/>
+          <a:p>
+            <a:r>
+              <a:rPr lang="en-US" dirty="0" smtClean="0"/>
+              <a:t>Paradigms</a:t>
+            </a:r>
+            <a:endParaRPr lang="en-US" dirty="0"/>
+          </a:p>
+        </p:txBody>
+      </p:sp>
+      <p:sp>
+        <p:nvSpPr>
+          <p:cNvPr id="3" name="Content Placeholder 2"/>
+          <p:cNvSpPr>
+            <a:spLocks noGrp="1"/>
+          </p:cNvSpPr>
+          <p:nvPr>
+            <p:ph idx="1"/>
+          </p:nvPr>
+        </p:nvSpPr>
+        <p:spPr/>
+        <p:txBody>
+          <a:bodyPr/>
+          <a:lstStyle/>
+          <a:p>
+            <a:r>
+              <a:rPr lang="en-US" dirty="0" smtClean="0"/>
+              <a:t>Procedural</a:t>
+            </a:r>
+          </a:p>
+          <a:p>
+            <a:r>
+              <a:rPr lang="en-US" dirty="0" smtClean="0"/>
+              <a:t>OO</a:t>
+            </a:r>
+          </a:p>
+          <a:p>
+            <a:r>
+              <a:rPr lang="en-US" dirty="0" smtClean="0"/>
+              <a:t>Generic</a:t>
+            </a:r>
+          </a:p>
+          <a:p>
+            <a:r>
+              <a:rPr lang="en-US" smtClean="0"/>
+              <a:t>Functional</a:t>
+            </a:r>
+            <a:endParaRPr lang="en-US" dirty="0"/>
+          </a:p>
+        </p:txBody>
+      </p:sp>
+    </p:spTree>
+    <p:extLst>
+      <p:ext uri="{BB962C8B-B14F-4D97-AF65-F5344CB8AC3E}">
+        <p14:creationId xmlns:p14="http://schemas.microsoft.com/office/powerpoint/2010/main" val="1022246978"/>
       </p:ext>
     </p:extLst>
   </p:cSld>

--- a/doc/Fun_with_C++11.pptx
+++ b/doc/Fun_with_C++11.pptx
@@ -6,8 +6,8 @@
   </p:sldMasterIdLst>
   <p:sldIdLst>
     <p:sldId id="256" r:id="rId2"/>
-    <p:sldId id="257" r:id="rId3"/>
-    <p:sldId id="258" r:id="rId4"/>
+    <p:sldId id="258" r:id="rId3"/>
+    <p:sldId id="257" r:id="rId4"/>
   </p:sldIdLst>
   <p:sldSz cx="9144000" cy="6858000" type="screen4x3"/>
   <p:notesSz cx="6858000" cy="9144000"/>
@@ -3186,7 +3186,7 @@
           <a:p>
             <a:r>
               <a:rPr lang="en-US" dirty="0" smtClean="0"/>
-              <a:t>What’s missing</a:t>
+              <a:t>Paradigms</a:t>
             </a:r>
             <a:endParaRPr lang="en-US" dirty="0"/>
           </a:p>
@@ -3209,23 +3209,25 @@
           <a:p>
             <a:r>
               <a:rPr lang="en-US" dirty="0" smtClean="0"/>
-              <a:t>XML</a:t>
+              <a:t>Procedural</a:t>
             </a:r>
           </a:p>
           <a:p>
             <a:r>
               <a:rPr lang="en-US" dirty="0" smtClean="0"/>
-              <a:t>Package (‘module’) system</a:t>
+              <a:t>OO</a:t>
             </a:r>
           </a:p>
           <a:p>
             <a:r>
               <a:rPr lang="en-US" dirty="0" smtClean="0"/>
-              <a:t>Garbage </a:t>
-            </a:r>
-            <a:r>
-              <a:rPr lang="en-US" dirty="0" smtClean="0"/>
-              <a:t>collection (as C#, Java, Python, …)</a:t>
+              <a:t>Generic</a:t>
+            </a:r>
+          </a:p>
+          <a:p>
+            <a:r>
+              <a:rPr lang="en-US" smtClean="0"/>
+              <a:t>Functional</a:t>
             </a:r>
             <a:endParaRPr lang="en-US" dirty="0"/>
           </a:p>
@@ -3234,7 +3236,7 @@
     </p:spTree>
     <p:extLst>
       <p:ext uri="{BB962C8B-B14F-4D97-AF65-F5344CB8AC3E}">
-        <p14:creationId xmlns:p14="http://schemas.microsoft.com/office/powerpoint/2010/main" val="2897646070"/>
+        <p14:creationId xmlns:p14="http://schemas.microsoft.com/office/powerpoint/2010/main" val="1022246978"/>
       </p:ext>
     </p:extLst>
   </p:cSld>
@@ -3278,7 +3280,7 @@
           <a:p>
             <a:r>
               <a:rPr lang="en-US" dirty="0" smtClean="0"/>
-              <a:t>Paradigms</a:t>
+              <a:t>What’s missing</a:t>
             </a:r>
             <a:endParaRPr lang="en-US" dirty="0"/>
           </a:p>
@@ -3301,25 +3303,57 @@
           <a:p>
             <a:r>
               <a:rPr lang="en-US" dirty="0" smtClean="0"/>
-              <a:t>Procedural</a:t>
+              <a:t>XML</a:t>
             </a:r>
           </a:p>
           <a:p>
             <a:r>
               <a:rPr lang="en-US" dirty="0" smtClean="0"/>
-              <a:t>OO</a:t>
-            </a:r>
-          </a:p>
-          <a:p>
+              <a:t>Package (‘module’) system</a:t>
+            </a:r>
+          </a:p>
+          <a:p>
+            <a:pPr lvl="1"/>
             <a:r>
               <a:rPr lang="en-US" dirty="0" smtClean="0"/>
-              <a:t>Generic</a:t>
-            </a:r>
-          </a:p>
-          <a:p>
-            <a:r>
-              <a:rPr lang="en-US" smtClean="0"/>
-              <a:t>Functional</a:t>
+              <a:t>PHP composer; Python pip; Ruby gems</a:t>
+            </a:r>
+            <a:endParaRPr lang="en-US" dirty="0"/>
+          </a:p>
+          <a:p>
+            <a:pPr lvl="1"/>
+            <a:r>
+              <a:rPr lang="en-US" dirty="0" smtClean="0"/>
+              <a:t>Java .JAR; </a:t>
+            </a:r>
+            <a:r>
+              <a:rPr lang="en-US" dirty="0" smtClean="0">
+                <a:hlinkClick r:id="rId2"/>
+              </a:rPr>
+              <a:t>JPM4j</a:t>
+            </a:r>
+            <a:endParaRPr lang="en-US" dirty="0" smtClean="0"/>
+          </a:p>
+          <a:p>
+            <a:r>
+              <a:rPr lang="en-US" dirty="0" smtClean="0"/>
+              <a:t>Garbage collection (as C#, Java, Python, …)</a:t>
+            </a:r>
+          </a:p>
+          <a:p>
+            <a:r>
+              <a:rPr lang="en-US" dirty="0" smtClean="0"/>
+              <a:t>Strings in switch() </a:t>
+            </a:r>
+            <a:r>
+              <a:rPr lang="en-US" dirty="0" smtClean="0"/>
+              <a:t>statement</a:t>
+            </a:r>
+          </a:p>
+          <a:p>
+            <a:r>
+              <a:rPr lang="en-US" smtClean="0"/>
+              <a:t>Serialization</a:t>
             </a:r>
             <a:endParaRPr lang="en-US" dirty="0"/>
           </a:p>
@@ -3328,7 +3362,7 @@
     </p:spTree>
     <p:extLst>
       <p:ext uri="{BB962C8B-B14F-4D97-AF65-F5344CB8AC3E}">
-        <p14:creationId xmlns:p14="http://schemas.microsoft.com/office/powerpoint/2010/main" val="1022246978"/>
+        <p14:creationId xmlns:p14="http://schemas.microsoft.com/office/powerpoint/2010/main" val="2897646070"/>
       </p:ext>
     </p:extLst>
   </p:cSld>

--- a/doc/Fun_with_C++11.pptx
+++ b/doc/Fun_with_C++11.pptx
@@ -3298,7 +3298,9 @@
         </p:nvSpPr>
         <p:spPr/>
         <p:txBody>
-          <a:bodyPr/>
+          <a:bodyPr>
+            <a:normAutofit lnSpcReduction="10000"/>
+          </a:bodyPr>
           <a:lstStyle/>
           <a:p>
             <a:r>
@@ -3343,17 +3345,23 @@
           <a:p>
             <a:r>
               <a:rPr lang="en-US" dirty="0" smtClean="0"/>
-              <a:t>Strings in switch() </a:t>
-            </a:r>
+              <a:t>Strings in switch() statement</a:t>
+            </a:r>
+          </a:p>
+          <a:p>
             <a:r>
               <a:rPr lang="en-US" dirty="0" smtClean="0"/>
-              <a:t>statement</a:t>
-            </a:r>
-          </a:p>
-          <a:p>
-            <a:r>
-              <a:rPr lang="en-US" smtClean="0"/>
               <a:t>Serialization</a:t>
+            </a:r>
+          </a:p>
+          <a:p>
+            <a:r>
+              <a:rPr lang="en-US" dirty="0" smtClean="0"/>
+              <a:t>Run-time </a:t>
+            </a:r>
+            <a:r>
+              <a:rPr lang="en-US" smtClean="0"/>
+              <a:t>instrospection</a:t>
             </a:r>
             <a:endParaRPr lang="en-US" dirty="0"/>
           </a:p>

--- a/doc/Fun_with_C++11.pptx
+++ b/doc/Fun_with_C++11.pptx
@@ -6,8 +6,10 @@
   </p:sldMasterIdLst>
   <p:sldIdLst>
     <p:sldId id="256" r:id="rId2"/>
-    <p:sldId id="258" r:id="rId3"/>
-    <p:sldId id="257" r:id="rId4"/>
+    <p:sldId id="260" r:id="rId3"/>
+    <p:sldId id="258" r:id="rId4"/>
+    <p:sldId id="257" r:id="rId5"/>
+    <p:sldId id="259" r:id="rId6"/>
   </p:sldIdLst>
   <p:sldSz cx="9144000" cy="6858000" type="screen4x3"/>
   <p:notesSz cx="6858000" cy="9144000"/>
@@ -292,7 +294,7 @@
               <a:rPr lang="en-US" smtClean="0"/>
               <a:t>11/4/2014</a:t>
             </a:fld>
-            <a:endParaRPr lang="en-US"/>
+            <a:endParaRPr lang="en-US" dirty="0"/>
           </a:p>
         </p:txBody>
       </p:sp>
@@ -311,7 +313,7 @@
           <a:bodyPr/>
           <a:lstStyle/>
           <a:p>
-            <a:endParaRPr lang="en-US"/>
+            <a:endParaRPr lang="en-US" dirty="0"/>
           </a:p>
         </p:txBody>
       </p:sp>
@@ -334,7 +336,7 @@
               <a:rPr lang="en-US" smtClean="0"/>
               <a:t>‹#›</a:t>
             </a:fld>
-            <a:endParaRPr lang="en-US"/>
+            <a:endParaRPr lang="en-US" dirty="0"/>
           </a:p>
         </p:txBody>
       </p:sp>
@@ -462,7 +464,7 @@
               <a:rPr lang="en-US" smtClean="0"/>
               <a:t>11/4/2014</a:t>
             </a:fld>
-            <a:endParaRPr lang="en-US"/>
+            <a:endParaRPr lang="en-US" dirty="0"/>
           </a:p>
         </p:txBody>
       </p:sp>
@@ -481,7 +483,7 @@
           <a:bodyPr/>
           <a:lstStyle/>
           <a:p>
-            <a:endParaRPr lang="en-US"/>
+            <a:endParaRPr lang="en-US" dirty="0"/>
           </a:p>
         </p:txBody>
       </p:sp>
@@ -504,7 +506,7 @@
               <a:rPr lang="en-US" smtClean="0"/>
               <a:t>‹#›</a:t>
             </a:fld>
-            <a:endParaRPr lang="en-US"/>
+            <a:endParaRPr lang="en-US" dirty="0"/>
           </a:p>
         </p:txBody>
       </p:sp>
@@ -642,7 +644,7 @@
               <a:rPr lang="en-US" smtClean="0"/>
               <a:t>11/4/2014</a:t>
             </a:fld>
-            <a:endParaRPr lang="en-US"/>
+            <a:endParaRPr lang="en-US" dirty="0"/>
           </a:p>
         </p:txBody>
       </p:sp>
@@ -661,7 +663,7 @@
           <a:bodyPr/>
           <a:lstStyle/>
           <a:p>
-            <a:endParaRPr lang="en-US"/>
+            <a:endParaRPr lang="en-US" dirty="0"/>
           </a:p>
         </p:txBody>
       </p:sp>
@@ -684,7 +686,7 @@
               <a:rPr lang="en-US" smtClean="0"/>
               <a:t>‹#›</a:t>
             </a:fld>
-            <a:endParaRPr lang="en-US"/>
+            <a:endParaRPr lang="en-US" dirty="0"/>
           </a:p>
         </p:txBody>
       </p:sp>
@@ -812,7 +814,7 @@
               <a:rPr lang="en-US" smtClean="0"/>
               <a:t>11/4/2014</a:t>
             </a:fld>
-            <a:endParaRPr lang="en-US"/>
+            <a:endParaRPr lang="en-US" dirty="0"/>
           </a:p>
         </p:txBody>
       </p:sp>
@@ -831,7 +833,7 @@
           <a:bodyPr/>
           <a:lstStyle/>
           <a:p>
-            <a:endParaRPr lang="en-US"/>
+            <a:endParaRPr lang="en-US" dirty="0"/>
           </a:p>
         </p:txBody>
       </p:sp>
@@ -854,7 +856,7 @@
               <a:rPr lang="en-US" smtClean="0"/>
               <a:t>‹#›</a:t>
             </a:fld>
-            <a:endParaRPr lang="en-US"/>
+            <a:endParaRPr lang="en-US" dirty="0"/>
           </a:p>
         </p:txBody>
       </p:sp>
@@ -1058,7 +1060,7 @@
               <a:rPr lang="en-US" smtClean="0"/>
               <a:t>11/4/2014</a:t>
             </a:fld>
-            <a:endParaRPr lang="en-US"/>
+            <a:endParaRPr lang="en-US" dirty="0"/>
           </a:p>
         </p:txBody>
       </p:sp>
@@ -1077,7 +1079,7 @@
           <a:bodyPr/>
           <a:lstStyle/>
           <a:p>
-            <a:endParaRPr lang="en-US"/>
+            <a:endParaRPr lang="en-US" dirty="0"/>
           </a:p>
         </p:txBody>
       </p:sp>
@@ -1100,7 +1102,7 @@
               <a:rPr lang="en-US" smtClean="0"/>
               <a:t>‹#›</a:t>
             </a:fld>
-            <a:endParaRPr lang="en-US"/>
+            <a:endParaRPr lang="en-US" dirty="0"/>
           </a:p>
         </p:txBody>
       </p:sp>
@@ -1346,7 +1348,7 @@
               <a:rPr lang="en-US" smtClean="0"/>
               <a:t>11/4/2014</a:t>
             </a:fld>
-            <a:endParaRPr lang="en-US"/>
+            <a:endParaRPr lang="en-US" dirty="0"/>
           </a:p>
         </p:txBody>
       </p:sp>
@@ -1365,7 +1367,7 @@
           <a:bodyPr/>
           <a:lstStyle/>
           <a:p>
-            <a:endParaRPr lang="en-US"/>
+            <a:endParaRPr lang="en-US" dirty="0"/>
           </a:p>
         </p:txBody>
       </p:sp>
@@ -1388,7 +1390,7 @@
               <a:rPr lang="en-US" smtClean="0"/>
               <a:t>‹#›</a:t>
             </a:fld>
-            <a:endParaRPr lang="en-US"/>
+            <a:endParaRPr lang="en-US" dirty="0"/>
           </a:p>
         </p:txBody>
       </p:sp>
@@ -1768,7 +1770,7 @@
               <a:rPr lang="en-US" smtClean="0"/>
               <a:t>11/4/2014</a:t>
             </a:fld>
-            <a:endParaRPr lang="en-US"/>
+            <a:endParaRPr lang="en-US" dirty="0"/>
           </a:p>
         </p:txBody>
       </p:sp>
@@ -1787,7 +1789,7 @@
           <a:bodyPr/>
           <a:lstStyle/>
           <a:p>
-            <a:endParaRPr lang="en-US"/>
+            <a:endParaRPr lang="en-US" dirty="0"/>
           </a:p>
         </p:txBody>
       </p:sp>
@@ -1810,7 +1812,7 @@
               <a:rPr lang="en-US" smtClean="0"/>
               <a:t>‹#›</a:t>
             </a:fld>
-            <a:endParaRPr lang="en-US"/>
+            <a:endParaRPr lang="en-US" dirty="0"/>
           </a:p>
         </p:txBody>
       </p:sp>
@@ -1886,7 +1888,7 @@
               <a:rPr lang="en-US" smtClean="0"/>
               <a:t>11/4/2014</a:t>
             </a:fld>
-            <a:endParaRPr lang="en-US"/>
+            <a:endParaRPr lang="en-US" dirty="0"/>
           </a:p>
         </p:txBody>
       </p:sp>
@@ -1905,7 +1907,7 @@
           <a:bodyPr/>
           <a:lstStyle/>
           <a:p>
-            <a:endParaRPr lang="en-US"/>
+            <a:endParaRPr lang="en-US" dirty="0"/>
           </a:p>
         </p:txBody>
       </p:sp>
@@ -1928,7 +1930,7 @@
               <a:rPr lang="en-US" smtClean="0"/>
               <a:t>‹#›</a:t>
             </a:fld>
-            <a:endParaRPr lang="en-US"/>
+            <a:endParaRPr lang="en-US" dirty="0"/>
           </a:p>
         </p:txBody>
       </p:sp>
@@ -1981,7 +1983,7 @@
               <a:rPr lang="en-US" smtClean="0"/>
               <a:t>11/4/2014</a:t>
             </a:fld>
-            <a:endParaRPr lang="en-US"/>
+            <a:endParaRPr lang="en-US" dirty="0"/>
           </a:p>
         </p:txBody>
       </p:sp>
@@ -2000,7 +2002,7 @@
           <a:bodyPr/>
           <a:lstStyle/>
           <a:p>
-            <a:endParaRPr lang="en-US"/>
+            <a:endParaRPr lang="en-US" dirty="0"/>
           </a:p>
         </p:txBody>
       </p:sp>
@@ -2023,7 +2025,7 @@
               <a:rPr lang="en-US" smtClean="0"/>
               <a:t>‹#›</a:t>
             </a:fld>
-            <a:endParaRPr lang="en-US"/>
+            <a:endParaRPr lang="en-US" dirty="0"/>
           </a:p>
         </p:txBody>
       </p:sp>
@@ -2258,7 +2260,7 @@
               <a:rPr lang="en-US" smtClean="0"/>
               <a:t>11/4/2014</a:t>
             </a:fld>
-            <a:endParaRPr lang="en-US"/>
+            <a:endParaRPr lang="en-US" dirty="0"/>
           </a:p>
         </p:txBody>
       </p:sp>
@@ -2277,7 +2279,7 @@
           <a:bodyPr/>
           <a:lstStyle/>
           <a:p>
-            <a:endParaRPr lang="en-US"/>
+            <a:endParaRPr lang="en-US" dirty="0"/>
           </a:p>
         </p:txBody>
       </p:sp>
@@ -2300,7 +2302,7 @@
               <a:rPr lang="en-US" smtClean="0"/>
               <a:t>‹#›</a:t>
             </a:fld>
-            <a:endParaRPr lang="en-US"/>
+            <a:endParaRPr lang="en-US" dirty="0"/>
           </a:p>
         </p:txBody>
       </p:sp>
@@ -2423,7 +2425,7 @@
             </a:lvl9pPr>
           </a:lstStyle>
           <a:p>
-            <a:endParaRPr lang="en-US"/>
+            <a:endParaRPr lang="en-US" dirty="0"/>
           </a:p>
         </p:txBody>
       </p:sp>
@@ -2511,7 +2513,7 @@
               <a:rPr lang="en-US" smtClean="0"/>
               <a:t>11/4/2014</a:t>
             </a:fld>
-            <a:endParaRPr lang="en-US"/>
+            <a:endParaRPr lang="en-US" dirty="0"/>
           </a:p>
         </p:txBody>
       </p:sp>
@@ -2530,7 +2532,7 @@
           <a:bodyPr/>
           <a:lstStyle/>
           <a:p>
-            <a:endParaRPr lang="en-US"/>
+            <a:endParaRPr lang="en-US" dirty="0"/>
           </a:p>
         </p:txBody>
       </p:sp>
@@ -2553,7 +2555,7 @@
               <a:rPr lang="en-US" smtClean="0"/>
               <a:t>‹#›</a:t>
             </a:fld>
-            <a:endParaRPr lang="en-US"/>
+            <a:endParaRPr lang="en-US" dirty="0"/>
           </a:p>
         </p:txBody>
       </p:sp>
@@ -2724,7 +2726,7 @@
               <a:rPr lang="en-US" smtClean="0"/>
               <a:t>11/4/2014</a:t>
             </a:fld>
-            <a:endParaRPr lang="en-US"/>
+            <a:endParaRPr lang="en-US" dirty="0"/>
           </a:p>
         </p:txBody>
       </p:sp>
@@ -2761,7 +2763,7 @@
             </a:lvl1pPr>
           </a:lstStyle>
           <a:p>
-            <a:endParaRPr lang="en-US"/>
+            <a:endParaRPr lang="en-US" dirty="0"/>
           </a:p>
         </p:txBody>
       </p:sp>
@@ -2802,7 +2804,7 @@
               <a:rPr lang="en-US" smtClean="0"/>
               <a:t>‹#›</a:t>
             </a:fld>
-            <a:endParaRPr lang="en-US"/>
+            <a:endParaRPr lang="en-US" dirty="0"/>
           </a:p>
         </p:txBody>
       </p:sp>
@@ -3135,7 +3137,7 @@
           <a:bodyPr/>
           <a:lstStyle/>
           <a:p>
-            <a:endParaRPr lang="en-US"/>
+            <a:endParaRPr lang="en-US" dirty="0"/>
           </a:p>
         </p:txBody>
       </p:sp>
@@ -3186,7 +3188,7 @@
           <a:p>
             <a:r>
               <a:rPr lang="en-US" dirty="0" smtClean="0"/>
-              <a:t>Paradigms</a:t>
+              <a:t>Disclaimers	</a:t>
             </a:r>
             <a:endParaRPr lang="en-US" dirty="0"/>
           </a:p>
@@ -3209,26 +3211,81 @@
           <a:p>
             <a:r>
               <a:rPr lang="en-US" dirty="0" smtClean="0"/>
-              <a:t>Procedural</a:t>
+              <a:t>I am not a C++ expert</a:t>
             </a:r>
           </a:p>
           <a:p>
             <a:r>
               <a:rPr lang="en-US" dirty="0" smtClean="0"/>
-              <a:t>OO</a:t>
-            </a:r>
-          </a:p>
-          <a:p>
+              <a:t>I like a lot of languages in addition to C++</a:t>
+            </a:r>
+          </a:p>
+          <a:p>
+            <a:pPr lvl="1"/>
             <a:r>
               <a:rPr lang="en-US" dirty="0" smtClean="0"/>
-              <a:t>Generic</a:t>
-            </a:r>
-          </a:p>
-          <a:p>
-            <a:r>
-              <a:rPr lang="en-US" smtClean="0"/>
-              <a:t>Functional</a:t>
-            </a:r>
+              <a:t>C# (mostly); Python; Java; PHP; Groovy; would like to learn Ruby and </a:t>
+            </a:r>
+            <a:r>
+              <a:rPr lang="en-US" dirty="0" err="1" smtClean="0"/>
+              <a:t>Clojure</a:t>
+            </a:r>
+            <a:endParaRPr lang="en-US" dirty="0" smtClean="0"/>
+          </a:p>
+          <a:p>
+            <a:r>
+              <a:rPr lang="en-US" dirty="0" smtClean="0"/>
+              <a:t>I’m not here to sell you on C++</a:t>
+            </a:r>
+          </a:p>
+          <a:p>
+            <a:r>
+              <a:rPr lang="en-US" dirty="0" smtClean="0"/>
+              <a:t>I’m not a C</a:t>
+            </a:r>
+            <a:r>
+              <a:rPr lang="en-US" smtClean="0"/>
+              <a:t>++ expert!</a:t>
+            </a:r>
+            <a:endParaRPr lang="en-US" dirty="0" smtClean="0"/>
+          </a:p>
+          <a:p>
+            <a:pPr lvl="1"/>
+            <a:r>
+              <a:rPr lang="en-US" dirty="0" smtClean="0"/>
+              <a:t>these challenge me: </a:t>
+            </a:r>
+            <a:r>
+              <a:rPr lang="en-US" dirty="0" smtClean="0">
+                <a:hlinkClick r:id="rId2"/>
+              </a:rPr>
+              <a:t>http</a:t>
+            </a:r>
+            <a:r>
+              <a:rPr lang="en-US" dirty="0">
+                <a:hlinkClick r:id="rId2"/>
+              </a:rPr>
+              <a:t>://</a:t>
+            </a:r>
+            <a:r>
+              <a:rPr lang="en-US" dirty="0" smtClean="0">
+                <a:hlinkClick r:id="rId2"/>
+              </a:rPr>
+              <a:t>cppquiz.org</a:t>
+            </a:r>
+            <a:endParaRPr lang="en-US" dirty="0" smtClean="0"/>
+          </a:p>
+          <a:p>
+            <a:pPr marL="457200" lvl="1" indent="0">
+              <a:buNone/>
+            </a:pPr>
+            <a:endParaRPr lang="en-US" dirty="0" smtClean="0"/>
+          </a:p>
+          <a:p>
+            <a:pPr lvl="1"/>
+            <a:endParaRPr lang="en-US" dirty="0" smtClean="0"/>
+          </a:p>
+          <a:p>
             <a:endParaRPr lang="en-US" dirty="0"/>
           </a:p>
         </p:txBody>
@@ -3236,7 +3293,7 @@
     </p:spTree>
     <p:extLst>
       <p:ext uri="{BB962C8B-B14F-4D97-AF65-F5344CB8AC3E}">
-        <p14:creationId xmlns:p14="http://schemas.microsoft.com/office/powerpoint/2010/main" val="1022246978"/>
+        <p14:creationId xmlns:p14="http://schemas.microsoft.com/office/powerpoint/2010/main" val="3835412766"/>
       </p:ext>
     </p:extLst>
   </p:cSld>
@@ -3280,6 +3337,101 @@
           <a:p>
             <a:r>
               <a:rPr lang="en-US" dirty="0" smtClean="0"/>
+              <a:t>Paradigms</a:t>
+            </a:r>
+            <a:endParaRPr lang="en-US" dirty="0"/>
+          </a:p>
+        </p:txBody>
+      </p:sp>
+      <p:sp>
+        <p:nvSpPr>
+          <p:cNvPr id="3" name="Content Placeholder 2"/>
+          <p:cNvSpPr>
+            <a:spLocks noGrp="1"/>
+          </p:cNvSpPr>
+          <p:nvPr>
+            <p:ph idx="1"/>
+          </p:nvPr>
+        </p:nvSpPr>
+        <p:spPr/>
+        <p:txBody>
+          <a:bodyPr/>
+          <a:lstStyle/>
+          <a:p>
+            <a:r>
+              <a:rPr lang="en-US" dirty="0" smtClean="0"/>
+              <a:t>Procedural</a:t>
+            </a:r>
+          </a:p>
+          <a:p>
+            <a:r>
+              <a:rPr lang="en-US" smtClean="0"/>
+              <a:t>Object Oriented</a:t>
+            </a:r>
+            <a:endParaRPr lang="en-US" dirty="0" smtClean="0"/>
+          </a:p>
+          <a:p>
+            <a:r>
+              <a:rPr lang="en-US" dirty="0" smtClean="0"/>
+              <a:t>Generic</a:t>
+            </a:r>
+          </a:p>
+          <a:p>
+            <a:r>
+              <a:rPr lang="en-US" dirty="0" smtClean="0"/>
+              <a:t>Functional</a:t>
+            </a:r>
+            <a:endParaRPr lang="en-US" dirty="0"/>
+          </a:p>
+        </p:txBody>
+      </p:sp>
+    </p:spTree>
+    <p:extLst>
+      <p:ext uri="{BB962C8B-B14F-4D97-AF65-F5344CB8AC3E}">
+        <p14:creationId xmlns:p14="http://schemas.microsoft.com/office/powerpoint/2010/main" val="1022246978"/>
+      </p:ext>
+    </p:extLst>
+  </p:cSld>
+  <p:clrMapOvr>
+    <a:masterClrMapping/>
+  </p:clrMapOvr>
+</p:sld>
+</file>
+
+<file path=ppt/slides/slide4.xml><?xml version="1.0" encoding="utf-8"?>
+<p:sld xmlns:a="http://schemas.openxmlformats.org/drawingml/2006/main" xmlns:r="http://schemas.openxmlformats.org/officeDocument/2006/relationships" xmlns:p="http://schemas.openxmlformats.org/presentationml/2006/main">
+  <p:cSld>
+    <p:spTree>
+      <p:nvGrpSpPr>
+        <p:cNvPr id="1" name=""/>
+        <p:cNvGrpSpPr/>
+        <p:nvPr/>
+      </p:nvGrpSpPr>
+      <p:grpSpPr>
+        <a:xfrm>
+          <a:off x="0" y="0"/>
+          <a:ext cx="0" cy="0"/>
+          <a:chOff x="0" y="0"/>
+          <a:chExt cx="0" cy="0"/>
+        </a:xfrm>
+      </p:grpSpPr>
+      <p:sp>
+        <p:nvSpPr>
+          <p:cNvPr id="2" name="Title 1"/>
+          <p:cNvSpPr>
+            <a:spLocks noGrp="1"/>
+          </p:cNvSpPr>
+          <p:nvPr>
+            <p:ph type="title"/>
+          </p:nvPr>
+        </p:nvSpPr>
+        <p:spPr/>
+        <p:txBody>
+          <a:bodyPr/>
+          <a:lstStyle/>
+          <a:p>
+            <a:r>
+              <a:rPr lang="en-US" dirty="0" smtClean="0"/>
               <a:t>What’s missing</a:t>
             </a:r>
             <a:endParaRPr lang="en-US" dirty="0"/>
@@ -3299,7 +3451,7 @@
         <p:spPr/>
         <p:txBody>
           <a:bodyPr>
-            <a:normAutofit lnSpcReduction="10000"/>
+            <a:normAutofit fontScale="92500" lnSpcReduction="20000"/>
           </a:bodyPr>
           <a:lstStyle/>
           <a:p>
@@ -3311,7 +3463,7 @@
           <a:p>
             <a:r>
               <a:rPr lang="en-US" dirty="0" smtClean="0"/>
-              <a:t>Package (‘module’) system</a:t>
+              <a:t>Packages / module</a:t>
             </a:r>
           </a:p>
           <a:p>
@@ -3345,7 +3497,7 @@
           <a:p>
             <a:r>
               <a:rPr lang="en-US" dirty="0" smtClean="0"/>
-              <a:t>Strings in switch() statement</a:t>
+              <a:t>Strings in switch() statement (C#)</a:t>
             </a:r>
           </a:p>
           <a:p>
@@ -3357,11 +3509,27 @@
           <a:p>
             <a:r>
               <a:rPr lang="en-US" dirty="0" smtClean="0"/>
-              <a:t>Run-time </a:t>
-            </a:r>
-            <a:r>
-              <a:rPr lang="en-US" smtClean="0"/>
-              <a:t>instrospection</a:t>
+              <a:t>Run-time introspection (C#, Java, Python, …)</a:t>
+            </a:r>
+          </a:p>
+          <a:p>
+            <a:r>
+              <a:rPr lang="en-US" dirty="0" smtClean="0"/>
+              <a:t>Interfaces: Need </a:t>
+            </a:r>
+            <a:r>
+              <a:rPr lang="en-US" smtClean="0"/>
+              <a:t>(ugly) </a:t>
+            </a:r>
+            <a:r>
+              <a:rPr lang="en-US" dirty="0" smtClean="0"/>
+              <a:t>abstract classes</a:t>
+            </a:r>
+          </a:p>
+          <a:p>
+            <a:r>
+              <a:rPr lang="en-US" dirty="0" smtClean="0"/>
+              <a:t>Console / command-line parser</a:t>
             </a:r>
             <a:endParaRPr lang="en-US" dirty="0"/>
           </a:p>
@@ -3371,6 +3539,126 @@
     <p:extLst>
       <p:ext uri="{BB962C8B-B14F-4D97-AF65-F5344CB8AC3E}">
         <p14:creationId xmlns:p14="http://schemas.microsoft.com/office/powerpoint/2010/main" val="2897646070"/>
+      </p:ext>
+    </p:extLst>
+  </p:cSld>
+  <p:clrMapOvr>
+    <a:masterClrMapping/>
+  </p:clrMapOvr>
+</p:sld>
+</file>
+
+<file path=ppt/slides/slide5.xml><?xml version="1.0" encoding="utf-8"?>
+<p:sld xmlns:a="http://schemas.openxmlformats.org/drawingml/2006/main" xmlns:r="http://schemas.openxmlformats.org/officeDocument/2006/relationships" xmlns:p="http://schemas.openxmlformats.org/presentationml/2006/main">
+  <p:cSld>
+    <p:spTree>
+      <p:nvGrpSpPr>
+        <p:cNvPr id="1" name=""/>
+        <p:cNvGrpSpPr/>
+        <p:nvPr/>
+      </p:nvGrpSpPr>
+      <p:grpSpPr>
+        <a:xfrm>
+          <a:off x="0" y="0"/>
+          <a:ext cx="0" cy="0"/>
+          <a:chOff x="0" y="0"/>
+          <a:chExt cx="0" cy="0"/>
+        </a:xfrm>
+      </p:grpSpPr>
+      <p:sp>
+        <p:nvSpPr>
+          <p:cNvPr id="2" name="Title 1"/>
+          <p:cNvSpPr>
+            <a:spLocks noGrp="1"/>
+          </p:cNvSpPr>
+          <p:nvPr>
+            <p:ph type="title"/>
+          </p:nvPr>
+        </p:nvSpPr>
+        <p:spPr/>
+        <p:txBody>
+          <a:bodyPr/>
+          <a:lstStyle/>
+          <a:p>
+            <a:r>
+              <a:rPr lang="en-US" dirty="0" smtClean="0"/>
+              <a:t>C++ Idioms</a:t>
+            </a:r>
+            <a:endParaRPr lang="en-US" dirty="0"/>
+          </a:p>
+        </p:txBody>
+      </p:sp>
+      <p:sp>
+        <p:nvSpPr>
+          <p:cNvPr id="3" name="Content Placeholder 2"/>
+          <p:cNvSpPr>
+            <a:spLocks noGrp="1"/>
+          </p:cNvSpPr>
+          <p:nvPr>
+            <p:ph idx="1"/>
+          </p:nvPr>
+        </p:nvSpPr>
+        <p:spPr/>
+        <p:txBody>
+          <a:bodyPr/>
+          <a:lstStyle/>
+          <a:p>
+            <a:r>
+              <a:rPr lang="en-US" dirty="0" smtClean="0">
+                <a:hlinkClick r:id="rId2"/>
+              </a:rPr>
+              <a:t>RAII</a:t>
+            </a:r>
+            <a:endParaRPr lang="en-US" dirty="0" smtClean="0"/>
+          </a:p>
+          <a:p>
+            <a:pPr lvl="1"/>
+            <a:r>
+              <a:rPr lang="en-US" dirty="0" smtClean="0"/>
+              <a:t>“Resource Acquisition Is Initialization”</a:t>
+            </a:r>
+          </a:p>
+          <a:p>
+            <a:pPr lvl="1"/>
+            <a:r>
+              <a:rPr lang="en-US" dirty="0" smtClean="0"/>
+              <a:t>Acquire and release things in constructor and destructor</a:t>
+            </a:r>
+          </a:p>
+          <a:p>
+            <a:r>
+              <a:rPr lang="en-US" dirty="0" smtClean="0">
+                <a:hlinkClick r:id="rId3"/>
+              </a:rPr>
+              <a:t>SFINAE</a:t>
+            </a:r>
+            <a:endParaRPr lang="en-US" dirty="0" smtClean="0"/>
+          </a:p>
+          <a:p>
+            <a:pPr lvl="1"/>
+            <a:r>
+              <a:rPr lang="en-US" dirty="0"/>
+              <a:t>“Substitution </a:t>
+            </a:r>
+            <a:r>
+              <a:rPr lang="en-US" dirty="0" smtClean="0"/>
+              <a:t>Failure Is Not An Error”</a:t>
+            </a:r>
+          </a:p>
+          <a:p>
+            <a:pPr lvl="1"/>
+            <a:r>
+              <a:rPr lang="en-US" dirty="0" smtClean="0"/>
+              <a:t>You won’t get compile-time errors when fiddling with templates</a:t>
+            </a:r>
+            <a:endParaRPr lang="en-US" dirty="0"/>
+          </a:p>
+        </p:txBody>
+      </p:sp>
+    </p:spTree>
+    <p:extLst>
+      <p:ext uri="{BB962C8B-B14F-4D97-AF65-F5344CB8AC3E}">
+        <p14:creationId xmlns:p14="http://schemas.microsoft.com/office/powerpoint/2010/main" val="3246688767"/>
       </p:ext>
     </p:extLst>
   </p:cSld>

--- a/doc/Fun_with_C++11.pptx
+++ b/doc/Fun_with_C++11.pptx
@@ -10,6 +10,7 @@
     <p:sldId id="258" r:id="rId4"/>
     <p:sldId id="257" r:id="rId5"/>
     <p:sldId id="259" r:id="rId6"/>
+    <p:sldId id="261" r:id="rId7"/>
   </p:sldIdLst>
   <p:sldSz cx="9144000" cy="6858000" type="screen4x3"/>
   <p:notesSz cx="6858000" cy="9144000"/>
@@ -292,7 +293,7 @@
           <a:p>
             <a:fld id="{81509AD4-132E-4B79-8E81-ED2DE054EDF4}" type="datetimeFigureOut">
               <a:rPr lang="en-US" smtClean="0"/>
-              <a:t>11/4/2014</a:t>
+              <a:t>11/5/2014</a:t>
             </a:fld>
             <a:endParaRPr lang="en-US" dirty="0"/>
           </a:p>
@@ -462,7 +463,7 @@
           <a:p>
             <a:fld id="{81509AD4-132E-4B79-8E81-ED2DE054EDF4}" type="datetimeFigureOut">
               <a:rPr lang="en-US" smtClean="0"/>
-              <a:t>11/4/2014</a:t>
+              <a:t>11/5/2014</a:t>
             </a:fld>
             <a:endParaRPr lang="en-US" dirty="0"/>
           </a:p>
@@ -642,7 +643,7 @@
           <a:p>
             <a:fld id="{81509AD4-132E-4B79-8E81-ED2DE054EDF4}" type="datetimeFigureOut">
               <a:rPr lang="en-US" smtClean="0"/>
-              <a:t>11/4/2014</a:t>
+              <a:t>11/5/2014</a:t>
             </a:fld>
             <a:endParaRPr lang="en-US" dirty="0"/>
           </a:p>
@@ -812,7 +813,7 @@
           <a:p>
             <a:fld id="{81509AD4-132E-4B79-8E81-ED2DE054EDF4}" type="datetimeFigureOut">
               <a:rPr lang="en-US" smtClean="0"/>
-              <a:t>11/4/2014</a:t>
+              <a:t>11/5/2014</a:t>
             </a:fld>
             <a:endParaRPr lang="en-US" dirty="0"/>
           </a:p>
@@ -1058,7 +1059,7 @@
           <a:p>
             <a:fld id="{81509AD4-132E-4B79-8E81-ED2DE054EDF4}" type="datetimeFigureOut">
               <a:rPr lang="en-US" smtClean="0"/>
-              <a:t>11/4/2014</a:t>
+              <a:t>11/5/2014</a:t>
             </a:fld>
             <a:endParaRPr lang="en-US" dirty="0"/>
           </a:p>
@@ -1346,7 +1347,7 @@
           <a:p>
             <a:fld id="{81509AD4-132E-4B79-8E81-ED2DE054EDF4}" type="datetimeFigureOut">
               <a:rPr lang="en-US" smtClean="0"/>
-              <a:t>11/4/2014</a:t>
+              <a:t>11/5/2014</a:t>
             </a:fld>
             <a:endParaRPr lang="en-US" dirty="0"/>
           </a:p>
@@ -1768,7 +1769,7 @@
           <a:p>
             <a:fld id="{81509AD4-132E-4B79-8E81-ED2DE054EDF4}" type="datetimeFigureOut">
               <a:rPr lang="en-US" smtClean="0"/>
-              <a:t>11/4/2014</a:t>
+              <a:t>11/5/2014</a:t>
             </a:fld>
             <a:endParaRPr lang="en-US" dirty="0"/>
           </a:p>
@@ -1886,7 +1887,7 @@
           <a:p>
             <a:fld id="{81509AD4-132E-4B79-8E81-ED2DE054EDF4}" type="datetimeFigureOut">
               <a:rPr lang="en-US" smtClean="0"/>
-              <a:t>11/4/2014</a:t>
+              <a:t>11/5/2014</a:t>
             </a:fld>
             <a:endParaRPr lang="en-US" dirty="0"/>
           </a:p>
@@ -1981,7 +1982,7 @@
           <a:p>
             <a:fld id="{81509AD4-132E-4B79-8E81-ED2DE054EDF4}" type="datetimeFigureOut">
               <a:rPr lang="en-US" smtClean="0"/>
-              <a:t>11/4/2014</a:t>
+              <a:t>11/5/2014</a:t>
             </a:fld>
             <a:endParaRPr lang="en-US" dirty="0"/>
           </a:p>
@@ -2258,7 +2259,7 @@
           <a:p>
             <a:fld id="{81509AD4-132E-4B79-8E81-ED2DE054EDF4}" type="datetimeFigureOut">
               <a:rPr lang="en-US" smtClean="0"/>
-              <a:t>11/4/2014</a:t>
+              <a:t>11/5/2014</a:t>
             </a:fld>
             <a:endParaRPr lang="en-US" dirty="0"/>
           </a:p>
@@ -2511,7 +2512,7 @@
           <a:p>
             <a:fld id="{81509AD4-132E-4B79-8E81-ED2DE054EDF4}" type="datetimeFigureOut">
               <a:rPr lang="en-US" smtClean="0"/>
-              <a:t>11/4/2014</a:t>
+              <a:t>11/5/2014</a:t>
             </a:fld>
             <a:endParaRPr lang="en-US" dirty="0"/>
           </a:p>
@@ -2724,7 +2725,7 @@
           <a:p>
             <a:fld id="{81509AD4-132E-4B79-8E81-ED2DE054EDF4}" type="datetimeFigureOut">
               <a:rPr lang="en-US" smtClean="0"/>
-              <a:t>11/4/2014</a:t>
+              <a:t>11/5/2014</a:t>
             </a:fld>
             <a:endParaRPr lang="en-US" dirty="0"/>
           </a:p>
@@ -3659,6 +3660,362 @@
     <p:extLst>
       <p:ext uri="{BB962C8B-B14F-4D97-AF65-F5344CB8AC3E}">
         <p14:creationId xmlns:p14="http://schemas.microsoft.com/office/powerpoint/2010/main" val="3246688767"/>
+      </p:ext>
+    </p:extLst>
+  </p:cSld>
+  <p:clrMapOvr>
+    <a:masterClrMapping/>
+  </p:clrMapOvr>
+</p:sld>
+</file>
+
+<file path=ppt/slides/slide6.xml><?xml version="1.0" encoding="utf-8"?>
+<p:sld xmlns:a="http://schemas.openxmlformats.org/drawingml/2006/main" xmlns:r="http://schemas.openxmlformats.org/officeDocument/2006/relationships" xmlns:p="http://schemas.openxmlformats.org/presentationml/2006/main">
+  <p:cSld>
+    <p:spTree>
+      <p:nvGrpSpPr>
+        <p:cNvPr id="1" name=""/>
+        <p:cNvGrpSpPr/>
+        <p:nvPr/>
+      </p:nvGrpSpPr>
+      <p:grpSpPr>
+        <a:xfrm>
+          <a:off x="0" y="0"/>
+          <a:ext cx="0" cy="0"/>
+          <a:chOff x="0" y="0"/>
+          <a:chExt cx="0" cy="0"/>
+        </a:xfrm>
+      </p:grpSpPr>
+      <p:sp>
+        <p:nvSpPr>
+          <p:cNvPr id="2" name="Title 1"/>
+          <p:cNvSpPr>
+            <a:spLocks noGrp="1"/>
+          </p:cNvSpPr>
+          <p:nvPr>
+            <p:ph type="title"/>
+          </p:nvPr>
+        </p:nvSpPr>
+        <p:spPr/>
+        <p:txBody>
+          <a:bodyPr/>
+          <a:lstStyle/>
+          <a:p>
+            <a:r>
+              <a:rPr lang="en-US" smtClean="0"/>
+              <a:t>MS C/C</a:t>
+            </a:r>
+            <a:r>
+              <a:rPr lang="en-US" dirty="0" smtClean="0"/>
+              <a:t>++ runtime dependencies</a:t>
+            </a:r>
+            <a:endParaRPr lang="en-US" dirty="0"/>
+          </a:p>
+        </p:txBody>
+      </p:sp>
+      <p:sp>
+        <p:nvSpPr>
+          <p:cNvPr id="3" name="Content Placeholder 2"/>
+          <p:cNvSpPr>
+            <a:spLocks noGrp="1"/>
+          </p:cNvSpPr>
+          <p:nvPr>
+            <p:ph idx="1"/>
+          </p:nvPr>
+        </p:nvSpPr>
+        <p:spPr/>
+        <p:txBody>
+          <a:bodyPr>
+            <a:normAutofit fontScale="62500" lnSpcReduction="20000"/>
+          </a:bodyPr>
+          <a:lstStyle/>
+          <a:p>
+            <a:pPr marL="0" indent="0">
+              <a:buNone/>
+            </a:pPr>
+            <a:r>
+              <a:rPr lang="en-US" dirty="0">
+                <a:latin typeface="Consolas" panose="020B0609020204030204" pitchFamily="49" charset="0"/>
+                <a:cs typeface="Consolas" panose="020B0609020204030204" pitchFamily="49" charset="0"/>
+              </a:rPr>
+              <a:t>c:\apps\vs2013\VC\redist\x64</a:t>
+            </a:r>
+            <a:r>
+              <a:rPr lang="en-US" dirty="0" smtClean="0">
+                <a:latin typeface="Consolas" panose="020B0609020204030204" pitchFamily="49" charset="0"/>
+                <a:cs typeface="Consolas" panose="020B0609020204030204" pitchFamily="49" charset="0"/>
+              </a:rPr>
+              <a:t>&gt; tree </a:t>
+            </a:r>
+            <a:r>
+              <a:rPr lang="en-US" dirty="0">
+                <a:latin typeface="Consolas" panose="020B0609020204030204" pitchFamily="49" charset="0"/>
+                <a:cs typeface="Consolas" panose="020B0609020204030204" pitchFamily="49" charset="0"/>
+              </a:rPr>
+              <a:t>/f /a</a:t>
+            </a:r>
+          </a:p>
+          <a:p>
+            <a:pPr marL="0" indent="0">
+              <a:buNone/>
+            </a:pPr>
+            <a:r>
+              <a:rPr lang="en-US" dirty="0" smtClean="0">
+                <a:latin typeface="Consolas" panose="020B0609020204030204" pitchFamily="49" charset="0"/>
+                <a:cs typeface="Consolas" panose="020B0609020204030204" pitchFamily="49" charset="0"/>
+              </a:rPr>
+              <a:t>+---</a:t>
+            </a:r>
+            <a:r>
+              <a:rPr lang="en-US" dirty="0">
+                <a:latin typeface="Consolas" panose="020B0609020204030204" pitchFamily="49" charset="0"/>
+                <a:cs typeface="Consolas" panose="020B0609020204030204" pitchFamily="49" charset="0"/>
+              </a:rPr>
+              <a:t>Microsoft.VC120.CRT</a:t>
+            </a:r>
+          </a:p>
+          <a:p>
+            <a:pPr marL="0" indent="0">
+              <a:buNone/>
+            </a:pPr>
+            <a:r>
+              <a:rPr lang="en-US" dirty="0">
+                <a:latin typeface="Consolas" panose="020B0609020204030204" pitchFamily="49" charset="0"/>
+                <a:cs typeface="Consolas" panose="020B0609020204030204" pitchFamily="49" charset="0"/>
+              </a:rPr>
+              <a:t>|       </a:t>
+            </a:r>
+            <a:r>
+              <a:rPr lang="en-US" dirty="0" smtClean="0">
+                <a:latin typeface="Consolas" panose="020B0609020204030204" pitchFamily="49" charset="0"/>
+                <a:cs typeface="Consolas" panose="020B0609020204030204" pitchFamily="49" charset="0"/>
+              </a:rPr>
+              <a:t>msvcp120.dll	// C++ runtime</a:t>
+            </a:r>
+            <a:endParaRPr lang="en-US" dirty="0">
+              <a:latin typeface="Consolas" panose="020B0609020204030204" pitchFamily="49" charset="0"/>
+              <a:cs typeface="Consolas" panose="020B0609020204030204" pitchFamily="49" charset="0"/>
+            </a:endParaRPr>
+          </a:p>
+          <a:p>
+            <a:pPr marL="0" indent="0">
+              <a:buNone/>
+            </a:pPr>
+            <a:r>
+              <a:rPr lang="en-US" dirty="0">
+                <a:latin typeface="Consolas" panose="020B0609020204030204" pitchFamily="49" charset="0"/>
+                <a:cs typeface="Consolas" panose="020B0609020204030204" pitchFamily="49" charset="0"/>
+              </a:rPr>
+              <a:t>|       </a:t>
+            </a:r>
+            <a:r>
+              <a:rPr lang="en-US" dirty="0" smtClean="0">
+                <a:latin typeface="Consolas" panose="020B0609020204030204" pitchFamily="49" charset="0"/>
+                <a:cs typeface="Consolas" panose="020B0609020204030204" pitchFamily="49" charset="0"/>
+              </a:rPr>
+              <a:t>msvcr120.dll	// C runtime</a:t>
+            </a:r>
+            <a:endParaRPr lang="en-US" dirty="0">
+              <a:latin typeface="Consolas" panose="020B0609020204030204" pitchFamily="49" charset="0"/>
+              <a:cs typeface="Consolas" panose="020B0609020204030204" pitchFamily="49" charset="0"/>
+            </a:endParaRPr>
+          </a:p>
+          <a:p>
+            <a:pPr marL="0" indent="0">
+              <a:buNone/>
+            </a:pPr>
+            <a:r>
+              <a:rPr lang="en-US" dirty="0">
+                <a:latin typeface="Consolas" panose="020B0609020204030204" pitchFamily="49" charset="0"/>
+                <a:cs typeface="Consolas" panose="020B0609020204030204" pitchFamily="49" charset="0"/>
+              </a:rPr>
+              <a:t>|       </a:t>
+            </a:r>
+            <a:r>
+              <a:rPr lang="en-US" dirty="0" smtClean="0">
+                <a:latin typeface="Consolas" panose="020B0609020204030204" pitchFamily="49" charset="0"/>
+                <a:cs typeface="Consolas" panose="020B0609020204030204" pitchFamily="49" charset="0"/>
+              </a:rPr>
+              <a:t>vccorlib120.dll 	// C++/CLI</a:t>
+            </a:r>
+            <a:endParaRPr lang="en-US" dirty="0">
+              <a:latin typeface="Consolas" panose="020B0609020204030204" pitchFamily="49" charset="0"/>
+              <a:cs typeface="Consolas" panose="020B0609020204030204" pitchFamily="49" charset="0"/>
+            </a:endParaRPr>
+          </a:p>
+          <a:p>
+            <a:pPr marL="0" indent="0">
+              <a:buNone/>
+            </a:pPr>
+            <a:r>
+              <a:rPr lang="en-US" dirty="0" smtClean="0">
+                <a:latin typeface="Consolas" panose="020B0609020204030204" pitchFamily="49" charset="0"/>
+                <a:cs typeface="Consolas" panose="020B0609020204030204" pitchFamily="49" charset="0"/>
+              </a:rPr>
+              <a:t>+---</a:t>
+            </a:r>
+            <a:r>
+              <a:rPr lang="en-US" dirty="0">
+                <a:latin typeface="Consolas" panose="020B0609020204030204" pitchFamily="49" charset="0"/>
+                <a:cs typeface="Consolas" panose="020B0609020204030204" pitchFamily="49" charset="0"/>
+              </a:rPr>
+              <a:t>Microsoft.VC120.CXXAMP</a:t>
+            </a:r>
+          </a:p>
+          <a:p>
+            <a:pPr marL="0" indent="0">
+              <a:buNone/>
+            </a:pPr>
+            <a:r>
+              <a:rPr lang="en-US" dirty="0">
+                <a:latin typeface="Consolas" panose="020B0609020204030204" pitchFamily="49" charset="0"/>
+                <a:cs typeface="Consolas" panose="020B0609020204030204" pitchFamily="49" charset="0"/>
+              </a:rPr>
+              <a:t>|       vcamp120.dll</a:t>
+            </a:r>
+          </a:p>
+          <a:p>
+            <a:pPr marL="0" indent="0">
+              <a:buNone/>
+            </a:pPr>
+            <a:r>
+              <a:rPr lang="en-US" dirty="0" smtClean="0">
+                <a:latin typeface="Consolas" panose="020B0609020204030204" pitchFamily="49" charset="0"/>
+                <a:cs typeface="Consolas" panose="020B0609020204030204" pitchFamily="49" charset="0"/>
+              </a:rPr>
+              <a:t>+---</a:t>
+            </a:r>
+            <a:r>
+              <a:rPr lang="en-US" dirty="0">
+                <a:latin typeface="Consolas" panose="020B0609020204030204" pitchFamily="49" charset="0"/>
+                <a:cs typeface="Consolas" panose="020B0609020204030204" pitchFamily="49" charset="0"/>
+              </a:rPr>
+              <a:t>Microsoft.VC120.MFC</a:t>
+            </a:r>
+          </a:p>
+          <a:p>
+            <a:pPr marL="0" indent="0">
+              <a:buNone/>
+            </a:pPr>
+            <a:r>
+              <a:rPr lang="en-US" dirty="0">
+                <a:latin typeface="Consolas" panose="020B0609020204030204" pitchFamily="49" charset="0"/>
+                <a:cs typeface="Consolas" panose="020B0609020204030204" pitchFamily="49" charset="0"/>
+              </a:rPr>
+              <a:t>|       mfc120u.dll</a:t>
+            </a:r>
+          </a:p>
+          <a:p>
+            <a:pPr marL="0" indent="0">
+              <a:buNone/>
+            </a:pPr>
+            <a:r>
+              <a:rPr lang="en-US" dirty="0">
+                <a:latin typeface="Consolas" panose="020B0609020204030204" pitchFamily="49" charset="0"/>
+                <a:cs typeface="Consolas" panose="020B0609020204030204" pitchFamily="49" charset="0"/>
+              </a:rPr>
+              <a:t>|       mfcm120u.dll</a:t>
+            </a:r>
+          </a:p>
+          <a:p>
+            <a:pPr marL="0" indent="0">
+              <a:buNone/>
+            </a:pPr>
+            <a:r>
+              <a:rPr lang="en-US" dirty="0" smtClean="0">
+                <a:latin typeface="Consolas" panose="020B0609020204030204" pitchFamily="49" charset="0"/>
+                <a:cs typeface="Consolas" panose="020B0609020204030204" pitchFamily="49" charset="0"/>
+              </a:rPr>
+              <a:t>+---</a:t>
+            </a:r>
+            <a:r>
+              <a:rPr lang="en-US" dirty="0">
+                <a:latin typeface="Consolas" panose="020B0609020204030204" pitchFamily="49" charset="0"/>
+                <a:cs typeface="Consolas" panose="020B0609020204030204" pitchFamily="49" charset="0"/>
+              </a:rPr>
+              <a:t>Microsoft.VC120.MFCLOC</a:t>
+            </a:r>
+          </a:p>
+          <a:p>
+            <a:pPr marL="0" indent="0">
+              <a:buNone/>
+            </a:pPr>
+            <a:r>
+              <a:rPr lang="en-US" dirty="0">
+                <a:latin typeface="Consolas" panose="020B0609020204030204" pitchFamily="49" charset="0"/>
+                <a:cs typeface="Consolas" panose="020B0609020204030204" pitchFamily="49" charset="0"/>
+              </a:rPr>
+              <a:t>|       </a:t>
+            </a:r>
+            <a:r>
+              <a:rPr lang="en-US" dirty="0" smtClean="0">
+                <a:latin typeface="Consolas" panose="020B0609020204030204" pitchFamily="49" charset="0"/>
+                <a:cs typeface="Consolas" panose="020B0609020204030204" pitchFamily="49" charset="0"/>
+              </a:rPr>
+              <a:t>//</a:t>
+            </a:r>
+            <a:r>
+              <a:rPr lang="en-US" dirty="0" err="1" smtClean="0">
+                <a:latin typeface="Consolas" panose="020B0609020204030204" pitchFamily="49" charset="0"/>
+                <a:cs typeface="Consolas" panose="020B0609020204030204" pitchFamily="49" charset="0"/>
+              </a:rPr>
+              <a:t>mfc</a:t>
+            </a:r>
+            <a:r>
+              <a:rPr lang="en-US" dirty="0" smtClean="0">
+                <a:latin typeface="Consolas" panose="020B0609020204030204" pitchFamily="49" charset="0"/>
+                <a:cs typeface="Consolas" panose="020B0609020204030204" pitchFamily="49" charset="0"/>
+              </a:rPr>
+              <a:t> localized stuff</a:t>
+            </a:r>
+            <a:endParaRPr lang="en-US" dirty="0">
+              <a:latin typeface="Consolas" panose="020B0609020204030204" pitchFamily="49" charset="0"/>
+              <a:cs typeface="Consolas" panose="020B0609020204030204" pitchFamily="49" charset="0"/>
+            </a:endParaRPr>
+          </a:p>
+          <a:p>
+            <a:pPr marL="0" indent="0">
+              <a:buNone/>
+            </a:pPr>
+            <a:r>
+              <a:rPr lang="en-US" dirty="0" smtClean="0">
+                <a:latin typeface="Consolas" panose="020B0609020204030204" pitchFamily="49" charset="0"/>
+                <a:cs typeface="Consolas" panose="020B0609020204030204" pitchFamily="49" charset="0"/>
+              </a:rPr>
+              <a:t>\---</a:t>
+            </a:r>
+            <a:r>
+              <a:rPr lang="en-US" dirty="0">
+                <a:latin typeface="Consolas" panose="020B0609020204030204" pitchFamily="49" charset="0"/>
+                <a:cs typeface="Consolas" panose="020B0609020204030204" pitchFamily="49" charset="0"/>
+              </a:rPr>
+              <a:t>Microsoft.VC120.OpenMP</a:t>
+            </a:r>
+          </a:p>
+          <a:p>
+            <a:pPr marL="0" indent="0">
+              <a:buNone/>
+            </a:pPr>
+            <a:r>
+              <a:rPr lang="en-US" dirty="0">
+                <a:latin typeface="Consolas" panose="020B0609020204030204" pitchFamily="49" charset="0"/>
+                <a:cs typeface="Consolas" panose="020B0609020204030204" pitchFamily="49" charset="0"/>
+              </a:rPr>
+              <a:t>        vcomp120.dll</a:t>
+            </a:r>
+          </a:p>
+          <a:p>
+            <a:pPr marL="0" indent="0">
+              <a:buNone/>
+            </a:pPr>
+            <a:endParaRPr lang="en-US" dirty="0"/>
+          </a:p>
+        </p:txBody>
+      </p:sp>
+    </p:spTree>
+    <p:extLst>
+      <p:ext uri="{BB962C8B-B14F-4D97-AF65-F5344CB8AC3E}">
+        <p14:creationId xmlns:p14="http://schemas.microsoft.com/office/powerpoint/2010/main" val="2368571093"/>
       </p:ext>
     </p:extLst>
   </p:cSld>

--- a/doc/Fun_with_C++11.pptx
+++ b/doc/Fun_with_C++11.pptx
@@ -3138,7 +3138,11 @@
           <a:bodyPr/>
           <a:lstStyle/>
           <a:p>
-            <a:endParaRPr lang="en-US" dirty="0"/>
+            <a:r>
+              <a:rPr lang="en-US" i="1" dirty="0" smtClean="0"/>
+              <a:t>Define ‘fun’. Your mileage may vary.</a:t>
+            </a:r>
+            <a:endParaRPr lang="en-US" i="1" dirty="0"/>
           </a:p>
         </p:txBody>
       </p:sp>
@@ -3449,10 +3453,15 @@
             <p:ph idx="1"/>
           </p:nvPr>
         </p:nvSpPr>
-        <p:spPr/>
+        <p:spPr>
+          <a:xfrm>
+            <a:off x="457200" y="1295400"/>
+            <a:ext cx="8229600" cy="4830763"/>
+          </a:xfrm>
+        </p:spPr>
         <p:txBody>
           <a:bodyPr>
-            <a:normAutofit fontScale="92500" lnSpcReduction="20000"/>
+            <a:normAutofit fontScale="85000" lnSpcReduction="20000"/>
           </a:bodyPr>
           <a:lstStyle/>
           <a:p>
@@ -3464,8 +3473,13 @@
           <a:p>
             <a:r>
               <a:rPr lang="en-US" dirty="0" smtClean="0"/>
-              <a:t>Packages / module</a:t>
-            </a:r>
+              <a:t>Packages / </a:t>
+            </a:r>
+            <a:r>
+              <a:rPr lang="en-US" dirty="0" smtClean="0"/>
+              <a:t>modules</a:t>
+            </a:r>
+            <a:endParaRPr lang="en-US" dirty="0" smtClean="0"/>
           </a:p>
           <a:p>
             <a:pPr lvl="1"/>
@@ -3487,12 +3501,16 @@
               </a:rPr>
               <a:t>JPM4j</a:t>
             </a:r>
-            <a:endParaRPr lang="en-US" dirty="0" smtClean="0"/>
+            <a:endParaRPr lang="en-US" dirty="0"/>
           </a:p>
           <a:p>
             <a:r>
               <a:rPr lang="en-US" dirty="0" smtClean="0"/>
-              <a:t>Garbage collection (as C#, Java, Python, …)</a:t>
+              <a:t>Garbage </a:t>
+            </a:r>
+            <a:r>
+              <a:rPr lang="en-US" dirty="0" smtClean="0"/>
+              <a:t>collection (as C#, Java, Python, …)</a:t>
             </a:r>
           </a:p>
           <a:p>
@@ -3508,6 +3526,36 @@
             </a:r>
           </a:p>
           <a:p>
+            <a:pPr lvl="1"/>
+            <a:r>
+              <a:rPr lang="en-US" dirty="0" smtClean="0"/>
+              <a:t>see </a:t>
+            </a:r>
+            <a:r>
+              <a:rPr lang="en-US" dirty="0" smtClean="0">
+                <a:hlinkClick r:id="rId3"/>
+              </a:rPr>
+              <a:t>google </a:t>
+            </a:r>
+            <a:r>
+              <a:rPr lang="en-US" dirty="0" err="1" smtClean="0">
+                <a:hlinkClick r:id="rId3"/>
+              </a:rPr>
+              <a:t>FlatBuffers</a:t>
+            </a:r>
+            <a:r>
+              <a:rPr lang="en-US" dirty="0" smtClean="0">
+                <a:hlinkClick r:id="rId3"/>
+              </a:rPr>
+              <a:t> </a:t>
+            </a:r>
+            <a:r>
+              <a:rPr lang="en-US" dirty="0" smtClean="0"/>
+              <a:t>– good, modern C++</a:t>
+            </a:r>
+            <a:endParaRPr lang="en-US" dirty="0" smtClean="0"/>
+          </a:p>
+          <a:p>
             <a:r>
               <a:rPr lang="en-US" dirty="0" smtClean="0"/>
               <a:t>Run-time introspection (C#, Java, Python, …)</a:t>
@@ -3516,21 +3564,21 @@
           <a:p>
             <a:r>
               <a:rPr lang="en-US" dirty="0" smtClean="0"/>
-              <a:t>Interfaces: Need </a:t>
-            </a:r>
-            <a:r>
-              <a:rPr lang="en-US" smtClean="0"/>
-              <a:t>(ugly) </a:t>
+              <a:t>Interfaces: </a:t>
             </a:r>
             <a:r>
               <a:rPr lang="en-US" dirty="0" smtClean="0"/>
-              <a:t>abstract classes</a:t>
-            </a:r>
-          </a:p>
-          <a:p>
+              <a:t>Need [ugly] abstract </a:t>
+            </a:r>
             <a:r>
               <a:rPr lang="en-US" dirty="0" smtClean="0"/>
-              <a:t>Console / command-line parser</a:t>
+              <a:t>classes</a:t>
+            </a:r>
+          </a:p>
+          <a:p>
+            <a:r>
+              <a:rPr lang="en-US" smtClean="0"/>
+              <a:t>command-line parsing</a:t>
             </a:r>
             <a:endParaRPr lang="en-US" dirty="0"/>
           </a:p>

--- a/doc/Fun_with_C++11.pptx
+++ b/doc/Fun_with_C++11.pptx
@@ -11,6 +11,8 @@
     <p:sldId id="257" r:id="rId5"/>
     <p:sldId id="259" r:id="rId6"/>
     <p:sldId id="261" r:id="rId7"/>
+    <p:sldId id="262" r:id="rId8"/>
+    <p:sldId id="263" r:id="rId9"/>
   </p:sldIdLst>
   <p:sldSz cx="9144000" cy="6858000" type="screen4x3"/>
   <p:notesSz cx="6858000" cy="9144000"/>
@@ -3473,13 +3475,8 @@
           <a:p>
             <a:r>
               <a:rPr lang="en-US" dirty="0" smtClean="0"/>
-              <a:t>Packages / </a:t>
-            </a:r>
-            <a:r>
-              <a:rPr lang="en-US" dirty="0" smtClean="0"/>
-              <a:t>modules</a:t>
-            </a:r>
-            <a:endParaRPr lang="en-US" dirty="0" smtClean="0"/>
+              <a:t>Packages / modules</a:t>
+            </a:r>
           </a:p>
           <a:p>
             <a:pPr lvl="1"/>
@@ -3506,11 +3503,7 @@
           <a:p>
             <a:r>
               <a:rPr lang="en-US" dirty="0" smtClean="0"/>
-              <a:t>Garbage </a:t>
-            </a:r>
-            <a:r>
-              <a:rPr lang="en-US" dirty="0" smtClean="0"/>
-              <a:t>collection (as C#, Java, Python, …)</a:t>
+              <a:t>Garbage collection (as C#, Java, Python, …)</a:t>
             </a:r>
           </a:p>
           <a:p>
@@ -3553,7 +3546,6 @@
               <a:rPr lang="en-US" dirty="0" smtClean="0"/>
               <a:t>– good, modern C++</a:t>
             </a:r>
-            <a:endParaRPr lang="en-US" dirty="0" smtClean="0"/>
           </a:p>
           <a:p>
             <a:r>
@@ -3564,20 +3556,12 @@
           <a:p>
             <a:r>
               <a:rPr lang="en-US" dirty="0" smtClean="0"/>
-              <a:t>Interfaces: </a:t>
-            </a:r>
+              <a:t>Interfaces: Need [ugly] abstract classes</a:t>
+            </a:r>
+          </a:p>
+          <a:p>
             <a:r>
               <a:rPr lang="en-US" dirty="0" smtClean="0"/>
-              <a:t>Need [ugly] abstract </a:t>
-            </a:r>
-            <a:r>
-              <a:rPr lang="en-US" dirty="0" smtClean="0"/>
-              <a:t>classes</a:t>
-            </a:r>
-          </a:p>
-          <a:p>
-            <a:r>
-              <a:rPr lang="en-US" smtClean="0"/>
               <a:t>command-line parsing</a:t>
             </a:r>
             <a:endParaRPr lang="en-US" dirty="0"/>
@@ -4064,6 +4048,527 @@
     <p:extLst>
       <p:ext uri="{BB962C8B-B14F-4D97-AF65-F5344CB8AC3E}">
         <p14:creationId xmlns:p14="http://schemas.microsoft.com/office/powerpoint/2010/main" val="2368571093"/>
+      </p:ext>
+    </p:extLst>
+  </p:cSld>
+  <p:clrMapOvr>
+    <a:masterClrMapping/>
+  </p:clrMapOvr>
+</p:sld>
+</file>
+
+<file path=ppt/slides/slide7.xml><?xml version="1.0" encoding="utf-8"?>
+<p:sld xmlns:a="http://schemas.openxmlformats.org/drawingml/2006/main" xmlns:r="http://schemas.openxmlformats.org/officeDocument/2006/relationships" xmlns:p="http://schemas.openxmlformats.org/presentationml/2006/main">
+  <p:cSld>
+    <p:spTree>
+      <p:nvGrpSpPr>
+        <p:cNvPr id="1" name=""/>
+        <p:cNvGrpSpPr/>
+        <p:nvPr/>
+      </p:nvGrpSpPr>
+      <p:grpSpPr>
+        <a:xfrm>
+          <a:off x="0" y="0"/>
+          <a:ext cx="0" cy="0"/>
+          <a:chOff x="0" y="0"/>
+          <a:chExt cx="0" cy="0"/>
+        </a:xfrm>
+      </p:grpSpPr>
+      <p:sp>
+        <p:nvSpPr>
+          <p:cNvPr id="2" name="Title 1"/>
+          <p:cNvSpPr>
+            <a:spLocks noGrp="1"/>
+          </p:cNvSpPr>
+          <p:nvPr>
+            <p:ph type="title"/>
+          </p:nvPr>
+        </p:nvSpPr>
+        <p:spPr/>
+        <p:txBody>
+          <a:bodyPr/>
+          <a:lstStyle/>
+          <a:p>
+            <a:r>
+              <a:rPr lang="en-US" dirty="0" smtClean="0"/>
+              <a:t>Which C++ compiler?</a:t>
+            </a:r>
+            <a:endParaRPr lang="en-US" dirty="0"/>
+          </a:p>
+        </p:txBody>
+      </p:sp>
+      <p:sp>
+        <p:nvSpPr>
+          <p:cNvPr id="3" name="Content Placeholder 2"/>
+          <p:cNvSpPr>
+            <a:spLocks noGrp="1"/>
+          </p:cNvSpPr>
+          <p:nvPr>
+            <p:ph idx="1"/>
+          </p:nvPr>
+        </p:nvSpPr>
+        <p:spPr/>
+        <p:txBody>
+          <a:bodyPr>
+            <a:normAutofit/>
+          </a:bodyPr>
+          <a:lstStyle/>
+          <a:p>
+            <a:r>
+              <a:rPr lang="en-US" dirty="0" err="1"/>
+              <a:t>WinDDK</a:t>
+            </a:r>
+            <a:r>
+              <a:rPr lang="en-US" dirty="0"/>
+              <a:t>\7600.16385.1</a:t>
+            </a:r>
+            <a:r>
+              <a:rPr lang="en-US" dirty="0" smtClean="0"/>
+              <a:t> CL.EXE</a:t>
+            </a:r>
+          </a:p>
+          <a:p>
+            <a:pPr lvl="1"/>
+            <a:r>
+              <a:rPr lang="en-US" sz="1800" dirty="0" smtClean="0">
+                <a:latin typeface="Consolas" panose="020B0609020204030204" pitchFamily="49" charset="0"/>
+                <a:cs typeface="Consolas" panose="020B0609020204030204" pitchFamily="49" charset="0"/>
+              </a:rPr>
+              <a:t>Microsoft </a:t>
+            </a:r>
+            <a:r>
+              <a:rPr lang="en-US" sz="1800" dirty="0">
+                <a:latin typeface="Consolas" panose="020B0609020204030204" pitchFamily="49" charset="0"/>
+                <a:cs typeface="Consolas" panose="020B0609020204030204" pitchFamily="49" charset="0"/>
+              </a:rPr>
+              <a:t>(R) 32-bit C/C++ Optimizing Compiler Version </a:t>
+            </a:r>
+            <a:r>
+              <a:rPr lang="en-US" sz="1800" b="1" dirty="0">
+                <a:latin typeface="Consolas" panose="020B0609020204030204" pitchFamily="49" charset="0"/>
+                <a:cs typeface="Consolas" panose="020B0609020204030204" pitchFamily="49" charset="0"/>
+              </a:rPr>
+              <a:t>15.00.21022.72 </a:t>
+            </a:r>
+            <a:r>
+              <a:rPr lang="en-US" sz="1800" dirty="0">
+                <a:latin typeface="Consolas" panose="020B0609020204030204" pitchFamily="49" charset="0"/>
+                <a:cs typeface="Consolas" panose="020B0609020204030204" pitchFamily="49" charset="0"/>
+              </a:rPr>
+              <a:t>for 80x86</a:t>
+            </a:r>
+          </a:p>
+          <a:p>
+            <a:pPr lvl="1"/>
+            <a:r>
+              <a:rPr lang="en-US" sz="1800" dirty="0">
+                <a:latin typeface="Consolas" panose="020B0609020204030204" pitchFamily="49" charset="0"/>
+                <a:cs typeface="Consolas" panose="020B0609020204030204" pitchFamily="49" charset="0"/>
+              </a:rPr>
+              <a:t>Microsoft (R) 32-bit C/C++ Optimizing Compiler Version 15.00.30729.207 for 80x86</a:t>
+            </a:r>
+          </a:p>
+          <a:p>
+            <a:pPr lvl="1"/>
+            <a:r>
+              <a:rPr lang="en-US" sz="1800" dirty="0">
+                <a:latin typeface="Consolas" panose="020B0609020204030204" pitchFamily="49" charset="0"/>
+                <a:cs typeface="Consolas" panose="020B0609020204030204" pitchFamily="49" charset="0"/>
+              </a:rPr>
+              <a:t>Microsoft (R) C/C++ Optimizing Compiler Version 15.00.21022.72 for x64</a:t>
+            </a:r>
+          </a:p>
+          <a:p>
+            <a:pPr lvl="1"/>
+            <a:r>
+              <a:rPr lang="en-US" sz="1800" dirty="0">
+                <a:latin typeface="Consolas" panose="020B0609020204030204" pitchFamily="49" charset="0"/>
+                <a:cs typeface="Consolas" panose="020B0609020204030204" pitchFamily="49" charset="0"/>
+              </a:rPr>
+              <a:t>Microsoft (R) C/C++ Optimizing Compiler Version 15.00.30729.207 for Itanium</a:t>
+            </a:r>
+          </a:p>
+          <a:p>
+            <a:pPr lvl="1"/>
+            <a:r>
+              <a:rPr lang="en-US" sz="1800" dirty="0">
+                <a:latin typeface="Consolas" panose="020B0609020204030204" pitchFamily="49" charset="0"/>
+                <a:cs typeface="Consolas" panose="020B0609020204030204" pitchFamily="49" charset="0"/>
+              </a:rPr>
+              <a:t>Microsoft (R) C/C++ Optimizing Compiler Version 15.00.30729.207 for x64</a:t>
+            </a:r>
+          </a:p>
+        </p:txBody>
+      </p:sp>
+    </p:spTree>
+    <p:extLst>
+      <p:ext uri="{BB962C8B-B14F-4D97-AF65-F5344CB8AC3E}">
+        <p14:creationId xmlns:p14="http://schemas.microsoft.com/office/powerpoint/2010/main" val="2118868596"/>
+      </p:ext>
+    </p:extLst>
+  </p:cSld>
+  <p:clrMapOvr>
+    <a:masterClrMapping/>
+  </p:clrMapOvr>
+</p:sld>
+</file>
+
+<file path=ppt/slides/slide8.xml><?xml version="1.0" encoding="utf-8"?>
+<p:sld xmlns:a="http://schemas.openxmlformats.org/drawingml/2006/main" xmlns:r="http://schemas.openxmlformats.org/officeDocument/2006/relationships" xmlns:p="http://schemas.openxmlformats.org/presentationml/2006/main">
+  <p:cSld>
+    <p:spTree>
+      <p:nvGrpSpPr>
+        <p:cNvPr id="1" name=""/>
+        <p:cNvGrpSpPr/>
+        <p:nvPr/>
+      </p:nvGrpSpPr>
+      <p:grpSpPr>
+        <a:xfrm>
+          <a:off x="0" y="0"/>
+          <a:ext cx="0" cy="0"/>
+          <a:chOff x="0" y="0"/>
+          <a:chExt cx="0" cy="0"/>
+        </a:xfrm>
+      </p:grpSpPr>
+      <p:sp>
+        <p:nvSpPr>
+          <p:cNvPr id="2" name="Title 1"/>
+          <p:cNvSpPr>
+            <a:spLocks noGrp="1"/>
+          </p:cNvSpPr>
+          <p:nvPr>
+            <p:ph type="title"/>
+          </p:nvPr>
+        </p:nvSpPr>
+        <p:spPr/>
+        <p:txBody>
+          <a:bodyPr/>
+          <a:lstStyle/>
+          <a:p>
+            <a:r>
+              <a:rPr lang="en-US" smtClean="0"/>
+              <a:t>Which C++ compiler?</a:t>
+            </a:r>
+            <a:endParaRPr lang="en-US" dirty="0"/>
+          </a:p>
+        </p:txBody>
+      </p:sp>
+      <p:sp>
+        <p:nvSpPr>
+          <p:cNvPr id="3" name="Content Placeholder 2"/>
+          <p:cNvSpPr>
+            <a:spLocks noGrp="1"/>
+          </p:cNvSpPr>
+          <p:nvPr>
+            <p:ph idx="1"/>
+          </p:nvPr>
+        </p:nvSpPr>
+        <p:spPr/>
+        <p:txBody>
+          <a:bodyPr>
+            <a:normAutofit/>
+          </a:bodyPr>
+          <a:lstStyle/>
+          <a:p>
+            <a:pPr marL="0" indent="0">
+              <a:buNone/>
+            </a:pPr>
+            <a:r>
+              <a:rPr lang="en-US" sz="2600" dirty="0" smtClean="0">
+                <a:cs typeface="Consolas" panose="020B0609020204030204" pitchFamily="49" charset="0"/>
+              </a:rPr>
+              <a:t>Set </a:t>
+            </a:r>
+            <a:r>
+              <a:rPr lang="en-US" sz="2600" dirty="0">
+                <a:cs typeface="Consolas" panose="020B0609020204030204" pitchFamily="49" charset="0"/>
+              </a:rPr>
+              <a:t>the environment; run </a:t>
+            </a:r>
+            <a:r>
+              <a:rPr lang="en-US" sz="2600" dirty="0" smtClean="0">
+                <a:cs typeface="Consolas" panose="020B0609020204030204" pitchFamily="49" charset="0"/>
+              </a:rPr>
+              <a:t>CL.EXE</a:t>
+            </a:r>
+          </a:p>
+          <a:p>
+            <a:r>
+              <a:rPr lang="en-US" sz="2600" dirty="0" smtClean="0">
+                <a:cs typeface="Consolas" panose="020B0609020204030204" pitchFamily="49" charset="0"/>
+              </a:rPr>
+              <a:t>Visual Studio help/about: fail</a:t>
+            </a:r>
+          </a:p>
+          <a:p>
+            <a:r>
+              <a:rPr lang="en-US" sz="2600" dirty="0" smtClean="0">
+                <a:cs typeface="Consolas" panose="020B0609020204030204" pitchFamily="49" charset="0"/>
+              </a:rPr>
+              <a:t>Look for “C++” </a:t>
+            </a:r>
+            <a:r>
+              <a:rPr lang="en-US" sz="2600" dirty="0" smtClean="0">
+                <a:cs typeface="Consolas" panose="020B0609020204030204" pitchFamily="49" charset="0"/>
+                <a:hlinkClick r:id="rId2"/>
+              </a:rPr>
+              <a:t>here</a:t>
+            </a:r>
+            <a:r>
+              <a:rPr lang="en-US" sz="2600" dirty="0" smtClean="0">
+                <a:cs typeface="Consolas" panose="020B0609020204030204" pitchFamily="49" charset="0"/>
+              </a:rPr>
+              <a:t> for full list</a:t>
+            </a:r>
+            <a:endParaRPr lang="en-US" sz="2600" dirty="0">
+              <a:cs typeface="Consolas" panose="020B0609020204030204" pitchFamily="49" charset="0"/>
+            </a:endParaRPr>
+          </a:p>
+          <a:p>
+            <a:pPr marL="0" indent="0">
+              <a:buNone/>
+            </a:pPr>
+            <a:endParaRPr lang="en-US" sz="1800" dirty="0">
+              <a:latin typeface="Consolas" panose="020B0609020204030204" pitchFamily="49" charset="0"/>
+              <a:cs typeface="Consolas" panose="020B0609020204030204" pitchFamily="49" charset="0"/>
+            </a:endParaRPr>
+          </a:p>
+          <a:p>
+            <a:pPr marL="0" indent="0">
+              <a:buNone/>
+            </a:pPr>
+            <a:r>
+              <a:rPr lang="en-US" sz="1800" b="1" dirty="0" smtClean="0">
+                <a:latin typeface="Consolas" panose="020B0609020204030204" pitchFamily="49" charset="0"/>
+                <a:cs typeface="Consolas" panose="020B0609020204030204" pitchFamily="49" charset="0"/>
+              </a:rPr>
+              <a:t>vs2013</a:t>
+            </a:r>
+            <a:r>
+              <a:rPr lang="en-US" sz="1800" dirty="0" smtClean="0">
+                <a:latin typeface="Consolas" panose="020B0609020204030204" pitchFamily="49" charset="0"/>
+                <a:cs typeface="Consolas" panose="020B0609020204030204" pitchFamily="49" charset="0"/>
+              </a:rPr>
+              <a:t>env: Microsoft </a:t>
+            </a:r>
+            <a:r>
+              <a:rPr lang="en-US" sz="1800" dirty="0">
+                <a:latin typeface="Consolas" panose="020B0609020204030204" pitchFamily="49" charset="0"/>
+                <a:cs typeface="Consolas" panose="020B0609020204030204" pitchFamily="49" charset="0"/>
+              </a:rPr>
+              <a:t>(R) C/C++ Optimizing Compiler Version </a:t>
+            </a:r>
+            <a:r>
+              <a:rPr lang="en-US" sz="1800" b="1" dirty="0">
+                <a:latin typeface="Consolas" panose="020B0609020204030204" pitchFamily="49" charset="0"/>
+                <a:cs typeface="Consolas" panose="020B0609020204030204" pitchFamily="49" charset="0"/>
+              </a:rPr>
+              <a:t>18.00.31010</a:t>
+            </a:r>
+            <a:r>
+              <a:rPr lang="en-US" sz="1800" dirty="0">
+                <a:latin typeface="Consolas" panose="020B0609020204030204" pitchFamily="49" charset="0"/>
+                <a:cs typeface="Consolas" panose="020B0609020204030204" pitchFamily="49" charset="0"/>
+              </a:rPr>
+              <a:t> for </a:t>
+            </a:r>
+            <a:r>
+              <a:rPr lang="en-US" sz="1800" dirty="0" smtClean="0">
+                <a:latin typeface="Consolas" panose="020B0609020204030204" pitchFamily="49" charset="0"/>
+                <a:cs typeface="Consolas" panose="020B0609020204030204" pitchFamily="49" charset="0"/>
+              </a:rPr>
+              <a:t>x86</a:t>
+            </a:r>
+            <a:endParaRPr lang="en-US" sz="1800" dirty="0">
+              <a:latin typeface="Consolas" panose="020B0609020204030204" pitchFamily="49" charset="0"/>
+              <a:cs typeface="Consolas" panose="020B0609020204030204" pitchFamily="49" charset="0"/>
+            </a:endParaRPr>
+          </a:p>
+          <a:p>
+            <a:pPr marL="0" indent="0">
+              <a:buNone/>
+            </a:pPr>
+            <a:r>
+              <a:rPr lang="en-US" sz="1800" b="1" dirty="0" smtClean="0">
+                <a:latin typeface="Consolas" panose="020B0609020204030204" pitchFamily="49" charset="0"/>
+                <a:cs typeface="Consolas" panose="020B0609020204030204" pitchFamily="49" charset="0"/>
+              </a:rPr>
+              <a:t>vs2012</a:t>
+            </a:r>
+            <a:r>
+              <a:rPr lang="en-US" sz="1800" dirty="0" smtClean="0">
+                <a:latin typeface="Consolas" panose="020B0609020204030204" pitchFamily="49" charset="0"/>
+                <a:cs typeface="Consolas" panose="020B0609020204030204" pitchFamily="49" charset="0"/>
+              </a:rPr>
+              <a:t>env: Microsoft </a:t>
+            </a:r>
+            <a:r>
+              <a:rPr lang="en-US" sz="1800" dirty="0">
+                <a:latin typeface="Consolas" panose="020B0609020204030204" pitchFamily="49" charset="0"/>
+                <a:cs typeface="Consolas" panose="020B0609020204030204" pitchFamily="49" charset="0"/>
+              </a:rPr>
+              <a:t>(R) C/C++ Optimizing Compiler Version </a:t>
+            </a:r>
+            <a:r>
+              <a:rPr lang="en-US" sz="1800" b="1" dirty="0">
+                <a:latin typeface="Consolas" panose="020B0609020204030204" pitchFamily="49" charset="0"/>
+                <a:cs typeface="Consolas" panose="020B0609020204030204" pitchFamily="49" charset="0"/>
+              </a:rPr>
+              <a:t>17.00.61030</a:t>
+            </a:r>
+            <a:r>
+              <a:rPr lang="en-US" sz="1800" dirty="0">
+                <a:latin typeface="Consolas" panose="020B0609020204030204" pitchFamily="49" charset="0"/>
+                <a:cs typeface="Consolas" panose="020B0609020204030204" pitchFamily="49" charset="0"/>
+              </a:rPr>
+              <a:t> for </a:t>
+            </a:r>
+            <a:r>
+              <a:rPr lang="en-US" sz="1800" dirty="0" smtClean="0">
+                <a:latin typeface="Consolas" panose="020B0609020204030204" pitchFamily="49" charset="0"/>
+                <a:cs typeface="Consolas" panose="020B0609020204030204" pitchFamily="49" charset="0"/>
+              </a:rPr>
+              <a:t>x86</a:t>
+            </a:r>
+            <a:endParaRPr lang="en-US" sz="1800" dirty="0">
+              <a:latin typeface="Consolas" panose="020B0609020204030204" pitchFamily="49" charset="0"/>
+              <a:cs typeface="Consolas" panose="020B0609020204030204" pitchFamily="49" charset="0"/>
+            </a:endParaRPr>
+          </a:p>
+          <a:p>
+            <a:pPr marL="0" indent="0">
+              <a:buNone/>
+            </a:pPr>
+            <a:r>
+              <a:rPr lang="en-US" sz="1800" dirty="0" smtClean="0">
+                <a:latin typeface="Consolas" panose="020B0609020204030204" pitchFamily="49" charset="0"/>
+                <a:cs typeface="Consolas" panose="020B0609020204030204" pitchFamily="49" charset="0"/>
+              </a:rPr>
+              <a:t>vs</a:t>
+            </a:r>
+            <a:r>
+              <a:rPr lang="en-US" sz="1800" b="1" dirty="0" smtClean="0">
+                <a:latin typeface="Consolas" panose="020B0609020204030204" pitchFamily="49" charset="0"/>
+                <a:cs typeface="Consolas" panose="020B0609020204030204" pitchFamily="49" charset="0"/>
+              </a:rPr>
+              <a:t>2010</a:t>
+            </a:r>
+            <a:r>
+              <a:rPr lang="en-US" sz="1800" dirty="0" smtClean="0">
+                <a:latin typeface="Consolas" panose="020B0609020204030204" pitchFamily="49" charset="0"/>
+                <a:cs typeface="Consolas" panose="020B0609020204030204" pitchFamily="49" charset="0"/>
+              </a:rPr>
+              <a:t>env: Microsoft </a:t>
+            </a:r>
+            <a:r>
+              <a:rPr lang="en-US" sz="1800" dirty="0">
+                <a:latin typeface="Consolas" panose="020B0609020204030204" pitchFamily="49" charset="0"/>
+                <a:cs typeface="Consolas" panose="020B0609020204030204" pitchFamily="49" charset="0"/>
+              </a:rPr>
+              <a:t>(R) 32-bit C/C++ Optimizing Compiler Version </a:t>
+            </a:r>
+            <a:r>
+              <a:rPr lang="en-US" sz="1800" b="1" dirty="0">
+                <a:latin typeface="Consolas" panose="020B0609020204030204" pitchFamily="49" charset="0"/>
+                <a:cs typeface="Consolas" panose="020B0609020204030204" pitchFamily="49" charset="0"/>
+              </a:rPr>
+              <a:t>16.00.40219.01</a:t>
+            </a:r>
+            <a:r>
+              <a:rPr lang="en-US" sz="1800" dirty="0">
+                <a:latin typeface="Consolas" panose="020B0609020204030204" pitchFamily="49" charset="0"/>
+                <a:cs typeface="Consolas" panose="020B0609020204030204" pitchFamily="49" charset="0"/>
+              </a:rPr>
+              <a:t> for </a:t>
+            </a:r>
+            <a:r>
+              <a:rPr lang="en-US" sz="1800" dirty="0" smtClean="0">
+                <a:latin typeface="Consolas" panose="020B0609020204030204" pitchFamily="49" charset="0"/>
+                <a:cs typeface="Consolas" panose="020B0609020204030204" pitchFamily="49" charset="0"/>
+              </a:rPr>
+              <a:t>80x86</a:t>
+            </a:r>
+            <a:endParaRPr lang="en-US" sz="1800" dirty="0">
+              <a:latin typeface="Consolas" panose="020B0609020204030204" pitchFamily="49" charset="0"/>
+              <a:cs typeface="Consolas" panose="020B0609020204030204" pitchFamily="49" charset="0"/>
+            </a:endParaRPr>
+          </a:p>
+          <a:p>
+            <a:pPr marL="0" indent="0">
+              <a:buNone/>
+            </a:pPr>
+            <a:r>
+              <a:rPr lang="en-US" sz="1800" dirty="0" smtClean="0">
+                <a:latin typeface="Consolas" panose="020B0609020204030204" pitchFamily="49" charset="0"/>
+                <a:cs typeface="Consolas" panose="020B0609020204030204" pitchFamily="49" charset="0"/>
+              </a:rPr>
+              <a:t>vs</a:t>
+            </a:r>
+            <a:r>
+              <a:rPr lang="en-US" sz="1800" b="1" dirty="0" smtClean="0">
+                <a:latin typeface="Consolas" panose="020B0609020204030204" pitchFamily="49" charset="0"/>
+                <a:cs typeface="Consolas" panose="020B0609020204030204" pitchFamily="49" charset="0"/>
+              </a:rPr>
+              <a:t>2008</a:t>
+            </a:r>
+            <a:r>
+              <a:rPr lang="en-US" sz="1800" dirty="0" smtClean="0">
+                <a:latin typeface="Consolas" panose="020B0609020204030204" pitchFamily="49" charset="0"/>
+                <a:cs typeface="Consolas" panose="020B0609020204030204" pitchFamily="49" charset="0"/>
+              </a:rPr>
+              <a:t>env: Microsoft </a:t>
+            </a:r>
+            <a:r>
+              <a:rPr lang="en-US" sz="1800" dirty="0">
+                <a:latin typeface="Consolas" panose="020B0609020204030204" pitchFamily="49" charset="0"/>
+                <a:cs typeface="Consolas" panose="020B0609020204030204" pitchFamily="49" charset="0"/>
+              </a:rPr>
+              <a:t>(R) 32-bit C/C++ Optimizing Compiler </a:t>
+            </a:r>
+            <a:r>
+              <a:rPr lang="en-US" sz="1800" dirty="0" smtClean="0">
+                <a:latin typeface="Consolas" panose="020B0609020204030204" pitchFamily="49" charset="0"/>
+                <a:cs typeface="Consolas" panose="020B0609020204030204" pitchFamily="49" charset="0"/>
+              </a:rPr>
+              <a:t>Version </a:t>
+            </a:r>
+            <a:r>
+              <a:rPr lang="en-US" sz="1800" b="1" dirty="0" smtClean="0">
+                <a:latin typeface="Consolas" panose="020B0609020204030204" pitchFamily="49" charset="0"/>
+                <a:cs typeface="Consolas" panose="020B0609020204030204" pitchFamily="49" charset="0"/>
+              </a:rPr>
+              <a:t>15.00.30729.01</a:t>
+            </a:r>
+            <a:r>
+              <a:rPr lang="en-US" sz="1800" dirty="0" smtClean="0">
+                <a:latin typeface="Consolas" panose="020B0609020204030204" pitchFamily="49" charset="0"/>
+                <a:cs typeface="Consolas" panose="020B0609020204030204" pitchFamily="49" charset="0"/>
+              </a:rPr>
+              <a:t> </a:t>
+            </a:r>
+            <a:r>
+              <a:rPr lang="en-US" sz="1800" dirty="0">
+                <a:latin typeface="Consolas" panose="020B0609020204030204" pitchFamily="49" charset="0"/>
+                <a:cs typeface="Consolas" panose="020B0609020204030204" pitchFamily="49" charset="0"/>
+              </a:rPr>
+              <a:t>for 80x86</a:t>
+            </a:r>
+          </a:p>
+          <a:p>
+            <a:pPr marL="0" indent="0">
+              <a:buNone/>
+            </a:pPr>
+            <a:endParaRPr lang="en-US" sz="1800" dirty="0">
+              <a:latin typeface="Consolas" panose="020B0609020204030204" pitchFamily="49" charset="0"/>
+              <a:cs typeface="Consolas" panose="020B0609020204030204" pitchFamily="49" charset="0"/>
+            </a:endParaRPr>
+          </a:p>
+        </p:txBody>
+      </p:sp>
+    </p:spTree>
+    <p:extLst>
+      <p:ext uri="{BB962C8B-B14F-4D97-AF65-F5344CB8AC3E}">
+        <p14:creationId xmlns:p14="http://schemas.microsoft.com/office/powerpoint/2010/main" val="82139143"/>
       </p:ext>
     </p:extLst>
   </p:cSld>

--- a/doc/Fun_with_C++11.pptx
+++ b/doc/Fun_with_C++11.pptx
@@ -4114,89 +4114,181 @@
           </a:bodyPr>
           <a:lstStyle/>
           <a:p>
-            <a:r>
-              <a:rPr lang="en-US" dirty="0" err="1"/>
-              <a:t>WinDDK</a:t>
-            </a:r>
-            <a:r>
-              <a:rPr lang="en-US" dirty="0"/>
-              <a:t>\7600.16385.1</a:t>
-            </a:r>
-            <a:r>
-              <a:rPr lang="en-US" dirty="0" smtClean="0"/>
-              <a:t> CL.EXE</a:t>
+            <a:pPr marL="457200" lvl="1" indent="0">
+              <a:buNone/>
+            </a:pPr>
+            <a:endParaRPr lang="en-US" sz="1800" dirty="0" smtClean="0">
+              <a:latin typeface="Consolas" panose="020B0609020204030204" pitchFamily="49" charset="0"/>
+              <a:cs typeface="Consolas" panose="020B0609020204030204" pitchFamily="49" charset="0"/>
+            </a:endParaRPr>
+          </a:p>
+          <a:p>
+            <a:pPr marL="457200" lvl="1" indent="0">
+              <a:buNone/>
+            </a:pPr>
+            <a:r>
+              <a:rPr lang="en-US" sz="1800" dirty="0" smtClean="0">
+                <a:latin typeface="Consolas" panose="020B0609020204030204" pitchFamily="49" charset="0"/>
+                <a:cs typeface="Consolas" panose="020B0609020204030204" pitchFamily="49" charset="0"/>
+              </a:rPr>
+              <a:t>c</a:t>
+            </a:r>
+            <a:r>
+              <a:rPr lang="en-US" sz="1800" dirty="0">
+                <a:latin typeface="Consolas" panose="020B0609020204030204" pitchFamily="49" charset="0"/>
+                <a:cs typeface="Consolas" panose="020B0609020204030204" pitchFamily="49" charset="0"/>
+              </a:rPr>
+              <a:t>:\apps\WinDDK\7600.16385.1</a:t>
+            </a:r>
+            <a:r>
+              <a:rPr lang="en-US" sz="1800" dirty="0" smtClean="0">
+                <a:latin typeface="Consolas" panose="020B0609020204030204" pitchFamily="49" charset="0"/>
+                <a:cs typeface="Consolas" panose="020B0609020204030204" pitchFamily="49" charset="0"/>
+              </a:rPr>
+              <a:t>&gt; bin\setenv.bat </a:t>
+            </a:r>
+            <a:r>
+              <a:rPr lang="en-US" sz="1800" dirty="0">
+                <a:latin typeface="Consolas" panose="020B0609020204030204" pitchFamily="49" charset="0"/>
+                <a:cs typeface="Consolas" panose="020B0609020204030204" pitchFamily="49" charset="0"/>
+              </a:rPr>
+              <a:t>. WLH</a:t>
+            </a:r>
+          </a:p>
+          <a:p>
+            <a:pPr marL="457200" lvl="1" indent="0">
+              <a:buNone/>
+            </a:pPr>
+            <a:endParaRPr lang="en-US" sz="1800" dirty="0">
+              <a:latin typeface="Consolas" panose="020B0609020204030204" pitchFamily="49" charset="0"/>
+              <a:cs typeface="Consolas" panose="020B0609020204030204" pitchFamily="49" charset="0"/>
+            </a:endParaRPr>
+          </a:p>
+          <a:p>
+            <a:pPr marL="457200" lvl="1" indent="0">
+              <a:buNone/>
+            </a:pPr>
+            <a:r>
+              <a:rPr lang="en-US" sz="1800" dirty="0">
+                <a:latin typeface="Consolas" panose="020B0609020204030204" pitchFamily="49" charset="0"/>
+                <a:cs typeface="Consolas" panose="020B0609020204030204" pitchFamily="49" charset="0"/>
+              </a:rPr>
+              <a:t>c:\apps\WinDDK\7600.16385.1</a:t>
+            </a:r>
+            <a:r>
+              <a:rPr lang="en-US" sz="1800" dirty="0" smtClean="0">
+                <a:latin typeface="Consolas" panose="020B0609020204030204" pitchFamily="49" charset="0"/>
+                <a:cs typeface="Consolas" panose="020B0609020204030204" pitchFamily="49" charset="0"/>
+              </a:rPr>
+              <a:t>&gt; </a:t>
+            </a:r>
+            <a:r>
+              <a:rPr lang="en-US" sz="1800" dirty="0" err="1" smtClean="0">
+                <a:latin typeface="Consolas" panose="020B0609020204030204" pitchFamily="49" charset="0"/>
+                <a:cs typeface="Consolas" panose="020B0609020204030204" pitchFamily="49" charset="0"/>
+              </a:rPr>
+              <a:t>cl.xe</a:t>
+            </a:r>
+            <a:endParaRPr lang="en-US" sz="1800" dirty="0">
+              <a:latin typeface="Consolas" panose="020B0609020204030204" pitchFamily="49" charset="0"/>
+              <a:cs typeface="Consolas" panose="020B0609020204030204" pitchFamily="49" charset="0"/>
+            </a:endParaRPr>
+          </a:p>
+          <a:p>
+            <a:pPr marL="457200" lvl="1" indent="0">
+              <a:buNone/>
+            </a:pPr>
+            <a:endParaRPr lang="en-US" sz="1800" dirty="0">
+              <a:latin typeface="Consolas" panose="020B0609020204030204" pitchFamily="49" charset="0"/>
+              <a:cs typeface="Consolas" panose="020B0609020204030204" pitchFamily="49" charset="0"/>
+            </a:endParaRPr>
+          </a:p>
+          <a:p>
+            <a:pPr marL="457200" lvl="1" indent="0">
+              <a:buNone/>
+            </a:pPr>
+            <a:r>
+              <a:rPr lang="en-US" sz="1800" dirty="0">
+                <a:latin typeface="Consolas" panose="020B0609020204030204" pitchFamily="49" charset="0"/>
+                <a:cs typeface="Consolas" panose="020B0609020204030204" pitchFamily="49" charset="0"/>
+              </a:rPr>
+              <a:t>Microsoft (R) 32-bit C/C++ Optimizing Compiler Version </a:t>
+            </a:r>
+            <a:r>
+              <a:rPr lang="en-US" sz="1800" b="1" dirty="0">
+                <a:latin typeface="Consolas" panose="020B0609020204030204" pitchFamily="49" charset="0"/>
+                <a:cs typeface="Consolas" panose="020B0609020204030204" pitchFamily="49" charset="0"/>
+              </a:rPr>
+              <a:t>15.00.30729.207</a:t>
+            </a:r>
+            <a:r>
+              <a:rPr lang="en-US" sz="1800" dirty="0">
+                <a:latin typeface="Consolas" panose="020B0609020204030204" pitchFamily="49" charset="0"/>
+                <a:cs typeface="Consolas" panose="020B0609020204030204" pitchFamily="49" charset="0"/>
+              </a:rPr>
+              <a:t> for </a:t>
+            </a:r>
+            <a:r>
+              <a:rPr lang="en-US" sz="1800" dirty="0" smtClean="0">
+                <a:latin typeface="Consolas" panose="020B0609020204030204" pitchFamily="49" charset="0"/>
+                <a:cs typeface="Consolas" panose="020B0609020204030204" pitchFamily="49" charset="0"/>
+              </a:rPr>
+              <a:t>80x86</a:t>
+            </a:r>
+          </a:p>
+          <a:p>
+            <a:pPr marL="457200" lvl="1" indent="0">
+              <a:buNone/>
+            </a:pPr>
+            <a:endParaRPr lang="en-US" sz="1800" dirty="0">
+              <a:latin typeface="Consolas" panose="020B0609020204030204" pitchFamily="49" charset="0"/>
+              <a:cs typeface="Consolas" panose="020B0609020204030204" pitchFamily="49" charset="0"/>
+            </a:endParaRPr>
+          </a:p>
+          <a:p>
+            <a:pPr marL="457200" lvl="1" indent="0">
+              <a:buNone/>
+            </a:pPr>
+            <a:r>
+              <a:rPr lang="en-US" sz="1800" dirty="0">
+                <a:latin typeface="Consolas" panose="020B0609020204030204" pitchFamily="49" charset="0"/>
+                <a:cs typeface="Consolas" panose="020B0609020204030204" pitchFamily="49" charset="0"/>
+              </a:rPr>
+              <a:t>Copyright (C) Microsoft Corporation.  All rights reserved.</a:t>
+            </a:r>
+          </a:p>
+          <a:p>
+            <a:pPr marL="457200" lvl="1" indent="0">
+              <a:buNone/>
+            </a:pPr>
+            <a:r>
+              <a:rPr lang="en-US" sz="1800" dirty="0">
+                <a:latin typeface="Consolas" panose="020B0609020204030204" pitchFamily="49" charset="0"/>
+                <a:cs typeface="Consolas" panose="020B0609020204030204" pitchFamily="49" charset="0"/>
+              </a:rPr>
+              <a:t>usage: cl [ option... ] filename... [ /link </a:t>
+            </a:r>
+            <a:r>
+              <a:rPr lang="en-US" sz="1800" dirty="0" err="1">
+                <a:latin typeface="Consolas" panose="020B0609020204030204" pitchFamily="49" charset="0"/>
+                <a:cs typeface="Consolas" panose="020B0609020204030204" pitchFamily="49" charset="0"/>
+              </a:rPr>
+              <a:t>linkoption</a:t>
+            </a:r>
+            <a:r>
+              <a:rPr lang="en-US" sz="1800" dirty="0">
+                <a:latin typeface="Consolas" panose="020B0609020204030204" pitchFamily="49" charset="0"/>
+                <a:cs typeface="Consolas" panose="020B0609020204030204" pitchFamily="49" charset="0"/>
+              </a:rPr>
+              <a:t>... ]</a:t>
             </a:r>
           </a:p>
           <a:p>
             <a:pPr lvl="1"/>
-            <a:r>
-              <a:rPr lang="en-US" sz="1800" dirty="0" smtClean="0">
-                <a:latin typeface="Consolas" panose="020B0609020204030204" pitchFamily="49" charset="0"/>
-                <a:cs typeface="Consolas" panose="020B0609020204030204" pitchFamily="49" charset="0"/>
-              </a:rPr>
-              <a:t>Microsoft </a:t>
-            </a:r>
-            <a:r>
-              <a:rPr lang="en-US" sz="1800" dirty="0">
-                <a:latin typeface="Consolas" panose="020B0609020204030204" pitchFamily="49" charset="0"/>
-                <a:cs typeface="Consolas" panose="020B0609020204030204" pitchFamily="49" charset="0"/>
-              </a:rPr>
-              <a:t>(R) 32-bit C/C++ Optimizing Compiler Version </a:t>
-            </a:r>
-            <a:r>
-              <a:rPr lang="en-US" sz="1800" b="1" dirty="0">
-                <a:latin typeface="Consolas" panose="020B0609020204030204" pitchFamily="49" charset="0"/>
-                <a:cs typeface="Consolas" panose="020B0609020204030204" pitchFamily="49" charset="0"/>
-              </a:rPr>
-              <a:t>15.00.21022.72 </a:t>
-            </a:r>
-            <a:r>
-              <a:rPr lang="en-US" sz="1800" dirty="0">
-                <a:latin typeface="Consolas" panose="020B0609020204030204" pitchFamily="49" charset="0"/>
-                <a:cs typeface="Consolas" panose="020B0609020204030204" pitchFamily="49" charset="0"/>
-              </a:rPr>
-              <a:t>for 80x86</a:t>
-            </a:r>
-          </a:p>
-          <a:p>
-            <a:pPr lvl="1"/>
-            <a:r>
-              <a:rPr lang="en-US" sz="1800" dirty="0">
-                <a:latin typeface="Consolas" panose="020B0609020204030204" pitchFamily="49" charset="0"/>
-                <a:cs typeface="Consolas" panose="020B0609020204030204" pitchFamily="49" charset="0"/>
-              </a:rPr>
-              <a:t>Microsoft (R) 32-bit C/C++ Optimizing Compiler Version 15.00.30729.207 for 80x86</a:t>
-            </a:r>
-          </a:p>
-          <a:p>
-            <a:pPr lvl="1"/>
-            <a:r>
-              <a:rPr lang="en-US" sz="1800" dirty="0">
-                <a:latin typeface="Consolas" panose="020B0609020204030204" pitchFamily="49" charset="0"/>
-                <a:cs typeface="Consolas" panose="020B0609020204030204" pitchFamily="49" charset="0"/>
-              </a:rPr>
-              <a:t>Microsoft (R) C/C++ Optimizing Compiler Version 15.00.21022.72 for x64</a:t>
-            </a:r>
-          </a:p>
-          <a:p>
-            <a:pPr lvl="1"/>
-            <a:r>
-              <a:rPr lang="en-US" sz="1800" dirty="0">
-                <a:latin typeface="Consolas" panose="020B0609020204030204" pitchFamily="49" charset="0"/>
-                <a:cs typeface="Consolas" panose="020B0609020204030204" pitchFamily="49" charset="0"/>
-              </a:rPr>
-              <a:t>Microsoft (R) C/C++ Optimizing Compiler Version 15.00.30729.207 for Itanium</a:t>
-            </a:r>
-          </a:p>
-          <a:p>
-            <a:pPr lvl="1"/>
-            <a:r>
-              <a:rPr lang="en-US" sz="1800" dirty="0">
-                <a:latin typeface="Consolas" panose="020B0609020204030204" pitchFamily="49" charset="0"/>
-                <a:cs typeface="Consolas" panose="020B0609020204030204" pitchFamily="49" charset="0"/>
-              </a:rPr>
-              <a:t>Microsoft (R) C/C++ Optimizing Compiler Version 15.00.30729.207 for x64</a:t>
-            </a:r>
+            <a:endParaRPr lang="en-US" sz="1800" dirty="0">
+              <a:latin typeface="Consolas" panose="020B0609020204030204" pitchFamily="49" charset="0"/>
+              <a:cs typeface="Consolas" panose="020B0609020204030204" pitchFamily="49" charset="0"/>
+            </a:endParaRPr>
           </a:p>
         </p:txBody>
       </p:sp>

--- a/doc/Fun_with_C++11.pptx
+++ b/doc/Fun_with_C++11.pptx
@@ -3242,19 +3242,14 @@
           <a:p>
             <a:r>
               <a:rPr lang="en-US" dirty="0" smtClean="0"/>
-              <a:t>I’m not here to sell you on C++</a:t>
+              <a:t>I use mostly Microsoft C++</a:t>
             </a:r>
           </a:p>
           <a:p>
             <a:r>
               <a:rPr lang="en-US" dirty="0" smtClean="0"/>
-              <a:t>I’m not a C</a:t>
-            </a:r>
-            <a:r>
-              <a:rPr lang="en-US" smtClean="0"/>
-              <a:t>++ expert!</a:t>
-            </a:r>
-            <a:endParaRPr lang="en-US" dirty="0" smtClean="0"/>
+              <a:t>I’m not a C++ expert!</a:t>
+            </a:r>
           </a:p>
           <a:p>
             <a:pPr lvl="1"/>
@@ -4176,18 +4171,18 @@
               <a:t>c:\apps\WinDDK\7600.16385.1</a:t>
             </a:r>
             <a:r>
-              <a:rPr lang="en-US" sz="1800" dirty="0" smtClean="0">
+              <a:rPr lang="en-US" sz="1800" smtClean="0">
                 <a:latin typeface="Consolas" panose="020B0609020204030204" pitchFamily="49" charset="0"/>
                 <a:cs typeface="Consolas" panose="020B0609020204030204" pitchFamily="49" charset="0"/>
               </a:rPr>
               <a:t>&gt; </a:t>
             </a:r>
             <a:r>
-              <a:rPr lang="en-US" sz="1800" dirty="0" err="1" smtClean="0">
-                <a:latin typeface="Consolas" panose="020B0609020204030204" pitchFamily="49" charset="0"/>
-                <a:cs typeface="Consolas" panose="020B0609020204030204" pitchFamily="49" charset="0"/>
-              </a:rPr>
-              <a:t>cl.xe</a:t>
+              <a:rPr lang="en-US" sz="1800" smtClean="0">
+                <a:latin typeface="Consolas" panose="020B0609020204030204" pitchFamily="49" charset="0"/>
+                <a:cs typeface="Consolas" panose="020B0609020204030204" pitchFamily="49" charset="0"/>
+              </a:rPr>
+              <a:t>cl.exe</a:t>
             </a:r>
             <a:endParaRPr lang="en-US" sz="1800" dirty="0">
               <a:latin typeface="Consolas" panose="020B0609020204030204" pitchFamily="49" charset="0"/>
@@ -4358,7 +4353,7 @@
         <p:spPr/>
         <p:txBody>
           <a:bodyPr>
-            <a:normAutofit/>
+            <a:normAutofit lnSpcReduction="10000"/>
           </a:bodyPr>
           <a:lstStyle/>
           <a:p>
@@ -4643,7 +4638,40 @@
                 <a:latin typeface="Consolas" panose="020B0609020204030204" pitchFamily="49" charset="0"/>
                 <a:cs typeface="Consolas" panose="020B0609020204030204" pitchFamily="49" charset="0"/>
               </a:rPr>
-              <a:t>for 80x86</a:t>
+              <a:t>for </a:t>
+            </a:r>
+            <a:r>
+              <a:rPr lang="en-US" sz="1800" dirty="0" smtClean="0">
+                <a:latin typeface="Consolas" panose="020B0609020204030204" pitchFamily="49" charset="0"/>
+                <a:cs typeface="Consolas" panose="020B0609020204030204" pitchFamily="49" charset="0"/>
+              </a:rPr>
+              <a:t>80x86</a:t>
+            </a:r>
+          </a:p>
+          <a:p>
+            <a:pPr marL="0" indent="0">
+              <a:buNone/>
+            </a:pPr>
+            <a:r>
+              <a:rPr lang="en-US" sz="1800" dirty="0">
+                <a:latin typeface="Consolas" panose="020B0609020204030204" pitchFamily="49" charset="0"/>
+                <a:cs typeface="Consolas" panose="020B0609020204030204" pitchFamily="49" charset="0"/>
+              </a:rPr>
+              <a:t>vs</a:t>
+            </a:r>
+            <a:r>
+              <a:rPr lang="en-US" sz="1800" b="1" dirty="0">
+                <a:latin typeface="Consolas" panose="020B0609020204030204" pitchFamily="49" charset="0"/>
+                <a:cs typeface="Consolas" panose="020B0609020204030204" pitchFamily="49" charset="0"/>
+              </a:rPr>
+              <a:t>2014</a:t>
+            </a:r>
+            <a:r>
+              <a:rPr lang="en-US" sz="1800" dirty="0">
+                <a:latin typeface="Consolas" panose="020B0609020204030204" pitchFamily="49" charset="0"/>
+                <a:cs typeface="Consolas" panose="020B0609020204030204" pitchFamily="49" charset="0"/>
+              </a:rPr>
+              <a:t>env: Microsoft (R) C/C++ Optimizing Compiler Version 19.00.22129.1 for x86</a:t>
             </a:r>
           </a:p>
           <a:p>

--- a/doc/Fun_with_C++11.pptx
+++ b/doc/Fun_with_C++11.pptx
@@ -8,11 +8,14 @@
     <p:sldId id="256" r:id="rId2"/>
     <p:sldId id="260" r:id="rId3"/>
     <p:sldId id="258" r:id="rId4"/>
-    <p:sldId id="257" r:id="rId5"/>
-    <p:sldId id="259" r:id="rId6"/>
-    <p:sldId id="261" r:id="rId7"/>
-    <p:sldId id="262" r:id="rId8"/>
-    <p:sldId id="263" r:id="rId9"/>
+    <p:sldId id="264" r:id="rId5"/>
+    <p:sldId id="257" r:id="rId6"/>
+    <p:sldId id="259" r:id="rId7"/>
+    <p:sldId id="261" r:id="rId8"/>
+    <p:sldId id="262" r:id="rId9"/>
+    <p:sldId id="263" r:id="rId10"/>
+    <p:sldId id="265" r:id="rId11"/>
+    <p:sldId id="266" r:id="rId12"/>
   </p:sldIdLst>
   <p:sldSz cx="9144000" cy="6858000" type="screen4x3"/>
   <p:notesSz cx="6858000" cy="9144000"/>
@@ -295,7 +298,7 @@
           <a:p>
             <a:fld id="{81509AD4-132E-4B79-8E81-ED2DE054EDF4}" type="datetimeFigureOut">
               <a:rPr lang="en-US" smtClean="0"/>
-              <a:t>11/5/2014</a:t>
+              <a:t>11/6/2014</a:t>
             </a:fld>
             <a:endParaRPr lang="en-US" dirty="0"/>
           </a:p>
@@ -465,7 +468,7 @@
           <a:p>
             <a:fld id="{81509AD4-132E-4B79-8E81-ED2DE054EDF4}" type="datetimeFigureOut">
               <a:rPr lang="en-US" smtClean="0"/>
-              <a:t>11/5/2014</a:t>
+              <a:t>11/6/2014</a:t>
             </a:fld>
             <a:endParaRPr lang="en-US" dirty="0"/>
           </a:p>
@@ -645,7 +648,7 @@
           <a:p>
             <a:fld id="{81509AD4-132E-4B79-8E81-ED2DE054EDF4}" type="datetimeFigureOut">
               <a:rPr lang="en-US" smtClean="0"/>
-              <a:t>11/5/2014</a:t>
+              <a:t>11/6/2014</a:t>
             </a:fld>
             <a:endParaRPr lang="en-US" dirty="0"/>
           </a:p>
@@ -815,7 +818,7 @@
           <a:p>
             <a:fld id="{81509AD4-132E-4B79-8E81-ED2DE054EDF4}" type="datetimeFigureOut">
               <a:rPr lang="en-US" smtClean="0"/>
-              <a:t>11/5/2014</a:t>
+              <a:t>11/6/2014</a:t>
             </a:fld>
             <a:endParaRPr lang="en-US" dirty="0"/>
           </a:p>
@@ -1061,7 +1064,7 @@
           <a:p>
             <a:fld id="{81509AD4-132E-4B79-8E81-ED2DE054EDF4}" type="datetimeFigureOut">
               <a:rPr lang="en-US" smtClean="0"/>
-              <a:t>11/5/2014</a:t>
+              <a:t>11/6/2014</a:t>
             </a:fld>
             <a:endParaRPr lang="en-US" dirty="0"/>
           </a:p>
@@ -1349,7 +1352,7 @@
           <a:p>
             <a:fld id="{81509AD4-132E-4B79-8E81-ED2DE054EDF4}" type="datetimeFigureOut">
               <a:rPr lang="en-US" smtClean="0"/>
-              <a:t>11/5/2014</a:t>
+              <a:t>11/6/2014</a:t>
             </a:fld>
             <a:endParaRPr lang="en-US" dirty="0"/>
           </a:p>
@@ -1771,7 +1774,7 @@
           <a:p>
             <a:fld id="{81509AD4-132E-4B79-8E81-ED2DE054EDF4}" type="datetimeFigureOut">
               <a:rPr lang="en-US" smtClean="0"/>
-              <a:t>11/5/2014</a:t>
+              <a:t>11/6/2014</a:t>
             </a:fld>
             <a:endParaRPr lang="en-US" dirty="0"/>
           </a:p>
@@ -1889,7 +1892,7 @@
           <a:p>
             <a:fld id="{81509AD4-132E-4B79-8E81-ED2DE054EDF4}" type="datetimeFigureOut">
               <a:rPr lang="en-US" smtClean="0"/>
-              <a:t>11/5/2014</a:t>
+              <a:t>11/6/2014</a:t>
             </a:fld>
             <a:endParaRPr lang="en-US" dirty="0"/>
           </a:p>
@@ -1984,7 +1987,7 @@
           <a:p>
             <a:fld id="{81509AD4-132E-4B79-8E81-ED2DE054EDF4}" type="datetimeFigureOut">
               <a:rPr lang="en-US" smtClean="0"/>
-              <a:t>11/5/2014</a:t>
+              <a:t>11/6/2014</a:t>
             </a:fld>
             <a:endParaRPr lang="en-US" dirty="0"/>
           </a:p>
@@ -2261,7 +2264,7 @@
           <a:p>
             <a:fld id="{81509AD4-132E-4B79-8E81-ED2DE054EDF4}" type="datetimeFigureOut">
               <a:rPr lang="en-US" smtClean="0"/>
-              <a:t>11/5/2014</a:t>
+              <a:t>11/6/2014</a:t>
             </a:fld>
             <a:endParaRPr lang="en-US" dirty="0"/>
           </a:p>
@@ -2514,7 +2517,7 @@
           <a:p>
             <a:fld id="{81509AD4-132E-4B79-8E81-ED2DE054EDF4}" type="datetimeFigureOut">
               <a:rPr lang="en-US" smtClean="0"/>
-              <a:t>11/5/2014</a:t>
+              <a:t>11/6/2014</a:t>
             </a:fld>
             <a:endParaRPr lang="en-US" dirty="0"/>
           </a:p>
@@ -2727,7 +2730,7 @@
           <a:p>
             <a:fld id="{81509AD4-132E-4B79-8E81-ED2DE054EDF4}" type="datetimeFigureOut">
               <a:rPr lang="en-US" smtClean="0"/>
-              <a:t>11/5/2014</a:t>
+              <a:t>11/6/2014</a:t>
             </a:fld>
             <a:endParaRPr lang="en-US" dirty="0"/>
           </a:p>
@@ -3161,6 +3164,1016 @@
 </p:sld>
 </file>
 
+<file path=ppt/slides/slide10.xml><?xml version="1.0" encoding="utf-8"?>
+<p:sld xmlns:a="http://schemas.openxmlformats.org/drawingml/2006/main" xmlns:r="http://schemas.openxmlformats.org/officeDocument/2006/relationships" xmlns:p="http://schemas.openxmlformats.org/presentationml/2006/main">
+  <p:cSld>
+    <p:spTree>
+      <p:nvGrpSpPr>
+        <p:cNvPr id="1" name=""/>
+        <p:cNvGrpSpPr/>
+        <p:nvPr/>
+      </p:nvGrpSpPr>
+      <p:grpSpPr>
+        <a:xfrm>
+          <a:off x="0" y="0"/>
+          <a:ext cx="0" cy="0"/>
+          <a:chOff x="0" y="0"/>
+          <a:chExt cx="0" cy="0"/>
+        </a:xfrm>
+      </p:grpSpPr>
+      <p:sp>
+        <p:nvSpPr>
+          <p:cNvPr id="2" name="Title 1"/>
+          <p:cNvSpPr>
+            <a:spLocks noGrp="1"/>
+          </p:cNvSpPr>
+          <p:nvPr>
+            <p:ph type="title"/>
+          </p:nvPr>
+        </p:nvSpPr>
+        <p:spPr/>
+        <p:txBody>
+          <a:bodyPr/>
+          <a:lstStyle/>
+          <a:p>
+            <a:r>
+              <a:rPr lang="en-US" dirty="0" err="1" smtClean="0"/>
+              <a:t>std</a:t>
+            </a:r>
+            <a:r>
+              <a:rPr lang="en-US" dirty="0" smtClean="0"/>
+              <a:t>::</a:t>
+            </a:r>
+            <a:r>
+              <a:rPr lang="en-US" dirty="0" err="1" smtClean="0"/>
+              <a:t>to_string</a:t>
+            </a:r>
+            <a:endParaRPr lang="en-US" dirty="0"/>
+          </a:p>
+        </p:txBody>
+      </p:sp>
+      <p:sp>
+        <p:nvSpPr>
+          <p:cNvPr id="3" name="Content Placeholder 2"/>
+          <p:cNvSpPr>
+            <a:spLocks noGrp="1"/>
+          </p:cNvSpPr>
+          <p:nvPr>
+            <p:ph idx="1"/>
+          </p:nvPr>
+        </p:nvSpPr>
+        <p:spPr>
+          <a:xfrm>
+            <a:off x="457200" y="1600200"/>
+            <a:ext cx="8229600" cy="4800600"/>
+          </a:xfrm>
+        </p:spPr>
+        <p:txBody>
+          <a:bodyPr>
+            <a:normAutofit fontScale="92500" lnSpcReduction="10000"/>
+          </a:bodyPr>
+          <a:lstStyle/>
+          <a:p>
+            <a:r>
+              <a:rPr lang="en-US" dirty="0" smtClean="0"/>
+              <a:t>“</a:t>
+            </a:r>
+            <a:r>
+              <a:rPr lang="en-US" dirty="0"/>
+              <a:t>Converts a numeric value to </a:t>
+            </a:r>
+            <a:r>
+              <a:rPr lang="en-US" dirty="0" err="1">
+                <a:hlinkClick r:id="rId2" tooltip="cpp/string/basic string"/>
+              </a:rPr>
+              <a:t>std</a:t>
+            </a:r>
+            <a:r>
+              <a:rPr lang="en-US" dirty="0">
+                <a:hlinkClick r:id="rId2" tooltip="cpp/string/basic string"/>
+              </a:rPr>
+              <a:t>::string</a:t>
+            </a:r>
+            <a:r>
+              <a:rPr lang="en-US" dirty="0" smtClean="0"/>
+              <a:t>.”</a:t>
+            </a:r>
+          </a:p>
+          <a:p>
+            <a:pPr marL="400050" lvl="1" indent="0">
+              <a:buNone/>
+            </a:pPr>
+            <a:r>
+              <a:rPr lang="en-US" sz="1800" dirty="0" smtClean="0">
+                <a:hlinkClick r:id="rId3"/>
+              </a:rPr>
+              <a:t>http</a:t>
+            </a:r>
+            <a:r>
+              <a:rPr lang="en-US" sz="1800" dirty="0">
+                <a:hlinkClick r:id="rId3"/>
+              </a:rPr>
+              <a:t>://</a:t>
+            </a:r>
+            <a:r>
+              <a:rPr lang="en-US" sz="1800" dirty="0" smtClean="0">
+                <a:hlinkClick r:id="rId3"/>
+              </a:rPr>
+              <a:t>en.cppreference.com/w/cpp/string/basic_string/to_string</a:t>
+            </a:r>
+            <a:endParaRPr lang="en-US" sz="1800" dirty="0" smtClean="0"/>
+          </a:p>
+          <a:p>
+            <a:pPr marL="285750"/>
+            <a:r>
+              <a:rPr lang="en-US" dirty="0" smtClean="0"/>
+              <a:t>Avoid </a:t>
+            </a:r>
+            <a:r>
+              <a:rPr lang="en-US" dirty="0" err="1" smtClean="0"/>
+              <a:t>atof</a:t>
+            </a:r>
+            <a:r>
+              <a:rPr lang="en-US" dirty="0" smtClean="0"/>
+              <a:t>(), </a:t>
+            </a:r>
+            <a:r>
+              <a:rPr lang="en-US" dirty="0" err="1" smtClean="0"/>
+              <a:t>atoi</a:t>
+            </a:r>
+            <a:r>
+              <a:rPr lang="en-US" dirty="0" smtClean="0"/>
+              <a:t>(), …; </a:t>
+            </a:r>
+            <a:r>
+              <a:rPr lang="en-US" dirty="0" err="1" smtClean="0"/>
+              <a:t>unicode</a:t>
+            </a:r>
+            <a:r>
+              <a:rPr lang="en-US" dirty="0" smtClean="0"/>
+              <a:t>; …</a:t>
+            </a:r>
+          </a:p>
+          <a:p>
+            <a:pPr marL="285750"/>
+            <a:r>
+              <a:rPr lang="en-US" dirty="0" smtClean="0"/>
+              <a:t>Use </a:t>
+            </a:r>
+            <a:r>
+              <a:rPr lang="en-US" dirty="0" err="1" smtClean="0"/>
+              <a:t>to_wstring</a:t>
+            </a:r>
+            <a:r>
+              <a:rPr lang="en-US" dirty="0" smtClean="0"/>
+              <a:t>() for wide strings</a:t>
+            </a:r>
+            <a:endParaRPr lang="en-US" dirty="0"/>
+          </a:p>
+          <a:p>
+            <a:pPr marL="400050" lvl="1" indent="0">
+              <a:buNone/>
+            </a:pPr>
+            <a:endParaRPr lang="en-US" sz="1800" dirty="0" smtClean="0"/>
+          </a:p>
+          <a:p>
+            <a:pPr marL="800100" lvl="2" indent="0">
+              <a:buNone/>
+            </a:pPr>
+            <a:r>
+              <a:rPr lang="en-US" sz="1400" dirty="0" smtClean="0">
+                <a:latin typeface="Consolas" panose="020B0609020204030204" pitchFamily="49" charset="0"/>
+                <a:cs typeface="Consolas" panose="020B0609020204030204" pitchFamily="49" charset="0"/>
+              </a:rPr>
+              <a:t>#</a:t>
+            </a:r>
+            <a:r>
+              <a:rPr lang="en-US" sz="1400" dirty="0">
+                <a:latin typeface="Consolas" panose="020B0609020204030204" pitchFamily="49" charset="0"/>
+                <a:cs typeface="Consolas" panose="020B0609020204030204" pitchFamily="49" charset="0"/>
+              </a:rPr>
+              <a:t>include &lt;</a:t>
+            </a:r>
+            <a:r>
+              <a:rPr lang="en-US" sz="1400" dirty="0" err="1">
+                <a:latin typeface="Consolas" panose="020B0609020204030204" pitchFamily="49" charset="0"/>
+                <a:cs typeface="Consolas" panose="020B0609020204030204" pitchFamily="49" charset="0"/>
+              </a:rPr>
+              <a:t>iostream</a:t>
+            </a:r>
+            <a:r>
+              <a:rPr lang="en-US" sz="1400" dirty="0">
+                <a:latin typeface="Consolas" panose="020B0609020204030204" pitchFamily="49" charset="0"/>
+                <a:cs typeface="Consolas" panose="020B0609020204030204" pitchFamily="49" charset="0"/>
+              </a:rPr>
+              <a:t>&gt;</a:t>
+            </a:r>
+          </a:p>
+          <a:p>
+            <a:pPr marL="800100" lvl="2" indent="0">
+              <a:buNone/>
+            </a:pPr>
+            <a:r>
+              <a:rPr lang="en-US" sz="1400" dirty="0">
+                <a:latin typeface="Consolas" panose="020B0609020204030204" pitchFamily="49" charset="0"/>
+                <a:cs typeface="Consolas" panose="020B0609020204030204" pitchFamily="49" charset="0"/>
+              </a:rPr>
+              <a:t>#include &lt;string</a:t>
+            </a:r>
+            <a:r>
+              <a:rPr lang="en-US" sz="1400" dirty="0" smtClean="0">
+                <a:latin typeface="Consolas" panose="020B0609020204030204" pitchFamily="49" charset="0"/>
+                <a:cs typeface="Consolas" panose="020B0609020204030204" pitchFamily="49" charset="0"/>
+              </a:rPr>
+              <a:t>&gt;</a:t>
+            </a:r>
+          </a:p>
+          <a:p>
+            <a:pPr marL="800100" lvl="2" indent="0">
+              <a:buNone/>
+            </a:pPr>
+            <a:endParaRPr lang="en-US" sz="1400" dirty="0">
+              <a:latin typeface="Consolas" panose="020B0609020204030204" pitchFamily="49" charset="0"/>
+              <a:cs typeface="Consolas" panose="020B0609020204030204" pitchFamily="49" charset="0"/>
+            </a:endParaRPr>
+          </a:p>
+          <a:p>
+            <a:pPr marL="800100" lvl="2" indent="0">
+              <a:buNone/>
+            </a:pPr>
+            <a:r>
+              <a:rPr lang="en-US" sz="1400" dirty="0" err="1" smtClean="0">
+                <a:latin typeface="Consolas" panose="020B0609020204030204" pitchFamily="49" charset="0"/>
+                <a:cs typeface="Consolas" panose="020B0609020204030204" pitchFamily="49" charset="0"/>
+              </a:rPr>
+              <a:t>int</a:t>
+            </a:r>
+            <a:r>
+              <a:rPr lang="en-US" sz="1400" dirty="0" smtClean="0">
+                <a:latin typeface="Consolas" panose="020B0609020204030204" pitchFamily="49" charset="0"/>
+                <a:cs typeface="Consolas" panose="020B0609020204030204" pitchFamily="49" charset="0"/>
+              </a:rPr>
+              <a:t> </a:t>
+            </a:r>
+            <a:r>
+              <a:rPr lang="en-US" sz="1400" dirty="0">
+                <a:latin typeface="Consolas" panose="020B0609020204030204" pitchFamily="49" charset="0"/>
+                <a:cs typeface="Consolas" panose="020B0609020204030204" pitchFamily="49" charset="0"/>
+              </a:rPr>
+              <a:t>main</a:t>
+            </a:r>
+            <a:r>
+              <a:rPr lang="en-US" sz="1400" dirty="0" smtClean="0">
+                <a:latin typeface="Consolas" panose="020B0609020204030204" pitchFamily="49" charset="0"/>
+                <a:cs typeface="Consolas" panose="020B0609020204030204" pitchFamily="49" charset="0"/>
+              </a:rPr>
+              <a:t>()</a:t>
+            </a:r>
+          </a:p>
+          <a:p>
+            <a:pPr marL="800100" lvl="2" indent="0">
+              <a:buNone/>
+            </a:pPr>
+            <a:r>
+              <a:rPr lang="en-US" sz="1400" dirty="0" smtClean="0">
+                <a:latin typeface="Consolas" panose="020B0609020204030204" pitchFamily="49" charset="0"/>
+                <a:cs typeface="Consolas" panose="020B0609020204030204" pitchFamily="49" charset="0"/>
+              </a:rPr>
+              <a:t>{</a:t>
+            </a:r>
+            <a:endParaRPr lang="en-US" sz="1400" dirty="0">
+              <a:latin typeface="Consolas" panose="020B0609020204030204" pitchFamily="49" charset="0"/>
+              <a:cs typeface="Consolas" panose="020B0609020204030204" pitchFamily="49" charset="0"/>
+            </a:endParaRPr>
+          </a:p>
+          <a:p>
+            <a:pPr marL="800100" lvl="2" indent="0">
+              <a:buNone/>
+            </a:pPr>
+            <a:r>
+              <a:rPr lang="en-US" sz="1400" dirty="0">
+                <a:latin typeface="Consolas" panose="020B0609020204030204" pitchFamily="49" charset="0"/>
+                <a:cs typeface="Consolas" panose="020B0609020204030204" pitchFamily="49" charset="0"/>
+              </a:rPr>
+              <a:t>    double f = 23.43;</a:t>
+            </a:r>
+          </a:p>
+          <a:p>
+            <a:pPr marL="800100" lvl="2" indent="0">
+              <a:buNone/>
+            </a:pPr>
+            <a:r>
+              <a:rPr lang="en-US" sz="1400" dirty="0">
+                <a:latin typeface="Consolas" panose="020B0609020204030204" pitchFamily="49" charset="0"/>
+                <a:cs typeface="Consolas" panose="020B0609020204030204" pitchFamily="49" charset="0"/>
+              </a:rPr>
+              <a:t>    </a:t>
+            </a:r>
+            <a:r>
+              <a:rPr lang="en-US" sz="1400" dirty="0" err="1">
+                <a:latin typeface="Consolas" panose="020B0609020204030204" pitchFamily="49" charset="0"/>
+                <a:cs typeface="Consolas" panose="020B0609020204030204" pitchFamily="49" charset="0"/>
+              </a:rPr>
+              <a:t>std</a:t>
+            </a:r>
+            <a:r>
+              <a:rPr lang="en-US" sz="1400" dirty="0">
+                <a:latin typeface="Consolas" panose="020B0609020204030204" pitchFamily="49" charset="0"/>
+                <a:cs typeface="Consolas" panose="020B0609020204030204" pitchFamily="49" charset="0"/>
+              </a:rPr>
+              <a:t>::string </a:t>
+            </a:r>
+            <a:r>
+              <a:rPr lang="en-US" sz="1400" dirty="0" err="1">
+                <a:latin typeface="Consolas" panose="020B0609020204030204" pitchFamily="49" charset="0"/>
+                <a:cs typeface="Consolas" panose="020B0609020204030204" pitchFamily="49" charset="0"/>
+              </a:rPr>
+              <a:t>f_str</a:t>
+            </a:r>
+            <a:r>
+              <a:rPr lang="en-US" sz="1400" dirty="0">
+                <a:latin typeface="Consolas" panose="020B0609020204030204" pitchFamily="49" charset="0"/>
+                <a:cs typeface="Consolas" panose="020B0609020204030204" pitchFamily="49" charset="0"/>
+              </a:rPr>
+              <a:t> = </a:t>
+            </a:r>
+            <a:r>
+              <a:rPr lang="en-US" sz="1400" dirty="0" err="1">
+                <a:latin typeface="Consolas" panose="020B0609020204030204" pitchFamily="49" charset="0"/>
+                <a:cs typeface="Consolas" panose="020B0609020204030204" pitchFamily="49" charset="0"/>
+              </a:rPr>
+              <a:t>std</a:t>
+            </a:r>
+            <a:r>
+              <a:rPr lang="en-US" sz="1400" dirty="0">
+                <a:latin typeface="Consolas" panose="020B0609020204030204" pitchFamily="49" charset="0"/>
+                <a:cs typeface="Consolas" panose="020B0609020204030204" pitchFamily="49" charset="0"/>
+              </a:rPr>
+              <a:t>::</a:t>
+            </a:r>
+            <a:r>
+              <a:rPr lang="en-US" sz="1400" dirty="0" err="1">
+                <a:latin typeface="Consolas" panose="020B0609020204030204" pitchFamily="49" charset="0"/>
+                <a:cs typeface="Consolas" panose="020B0609020204030204" pitchFamily="49" charset="0"/>
+              </a:rPr>
+              <a:t>to_string</a:t>
+            </a:r>
+            <a:r>
+              <a:rPr lang="en-US" sz="1400" dirty="0">
+                <a:latin typeface="Consolas" panose="020B0609020204030204" pitchFamily="49" charset="0"/>
+                <a:cs typeface="Consolas" panose="020B0609020204030204" pitchFamily="49" charset="0"/>
+              </a:rPr>
+              <a:t>(f);</a:t>
+            </a:r>
+          </a:p>
+          <a:p>
+            <a:pPr marL="800100" lvl="2" indent="0">
+              <a:buNone/>
+            </a:pPr>
+            <a:r>
+              <a:rPr lang="en-US" sz="1400" dirty="0">
+                <a:latin typeface="Consolas" panose="020B0609020204030204" pitchFamily="49" charset="0"/>
+                <a:cs typeface="Consolas" panose="020B0609020204030204" pitchFamily="49" charset="0"/>
+              </a:rPr>
+              <a:t>    </a:t>
+            </a:r>
+            <a:r>
+              <a:rPr lang="en-US" sz="1400" dirty="0" err="1">
+                <a:latin typeface="Consolas" panose="020B0609020204030204" pitchFamily="49" charset="0"/>
+                <a:cs typeface="Consolas" panose="020B0609020204030204" pitchFamily="49" charset="0"/>
+              </a:rPr>
+              <a:t>std</a:t>
+            </a:r>
+            <a:r>
+              <a:rPr lang="en-US" sz="1400" dirty="0">
+                <a:latin typeface="Consolas" panose="020B0609020204030204" pitchFamily="49" charset="0"/>
+                <a:cs typeface="Consolas" panose="020B0609020204030204" pitchFamily="49" charset="0"/>
+              </a:rPr>
+              <a:t>::</a:t>
+            </a:r>
+            <a:r>
+              <a:rPr lang="en-US" sz="1400" dirty="0" err="1">
+                <a:latin typeface="Consolas" panose="020B0609020204030204" pitchFamily="49" charset="0"/>
+                <a:cs typeface="Consolas" panose="020B0609020204030204" pitchFamily="49" charset="0"/>
+              </a:rPr>
+              <a:t>cout</a:t>
+            </a:r>
+            <a:r>
+              <a:rPr lang="en-US" sz="1400" dirty="0">
+                <a:latin typeface="Consolas" panose="020B0609020204030204" pitchFamily="49" charset="0"/>
+                <a:cs typeface="Consolas" panose="020B0609020204030204" pitchFamily="49" charset="0"/>
+              </a:rPr>
+              <a:t> &lt;&lt; </a:t>
+            </a:r>
+            <a:r>
+              <a:rPr lang="en-US" sz="1400" dirty="0" err="1">
+                <a:latin typeface="Consolas" panose="020B0609020204030204" pitchFamily="49" charset="0"/>
+                <a:cs typeface="Consolas" panose="020B0609020204030204" pitchFamily="49" charset="0"/>
+              </a:rPr>
+              <a:t>f_str</a:t>
+            </a:r>
+            <a:r>
+              <a:rPr lang="en-US" sz="1400" dirty="0">
+                <a:latin typeface="Consolas" panose="020B0609020204030204" pitchFamily="49" charset="0"/>
+                <a:cs typeface="Consolas" panose="020B0609020204030204" pitchFamily="49" charset="0"/>
+              </a:rPr>
+              <a:t> &lt;&lt; </a:t>
+            </a:r>
+            <a:r>
+              <a:rPr lang="en-US" sz="1400" dirty="0" err="1" smtClean="0">
+                <a:latin typeface="Consolas" panose="020B0609020204030204" pitchFamily="49" charset="0"/>
+                <a:cs typeface="Consolas" panose="020B0609020204030204" pitchFamily="49" charset="0"/>
+              </a:rPr>
+              <a:t>std</a:t>
+            </a:r>
+            <a:r>
+              <a:rPr lang="en-US" sz="1400" dirty="0" smtClean="0">
+                <a:latin typeface="Consolas" panose="020B0609020204030204" pitchFamily="49" charset="0"/>
+                <a:cs typeface="Consolas" panose="020B0609020204030204" pitchFamily="49" charset="0"/>
+              </a:rPr>
+              <a:t>::</a:t>
+            </a:r>
+            <a:r>
+              <a:rPr lang="en-US" sz="1400" dirty="0" err="1" smtClean="0">
+                <a:latin typeface="Consolas" panose="020B0609020204030204" pitchFamily="49" charset="0"/>
+                <a:cs typeface="Consolas" panose="020B0609020204030204" pitchFamily="49" charset="0"/>
+              </a:rPr>
+              <a:t>endl</a:t>
+            </a:r>
+            <a:r>
+              <a:rPr lang="en-US" sz="1400" dirty="0" smtClean="0">
+                <a:latin typeface="Consolas" panose="020B0609020204030204" pitchFamily="49" charset="0"/>
+                <a:cs typeface="Consolas" panose="020B0609020204030204" pitchFamily="49" charset="0"/>
+              </a:rPr>
+              <a:t>;</a:t>
+            </a:r>
+            <a:endParaRPr lang="en-US" sz="1400" dirty="0">
+              <a:latin typeface="Consolas" panose="020B0609020204030204" pitchFamily="49" charset="0"/>
+              <a:cs typeface="Consolas" panose="020B0609020204030204" pitchFamily="49" charset="0"/>
+            </a:endParaRPr>
+          </a:p>
+          <a:p>
+            <a:pPr marL="800100" lvl="2" indent="0">
+              <a:buNone/>
+            </a:pPr>
+            <a:r>
+              <a:rPr lang="en-US" sz="1400" dirty="0" smtClean="0">
+                <a:latin typeface="Consolas" panose="020B0609020204030204" pitchFamily="49" charset="0"/>
+                <a:cs typeface="Consolas" panose="020B0609020204030204" pitchFamily="49" charset="0"/>
+              </a:rPr>
+              <a:t>}</a:t>
+            </a:r>
+          </a:p>
+          <a:p>
+            <a:pPr marL="800100" lvl="2" indent="0">
+              <a:buNone/>
+            </a:pPr>
+            <a:endParaRPr lang="en-US" sz="1400" dirty="0" smtClean="0">
+              <a:latin typeface="Consolas" panose="020B0609020204030204" pitchFamily="49" charset="0"/>
+              <a:cs typeface="Consolas" panose="020B0609020204030204" pitchFamily="49" charset="0"/>
+            </a:endParaRPr>
+          </a:p>
+          <a:p>
+            <a:pPr marL="800100" lvl="2" indent="0">
+              <a:buNone/>
+            </a:pPr>
+            <a:r>
+              <a:rPr lang="en-US" sz="1400" dirty="0" smtClean="0">
+                <a:latin typeface="Consolas" panose="020B0609020204030204" pitchFamily="49" charset="0"/>
+                <a:cs typeface="Consolas" panose="020B0609020204030204" pitchFamily="49" charset="0"/>
+              </a:rPr>
+              <a:t>output: </a:t>
+            </a:r>
+            <a:r>
+              <a:rPr lang="en-US" sz="1400" dirty="0" smtClean="0"/>
+              <a:t>23.430000</a:t>
+            </a:r>
+            <a:endParaRPr lang="en-US" sz="1400" dirty="0">
+              <a:latin typeface="Consolas" panose="020B0609020204030204" pitchFamily="49" charset="0"/>
+              <a:cs typeface="Consolas" panose="020B0609020204030204" pitchFamily="49" charset="0"/>
+            </a:endParaRPr>
+          </a:p>
+          <a:p>
+            <a:pPr marL="800100" lvl="2" indent="0">
+              <a:buNone/>
+            </a:pPr>
+            <a:endParaRPr lang="en-US" sz="1400" dirty="0" smtClean="0"/>
+          </a:p>
+        </p:txBody>
+      </p:sp>
+    </p:spTree>
+    <p:extLst>
+      <p:ext uri="{BB962C8B-B14F-4D97-AF65-F5344CB8AC3E}">
+        <p14:creationId xmlns:p14="http://schemas.microsoft.com/office/powerpoint/2010/main" val="146388363"/>
+      </p:ext>
+    </p:extLst>
+  </p:cSld>
+  <p:clrMapOvr>
+    <a:masterClrMapping/>
+  </p:clrMapOvr>
+</p:sld>
+</file>
+
+<file path=ppt/slides/slide11.xml><?xml version="1.0" encoding="utf-8"?>
+<p:sld xmlns:a="http://schemas.openxmlformats.org/drawingml/2006/main" xmlns:r="http://schemas.openxmlformats.org/officeDocument/2006/relationships" xmlns:p="http://schemas.openxmlformats.org/presentationml/2006/main">
+  <p:cSld>
+    <p:spTree>
+      <p:nvGrpSpPr>
+        <p:cNvPr id="1" name=""/>
+        <p:cNvGrpSpPr/>
+        <p:nvPr/>
+      </p:nvGrpSpPr>
+      <p:grpSpPr>
+        <a:xfrm>
+          <a:off x="0" y="0"/>
+          <a:ext cx="0" cy="0"/>
+          <a:chOff x="0" y="0"/>
+          <a:chExt cx="0" cy="0"/>
+        </a:xfrm>
+      </p:grpSpPr>
+      <p:sp>
+        <p:nvSpPr>
+          <p:cNvPr id="2" name="Title 1"/>
+          <p:cNvSpPr>
+            <a:spLocks noGrp="1"/>
+          </p:cNvSpPr>
+          <p:nvPr>
+            <p:ph type="title"/>
+          </p:nvPr>
+        </p:nvSpPr>
+        <p:spPr/>
+        <p:txBody>
+          <a:bodyPr/>
+          <a:lstStyle/>
+          <a:p>
+            <a:r>
+              <a:rPr lang="en-US" dirty="0" err="1" smtClean="0"/>
+              <a:t>std</a:t>
+            </a:r>
+            <a:r>
+              <a:rPr lang="en-US" dirty="0" smtClean="0"/>
+              <a:t>::</a:t>
+            </a:r>
+            <a:r>
+              <a:rPr lang="en-US" dirty="0" err="1" smtClean="0"/>
+              <a:t>to_string</a:t>
+            </a:r>
+            <a:endParaRPr lang="en-US" dirty="0"/>
+          </a:p>
+        </p:txBody>
+      </p:sp>
+      <p:sp>
+        <p:nvSpPr>
+          <p:cNvPr id="3" name="Content Placeholder 2"/>
+          <p:cNvSpPr>
+            <a:spLocks noGrp="1"/>
+          </p:cNvSpPr>
+          <p:nvPr>
+            <p:ph idx="1"/>
+          </p:nvPr>
+        </p:nvSpPr>
+        <p:spPr/>
+        <p:txBody>
+          <a:bodyPr>
+            <a:normAutofit/>
+          </a:bodyPr>
+          <a:lstStyle/>
+          <a:p>
+            <a:r>
+              <a:rPr lang="en-US" dirty="0" smtClean="0"/>
+              <a:t>Works with all sorts of numeric types</a:t>
+            </a:r>
+          </a:p>
+          <a:p>
+            <a:r>
+              <a:rPr lang="en-US" dirty="0" smtClean="0"/>
+              <a:t>Caveat (google </a:t>
+            </a:r>
+            <a:r>
+              <a:rPr lang="en-US" dirty="0" err="1" smtClean="0"/>
+              <a:t>FlatBuffers</a:t>
+            </a:r>
+            <a:r>
+              <a:rPr lang="en-US" dirty="0" smtClean="0"/>
+              <a:t>):</a:t>
+            </a:r>
+          </a:p>
+          <a:p>
+            <a:pPr marL="0" indent="0">
+              <a:buNone/>
+            </a:pPr>
+            <a:endParaRPr lang="en-US" sz="1200" dirty="0" smtClean="0">
+              <a:latin typeface="Consolas" panose="020B0609020204030204" pitchFamily="49" charset="0"/>
+              <a:cs typeface="Consolas" panose="020B0609020204030204" pitchFamily="49" charset="0"/>
+            </a:endParaRPr>
+          </a:p>
+          <a:p>
+            <a:pPr marL="0" indent="0">
+              <a:buNone/>
+            </a:pPr>
+            <a:r>
+              <a:rPr lang="en-US" sz="1200" dirty="0" smtClean="0">
+                <a:latin typeface="Consolas" panose="020B0609020204030204" pitchFamily="49" charset="0"/>
+                <a:cs typeface="Consolas" panose="020B0609020204030204" pitchFamily="49" charset="0"/>
+              </a:rPr>
+              <a:t>  namespace </a:t>
+            </a:r>
+            <a:r>
+              <a:rPr lang="en-US" sz="1200" dirty="0" err="1">
+                <a:latin typeface="Consolas" panose="020B0609020204030204" pitchFamily="49" charset="0"/>
+                <a:cs typeface="Consolas" panose="020B0609020204030204" pitchFamily="49" charset="0"/>
+              </a:rPr>
+              <a:t>flatbuffers</a:t>
+            </a:r>
+            <a:r>
+              <a:rPr lang="en-US" sz="1200" dirty="0">
+                <a:latin typeface="Consolas" panose="020B0609020204030204" pitchFamily="49" charset="0"/>
+                <a:cs typeface="Consolas" panose="020B0609020204030204" pitchFamily="49" charset="0"/>
+              </a:rPr>
+              <a:t> {</a:t>
+            </a:r>
+          </a:p>
+          <a:p>
+            <a:pPr marL="0" indent="0">
+              <a:buNone/>
+            </a:pPr>
+            <a:r>
+              <a:rPr lang="en-US" sz="1200" dirty="0" smtClean="0">
+                <a:latin typeface="Consolas" panose="020B0609020204030204" pitchFamily="49" charset="0"/>
+                <a:cs typeface="Consolas" panose="020B0609020204030204" pitchFamily="49" charset="0"/>
+              </a:rPr>
+              <a:t>    // </a:t>
+            </a:r>
+            <a:r>
+              <a:rPr lang="en-US" sz="1200" dirty="0">
+                <a:latin typeface="Consolas" panose="020B0609020204030204" pitchFamily="49" charset="0"/>
+                <a:cs typeface="Consolas" panose="020B0609020204030204" pitchFamily="49" charset="0"/>
+              </a:rPr>
+              <a:t>Convert an integer or floating point value to a string.</a:t>
+            </a:r>
+          </a:p>
+          <a:p>
+            <a:pPr marL="0" indent="0">
+              <a:buNone/>
+            </a:pPr>
+            <a:r>
+              <a:rPr lang="en-US" sz="1200" dirty="0" smtClean="0">
+                <a:latin typeface="Consolas" panose="020B0609020204030204" pitchFamily="49" charset="0"/>
+                <a:cs typeface="Consolas" panose="020B0609020204030204" pitchFamily="49" charset="0"/>
+              </a:rPr>
+              <a:t>    // </a:t>
+            </a:r>
+            <a:r>
+              <a:rPr lang="en-US" sz="1200" dirty="0">
+                <a:latin typeface="Consolas" panose="020B0609020204030204" pitchFamily="49" charset="0"/>
+                <a:cs typeface="Consolas" panose="020B0609020204030204" pitchFamily="49" charset="0"/>
+              </a:rPr>
+              <a:t>In contrast to </a:t>
+            </a:r>
+            <a:r>
+              <a:rPr lang="en-US" sz="1200" dirty="0" err="1">
+                <a:latin typeface="Consolas" panose="020B0609020204030204" pitchFamily="49" charset="0"/>
+                <a:cs typeface="Consolas" panose="020B0609020204030204" pitchFamily="49" charset="0"/>
+              </a:rPr>
+              <a:t>std</a:t>
+            </a:r>
+            <a:r>
+              <a:rPr lang="en-US" sz="1200" dirty="0">
+                <a:latin typeface="Consolas" panose="020B0609020204030204" pitchFamily="49" charset="0"/>
+                <a:cs typeface="Consolas" panose="020B0609020204030204" pitchFamily="49" charset="0"/>
+              </a:rPr>
+              <a:t>::</a:t>
+            </a:r>
+            <a:r>
+              <a:rPr lang="en-US" sz="1200" dirty="0" err="1">
+                <a:latin typeface="Consolas" panose="020B0609020204030204" pitchFamily="49" charset="0"/>
+                <a:cs typeface="Consolas" panose="020B0609020204030204" pitchFamily="49" charset="0"/>
+              </a:rPr>
+              <a:t>stringstream</a:t>
+            </a:r>
+            <a:r>
+              <a:rPr lang="en-US" sz="1200" dirty="0">
+                <a:latin typeface="Consolas" panose="020B0609020204030204" pitchFamily="49" charset="0"/>
+                <a:cs typeface="Consolas" panose="020B0609020204030204" pitchFamily="49" charset="0"/>
+              </a:rPr>
+              <a:t>, "char" values </a:t>
+            </a:r>
+            <a:r>
+              <a:rPr lang="en-US" sz="1200" dirty="0" smtClean="0">
+                <a:latin typeface="Consolas" panose="020B0609020204030204" pitchFamily="49" charset="0"/>
+                <a:cs typeface="Consolas" panose="020B0609020204030204" pitchFamily="49" charset="0"/>
+              </a:rPr>
+              <a:t>are converted </a:t>
+            </a:r>
+            <a:r>
+              <a:rPr lang="en-US" sz="1200" dirty="0">
+                <a:latin typeface="Consolas" panose="020B0609020204030204" pitchFamily="49" charset="0"/>
+                <a:cs typeface="Consolas" panose="020B0609020204030204" pitchFamily="49" charset="0"/>
+              </a:rPr>
+              <a:t>to a string of digits.</a:t>
+            </a:r>
+          </a:p>
+          <a:p>
+            <a:pPr marL="0" indent="0">
+              <a:buNone/>
+            </a:pPr>
+            <a:r>
+              <a:rPr lang="en-US" sz="1200" dirty="0" smtClean="0">
+                <a:latin typeface="Consolas" panose="020B0609020204030204" pitchFamily="49" charset="0"/>
+                <a:cs typeface="Consolas" panose="020B0609020204030204" pitchFamily="49" charset="0"/>
+              </a:rPr>
+              <a:t>    template&lt;</a:t>
+            </a:r>
+            <a:r>
+              <a:rPr lang="en-US" sz="1200" dirty="0" err="1" smtClean="0">
+                <a:latin typeface="Consolas" panose="020B0609020204030204" pitchFamily="49" charset="0"/>
+                <a:cs typeface="Consolas" panose="020B0609020204030204" pitchFamily="49" charset="0"/>
+              </a:rPr>
+              <a:t>typename</a:t>
+            </a:r>
+            <a:r>
+              <a:rPr lang="en-US" sz="1200" dirty="0" smtClean="0">
+                <a:latin typeface="Consolas" panose="020B0609020204030204" pitchFamily="49" charset="0"/>
+                <a:cs typeface="Consolas" panose="020B0609020204030204" pitchFamily="49" charset="0"/>
+              </a:rPr>
+              <a:t> </a:t>
+            </a:r>
+            <a:r>
+              <a:rPr lang="en-US" sz="1200" dirty="0">
+                <a:latin typeface="Consolas" panose="020B0609020204030204" pitchFamily="49" charset="0"/>
+                <a:cs typeface="Consolas" panose="020B0609020204030204" pitchFamily="49" charset="0"/>
+              </a:rPr>
+              <a:t>T&gt; </a:t>
+            </a:r>
+            <a:r>
+              <a:rPr lang="en-US" sz="1200" dirty="0" err="1">
+                <a:latin typeface="Consolas" panose="020B0609020204030204" pitchFamily="49" charset="0"/>
+                <a:cs typeface="Consolas" panose="020B0609020204030204" pitchFamily="49" charset="0"/>
+              </a:rPr>
+              <a:t>std</a:t>
+            </a:r>
+            <a:r>
+              <a:rPr lang="en-US" sz="1200" dirty="0">
+                <a:latin typeface="Consolas" panose="020B0609020204030204" pitchFamily="49" charset="0"/>
+                <a:cs typeface="Consolas" panose="020B0609020204030204" pitchFamily="49" charset="0"/>
+              </a:rPr>
+              <a:t>::string </a:t>
+            </a:r>
+            <a:r>
+              <a:rPr lang="en-US" sz="1200" dirty="0" err="1">
+                <a:latin typeface="Consolas" panose="020B0609020204030204" pitchFamily="49" charset="0"/>
+                <a:cs typeface="Consolas" panose="020B0609020204030204" pitchFamily="49" charset="0"/>
+              </a:rPr>
+              <a:t>NumToString</a:t>
+            </a:r>
+            <a:r>
+              <a:rPr lang="en-US" sz="1200" dirty="0">
+                <a:latin typeface="Consolas" panose="020B0609020204030204" pitchFamily="49" charset="0"/>
+                <a:cs typeface="Consolas" panose="020B0609020204030204" pitchFamily="49" charset="0"/>
+              </a:rPr>
+              <a:t>(T t</a:t>
+            </a:r>
+            <a:r>
+              <a:rPr lang="en-US" sz="1200" dirty="0" smtClean="0">
+                <a:latin typeface="Consolas" panose="020B0609020204030204" pitchFamily="49" charset="0"/>
+                <a:cs typeface="Consolas" panose="020B0609020204030204" pitchFamily="49" charset="0"/>
+              </a:rPr>
+              <a:t>)</a:t>
+            </a:r>
+          </a:p>
+          <a:p>
+            <a:pPr marL="0" indent="0">
+              <a:buNone/>
+            </a:pPr>
+            <a:r>
+              <a:rPr lang="en-US" sz="1200" dirty="0">
+                <a:latin typeface="Consolas" panose="020B0609020204030204" pitchFamily="49" charset="0"/>
+                <a:cs typeface="Consolas" panose="020B0609020204030204" pitchFamily="49" charset="0"/>
+              </a:rPr>
+              <a:t> </a:t>
+            </a:r>
+            <a:r>
+              <a:rPr lang="en-US" sz="1200" dirty="0" smtClean="0">
+                <a:latin typeface="Consolas" panose="020B0609020204030204" pitchFamily="49" charset="0"/>
+                <a:cs typeface="Consolas" panose="020B0609020204030204" pitchFamily="49" charset="0"/>
+              </a:rPr>
+              <a:t>  {</a:t>
+            </a:r>
+            <a:endParaRPr lang="en-US" sz="1200" dirty="0">
+              <a:latin typeface="Consolas" panose="020B0609020204030204" pitchFamily="49" charset="0"/>
+              <a:cs typeface="Consolas" panose="020B0609020204030204" pitchFamily="49" charset="0"/>
+            </a:endParaRPr>
+          </a:p>
+          <a:p>
+            <a:pPr marL="0" indent="0">
+              <a:buNone/>
+            </a:pPr>
+            <a:r>
+              <a:rPr lang="en-US" sz="1200" b="1" dirty="0" smtClean="0">
+                <a:latin typeface="Consolas" panose="020B0609020204030204" pitchFamily="49" charset="0"/>
+                <a:cs typeface="Consolas" panose="020B0609020204030204" pitchFamily="49" charset="0"/>
+              </a:rPr>
+              <a:t>        </a:t>
+            </a:r>
+            <a:r>
+              <a:rPr lang="en-US" sz="1200" b="1" dirty="0">
+                <a:latin typeface="Consolas" panose="020B0609020204030204" pitchFamily="49" charset="0"/>
+                <a:cs typeface="Consolas" panose="020B0609020204030204" pitchFamily="49" charset="0"/>
+              </a:rPr>
+              <a:t>// </a:t>
+            </a:r>
+            <a:r>
+              <a:rPr lang="en-US" sz="1200" b="1" dirty="0" err="1">
+                <a:latin typeface="Consolas" panose="020B0609020204030204" pitchFamily="49" charset="0"/>
+                <a:cs typeface="Consolas" panose="020B0609020204030204" pitchFamily="49" charset="0"/>
+              </a:rPr>
+              <a:t>to_string</a:t>
+            </a:r>
+            <a:r>
+              <a:rPr lang="en-US" sz="1200" b="1" dirty="0">
+                <a:latin typeface="Consolas" panose="020B0609020204030204" pitchFamily="49" charset="0"/>
+                <a:cs typeface="Consolas" panose="020B0609020204030204" pitchFamily="49" charset="0"/>
+              </a:rPr>
+              <a:t>() prints different numbers of digits for floats depending on</a:t>
+            </a:r>
+          </a:p>
+          <a:p>
+            <a:pPr marL="0" indent="0">
+              <a:buNone/>
+            </a:pPr>
+            <a:r>
+              <a:rPr lang="en-US" sz="1200" b="1" dirty="0" smtClean="0">
+                <a:latin typeface="Consolas" panose="020B0609020204030204" pitchFamily="49" charset="0"/>
+                <a:cs typeface="Consolas" panose="020B0609020204030204" pitchFamily="49" charset="0"/>
+              </a:rPr>
+              <a:t>        </a:t>
+            </a:r>
+            <a:r>
+              <a:rPr lang="en-US" sz="1200" b="1" dirty="0">
+                <a:latin typeface="Consolas" panose="020B0609020204030204" pitchFamily="49" charset="0"/>
+                <a:cs typeface="Consolas" panose="020B0609020204030204" pitchFamily="49" charset="0"/>
+              </a:rPr>
+              <a:t>// platform and isn't available on Android, so we use </a:t>
+            </a:r>
+            <a:r>
+              <a:rPr lang="en-US" sz="1200" b="1" dirty="0" err="1">
+                <a:latin typeface="Consolas" panose="020B0609020204030204" pitchFamily="49" charset="0"/>
+                <a:cs typeface="Consolas" panose="020B0609020204030204" pitchFamily="49" charset="0"/>
+              </a:rPr>
+              <a:t>stringstream</a:t>
+            </a:r>
+            <a:endParaRPr lang="en-US" sz="1200" b="1" dirty="0">
+              <a:latin typeface="Consolas" panose="020B0609020204030204" pitchFamily="49" charset="0"/>
+              <a:cs typeface="Consolas" panose="020B0609020204030204" pitchFamily="49" charset="0"/>
+            </a:endParaRPr>
+          </a:p>
+          <a:p>
+            <a:pPr marL="0" indent="0">
+              <a:buNone/>
+            </a:pPr>
+            <a:r>
+              <a:rPr lang="en-US" sz="1200" dirty="0" smtClean="0">
+                <a:latin typeface="Consolas" panose="020B0609020204030204" pitchFamily="49" charset="0"/>
+                <a:cs typeface="Consolas" panose="020B0609020204030204" pitchFamily="49" charset="0"/>
+              </a:rPr>
+              <a:t>        </a:t>
+            </a:r>
+            <a:r>
+              <a:rPr lang="en-US" sz="1200" dirty="0" err="1">
+                <a:latin typeface="Consolas" panose="020B0609020204030204" pitchFamily="49" charset="0"/>
+                <a:cs typeface="Consolas" panose="020B0609020204030204" pitchFamily="49" charset="0"/>
+              </a:rPr>
+              <a:t>std</a:t>
+            </a:r>
+            <a:r>
+              <a:rPr lang="en-US" sz="1200" dirty="0">
+                <a:latin typeface="Consolas" panose="020B0609020204030204" pitchFamily="49" charset="0"/>
+                <a:cs typeface="Consolas" panose="020B0609020204030204" pitchFamily="49" charset="0"/>
+              </a:rPr>
+              <a:t>::</a:t>
+            </a:r>
+            <a:r>
+              <a:rPr lang="en-US" sz="1200" dirty="0" err="1">
+                <a:latin typeface="Consolas" panose="020B0609020204030204" pitchFamily="49" charset="0"/>
+                <a:cs typeface="Consolas" panose="020B0609020204030204" pitchFamily="49" charset="0"/>
+              </a:rPr>
+              <a:t>stringstream</a:t>
+            </a:r>
+            <a:r>
+              <a:rPr lang="en-US" sz="1200" dirty="0">
+                <a:latin typeface="Consolas" panose="020B0609020204030204" pitchFamily="49" charset="0"/>
+                <a:cs typeface="Consolas" panose="020B0609020204030204" pitchFamily="49" charset="0"/>
+              </a:rPr>
+              <a:t> </a:t>
+            </a:r>
+            <a:r>
+              <a:rPr lang="en-US" sz="1200" dirty="0" err="1">
+                <a:latin typeface="Consolas" panose="020B0609020204030204" pitchFamily="49" charset="0"/>
+                <a:cs typeface="Consolas" panose="020B0609020204030204" pitchFamily="49" charset="0"/>
+              </a:rPr>
+              <a:t>ss</a:t>
+            </a:r>
+            <a:r>
+              <a:rPr lang="en-US" sz="1200" dirty="0">
+                <a:latin typeface="Consolas" panose="020B0609020204030204" pitchFamily="49" charset="0"/>
+                <a:cs typeface="Consolas" panose="020B0609020204030204" pitchFamily="49" charset="0"/>
+              </a:rPr>
+              <a:t>;</a:t>
+            </a:r>
+          </a:p>
+          <a:p>
+            <a:pPr marL="0" indent="0">
+              <a:buNone/>
+            </a:pPr>
+            <a:r>
+              <a:rPr lang="en-US" sz="1200" dirty="0" smtClean="0">
+                <a:latin typeface="Consolas" panose="020B0609020204030204" pitchFamily="49" charset="0"/>
+                <a:cs typeface="Consolas" panose="020B0609020204030204" pitchFamily="49" charset="0"/>
+              </a:rPr>
+              <a:t>        </a:t>
+            </a:r>
+            <a:r>
+              <a:rPr lang="en-US" sz="1200" dirty="0" err="1">
+                <a:latin typeface="Consolas" panose="020B0609020204030204" pitchFamily="49" charset="0"/>
+                <a:cs typeface="Consolas" panose="020B0609020204030204" pitchFamily="49" charset="0"/>
+              </a:rPr>
+              <a:t>ss</a:t>
+            </a:r>
+            <a:r>
+              <a:rPr lang="en-US" sz="1200" dirty="0">
+                <a:latin typeface="Consolas" panose="020B0609020204030204" pitchFamily="49" charset="0"/>
+                <a:cs typeface="Consolas" panose="020B0609020204030204" pitchFamily="49" charset="0"/>
+              </a:rPr>
+              <a:t> &lt;&lt; t;</a:t>
+            </a:r>
+          </a:p>
+          <a:p>
+            <a:pPr marL="0" indent="0">
+              <a:buNone/>
+            </a:pPr>
+            <a:r>
+              <a:rPr lang="en-US" sz="1200" dirty="0" smtClean="0">
+                <a:latin typeface="Consolas" panose="020B0609020204030204" pitchFamily="49" charset="0"/>
+                <a:cs typeface="Consolas" panose="020B0609020204030204" pitchFamily="49" charset="0"/>
+              </a:rPr>
+              <a:t>        </a:t>
+            </a:r>
+            <a:r>
+              <a:rPr lang="en-US" sz="1200" dirty="0">
+                <a:latin typeface="Consolas" panose="020B0609020204030204" pitchFamily="49" charset="0"/>
+                <a:cs typeface="Consolas" panose="020B0609020204030204" pitchFamily="49" charset="0"/>
+              </a:rPr>
+              <a:t>return </a:t>
+            </a:r>
+            <a:r>
+              <a:rPr lang="en-US" sz="1200" dirty="0" err="1">
+                <a:latin typeface="Consolas" panose="020B0609020204030204" pitchFamily="49" charset="0"/>
+                <a:cs typeface="Consolas" panose="020B0609020204030204" pitchFamily="49" charset="0"/>
+              </a:rPr>
+              <a:t>ss.str</a:t>
+            </a:r>
+            <a:r>
+              <a:rPr lang="en-US" sz="1200" dirty="0">
+                <a:latin typeface="Consolas" panose="020B0609020204030204" pitchFamily="49" charset="0"/>
+                <a:cs typeface="Consolas" panose="020B0609020204030204" pitchFamily="49" charset="0"/>
+              </a:rPr>
+              <a:t>();</a:t>
+            </a:r>
+          </a:p>
+          <a:p>
+            <a:pPr marL="0" indent="0">
+              <a:buNone/>
+            </a:pPr>
+            <a:r>
+              <a:rPr lang="en-US" sz="1200" dirty="0" smtClean="0">
+                <a:latin typeface="Consolas" panose="020B0609020204030204" pitchFamily="49" charset="0"/>
+                <a:cs typeface="Consolas" panose="020B0609020204030204" pitchFamily="49" charset="0"/>
+              </a:rPr>
+              <a:t>   }</a:t>
+            </a:r>
+            <a:endParaRPr lang="en-US" sz="1200" dirty="0">
+              <a:latin typeface="Consolas" panose="020B0609020204030204" pitchFamily="49" charset="0"/>
+              <a:cs typeface="Consolas" panose="020B0609020204030204" pitchFamily="49" charset="0"/>
+            </a:endParaRPr>
+          </a:p>
+          <a:p>
+            <a:endParaRPr lang="en-US" sz="1400" dirty="0" smtClean="0"/>
+          </a:p>
+        </p:txBody>
+      </p:sp>
+    </p:spTree>
+    <p:extLst>
+      <p:ext uri="{BB962C8B-B14F-4D97-AF65-F5344CB8AC3E}">
+        <p14:creationId xmlns:p14="http://schemas.microsoft.com/office/powerpoint/2010/main" val="4177361218"/>
+      </p:ext>
+    </p:extLst>
+  </p:cSld>
+  <p:clrMapOvr>
+    <a:masterClrMapping/>
+  </p:clrMapOvr>
+</p:sld>
+</file>
+
 <file path=ppt/slides/slide2.xml><?xml version="1.0" encoding="utf-8"?>
 <p:sld xmlns:a="http://schemas.openxmlformats.org/drawingml/2006/main" xmlns:r="http://schemas.openxmlformats.org/officeDocument/2006/relationships" xmlns:p="http://schemas.openxmlformats.org/presentationml/2006/main">
   <p:cSld>
@@ -3367,16 +4380,16 @@
           </a:p>
           <a:p>
             <a:r>
-              <a:rPr lang="en-US" smtClean="0"/>
+              <a:rPr lang="en-US" dirty="0" smtClean="0"/>
               <a:t>Object Oriented</a:t>
             </a:r>
+          </a:p>
+          <a:p>
+            <a:r>
+              <a:rPr lang="en-US" smtClean="0"/>
+              <a:t>Generic</a:t>
+            </a:r>
             <a:endParaRPr lang="en-US" dirty="0" smtClean="0"/>
-          </a:p>
-          <a:p>
-            <a:r>
-              <a:rPr lang="en-US" dirty="0" smtClean="0"/>
-              <a:t>Generic</a:t>
-            </a:r>
           </a:p>
           <a:p>
             <a:r>
@@ -3429,12 +4442,22 @@
         </p:nvSpPr>
         <p:spPr/>
         <p:txBody>
-          <a:bodyPr/>
+          <a:bodyPr>
+            <a:normAutofit fontScale="90000"/>
+          </a:bodyPr>
           <a:lstStyle/>
           <a:p>
             <a:r>
               <a:rPr lang="en-US" dirty="0" smtClean="0"/>
-              <a:t>What’s missing</a:t>
+              <a:t>C++ </a:t>
+            </a:r>
+            <a:r>
+              <a:rPr lang="en-US" smtClean="0"/>
+              <a:t>Stdard </a:t>
+            </a:r>
+            <a:r>
+              <a:rPr lang="en-US" dirty="0" smtClean="0"/>
+              <a:t>Library / STL: Not Object Oriented</a:t>
             </a:r>
             <a:endParaRPr lang="en-US" dirty="0"/>
           </a:p>
@@ -3450,115 +4473,75 @@
             <p:ph idx="1"/>
           </p:nvPr>
         </p:nvSpPr>
-        <p:spPr>
-          <a:xfrm>
-            <a:off x="457200" y="1295400"/>
-            <a:ext cx="8229600" cy="4830763"/>
-          </a:xfrm>
-        </p:spPr>
+        <p:spPr/>
         <p:txBody>
           <a:bodyPr>
-            <a:normAutofit fontScale="85000" lnSpcReduction="20000"/>
+            <a:normAutofit/>
           </a:bodyPr>
           <a:lstStyle/>
           <a:p>
             <a:r>
               <a:rPr lang="en-US" dirty="0" smtClean="0"/>
-              <a:t>XML</a:t>
-            </a:r>
+              <a:t>Read what the creator of the STL has to say about this</a:t>
+            </a:r>
+            <a:r>
+              <a:rPr lang="en-US" dirty="0"/>
+              <a:t>:</a:t>
+            </a:r>
+            <a:endParaRPr lang="en-US" dirty="0" smtClean="0"/>
+          </a:p>
+          <a:p>
+            <a:pPr marL="400050" lvl="1" indent="0">
+              <a:buNone/>
+            </a:pPr>
+            <a:r>
+              <a:rPr lang="en-US" dirty="0">
+                <a:hlinkClick r:id="rId2"/>
+              </a:rPr>
+              <a:t>https://en.wikipedia.org/wiki/Alexander_Stepanov#Criticism_of_OOP</a:t>
+            </a:r>
+            <a:endParaRPr lang="en-US" dirty="0"/>
           </a:p>
           <a:p>
             <a:r>
               <a:rPr lang="en-US" dirty="0" smtClean="0"/>
-              <a:t>Packages / modules</a:t>
-            </a:r>
-          </a:p>
-          <a:p>
-            <a:pPr lvl="1"/>
-            <a:r>
-              <a:rPr lang="en-US" dirty="0" smtClean="0"/>
-              <a:t>PHP composer; Python pip; Ruby gems</a:t>
-            </a:r>
-            <a:endParaRPr lang="en-US" dirty="0"/>
-          </a:p>
-          <a:p>
-            <a:pPr lvl="1"/>
-            <a:r>
-              <a:rPr lang="en-US" dirty="0" smtClean="0"/>
-              <a:t>Java .JAR; </a:t>
-            </a:r>
-            <a:r>
-              <a:rPr lang="en-US" dirty="0" smtClean="0">
-                <a:hlinkClick r:id="rId2"/>
-              </a:rPr>
-              <a:t>JPM4j</a:t>
-            </a:r>
-            <a:endParaRPr lang="en-US" dirty="0"/>
-          </a:p>
-          <a:p>
-            <a:r>
-              <a:rPr lang="en-US" dirty="0" smtClean="0"/>
-              <a:t>Garbage collection (as C#, Java, Python, …)</a:t>
-            </a:r>
-          </a:p>
-          <a:p>
-            <a:r>
-              <a:rPr lang="en-US" dirty="0" smtClean="0"/>
-              <a:t>Strings in switch() statement (C#)</a:t>
-            </a:r>
-          </a:p>
-          <a:p>
-            <a:r>
-              <a:rPr lang="en-US" dirty="0" smtClean="0"/>
-              <a:t>Serialization</a:t>
-            </a:r>
-          </a:p>
-          <a:p>
-            <a:pPr lvl="1"/>
-            <a:r>
-              <a:rPr lang="en-US" dirty="0" smtClean="0"/>
-              <a:t>see </a:t>
-            </a:r>
+              <a:t>He’s got a new book, too:</a:t>
+            </a:r>
+          </a:p>
+          <a:p>
+            <a:pPr marL="400050" lvl="1" indent="0">
+              <a:buNone/>
+            </a:pPr>
             <a:r>
               <a:rPr lang="en-US" dirty="0" smtClean="0">
                 <a:hlinkClick r:id="rId3"/>
               </a:rPr>
-              <a:t>google </a:t>
-            </a:r>
-            <a:r>
-              <a:rPr lang="en-US" dirty="0" err="1" smtClean="0">
+              <a:t>http</a:t>
+            </a:r>
+            <a:r>
+              <a:rPr lang="en-US" dirty="0">
                 <a:hlinkClick r:id="rId3"/>
               </a:rPr>
-              <a:t>FlatBuffers</a:t>
+              <a:t>://</a:t>
             </a:r>
             <a:r>
               <a:rPr lang="en-US" dirty="0" smtClean="0">
                 <a:hlinkClick r:id="rId3"/>
               </a:rPr>
-              <a:t> </a:t>
-            </a:r>
-            <a:r>
-              <a:rPr lang="en-US" dirty="0" smtClean="0"/>
-              <a:t>– good, modern C++</a:t>
-            </a:r>
-          </a:p>
-          <a:p>
-            <a:r>
-              <a:rPr lang="en-US" dirty="0" smtClean="0"/>
-              <a:t>Run-time introspection (C#, Java, Python, …)</a:t>
-            </a:r>
-          </a:p>
-          <a:p>
-            <a:r>
-              <a:rPr lang="en-US" dirty="0" smtClean="0"/>
-              <a:t>Interfaces: Need [ugly] abstract classes</a:t>
-            </a:r>
-          </a:p>
-          <a:p>
-            <a:r>
-              <a:rPr lang="en-US" dirty="0" smtClean="0"/>
-              <a:t>command-line parsing</a:t>
-            </a:r>
+              <a:t>www.informit.com/store/from-mathematics-to-generic-programming-9780321942043</a:t>
+            </a:r>
+            <a:endParaRPr lang="en-US" dirty="0" smtClean="0"/>
+          </a:p>
+          <a:p>
+            <a:pPr marL="0" indent="0">
+              <a:buNone/>
+            </a:pPr>
+            <a:endParaRPr lang="en-US" dirty="0" smtClean="0"/>
+          </a:p>
+          <a:p>
+            <a:pPr marL="0" indent="0">
+              <a:buNone/>
+            </a:pPr>
             <a:endParaRPr lang="en-US" dirty="0"/>
           </a:p>
         </p:txBody>
@@ -3566,7 +4549,7 @@
     </p:spTree>
     <p:extLst>
       <p:ext uri="{BB962C8B-B14F-4D97-AF65-F5344CB8AC3E}">
-        <p14:creationId xmlns:p14="http://schemas.microsoft.com/office/powerpoint/2010/main" val="2897646070"/>
+        <p14:creationId xmlns:p14="http://schemas.microsoft.com/office/powerpoint/2010/main" val="1243197235"/>
       </p:ext>
     </p:extLst>
   </p:cSld>
@@ -3610,7 +4593,7 @@
           <a:p>
             <a:r>
               <a:rPr lang="en-US" dirty="0" smtClean="0"/>
-              <a:t>C++ Idioms</a:t>
+              <a:t>What’s missing</a:t>
             </a:r>
             <a:endParaRPr lang="en-US" dirty="0"/>
           </a:p>
@@ -3626,58 +4609,114 @@
             <p:ph idx="1"/>
           </p:nvPr>
         </p:nvSpPr>
-        <p:spPr/>
-        <p:txBody>
-          <a:bodyPr/>
-          <a:lstStyle/>
-          <a:p>
+        <p:spPr>
+          <a:xfrm>
+            <a:off x="457200" y="1295400"/>
+            <a:ext cx="8229600" cy="4830763"/>
+          </a:xfrm>
+        </p:spPr>
+        <p:txBody>
+          <a:bodyPr>
+            <a:normAutofit fontScale="85000" lnSpcReduction="20000"/>
+          </a:bodyPr>
+          <a:lstStyle/>
+          <a:p>
+            <a:r>
+              <a:rPr lang="en-US" dirty="0" smtClean="0"/>
+              <a:t>XML</a:t>
+            </a:r>
+          </a:p>
+          <a:p>
+            <a:r>
+              <a:rPr lang="en-US" dirty="0" smtClean="0"/>
+              <a:t>Packages / modules</a:t>
+            </a:r>
+          </a:p>
+          <a:p>
+            <a:pPr lvl="1"/>
+            <a:r>
+              <a:rPr lang="en-US" dirty="0" smtClean="0"/>
+              <a:t>PHP composer; Python pip; Ruby gems</a:t>
+            </a:r>
+            <a:endParaRPr lang="en-US" dirty="0"/>
+          </a:p>
+          <a:p>
+            <a:pPr lvl="1"/>
+            <a:r>
+              <a:rPr lang="en-US" dirty="0" smtClean="0"/>
+              <a:t>Java .JAR; </a:t>
+            </a:r>
             <a:r>
               <a:rPr lang="en-US" dirty="0" smtClean="0">
                 <a:hlinkClick r:id="rId2"/>
               </a:rPr>
-              <a:t>RAII</a:t>
-            </a:r>
-            <a:endParaRPr lang="en-US" dirty="0" smtClean="0"/>
+              <a:t>JPM4j</a:t>
+            </a:r>
+            <a:endParaRPr lang="en-US" dirty="0"/>
+          </a:p>
+          <a:p>
+            <a:r>
+              <a:rPr lang="en-US" dirty="0" smtClean="0"/>
+              <a:t>Garbage collection (as C#, Java, Python, …)</a:t>
+            </a:r>
+          </a:p>
+          <a:p>
+            <a:r>
+              <a:rPr lang="en-US" dirty="0" smtClean="0"/>
+              <a:t>Strings in switch() statement (C#)</a:t>
+            </a:r>
+          </a:p>
+          <a:p>
+            <a:r>
+              <a:rPr lang="en-US" dirty="0" smtClean="0"/>
+              <a:t>Serialization</a:t>
+            </a:r>
           </a:p>
           <a:p>
             <a:pPr lvl="1"/>
             <a:r>
               <a:rPr lang="en-US" dirty="0" smtClean="0"/>
-              <a:t>“Resource Acquisition Is Initialization”</a:t>
-            </a:r>
-          </a:p>
-          <a:p>
-            <a:pPr lvl="1"/>
-            <a:r>
-              <a:rPr lang="en-US" dirty="0" smtClean="0"/>
-              <a:t>Acquire and release things in constructor and destructor</a:t>
-            </a:r>
-          </a:p>
-          <a:p>
+              <a:t>see </a:t>
+            </a:r>
             <a:r>
               <a:rPr lang="en-US" dirty="0" smtClean="0">
                 <a:hlinkClick r:id="rId3"/>
               </a:rPr>
-              <a:t>SFINAE</a:t>
-            </a:r>
-            <a:endParaRPr lang="en-US" dirty="0" smtClean="0"/>
-          </a:p>
-          <a:p>
-            <a:pPr lvl="1"/>
-            <a:r>
-              <a:rPr lang="en-US" dirty="0"/>
-              <a:t>“Substitution </a:t>
+              <a:t>google </a:t>
+            </a:r>
+            <a:r>
+              <a:rPr lang="en-US" dirty="0" err="1" smtClean="0">
+                <a:hlinkClick r:id="rId3"/>
+              </a:rPr>
+              <a:t>FlatBuffers</a:t>
+            </a:r>
+            <a:r>
+              <a:rPr lang="en-US" dirty="0" smtClean="0">
+                <a:hlinkClick r:id="rId3"/>
+              </a:rPr>
+              <a:t> </a:t>
             </a:r>
             <a:r>
               <a:rPr lang="en-US" dirty="0" smtClean="0"/>
-              <a:t>Failure Is Not An Error”</a:t>
-            </a:r>
-          </a:p>
-          <a:p>
-            <a:pPr lvl="1"/>
+              <a:t>– good, modern C++</a:t>
+            </a:r>
+          </a:p>
+          <a:p>
             <a:r>
               <a:rPr lang="en-US" dirty="0" smtClean="0"/>
-              <a:t>You won’t get compile-time errors when fiddling with templates</a:t>
+              <a:t>Run-time introspection (C#, Java, Python, …)</a:t>
+            </a:r>
+          </a:p>
+          <a:p>
+            <a:r>
+              <a:rPr lang="en-US" dirty="0" smtClean="0"/>
+              <a:t>Interfaces: Need [ugly] abstract classes</a:t>
+            </a:r>
+          </a:p>
+          <a:p>
+            <a:r>
+              <a:rPr lang="en-US" dirty="0" smtClean="0"/>
+              <a:t>command-line parsing</a:t>
             </a:r>
             <a:endParaRPr lang="en-US" dirty="0"/>
           </a:p>
@@ -3686,7 +4725,7 @@
     </p:spTree>
     <p:extLst>
       <p:ext uri="{BB962C8B-B14F-4D97-AF65-F5344CB8AC3E}">
-        <p14:creationId xmlns:p14="http://schemas.microsoft.com/office/powerpoint/2010/main" val="3246688767"/>
+        <p14:creationId xmlns:p14="http://schemas.microsoft.com/office/powerpoint/2010/main" val="2897646070"/>
       </p:ext>
     </p:extLst>
   </p:cSld>
@@ -3729,12 +4768,8 @@
           <a:lstStyle/>
           <a:p>
             <a:r>
-              <a:rPr lang="en-US" smtClean="0"/>
-              <a:t>MS C/C</a:t>
-            </a:r>
-            <a:r>
               <a:rPr lang="en-US" dirty="0" smtClean="0"/>
-              <a:t>++ runtime dependencies</a:t>
+              <a:t>C++ Idioms</a:t>
             </a:r>
             <a:endParaRPr lang="en-US" dirty="0"/>
           </a:p>
@@ -3752,289 +4787,57 @@
         </p:nvSpPr>
         <p:spPr/>
         <p:txBody>
-          <a:bodyPr>
-            <a:normAutofit fontScale="62500" lnSpcReduction="20000"/>
-          </a:bodyPr>
-          <a:lstStyle/>
-          <a:p>
-            <a:pPr marL="0" indent="0">
-              <a:buNone/>
-            </a:pPr>
-            <a:r>
-              <a:rPr lang="en-US" dirty="0">
-                <a:latin typeface="Consolas" panose="020B0609020204030204" pitchFamily="49" charset="0"/>
-                <a:cs typeface="Consolas" panose="020B0609020204030204" pitchFamily="49" charset="0"/>
-              </a:rPr>
-              <a:t>c:\apps\vs2013\VC\redist\x64</a:t>
-            </a:r>
+          <a:bodyPr/>
+          <a:lstStyle/>
+          <a:p>
             <a:r>
               <a:rPr lang="en-US" dirty="0" smtClean="0">
-                <a:latin typeface="Consolas" panose="020B0609020204030204" pitchFamily="49" charset="0"/>
-                <a:cs typeface="Consolas" panose="020B0609020204030204" pitchFamily="49" charset="0"/>
-              </a:rPr>
-              <a:t>&gt; tree </a:t>
-            </a:r>
-            <a:r>
-              <a:rPr lang="en-US" dirty="0">
-                <a:latin typeface="Consolas" panose="020B0609020204030204" pitchFamily="49" charset="0"/>
-                <a:cs typeface="Consolas" panose="020B0609020204030204" pitchFamily="49" charset="0"/>
-              </a:rPr>
-              <a:t>/f /a</a:t>
-            </a:r>
-          </a:p>
-          <a:p>
-            <a:pPr marL="0" indent="0">
-              <a:buNone/>
-            </a:pPr>
+                <a:hlinkClick r:id="rId2"/>
+              </a:rPr>
+              <a:t>RAII</a:t>
+            </a:r>
+            <a:endParaRPr lang="en-US" dirty="0" smtClean="0"/>
+          </a:p>
+          <a:p>
+            <a:pPr lvl="1"/>
+            <a:r>
+              <a:rPr lang="en-US" dirty="0" smtClean="0"/>
+              <a:t>“Resource Acquisition Is Initialization”</a:t>
+            </a:r>
+          </a:p>
+          <a:p>
+            <a:pPr lvl="1"/>
+            <a:r>
+              <a:rPr lang="en-US" dirty="0" smtClean="0"/>
+              <a:t>Acquire and release things in constructor and destructor</a:t>
+            </a:r>
+          </a:p>
+          <a:p>
             <a:r>
               <a:rPr lang="en-US" dirty="0" smtClean="0">
-                <a:latin typeface="Consolas" panose="020B0609020204030204" pitchFamily="49" charset="0"/>
-                <a:cs typeface="Consolas" panose="020B0609020204030204" pitchFamily="49" charset="0"/>
-              </a:rPr>
-              <a:t>+---</a:t>
-            </a:r>
-            <a:r>
-              <a:rPr lang="en-US" dirty="0">
-                <a:latin typeface="Consolas" panose="020B0609020204030204" pitchFamily="49" charset="0"/>
-                <a:cs typeface="Consolas" panose="020B0609020204030204" pitchFamily="49" charset="0"/>
-              </a:rPr>
-              <a:t>Microsoft.VC120.CRT</a:t>
-            </a:r>
-          </a:p>
-          <a:p>
-            <a:pPr marL="0" indent="0">
-              <a:buNone/>
-            </a:pPr>
-            <a:r>
-              <a:rPr lang="en-US" dirty="0">
-                <a:latin typeface="Consolas" panose="020B0609020204030204" pitchFamily="49" charset="0"/>
-                <a:cs typeface="Consolas" panose="020B0609020204030204" pitchFamily="49" charset="0"/>
-              </a:rPr>
-              <a:t>|       </a:t>
-            </a:r>
-            <a:r>
-              <a:rPr lang="en-US" dirty="0" smtClean="0">
-                <a:latin typeface="Consolas" panose="020B0609020204030204" pitchFamily="49" charset="0"/>
-                <a:cs typeface="Consolas" panose="020B0609020204030204" pitchFamily="49" charset="0"/>
-              </a:rPr>
-              <a:t>msvcp120.dll	// C++ runtime</a:t>
-            </a:r>
-            <a:endParaRPr lang="en-US" dirty="0">
-              <a:latin typeface="Consolas" panose="020B0609020204030204" pitchFamily="49" charset="0"/>
-              <a:cs typeface="Consolas" panose="020B0609020204030204" pitchFamily="49" charset="0"/>
-            </a:endParaRPr>
-          </a:p>
-          <a:p>
-            <a:pPr marL="0" indent="0">
-              <a:buNone/>
-            </a:pPr>
-            <a:r>
-              <a:rPr lang="en-US" dirty="0">
-                <a:latin typeface="Consolas" panose="020B0609020204030204" pitchFamily="49" charset="0"/>
-                <a:cs typeface="Consolas" panose="020B0609020204030204" pitchFamily="49" charset="0"/>
-              </a:rPr>
-              <a:t>|       </a:t>
-            </a:r>
-            <a:r>
-              <a:rPr lang="en-US" dirty="0" smtClean="0">
-                <a:latin typeface="Consolas" panose="020B0609020204030204" pitchFamily="49" charset="0"/>
-                <a:cs typeface="Consolas" panose="020B0609020204030204" pitchFamily="49" charset="0"/>
-              </a:rPr>
-              <a:t>msvcr120.dll	// C runtime</a:t>
-            </a:r>
-            <a:endParaRPr lang="en-US" dirty="0">
-              <a:latin typeface="Consolas" panose="020B0609020204030204" pitchFamily="49" charset="0"/>
-              <a:cs typeface="Consolas" panose="020B0609020204030204" pitchFamily="49" charset="0"/>
-            </a:endParaRPr>
-          </a:p>
-          <a:p>
-            <a:pPr marL="0" indent="0">
-              <a:buNone/>
-            </a:pPr>
-            <a:r>
-              <a:rPr lang="en-US" dirty="0">
-                <a:latin typeface="Consolas" panose="020B0609020204030204" pitchFamily="49" charset="0"/>
-                <a:cs typeface="Consolas" panose="020B0609020204030204" pitchFamily="49" charset="0"/>
-              </a:rPr>
-              <a:t>|       </a:t>
-            </a:r>
-            <a:r>
-              <a:rPr lang="en-US" dirty="0" smtClean="0">
-                <a:latin typeface="Consolas" panose="020B0609020204030204" pitchFamily="49" charset="0"/>
-                <a:cs typeface="Consolas" panose="020B0609020204030204" pitchFamily="49" charset="0"/>
-              </a:rPr>
-              <a:t>vccorlib120.dll 	// C++/CLI</a:t>
-            </a:r>
-            <a:endParaRPr lang="en-US" dirty="0">
-              <a:latin typeface="Consolas" panose="020B0609020204030204" pitchFamily="49" charset="0"/>
-              <a:cs typeface="Consolas" panose="020B0609020204030204" pitchFamily="49" charset="0"/>
-            </a:endParaRPr>
-          </a:p>
-          <a:p>
-            <a:pPr marL="0" indent="0">
-              <a:buNone/>
-            </a:pPr>
-            <a:r>
-              <a:rPr lang="en-US" dirty="0" smtClean="0">
-                <a:latin typeface="Consolas" panose="020B0609020204030204" pitchFamily="49" charset="0"/>
-                <a:cs typeface="Consolas" panose="020B0609020204030204" pitchFamily="49" charset="0"/>
-              </a:rPr>
-              <a:t>+---</a:t>
-            </a:r>
-            <a:r>
-              <a:rPr lang="en-US" dirty="0">
-                <a:latin typeface="Consolas" panose="020B0609020204030204" pitchFamily="49" charset="0"/>
-                <a:cs typeface="Consolas" panose="020B0609020204030204" pitchFamily="49" charset="0"/>
-              </a:rPr>
-              <a:t>Microsoft.VC120.CXXAMP</a:t>
-            </a:r>
-          </a:p>
-          <a:p>
-            <a:pPr marL="0" indent="0">
-              <a:buNone/>
-            </a:pPr>
-            <a:r>
-              <a:rPr lang="en-US" dirty="0">
-                <a:latin typeface="Consolas" panose="020B0609020204030204" pitchFamily="49" charset="0"/>
-                <a:cs typeface="Consolas" panose="020B0609020204030204" pitchFamily="49" charset="0"/>
-              </a:rPr>
-              <a:t>|       vcamp120.dll</a:t>
-            </a:r>
-          </a:p>
-          <a:p>
-            <a:pPr marL="0" indent="0">
-              <a:buNone/>
-            </a:pPr>
-            <a:r>
-              <a:rPr lang="en-US" dirty="0" smtClean="0">
-                <a:latin typeface="Consolas" panose="020B0609020204030204" pitchFamily="49" charset="0"/>
-                <a:cs typeface="Consolas" panose="020B0609020204030204" pitchFamily="49" charset="0"/>
-              </a:rPr>
-              <a:t>+---</a:t>
-            </a:r>
-            <a:r>
-              <a:rPr lang="en-US" dirty="0">
-                <a:latin typeface="Consolas" panose="020B0609020204030204" pitchFamily="49" charset="0"/>
-                <a:cs typeface="Consolas" panose="020B0609020204030204" pitchFamily="49" charset="0"/>
-              </a:rPr>
-              <a:t>Microsoft.VC120.MFC</a:t>
-            </a:r>
-          </a:p>
-          <a:p>
-            <a:pPr marL="0" indent="0">
-              <a:buNone/>
-            </a:pPr>
-            <a:r>
-              <a:rPr lang="en-US" dirty="0">
-                <a:latin typeface="Consolas" panose="020B0609020204030204" pitchFamily="49" charset="0"/>
-                <a:cs typeface="Consolas" panose="020B0609020204030204" pitchFamily="49" charset="0"/>
-              </a:rPr>
-              <a:t>|       mfc120u.dll</a:t>
-            </a:r>
-          </a:p>
-          <a:p>
-            <a:pPr marL="0" indent="0">
-              <a:buNone/>
-            </a:pPr>
-            <a:r>
-              <a:rPr lang="en-US" dirty="0">
-                <a:latin typeface="Consolas" panose="020B0609020204030204" pitchFamily="49" charset="0"/>
-                <a:cs typeface="Consolas" panose="020B0609020204030204" pitchFamily="49" charset="0"/>
-              </a:rPr>
-              <a:t>|       mfcm120u.dll</a:t>
-            </a:r>
-          </a:p>
-          <a:p>
-            <a:pPr marL="0" indent="0">
-              <a:buNone/>
-            </a:pPr>
-            <a:r>
-              <a:rPr lang="en-US" dirty="0" smtClean="0">
-                <a:latin typeface="Consolas" panose="020B0609020204030204" pitchFamily="49" charset="0"/>
-                <a:cs typeface="Consolas" panose="020B0609020204030204" pitchFamily="49" charset="0"/>
-              </a:rPr>
-              <a:t>+---</a:t>
-            </a:r>
-            <a:r>
-              <a:rPr lang="en-US" dirty="0">
-                <a:latin typeface="Consolas" panose="020B0609020204030204" pitchFamily="49" charset="0"/>
-                <a:cs typeface="Consolas" panose="020B0609020204030204" pitchFamily="49" charset="0"/>
-              </a:rPr>
-              <a:t>Microsoft.VC120.MFCLOC</a:t>
-            </a:r>
-          </a:p>
-          <a:p>
-            <a:pPr marL="0" indent="0">
-              <a:buNone/>
-            </a:pPr>
-            <a:r>
-              <a:rPr lang="en-US" dirty="0">
-                <a:latin typeface="Consolas" panose="020B0609020204030204" pitchFamily="49" charset="0"/>
-                <a:cs typeface="Consolas" panose="020B0609020204030204" pitchFamily="49" charset="0"/>
-              </a:rPr>
-              <a:t>|       </a:t>
-            </a:r>
-            <a:r>
-              <a:rPr lang="en-US" dirty="0" smtClean="0">
-                <a:latin typeface="Consolas" panose="020B0609020204030204" pitchFamily="49" charset="0"/>
-                <a:cs typeface="Consolas" panose="020B0609020204030204" pitchFamily="49" charset="0"/>
-              </a:rPr>
-              <a:t>//</a:t>
-            </a:r>
-            <a:r>
-              <a:rPr lang="en-US" dirty="0" err="1" smtClean="0">
-                <a:latin typeface="Consolas" panose="020B0609020204030204" pitchFamily="49" charset="0"/>
-                <a:cs typeface="Consolas" panose="020B0609020204030204" pitchFamily="49" charset="0"/>
-              </a:rPr>
-              <a:t>mfc</a:t>
-            </a:r>
-            <a:r>
-              <a:rPr lang="en-US" dirty="0" smtClean="0">
-                <a:latin typeface="Consolas" panose="020B0609020204030204" pitchFamily="49" charset="0"/>
-                <a:cs typeface="Consolas" panose="020B0609020204030204" pitchFamily="49" charset="0"/>
-              </a:rPr>
-              <a:t> localized stuff</a:t>
-            </a:r>
-            <a:endParaRPr lang="en-US" dirty="0">
-              <a:latin typeface="Consolas" panose="020B0609020204030204" pitchFamily="49" charset="0"/>
-              <a:cs typeface="Consolas" panose="020B0609020204030204" pitchFamily="49" charset="0"/>
-            </a:endParaRPr>
-          </a:p>
-          <a:p>
-            <a:pPr marL="0" indent="0">
-              <a:buNone/>
-            </a:pPr>
-            <a:r>
-              <a:rPr lang="en-US" dirty="0" smtClean="0">
-                <a:latin typeface="Consolas" panose="020B0609020204030204" pitchFamily="49" charset="0"/>
-                <a:cs typeface="Consolas" panose="020B0609020204030204" pitchFamily="49" charset="0"/>
-              </a:rPr>
-              <a:t>\---</a:t>
-            </a:r>
-            <a:r>
-              <a:rPr lang="en-US" dirty="0">
-                <a:latin typeface="Consolas" panose="020B0609020204030204" pitchFamily="49" charset="0"/>
-                <a:cs typeface="Consolas" panose="020B0609020204030204" pitchFamily="49" charset="0"/>
-              </a:rPr>
-              <a:t>Microsoft.VC120.OpenMP</a:t>
-            </a:r>
-          </a:p>
-          <a:p>
-            <a:pPr marL="0" indent="0">
-              <a:buNone/>
-            </a:pPr>
-            <a:r>
-              <a:rPr lang="en-US" dirty="0">
-                <a:latin typeface="Consolas" panose="020B0609020204030204" pitchFamily="49" charset="0"/>
-                <a:cs typeface="Consolas" panose="020B0609020204030204" pitchFamily="49" charset="0"/>
-              </a:rPr>
-              <a:t>        vcomp120.dll</a:t>
-            </a:r>
-          </a:p>
-          <a:p>
-            <a:pPr marL="0" indent="0">
-              <a:buNone/>
-            </a:pPr>
+                <a:hlinkClick r:id="rId3"/>
+              </a:rPr>
+              <a:t>SFINAE</a:t>
+            </a:r>
+            <a:endParaRPr lang="en-US" dirty="0" smtClean="0"/>
+          </a:p>
+          <a:p>
+            <a:pPr lvl="1"/>
+            <a:r>
+              <a:rPr lang="en-US" dirty="0"/>
+              <a:t>“Substitution </a:t>
+            </a:r>
+            <a:r>
+              <a:rPr lang="en-US" dirty="0" smtClean="0"/>
+              <a:t>Failure Is Not An Error”</a:t>
+            </a:r>
+          </a:p>
+          <a:p>
+            <a:pPr lvl="1"/>
+            <a:r>
+              <a:rPr lang="en-US" dirty="0" smtClean="0"/>
+              <a:t>You won’t get compile-time errors when fiddling with templates</a:t>
+            </a:r>
             <a:endParaRPr lang="en-US" dirty="0"/>
           </a:p>
         </p:txBody>
@@ -4042,7 +4845,7 @@
     </p:spTree>
     <p:extLst>
       <p:ext uri="{BB962C8B-B14F-4D97-AF65-F5344CB8AC3E}">
-        <p14:creationId xmlns:p14="http://schemas.microsoft.com/office/powerpoint/2010/main" val="2368571093"/>
+        <p14:creationId xmlns:p14="http://schemas.microsoft.com/office/powerpoint/2010/main" val="3246688767"/>
       </p:ext>
     </p:extLst>
   </p:cSld>
@@ -4085,6 +4888,362 @@
           <a:lstStyle/>
           <a:p>
             <a:r>
+              <a:rPr lang="en-US" smtClean="0"/>
+              <a:t>MS C/C</a:t>
+            </a:r>
+            <a:r>
+              <a:rPr lang="en-US" dirty="0" smtClean="0"/>
+              <a:t>++ runtime dependencies</a:t>
+            </a:r>
+            <a:endParaRPr lang="en-US" dirty="0"/>
+          </a:p>
+        </p:txBody>
+      </p:sp>
+      <p:sp>
+        <p:nvSpPr>
+          <p:cNvPr id="3" name="Content Placeholder 2"/>
+          <p:cNvSpPr>
+            <a:spLocks noGrp="1"/>
+          </p:cNvSpPr>
+          <p:nvPr>
+            <p:ph idx="1"/>
+          </p:nvPr>
+        </p:nvSpPr>
+        <p:spPr/>
+        <p:txBody>
+          <a:bodyPr>
+            <a:normAutofit fontScale="62500" lnSpcReduction="20000"/>
+          </a:bodyPr>
+          <a:lstStyle/>
+          <a:p>
+            <a:pPr marL="0" indent="0">
+              <a:buNone/>
+            </a:pPr>
+            <a:r>
+              <a:rPr lang="en-US" dirty="0">
+                <a:latin typeface="Consolas" panose="020B0609020204030204" pitchFamily="49" charset="0"/>
+                <a:cs typeface="Consolas" panose="020B0609020204030204" pitchFamily="49" charset="0"/>
+              </a:rPr>
+              <a:t>c:\apps\vs2013\VC\redist\x64</a:t>
+            </a:r>
+            <a:r>
+              <a:rPr lang="en-US" dirty="0" smtClean="0">
+                <a:latin typeface="Consolas" panose="020B0609020204030204" pitchFamily="49" charset="0"/>
+                <a:cs typeface="Consolas" panose="020B0609020204030204" pitchFamily="49" charset="0"/>
+              </a:rPr>
+              <a:t>&gt; tree </a:t>
+            </a:r>
+            <a:r>
+              <a:rPr lang="en-US" dirty="0">
+                <a:latin typeface="Consolas" panose="020B0609020204030204" pitchFamily="49" charset="0"/>
+                <a:cs typeface="Consolas" panose="020B0609020204030204" pitchFamily="49" charset="0"/>
+              </a:rPr>
+              <a:t>/f /a</a:t>
+            </a:r>
+          </a:p>
+          <a:p>
+            <a:pPr marL="0" indent="0">
+              <a:buNone/>
+            </a:pPr>
+            <a:r>
+              <a:rPr lang="en-US" dirty="0" smtClean="0">
+                <a:latin typeface="Consolas" panose="020B0609020204030204" pitchFamily="49" charset="0"/>
+                <a:cs typeface="Consolas" panose="020B0609020204030204" pitchFamily="49" charset="0"/>
+              </a:rPr>
+              <a:t>+---</a:t>
+            </a:r>
+            <a:r>
+              <a:rPr lang="en-US" dirty="0">
+                <a:latin typeface="Consolas" panose="020B0609020204030204" pitchFamily="49" charset="0"/>
+                <a:cs typeface="Consolas" panose="020B0609020204030204" pitchFamily="49" charset="0"/>
+              </a:rPr>
+              <a:t>Microsoft.VC120.CRT</a:t>
+            </a:r>
+          </a:p>
+          <a:p>
+            <a:pPr marL="0" indent="0">
+              <a:buNone/>
+            </a:pPr>
+            <a:r>
+              <a:rPr lang="en-US" dirty="0">
+                <a:latin typeface="Consolas" panose="020B0609020204030204" pitchFamily="49" charset="0"/>
+                <a:cs typeface="Consolas" panose="020B0609020204030204" pitchFamily="49" charset="0"/>
+              </a:rPr>
+              <a:t>|       </a:t>
+            </a:r>
+            <a:r>
+              <a:rPr lang="en-US" dirty="0" smtClean="0">
+                <a:latin typeface="Consolas" panose="020B0609020204030204" pitchFamily="49" charset="0"/>
+                <a:cs typeface="Consolas" panose="020B0609020204030204" pitchFamily="49" charset="0"/>
+              </a:rPr>
+              <a:t>msvcp120.dll	// C++ runtime</a:t>
+            </a:r>
+            <a:endParaRPr lang="en-US" dirty="0">
+              <a:latin typeface="Consolas" panose="020B0609020204030204" pitchFamily="49" charset="0"/>
+              <a:cs typeface="Consolas" panose="020B0609020204030204" pitchFamily="49" charset="0"/>
+            </a:endParaRPr>
+          </a:p>
+          <a:p>
+            <a:pPr marL="0" indent="0">
+              <a:buNone/>
+            </a:pPr>
+            <a:r>
+              <a:rPr lang="en-US" dirty="0">
+                <a:latin typeface="Consolas" panose="020B0609020204030204" pitchFamily="49" charset="0"/>
+                <a:cs typeface="Consolas" panose="020B0609020204030204" pitchFamily="49" charset="0"/>
+              </a:rPr>
+              <a:t>|       </a:t>
+            </a:r>
+            <a:r>
+              <a:rPr lang="en-US" dirty="0" smtClean="0">
+                <a:latin typeface="Consolas" panose="020B0609020204030204" pitchFamily="49" charset="0"/>
+                <a:cs typeface="Consolas" panose="020B0609020204030204" pitchFamily="49" charset="0"/>
+              </a:rPr>
+              <a:t>msvcr120.dll	// C runtime</a:t>
+            </a:r>
+            <a:endParaRPr lang="en-US" dirty="0">
+              <a:latin typeface="Consolas" panose="020B0609020204030204" pitchFamily="49" charset="0"/>
+              <a:cs typeface="Consolas" panose="020B0609020204030204" pitchFamily="49" charset="0"/>
+            </a:endParaRPr>
+          </a:p>
+          <a:p>
+            <a:pPr marL="0" indent="0">
+              <a:buNone/>
+            </a:pPr>
+            <a:r>
+              <a:rPr lang="en-US" dirty="0">
+                <a:latin typeface="Consolas" panose="020B0609020204030204" pitchFamily="49" charset="0"/>
+                <a:cs typeface="Consolas" panose="020B0609020204030204" pitchFamily="49" charset="0"/>
+              </a:rPr>
+              <a:t>|       </a:t>
+            </a:r>
+            <a:r>
+              <a:rPr lang="en-US" dirty="0" smtClean="0">
+                <a:latin typeface="Consolas" panose="020B0609020204030204" pitchFamily="49" charset="0"/>
+                <a:cs typeface="Consolas" panose="020B0609020204030204" pitchFamily="49" charset="0"/>
+              </a:rPr>
+              <a:t>vccorlib120.dll 	// C++/CLI</a:t>
+            </a:r>
+            <a:endParaRPr lang="en-US" dirty="0">
+              <a:latin typeface="Consolas" panose="020B0609020204030204" pitchFamily="49" charset="0"/>
+              <a:cs typeface="Consolas" panose="020B0609020204030204" pitchFamily="49" charset="0"/>
+            </a:endParaRPr>
+          </a:p>
+          <a:p>
+            <a:pPr marL="0" indent="0">
+              <a:buNone/>
+            </a:pPr>
+            <a:r>
+              <a:rPr lang="en-US" dirty="0" smtClean="0">
+                <a:latin typeface="Consolas" panose="020B0609020204030204" pitchFamily="49" charset="0"/>
+                <a:cs typeface="Consolas" panose="020B0609020204030204" pitchFamily="49" charset="0"/>
+              </a:rPr>
+              <a:t>+---</a:t>
+            </a:r>
+            <a:r>
+              <a:rPr lang="en-US" dirty="0">
+                <a:latin typeface="Consolas" panose="020B0609020204030204" pitchFamily="49" charset="0"/>
+                <a:cs typeface="Consolas" panose="020B0609020204030204" pitchFamily="49" charset="0"/>
+              </a:rPr>
+              <a:t>Microsoft.VC120.CXXAMP</a:t>
+            </a:r>
+          </a:p>
+          <a:p>
+            <a:pPr marL="0" indent="0">
+              <a:buNone/>
+            </a:pPr>
+            <a:r>
+              <a:rPr lang="en-US" dirty="0">
+                <a:latin typeface="Consolas" panose="020B0609020204030204" pitchFamily="49" charset="0"/>
+                <a:cs typeface="Consolas" panose="020B0609020204030204" pitchFamily="49" charset="0"/>
+              </a:rPr>
+              <a:t>|       vcamp120.dll</a:t>
+            </a:r>
+          </a:p>
+          <a:p>
+            <a:pPr marL="0" indent="0">
+              <a:buNone/>
+            </a:pPr>
+            <a:r>
+              <a:rPr lang="en-US" dirty="0" smtClean="0">
+                <a:latin typeface="Consolas" panose="020B0609020204030204" pitchFamily="49" charset="0"/>
+                <a:cs typeface="Consolas" panose="020B0609020204030204" pitchFamily="49" charset="0"/>
+              </a:rPr>
+              <a:t>+---</a:t>
+            </a:r>
+            <a:r>
+              <a:rPr lang="en-US" dirty="0">
+                <a:latin typeface="Consolas" panose="020B0609020204030204" pitchFamily="49" charset="0"/>
+                <a:cs typeface="Consolas" panose="020B0609020204030204" pitchFamily="49" charset="0"/>
+              </a:rPr>
+              <a:t>Microsoft.VC120.MFC</a:t>
+            </a:r>
+          </a:p>
+          <a:p>
+            <a:pPr marL="0" indent="0">
+              <a:buNone/>
+            </a:pPr>
+            <a:r>
+              <a:rPr lang="en-US" dirty="0">
+                <a:latin typeface="Consolas" panose="020B0609020204030204" pitchFamily="49" charset="0"/>
+                <a:cs typeface="Consolas" panose="020B0609020204030204" pitchFamily="49" charset="0"/>
+              </a:rPr>
+              <a:t>|       mfc120u.dll</a:t>
+            </a:r>
+          </a:p>
+          <a:p>
+            <a:pPr marL="0" indent="0">
+              <a:buNone/>
+            </a:pPr>
+            <a:r>
+              <a:rPr lang="en-US" dirty="0">
+                <a:latin typeface="Consolas" panose="020B0609020204030204" pitchFamily="49" charset="0"/>
+                <a:cs typeface="Consolas" panose="020B0609020204030204" pitchFamily="49" charset="0"/>
+              </a:rPr>
+              <a:t>|       mfcm120u.dll</a:t>
+            </a:r>
+          </a:p>
+          <a:p>
+            <a:pPr marL="0" indent="0">
+              <a:buNone/>
+            </a:pPr>
+            <a:r>
+              <a:rPr lang="en-US" dirty="0" smtClean="0">
+                <a:latin typeface="Consolas" panose="020B0609020204030204" pitchFamily="49" charset="0"/>
+                <a:cs typeface="Consolas" panose="020B0609020204030204" pitchFamily="49" charset="0"/>
+              </a:rPr>
+              <a:t>+---</a:t>
+            </a:r>
+            <a:r>
+              <a:rPr lang="en-US" dirty="0">
+                <a:latin typeface="Consolas" panose="020B0609020204030204" pitchFamily="49" charset="0"/>
+                <a:cs typeface="Consolas" panose="020B0609020204030204" pitchFamily="49" charset="0"/>
+              </a:rPr>
+              <a:t>Microsoft.VC120.MFCLOC</a:t>
+            </a:r>
+          </a:p>
+          <a:p>
+            <a:pPr marL="0" indent="0">
+              <a:buNone/>
+            </a:pPr>
+            <a:r>
+              <a:rPr lang="en-US" dirty="0">
+                <a:latin typeface="Consolas" panose="020B0609020204030204" pitchFamily="49" charset="0"/>
+                <a:cs typeface="Consolas" panose="020B0609020204030204" pitchFamily="49" charset="0"/>
+              </a:rPr>
+              <a:t>|       </a:t>
+            </a:r>
+            <a:r>
+              <a:rPr lang="en-US" dirty="0" smtClean="0">
+                <a:latin typeface="Consolas" panose="020B0609020204030204" pitchFamily="49" charset="0"/>
+                <a:cs typeface="Consolas" panose="020B0609020204030204" pitchFamily="49" charset="0"/>
+              </a:rPr>
+              <a:t>//</a:t>
+            </a:r>
+            <a:r>
+              <a:rPr lang="en-US" dirty="0" err="1" smtClean="0">
+                <a:latin typeface="Consolas" panose="020B0609020204030204" pitchFamily="49" charset="0"/>
+                <a:cs typeface="Consolas" panose="020B0609020204030204" pitchFamily="49" charset="0"/>
+              </a:rPr>
+              <a:t>mfc</a:t>
+            </a:r>
+            <a:r>
+              <a:rPr lang="en-US" dirty="0" smtClean="0">
+                <a:latin typeface="Consolas" panose="020B0609020204030204" pitchFamily="49" charset="0"/>
+                <a:cs typeface="Consolas" panose="020B0609020204030204" pitchFamily="49" charset="0"/>
+              </a:rPr>
+              <a:t> localized stuff</a:t>
+            </a:r>
+            <a:endParaRPr lang="en-US" dirty="0">
+              <a:latin typeface="Consolas" panose="020B0609020204030204" pitchFamily="49" charset="0"/>
+              <a:cs typeface="Consolas" panose="020B0609020204030204" pitchFamily="49" charset="0"/>
+            </a:endParaRPr>
+          </a:p>
+          <a:p>
+            <a:pPr marL="0" indent="0">
+              <a:buNone/>
+            </a:pPr>
+            <a:r>
+              <a:rPr lang="en-US" dirty="0" smtClean="0">
+                <a:latin typeface="Consolas" panose="020B0609020204030204" pitchFamily="49" charset="0"/>
+                <a:cs typeface="Consolas" panose="020B0609020204030204" pitchFamily="49" charset="0"/>
+              </a:rPr>
+              <a:t>\---</a:t>
+            </a:r>
+            <a:r>
+              <a:rPr lang="en-US" dirty="0">
+                <a:latin typeface="Consolas" panose="020B0609020204030204" pitchFamily="49" charset="0"/>
+                <a:cs typeface="Consolas" panose="020B0609020204030204" pitchFamily="49" charset="0"/>
+              </a:rPr>
+              <a:t>Microsoft.VC120.OpenMP</a:t>
+            </a:r>
+          </a:p>
+          <a:p>
+            <a:pPr marL="0" indent="0">
+              <a:buNone/>
+            </a:pPr>
+            <a:r>
+              <a:rPr lang="en-US" dirty="0">
+                <a:latin typeface="Consolas" panose="020B0609020204030204" pitchFamily="49" charset="0"/>
+                <a:cs typeface="Consolas" panose="020B0609020204030204" pitchFamily="49" charset="0"/>
+              </a:rPr>
+              <a:t>        vcomp120.dll</a:t>
+            </a:r>
+          </a:p>
+          <a:p>
+            <a:pPr marL="0" indent="0">
+              <a:buNone/>
+            </a:pPr>
+            <a:endParaRPr lang="en-US" dirty="0"/>
+          </a:p>
+        </p:txBody>
+      </p:sp>
+    </p:spTree>
+    <p:extLst>
+      <p:ext uri="{BB962C8B-B14F-4D97-AF65-F5344CB8AC3E}">
+        <p14:creationId xmlns:p14="http://schemas.microsoft.com/office/powerpoint/2010/main" val="2368571093"/>
+      </p:ext>
+    </p:extLst>
+  </p:cSld>
+  <p:clrMapOvr>
+    <a:masterClrMapping/>
+  </p:clrMapOvr>
+</p:sld>
+</file>
+
+<file path=ppt/slides/slide8.xml><?xml version="1.0" encoding="utf-8"?>
+<p:sld xmlns:a="http://schemas.openxmlformats.org/drawingml/2006/main" xmlns:r="http://schemas.openxmlformats.org/officeDocument/2006/relationships" xmlns:p="http://schemas.openxmlformats.org/presentationml/2006/main">
+  <p:cSld>
+    <p:spTree>
+      <p:nvGrpSpPr>
+        <p:cNvPr id="1" name=""/>
+        <p:cNvGrpSpPr/>
+        <p:nvPr/>
+      </p:nvGrpSpPr>
+      <p:grpSpPr>
+        <a:xfrm>
+          <a:off x="0" y="0"/>
+          <a:ext cx="0" cy="0"/>
+          <a:chOff x="0" y="0"/>
+          <a:chExt cx="0" cy="0"/>
+        </a:xfrm>
+      </p:grpSpPr>
+      <p:sp>
+        <p:nvSpPr>
+          <p:cNvPr id="2" name="Title 1"/>
+          <p:cNvSpPr>
+            <a:spLocks noGrp="1"/>
+          </p:cNvSpPr>
+          <p:nvPr>
+            <p:ph type="title"/>
+          </p:nvPr>
+        </p:nvSpPr>
+        <p:spPr/>
+        <p:txBody>
+          <a:bodyPr/>
+          <a:lstStyle/>
+          <a:p>
+            <a:r>
               <a:rPr lang="en-US" dirty="0" smtClean="0"/>
               <a:t>Which C++ compiler?</a:t>
             </a:r>
@@ -4175,14 +5334,7 @@
                 <a:latin typeface="Consolas" panose="020B0609020204030204" pitchFamily="49" charset="0"/>
                 <a:cs typeface="Consolas" panose="020B0609020204030204" pitchFamily="49" charset="0"/>
               </a:rPr>
-              <a:t>&gt; </a:t>
-            </a:r>
-            <a:r>
-              <a:rPr lang="en-US" sz="1800" smtClean="0">
-                <a:latin typeface="Consolas" panose="020B0609020204030204" pitchFamily="49" charset="0"/>
-                <a:cs typeface="Consolas" panose="020B0609020204030204" pitchFamily="49" charset="0"/>
-              </a:rPr>
-              <a:t>cl.exe</a:t>
+              <a:t>&gt; cl.exe</a:t>
             </a:r>
             <a:endParaRPr lang="en-US" sz="1800" dirty="0">
               <a:latin typeface="Consolas" panose="020B0609020204030204" pitchFamily="49" charset="0"/>
@@ -4300,7 +5452,7 @@
 </p:sld>
 </file>
 
-<file path=ppt/slides/slide8.xml><?xml version="1.0" encoding="utf-8"?>
+<file path=ppt/slides/slide9.xml><?xml version="1.0" encoding="utf-8"?>
 <p:sld xmlns:a="http://schemas.openxmlformats.org/drawingml/2006/main" xmlns:r="http://schemas.openxmlformats.org/officeDocument/2006/relationships" xmlns:p="http://schemas.openxmlformats.org/presentationml/2006/main">
   <p:cSld>
     <p:spTree>

--- a/doc/Fun_with_C++11.pptx
+++ b/doc/Fun_with_C++11.pptx
@@ -8,14 +8,21 @@
     <p:sldId id="256" r:id="rId2"/>
     <p:sldId id="260" r:id="rId3"/>
     <p:sldId id="258" r:id="rId4"/>
-    <p:sldId id="264" r:id="rId5"/>
-    <p:sldId id="257" r:id="rId6"/>
-    <p:sldId id="259" r:id="rId7"/>
-    <p:sldId id="261" r:id="rId8"/>
-    <p:sldId id="262" r:id="rId9"/>
-    <p:sldId id="263" r:id="rId10"/>
-    <p:sldId id="265" r:id="rId11"/>
-    <p:sldId id="266" r:id="rId12"/>
+    <p:sldId id="272" r:id="rId5"/>
+    <p:sldId id="273" r:id="rId6"/>
+    <p:sldId id="264" r:id="rId7"/>
+    <p:sldId id="257" r:id="rId8"/>
+    <p:sldId id="259" r:id="rId9"/>
+    <p:sldId id="270" r:id="rId10"/>
+    <p:sldId id="271" r:id="rId11"/>
+    <p:sldId id="261" r:id="rId12"/>
+    <p:sldId id="262" r:id="rId13"/>
+    <p:sldId id="263" r:id="rId14"/>
+    <p:sldId id="265" r:id="rId15"/>
+    <p:sldId id="266" r:id="rId16"/>
+    <p:sldId id="267" r:id="rId17"/>
+    <p:sldId id="268" r:id="rId18"/>
+    <p:sldId id="269" r:id="rId19"/>
   </p:sldIdLst>
   <p:sldSz cx="9144000" cy="6858000" type="screen4x3"/>
   <p:notesSz cx="6858000" cy="9144000"/>
@@ -298,7 +305,7 @@
           <a:p>
             <a:fld id="{81509AD4-132E-4B79-8E81-ED2DE054EDF4}" type="datetimeFigureOut">
               <a:rPr lang="en-US" smtClean="0"/>
-              <a:t>11/6/2014</a:t>
+              <a:t>11/7/2014</a:t>
             </a:fld>
             <a:endParaRPr lang="en-US" dirty="0"/>
           </a:p>
@@ -468,7 +475,7 @@
           <a:p>
             <a:fld id="{81509AD4-132E-4B79-8E81-ED2DE054EDF4}" type="datetimeFigureOut">
               <a:rPr lang="en-US" smtClean="0"/>
-              <a:t>11/6/2014</a:t>
+              <a:t>11/7/2014</a:t>
             </a:fld>
             <a:endParaRPr lang="en-US" dirty="0"/>
           </a:p>
@@ -648,7 +655,7 @@
           <a:p>
             <a:fld id="{81509AD4-132E-4B79-8E81-ED2DE054EDF4}" type="datetimeFigureOut">
               <a:rPr lang="en-US" smtClean="0"/>
-              <a:t>11/6/2014</a:t>
+              <a:t>11/7/2014</a:t>
             </a:fld>
             <a:endParaRPr lang="en-US" dirty="0"/>
           </a:p>
@@ -818,7 +825,7 @@
           <a:p>
             <a:fld id="{81509AD4-132E-4B79-8E81-ED2DE054EDF4}" type="datetimeFigureOut">
               <a:rPr lang="en-US" smtClean="0"/>
-              <a:t>11/6/2014</a:t>
+              <a:t>11/7/2014</a:t>
             </a:fld>
             <a:endParaRPr lang="en-US" dirty="0"/>
           </a:p>
@@ -1064,7 +1071,7 @@
           <a:p>
             <a:fld id="{81509AD4-132E-4B79-8E81-ED2DE054EDF4}" type="datetimeFigureOut">
               <a:rPr lang="en-US" smtClean="0"/>
-              <a:t>11/6/2014</a:t>
+              <a:t>11/7/2014</a:t>
             </a:fld>
             <a:endParaRPr lang="en-US" dirty="0"/>
           </a:p>
@@ -1352,7 +1359,7 @@
           <a:p>
             <a:fld id="{81509AD4-132E-4B79-8E81-ED2DE054EDF4}" type="datetimeFigureOut">
               <a:rPr lang="en-US" smtClean="0"/>
-              <a:t>11/6/2014</a:t>
+              <a:t>11/7/2014</a:t>
             </a:fld>
             <a:endParaRPr lang="en-US" dirty="0"/>
           </a:p>
@@ -1774,7 +1781,7 @@
           <a:p>
             <a:fld id="{81509AD4-132E-4B79-8E81-ED2DE054EDF4}" type="datetimeFigureOut">
               <a:rPr lang="en-US" smtClean="0"/>
-              <a:t>11/6/2014</a:t>
+              <a:t>11/7/2014</a:t>
             </a:fld>
             <a:endParaRPr lang="en-US" dirty="0"/>
           </a:p>
@@ -1892,7 +1899,7 @@
           <a:p>
             <a:fld id="{81509AD4-132E-4B79-8E81-ED2DE054EDF4}" type="datetimeFigureOut">
               <a:rPr lang="en-US" smtClean="0"/>
-              <a:t>11/6/2014</a:t>
+              <a:t>11/7/2014</a:t>
             </a:fld>
             <a:endParaRPr lang="en-US" dirty="0"/>
           </a:p>
@@ -1987,7 +1994,7 @@
           <a:p>
             <a:fld id="{81509AD4-132E-4B79-8E81-ED2DE054EDF4}" type="datetimeFigureOut">
               <a:rPr lang="en-US" smtClean="0"/>
-              <a:t>11/6/2014</a:t>
+              <a:t>11/7/2014</a:t>
             </a:fld>
             <a:endParaRPr lang="en-US" dirty="0"/>
           </a:p>
@@ -2264,7 +2271,7 @@
           <a:p>
             <a:fld id="{81509AD4-132E-4B79-8E81-ED2DE054EDF4}" type="datetimeFigureOut">
               <a:rPr lang="en-US" smtClean="0"/>
-              <a:t>11/6/2014</a:t>
+              <a:t>11/7/2014</a:t>
             </a:fld>
             <a:endParaRPr lang="en-US" dirty="0"/>
           </a:p>
@@ -2517,7 +2524,7 @@
           <a:p>
             <a:fld id="{81509AD4-132E-4B79-8E81-ED2DE054EDF4}" type="datetimeFigureOut">
               <a:rPr lang="en-US" smtClean="0"/>
-              <a:t>11/6/2014</a:t>
+              <a:t>11/7/2014</a:t>
             </a:fld>
             <a:endParaRPr lang="en-US" dirty="0"/>
           </a:p>
@@ -2730,7 +2737,7 @@
           <a:p>
             <a:fld id="{81509AD4-132E-4B79-8E81-ED2DE054EDF4}" type="datetimeFigureOut">
               <a:rPr lang="en-US" smtClean="0"/>
-              <a:t>11/6/2014</a:t>
+              <a:t>11/7/2014</a:t>
             </a:fld>
             <a:endParaRPr lang="en-US" dirty="0"/>
           </a:p>
@@ -3143,10 +3150,6 @@
           <a:bodyPr/>
           <a:lstStyle/>
           <a:p>
-            <a:r>
-              <a:rPr lang="en-US" i="1" dirty="0" smtClean="0"/>
-              <a:t>Define ‘fun’. Your mileage may vary.</a:t>
-            </a:r>
             <a:endParaRPr lang="en-US" i="1" dirty="0"/>
           </a:p>
         </p:txBody>
@@ -3161,6 +3164,13 @@
   <p:clrMapOvr>
     <a:masterClrMapping/>
   </p:clrMapOvr>
+  <p:timing>
+    <p:tnLst>
+      <p:par>
+        <p:cTn id="1" dur="indefinite" restart="never" nodeType="tmRoot"/>
+      </p:par>
+    </p:tnLst>
+  </p:timing>
 </p:sld>
 </file>
 
@@ -3197,16 +3207,12 @@
           <a:lstStyle/>
           <a:p>
             <a:r>
-              <a:rPr lang="en-US" dirty="0" err="1" smtClean="0"/>
-              <a:t>std</a:t>
-            </a:r>
-            <a:r>
               <a:rPr lang="en-US" dirty="0" smtClean="0"/>
-              <a:t>::</a:t>
-            </a:r>
-            <a:r>
-              <a:rPr lang="en-US" dirty="0" err="1" smtClean="0"/>
-              <a:t>to_string</a:t>
+              <a:t>C</a:t>
+            </a:r>
+            <a:r>
+              <a:rPr lang="en-US" dirty="0" smtClean="0"/>
+              <a:t>++11 Rule of 5</a:t>
             </a:r>
             <a:endParaRPr lang="en-US" dirty="0"/>
           </a:p>
@@ -3222,455 +3228,67 @@
             <p:ph idx="1"/>
           </p:nvPr>
         </p:nvSpPr>
-        <p:spPr>
-          <a:xfrm>
-            <a:off x="457200" y="1600200"/>
-            <a:ext cx="8229600" cy="4800600"/>
-          </a:xfrm>
-        </p:spPr>
-        <p:txBody>
-          <a:bodyPr>
-            <a:normAutofit fontScale="92500" lnSpcReduction="10000"/>
-          </a:bodyPr>
-          <a:lstStyle/>
-          <a:p>
+        <p:spPr/>
+        <p:txBody>
+          <a:bodyPr/>
+          <a:lstStyle/>
+          <a:p>
+            <a:pPr marL="0" indent="0">
+              <a:buNone/>
+            </a:pPr>
+            <a:r>
+              <a:rPr lang="en-US" sz="2400" dirty="0">
+                <a:hlinkClick r:id="rId2"/>
+              </a:rPr>
+              <a:t>http://</a:t>
+            </a:r>
+            <a:r>
+              <a:rPr lang="en-US" sz="2400" dirty="0" smtClean="0">
+                <a:hlinkClick r:id="rId2"/>
+              </a:rPr>
+              <a:t>en.cppreference.com/w/cpp/language/rule_of_three</a:t>
+            </a:r>
+            <a:endParaRPr lang="en-US" sz="2400" dirty="0" smtClean="0"/>
+          </a:p>
+          <a:p>
+            <a:pPr marL="0" indent="0">
+              <a:buNone/>
+            </a:pPr>
+            <a:endParaRPr lang="en-US" dirty="0" smtClean="0"/>
+          </a:p>
+          <a:p>
+            <a:pPr marL="400050" lvl="1" indent="0">
+              <a:buNone/>
+            </a:pPr>
+            <a:r>
+              <a:rPr lang="en-US" dirty="0"/>
+              <a:t>“Because the presence of a user-defined destructor, copy-constructor, or copy-assignment operator prevents implicit definition of the move constructor and the move assignment operator, any class for which move semantics are desirable, has to declare all five special member </a:t>
+            </a:r>
             <a:r>
               <a:rPr lang="en-US" dirty="0" smtClean="0"/>
-              <a:t>“</a:t>
-            </a:r>
-            <a:r>
-              <a:rPr lang="en-US" dirty="0"/>
-              <a:t>Converts a numeric value to </a:t>
-            </a:r>
-            <a:r>
-              <a:rPr lang="en-US" dirty="0" err="1">
-                <a:hlinkClick r:id="rId2" tooltip="cpp/string/basic string"/>
-              </a:rPr>
-              <a:t>std</a:t>
-            </a:r>
-            <a:r>
-              <a:rPr lang="en-US" dirty="0">
-                <a:hlinkClick r:id="rId2" tooltip="cpp/string/basic string"/>
-              </a:rPr>
-              <a:t>::string</a:t>
-            </a:r>
-            <a:r>
-              <a:rPr lang="en-US" dirty="0" smtClean="0"/>
-              <a:t>.”</a:t>
-            </a:r>
-          </a:p>
-          <a:p>
-            <a:pPr marL="400050" lvl="1" indent="0">
-              <a:buNone/>
-            </a:pPr>
-            <a:r>
-              <a:rPr lang="en-US" sz="1800" dirty="0" smtClean="0">
-                <a:hlinkClick r:id="rId3"/>
-              </a:rPr>
-              <a:t>http</a:t>
-            </a:r>
-            <a:r>
-              <a:rPr lang="en-US" sz="1800" dirty="0">
-                <a:hlinkClick r:id="rId3"/>
-              </a:rPr>
-              <a:t>://</a:t>
-            </a:r>
-            <a:r>
-              <a:rPr lang="en-US" sz="1800" dirty="0" smtClean="0">
-                <a:hlinkClick r:id="rId3"/>
-              </a:rPr>
-              <a:t>en.cppreference.com/w/cpp/string/basic_string/to_string</a:t>
-            </a:r>
-            <a:endParaRPr lang="en-US" sz="1800" dirty="0" smtClean="0"/>
-          </a:p>
-          <a:p>
-            <a:pPr marL="285750"/>
-            <a:r>
-              <a:rPr lang="en-US" dirty="0" smtClean="0"/>
-              <a:t>Avoid </a:t>
-            </a:r>
-            <a:r>
-              <a:rPr lang="en-US" dirty="0" err="1" smtClean="0"/>
-              <a:t>atof</a:t>
-            </a:r>
-            <a:r>
-              <a:rPr lang="en-US" dirty="0" smtClean="0"/>
-              <a:t>(), </a:t>
-            </a:r>
-            <a:r>
-              <a:rPr lang="en-US" dirty="0" err="1" smtClean="0"/>
-              <a:t>atoi</a:t>
-            </a:r>
-            <a:r>
-              <a:rPr lang="en-US" dirty="0" smtClean="0"/>
-              <a:t>(), …; </a:t>
-            </a:r>
-            <a:r>
-              <a:rPr lang="en-US" dirty="0" err="1" smtClean="0"/>
-              <a:t>unicode</a:t>
-            </a:r>
-            <a:r>
-              <a:rPr lang="en-US" dirty="0" smtClean="0"/>
-              <a:t>; …</a:t>
-            </a:r>
-          </a:p>
-          <a:p>
-            <a:pPr marL="285750"/>
-            <a:r>
-              <a:rPr lang="en-US" dirty="0" smtClean="0"/>
-              <a:t>Use </a:t>
-            </a:r>
-            <a:r>
-              <a:rPr lang="en-US" dirty="0" err="1" smtClean="0"/>
-              <a:t>to_wstring</a:t>
-            </a:r>
-            <a:r>
-              <a:rPr lang="en-US" dirty="0" smtClean="0"/>
-              <a:t>() for wide strings</a:t>
+              <a:t>functions.</a:t>
             </a:r>
             <a:endParaRPr lang="en-US" dirty="0"/>
-          </a:p>
-          <a:p>
-            <a:pPr marL="400050" lvl="1" indent="0">
-              <a:buNone/>
-            </a:pPr>
-            <a:endParaRPr lang="en-US" sz="1800" dirty="0" smtClean="0"/>
-          </a:p>
-          <a:p>
-            <a:pPr marL="800100" lvl="2" indent="0">
-              <a:buNone/>
-            </a:pPr>
-            <a:r>
-              <a:rPr lang="en-US" sz="1400" dirty="0" smtClean="0">
-                <a:latin typeface="Consolas" panose="020B0609020204030204" pitchFamily="49" charset="0"/>
-                <a:cs typeface="Consolas" panose="020B0609020204030204" pitchFamily="49" charset="0"/>
-              </a:rPr>
-              <a:t>#</a:t>
-            </a:r>
-            <a:r>
-              <a:rPr lang="en-US" sz="1400" dirty="0">
-                <a:latin typeface="Consolas" panose="020B0609020204030204" pitchFamily="49" charset="0"/>
-                <a:cs typeface="Consolas" panose="020B0609020204030204" pitchFamily="49" charset="0"/>
-              </a:rPr>
-              <a:t>include &lt;</a:t>
-            </a:r>
-            <a:r>
-              <a:rPr lang="en-US" sz="1400" dirty="0" err="1">
-                <a:latin typeface="Consolas" panose="020B0609020204030204" pitchFamily="49" charset="0"/>
-                <a:cs typeface="Consolas" panose="020B0609020204030204" pitchFamily="49" charset="0"/>
-              </a:rPr>
-              <a:t>iostream</a:t>
-            </a:r>
-            <a:r>
-              <a:rPr lang="en-US" sz="1400" dirty="0">
-                <a:latin typeface="Consolas" panose="020B0609020204030204" pitchFamily="49" charset="0"/>
-                <a:cs typeface="Consolas" panose="020B0609020204030204" pitchFamily="49" charset="0"/>
-              </a:rPr>
-              <a:t>&gt;</a:t>
-            </a:r>
-          </a:p>
-          <a:p>
-            <a:pPr marL="800100" lvl="2" indent="0">
-              <a:buNone/>
-            </a:pPr>
-            <a:r>
-              <a:rPr lang="en-US" sz="1400" dirty="0">
-                <a:latin typeface="Consolas" panose="020B0609020204030204" pitchFamily="49" charset="0"/>
-                <a:cs typeface="Consolas" panose="020B0609020204030204" pitchFamily="49" charset="0"/>
-              </a:rPr>
-              <a:t>#include &lt;string</a:t>
-            </a:r>
-            <a:r>
-              <a:rPr lang="en-US" sz="1400" dirty="0" smtClean="0">
-                <a:latin typeface="Consolas" panose="020B0609020204030204" pitchFamily="49" charset="0"/>
-                <a:cs typeface="Consolas" panose="020B0609020204030204" pitchFamily="49" charset="0"/>
-              </a:rPr>
-              <a:t>&gt;</a:t>
-            </a:r>
-          </a:p>
-          <a:p>
-            <a:pPr marL="800100" lvl="2" indent="0">
-              <a:buNone/>
-            </a:pPr>
-            <a:endParaRPr lang="en-US" sz="1400" dirty="0">
-              <a:latin typeface="Consolas" panose="020B0609020204030204" pitchFamily="49" charset="0"/>
-              <a:cs typeface="Consolas" panose="020B0609020204030204" pitchFamily="49" charset="0"/>
-            </a:endParaRPr>
-          </a:p>
-          <a:p>
-            <a:pPr marL="800100" lvl="2" indent="0">
-              <a:buNone/>
-            </a:pPr>
-            <a:r>
-              <a:rPr lang="en-US" sz="1400" dirty="0" err="1" smtClean="0">
-                <a:latin typeface="Consolas" panose="020B0609020204030204" pitchFamily="49" charset="0"/>
-                <a:cs typeface="Consolas" panose="020B0609020204030204" pitchFamily="49" charset="0"/>
-              </a:rPr>
-              <a:t>int</a:t>
-            </a:r>
-            <a:r>
-              <a:rPr lang="en-US" sz="1400" dirty="0" smtClean="0">
-                <a:latin typeface="Consolas" panose="020B0609020204030204" pitchFamily="49" charset="0"/>
-                <a:cs typeface="Consolas" panose="020B0609020204030204" pitchFamily="49" charset="0"/>
-              </a:rPr>
-              <a:t> </a:t>
-            </a:r>
-            <a:r>
-              <a:rPr lang="en-US" sz="1400" dirty="0">
-                <a:latin typeface="Consolas" panose="020B0609020204030204" pitchFamily="49" charset="0"/>
-                <a:cs typeface="Consolas" panose="020B0609020204030204" pitchFamily="49" charset="0"/>
-              </a:rPr>
-              <a:t>main</a:t>
-            </a:r>
-            <a:r>
-              <a:rPr lang="en-US" sz="1400" dirty="0" smtClean="0">
-                <a:latin typeface="Consolas" panose="020B0609020204030204" pitchFamily="49" charset="0"/>
-                <a:cs typeface="Consolas" panose="020B0609020204030204" pitchFamily="49" charset="0"/>
-              </a:rPr>
-              <a:t>()</a:t>
-            </a:r>
-          </a:p>
-          <a:p>
-            <a:pPr marL="800100" lvl="2" indent="0">
-              <a:buNone/>
-            </a:pPr>
-            <a:r>
-              <a:rPr lang="en-US" sz="1400" dirty="0" smtClean="0">
-                <a:latin typeface="Consolas" panose="020B0609020204030204" pitchFamily="49" charset="0"/>
-                <a:cs typeface="Consolas" panose="020B0609020204030204" pitchFamily="49" charset="0"/>
-              </a:rPr>
-              <a:t>{</a:t>
-            </a:r>
-            <a:endParaRPr lang="en-US" sz="1400" dirty="0">
-              <a:latin typeface="Consolas" panose="020B0609020204030204" pitchFamily="49" charset="0"/>
-              <a:cs typeface="Consolas" panose="020B0609020204030204" pitchFamily="49" charset="0"/>
-            </a:endParaRPr>
-          </a:p>
-          <a:p>
-            <a:pPr marL="800100" lvl="2" indent="0">
-              <a:buNone/>
-            </a:pPr>
-            <a:r>
-              <a:rPr lang="en-US" sz="1400" dirty="0">
-                <a:latin typeface="Consolas" panose="020B0609020204030204" pitchFamily="49" charset="0"/>
-                <a:cs typeface="Consolas" panose="020B0609020204030204" pitchFamily="49" charset="0"/>
-              </a:rPr>
-              <a:t>    double f = 23.43;</a:t>
-            </a:r>
-          </a:p>
-          <a:p>
-            <a:pPr marL="800100" lvl="2" indent="0">
-              <a:buNone/>
-            </a:pPr>
-            <a:r>
-              <a:rPr lang="en-US" sz="1400" dirty="0">
-                <a:latin typeface="Consolas" panose="020B0609020204030204" pitchFamily="49" charset="0"/>
-                <a:cs typeface="Consolas" panose="020B0609020204030204" pitchFamily="49" charset="0"/>
-              </a:rPr>
-              <a:t>    </a:t>
-            </a:r>
-            <a:r>
-              <a:rPr lang="en-US" sz="1400" dirty="0" err="1">
-                <a:latin typeface="Consolas" panose="020B0609020204030204" pitchFamily="49" charset="0"/>
-                <a:cs typeface="Consolas" panose="020B0609020204030204" pitchFamily="49" charset="0"/>
-              </a:rPr>
-              <a:t>std</a:t>
-            </a:r>
-            <a:r>
-              <a:rPr lang="en-US" sz="1400" dirty="0">
-                <a:latin typeface="Consolas" panose="020B0609020204030204" pitchFamily="49" charset="0"/>
-                <a:cs typeface="Consolas" panose="020B0609020204030204" pitchFamily="49" charset="0"/>
-              </a:rPr>
-              <a:t>::string </a:t>
-            </a:r>
-            <a:r>
-              <a:rPr lang="en-US" sz="1400" dirty="0" err="1">
-                <a:latin typeface="Consolas" panose="020B0609020204030204" pitchFamily="49" charset="0"/>
-                <a:cs typeface="Consolas" panose="020B0609020204030204" pitchFamily="49" charset="0"/>
-              </a:rPr>
-              <a:t>f_str</a:t>
-            </a:r>
-            <a:r>
-              <a:rPr lang="en-US" sz="1400" dirty="0">
-                <a:latin typeface="Consolas" panose="020B0609020204030204" pitchFamily="49" charset="0"/>
-                <a:cs typeface="Consolas" panose="020B0609020204030204" pitchFamily="49" charset="0"/>
-              </a:rPr>
-              <a:t> = </a:t>
-            </a:r>
-            <a:r>
-              <a:rPr lang="en-US" sz="1400" dirty="0" err="1">
-                <a:latin typeface="Consolas" panose="020B0609020204030204" pitchFamily="49" charset="0"/>
-                <a:cs typeface="Consolas" panose="020B0609020204030204" pitchFamily="49" charset="0"/>
-              </a:rPr>
-              <a:t>std</a:t>
-            </a:r>
-            <a:r>
-              <a:rPr lang="en-US" sz="1400" dirty="0">
-                <a:latin typeface="Consolas" panose="020B0609020204030204" pitchFamily="49" charset="0"/>
-                <a:cs typeface="Consolas" panose="020B0609020204030204" pitchFamily="49" charset="0"/>
-              </a:rPr>
-              <a:t>::</a:t>
-            </a:r>
-            <a:r>
-              <a:rPr lang="en-US" sz="1400" dirty="0" err="1">
-                <a:latin typeface="Consolas" panose="020B0609020204030204" pitchFamily="49" charset="0"/>
-                <a:cs typeface="Consolas" panose="020B0609020204030204" pitchFamily="49" charset="0"/>
-              </a:rPr>
-              <a:t>to_string</a:t>
-            </a:r>
-            <a:r>
-              <a:rPr lang="en-US" sz="1400" dirty="0">
-                <a:latin typeface="Consolas" panose="020B0609020204030204" pitchFamily="49" charset="0"/>
-                <a:cs typeface="Consolas" panose="020B0609020204030204" pitchFamily="49" charset="0"/>
-              </a:rPr>
-              <a:t>(f);</a:t>
-            </a:r>
-          </a:p>
-          <a:p>
-            <a:pPr marL="800100" lvl="2" indent="0">
-              <a:buNone/>
-            </a:pPr>
-            <a:r>
-              <a:rPr lang="en-US" sz="1400" dirty="0">
-                <a:latin typeface="Consolas" panose="020B0609020204030204" pitchFamily="49" charset="0"/>
-                <a:cs typeface="Consolas" panose="020B0609020204030204" pitchFamily="49" charset="0"/>
-              </a:rPr>
-              <a:t>    </a:t>
-            </a:r>
-            <a:r>
-              <a:rPr lang="en-US" sz="1400" dirty="0" err="1">
-                <a:latin typeface="Consolas" panose="020B0609020204030204" pitchFamily="49" charset="0"/>
-                <a:cs typeface="Consolas" panose="020B0609020204030204" pitchFamily="49" charset="0"/>
-              </a:rPr>
-              <a:t>std</a:t>
-            </a:r>
-            <a:r>
-              <a:rPr lang="en-US" sz="1400" dirty="0">
-                <a:latin typeface="Consolas" panose="020B0609020204030204" pitchFamily="49" charset="0"/>
-                <a:cs typeface="Consolas" panose="020B0609020204030204" pitchFamily="49" charset="0"/>
-              </a:rPr>
-              <a:t>::</a:t>
-            </a:r>
-            <a:r>
-              <a:rPr lang="en-US" sz="1400" dirty="0" err="1">
-                <a:latin typeface="Consolas" panose="020B0609020204030204" pitchFamily="49" charset="0"/>
-                <a:cs typeface="Consolas" panose="020B0609020204030204" pitchFamily="49" charset="0"/>
-              </a:rPr>
-              <a:t>cout</a:t>
-            </a:r>
-            <a:r>
-              <a:rPr lang="en-US" sz="1400" dirty="0">
-                <a:latin typeface="Consolas" panose="020B0609020204030204" pitchFamily="49" charset="0"/>
-                <a:cs typeface="Consolas" panose="020B0609020204030204" pitchFamily="49" charset="0"/>
-              </a:rPr>
-              <a:t> &lt;&lt; </a:t>
-            </a:r>
-            <a:r>
-              <a:rPr lang="en-US" sz="1400" dirty="0" err="1">
-                <a:latin typeface="Consolas" panose="020B0609020204030204" pitchFamily="49" charset="0"/>
-                <a:cs typeface="Consolas" panose="020B0609020204030204" pitchFamily="49" charset="0"/>
-              </a:rPr>
-              <a:t>f_str</a:t>
-            </a:r>
-            <a:r>
-              <a:rPr lang="en-US" sz="1400" dirty="0">
-                <a:latin typeface="Consolas" panose="020B0609020204030204" pitchFamily="49" charset="0"/>
-                <a:cs typeface="Consolas" panose="020B0609020204030204" pitchFamily="49" charset="0"/>
-              </a:rPr>
-              <a:t> &lt;&lt; </a:t>
-            </a:r>
-            <a:r>
-              <a:rPr lang="en-US" sz="1400" dirty="0" err="1" smtClean="0">
-                <a:latin typeface="Consolas" panose="020B0609020204030204" pitchFamily="49" charset="0"/>
-                <a:cs typeface="Consolas" panose="020B0609020204030204" pitchFamily="49" charset="0"/>
-              </a:rPr>
-              <a:t>std</a:t>
-            </a:r>
-            <a:r>
-              <a:rPr lang="en-US" sz="1400" dirty="0" smtClean="0">
-                <a:latin typeface="Consolas" panose="020B0609020204030204" pitchFamily="49" charset="0"/>
-                <a:cs typeface="Consolas" panose="020B0609020204030204" pitchFamily="49" charset="0"/>
-              </a:rPr>
-              <a:t>::</a:t>
-            </a:r>
-            <a:r>
-              <a:rPr lang="en-US" sz="1400" dirty="0" err="1" smtClean="0">
-                <a:latin typeface="Consolas" panose="020B0609020204030204" pitchFamily="49" charset="0"/>
-                <a:cs typeface="Consolas" panose="020B0609020204030204" pitchFamily="49" charset="0"/>
-              </a:rPr>
-              <a:t>endl</a:t>
-            </a:r>
-            <a:r>
-              <a:rPr lang="en-US" sz="1400" dirty="0" smtClean="0">
-                <a:latin typeface="Consolas" panose="020B0609020204030204" pitchFamily="49" charset="0"/>
-                <a:cs typeface="Consolas" panose="020B0609020204030204" pitchFamily="49" charset="0"/>
-              </a:rPr>
-              <a:t>;</a:t>
-            </a:r>
-            <a:endParaRPr lang="en-US" sz="1400" dirty="0">
-              <a:latin typeface="Consolas" panose="020B0609020204030204" pitchFamily="49" charset="0"/>
-              <a:cs typeface="Consolas" panose="020B0609020204030204" pitchFamily="49" charset="0"/>
-            </a:endParaRPr>
-          </a:p>
-          <a:p>
-            <a:pPr marL="800100" lvl="2" indent="0">
-              <a:buNone/>
-            </a:pPr>
-            <a:r>
-              <a:rPr lang="en-US" sz="1400" dirty="0" smtClean="0">
-                <a:latin typeface="Consolas" panose="020B0609020204030204" pitchFamily="49" charset="0"/>
-                <a:cs typeface="Consolas" panose="020B0609020204030204" pitchFamily="49" charset="0"/>
-              </a:rPr>
-              <a:t>}</a:t>
-            </a:r>
-          </a:p>
-          <a:p>
-            <a:pPr marL="800100" lvl="2" indent="0">
-              <a:buNone/>
-            </a:pPr>
-            <a:endParaRPr lang="en-US" sz="1400" dirty="0" smtClean="0">
-              <a:latin typeface="Consolas" panose="020B0609020204030204" pitchFamily="49" charset="0"/>
-              <a:cs typeface="Consolas" panose="020B0609020204030204" pitchFamily="49" charset="0"/>
-            </a:endParaRPr>
-          </a:p>
-          <a:p>
-            <a:pPr marL="800100" lvl="2" indent="0">
-              <a:buNone/>
-            </a:pPr>
-            <a:r>
-              <a:rPr lang="en-US" sz="1400" dirty="0" smtClean="0">
-                <a:latin typeface="Consolas" panose="020B0609020204030204" pitchFamily="49" charset="0"/>
-                <a:cs typeface="Consolas" panose="020B0609020204030204" pitchFamily="49" charset="0"/>
-              </a:rPr>
-              <a:t>output: </a:t>
-            </a:r>
-            <a:r>
-              <a:rPr lang="en-US" sz="1400" dirty="0" smtClean="0"/>
-              <a:t>23.430000</a:t>
-            </a:r>
-            <a:endParaRPr lang="en-US" sz="1400" dirty="0">
-              <a:latin typeface="Consolas" panose="020B0609020204030204" pitchFamily="49" charset="0"/>
-              <a:cs typeface="Consolas" panose="020B0609020204030204" pitchFamily="49" charset="0"/>
-            </a:endParaRPr>
-          </a:p>
-          <a:p>
-            <a:pPr marL="800100" lvl="2" indent="0">
-              <a:buNone/>
-            </a:pPr>
-            <a:endParaRPr lang="en-US" sz="1400" dirty="0" smtClean="0"/>
           </a:p>
         </p:txBody>
       </p:sp>
     </p:spTree>
     <p:extLst>
       <p:ext uri="{BB962C8B-B14F-4D97-AF65-F5344CB8AC3E}">
-        <p14:creationId xmlns:p14="http://schemas.microsoft.com/office/powerpoint/2010/main" val="146388363"/>
+        <p14:creationId xmlns:p14="http://schemas.microsoft.com/office/powerpoint/2010/main" val="2995229971"/>
       </p:ext>
     </p:extLst>
   </p:cSld>
   <p:clrMapOvr>
     <a:masterClrMapping/>
   </p:clrMapOvr>
+  <p:timing>
+    <p:tnLst>
+      <p:par>
+        <p:cTn id="1" dur="indefinite" restart="never" nodeType="tmRoot"/>
+      </p:par>
+    </p:tnLst>
+  </p:timing>
 </p:sld>
 </file>
 
@@ -3707,6 +3325,1545 @@
           <a:lstStyle/>
           <a:p>
             <a:r>
+              <a:rPr lang="en-US" smtClean="0"/>
+              <a:t>MS C/C</a:t>
+            </a:r>
+            <a:r>
+              <a:rPr lang="en-US" dirty="0" smtClean="0"/>
+              <a:t>++ runtime dependencies</a:t>
+            </a:r>
+            <a:endParaRPr lang="en-US" dirty="0"/>
+          </a:p>
+        </p:txBody>
+      </p:sp>
+      <p:sp>
+        <p:nvSpPr>
+          <p:cNvPr id="3" name="Content Placeholder 2"/>
+          <p:cNvSpPr>
+            <a:spLocks noGrp="1"/>
+          </p:cNvSpPr>
+          <p:nvPr>
+            <p:ph idx="1"/>
+          </p:nvPr>
+        </p:nvSpPr>
+        <p:spPr/>
+        <p:txBody>
+          <a:bodyPr>
+            <a:normAutofit fontScale="62500" lnSpcReduction="20000"/>
+          </a:bodyPr>
+          <a:lstStyle/>
+          <a:p>
+            <a:pPr marL="0" indent="0">
+              <a:buNone/>
+            </a:pPr>
+            <a:r>
+              <a:rPr lang="en-US" dirty="0">
+                <a:latin typeface="Consolas" panose="020B0609020204030204" pitchFamily="49" charset="0"/>
+                <a:cs typeface="Consolas" panose="020B0609020204030204" pitchFamily="49" charset="0"/>
+              </a:rPr>
+              <a:t>c:\apps\vs2013\VC\redist\x64</a:t>
+            </a:r>
+            <a:r>
+              <a:rPr lang="en-US" dirty="0" smtClean="0">
+                <a:latin typeface="Consolas" panose="020B0609020204030204" pitchFamily="49" charset="0"/>
+                <a:cs typeface="Consolas" panose="020B0609020204030204" pitchFamily="49" charset="0"/>
+              </a:rPr>
+              <a:t>&gt; tree </a:t>
+            </a:r>
+            <a:r>
+              <a:rPr lang="en-US" dirty="0">
+                <a:latin typeface="Consolas" panose="020B0609020204030204" pitchFamily="49" charset="0"/>
+                <a:cs typeface="Consolas" panose="020B0609020204030204" pitchFamily="49" charset="0"/>
+              </a:rPr>
+              <a:t>/f /a</a:t>
+            </a:r>
+          </a:p>
+          <a:p>
+            <a:pPr marL="0" indent="0">
+              <a:buNone/>
+            </a:pPr>
+            <a:r>
+              <a:rPr lang="en-US" dirty="0" smtClean="0">
+                <a:latin typeface="Consolas" panose="020B0609020204030204" pitchFamily="49" charset="0"/>
+                <a:cs typeface="Consolas" panose="020B0609020204030204" pitchFamily="49" charset="0"/>
+              </a:rPr>
+              <a:t>+---</a:t>
+            </a:r>
+            <a:r>
+              <a:rPr lang="en-US" dirty="0">
+                <a:latin typeface="Consolas" panose="020B0609020204030204" pitchFamily="49" charset="0"/>
+                <a:cs typeface="Consolas" panose="020B0609020204030204" pitchFamily="49" charset="0"/>
+              </a:rPr>
+              <a:t>Microsoft.VC120.CRT</a:t>
+            </a:r>
+          </a:p>
+          <a:p>
+            <a:pPr marL="0" indent="0">
+              <a:buNone/>
+            </a:pPr>
+            <a:r>
+              <a:rPr lang="en-US" dirty="0">
+                <a:latin typeface="Consolas" panose="020B0609020204030204" pitchFamily="49" charset="0"/>
+                <a:cs typeface="Consolas" panose="020B0609020204030204" pitchFamily="49" charset="0"/>
+              </a:rPr>
+              <a:t>|       </a:t>
+            </a:r>
+            <a:r>
+              <a:rPr lang="en-US" dirty="0" smtClean="0">
+                <a:latin typeface="Consolas" panose="020B0609020204030204" pitchFamily="49" charset="0"/>
+                <a:cs typeface="Consolas" panose="020B0609020204030204" pitchFamily="49" charset="0"/>
+              </a:rPr>
+              <a:t>msvcp120.dll	// C++ runtime</a:t>
+            </a:r>
+            <a:endParaRPr lang="en-US" dirty="0">
+              <a:latin typeface="Consolas" panose="020B0609020204030204" pitchFamily="49" charset="0"/>
+              <a:cs typeface="Consolas" panose="020B0609020204030204" pitchFamily="49" charset="0"/>
+            </a:endParaRPr>
+          </a:p>
+          <a:p>
+            <a:pPr marL="0" indent="0">
+              <a:buNone/>
+            </a:pPr>
+            <a:r>
+              <a:rPr lang="en-US" dirty="0">
+                <a:latin typeface="Consolas" panose="020B0609020204030204" pitchFamily="49" charset="0"/>
+                <a:cs typeface="Consolas" panose="020B0609020204030204" pitchFamily="49" charset="0"/>
+              </a:rPr>
+              <a:t>|       </a:t>
+            </a:r>
+            <a:r>
+              <a:rPr lang="en-US" dirty="0" smtClean="0">
+                <a:latin typeface="Consolas" panose="020B0609020204030204" pitchFamily="49" charset="0"/>
+                <a:cs typeface="Consolas" panose="020B0609020204030204" pitchFamily="49" charset="0"/>
+              </a:rPr>
+              <a:t>msvcr120.dll	// C runtime</a:t>
+            </a:r>
+            <a:endParaRPr lang="en-US" dirty="0">
+              <a:latin typeface="Consolas" panose="020B0609020204030204" pitchFamily="49" charset="0"/>
+              <a:cs typeface="Consolas" panose="020B0609020204030204" pitchFamily="49" charset="0"/>
+            </a:endParaRPr>
+          </a:p>
+          <a:p>
+            <a:pPr marL="0" indent="0">
+              <a:buNone/>
+            </a:pPr>
+            <a:r>
+              <a:rPr lang="en-US" dirty="0">
+                <a:latin typeface="Consolas" panose="020B0609020204030204" pitchFamily="49" charset="0"/>
+                <a:cs typeface="Consolas" panose="020B0609020204030204" pitchFamily="49" charset="0"/>
+              </a:rPr>
+              <a:t>|       </a:t>
+            </a:r>
+            <a:r>
+              <a:rPr lang="en-US" dirty="0" smtClean="0">
+                <a:latin typeface="Consolas" panose="020B0609020204030204" pitchFamily="49" charset="0"/>
+                <a:cs typeface="Consolas" panose="020B0609020204030204" pitchFamily="49" charset="0"/>
+              </a:rPr>
+              <a:t>vccorlib120.dll 	// C++/CLI</a:t>
+            </a:r>
+            <a:endParaRPr lang="en-US" dirty="0">
+              <a:latin typeface="Consolas" panose="020B0609020204030204" pitchFamily="49" charset="0"/>
+              <a:cs typeface="Consolas" panose="020B0609020204030204" pitchFamily="49" charset="0"/>
+            </a:endParaRPr>
+          </a:p>
+          <a:p>
+            <a:pPr marL="0" indent="0">
+              <a:buNone/>
+            </a:pPr>
+            <a:r>
+              <a:rPr lang="en-US" dirty="0" smtClean="0">
+                <a:latin typeface="Consolas" panose="020B0609020204030204" pitchFamily="49" charset="0"/>
+                <a:cs typeface="Consolas" panose="020B0609020204030204" pitchFamily="49" charset="0"/>
+              </a:rPr>
+              <a:t>+---</a:t>
+            </a:r>
+            <a:r>
+              <a:rPr lang="en-US" dirty="0">
+                <a:latin typeface="Consolas" panose="020B0609020204030204" pitchFamily="49" charset="0"/>
+                <a:cs typeface="Consolas" panose="020B0609020204030204" pitchFamily="49" charset="0"/>
+              </a:rPr>
+              <a:t>Microsoft.VC120.CXXAMP</a:t>
+            </a:r>
+          </a:p>
+          <a:p>
+            <a:pPr marL="0" indent="0">
+              <a:buNone/>
+            </a:pPr>
+            <a:r>
+              <a:rPr lang="en-US" dirty="0">
+                <a:latin typeface="Consolas" panose="020B0609020204030204" pitchFamily="49" charset="0"/>
+                <a:cs typeface="Consolas" panose="020B0609020204030204" pitchFamily="49" charset="0"/>
+              </a:rPr>
+              <a:t>|       vcamp120.dll</a:t>
+            </a:r>
+          </a:p>
+          <a:p>
+            <a:pPr marL="0" indent="0">
+              <a:buNone/>
+            </a:pPr>
+            <a:r>
+              <a:rPr lang="en-US" dirty="0" smtClean="0">
+                <a:latin typeface="Consolas" panose="020B0609020204030204" pitchFamily="49" charset="0"/>
+                <a:cs typeface="Consolas" panose="020B0609020204030204" pitchFamily="49" charset="0"/>
+              </a:rPr>
+              <a:t>+---</a:t>
+            </a:r>
+            <a:r>
+              <a:rPr lang="en-US" dirty="0">
+                <a:latin typeface="Consolas" panose="020B0609020204030204" pitchFamily="49" charset="0"/>
+                <a:cs typeface="Consolas" panose="020B0609020204030204" pitchFamily="49" charset="0"/>
+              </a:rPr>
+              <a:t>Microsoft.VC120.MFC</a:t>
+            </a:r>
+          </a:p>
+          <a:p>
+            <a:pPr marL="0" indent="0">
+              <a:buNone/>
+            </a:pPr>
+            <a:r>
+              <a:rPr lang="en-US" dirty="0">
+                <a:latin typeface="Consolas" panose="020B0609020204030204" pitchFamily="49" charset="0"/>
+                <a:cs typeface="Consolas" panose="020B0609020204030204" pitchFamily="49" charset="0"/>
+              </a:rPr>
+              <a:t>|       mfc120u.dll</a:t>
+            </a:r>
+          </a:p>
+          <a:p>
+            <a:pPr marL="0" indent="0">
+              <a:buNone/>
+            </a:pPr>
+            <a:r>
+              <a:rPr lang="en-US" dirty="0">
+                <a:latin typeface="Consolas" panose="020B0609020204030204" pitchFamily="49" charset="0"/>
+                <a:cs typeface="Consolas" panose="020B0609020204030204" pitchFamily="49" charset="0"/>
+              </a:rPr>
+              <a:t>|       mfcm120u.dll</a:t>
+            </a:r>
+          </a:p>
+          <a:p>
+            <a:pPr marL="0" indent="0">
+              <a:buNone/>
+            </a:pPr>
+            <a:r>
+              <a:rPr lang="en-US" dirty="0" smtClean="0">
+                <a:latin typeface="Consolas" panose="020B0609020204030204" pitchFamily="49" charset="0"/>
+                <a:cs typeface="Consolas" panose="020B0609020204030204" pitchFamily="49" charset="0"/>
+              </a:rPr>
+              <a:t>+---</a:t>
+            </a:r>
+            <a:r>
+              <a:rPr lang="en-US" dirty="0">
+                <a:latin typeface="Consolas" panose="020B0609020204030204" pitchFamily="49" charset="0"/>
+                <a:cs typeface="Consolas" panose="020B0609020204030204" pitchFamily="49" charset="0"/>
+              </a:rPr>
+              <a:t>Microsoft.VC120.MFCLOC</a:t>
+            </a:r>
+          </a:p>
+          <a:p>
+            <a:pPr marL="0" indent="0">
+              <a:buNone/>
+            </a:pPr>
+            <a:r>
+              <a:rPr lang="en-US" dirty="0">
+                <a:latin typeface="Consolas" panose="020B0609020204030204" pitchFamily="49" charset="0"/>
+                <a:cs typeface="Consolas" panose="020B0609020204030204" pitchFamily="49" charset="0"/>
+              </a:rPr>
+              <a:t>|       </a:t>
+            </a:r>
+            <a:r>
+              <a:rPr lang="en-US" dirty="0" smtClean="0">
+                <a:latin typeface="Consolas" panose="020B0609020204030204" pitchFamily="49" charset="0"/>
+                <a:cs typeface="Consolas" panose="020B0609020204030204" pitchFamily="49" charset="0"/>
+              </a:rPr>
+              <a:t>//</a:t>
+            </a:r>
+            <a:r>
+              <a:rPr lang="en-US" dirty="0" err="1" smtClean="0">
+                <a:latin typeface="Consolas" panose="020B0609020204030204" pitchFamily="49" charset="0"/>
+                <a:cs typeface="Consolas" panose="020B0609020204030204" pitchFamily="49" charset="0"/>
+              </a:rPr>
+              <a:t>mfc</a:t>
+            </a:r>
+            <a:r>
+              <a:rPr lang="en-US" dirty="0" smtClean="0">
+                <a:latin typeface="Consolas" panose="020B0609020204030204" pitchFamily="49" charset="0"/>
+                <a:cs typeface="Consolas" panose="020B0609020204030204" pitchFamily="49" charset="0"/>
+              </a:rPr>
+              <a:t> localized stuff</a:t>
+            </a:r>
+            <a:endParaRPr lang="en-US" dirty="0">
+              <a:latin typeface="Consolas" panose="020B0609020204030204" pitchFamily="49" charset="0"/>
+              <a:cs typeface="Consolas" panose="020B0609020204030204" pitchFamily="49" charset="0"/>
+            </a:endParaRPr>
+          </a:p>
+          <a:p>
+            <a:pPr marL="0" indent="0">
+              <a:buNone/>
+            </a:pPr>
+            <a:r>
+              <a:rPr lang="en-US" dirty="0" smtClean="0">
+                <a:latin typeface="Consolas" panose="020B0609020204030204" pitchFamily="49" charset="0"/>
+                <a:cs typeface="Consolas" panose="020B0609020204030204" pitchFamily="49" charset="0"/>
+              </a:rPr>
+              <a:t>\---</a:t>
+            </a:r>
+            <a:r>
+              <a:rPr lang="en-US" dirty="0">
+                <a:latin typeface="Consolas" panose="020B0609020204030204" pitchFamily="49" charset="0"/>
+                <a:cs typeface="Consolas" panose="020B0609020204030204" pitchFamily="49" charset="0"/>
+              </a:rPr>
+              <a:t>Microsoft.VC120.OpenMP</a:t>
+            </a:r>
+          </a:p>
+          <a:p>
+            <a:pPr marL="0" indent="0">
+              <a:buNone/>
+            </a:pPr>
+            <a:r>
+              <a:rPr lang="en-US" dirty="0">
+                <a:latin typeface="Consolas" panose="020B0609020204030204" pitchFamily="49" charset="0"/>
+                <a:cs typeface="Consolas" panose="020B0609020204030204" pitchFamily="49" charset="0"/>
+              </a:rPr>
+              <a:t>        vcomp120.dll</a:t>
+            </a:r>
+          </a:p>
+          <a:p>
+            <a:pPr marL="0" indent="0">
+              <a:buNone/>
+            </a:pPr>
+            <a:endParaRPr lang="en-US" dirty="0"/>
+          </a:p>
+        </p:txBody>
+      </p:sp>
+    </p:spTree>
+    <p:extLst>
+      <p:ext uri="{BB962C8B-B14F-4D97-AF65-F5344CB8AC3E}">
+        <p14:creationId xmlns:p14="http://schemas.microsoft.com/office/powerpoint/2010/main" val="2368571093"/>
+      </p:ext>
+    </p:extLst>
+  </p:cSld>
+  <p:clrMapOvr>
+    <a:masterClrMapping/>
+  </p:clrMapOvr>
+  <p:timing>
+    <p:tnLst>
+      <p:par>
+        <p:cTn id="1" dur="indefinite" restart="never" nodeType="tmRoot"/>
+      </p:par>
+    </p:tnLst>
+  </p:timing>
+</p:sld>
+</file>
+
+<file path=ppt/slides/slide12.xml><?xml version="1.0" encoding="utf-8"?>
+<p:sld xmlns:a="http://schemas.openxmlformats.org/drawingml/2006/main" xmlns:r="http://schemas.openxmlformats.org/officeDocument/2006/relationships" xmlns:p="http://schemas.openxmlformats.org/presentationml/2006/main">
+  <p:cSld>
+    <p:spTree>
+      <p:nvGrpSpPr>
+        <p:cNvPr id="1" name=""/>
+        <p:cNvGrpSpPr/>
+        <p:nvPr/>
+      </p:nvGrpSpPr>
+      <p:grpSpPr>
+        <a:xfrm>
+          <a:off x="0" y="0"/>
+          <a:ext cx="0" cy="0"/>
+          <a:chOff x="0" y="0"/>
+          <a:chExt cx="0" cy="0"/>
+        </a:xfrm>
+      </p:grpSpPr>
+      <p:sp>
+        <p:nvSpPr>
+          <p:cNvPr id="2" name="Title 1"/>
+          <p:cNvSpPr>
+            <a:spLocks noGrp="1"/>
+          </p:cNvSpPr>
+          <p:nvPr>
+            <p:ph type="title"/>
+          </p:nvPr>
+        </p:nvSpPr>
+        <p:spPr/>
+        <p:txBody>
+          <a:bodyPr/>
+          <a:lstStyle/>
+          <a:p>
+            <a:r>
+              <a:rPr lang="en-US" dirty="0" smtClean="0"/>
+              <a:t>Which C++ compiler?</a:t>
+            </a:r>
+            <a:endParaRPr lang="en-US" dirty="0"/>
+          </a:p>
+        </p:txBody>
+      </p:sp>
+      <p:sp>
+        <p:nvSpPr>
+          <p:cNvPr id="3" name="Content Placeholder 2"/>
+          <p:cNvSpPr>
+            <a:spLocks noGrp="1"/>
+          </p:cNvSpPr>
+          <p:nvPr>
+            <p:ph idx="1"/>
+          </p:nvPr>
+        </p:nvSpPr>
+        <p:spPr/>
+        <p:txBody>
+          <a:bodyPr>
+            <a:normAutofit/>
+          </a:bodyPr>
+          <a:lstStyle/>
+          <a:p>
+            <a:pPr marL="457200" lvl="1" indent="0">
+              <a:buNone/>
+            </a:pPr>
+            <a:endParaRPr lang="en-US" sz="1800" dirty="0" smtClean="0">
+              <a:latin typeface="Consolas" panose="020B0609020204030204" pitchFamily="49" charset="0"/>
+              <a:cs typeface="Consolas" panose="020B0609020204030204" pitchFamily="49" charset="0"/>
+            </a:endParaRPr>
+          </a:p>
+          <a:p>
+            <a:pPr marL="457200" lvl="1" indent="0">
+              <a:buNone/>
+            </a:pPr>
+            <a:r>
+              <a:rPr lang="en-US" sz="1800" dirty="0" smtClean="0">
+                <a:latin typeface="Consolas" panose="020B0609020204030204" pitchFamily="49" charset="0"/>
+                <a:cs typeface="Consolas" panose="020B0609020204030204" pitchFamily="49" charset="0"/>
+              </a:rPr>
+              <a:t>c</a:t>
+            </a:r>
+            <a:r>
+              <a:rPr lang="en-US" sz="1800" dirty="0">
+                <a:latin typeface="Consolas" panose="020B0609020204030204" pitchFamily="49" charset="0"/>
+                <a:cs typeface="Consolas" panose="020B0609020204030204" pitchFamily="49" charset="0"/>
+              </a:rPr>
+              <a:t>:\apps\WinDDK\7600.16385.1</a:t>
+            </a:r>
+            <a:r>
+              <a:rPr lang="en-US" sz="1800" dirty="0" smtClean="0">
+                <a:latin typeface="Consolas" panose="020B0609020204030204" pitchFamily="49" charset="0"/>
+                <a:cs typeface="Consolas" panose="020B0609020204030204" pitchFamily="49" charset="0"/>
+              </a:rPr>
+              <a:t>&gt; bin\setenv.bat </a:t>
+            </a:r>
+            <a:r>
+              <a:rPr lang="en-US" sz="1800" dirty="0">
+                <a:latin typeface="Consolas" panose="020B0609020204030204" pitchFamily="49" charset="0"/>
+                <a:cs typeface="Consolas" panose="020B0609020204030204" pitchFamily="49" charset="0"/>
+              </a:rPr>
+              <a:t>. WLH</a:t>
+            </a:r>
+          </a:p>
+          <a:p>
+            <a:pPr marL="457200" lvl="1" indent="0">
+              <a:buNone/>
+            </a:pPr>
+            <a:endParaRPr lang="en-US" sz="1800" dirty="0">
+              <a:latin typeface="Consolas" panose="020B0609020204030204" pitchFamily="49" charset="0"/>
+              <a:cs typeface="Consolas" panose="020B0609020204030204" pitchFamily="49" charset="0"/>
+            </a:endParaRPr>
+          </a:p>
+          <a:p>
+            <a:pPr marL="457200" lvl="1" indent="0">
+              <a:buNone/>
+            </a:pPr>
+            <a:r>
+              <a:rPr lang="en-US" sz="1800" dirty="0">
+                <a:latin typeface="Consolas" panose="020B0609020204030204" pitchFamily="49" charset="0"/>
+                <a:cs typeface="Consolas" panose="020B0609020204030204" pitchFamily="49" charset="0"/>
+              </a:rPr>
+              <a:t>c:\apps\WinDDK\7600.16385.1</a:t>
+            </a:r>
+            <a:r>
+              <a:rPr lang="en-US" sz="1800" smtClean="0">
+                <a:latin typeface="Consolas" panose="020B0609020204030204" pitchFamily="49" charset="0"/>
+                <a:cs typeface="Consolas" panose="020B0609020204030204" pitchFamily="49" charset="0"/>
+              </a:rPr>
+              <a:t>&gt; cl.exe</a:t>
+            </a:r>
+            <a:endParaRPr lang="en-US" sz="1800" dirty="0">
+              <a:latin typeface="Consolas" panose="020B0609020204030204" pitchFamily="49" charset="0"/>
+              <a:cs typeface="Consolas" panose="020B0609020204030204" pitchFamily="49" charset="0"/>
+            </a:endParaRPr>
+          </a:p>
+          <a:p>
+            <a:pPr marL="457200" lvl="1" indent="0">
+              <a:buNone/>
+            </a:pPr>
+            <a:endParaRPr lang="en-US" sz="1800" dirty="0">
+              <a:latin typeface="Consolas" panose="020B0609020204030204" pitchFamily="49" charset="0"/>
+              <a:cs typeface="Consolas" panose="020B0609020204030204" pitchFamily="49" charset="0"/>
+            </a:endParaRPr>
+          </a:p>
+          <a:p>
+            <a:pPr marL="457200" lvl="1" indent="0">
+              <a:buNone/>
+            </a:pPr>
+            <a:r>
+              <a:rPr lang="en-US" sz="1800" dirty="0">
+                <a:latin typeface="Consolas" panose="020B0609020204030204" pitchFamily="49" charset="0"/>
+                <a:cs typeface="Consolas" panose="020B0609020204030204" pitchFamily="49" charset="0"/>
+              </a:rPr>
+              <a:t>Microsoft (R) 32-bit C/C++ Optimizing Compiler Version </a:t>
+            </a:r>
+            <a:r>
+              <a:rPr lang="en-US" sz="1800" b="1" dirty="0">
+                <a:latin typeface="Consolas" panose="020B0609020204030204" pitchFamily="49" charset="0"/>
+                <a:cs typeface="Consolas" panose="020B0609020204030204" pitchFamily="49" charset="0"/>
+              </a:rPr>
+              <a:t>15.00.30729.207</a:t>
+            </a:r>
+            <a:r>
+              <a:rPr lang="en-US" sz="1800" dirty="0">
+                <a:latin typeface="Consolas" panose="020B0609020204030204" pitchFamily="49" charset="0"/>
+                <a:cs typeface="Consolas" panose="020B0609020204030204" pitchFamily="49" charset="0"/>
+              </a:rPr>
+              <a:t> for </a:t>
+            </a:r>
+            <a:r>
+              <a:rPr lang="en-US" sz="1800" dirty="0" smtClean="0">
+                <a:latin typeface="Consolas" panose="020B0609020204030204" pitchFamily="49" charset="0"/>
+                <a:cs typeface="Consolas" panose="020B0609020204030204" pitchFamily="49" charset="0"/>
+              </a:rPr>
+              <a:t>80x86</a:t>
+            </a:r>
+          </a:p>
+          <a:p>
+            <a:pPr marL="457200" lvl="1" indent="0">
+              <a:buNone/>
+            </a:pPr>
+            <a:endParaRPr lang="en-US" sz="1800" dirty="0">
+              <a:latin typeface="Consolas" panose="020B0609020204030204" pitchFamily="49" charset="0"/>
+              <a:cs typeface="Consolas" panose="020B0609020204030204" pitchFamily="49" charset="0"/>
+            </a:endParaRPr>
+          </a:p>
+          <a:p>
+            <a:pPr marL="457200" lvl="1" indent="0">
+              <a:buNone/>
+            </a:pPr>
+            <a:r>
+              <a:rPr lang="en-US" sz="1800" dirty="0">
+                <a:latin typeface="Consolas" panose="020B0609020204030204" pitchFamily="49" charset="0"/>
+                <a:cs typeface="Consolas" panose="020B0609020204030204" pitchFamily="49" charset="0"/>
+              </a:rPr>
+              <a:t>Copyright (C) Microsoft Corporation.  All rights reserved.</a:t>
+            </a:r>
+          </a:p>
+          <a:p>
+            <a:pPr marL="457200" lvl="1" indent="0">
+              <a:buNone/>
+            </a:pPr>
+            <a:r>
+              <a:rPr lang="en-US" sz="1800" dirty="0">
+                <a:latin typeface="Consolas" panose="020B0609020204030204" pitchFamily="49" charset="0"/>
+                <a:cs typeface="Consolas" panose="020B0609020204030204" pitchFamily="49" charset="0"/>
+              </a:rPr>
+              <a:t>usage: cl [ option... ] filename... [ /link </a:t>
+            </a:r>
+            <a:r>
+              <a:rPr lang="en-US" sz="1800" dirty="0" err="1">
+                <a:latin typeface="Consolas" panose="020B0609020204030204" pitchFamily="49" charset="0"/>
+                <a:cs typeface="Consolas" panose="020B0609020204030204" pitchFamily="49" charset="0"/>
+              </a:rPr>
+              <a:t>linkoption</a:t>
+            </a:r>
+            <a:r>
+              <a:rPr lang="en-US" sz="1800" dirty="0">
+                <a:latin typeface="Consolas" panose="020B0609020204030204" pitchFamily="49" charset="0"/>
+                <a:cs typeface="Consolas" panose="020B0609020204030204" pitchFamily="49" charset="0"/>
+              </a:rPr>
+              <a:t>... ]</a:t>
+            </a:r>
+          </a:p>
+          <a:p>
+            <a:pPr lvl="1"/>
+            <a:endParaRPr lang="en-US" sz="1800" dirty="0">
+              <a:latin typeface="Consolas" panose="020B0609020204030204" pitchFamily="49" charset="0"/>
+              <a:cs typeface="Consolas" panose="020B0609020204030204" pitchFamily="49" charset="0"/>
+            </a:endParaRPr>
+          </a:p>
+        </p:txBody>
+      </p:sp>
+    </p:spTree>
+    <p:extLst>
+      <p:ext uri="{BB962C8B-B14F-4D97-AF65-F5344CB8AC3E}">
+        <p14:creationId xmlns:p14="http://schemas.microsoft.com/office/powerpoint/2010/main" val="2118868596"/>
+      </p:ext>
+    </p:extLst>
+  </p:cSld>
+  <p:clrMapOvr>
+    <a:masterClrMapping/>
+  </p:clrMapOvr>
+  <p:timing>
+    <p:tnLst>
+      <p:par>
+        <p:cTn id="1" dur="indefinite" restart="never" nodeType="tmRoot"/>
+      </p:par>
+    </p:tnLst>
+  </p:timing>
+</p:sld>
+</file>
+
+<file path=ppt/slides/slide13.xml><?xml version="1.0" encoding="utf-8"?>
+<p:sld xmlns:a="http://schemas.openxmlformats.org/drawingml/2006/main" xmlns:r="http://schemas.openxmlformats.org/officeDocument/2006/relationships" xmlns:p="http://schemas.openxmlformats.org/presentationml/2006/main">
+  <p:cSld>
+    <p:spTree>
+      <p:nvGrpSpPr>
+        <p:cNvPr id="1" name=""/>
+        <p:cNvGrpSpPr/>
+        <p:nvPr/>
+      </p:nvGrpSpPr>
+      <p:grpSpPr>
+        <a:xfrm>
+          <a:off x="0" y="0"/>
+          <a:ext cx="0" cy="0"/>
+          <a:chOff x="0" y="0"/>
+          <a:chExt cx="0" cy="0"/>
+        </a:xfrm>
+      </p:grpSpPr>
+      <p:sp>
+        <p:nvSpPr>
+          <p:cNvPr id="2" name="Title 1"/>
+          <p:cNvSpPr>
+            <a:spLocks noGrp="1"/>
+          </p:cNvSpPr>
+          <p:nvPr>
+            <p:ph type="title"/>
+          </p:nvPr>
+        </p:nvSpPr>
+        <p:spPr/>
+        <p:txBody>
+          <a:bodyPr/>
+          <a:lstStyle/>
+          <a:p>
+            <a:r>
+              <a:rPr lang="en-US" smtClean="0"/>
+              <a:t>Which C++ compiler?</a:t>
+            </a:r>
+            <a:endParaRPr lang="en-US" dirty="0"/>
+          </a:p>
+        </p:txBody>
+      </p:sp>
+      <p:sp>
+        <p:nvSpPr>
+          <p:cNvPr id="3" name="Content Placeholder 2"/>
+          <p:cNvSpPr>
+            <a:spLocks noGrp="1"/>
+          </p:cNvSpPr>
+          <p:nvPr>
+            <p:ph idx="1"/>
+          </p:nvPr>
+        </p:nvSpPr>
+        <p:spPr/>
+        <p:txBody>
+          <a:bodyPr>
+            <a:normAutofit lnSpcReduction="10000"/>
+          </a:bodyPr>
+          <a:lstStyle/>
+          <a:p>
+            <a:pPr marL="0" indent="0">
+              <a:buNone/>
+            </a:pPr>
+            <a:r>
+              <a:rPr lang="en-US" sz="2600" dirty="0" smtClean="0">
+                <a:cs typeface="Consolas" panose="020B0609020204030204" pitchFamily="49" charset="0"/>
+              </a:rPr>
+              <a:t>Set </a:t>
+            </a:r>
+            <a:r>
+              <a:rPr lang="en-US" sz="2600" dirty="0">
+                <a:cs typeface="Consolas" panose="020B0609020204030204" pitchFamily="49" charset="0"/>
+              </a:rPr>
+              <a:t>the environment; run </a:t>
+            </a:r>
+            <a:r>
+              <a:rPr lang="en-US" sz="2600" dirty="0" smtClean="0">
+                <a:cs typeface="Consolas" panose="020B0609020204030204" pitchFamily="49" charset="0"/>
+              </a:rPr>
+              <a:t>CL.EXE</a:t>
+            </a:r>
+          </a:p>
+          <a:p>
+            <a:r>
+              <a:rPr lang="en-US" sz="2600" dirty="0" smtClean="0">
+                <a:cs typeface="Consolas" panose="020B0609020204030204" pitchFamily="49" charset="0"/>
+              </a:rPr>
+              <a:t>Visual Studio help/about: fail</a:t>
+            </a:r>
+          </a:p>
+          <a:p>
+            <a:r>
+              <a:rPr lang="en-US" sz="2600" dirty="0" smtClean="0">
+                <a:cs typeface="Consolas" panose="020B0609020204030204" pitchFamily="49" charset="0"/>
+              </a:rPr>
+              <a:t>Look for “C++” </a:t>
+            </a:r>
+            <a:r>
+              <a:rPr lang="en-US" sz="2600" dirty="0" smtClean="0">
+                <a:cs typeface="Consolas" panose="020B0609020204030204" pitchFamily="49" charset="0"/>
+                <a:hlinkClick r:id="rId2"/>
+              </a:rPr>
+              <a:t>here</a:t>
+            </a:r>
+            <a:r>
+              <a:rPr lang="en-US" sz="2600" dirty="0" smtClean="0">
+                <a:cs typeface="Consolas" panose="020B0609020204030204" pitchFamily="49" charset="0"/>
+              </a:rPr>
+              <a:t> for </a:t>
+            </a:r>
+            <a:r>
+              <a:rPr lang="en-US" sz="2600" dirty="0" smtClean="0">
+                <a:cs typeface="Consolas" panose="020B0609020204030204" pitchFamily="49" charset="0"/>
+              </a:rPr>
+              <a:t>all MS C++ compiler versions</a:t>
+            </a:r>
+            <a:endParaRPr lang="en-US" sz="2600" dirty="0">
+              <a:cs typeface="Consolas" panose="020B0609020204030204" pitchFamily="49" charset="0"/>
+            </a:endParaRPr>
+          </a:p>
+          <a:p>
+            <a:pPr marL="0" indent="0">
+              <a:buNone/>
+            </a:pPr>
+            <a:endParaRPr lang="en-US" sz="1800" dirty="0">
+              <a:latin typeface="Consolas" panose="020B0609020204030204" pitchFamily="49" charset="0"/>
+              <a:cs typeface="Consolas" panose="020B0609020204030204" pitchFamily="49" charset="0"/>
+            </a:endParaRPr>
+          </a:p>
+          <a:p>
+            <a:pPr marL="0" indent="0">
+              <a:buNone/>
+            </a:pPr>
+            <a:r>
+              <a:rPr lang="en-US" sz="1800" b="1" dirty="0" smtClean="0">
+                <a:latin typeface="Consolas" panose="020B0609020204030204" pitchFamily="49" charset="0"/>
+                <a:cs typeface="Consolas" panose="020B0609020204030204" pitchFamily="49" charset="0"/>
+              </a:rPr>
+              <a:t>vs2013</a:t>
+            </a:r>
+            <a:r>
+              <a:rPr lang="en-US" sz="1800" dirty="0" smtClean="0">
+                <a:latin typeface="Consolas" panose="020B0609020204030204" pitchFamily="49" charset="0"/>
+                <a:cs typeface="Consolas" panose="020B0609020204030204" pitchFamily="49" charset="0"/>
+              </a:rPr>
+              <a:t>env: Microsoft </a:t>
+            </a:r>
+            <a:r>
+              <a:rPr lang="en-US" sz="1800" dirty="0">
+                <a:latin typeface="Consolas" panose="020B0609020204030204" pitchFamily="49" charset="0"/>
+                <a:cs typeface="Consolas" panose="020B0609020204030204" pitchFamily="49" charset="0"/>
+              </a:rPr>
+              <a:t>(R) C/C++ Optimizing Compiler Version </a:t>
+            </a:r>
+            <a:r>
+              <a:rPr lang="en-US" sz="1800" b="1" dirty="0">
+                <a:latin typeface="Consolas" panose="020B0609020204030204" pitchFamily="49" charset="0"/>
+                <a:cs typeface="Consolas" panose="020B0609020204030204" pitchFamily="49" charset="0"/>
+              </a:rPr>
+              <a:t>18.00.31010</a:t>
+            </a:r>
+            <a:r>
+              <a:rPr lang="en-US" sz="1800" dirty="0">
+                <a:latin typeface="Consolas" panose="020B0609020204030204" pitchFamily="49" charset="0"/>
+                <a:cs typeface="Consolas" panose="020B0609020204030204" pitchFamily="49" charset="0"/>
+              </a:rPr>
+              <a:t> for </a:t>
+            </a:r>
+            <a:r>
+              <a:rPr lang="en-US" sz="1800" dirty="0" smtClean="0">
+                <a:latin typeface="Consolas" panose="020B0609020204030204" pitchFamily="49" charset="0"/>
+                <a:cs typeface="Consolas" panose="020B0609020204030204" pitchFamily="49" charset="0"/>
+              </a:rPr>
+              <a:t>x86</a:t>
+            </a:r>
+            <a:endParaRPr lang="en-US" sz="1800" dirty="0">
+              <a:latin typeface="Consolas" panose="020B0609020204030204" pitchFamily="49" charset="0"/>
+              <a:cs typeface="Consolas" panose="020B0609020204030204" pitchFamily="49" charset="0"/>
+            </a:endParaRPr>
+          </a:p>
+          <a:p>
+            <a:pPr marL="0" indent="0">
+              <a:buNone/>
+            </a:pPr>
+            <a:r>
+              <a:rPr lang="en-US" sz="1800" b="1" dirty="0" smtClean="0">
+                <a:latin typeface="Consolas" panose="020B0609020204030204" pitchFamily="49" charset="0"/>
+                <a:cs typeface="Consolas" panose="020B0609020204030204" pitchFamily="49" charset="0"/>
+              </a:rPr>
+              <a:t>vs2012</a:t>
+            </a:r>
+            <a:r>
+              <a:rPr lang="en-US" sz="1800" dirty="0" smtClean="0">
+                <a:latin typeface="Consolas" panose="020B0609020204030204" pitchFamily="49" charset="0"/>
+                <a:cs typeface="Consolas" panose="020B0609020204030204" pitchFamily="49" charset="0"/>
+              </a:rPr>
+              <a:t>env: Microsoft </a:t>
+            </a:r>
+            <a:r>
+              <a:rPr lang="en-US" sz="1800" dirty="0">
+                <a:latin typeface="Consolas" panose="020B0609020204030204" pitchFamily="49" charset="0"/>
+                <a:cs typeface="Consolas" panose="020B0609020204030204" pitchFamily="49" charset="0"/>
+              </a:rPr>
+              <a:t>(R) C/C++ Optimizing Compiler Version </a:t>
+            </a:r>
+            <a:r>
+              <a:rPr lang="en-US" sz="1800" b="1" dirty="0">
+                <a:latin typeface="Consolas" panose="020B0609020204030204" pitchFamily="49" charset="0"/>
+                <a:cs typeface="Consolas" panose="020B0609020204030204" pitchFamily="49" charset="0"/>
+              </a:rPr>
+              <a:t>17.00.61030</a:t>
+            </a:r>
+            <a:r>
+              <a:rPr lang="en-US" sz="1800" dirty="0">
+                <a:latin typeface="Consolas" panose="020B0609020204030204" pitchFamily="49" charset="0"/>
+                <a:cs typeface="Consolas" panose="020B0609020204030204" pitchFamily="49" charset="0"/>
+              </a:rPr>
+              <a:t> for </a:t>
+            </a:r>
+            <a:r>
+              <a:rPr lang="en-US" sz="1800" dirty="0" smtClean="0">
+                <a:latin typeface="Consolas" panose="020B0609020204030204" pitchFamily="49" charset="0"/>
+                <a:cs typeface="Consolas" panose="020B0609020204030204" pitchFamily="49" charset="0"/>
+              </a:rPr>
+              <a:t>x86</a:t>
+            </a:r>
+            <a:endParaRPr lang="en-US" sz="1800" dirty="0">
+              <a:latin typeface="Consolas" panose="020B0609020204030204" pitchFamily="49" charset="0"/>
+              <a:cs typeface="Consolas" panose="020B0609020204030204" pitchFamily="49" charset="0"/>
+            </a:endParaRPr>
+          </a:p>
+          <a:p>
+            <a:pPr marL="0" indent="0">
+              <a:buNone/>
+            </a:pPr>
+            <a:r>
+              <a:rPr lang="en-US" sz="1800" dirty="0" smtClean="0">
+                <a:latin typeface="Consolas" panose="020B0609020204030204" pitchFamily="49" charset="0"/>
+                <a:cs typeface="Consolas" panose="020B0609020204030204" pitchFamily="49" charset="0"/>
+              </a:rPr>
+              <a:t>vs</a:t>
+            </a:r>
+            <a:r>
+              <a:rPr lang="en-US" sz="1800" b="1" dirty="0" smtClean="0">
+                <a:latin typeface="Consolas" panose="020B0609020204030204" pitchFamily="49" charset="0"/>
+                <a:cs typeface="Consolas" panose="020B0609020204030204" pitchFamily="49" charset="0"/>
+              </a:rPr>
+              <a:t>2010</a:t>
+            </a:r>
+            <a:r>
+              <a:rPr lang="en-US" sz="1800" dirty="0" smtClean="0">
+                <a:latin typeface="Consolas" panose="020B0609020204030204" pitchFamily="49" charset="0"/>
+                <a:cs typeface="Consolas" panose="020B0609020204030204" pitchFamily="49" charset="0"/>
+              </a:rPr>
+              <a:t>env: Microsoft </a:t>
+            </a:r>
+            <a:r>
+              <a:rPr lang="en-US" sz="1800" dirty="0">
+                <a:latin typeface="Consolas" panose="020B0609020204030204" pitchFamily="49" charset="0"/>
+                <a:cs typeface="Consolas" panose="020B0609020204030204" pitchFamily="49" charset="0"/>
+              </a:rPr>
+              <a:t>(R) 32-bit C/C++ Optimizing Compiler Version </a:t>
+            </a:r>
+            <a:r>
+              <a:rPr lang="en-US" sz="1800" b="1" dirty="0">
+                <a:latin typeface="Consolas" panose="020B0609020204030204" pitchFamily="49" charset="0"/>
+                <a:cs typeface="Consolas" panose="020B0609020204030204" pitchFamily="49" charset="0"/>
+              </a:rPr>
+              <a:t>16.00.40219.01</a:t>
+            </a:r>
+            <a:r>
+              <a:rPr lang="en-US" sz="1800" dirty="0">
+                <a:latin typeface="Consolas" panose="020B0609020204030204" pitchFamily="49" charset="0"/>
+                <a:cs typeface="Consolas" panose="020B0609020204030204" pitchFamily="49" charset="0"/>
+              </a:rPr>
+              <a:t> for </a:t>
+            </a:r>
+            <a:r>
+              <a:rPr lang="en-US" sz="1800" dirty="0" smtClean="0">
+                <a:latin typeface="Consolas" panose="020B0609020204030204" pitchFamily="49" charset="0"/>
+                <a:cs typeface="Consolas" panose="020B0609020204030204" pitchFamily="49" charset="0"/>
+              </a:rPr>
+              <a:t>80x86</a:t>
+            </a:r>
+            <a:endParaRPr lang="en-US" sz="1800" dirty="0">
+              <a:latin typeface="Consolas" panose="020B0609020204030204" pitchFamily="49" charset="0"/>
+              <a:cs typeface="Consolas" panose="020B0609020204030204" pitchFamily="49" charset="0"/>
+            </a:endParaRPr>
+          </a:p>
+          <a:p>
+            <a:pPr marL="0" indent="0">
+              <a:buNone/>
+            </a:pPr>
+            <a:r>
+              <a:rPr lang="en-US" sz="1800" dirty="0" smtClean="0">
+                <a:latin typeface="Consolas" panose="020B0609020204030204" pitchFamily="49" charset="0"/>
+                <a:cs typeface="Consolas" panose="020B0609020204030204" pitchFamily="49" charset="0"/>
+              </a:rPr>
+              <a:t>vs</a:t>
+            </a:r>
+            <a:r>
+              <a:rPr lang="en-US" sz="1800" b="1" dirty="0" smtClean="0">
+                <a:latin typeface="Consolas" panose="020B0609020204030204" pitchFamily="49" charset="0"/>
+                <a:cs typeface="Consolas" panose="020B0609020204030204" pitchFamily="49" charset="0"/>
+              </a:rPr>
+              <a:t>2008</a:t>
+            </a:r>
+            <a:r>
+              <a:rPr lang="en-US" sz="1800" dirty="0" smtClean="0">
+                <a:latin typeface="Consolas" panose="020B0609020204030204" pitchFamily="49" charset="0"/>
+                <a:cs typeface="Consolas" panose="020B0609020204030204" pitchFamily="49" charset="0"/>
+              </a:rPr>
+              <a:t>env: Microsoft </a:t>
+            </a:r>
+            <a:r>
+              <a:rPr lang="en-US" sz="1800" dirty="0">
+                <a:latin typeface="Consolas" panose="020B0609020204030204" pitchFamily="49" charset="0"/>
+                <a:cs typeface="Consolas" panose="020B0609020204030204" pitchFamily="49" charset="0"/>
+              </a:rPr>
+              <a:t>(R) 32-bit C/C++ Optimizing Compiler </a:t>
+            </a:r>
+            <a:r>
+              <a:rPr lang="en-US" sz="1800" dirty="0" smtClean="0">
+                <a:latin typeface="Consolas" panose="020B0609020204030204" pitchFamily="49" charset="0"/>
+                <a:cs typeface="Consolas" panose="020B0609020204030204" pitchFamily="49" charset="0"/>
+              </a:rPr>
+              <a:t>Version </a:t>
+            </a:r>
+            <a:r>
+              <a:rPr lang="en-US" sz="1800" b="1" dirty="0" smtClean="0">
+                <a:latin typeface="Consolas" panose="020B0609020204030204" pitchFamily="49" charset="0"/>
+                <a:cs typeface="Consolas" panose="020B0609020204030204" pitchFamily="49" charset="0"/>
+              </a:rPr>
+              <a:t>15.00.30729.01</a:t>
+            </a:r>
+            <a:r>
+              <a:rPr lang="en-US" sz="1800" dirty="0" smtClean="0">
+                <a:latin typeface="Consolas" panose="020B0609020204030204" pitchFamily="49" charset="0"/>
+                <a:cs typeface="Consolas" panose="020B0609020204030204" pitchFamily="49" charset="0"/>
+              </a:rPr>
+              <a:t> </a:t>
+            </a:r>
+            <a:r>
+              <a:rPr lang="en-US" sz="1800" dirty="0">
+                <a:latin typeface="Consolas" panose="020B0609020204030204" pitchFamily="49" charset="0"/>
+                <a:cs typeface="Consolas" panose="020B0609020204030204" pitchFamily="49" charset="0"/>
+              </a:rPr>
+              <a:t>for </a:t>
+            </a:r>
+            <a:r>
+              <a:rPr lang="en-US" sz="1800" dirty="0" smtClean="0">
+                <a:latin typeface="Consolas" panose="020B0609020204030204" pitchFamily="49" charset="0"/>
+                <a:cs typeface="Consolas" panose="020B0609020204030204" pitchFamily="49" charset="0"/>
+              </a:rPr>
+              <a:t>80x86</a:t>
+            </a:r>
+          </a:p>
+          <a:p>
+            <a:pPr marL="0" indent="0">
+              <a:buNone/>
+            </a:pPr>
+            <a:r>
+              <a:rPr lang="en-US" sz="1800" dirty="0">
+                <a:latin typeface="Consolas" panose="020B0609020204030204" pitchFamily="49" charset="0"/>
+                <a:cs typeface="Consolas" panose="020B0609020204030204" pitchFamily="49" charset="0"/>
+              </a:rPr>
+              <a:t>vs</a:t>
+            </a:r>
+            <a:r>
+              <a:rPr lang="en-US" sz="1800" b="1" dirty="0">
+                <a:latin typeface="Consolas" panose="020B0609020204030204" pitchFamily="49" charset="0"/>
+                <a:cs typeface="Consolas" panose="020B0609020204030204" pitchFamily="49" charset="0"/>
+              </a:rPr>
+              <a:t>2014</a:t>
+            </a:r>
+            <a:r>
+              <a:rPr lang="en-US" sz="1800" dirty="0">
+                <a:latin typeface="Consolas" panose="020B0609020204030204" pitchFamily="49" charset="0"/>
+                <a:cs typeface="Consolas" panose="020B0609020204030204" pitchFamily="49" charset="0"/>
+              </a:rPr>
+              <a:t>env: Microsoft (R) C/C++ Optimizing Compiler Version 19.00.22129.1 for x86</a:t>
+            </a:r>
+          </a:p>
+          <a:p>
+            <a:pPr marL="0" indent="0">
+              <a:buNone/>
+            </a:pPr>
+            <a:endParaRPr lang="en-US" sz="1800" dirty="0">
+              <a:latin typeface="Consolas" panose="020B0609020204030204" pitchFamily="49" charset="0"/>
+              <a:cs typeface="Consolas" panose="020B0609020204030204" pitchFamily="49" charset="0"/>
+            </a:endParaRPr>
+          </a:p>
+        </p:txBody>
+      </p:sp>
+    </p:spTree>
+    <p:extLst>
+      <p:ext uri="{BB962C8B-B14F-4D97-AF65-F5344CB8AC3E}">
+        <p14:creationId xmlns:p14="http://schemas.microsoft.com/office/powerpoint/2010/main" val="82139143"/>
+      </p:ext>
+    </p:extLst>
+  </p:cSld>
+  <p:clrMapOvr>
+    <a:masterClrMapping/>
+  </p:clrMapOvr>
+  <p:timing>
+    <p:tnLst>
+      <p:par>
+        <p:cTn id="1" dur="indefinite" restart="never" nodeType="tmRoot"/>
+      </p:par>
+    </p:tnLst>
+  </p:timing>
+</p:sld>
+</file>
+
+<file path=ppt/slides/slide14.xml><?xml version="1.0" encoding="utf-8"?>
+<p:sld xmlns:a="http://schemas.openxmlformats.org/drawingml/2006/main" xmlns:r="http://schemas.openxmlformats.org/officeDocument/2006/relationships" xmlns:p="http://schemas.openxmlformats.org/presentationml/2006/main">
+  <p:cSld>
+    <p:spTree>
+      <p:nvGrpSpPr>
+        <p:cNvPr id="1" name=""/>
+        <p:cNvGrpSpPr/>
+        <p:nvPr/>
+      </p:nvGrpSpPr>
+      <p:grpSpPr>
+        <a:xfrm>
+          <a:off x="0" y="0"/>
+          <a:ext cx="0" cy="0"/>
+          <a:chOff x="0" y="0"/>
+          <a:chExt cx="0" cy="0"/>
+        </a:xfrm>
+      </p:grpSpPr>
+      <p:sp>
+        <p:nvSpPr>
+          <p:cNvPr id="2" name="Title 1"/>
+          <p:cNvSpPr>
+            <a:spLocks noGrp="1"/>
+          </p:cNvSpPr>
+          <p:nvPr>
+            <p:ph type="title"/>
+          </p:nvPr>
+        </p:nvSpPr>
+        <p:spPr/>
+        <p:txBody>
+          <a:bodyPr/>
+          <a:lstStyle/>
+          <a:p>
+            <a:r>
+              <a:rPr lang="en-US" dirty="0" err="1" smtClean="0"/>
+              <a:t>std</a:t>
+            </a:r>
+            <a:r>
+              <a:rPr lang="en-US" dirty="0" smtClean="0"/>
+              <a:t>::</a:t>
+            </a:r>
+            <a:r>
+              <a:rPr lang="en-US" dirty="0" err="1" smtClean="0"/>
+              <a:t>to_string</a:t>
+            </a:r>
+            <a:endParaRPr lang="en-US" dirty="0"/>
+          </a:p>
+        </p:txBody>
+      </p:sp>
+      <p:sp>
+        <p:nvSpPr>
+          <p:cNvPr id="3" name="Content Placeholder 2"/>
+          <p:cNvSpPr>
+            <a:spLocks noGrp="1"/>
+          </p:cNvSpPr>
+          <p:nvPr>
+            <p:ph idx="1"/>
+          </p:nvPr>
+        </p:nvSpPr>
+        <p:spPr>
+          <a:xfrm>
+            <a:off x="457200" y="1600200"/>
+            <a:ext cx="8229600" cy="4800600"/>
+          </a:xfrm>
+        </p:spPr>
+        <p:txBody>
+          <a:bodyPr>
+            <a:normAutofit fontScale="92500" lnSpcReduction="10000"/>
+          </a:bodyPr>
+          <a:lstStyle/>
+          <a:p>
+            <a:r>
+              <a:rPr lang="en-US" dirty="0" smtClean="0"/>
+              <a:t>“</a:t>
+            </a:r>
+            <a:r>
+              <a:rPr lang="en-US" dirty="0"/>
+              <a:t>Converts a numeric value to </a:t>
+            </a:r>
+            <a:r>
+              <a:rPr lang="en-US" dirty="0" err="1">
+                <a:hlinkClick r:id="rId2" tooltip="cpp/string/basic string"/>
+              </a:rPr>
+              <a:t>std</a:t>
+            </a:r>
+            <a:r>
+              <a:rPr lang="en-US" dirty="0">
+                <a:hlinkClick r:id="rId2" tooltip="cpp/string/basic string"/>
+              </a:rPr>
+              <a:t>::string</a:t>
+            </a:r>
+            <a:r>
+              <a:rPr lang="en-US" dirty="0" smtClean="0"/>
+              <a:t>.”</a:t>
+            </a:r>
+          </a:p>
+          <a:p>
+            <a:pPr marL="400050" lvl="1" indent="0">
+              <a:buNone/>
+            </a:pPr>
+            <a:r>
+              <a:rPr lang="en-US" sz="1800" dirty="0" smtClean="0">
+                <a:hlinkClick r:id="rId3"/>
+              </a:rPr>
+              <a:t>http</a:t>
+            </a:r>
+            <a:r>
+              <a:rPr lang="en-US" sz="1800" dirty="0">
+                <a:hlinkClick r:id="rId3"/>
+              </a:rPr>
+              <a:t>://</a:t>
+            </a:r>
+            <a:r>
+              <a:rPr lang="en-US" sz="1800" dirty="0" smtClean="0">
+                <a:hlinkClick r:id="rId3"/>
+              </a:rPr>
+              <a:t>en.cppreference.com/w/cpp/string/basic_string/to_string</a:t>
+            </a:r>
+            <a:endParaRPr lang="en-US" sz="1800" dirty="0" smtClean="0"/>
+          </a:p>
+          <a:p>
+            <a:pPr marL="285750"/>
+            <a:r>
+              <a:rPr lang="en-US" dirty="0" smtClean="0"/>
+              <a:t>Avoid </a:t>
+            </a:r>
+            <a:r>
+              <a:rPr lang="en-US" dirty="0" err="1" smtClean="0"/>
+              <a:t>atof</a:t>
+            </a:r>
+            <a:r>
+              <a:rPr lang="en-US" dirty="0" smtClean="0"/>
+              <a:t>(), </a:t>
+            </a:r>
+            <a:r>
+              <a:rPr lang="en-US" dirty="0" err="1" smtClean="0"/>
+              <a:t>atoi</a:t>
+            </a:r>
+            <a:r>
+              <a:rPr lang="en-US" dirty="0" smtClean="0"/>
+              <a:t>(), …; </a:t>
+            </a:r>
+            <a:r>
+              <a:rPr lang="en-US" dirty="0" err="1" smtClean="0"/>
+              <a:t>unicode</a:t>
+            </a:r>
+            <a:r>
+              <a:rPr lang="en-US" dirty="0" smtClean="0"/>
+              <a:t>; …</a:t>
+            </a:r>
+          </a:p>
+          <a:p>
+            <a:pPr marL="285750"/>
+            <a:r>
+              <a:rPr lang="en-US" dirty="0" smtClean="0"/>
+              <a:t>Use </a:t>
+            </a:r>
+            <a:r>
+              <a:rPr lang="en-US" dirty="0" err="1" smtClean="0"/>
+              <a:t>to_wstring</a:t>
+            </a:r>
+            <a:r>
+              <a:rPr lang="en-US" dirty="0" smtClean="0"/>
+              <a:t>() for wide strings</a:t>
+            </a:r>
+            <a:endParaRPr lang="en-US" dirty="0"/>
+          </a:p>
+          <a:p>
+            <a:pPr marL="400050" lvl="1" indent="0">
+              <a:buNone/>
+            </a:pPr>
+            <a:endParaRPr lang="en-US" sz="1800" dirty="0" smtClean="0"/>
+          </a:p>
+          <a:p>
+            <a:pPr marL="800100" lvl="2" indent="0">
+              <a:buNone/>
+            </a:pPr>
+            <a:r>
+              <a:rPr lang="en-US" sz="1400" dirty="0" smtClean="0">
+                <a:latin typeface="Consolas" panose="020B0609020204030204" pitchFamily="49" charset="0"/>
+                <a:cs typeface="Consolas" panose="020B0609020204030204" pitchFamily="49" charset="0"/>
+              </a:rPr>
+              <a:t>#</a:t>
+            </a:r>
+            <a:r>
+              <a:rPr lang="en-US" sz="1400" dirty="0">
+                <a:latin typeface="Consolas" panose="020B0609020204030204" pitchFamily="49" charset="0"/>
+                <a:cs typeface="Consolas" panose="020B0609020204030204" pitchFamily="49" charset="0"/>
+              </a:rPr>
+              <a:t>include &lt;</a:t>
+            </a:r>
+            <a:r>
+              <a:rPr lang="en-US" sz="1400" dirty="0" err="1">
+                <a:latin typeface="Consolas" panose="020B0609020204030204" pitchFamily="49" charset="0"/>
+                <a:cs typeface="Consolas" panose="020B0609020204030204" pitchFamily="49" charset="0"/>
+              </a:rPr>
+              <a:t>iostream</a:t>
+            </a:r>
+            <a:r>
+              <a:rPr lang="en-US" sz="1400" dirty="0">
+                <a:latin typeface="Consolas" panose="020B0609020204030204" pitchFamily="49" charset="0"/>
+                <a:cs typeface="Consolas" panose="020B0609020204030204" pitchFamily="49" charset="0"/>
+              </a:rPr>
+              <a:t>&gt;</a:t>
+            </a:r>
+          </a:p>
+          <a:p>
+            <a:pPr marL="800100" lvl="2" indent="0">
+              <a:buNone/>
+            </a:pPr>
+            <a:r>
+              <a:rPr lang="en-US" sz="1400" dirty="0">
+                <a:latin typeface="Consolas" panose="020B0609020204030204" pitchFamily="49" charset="0"/>
+                <a:cs typeface="Consolas" panose="020B0609020204030204" pitchFamily="49" charset="0"/>
+              </a:rPr>
+              <a:t>#include &lt;string</a:t>
+            </a:r>
+            <a:r>
+              <a:rPr lang="en-US" sz="1400" dirty="0" smtClean="0">
+                <a:latin typeface="Consolas" panose="020B0609020204030204" pitchFamily="49" charset="0"/>
+                <a:cs typeface="Consolas" panose="020B0609020204030204" pitchFamily="49" charset="0"/>
+              </a:rPr>
+              <a:t>&gt;</a:t>
+            </a:r>
+          </a:p>
+          <a:p>
+            <a:pPr marL="800100" lvl="2" indent="0">
+              <a:buNone/>
+            </a:pPr>
+            <a:endParaRPr lang="en-US" sz="1400" dirty="0">
+              <a:latin typeface="Consolas" panose="020B0609020204030204" pitchFamily="49" charset="0"/>
+              <a:cs typeface="Consolas" panose="020B0609020204030204" pitchFamily="49" charset="0"/>
+            </a:endParaRPr>
+          </a:p>
+          <a:p>
+            <a:pPr marL="800100" lvl="2" indent="0">
+              <a:buNone/>
+            </a:pPr>
+            <a:r>
+              <a:rPr lang="en-US" sz="1400" dirty="0" err="1" smtClean="0">
+                <a:latin typeface="Consolas" panose="020B0609020204030204" pitchFamily="49" charset="0"/>
+                <a:cs typeface="Consolas" panose="020B0609020204030204" pitchFamily="49" charset="0"/>
+              </a:rPr>
+              <a:t>int</a:t>
+            </a:r>
+            <a:r>
+              <a:rPr lang="en-US" sz="1400" dirty="0" smtClean="0">
+                <a:latin typeface="Consolas" panose="020B0609020204030204" pitchFamily="49" charset="0"/>
+                <a:cs typeface="Consolas" panose="020B0609020204030204" pitchFamily="49" charset="0"/>
+              </a:rPr>
+              <a:t> </a:t>
+            </a:r>
+            <a:r>
+              <a:rPr lang="en-US" sz="1400" dirty="0">
+                <a:latin typeface="Consolas" panose="020B0609020204030204" pitchFamily="49" charset="0"/>
+                <a:cs typeface="Consolas" panose="020B0609020204030204" pitchFamily="49" charset="0"/>
+              </a:rPr>
+              <a:t>main</a:t>
+            </a:r>
+            <a:r>
+              <a:rPr lang="en-US" sz="1400" dirty="0" smtClean="0">
+                <a:latin typeface="Consolas" panose="020B0609020204030204" pitchFamily="49" charset="0"/>
+                <a:cs typeface="Consolas" panose="020B0609020204030204" pitchFamily="49" charset="0"/>
+              </a:rPr>
+              <a:t>()</a:t>
+            </a:r>
+          </a:p>
+          <a:p>
+            <a:pPr marL="800100" lvl="2" indent="0">
+              <a:buNone/>
+            </a:pPr>
+            <a:r>
+              <a:rPr lang="en-US" sz="1400" dirty="0" smtClean="0">
+                <a:latin typeface="Consolas" panose="020B0609020204030204" pitchFamily="49" charset="0"/>
+                <a:cs typeface="Consolas" panose="020B0609020204030204" pitchFamily="49" charset="0"/>
+              </a:rPr>
+              <a:t>{</a:t>
+            </a:r>
+            <a:endParaRPr lang="en-US" sz="1400" dirty="0">
+              <a:latin typeface="Consolas" panose="020B0609020204030204" pitchFamily="49" charset="0"/>
+              <a:cs typeface="Consolas" panose="020B0609020204030204" pitchFamily="49" charset="0"/>
+            </a:endParaRPr>
+          </a:p>
+          <a:p>
+            <a:pPr marL="800100" lvl="2" indent="0">
+              <a:buNone/>
+            </a:pPr>
+            <a:r>
+              <a:rPr lang="en-US" sz="1400" dirty="0">
+                <a:latin typeface="Consolas" panose="020B0609020204030204" pitchFamily="49" charset="0"/>
+                <a:cs typeface="Consolas" panose="020B0609020204030204" pitchFamily="49" charset="0"/>
+              </a:rPr>
+              <a:t>    double f = 23.43;</a:t>
+            </a:r>
+          </a:p>
+          <a:p>
+            <a:pPr marL="800100" lvl="2" indent="0">
+              <a:buNone/>
+            </a:pPr>
+            <a:r>
+              <a:rPr lang="en-US" sz="1400" dirty="0">
+                <a:latin typeface="Consolas" panose="020B0609020204030204" pitchFamily="49" charset="0"/>
+                <a:cs typeface="Consolas" panose="020B0609020204030204" pitchFamily="49" charset="0"/>
+              </a:rPr>
+              <a:t>    </a:t>
+            </a:r>
+            <a:r>
+              <a:rPr lang="en-US" sz="1400" dirty="0" err="1">
+                <a:latin typeface="Consolas" panose="020B0609020204030204" pitchFamily="49" charset="0"/>
+                <a:cs typeface="Consolas" panose="020B0609020204030204" pitchFamily="49" charset="0"/>
+              </a:rPr>
+              <a:t>std</a:t>
+            </a:r>
+            <a:r>
+              <a:rPr lang="en-US" sz="1400" dirty="0">
+                <a:latin typeface="Consolas" panose="020B0609020204030204" pitchFamily="49" charset="0"/>
+                <a:cs typeface="Consolas" panose="020B0609020204030204" pitchFamily="49" charset="0"/>
+              </a:rPr>
+              <a:t>::string </a:t>
+            </a:r>
+            <a:r>
+              <a:rPr lang="en-US" sz="1400" dirty="0" err="1">
+                <a:latin typeface="Consolas" panose="020B0609020204030204" pitchFamily="49" charset="0"/>
+                <a:cs typeface="Consolas" panose="020B0609020204030204" pitchFamily="49" charset="0"/>
+              </a:rPr>
+              <a:t>f_str</a:t>
+            </a:r>
+            <a:r>
+              <a:rPr lang="en-US" sz="1400" dirty="0">
+                <a:latin typeface="Consolas" panose="020B0609020204030204" pitchFamily="49" charset="0"/>
+                <a:cs typeface="Consolas" panose="020B0609020204030204" pitchFamily="49" charset="0"/>
+              </a:rPr>
+              <a:t> = </a:t>
+            </a:r>
+            <a:r>
+              <a:rPr lang="en-US" sz="1400" dirty="0" err="1">
+                <a:latin typeface="Consolas" panose="020B0609020204030204" pitchFamily="49" charset="0"/>
+                <a:cs typeface="Consolas" panose="020B0609020204030204" pitchFamily="49" charset="0"/>
+              </a:rPr>
+              <a:t>std</a:t>
+            </a:r>
+            <a:r>
+              <a:rPr lang="en-US" sz="1400" dirty="0">
+                <a:latin typeface="Consolas" panose="020B0609020204030204" pitchFamily="49" charset="0"/>
+                <a:cs typeface="Consolas" panose="020B0609020204030204" pitchFamily="49" charset="0"/>
+              </a:rPr>
+              <a:t>::</a:t>
+            </a:r>
+            <a:r>
+              <a:rPr lang="en-US" sz="1400" dirty="0" err="1">
+                <a:latin typeface="Consolas" panose="020B0609020204030204" pitchFamily="49" charset="0"/>
+                <a:cs typeface="Consolas" panose="020B0609020204030204" pitchFamily="49" charset="0"/>
+              </a:rPr>
+              <a:t>to_string</a:t>
+            </a:r>
+            <a:r>
+              <a:rPr lang="en-US" sz="1400" dirty="0">
+                <a:latin typeface="Consolas" panose="020B0609020204030204" pitchFamily="49" charset="0"/>
+                <a:cs typeface="Consolas" panose="020B0609020204030204" pitchFamily="49" charset="0"/>
+              </a:rPr>
+              <a:t>(f);</a:t>
+            </a:r>
+          </a:p>
+          <a:p>
+            <a:pPr marL="800100" lvl="2" indent="0">
+              <a:buNone/>
+            </a:pPr>
+            <a:r>
+              <a:rPr lang="en-US" sz="1400" dirty="0">
+                <a:latin typeface="Consolas" panose="020B0609020204030204" pitchFamily="49" charset="0"/>
+                <a:cs typeface="Consolas" panose="020B0609020204030204" pitchFamily="49" charset="0"/>
+              </a:rPr>
+              <a:t>    </a:t>
+            </a:r>
+            <a:r>
+              <a:rPr lang="en-US" sz="1400" dirty="0" err="1">
+                <a:latin typeface="Consolas" panose="020B0609020204030204" pitchFamily="49" charset="0"/>
+                <a:cs typeface="Consolas" panose="020B0609020204030204" pitchFamily="49" charset="0"/>
+              </a:rPr>
+              <a:t>std</a:t>
+            </a:r>
+            <a:r>
+              <a:rPr lang="en-US" sz="1400" dirty="0">
+                <a:latin typeface="Consolas" panose="020B0609020204030204" pitchFamily="49" charset="0"/>
+                <a:cs typeface="Consolas" panose="020B0609020204030204" pitchFamily="49" charset="0"/>
+              </a:rPr>
+              <a:t>::</a:t>
+            </a:r>
+            <a:r>
+              <a:rPr lang="en-US" sz="1400" dirty="0" err="1">
+                <a:latin typeface="Consolas" panose="020B0609020204030204" pitchFamily="49" charset="0"/>
+                <a:cs typeface="Consolas" panose="020B0609020204030204" pitchFamily="49" charset="0"/>
+              </a:rPr>
+              <a:t>cout</a:t>
+            </a:r>
+            <a:r>
+              <a:rPr lang="en-US" sz="1400" dirty="0">
+                <a:latin typeface="Consolas" panose="020B0609020204030204" pitchFamily="49" charset="0"/>
+                <a:cs typeface="Consolas" panose="020B0609020204030204" pitchFamily="49" charset="0"/>
+              </a:rPr>
+              <a:t> &lt;&lt; </a:t>
+            </a:r>
+            <a:r>
+              <a:rPr lang="en-US" sz="1400" dirty="0" err="1">
+                <a:latin typeface="Consolas" panose="020B0609020204030204" pitchFamily="49" charset="0"/>
+                <a:cs typeface="Consolas" panose="020B0609020204030204" pitchFamily="49" charset="0"/>
+              </a:rPr>
+              <a:t>f_str</a:t>
+            </a:r>
+            <a:r>
+              <a:rPr lang="en-US" sz="1400" dirty="0">
+                <a:latin typeface="Consolas" panose="020B0609020204030204" pitchFamily="49" charset="0"/>
+                <a:cs typeface="Consolas" panose="020B0609020204030204" pitchFamily="49" charset="0"/>
+              </a:rPr>
+              <a:t> &lt;&lt; </a:t>
+            </a:r>
+            <a:r>
+              <a:rPr lang="en-US" sz="1400" dirty="0" err="1" smtClean="0">
+                <a:latin typeface="Consolas" panose="020B0609020204030204" pitchFamily="49" charset="0"/>
+                <a:cs typeface="Consolas" panose="020B0609020204030204" pitchFamily="49" charset="0"/>
+              </a:rPr>
+              <a:t>std</a:t>
+            </a:r>
+            <a:r>
+              <a:rPr lang="en-US" sz="1400" dirty="0" smtClean="0">
+                <a:latin typeface="Consolas" panose="020B0609020204030204" pitchFamily="49" charset="0"/>
+                <a:cs typeface="Consolas" panose="020B0609020204030204" pitchFamily="49" charset="0"/>
+              </a:rPr>
+              <a:t>::</a:t>
+            </a:r>
+            <a:r>
+              <a:rPr lang="en-US" sz="1400" dirty="0" err="1" smtClean="0">
+                <a:latin typeface="Consolas" panose="020B0609020204030204" pitchFamily="49" charset="0"/>
+                <a:cs typeface="Consolas" panose="020B0609020204030204" pitchFamily="49" charset="0"/>
+              </a:rPr>
+              <a:t>endl</a:t>
+            </a:r>
+            <a:r>
+              <a:rPr lang="en-US" sz="1400" dirty="0" smtClean="0">
+                <a:latin typeface="Consolas" panose="020B0609020204030204" pitchFamily="49" charset="0"/>
+                <a:cs typeface="Consolas" panose="020B0609020204030204" pitchFamily="49" charset="0"/>
+              </a:rPr>
+              <a:t>;</a:t>
+            </a:r>
+            <a:endParaRPr lang="en-US" sz="1400" dirty="0">
+              <a:latin typeface="Consolas" panose="020B0609020204030204" pitchFamily="49" charset="0"/>
+              <a:cs typeface="Consolas" panose="020B0609020204030204" pitchFamily="49" charset="0"/>
+            </a:endParaRPr>
+          </a:p>
+          <a:p>
+            <a:pPr marL="800100" lvl="2" indent="0">
+              <a:buNone/>
+            </a:pPr>
+            <a:r>
+              <a:rPr lang="en-US" sz="1400" dirty="0" smtClean="0">
+                <a:latin typeface="Consolas" panose="020B0609020204030204" pitchFamily="49" charset="0"/>
+                <a:cs typeface="Consolas" panose="020B0609020204030204" pitchFamily="49" charset="0"/>
+              </a:rPr>
+              <a:t>}</a:t>
+            </a:r>
+          </a:p>
+          <a:p>
+            <a:pPr marL="800100" lvl="2" indent="0">
+              <a:buNone/>
+            </a:pPr>
+            <a:endParaRPr lang="en-US" sz="1400" dirty="0" smtClean="0">
+              <a:latin typeface="Consolas" panose="020B0609020204030204" pitchFamily="49" charset="0"/>
+              <a:cs typeface="Consolas" panose="020B0609020204030204" pitchFamily="49" charset="0"/>
+            </a:endParaRPr>
+          </a:p>
+          <a:p>
+            <a:pPr marL="800100" lvl="2" indent="0">
+              <a:buNone/>
+            </a:pPr>
+            <a:r>
+              <a:rPr lang="en-US" sz="1400" dirty="0" smtClean="0">
+                <a:latin typeface="Consolas" panose="020B0609020204030204" pitchFamily="49" charset="0"/>
+                <a:cs typeface="Consolas" panose="020B0609020204030204" pitchFamily="49" charset="0"/>
+              </a:rPr>
+              <a:t>output: </a:t>
+            </a:r>
+            <a:r>
+              <a:rPr lang="en-US" sz="1400" dirty="0" smtClean="0"/>
+              <a:t>23.430000</a:t>
+            </a:r>
+            <a:endParaRPr lang="en-US" sz="1400" dirty="0">
+              <a:latin typeface="Consolas" panose="020B0609020204030204" pitchFamily="49" charset="0"/>
+              <a:cs typeface="Consolas" panose="020B0609020204030204" pitchFamily="49" charset="0"/>
+            </a:endParaRPr>
+          </a:p>
+          <a:p>
+            <a:pPr marL="800100" lvl="2" indent="0">
+              <a:buNone/>
+            </a:pPr>
+            <a:endParaRPr lang="en-US" sz="1400" dirty="0" smtClean="0"/>
+          </a:p>
+        </p:txBody>
+      </p:sp>
+    </p:spTree>
+    <p:extLst>
+      <p:ext uri="{BB962C8B-B14F-4D97-AF65-F5344CB8AC3E}">
+        <p14:creationId xmlns:p14="http://schemas.microsoft.com/office/powerpoint/2010/main" val="146388363"/>
+      </p:ext>
+    </p:extLst>
+  </p:cSld>
+  <p:clrMapOvr>
+    <a:masterClrMapping/>
+  </p:clrMapOvr>
+  <p:timing>
+    <p:tnLst>
+      <p:par>
+        <p:cTn id="1" dur="indefinite" restart="never" nodeType="tmRoot"/>
+      </p:par>
+    </p:tnLst>
+  </p:timing>
+</p:sld>
+</file>
+
+<file path=ppt/slides/slide15.xml><?xml version="1.0" encoding="utf-8"?>
+<p:sld xmlns:a="http://schemas.openxmlformats.org/drawingml/2006/main" xmlns:r="http://schemas.openxmlformats.org/officeDocument/2006/relationships" xmlns:p="http://schemas.openxmlformats.org/presentationml/2006/main">
+  <p:cSld>
+    <p:spTree>
+      <p:nvGrpSpPr>
+        <p:cNvPr id="1" name=""/>
+        <p:cNvGrpSpPr/>
+        <p:nvPr/>
+      </p:nvGrpSpPr>
+      <p:grpSpPr>
+        <a:xfrm>
+          <a:off x="0" y="0"/>
+          <a:ext cx="0" cy="0"/>
+          <a:chOff x="0" y="0"/>
+          <a:chExt cx="0" cy="0"/>
+        </a:xfrm>
+      </p:grpSpPr>
+      <p:sp>
+        <p:nvSpPr>
+          <p:cNvPr id="2" name="Title 1"/>
+          <p:cNvSpPr>
+            <a:spLocks noGrp="1"/>
+          </p:cNvSpPr>
+          <p:nvPr>
+            <p:ph type="title"/>
+          </p:nvPr>
+        </p:nvSpPr>
+        <p:spPr/>
+        <p:txBody>
+          <a:bodyPr/>
+          <a:lstStyle/>
+          <a:p>
+            <a:r>
               <a:rPr lang="en-US" dirty="0" err="1" smtClean="0"/>
               <a:t>std</a:t>
             </a:r>
@@ -4165,6 +5322,681 @@
     <p:extLst>
       <p:ext uri="{BB962C8B-B14F-4D97-AF65-F5344CB8AC3E}">
         <p14:creationId xmlns:p14="http://schemas.microsoft.com/office/powerpoint/2010/main" val="4177361218"/>
+      </p:ext>
+    </p:extLst>
+  </p:cSld>
+  <p:clrMapOvr>
+    <a:masterClrMapping/>
+  </p:clrMapOvr>
+  <p:timing>
+    <p:tnLst>
+      <p:par>
+        <p:cTn id="1" dur="indefinite" restart="never" nodeType="tmRoot"/>
+      </p:par>
+    </p:tnLst>
+  </p:timing>
+</p:sld>
+</file>
+
+<file path=ppt/slides/slide16.xml><?xml version="1.0" encoding="utf-8"?>
+<p:sld xmlns:a="http://schemas.openxmlformats.org/drawingml/2006/main" xmlns:r="http://schemas.openxmlformats.org/officeDocument/2006/relationships" xmlns:p="http://schemas.openxmlformats.org/presentationml/2006/main">
+  <p:cSld>
+    <p:spTree>
+      <p:nvGrpSpPr>
+        <p:cNvPr id="1" name=""/>
+        <p:cNvGrpSpPr/>
+        <p:nvPr/>
+      </p:nvGrpSpPr>
+      <p:grpSpPr>
+        <a:xfrm>
+          <a:off x="0" y="0"/>
+          <a:ext cx="0" cy="0"/>
+          <a:chOff x="0" y="0"/>
+          <a:chExt cx="0" cy="0"/>
+        </a:xfrm>
+      </p:grpSpPr>
+      <p:sp>
+        <p:nvSpPr>
+          <p:cNvPr id="2" name="Title 1"/>
+          <p:cNvSpPr>
+            <a:spLocks noGrp="1"/>
+          </p:cNvSpPr>
+          <p:nvPr>
+            <p:ph type="title"/>
+          </p:nvPr>
+        </p:nvSpPr>
+        <p:spPr/>
+        <p:txBody>
+          <a:bodyPr/>
+          <a:lstStyle/>
+          <a:p>
+            <a:r>
+              <a:rPr lang="en-US" dirty="0" smtClean="0"/>
+              <a:t>Google C++</a:t>
+            </a:r>
+            <a:endParaRPr lang="en-US" dirty="0"/>
+          </a:p>
+        </p:txBody>
+      </p:sp>
+      <p:sp>
+        <p:nvSpPr>
+          <p:cNvPr id="3" name="Content Placeholder 2"/>
+          <p:cNvSpPr>
+            <a:spLocks noGrp="1"/>
+          </p:cNvSpPr>
+          <p:nvPr>
+            <p:ph idx="1"/>
+          </p:nvPr>
+        </p:nvSpPr>
+        <p:spPr/>
+        <p:txBody>
+          <a:bodyPr>
+            <a:normAutofit fontScale="92500"/>
+          </a:bodyPr>
+          <a:lstStyle/>
+          <a:p>
+            <a:pPr marL="0" indent="0">
+              <a:buNone/>
+            </a:pPr>
+            <a:r>
+              <a:rPr lang="en-US" sz="2000" dirty="0">
+                <a:hlinkClick r:id="rId2"/>
+              </a:rPr>
+              <a:t>http://</a:t>
+            </a:r>
+            <a:r>
+              <a:rPr lang="en-US" sz="2000" dirty="0" smtClean="0">
+                <a:hlinkClick r:id="rId2"/>
+              </a:rPr>
+              <a:t>google-styleguide.googlecode.com/svn/trunk/cppguide.html</a:t>
+            </a:r>
+            <a:endParaRPr lang="en-US" sz="2000" dirty="0" smtClean="0"/>
+          </a:p>
+          <a:p>
+            <a:pPr marL="400050" lvl="1" indent="0">
+              <a:buNone/>
+            </a:pPr>
+            <a:endParaRPr lang="en-US" sz="1400" dirty="0" smtClean="0"/>
+          </a:p>
+          <a:p>
+            <a:pPr marL="400050" lvl="1" indent="0">
+              <a:buNone/>
+            </a:pPr>
+            <a:r>
+              <a:rPr lang="en-US" sz="1800" dirty="0" smtClean="0">
+                <a:latin typeface="Consolas" panose="020B0609020204030204" pitchFamily="49" charset="0"/>
+                <a:cs typeface="Consolas" panose="020B0609020204030204" pitchFamily="49" charset="0"/>
+              </a:rPr>
+              <a:t>“Programmers </a:t>
+            </a:r>
+            <a:r>
+              <a:rPr lang="en-US" sz="1800" dirty="0">
+                <a:latin typeface="Consolas" panose="020B0609020204030204" pitchFamily="49" charset="0"/>
+                <a:cs typeface="Consolas" panose="020B0609020204030204" pitchFamily="49" charset="0"/>
+              </a:rPr>
+              <a:t>have to understand the difference between auto and </a:t>
+            </a:r>
+            <a:r>
+              <a:rPr lang="en-US" sz="1800" dirty="0" err="1">
+                <a:latin typeface="Consolas" panose="020B0609020204030204" pitchFamily="49" charset="0"/>
+                <a:cs typeface="Consolas" panose="020B0609020204030204" pitchFamily="49" charset="0"/>
+              </a:rPr>
+              <a:t>const</a:t>
+            </a:r>
+            <a:r>
+              <a:rPr lang="en-US" sz="1800" dirty="0">
+                <a:latin typeface="Consolas" panose="020B0609020204030204" pitchFamily="49" charset="0"/>
+                <a:cs typeface="Consolas" panose="020B0609020204030204" pitchFamily="49" charset="0"/>
+              </a:rPr>
+              <a:t> auto&amp; or they'll get copies when they didn't mean to.</a:t>
+            </a:r>
+          </a:p>
+          <a:p>
+            <a:pPr marL="400050" lvl="1" indent="0">
+              <a:buNone/>
+            </a:pPr>
+            <a:endParaRPr lang="en-US" sz="1800" dirty="0">
+              <a:latin typeface="Consolas" panose="020B0609020204030204" pitchFamily="49" charset="0"/>
+              <a:cs typeface="Consolas" panose="020B0609020204030204" pitchFamily="49" charset="0"/>
+            </a:endParaRPr>
+          </a:p>
+          <a:p>
+            <a:pPr marL="400050" lvl="1" indent="0">
+              <a:buNone/>
+            </a:pPr>
+            <a:r>
+              <a:rPr lang="en-US" sz="1800" dirty="0">
+                <a:latin typeface="Consolas" panose="020B0609020204030204" pitchFamily="49" charset="0"/>
+                <a:cs typeface="Consolas" panose="020B0609020204030204" pitchFamily="49" charset="0"/>
+              </a:rPr>
+              <a:t>The interaction between auto and C++11 brace-initialization can be confusing. The declarations:</a:t>
+            </a:r>
+          </a:p>
+          <a:p>
+            <a:pPr marL="400050" lvl="1" indent="0">
+              <a:buNone/>
+            </a:pPr>
+            <a:endParaRPr lang="en-US" sz="1800" dirty="0">
+              <a:latin typeface="Consolas" panose="020B0609020204030204" pitchFamily="49" charset="0"/>
+              <a:cs typeface="Consolas" panose="020B0609020204030204" pitchFamily="49" charset="0"/>
+            </a:endParaRPr>
+          </a:p>
+          <a:p>
+            <a:pPr marL="400050" lvl="1" indent="0">
+              <a:buNone/>
+            </a:pPr>
+            <a:r>
+              <a:rPr lang="en-US" sz="1800" dirty="0">
+                <a:latin typeface="Consolas" panose="020B0609020204030204" pitchFamily="49" charset="0"/>
+                <a:cs typeface="Consolas" panose="020B0609020204030204" pitchFamily="49" charset="0"/>
+              </a:rPr>
+              <a:t>auto x(3);  // </a:t>
+            </a:r>
+            <a:r>
+              <a:rPr lang="en-US" sz="1800" dirty="0">
+                <a:solidFill>
+                  <a:srgbClr val="FF0000"/>
+                </a:solidFill>
+                <a:latin typeface="Consolas" panose="020B0609020204030204" pitchFamily="49" charset="0"/>
+                <a:cs typeface="Consolas" panose="020B0609020204030204" pitchFamily="49" charset="0"/>
+              </a:rPr>
+              <a:t>Note: parentheses.</a:t>
+            </a:r>
+          </a:p>
+          <a:p>
+            <a:pPr marL="400050" lvl="1" indent="0">
+              <a:buNone/>
+            </a:pPr>
+            <a:r>
+              <a:rPr lang="en-US" sz="1800" dirty="0">
+                <a:latin typeface="Consolas" panose="020B0609020204030204" pitchFamily="49" charset="0"/>
+                <a:cs typeface="Consolas" panose="020B0609020204030204" pitchFamily="49" charset="0"/>
+              </a:rPr>
+              <a:t>auto y{3};  // </a:t>
+            </a:r>
+            <a:r>
+              <a:rPr lang="en-US" sz="1800" dirty="0">
+                <a:solidFill>
+                  <a:srgbClr val="FF0000"/>
+                </a:solidFill>
+                <a:latin typeface="Consolas" panose="020B0609020204030204" pitchFamily="49" charset="0"/>
+                <a:cs typeface="Consolas" panose="020B0609020204030204" pitchFamily="49" charset="0"/>
+              </a:rPr>
+              <a:t>Note: curly braces.</a:t>
+            </a:r>
+          </a:p>
+          <a:p>
+            <a:pPr marL="400050" lvl="1" indent="0">
+              <a:buNone/>
+            </a:pPr>
+            <a:endParaRPr lang="en-US" sz="1800" dirty="0" smtClean="0">
+              <a:latin typeface="Consolas" panose="020B0609020204030204" pitchFamily="49" charset="0"/>
+              <a:cs typeface="Consolas" panose="020B0609020204030204" pitchFamily="49" charset="0"/>
+            </a:endParaRPr>
+          </a:p>
+          <a:p>
+            <a:pPr marL="400050" lvl="1" indent="0">
+              <a:buNone/>
+            </a:pPr>
+            <a:r>
+              <a:rPr lang="en-US" sz="2400" dirty="0" smtClean="0">
+                <a:latin typeface="Consolas" panose="020B0609020204030204" pitchFamily="49" charset="0"/>
+                <a:cs typeface="Consolas" panose="020B0609020204030204" pitchFamily="49" charset="0"/>
+              </a:rPr>
+              <a:t>mean </a:t>
+            </a:r>
+            <a:r>
+              <a:rPr lang="en-US" sz="2400" dirty="0">
+                <a:latin typeface="Consolas" panose="020B0609020204030204" pitchFamily="49" charset="0"/>
+                <a:cs typeface="Consolas" panose="020B0609020204030204" pitchFamily="49" charset="0"/>
+              </a:rPr>
+              <a:t>different things — x is an </a:t>
+            </a:r>
+            <a:r>
+              <a:rPr lang="en-US" sz="2400" dirty="0" err="1">
+                <a:latin typeface="Consolas" panose="020B0609020204030204" pitchFamily="49" charset="0"/>
+                <a:cs typeface="Consolas" panose="020B0609020204030204" pitchFamily="49" charset="0"/>
+              </a:rPr>
+              <a:t>int</a:t>
+            </a:r>
+            <a:r>
+              <a:rPr lang="en-US" sz="2400" dirty="0">
+                <a:latin typeface="Consolas" panose="020B0609020204030204" pitchFamily="49" charset="0"/>
+                <a:cs typeface="Consolas" panose="020B0609020204030204" pitchFamily="49" charset="0"/>
+              </a:rPr>
+              <a:t>, while y is a </a:t>
+            </a:r>
+            <a:r>
+              <a:rPr lang="en-US" sz="2400" dirty="0" err="1">
+                <a:latin typeface="Consolas" panose="020B0609020204030204" pitchFamily="49" charset="0"/>
+                <a:cs typeface="Consolas" panose="020B0609020204030204" pitchFamily="49" charset="0"/>
+              </a:rPr>
+              <a:t>std</a:t>
+            </a:r>
+            <a:r>
+              <a:rPr lang="en-US" sz="2400" dirty="0">
+                <a:latin typeface="Consolas" panose="020B0609020204030204" pitchFamily="49" charset="0"/>
+                <a:cs typeface="Consolas" panose="020B0609020204030204" pitchFamily="49" charset="0"/>
+              </a:rPr>
+              <a:t>::</a:t>
+            </a:r>
+            <a:r>
+              <a:rPr lang="en-US" sz="2400" dirty="0" err="1">
+                <a:latin typeface="Consolas" panose="020B0609020204030204" pitchFamily="49" charset="0"/>
+                <a:cs typeface="Consolas" panose="020B0609020204030204" pitchFamily="49" charset="0"/>
+              </a:rPr>
+              <a:t>initializer_list</a:t>
+            </a:r>
+            <a:r>
+              <a:rPr lang="en-US" sz="2400" dirty="0">
+                <a:latin typeface="Consolas" panose="020B0609020204030204" pitchFamily="49" charset="0"/>
+                <a:cs typeface="Consolas" panose="020B0609020204030204" pitchFamily="49" charset="0"/>
+              </a:rPr>
+              <a:t>&lt;</a:t>
+            </a:r>
+            <a:r>
+              <a:rPr lang="en-US" sz="2400" dirty="0" err="1">
+                <a:latin typeface="Consolas" panose="020B0609020204030204" pitchFamily="49" charset="0"/>
+                <a:cs typeface="Consolas" panose="020B0609020204030204" pitchFamily="49" charset="0"/>
+              </a:rPr>
+              <a:t>int</a:t>
+            </a:r>
+            <a:r>
+              <a:rPr lang="en-US" sz="2400" dirty="0">
+                <a:latin typeface="Consolas" panose="020B0609020204030204" pitchFamily="49" charset="0"/>
+                <a:cs typeface="Consolas" panose="020B0609020204030204" pitchFamily="49" charset="0"/>
+              </a:rPr>
+              <a:t>&gt;. The same applies to other normally-invisible proxy types.</a:t>
+            </a:r>
+          </a:p>
+        </p:txBody>
+      </p:sp>
+    </p:spTree>
+    <p:extLst>
+      <p:ext uri="{BB962C8B-B14F-4D97-AF65-F5344CB8AC3E}">
+        <p14:creationId xmlns:p14="http://schemas.microsoft.com/office/powerpoint/2010/main" val="3077294350"/>
+      </p:ext>
+    </p:extLst>
+  </p:cSld>
+  <p:clrMapOvr>
+    <a:masterClrMapping/>
+  </p:clrMapOvr>
+</p:sld>
+</file>
+
+<file path=ppt/slides/slide17.xml><?xml version="1.0" encoding="utf-8"?>
+<p:sld xmlns:a="http://schemas.openxmlformats.org/drawingml/2006/main" xmlns:r="http://schemas.openxmlformats.org/officeDocument/2006/relationships" xmlns:p="http://schemas.openxmlformats.org/presentationml/2006/main">
+  <p:cSld>
+    <p:spTree>
+      <p:nvGrpSpPr>
+        <p:cNvPr id="1" name=""/>
+        <p:cNvGrpSpPr/>
+        <p:nvPr/>
+      </p:nvGrpSpPr>
+      <p:grpSpPr>
+        <a:xfrm>
+          <a:off x="0" y="0"/>
+          <a:ext cx="0" cy="0"/>
+          <a:chOff x="0" y="0"/>
+          <a:chExt cx="0" cy="0"/>
+        </a:xfrm>
+      </p:grpSpPr>
+      <p:sp>
+        <p:nvSpPr>
+          <p:cNvPr id="2" name="Title 1"/>
+          <p:cNvSpPr>
+            <a:spLocks noGrp="1"/>
+          </p:cNvSpPr>
+          <p:nvPr>
+            <p:ph type="title"/>
+          </p:nvPr>
+        </p:nvSpPr>
+        <p:spPr/>
+        <p:txBody>
+          <a:bodyPr/>
+          <a:lstStyle/>
+          <a:p>
+            <a:r>
+              <a:rPr lang="en-US" dirty="0" smtClean="0"/>
+              <a:t>Google C++</a:t>
+            </a:r>
+            <a:endParaRPr lang="en-US" dirty="0"/>
+          </a:p>
+        </p:txBody>
+      </p:sp>
+      <p:sp>
+        <p:nvSpPr>
+          <p:cNvPr id="3" name="Content Placeholder 2"/>
+          <p:cNvSpPr>
+            <a:spLocks noGrp="1"/>
+          </p:cNvSpPr>
+          <p:nvPr>
+            <p:ph idx="1"/>
+          </p:nvPr>
+        </p:nvSpPr>
+        <p:spPr/>
+        <p:txBody>
+          <a:bodyPr/>
+          <a:lstStyle/>
+          <a:p>
+            <a:pPr marL="0" indent="0">
+              <a:buNone/>
+            </a:pPr>
+            <a:endParaRPr lang="en-US" sz="1400" dirty="0" smtClean="0"/>
+          </a:p>
+          <a:p>
+            <a:pPr marL="0" indent="0">
+              <a:buNone/>
+            </a:pPr>
+            <a:endParaRPr lang="en-US" sz="1400" dirty="0"/>
+          </a:p>
+          <a:p>
+            <a:pPr marL="0" indent="0">
+              <a:buNone/>
+            </a:pPr>
+            <a:endParaRPr lang="en-US" sz="1400" dirty="0" smtClean="0"/>
+          </a:p>
+          <a:p>
+            <a:pPr marL="0" indent="0">
+              <a:buNone/>
+            </a:pPr>
+            <a:endParaRPr lang="en-US" sz="1400" dirty="0"/>
+          </a:p>
+          <a:p>
+            <a:pPr marL="0" indent="0">
+              <a:buNone/>
+            </a:pPr>
+            <a:endParaRPr lang="en-US" sz="1400" dirty="0" smtClean="0"/>
+          </a:p>
+          <a:p>
+            <a:pPr marL="0" indent="0">
+              <a:buNone/>
+            </a:pPr>
+            <a:endParaRPr lang="en-US" sz="1400" dirty="0" smtClean="0"/>
+          </a:p>
+          <a:p>
+            <a:pPr marL="0" indent="0">
+              <a:buNone/>
+            </a:pPr>
+            <a:endParaRPr lang="en-US" sz="1400" dirty="0" smtClean="0"/>
+          </a:p>
+          <a:p>
+            <a:pPr marL="0" indent="0">
+              <a:buNone/>
+            </a:pPr>
+            <a:r>
+              <a:rPr lang="en-US" sz="1400" dirty="0" smtClean="0">
+                <a:latin typeface="Consolas" panose="020B0609020204030204" pitchFamily="49" charset="0"/>
+                <a:cs typeface="Consolas" panose="020B0609020204030204" pitchFamily="49" charset="0"/>
+              </a:rPr>
+              <a:t>cl /FA j.cpp</a:t>
+            </a:r>
+          </a:p>
+          <a:p>
+            <a:pPr marL="0" indent="0">
+              <a:buNone/>
+            </a:pPr>
+            <a:endParaRPr lang="en-US" sz="1400" dirty="0" smtClean="0">
+              <a:latin typeface="Consolas" panose="020B0609020204030204" pitchFamily="49" charset="0"/>
+              <a:cs typeface="Consolas" panose="020B0609020204030204" pitchFamily="49" charset="0"/>
+            </a:endParaRPr>
+          </a:p>
+          <a:p>
+            <a:pPr marL="0" indent="0">
+              <a:buNone/>
+            </a:pPr>
+            <a:r>
+              <a:rPr lang="en-US" sz="1400" dirty="0" smtClean="0">
+                <a:latin typeface="Consolas" panose="020B0609020204030204" pitchFamily="49" charset="0"/>
+                <a:cs typeface="Consolas" panose="020B0609020204030204" pitchFamily="49" charset="0"/>
+              </a:rPr>
+              <a:t>Directory </a:t>
+            </a:r>
+            <a:r>
+              <a:rPr lang="en-US" sz="1400" dirty="0">
+                <a:latin typeface="Consolas" panose="020B0609020204030204" pitchFamily="49" charset="0"/>
+                <a:cs typeface="Consolas" panose="020B0609020204030204" pitchFamily="49" charset="0"/>
+              </a:rPr>
+              <a:t>of D:\temp\j</a:t>
+            </a:r>
+          </a:p>
+          <a:p>
+            <a:pPr marL="0" indent="0">
+              <a:buNone/>
+            </a:pPr>
+            <a:r>
+              <a:rPr lang="en-US" sz="1400" dirty="0">
+                <a:latin typeface="Consolas" panose="020B0609020204030204" pitchFamily="49" charset="0"/>
+                <a:cs typeface="Consolas" panose="020B0609020204030204" pitchFamily="49" charset="0"/>
+              </a:rPr>
+              <a:t>11/07/2014  08:23 AM               564 j.asm</a:t>
+            </a:r>
+          </a:p>
+          <a:p>
+            <a:pPr marL="0" indent="0">
+              <a:buNone/>
+            </a:pPr>
+            <a:r>
+              <a:rPr lang="en-US" sz="1400" dirty="0">
+                <a:latin typeface="Consolas" panose="020B0609020204030204" pitchFamily="49" charset="0"/>
+                <a:cs typeface="Consolas" panose="020B0609020204030204" pitchFamily="49" charset="0"/>
+              </a:rPr>
+              <a:t>11/07/2014  08:17 AM                94 j.cpp</a:t>
+            </a:r>
+          </a:p>
+          <a:p>
+            <a:pPr marL="0" indent="0">
+              <a:buNone/>
+            </a:pPr>
+            <a:r>
+              <a:rPr lang="en-US" sz="1400" dirty="0">
+                <a:latin typeface="Consolas" panose="020B0609020204030204" pitchFamily="49" charset="0"/>
+                <a:cs typeface="Consolas" panose="020B0609020204030204" pitchFamily="49" charset="0"/>
+              </a:rPr>
+              <a:t>11/07/2014  08:23 AM            83,456 j.exe</a:t>
+            </a:r>
+          </a:p>
+          <a:p>
+            <a:pPr marL="0" indent="0">
+              <a:buNone/>
+            </a:pPr>
+            <a:r>
+              <a:rPr lang="en-US" sz="1400" dirty="0">
+                <a:latin typeface="Consolas" panose="020B0609020204030204" pitchFamily="49" charset="0"/>
+                <a:cs typeface="Consolas" panose="020B0609020204030204" pitchFamily="49" charset="0"/>
+              </a:rPr>
+              <a:t>11/07/2014  08:23 AM               475 j.obj</a:t>
+            </a:r>
+          </a:p>
+        </p:txBody>
+      </p:sp>
+      <p:pic>
+        <p:nvPicPr>
+          <p:cNvPr id="1027" name="Picture 3"/>
+          <p:cNvPicPr>
+            <a:picLocks noChangeAspect="1" noChangeArrowheads="1"/>
+          </p:cNvPicPr>
+          <p:nvPr/>
+        </p:nvPicPr>
+        <p:blipFill>
+          <a:blip r:embed="rId2">
+            <a:extLst>
+              <a:ext uri="{28A0092B-C50C-407E-A947-70E740481C1C}">
+                <a14:useLocalDpi xmlns:a14="http://schemas.microsoft.com/office/drawing/2010/main" val="0"/>
+              </a:ext>
+            </a:extLst>
+          </a:blip>
+          <a:srcRect/>
+          <a:stretch>
+            <a:fillRect/>
+          </a:stretch>
+        </p:blipFill>
+        <p:spPr bwMode="auto">
+          <a:xfrm>
+            <a:off x="451624" y="1600200"/>
+            <a:ext cx="5339576" cy="1626800"/>
+          </a:xfrm>
+          <a:prstGeom prst="rect">
+            <a:avLst/>
+          </a:prstGeom>
+          <a:noFill/>
+          <a:ln>
+            <a:noFill/>
+          </a:ln>
+          <a:effectLst/>
+          <a:extLst>
+            <a:ext uri="{909E8E84-426E-40DD-AFC4-6F175D3DCCD1}">
+              <a14:hiddenFill xmlns:a14="http://schemas.microsoft.com/office/drawing/2010/main">
+                <a:solidFill>
+                  <a:schemeClr val="accent1"/>
+                </a:solidFill>
+              </a14:hiddenFill>
+            </a:ext>
+            <a:ext uri="{91240B29-F687-4F45-9708-019B960494DF}">
+              <a14:hiddenLine xmlns:a14="http://schemas.microsoft.com/office/drawing/2010/main" w="9525">
+                <a:solidFill>
+                  <a:schemeClr val="tx1"/>
+                </a:solidFill>
+                <a:miter lim="800000"/>
+                <a:headEnd/>
+                <a:tailEnd/>
+              </a14:hiddenLine>
+            </a:ext>
+            <a:ext uri="{AF507438-7753-43E0-B8FC-AC1667EBCBE1}">
+              <a14:hiddenEffects xmlns:a14="http://schemas.microsoft.com/office/drawing/2010/main">
+                <a:effectLst>
+                  <a:outerShdw dist="35921" dir="2700000" algn="ctr" rotWithShape="0">
+                    <a:schemeClr val="bg2"/>
+                  </a:outerShdw>
+                </a:effectLst>
+              </a14:hiddenEffects>
+            </a:ext>
+          </a:extLst>
+        </p:spPr>
+      </p:pic>
+    </p:spTree>
+    <p:extLst>
+      <p:ext uri="{BB962C8B-B14F-4D97-AF65-F5344CB8AC3E}">
+        <p14:creationId xmlns:p14="http://schemas.microsoft.com/office/powerpoint/2010/main" val="3401879164"/>
+      </p:ext>
+    </p:extLst>
+  </p:cSld>
+  <p:clrMapOvr>
+    <a:masterClrMapping/>
+  </p:clrMapOvr>
+</p:sld>
+</file>
+
+<file path=ppt/slides/slide18.xml><?xml version="1.0" encoding="utf-8"?>
+<p:sld xmlns:a="http://schemas.openxmlformats.org/drawingml/2006/main" xmlns:r="http://schemas.openxmlformats.org/officeDocument/2006/relationships" xmlns:p="http://schemas.openxmlformats.org/presentationml/2006/main">
+  <p:cSld>
+    <p:spTree>
+      <p:nvGrpSpPr>
+        <p:cNvPr id="1" name=""/>
+        <p:cNvGrpSpPr/>
+        <p:nvPr/>
+      </p:nvGrpSpPr>
+      <p:grpSpPr>
+        <a:xfrm>
+          <a:off x="0" y="0"/>
+          <a:ext cx="0" cy="0"/>
+          <a:chOff x="0" y="0"/>
+          <a:chExt cx="0" cy="0"/>
+        </a:xfrm>
+      </p:grpSpPr>
+      <p:sp>
+        <p:nvSpPr>
+          <p:cNvPr id="2" name="Title 1"/>
+          <p:cNvSpPr>
+            <a:spLocks noGrp="1"/>
+          </p:cNvSpPr>
+          <p:nvPr>
+            <p:ph type="title"/>
+          </p:nvPr>
+        </p:nvSpPr>
+        <p:spPr/>
+        <p:txBody>
+          <a:bodyPr/>
+          <a:lstStyle/>
+          <a:p>
+            <a:r>
+              <a:rPr lang="en-US" dirty="0" smtClean="0"/>
+              <a:t>Google C++</a:t>
+            </a:r>
+            <a:endParaRPr lang="en-US" dirty="0"/>
+          </a:p>
+        </p:txBody>
+      </p:sp>
+      <p:pic>
+        <p:nvPicPr>
+          <p:cNvPr id="2050" name="Picture 2"/>
+          <p:cNvPicPr>
+            <a:picLocks noGrp="1" noChangeAspect="1" noChangeArrowheads="1"/>
+          </p:cNvPicPr>
+          <p:nvPr>
+            <p:ph idx="1"/>
+          </p:nvPr>
+        </p:nvPicPr>
+        <p:blipFill>
+          <a:blip r:embed="rId2">
+            <a:extLst>
+              <a:ext uri="{28A0092B-C50C-407E-A947-70E740481C1C}">
+                <a14:useLocalDpi xmlns:a14="http://schemas.microsoft.com/office/drawing/2010/main" val="0"/>
+              </a:ext>
+            </a:extLst>
+          </a:blip>
+          <a:srcRect/>
+          <a:stretch>
+            <a:fillRect/>
+          </a:stretch>
+        </p:blipFill>
+        <p:spPr bwMode="auto">
+          <a:xfrm>
+            <a:off x="723900" y="1371600"/>
+            <a:ext cx="7696200" cy="5164556"/>
+          </a:xfrm>
+          <a:prstGeom prst="rect">
+            <a:avLst/>
+          </a:prstGeom>
+          <a:noFill/>
+          <a:ln>
+            <a:noFill/>
+          </a:ln>
+          <a:effectLst/>
+          <a:extLst>
+            <a:ext uri="{909E8E84-426E-40DD-AFC4-6F175D3DCCD1}">
+              <a14:hiddenFill xmlns:a14="http://schemas.microsoft.com/office/drawing/2010/main">
+                <a:solidFill>
+                  <a:schemeClr val="accent1"/>
+                </a:solidFill>
+              </a14:hiddenFill>
+            </a:ext>
+            <a:ext uri="{91240B29-F687-4F45-9708-019B960494DF}">
+              <a14:hiddenLine xmlns:a14="http://schemas.microsoft.com/office/drawing/2010/main" w="9525">
+                <a:solidFill>
+                  <a:schemeClr val="tx1"/>
+                </a:solidFill>
+                <a:miter lim="800000"/>
+                <a:headEnd/>
+                <a:tailEnd/>
+              </a14:hiddenLine>
+            </a:ext>
+            <a:ext uri="{AF507438-7753-43E0-B8FC-AC1667EBCBE1}">
+              <a14:hiddenEffects xmlns:a14="http://schemas.microsoft.com/office/drawing/2010/main">
+                <a:effectLst>
+                  <a:outerShdw dist="35921" dir="2700000" algn="ctr" rotWithShape="0">
+                    <a:schemeClr val="bg2"/>
+                  </a:outerShdw>
+                </a:effectLst>
+              </a14:hiddenEffects>
+            </a:ext>
+          </a:extLst>
+        </p:spPr>
+      </p:pic>
+    </p:spTree>
+    <p:extLst>
+      <p:ext uri="{BB962C8B-B14F-4D97-AF65-F5344CB8AC3E}">
+        <p14:creationId xmlns:p14="http://schemas.microsoft.com/office/powerpoint/2010/main" val="1841246713"/>
       </p:ext>
     </p:extLst>
   </p:cSld>
@@ -4226,18 +6058,18 @@
         </p:nvSpPr>
         <p:spPr/>
         <p:txBody>
-          <a:bodyPr/>
+          <a:bodyPr>
+            <a:normAutofit/>
+          </a:bodyPr>
           <a:lstStyle/>
           <a:p>
             <a:r>
               <a:rPr lang="en-US" dirty="0" smtClean="0"/>
-              <a:t>I am not a C++ expert</a:t>
-            </a:r>
-          </a:p>
-          <a:p>
+              <a:t>I </a:t>
+            </a:r>
             <a:r>
               <a:rPr lang="en-US" dirty="0" smtClean="0"/>
-              <a:t>I like a lot of languages in addition to C++</a:t>
+              <a:t>like a lot of languages in addition to C++</a:t>
             </a:r>
           </a:p>
           <a:p>
@@ -4255,20 +6087,42 @@
           <a:p>
             <a:r>
               <a:rPr lang="en-US" dirty="0" smtClean="0"/>
-              <a:t>I use mostly Microsoft C++</a:t>
-            </a:r>
-          </a:p>
-          <a:p>
+              <a:t>I use </a:t>
+            </a:r>
             <a:r>
               <a:rPr lang="en-US" dirty="0" smtClean="0"/>
-              <a:t>I’m not a C++ expert!</a:t>
-            </a:r>
+              <a:t>Microsoft </a:t>
+            </a:r>
+            <a:r>
+              <a:rPr lang="en-US" dirty="0" smtClean="0"/>
+              <a:t>C</a:t>
+            </a:r>
+            <a:r>
+              <a:rPr lang="en-US" dirty="0" smtClean="0"/>
+              <a:t>++ mostly</a:t>
+            </a:r>
+            <a:endParaRPr lang="en-US" dirty="0" smtClean="0"/>
+          </a:p>
+          <a:p>
+            <a:r>
+              <a:rPr lang="en-US" dirty="0" smtClean="0"/>
+              <a:t>I’m not a C++ </a:t>
+            </a:r>
+            <a:r>
+              <a:rPr lang="en-US" dirty="0" smtClean="0"/>
+              <a:t>expert</a:t>
+            </a:r>
+            <a:endParaRPr lang="en-US" dirty="0" smtClean="0"/>
           </a:p>
           <a:p>
             <a:pPr lvl="1"/>
             <a:r>
               <a:rPr lang="en-US" dirty="0" smtClean="0"/>
-              <a:t>these challenge me: </a:t>
+              <a:t>these challenge </a:t>
+            </a:r>
+            <a:r>
+              <a:rPr lang="en-US" dirty="0" smtClean="0"/>
+              <a:t>me: </a:t>
             </a:r>
             <a:r>
               <a:rPr lang="en-US" dirty="0" smtClean="0">
@@ -4286,8 +6140,19 @@
               <a:rPr lang="en-US" dirty="0" smtClean="0">
                 <a:hlinkClick r:id="rId2"/>
               </a:rPr>
-              <a:t>cppquiz.org</a:t>
-            </a:r>
+              <a:t>cppquiz.org/quiz/question/1</a:t>
+            </a:r>
+            <a:endParaRPr lang="en-US" dirty="0" smtClean="0"/>
+          </a:p>
+          <a:p>
+            <a:r>
+              <a:rPr lang="en-US" dirty="0" smtClean="0"/>
+              <a:t>It’s fun to learn new things and apply them</a:t>
+            </a:r>
+            <a:endParaRPr lang="en-US" dirty="0"/>
+          </a:p>
+          <a:p>
+            <a:pPr lvl="1"/>
             <a:endParaRPr lang="en-US" dirty="0" smtClean="0"/>
           </a:p>
           <a:p>
@@ -4315,6 +6180,13 @@
   <p:clrMapOvr>
     <a:masterClrMapping/>
   </p:clrMapOvr>
+  <p:timing>
+    <p:tnLst>
+      <p:par>
+        <p:cTn id="1" dur="indefinite" restart="never" nodeType="tmRoot"/>
+      </p:par>
+    </p:tnLst>
+  </p:timing>
 </p:sld>
 </file>
 
@@ -4386,10 +6258,9 @@
           </a:p>
           <a:p>
             <a:r>
-              <a:rPr lang="en-US" smtClean="0"/>
+              <a:rPr lang="en-US" dirty="0" smtClean="0"/>
               <a:t>Generic</a:t>
             </a:r>
-            <a:endParaRPr lang="en-US" dirty="0" smtClean="0"/>
           </a:p>
           <a:p>
             <a:r>
@@ -4410,6 +6281,13 @@
   <p:clrMapOvr>
     <a:masterClrMapping/>
   </p:clrMapOvr>
+  <p:timing>
+    <p:tnLst>
+      <p:par>
+        <p:cTn id="1" dur="indefinite" restart="never" nodeType="tmRoot"/>
+      </p:par>
+    </p:tnLst>
+  </p:timing>
 </p:sld>
 </file>
 
@@ -4442,22 +6320,12 @@
         </p:nvSpPr>
         <p:spPr/>
         <p:txBody>
-          <a:bodyPr>
-            <a:normAutofit fontScale="90000"/>
-          </a:bodyPr>
+          <a:bodyPr/>
           <a:lstStyle/>
           <a:p>
             <a:r>
               <a:rPr lang="en-US" dirty="0" smtClean="0"/>
-              <a:t>C++ </a:t>
-            </a:r>
-            <a:r>
-              <a:rPr lang="en-US" smtClean="0"/>
-              <a:t>Stdard </a:t>
-            </a:r>
-            <a:r>
-              <a:rPr lang="en-US" dirty="0" smtClean="0"/>
-              <a:t>Library / STL: Not Object Oriented</a:t>
+              <a:t>Paradigms: Procedural</a:t>
             </a:r>
             <a:endParaRPr lang="en-US" dirty="0"/>
           </a:p>
@@ -4465,7 +6333,7 @@
       </p:sp>
       <p:sp>
         <p:nvSpPr>
-          <p:cNvPr id="3" name="Content Placeholder 2"/>
+          <p:cNvPr id="4" name="Content Placeholder 3"/>
           <p:cNvSpPr>
             <a:spLocks noGrp="1"/>
           </p:cNvSpPr>
@@ -4482,80 +6350,99 @@
           <a:p>
             <a:r>
               <a:rPr lang="en-US" dirty="0" smtClean="0"/>
-              <a:t>Read what the creator of the STL has to say about this</a:t>
+              <a:t> </a:t>
             </a:r>
             <a:r>
               <a:rPr lang="en-US" dirty="0"/>
-              <a:t>:</a:t>
-            </a:r>
-            <a:endParaRPr lang="en-US" dirty="0" smtClean="0"/>
-          </a:p>
-          <a:p>
-            <a:pPr marL="400050" lvl="1" indent="0">
-              <a:buNone/>
-            </a:pPr>
-            <a:r>
-              <a:rPr lang="en-US" dirty="0">
-                <a:hlinkClick r:id="rId2"/>
-              </a:rPr>
-              <a:t>https://en.wikipedia.org/wiki/Alexander_Stepanov#Criticism_of_OOP</a:t>
-            </a:r>
+              <a:t>Assignment statements; functions; subroutines</a:t>
+            </a:r>
+          </a:p>
+          <a:p>
             <a:endParaRPr lang="en-US" dirty="0"/>
           </a:p>
-          <a:p>
-            <a:r>
-              <a:rPr lang="en-US" dirty="0" smtClean="0"/>
-              <a:t>He’s got a new book, too:</a:t>
-            </a:r>
-          </a:p>
-          <a:p>
-            <a:pPr marL="400050" lvl="1" indent="0">
-              <a:buNone/>
-            </a:pPr>
-            <a:r>
-              <a:rPr lang="en-US" dirty="0" smtClean="0">
-                <a:hlinkClick r:id="rId3"/>
-              </a:rPr>
-              <a:t>http</a:t>
-            </a:r>
-            <a:r>
-              <a:rPr lang="en-US" dirty="0">
-                <a:hlinkClick r:id="rId3"/>
-              </a:rPr>
-              <a:t>://</a:t>
-            </a:r>
-            <a:r>
-              <a:rPr lang="en-US" dirty="0" smtClean="0">
-                <a:hlinkClick r:id="rId3"/>
-              </a:rPr>
-              <a:t>www.informit.com/store/from-mathematics-to-generic-programming-9780321942043</a:t>
-            </a:r>
-            <a:endParaRPr lang="en-US" dirty="0" smtClean="0"/>
-          </a:p>
-          <a:p>
-            <a:pPr marL="0" indent="0">
-              <a:buNone/>
-            </a:pPr>
-            <a:endParaRPr lang="en-US" dirty="0" smtClean="0"/>
-          </a:p>
-          <a:p>
-            <a:pPr marL="0" indent="0">
-              <a:buNone/>
-            </a:pPr>
-            <a:endParaRPr lang="en-US" dirty="0"/>
-          </a:p>
-        </p:txBody>
-      </p:sp>
+        </p:txBody>
+      </p:sp>
+      <p:pic>
+        <p:nvPicPr>
+          <p:cNvPr id="7" name="Picture 2"/>
+          <p:cNvPicPr>
+            <a:picLocks noChangeAspect="1" noChangeArrowheads="1"/>
+          </p:cNvPicPr>
+          <p:nvPr/>
+        </p:nvPicPr>
+        <p:blipFill>
+          <a:blip r:embed="rId2">
+            <a:extLst>
+              <a:ext uri="{28A0092B-C50C-407E-A947-70E740481C1C}">
+                <a14:useLocalDpi xmlns:a14="http://schemas.microsoft.com/office/drawing/2010/main" val="0"/>
+              </a:ext>
+            </a:extLst>
+          </a:blip>
+          <a:srcRect/>
+          <a:stretch>
+            <a:fillRect/>
+          </a:stretch>
+        </p:blipFill>
+        <p:spPr bwMode="auto">
+          <a:xfrm>
+            <a:off x="2746627" y="2819400"/>
+            <a:ext cx="3650746" cy="3567774"/>
+          </a:xfrm>
+          <a:prstGeom prst="rect">
+            <a:avLst/>
+          </a:prstGeom>
+          <a:noFill/>
+          <a:ln>
+            <a:noFill/>
+          </a:ln>
+          <a:effectLst/>
+          <a:extLst>
+            <a:ext uri="{909E8E84-426E-40DD-AFC4-6F175D3DCCD1}">
+              <a14:hiddenFill xmlns:a14="http://schemas.microsoft.com/office/drawing/2010/main">
+                <a:solidFill>
+                  <a:schemeClr val="accent1"/>
+                </a:solidFill>
+              </a14:hiddenFill>
+            </a:ext>
+            <a:ext uri="{91240B29-F687-4F45-9708-019B960494DF}">
+              <a14:hiddenLine xmlns:a14="http://schemas.microsoft.com/office/drawing/2010/main" w="9525">
+                <a:solidFill>
+                  <a:schemeClr val="tx1"/>
+                </a:solidFill>
+                <a:miter lim="800000"/>
+                <a:headEnd/>
+                <a:tailEnd/>
+              </a14:hiddenLine>
+            </a:ext>
+            <a:ext uri="{AF507438-7753-43E0-B8FC-AC1667EBCBE1}">
+              <a14:hiddenEffects xmlns:a14="http://schemas.microsoft.com/office/drawing/2010/main">
+                <a:effectLst>
+                  <a:outerShdw dist="35921" dir="2700000" algn="ctr" rotWithShape="0">
+                    <a:schemeClr val="bg2"/>
+                  </a:outerShdw>
+                </a:effectLst>
+              </a14:hiddenEffects>
+            </a:ext>
+          </a:extLst>
+        </p:spPr>
+      </p:pic>
     </p:spTree>
     <p:extLst>
       <p:ext uri="{BB962C8B-B14F-4D97-AF65-F5344CB8AC3E}">
-        <p14:creationId xmlns:p14="http://schemas.microsoft.com/office/powerpoint/2010/main" val="1243197235"/>
+        <p14:creationId xmlns:p14="http://schemas.microsoft.com/office/powerpoint/2010/main" val="3419903391"/>
       </p:ext>
     </p:extLst>
   </p:cSld>
   <p:clrMapOvr>
     <a:masterClrMapping/>
   </p:clrMapOvr>
+  <p:timing>
+    <p:tnLst>
+      <p:par>
+        <p:cTn id="1" dur="indefinite" restart="never" nodeType="tmRoot"/>
+      </p:par>
+    </p:tnLst>
+  </p:timing>
 </p:sld>
 </file>
 
@@ -4593,7 +6480,7 @@
           <a:p>
             <a:r>
               <a:rPr lang="en-US" dirty="0" smtClean="0"/>
-              <a:t>What’s missing</a:t>
+              <a:t>Paradigms: Object Oriented</a:t>
             </a:r>
             <a:endParaRPr lang="en-US" dirty="0"/>
           </a:p>
@@ -4601,7 +6488,7 @@
       </p:sp>
       <p:sp>
         <p:nvSpPr>
-          <p:cNvPr id="3" name="Content Placeholder 2"/>
+          <p:cNvPr id="4" name="Content Placeholder 3"/>
           <p:cNvSpPr>
             <a:spLocks noGrp="1"/>
           </p:cNvSpPr>
@@ -4609,129 +6496,116 @@
             <p:ph idx="1"/>
           </p:nvPr>
         </p:nvSpPr>
-        <p:spPr>
+        <p:spPr/>
+        <p:txBody>
+          <a:bodyPr>
+            <a:normAutofit/>
+          </a:bodyPr>
+          <a:lstStyle/>
+          <a:p>
+            <a:r>
+              <a:rPr lang="en-US" dirty="0" smtClean="0"/>
+              <a:t> Classes; objects</a:t>
+            </a:r>
+          </a:p>
+          <a:p>
+            <a:pPr marL="0" indent="0">
+              <a:buNone/>
+            </a:pPr>
+            <a:endParaRPr lang="en-US" dirty="0" smtClean="0"/>
+          </a:p>
+          <a:p>
+            <a:pPr marL="0" indent="0">
+              <a:buNone/>
+            </a:pPr>
+            <a:endParaRPr lang="en-US" dirty="0"/>
+          </a:p>
+          <a:p>
+            <a:endParaRPr lang="en-US" dirty="0"/>
+          </a:p>
+        </p:txBody>
+      </p:sp>
+      <p:pic>
+        <p:nvPicPr>
+          <p:cNvPr id="2050" name="Picture 2"/>
+          <p:cNvPicPr>
+            <a:picLocks noChangeAspect="1" noChangeArrowheads="1"/>
+          </p:cNvPicPr>
+          <p:nvPr/>
+        </p:nvPicPr>
+        <p:blipFill>
+          <a:blip r:embed="rId2">
+            <a:extLst>
+              <a:ext uri="{28A0092B-C50C-407E-A947-70E740481C1C}">
+                <a14:useLocalDpi xmlns:a14="http://schemas.microsoft.com/office/drawing/2010/main" val="0"/>
+              </a:ext>
+            </a:extLst>
+          </a:blip>
+          <a:srcRect/>
+          <a:stretch>
+            <a:fillRect/>
+          </a:stretch>
+        </p:blipFill>
+        <p:spPr bwMode="auto">
           <a:xfrm>
-            <a:off x="457200" y="1295400"/>
-            <a:ext cx="8229600" cy="4830763"/>
+            <a:off x="1524000" y="2209800"/>
+            <a:ext cx="6096000" cy="4534304"/>
           </a:xfrm>
+          <a:prstGeom prst="rect">
+            <a:avLst/>
+          </a:prstGeom>
+          <a:noFill/>
+          <a:ln>
+            <a:noFill/>
+          </a:ln>
+          <a:effectLst/>
+          <a:extLst>
+            <a:ext uri="{909E8E84-426E-40DD-AFC4-6F175D3DCCD1}">
+              <a14:hiddenFill xmlns:a14="http://schemas.microsoft.com/office/drawing/2010/main">
+                <a:solidFill>
+                  <a:schemeClr val="accent1"/>
+                </a:solidFill>
+              </a14:hiddenFill>
+            </a:ext>
+            <a:ext uri="{91240B29-F687-4F45-9708-019B960494DF}">
+              <a14:hiddenLine xmlns:a14="http://schemas.microsoft.com/office/drawing/2010/main" w="9525">
+                <a:solidFill>
+                  <a:schemeClr val="tx1"/>
+                </a:solidFill>
+                <a:miter lim="800000"/>
+                <a:headEnd/>
+                <a:tailEnd/>
+              </a14:hiddenLine>
+            </a:ext>
+            <a:ext uri="{AF507438-7753-43E0-B8FC-AC1667EBCBE1}">
+              <a14:hiddenEffects xmlns:a14="http://schemas.microsoft.com/office/drawing/2010/main">
+                <a:effectLst>
+                  <a:outerShdw dist="35921" dir="2700000" algn="ctr" rotWithShape="0">
+                    <a:schemeClr val="bg2"/>
+                  </a:outerShdw>
+                </a:effectLst>
+              </a14:hiddenEffects>
+            </a:ext>
+          </a:extLst>
         </p:spPr>
-        <p:txBody>
-          <a:bodyPr>
-            <a:normAutofit fontScale="85000" lnSpcReduction="20000"/>
-          </a:bodyPr>
-          <a:lstStyle/>
-          <a:p>
-            <a:r>
-              <a:rPr lang="en-US" dirty="0" smtClean="0"/>
-              <a:t>XML</a:t>
-            </a:r>
-          </a:p>
-          <a:p>
-            <a:r>
-              <a:rPr lang="en-US" dirty="0" smtClean="0"/>
-              <a:t>Packages / modules</a:t>
-            </a:r>
-          </a:p>
-          <a:p>
-            <a:pPr lvl="1"/>
-            <a:r>
-              <a:rPr lang="en-US" dirty="0" smtClean="0"/>
-              <a:t>PHP composer; Python pip; Ruby gems</a:t>
-            </a:r>
-            <a:endParaRPr lang="en-US" dirty="0"/>
-          </a:p>
-          <a:p>
-            <a:pPr lvl="1"/>
-            <a:r>
-              <a:rPr lang="en-US" dirty="0" smtClean="0"/>
-              <a:t>Java .JAR; </a:t>
-            </a:r>
-            <a:r>
-              <a:rPr lang="en-US" dirty="0" smtClean="0">
-                <a:hlinkClick r:id="rId2"/>
-              </a:rPr>
-              <a:t>JPM4j</a:t>
-            </a:r>
-            <a:endParaRPr lang="en-US" dirty="0"/>
-          </a:p>
-          <a:p>
-            <a:r>
-              <a:rPr lang="en-US" dirty="0" smtClean="0"/>
-              <a:t>Garbage collection (as C#, Java, Python, …)</a:t>
-            </a:r>
-          </a:p>
-          <a:p>
-            <a:r>
-              <a:rPr lang="en-US" dirty="0" smtClean="0"/>
-              <a:t>Strings in switch() statement (C#)</a:t>
-            </a:r>
-          </a:p>
-          <a:p>
-            <a:r>
-              <a:rPr lang="en-US" dirty="0" smtClean="0"/>
-              <a:t>Serialization</a:t>
-            </a:r>
-          </a:p>
-          <a:p>
-            <a:pPr lvl="1"/>
-            <a:r>
-              <a:rPr lang="en-US" dirty="0" smtClean="0"/>
-              <a:t>see </a:t>
-            </a:r>
-            <a:r>
-              <a:rPr lang="en-US" dirty="0" smtClean="0">
-                <a:hlinkClick r:id="rId3"/>
-              </a:rPr>
-              <a:t>google </a:t>
-            </a:r>
-            <a:r>
-              <a:rPr lang="en-US" dirty="0" err="1" smtClean="0">
-                <a:hlinkClick r:id="rId3"/>
-              </a:rPr>
-              <a:t>FlatBuffers</a:t>
-            </a:r>
-            <a:r>
-              <a:rPr lang="en-US" dirty="0" smtClean="0">
-                <a:hlinkClick r:id="rId3"/>
-              </a:rPr>
-              <a:t> </a:t>
-            </a:r>
-            <a:r>
-              <a:rPr lang="en-US" dirty="0" smtClean="0"/>
-              <a:t>– good, modern C++</a:t>
-            </a:r>
-          </a:p>
-          <a:p>
-            <a:r>
-              <a:rPr lang="en-US" dirty="0" smtClean="0"/>
-              <a:t>Run-time introspection (C#, Java, Python, …)</a:t>
-            </a:r>
-          </a:p>
-          <a:p>
-            <a:r>
-              <a:rPr lang="en-US" dirty="0" smtClean="0"/>
-              <a:t>Interfaces: Need [ugly] abstract classes</a:t>
-            </a:r>
-          </a:p>
-          <a:p>
-            <a:r>
-              <a:rPr lang="en-US" dirty="0" smtClean="0"/>
-              <a:t>command-line parsing</a:t>
-            </a:r>
-            <a:endParaRPr lang="en-US" dirty="0"/>
-          </a:p>
-        </p:txBody>
-      </p:sp>
+      </p:pic>
     </p:spTree>
     <p:extLst>
       <p:ext uri="{BB962C8B-B14F-4D97-AF65-F5344CB8AC3E}">
-        <p14:creationId xmlns:p14="http://schemas.microsoft.com/office/powerpoint/2010/main" val="2897646070"/>
+        <p14:creationId xmlns:p14="http://schemas.microsoft.com/office/powerpoint/2010/main" val="231828410"/>
       </p:ext>
     </p:extLst>
   </p:cSld>
   <p:clrMapOvr>
     <a:masterClrMapping/>
   </p:clrMapOvr>
+  <p:timing>
+    <p:tnLst>
+      <p:par>
+        <p:cTn id="1" dur="indefinite" restart="never" nodeType="tmRoot"/>
+      </p:par>
+    </p:tnLst>
+  </p:timing>
 </p:sld>
 </file>
 
@@ -4764,12 +6638,22 @@
         </p:nvSpPr>
         <p:spPr/>
         <p:txBody>
-          <a:bodyPr/>
+          <a:bodyPr>
+            <a:normAutofit fontScale="90000"/>
+          </a:bodyPr>
           <a:lstStyle/>
           <a:p>
             <a:r>
               <a:rPr lang="en-US" dirty="0" smtClean="0"/>
-              <a:t>C++ Idioms</a:t>
+              <a:t>C++ </a:t>
+            </a:r>
+            <a:r>
+              <a:rPr lang="en-US" smtClean="0"/>
+              <a:t>Stdard </a:t>
+            </a:r>
+            <a:r>
+              <a:rPr lang="en-US" dirty="0" smtClean="0"/>
+              <a:t>Library / STL: Not Object Oriented</a:t>
             </a:r>
             <a:endParaRPr lang="en-US" dirty="0"/>
           </a:p>
@@ -4787,57 +6671,73 @@
         </p:nvSpPr>
         <p:spPr/>
         <p:txBody>
-          <a:bodyPr/>
-          <a:lstStyle/>
-          <a:p>
-            <a:r>
-              <a:rPr lang="en-US" dirty="0" smtClean="0">
+          <a:bodyPr>
+            <a:normAutofit/>
+          </a:bodyPr>
+          <a:lstStyle/>
+          <a:p>
+            <a:r>
+              <a:rPr lang="en-US" dirty="0" smtClean="0"/>
+              <a:t>Read what the creator of the STL has to say about this</a:t>
+            </a:r>
+            <a:r>
+              <a:rPr lang="en-US" dirty="0"/>
+              <a:t>:</a:t>
+            </a:r>
+            <a:endParaRPr lang="en-US" dirty="0" smtClean="0"/>
+          </a:p>
+          <a:p>
+            <a:pPr marL="400050" lvl="1" indent="0">
+              <a:buNone/>
+            </a:pPr>
+            <a:r>
+              <a:rPr lang="en-US" dirty="0">
                 <a:hlinkClick r:id="rId2"/>
               </a:rPr>
-              <a:t>RAII</a:t>
-            </a:r>
-            <a:endParaRPr lang="en-US" dirty="0" smtClean="0"/>
-          </a:p>
-          <a:p>
-            <a:pPr lvl="1"/>
+              <a:t>https://en.wikipedia.org/wiki/Alexander_Stepanov#Criticism_of_OOP</a:t>
+            </a:r>
+            <a:endParaRPr lang="en-US" dirty="0"/>
+          </a:p>
+          <a:p>
             <a:r>
               <a:rPr lang="en-US" dirty="0" smtClean="0"/>
-              <a:t>“Resource Acquisition Is Initialization”</a:t>
-            </a:r>
-          </a:p>
-          <a:p>
-            <a:pPr lvl="1"/>
-            <a:r>
-              <a:rPr lang="en-US" dirty="0" smtClean="0"/>
-              <a:t>Acquire and release things in constructor and destructor</a:t>
-            </a:r>
-          </a:p>
-          <a:p>
+              <a:t>He’s got a new book, too:</a:t>
+            </a:r>
+          </a:p>
+          <a:p>
+            <a:pPr marL="400050" lvl="1" indent="0">
+              <a:buNone/>
+            </a:pPr>
             <a:r>
               <a:rPr lang="en-US" dirty="0" smtClean="0">
                 <a:hlinkClick r:id="rId3"/>
               </a:rPr>
-              <a:t>SFINAE</a:t>
+              <a:t>http</a:t>
+            </a:r>
+            <a:r>
+              <a:rPr lang="en-US" dirty="0">
+                <a:hlinkClick r:id="rId3"/>
+              </a:rPr>
+              <a:t>://</a:t>
+            </a:r>
+            <a:r>
+              <a:rPr lang="en-US" dirty="0" smtClean="0">
+                <a:hlinkClick r:id="rId3"/>
+              </a:rPr>
+              <a:t>www.informit.com/store/from-mathematics-to-generic-programming-9780321942043</a:t>
             </a:r>
             <a:endParaRPr lang="en-US" dirty="0" smtClean="0"/>
           </a:p>
           <a:p>
-            <a:pPr lvl="1"/>
-            <a:r>
-              <a:rPr lang="en-US" dirty="0"/>
-              <a:t>“Substitution </a:t>
-            </a:r>
-            <a:r>
-              <a:rPr lang="en-US" dirty="0" smtClean="0"/>
-              <a:t>Failure Is Not An Error”</a:t>
-            </a:r>
-          </a:p>
-          <a:p>
-            <a:pPr lvl="1"/>
-            <a:r>
-              <a:rPr lang="en-US" dirty="0" smtClean="0"/>
-              <a:t>You won’t get compile-time errors when fiddling with templates</a:t>
-            </a:r>
+            <a:pPr marL="0" indent="0">
+              <a:buNone/>
+            </a:pPr>
+            <a:endParaRPr lang="en-US" dirty="0" smtClean="0"/>
+          </a:p>
+          <a:p>
+            <a:pPr marL="0" indent="0">
+              <a:buNone/>
+            </a:pPr>
             <a:endParaRPr lang="en-US" dirty="0"/>
           </a:p>
         </p:txBody>
@@ -4845,13 +6745,20 @@
     </p:spTree>
     <p:extLst>
       <p:ext uri="{BB962C8B-B14F-4D97-AF65-F5344CB8AC3E}">
-        <p14:creationId xmlns:p14="http://schemas.microsoft.com/office/powerpoint/2010/main" val="3246688767"/>
+        <p14:creationId xmlns:p14="http://schemas.microsoft.com/office/powerpoint/2010/main" val="1243197235"/>
       </p:ext>
     </p:extLst>
   </p:cSld>
   <p:clrMapOvr>
     <a:masterClrMapping/>
   </p:clrMapOvr>
+  <p:timing>
+    <p:tnLst>
+      <p:par>
+        <p:cTn id="1" dur="indefinite" restart="never" nodeType="tmRoot"/>
+      </p:par>
+    </p:tnLst>
+  </p:timing>
 </p:sld>
 </file>
 
@@ -4888,12 +6795,8 @@
           <a:lstStyle/>
           <a:p>
             <a:r>
-              <a:rPr lang="en-US" smtClean="0"/>
-              <a:t>MS C/C</a:t>
-            </a:r>
-            <a:r>
               <a:rPr lang="en-US" dirty="0" smtClean="0"/>
-              <a:t>++ runtime dependencies</a:t>
+              <a:t>What’s missing</a:t>
             </a:r>
             <a:endParaRPr lang="en-US" dirty="0"/>
           </a:p>
@@ -4909,291 +6812,130 @@
             <p:ph idx="1"/>
           </p:nvPr>
         </p:nvSpPr>
-        <p:spPr/>
+        <p:spPr>
+          <a:xfrm>
+            <a:off x="457200" y="1295400"/>
+            <a:ext cx="8229600" cy="4830763"/>
+          </a:xfrm>
+        </p:spPr>
         <p:txBody>
           <a:bodyPr>
-            <a:normAutofit fontScale="62500" lnSpcReduction="20000"/>
+            <a:normAutofit fontScale="85000" lnSpcReduction="20000"/>
           </a:bodyPr>
           <a:lstStyle/>
           <a:p>
-            <a:pPr marL="0" indent="0">
-              <a:buNone/>
-            </a:pPr>
-            <a:r>
-              <a:rPr lang="en-US" dirty="0">
-                <a:latin typeface="Consolas" panose="020B0609020204030204" pitchFamily="49" charset="0"/>
-                <a:cs typeface="Consolas" panose="020B0609020204030204" pitchFamily="49" charset="0"/>
-              </a:rPr>
-              <a:t>c:\apps\vs2013\VC\redist\x64</a:t>
+            <a:r>
+              <a:rPr lang="en-US" dirty="0" smtClean="0"/>
+              <a:t>XML</a:t>
+            </a:r>
+          </a:p>
+          <a:p>
+            <a:r>
+              <a:rPr lang="en-US" dirty="0" smtClean="0"/>
+              <a:t>Packages / modules</a:t>
+            </a:r>
+          </a:p>
+          <a:p>
+            <a:pPr lvl="1"/>
+            <a:r>
+              <a:rPr lang="en-US" dirty="0" smtClean="0"/>
+              <a:t>PHP composer; Python pip; Ruby gems</a:t>
+            </a:r>
+            <a:endParaRPr lang="en-US" dirty="0"/>
+          </a:p>
+          <a:p>
+            <a:pPr lvl="1"/>
+            <a:r>
+              <a:rPr lang="en-US" dirty="0" smtClean="0"/>
+              <a:t>Java .</a:t>
+            </a:r>
+            <a:r>
+              <a:rPr lang="en-US" dirty="0" smtClean="0"/>
+              <a:t>JAR, .WAR; </a:t>
             </a:r>
             <a:r>
               <a:rPr lang="en-US" dirty="0" smtClean="0">
-                <a:latin typeface="Consolas" panose="020B0609020204030204" pitchFamily="49" charset="0"/>
-                <a:cs typeface="Consolas" panose="020B0609020204030204" pitchFamily="49" charset="0"/>
-              </a:rPr>
-              <a:t>&gt; tree </a:t>
-            </a:r>
-            <a:r>
-              <a:rPr lang="en-US" dirty="0">
-                <a:latin typeface="Consolas" panose="020B0609020204030204" pitchFamily="49" charset="0"/>
-                <a:cs typeface="Consolas" panose="020B0609020204030204" pitchFamily="49" charset="0"/>
-              </a:rPr>
-              <a:t>/f /a</a:t>
-            </a:r>
-          </a:p>
-          <a:p>
-            <a:pPr marL="0" indent="0">
-              <a:buNone/>
-            </a:pPr>
+                <a:hlinkClick r:id="rId2"/>
+              </a:rPr>
+              <a:t>JPM4j</a:t>
+            </a:r>
+            <a:endParaRPr lang="en-US" dirty="0"/>
+          </a:p>
+          <a:p>
+            <a:r>
+              <a:rPr lang="en-US" dirty="0" smtClean="0"/>
+              <a:t>Garbage collection (as C#, Java, Python, …)</a:t>
+            </a:r>
+          </a:p>
+          <a:p>
+            <a:r>
+              <a:rPr lang="en-US" dirty="0" smtClean="0"/>
+              <a:t>Strings in switch() statement (C</a:t>
+            </a:r>
+            <a:r>
+              <a:rPr lang="en-US" dirty="0" smtClean="0"/>
+              <a:t>#)</a:t>
+            </a:r>
+          </a:p>
+          <a:p>
+            <a:r>
+              <a:rPr lang="en-US" dirty="0" smtClean="0"/>
+              <a:t>Decimal</a:t>
+            </a:r>
+            <a:endParaRPr lang="en-US" dirty="0" smtClean="0"/>
+          </a:p>
+          <a:p>
+            <a:r>
+              <a:rPr lang="en-US" dirty="0" smtClean="0"/>
+              <a:t>Serialization</a:t>
+            </a:r>
+          </a:p>
+          <a:p>
+            <a:pPr lvl="1"/>
+            <a:r>
+              <a:rPr lang="en-US" dirty="0" smtClean="0"/>
+              <a:t>see </a:t>
+            </a:r>
             <a:r>
               <a:rPr lang="en-US" dirty="0" smtClean="0">
-                <a:latin typeface="Consolas" panose="020B0609020204030204" pitchFamily="49" charset="0"/>
-                <a:cs typeface="Consolas" panose="020B0609020204030204" pitchFamily="49" charset="0"/>
-              </a:rPr>
-              <a:t>+---</a:t>
-            </a:r>
-            <a:r>
-              <a:rPr lang="en-US" dirty="0">
-                <a:latin typeface="Consolas" panose="020B0609020204030204" pitchFamily="49" charset="0"/>
-                <a:cs typeface="Consolas" panose="020B0609020204030204" pitchFamily="49" charset="0"/>
-              </a:rPr>
-              <a:t>Microsoft.VC120.CRT</a:t>
-            </a:r>
-          </a:p>
-          <a:p>
-            <a:pPr marL="0" indent="0">
-              <a:buNone/>
-            </a:pPr>
-            <a:r>
-              <a:rPr lang="en-US" dirty="0">
-                <a:latin typeface="Consolas" panose="020B0609020204030204" pitchFamily="49" charset="0"/>
-                <a:cs typeface="Consolas" panose="020B0609020204030204" pitchFamily="49" charset="0"/>
-              </a:rPr>
-              <a:t>|       </a:t>
+                <a:hlinkClick r:id="rId3"/>
+              </a:rPr>
+              <a:t>google </a:t>
+            </a:r>
+            <a:r>
+              <a:rPr lang="en-US" dirty="0" err="1" smtClean="0">
+                <a:hlinkClick r:id="rId3"/>
+              </a:rPr>
+              <a:t>FlatBuffers</a:t>
             </a:r>
             <a:r>
               <a:rPr lang="en-US" dirty="0" smtClean="0">
-                <a:latin typeface="Consolas" panose="020B0609020204030204" pitchFamily="49" charset="0"/>
-                <a:cs typeface="Consolas" panose="020B0609020204030204" pitchFamily="49" charset="0"/>
-              </a:rPr>
-              <a:t>msvcp120.dll	// C++ runtime</a:t>
-            </a:r>
-            <a:endParaRPr lang="en-US" dirty="0">
-              <a:latin typeface="Consolas" panose="020B0609020204030204" pitchFamily="49" charset="0"/>
-              <a:cs typeface="Consolas" panose="020B0609020204030204" pitchFamily="49" charset="0"/>
-            </a:endParaRPr>
-          </a:p>
-          <a:p>
-            <a:pPr marL="0" indent="0">
-              <a:buNone/>
-            </a:pPr>
-            <a:r>
-              <a:rPr lang="en-US" dirty="0">
-                <a:latin typeface="Consolas" panose="020B0609020204030204" pitchFamily="49" charset="0"/>
-                <a:cs typeface="Consolas" panose="020B0609020204030204" pitchFamily="49" charset="0"/>
-              </a:rPr>
-              <a:t>|       </a:t>
-            </a:r>
-            <a:r>
-              <a:rPr lang="en-US" dirty="0" smtClean="0">
-                <a:latin typeface="Consolas" panose="020B0609020204030204" pitchFamily="49" charset="0"/>
-                <a:cs typeface="Consolas" panose="020B0609020204030204" pitchFamily="49" charset="0"/>
-              </a:rPr>
-              <a:t>msvcr120.dll	// C runtime</a:t>
-            </a:r>
-            <a:endParaRPr lang="en-US" dirty="0">
-              <a:latin typeface="Consolas" panose="020B0609020204030204" pitchFamily="49" charset="0"/>
-              <a:cs typeface="Consolas" panose="020B0609020204030204" pitchFamily="49" charset="0"/>
-            </a:endParaRPr>
-          </a:p>
-          <a:p>
-            <a:pPr marL="0" indent="0">
-              <a:buNone/>
-            </a:pPr>
-            <a:r>
-              <a:rPr lang="en-US" dirty="0">
-                <a:latin typeface="Consolas" panose="020B0609020204030204" pitchFamily="49" charset="0"/>
-                <a:cs typeface="Consolas" panose="020B0609020204030204" pitchFamily="49" charset="0"/>
-              </a:rPr>
-              <a:t>|       </a:t>
-            </a:r>
-            <a:r>
-              <a:rPr lang="en-US" dirty="0" smtClean="0">
-                <a:latin typeface="Consolas" panose="020B0609020204030204" pitchFamily="49" charset="0"/>
-                <a:cs typeface="Consolas" panose="020B0609020204030204" pitchFamily="49" charset="0"/>
-              </a:rPr>
-              <a:t>vccorlib120.dll 	// C++/CLI</a:t>
-            </a:r>
-            <a:endParaRPr lang="en-US" dirty="0">
-              <a:latin typeface="Consolas" panose="020B0609020204030204" pitchFamily="49" charset="0"/>
-              <a:cs typeface="Consolas" panose="020B0609020204030204" pitchFamily="49" charset="0"/>
-            </a:endParaRPr>
-          </a:p>
-          <a:p>
-            <a:pPr marL="0" indent="0">
-              <a:buNone/>
-            </a:pPr>
-            <a:r>
-              <a:rPr lang="en-US" dirty="0" smtClean="0">
-                <a:latin typeface="Consolas" panose="020B0609020204030204" pitchFamily="49" charset="0"/>
-                <a:cs typeface="Consolas" panose="020B0609020204030204" pitchFamily="49" charset="0"/>
-              </a:rPr>
-              <a:t>+---</a:t>
-            </a:r>
-            <a:r>
-              <a:rPr lang="en-US" dirty="0">
-                <a:latin typeface="Consolas" panose="020B0609020204030204" pitchFamily="49" charset="0"/>
-                <a:cs typeface="Consolas" panose="020B0609020204030204" pitchFamily="49" charset="0"/>
-              </a:rPr>
-              <a:t>Microsoft.VC120.CXXAMP</a:t>
-            </a:r>
-          </a:p>
-          <a:p>
-            <a:pPr marL="0" indent="0">
-              <a:buNone/>
-            </a:pPr>
-            <a:r>
-              <a:rPr lang="en-US" dirty="0">
-                <a:latin typeface="Consolas" panose="020B0609020204030204" pitchFamily="49" charset="0"/>
-                <a:cs typeface="Consolas" panose="020B0609020204030204" pitchFamily="49" charset="0"/>
-              </a:rPr>
-              <a:t>|       vcamp120.dll</a:t>
-            </a:r>
-          </a:p>
-          <a:p>
-            <a:pPr marL="0" indent="0">
-              <a:buNone/>
-            </a:pPr>
-            <a:r>
-              <a:rPr lang="en-US" dirty="0" smtClean="0">
-                <a:latin typeface="Consolas" panose="020B0609020204030204" pitchFamily="49" charset="0"/>
-                <a:cs typeface="Consolas" panose="020B0609020204030204" pitchFamily="49" charset="0"/>
-              </a:rPr>
-              <a:t>+---</a:t>
-            </a:r>
-            <a:r>
-              <a:rPr lang="en-US" dirty="0">
-                <a:latin typeface="Consolas" panose="020B0609020204030204" pitchFamily="49" charset="0"/>
-                <a:cs typeface="Consolas" panose="020B0609020204030204" pitchFamily="49" charset="0"/>
-              </a:rPr>
-              <a:t>Microsoft.VC120.MFC</a:t>
-            </a:r>
-          </a:p>
-          <a:p>
-            <a:pPr marL="0" indent="0">
-              <a:buNone/>
-            </a:pPr>
-            <a:r>
-              <a:rPr lang="en-US" dirty="0">
-                <a:latin typeface="Consolas" panose="020B0609020204030204" pitchFamily="49" charset="0"/>
-                <a:cs typeface="Consolas" panose="020B0609020204030204" pitchFamily="49" charset="0"/>
-              </a:rPr>
-              <a:t>|       mfc120u.dll</a:t>
-            </a:r>
-          </a:p>
-          <a:p>
-            <a:pPr marL="0" indent="0">
-              <a:buNone/>
-            </a:pPr>
-            <a:r>
-              <a:rPr lang="en-US" dirty="0">
-                <a:latin typeface="Consolas" panose="020B0609020204030204" pitchFamily="49" charset="0"/>
-                <a:cs typeface="Consolas" panose="020B0609020204030204" pitchFamily="49" charset="0"/>
-              </a:rPr>
-              <a:t>|       mfcm120u.dll</a:t>
-            </a:r>
-          </a:p>
-          <a:p>
-            <a:pPr marL="0" indent="0">
-              <a:buNone/>
-            </a:pPr>
-            <a:r>
-              <a:rPr lang="en-US" dirty="0" smtClean="0">
-                <a:latin typeface="Consolas" panose="020B0609020204030204" pitchFamily="49" charset="0"/>
-                <a:cs typeface="Consolas" panose="020B0609020204030204" pitchFamily="49" charset="0"/>
-              </a:rPr>
-              <a:t>+---</a:t>
-            </a:r>
-            <a:r>
-              <a:rPr lang="en-US" dirty="0">
-                <a:latin typeface="Consolas" panose="020B0609020204030204" pitchFamily="49" charset="0"/>
-                <a:cs typeface="Consolas" panose="020B0609020204030204" pitchFamily="49" charset="0"/>
-              </a:rPr>
-              <a:t>Microsoft.VC120.MFCLOC</a:t>
-            </a:r>
-          </a:p>
-          <a:p>
-            <a:pPr marL="0" indent="0">
-              <a:buNone/>
-            </a:pPr>
-            <a:r>
-              <a:rPr lang="en-US" dirty="0">
-                <a:latin typeface="Consolas" panose="020B0609020204030204" pitchFamily="49" charset="0"/>
-                <a:cs typeface="Consolas" panose="020B0609020204030204" pitchFamily="49" charset="0"/>
-              </a:rPr>
-              <a:t>|       </a:t>
-            </a:r>
-            <a:r>
-              <a:rPr lang="en-US" dirty="0" smtClean="0">
-                <a:latin typeface="Consolas" panose="020B0609020204030204" pitchFamily="49" charset="0"/>
-                <a:cs typeface="Consolas" panose="020B0609020204030204" pitchFamily="49" charset="0"/>
-              </a:rPr>
-              <a:t>//</a:t>
-            </a:r>
-            <a:r>
-              <a:rPr lang="en-US" dirty="0" err="1" smtClean="0">
-                <a:latin typeface="Consolas" panose="020B0609020204030204" pitchFamily="49" charset="0"/>
-                <a:cs typeface="Consolas" panose="020B0609020204030204" pitchFamily="49" charset="0"/>
-              </a:rPr>
-              <a:t>mfc</a:t>
-            </a:r>
-            <a:r>
-              <a:rPr lang="en-US" dirty="0" smtClean="0">
-                <a:latin typeface="Consolas" panose="020B0609020204030204" pitchFamily="49" charset="0"/>
-                <a:cs typeface="Consolas" panose="020B0609020204030204" pitchFamily="49" charset="0"/>
-              </a:rPr>
-              <a:t> localized stuff</a:t>
-            </a:r>
-            <a:endParaRPr lang="en-US" dirty="0">
-              <a:latin typeface="Consolas" panose="020B0609020204030204" pitchFamily="49" charset="0"/>
-              <a:cs typeface="Consolas" panose="020B0609020204030204" pitchFamily="49" charset="0"/>
-            </a:endParaRPr>
-          </a:p>
-          <a:p>
-            <a:pPr marL="0" indent="0">
-              <a:buNone/>
-            </a:pPr>
-            <a:r>
-              <a:rPr lang="en-US" dirty="0" smtClean="0">
-                <a:latin typeface="Consolas" panose="020B0609020204030204" pitchFamily="49" charset="0"/>
-                <a:cs typeface="Consolas" panose="020B0609020204030204" pitchFamily="49" charset="0"/>
-              </a:rPr>
-              <a:t>\---</a:t>
-            </a:r>
-            <a:r>
-              <a:rPr lang="en-US" dirty="0">
-                <a:latin typeface="Consolas" panose="020B0609020204030204" pitchFamily="49" charset="0"/>
-                <a:cs typeface="Consolas" panose="020B0609020204030204" pitchFamily="49" charset="0"/>
-              </a:rPr>
-              <a:t>Microsoft.VC120.OpenMP</a:t>
-            </a:r>
-          </a:p>
-          <a:p>
-            <a:pPr marL="0" indent="0">
-              <a:buNone/>
-            </a:pPr>
-            <a:r>
-              <a:rPr lang="en-US" dirty="0">
-                <a:latin typeface="Consolas" panose="020B0609020204030204" pitchFamily="49" charset="0"/>
-                <a:cs typeface="Consolas" panose="020B0609020204030204" pitchFamily="49" charset="0"/>
-              </a:rPr>
-              <a:t>        vcomp120.dll</a:t>
-            </a:r>
-          </a:p>
-          <a:p>
-            <a:pPr marL="0" indent="0">
-              <a:buNone/>
-            </a:pPr>
+                <a:hlinkClick r:id="rId3"/>
+              </a:rPr>
+              <a:t> </a:t>
+            </a:r>
+            <a:r>
+              <a:rPr lang="en-US" dirty="0" smtClean="0"/>
+              <a:t>– good, modern C++</a:t>
+            </a:r>
+          </a:p>
+          <a:p>
+            <a:r>
+              <a:rPr lang="en-US" dirty="0" smtClean="0"/>
+              <a:t>Run-time introspection (C#, Java, Python, …)</a:t>
+            </a:r>
+          </a:p>
+          <a:p>
+            <a:r>
+              <a:rPr lang="en-US" dirty="0" smtClean="0"/>
+              <a:t>Interfaces: Need [ugly] abstract classes</a:t>
+            </a:r>
+          </a:p>
+          <a:p>
+            <a:r>
+              <a:rPr lang="en-US" dirty="0" smtClean="0"/>
+              <a:t>command-line parsing</a:t>
+            </a:r>
             <a:endParaRPr lang="en-US" dirty="0"/>
           </a:p>
         </p:txBody>
@@ -5201,13 +6943,20 @@
     </p:spTree>
     <p:extLst>
       <p:ext uri="{BB962C8B-B14F-4D97-AF65-F5344CB8AC3E}">
-        <p14:creationId xmlns:p14="http://schemas.microsoft.com/office/powerpoint/2010/main" val="2368571093"/>
+        <p14:creationId xmlns:p14="http://schemas.microsoft.com/office/powerpoint/2010/main" val="2897646070"/>
       </p:ext>
     </p:extLst>
   </p:cSld>
   <p:clrMapOvr>
     <a:masterClrMapping/>
   </p:clrMapOvr>
+  <p:timing>
+    <p:tnLst>
+      <p:par>
+        <p:cTn id="1" dur="indefinite" restart="never" nodeType="tmRoot"/>
+      </p:par>
+    </p:tnLst>
+  </p:timing>
 </p:sld>
 </file>
 
@@ -5245,7 +6994,7 @@
           <a:p>
             <a:r>
               <a:rPr lang="en-US" dirty="0" smtClean="0"/>
-              <a:t>Which C++ compiler?</a:t>
+              <a:t>C++ Idioms</a:t>
             </a:r>
             <a:endParaRPr lang="en-US" dirty="0"/>
           </a:p>
@@ -5263,192 +7012,78 @@
         </p:nvSpPr>
         <p:spPr/>
         <p:txBody>
-          <a:bodyPr>
-            <a:normAutofit/>
-          </a:bodyPr>
-          <a:lstStyle/>
-          <a:p>
-            <a:pPr marL="457200" lvl="1" indent="0">
-              <a:buNone/>
-            </a:pPr>
-            <a:endParaRPr lang="en-US" sz="1800" dirty="0" smtClean="0">
-              <a:latin typeface="Consolas" panose="020B0609020204030204" pitchFamily="49" charset="0"/>
-              <a:cs typeface="Consolas" panose="020B0609020204030204" pitchFamily="49" charset="0"/>
-            </a:endParaRPr>
-          </a:p>
-          <a:p>
-            <a:pPr marL="457200" lvl="1" indent="0">
-              <a:buNone/>
-            </a:pPr>
-            <a:r>
-              <a:rPr lang="en-US" sz="1800" dirty="0" smtClean="0">
-                <a:latin typeface="Consolas" panose="020B0609020204030204" pitchFamily="49" charset="0"/>
-                <a:cs typeface="Consolas" panose="020B0609020204030204" pitchFamily="49" charset="0"/>
-              </a:rPr>
-              <a:t>c</a:t>
-            </a:r>
-            <a:r>
-              <a:rPr lang="en-US" sz="1800" dirty="0">
-                <a:latin typeface="Consolas" panose="020B0609020204030204" pitchFamily="49" charset="0"/>
-                <a:cs typeface="Consolas" panose="020B0609020204030204" pitchFamily="49" charset="0"/>
-              </a:rPr>
-              <a:t>:\apps\WinDDK\7600.16385.1</a:t>
-            </a:r>
-            <a:r>
-              <a:rPr lang="en-US" sz="1800" dirty="0" smtClean="0">
-                <a:latin typeface="Consolas" panose="020B0609020204030204" pitchFamily="49" charset="0"/>
-                <a:cs typeface="Consolas" panose="020B0609020204030204" pitchFamily="49" charset="0"/>
-              </a:rPr>
-              <a:t>&gt; bin\setenv.bat </a:t>
-            </a:r>
-            <a:r>
-              <a:rPr lang="en-US" sz="1800" dirty="0">
-                <a:latin typeface="Consolas" panose="020B0609020204030204" pitchFamily="49" charset="0"/>
-                <a:cs typeface="Consolas" panose="020B0609020204030204" pitchFamily="49" charset="0"/>
-              </a:rPr>
-              <a:t>. WLH</a:t>
-            </a:r>
-          </a:p>
-          <a:p>
-            <a:pPr marL="457200" lvl="1" indent="0">
-              <a:buNone/>
-            </a:pPr>
-            <a:endParaRPr lang="en-US" sz="1800" dirty="0">
-              <a:latin typeface="Consolas" panose="020B0609020204030204" pitchFamily="49" charset="0"/>
-              <a:cs typeface="Consolas" panose="020B0609020204030204" pitchFamily="49" charset="0"/>
-            </a:endParaRPr>
-          </a:p>
-          <a:p>
-            <a:pPr marL="457200" lvl="1" indent="0">
-              <a:buNone/>
-            </a:pPr>
-            <a:r>
-              <a:rPr lang="en-US" sz="1800" dirty="0">
-                <a:latin typeface="Consolas" panose="020B0609020204030204" pitchFamily="49" charset="0"/>
-                <a:cs typeface="Consolas" panose="020B0609020204030204" pitchFamily="49" charset="0"/>
-              </a:rPr>
-              <a:t>c:\apps\WinDDK\7600.16385.1</a:t>
-            </a:r>
-            <a:r>
-              <a:rPr lang="en-US" sz="1800" smtClean="0">
-                <a:latin typeface="Consolas" panose="020B0609020204030204" pitchFamily="49" charset="0"/>
-                <a:cs typeface="Consolas" panose="020B0609020204030204" pitchFamily="49" charset="0"/>
-              </a:rPr>
-              <a:t>&gt; cl.exe</a:t>
-            </a:r>
-            <a:endParaRPr lang="en-US" sz="1800" dirty="0">
-              <a:latin typeface="Consolas" panose="020B0609020204030204" pitchFamily="49" charset="0"/>
-              <a:cs typeface="Consolas" panose="020B0609020204030204" pitchFamily="49" charset="0"/>
-            </a:endParaRPr>
-          </a:p>
-          <a:p>
-            <a:pPr marL="457200" lvl="1" indent="0">
-              <a:buNone/>
-            </a:pPr>
-            <a:endParaRPr lang="en-US" sz="1800" dirty="0">
-              <a:latin typeface="Consolas" panose="020B0609020204030204" pitchFamily="49" charset="0"/>
-              <a:cs typeface="Consolas" panose="020B0609020204030204" pitchFamily="49" charset="0"/>
-            </a:endParaRPr>
-          </a:p>
-          <a:p>
-            <a:pPr marL="457200" lvl="1" indent="0">
-              <a:buNone/>
-            </a:pPr>
-            <a:r>
-              <a:rPr lang="en-US" sz="1800" dirty="0">
-                <a:latin typeface="Consolas" panose="020B0609020204030204" pitchFamily="49" charset="0"/>
-                <a:cs typeface="Consolas" panose="020B0609020204030204" pitchFamily="49" charset="0"/>
-              </a:rPr>
-              <a:t>Microsoft (R) 32-bit C/C++ Optimizing Compiler Version </a:t>
-            </a:r>
-            <a:r>
-              <a:rPr lang="en-US" sz="1800" b="1" dirty="0">
-                <a:latin typeface="Consolas" panose="020B0609020204030204" pitchFamily="49" charset="0"/>
-                <a:cs typeface="Consolas" panose="020B0609020204030204" pitchFamily="49" charset="0"/>
-              </a:rPr>
-              <a:t>15.00.30729.207</a:t>
-            </a:r>
-            <a:r>
-              <a:rPr lang="en-US" sz="1800" dirty="0">
-                <a:latin typeface="Consolas" panose="020B0609020204030204" pitchFamily="49" charset="0"/>
-                <a:cs typeface="Consolas" panose="020B0609020204030204" pitchFamily="49" charset="0"/>
-              </a:rPr>
-              <a:t> for </a:t>
-            </a:r>
-            <a:r>
-              <a:rPr lang="en-US" sz="1800" dirty="0" smtClean="0">
-                <a:latin typeface="Consolas" panose="020B0609020204030204" pitchFamily="49" charset="0"/>
-                <a:cs typeface="Consolas" panose="020B0609020204030204" pitchFamily="49" charset="0"/>
-              </a:rPr>
-              <a:t>80x86</a:t>
-            </a:r>
-          </a:p>
-          <a:p>
-            <a:pPr marL="457200" lvl="1" indent="0">
-              <a:buNone/>
-            </a:pPr>
-            <a:endParaRPr lang="en-US" sz="1800" dirty="0">
-              <a:latin typeface="Consolas" panose="020B0609020204030204" pitchFamily="49" charset="0"/>
-              <a:cs typeface="Consolas" panose="020B0609020204030204" pitchFamily="49" charset="0"/>
-            </a:endParaRPr>
-          </a:p>
-          <a:p>
-            <a:pPr marL="457200" lvl="1" indent="0">
-              <a:buNone/>
-            </a:pPr>
-            <a:r>
-              <a:rPr lang="en-US" sz="1800" dirty="0">
-                <a:latin typeface="Consolas" panose="020B0609020204030204" pitchFamily="49" charset="0"/>
-                <a:cs typeface="Consolas" panose="020B0609020204030204" pitchFamily="49" charset="0"/>
-              </a:rPr>
-              <a:t>Copyright (C) Microsoft Corporation.  All rights reserved.</a:t>
-            </a:r>
-          </a:p>
-          <a:p>
-            <a:pPr marL="457200" lvl="1" indent="0">
-              <a:buNone/>
-            </a:pPr>
-            <a:r>
-              <a:rPr lang="en-US" sz="1800" dirty="0">
-                <a:latin typeface="Consolas" panose="020B0609020204030204" pitchFamily="49" charset="0"/>
-                <a:cs typeface="Consolas" panose="020B0609020204030204" pitchFamily="49" charset="0"/>
-              </a:rPr>
-              <a:t>usage: cl [ option... ] filename... [ /link </a:t>
-            </a:r>
-            <a:r>
-              <a:rPr lang="en-US" sz="1800" dirty="0" err="1">
-                <a:latin typeface="Consolas" panose="020B0609020204030204" pitchFamily="49" charset="0"/>
-                <a:cs typeface="Consolas" panose="020B0609020204030204" pitchFamily="49" charset="0"/>
-              </a:rPr>
-              <a:t>linkoption</a:t>
-            </a:r>
-            <a:r>
-              <a:rPr lang="en-US" sz="1800" dirty="0">
-                <a:latin typeface="Consolas" panose="020B0609020204030204" pitchFamily="49" charset="0"/>
-                <a:cs typeface="Consolas" panose="020B0609020204030204" pitchFamily="49" charset="0"/>
-              </a:rPr>
-              <a:t>... ]</a:t>
-            </a:r>
+          <a:bodyPr/>
+          <a:lstStyle/>
+          <a:p>
+            <a:r>
+              <a:rPr lang="en-US" dirty="0" smtClean="0">
+                <a:hlinkClick r:id="rId2"/>
+              </a:rPr>
+              <a:t>RAII</a:t>
+            </a:r>
+            <a:endParaRPr lang="en-US" dirty="0" smtClean="0"/>
           </a:p>
           <a:p>
             <a:pPr lvl="1"/>
-            <a:endParaRPr lang="en-US" sz="1800" dirty="0">
-              <a:latin typeface="Consolas" panose="020B0609020204030204" pitchFamily="49" charset="0"/>
-              <a:cs typeface="Consolas" panose="020B0609020204030204" pitchFamily="49" charset="0"/>
-            </a:endParaRPr>
+            <a:r>
+              <a:rPr lang="en-US" dirty="0" smtClean="0"/>
+              <a:t>“Resource Acquisition Is Initialization”</a:t>
+            </a:r>
+          </a:p>
+          <a:p>
+            <a:pPr lvl="1"/>
+            <a:r>
+              <a:rPr lang="en-US" dirty="0" smtClean="0"/>
+              <a:t>Acquire and release things in constructor and destructor</a:t>
+            </a:r>
+          </a:p>
+          <a:p>
+            <a:r>
+              <a:rPr lang="en-US" dirty="0" smtClean="0">
+                <a:hlinkClick r:id="rId3"/>
+              </a:rPr>
+              <a:t>SFINAE</a:t>
+            </a:r>
+            <a:endParaRPr lang="en-US" dirty="0" smtClean="0"/>
+          </a:p>
+          <a:p>
+            <a:pPr lvl="1"/>
+            <a:r>
+              <a:rPr lang="en-US" dirty="0"/>
+              <a:t>“Substitution </a:t>
+            </a:r>
+            <a:r>
+              <a:rPr lang="en-US" dirty="0" smtClean="0"/>
+              <a:t>Failure Is Not An Error”</a:t>
+            </a:r>
+          </a:p>
+          <a:p>
+            <a:pPr lvl="1"/>
+            <a:r>
+              <a:rPr lang="en-US" dirty="0" smtClean="0"/>
+              <a:t>You won’t get compile-time errors when fiddling with templates</a:t>
+            </a:r>
+            <a:endParaRPr lang="en-US" dirty="0"/>
           </a:p>
         </p:txBody>
       </p:sp>
     </p:spTree>
     <p:extLst>
       <p:ext uri="{BB962C8B-B14F-4D97-AF65-F5344CB8AC3E}">
-        <p14:creationId xmlns:p14="http://schemas.microsoft.com/office/powerpoint/2010/main" val="2118868596"/>
+        <p14:creationId xmlns:p14="http://schemas.microsoft.com/office/powerpoint/2010/main" val="3246688767"/>
       </p:ext>
     </p:extLst>
   </p:cSld>
   <p:clrMapOvr>
     <a:masterClrMapping/>
   </p:clrMapOvr>
+  <p:timing>
+    <p:tnLst>
+      <p:par>
+        <p:cTn id="1" dur="indefinite" restart="never" nodeType="tmRoot"/>
+      </p:par>
+    </p:tnLst>
+  </p:timing>
 </p:sld>
 </file>
 
@@ -5485,8 +7120,12 @@
           <a:lstStyle/>
           <a:p>
             <a:r>
-              <a:rPr lang="en-US" smtClean="0"/>
-              <a:t>Which C++ compiler?</a:t>
+              <a:rPr lang="en-US" dirty="0" smtClean="0"/>
+              <a:t>C++ </a:t>
+            </a:r>
+            <a:r>
+              <a:rPr lang="en-US" dirty="0" smtClean="0"/>
+              <a:t>Rule of 3</a:t>
             </a:r>
             <a:endParaRPr lang="en-US" dirty="0"/>
           </a:p>
@@ -5504,349 +7143,65 @@
         </p:nvSpPr>
         <p:spPr/>
         <p:txBody>
-          <a:bodyPr>
-            <a:normAutofit lnSpcReduction="10000"/>
-          </a:bodyPr>
+          <a:bodyPr/>
           <a:lstStyle/>
           <a:p>
             <a:pPr marL="0" indent="0">
               <a:buNone/>
             </a:pPr>
             <a:r>
-              <a:rPr lang="en-US" sz="2600" dirty="0" smtClean="0">
-                <a:cs typeface="Consolas" panose="020B0609020204030204" pitchFamily="49" charset="0"/>
-              </a:rPr>
-              <a:t>Set </a:t>
-            </a:r>
-            <a:r>
-              <a:rPr lang="en-US" sz="2600" dirty="0">
-                <a:cs typeface="Consolas" panose="020B0609020204030204" pitchFamily="49" charset="0"/>
-              </a:rPr>
-              <a:t>the environment; run </a:t>
-            </a:r>
-            <a:r>
-              <a:rPr lang="en-US" sz="2600" dirty="0" smtClean="0">
-                <a:cs typeface="Consolas" panose="020B0609020204030204" pitchFamily="49" charset="0"/>
-              </a:rPr>
-              <a:t>CL.EXE</a:t>
-            </a:r>
-          </a:p>
-          <a:p>
-            <a:r>
-              <a:rPr lang="en-US" sz="2600" dirty="0" smtClean="0">
-                <a:cs typeface="Consolas" panose="020B0609020204030204" pitchFamily="49" charset="0"/>
-              </a:rPr>
-              <a:t>Visual Studio help/about: fail</a:t>
-            </a:r>
-          </a:p>
-          <a:p>
-            <a:r>
-              <a:rPr lang="en-US" sz="2600" dirty="0" smtClean="0">
-                <a:cs typeface="Consolas" panose="020B0609020204030204" pitchFamily="49" charset="0"/>
-              </a:rPr>
-              <a:t>Look for “C++” </a:t>
-            </a:r>
-            <a:r>
-              <a:rPr lang="en-US" sz="2600" dirty="0" smtClean="0">
-                <a:cs typeface="Consolas" panose="020B0609020204030204" pitchFamily="49" charset="0"/>
+              <a:rPr lang="en-US" sz="2400" dirty="0">
                 <a:hlinkClick r:id="rId2"/>
               </a:rPr>
-              <a:t>here</a:t>
-            </a:r>
-            <a:r>
-              <a:rPr lang="en-US" sz="2600" dirty="0" smtClean="0">
-                <a:cs typeface="Consolas" panose="020B0609020204030204" pitchFamily="49" charset="0"/>
-              </a:rPr>
-              <a:t> for full list</a:t>
-            </a:r>
-            <a:endParaRPr lang="en-US" sz="2600" dirty="0">
-              <a:cs typeface="Consolas" panose="020B0609020204030204" pitchFamily="49" charset="0"/>
-            </a:endParaRPr>
+              <a:t>http://</a:t>
+            </a:r>
+            <a:r>
+              <a:rPr lang="en-US" sz="2400" dirty="0" smtClean="0">
+                <a:hlinkClick r:id="rId2"/>
+              </a:rPr>
+              <a:t>en.cppreference.com/w/cpp/language/rule_of_three</a:t>
+            </a:r>
+            <a:endParaRPr lang="en-US" sz="2400" dirty="0" smtClean="0"/>
           </a:p>
           <a:p>
             <a:pPr marL="0" indent="0">
               <a:buNone/>
             </a:pPr>
-            <a:endParaRPr lang="en-US" sz="1800" dirty="0">
-              <a:latin typeface="Consolas" panose="020B0609020204030204" pitchFamily="49" charset="0"/>
-              <a:cs typeface="Consolas" panose="020B0609020204030204" pitchFamily="49" charset="0"/>
-            </a:endParaRPr>
-          </a:p>
-          <a:p>
-            <a:pPr marL="0" indent="0">
-              <a:buNone/>
-            </a:pPr>
-            <a:r>
-              <a:rPr lang="en-US" sz="1800" b="1" dirty="0" smtClean="0">
-                <a:latin typeface="Consolas" panose="020B0609020204030204" pitchFamily="49" charset="0"/>
-                <a:cs typeface="Consolas" panose="020B0609020204030204" pitchFamily="49" charset="0"/>
-              </a:rPr>
-              <a:t>vs2013</a:t>
-            </a:r>
-            <a:r>
-              <a:rPr lang="en-US" sz="1800" dirty="0" smtClean="0">
-                <a:latin typeface="Consolas" panose="020B0609020204030204" pitchFamily="49" charset="0"/>
-                <a:cs typeface="Consolas" panose="020B0609020204030204" pitchFamily="49" charset="0"/>
-              </a:rPr>
-              <a:t>env: Microsoft </a:t>
-            </a:r>
-            <a:r>
-              <a:rPr lang="en-US" sz="1800" dirty="0">
-                <a:latin typeface="Consolas" panose="020B0609020204030204" pitchFamily="49" charset="0"/>
-                <a:cs typeface="Consolas" panose="020B0609020204030204" pitchFamily="49" charset="0"/>
-              </a:rPr>
-              <a:t>(R) C/C++ Optimizing Compiler Version </a:t>
-            </a:r>
-            <a:r>
-              <a:rPr lang="en-US" sz="1800" b="1" dirty="0">
-                <a:latin typeface="Consolas" panose="020B0609020204030204" pitchFamily="49" charset="0"/>
-                <a:cs typeface="Consolas" panose="020B0609020204030204" pitchFamily="49" charset="0"/>
-              </a:rPr>
-              <a:t>18.00.31010</a:t>
-            </a:r>
-            <a:r>
-              <a:rPr lang="en-US" sz="1800" dirty="0">
-                <a:latin typeface="Consolas" panose="020B0609020204030204" pitchFamily="49" charset="0"/>
-                <a:cs typeface="Consolas" panose="020B0609020204030204" pitchFamily="49" charset="0"/>
-              </a:rPr>
-              <a:t> for </a:t>
-            </a:r>
-            <a:r>
-              <a:rPr lang="en-US" sz="1800" dirty="0" smtClean="0">
-                <a:latin typeface="Consolas" panose="020B0609020204030204" pitchFamily="49" charset="0"/>
-                <a:cs typeface="Consolas" panose="020B0609020204030204" pitchFamily="49" charset="0"/>
-              </a:rPr>
-              <a:t>x86</a:t>
-            </a:r>
-            <a:endParaRPr lang="en-US" sz="1800" dirty="0">
-              <a:latin typeface="Consolas" panose="020B0609020204030204" pitchFamily="49" charset="0"/>
-              <a:cs typeface="Consolas" panose="020B0609020204030204" pitchFamily="49" charset="0"/>
-            </a:endParaRPr>
-          </a:p>
-          <a:p>
-            <a:pPr marL="0" indent="0">
-              <a:buNone/>
-            </a:pPr>
-            <a:r>
-              <a:rPr lang="en-US" sz="1800" b="1" dirty="0" smtClean="0">
-                <a:latin typeface="Consolas" panose="020B0609020204030204" pitchFamily="49" charset="0"/>
-                <a:cs typeface="Consolas" panose="020B0609020204030204" pitchFamily="49" charset="0"/>
-              </a:rPr>
-              <a:t>vs2012</a:t>
-            </a:r>
-            <a:r>
-              <a:rPr lang="en-US" sz="1800" dirty="0" smtClean="0">
-                <a:latin typeface="Consolas" panose="020B0609020204030204" pitchFamily="49" charset="0"/>
-                <a:cs typeface="Consolas" panose="020B0609020204030204" pitchFamily="49" charset="0"/>
-              </a:rPr>
-              <a:t>env: Microsoft </a:t>
-            </a:r>
-            <a:r>
-              <a:rPr lang="en-US" sz="1800" dirty="0">
-                <a:latin typeface="Consolas" panose="020B0609020204030204" pitchFamily="49" charset="0"/>
-                <a:cs typeface="Consolas" panose="020B0609020204030204" pitchFamily="49" charset="0"/>
-              </a:rPr>
-              <a:t>(R) C/C++ Optimizing Compiler Version </a:t>
-            </a:r>
-            <a:r>
-              <a:rPr lang="en-US" sz="1800" b="1" dirty="0">
-                <a:latin typeface="Consolas" panose="020B0609020204030204" pitchFamily="49" charset="0"/>
-                <a:cs typeface="Consolas" panose="020B0609020204030204" pitchFamily="49" charset="0"/>
-              </a:rPr>
-              <a:t>17.00.61030</a:t>
-            </a:r>
-            <a:r>
-              <a:rPr lang="en-US" sz="1800" dirty="0">
-                <a:latin typeface="Consolas" panose="020B0609020204030204" pitchFamily="49" charset="0"/>
-                <a:cs typeface="Consolas" panose="020B0609020204030204" pitchFamily="49" charset="0"/>
-              </a:rPr>
-              <a:t> for </a:t>
-            </a:r>
-            <a:r>
-              <a:rPr lang="en-US" sz="1800" dirty="0" smtClean="0">
-                <a:latin typeface="Consolas" panose="020B0609020204030204" pitchFamily="49" charset="0"/>
-                <a:cs typeface="Consolas" panose="020B0609020204030204" pitchFamily="49" charset="0"/>
-              </a:rPr>
-              <a:t>x86</a:t>
-            </a:r>
-            <a:endParaRPr lang="en-US" sz="1800" dirty="0">
-              <a:latin typeface="Consolas" panose="020B0609020204030204" pitchFamily="49" charset="0"/>
-              <a:cs typeface="Consolas" panose="020B0609020204030204" pitchFamily="49" charset="0"/>
-            </a:endParaRPr>
-          </a:p>
-          <a:p>
-            <a:pPr marL="0" indent="0">
-              <a:buNone/>
-            </a:pPr>
-            <a:r>
-              <a:rPr lang="en-US" sz="1800" dirty="0" smtClean="0">
-                <a:latin typeface="Consolas" panose="020B0609020204030204" pitchFamily="49" charset="0"/>
-                <a:cs typeface="Consolas" panose="020B0609020204030204" pitchFamily="49" charset="0"/>
-              </a:rPr>
-              <a:t>vs</a:t>
-            </a:r>
-            <a:r>
-              <a:rPr lang="en-US" sz="1800" b="1" dirty="0" smtClean="0">
-                <a:latin typeface="Consolas" panose="020B0609020204030204" pitchFamily="49" charset="0"/>
-                <a:cs typeface="Consolas" panose="020B0609020204030204" pitchFamily="49" charset="0"/>
-              </a:rPr>
-              <a:t>2010</a:t>
-            </a:r>
-            <a:r>
-              <a:rPr lang="en-US" sz="1800" dirty="0" smtClean="0">
-                <a:latin typeface="Consolas" panose="020B0609020204030204" pitchFamily="49" charset="0"/>
-                <a:cs typeface="Consolas" panose="020B0609020204030204" pitchFamily="49" charset="0"/>
-              </a:rPr>
-              <a:t>env: Microsoft </a:t>
-            </a:r>
-            <a:r>
-              <a:rPr lang="en-US" sz="1800" dirty="0">
-                <a:latin typeface="Consolas" panose="020B0609020204030204" pitchFamily="49" charset="0"/>
-                <a:cs typeface="Consolas" panose="020B0609020204030204" pitchFamily="49" charset="0"/>
-              </a:rPr>
-              <a:t>(R) 32-bit C/C++ Optimizing Compiler Version </a:t>
-            </a:r>
-            <a:r>
-              <a:rPr lang="en-US" sz="1800" b="1" dirty="0">
-                <a:latin typeface="Consolas" panose="020B0609020204030204" pitchFamily="49" charset="0"/>
-                <a:cs typeface="Consolas" panose="020B0609020204030204" pitchFamily="49" charset="0"/>
-              </a:rPr>
-              <a:t>16.00.40219.01</a:t>
-            </a:r>
-            <a:r>
-              <a:rPr lang="en-US" sz="1800" dirty="0">
-                <a:latin typeface="Consolas" panose="020B0609020204030204" pitchFamily="49" charset="0"/>
-                <a:cs typeface="Consolas" panose="020B0609020204030204" pitchFamily="49" charset="0"/>
-              </a:rPr>
-              <a:t> for </a:t>
-            </a:r>
-            <a:r>
-              <a:rPr lang="en-US" sz="1800" dirty="0" smtClean="0">
-                <a:latin typeface="Consolas" panose="020B0609020204030204" pitchFamily="49" charset="0"/>
-                <a:cs typeface="Consolas" panose="020B0609020204030204" pitchFamily="49" charset="0"/>
-              </a:rPr>
-              <a:t>80x86</a:t>
-            </a:r>
-            <a:endParaRPr lang="en-US" sz="1800" dirty="0">
-              <a:latin typeface="Consolas" panose="020B0609020204030204" pitchFamily="49" charset="0"/>
-              <a:cs typeface="Consolas" panose="020B0609020204030204" pitchFamily="49" charset="0"/>
-            </a:endParaRPr>
-          </a:p>
-          <a:p>
-            <a:pPr marL="0" indent="0">
-              <a:buNone/>
-            </a:pPr>
-            <a:r>
-              <a:rPr lang="en-US" sz="1800" dirty="0" smtClean="0">
-                <a:latin typeface="Consolas" panose="020B0609020204030204" pitchFamily="49" charset="0"/>
-                <a:cs typeface="Consolas" panose="020B0609020204030204" pitchFamily="49" charset="0"/>
-              </a:rPr>
-              <a:t>vs</a:t>
-            </a:r>
-            <a:r>
-              <a:rPr lang="en-US" sz="1800" b="1" dirty="0" smtClean="0">
-                <a:latin typeface="Consolas" panose="020B0609020204030204" pitchFamily="49" charset="0"/>
-                <a:cs typeface="Consolas" panose="020B0609020204030204" pitchFamily="49" charset="0"/>
-              </a:rPr>
-              <a:t>2008</a:t>
-            </a:r>
-            <a:r>
-              <a:rPr lang="en-US" sz="1800" dirty="0" smtClean="0">
-                <a:latin typeface="Consolas" panose="020B0609020204030204" pitchFamily="49" charset="0"/>
-                <a:cs typeface="Consolas" panose="020B0609020204030204" pitchFamily="49" charset="0"/>
-              </a:rPr>
-              <a:t>env: Microsoft </a:t>
-            </a:r>
-            <a:r>
-              <a:rPr lang="en-US" sz="1800" dirty="0">
-                <a:latin typeface="Consolas" panose="020B0609020204030204" pitchFamily="49" charset="0"/>
-                <a:cs typeface="Consolas" panose="020B0609020204030204" pitchFamily="49" charset="0"/>
-              </a:rPr>
-              <a:t>(R) 32-bit C/C++ Optimizing Compiler </a:t>
-            </a:r>
-            <a:r>
-              <a:rPr lang="en-US" sz="1800" dirty="0" smtClean="0">
-                <a:latin typeface="Consolas" panose="020B0609020204030204" pitchFamily="49" charset="0"/>
-                <a:cs typeface="Consolas" panose="020B0609020204030204" pitchFamily="49" charset="0"/>
-              </a:rPr>
-              <a:t>Version </a:t>
-            </a:r>
-            <a:r>
-              <a:rPr lang="en-US" sz="1800" b="1" dirty="0" smtClean="0">
-                <a:latin typeface="Consolas" panose="020B0609020204030204" pitchFamily="49" charset="0"/>
-                <a:cs typeface="Consolas" panose="020B0609020204030204" pitchFamily="49" charset="0"/>
-              </a:rPr>
-              <a:t>15.00.30729.01</a:t>
-            </a:r>
-            <a:r>
-              <a:rPr lang="en-US" sz="1800" dirty="0" smtClean="0">
-                <a:latin typeface="Consolas" panose="020B0609020204030204" pitchFamily="49" charset="0"/>
-                <a:cs typeface="Consolas" panose="020B0609020204030204" pitchFamily="49" charset="0"/>
-              </a:rPr>
-              <a:t> </a:t>
-            </a:r>
-            <a:r>
-              <a:rPr lang="en-US" sz="1800" dirty="0">
-                <a:latin typeface="Consolas" panose="020B0609020204030204" pitchFamily="49" charset="0"/>
-                <a:cs typeface="Consolas" panose="020B0609020204030204" pitchFamily="49" charset="0"/>
-              </a:rPr>
-              <a:t>for </a:t>
-            </a:r>
-            <a:r>
-              <a:rPr lang="en-US" sz="1800" dirty="0" smtClean="0">
-                <a:latin typeface="Consolas" panose="020B0609020204030204" pitchFamily="49" charset="0"/>
-                <a:cs typeface="Consolas" panose="020B0609020204030204" pitchFamily="49" charset="0"/>
-              </a:rPr>
-              <a:t>80x86</a:t>
-            </a:r>
-          </a:p>
-          <a:p>
-            <a:pPr marL="0" indent="0">
-              <a:buNone/>
-            </a:pPr>
-            <a:r>
-              <a:rPr lang="en-US" sz="1800" dirty="0">
-                <a:latin typeface="Consolas" panose="020B0609020204030204" pitchFamily="49" charset="0"/>
-                <a:cs typeface="Consolas" panose="020B0609020204030204" pitchFamily="49" charset="0"/>
-              </a:rPr>
-              <a:t>vs</a:t>
-            </a:r>
-            <a:r>
-              <a:rPr lang="en-US" sz="1800" b="1" dirty="0">
-                <a:latin typeface="Consolas" panose="020B0609020204030204" pitchFamily="49" charset="0"/>
-                <a:cs typeface="Consolas" panose="020B0609020204030204" pitchFamily="49" charset="0"/>
-              </a:rPr>
-              <a:t>2014</a:t>
-            </a:r>
-            <a:r>
-              <a:rPr lang="en-US" sz="1800" dirty="0">
-                <a:latin typeface="Consolas" panose="020B0609020204030204" pitchFamily="49" charset="0"/>
-                <a:cs typeface="Consolas" panose="020B0609020204030204" pitchFamily="49" charset="0"/>
-              </a:rPr>
-              <a:t>env: Microsoft (R) C/C++ Optimizing Compiler Version 19.00.22129.1 for x86</a:t>
-            </a:r>
-          </a:p>
-          <a:p>
-            <a:pPr marL="0" indent="0">
-              <a:buNone/>
-            </a:pPr>
-            <a:endParaRPr lang="en-US" sz="1800" dirty="0">
-              <a:latin typeface="Consolas" panose="020B0609020204030204" pitchFamily="49" charset="0"/>
-              <a:cs typeface="Consolas" panose="020B0609020204030204" pitchFamily="49" charset="0"/>
-            </a:endParaRPr>
+            <a:endParaRPr lang="en-US" dirty="0" smtClean="0"/>
+          </a:p>
+          <a:p>
+            <a:pPr marL="400050" lvl="1" indent="0">
+              <a:buNone/>
+            </a:pPr>
+            <a:r>
+              <a:rPr lang="en-US" dirty="0" smtClean="0"/>
+              <a:t>“If </a:t>
+            </a:r>
+            <a:r>
+              <a:rPr lang="en-US" dirty="0"/>
+              <a:t>a class requires a user-defined destructor, a user-defined copy constructor, or a user-defined copy assignment operator, it almost certainly requires all three.</a:t>
+            </a:r>
+            <a:endParaRPr lang="en-US" dirty="0"/>
           </a:p>
         </p:txBody>
       </p:sp>
     </p:spTree>
     <p:extLst>
       <p:ext uri="{BB962C8B-B14F-4D97-AF65-F5344CB8AC3E}">
-        <p14:creationId xmlns:p14="http://schemas.microsoft.com/office/powerpoint/2010/main" val="82139143"/>
+        <p14:creationId xmlns:p14="http://schemas.microsoft.com/office/powerpoint/2010/main" val="2038294293"/>
       </p:ext>
     </p:extLst>
   </p:cSld>
   <p:clrMapOvr>
     <a:masterClrMapping/>
   </p:clrMapOvr>
+  <p:timing>
+    <p:tnLst>
+      <p:par>
+        <p:cTn id="1" dur="indefinite" restart="never" nodeType="tmRoot"/>
+      </p:par>
+    </p:tnLst>
+  </p:timing>
 </p:sld>
 </file>
 

--- a/doc/Fun_with_C++11.pptx
+++ b/doc/Fun_with_C++11.pptx
@@ -15,14 +15,15 @@
     <p:sldId id="259" r:id="rId9"/>
     <p:sldId id="270" r:id="rId10"/>
     <p:sldId id="271" r:id="rId11"/>
-    <p:sldId id="261" r:id="rId12"/>
-    <p:sldId id="262" r:id="rId13"/>
-    <p:sldId id="263" r:id="rId14"/>
-    <p:sldId id="265" r:id="rId15"/>
-    <p:sldId id="266" r:id="rId16"/>
-    <p:sldId id="267" r:id="rId17"/>
-    <p:sldId id="268" r:id="rId18"/>
-    <p:sldId id="269" r:id="rId19"/>
+    <p:sldId id="262" r:id="rId12"/>
+    <p:sldId id="263" r:id="rId13"/>
+    <p:sldId id="261" r:id="rId14"/>
+    <p:sldId id="274" r:id="rId15"/>
+    <p:sldId id="265" r:id="rId16"/>
+    <p:sldId id="266" r:id="rId17"/>
+    <p:sldId id="267" r:id="rId18"/>
+    <p:sldId id="268" r:id="rId19"/>
+    <p:sldId id="269" r:id="rId20"/>
   </p:sldIdLst>
   <p:sldSz cx="9144000" cy="6858000" type="screen4x3"/>
   <p:notesSz cx="6858000" cy="9144000"/>
@@ -3208,11 +3209,7 @@
           <a:p>
             <a:r>
               <a:rPr lang="en-US" dirty="0" smtClean="0"/>
-              <a:t>C</a:t>
-            </a:r>
-            <a:r>
-              <a:rPr lang="en-US" dirty="0" smtClean="0"/>
-              <a:t>++11 Rule of 5</a:t>
+              <a:t>C++11 Rule of 5</a:t>
             </a:r>
             <a:endParaRPr lang="en-US" dirty="0"/>
           </a:p>
@@ -3325,12 +3322,8 @@
           <a:lstStyle/>
           <a:p>
             <a:r>
-              <a:rPr lang="en-US" smtClean="0"/>
-              <a:t>MS C/C</a:t>
-            </a:r>
-            <a:r>
               <a:rPr lang="en-US" dirty="0" smtClean="0"/>
-              <a:t>++ runtime dependencies</a:t>
+              <a:t>Which C++ compiler?</a:t>
             </a:r>
             <a:endParaRPr lang="en-US" dirty="0"/>
           </a:p>
@@ -3349,296 +3342,185 @@
         <p:spPr/>
         <p:txBody>
           <a:bodyPr>
-            <a:normAutofit fontScale="62500" lnSpcReduction="20000"/>
+            <a:normAutofit/>
           </a:bodyPr>
           <a:lstStyle/>
           <a:p>
-            <a:pPr marL="0" indent="0">
-              <a:buNone/>
-            </a:pPr>
-            <a:r>
-              <a:rPr lang="en-US" dirty="0">
-                <a:latin typeface="Consolas" panose="020B0609020204030204" pitchFamily="49" charset="0"/>
-                <a:cs typeface="Consolas" panose="020B0609020204030204" pitchFamily="49" charset="0"/>
-              </a:rPr>
-              <a:t>c:\apps\vs2013\VC\redist\x64</a:t>
-            </a:r>
-            <a:r>
-              <a:rPr lang="en-US" dirty="0" smtClean="0">
-                <a:latin typeface="Consolas" panose="020B0609020204030204" pitchFamily="49" charset="0"/>
-                <a:cs typeface="Consolas" panose="020B0609020204030204" pitchFamily="49" charset="0"/>
-              </a:rPr>
-              <a:t>&gt; tree </a:t>
-            </a:r>
-            <a:r>
-              <a:rPr lang="en-US" dirty="0">
-                <a:latin typeface="Consolas" panose="020B0609020204030204" pitchFamily="49" charset="0"/>
-                <a:cs typeface="Consolas" panose="020B0609020204030204" pitchFamily="49" charset="0"/>
-              </a:rPr>
-              <a:t>/f /a</a:t>
-            </a:r>
-          </a:p>
-          <a:p>
-            <a:pPr marL="0" indent="0">
-              <a:buNone/>
-            </a:pPr>
-            <a:r>
-              <a:rPr lang="en-US" dirty="0" smtClean="0">
-                <a:latin typeface="Consolas" panose="020B0609020204030204" pitchFamily="49" charset="0"/>
-                <a:cs typeface="Consolas" panose="020B0609020204030204" pitchFamily="49" charset="0"/>
-              </a:rPr>
-              <a:t>+---</a:t>
-            </a:r>
-            <a:r>
-              <a:rPr lang="en-US" dirty="0">
-                <a:latin typeface="Consolas" panose="020B0609020204030204" pitchFamily="49" charset="0"/>
-                <a:cs typeface="Consolas" panose="020B0609020204030204" pitchFamily="49" charset="0"/>
-              </a:rPr>
-              <a:t>Microsoft.VC120.CRT</a:t>
-            </a:r>
-          </a:p>
-          <a:p>
-            <a:pPr marL="0" indent="0">
-              <a:buNone/>
-            </a:pPr>
-            <a:r>
-              <a:rPr lang="en-US" dirty="0">
-                <a:latin typeface="Consolas" panose="020B0609020204030204" pitchFamily="49" charset="0"/>
-                <a:cs typeface="Consolas" panose="020B0609020204030204" pitchFamily="49" charset="0"/>
-              </a:rPr>
-              <a:t>|       </a:t>
-            </a:r>
-            <a:r>
-              <a:rPr lang="en-US" dirty="0" smtClean="0">
-                <a:latin typeface="Consolas" panose="020B0609020204030204" pitchFamily="49" charset="0"/>
-                <a:cs typeface="Consolas" panose="020B0609020204030204" pitchFamily="49" charset="0"/>
-              </a:rPr>
-              <a:t>msvcp120.dll	// C++ runtime</a:t>
-            </a:r>
-            <a:endParaRPr lang="en-US" dirty="0">
+            <a:pPr marL="457200" lvl="1" indent="0">
+              <a:buNone/>
+            </a:pPr>
+            <a:endParaRPr lang="en-US" sz="1800" dirty="0" smtClean="0">
               <a:latin typeface="Consolas" panose="020B0609020204030204" pitchFamily="49" charset="0"/>
               <a:cs typeface="Consolas" panose="020B0609020204030204" pitchFamily="49" charset="0"/>
             </a:endParaRPr>
           </a:p>
           <a:p>
-            <a:pPr marL="0" indent="0">
-              <a:buNone/>
-            </a:pPr>
-            <a:r>
-              <a:rPr lang="en-US" dirty="0">
-                <a:latin typeface="Consolas" panose="020B0609020204030204" pitchFamily="49" charset="0"/>
-                <a:cs typeface="Consolas" panose="020B0609020204030204" pitchFamily="49" charset="0"/>
-              </a:rPr>
-              <a:t>|       </a:t>
-            </a:r>
-            <a:r>
-              <a:rPr lang="en-US" dirty="0" smtClean="0">
-                <a:latin typeface="Consolas" panose="020B0609020204030204" pitchFamily="49" charset="0"/>
-                <a:cs typeface="Consolas" panose="020B0609020204030204" pitchFamily="49" charset="0"/>
-              </a:rPr>
-              <a:t>msvcr120.dll	// C runtime</a:t>
-            </a:r>
-            <a:endParaRPr lang="en-US" dirty="0">
+            <a:pPr marL="457200" lvl="1" indent="0">
+              <a:buNone/>
+            </a:pPr>
+            <a:r>
+              <a:rPr lang="en-US" sz="1800" dirty="0" smtClean="0">
+                <a:latin typeface="Consolas" panose="020B0609020204030204" pitchFamily="49" charset="0"/>
+                <a:cs typeface="Consolas" panose="020B0609020204030204" pitchFamily="49" charset="0"/>
+              </a:rPr>
+              <a:t>c</a:t>
+            </a:r>
+            <a:r>
+              <a:rPr lang="en-US" sz="1800" dirty="0">
+                <a:latin typeface="Consolas" panose="020B0609020204030204" pitchFamily="49" charset="0"/>
+                <a:cs typeface="Consolas" panose="020B0609020204030204" pitchFamily="49" charset="0"/>
+              </a:rPr>
+              <a:t>:\apps\WinDDK\7600.16385.1</a:t>
+            </a:r>
+            <a:r>
+              <a:rPr lang="en-US" sz="1800" dirty="0" smtClean="0">
+                <a:latin typeface="Consolas" panose="020B0609020204030204" pitchFamily="49" charset="0"/>
+                <a:cs typeface="Consolas" panose="020B0609020204030204" pitchFamily="49" charset="0"/>
+              </a:rPr>
+              <a:t>&gt; bin\setenv.bat </a:t>
+            </a:r>
+            <a:r>
+              <a:rPr lang="en-US" sz="1800" dirty="0">
+                <a:latin typeface="Consolas" panose="020B0609020204030204" pitchFamily="49" charset="0"/>
+                <a:cs typeface="Consolas" panose="020B0609020204030204" pitchFamily="49" charset="0"/>
+              </a:rPr>
+              <a:t>. WLH</a:t>
+            </a:r>
+          </a:p>
+          <a:p>
+            <a:pPr marL="457200" lvl="1" indent="0">
+              <a:buNone/>
+            </a:pPr>
+            <a:endParaRPr lang="en-US" sz="1800" dirty="0">
               <a:latin typeface="Consolas" panose="020B0609020204030204" pitchFamily="49" charset="0"/>
               <a:cs typeface="Consolas" panose="020B0609020204030204" pitchFamily="49" charset="0"/>
             </a:endParaRPr>
           </a:p>
           <a:p>
-            <a:pPr marL="0" indent="0">
-              <a:buNone/>
-            </a:pPr>
-            <a:r>
-              <a:rPr lang="en-US" dirty="0">
-                <a:latin typeface="Consolas" panose="020B0609020204030204" pitchFamily="49" charset="0"/>
-                <a:cs typeface="Consolas" panose="020B0609020204030204" pitchFamily="49" charset="0"/>
-              </a:rPr>
-              <a:t>|       </a:t>
-            </a:r>
-            <a:r>
-              <a:rPr lang="en-US" dirty="0" smtClean="0">
-                <a:latin typeface="Consolas" panose="020B0609020204030204" pitchFamily="49" charset="0"/>
-                <a:cs typeface="Consolas" panose="020B0609020204030204" pitchFamily="49" charset="0"/>
-              </a:rPr>
-              <a:t>vccorlib120.dll 	// C++/CLI</a:t>
-            </a:r>
-            <a:endParaRPr lang="en-US" dirty="0">
+            <a:pPr marL="457200" lvl="1" indent="0">
+              <a:buNone/>
+            </a:pPr>
+            <a:r>
+              <a:rPr lang="en-US" sz="1800" dirty="0">
+                <a:latin typeface="Consolas" panose="020B0609020204030204" pitchFamily="49" charset="0"/>
+                <a:cs typeface="Consolas" panose="020B0609020204030204" pitchFamily="49" charset="0"/>
+              </a:rPr>
+              <a:t>c:\apps\WinDDK\7600.16385.1</a:t>
+            </a:r>
+            <a:r>
+              <a:rPr lang="en-US" sz="1800" smtClean="0">
+                <a:latin typeface="Consolas" panose="020B0609020204030204" pitchFamily="49" charset="0"/>
+                <a:cs typeface="Consolas" panose="020B0609020204030204" pitchFamily="49" charset="0"/>
+              </a:rPr>
+              <a:t>&gt; cl.exe</a:t>
+            </a:r>
+            <a:endParaRPr lang="en-US" sz="1800" dirty="0">
               <a:latin typeface="Consolas" panose="020B0609020204030204" pitchFamily="49" charset="0"/>
               <a:cs typeface="Consolas" panose="020B0609020204030204" pitchFamily="49" charset="0"/>
             </a:endParaRPr>
           </a:p>
           <a:p>
-            <a:pPr marL="0" indent="0">
-              <a:buNone/>
-            </a:pPr>
-            <a:r>
-              <a:rPr lang="en-US" dirty="0" smtClean="0">
-                <a:latin typeface="Consolas" panose="020B0609020204030204" pitchFamily="49" charset="0"/>
-                <a:cs typeface="Consolas" panose="020B0609020204030204" pitchFamily="49" charset="0"/>
-              </a:rPr>
-              <a:t>+---</a:t>
-            </a:r>
-            <a:r>
-              <a:rPr lang="en-US" dirty="0">
-                <a:latin typeface="Consolas" panose="020B0609020204030204" pitchFamily="49" charset="0"/>
-                <a:cs typeface="Consolas" panose="020B0609020204030204" pitchFamily="49" charset="0"/>
-              </a:rPr>
-              <a:t>Microsoft.VC120.CXXAMP</a:t>
-            </a:r>
-          </a:p>
-          <a:p>
-            <a:pPr marL="0" indent="0">
-              <a:buNone/>
-            </a:pPr>
-            <a:r>
-              <a:rPr lang="en-US" dirty="0">
-                <a:latin typeface="Consolas" panose="020B0609020204030204" pitchFamily="49" charset="0"/>
-                <a:cs typeface="Consolas" panose="020B0609020204030204" pitchFamily="49" charset="0"/>
-              </a:rPr>
-              <a:t>|       vcamp120.dll</a:t>
-            </a:r>
-          </a:p>
-          <a:p>
-            <a:pPr marL="0" indent="0">
-              <a:buNone/>
-            </a:pPr>
-            <a:r>
-              <a:rPr lang="en-US" dirty="0" smtClean="0">
-                <a:latin typeface="Consolas" panose="020B0609020204030204" pitchFamily="49" charset="0"/>
-                <a:cs typeface="Consolas" panose="020B0609020204030204" pitchFamily="49" charset="0"/>
-              </a:rPr>
-              <a:t>+---</a:t>
-            </a:r>
-            <a:r>
-              <a:rPr lang="en-US" dirty="0">
-                <a:latin typeface="Consolas" panose="020B0609020204030204" pitchFamily="49" charset="0"/>
-                <a:cs typeface="Consolas" panose="020B0609020204030204" pitchFamily="49" charset="0"/>
-              </a:rPr>
-              <a:t>Microsoft.VC120.MFC</a:t>
-            </a:r>
-          </a:p>
-          <a:p>
-            <a:pPr marL="0" indent="0">
-              <a:buNone/>
-            </a:pPr>
-            <a:r>
-              <a:rPr lang="en-US" dirty="0">
-                <a:latin typeface="Consolas" panose="020B0609020204030204" pitchFamily="49" charset="0"/>
-                <a:cs typeface="Consolas" panose="020B0609020204030204" pitchFamily="49" charset="0"/>
-              </a:rPr>
-              <a:t>|       mfc120u.dll</a:t>
-            </a:r>
-          </a:p>
-          <a:p>
-            <a:pPr marL="0" indent="0">
-              <a:buNone/>
-            </a:pPr>
-            <a:r>
-              <a:rPr lang="en-US" dirty="0">
-                <a:latin typeface="Consolas" panose="020B0609020204030204" pitchFamily="49" charset="0"/>
-                <a:cs typeface="Consolas" panose="020B0609020204030204" pitchFamily="49" charset="0"/>
-              </a:rPr>
-              <a:t>|       mfcm120u.dll</a:t>
-            </a:r>
-          </a:p>
-          <a:p>
-            <a:pPr marL="0" indent="0">
-              <a:buNone/>
-            </a:pPr>
-            <a:r>
-              <a:rPr lang="en-US" dirty="0" smtClean="0">
-                <a:latin typeface="Consolas" panose="020B0609020204030204" pitchFamily="49" charset="0"/>
-                <a:cs typeface="Consolas" panose="020B0609020204030204" pitchFamily="49" charset="0"/>
-              </a:rPr>
-              <a:t>+---</a:t>
-            </a:r>
-            <a:r>
-              <a:rPr lang="en-US" dirty="0">
-                <a:latin typeface="Consolas" panose="020B0609020204030204" pitchFamily="49" charset="0"/>
-                <a:cs typeface="Consolas" panose="020B0609020204030204" pitchFamily="49" charset="0"/>
-              </a:rPr>
-              <a:t>Microsoft.VC120.MFCLOC</a:t>
-            </a:r>
-          </a:p>
-          <a:p>
-            <a:pPr marL="0" indent="0">
-              <a:buNone/>
-            </a:pPr>
-            <a:r>
-              <a:rPr lang="en-US" dirty="0">
-                <a:latin typeface="Consolas" panose="020B0609020204030204" pitchFamily="49" charset="0"/>
-                <a:cs typeface="Consolas" panose="020B0609020204030204" pitchFamily="49" charset="0"/>
-              </a:rPr>
-              <a:t>|       </a:t>
-            </a:r>
-            <a:r>
-              <a:rPr lang="en-US" dirty="0" smtClean="0">
-                <a:latin typeface="Consolas" panose="020B0609020204030204" pitchFamily="49" charset="0"/>
-                <a:cs typeface="Consolas" panose="020B0609020204030204" pitchFamily="49" charset="0"/>
-              </a:rPr>
-              <a:t>//</a:t>
-            </a:r>
-            <a:r>
-              <a:rPr lang="en-US" dirty="0" err="1" smtClean="0">
-                <a:latin typeface="Consolas" panose="020B0609020204030204" pitchFamily="49" charset="0"/>
-                <a:cs typeface="Consolas" panose="020B0609020204030204" pitchFamily="49" charset="0"/>
-              </a:rPr>
-              <a:t>mfc</a:t>
-            </a:r>
-            <a:r>
-              <a:rPr lang="en-US" dirty="0" smtClean="0">
-                <a:latin typeface="Consolas" panose="020B0609020204030204" pitchFamily="49" charset="0"/>
-                <a:cs typeface="Consolas" panose="020B0609020204030204" pitchFamily="49" charset="0"/>
-              </a:rPr>
-              <a:t> localized stuff</a:t>
-            </a:r>
-            <a:endParaRPr lang="en-US" dirty="0">
+            <a:pPr marL="457200" lvl="1" indent="0">
+              <a:buNone/>
+            </a:pPr>
+            <a:endParaRPr lang="en-US" sz="1800" dirty="0">
               <a:latin typeface="Consolas" panose="020B0609020204030204" pitchFamily="49" charset="0"/>
               <a:cs typeface="Consolas" panose="020B0609020204030204" pitchFamily="49" charset="0"/>
             </a:endParaRPr>
           </a:p>
           <a:p>
-            <a:pPr marL="0" indent="0">
-              <a:buNone/>
-            </a:pPr>
-            <a:r>
-              <a:rPr lang="en-US" dirty="0" smtClean="0">
-                <a:latin typeface="Consolas" panose="020B0609020204030204" pitchFamily="49" charset="0"/>
-                <a:cs typeface="Consolas" panose="020B0609020204030204" pitchFamily="49" charset="0"/>
-              </a:rPr>
-              <a:t>\---</a:t>
-            </a:r>
-            <a:r>
-              <a:rPr lang="en-US" dirty="0">
-                <a:latin typeface="Consolas" panose="020B0609020204030204" pitchFamily="49" charset="0"/>
-                <a:cs typeface="Consolas" panose="020B0609020204030204" pitchFamily="49" charset="0"/>
-              </a:rPr>
-              <a:t>Microsoft.VC120.OpenMP</a:t>
-            </a:r>
-          </a:p>
-          <a:p>
-            <a:pPr marL="0" indent="0">
-              <a:buNone/>
-            </a:pPr>
-            <a:r>
-              <a:rPr lang="en-US" dirty="0">
-                <a:latin typeface="Consolas" panose="020B0609020204030204" pitchFamily="49" charset="0"/>
-                <a:cs typeface="Consolas" panose="020B0609020204030204" pitchFamily="49" charset="0"/>
-              </a:rPr>
-              <a:t>        vcomp120.dll</a:t>
-            </a:r>
-          </a:p>
-          <a:p>
-            <a:pPr marL="0" indent="0">
-              <a:buNone/>
-            </a:pPr>
-            <a:endParaRPr lang="en-US" dirty="0"/>
+            <a:pPr marL="457200" lvl="1" indent="0">
+              <a:buNone/>
+            </a:pPr>
+            <a:r>
+              <a:rPr lang="en-US" sz="1800" dirty="0">
+                <a:latin typeface="Consolas" panose="020B0609020204030204" pitchFamily="49" charset="0"/>
+                <a:cs typeface="Consolas" panose="020B0609020204030204" pitchFamily="49" charset="0"/>
+              </a:rPr>
+              <a:t>Microsoft (R) 32-bit C/C++ Optimizing Compiler Version </a:t>
+            </a:r>
+            <a:r>
+              <a:rPr lang="en-US" sz="1800" b="1" dirty="0">
+                <a:latin typeface="Consolas" panose="020B0609020204030204" pitchFamily="49" charset="0"/>
+                <a:cs typeface="Consolas" panose="020B0609020204030204" pitchFamily="49" charset="0"/>
+              </a:rPr>
+              <a:t>15.00.30729.207</a:t>
+            </a:r>
+            <a:r>
+              <a:rPr lang="en-US" sz="1800" dirty="0">
+                <a:latin typeface="Consolas" panose="020B0609020204030204" pitchFamily="49" charset="0"/>
+                <a:cs typeface="Consolas" panose="020B0609020204030204" pitchFamily="49" charset="0"/>
+              </a:rPr>
+              <a:t> for </a:t>
+            </a:r>
+            <a:r>
+              <a:rPr lang="en-US" sz="1800" dirty="0" smtClean="0">
+                <a:latin typeface="Consolas" panose="020B0609020204030204" pitchFamily="49" charset="0"/>
+                <a:cs typeface="Consolas" panose="020B0609020204030204" pitchFamily="49" charset="0"/>
+              </a:rPr>
+              <a:t>80x86</a:t>
+            </a:r>
+          </a:p>
+          <a:p>
+            <a:pPr marL="457200" lvl="1" indent="0">
+              <a:buNone/>
+            </a:pPr>
+            <a:endParaRPr lang="en-US" sz="1800" dirty="0">
+              <a:latin typeface="Consolas" panose="020B0609020204030204" pitchFamily="49" charset="0"/>
+              <a:cs typeface="Consolas" panose="020B0609020204030204" pitchFamily="49" charset="0"/>
+            </a:endParaRPr>
+          </a:p>
+          <a:p>
+            <a:pPr marL="457200" lvl="1" indent="0">
+              <a:buNone/>
+            </a:pPr>
+            <a:r>
+              <a:rPr lang="en-US" sz="1800" dirty="0">
+                <a:latin typeface="Consolas" panose="020B0609020204030204" pitchFamily="49" charset="0"/>
+                <a:cs typeface="Consolas" panose="020B0609020204030204" pitchFamily="49" charset="0"/>
+              </a:rPr>
+              <a:t>Copyright (C) Microsoft Corporation.  All rights reserved.</a:t>
+            </a:r>
+          </a:p>
+          <a:p>
+            <a:pPr marL="457200" lvl="1" indent="0">
+              <a:buNone/>
+            </a:pPr>
+            <a:r>
+              <a:rPr lang="en-US" sz="1800" dirty="0">
+                <a:latin typeface="Consolas" panose="020B0609020204030204" pitchFamily="49" charset="0"/>
+                <a:cs typeface="Consolas" panose="020B0609020204030204" pitchFamily="49" charset="0"/>
+              </a:rPr>
+              <a:t>usage: cl [ option... ] filename... [ /link </a:t>
+            </a:r>
+            <a:r>
+              <a:rPr lang="en-US" sz="1800" dirty="0" err="1">
+                <a:latin typeface="Consolas" panose="020B0609020204030204" pitchFamily="49" charset="0"/>
+                <a:cs typeface="Consolas" panose="020B0609020204030204" pitchFamily="49" charset="0"/>
+              </a:rPr>
+              <a:t>linkoption</a:t>
+            </a:r>
+            <a:r>
+              <a:rPr lang="en-US" sz="1800" dirty="0">
+                <a:latin typeface="Consolas" panose="020B0609020204030204" pitchFamily="49" charset="0"/>
+                <a:cs typeface="Consolas" panose="020B0609020204030204" pitchFamily="49" charset="0"/>
+              </a:rPr>
+              <a:t>... ]</a:t>
+            </a:r>
+          </a:p>
+          <a:p>
+            <a:pPr lvl="1"/>
+            <a:endParaRPr lang="en-US" sz="1800" dirty="0">
+              <a:latin typeface="Consolas" panose="020B0609020204030204" pitchFamily="49" charset="0"/>
+              <a:cs typeface="Consolas" panose="020B0609020204030204" pitchFamily="49" charset="0"/>
+            </a:endParaRPr>
           </a:p>
         </p:txBody>
       </p:sp>
     </p:spTree>
     <p:extLst>
       <p:ext uri="{BB962C8B-B14F-4D97-AF65-F5344CB8AC3E}">
-        <p14:creationId xmlns:p14="http://schemas.microsoft.com/office/powerpoint/2010/main" val="2368571093"/>
+        <p14:creationId xmlns:p14="http://schemas.microsoft.com/office/powerpoint/2010/main" val="2118868596"/>
       </p:ext>
     </p:extLst>
   </p:cSld>
@@ -3688,7 +3570,7 @@
           <a:lstStyle/>
           <a:p>
             <a:r>
-              <a:rPr lang="en-US" dirty="0" smtClean="0"/>
+              <a:rPr lang="en-US" smtClean="0"/>
               <a:t>Which C++ compiler?</a:t>
             </a:r>
             <a:endParaRPr lang="en-US" dirty="0"/>
@@ -3708,53 +3590,66 @@
         <p:spPr/>
         <p:txBody>
           <a:bodyPr>
-            <a:normAutofit/>
+            <a:normAutofit lnSpcReduction="10000"/>
           </a:bodyPr>
           <a:lstStyle/>
           <a:p>
-            <a:pPr marL="457200" lvl="1" indent="0">
-              <a:buNone/>
-            </a:pPr>
-            <a:endParaRPr lang="en-US" sz="1800" dirty="0" smtClean="0">
-              <a:latin typeface="Consolas" panose="020B0609020204030204" pitchFamily="49" charset="0"/>
+            <a:pPr marL="0" indent="0">
+              <a:buNone/>
+            </a:pPr>
+            <a:r>
+              <a:rPr lang="en-US" sz="2600" dirty="0" smtClean="0">
+                <a:cs typeface="Consolas" panose="020B0609020204030204" pitchFamily="49" charset="0"/>
+              </a:rPr>
+              <a:t>Set </a:t>
+            </a:r>
+            <a:r>
+              <a:rPr lang="en-US" sz="2600" dirty="0">
+                <a:cs typeface="Consolas" panose="020B0609020204030204" pitchFamily="49" charset="0"/>
+              </a:rPr>
+              <a:t>the environment; run </a:t>
+            </a:r>
+            <a:r>
+              <a:rPr lang="en-US" sz="2600" dirty="0" smtClean="0">
+                <a:cs typeface="Consolas" panose="020B0609020204030204" pitchFamily="49" charset="0"/>
+              </a:rPr>
+              <a:t>CL.EXE</a:t>
+            </a:r>
+          </a:p>
+          <a:p>
+            <a:r>
+              <a:rPr lang="en-US" sz="2600" dirty="0" smtClean="0">
+                <a:cs typeface="Consolas" panose="020B0609020204030204" pitchFamily="49" charset="0"/>
+              </a:rPr>
+              <a:t>Visual Studio help/about: fail</a:t>
+            </a:r>
+          </a:p>
+          <a:p>
+            <a:r>
+              <a:rPr lang="en-US" sz="2600" dirty="0" smtClean="0">
+                <a:cs typeface="Consolas" panose="020B0609020204030204" pitchFamily="49" charset="0"/>
+              </a:rPr>
+              <a:t>Look for “C++” </a:t>
+            </a:r>
+            <a:r>
+              <a:rPr lang="en-US" sz="2600" dirty="0" smtClean="0">
+                <a:cs typeface="Consolas" panose="020B0609020204030204" pitchFamily="49" charset="0"/>
+                <a:hlinkClick r:id="rId2"/>
+              </a:rPr>
+              <a:t>here</a:t>
+            </a:r>
+            <a:r>
+              <a:rPr lang="en-US" sz="2600" dirty="0" smtClean="0">
+                <a:cs typeface="Consolas" panose="020B0609020204030204" pitchFamily="49" charset="0"/>
+              </a:rPr>
+              <a:t> for all MS C++ compiler versions</a:t>
+            </a:r>
+            <a:endParaRPr lang="en-US" sz="2600" dirty="0">
               <a:cs typeface="Consolas" panose="020B0609020204030204" pitchFamily="49" charset="0"/>
             </a:endParaRPr>
           </a:p>
           <a:p>
-            <a:pPr marL="457200" lvl="1" indent="0">
-              <a:buNone/>
-            </a:pPr>
-            <a:r>
-              <a:rPr lang="en-US" sz="1800" dirty="0" smtClean="0">
-                <a:latin typeface="Consolas" panose="020B0609020204030204" pitchFamily="49" charset="0"/>
-                <a:cs typeface="Consolas" panose="020B0609020204030204" pitchFamily="49" charset="0"/>
-              </a:rPr>
-              <a:t>c</a:t>
-            </a:r>
-            <a:r>
-              <a:rPr lang="en-US" sz="1800" dirty="0">
-                <a:latin typeface="Consolas" panose="020B0609020204030204" pitchFamily="49" charset="0"/>
-                <a:cs typeface="Consolas" panose="020B0609020204030204" pitchFamily="49" charset="0"/>
-              </a:rPr>
-              <a:t>:\apps\WinDDK\7600.16385.1</a:t>
-            </a:r>
-            <a:r>
-              <a:rPr lang="en-US" sz="1800" dirty="0" smtClean="0">
-                <a:latin typeface="Consolas" panose="020B0609020204030204" pitchFamily="49" charset="0"/>
-                <a:cs typeface="Consolas" panose="020B0609020204030204" pitchFamily="49" charset="0"/>
-              </a:rPr>
-              <a:t>&gt; bin\setenv.bat </a:t>
-            </a:r>
-            <a:r>
-              <a:rPr lang="en-US" sz="1800" dirty="0">
-                <a:latin typeface="Consolas" panose="020B0609020204030204" pitchFamily="49" charset="0"/>
-                <a:cs typeface="Consolas" panose="020B0609020204030204" pitchFamily="49" charset="0"/>
-              </a:rPr>
-              <a:t>. WLH</a:t>
-            </a:r>
-          </a:p>
-          <a:p>
-            <a:pPr marL="457200" lvl="1" indent="0">
+            <a:pPr marL="0" indent="0">
               <a:buNone/>
             </a:pPr>
             <a:endParaRPr lang="en-US" sz="1800" dirty="0">
@@ -3763,22 +3658,50 @@
             </a:endParaRPr>
           </a:p>
           <a:p>
-            <a:pPr marL="457200" lvl="1" indent="0">
-              <a:buNone/>
-            </a:pPr>
+            <a:pPr marL="0" indent="0">
+              <a:buNone/>
+            </a:pPr>
+            <a:r>
+              <a:rPr lang="en-US" sz="1800" b="1" dirty="0" smtClean="0">
+                <a:latin typeface="Consolas" panose="020B0609020204030204" pitchFamily="49" charset="0"/>
+                <a:cs typeface="Consolas" panose="020B0609020204030204" pitchFamily="49" charset="0"/>
+              </a:rPr>
+              <a:t>vs2013</a:t>
+            </a:r>
+            <a:r>
+              <a:rPr lang="en-US" sz="1800" dirty="0" smtClean="0">
+                <a:latin typeface="Consolas" panose="020B0609020204030204" pitchFamily="49" charset="0"/>
+                <a:cs typeface="Consolas" panose="020B0609020204030204" pitchFamily="49" charset="0"/>
+              </a:rPr>
+              <a:t>env: Microsoft </a:t>
+            </a:r>
             <a:r>
               <a:rPr lang="en-US" sz="1800" dirty="0">
                 <a:latin typeface="Consolas" panose="020B0609020204030204" pitchFamily="49" charset="0"/>
                 <a:cs typeface="Consolas" panose="020B0609020204030204" pitchFamily="49" charset="0"/>
               </a:rPr>
-              <a:t>c:\apps\WinDDK\7600.16385.1</a:t>
-            </a:r>
-            <a:r>
-              <a:rPr lang="en-US" sz="1800" smtClean="0">
-                <a:latin typeface="Consolas" panose="020B0609020204030204" pitchFamily="49" charset="0"/>
-                <a:cs typeface="Consolas" panose="020B0609020204030204" pitchFamily="49" charset="0"/>
-              </a:rPr>
-              <a:t>&gt; cl.exe</a:t>
+              <a:t>(R) C/C++ Optimizing Compiler Version </a:t>
+            </a:r>
+            <a:r>
+              <a:rPr lang="en-US" sz="1800" b="1" dirty="0">
+                <a:latin typeface="Consolas" panose="020B0609020204030204" pitchFamily="49" charset="0"/>
+                <a:cs typeface="Consolas" panose="020B0609020204030204" pitchFamily="49" charset="0"/>
+              </a:rPr>
+              <a:t>18.00.31010</a:t>
+            </a:r>
+            <a:r>
+              <a:rPr lang="en-US" sz="1800" dirty="0">
+                <a:latin typeface="Consolas" panose="020B0609020204030204" pitchFamily="49" charset="0"/>
+                <a:cs typeface="Consolas" panose="020B0609020204030204" pitchFamily="49" charset="0"/>
+              </a:rPr>
+              <a:t> for </a:t>
+            </a:r>
+            <a:r>
+              <a:rPr lang="en-US" sz="1800" dirty="0" smtClean="0">
+                <a:latin typeface="Consolas" panose="020B0609020204030204" pitchFamily="49" charset="0"/>
+                <a:cs typeface="Consolas" panose="020B0609020204030204" pitchFamily="49" charset="0"/>
+              </a:rPr>
+              <a:t>x86</a:t>
             </a:r>
             <a:endParaRPr lang="en-US" sz="1800" dirty="0">
               <a:latin typeface="Consolas" panose="020B0609020204030204" pitchFamily="49" charset="0"/>
@@ -3786,31 +3709,94 @@
             </a:endParaRPr>
           </a:p>
           <a:p>
-            <a:pPr marL="457200" lvl="1" indent="0">
-              <a:buNone/>
-            </a:pPr>
+            <a:pPr marL="0" indent="0">
+              <a:buNone/>
+            </a:pPr>
+            <a:r>
+              <a:rPr lang="en-US" sz="1800" b="1" dirty="0" smtClean="0">
+                <a:latin typeface="Consolas" panose="020B0609020204030204" pitchFamily="49" charset="0"/>
+                <a:cs typeface="Consolas" panose="020B0609020204030204" pitchFamily="49" charset="0"/>
+              </a:rPr>
+              <a:t>vs2012</a:t>
+            </a:r>
+            <a:r>
+              <a:rPr lang="en-US" sz="1800" dirty="0" smtClean="0">
+                <a:latin typeface="Consolas" panose="020B0609020204030204" pitchFamily="49" charset="0"/>
+                <a:cs typeface="Consolas" panose="020B0609020204030204" pitchFamily="49" charset="0"/>
+              </a:rPr>
+              <a:t>env: Microsoft </a:t>
+            </a:r>
+            <a:r>
+              <a:rPr lang="en-US" sz="1800" dirty="0">
+                <a:latin typeface="Consolas" panose="020B0609020204030204" pitchFamily="49" charset="0"/>
+                <a:cs typeface="Consolas" panose="020B0609020204030204" pitchFamily="49" charset="0"/>
+              </a:rPr>
+              <a:t>(R) C/C++ Optimizing Compiler Version </a:t>
+            </a:r>
+            <a:r>
+              <a:rPr lang="en-US" sz="1800" b="1" dirty="0">
+                <a:latin typeface="Consolas" panose="020B0609020204030204" pitchFamily="49" charset="0"/>
+                <a:cs typeface="Consolas" panose="020B0609020204030204" pitchFamily="49" charset="0"/>
+              </a:rPr>
+              <a:t>17.00.61030</a:t>
+            </a:r>
+            <a:r>
+              <a:rPr lang="en-US" sz="1800" dirty="0">
+                <a:latin typeface="Consolas" panose="020B0609020204030204" pitchFamily="49" charset="0"/>
+                <a:cs typeface="Consolas" panose="020B0609020204030204" pitchFamily="49" charset="0"/>
+              </a:rPr>
+              <a:t> for </a:t>
+            </a:r>
+            <a:r>
+              <a:rPr lang="en-US" sz="1800" dirty="0" smtClean="0">
+                <a:latin typeface="Consolas" panose="020B0609020204030204" pitchFamily="49" charset="0"/>
+                <a:cs typeface="Consolas" panose="020B0609020204030204" pitchFamily="49" charset="0"/>
+              </a:rPr>
+              <a:t>x86</a:t>
+            </a:r>
             <a:endParaRPr lang="en-US" sz="1800" dirty="0">
               <a:latin typeface="Consolas" panose="020B0609020204030204" pitchFamily="49" charset="0"/>
               <a:cs typeface="Consolas" panose="020B0609020204030204" pitchFamily="49" charset="0"/>
             </a:endParaRPr>
           </a:p>
           <a:p>
-            <a:pPr marL="457200" lvl="1" indent="0">
-              <a:buNone/>
-            </a:pPr>
+            <a:pPr marL="0" indent="0">
+              <a:buNone/>
+            </a:pPr>
+            <a:r>
+              <a:rPr lang="en-US" sz="1800" dirty="0" smtClean="0">
+                <a:latin typeface="Consolas" panose="020B0609020204030204" pitchFamily="49" charset="0"/>
+                <a:cs typeface="Consolas" panose="020B0609020204030204" pitchFamily="49" charset="0"/>
+              </a:rPr>
+              <a:t>vs</a:t>
+            </a:r>
+            <a:r>
+              <a:rPr lang="en-US" sz="1800" b="1" dirty="0" smtClean="0">
+                <a:latin typeface="Consolas" panose="020B0609020204030204" pitchFamily="49" charset="0"/>
+                <a:cs typeface="Consolas" panose="020B0609020204030204" pitchFamily="49" charset="0"/>
+              </a:rPr>
+              <a:t>2010</a:t>
+            </a:r>
+            <a:r>
+              <a:rPr lang="en-US" sz="1800" dirty="0" smtClean="0">
+                <a:latin typeface="Consolas" panose="020B0609020204030204" pitchFamily="49" charset="0"/>
+                <a:cs typeface="Consolas" panose="020B0609020204030204" pitchFamily="49" charset="0"/>
+              </a:rPr>
+              <a:t>env: Microsoft </a:t>
+            </a:r>
             <a:r>
               <a:rPr lang="en-US" sz="1800" dirty="0">
                 <a:latin typeface="Consolas" panose="020B0609020204030204" pitchFamily="49" charset="0"/>
                 <a:cs typeface="Consolas" panose="020B0609020204030204" pitchFamily="49" charset="0"/>
               </a:rPr>
-              <a:t>Microsoft (R) 32-bit C/C++ Optimizing Compiler Version </a:t>
+              <a:t>(R) 32-bit C/C++ Optimizing Compiler Version </a:t>
             </a:r>
             <a:r>
               <a:rPr lang="en-US" sz="1800" b="1" dirty="0">
                 <a:latin typeface="Consolas" panose="020B0609020204030204" pitchFamily="49" charset="0"/>
                 <a:cs typeface="Consolas" panose="020B0609020204030204" pitchFamily="49" charset="0"/>
               </a:rPr>
-              <a:t>15.00.30729.207</a:t>
+              <a:t>16.00.40219.01</a:t>
             </a:r>
             <a:r>
               <a:rPr lang="en-US" sz="1800" dirty="0">
@@ -3826,56 +3812,109 @@
               </a:rPr>
               <a:t>80x86</a:t>
             </a:r>
-          </a:p>
-          <a:p>
-            <a:pPr marL="457200" lvl="1" indent="0">
-              <a:buNone/>
-            </a:pPr>
             <a:endParaRPr lang="en-US" sz="1800" dirty="0">
               <a:latin typeface="Consolas" panose="020B0609020204030204" pitchFamily="49" charset="0"/>
               <a:cs typeface="Consolas" panose="020B0609020204030204" pitchFamily="49" charset="0"/>
             </a:endParaRPr>
           </a:p>
           <a:p>
-            <a:pPr marL="457200" lvl="1" indent="0">
-              <a:buNone/>
-            </a:pPr>
+            <a:pPr marL="0" indent="0">
+              <a:buNone/>
+            </a:pPr>
+            <a:r>
+              <a:rPr lang="en-US" sz="1800" dirty="0" smtClean="0">
+                <a:latin typeface="Consolas" panose="020B0609020204030204" pitchFamily="49" charset="0"/>
+                <a:cs typeface="Consolas" panose="020B0609020204030204" pitchFamily="49" charset="0"/>
+              </a:rPr>
+              <a:t>vs</a:t>
+            </a:r>
+            <a:r>
+              <a:rPr lang="en-US" sz="1800" b="1" dirty="0" smtClean="0">
+                <a:latin typeface="Consolas" panose="020B0609020204030204" pitchFamily="49" charset="0"/>
+                <a:cs typeface="Consolas" panose="020B0609020204030204" pitchFamily="49" charset="0"/>
+              </a:rPr>
+              <a:t>2008</a:t>
+            </a:r>
+            <a:r>
+              <a:rPr lang="en-US" sz="1800" dirty="0" smtClean="0">
+                <a:latin typeface="Consolas" panose="020B0609020204030204" pitchFamily="49" charset="0"/>
+                <a:cs typeface="Consolas" panose="020B0609020204030204" pitchFamily="49" charset="0"/>
+              </a:rPr>
+              <a:t>env: Microsoft </a:t>
+            </a:r>
             <a:r>
               <a:rPr lang="en-US" sz="1800" dirty="0">
                 <a:latin typeface="Consolas" panose="020B0609020204030204" pitchFamily="49" charset="0"/>
                 <a:cs typeface="Consolas" panose="020B0609020204030204" pitchFamily="49" charset="0"/>
               </a:rPr>
-              <a:t>Copyright (C) Microsoft Corporation.  All rights reserved.</a:t>
-            </a:r>
-          </a:p>
-          <a:p>
-            <a:pPr marL="457200" lvl="1" indent="0">
-              <a:buNone/>
-            </a:pPr>
+              <a:t>(R) 32-bit C/C++ Optimizing Compiler </a:t>
+            </a:r>
+            <a:r>
+              <a:rPr lang="en-US" sz="1800" dirty="0" smtClean="0">
+                <a:latin typeface="Consolas" panose="020B0609020204030204" pitchFamily="49" charset="0"/>
+                <a:cs typeface="Consolas" panose="020B0609020204030204" pitchFamily="49" charset="0"/>
+              </a:rPr>
+              <a:t>Version </a:t>
+            </a:r>
+            <a:r>
+              <a:rPr lang="en-US" sz="1800" b="1" dirty="0" smtClean="0">
+                <a:latin typeface="Consolas" panose="020B0609020204030204" pitchFamily="49" charset="0"/>
+                <a:cs typeface="Consolas" panose="020B0609020204030204" pitchFamily="49" charset="0"/>
+              </a:rPr>
+              <a:t>15.00.30729.01</a:t>
+            </a:r>
+            <a:r>
+              <a:rPr lang="en-US" sz="1800" dirty="0" smtClean="0">
+                <a:latin typeface="Consolas" panose="020B0609020204030204" pitchFamily="49" charset="0"/>
+                <a:cs typeface="Consolas" panose="020B0609020204030204" pitchFamily="49" charset="0"/>
+              </a:rPr>
+              <a:t> </a:t>
+            </a:r>
             <a:r>
               <a:rPr lang="en-US" sz="1800" dirty="0">
                 <a:latin typeface="Consolas" panose="020B0609020204030204" pitchFamily="49" charset="0"/>
                 <a:cs typeface="Consolas" panose="020B0609020204030204" pitchFamily="49" charset="0"/>
               </a:rPr>
-              <a:t>usage: cl [ option... ] filename... [ /link </a:t>
-            </a:r>
-            <a:r>
-              <a:rPr lang="en-US" sz="1800" dirty="0" err="1">
-                <a:latin typeface="Consolas" panose="020B0609020204030204" pitchFamily="49" charset="0"/>
-                <a:cs typeface="Consolas" panose="020B0609020204030204" pitchFamily="49" charset="0"/>
-              </a:rPr>
-              <a:t>linkoption</a:t>
-            </a:r>
+              <a:t>for </a:t>
+            </a:r>
+            <a:r>
+              <a:rPr lang="en-US" sz="1800" dirty="0" smtClean="0">
+                <a:latin typeface="Consolas" panose="020B0609020204030204" pitchFamily="49" charset="0"/>
+                <a:cs typeface="Consolas" panose="020B0609020204030204" pitchFamily="49" charset="0"/>
+              </a:rPr>
+              <a:t>80x86</a:t>
+            </a:r>
+          </a:p>
+          <a:p>
+            <a:pPr marL="0" indent="0">
+              <a:buNone/>
+            </a:pPr>
             <a:r>
               <a:rPr lang="en-US" sz="1800" dirty="0">
                 <a:latin typeface="Consolas" panose="020B0609020204030204" pitchFamily="49" charset="0"/>
                 <a:cs typeface="Consolas" panose="020B0609020204030204" pitchFamily="49" charset="0"/>
               </a:rPr>
-              <a:t>... ]</a:t>
-            </a:r>
-          </a:p>
-          <a:p>
-            <a:pPr lvl="1"/>
+              <a:t>vs</a:t>
+            </a:r>
+            <a:r>
+              <a:rPr lang="en-US" sz="1800" b="1" dirty="0">
+                <a:latin typeface="Consolas" panose="020B0609020204030204" pitchFamily="49" charset="0"/>
+                <a:cs typeface="Consolas" panose="020B0609020204030204" pitchFamily="49" charset="0"/>
+              </a:rPr>
+              <a:t>2014</a:t>
+            </a:r>
+            <a:r>
+              <a:rPr lang="en-US" sz="1800" dirty="0">
+                <a:latin typeface="Consolas" panose="020B0609020204030204" pitchFamily="49" charset="0"/>
+                <a:cs typeface="Consolas" panose="020B0609020204030204" pitchFamily="49" charset="0"/>
+              </a:rPr>
+              <a:t>env: Microsoft (R) C/C++ Optimizing Compiler Version 19.00.22129.1 for x86</a:t>
+            </a:r>
+          </a:p>
+          <a:p>
+            <a:pPr marL="0" indent="0">
+              <a:buNone/>
+            </a:pPr>
             <a:endParaRPr lang="en-US" sz="1800" dirty="0">
               <a:latin typeface="Consolas" panose="020B0609020204030204" pitchFamily="49" charset="0"/>
               <a:cs typeface="Consolas" panose="020B0609020204030204" pitchFamily="49" charset="0"/>
@@ -3886,7 +3925,7 @@
     </p:spTree>
     <p:extLst>
       <p:ext uri="{BB962C8B-B14F-4D97-AF65-F5344CB8AC3E}">
-        <p14:creationId xmlns:p14="http://schemas.microsoft.com/office/powerpoint/2010/main" val="2118868596"/>
+        <p14:creationId xmlns:p14="http://schemas.microsoft.com/office/powerpoint/2010/main" val="82139143"/>
       </p:ext>
     </p:extLst>
   </p:cSld>
@@ -3937,7 +3976,11 @@
           <a:p>
             <a:r>
               <a:rPr lang="en-US" smtClean="0"/>
-              <a:t>Which C++ compiler?</a:t>
+              <a:t>MS C/C</a:t>
+            </a:r>
+            <a:r>
+              <a:rPr lang="en-US" dirty="0" smtClean="0"/>
+              <a:t>++ runtime dependencies</a:t>
             </a:r>
             <a:endParaRPr lang="en-US" dirty="0"/>
           </a:p>
@@ -3956,7 +3999,7 @@
         <p:spPr/>
         <p:txBody>
           <a:bodyPr>
-            <a:normAutofit lnSpcReduction="10000"/>
+            <a:normAutofit fontScale="62500" lnSpcReduction="20000"/>
           </a:bodyPr>
           <a:lstStyle/>
           <a:p>
@@ -3964,67 +4007,75 @@
               <a:buNone/>
             </a:pPr>
             <a:r>
-              <a:rPr lang="en-US" sz="2600" dirty="0" smtClean="0">
-                <a:cs typeface="Consolas" panose="020B0609020204030204" pitchFamily="49" charset="0"/>
-              </a:rPr>
-              <a:t>Set </a:t>
-            </a:r>
-            <a:r>
-              <a:rPr lang="en-US" sz="2600" dirty="0">
-                <a:cs typeface="Consolas" panose="020B0609020204030204" pitchFamily="49" charset="0"/>
-              </a:rPr>
-              <a:t>the environment; run </a:t>
-            </a:r>
-            <a:r>
-              <a:rPr lang="en-US" sz="2600" dirty="0" smtClean="0">
-                <a:cs typeface="Consolas" panose="020B0609020204030204" pitchFamily="49" charset="0"/>
-              </a:rPr>
-              <a:t>CL.EXE</a:t>
-            </a:r>
-          </a:p>
-          <a:p>
-            <a:r>
-              <a:rPr lang="en-US" sz="2600" dirty="0" smtClean="0">
-                <a:cs typeface="Consolas" panose="020B0609020204030204" pitchFamily="49" charset="0"/>
-              </a:rPr>
-              <a:t>Visual Studio help/about: fail</a:t>
-            </a:r>
-          </a:p>
-          <a:p>
-            <a:r>
-              <a:rPr lang="en-US" sz="2600" dirty="0" smtClean="0">
-                <a:cs typeface="Consolas" panose="020B0609020204030204" pitchFamily="49" charset="0"/>
-              </a:rPr>
-              <a:t>Look for “C++” </a:t>
-            </a:r>
-            <a:r>
-              <a:rPr lang="en-US" sz="2600" dirty="0" smtClean="0">
-                <a:cs typeface="Consolas" panose="020B0609020204030204" pitchFamily="49" charset="0"/>
-                <a:hlinkClick r:id="rId2"/>
-              </a:rPr>
-              <a:t>here</a:t>
-            </a:r>
-            <a:r>
-              <a:rPr lang="en-US" sz="2600" dirty="0" smtClean="0">
-                <a:cs typeface="Consolas" panose="020B0609020204030204" pitchFamily="49" charset="0"/>
-              </a:rPr>
-              <a:t> for </a:t>
-            </a:r>
-            <a:r>
-              <a:rPr lang="en-US" sz="2600" dirty="0" smtClean="0">
-                <a:cs typeface="Consolas" panose="020B0609020204030204" pitchFamily="49" charset="0"/>
-              </a:rPr>
-              <a:t>all MS C++ compiler versions</a:t>
-            </a:r>
-            <a:endParaRPr lang="en-US" sz="2600" dirty="0">
-              <a:cs typeface="Consolas" panose="020B0609020204030204" pitchFamily="49" charset="0"/>
-            </a:endParaRPr>
+              <a:rPr lang="en-US" dirty="0">
+                <a:latin typeface="Consolas" panose="020B0609020204030204" pitchFamily="49" charset="0"/>
+                <a:cs typeface="Consolas" panose="020B0609020204030204" pitchFamily="49" charset="0"/>
+              </a:rPr>
+              <a:t>c:\apps\vs2013\VC\redist\x64</a:t>
+            </a:r>
+            <a:r>
+              <a:rPr lang="en-US" dirty="0" smtClean="0">
+                <a:latin typeface="Consolas" panose="020B0609020204030204" pitchFamily="49" charset="0"/>
+                <a:cs typeface="Consolas" panose="020B0609020204030204" pitchFamily="49" charset="0"/>
+              </a:rPr>
+              <a:t>&gt; tree </a:t>
+            </a:r>
+            <a:r>
+              <a:rPr lang="en-US" dirty="0">
+                <a:latin typeface="Consolas" panose="020B0609020204030204" pitchFamily="49" charset="0"/>
+                <a:cs typeface="Consolas" panose="020B0609020204030204" pitchFamily="49" charset="0"/>
+              </a:rPr>
+              <a:t>/f /a</a:t>
+            </a:r>
           </a:p>
           <a:p>
             <a:pPr marL="0" indent="0">
               <a:buNone/>
             </a:pPr>
-            <a:endParaRPr lang="en-US" sz="1800" dirty="0">
+            <a:r>
+              <a:rPr lang="en-US" dirty="0" smtClean="0">
+                <a:latin typeface="Consolas" panose="020B0609020204030204" pitchFamily="49" charset="0"/>
+                <a:cs typeface="Consolas" panose="020B0609020204030204" pitchFamily="49" charset="0"/>
+              </a:rPr>
+              <a:t>+---</a:t>
+            </a:r>
+            <a:r>
+              <a:rPr lang="en-US" dirty="0">
+                <a:latin typeface="Consolas" panose="020B0609020204030204" pitchFamily="49" charset="0"/>
+                <a:cs typeface="Consolas" panose="020B0609020204030204" pitchFamily="49" charset="0"/>
+              </a:rPr>
+              <a:t>Microsoft.VC120.CRT</a:t>
+            </a:r>
+          </a:p>
+          <a:p>
+            <a:pPr marL="0" indent="0">
+              <a:buNone/>
+            </a:pPr>
+            <a:r>
+              <a:rPr lang="en-US" dirty="0">
+                <a:latin typeface="Consolas" panose="020B0609020204030204" pitchFamily="49" charset="0"/>
+                <a:cs typeface="Consolas" panose="020B0609020204030204" pitchFamily="49" charset="0"/>
+              </a:rPr>
+              <a:t>|       </a:t>
+            </a:r>
+            <a:r>
+              <a:rPr lang="en-US" b="1" dirty="0" smtClean="0">
+                <a:solidFill>
+                  <a:srgbClr val="FF0000"/>
+                </a:solidFill>
+                <a:latin typeface="Consolas" panose="020B0609020204030204" pitchFamily="49" charset="0"/>
+                <a:cs typeface="Consolas" panose="020B0609020204030204" pitchFamily="49" charset="0"/>
+              </a:rPr>
+              <a:t>msvcp120.dll</a:t>
+            </a:r>
+            <a:r>
+              <a:rPr lang="en-US" dirty="0" smtClean="0">
+                <a:latin typeface="Consolas" panose="020B0609020204030204" pitchFamily="49" charset="0"/>
+                <a:cs typeface="Consolas" panose="020B0609020204030204" pitchFamily="49" charset="0"/>
+              </a:rPr>
+              <a:t>	// C++ runtime</a:t>
+            </a:r>
+            <a:endParaRPr lang="en-US" dirty="0">
               <a:latin typeface="Consolas" panose="020B0609020204030204" pitchFamily="49" charset="0"/>
               <a:cs typeface="Consolas" panose="020B0609020204030204" pitchFamily="49" charset="0"/>
             </a:endParaRPr>
@@ -4034,48 +4085,30 @@
               <a:buNone/>
             </a:pPr>
             <a:r>
-              <a:rPr lang="en-US" sz="1800" b="1" dirty="0" smtClean="0">
-                <a:latin typeface="Consolas" panose="020B0609020204030204" pitchFamily="49" charset="0"/>
-                <a:cs typeface="Consolas" panose="020B0609020204030204" pitchFamily="49" charset="0"/>
-              </a:rPr>
-              <a:t>vs2013</a:t>
-            </a:r>
-            <a:r>
-              <a:rPr lang="en-US" sz="1800" dirty="0" smtClean="0">
-                <a:latin typeface="Consolas" panose="020B0609020204030204" pitchFamily="49" charset="0"/>
-                <a:cs typeface="Consolas" panose="020B0609020204030204" pitchFamily="49" charset="0"/>
-              </a:rPr>
-              <a:t>env: Microsoft </a:t>
-            </a:r>
-            <a:r>
-              <a:rPr lang="en-US" sz="1800" dirty="0">
-                <a:latin typeface="Consolas" panose="020B0609020204030204" pitchFamily="49" charset="0"/>
-                <a:cs typeface="Consolas" panose="020B0609020204030204" pitchFamily="49" charset="0"/>
-              </a:rPr>
-              <a:t>(R) C/C++ Optimizing Compiler Version </a:t>
-            </a:r>
-            <a:r>
-              <a:rPr lang="en-US" sz="1800" b="1" dirty="0">
-                <a:latin typeface="Consolas" panose="020B0609020204030204" pitchFamily="49" charset="0"/>
-                <a:cs typeface="Consolas" panose="020B0609020204030204" pitchFamily="49" charset="0"/>
-              </a:rPr>
-              <a:t>18.00.31010</a:t>
-            </a:r>
-            <a:r>
-              <a:rPr lang="en-US" sz="1800" dirty="0">
-                <a:latin typeface="Consolas" panose="020B0609020204030204" pitchFamily="49" charset="0"/>
-                <a:cs typeface="Consolas" panose="020B0609020204030204" pitchFamily="49" charset="0"/>
-              </a:rPr>
-              <a:t> for </a:t>
-            </a:r>
-            <a:r>
-              <a:rPr lang="en-US" sz="1800" dirty="0" smtClean="0">
-                <a:latin typeface="Consolas" panose="020B0609020204030204" pitchFamily="49" charset="0"/>
-                <a:cs typeface="Consolas" panose="020B0609020204030204" pitchFamily="49" charset="0"/>
-              </a:rPr>
-              <a:t>x86</a:t>
-            </a:r>
-            <a:endParaRPr lang="en-US" sz="1800" dirty="0">
+              <a:rPr lang="en-US" dirty="0">
+                <a:latin typeface="Consolas" panose="020B0609020204030204" pitchFamily="49" charset="0"/>
+                <a:cs typeface="Consolas" panose="020B0609020204030204" pitchFamily="49" charset="0"/>
+              </a:rPr>
+              <a:t>|       </a:t>
+            </a:r>
+            <a:r>
+              <a:rPr lang="en-US" b="1" dirty="0" smtClean="0">
+                <a:solidFill>
+                  <a:srgbClr val="FF0000"/>
+                </a:solidFill>
+                <a:latin typeface="Consolas" panose="020B0609020204030204" pitchFamily="49" charset="0"/>
+                <a:cs typeface="Consolas" panose="020B0609020204030204" pitchFamily="49" charset="0"/>
+              </a:rPr>
+              <a:t>msvcr120.dll</a:t>
+            </a:r>
+            <a:r>
+              <a:rPr lang="en-US" dirty="0" smtClean="0">
+                <a:latin typeface="Consolas" panose="020B0609020204030204" pitchFamily="49" charset="0"/>
+                <a:cs typeface="Consolas" panose="020B0609020204030204" pitchFamily="49" charset="0"/>
+              </a:rPr>
+              <a:t>	// C runtime</a:t>
+            </a:r>
+            <a:endParaRPr lang="en-US" dirty="0">
               <a:latin typeface="Consolas" panose="020B0609020204030204" pitchFamily="49" charset="0"/>
               <a:cs typeface="Consolas" panose="020B0609020204030204" pitchFamily="49" charset="0"/>
             </a:endParaRPr>
@@ -4085,48 +4118,20 @@
               <a:buNone/>
             </a:pPr>
             <a:r>
-              <a:rPr lang="en-US" sz="1800" b="1" dirty="0" smtClean="0">
-                <a:latin typeface="Consolas" panose="020B0609020204030204" pitchFamily="49" charset="0"/>
-                <a:cs typeface="Consolas" panose="020B0609020204030204" pitchFamily="49" charset="0"/>
-              </a:rPr>
-              <a:t>vs2012</a:t>
-            </a:r>
-            <a:r>
-              <a:rPr lang="en-US" sz="1800" dirty="0" smtClean="0">
-                <a:latin typeface="Consolas" panose="020B0609020204030204" pitchFamily="49" charset="0"/>
-                <a:cs typeface="Consolas" panose="020B0609020204030204" pitchFamily="49" charset="0"/>
-              </a:rPr>
-              <a:t>env: Microsoft </a:t>
-            </a:r>
-            <a:r>
-              <a:rPr lang="en-US" sz="1800" dirty="0">
-                <a:latin typeface="Consolas" panose="020B0609020204030204" pitchFamily="49" charset="0"/>
-                <a:cs typeface="Consolas" panose="020B0609020204030204" pitchFamily="49" charset="0"/>
-              </a:rPr>
-              <a:t>(R) C/C++ Optimizing Compiler Version </a:t>
-            </a:r>
-            <a:r>
-              <a:rPr lang="en-US" sz="1800" b="1" dirty="0">
-                <a:latin typeface="Consolas" panose="020B0609020204030204" pitchFamily="49" charset="0"/>
-                <a:cs typeface="Consolas" panose="020B0609020204030204" pitchFamily="49" charset="0"/>
-              </a:rPr>
-              <a:t>17.00.61030</a:t>
-            </a:r>
-            <a:r>
-              <a:rPr lang="en-US" sz="1800" dirty="0">
-                <a:latin typeface="Consolas" panose="020B0609020204030204" pitchFamily="49" charset="0"/>
-                <a:cs typeface="Consolas" panose="020B0609020204030204" pitchFamily="49" charset="0"/>
-              </a:rPr>
-              <a:t> for </a:t>
-            </a:r>
-            <a:r>
-              <a:rPr lang="en-US" sz="1800" dirty="0" smtClean="0">
-                <a:latin typeface="Consolas" panose="020B0609020204030204" pitchFamily="49" charset="0"/>
-                <a:cs typeface="Consolas" panose="020B0609020204030204" pitchFamily="49" charset="0"/>
-              </a:rPr>
-              <a:t>x86</a:t>
-            </a:r>
-            <a:endParaRPr lang="en-US" sz="1800" dirty="0">
+              <a:rPr lang="en-US" dirty="0">
+                <a:latin typeface="Consolas" panose="020B0609020204030204" pitchFamily="49" charset="0"/>
+                <a:cs typeface="Consolas" panose="020B0609020204030204" pitchFamily="49" charset="0"/>
+              </a:rPr>
+              <a:t>|       </a:t>
+            </a:r>
+            <a:r>
+              <a:rPr lang="en-US" dirty="0" smtClean="0">
+                <a:latin typeface="Consolas" panose="020B0609020204030204" pitchFamily="49" charset="0"/>
+                <a:cs typeface="Consolas" panose="020B0609020204030204" pitchFamily="49" charset="0"/>
+              </a:rPr>
+              <a:t>vccorlib120.dll 	// C++/CLI</a:t>
+            </a:r>
+            <a:endParaRPr lang="en-US" dirty="0">
               <a:latin typeface="Consolas" panose="020B0609020204030204" pitchFamily="49" charset="0"/>
               <a:cs typeface="Consolas" panose="020B0609020204030204" pitchFamily="49" charset="0"/>
             </a:endParaRPr>
@@ -4136,55 +4141,127 @@
               <a:buNone/>
             </a:pPr>
             <a:r>
-              <a:rPr lang="en-US" sz="1800" dirty="0" smtClean="0">
-                <a:latin typeface="Consolas" panose="020B0609020204030204" pitchFamily="49" charset="0"/>
-                <a:cs typeface="Consolas" panose="020B0609020204030204" pitchFamily="49" charset="0"/>
-              </a:rPr>
-              <a:t>vs</a:t>
-            </a:r>
-            <a:r>
-              <a:rPr lang="en-US" sz="1800" b="1" dirty="0" smtClean="0">
-                <a:latin typeface="Consolas" panose="020B0609020204030204" pitchFamily="49" charset="0"/>
-                <a:cs typeface="Consolas" panose="020B0609020204030204" pitchFamily="49" charset="0"/>
-              </a:rPr>
-              <a:t>2010</a:t>
-            </a:r>
-            <a:r>
-              <a:rPr lang="en-US" sz="1800" dirty="0" smtClean="0">
-                <a:latin typeface="Consolas" panose="020B0609020204030204" pitchFamily="49" charset="0"/>
-                <a:cs typeface="Consolas" panose="020B0609020204030204" pitchFamily="49" charset="0"/>
-              </a:rPr>
-              <a:t>env: Microsoft </a:t>
-            </a:r>
-            <a:r>
-              <a:rPr lang="en-US" sz="1800" dirty="0">
-                <a:latin typeface="Consolas" panose="020B0609020204030204" pitchFamily="49" charset="0"/>
-                <a:cs typeface="Consolas" panose="020B0609020204030204" pitchFamily="49" charset="0"/>
-              </a:rPr>
-              <a:t>(R) 32-bit C/C++ Optimizing Compiler Version </a:t>
-            </a:r>
-            <a:r>
-              <a:rPr lang="en-US" sz="1800" b="1" dirty="0">
-                <a:latin typeface="Consolas" panose="020B0609020204030204" pitchFamily="49" charset="0"/>
-                <a:cs typeface="Consolas" panose="020B0609020204030204" pitchFamily="49" charset="0"/>
-              </a:rPr>
-              <a:t>16.00.40219.01</a:t>
-            </a:r>
-            <a:r>
-              <a:rPr lang="en-US" sz="1800" dirty="0">
-                <a:latin typeface="Consolas" panose="020B0609020204030204" pitchFamily="49" charset="0"/>
-                <a:cs typeface="Consolas" panose="020B0609020204030204" pitchFamily="49" charset="0"/>
-              </a:rPr>
-              <a:t> for </a:t>
-            </a:r>
-            <a:r>
-              <a:rPr lang="en-US" sz="1800" dirty="0" smtClean="0">
-                <a:latin typeface="Consolas" panose="020B0609020204030204" pitchFamily="49" charset="0"/>
-                <a:cs typeface="Consolas" panose="020B0609020204030204" pitchFamily="49" charset="0"/>
-              </a:rPr>
-              <a:t>80x86</a:t>
-            </a:r>
-            <a:endParaRPr lang="en-US" sz="1800" dirty="0">
+              <a:rPr lang="en-US" dirty="0" smtClean="0">
+                <a:latin typeface="Consolas" panose="020B0609020204030204" pitchFamily="49" charset="0"/>
+                <a:cs typeface="Consolas" panose="020B0609020204030204" pitchFamily="49" charset="0"/>
+              </a:rPr>
+              <a:t>+---</a:t>
+            </a:r>
+            <a:r>
+              <a:rPr lang="en-US" dirty="0">
+                <a:latin typeface="Consolas" panose="020B0609020204030204" pitchFamily="49" charset="0"/>
+                <a:cs typeface="Consolas" panose="020B0609020204030204" pitchFamily="49" charset="0"/>
+              </a:rPr>
+              <a:t>Microsoft.VC120.CXXAMP</a:t>
+            </a:r>
+          </a:p>
+          <a:p>
+            <a:pPr marL="0" indent="0">
+              <a:buNone/>
+            </a:pPr>
+            <a:r>
+              <a:rPr lang="en-US" dirty="0">
+                <a:latin typeface="Consolas" panose="020B0609020204030204" pitchFamily="49" charset="0"/>
+                <a:cs typeface="Consolas" panose="020B0609020204030204" pitchFamily="49" charset="0"/>
+              </a:rPr>
+              <a:t>|       vcamp120.dll</a:t>
+            </a:r>
+          </a:p>
+          <a:p>
+            <a:pPr marL="0" indent="0">
+              <a:buNone/>
+            </a:pPr>
+            <a:r>
+              <a:rPr lang="en-US" dirty="0" smtClean="0">
+                <a:latin typeface="Consolas" panose="020B0609020204030204" pitchFamily="49" charset="0"/>
+                <a:cs typeface="Consolas" panose="020B0609020204030204" pitchFamily="49" charset="0"/>
+              </a:rPr>
+              <a:t>+---</a:t>
+            </a:r>
+            <a:r>
+              <a:rPr lang="en-US" dirty="0">
+                <a:latin typeface="Consolas" panose="020B0609020204030204" pitchFamily="49" charset="0"/>
+                <a:cs typeface="Consolas" panose="020B0609020204030204" pitchFamily="49" charset="0"/>
+              </a:rPr>
+              <a:t>Microsoft.VC120.MFC</a:t>
+            </a:r>
+          </a:p>
+          <a:p>
+            <a:pPr marL="0" indent="0">
+              <a:buNone/>
+            </a:pPr>
+            <a:r>
+              <a:rPr lang="en-US" dirty="0">
+                <a:latin typeface="Consolas" panose="020B0609020204030204" pitchFamily="49" charset="0"/>
+                <a:cs typeface="Consolas" panose="020B0609020204030204" pitchFamily="49" charset="0"/>
+              </a:rPr>
+              <a:t>|       mfc120u.dll</a:t>
+            </a:r>
+          </a:p>
+          <a:p>
+            <a:pPr marL="0" indent="0">
+              <a:buNone/>
+            </a:pPr>
+            <a:r>
+              <a:rPr lang="en-US" dirty="0">
+                <a:latin typeface="Consolas" panose="020B0609020204030204" pitchFamily="49" charset="0"/>
+                <a:cs typeface="Consolas" panose="020B0609020204030204" pitchFamily="49" charset="0"/>
+              </a:rPr>
+              <a:t>|       mfcm120u.dll</a:t>
+            </a:r>
+          </a:p>
+          <a:p>
+            <a:pPr marL="0" indent="0">
+              <a:buNone/>
+            </a:pPr>
+            <a:r>
+              <a:rPr lang="en-US" dirty="0" smtClean="0">
+                <a:latin typeface="Consolas" panose="020B0609020204030204" pitchFamily="49" charset="0"/>
+                <a:cs typeface="Consolas" panose="020B0609020204030204" pitchFamily="49" charset="0"/>
+              </a:rPr>
+              <a:t>+---</a:t>
+            </a:r>
+            <a:r>
+              <a:rPr lang="en-US" dirty="0">
+                <a:latin typeface="Consolas" panose="020B0609020204030204" pitchFamily="49" charset="0"/>
+                <a:cs typeface="Consolas" panose="020B0609020204030204" pitchFamily="49" charset="0"/>
+              </a:rPr>
+              <a:t>Microsoft.VC120.MFCLOC</a:t>
+            </a:r>
+          </a:p>
+          <a:p>
+            <a:pPr marL="0" indent="0">
+              <a:buNone/>
+            </a:pPr>
+            <a:r>
+              <a:rPr lang="en-US" dirty="0">
+                <a:latin typeface="Consolas" panose="020B0609020204030204" pitchFamily="49" charset="0"/>
+                <a:cs typeface="Consolas" panose="020B0609020204030204" pitchFamily="49" charset="0"/>
+              </a:rPr>
+              <a:t>|       </a:t>
+            </a:r>
+            <a:r>
+              <a:rPr lang="en-US" dirty="0" smtClean="0">
+                <a:latin typeface="Consolas" panose="020B0609020204030204" pitchFamily="49" charset="0"/>
+                <a:cs typeface="Consolas" panose="020B0609020204030204" pitchFamily="49" charset="0"/>
+              </a:rPr>
+              <a:t>//</a:t>
+            </a:r>
+            <a:r>
+              <a:rPr lang="en-US" dirty="0" err="1" smtClean="0">
+                <a:latin typeface="Consolas" panose="020B0609020204030204" pitchFamily="49" charset="0"/>
+                <a:cs typeface="Consolas" panose="020B0609020204030204" pitchFamily="49" charset="0"/>
+              </a:rPr>
+              <a:t>mfc</a:t>
+            </a:r>
+            <a:r>
+              <a:rPr lang="en-US" dirty="0" smtClean="0">
+                <a:latin typeface="Consolas" panose="020B0609020204030204" pitchFamily="49" charset="0"/>
+                <a:cs typeface="Consolas" panose="020B0609020204030204" pitchFamily="49" charset="0"/>
+              </a:rPr>
+              <a:t> localized stuff</a:t>
+            </a:r>
+            <a:endParaRPr lang="en-US" dirty="0">
               <a:latin typeface="Consolas" panose="020B0609020204030204" pitchFamily="49" charset="0"/>
               <a:cs typeface="Consolas" panose="020B0609020204030204" pitchFamily="49" charset="0"/>
             </a:endParaRPr>
@@ -4194,67 +4271,18 @@
               <a:buNone/>
             </a:pPr>
             <a:r>
-              <a:rPr lang="en-US" sz="1800" dirty="0" smtClean="0">
-                <a:latin typeface="Consolas" panose="020B0609020204030204" pitchFamily="49" charset="0"/>
-                <a:cs typeface="Consolas" panose="020B0609020204030204" pitchFamily="49" charset="0"/>
-              </a:rPr>
-              <a:t>vs</a:t>
-            </a:r>
-            <a:r>
-              <a:rPr lang="en-US" sz="1800" b="1" dirty="0" smtClean="0">
-                <a:latin typeface="Consolas" panose="020B0609020204030204" pitchFamily="49" charset="0"/>
-                <a:cs typeface="Consolas" panose="020B0609020204030204" pitchFamily="49" charset="0"/>
-              </a:rPr>
-              <a:t>2008</a:t>
-            </a:r>
-            <a:r>
-              <a:rPr lang="en-US" sz="1800" dirty="0" smtClean="0">
-                <a:latin typeface="Consolas" panose="020B0609020204030204" pitchFamily="49" charset="0"/>
-                <a:cs typeface="Consolas" panose="020B0609020204030204" pitchFamily="49" charset="0"/>
-              </a:rPr>
-              <a:t>env: Microsoft </a:t>
-            </a:r>
-            <a:r>
-              <a:rPr lang="en-US" sz="1800" dirty="0">
-                <a:latin typeface="Consolas" panose="020B0609020204030204" pitchFamily="49" charset="0"/>
-                <a:cs typeface="Consolas" panose="020B0609020204030204" pitchFamily="49" charset="0"/>
-              </a:rPr>
-              <a:t>(R) 32-bit C/C++ Optimizing Compiler </a:t>
-            </a:r>
-            <a:r>
-              <a:rPr lang="en-US" sz="1800" dirty="0" smtClean="0">
-                <a:latin typeface="Consolas" panose="020B0609020204030204" pitchFamily="49" charset="0"/>
-                <a:cs typeface="Consolas" panose="020B0609020204030204" pitchFamily="49" charset="0"/>
-              </a:rPr>
-              <a:t>Version </a:t>
-            </a:r>
-            <a:r>
-              <a:rPr lang="en-US" sz="1800" b="1" dirty="0" smtClean="0">
-                <a:latin typeface="Consolas" panose="020B0609020204030204" pitchFamily="49" charset="0"/>
-                <a:cs typeface="Consolas" panose="020B0609020204030204" pitchFamily="49" charset="0"/>
-              </a:rPr>
-              <a:t>15.00.30729.01</a:t>
-            </a:r>
-            <a:r>
-              <a:rPr lang="en-US" sz="1800" dirty="0" smtClean="0">
-                <a:latin typeface="Consolas" panose="020B0609020204030204" pitchFamily="49" charset="0"/>
-                <a:cs typeface="Consolas" panose="020B0609020204030204" pitchFamily="49" charset="0"/>
-              </a:rPr>
-              <a:t> </a:t>
-            </a:r>
-            <a:r>
-              <a:rPr lang="en-US" sz="1800" dirty="0">
-                <a:latin typeface="Consolas" panose="020B0609020204030204" pitchFamily="49" charset="0"/>
-                <a:cs typeface="Consolas" panose="020B0609020204030204" pitchFamily="49" charset="0"/>
-              </a:rPr>
-              <a:t>for </a:t>
-            </a:r>
-            <a:r>
-              <a:rPr lang="en-US" sz="1800" dirty="0" smtClean="0">
-                <a:latin typeface="Consolas" panose="020B0609020204030204" pitchFamily="49" charset="0"/>
-                <a:cs typeface="Consolas" panose="020B0609020204030204" pitchFamily="49" charset="0"/>
-              </a:rPr>
-              <a:t>80x86</a:t>
+              <a:rPr lang="en-US" dirty="0" smtClean="0">
+                <a:latin typeface="Consolas" panose="020B0609020204030204" pitchFamily="49" charset="0"/>
+                <a:cs typeface="Consolas" panose="020B0609020204030204" pitchFamily="49" charset="0"/>
+              </a:rPr>
+              <a:t>\---</a:t>
+            </a:r>
+            <a:r>
+              <a:rPr lang="en-US" dirty="0">
+                <a:latin typeface="Consolas" panose="020B0609020204030204" pitchFamily="49" charset="0"/>
+                <a:cs typeface="Consolas" panose="020B0609020204030204" pitchFamily="49" charset="0"/>
+              </a:rPr>
+              <a:t>Microsoft.VC120.OpenMP</a:t>
             </a:r>
           </a:p>
           <a:p>
@@ -4262,42 +4290,25 @@
               <a:buNone/>
             </a:pPr>
             <a:r>
-              <a:rPr lang="en-US" sz="1800" dirty="0">
-                <a:latin typeface="Consolas" panose="020B0609020204030204" pitchFamily="49" charset="0"/>
-                <a:cs typeface="Consolas" panose="020B0609020204030204" pitchFamily="49" charset="0"/>
-              </a:rPr>
-              <a:t>vs</a:t>
-            </a:r>
-            <a:r>
-              <a:rPr lang="en-US" sz="1800" b="1" dirty="0">
-                <a:latin typeface="Consolas" panose="020B0609020204030204" pitchFamily="49" charset="0"/>
-                <a:cs typeface="Consolas" panose="020B0609020204030204" pitchFamily="49" charset="0"/>
-              </a:rPr>
-              <a:t>2014</a:t>
-            </a:r>
-            <a:r>
-              <a:rPr lang="en-US" sz="1800" dirty="0">
-                <a:latin typeface="Consolas" panose="020B0609020204030204" pitchFamily="49" charset="0"/>
-                <a:cs typeface="Consolas" panose="020B0609020204030204" pitchFamily="49" charset="0"/>
-              </a:rPr>
-              <a:t>env: Microsoft (R) C/C++ Optimizing Compiler Version 19.00.22129.1 for x86</a:t>
+              <a:rPr lang="en-US" dirty="0">
+                <a:latin typeface="Consolas" panose="020B0609020204030204" pitchFamily="49" charset="0"/>
+                <a:cs typeface="Consolas" panose="020B0609020204030204" pitchFamily="49" charset="0"/>
+              </a:rPr>
+              <a:t>        vcomp120.dll</a:t>
             </a:r>
           </a:p>
           <a:p>
             <a:pPr marL="0" indent="0">
               <a:buNone/>
             </a:pPr>
-            <a:endParaRPr lang="en-US" sz="1800" dirty="0">
-              <a:latin typeface="Consolas" panose="020B0609020204030204" pitchFamily="49" charset="0"/>
-              <a:cs typeface="Consolas" panose="020B0609020204030204" pitchFamily="49" charset="0"/>
-            </a:endParaRPr>
+            <a:endParaRPr lang="en-US" dirty="0"/>
           </a:p>
         </p:txBody>
       </p:sp>
     </p:spTree>
     <p:extLst>
       <p:ext uri="{BB962C8B-B14F-4D97-AF65-F5344CB8AC3E}">
-        <p14:creationId xmlns:p14="http://schemas.microsoft.com/office/powerpoint/2010/main" val="82139143"/>
+        <p14:creationId xmlns:p14="http://schemas.microsoft.com/office/powerpoint/2010/main" val="2368571093"/>
       </p:ext>
     </p:extLst>
   </p:cSld>
@@ -4347,16 +4358,8 @@
           <a:lstStyle/>
           <a:p>
             <a:r>
-              <a:rPr lang="en-US" dirty="0" err="1" smtClean="0"/>
-              <a:t>std</a:t>
-            </a:r>
-            <a:r>
-              <a:rPr lang="en-US" dirty="0" smtClean="0"/>
-              <a:t>::</a:t>
-            </a:r>
-            <a:r>
-              <a:rPr lang="en-US" dirty="0" err="1" smtClean="0"/>
-              <a:t>to_string</a:t>
+              <a:rPr lang="en-US" smtClean="0"/>
+              <a:t>Which C++ compiler?</a:t>
             </a:r>
             <a:endParaRPr lang="en-US" dirty="0"/>
           </a:p>
@@ -4372,449 +4375,219 @@
             <p:ph idx="1"/>
           </p:nvPr>
         </p:nvSpPr>
-        <p:spPr>
-          <a:xfrm>
-            <a:off x="457200" y="1600200"/>
-            <a:ext cx="8229600" cy="4800600"/>
-          </a:xfrm>
-        </p:spPr>
+        <p:spPr/>
         <p:txBody>
           <a:bodyPr>
-            <a:normAutofit fontScale="92500" lnSpcReduction="10000"/>
+            <a:normAutofit lnSpcReduction="10000"/>
           </a:bodyPr>
           <a:lstStyle/>
           <a:p>
-            <a:r>
-              <a:rPr lang="en-US" dirty="0" smtClean="0"/>
-              <a:t>“</a:t>
-            </a:r>
-            <a:r>
-              <a:rPr lang="en-US" dirty="0"/>
-              <a:t>Converts a numeric value to </a:t>
-            </a:r>
-            <a:r>
-              <a:rPr lang="en-US" dirty="0" err="1">
-                <a:hlinkClick r:id="rId2" tooltip="cpp/string/basic string"/>
-              </a:rPr>
-              <a:t>std</a:t>
-            </a:r>
-            <a:r>
-              <a:rPr lang="en-US" dirty="0">
-                <a:hlinkClick r:id="rId2" tooltip="cpp/string/basic string"/>
-              </a:rPr>
-              <a:t>::string</a:t>
-            </a:r>
-            <a:r>
-              <a:rPr lang="en-US" dirty="0" smtClean="0"/>
-              <a:t>.”</a:t>
-            </a:r>
-          </a:p>
-          <a:p>
-            <a:pPr marL="400050" lvl="1" indent="0">
+            <a:pPr marL="0" indent="0">
               <a:buNone/>
             </a:pPr>
             <a:r>
               <a:rPr lang="en-US" sz="1800" dirty="0" smtClean="0">
-                <a:hlinkClick r:id="rId3"/>
-              </a:rPr>
-              <a:t>http</a:t>
-            </a:r>
-            <a:r>
-              <a:rPr lang="en-US" sz="1800" dirty="0">
-                <a:hlinkClick r:id="rId3"/>
-              </a:rPr>
-              <a:t>://</a:t>
+                <a:latin typeface="Consolas" panose="020B0609020204030204" pitchFamily="49" charset="0"/>
+                <a:cs typeface="Consolas" panose="020B0609020204030204" pitchFamily="49" charset="0"/>
+              </a:rPr>
+              <a:t>// an up-to-date </a:t>
+            </a:r>
+            <a:r>
+              <a:rPr lang="en-US" sz="1800" dirty="0" err="1" smtClean="0">
+                <a:latin typeface="Consolas" panose="020B0609020204030204" pitchFamily="49" charset="0"/>
+                <a:cs typeface="Consolas" panose="020B0609020204030204" pitchFamily="49" charset="0"/>
+              </a:rPr>
+              <a:t>linux</a:t>
             </a:r>
             <a:r>
               <a:rPr lang="en-US" sz="1800" dirty="0" smtClean="0">
-                <a:hlinkClick r:id="rId3"/>
-              </a:rPr>
-              <a:t>en.cppreference.com/w/cpp/string/basic_string/to_string</a:t>
-            </a:r>
-            <a:endParaRPr lang="en-US" sz="1800" dirty="0" smtClean="0"/>
-          </a:p>
-          <a:p>
-            <a:pPr marL="285750"/>
-            <a:r>
-              <a:rPr lang="en-US" dirty="0" smtClean="0"/>
-              <a:t>Avoid </a:t>
-            </a:r>
-            <a:r>
-              <a:rPr lang="en-US" dirty="0" err="1" smtClean="0"/>
-              <a:t>atof</a:t>
-            </a:r>
-            <a:r>
-              <a:rPr lang="en-US" dirty="0" smtClean="0"/>
-              <a:t>(), </a:t>
-            </a:r>
-            <a:r>
-              <a:rPr lang="en-US" dirty="0" err="1" smtClean="0"/>
-              <a:t>atoi</a:t>
-            </a:r>
-            <a:r>
-              <a:rPr lang="en-US" dirty="0" smtClean="0"/>
-              <a:t>(), …; </a:t>
-            </a:r>
-            <a:r>
-              <a:rPr lang="en-US" dirty="0" err="1" smtClean="0"/>
-              <a:t>unicode</a:t>
-            </a:r>
-            <a:r>
-              <a:rPr lang="en-US" dirty="0" smtClean="0"/>
-              <a:t>; …</a:t>
-            </a:r>
-          </a:p>
-          <a:p>
-            <a:pPr marL="285750"/>
-            <a:r>
-              <a:rPr lang="en-US" dirty="0" smtClean="0"/>
-              <a:t>Use </a:t>
-            </a:r>
-            <a:r>
-              <a:rPr lang="en-US" dirty="0" err="1" smtClean="0"/>
-              <a:t>to_wstring</a:t>
-            </a:r>
-            <a:r>
-              <a:rPr lang="en-US" dirty="0" smtClean="0"/>
-              <a:t>() for wide strings</a:t>
-            </a:r>
-            <a:endParaRPr lang="en-US" dirty="0"/>
-          </a:p>
-          <a:p>
-            <a:pPr marL="400050" lvl="1" indent="0">
-              <a:buNone/>
-            </a:pPr>
-            <a:endParaRPr lang="en-US" sz="1800" dirty="0" smtClean="0"/>
-          </a:p>
-          <a:p>
-            <a:pPr marL="800100" lvl="2" indent="0">
-              <a:buNone/>
-            </a:pPr>
-            <a:r>
-              <a:rPr lang="en-US" sz="1400" dirty="0" smtClean="0">
-                <a:latin typeface="Consolas" panose="020B0609020204030204" pitchFamily="49" charset="0"/>
-                <a:cs typeface="Consolas" panose="020B0609020204030204" pitchFamily="49" charset="0"/>
-              </a:rPr>
-              <a:t>#</a:t>
-            </a:r>
-            <a:r>
-              <a:rPr lang="en-US" sz="1400" dirty="0">
-                <a:latin typeface="Consolas" panose="020B0609020204030204" pitchFamily="49" charset="0"/>
-                <a:cs typeface="Consolas" panose="020B0609020204030204" pitchFamily="49" charset="0"/>
-              </a:rPr>
-              <a:t>include &lt;</a:t>
-            </a:r>
-            <a:r>
-              <a:rPr lang="en-US" sz="1400" dirty="0" err="1">
-                <a:latin typeface="Consolas" panose="020B0609020204030204" pitchFamily="49" charset="0"/>
-                <a:cs typeface="Consolas" panose="020B0609020204030204" pitchFamily="49" charset="0"/>
-              </a:rPr>
-              <a:t>iostream</a:t>
-            </a:r>
-            <a:r>
-              <a:rPr lang="en-US" sz="1400" dirty="0">
-                <a:latin typeface="Consolas" panose="020B0609020204030204" pitchFamily="49" charset="0"/>
-                <a:cs typeface="Consolas" panose="020B0609020204030204" pitchFamily="49" charset="0"/>
-              </a:rPr>
-              <a:t>&gt;</a:t>
-            </a:r>
-          </a:p>
-          <a:p>
-            <a:pPr marL="800100" lvl="2" indent="0">
-              <a:buNone/>
-            </a:pPr>
-            <a:r>
-              <a:rPr lang="en-US" sz="1400" dirty="0">
-                <a:latin typeface="Consolas" panose="020B0609020204030204" pitchFamily="49" charset="0"/>
-                <a:cs typeface="Consolas" panose="020B0609020204030204" pitchFamily="49" charset="0"/>
-              </a:rPr>
-              <a:t>#include &lt;string</a:t>
-            </a:r>
-            <a:r>
-              <a:rPr lang="en-US" sz="1400" dirty="0" smtClean="0">
-                <a:latin typeface="Consolas" panose="020B0609020204030204" pitchFamily="49" charset="0"/>
-                <a:cs typeface="Consolas" panose="020B0609020204030204" pitchFamily="49" charset="0"/>
-              </a:rPr>
-              <a:t>&gt;</a:t>
-            </a:r>
-          </a:p>
-          <a:p>
-            <a:pPr marL="800100" lvl="2" indent="0">
-              <a:buNone/>
-            </a:pPr>
-            <a:endParaRPr lang="en-US" sz="1400" dirty="0">
+                <a:latin typeface="Consolas" panose="020B0609020204030204" pitchFamily="49" charset="0"/>
+                <a:cs typeface="Consolas" panose="020B0609020204030204" pitchFamily="49" charset="0"/>
+              </a:rPr>
+              <a:t> box:</a:t>
+            </a:r>
+          </a:p>
+          <a:p>
+            <a:pPr marL="0" indent="0">
+              <a:buNone/>
+            </a:pPr>
+            <a:endParaRPr lang="en-US" sz="1800" dirty="0">
               <a:latin typeface="Consolas" panose="020B0609020204030204" pitchFamily="49" charset="0"/>
               <a:cs typeface="Consolas" panose="020B0609020204030204" pitchFamily="49" charset="0"/>
             </a:endParaRPr>
           </a:p>
           <a:p>
-            <a:pPr marL="800100" lvl="2" indent="0">
-              <a:buNone/>
-            </a:pPr>
-            <a:r>
-              <a:rPr lang="en-US" sz="1400" dirty="0" err="1" smtClean="0">
-                <a:latin typeface="Consolas" panose="020B0609020204030204" pitchFamily="49" charset="0"/>
-                <a:cs typeface="Consolas" panose="020B0609020204030204" pitchFamily="49" charset="0"/>
-              </a:rPr>
-              <a:t>int</a:t>
-            </a:r>
-            <a:r>
-              <a:rPr lang="en-US" sz="1400" dirty="0" smtClean="0">
-                <a:latin typeface="Consolas" panose="020B0609020204030204" pitchFamily="49" charset="0"/>
-                <a:cs typeface="Consolas" panose="020B0609020204030204" pitchFamily="49" charset="0"/>
-              </a:rPr>
-              <a:t> </a:t>
-            </a:r>
-            <a:r>
-              <a:rPr lang="en-US" sz="1400" dirty="0">
-                <a:latin typeface="Consolas" panose="020B0609020204030204" pitchFamily="49" charset="0"/>
-                <a:cs typeface="Consolas" panose="020B0609020204030204" pitchFamily="49" charset="0"/>
-              </a:rPr>
-              <a:t>main</a:t>
-            </a:r>
-            <a:r>
-              <a:rPr lang="en-US" sz="1400" dirty="0" smtClean="0">
-                <a:latin typeface="Consolas" panose="020B0609020204030204" pitchFamily="49" charset="0"/>
-                <a:cs typeface="Consolas" panose="020B0609020204030204" pitchFamily="49" charset="0"/>
-              </a:rPr>
-              <a:t>()</a:t>
-            </a:r>
-          </a:p>
-          <a:p>
-            <a:pPr marL="800100" lvl="2" indent="0">
-              <a:buNone/>
-            </a:pPr>
-            <a:r>
-              <a:rPr lang="en-US" sz="1400" dirty="0" smtClean="0">
-                <a:latin typeface="Consolas" panose="020B0609020204030204" pitchFamily="49" charset="0"/>
-                <a:cs typeface="Consolas" panose="020B0609020204030204" pitchFamily="49" charset="0"/>
-              </a:rPr>
-              <a:t>{</a:t>
-            </a:r>
-            <a:endParaRPr lang="en-US" sz="1400" dirty="0">
+            <a:pPr marL="0" indent="0">
+              <a:buNone/>
+            </a:pPr>
+            <a:r>
+              <a:rPr lang="en-US" sz="1800" dirty="0" smtClean="0">
+                <a:latin typeface="Consolas" panose="020B0609020204030204" pitchFamily="49" charset="0"/>
+                <a:cs typeface="Consolas" panose="020B0609020204030204" pitchFamily="49" charset="0"/>
+              </a:rPr>
+              <a:t>  dwight@dwight-mint17 </a:t>
+            </a:r>
+            <a:r>
+              <a:rPr lang="en-US" sz="1800" dirty="0">
+                <a:latin typeface="Consolas" panose="020B0609020204030204" pitchFamily="49" charset="0"/>
+                <a:cs typeface="Consolas" panose="020B0609020204030204" pitchFamily="49" charset="0"/>
+              </a:rPr>
+              <a:t>~ $ </a:t>
+            </a:r>
+            <a:r>
+              <a:rPr lang="en-US" sz="2400" b="1" dirty="0">
+                <a:latin typeface="Consolas" panose="020B0609020204030204" pitchFamily="49" charset="0"/>
+                <a:cs typeface="Consolas" panose="020B0609020204030204" pitchFamily="49" charset="0"/>
+              </a:rPr>
+              <a:t>g++ --version</a:t>
+            </a:r>
+          </a:p>
+          <a:p>
+            <a:pPr marL="0" indent="0">
+              <a:buNone/>
+            </a:pPr>
+            <a:r>
+              <a:rPr lang="en-US" sz="1800" dirty="0" smtClean="0">
+                <a:latin typeface="Consolas" panose="020B0609020204030204" pitchFamily="49" charset="0"/>
+                <a:cs typeface="Consolas" panose="020B0609020204030204" pitchFamily="49" charset="0"/>
+              </a:rPr>
+              <a:t>  g</a:t>
+            </a:r>
+            <a:r>
+              <a:rPr lang="en-US" sz="1800" dirty="0">
+                <a:latin typeface="Consolas" panose="020B0609020204030204" pitchFamily="49" charset="0"/>
+                <a:cs typeface="Consolas" panose="020B0609020204030204" pitchFamily="49" charset="0"/>
+              </a:rPr>
+              <a:t>++ (Ubuntu 4.8.2-19ubuntu1) 4.8.2</a:t>
+            </a:r>
+          </a:p>
+          <a:p>
+            <a:pPr marL="0" indent="0">
+              <a:buNone/>
+            </a:pPr>
+            <a:r>
+              <a:rPr lang="en-US" sz="1800" dirty="0" smtClean="0">
+                <a:latin typeface="Consolas" panose="020B0609020204030204" pitchFamily="49" charset="0"/>
+                <a:cs typeface="Consolas" panose="020B0609020204030204" pitchFamily="49" charset="0"/>
+              </a:rPr>
+              <a:t>  Copyright </a:t>
+            </a:r>
+            <a:r>
+              <a:rPr lang="en-US" sz="1800" dirty="0">
+                <a:latin typeface="Consolas" panose="020B0609020204030204" pitchFamily="49" charset="0"/>
+                <a:cs typeface="Consolas" panose="020B0609020204030204" pitchFamily="49" charset="0"/>
+              </a:rPr>
+              <a:t>(C) 2013 Free Software Foundation, Inc</a:t>
+            </a:r>
+            <a:r>
+              <a:rPr lang="en-US" sz="1800" dirty="0" smtClean="0">
+                <a:latin typeface="Consolas" panose="020B0609020204030204" pitchFamily="49" charset="0"/>
+                <a:cs typeface="Consolas" panose="020B0609020204030204" pitchFamily="49" charset="0"/>
+              </a:rPr>
+              <a:t>.</a:t>
+            </a:r>
+          </a:p>
+          <a:p>
+            <a:pPr marL="0" indent="0">
+              <a:buNone/>
+            </a:pPr>
+            <a:endParaRPr lang="en-US" sz="1800" dirty="0">
               <a:latin typeface="Consolas" panose="020B0609020204030204" pitchFamily="49" charset="0"/>
               <a:cs typeface="Consolas" panose="020B0609020204030204" pitchFamily="49" charset="0"/>
             </a:endParaRPr>
           </a:p>
           <a:p>
-            <a:pPr marL="800100" lvl="2" indent="0">
-              <a:buNone/>
-            </a:pPr>
-            <a:r>
-              <a:rPr lang="en-US" sz="1400" dirty="0">
-                <a:latin typeface="Consolas" panose="020B0609020204030204" pitchFamily="49" charset="0"/>
-                <a:cs typeface="Consolas" panose="020B0609020204030204" pitchFamily="49" charset="0"/>
-              </a:rPr>
-              <a:t>    double f = 23.43;</a:t>
-            </a:r>
-          </a:p>
-          <a:p>
-            <a:pPr marL="800100" lvl="2" indent="0">
-              <a:buNone/>
-            </a:pPr>
-            <a:r>
-              <a:rPr lang="en-US" sz="1400" dirty="0">
-                <a:latin typeface="Consolas" panose="020B0609020204030204" pitchFamily="49" charset="0"/>
-                <a:cs typeface="Consolas" panose="020B0609020204030204" pitchFamily="49" charset="0"/>
-              </a:rPr>
-              <a:t>    </a:t>
-            </a:r>
-            <a:r>
-              <a:rPr lang="en-US" sz="1400" dirty="0" err="1">
-                <a:latin typeface="Consolas" panose="020B0609020204030204" pitchFamily="49" charset="0"/>
-                <a:cs typeface="Consolas" panose="020B0609020204030204" pitchFamily="49" charset="0"/>
-              </a:rPr>
-              <a:t>std</a:t>
-            </a:r>
-            <a:r>
-              <a:rPr lang="en-US" sz="1400" dirty="0">
-                <a:latin typeface="Consolas" panose="020B0609020204030204" pitchFamily="49" charset="0"/>
-                <a:cs typeface="Consolas" panose="020B0609020204030204" pitchFamily="49" charset="0"/>
-              </a:rPr>
-              <a:t>::string </a:t>
-            </a:r>
-            <a:r>
-              <a:rPr lang="en-US" sz="1400" dirty="0" err="1">
-                <a:latin typeface="Consolas" panose="020B0609020204030204" pitchFamily="49" charset="0"/>
-                <a:cs typeface="Consolas" panose="020B0609020204030204" pitchFamily="49" charset="0"/>
-              </a:rPr>
-              <a:t>f_str</a:t>
-            </a:r>
-            <a:r>
-              <a:rPr lang="en-US" sz="1400" dirty="0">
-                <a:latin typeface="Consolas" panose="020B0609020204030204" pitchFamily="49" charset="0"/>
-                <a:cs typeface="Consolas" panose="020B0609020204030204" pitchFamily="49" charset="0"/>
-              </a:rPr>
-              <a:t> = </a:t>
-            </a:r>
-            <a:r>
-              <a:rPr lang="en-US" sz="1400" dirty="0" err="1">
-                <a:latin typeface="Consolas" panose="020B0609020204030204" pitchFamily="49" charset="0"/>
-                <a:cs typeface="Consolas" panose="020B0609020204030204" pitchFamily="49" charset="0"/>
-              </a:rPr>
-              <a:t>std</a:t>
-            </a:r>
-            <a:r>
-              <a:rPr lang="en-US" sz="1400" dirty="0">
-                <a:latin typeface="Consolas" panose="020B0609020204030204" pitchFamily="49" charset="0"/>
-                <a:cs typeface="Consolas" panose="020B0609020204030204" pitchFamily="49" charset="0"/>
-              </a:rPr>
-              <a:t>::</a:t>
-            </a:r>
-            <a:r>
-              <a:rPr lang="en-US" sz="1400" dirty="0" err="1">
-                <a:latin typeface="Consolas" panose="020B0609020204030204" pitchFamily="49" charset="0"/>
-                <a:cs typeface="Consolas" panose="020B0609020204030204" pitchFamily="49" charset="0"/>
-              </a:rPr>
-              <a:t>to_string</a:t>
-            </a:r>
-            <a:r>
-              <a:rPr lang="en-US" sz="1400" dirty="0">
-                <a:latin typeface="Consolas" panose="020B0609020204030204" pitchFamily="49" charset="0"/>
-                <a:cs typeface="Consolas" panose="020B0609020204030204" pitchFamily="49" charset="0"/>
-              </a:rPr>
-              <a:t>(f);</a:t>
-            </a:r>
-          </a:p>
-          <a:p>
-            <a:pPr marL="800100" lvl="2" indent="0">
-              <a:buNone/>
-            </a:pPr>
-            <a:r>
-              <a:rPr lang="en-US" sz="1400" dirty="0">
-                <a:latin typeface="Consolas" panose="020B0609020204030204" pitchFamily="49" charset="0"/>
-                <a:cs typeface="Consolas" panose="020B0609020204030204" pitchFamily="49" charset="0"/>
-              </a:rPr>
-              <a:t>    </a:t>
-            </a:r>
-            <a:r>
-              <a:rPr lang="en-US" sz="1400" dirty="0" err="1">
-                <a:latin typeface="Consolas" panose="020B0609020204030204" pitchFamily="49" charset="0"/>
-                <a:cs typeface="Consolas" panose="020B0609020204030204" pitchFamily="49" charset="0"/>
-              </a:rPr>
-              <a:t>std</a:t>
-            </a:r>
-            <a:r>
-              <a:rPr lang="en-US" sz="1400" dirty="0">
-                <a:latin typeface="Consolas" panose="020B0609020204030204" pitchFamily="49" charset="0"/>
-                <a:cs typeface="Consolas" panose="020B0609020204030204" pitchFamily="49" charset="0"/>
-              </a:rPr>
-              <a:t>::</a:t>
-            </a:r>
-            <a:r>
-              <a:rPr lang="en-US" sz="1400" dirty="0" err="1">
-                <a:latin typeface="Consolas" panose="020B0609020204030204" pitchFamily="49" charset="0"/>
-                <a:cs typeface="Consolas" panose="020B0609020204030204" pitchFamily="49" charset="0"/>
-              </a:rPr>
-              <a:t>cout</a:t>
-            </a:r>
-            <a:r>
-              <a:rPr lang="en-US" sz="1400" dirty="0">
-                <a:latin typeface="Consolas" panose="020B0609020204030204" pitchFamily="49" charset="0"/>
-                <a:cs typeface="Consolas" panose="020B0609020204030204" pitchFamily="49" charset="0"/>
-              </a:rPr>
-              <a:t> &lt;&lt; </a:t>
-            </a:r>
-            <a:r>
-              <a:rPr lang="en-US" sz="1400" dirty="0" err="1">
-                <a:latin typeface="Consolas" panose="020B0609020204030204" pitchFamily="49" charset="0"/>
-                <a:cs typeface="Consolas" panose="020B0609020204030204" pitchFamily="49" charset="0"/>
-              </a:rPr>
-              <a:t>f_str</a:t>
-            </a:r>
-            <a:r>
-              <a:rPr lang="en-US" sz="1400" dirty="0">
-                <a:latin typeface="Consolas" panose="020B0609020204030204" pitchFamily="49" charset="0"/>
-                <a:cs typeface="Consolas" panose="020B0609020204030204" pitchFamily="49" charset="0"/>
-              </a:rPr>
-              <a:t> &lt;&lt; </a:t>
-            </a:r>
-            <a:r>
-              <a:rPr lang="en-US" sz="1400" dirty="0" err="1" smtClean="0">
-                <a:latin typeface="Consolas" panose="020B0609020204030204" pitchFamily="49" charset="0"/>
-                <a:cs typeface="Consolas" panose="020B0609020204030204" pitchFamily="49" charset="0"/>
-              </a:rPr>
-              <a:t>std</a:t>
-            </a:r>
-            <a:r>
-              <a:rPr lang="en-US" sz="1400" dirty="0" smtClean="0">
-                <a:latin typeface="Consolas" panose="020B0609020204030204" pitchFamily="49" charset="0"/>
-                <a:cs typeface="Consolas" panose="020B0609020204030204" pitchFamily="49" charset="0"/>
-              </a:rPr>
-              <a:t>::</a:t>
-            </a:r>
-            <a:r>
-              <a:rPr lang="en-US" sz="1400" dirty="0" err="1" smtClean="0">
-                <a:latin typeface="Consolas" panose="020B0609020204030204" pitchFamily="49" charset="0"/>
-                <a:cs typeface="Consolas" panose="020B0609020204030204" pitchFamily="49" charset="0"/>
-              </a:rPr>
-              <a:t>endl</a:t>
-            </a:r>
-            <a:r>
-              <a:rPr lang="en-US" sz="1400" dirty="0" smtClean="0">
-                <a:latin typeface="Consolas" panose="020B0609020204030204" pitchFamily="49" charset="0"/>
-                <a:cs typeface="Consolas" panose="020B0609020204030204" pitchFamily="49" charset="0"/>
-              </a:rPr>
-              <a:t>;</a:t>
-            </a:r>
-            <a:endParaRPr lang="en-US" sz="1400" dirty="0">
+            <a:pPr marL="285750"/>
+            <a:r>
+              <a:rPr lang="en-US" sz="2800" dirty="0" smtClean="0"/>
+              <a:t>“G” is for GNU</a:t>
+            </a:r>
+            <a:endParaRPr lang="en-US" sz="2800" dirty="0"/>
+          </a:p>
+          <a:p>
+            <a:pPr marL="285750"/>
+            <a:r>
+              <a:rPr lang="en-US" sz="2800" dirty="0" smtClean="0"/>
+              <a:t>“GNU” is for “GNU is Not Unix”</a:t>
+            </a:r>
+          </a:p>
+          <a:p>
+            <a:pPr marL="285750"/>
+            <a:r>
+              <a:rPr lang="en-US" sz="2800" dirty="0" smtClean="0"/>
+              <a:t>g++ is the C++ compiler command</a:t>
+            </a:r>
+          </a:p>
+          <a:p>
+            <a:pPr marL="285750"/>
+            <a:r>
+              <a:rPr lang="en-US" sz="2800" dirty="0" err="1" smtClean="0"/>
+              <a:t>gcc</a:t>
+            </a:r>
+            <a:r>
+              <a:rPr lang="en-US" sz="2800" dirty="0" smtClean="0"/>
+              <a:t> is the C compiler </a:t>
+            </a:r>
+            <a:r>
+              <a:rPr lang="en-US" sz="2800" dirty="0" smtClean="0"/>
+              <a:t>command</a:t>
+            </a:r>
+          </a:p>
+          <a:p>
+            <a:pPr marL="285750"/>
+            <a:r>
+              <a:rPr lang="en-US" sz="2800" smtClean="0"/>
+              <a:t>GCC: </a:t>
+            </a:r>
+            <a:r>
+              <a:rPr lang="en-US" sz="2800" dirty="0" smtClean="0"/>
+              <a:t>“</a:t>
+            </a:r>
+            <a:r>
+              <a:rPr lang="en-US" sz="2800" dirty="0" smtClean="0">
+                <a:hlinkClick r:id="rId2"/>
+              </a:rPr>
+              <a:t>GNU compiler collection</a:t>
+            </a:r>
+            <a:r>
+              <a:rPr lang="en-US" sz="2800" dirty="0" smtClean="0"/>
+              <a:t>”</a:t>
+            </a:r>
+            <a:endParaRPr lang="en-US" sz="2800" dirty="0"/>
+          </a:p>
+          <a:p>
+            <a:pPr marL="0" indent="0">
+              <a:buNone/>
+            </a:pPr>
+            <a:endParaRPr lang="en-US" sz="1800" dirty="0">
               <a:latin typeface="Consolas" panose="020B0609020204030204" pitchFamily="49" charset="0"/>
               <a:cs typeface="Consolas" panose="020B0609020204030204" pitchFamily="49" charset="0"/>
             </a:endParaRPr>
           </a:p>
           <a:p>
-            <a:pPr marL="800100" lvl="2" indent="0">
-              <a:buNone/>
-            </a:pPr>
-            <a:r>
-              <a:rPr lang="en-US" sz="1400" dirty="0" smtClean="0">
-                <a:latin typeface="Consolas" panose="020B0609020204030204" pitchFamily="49" charset="0"/>
-                <a:cs typeface="Consolas" panose="020B0609020204030204" pitchFamily="49" charset="0"/>
-              </a:rPr>
-              <a:t>}</a:t>
-            </a:r>
-          </a:p>
-          <a:p>
-            <a:pPr marL="800100" lvl="2" indent="0">
-              <a:buNone/>
-            </a:pPr>
-            <a:endParaRPr lang="en-US" sz="1400" dirty="0" smtClean="0">
+            <a:pPr marL="0" indent="0">
+              <a:buNone/>
+            </a:pPr>
+            <a:endParaRPr lang="en-US" sz="1800" dirty="0" smtClean="0">
               <a:latin typeface="Consolas" panose="020B0609020204030204" pitchFamily="49" charset="0"/>
               <a:cs typeface="Consolas" panose="020B0609020204030204" pitchFamily="49" charset="0"/>
             </a:endParaRPr>
           </a:p>
           <a:p>
-            <a:pPr marL="800100" lvl="2" indent="0">
-              <a:buNone/>
-            </a:pPr>
-            <a:r>
-              <a:rPr lang="en-US" sz="1400" dirty="0" smtClean="0">
-                <a:latin typeface="Consolas" panose="020B0609020204030204" pitchFamily="49" charset="0"/>
-                <a:cs typeface="Consolas" panose="020B0609020204030204" pitchFamily="49" charset="0"/>
-              </a:rPr>
-              <a:t>output: </a:t>
-            </a:r>
-            <a:r>
-              <a:rPr lang="en-US" sz="1400" dirty="0" smtClean="0"/>
-              <a:t>23.430000</a:t>
-            </a:r>
-            <a:endParaRPr lang="en-US" sz="1400" dirty="0">
+            <a:pPr marL="0" indent="0">
+              <a:buNone/>
+            </a:pPr>
+            <a:endParaRPr lang="en-US" sz="1800" dirty="0">
               <a:latin typeface="Consolas" panose="020B0609020204030204" pitchFamily="49" charset="0"/>
               <a:cs typeface="Consolas" panose="020B0609020204030204" pitchFamily="49" charset="0"/>
             </a:endParaRPr>
           </a:p>
-          <a:p>
-            <a:pPr marL="800100" lvl="2" indent="0">
-              <a:buNone/>
-            </a:pPr>
-            <a:endParaRPr lang="en-US" sz="1400" dirty="0" smtClean="0"/>
-          </a:p>
         </p:txBody>
       </p:sp>
     </p:spTree>
     <p:extLst>
       <p:ext uri="{BB962C8B-B14F-4D97-AF65-F5344CB8AC3E}">
-        <p14:creationId xmlns:p14="http://schemas.microsoft.com/office/powerpoint/2010/main" val="146388363"/>
+        <p14:creationId xmlns:p14="http://schemas.microsoft.com/office/powerpoint/2010/main" val="3151603959"/>
       </p:ext>
     </p:extLst>
   </p:cSld>
@@ -4889,431 +4662,441 @@
             <p:ph idx="1"/>
           </p:nvPr>
         </p:nvSpPr>
-        <p:spPr/>
+        <p:spPr>
+          <a:xfrm>
+            <a:off x="457200" y="1600200"/>
+            <a:ext cx="8229600" cy="4800600"/>
+          </a:xfrm>
+        </p:spPr>
         <p:txBody>
           <a:bodyPr>
-            <a:normAutofit/>
+            <a:normAutofit fontScale="92500" lnSpcReduction="10000"/>
           </a:bodyPr>
           <a:lstStyle/>
           <a:p>
             <a:r>
               <a:rPr lang="en-US" dirty="0" smtClean="0"/>
-              <a:t>Works with all sorts of numeric types</a:t>
-            </a:r>
-          </a:p>
-          <a:p>
+              <a:t>“</a:t>
+            </a:r>
+            <a:r>
+              <a:rPr lang="en-US" dirty="0"/>
+              <a:t>Converts a numeric value to </a:t>
+            </a:r>
+            <a:r>
+              <a:rPr lang="en-US" dirty="0" err="1">
+                <a:hlinkClick r:id="rId2" tooltip="cpp/string/basic string"/>
+              </a:rPr>
+              <a:t>std</a:t>
+            </a:r>
+            <a:r>
+              <a:rPr lang="en-US" dirty="0">
+                <a:hlinkClick r:id="rId2" tooltip="cpp/string/basic string"/>
+              </a:rPr>
+              <a:t>::string</a:t>
+            </a:r>
             <a:r>
               <a:rPr lang="en-US" dirty="0" smtClean="0"/>
-              <a:t>Caveat (google </a:t>
+              <a:t>.”</a:t>
+            </a:r>
+          </a:p>
+          <a:p>
+            <a:pPr marL="400050" lvl="1" indent="0">
+              <a:buNone/>
+            </a:pPr>
+            <a:r>
+              <a:rPr lang="en-US" sz="2200" dirty="0" smtClean="0">
+                <a:hlinkClick r:id="rId3"/>
+              </a:rPr>
+              <a:t>http</a:t>
+            </a:r>
+            <a:r>
+              <a:rPr lang="en-US" sz="2200" dirty="0">
+                <a:hlinkClick r:id="rId3"/>
+              </a:rPr>
+              <a:t>://</a:t>
+            </a:r>
+            <a:r>
+              <a:rPr lang="en-US" sz="2200" dirty="0" smtClean="0">
+                <a:hlinkClick r:id="rId3"/>
+              </a:rPr>
+              <a:t>en.cppreference.com/w/cpp/string/basic_string/to_string</a:t>
+            </a:r>
+            <a:endParaRPr lang="en-US" sz="2200" dirty="0" smtClean="0"/>
+          </a:p>
+          <a:p>
+            <a:pPr marL="285750"/>
+            <a:r>
+              <a:rPr lang="en-US" dirty="0" smtClean="0"/>
+              <a:t>Avoid </a:t>
             </a:r>
             <a:r>
               <a:rPr lang="en-US" dirty="0" err="1" smtClean="0"/>
-              <a:t>FlatBuffers</a:t>
+              <a:t>atof</a:t>
             </a:r>
             <a:r>
               <a:rPr lang="en-US" dirty="0" smtClean="0"/>
-              <a:t>):</a:t>
-            </a:r>
-          </a:p>
-          <a:p>
-            <a:pPr marL="0" indent="0">
-              <a:buNone/>
-            </a:pPr>
-            <a:endParaRPr lang="en-US" sz="1200" dirty="0" smtClean="0">
+              <a:t>(), </a:t>
+            </a:r>
+            <a:r>
+              <a:rPr lang="en-US" dirty="0" err="1" smtClean="0"/>
+              <a:t>atoi</a:t>
+            </a:r>
+            <a:r>
+              <a:rPr lang="en-US" dirty="0" smtClean="0"/>
+              <a:t>(), …; </a:t>
+            </a:r>
+            <a:r>
+              <a:rPr lang="en-US" dirty="0" err="1" smtClean="0"/>
+              <a:t>unicode</a:t>
+            </a:r>
+            <a:r>
+              <a:rPr lang="en-US" dirty="0" smtClean="0"/>
+              <a:t>; …</a:t>
+            </a:r>
+          </a:p>
+          <a:p>
+            <a:pPr marL="285750"/>
+            <a:r>
+              <a:rPr lang="en-US" dirty="0" smtClean="0"/>
+              <a:t>Use </a:t>
+            </a:r>
+            <a:r>
+              <a:rPr lang="en-US" dirty="0" err="1" smtClean="0"/>
+              <a:t>to_wstring</a:t>
+            </a:r>
+            <a:r>
+              <a:rPr lang="en-US" dirty="0" smtClean="0"/>
+              <a:t>() for wide strings</a:t>
+            </a:r>
+            <a:endParaRPr lang="en-US" dirty="0"/>
+          </a:p>
+          <a:p>
+            <a:pPr marL="400050" lvl="1" indent="0">
+              <a:buNone/>
+            </a:pPr>
+            <a:endParaRPr lang="en-US" sz="1800" dirty="0" smtClean="0"/>
+          </a:p>
+          <a:p>
+            <a:pPr marL="800100" lvl="2" indent="0">
+              <a:buNone/>
+            </a:pPr>
+            <a:r>
+              <a:rPr lang="en-US" sz="1400" dirty="0" smtClean="0">
+                <a:latin typeface="Consolas" panose="020B0609020204030204" pitchFamily="49" charset="0"/>
+                <a:cs typeface="Consolas" panose="020B0609020204030204" pitchFamily="49" charset="0"/>
+              </a:rPr>
+              <a:t>#</a:t>
+            </a:r>
+            <a:r>
+              <a:rPr lang="en-US" sz="1400" dirty="0">
+                <a:latin typeface="Consolas" panose="020B0609020204030204" pitchFamily="49" charset="0"/>
+                <a:cs typeface="Consolas" panose="020B0609020204030204" pitchFamily="49" charset="0"/>
+              </a:rPr>
+              <a:t>include &lt;</a:t>
+            </a:r>
+            <a:r>
+              <a:rPr lang="en-US" sz="1400" dirty="0" err="1">
+                <a:latin typeface="Consolas" panose="020B0609020204030204" pitchFamily="49" charset="0"/>
+                <a:cs typeface="Consolas" panose="020B0609020204030204" pitchFamily="49" charset="0"/>
+              </a:rPr>
+              <a:t>iostream</a:t>
+            </a:r>
+            <a:r>
+              <a:rPr lang="en-US" sz="1400" dirty="0">
+                <a:latin typeface="Consolas" panose="020B0609020204030204" pitchFamily="49" charset="0"/>
+                <a:cs typeface="Consolas" panose="020B0609020204030204" pitchFamily="49" charset="0"/>
+              </a:rPr>
+              <a:t>&gt;</a:t>
+            </a:r>
+          </a:p>
+          <a:p>
+            <a:pPr marL="800100" lvl="2" indent="0">
+              <a:buNone/>
+            </a:pPr>
+            <a:r>
+              <a:rPr lang="en-US" sz="1400" dirty="0">
+                <a:latin typeface="Consolas" panose="020B0609020204030204" pitchFamily="49" charset="0"/>
+                <a:cs typeface="Consolas" panose="020B0609020204030204" pitchFamily="49" charset="0"/>
+              </a:rPr>
+              <a:t>#include &lt;string</a:t>
+            </a:r>
+            <a:r>
+              <a:rPr lang="en-US" sz="1400" dirty="0" smtClean="0">
+                <a:latin typeface="Consolas" panose="020B0609020204030204" pitchFamily="49" charset="0"/>
+                <a:cs typeface="Consolas" panose="020B0609020204030204" pitchFamily="49" charset="0"/>
+              </a:rPr>
+              <a:t>&gt;</a:t>
+            </a:r>
+          </a:p>
+          <a:p>
+            <a:pPr marL="800100" lvl="2" indent="0">
+              <a:buNone/>
+            </a:pPr>
+            <a:endParaRPr lang="en-US" sz="1400" dirty="0">
               <a:latin typeface="Consolas" panose="020B0609020204030204" pitchFamily="49" charset="0"/>
               <a:cs typeface="Consolas" panose="020B0609020204030204" pitchFamily="49" charset="0"/>
             </a:endParaRPr>
           </a:p>
           <a:p>
-            <a:pPr marL="0" indent="0">
-              <a:buNone/>
-            </a:pPr>
-            <a:r>
-              <a:rPr lang="en-US" sz="1200" dirty="0" smtClean="0">
-                <a:latin typeface="Consolas" panose="020B0609020204030204" pitchFamily="49" charset="0"/>
-                <a:cs typeface="Consolas" panose="020B0609020204030204" pitchFamily="49" charset="0"/>
-              </a:rPr>
-              <a:t>  namespace </a:t>
-            </a:r>
-            <a:r>
-              <a:rPr lang="en-US" sz="1200" dirty="0" err="1">
-                <a:latin typeface="Consolas" panose="020B0609020204030204" pitchFamily="49" charset="0"/>
-                <a:cs typeface="Consolas" panose="020B0609020204030204" pitchFamily="49" charset="0"/>
-              </a:rPr>
-              <a:t>flatbuffers</a:t>
-            </a:r>
-            <a:r>
-              <a:rPr lang="en-US" sz="1200" dirty="0">
-                <a:latin typeface="Consolas" panose="020B0609020204030204" pitchFamily="49" charset="0"/>
-                <a:cs typeface="Consolas" panose="020B0609020204030204" pitchFamily="49" charset="0"/>
-              </a:rPr>
-              <a:t> {</a:t>
-            </a:r>
-          </a:p>
-          <a:p>
-            <a:pPr marL="0" indent="0">
-              <a:buNone/>
-            </a:pPr>
-            <a:r>
-              <a:rPr lang="en-US" sz="1200" dirty="0" smtClean="0">
-                <a:latin typeface="Consolas" panose="020B0609020204030204" pitchFamily="49" charset="0"/>
-                <a:cs typeface="Consolas" panose="020B0609020204030204" pitchFamily="49" charset="0"/>
-              </a:rPr>
-              <a:t>    // </a:t>
-            </a:r>
-            <a:r>
-              <a:rPr lang="en-US" sz="1200" dirty="0">
-                <a:latin typeface="Consolas" panose="020B0609020204030204" pitchFamily="49" charset="0"/>
-                <a:cs typeface="Consolas" panose="020B0609020204030204" pitchFamily="49" charset="0"/>
-              </a:rPr>
-              <a:t>Convert an integer or floating point value to a string.</a:t>
-            </a:r>
-          </a:p>
-          <a:p>
-            <a:pPr marL="0" indent="0">
-              <a:buNone/>
-            </a:pPr>
-            <a:r>
-              <a:rPr lang="en-US" sz="1200" dirty="0" smtClean="0">
-                <a:latin typeface="Consolas" panose="020B0609020204030204" pitchFamily="49" charset="0"/>
-                <a:cs typeface="Consolas" panose="020B0609020204030204" pitchFamily="49" charset="0"/>
-              </a:rPr>
-              <a:t>    // </a:t>
-            </a:r>
-            <a:r>
-              <a:rPr lang="en-US" sz="1200" dirty="0">
-                <a:latin typeface="Consolas" panose="020B0609020204030204" pitchFamily="49" charset="0"/>
-                <a:cs typeface="Consolas" panose="020B0609020204030204" pitchFamily="49" charset="0"/>
-              </a:rPr>
-              <a:t>In contrast to </a:t>
-            </a:r>
-            <a:r>
-              <a:rPr lang="en-US" sz="1200" dirty="0" err="1">
-                <a:latin typeface="Consolas" panose="020B0609020204030204" pitchFamily="49" charset="0"/>
-                <a:cs typeface="Consolas" panose="020B0609020204030204" pitchFamily="49" charset="0"/>
-              </a:rPr>
-              <a:t>std</a:t>
-            </a:r>
-            <a:r>
-              <a:rPr lang="en-US" sz="1200" dirty="0">
-                <a:latin typeface="Consolas" panose="020B0609020204030204" pitchFamily="49" charset="0"/>
-                <a:cs typeface="Consolas" panose="020B0609020204030204" pitchFamily="49" charset="0"/>
-              </a:rPr>
-              <a:t>::</a:t>
-            </a:r>
-            <a:r>
-              <a:rPr lang="en-US" sz="1200" dirty="0" err="1">
-                <a:latin typeface="Consolas" panose="020B0609020204030204" pitchFamily="49" charset="0"/>
-                <a:cs typeface="Consolas" panose="020B0609020204030204" pitchFamily="49" charset="0"/>
-              </a:rPr>
-              <a:t>stringstream</a:t>
-            </a:r>
-            <a:r>
-              <a:rPr lang="en-US" sz="1200" dirty="0">
-                <a:latin typeface="Consolas" panose="020B0609020204030204" pitchFamily="49" charset="0"/>
-                <a:cs typeface="Consolas" panose="020B0609020204030204" pitchFamily="49" charset="0"/>
-              </a:rPr>
-              <a:t>, "char" values </a:t>
-            </a:r>
-            <a:r>
-              <a:rPr lang="en-US" sz="1200" dirty="0" smtClean="0">
-                <a:latin typeface="Consolas" panose="020B0609020204030204" pitchFamily="49" charset="0"/>
-                <a:cs typeface="Consolas" panose="020B0609020204030204" pitchFamily="49" charset="0"/>
-              </a:rPr>
-              <a:t>are converted </a:t>
-            </a:r>
-            <a:r>
-              <a:rPr lang="en-US" sz="1200" dirty="0">
-                <a:latin typeface="Consolas" panose="020B0609020204030204" pitchFamily="49" charset="0"/>
-                <a:cs typeface="Consolas" panose="020B0609020204030204" pitchFamily="49" charset="0"/>
-              </a:rPr>
-              <a:t>to a string of digits.</a:t>
-            </a:r>
-          </a:p>
-          <a:p>
-            <a:pPr marL="0" indent="0">
-              <a:buNone/>
-            </a:pPr>
-            <a:r>
-              <a:rPr lang="en-US" sz="1200" dirty="0" smtClean="0">
-                <a:latin typeface="Consolas" panose="020B0609020204030204" pitchFamily="49" charset="0"/>
-                <a:cs typeface="Consolas" panose="020B0609020204030204" pitchFamily="49" charset="0"/>
-              </a:rPr>
-              <a:t>    template&lt;</a:t>
-            </a:r>
-            <a:r>
-              <a:rPr lang="en-US" sz="1200" dirty="0" err="1" smtClean="0">
-                <a:latin typeface="Consolas" panose="020B0609020204030204" pitchFamily="49" charset="0"/>
-                <a:cs typeface="Consolas" panose="020B0609020204030204" pitchFamily="49" charset="0"/>
-              </a:rPr>
-              <a:t>typename</a:t>
-            </a:r>
-            <a:r>
-              <a:rPr lang="en-US" sz="1200" dirty="0" smtClean="0">
+            <a:pPr marL="800100" lvl="2" indent="0">
+              <a:buNone/>
+            </a:pPr>
+            <a:r>
+              <a:rPr lang="en-US" sz="1400" dirty="0" err="1" smtClean="0">
+                <a:latin typeface="Consolas" panose="020B0609020204030204" pitchFamily="49" charset="0"/>
+                <a:cs typeface="Consolas" panose="020B0609020204030204" pitchFamily="49" charset="0"/>
+              </a:rPr>
+              <a:t>int</a:t>
+            </a:r>
+            <a:r>
+              <a:rPr lang="en-US" sz="1400" dirty="0" smtClean="0">
                 <a:latin typeface="Consolas" panose="020B0609020204030204" pitchFamily="49" charset="0"/>
                 <a:cs typeface="Consolas" panose="020B0609020204030204" pitchFamily="49" charset="0"/>
               </a:rPr>
               <a:t> </a:t>
             </a:r>
             <a:r>
-              <a:rPr lang="en-US" sz="1200" dirty="0">
-                <a:latin typeface="Consolas" panose="020B0609020204030204" pitchFamily="49" charset="0"/>
-                <a:cs typeface="Consolas" panose="020B0609020204030204" pitchFamily="49" charset="0"/>
-              </a:rPr>
-              <a:t>T&gt; </a:t>
-            </a:r>
-            <a:r>
-              <a:rPr lang="en-US" sz="1200" dirty="0" err="1">
-                <a:latin typeface="Consolas" panose="020B0609020204030204" pitchFamily="49" charset="0"/>
-                <a:cs typeface="Consolas" panose="020B0609020204030204" pitchFamily="49" charset="0"/>
-              </a:rPr>
-              <a:t>std</a:t>
-            </a:r>
-            <a:r>
-              <a:rPr lang="en-US" sz="1200" dirty="0">
-                <a:latin typeface="Consolas" panose="020B0609020204030204" pitchFamily="49" charset="0"/>
-                <a:cs typeface="Consolas" panose="020B0609020204030204" pitchFamily="49" charset="0"/>
-              </a:rPr>
-              <a:t>::string </a:t>
-            </a:r>
-            <a:r>
-              <a:rPr lang="en-US" sz="1200" dirty="0" err="1">
-                <a:latin typeface="Consolas" panose="020B0609020204030204" pitchFamily="49" charset="0"/>
-                <a:cs typeface="Consolas" panose="020B0609020204030204" pitchFamily="49" charset="0"/>
-              </a:rPr>
-              <a:t>NumToString</a:t>
-            </a:r>
-            <a:r>
-              <a:rPr lang="en-US" sz="1200" dirty="0">
-                <a:latin typeface="Consolas" panose="020B0609020204030204" pitchFamily="49" charset="0"/>
-                <a:cs typeface="Consolas" panose="020B0609020204030204" pitchFamily="49" charset="0"/>
-              </a:rPr>
-              <a:t>(T t</a:t>
-            </a:r>
-            <a:r>
-              <a:rPr lang="en-US" sz="1200" dirty="0" smtClean="0">
-                <a:latin typeface="Consolas" panose="020B0609020204030204" pitchFamily="49" charset="0"/>
-                <a:cs typeface="Consolas" panose="020B0609020204030204" pitchFamily="49" charset="0"/>
-              </a:rPr>
-              <a:t>)</a:t>
-            </a:r>
-          </a:p>
-          <a:p>
-            <a:pPr marL="0" indent="0">
-              <a:buNone/>
-            </a:pPr>
-            <a:r>
-              <a:rPr lang="en-US" sz="1200" dirty="0">
-                <a:latin typeface="Consolas" panose="020B0609020204030204" pitchFamily="49" charset="0"/>
-                <a:cs typeface="Consolas" panose="020B0609020204030204" pitchFamily="49" charset="0"/>
-              </a:rPr>
-              <a:t> </a:t>
-            </a:r>
-            <a:r>
-              <a:rPr lang="en-US" sz="1200" dirty="0" smtClean="0">
-                <a:latin typeface="Consolas" panose="020B0609020204030204" pitchFamily="49" charset="0"/>
-                <a:cs typeface="Consolas" panose="020B0609020204030204" pitchFamily="49" charset="0"/>
-              </a:rPr>
-              <a:t>  {</a:t>
-            </a:r>
-            <a:endParaRPr lang="en-US" sz="1200" dirty="0">
+              <a:rPr lang="en-US" sz="1400" dirty="0">
+                <a:latin typeface="Consolas" panose="020B0609020204030204" pitchFamily="49" charset="0"/>
+                <a:cs typeface="Consolas" panose="020B0609020204030204" pitchFamily="49" charset="0"/>
+              </a:rPr>
+              <a:t>main</a:t>
+            </a:r>
+            <a:r>
+              <a:rPr lang="en-US" sz="1400" dirty="0" smtClean="0">
+                <a:latin typeface="Consolas" panose="020B0609020204030204" pitchFamily="49" charset="0"/>
+                <a:cs typeface="Consolas" panose="020B0609020204030204" pitchFamily="49" charset="0"/>
+              </a:rPr>
+              <a:t>()</a:t>
+            </a:r>
+          </a:p>
+          <a:p>
+            <a:pPr marL="800100" lvl="2" indent="0">
+              <a:buNone/>
+            </a:pPr>
+            <a:r>
+              <a:rPr lang="en-US" sz="1400" dirty="0" smtClean="0">
+                <a:latin typeface="Consolas" panose="020B0609020204030204" pitchFamily="49" charset="0"/>
+                <a:cs typeface="Consolas" panose="020B0609020204030204" pitchFamily="49" charset="0"/>
+              </a:rPr>
+              <a:t>{</a:t>
+            </a:r>
+            <a:endParaRPr lang="en-US" sz="1400" dirty="0">
               <a:latin typeface="Consolas" panose="020B0609020204030204" pitchFamily="49" charset="0"/>
               <a:cs typeface="Consolas" panose="020B0609020204030204" pitchFamily="49" charset="0"/>
             </a:endParaRPr>
           </a:p>
           <a:p>
-            <a:pPr marL="0" indent="0">
-              <a:buNone/>
-            </a:pPr>
-            <a:r>
-              <a:rPr lang="en-US" sz="1200" b="1" dirty="0" smtClean="0">
-                <a:latin typeface="Consolas" panose="020B0609020204030204" pitchFamily="49" charset="0"/>
-                <a:cs typeface="Consolas" panose="020B0609020204030204" pitchFamily="49" charset="0"/>
-              </a:rPr>
-              <a:t>        </a:t>
-            </a:r>
-            <a:r>
-              <a:rPr lang="en-US" sz="1200" b="1" dirty="0">
-                <a:latin typeface="Consolas" panose="020B0609020204030204" pitchFamily="49" charset="0"/>
-                <a:cs typeface="Consolas" panose="020B0609020204030204" pitchFamily="49" charset="0"/>
-              </a:rPr>
-              <a:t>// </a:t>
-            </a:r>
-            <a:r>
-              <a:rPr lang="en-US" sz="1200" b="1" dirty="0" err="1">
+            <a:pPr marL="800100" lvl="2" indent="0">
+              <a:buNone/>
+            </a:pPr>
+            <a:r>
+              <a:rPr lang="en-US" sz="1400" dirty="0">
+                <a:latin typeface="Consolas" panose="020B0609020204030204" pitchFamily="49" charset="0"/>
+                <a:cs typeface="Consolas" panose="020B0609020204030204" pitchFamily="49" charset="0"/>
+              </a:rPr>
+              <a:t>    double f = 23.43;</a:t>
+            </a:r>
+          </a:p>
+          <a:p>
+            <a:pPr marL="800100" lvl="2" indent="0">
+              <a:buNone/>
+            </a:pPr>
+            <a:r>
+              <a:rPr lang="en-US" sz="1400" dirty="0">
+                <a:latin typeface="Consolas" panose="020B0609020204030204" pitchFamily="49" charset="0"/>
+                <a:cs typeface="Consolas" panose="020B0609020204030204" pitchFamily="49" charset="0"/>
+              </a:rPr>
+              <a:t>    </a:t>
+            </a:r>
+            <a:r>
+              <a:rPr lang="en-US" sz="1400" dirty="0" err="1">
+                <a:latin typeface="Consolas" panose="020B0609020204030204" pitchFamily="49" charset="0"/>
+                <a:cs typeface="Consolas" panose="020B0609020204030204" pitchFamily="49" charset="0"/>
+              </a:rPr>
+              <a:t>std</a:t>
+            </a:r>
+            <a:r>
+              <a:rPr lang="en-US" sz="1400" dirty="0">
+                <a:latin typeface="Consolas" panose="020B0609020204030204" pitchFamily="49" charset="0"/>
+                <a:cs typeface="Consolas" panose="020B0609020204030204" pitchFamily="49" charset="0"/>
+              </a:rPr>
+              <a:t>::string </a:t>
+            </a:r>
+            <a:r>
+              <a:rPr lang="en-US" sz="1400" dirty="0" err="1">
+                <a:latin typeface="Consolas" panose="020B0609020204030204" pitchFamily="49" charset="0"/>
+                <a:cs typeface="Consolas" panose="020B0609020204030204" pitchFamily="49" charset="0"/>
+              </a:rPr>
+              <a:t>f_str</a:t>
+            </a:r>
+            <a:r>
+              <a:rPr lang="en-US" sz="1400" dirty="0">
+                <a:latin typeface="Consolas" panose="020B0609020204030204" pitchFamily="49" charset="0"/>
+                <a:cs typeface="Consolas" panose="020B0609020204030204" pitchFamily="49" charset="0"/>
+              </a:rPr>
+              <a:t> = </a:t>
+            </a:r>
+            <a:r>
+              <a:rPr lang="en-US" sz="1400" dirty="0" err="1">
+                <a:latin typeface="Consolas" panose="020B0609020204030204" pitchFamily="49" charset="0"/>
+                <a:cs typeface="Consolas" panose="020B0609020204030204" pitchFamily="49" charset="0"/>
+              </a:rPr>
+              <a:t>std</a:t>
+            </a:r>
+            <a:r>
+              <a:rPr lang="en-US" sz="1400" dirty="0">
+                <a:latin typeface="Consolas" panose="020B0609020204030204" pitchFamily="49" charset="0"/>
+                <a:cs typeface="Consolas" panose="020B0609020204030204" pitchFamily="49" charset="0"/>
+              </a:rPr>
+              <a:t>::</a:t>
+            </a:r>
+            <a:r>
+              <a:rPr lang="en-US" sz="1400" dirty="0" err="1">
                 <a:latin typeface="Consolas" panose="020B0609020204030204" pitchFamily="49" charset="0"/>
                 <a:cs typeface="Consolas" panose="020B0609020204030204" pitchFamily="49" charset="0"/>
               </a:rPr>
               <a:t>to_string</a:t>
             </a:r>
             <a:r>
-              <a:rPr lang="en-US" sz="1200" b="1" dirty="0">
-                <a:latin typeface="Consolas" panose="020B0609020204030204" pitchFamily="49" charset="0"/>
-                <a:cs typeface="Consolas" panose="020B0609020204030204" pitchFamily="49" charset="0"/>
-              </a:rPr>
-              <a:t>() prints different numbers of digits for floats depending on</a:t>
-            </a:r>
-          </a:p>
-          <a:p>
-            <a:pPr marL="0" indent="0">
-              <a:buNone/>
-            </a:pPr>
-            <a:r>
-              <a:rPr lang="en-US" sz="1200" b="1" dirty="0" smtClean="0">
-                <a:latin typeface="Consolas" panose="020B0609020204030204" pitchFamily="49" charset="0"/>
-                <a:cs typeface="Consolas" panose="020B0609020204030204" pitchFamily="49" charset="0"/>
-              </a:rPr>
-              <a:t>        </a:t>
-            </a:r>
-            <a:r>
-              <a:rPr lang="en-US" sz="1200" b="1" dirty="0">
-                <a:latin typeface="Consolas" panose="020B0609020204030204" pitchFamily="49" charset="0"/>
-                <a:cs typeface="Consolas" panose="020B0609020204030204" pitchFamily="49" charset="0"/>
-              </a:rPr>
-              <a:t>// platform and isn't available on Android, so we use </a:t>
-            </a:r>
-            <a:r>
-              <a:rPr lang="en-US" sz="1200" b="1" dirty="0" err="1">
-                <a:latin typeface="Consolas" panose="020B0609020204030204" pitchFamily="49" charset="0"/>
-                <a:cs typeface="Consolas" panose="020B0609020204030204" pitchFamily="49" charset="0"/>
-              </a:rPr>
-              <a:t>stringstream</a:t>
-            </a:r>
-            <a:endParaRPr lang="en-US" sz="1200" b="1" dirty="0">
+              <a:rPr lang="en-US" sz="1400" dirty="0">
+                <a:latin typeface="Consolas" panose="020B0609020204030204" pitchFamily="49" charset="0"/>
+                <a:cs typeface="Consolas" panose="020B0609020204030204" pitchFamily="49" charset="0"/>
+              </a:rPr>
+              <a:t>(f);</a:t>
+            </a:r>
+          </a:p>
+          <a:p>
+            <a:pPr marL="800100" lvl="2" indent="0">
+              <a:buNone/>
+            </a:pPr>
+            <a:r>
+              <a:rPr lang="en-US" sz="1400" dirty="0">
+                <a:latin typeface="Consolas" panose="020B0609020204030204" pitchFamily="49" charset="0"/>
+                <a:cs typeface="Consolas" panose="020B0609020204030204" pitchFamily="49" charset="0"/>
+              </a:rPr>
+              <a:t>    </a:t>
+            </a:r>
+            <a:r>
+              <a:rPr lang="en-US" sz="1400" dirty="0" err="1">
+                <a:latin typeface="Consolas" panose="020B0609020204030204" pitchFamily="49" charset="0"/>
+                <a:cs typeface="Consolas" panose="020B0609020204030204" pitchFamily="49" charset="0"/>
+              </a:rPr>
+              <a:t>std</a:t>
+            </a:r>
+            <a:r>
+              <a:rPr lang="en-US" sz="1400" dirty="0">
+                <a:latin typeface="Consolas" panose="020B0609020204030204" pitchFamily="49" charset="0"/>
+                <a:cs typeface="Consolas" panose="020B0609020204030204" pitchFamily="49" charset="0"/>
+              </a:rPr>
+              <a:t>::</a:t>
+            </a:r>
+            <a:r>
+              <a:rPr lang="en-US" sz="1400" dirty="0" err="1">
+                <a:latin typeface="Consolas" panose="020B0609020204030204" pitchFamily="49" charset="0"/>
+                <a:cs typeface="Consolas" panose="020B0609020204030204" pitchFamily="49" charset="0"/>
+              </a:rPr>
+              <a:t>cout</a:t>
+            </a:r>
+            <a:r>
+              <a:rPr lang="en-US" sz="1400" dirty="0">
+                <a:latin typeface="Consolas" panose="020B0609020204030204" pitchFamily="49" charset="0"/>
+                <a:cs typeface="Consolas" panose="020B0609020204030204" pitchFamily="49" charset="0"/>
+              </a:rPr>
+              <a:t> &lt;&lt; </a:t>
+            </a:r>
+            <a:r>
+              <a:rPr lang="en-US" sz="1400" dirty="0" err="1">
+                <a:latin typeface="Consolas" panose="020B0609020204030204" pitchFamily="49" charset="0"/>
+                <a:cs typeface="Consolas" panose="020B0609020204030204" pitchFamily="49" charset="0"/>
+              </a:rPr>
+              <a:t>f_str</a:t>
+            </a:r>
+            <a:r>
+              <a:rPr lang="en-US" sz="1400" dirty="0">
+                <a:latin typeface="Consolas" panose="020B0609020204030204" pitchFamily="49" charset="0"/>
+                <a:cs typeface="Consolas" panose="020B0609020204030204" pitchFamily="49" charset="0"/>
+              </a:rPr>
+              <a:t> &lt;&lt; </a:t>
+            </a:r>
+            <a:r>
+              <a:rPr lang="en-US" sz="1400" dirty="0" err="1" smtClean="0">
+                <a:latin typeface="Consolas" panose="020B0609020204030204" pitchFamily="49" charset="0"/>
+                <a:cs typeface="Consolas" panose="020B0609020204030204" pitchFamily="49" charset="0"/>
+              </a:rPr>
+              <a:t>std</a:t>
+            </a:r>
+            <a:r>
+              <a:rPr lang="en-US" sz="1400" dirty="0" smtClean="0">
+                <a:latin typeface="Consolas" panose="020B0609020204030204" pitchFamily="49" charset="0"/>
+                <a:cs typeface="Consolas" panose="020B0609020204030204" pitchFamily="49" charset="0"/>
+              </a:rPr>
+              <a:t>::</a:t>
+            </a:r>
+            <a:r>
+              <a:rPr lang="en-US" sz="1400" dirty="0" err="1" smtClean="0">
+                <a:latin typeface="Consolas" panose="020B0609020204030204" pitchFamily="49" charset="0"/>
+                <a:cs typeface="Consolas" panose="020B0609020204030204" pitchFamily="49" charset="0"/>
+              </a:rPr>
+              <a:t>endl</a:t>
+            </a:r>
+            <a:r>
+              <a:rPr lang="en-US" sz="1400" dirty="0" smtClean="0">
+                <a:latin typeface="Consolas" panose="020B0609020204030204" pitchFamily="49" charset="0"/>
+                <a:cs typeface="Consolas" panose="020B0609020204030204" pitchFamily="49" charset="0"/>
+              </a:rPr>
+              <a:t>;</a:t>
+            </a:r>
+            <a:endParaRPr lang="en-US" sz="1400" dirty="0">
               <a:latin typeface="Consolas" panose="020B0609020204030204" pitchFamily="49" charset="0"/>
               <a:cs typeface="Consolas" panose="020B0609020204030204" pitchFamily="49" charset="0"/>
             </a:endParaRPr>
           </a:p>
           <a:p>
-            <a:pPr marL="0" indent="0">
-              <a:buNone/>
-            </a:pPr>
-            <a:r>
-              <a:rPr lang="en-US" sz="1200" dirty="0" smtClean="0">
-                <a:latin typeface="Consolas" panose="020B0609020204030204" pitchFamily="49" charset="0"/>
-                <a:cs typeface="Consolas" panose="020B0609020204030204" pitchFamily="49" charset="0"/>
-              </a:rPr>
-              <a:t>        </a:t>
-            </a:r>
-            <a:r>
-              <a:rPr lang="en-US" sz="1200" dirty="0" err="1">
-                <a:latin typeface="Consolas" panose="020B0609020204030204" pitchFamily="49" charset="0"/>
-                <a:cs typeface="Consolas" panose="020B0609020204030204" pitchFamily="49" charset="0"/>
-              </a:rPr>
-              <a:t>std</a:t>
-            </a:r>
-            <a:r>
-              <a:rPr lang="en-US" sz="1200" dirty="0">
-                <a:latin typeface="Consolas" panose="020B0609020204030204" pitchFamily="49" charset="0"/>
-                <a:cs typeface="Consolas" panose="020B0609020204030204" pitchFamily="49" charset="0"/>
-              </a:rPr>
-              <a:t>::</a:t>
-            </a:r>
-            <a:r>
-              <a:rPr lang="en-US" sz="1200" dirty="0" err="1">
-                <a:latin typeface="Consolas" panose="020B0609020204030204" pitchFamily="49" charset="0"/>
-                <a:cs typeface="Consolas" panose="020B0609020204030204" pitchFamily="49" charset="0"/>
-              </a:rPr>
-              <a:t>stringstream</a:t>
-            </a:r>
-            <a:r>
-              <a:rPr lang="en-US" sz="1200" dirty="0">
-                <a:latin typeface="Consolas" panose="020B0609020204030204" pitchFamily="49" charset="0"/>
-                <a:cs typeface="Consolas" panose="020B0609020204030204" pitchFamily="49" charset="0"/>
-              </a:rPr>
-              <a:t> </a:t>
-            </a:r>
-            <a:r>
-              <a:rPr lang="en-US" sz="1200" dirty="0" err="1">
-                <a:latin typeface="Consolas" panose="020B0609020204030204" pitchFamily="49" charset="0"/>
-                <a:cs typeface="Consolas" panose="020B0609020204030204" pitchFamily="49" charset="0"/>
-              </a:rPr>
-              <a:t>ss</a:t>
-            </a:r>
-            <a:r>
-              <a:rPr lang="en-US" sz="1200" dirty="0">
-                <a:latin typeface="Consolas" panose="020B0609020204030204" pitchFamily="49" charset="0"/>
-                <a:cs typeface="Consolas" panose="020B0609020204030204" pitchFamily="49" charset="0"/>
-              </a:rPr>
-              <a:t>;</a:t>
-            </a:r>
-          </a:p>
-          <a:p>
-            <a:pPr marL="0" indent="0">
-              <a:buNone/>
-            </a:pPr>
-            <a:r>
-              <a:rPr lang="en-US" sz="1200" dirty="0" smtClean="0">
-                <a:latin typeface="Consolas" panose="020B0609020204030204" pitchFamily="49" charset="0"/>
-                <a:cs typeface="Consolas" panose="020B0609020204030204" pitchFamily="49" charset="0"/>
-              </a:rPr>
-              <a:t>        </a:t>
-            </a:r>
-            <a:r>
-              <a:rPr lang="en-US" sz="1200" dirty="0" err="1">
-                <a:latin typeface="Consolas" panose="020B0609020204030204" pitchFamily="49" charset="0"/>
-                <a:cs typeface="Consolas" panose="020B0609020204030204" pitchFamily="49" charset="0"/>
-              </a:rPr>
-              <a:t>ss</a:t>
-            </a:r>
-            <a:r>
-              <a:rPr lang="en-US" sz="1200" dirty="0">
-                <a:latin typeface="Consolas" panose="020B0609020204030204" pitchFamily="49" charset="0"/>
-                <a:cs typeface="Consolas" panose="020B0609020204030204" pitchFamily="49" charset="0"/>
-              </a:rPr>
-              <a:t> &lt;&lt; t;</a:t>
-            </a:r>
-          </a:p>
-          <a:p>
-            <a:pPr marL="0" indent="0">
-              <a:buNone/>
-            </a:pPr>
-            <a:r>
-              <a:rPr lang="en-US" sz="1200" dirty="0" smtClean="0">
-                <a:latin typeface="Consolas" panose="020B0609020204030204" pitchFamily="49" charset="0"/>
-                <a:cs typeface="Consolas" panose="020B0609020204030204" pitchFamily="49" charset="0"/>
-              </a:rPr>
-              <a:t>        </a:t>
-            </a:r>
-            <a:r>
-              <a:rPr lang="en-US" sz="1200" dirty="0">
-                <a:latin typeface="Consolas" panose="020B0609020204030204" pitchFamily="49" charset="0"/>
-                <a:cs typeface="Consolas" panose="020B0609020204030204" pitchFamily="49" charset="0"/>
-              </a:rPr>
-              <a:t>return </a:t>
-            </a:r>
-            <a:r>
-              <a:rPr lang="en-US" sz="1200" dirty="0" err="1">
-                <a:latin typeface="Consolas" panose="020B0609020204030204" pitchFamily="49" charset="0"/>
-                <a:cs typeface="Consolas" panose="020B0609020204030204" pitchFamily="49" charset="0"/>
-              </a:rPr>
-              <a:t>ss.str</a:t>
-            </a:r>
-            <a:r>
-              <a:rPr lang="en-US" sz="1200" dirty="0">
-                <a:latin typeface="Consolas" panose="020B0609020204030204" pitchFamily="49" charset="0"/>
-                <a:cs typeface="Consolas" panose="020B0609020204030204" pitchFamily="49" charset="0"/>
-              </a:rPr>
-              <a:t>();</a:t>
-            </a:r>
-          </a:p>
-          <a:p>
-            <a:pPr marL="0" indent="0">
-              <a:buNone/>
-            </a:pPr>
-            <a:r>
-              <a:rPr lang="en-US" sz="1200" dirty="0" smtClean="0">
-                <a:latin typeface="Consolas" panose="020B0609020204030204" pitchFamily="49" charset="0"/>
-                <a:cs typeface="Consolas" panose="020B0609020204030204" pitchFamily="49" charset="0"/>
-              </a:rPr>
-              <a:t>   }</a:t>
-            </a:r>
-            <a:endParaRPr lang="en-US" sz="1200" dirty="0">
+            <a:pPr marL="800100" lvl="2" indent="0">
+              <a:buNone/>
+            </a:pPr>
+            <a:r>
+              <a:rPr lang="en-US" sz="1400" dirty="0" smtClean="0">
+                <a:latin typeface="Consolas" panose="020B0609020204030204" pitchFamily="49" charset="0"/>
+                <a:cs typeface="Consolas" panose="020B0609020204030204" pitchFamily="49" charset="0"/>
+              </a:rPr>
+              <a:t>}</a:t>
+            </a:r>
+          </a:p>
+          <a:p>
+            <a:pPr marL="800100" lvl="2" indent="0">
+              <a:buNone/>
+            </a:pPr>
+            <a:endParaRPr lang="en-US" sz="1400" dirty="0" smtClean="0">
               <a:latin typeface="Consolas" panose="020B0609020204030204" pitchFamily="49" charset="0"/>
               <a:cs typeface="Consolas" panose="020B0609020204030204" pitchFamily="49" charset="0"/>
             </a:endParaRPr>
           </a:p>
           <a:p>
+            <a:pPr marL="800100" lvl="2" indent="0">
+              <a:buNone/>
+            </a:pPr>
+            <a:r>
+              <a:rPr lang="en-US" sz="1400" dirty="0" smtClean="0">
+                <a:latin typeface="Consolas" panose="020B0609020204030204" pitchFamily="49" charset="0"/>
+                <a:cs typeface="Consolas" panose="020B0609020204030204" pitchFamily="49" charset="0"/>
+              </a:rPr>
+              <a:t>output: </a:t>
+            </a:r>
+            <a:r>
+              <a:rPr lang="en-US" sz="1400" dirty="0" smtClean="0"/>
+              <a:t>23.430000</a:t>
+            </a:r>
+            <a:endParaRPr lang="en-US" sz="1400" dirty="0">
+              <a:latin typeface="Consolas" panose="020B0609020204030204" pitchFamily="49" charset="0"/>
+              <a:cs typeface="Consolas" panose="020B0609020204030204" pitchFamily="49" charset="0"/>
+            </a:endParaRPr>
+          </a:p>
+          <a:p>
+            <a:pPr marL="800100" lvl="2" indent="0">
+              <a:buNone/>
+            </a:pPr>
             <a:endParaRPr lang="en-US" sz="1400" dirty="0" smtClean="0"/>
           </a:p>
         </p:txBody>
@@ -5321,7 +5104,7 @@
     </p:spTree>
     <p:extLst>
       <p:ext uri="{BB962C8B-B14F-4D97-AF65-F5344CB8AC3E}">
-        <p14:creationId xmlns:p14="http://schemas.microsoft.com/office/powerpoint/2010/main" val="4177361218"/>
+        <p14:creationId xmlns:p14="http://schemas.microsoft.com/office/powerpoint/2010/main" val="146388363"/>
       </p:ext>
     </p:extLst>
   </p:cSld>
@@ -5371,6 +5154,513 @@
           <a:lstStyle/>
           <a:p>
             <a:r>
+              <a:rPr lang="en-US" dirty="0" err="1" smtClean="0"/>
+              <a:t>std</a:t>
+            </a:r>
+            <a:r>
+              <a:rPr lang="en-US" dirty="0" smtClean="0"/>
+              <a:t>::</a:t>
+            </a:r>
+            <a:r>
+              <a:rPr lang="en-US" dirty="0" err="1" smtClean="0"/>
+              <a:t>to_string</a:t>
+            </a:r>
+            <a:endParaRPr lang="en-US" dirty="0"/>
+          </a:p>
+        </p:txBody>
+      </p:sp>
+      <p:sp>
+        <p:nvSpPr>
+          <p:cNvPr id="3" name="Content Placeholder 2"/>
+          <p:cNvSpPr>
+            <a:spLocks noGrp="1"/>
+          </p:cNvSpPr>
+          <p:nvPr>
+            <p:ph idx="1"/>
+          </p:nvPr>
+        </p:nvSpPr>
+        <p:spPr/>
+        <p:txBody>
+          <a:bodyPr>
+            <a:normAutofit/>
+          </a:bodyPr>
+          <a:lstStyle/>
+          <a:p>
+            <a:r>
+              <a:rPr lang="en-US" dirty="0" smtClean="0"/>
+              <a:t>Works with all sorts of numeric types</a:t>
+            </a:r>
+          </a:p>
+          <a:p>
+            <a:r>
+              <a:rPr lang="en-US" dirty="0" smtClean="0"/>
+              <a:t>Caveat (google </a:t>
+            </a:r>
+            <a:r>
+              <a:rPr lang="en-US" dirty="0" err="1" smtClean="0"/>
+              <a:t>FlatBuffers</a:t>
+            </a:r>
+            <a:r>
+              <a:rPr lang="en-US" dirty="0" smtClean="0"/>
+              <a:t>):</a:t>
+            </a:r>
+          </a:p>
+          <a:p>
+            <a:pPr marL="0" indent="0">
+              <a:buNone/>
+            </a:pPr>
+            <a:endParaRPr lang="en-US" sz="1200" dirty="0" smtClean="0">
+              <a:latin typeface="Consolas" panose="020B0609020204030204" pitchFamily="49" charset="0"/>
+              <a:cs typeface="Consolas" panose="020B0609020204030204" pitchFamily="49" charset="0"/>
+            </a:endParaRPr>
+          </a:p>
+          <a:p>
+            <a:pPr marL="0" indent="0">
+              <a:buNone/>
+            </a:pPr>
+            <a:r>
+              <a:rPr lang="en-US" sz="1200" dirty="0" smtClean="0">
+                <a:latin typeface="Consolas" panose="020B0609020204030204" pitchFamily="49" charset="0"/>
+                <a:cs typeface="Consolas" panose="020B0609020204030204" pitchFamily="49" charset="0"/>
+              </a:rPr>
+              <a:t>  namespace </a:t>
+            </a:r>
+            <a:r>
+              <a:rPr lang="en-US" sz="1200" dirty="0" err="1">
+                <a:latin typeface="Consolas" panose="020B0609020204030204" pitchFamily="49" charset="0"/>
+                <a:cs typeface="Consolas" panose="020B0609020204030204" pitchFamily="49" charset="0"/>
+              </a:rPr>
+              <a:t>flatbuffers</a:t>
+            </a:r>
+            <a:r>
+              <a:rPr lang="en-US" sz="1200" dirty="0">
+                <a:latin typeface="Consolas" panose="020B0609020204030204" pitchFamily="49" charset="0"/>
+                <a:cs typeface="Consolas" panose="020B0609020204030204" pitchFamily="49" charset="0"/>
+              </a:rPr>
+              <a:t> {</a:t>
+            </a:r>
+          </a:p>
+          <a:p>
+            <a:pPr marL="0" indent="0">
+              <a:buNone/>
+            </a:pPr>
+            <a:r>
+              <a:rPr lang="en-US" sz="1200" dirty="0" smtClean="0">
+                <a:latin typeface="Consolas" panose="020B0609020204030204" pitchFamily="49" charset="0"/>
+                <a:cs typeface="Consolas" panose="020B0609020204030204" pitchFamily="49" charset="0"/>
+              </a:rPr>
+              <a:t>    // </a:t>
+            </a:r>
+            <a:r>
+              <a:rPr lang="en-US" sz="1200" dirty="0">
+                <a:latin typeface="Consolas" panose="020B0609020204030204" pitchFamily="49" charset="0"/>
+                <a:cs typeface="Consolas" panose="020B0609020204030204" pitchFamily="49" charset="0"/>
+              </a:rPr>
+              <a:t>Convert an integer or floating point value to a string.</a:t>
+            </a:r>
+          </a:p>
+          <a:p>
+            <a:pPr marL="0" indent="0">
+              <a:buNone/>
+            </a:pPr>
+            <a:r>
+              <a:rPr lang="en-US" sz="1200" dirty="0" smtClean="0">
+                <a:latin typeface="Consolas" panose="020B0609020204030204" pitchFamily="49" charset="0"/>
+                <a:cs typeface="Consolas" panose="020B0609020204030204" pitchFamily="49" charset="0"/>
+              </a:rPr>
+              <a:t>    // </a:t>
+            </a:r>
+            <a:r>
+              <a:rPr lang="en-US" sz="1200" dirty="0">
+                <a:latin typeface="Consolas" panose="020B0609020204030204" pitchFamily="49" charset="0"/>
+                <a:cs typeface="Consolas" panose="020B0609020204030204" pitchFamily="49" charset="0"/>
+              </a:rPr>
+              <a:t>In contrast to </a:t>
+            </a:r>
+            <a:r>
+              <a:rPr lang="en-US" sz="1200" dirty="0" err="1">
+                <a:latin typeface="Consolas" panose="020B0609020204030204" pitchFamily="49" charset="0"/>
+                <a:cs typeface="Consolas" panose="020B0609020204030204" pitchFamily="49" charset="0"/>
+              </a:rPr>
+              <a:t>std</a:t>
+            </a:r>
+            <a:r>
+              <a:rPr lang="en-US" sz="1200" dirty="0">
+                <a:latin typeface="Consolas" panose="020B0609020204030204" pitchFamily="49" charset="0"/>
+                <a:cs typeface="Consolas" panose="020B0609020204030204" pitchFamily="49" charset="0"/>
+              </a:rPr>
+              <a:t>::</a:t>
+            </a:r>
+            <a:r>
+              <a:rPr lang="en-US" sz="1200" dirty="0" err="1">
+                <a:latin typeface="Consolas" panose="020B0609020204030204" pitchFamily="49" charset="0"/>
+                <a:cs typeface="Consolas" panose="020B0609020204030204" pitchFamily="49" charset="0"/>
+              </a:rPr>
+              <a:t>stringstream</a:t>
+            </a:r>
+            <a:r>
+              <a:rPr lang="en-US" sz="1200" dirty="0">
+                <a:latin typeface="Consolas" panose="020B0609020204030204" pitchFamily="49" charset="0"/>
+                <a:cs typeface="Consolas" panose="020B0609020204030204" pitchFamily="49" charset="0"/>
+              </a:rPr>
+              <a:t>, "char" values </a:t>
+            </a:r>
+            <a:r>
+              <a:rPr lang="en-US" sz="1200" dirty="0" smtClean="0">
+                <a:latin typeface="Consolas" panose="020B0609020204030204" pitchFamily="49" charset="0"/>
+                <a:cs typeface="Consolas" panose="020B0609020204030204" pitchFamily="49" charset="0"/>
+              </a:rPr>
+              <a:t>are converted </a:t>
+            </a:r>
+            <a:r>
+              <a:rPr lang="en-US" sz="1200" dirty="0">
+                <a:latin typeface="Consolas" panose="020B0609020204030204" pitchFamily="49" charset="0"/>
+                <a:cs typeface="Consolas" panose="020B0609020204030204" pitchFamily="49" charset="0"/>
+              </a:rPr>
+              <a:t>to a string of digits.</a:t>
+            </a:r>
+          </a:p>
+          <a:p>
+            <a:pPr marL="0" indent="0">
+              <a:buNone/>
+            </a:pPr>
+            <a:r>
+              <a:rPr lang="en-US" sz="1200" dirty="0" smtClean="0">
+                <a:latin typeface="Consolas" panose="020B0609020204030204" pitchFamily="49" charset="0"/>
+                <a:cs typeface="Consolas" panose="020B0609020204030204" pitchFamily="49" charset="0"/>
+              </a:rPr>
+              <a:t>    template&lt;</a:t>
+            </a:r>
+            <a:r>
+              <a:rPr lang="en-US" sz="1200" dirty="0" err="1" smtClean="0">
+                <a:latin typeface="Consolas" panose="020B0609020204030204" pitchFamily="49" charset="0"/>
+                <a:cs typeface="Consolas" panose="020B0609020204030204" pitchFamily="49" charset="0"/>
+              </a:rPr>
+              <a:t>typename</a:t>
+            </a:r>
+            <a:r>
+              <a:rPr lang="en-US" sz="1200" dirty="0" smtClean="0">
+                <a:latin typeface="Consolas" panose="020B0609020204030204" pitchFamily="49" charset="0"/>
+                <a:cs typeface="Consolas" panose="020B0609020204030204" pitchFamily="49" charset="0"/>
+              </a:rPr>
+              <a:t> </a:t>
+            </a:r>
+            <a:r>
+              <a:rPr lang="en-US" sz="1200" dirty="0">
+                <a:latin typeface="Consolas" panose="020B0609020204030204" pitchFamily="49" charset="0"/>
+                <a:cs typeface="Consolas" panose="020B0609020204030204" pitchFamily="49" charset="0"/>
+              </a:rPr>
+              <a:t>T&gt; </a:t>
+            </a:r>
+            <a:r>
+              <a:rPr lang="en-US" sz="1200" dirty="0" err="1">
+                <a:latin typeface="Consolas" panose="020B0609020204030204" pitchFamily="49" charset="0"/>
+                <a:cs typeface="Consolas" panose="020B0609020204030204" pitchFamily="49" charset="0"/>
+              </a:rPr>
+              <a:t>std</a:t>
+            </a:r>
+            <a:r>
+              <a:rPr lang="en-US" sz="1200" dirty="0">
+                <a:latin typeface="Consolas" panose="020B0609020204030204" pitchFamily="49" charset="0"/>
+                <a:cs typeface="Consolas" panose="020B0609020204030204" pitchFamily="49" charset="0"/>
+              </a:rPr>
+              <a:t>::string </a:t>
+            </a:r>
+            <a:r>
+              <a:rPr lang="en-US" sz="1200" dirty="0" err="1">
+                <a:latin typeface="Consolas" panose="020B0609020204030204" pitchFamily="49" charset="0"/>
+                <a:cs typeface="Consolas" panose="020B0609020204030204" pitchFamily="49" charset="0"/>
+              </a:rPr>
+              <a:t>NumToString</a:t>
+            </a:r>
+            <a:r>
+              <a:rPr lang="en-US" sz="1200" dirty="0">
+                <a:latin typeface="Consolas" panose="020B0609020204030204" pitchFamily="49" charset="0"/>
+                <a:cs typeface="Consolas" panose="020B0609020204030204" pitchFamily="49" charset="0"/>
+              </a:rPr>
+              <a:t>(T t</a:t>
+            </a:r>
+            <a:r>
+              <a:rPr lang="en-US" sz="1200" dirty="0" smtClean="0">
+                <a:latin typeface="Consolas" panose="020B0609020204030204" pitchFamily="49" charset="0"/>
+                <a:cs typeface="Consolas" panose="020B0609020204030204" pitchFamily="49" charset="0"/>
+              </a:rPr>
+              <a:t>)</a:t>
+            </a:r>
+          </a:p>
+          <a:p>
+            <a:pPr marL="0" indent="0">
+              <a:buNone/>
+            </a:pPr>
+            <a:r>
+              <a:rPr lang="en-US" sz="1200" dirty="0">
+                <a:latin typeface="Consolas" panose="020B0609020204030204" pitchFamily="49" charset="0"/>
+                <a:cs typeface="Consolas" panose="020B0609020204030204" pitchFamily="49" charset="0"/>
+              </a:rPr>
+              <a:t> </a:t>
+            </a:r>
+            <a:r>
+              <a:rPr lang="en-US" sz="1200" dirty="0" smtClean="0">
+                <a:latin typeface="Consolas" panose="020B0609020204030204" pitchFamily="49" charset="0"/>
+                <a:cs typeface="Consolas" panose="020B0609020204030204" pitchFamily="49" charset="0"/>
+              </a:rPr>
+              <a:t>  {</a:t>
+            </a:r>
+            <a:endParaRPr lang="en-US" sz="1200" dirty="0">
+              <a:latin typeface="Consolas" panose="020B0609020204030204" pitchFamily="49" charset="0"/>
+              <a:cs typeface="Consolas" panose="020B0609020204030204" pitchFamily="49" charset="0"/>
+            </a:endParaRPr>
+          </a:p>
+          <a:p>
+            <a:pPr marL="0" indent="0">
+              <a:buNone/>
+            </a:pPr>
+            <a:r>
+              <a:rPr lang="en-US" sz="1200" b="1" dirty="0" smtClean="0">
+                <a:latin typeface="Consolas" panose="020B0609020204030204" pitchFamily="49" charset="0"/>
+                <a:cs typeface="Consolas" panose="020B0609020204030204" pitchFamily="49" charset="0"/>
+              </a:rPr>
+              <a:t>        </a:t>
+            </a:r>
+            <a:r>
+              <a:rPr lang="en-US" sz="1200" b="1" dirty="0">
+                <a:latin typeface="Consolas" panose="020B0609020204030204" pitchFamily="49" charset="0"/>
+                <a:cs typeface="Consolas" panose="020B0609020204030204" pitchFamily="49" charset="0"/>
+              </a:rPr>
+              <a:t>// </a:t>
+            </a:r>
+            <a:r>
+              <a:rPr lang="en-US" sz="1200" b="1" dirty="0" err="1">
+                <a:latin typeface="Consolas" panose="020B0609020204030204" pitchFamily="49" charset="0"/>
+                <a:cs typeface="Consolas" panose="020B0609020204030204" pitchFamily="49" charset="0"/>
+              </a:rPr>
+              <a:t>to_string</a:t>
+            </a:r>
+            <a:r>
+              <a:rPr lang="en-US" sz="1200" b="1" dirty="0">
+                <a:latin typeface="Consolas" panose="020B0609020204030204" pitchFamily="49" charset="0"/>
+                <a:cs typeface="Consolas" panose="020B0609020204030204" pitchFamily="49" charset="0"/>
+              </a:rPr>
+              <a:t>() prints different numbers of digits for floats depending on</a:t>
+            </a:r>
+          </a:p>
+          <a:p>
+            <a:pPr marL="0" indent="0">
+              <a:buNone/>
+            </a:pPr>
+            <a:r>
+              <a:rPr lang="en-US" sz="1200" b="1" dirty="0" smtClean="0">
+                <a:latin typeface="Consolas" panose="020B0609020204030204" pitchFamily="49" charset="0"/>
+                <a:cs typeface="Consolas" panose="020B0609020204030204" pitchFamily="49" charset="0"/>
+              </a:rPr>
+              <a:t>        </a:t>
+            </a:r>
+            <a:r>
+              <a:rPr lang="en-US" sz="1200" b="1" dirty="0">
+                <a:latin typeface="Consolas" panose="020B0609020204030204" pitchFamily="49" charset="0"/>
+                <a:cs typeface="Consolas" panose="020B0609020204030204" pitchFamily="49" charset="0"/>
+              </a:rPr>
+              <a:t>// platform and isn't available on Android, so we use </a:t>
+            </a:r>
+            <a:r>
+              <a:rPr lang="en-US" sz="1200" b="1" dirty="0" err="1">
+                <a:latin typeface="Consolas" panose="020B0609020204030204" pitchFamily="49" charset="0"/>
+                <a:cs typeface="Consolas" panose="020B0609020204030204" pitchFamily="49" charset="0"/>
+              </a:rPr>
+              <a:t>stringstream</a:t>
+            </a:r>
+            <a:endParaRPr lang="en-US" sz="1200" b="1" dirty="0">
+              <a:latin typeface="Consolas" panose="020B0609020204030204" pitchFamily="49" charset="0"/>
+              <a:cs typeface="Consolas" panose="020B0609020204030204" pitchFamily="49" charset="0"/>
+            </a:endParaRPr>
+          </a:p>
+          <a:p>
+            <a:pPr marL="0" indent="0">
+              <a:buNone/>
+            </a:pPr>
+            <a:r>
+              <a:rPr lang="en-US" sz="1200" dirty="0" smtClean="0">
+                <a:latin typeface="Consolas" panose="020B0609020204030204" pitchFamily="49" charset="0"/>
+                <a:cs typeface="Consolas" panose="020B0609020204030204" pitchFamily="49" charset="0"/>
+              </a:rPr>
+              <a:t>        </a:t>
+            </a:r>
+            <a:r>
+              <a:rPr lang="en-US" sz="1200" dirty="0" err="1">
+                <a:latin typeface="Consolas" panose="020B0609020204030204" pitchFamily="49" charset="0"/>
+                <a:cs typeface="Consolas" panose="020B0609020204030204" pitchFamily="49" charset="0"/>
+              </a:rPr>
+              <a:t>std</a:t>
+            </a:r>
+            <a:r>
+              <a:rPr lang="en-US" sz="1200" dirty="0">
+                <a:latin typeface="Consolas" panose="020B0609020204030204" pitchFamily="49" charset="0"/>
+                <a:cs typeface="Consolas" panose="020B0609020204030204" pitchFamily="49" charset="0"/>
+              </a:rPr>
+              <a:t>::</a:t>
+            </a:r>
+            <a:r>
+              <a:rPr lang="en-US" sz="1200" dirty="0" err="1">
+                <a:latin typeface="Consolas" panose="020B0609020204030204" pitchFamily="49" charset="0"/>
+                <a:cs typeface="Consolas" panose="020B0609020204030204" pitchFamily="49" charset="0"/>
+              </a:rPr>
+              <a:t>stringstream</a:t>
+            </a:r>
+            <a:r>
+              <a:rPr lang="en-US" sz="1200" dirty="0">
+                <a:latin typeface="Consolas" panose="020B0609020204030204" pitchFamily="49" charset="0"/>
+                <a:cs typeface="Consolas" panose="020B0609020204030204" pitchFamily="49" charset="0"/>
+              </a:rPr>
+              <a:t> </a:t>
+            </a:r>
+            <a:r>
+              <a:rPr lang="en-US" sz="1200" dirty="0" err="1">
+                <a:latin typeface="Consolas" panose="020B0609020204030204" pitchFamily="49" charset="0"/>
+                <a:cs typeface="Consolas" panose="020B0609020204030204" pitchFamily="49" charset="0"/>
+              </a:rPr>
+              <a:t>ss</a:t>
+            </a:r>
+            <a:r>
+              <a:rPr lang="en-US" sz="1200" dirty="0">
+                <a:latin typeface="Consolas" panose="020B0609020204030204" pitchFamily="49" charset="0"/>
+                <a:cs typeface="Consolas" panose="020B0609020204030204" pitchFamily="49" charset="0"/>
+              </a:rPr>
+              <a:t>;</a:t>
+            </a:r>
+          </a:p>
+          <a:p>
+            <a:pPr marL="0" indent="0">
+              <a:buNone/>
+            </a:pPr>
+            <a:r>
+              <a:rPr lang="en-US" sz="1200" dirty="0" smtClean="0">
+                <a:latin typeface="Consolas" panose="020B0609020204030204" pitchFamily="49" charset="0"/>
+                <a:cs typeface="Consolas" panose="020B0609020204030204" pitchFamily="49" charset="0"/>
+              </a:rPr>
+              <a:t>        </a:t>
+            </a:r>
+            <a:r>
+              <a:rPr lang="en-US" sz="1200" dirty="0" err="1">
+                <a:latin typeface="Consolas" panose="020B0609020204030204" pitchFamily="49" charset="0"/>
+                <a:cs typeface="Consolas" panose="020B0609020204030204" pitchFamily="49" charset="0"/>
+              </a:rPr>
+              <a:t>ss</a:t>
+            </a:r>
+            <a:r>
+              <a:rPr lang="en-US" sz="1200" dirty="0">
+                <a:latin typeface="Consolas" panose="020B0609020204030204" pitchFamily="49" charset="0"/>
+                <a:cs typeface="Consolas" panose="020B0609020204030204" pitchFamily="49" charset="0"/>
+              </a:rPr>
+              <a:t> &lt;&lt; t;</a:t>
+            </a:r>
+          </a:p>
+          <a:p>
+            <a:pPr marL="0" indent="0">
+              <a:buNone/>
+            </a:pPr>
+            <a:r>
+              <a:rPr lang="en-US" sz="1200" dirty="0" smtClean="0">
+                <a:latin typeface="Consolas" panose="020B0609020204030204" pitchFamily="49" charset="0"/>
+                <a:cs typeface="Consolas" panose="020B0609020204030204" pitchFamily="49" charset="0"/>
+              </a:rPr>
+              <a:t>        </a:t>
+            </a:r>
+            <a:r>
+              <a:rPr lang="en-US" sz="1200" dirty="0">
+                <a:latin typeface="Consolas" panose="020B0609020204030204" pitchFamily="49" charset="0"/>
+                <a:cs typeface="Consolas" panose="020B0609020204030204" pitchFamily="49" charset="0"/>
+              </a:rPr>
+              <a:t>return </a:t>
+            </a:r>
+            <a:r>
+              <a:rPr lang="en-US" sz="1200" dirty="0" err="1">
+                <a:latin typeface="Consolas" panose="020B0609020204030204" pitchFamily="49" charset="0"/>
+                <a:cs typeface="Consolas" panose="020B0609020204030204" pitchFamily="49" charset="0"/>
+              </a:rPr>
+              <a:t>ss.str</a:t>
+            </a:r>
+            <a:r>
+              <a:rPr lang="en-US" sz="1200" dirty="0">
+                <a:latin typeface="Consolas" panose="020B0609020204030204" pitchFamily="49" charset="0"/>
+                <a:cs typeface="Consolas" panose="020B0609020204030204" pitchFamily="49" charset="0"/>
+              </a:rPr>
+              <a:t>();</a:t>
+            </a:r>
+          </a:p>
+          <a:p>
+            <a:pPr marL="0" indent="0">
+              <a:buNone/>
+            </a:pPr>
+            <a:r>
+              <a:rPr lang="en-US" sz="1200" dirty="0" smtClean="0">
+                <a:latin typeface="Consolas" panose="020B0609020204030204" pitchFamily="49" charset="0"/>
+                <a:cs typeface="Consolas" panose="020B0609020204030204" pitchFamily="49" charset="0"/>
+              </a:rPr>
+              <a:t>   }</a:t>
+            </a:r>
+            <a:endParaRPr lang="en-US" sz="1200" dirty="0">
+              <a:latin typeface="Consolas" panose="020B0609020204030204" pitchFamily="49" charset="0"/>
+              <a:cs typeface="Consolas" panose="020B0609020204030204" pitchFamily="49" charset="0"/>
+            </a:endParaRPr>
+          </a:p>
+          <a:p>
+            <a:endParaRPr lang="en-US" sz="1400" dirty="0" smtClean="0"/>
+          </a:p>
+        </p:txBody>
+      </p:sp>
+    </p:spTree>
+    <p:extLst>
+      <p:ext uri="{BB962C8B-B14F-4D97-AF65-F5344CB8AC3E}">
+        <p14:creationId xmlns:p14="http://schemas.microsoft.com/office/powerpoint/2010/main" val="4177361218"/>
+      </p:ext>
+    </p:extLst>
+  </p:cSld>
+  <p:clrMapOvr>
+    <a:masterClrMapping/>
+  </p:clrMapOvr>
+  <p:timing>
+    <p:tnLst>
+      <p:par>
+        <p:cTn id="1" dur="indefinite" restart="never" nodeType="tmRoot"/>
+      </p:par>
+    </p:tnLst>
+  </p:timing>
+</p:sld>
+</file>
+
+<file path=ppt/slides/slide17.xml><?xml version="1.0" encoding="utf-8"?>
+<p:sld xmlns:a="http://schemas.openxmlformats.org/drawingml/2006/main" xmlns:r="http://schemas.openxmlformats.org/officeDocument/2006/relationships" xmlns:p="http://schemas.openxmlformats.org/presentationml/2006/main">
+  <p:cSld>
+    <p:spTree>
+      <p:nvGrpSpPr>
+        <p:cNvPr id="1" name=""/>
+        <p:cNvGrpSpPr/>
+        <p:nvPr/>
+      </p:nvGrpSpPr>
+      <p:grpSpPr>
+        <a:xfrm>
+          <a:off x="0" y="0"/>
+          <a:ext cx="0" cy="0"/>
+          <a:chOff x="0" y="0"/>
+          <a:chExt cx="0" cy="0"/>
+        </a:xfrm>
+      </p:grpSpPr>
+      <p:sp>
+        <p:nvSpPr>
+          <p:cNvPr id="2" name="Title 1"/>
+          <p:cNvSpPr>
+            <a:spLocks noGrp="1"/>
+          </p:cNvSpPr>
+          <p:nvPr>
+            <p:ph type="title"/>
+          </p:nvPr>
+        </p:nvSpPr>
+        <p:spPr/>
+        <p:txBody>
+          <a:bodyPr/>
+          <a:lstStyle/>
+          <a:p>
+            <a:r>
               <a:rPr lang="en-US" dirty="0" smtClean="0"/>
               <a:t>Google C++</a:t>
             </a:r>
@@ -5624,7 +5914,7 @@
 </p:sld>
 </file>
 
-<file path=ppt/slides/slide17.xml><?xml version="1.0" encoding="utf-8"?>
+<file path=ppt/slides/slide18.xml><?xml version="1.0" encoding="utf-8"?>
 <p:sld xmlns:a="http://schemas.openxmlformats.org/drawingml/2006/main" xmlns:r="http://schemas.openxmlformats.org/officeDocument/2006/relationships" xmlns:p="http://schemas.openxmlformats.org/presentationml/2006/main">
   <p:cSld>
     <p:spTree>
@@ -5887,7 +6177,7 @@
 </p:sld>
 </file>
 
-<file path=ppt/slides/slide18.xml><?xml version="1.0" encoding="utf-8"?>
+<file path=ppt/slides/slide19.xml><?xml version="1.0" encoding="utf-8"?>
 <p:sld xmlns:a="http://schemas.openxmlformats.org/drawingml/2006/main" xmlns:r="http://schemas.openxmlformats.org/officeDocument/2006/relationships" xmlns:p="http://schemas.openxmlformats.org/presentationml/2006/main">
   <p:cSld>
     <p:spTree>
@@ -6065,11 +6355,7 @@
           <a:p>
             <a:r>
               <a:rPr lang="en-US" dirty="0" smtClean="0"/>
-              <a:t>I </a:t>
-            </a:r>
-            <a:r>
-              <a:rPr lang="en-US" dirty="0" smtClean="0"/>
-              <a:t>like a lot of languages in addition to C++</a:t>
+              <a:t>I like a lot of languages in addition to C++</a:t>
             </a:r>
           </a:p>
           <a:p>
@@ -6087,42 +6373,20 @@
           <a:p>
             <a:r>
               <a:rPr lang="en-US" dirty="0" smtClean="0"/>
-              <a:t>I use </a:t>
-            </a:r>
+              <a:t>I use Microsoft C++ mostly</a:t>
+            </a:r>
+          </a:p>
+          <a:p>
             <a:r>
               <a:rPr lang="en-US" dirty="0" smtClean="0"/>
-              <a:t>Microsoft </a:t>
-            </a:r>
+              <a:t>I’m not a C++ expert</a:t>
+            </a:r>
+          </a:p>
+          <a:p>
+            <a:pPr lvl="1"/>
             <a:r>
               <a:rPr lang="en-US" dirty="0" smtClean="0"/>
-              <a:t>C</a:t>
-            </a:r>
-            <a:r>
-              <a:rPr lang="en-US" dirty="0" smtClean="0"/>
-              <a:t>++ mostly</a:t>
-            </a:r>
-            <a:endParaRPr lang="en-US" dirty="0" smtClean="0"/>
-          </a:p>
-          <a:p>
-            <a:r>
-              <a:rPr lang="en-US" dirty="0" smtClean="0"/>
-              <a:t>I’m not a C++ </a:t>
-            </a:r>
-            <a:r>
-              <a:rPr lang="en-US" dirty="0" smtClean="0"/>
-              <a:t>expert</a:t>
-            </a:r>
-            <a:endParaRPr lang="en-US" dirty="0" smtClean="0"/>
-          </a:p>
-          <a:p>
-            <a:pPr lvl="1"/>
-            <a:r>
-              <a:rPr lang="en-US" dirty="0" smtClean="0"/>
-              <a:t>these challenge </a:t>
-            </a:r>
-            <a:r>
-              <a:rPr lang="en-US" dirty="0" smtClean="0"/>
-              <a:t>me: </a:t>
+              <a:t>these challenge me: </a:t>
             </a:r>
             <a:r>
               <a:rPr lang="en-US" dirty="0" smtClean="0">
@@ -6645,17 +6909,16 @@
           <a:p>
             <a:r>
               <a:rPr lang="en-US" dirty="0" smtClean="0"/>
-              <a:t>C++ </a:t>
-            </a:r>
-            <a:r>
-              <a:rPr lang="en-US" smtClean="0"/>
-              <a:t>Stdard </a:t>
-            </a:r>
-            <a:r>
+              <a:t>C++ Standard Library / STL:</a:t>
+            </a:r>
+            <a:br>
               <a:rPr lang="en-US" dirty="0" smtClean="0"/>
-              <a:t>Library / STL: Not Object Oriented</a:t>
-            </a:r>
-            <a:endParaRPr lang="en-US" dirty="0"/>
+            </a:br>
+            <a:r>
+              <a:rPr lang="en-US" i="1" dirty="0" smtClean="0"/>
+              <a:t>Not Object Oriented!</a:t>
+            </a:r>
+            <a:endParaRPr lang="en-US" i="1" dirty="0"/>
           </a:p>
         </p:txBody>
       </p:sp>
@@ -6847,11 +7110,7 @@
             <a:pPr lvl="1"/>
             <a:r>
               <a:rPr lang="en-US" dirty="0" smtClean="0"/>
-              <a:t>Java .</a:t>
-            </a:r>
-            <a:r>
-              <a:rPr lang="en-US" dirty="0" smtClean="0"/>
-              <a:t>JAR, .WAR; </a:t>
+              <a:t>Java .JAR, .WAR; </a:t>
             </a:r>
             <a:r>
               <a:rPr lang="en-US" dirty="0" smtClean="0">
@@ -6870,11 +7129,7 @@
           <a:p>
             <a:r>
               <a:rPr lang="en-US" dirty="0" smtClean="0"/>
-              <a:t>Strings in switch() statement (C</a:t>
-            </a:r>
-            <a:r>
-              <a:rPr lang="en-US" dirty="0" smtClean="0"/>
-              <a:t>#)</a:t>
+              <a:t>Strings in switch() statement (C#)</a:t>
             </a:r>
           </a:p>
           <a:p>
@@ -6882,7 +7137,6 @@
               <a:rPr lang="en-US" dirty="0" smtClean="0"/>
               <a:t>Decimal</a:t>
             </a:r>
-            <a:endParaRPr lang="en-US" dirty="0" smtClean="0"/>
           </a:p>
           <a:p>
             <a:r>
@@ -7121,11 +7375,7 @@
           <a:p>
             <a:r>
               <a:rPr lang="en-US" dirty="0" smtClean="0"/>
-              <a:t>C++ </a:t>
-            </a:r>
-            <a:r>
-              <a:rPr lang="en-US" dirty="0" smtClean="0"/>
-              <a:t>Rule of 3</a:t>
+              <a:t>C++ Rule of 3</a:t>
             </a:r>
             <a:endParaRPr lang="en-US" dirty="0"/>
           </a:p>
@@ -7181,7 +7431,6 @@
               <a:rPr lang="en-US" dirty="0"/>
               <a:t>a class requires a user-defined destructor, a user-defined copy constructor, or a user-defined copy assignment operator, it almost certainly requires all three.</a:t>
             </a:r>
-            <a:endParaRPr lang="en-US" dirty="0"/>
           </a:p>
         </p:txBody>
       </p:sp>

--- a/doc/Fun_with_C++11.pptx
+++ b/doc/Fun_with_C++11.pptx
@@ -7,23 +7,27 @@
   <p:sldIdLst>
     <p:sldId id="256" r:id="rId2"/>
     <p:sldId id="260" r:id="rId3"/>
-    <p:sldId id="258" r:id="rId4"/>
-    <p:sldId id="272" r:id="rId5"/>
-    <p:sldId id="273" r:id="rId6"/>
-    <p:sldId id="264" r:id="rId7"/>
-    <p:sldId id="257" r:id="rId8"/>
-    <p:sldId id="259" r:id="rId9"/>
-    <p:sldId id="270" r:id="rId10"/>
-    <p:sldId id="271" r:id="rId11"/>
-    <p:sldId id="262" r:id="rId12"/>
-    <p:sldId id="263" r:id="rId13"/>
-    <p:sldId id="261" r:id="rId14"/>
-    <p:sldId id="274" r:id="rId15"/>
-    <p:sldId id="265" r:id="rId16"/>
-    <p:sldId id="266" r:id="rId17"/>
-    <p:sldId id="267" r:id="rId18"/>
-    <p:sldId id="268" r:id="rId19"/>
-    <p:sldId id="269" r:id="rId20"/>
+    <p:sldId id="275" r:id="rId4"/>
+    <p:sldId id="276" r:id="rId5"/>
+    <p:sldId id="258" r:id="rId6"/>
+    <p:sldId id="272" r:id="rId7"/>
+    <p:sldId id="273" r:id="rId8"/>
+    <p:sldId id="277" r:id="rId9"/>
+    <p:sldId id="278" r:id="rId10"/>
+    <p:sldId id="264" r:id="rId11"/>
+    <p:sldId id="257" r:id="rId12"/>
+    <p:sldId id="259" r:id="rId13"/>
+    <p:sldId id="270" r:id="rId14"/>
+    <p:sldId id="271" r:id="rId15"/>
+    <p:sldId id="262" r:id="rId16"/>
+    <p:sldId id="263" r:id="rId17"/>
+    <p:sldId id="261" r:id="rId18"/>
+    <p:sldId id="274" r:id="rId19"/>
+    <p:sldId id="265" r:id="rId20"/>
+    <p:sldId id="266" r:id="rId21"/>
+    <p:sldId id="267" r:id="rId22"/>
+    <p:sldId id="268" r:id="rId23"/>
+    <p:sldId id="269" r:id="rId24"/>
   </p:sldIdLst>
   <p:sldSz cx="9144000" cy="6858000" type="screen4x3"/>
   <p:notesSz cx="6858000" cy="9144000"/>
@@ -122,6 +126,22 @@
       </a:defRPr>
     </a:lvl9pPr>
   </p:defaultTextStyle>
+  <p:extLst>
+    <p:ext uri="{EFAFB233-063F-42B5-8137-9DF3F51BA10A}">
+      <p15:sldGuideLst xmlns:p15="http://schemas.microsoft.com/office/powerpoint/2012/main">
+        <p15:guide id="1" orient="horz" pos="2160">
+          <p15:clr>
+            <a:srgbClr val="A4A3A4"/>
+          </p15:clr>
+        </p15:guide>
+        <p15:guide id="2" pos="2880">
+          <p15:clr>
+            <a:srgbClr val="A4A3A4"/>
+          </p15:clr>
+        </p15:guide>
+      </p15:sldGuideLst>
+    </p:ext>
+  </p:extLst>
 </p:presentation>
 </file>
 
@@ -306,7 +326,7 @@
           <a:p>
             <a:fld id="{81509AD4-132E-4B79-8E81-ED2DE054EDF4}" type="datetimeFigureOut">
               <a:rPr lang="en-US" smtClean="0"/>
-              <a:t>11/7/2014</a:t>
+              <a:t>11/8/2014</a:t>
             </a:fld>
             <a:endParaRPr lang="en-US" dirty="0"/>
           </a:p>
@@ -476,7 +496,7 @@
           <a:p>
             <a:fld id="{81509AD4-132E-4B79-8E81-ED2DE054EDF4}" type="datetimeFigureOut">
               <a:rPr lang="en-US" smtClean="0"/>
-              <a:t>11/7/2014</a:t>
+              <a:t>11/8/2014</a:t>
             </a:fld>
             <a:endParaRPr lang="en-US" dirty="0"/>
           </a:p>
@@ -656,7 +676,7 @@
           <a:p>
             <a:fld id="{81509AD4-132E-4B79-8E81-ED2DE054EDF4}" type="datetimeFigureOut">
               <a:rPr lang="en-US" smtClean="0"/>
-              <a:t>11/7/2014</a:t>
+              <a:t>11/8/2014</a:t>
             </a:fld>
             <a:endParaRPr lang="en-US" dirty="0"/>
           </a:p>
@@ -826,7 +846,7 @@
           <a:p>
             <a:fld id="{81509AD4-132E-4B79-8E81-ED2DE054EDF4}" type="datetimeFigureOut">
               <a:rPr lang="en-US" smtClean="0"/>
-              <a:t>11/7/2014</a:t>
+              <a:t>11/8/2014</a:t>
             </a:fld>
             <a:endParaRPr lang="en-US" dirty="0"/>
           </a:p>
@@ -1072,7 +1092,7 @@
           <a:p>
             <a:fld id="{81509AD4-132E-4B79-8E81-ED2DE054EDF4}" type="datetimeFigureOut">
               <a:rPr lang="en-US" smtClean="0"/>
-              <a:t>11/7/2014</a:t>
+              <a:t>11/8/2014</a:t>
             </a:fld>
             <a:endParaRPr lang="en-US" dirty="0"/>
           </a:p>
@@ -1360,7 +1380,7 @@
           <a:p>
             <a:fld id="{81509AD4-132E-4B79-8E81-ED2DE054EDF4}" type="datetimeFigureOut">
               <a:rPr lang="en-US" smtClean="0"/>
-              <a:t>11/7/2014</a:t>
+              <a:t>11/8/2014</a:t>
             </a:fld>
             <a:endParaRPr lang="en-US" dirty="0"/>
           </a:p>
@@ -1782,7 +1802,7 @@
           <a:p>
             <a:fld id="{81509AD4-132E-4B79-8E81-ED2DE054EDF4}" type="datetimeFigureOut">
               <a:rPr lang="en-US" smtClean="0"/>
-              <a:t>11/7/2014</a:t>
+              <a:t>11/8/2014</a:t>
             </a:fld>
             <a:endParaRPr lang="en-US" dirty="0"/>
           </a:p>
@@ -1900,7 +1920,7 @@
           <a:p>
             <a:fld id="{81509AD4-132E-4B79-8E81-ED2DE054EDF4}" type="datetimeFigureOut">
               <a:rPr lang="en-US" smtClean="0"/>
-              <a:t>11/7/2014</a:t>
+              <a:t>11/8/2014</a:t>
             </a:fld>
             <a:endParaRPr lang="en-US" dirty="0"/>
           </a:p>
@@ -1995,7 +2015,7 @@
           <a:p>
             <a:fld id="{81509AD4-132E-4B79-8E81-ED2DE054EDF4}" type="datetimeFigureOut">
               <a:rPr lang="en-US" smtClean="0"/>
-              <a:t>11/7/2014</a:t>
+              <a:t>11/8/2014</a:t>
             </a:fld>
             <a:endParaRPr lang="en-US" dirty="0"/>
           </a:p>
@@ -2272,7 +2292,7 @@
           <a:p>
             <a:fld id="{81509AD4-132E-4B79-8E81-ED2DE054EDF4}" type="datetimeFigureOut">
               <a:rPr lang="en-US" smtClean="0"/>
-              <a:t>11/7/2014</a:t>
+              <a:t>11/8/2014</a:t>
             </a:fld>
             <a:endParaRPr lang="en-US" dirty="0"/>
           </a:p>
@@ -2525,7 +2545,7 @@
           <a:p>
             <a:fld id="{81509AD4-132E-4B79-8E81-ED2DE054EDF4}" type="datetimeFigureOut">
               <a:rPr lang="en-US" smtClean="0"/>
-              <a:t>11/7/2014</a:t>
+              <a:t>11/8/2014</a:t>
             </a:fld>
             <a:endParaRPr lang="en-US" dirty="0"/>
           </a:p>
@@ -2738,7 +2758,7 @@
           <a:p>
             <a:fld id="{81509AD4-132E-4B79-8E81-ED2DE054EDF4}" type="datetimeFigureOut">
               <a:rPr lang="en-US" smtClean="0"/>
-              <a:t>11/7/2014</a:t>
+              <a:t>11/8/2014</a:t>
             </a:fld>
             <a:endParaRPr lang="en-US" dirty="0"/>
           </a:p>
@@ -3204,67 +3224,105 @@
         </p:nvSpPr>
         <p:spPr/>
         <p:txBody>
-          <a:bodyPr/>
+          <a:bodyPr>
+            <a:normAutofit fontScale="90000"/>
+          </a:bodyPr>
           <a:lstStyle/>
           <a:p>
             <a:r>
               <a:rPr lang="en-US" dirty="0" smtClean="0"/>
-              <a:t>C++11 Rule of 5</a:t>
+              <a:t>C++ Standard Library / STL:</a:t>
+            </a:r>
+            <a:br>
+              <a:rPr lang="en-US" dirty="0" smtClean="0"/>
+            </a:br>
+            <a:r>
+              <a:rPr lang="en-US" i="1" dirty="0" smtClean="0"/>
+              <a:t>Not Object Oriented!</a:t>
+            </a:r>
+            <a:endParaRPr lang="en-US" i="1" dirty="0"/>
+          </a:p>
+        </p:txBody>
+      </p:sp>
+      <p:sp>
+        <p:nvSpPr>
+          <p:cNvPr id="3" name="Content Placeholder 2"/>
+          <p:cNvSpPr>
+            <a:spLocks noGrp="1"/>
+          </p:cNvSpPr>
+          <p:nvPr>
+            <p:ph idx="1"/>
+          </p:nvPr>
+        </p:nvSpPr>
+        <p:spPr/>
+        <p:txBody>
+          <a:bodyPr>
+            <a:normAutofit/>
+          </a:bodyPr>
+          <a:lstStyle/>
+          <a:p>
+            <a:r>
+              <a:rPr lang="en-US" dirty="0" smtClean="0"/>
+              <a:t>Read what the creator of the STL has to say about this</a:t>
+            </a:r>
+            <a:r>
+              <a:rPr lang="en-US" dirty="0"/>
+              <a:t>:</a:t>
+            </a:r>
+            <a:endParaRPr lang="en-US" dirty="0" smtClean="0"/>
+          </a:p>
+          <a:p>
+            <a:pPr marL="400050" lvl="1" indent="0">
+              <a:buNone/>
+            </a:pPr>
+            <a:r>
+              <a:rPr lang="en-US" dirty="0">
+                <a:hlinkClick r:id="rId2"/>
+              </a:rPr>
+              <a:t>https://en.wikipedia.org/wiki/Alexander_Stepanov#Criticism_of_OOP</a:t>
             </a:r>
             <a:endParaRPr lang="en-US" dirty="0"/>
           </a:p>
-        </p:txBody>
-      </p:sp>
-      <p:sp>
-        <p:nvSpPr>
-          <p:cNvPr id="3" name="Content Placeholder 2"/>
-          <p:cNvSpPr>
-            <a:spLocks noGrp="1"/>
-          </p:cNvSpPr>
-          <p:nvPr>
-            <p:ph idx="1"/>
-          </p:nvPr>
-        </p:nvSpPr>
-        <p:spPr/>
-        <p:txBody>
-          <a:bodyPr/>
-          <a:lstStyle/>
+          <a:p>
+            <a:r>
+              <a:rPr lang="en-US" dirty="0" smtClean="0"/>
+              <a:t>He’s got a new book, too:</a:t>
+            </a:r>
+          </a:p>
+          <a:p>
+            <a:pPr marL="400050" lvl="1" indent="0">
+              <a:buNone/>
+            </a:pPr>
+            <a:r>
+              <a:rPr lang="en-US" dirty="0" smtClean="0">
+                <a:hlinkClick r:id="rId3"/>
+              </a:rPr>
+              <a:t>http</a:t>
+            </a:r>
+            <a:r>
+              <a:rPr lang="en-US" dirty="0">
+                <a:hlinkClick r:id="rId3"/>
+              </a:rPr>
+              <a:t>://</a:t>
+            </a:r>
+            <a:r>
+              <a:rPr lang="en-US" dirty="0" smtClean="0">
+                <a:hlinkClick r:id="rId3"/>
+              </a:rPr>
+              <a:t>www.informit.com/store/from-mathematics-to-generic-programming-9780321942043</a:t>
+            </a:r>
+            <a:endParaRPr lang="en-US" dirty="0" smtClean="0"/>
+          </a:p>
           <a:p>
             <a:pPr marL="0" indent="0">
               <a:buNone/>
             </a:pPr>
-            <a:r>
-              <a:rPr lang="en-US" sz="2400" dirty="0">
-                <a:hlinkClick r:id="rId2"/>
-              </a:rPr>
-              <a:t>http://</a:t>
-            </a:r>
-            <a:r>
-              <a:rPr lang="en-US" sz="2400" dirty="0" smtClean="0">
-                <a:hlinkClick r:id="rId2"/>
-              </a:rPr>
-              <a:t>en.cppreference.com/w/cpp/language/rule_of_three</a:t>
-            </a:r>
-            <a:endParaRPr lang="en-US" sz="2400" dirty="0" smtClean="0"/>
+            <a:endParaRPr lang="en-US" dirty="0" smtClean="0"/>
           </a:p>
           <a:p>
             <a:pPr marL="0" indent="0">
               <a:buNone/>
             </a:pPr>
-            <a:endParaRPr lang="en-US" dirty="0" smtClean="0"/>
-          </a:p>
-          <a:p>
-            <a:pPr marL="400050" lvl="1" indent="0">
-              <a:buNone/>
-            </a:pPr>
-            <a:r>
-              <a:rPr lang="en-US" dirty="0"/>
-              <a:t>“Because the presence of a user-defined destructor, copy-constructor, or copy-assignment operator prevents implicit definition of the move constructor and the move assignment operator, any class for which move semantics are desirable, has to declare all five special member </a:t>
-            </a:r>
-            <a:r>
-              <a:rPr lang="en-US" dirty="0" smtClean="0"/>
-              <a:t>functions.</a:t>
-            </a:r>
             <a:endParaRPr lang="en-US" dirty="0"/>
           </a:p>
         </p:txBody>
@@ -3272,7 +3330,7 @@
     </p:spTree>
     <p:extLst>
       <p:ext uri="{BB962C8B-B14F-4D97-AF65-F5344CB8AC3E}">
-        <p14:creationId xmlns:p14="http://schemas.microsoft.com/office/powerpoint/2010/main" val="2995229971"/>
+        <p14:creationId xmlns:p14="http://schemas.microsoft.com/office/powerpoint/2010/main" val="1243197235"/>
       </p:ext>
     </p:extLst>
   </p:cSld>
@@ -3323,7 +3381,7 @@
           <a:p>
             <a:r>
               <a:rPr lang="en-US" dirty="0" smtClean="0"/>
-              <a:t>Which C++ compiler?</a:t>
+              <a:t>What’s missing</a:t>
             </a:r>
             <a:endParaRPr lang="en-US" dirty="0"/>
           </a:p>
@@ -3339,188 +3397,129 @@
             <p:ph idx="1"/>
           </p:nvPr>
         </p:nvSpPr>
-        <p:spPr/>
+        <p:spPr>
+          <a:xfrm>
+            <a:off x="457200" y="1295400"/>
+            <a:ext cx="8229600" cy="4830763"/>
+          </a:xfrm>
+        </p:spPr>
         <p:txBody>
           <a:bodyPr>
-            <a:normAutofit/>
+            <a:normAutofit fontScale="85000" lnSpcReduction="20000"/>
           </a:bodyPr>
           <a:lstStyle/>
           <a:p>
-            <a:pPr marL="457200" lvl="1" indent="0">
-              <a:buNone/>
-            </a:pPr>
-            <a:endParaRPr lang="en-US" sz="1800" dirty="0" smtClean="0">
-              <a:latin typeface="Consolas" panose="020B0609020204030204" pitchFamily="49" charset="0"/>
-              <a:cs typeface="Consolas" panose="020B0609020204030204" pitchFamily="49" charset="0"/>
-            </a:endParaRPr>
-          </a:p>
-          <a:p>
-            <a:pPr marL="457200" lvl="1" indent="0">
-              <a:buNone/>
-            </a:pPr>
-            <a:r>
-              <a:rPr lang="en-US" sz="1800" dirty="0" smtClean="0">
-                <a:latin typeface="Consolas" panose="020B0609020204030204" pitchFamily="49" charset="0"/>
-                <a:cs typeface="Consolas" panose="020B0609020204030204" pitchFamily="49" charset="0"/>
-              </a:rPr>
-              <a:t>c</a:t>
-            </a:r>
-            <a:r>
-              <a:rPr lang="en-US" sz="1800" dirty="0">
-                <a:latin typeface="Consolas" panose="020B0609020204030204" pitchFamily="49" charset="0"/>
-                <a:cs typeface="Consolas" panose="020B0609020204030204" pitchFamily="49" charset="0"/>
-              </a:rPr>
-              <a:t>:\apps\WinDDK\7600.16385.1</a:t>
-            </a:r>
-            <a:r>
-              <a:rPr lang="en-US" sz="1800" dirty="0" smtClean="0">
-                <a:latin typeface="Consolas" panose="020B0609020204030204" pitchFamily="49" charset="0"/>
-                <a:cs typeface="Consolas" panose="020B0609020204030204" pitchFamily="49" charset="0"/>
-              </a:rPr>
-              <a:t>&gt; bin\setenv.bat </a:t>
-            </a:r>
-            <a:r>
-              <a:rPr lang="en-US" sz="1800" dirty="0">
-                <a:latin typeface="Consolas" panose="020B0609020204030204" pitchFamily="49" charset="0"/>
-                <a:cs typeface="Consolas" panose="020B0609020204030204" pitchFamily="49" charset="0"/>
-              </a:rPr>
-              <a:t>. WLH</a:t>
-            </a:r>
-          </a:p>
-          <a:p>
-            <a:pPr marL="457200" lvl="1" indent="0">
-              <a:buNone/>
-            </a:pPr>
-            <a:endParaRPr lang="en-US" sz="1800" dirty="0">
-              <a:latin typeface="Consolas" panose="020B0609020204030204" pitchFamily="49" charset="0"/>
-              <a:cs typeface="Consolas" panose="020B0609020204030204" pitchFamily="49" charset="0"/>
-            </a:endParaRPr>
-          </a:p>
-          <a:p>
-            <a:pPr marL="457200" lvl="1" indent="0">
-              <a:buNone/>
-            </a:pPr>
-            <a:r>
-              <a:rPr lang="en-US" sz="1800" dirty="0">
-                <a:latin typeface="Consolas" panose="020B0609020204030204" pitchFamily="49" charset="0"/>
-                <a:cs typeface="Consolas" panose="020B0609020204030204" pitchFamily="49" charset="0"/>
-              </a:rPr>
-              <a:t>c:\apps\WinDDK\7600.16385.1</a:t>
-            </a:r>
-            <a:r>
-              <a:rPr lang="en-US" sz="1800" smtClean="0">
-                <a:latin typeface="Consolas" panose="020B0609020204030204" pitchFamily="49" charset="0"/>
-                <a:cs typeface="Consolas" panose="020B0609020204030204" pitchFamily="49" charset="0"/>
-              </a:rPr>
-              <a:t>&gt; cl.exe</a:t>
-            </a:r>
-            <a:endParaRPr lang="en-US" sz="1800" dirty="0">
-              <a:latin typeface="Consolas" panose="020B0609020204030204" pitchFamily="49" charset="0"/>
-              <a:cs typeface="Consolas" panose="020B0609020204030204" pitchFamily="49" charset="0"/>
-            </a:endParaRPr>
-          </a:p>
-          <a:p>
-            <a:pPr marL="457200" lvl="1" indent="0">
-              <a:buNone/>
-            </a:pPr>
-            <a:endParaRPr lang="en-US" sz="1800" dirty="0">
-              <a:latin typeface="Consolas" panose="020B0609020204030204" pitchFamily="49" charset="0"/>
-              <a:cs typeface="Consolas" panose="020B0609020204030204" pitchFamily="49" charset="0"/>
-            </a:endParaRPr>
-          </a:p>
-          <a:p>
-            <a:pPr marL="457200" lvl="1" indent="0">
-              <a:buNone/>
-            </a:pPr>
-            <a:r>
-              <a:rPr lang="en-US" sz="1800" dirty="0">
-                <a:latin typeface="Consolas" panose="020B0609020204030204" pitchFamily="49" charset="0"/>
-                <a:cs typeface="Consolas" panose="020B0609020204030204" pitchFamily="49" charset="0"/>
-              </a:rPr>
-              <a:t>Microsoft (R) 32-bit C/C++ Optimizing Compiler Version </a:t>
-            </a:r>
-            <a:r>
-              <a:rPr lang="en-US" sz="1800" b="1" dirty="0">
-                <a:latin typeface="Consolas" panose="020B0609020204030204" pitchFamily="49" charset="0"/>
-                <a:cs typeface="Consolas" panose="020B0609020204030204" pitchFamily="49" charset="0"/>
-              </a:rPr>
-              <a:t>15.00.30729.207</a:t>
-            </a:r>
-            <a:r>
-              <a:rPr lang="en-US" sz="1800" dirty="0">
-                <a:latin typeface="Consolas" panose="020B0609020204030204" pitchFamily="49" charset="0"/>
-                <a:cs typeface="Consolas" panose="020B0609020204030204" pitchFamily="49" charset="0"/>
-              </a:rPr>
-              <a:t> for </a:t>
-            </a:r>
-            <a:r>
-              <a:rPr lang="en-US" sz="1800" dirty="0" smtClean="0">
-                <a:latin typeface="Consolas" panose="020B0609020204030204" pitchFamily="49" charset="0"/>
-                <a:cs typeface="Consolas" panose="020B0609020204030204" pitchFamily="49" charset="0"/>
-              </a:rPr>
-              <a:t>80x86</a:t>
-            </a:r>
-          </a:p>
-          <a:p>
-            <a:pPr marL="457200" lvl="1" indent="0">
-              <a:buNone/>
-            </a:pPr>
-            <a:endParaRPr lang="en-US" sz="1800" dirty="0">
-              <a:latin typeface="Consolas" panose="020B0609020204030204" pitchFamily="49" charset="0"/>
-              <a:cs typeface="Consolas" panose="020B0609020204030204" pitchFamily="49" charset="0"/>
-            </a:endParaRPr>
-          </a:p>
-          <a:p>
-            <a:pPr marL="457200" lvl="1" indent="0">
-              <a:buNone/>
-            </a:pPr>
-            <a:r>
-              <a:rPr lang="en-US" sz="1800" dirty="0">
-                <a:latin typeface="Consolas" panose="020B0609020204030204" pitchFamily="49" charset="0"/>
-                <a:cs typeface="Consolas" panose="020B0609020204030204" pitchFamily="49" charset="0"/>
-              </a:rPr>
-              <a:t>Copyright (C) Microsoft Corporation.  All rights reserved.</a:t>
-            </a:r>
-          </a:p>
-          <a:p>
-            <a:pPr marL="457200" lvl="1" indent="0">
-              <a:buNone/>
-            </a:pPr>
-            <a:r>
-              <a:rPr lang="en-US" sz="1800" dirty="0">
-                <a:latin typeface="Consolas" panose="020B0609020204030204" pitchFamily="49" charset="0"/>
-                <a:cs typeface="Consolas" panose="020B0609020204030204" pitchFamily="49" charset="0"/>
-              </a:rPr>
-              <a:t>usage: cl [ option... ] filename... [ /link </a:t>
-            </a:r>
-            <a:r>
-              <a:rPr lang="en-US" sz="1800" dirty="0" err="1">
-                <a:latin typeface="Consolas" panose="020B0609020204030204" pitchFamily="49" charset="0"/>
-                <a:cs typeface="Consolas" panose="020B0609020204030204" pitchFamily="49" charset="0"/>
-              </a:rPr>
-              <a:t>linkoption</a:t>
-            </a:r>
-            <a:r>
-              <a:rPr lang="en-US" sz="1800" dirty="0">
-                <a:latin typeface="Consolas" panose="020B0609020204030204" pitchFamily="49" charset="0"/>
-                <a:cs typeface="Consolas" panose="020B0609020204030204" pitchFamily="49" charset="0"/>
-              </a:rPr>
-              <a:t>... ]</a:t>
+            <a:r>
+              <a:rPr lang="en-US" dirty="0" smtClean="0"/>
+              <a:t>XML</a:t>
+            </a:r>
+          </a:p>
+          <a:p>
+            <a:r>
+              <a:rPr lang="en-US" dirty="0" smtClean="0"/>
+              <a:t>Packages / modules</a:t>
             </a:r>
           </a:p>
           <a:p>
             <a:pPr lvl="1"/>
-            <a:endParaRPr lang="en-US" sz="1800" dirty="0">
-              <a:latin typeface="Consolas" panose="020B0609020204030204" pitchFamily="49" charset="0"/>
-              <a:cs typeface="Consolas" panose="020B0609020204030204" pitchFamily="49" charset="0"/>
-            </a:endParaRPr>
+            <a:r>
+              <a:rPr lang="en-US" dirty="0" smtClean="0"/>
+              <a:t>PHP composer; Python pip; Ruby gems</a:t>
+            </a:r>
+            <a:endParaRPr lang="en-US" dirty="0"/>
+          </a:p>
+          <a:p>
+            <a:pPr lvl="1"/>
+            <a:r>
+              <a:rPr lang="en-US" dirty="0" smtClean="0"/>
+              <a:t>Java .JAR, .WAR; </a:t>
+            </a:r>
+            <a:r>
+              <a:rPr lang="en-US" dirty="0" smtClean="0">
+                <a:hlinkClick r:id="rId2"/>
+              </a:rPr>
+              <a:t>JPM4j</a:t>
+            </a:r>
+            <a:endParaRPr lang="en-US" dirty="0"/>
+          </a:p>
+          <a:p>
+            <a:r>
+              <a:rPr lang="en-US" dirty="0" smtClean="0"/>
+              <a:t>Garbage collection (as C#, Java, Python, …)</a:t>
+            </a:r>
+          </a:p>
+          <a:p>
+            <a:r>
+              <a:rPr lang="en-US" dirty="0" smtClean="0"/>
+              <a:t>Strings in switch() statement (C#)</a:t>
+            </a:r>
+          </a:p>
+          <a:p>
+            <a:r>
+              <a:rPr lang="en-US" dirty="0" smtClean="0"/>
+              <a:t>Decimal</a:t>
+            </a:r>
+          </a:p>
+          <a:p>
+            <a:r>
+              <a:rPr lang="en-US" dirty="0" smtClean="0"/>
+              <a:t>Serialization</a:t>
+            </a:r>
+          </a:p>
+          <a:p>
+            <a:pPr lvl="1"/>
+            <a:r>
+              <a:rPr lang="en-US" dirty="0" smtClean="0"/>
+              <a:t>see </a:t>
+            </a:r>
+            <a:r>
+              <a:rPr lang="en-US" dirty="0" smtClean="0">
+                <a:hlinkClick r:id="rId3"/>
+              </a:rPr>
+              <a:t>google </a:t>
+            </a:r>
+            <a:r>
+              <a:rPr lang="en-US" dirty="0" err="1" smtClean="0">
+                <a:hlinkClick r:id="rId3"/>
+              </a:rPr>
+              <a:t>FlatBuffers</a:t>
+            </a:r>
+            <a:r>
+              <a:rPr lang="en-US" dirty="0" smtClean="0">
+                <a:hlinkClick r:id="rId3"/>
+              </a:rPr>
+              <a:t> </a:t>
+            </a:r>
+            <a:r>
+              <a:rPr lang="en-US" dirty="0" smtClean="0"/>
+              <a:t>– good, modern C++</a:t>
+            </a:r>
+          </a:p>
+          <a:p>
+            <a:r>
+              <a:rPr lang="en-US" dirty="0" smtClean="0"/>
+              <a:t>Run-time introspection (C#, Java, Python, …)</a:t>
+            </a:r>
+          </a:p>
+          <a:p>
+            <a:r>
+              <a:rPr lang="en-US" dirty="0" smtClean="0"/>
+              <a:t>Interfaces: Need [ugly] abstract classes</a:t>
+            </a:r>
+          </a:p>
+          <a:p>
+            <a:r>
+              <a:rPr lang="en-US" dirty="0" smtClean="0"/>
+              <a:t>command-line parsing</a:t>
+            </a:r>
+            <a:endParaRPr lang="en-US" dirty="0"/>
           </a:p>
         </p:txBody>
       </p:sp>
     </p:spTree>
     <p:extLst>
       <p:ext uri="{BB962C8B-B14F-4D97-AF65-F5344CB8AC3E}">
-        <p14:creationId xmlns:p14="http://schemas.microsoft.com/office/powerpoint/2010/main" val="2118868596"/>
+        <p14:creationId xmlns:p14="http://schemas.microsoft.com/office/powerpoint/2010/main" val="2897646070"/>
       </p:ext>
     </p:extLst>
   </p:cSld>
@@ -3570,8 +3569,8 @@
           <a:lstStyle/>
           <a:p>
             <a:r>
-              <a:rPr lang="en-US" smtClean="0"/>
-              <a:t>Which C++ compiler?</a:t>
+              <a:rPr lang="en-US" dirty="0" smtClean="0"/>
+              <a:t>C++ Idioms</a:t>
             </a:r>
             <a:endParaRPr lang="en-US" dirty="0"/>
           </a:p>
@@ -3589,343 +3588,65 @@
         </p:nvSpPr>
         <p:spPr/>
         <p:txBody>
-          <a:bodyPr>
-            <a:normAutofit lnSpcReduction="10000"/>
-          </a:bodyPr>
-          <a:lstStyle/>
-          <a:p>
-            <a:pPr marL="0" indent="0">
-              <a:buNone/>
-            </a:pPr>
-            <a:r>
-              <a:rPr lang="en-US" sz="2600" dirty="0" smtClean="0">
-                <a:cs typeface="Consolas" panose="020B0609020204030204" pitchFamily="49" charset="0"/>
-              </a:rPr>
-              <a:t>Set </a:t>
-            </a:r>
-            <a:r>
-              <a:rPr lang="en-US" sz="2600" dirty="0">
-                <a:cs typeface="Consolas" panose="020B0609020204030204" pitchFamily="49" charset="0"/>
-              </a:rPr>
-              <a:t>the environment; run </a:t>
-            </a:r>
-            <a:r>
-              <a:rPr lang="en-US" sz="2600" dirty="0" smtClean="0">
-                <a:cs typeface="Consolas" panose="020B0609020204030204" pitchFamily="49" charset="0"/>
-              </a:rPr>
-              <a:t>CL.EXE</a:t>
-            </a:r>
-          </a:p>
-          <a:p>
-            <a:r>
-              <a:rPr lang="en-US" sz="2600" dirty="0" smtClean="0">
-                <a:cs typeface="Consolas" panose="020B0609020204030204" pitchFamily="49" charset="0"/>
-              </a:rPr>
-              <a:t>Visual Studio help/about: fail</a:t>
-            </a:r>
-          </a:p>
-          <a:p>
-            <a:r>
-              <a:rPr lang="en-US" sz="2600" dirty="0" smtClean="0">
-                <a:cs typeface="Consolas" panose="020B0609020204030204" pitchFamily="49" charset="0"/>
-              </a:rPr>
-              <a:t>Look for “C++” </a:t>
-            </a:r>
-            <a:r>
-              <a:rPr lang="en-US" sz="2600" dirty="0" smtClean="0">
-                <a:cs typeface="Consolas" panose="020B0609020204030204" pitchFamily="49" charset="0"/>
+          <a:bodyPr/>
+          <a:lstStyle/>
+          <a:p>
+            <a:r>
+              <a:rPr lang="en-US" dirty="0" smtClean="0">
                 <a:hlinkClick r:id="rId2"/>
               </a:rPr>
-              <a:t>here</a:t>
-            </a:r>
-            <a:r>
-              <a:rPr lang="en-US" sz="2600" dirty="0" smtClean="0">
-                <a:cs typeface="Consolas" panose="020B0609020204030204" pitchFamily="49" charset="0"/>
-              </a:rPr>
-              <a:t> for all MS C++ compiler versions</a:t>
-            </a:r>
-            <a:endParaRPr lang="en-US" sz="2600" dirty="0">
-              <a:cs typeface="Consolas" panose="020B0609020204030204" pitchFamily="49" charset="0"/>
-            </a:endParaRPr>
-          </a:p>
-          <a:p>
-            <a:pPr marL="0" indent="0">
-              <a:buNone/>
-            </a:pPr>
-            <a:endParaRPr lang="en-US" sz="1800" dirty="0">
-              <a:latin typeface="Consolas" panose="020B0609020204030204" pitchFamily="49" charset="0"/>
-              <a:cs typeface="Consolas" panose="020B0609020204030204" pitchFamily="49" charset="0"/>
-            </a:endParaRPr>
-          </a:p>
-          <a:p>
-            <a:pPr marL="0" indent="0">
-              <a:buNone/>
-            </a:pPr>
-            <a:r>
-              <a:rPr lang="en-US" sz="1800" b="1" dirty="0" smtClean="0">
-                <a:latin typeface="Consolas" panose="020B0609020204030204" pitchFamily="49" charset="0"/>
-                <a:cs typeface="Consolas" panose="020B0609020204030204" pitchFamily="49" charset="0"/>
-              </a:rPr>
-              <a:t>vs2013</a:t>
-            </a:r>
-            <a:r>
-              <a:rPr lang="en-US" sz="1800" dirty="0" smtClean="0">
-                <a:latin typeface="Consolas" panose="020B0609020204030204" pitchFamily="49" charset="0"/>
-                <a:cs typeface="Consolas" panose="020B0609020204030204" pitchFamily="49" charset="0"/>
-              </a:rPr>
-              <a:t>env: Microsoft </a:t>
-            </a:r>
-            <a:r>
-              <a:rPr lang="en-US" sz="1800" dirty="0">
-                <a:latin typeface="Consolas" panose="020B0609020204030204" pitchFamily="49" charset="0"/>
-                <a:cs typeface="Consolas" panose="020B0609020204030204" pitchFamily="49" charset="0"/>
-              </a:rPr>
-              <a:t>(R) C/C++ Optimizing Compiler Version </a:t>
-            </a:r>
-            <a:r>
-              <a:rPr lang="en-US" sz="1800" b="1" dirty="0">
-                <a:latin typeface="Consolas" panose="020B0609020204030204" pitchFamily="49" charset="0"/>
-                <a:cs typeface="Consolas" panose="020B0609020204030204" pitchFamily="49" charset="0"/>
-              </a:rPr>
-              <a:t>18.00.31010</a:t>
-            </a:r>
-            <a:r>
-              <a:rPr lang="en-US" sz="1800" dirty="0">
-                <a:latin typeface="Consolas" panose="020B0609020204030204" pitchFamily="49" charset="0"/>
-                <a:cs typeface="Consolas" panose="020B0609020204030204" pitchFamily="49" charset="0"/>
-              </a:rPr>
-              <a:t> for </a:t>
-            </a:r>
-            <a:r>
-              <a:rPr lang="en-US" sz="1800" dirty="0" smtClean="0">
-                <a:latin typeface="Consolas" panose="020B0609020204030204" pitchFamily="49" charset="0"/>
-                <a:cs typeface="Consolas" panose="020B0609020204030204" pitchFamily="49" charset="0"/>
-              </a:rPr>
-              <a:t>x86</a:t>
-            </a:r>
-            <a:endParaRPr lang="en-US" sz="1800" dirty="0">
-              <a:latin typeface="Consolas" panose="020B0609020204030204" pitchFamily="49" charset="0"/>
-              <a:cs typeface="Consolas" panose="020B0609020204030204" pitchFamily="49" charset="0"/>
-            </a:endParaRPr>
-          </a:p>
-          <a:p>
-            <a:pPr marL="0" indent="0">
-              <a:buNone/>
-            </a:pPr>
-            <a:r>
-              <a:rPr lang="en-US" sz="1800" b="1" dirty="0" smtClean="0">
-                <a:latin typeface="Consolas" panose="020B0609020204030204" pitchFamily="49" charset="0"/>
-                <a:cs typeface="Consolas" panose="020B0609020204030204" pitchFamily="49" charset="0"/>
-              </a:rPr>
-              <a:t>vs2012</a:t>
-            </a:r>
-            <a:r>
-              <a:rPr lang="en-US" sz="1800" dirty="0" smtClean="0">
-                <a:latin typeface="Consolas" panose="020B0609020204030204" pitchFamily="49" charset="0"/>
-                <a:cs typeface="Consolas" panose="020B0609020204030204" pitchFamily="49" charset="0"/>
-              </a:rPr>
-              <a:t>env: Microsoft </a:t>
-            </a:r>
-            <a:r>
-              <a:rPr lang="en-US" sz="1800" dirty="0">
-                <a:latin typeface="Consolas" panose="020B0609020204030204" pitchFamily="49" charset="0"/>
-                <a:cs typeface="Consolas" panose="020B0609020204030204" pitchFamily="49" charset="0"/>
-              </a:rPr>
-              <a:t>(R) C/C++ Optimizing Compiler Version </a:t>
-            </a:r>
-            <a:r>
-              <a:rPr lang="en-US" sz="1800" b="1" dirty="0">
-                <a:latin typeface="Consolas" panose="020B0609020204030204" pitchFamily="49" charset="0"/>
-                <a:cs typeface="Consolas" panose="020B0609020204030204" pitchFamily="49" charset="0"/>
-              </a:rPr>
-              <a:t>17.00.61030</a:t>
-            </a:r>
-            <a:r>
-              <a:rPr lang="en-US" sz="1800" dirty="0">
-                <a:latin typeface="Consolas" panose="020B0609020204030204" pitchFamily="49" charset="0"/>
-                <a:cs typeface="Consolas" panose="020B0609020204030204" pitchFamily="49" charset="0"/>
-              </a:rPr>
-              <a:t> for </a:t>
-            </a:r>
-            <a:r>
-              <a:rPr lang="en-US" sz="1800" dirty="0" smtClean="0">
-                <a:latin typeface="Consolas" panose="020B0609020204030204" pitchFamily="49" charset="0"/>
-                <a:cs typeface="Consolas" panose="020B0609020204030204" pitchFamily="49" charset="0"/>
-              </a:rPr>
-              <a:t>x86</a:t>
-            </a:r>
-            <a:endParaRPr lang="en-US" sz="1800" dirty="0">
-              <a:latin typeface="Consolas" panose="020B0609020204030204" pitchFamily="49" charset="0"/>
-              <a:cs typeface="Consolas" panose="020B0609020204030204" pitchFamily="49" charset="0"/>
-            </a:endParaRPr>
-          </a:p>
-          <a:p>
-            <a:pPr marL="0" indent="0">
-              <a:buNone/>
-            </a:pPr>
-            <a:r>
-              <a:rPr lang="en-US" sz="1800" dirty="0" smtClean="0">
-                <a:latin typeface="Consolas" panose="020B0609020204030204" pitchFamily="49" charset="0"/>
-                <a:cs typeface="Consolas" panose="020B0609020204030204" pitchFamily="49" charset="0"/>
-              </a:rPr>
-              <a:t>vs</a:t>
-            </a:r>
-            <a:r>
-              <a:rPr lang="en-US" sz="1800" b="1" dirty="0" smtClean="0">
-                <a:latin typeface="Consolas" panose="020B0609020204030204" pitchFamily="49" charset="0"/>
-                <a:cs typeface="Consolas" panose="020B0609020204030204" pitchFamily="49" charset="0"/>
-              </a:rPr>
-              <a:t>2010</a:t>
-            </a:r>
-            <a:r>
-              <a:rPr lang="en-US" sz="1800" dirty="0" smtClean="0">
-                <a:latin typeface="Consolas" panose="020B0609020204030204" pitchFamily="49" charset="0"/>
-                <a:cs typeface="Consolas" panose="020B0609020204030204" pitchFamily="49" charset="0"/>
-              </a:rPr>
-              <a:t>env: Microsoft </a:t>
-            </a:r>
-            <a:r>
-              <a:rPr lang="en-US" sz="1800" dirty="0">
-                <a:latin typeface="Consolas" panose="020B0609020204030204" pitchFamily="49" charset="0"/>
-                <a:cs typeface="Consolas" panose="020B0609020204030204" pitchFamily="49" charset="0"/>
-              </a:rPr>
-              <a:t>(R) 32-bit C/C++ Optimizing Compiler Version </a:t>
-            </a:r>
-            <a:r>
-              <a:rPr lang="en-US" sz="1800" b="1" dirty="0">
-                <a:latin typeface="Consolas" panose="020B0609020204030204" pitchFamily="49" charset="0"/>
-                <a:cs typeface="Consolas" panose="020B0609020204030204" pitchFamily="49" charset="0"/>
-              </a:rPr>
-              <a:t>16.00.40219.01</a:t>
-            </a:r>
-            <a:r>
-              <a:rPr lang="en-US" sz="1800" dirty="0">
-                <a:latin typeface="Consolas" panose="020B0609020204030204" pitchFamily="49" charset="0"/>
-                <a:cs typeface="Consolas" panose="020B0609020204030204" pitchFamily="49" charset="0"/>
-              </a:rPr>
-              <a:t> for </a:t>
-            </a:r>
-            <a:r>
-              <a:rPr lang="en-US" sz="1800" dirty="0" smtClean="0">
-                <a:latin typeface="Consolas" panose="020B0609020204030204" pitchFamily="49" charset="0"/>
-                <a:cs typeface="Consolas" panose="020B0609020204030204" pitchFamily="49" charset="0"/>
-              </a:rPr>
-              <a:t>80x86</a:t>
-            </a:r>
-            <a:endParaRPr lang="en-US" sz="1800" dirty="0">
-              <a:latin typeface="Consolas" panose="020B0609020204030204" pitchFamily="49" charset="0"/>
-              <a:cs typeface="Consolas" panose="020B0609020204030204" pitchFamily="49" charset="0"/>
-            </a:endParaRPr>
-          </a:p>
-          <a:p>
-            <a:pPr marL="0" indent="0">
-              <a:buNone/>
-            </a:pPr>
-            <a:r>
-              <a:rPr lang="en-US" sz="1800" dirty="0" smtClean="0">
-                <a:latin typeface="Consolas" panose="020B0609020204030204" pitchFamily="49" charset="0"/>
-                <a:cs typeface="Consolas" panose="020B0609020204030204" pitchFamily="49" charset="0"/>
-              </a:rPr>
-              <a:t>vs</a:t>
-            </a:r>
-            <a:r>
-              <a:rPr lang="en-US" sz="1800" b="1" dirty="0" smtClean="0">
-                <a:latin typeface="Consolas" panose="020B0609020204030204" pitchFamily="49" charset="0"/>
-                <a:cs typeface="Consolas" panose="020B0609020204030204" pitchFamily="49" charset="0"/>
-              </a:rPr>
-              <a:t>2008</a:t>
-            </a:r>
-            <a:r>
-              <a:rPr lang="en-US" sz="1800" dirty="0" smtClean="0">
-                <a:latin typeface="Consolas" panose="020B0609020204030204" pitchFamily="49" charset="0"/>
-                <a:cs typeface="Consolas" panose="020B0609020204030204" pitchFamily="49" charset="0"/>
-              </a:rPr>
-              <a:t>env: Microsoft </a:t>
-            </a:r>
-            <a:r>
-              <a:rPr lang="en-US" sz="1800" dirty="0">
-                <a:latin typeface="Consolas" panose="020B0609020204030204" pitchFamily="49" charset="0"/>
-                <a:cs typeface="Consolas" panose="020B0609020204030204" pitchFamily="49" charset="0"/>
-              </a:rPr>
-              <a:t>(R) 32-bit C/C++ Optimizing Compiler </a:t>
-            </a:r>
-            <a:r>
-              <a:rPr lang="en-US" sz="1800" dirty="0" smtClean="0">
-                <a:latin typeface="Consolas" panose="020B0609020204030204" pitchFamily="49" charset="0"/>
-                <a:cs typeface="Consolas" panose="020B0609020204030204" pitchFamily="49" charset="0"/>
-              </a:rPr>
-              <a:t>Version </a:t>
-            </a:r>
-            <a:r>
-              <a:rPr lang="en-US" sz="1800" b="1" dirty="0" smtClean="0">
-                <a:latin typeface="Consolas" panose="020B0609020204030204" pitchFamily="49" charset="0"/>
-                <a:cs typeface="Consolas" panose="020B0609020204030204" pitchFamily="49" charset="0"/>
-              </a:rPr>
-              <a:t>15.00.30729.01</a:t>
-            </a:r>
-            <a:r>
-              <a:rPr lang="en-US" sz="1800" dirty="0" smtClean="0">
-                <a:latin typeface="Consolas" panose="020B0609020204030204" pitchFamily="49" charset="0"/>
-                <a:cs typeface="Consolas" panose="020B0609020204030204" pitchFamily="49" charset="0"/>
-              </a:rPr>
-              <a:t> </a:t>
-            </a:r>
-            <a:r>
-              <a:rPr lang="en-US" sz="1800" dirty="0">
-                <a:latin typeface="Consolas" panose="020B0609020204030204" pitchFamily="49" charset="0"/>
-                <a:cs typeface="Consolas" panose="020B0609020204030204" pitchFamily="49" charset="0"/>
-              </a:rPr>
-              <a:t>for </a:t>
-            </a:r>
-            <a:r>
-              <a:rPr lang="en-US" sz="1800" dirty="0" smtClean="0">
-                <a:latin typeface="Consolas" panose="020B0609020204030204" pitchFamily="49" charset="0"/>
-                <a:cs typeface="Consolas" panose="020B0609020204030204" pitchFamily="49" charset="0"/>
-              </a:rPr>
-              <a:t>80x86</a:t>
-            </a:r>
-          </a:p>
-          <a:p>
-            <a:pPr marL="0" indent="0">
-              <a:buNone/>
-            </a:pPr>
-            <a:r>
-              <a:rPr lang="en-US" sz="1800" dirty="0">
-                <a:latin typeface="Consolas" panose="020B0609020204030204" pitchFamily="49" charset="0"/>
-                <a:cs typeface="Consolas" panose="020B0609020204030204" pitchFamily="49" charset="0"/>
-              </a:rPr>
-              <a:t>vs</a:t>
-            </a:r>
-            <a:r>
-              <a:rPr lang="en-US" sz="1800" b="1" dirty="0">
-                <a:latin typeface="Consolas" panose="020B0609020204030204" pitchFamily="49" charset="0"/>
-                <a:cs typeface="Consolas" panose="020B0609020204030204" pitchFamily="49" charset="0"/>
-              </a:rPr>
-              <a:t>2014</a:t>
-            </a:r>
-            <a:r>
-              <a:rPr lang="en-US" sz="1800" dirty="0">
-                <a:latin typeface="Consolas" panose="020B0609020204030204" pitchFamily="49" charset="0"/>
-                <a:cs typeface="Consolas" panose="020B0609020204030204" pitchFamily="49" charset="0"/>
-              </a:rPr>
-              <a:t>env: Microsoft (R) C/C++ Optimizing Compiler Version 19.00.22129.1 for x86</a:t>
-            </a:r>
-          </a:p>
-          <a:p>
-            <a:pPr marL="0" indent="0">
-              <a:buNone/>
-            </a:pPr>
-            <a:endParaRPr lang="en-US" sz="1800" dirty="0">
-              <a:latin typeface="Consolas" panose="020B0609020204030204" pitchFamily="49" charset="0"/>
-              <a:cs typeface="Consolas" panose="020B0609020204030204" pitchFamily="49" charset="0"/>
-            </a:endParaRPr>
+              <a:t>RAII</a:t>
+            </a:r>
+            <a:endParaRPr lang="en-US" dirty="0" smtClean="0"/>
+          </a:p>
+          <a:p>
+            <a:pPr lvl="1"/>
+            <a:r>
+              <a:rPr lang="en-US" dirty="0" smtClean="0"/>
+              <a:t>“Resource Acquisition Is Initialization”</a:t>
+            </a:r>
+          </a:p>
+          <a:p>
+            <a:pPr lvl="1"/>
+            <a:r>
+              <a:rPr lang="en-US" dirty="0" smtClean="0"/>
+              <a:t>Acquire and release things in constructor and destructor</a:t>
+            </a:r>
+          </a:p>
+          <a:p>
+            <a:r>
+              <a:rPr lang="en-US" dirty="0" smtClean="0">
+                <a:hlinkClick r:id="rId3"/>
+              </a:rPr>
+              <a:t>SFINAE</a:t>
+            </a:r>
+            <a:endParaRPr lang="en-US" dirty="0" smtClean="0"/>
+          </a:p>
+          <a:p>
+            <a:pPr lvl="1"/>
+            <a:r>
+              <a:rPr lang="en-US" dirty="0"/>
+              <a:t>“Substitution </a:t>
+            </a:r>
+            <a:r>
+              <a:rPr lang="en-US" dirty="0" smtClean="0"/>
+              <a:t>Failure Is Not An Error”</a:t>
+            </a:r>
+          </a:p>
+          <a:p>
+            <a:pPr lvl="1"/>
+            <a:r>
+              <a:rPr lang="en-US" dirty="0" smtClean="0"/>
+              <a:t>You won’t get compile-time errors when fiddling with templates</a:t>
+            </a:r>
+            <a:endParaRPr lang="en-US" dirty="0"/>
           </a:p>
         </p:txBody>
       </p:sp>
     </p:spTree>
     <p:extLst>
       <p:ext uri="{BB962C8B-B14F-4D97-AF65-F5344CB8AC3E}">
-        <p14:creationId xmlns:p14="http://schemas.microsoft.com/office/powerpoint/2010/main" val="82139143"/>
+        <p14:creationId xmlns:p14="http://schemas.microsoft.com/office/powerpoint/2010/main" val="3246688767"/>
       </p:ext>
     </p:extLst>
   </p:cSld>
@@ -3975,12 +3696,8 @@
           <a:lstStyle/>
           <a:p>
             <a:r>
-              <a:rPr lang="en-US" smtClean="0"/>
-              <a:t>MS C/C</a:t>
-            </a:r>
-            <a:r>
               <a:rPr lang="en-US" dirty="0" smtClean="0"/>
-              <a:t>++ runtime dependencies</a:t>
+              <a:t>C++ Rule of 3</a:t>
             </a:r>
             <a:endParaRPr lang="en-US" dirty="0"/>
           </a:p>
@@ -3998,317 +3715,51 @@
         </p:nvSpPr>
         <p:spPr/>
         <p:txBody>
-          <a:bodyPr>
-            <a:normAutofit fontScale="62500" lnSpcReduction="20000"/>
-          </a:bodyPr>
+          <a:bodyPr/>
           <a:lstStyle/>
           <a:p>
             <a:pPr marL="0" indent="0">
               <a:buNone/>
             </a:pPr>
             <a:r>
-              <a:rPr lang="en-US" dirty="0">
-                <a:latin typeface="Consolas" panose="020B0609020204030204" pitchFamily="49" charset="0"/>
-                <a:cs typeface="Consolas" panose="020B0609020204030204" pitchFamily="49" charset="0"/>
-              </a:rPr>
-              <a:t>c:\apps\vs2013\VC\redist\x64</a:t>
-            </a:r>
-            <a:r>
-              <a:rPr lang="en-US" dirty="0" smtClean="0">
-                <a:latin typeface="Consolas" panose="020B0609020204030204" pitchFamily="49" charset="0"/>
-                <a:cs typeface="Consolas" panose="020B0609020204030204" pitchFamily="49" charset="0"/>
-              </a:rPr>
-              <a:t>&gt; tree </a:t>
-            </a:r>
-            <a:r>
-              <a:rPr lang="en-US" dirty="0">
-                <a:latin typeface="Consolas" panose="020B0609020204030204" pitchFamily="49" charset="0"/>
-                <a:cs typeface="Consolas" panose="020B0609020204030204" pitchFamily="49" charset="0"/>
-              </a:rPr>
-              <a:t>/f /a</a:t>
-            </a:r>
+              <a:rPr lang="en-US" sz="2400" dirty="0">
+                <a:hlinkClick r:id="rId2"/>
+              </a:rPr>
+              <a:t>http://</a:t>
+            </a:r>
+            <a:r>
+              <a:rPr lang="en-US" sz="2400" dirty="0" smtClean="0">
+                <a:hlinkClick r:id="rId2"/>
+              </a:rPr>
+              <a:t>en.cppreference.com/w/cpp/language/rule_of_three</a:t>
+            </a:r>
+            <a:endParaRPr lang="en-US" sz="2400" dirty="0" smtClean="0"/>
           </a:p>
           <a:p>
             <a:pPr marL="0" indent="0">
               <a:buNone/>
             </a:pPr>
-            <a:r>
-              <a:rPr lang="en-US" dirty="0" smtClean="0">
-                <a:latin typeface="Consolas" panose="020B0609020204030204" pitchFamily="49" charset="0"/>
-                <a:cs typeface="Consolas" panose="020B0609020204030204" pitchFamily="49" charset="0"/>
-              </a:rPr>
-              <a:t>+---</a:t>
-            </a:r>
-            <a:r>
-              <a:rPr lang="en-US" dirty="0">
-                <a:latin typeface="Consolas" panose="020B0609020204030204" pitchFamily="49" charset="0"/>
-                <a:cs typeface="Consolas" panose="020B0609020204030204" pitchFamily="49" charset="0"/>
-              </a:rPr>
-              <a:t>Microsoft.VC120.CRT</a:t>
-            </a:r>
-          </a:p>
-          <a:p>
-            <a:pPr marL="0" indent="0">
-              <a:buNone/>
-            </a:pPr>
-            <a:r>
-              <a:rPr lang="en-US" dirty="0">
-                <a:latin typeface="Consolas" panose="020B0609020204030204" pitchFamily="49" charset="0"/>
-                <a:cs typeface="Consolas" panose="020B0609020204030204" pitchFamily="49" charset="0"/>
-              </a:rPr>
-              <a:t>|       </a:t>
-            </a:r>
-            <a:r>
-              <a:rPr lang="en-US" b="1" dirty="0" smtClean="0">
-                <a:solidFill>
-                  <a:srgbClr val="FF0000"/>
-                </a:solidFill>
-                <a:latin typeface="Consolas" panose="020B0609020204030204" pitchFamily="49" charset="0"/>
-                <a:cs typeface="Consolas" panose="020B0609020204030204" pitchFamily="49" charset="0"/>
-              </a:rPr>
-              <a:t>msvcp120.dll</a:t>
-            </a:r>
-            <a:r>
-              <a:rPr lang="en-US" dirty="0" smtClean="0">
-                <a:latin typeface="Consolas" panose="020B0609020204030204" pitchFamily="49" charset="0"/>
-                <a:cs typeface="Consolas" panose="020B0609020204030204" pitchFamily="49" charset="0"/>
-              </a:rPr>
-              <a:t>	// C++ runtime</a:t>
-            </a:r>
-            <a:endParaRPr lang="en-US" dirty="0">
-              <a:latin typeface="Consolas" panose="020B0609020204030204" pitchFamily="49" charset="0"/>
-              <a:cs typeface="Consolas" panose="020B0609020204030204" pitchFamily="49" charset="0"/>
-            </a:endParaRPr>
-          </a:p>
-          <a:p>
-            <a:pPr marL="0" indent="0">
-              <a:buNone/>
-            </a:pPr>
-            <a:r>
-              <a:rPr lang="en-US" dirty="0">
-                <a:latin typeface="Consolas" panose="020B0609020204030204" pitchFamily="49" charset="0"/>
-                <a:cs typeface="Consolas" panose="020B0609020204030204" pitchFamily="49" charset="0"/>
-              </a:rPr>
-              <a:t>|       </a:t>
-            </a:r>
-            <a:r>
-              <a:rPr lang="en-US" b="1" dirty="0" smtClean="0">
-                <a:solidFill>
-                  <a:srgbClr val="FF0000"/>
-                </a:solidFill>
-                <a:latin typeface="Consolas" panose="020B0609020204030204" pitchFamily="49" charset="0"/>
-                <a:cs typeface="Consolas" panose="020B0609020204030204" pitchFamily="49" charset="0"/>
-              </a:rPr>
-              <a:t>msvcr120.dll</a:t>
-            </a:r>
-            <a:r>
-              <a:rPr lang="en-US" dirty="0" smtClean="0">
-                <a:latin typeface="Consolas" panose="020B0609020204030204" pitchFamily="49" charset="0"/>
-                <a:cs typeface="Consolas" panose="020B0609020204030204" pitchFamily="49" charset="0"/>
-              </a:rPr>
-              <a:t>	// C runtime</a:t>
-            </a:r>
-            <a:endParaRPr lang="en-US" dirty="0">
-              <a:latin typeface="Consolas" panose="020B0609020204030204" pitchFamily="49" charset="0"/>
-              <a:cs typeface="Consolas" panose="020B0609020204030204" pitchFamily="49" charset="0"/>
-            </a:endParaRPr>
-          </a:p>
-          <a:p>
-            <a:pPr marL="0" indent="0">
-              <a:buNone/>
-            </a:pPr>
-            <a:r>
-              <a:rPr lang="en-US" dirty="0">
-                <a:latin typeface="Consolas" panose="020B0609020204030204" pitchFamily="49" charset="0"/>
-                <a:cs typeface="Consolas" panose="020B0609020204030204" pitchFamily="49" charset="0"/>
-              </a:rPr>
-              <a:t>|       </a:t>
-            </a:r>
-            <a:r>
-              <a:rPr lang="en-US" dirty="0" smtClean="0">
-                <a:latin typeface="Consolas" panose="020B0609020204030204" pitchFamily="49" charset="0"/>
-                <a:cs typeface="Consolas" panose="020B0609020204030204" pitchFamily="49" charset="0"/>
-              </a:rPr>
-              <a:t>vccorlib120.dll 	// C++/CLI</a:t>
-            </a:r>
-            <a:endParaRPr lang="en-US" dirty="0">
-              <a:latin typeface="Consolas" panose="020B0609020204030204" pitchFamily="49" charset="0"/>
-              <a:cs typeface="Consolas" panose="020B0609020204030204" pitchFamily="49" charset="0"/>
-            </a:endParaRPr>
-          </a:p>
-          <a:p>
-            <a:pPr marL="0" indent="0">
-              <a:buNone/>
-            </a:pPr>
-            <a:r>
-              <a:rPr lang="en-US" dirty="0" smtClean="0">
-                <a:latin typeface="Consolas" panose="020B0609020204030204" pitchFamily="49" charset="0"/>
-                <a:cs typeface="Consolas" panose="020B0609020204030204" pitchFamily="49" charset="0"/>
-              </a:rPr>
-              <a:t>+---</a:t>
-            </a:r>
-            <a:r>
-              <a:rPr lang="en-US" dirty="0">
-                <a:latin typeface="Consolas" panose="020B0609020204030204" pitchFamily="49" charset="0"/>
-                <a:cs typeface="Consolas" panose="020B0609020204030204" pitchFamily="49" charset="0"/>
-              </a:rPr>
-              <a:t>Microsoft.VC120.CXXAMP</a:t>
-            </a:r>
-          </a:p>
-          <a:p>
-            <a:pPr marL="0" indent="0">
-              <a:buNone/>
-            </a:pPr>
-            <a:r>
-              <a:rPr lang="en-US" dirty="0">
-                <a:latin typeface="Consolas" panose="020B0609020204030204" pitchFamily="49" charset="0"/>
-                <a:cs typeface="Consolas" panose="020B0609020204030204" pitchFamily="49" charset="0"/>
-              </a:rPr>
-              <a:t>|       vcamp120.dll</a:t>
-            </a:r>
-          </a:p>
-          <a:p>
-            <a:pPr marL="0" indent="0">
-              <a:buNone/>
-            </a:pPr>
-            <a:r>
-              <a:rPr lang="en-US" dirty="0" smtClean="0">
-                <a:latin typeface="Consolas" panose="020B0609020204030204" pitchFamily="49" charset="0"/>
-                <a:cs typeface="Consolas" panose="020B0609020204030204" pitchFamily="49" charset="0"/>
-              </a:rPr>
-              <a:t>+---</a:t>
-            </a:r>
-            <a:r>
-              <a:rPr lang="en-US" dirty="0">
-                <a:latin typeface="Consolas" panose="020B0609020204030204" pitchFamily="49" charset="0"/>
-                <a:cs typeface="Consolas" panose="020B0609020204030204" pitchFamily="49" charset="0"/>
-              </a:rPr>
-              <a:t>Microsoft.VC120.MFC</a:t>
-            </a:r>
-          </a:p>
-          <a:p>
-            <a:pPr marL="0" indent="0">
-              <a:buNone/>
-            </a:pPr>
-            <a:r>
-              <a:rPr lang="en-US" dirty="0">
-                <a:latin typeface="Consolas" panose="020B0609020204030204" pitchFamily="49" charset="0"/>
-                <a:cs typeface="Consolas" panose="020B0609020204030204" pitchFamily="49" charset="0"/>
-              </a:rPr>
-              <a:t>|       mfc120u.dll</a:t>
-            </a:r>
-          </a:p>
-          <a:p>
-            <a:pPr marL="0" indent="0">
-              <a:buNone/>
-            </a:pPr>
-            <a:r>
-              <a:rPr lang="en-US" dirty="0">
-                <a:latin typeface="Consolas" panose="020B0609020204030204" pitchFamily="49" charset="0"/>
-                <a:cs typeface="Consolas" panose="020B0609020204030204" pitchFamily="49" charset="0"/>
-              </a:rPr>
-              <a:t>|       mfcm120u.dll</a:t>
-            </a:r>
-          </a:p>
-          <a:p>
-            <a:pPr marL="0" indent="0">
-              <a:buNone/>
-            </a:pPr>
-            <a:r>
-              <a:rPr lang="en-US" dirty="0" smtClean="0">
-                <a:latin typeface="Consolas" panose="020B0609020204030204" pitchFamily="49" charset="0"/>
-                <a:cs typeface="Consolas" panose="020B0609020204030204" pitchFamily="49" charset="0"/>
-              </a:rPr>
-              <a:t>+---</a:t>
-            </a:r>
-            <a:r>
-              <a:rPr lang="en-US" dirty="0">
-                <a:latin typeface="Consolas" panose="020B0609020204030204" pitchFamily="49" charset="0"/>
-                <a:cs typeface="Consolas" panose="020B0609020204030204" pitchFamily="49" charset="0"/>
-              </a:rPr>
-              <a:t>Microsoft.VC120.MFCLOC</a:t>
-            </a:r>
-          </a:p>
-          <a:p>
-            <a:pPr marL="0" indent="0">
-              <a:buNone/>
-            </a:pPr>
-            <a:r>
-              <a:rPr lang="en-US" dirty="0">
-                <a:latin typeface="Consolas" panose="020B0609020204030204" pitchFamily="49" charset="0"/>
-                <a:cs typeface="Consolas" panose="020B0609020204030204" pitchFamily="49" charset="0"/>
-              </a:rPr>
-              <a:t>|       </a:t>
-            </a:r>
-            <a:r>
-              <a:rPr lang="en-US" dirty="0" smtClean="0">
-                <a:latin typeface="Consolas" panose="020B0609020204030204" pitchFamily="49" charset="0"/>
-                <a:cs typeface="Consolas" panose="020B0609020204030204" pitchFamily="49" charset="0"/>
-              </a:rPr>
-              <a:t>//</a:t>
-            </a:r>
-            <a:r>
-              <a:rPr lang="en-US" dirty="0" err="1" smtClean="0">
-                <a:latin typeface="Consolas" panose="020B0609020204030204" pitchFamily="49" charset="0"/>
-                <a:cs typeface="Consolas" panose="020B0609020204030204" pitchFamily="49" charset="0"/>
-              </a:rPr>
-              <a:t>mfc</a:t>
-            </a:r>
-            <a:r>
-              <a:rPr lang="en-US" dirty="0" smtClean="0">
-                <a:latin typeface="Consolas" panose="020B0609020204030204" pitchFamily="49" charset="0"/>
-                <a:cs typeface="Consolas" panose="020B0609020204030204" pitchFamily="49" charset="0"/>
-              </a:rPr>
-              <a:t> localized stuff</a:t>
-            </a:r>
-            <a:endParaRPr lang="en-US" dirty="0">
-              <a:latin typeface="Consolas" panose="020B0609020204030204" pitchFamily="49" charset="0"/>
-              <a:cs typeface="Consolas" panose="020B0609020204030204" pitchFamily="49" charset="0"/>
-            </a:endParaRPr>
-          </a:p>
-          <a:p>
-            <a:pPr marL="0" indent="0">
-              <a:buNone/>
-            </a:pPr>
-            <a:r>
-              <a:rPr lang="en-US" dirty="0" smtClean="0">
-                <a:latin typeface="Consolas" panose="020B0609020204030204" pitchFamily="49" charset="0"/>
-                <a:cs typeface="Consolas" panose="020B0609020204030204" pitchFamily="49" charset="0"/>
-              </a:rPr>
-              <a:t>\---</a:t>
-            </a:r>
-            <a:r>
-              <a:rPr lang="en-US" dirty="0">
-                <a:latin typeface="Consolas" panose="020B0609020204030204" pitchFamily="49" charset="0"/>
-                <a:cs typeface="Consolas" panose="020B0609020204030204" pitchFamily="49" charset="0"/>
-              </a:rPr>
-              <a:t>Microsoft.VC120.OpenMP</a:t>
-            </a:r>
-          </a:p>
-          <a:p>
-            <a:pPr marL="0" indent="0">
-              <a:buNone/>
-            </a:pPr>
-            <a:r>
-              <a:rPr lang="en-US" dirty="0">
-                <a:latin typeface="Consolas" panose="020B0609020204030204" pitchFamily="49" charset="0"/>
-                <a:cs typeface="Consolas" panose="020B0609020204030204" pitchFamily="49" charset="0"/>
-              </a:rPr>
-              <a:t>        vcomp120.dll</a:t>
-            </a:r>
-          </a:p>
-          <a:p>
-            <a:pPr marL="0" indent="0">
-              <a:buNone/>
-            </a:pPr>
-            <a:endParaRPr lang="en-US" dirty="0"/>
+            <a:endParaRPr lang="en-US" dirty="0" smtClean="0"/>
+          </a:p>
+          <a:p>
+            <a:pPr marL="400050" lvl="1" indent="0">
+              <a:buNone/>
+            </a:pPr>
+            <a:r>
+              <a:rPr lang="en-US" dirty="0" smtClean="0"/>
+              <a:t>“If </a:t>
+            </a:r>
+            <a:r>
+              <a:rPr lang="en-US" dirty="0"/>
+              <a:t>a class requires a user-defined destructor, a user-defined copy constructor, or a user-defined copy assignment operator, it almost certainly requires all three.</a:t>
+            </a:r>
           </a:p>
         </p:txBody>
       </p:sp>
     </p:spTree>
     <p:extLst>
       <p:ext uri="{BB962C8B-B14F-4D97-AF65-F5344CB8AC3E}">
-        <p14:creationId xmlns:p14="http://schemas.microsoft.com/office/powerpoint/2010/main" val="2368571093"/>
+        <p14:creationId xmlns:p14="http://schemas.microsoft.com/office/powerpoint/2010/main" val="2038294293"/>
       </p:ext>
     </p:extLst>
   </p:cSld>
@@ -4358,8 +3809,8 @@
           <a:lstStyle/>
           <a:p>
             <a:r>
-              <a:rPr lang="en-US" smtClean="0"/>
-              <a:t>Which C++ compiler?</a:t>
+              <a:rPr lang="en-US" dirty="0" smtClean="0"/>
+              <a:t>C++11 Rule of 5</a:t>
             </a:r>
             <a:endParaRPr lang="en-US" dirty="0"/>
           </a:p>
@@ -4377,217 +3828,52 @@
         </p:nvSpPr>
         <p:spPr/>
         <p:txBody>
-          <a:bodyPr>
-            <a:normAutofit lnSpcReduction="10000"/>
-          </a:bodyPr>
+          <a:bodyPr/>
           <a:lstStyle/>
           <a:p>
             <a:pPr marL="0" indent="0">
               <a:buNone/>
             </a:pPr>
             <a:r>
-              <a:rPr lang="en-US" sz="1800" dirty="0" smtClean="0">
-                <a:latin typeface="Consolas" panose="020B0609020204030204" pitchFamily="49" charset="0"/>
-                <a:cs typeface="Consolas" panose="020B0609020204030204" pitchFamily="49" charset="0"/>
-              </a:rPr>
-              <a:t>// an up-to-date </a:t>
-            </a:r>
-            <a:r>
-              <a:rPr lang="en-US" sz="1800" dirty="0" err="1" smtClean="0">
-                <a:latin typeface="Consolas" panose="020B0609020204030204" pitchFamily="49" charset="0"/>
-                <a:cs typeface="Consolas" panose="020B0609020204030204" pitchFamily="49" charset="0"/>
-              </a:rPr>
-              <a:t>linux</a:t>
-            </a:r>
-            <a:r>
-              <a:rPr lang="en-US" sz="1800" dirty="0" smtClean="0">
-                <a:latin typeface="Consolas" panose="020B0609020204030204" pitchFamily="49" charset="0"/>
-                <a:cs typeface="Consolas" panose="020B0609020204030204" pitchFamily="49" charset="0"/>
-              </a:rPr>
-              <a:t> box:</a:t>
-            </a:r>
+              <a:rPr lang="en-US" sz="2400" dirty="0">
+                <a:hlinkClick r:id="rId2"/>
+              </a:rPr>
+              <a:t>http://</a:t>
+            </a:r>
+            <a:r>
+              <a:rPr lang="en-US" sz="2400" dirty="0" smtClean="0">
+                <a:hlinkClick r:id="rId2"/>
+              </a:rPr>
+              <a:t>en.cppreference.com/w/cpp/language/rule_of_three</a:t>
+            </a:r>
+            <a:endParaRPr lang="en-US" sz="2400" dirty="0" smtClean="0"/>
           </a:p>
           <a:p>
             <a:pPr marL="0" indent="0">
               <a:buNone/>
             </a:pPr>
-            <a:endParaRPr lang="en-US" sz="1800" dirty="0">
-              <a:latin typeface="Consolas" panose="020B0609020204030204" pitchFamily="49" charset="0"/>
-              <a:cs typeface="Consolas" panose="020B0609020204030204" pitchFamily="49" charset="0"/>
-            </a:endParaRPr>
-          </a:p>
-          <a:p>
-            <a:pPr marL="0" indent="0">
-              <a:buNone/>
-            </a:pPr>
-            <a:r>
-              <a:rPr lang="en-US" sz="1800" dirty="0" smtClean="0">
-                <a:latin typeface="Consolas" panose="020B0609020204030204" pitchFamily="49" charset="0"/>
-                <a:cs typeface="Consolas" panose="020B0609020204030204" pitchFamily="49" charset="0"/>
-              </a:rPr>
-              <a:t>  dwight@dwight-mint17 </a:t>
-            </a:r>
-            <a:r>
-              <a:rPr lang="en-US" sz="1800" dirty="0">
-                <a:latin typeface="Consolas" panose="020B0609020204030204" pitchFamily="49" charset="0"/>
-                <a:cs typeface="Consolas" panose="020B0609020204030204" pitchFamily="49" charset="0"/>
-              </a:rPr>
-              <a:t>~ $ </a:t>
-            </a:r>
-            <a:r>
-              <a:rPr lang="en-US" sz="2400" b="1" dirty="0">
-                <a:latin typeface="Consolas" panose="020B0609020204030204" pitchFamily="49" charset="0"/>
-                <a:cs typeface="Consolas" panose="020B0609020204030204" pitchFamily="49" charset="0"/>
-              </a:rPr>
-              <a:t>g++ --version</a:t>
-            </a:r>
-          </a:p>
-          <a:p>
-            <a:pPr marL="0" indent="0">
-              <a:buNone/>
-            </a:pPr>
-            <a:r>
-              <a:rPr lang="en-US" sz="1800" dirty="0" smtClean="0">
-                <a:latin typeface="Consolas" panose="020B0609020204030204" pitchFamily="49" charset="0"/>
-                <a:cs typeface="Consolas" panose="020B0609020204030204" pitchFamily="49" charset="0"/>
-              </a:rPr>
-              <a:t>  g</a:t>
-            </a:r>
-            <a:r>
-              <a:rPr lang="en-US" sz="1800" dirty="0">
-                <a:latin typeface="Consolas" panose="020B0609020204030204" pitchFamily="49" charset="0"/>
-                <a:cs typeface="Consolas" panose="020B0609020204030204" pitchFamily="49" charset="0"/>
-              </a:rPr>
-              <a:t>++ (Ubuntu 4.8.2-19ubuntu1) 4.8.2</a:t>
-            </a:r>
-          </a:p>
-          <a:p>
-            <a:pPr marL="0" indent="0">
-              <a:buNone/>
-            </a:pPr>
-            <a:r>
-              <a:rPr lang="en-US" sz="1800" dirty="0" smtClean="0">
-                <a:latin typeface="Consolas" panose="020B0609020204030204" pitchFamily="49" charset="0"/>
-                <a:cs typeface="Consolas" panose="020B0609020204030204" pitchFamily="49" charset="0"/>
-              </a:rPr>
-              <a:t>  Copyright </a:t>
-            </a:r>
-            <a:r>
-              <a:rPr lang="en-US" sz="1800" dirty="0">
-                <a:latin typeface="Consolas" panose="020B0609020204030204" pitchFamily="49" charset="0"/>
-                <a:cs typeface="Consolas" panose="020B0609020204030204" pitchFamily="49" charset="0"/>
-              </a:rPr>
-              <a:t>(C) 2013 Free Software Foundation, Inc</a:t>
-            </a:r>
-            <a:r>
-              <a:rPr lang="en-US" sz="1800" dirty="0" smtClean="0">
-                <a:latin typeface="Consolas" panose="020B0609020204030204" pitchFamily="49" charset="0"/>
-                <a:cs typeface="Consolas" panose="020B0609020204030204" pitchFamily="49" charset="0"/>
-              </a:rPr>
-              <a:t>.</a:t>
-            </a:r>
-          </a:p>
-          <a:p>
-            <a:pPr marL="0" indent="0">
-              <a:buNone/>
-            </a:pPr>
-            <a:endParaRPr lang="en-US" sz="1800" dirty="0">
-              <a:latin typeface="Consolas" panose="020B0609020204030204" pitchFamily="49" charset="0"/>
-              <a:cs typeface="Consolas" panose="020B0609020204030204" pitchFamily="49" charset="0"/>
-            </a:endParaRPr>
-          </a:p>
-          <a:p>
-            <a:pPr marL="285750"/>
-            <a:r>
-              <a:rPr lang="en-US" sz="2800" dirty="0" smtClean="0"/>
-              <a:t>“G” is for GNU</a:t>
-            </a:r>
-            <a:endParaRPr lang="en-US" sz="2800" dirty="0"/>
-          </a:p>
-          <a:p>
-            <a:pPr marL="285750"/>
-            <a:r>
-              <a:rPr lang="en-US" sz="2800" dirty="0" smtClean="0"/>
-              <a:t>“GNU” is for “GNU is Not Unix”</a:t>
-            </a:r>
-          </a:p>
-          <a:p>
-            <a:pPr marL="285750"/>
-            <a:r>
-              <a:rPr lang="en-US" sz="2800" dirty="0" smtClean="0"/>
-              <a:t>g++ is the C++ compiler command</a:t>
-            </a:r>
-          </a:p>
-          <a:p>
-            <a:pPr marL="285750"/>
-            <a:r>
-              <a:rPr lang="en-US" sz="2800" dirty="0" err="1" smtClean="0"/>
-              <a:t>gcc</a:t>
-            </a:r>
-            <a:r>
-              <a:rPr lang="en-US" sz="2800" dirty="0" smtClean="0"/>
-              <a:t> is the C compiler </a:t>
-            </a:r>
-            <a:r>
-              <a:rPr lang="en-US" sz="2800" dirty="0" smtClean="0"/>
-              <a:t>command</a:t>
-            </a:r>
-          </a:p>
-          <a:p>
-            <a:pPr marL="285750"/>
-            <a:r>
-              <a:rPr lang="en-US" sz="2800" smtClean="0"/>
-              <a:t>GCC: </a:t>
-            </a:r>
-            <a:r>
-              <a:rPr lang="en-US" sz="2800" dirty="0" smtClean="0"/>
-              <a:t>“</a:t>
-            </a:r>
-            <a:r>
-              <a:rPr lang="en-US" sz="2800" dirty="0" smtClean="0">
-                <a:hlinkClick r:id="rId2"/>
-              </a:rPr>
-              <a:t>GNU compiler collection</a:t>
-            </a:r>
-            <a:r>
-              <a:rPr lang="en-US" sz="2800" dirty="0" smtClean="0"/>
-              <a:t>”</a:t>
-            </a:r>
-            <a:endParaRPr lang="en-US" sz="2800" dirty="0"/>
-          </a:p>
-          <a:p>
-            <a:pPr marL="0" indent="0">
-              <a:buNone/>
-            </a:pPr>
-            <a:endParaRPr lang="en-US" sz="1800" dirty="0">
-              <a:latin typeface="Consolas" panose="020B0609020204030204" pitchFamily="49" charset="0"/>
-              <a:cs typeface="Consolas" panose="020B0609020204030204" pitchFamily="49" charset="0"/>
-            </a:endParaRPr>
-          </a:p>
-          <a:p>
-            <a:pPr marL="0" indent="0">
-              <a:buNone/>
-            </a:pPr>
-            <a:endParaRPr lang="en-US" sz="1800" dirty="0" smtClean="0">
-              <a:latin typeface="Consolas" panose="020B0609020204030204" pitchFamily="49" charset="0"/>
-              <a:cs typeface="Consolas" panose="020B0609020204030204" pitchFamily="49" charset="0"/>
-            </a:endParaRPr>
-          </a:p>
-          <a:p>
-            <a:pPr marL="0" indent="0">
-              <a:buNone/>
-            </a:pPr>
-            <a:endParaRPr lang="en-US" sz="1800" dirty="0">
-              <a:latin typeface="Consolas" panose="020B0609020204030204" pitchFamily="49" charset="0"/>
-              <a:cs typeface="Consolas" panose="020B0609020204030204" pitchFamily="49" charset="0"/>
-            </a:endParaRPr>
+            <a:endParaRPr lang="en-US" dirty="0" smtClean="0"/>
+          </a:p>
+          <a:p>
+            <a:pPr marL="400050" lvl="1" indent="0">
+              <a:buNone/>
+            </a:pPr>
+            <a:r>
+              <a:rPr lang="en-US" dirty="0"/>
+              <a:t>“Because the presence of a user-defined destructor, copy-constructor, or copy-assignment operator prevents implicit definition of the move constructor and the move assignment operator, any class for which move semantics are desirable, has to declare all five special member </a:t>
+            </a:r>
+            <a:r>
+              <a:rPr lang="en-US" dirty="0" smtClean="0"/>
+              <a:t>functions.</a:t>
+            </a:r>
+            <a:endParaRPr lang="en-US" dirty="0"/>
           </a:p>
         </p:txBody>
       </p:sp>
     </p:spTree>
     <p:extLst>
       <p:ext uri="{BB962C8B-B14F-4D97-AF65-F5344CB8AC3E}">
-        <p14:creationId xmlns:p14="http://schemas.microsoft.com/office/powerpoint/2010/main" val="3151603959"/>
+        <p14:creationId xmlns:p14="http://schemas.microsoft.com/office/powerpoint/2010/main" val="2995229971"/>
       </p:ext>
     </p:extLst>
   </p:cSld>
@@ -4637,16 +3923,8 @@
           <a:lstStyle/>
           <a:p>
             <a:r>
-              <a:rPr lang="en-US" dirty="0" err="1" smtClean="0"/>
-              <a:t>std</a:t>
-            </a:r>
-            <a:r>
               <a:rPr lang="en-US" dirty="0" smtClean="0"/>
-              <a:t>::</a:t>
-            </a:r>
-            <a:r>
-              <a:rPr lang="en-US" dirty="0" err="1" smtClean="0"/>
-              <a:t>to_string</a:t>
+              <a:t>Which C++ compiler?</a:t>
             </a:r>
             <a:endParaRPr lang="en-US" dirty="0"/>
           </a:p>
@@ -4662,449 +3940,188 @@
             <p:ph idx="1"/>
           </p:nvPr>
         </p:nvSpPr>
-        <p:spPr>
-          <a:xfrm>
-            <a:off x="457200" y="1600200"/>
-            <a:ext cx="8229600" cy="4800600"/>
-          </a:xfrm>
-        </p:spPr>
+        <p:spPr/>
         <p:txBody>
           <a:bodyPr>
-            <a:normAutofit fontScale="92500" lnSpcReduction="10000"/>
+            <a:normAutofit/>
           </a:bodyPr>
           <a:lstStyle/>
           <a:p>
-            <a:r>
-              <a:rPr lang="en-US" dirty="0" smtClean="0"/>
-              <a:t>“</a:t>
-            </a:r>
-            <a:r>
-              <a:rPr lang="en-US" dirty="0"/>
-              <a:t>Converts a numeric value to </a:t>
-            </a:r>
-            <a:r>
-              <a:rPr lang="en-US" dirty="0" err="1">
-                <a:hlinkClick r:id="rId2" tooltip="cpp/string/basic string"/>
-              </a:rPr>
-              <a:t>std</a:t>
-            </a:r>
-            <a:r>
-              <a:rPr lang="en-US" dirty="0">
-                <a:hlinkClick r:id="rId2" tooltip="cpp/string/basic string"/>
-              </a:rPr>
-              <a:t>::string</a:t>
-            </a:r>
-            <a:r>
-              <a:rPr lang="en-US" dirty="0" smtClean="0"/>
-              <a:t>.”</a:t>
-            </a:r>
-          </a:p>
-          <a:p>
-            <a:pPr marL="400050" lvl="1" indent="0">
-              <a:buNone/>
-            </a:pPr>
-            <a:r>
-              <a:rPr lang="en-US" sz="2200" dirty="0" smtClean="0">
-                <a:hlinkClick r:id="rId3"/>
-              </a:rPr>
-              <a:t>http</a:t>
-            </a:r>
-            <a:r>
-              <a:rPr lang="en-US" sz="2200" dirty="0">
-                <a:hlinkClick r:id="rId3"/>
-              </a:rPr>
-              <a:t>://</a:t>
-            </a:r>
-            <a:r>
-              <a:rPr lang="en-US" sz="2200" dirty="0" smtClean="0">
-                <a:hlinkClick r:id="rId3"/>
-              </a:rPr>
-              <a:t>en.cppreference.com/w/cpp/string/basic_string/to_string</a:t>
-            </a:r>
-            <a:endParaRPr lang="en-US" sz="2200" dirty="0" smtClean="0"/>
-          </a:p>
-          <a:p>
-            <a:pPr marL="285750"/>
-            <a:r>
-              <a:rPr lang="en-US" dirty="0" smtClean="0"/>
-              <a:t>Avoid </a:t>
-            </a:r>
-            <a:r>
-              <a:rPr lang="en-US" dirty="0" err="1" smtClean="0"/>
-              <a:t>atof</a:t>
-            </a:r>
-            <a:r>
-              <a:rPr lang="en-US" dirty="0" smtClean="0"/>
-              <a:t>(), </a:t>
-            </a:r>
-            <a:r>
-              <a:rPr lang="en-US" dirty="0" err="1" smtClean="0"/>
-              <a:t>atoi</a:t>
-            </a:r>
-            <a:r>
-              <a:rPr lang="en-US" dirty="0" smtClean="0"/>
-              <a:t>(), …; </a:t>
-            </a:r>
-            <a:r>
-              <a:rPr lang="en-US" dirty="0" err="1" smtClean="0"/>
-              <a:t>unicode</a:t>
-            </a:r>
-            <a:r>
-              <a:rPr lang="en-US" dirty="0" smtClean="0"/>
-              <a:t>; …</a:t>
-            </a:r>
-          </a:p>
-          <a:p>
-            <a:pPr marL="285750"/>
-            <a:r>
-              <a:rPr lang="en-US" dirty="0" smtClean="0"/>
-              <a:t>Use </a:t>
-            </a:r>
-            <a:r>
-              <a:rPr lang="en-US" dirty="0" err="1" smtClean="0"/>
-              <a:t>to_wstring</a:t>
-            </a:r>
-            <a:r>
-              <a:rPr lang="en-US" dirty="0" smtClean="0"/>
-              <a:t>() for wide strings</a:t>
-            </a:r>
-            <a:endParaRPr lang="en-US" dirty="0"/>
-          </a:p>
-          <a:p>
-            <a:pPr marL="400050" lvl="1" indent="0">
-              <a:buNone/>
-            </a:pPr>
-            <a:endParaRPr lang="en-US" sz="1800" dirty="0" smtClean="0"/>
-          </a:p>
-          <a:p>
-            <a:pPr marL="800100" lvl="2" indent="0">
-              <a:buNone/>
-            </a:pPr>
-            <a:r>
-              <a:rPr lang="en-US" sz="1400" dirty="0" smtClean="0">
-                <a:latin typeface="Consolas" panose="020B0609020204030204" pitchFamily="49" charset="0"/>
-                <a:cs typeface="Consolas" panose="020B0609020204030204" pitchFamily="49" charset="0"/>
-              </a:rPr>
-              <a:t>#</a:t>
-            </a:r>
-            <a:r>
-              <a:rPr lang="en-US" sz="1400" dirty="0">
-                <a:latin typeface="Consolas" panose="020B0609020204030204" pitchFamily="49" charset="0"/>
-                <a:cs typeface="Consolas" panose="020B0609020204030204" pitchFamily="49" charset="0"/>
-              </a:rPr>
-              <a:t>include &lt;</a:t>
-            </a:r>
-            <a:r>
-              <a:rPr lang="en-US" sz="1400" dirty="0" err="1">
-                <a:latin typeface="Consolas" panose="020B0609020204030204" pitchFamily="49" charset="0"/>
-                <a:cs typeface="Consolas" panose="020B0609020204030204" pitchFamily="49" charset="0"/>
-              </a:rPr>
-              <a:t>iostream</a:t>
-            </a:r>
-            <a:r>
-              <a:rPr lang="en-US" sz="1400" dirty="0">
-                <a:latin typeface="Consolas" panose="020B0609020204030204" pitchFamily="49" charset="0"/>
-                <a:cs typeface="Consolas" panose="020B0609020204030204" pitchFamily="49" charset="0"/>
-              </a:rPr>
-              <a:t>&gt;</a:t>
-            </a:r>
-          </a:p>
-          <a:p>
-            <a:pPr marL="800100" lvl="2" indent="0">
-              <a:buNone/>
-            </a:pPr>
-            <a:r>
-              <a:rPr lang="en-US" sz="1400" dirty="0">
-                <a:latin typeface="Consolas" panose="020B0609020204030204" pitchFamily="49" charset="0"/>
-                <a:cs typeface="Consolas" panose="020B0609020204030204" pitchFamily="49" charset="0"/>
-              </a:rPr>
-              <a:t>#include &lt;string</a:t>
-            </a:r>
-            <a:r>
-              <a:rPr lang="en-US" sz="1400" dirty="0" smtClean="0">
-                <a:latin typeface="Consolas" panose="020B0609020204030204" pitchFamily="49" charset="0"/>
-                <a:cs typeface="Consolas" panose="020B0609020204030204" pitchFamily="49" charset="0"/>
-              </a:rPr>
-              <a:t>&gt;</a:t>
-            </a:r>
-          </a:p>
-          <a:p>
-            <a:pPr marL="800100" lvl="2" indent="0">
-              <a:buNone/>
-            </a:pPr>
-            <a:endParaRPr lang="en-US" sz="1400" dirty="0">
+            <a:pPr marL="457200" lvl="1" indent="0">
+              <a:buNone/>
+            </a:pPr>
+            <a:endParaRPr lang="en-US" sz="1800" dirty="0" smtClean="0">
               <a:latin typeface="Consolas" panose="020B0609020204030204" pitchFamily="49" charset="0"/>
               <a:cs typeface="Consolas" panose="020B0609020204030204" pitchFamily="49" charset="0"/>
             </a:endParaRPr>
           </a:p>
           <a:p>
-            <a:pPr marL="800100" lvl="2" indent="0">
-              <a:buNone/>
-            </a:pPr>
-            <a:r>
-              <a:rPr lang="en-US" sz="1400" dirty="0" err="1" smtClean="0">
-                <a:latin typeface="Consolas" panose="020B0609020204030204" pitchFamily="49" charset="0"/>
-                <a:cs typeface="Consolas" panose="020B0609020204030204" pitchFamily="49" charset="0"/>
-              </a:rPr>
-              <a:t>int</a:t>
-            </a:r>
-            <a:r>
-              <a:rPr lang="en-US" sz="1400" dirty="0" smtClean="0">
-                <a:latin typeface="Consolas" panose="020B0609020204030204" pitchFamily="49" charset="0"/>
-                <a:cs typeface="Consolas" panose="020B0609020204030204" pitchFamily="49" charset="0"/>
-              </a:rPr>
-              <a:t> </a:t>
-            </a:r>
-            <a:r>
-              <a:rPr lang="en-US" sz="1400" dirty="0">
-                <a:latin typeface="Consolas" panose="020B0609020204030204" pitchFamily="49" charset="0"/>
-                <a:cs typeface="Consolas" panose="020B0609020204030204" pitchFamily="49" charset="0"/>
-              </a:rPr>
-              <a:t>main</a:t>
-            </a:r>
-            <a:r>
-              <a:rPr lang="en-US" sz="1400" dirty="0" smtClean="0">
-                <a:latin typeface="Consolas" panose="020B0609020204030204" pitchFamily="49" charset="0"/>
-                <a:cs typeface="Consolas" panose="020B0609020204030204" pitchFamily="49" charset="0"/>
-              </a:rPr>
-              <a:t>()</a:t>
-            </a:r>
-          </a:p>
-          <a:p>
-            <a:pPr marL="800100" lvl="2" indent="0">
-              <a:buNone/>
-            </a:pPr>
-            <a:r>
-              <a:rPr lang="en-US" sz="1400" dirty="0" smtClean="0">
-                <a:latin typeface="Consolas" panose="020B0609020204030204" pitchFamily="49" charset="0"/>
-                <a:cs typeface="Consolas" panose="020B0609020204030204" pitchFamily="49" charset="0"/>
-              </a:rPr>
-              <a:t>{</a:t>
-            </a:r>
-            <a:endParaRPr lang="en-US" sz="1400" dirty="0">
+            <a:pPr marL="457200" lvl="1" indent="0">
+              <a:buNone/>
+            </a:pPr>
+            <a:r>
+              <a:rPr lang="en-US" sz="1800" dirty="0" smtClean="0">
+                <a:latin typeface="Consolas" panose="020B0609020204030204" pitchFamily="49" charset="0"/>
+                <a:cs typeface="Consolas" panose="020B0609020204030204" pitchFamily="49" charset="0"/>
+              </a:rPr>
+              <a:t>c</a:t>
+            </a:r>
+            <a:r>
+              <a:rPr lang="en-US" sz="1800" dirty="0">
+                <a:latin typeface="Consolas" panose="020B0609020204030204" pitchFamily="49" charset="0"/>
+                <a:cs typeface="Consolas" panose="020B0609020204030204" pitchFamily="49" charset="0"/>
+              </a:rPr>
+              <a:t>:\apps\WinDDK\7600.16385.1</a:t>
+            </a:r>
+            <a:r>
+              <a:rPr lang="en-US" sz="1800" dirty="0" smtClean="0">
+                <a:latin typeface="Consolas" panose="020B0609020204030204" pitchFamily="49" charset="0"/>
+                <a:cs typeface="Consolas" panose="020B0609020204030204" pitchFamily="49" charset="0"/>
+              </a:rPr>
+              <a:t>&gt; bin\setenv.bat </a:t>
+            </a:r>
+            <a:r>
+              <a:rPr lang="en-US" sz="1800" dirty="0">
+                <a:latin typeface="Consolas" panose="020B0609020204030204" pitchFamily="49" charset="0"/>
+                <a:cs typeface="Consolas" panose="020B0609020204030204" pitchFamily="49" charset="0"/>
+              </a:rPr>
+              <a:t>. WLH</a:t>
+            </a:r>
+          </a:p>
+          <a:p>
+            <a:pPr marL="457200" lvl="1" indent="0">
+              <a:buNone/>
+            </a:pPr>
+            <a:endParaRPr lang="en-US" sz="1800" dirty="0">
               <a:latin typeface="Consolas" panose="020B0609020204030204" pitchFamily="49" charset="0"/>
               <a:cs typeface="Consolas" panose="020B0609020204030204" pitchFamily="49" charset="0"/>
             </a:endParaRPr>
           </a:p>
           <a:p>
-            <a:pPr marL="800100" lvl="2" indent="0">
-              <a:buNone/>
-            </a:pPr>
-            <a:r>
-              <a:rPr lang="en-US" sz="1400" dirty="0">
-                <a:latin typeface="Consolas" panose="020B0609020204030204" pitchFamily="49" charset="0"/>
-                <a:cs typeface="Consolas" panose="020B0609020204030204" pitchFamily="49" charset="0"/>
-              </a:rPr>
-              <a:t>    double f = 23.43;</a:t>
-            </a:r>
-          </a:p>
-          <a:p>
-            <a:pPr marL="800100" lvl="2" indent="0">
-              <a:buNone/>
-            </a:pPr>
-            <a:r>
-              <a:rPr lang="en-US" sz="1400" dirty="0">
-                <a:latin typeface="Consolas" panose="020B0609020204030204" pitchFamily="49" charset="0"/>
-                <a:cs typeface="Consolas" panose="020B0609020204030204" pitchFamily="49" charset="0"/>
-              </a:rPr>
-              <a:t>    </a:t>
-            </a:r>
-            <a:r>
-              <a:rPr lang="en-US" sz="1400" dirty="0" err="1">
-                <a:latin typeface="Consolas" panose="020B0609020204030204" pitchFamily="49" charset="0"/>
-                <a:cs typeface="Consolas" panose="020B0609020204030204" pitchFamily="49" charset="0"/>
-              </a:rPr>
-              <a:t>std</a:t>
-            </a:r>
-            <a:r>
-              <a:rPr lang="en-US" sz="1400" dirty="0">
-                <a:latin typeface="Consolas" panose="020B0609020204030204" pitchFamily="49" charset="0"/>
-                <a:cs typeface="Consolas" panose="020B0609020204030204" pitchFamily="49" charset="0"/>
-              </a:rPr>
-              <a:t>::string </a:t>
-            </a:r>
-            <a:r>
-              <a:rPr lang="en-US" sz="1400" dirty="0" err="1">
-                <a:latin typeface="Consolas" panose="020B0609020204030204" pitchFamily="49" charset="0"/>
-                <a:cs typeface="Consolas" panose="020B0609020204030204" pitchFamily="49" charset="0"/>
-              </a:rPr>
-              <a:t>f_str</a:t>
-            </a:r>
-            <a:r>
-              <a:rPr lang="en-US" sz="1400" dirty="0">
-                <a:latin typeface="Consolas" panose="020B0609020204030204" pitchFamily="49" charset="0"/>
-                <a:cs typeface="Consolas" panose="020B0609020204030204" pitchFamily="49" charset="0"/>
-              </a:rPr>
-              <a:t> = </a:t>
-            </a:r>
-            <a:r>
-              <a:rPr lang="en-US" sz="1400" dirty="0" err="1">
-                <a:latin typeface="Consolas" panose="020B0609020204030204" pitchFamily="49" charset="0"/>
-                <a:cs typeface="Consolas" panose="020B0609020204030204" pitchFamily="49" charset="0"/>
-              </a:rPr>
-              <a:t>std</a:t>
-            </a:r>
-            <a:r>
-              <a:rPr lang="en-US" sz="1400" dirty="0">
-                <a:latin typeface="Consolas" panose="020B0609020204030204" pitchFamily="49" charset="0"/>
-                <a:cs typeface="Consolas" panose="020B0609020204030204" pitchFamily="49" charset="0"/>
-              </a:rPr>
-              <a:t>::</a:t>
-            </a:r>
-            <a:r>
-              <a:rPr lang="en-US" sz="1400" dirty="0" err="1">
-                <a:latin typeface="Consolas" panose="020B0609020204030204" pitchFamily="49" charset="0"/>
-                <a:cs typeface="Consolas" panose="020B0609020204030204" pitchFamily="49" charset="0"/>
-              </a:rPr>
-              <a:t>to_string</a:t>
-            </a:r>
-            <a:r>
-              <a:rPr lang="en-US" sz="1400" dirty="0">
-                <a:latin typeface="Consolas" panose="020B0609020204030204" pitchFamily="49" charset="0"/>
-                <a:cs typeface="Consolas" panose="020B0609020204030204" pitchFamily="49" charset="0"/>
-              </a:rPr>
-              <a:t>(f);</a:t>
-            </a:r>
-          </a:p>
-          <a:p>
-            <a:pPr marL="800100" lvl="2" indent="0">
-              <a:buNone/>
-            </a:pPr>
-            <a:r>
-              <a:rPr lang="en-US" sz="1400" dirty="0">
-                <a:latin typeface="Consolas" panose="020B0609020204030204" pitchFamily="49" charset="0"/>
-                <a:cs typeface="Consolas" panose="020B0609020204030204" pitchFamily="49" charset="0"/>
-              </a:rPr>
-              <a:t>    </a:t>
-            </a:r>
-            <a:r>
-              <a:rPr lang="en-US" sz="1400" dirty="0" err="1">
-                <a:latin typeface="Consolas" panose="020B0609020204030204" pitchFamily="49" charset="0"/>
-                <a:cs typeface="Consolas" panose="020B0609020204030204" pitchFamily="49" charset="0"/>
-              </a:rPr>
-              <a:t>std</a:t>
-            </a:r>
-            <a:r>
-              <a:rPr lang="en-US" sz="1400" dirty="0">
-                <a:latin typeface="Consolas" panose="020B0609020204030204" pitchFamily="49" charset="0"/>
-                <a:cs typeface="Consolas" panose="020B0609020204030204" pitchFamily="49" charset="0"/>
-              </a:rPr>
-              <a:t>::</a:t>
-            </a:r>
-            <a:r>
-              <a:rPr lang="en-US" sz="1400" dirty="0" err="1">
-                <a:latin typeface="Consolas" panose="020B0609020204030204" pitchFamily="49" charset="0"/>
-                <a:cs typeface="Consolas" panose="020B0609020204030204" pitchFamily="49" charset="0"/>
-              </a:rPr>
-              <a:t>cout</a:t>
-            </a:r>
-            <a:r>
-              <a:rPr lang="en-US" sz="1400" dirty="0">
-                <a:latin typeface="Consolas" panose="020B0609020204030204" pitchFamily="49" charset="0"/>
-                <a:cs typeface="Consolas" panose="020B0609020204030204" pitchFamily="49" charset="0"/>
-              </a:rPr>
-              <a:t> &lt;&lt; </a:t>
-            </a:r>
-            <a:r>
-              <a:rPr lang="en-US" sz="1400" dirty="0" err="1">
-                <a:latin typeface="Consolas" panose="020B0609020204030204" pitchFamily="49" charset="0"/>
-                <a:cs typeface="Consolas" panose="020B0609020204030204" pitchFamily="49" charset="0"/>
-              </a:rPr>
-              <a:t>f_str</a:t>
-            </a:r>
-            <a:r>
-              <a:rPr lang="en-US" sz="1400" dirty="0">
-                <a:latin typeface="Consolas" panose="020B0609020204030204" pitchFamily="49" charset="0"/>
-                <a:cs typeface="Consolas" panose="020B0609020204030204" pitchFamily="49" charset="0"/>
-              </a:rPr>
-              <a:t> &lt;&lt; </a:t>
-            </a:r>
-            <a:r>
-              <a:rPr lang="en-US" sz="1400" dirty="0" err="1" smtClean="0">
-                <a:latin typeface="Consolas" panose="020B0609020204030204" pitchFamily="49" charset="0"/>
-                <a:cs typeface="Consolas" panose="020B0609020204030204" pitchFamily="49" charset="0"/>
-              </a:rPr>
-              <a:t>std</a:t>
-            </a:r>
-            <a:r>
-              <a:rPr lang="en-US" sz="1400" dirty="0" smtClean="0">
-                <a:latin typeface="Consolas" panose="020B0609020204030204" pitchFamily="49" charset="0"/>
-                <a:cs typeface="Consolas" panose="020B0609020204030204" pitchFamily="49" charset="0"/>
-              </a:rPr>
-              <a:t>::</a:t>
-            </a:r>
-            <a:r>
-              <a:rPr lang="en-US" sz="1400" dirty="0" err="1" smtClean="0">
-                <a:latin typeface="Consolas" panose="020B0609020204030204" pitchFamily="49" charset="0"/>
-                <a:cs typeface="Consolas" panose="020B0609020204030204" pitchFamily="49" charset="0"/>
-              </a:rPr>
-              <a:t>endl</a:t>
-            </a:r>
-            <a:r>
-              <a:rPr lang="en-US" sz="1400" dirty="0" smtClean="0">
-                <a:latin typeface="Consolas" panose="020B0609020204030204" pitchFamily="49" charset="0"/>
-                <a:cs typeface="Consolas" panose="020B0609020204030204" pitchFamily="49" charset="0"/>
-              </a:rPr>
-              <a:t>;</a:t>
-            </a:r>
-            <a:endParaRPr lang="en-US" sz="1400" dirty="0">
+            <a:pPr marL="457200" lvl="1" indent="0">
+              <a:buNone/>
+            </a:pPr>
+            <a:r>
+              <a:rPr lang="en-US" sz="1800" dirty="0">
+                <a:latin typeface="Consolas" panose="020B0609020204030204" pitchFamily="49" charset="0"/>
+                <a:cs typeface="Consolas" panose="020B0609020204030204" pitchFamily="49" charset="0"/>
+              </a:rPr>
+              <a:t>c:\apps\WinDDK\7600.16385.1</a:t>
+            </a:r>
+            <a:r>
+              <a:rPr lang="en-US" sz="1800" smtClean="0">
+                <a:latin typeface="Consolas" panose="020B0609020204030204" pitchFamily="49" charset="0"/>
+                <a:cs typeface="Consolas" panose="020B0609020204030204" pitchFamily="49" charset="0"/>
+              </a:rPr>
+              <a:t>&gt; cl.exe</a:t>
+            </a:r>
+            <a:endParaRPr lang="en-US" sz="1800" dirty="0">
               <a:latin typeface="Consolas" panose="020B0609020204030204" pitchFamily="49" charset="0"/>
               <a:cs typeface="Consolas" panose="020B0609020204030204" pitchFamily="49" charset="0"/>
             </a:endParaRPr>
           </a:p>
           <a:p>
-            <a:pPr marL="800100" lvl="2" indent="0">
-              <a:buNone/>
-            </a:pPr>
-            <a:r>
-              <a:rPr lang="en-US" sz="1400" dirty="0" smtClean="0">
-                <a:latin typeface="Consolas" panose="020B0609020204030204" pitchFamily="49" charset="0"/>
-                <a:cs typeface="Consolas" panose="020B0609020204030204" pitchFamily="49" charset="0"/>
-              </a:rPr>
-              <a:t>}</a:t>
-            </a:r>
-          </a:p>
-          <a:p>
-            <a:pPr marL="800100" lvl="2" indent="0">
-              <a:buNone/>
-            </a:pPr>
-            <a:endParaRPr lang="en-US" sz="1400" dirty="0" smtClean="0">
+            <a:pPr marL="457200" lvl="1" indent="0">
+              <a:buNone/>
+            </a:pPr>
+            <a:endParaRPr lang="en-US" sz="1800" dirty="0">
               <a:latin typeface="Consolas" panose="020B0609020204030204" pitchFamily="49" charset="0"/>
               <a:cs typeface="Consolas" panose="020B0609020204030204" pitchFamily="49" charset="0"/>
             </a:endParaRPr>
           </a:p>
           <a:p>
-            <a:pPr marL="800100" lvl="2" indent="0">
-              <a:buNone/>
-            </a:pPr>
-            <a:r>
-              <a:rPr lang="en-US" sz="1400" dirty="0" smtClean="0">
-                <a:latin typeface="Consolas" panose="020B0609020204030204" pitchFamily="49" charset="0"/>
-                <a:cs typeface="Consolas" panose="020B0609020204030204" pitchFamily="49" charset="0"/>
-              </a:rPr>
-              <a:t>output: </a:t>
-            </a:r>
-            <a:r>
-              <a:rPr lang="en-US" sz="1400" dirty="0" smtClean="0"/>
-              <a:t>23.430000</a:t>
-            </a:r>
-            <a:endParaRPr lang="en-US" sz="1400" dirty="0">
+            <a:pPr marL="457200" lvl="1" indent="0">
+              <a:buNone/>
+            </a:pPr>
+            <a:r>
+              <a:rPr lang="en-US" sz="1800" dirty="0">
+                <a:latin typeface="Consolas" panose="020B0609020204030204" pitchFamily="49" charset="0"/>
+                <a:cs typeface="Consolas" panose="020B0609020204030204" pitchFamily="49" charset="0"/>
+              </a:rPr>
+              <a:t>Microsoft (R) 32-bit C/C++ Optimizing Compiler Version </a:t>
+            </a:r>
+            <a:r>
+              <a:rPr lang="en-US" sz="1800" b="1" dirty="0">
+                <a:latin typeface="Consolas" panose="020B0609020204030204" pitchFamily="49" charset="0"/>
+                <a:cs typeface="Consolas" panose="020B0609020204030204" pitchFamily="49" charset="0"/>
+              </a:rPr>
+              <a:t>15.00.30729.207</a:t>
+            </a:r>
+            <a:r>
+              <a:rPr lang="en-US" sz="1800" dirty="0">
+                <a:latin typeface="Consolas" panose="020B0609020204030204" pitchFamily="49" charset="0"/>
+                <a:cs typeface="Consolas" panose="020B0609020204030204" pitchFamily="49" charset="0"/>
+              </a:rPr>
+              <a:t> for </a:t>
+            </a:r>
+            <a:r>
+              <a:rPr lang="en-US" sz="1800" dirty="0" smtClean="0">
+                <a:latin typeface="Consolas" panose="020B0609020204030204" pitchFamily="49" charset="0"/>
+                <a:cs typeface="Consolas" panose="020B0609020204030204" pitchFamily="49" charset="0"/>
+              </a:rPr>
+              <a:t>80x86</a:t>
+            </a:r>
+          </a:p>
+          <a:p>
+            <a:pPr marL="457200" lvl="1" indent="0">
+              <a:buNone/>
+            </a:pPr>
+            <a:endParaRPr lang="en-US" sz="1800" dirty="0">
               <a:latin typeface="Consolas" panose="020B0609020204030204" pitchFamily="49" charset="0"/>
               <a:cs typeface="Consolas" panose="020B0609020204030204" pitchFamily="49" charset="0"/>
             </a:endParaRPr>
           </a:p>
           <a:p>
-            <a:pPr marL="800100" lvl="2" indent="0">
-              <a:buNone/>
-            </a:pPr>
-            <a:endParaRPr lang="en-US" sz="1400" dirty="0" smtClean="0"/>
+            <a:pPr marL="457200" lvl="1" indent="0">
+              <a:buNone/>
+            </a:pPr>
+            <a:r>
+              <a:rPr lang="en-US" sz="1800" dirty="0">
+                <a:latin typeface="Consolas" panose="020B0609020204030204" pitchFamily="49" charset="0"/>
+                <a:cs typeface="Consolas" panose="020B0609020204030204" pitchFamily="49" charset="0"/>
+              </a:rPr>
+              <a:t>Copyright (C) Microsoft Corporation.  All rights reserved.</a:t>
+            </a:r>
+          </a:p>
+          <a:p>
+            <a:pPr marL="457200" lvl="1" indent="0">
+              <a:buNone/>
+            </a:pPr>
+            <a:r>
+              <a:rPr lang="en-US" sz="1800" dirty="0">
+                <a:latin typeface="Consolas" panose="020B0609020204030204" pitchFamily="49" charset="0"/>
+                <a:cs typeface="Consolas" panose="020B0609020204030204" pitchFamily="49" charset="0"/>
+              </a:rPr>
+              <a:t>usage: cl [ option... ] filename... [ /link </a:t>
+            </a:r>
+            <a:r>
+              <a:rPr lang="en-US" sz="1800" dirty="0" err="1">
+                <a:latin typeface="Consolas" panose="020B0609020204030204" pitchFamily="49" charset="0"/>
+                <a:cs typeface="Consolas" panose="020B0609020204030204" pitchFamily="49" charset="0"/>
+              </a:rPr>
+              <a:t>linkoption</a:t>
+            </a:r>
+            <a:r>
+              <a:rPr lang="en-US" sz="1800" dirty="0">
+                <a:latin typeface="Consolas" panose="020B0609020204030204" pitchFamily="49" charset="0"/>
+                <a:cs typeface="Consolas" panose="020B0609020204030204" pitchFamily="49" charset="0"/>
+              </a:rPr>
+              <a:t>... ]</a:t>
+            </a:r>
+          </a:p>
+          <a:p>
+            <a:pPr lvl="1"/>
+            <a:endParaRPr lang="en-US" sz="1800" dirty="0">
+              <a:latin typeface="Consolas" panose="020B0609020204030204" pitchFamily="49" charset="0"/>
+              <a:cs typeface="Consolas" panose="020B0609020204030204" pitchFamily="49" charset="0"/>
+            </a:endParaRPr>
           </a:p>
         </p:txBody>
       </p:sp>
     </p:spTree>
     <p:extLst>
       <p:ext uri="{BB962C8B-B14F-4D97-AF65-F5344CB8AC3E}">
-        <p14:creationId xmlns:p14="http://schemas.microsoft.com/office/powerpoint/2010/main" val="146388363"/>
+        <p14:creationId xmlns:p14="http://schemas.microsoft.com/office/powerpoint/2010/main" val="2118868596"/>
       </p:ext>
     </p:extLst>
   </p:cSld>
@@ -5154,16 +4171,8 @@
           <a:lstStyle/>
           <a:p>
             <a:r>
-              <a:rPr lang="en-US" dirty="0" err="1" smtClean="0"/>
-              <a:t>std</a:t>
-            </a:r>
-            <a:r>
-              <a:rPr lang="en-US" dirty="0" smtClean="0"/>
-              <a:t>::</a:t>
-            </a:r>
-            <a:r>
-              <a:rPr lang="en-US" dirty="0" err="1" smtClean="0"/>
-              <a:t>to_string</a:t>
+              <a:rPr lang="en-US" smtClean="0"/>
+              <a:t>Which C++ compiler?</a:t>
             </a:r>
             <a:endParaRPr lang="en-US" dirty="0"/>
           </a:p>
@@ -5182,34 +4191,69 @@
         <p:spPr/>
         <p:txBody>
           <a:bodyPr>
-            <a:normAutofit/>
+            <a:normAutofit lnSpcReduction="10000"/>
           </a:bodyPr>
           <a:lstStyle/>
           <a:p>
-            <a:r>
-              <a:rPr lang="en-US" dirty="0" smtClean="0"/>
-              <a:t>Works with all sorts of numeric types</a:t>
-            </a:r>
-          </a:p>
-          <a:p>
-            <a:r>
-              <a:rPr lang="en-US" dirty="0" smtClean="0"/>
-              <a:t>Caveat (google </a:t>
-            </a:r>
-            <a:r>
-              <a:rPr lang="en-US" dirty="0" err="1" smtClean="0"/>
-              <a:t>FlatBuffers</a:t>
-            </a:r>
-            <a:r>
-              <a:rPr lang="en-US" dirty="0" smtClean="0"/>
-              <a:t>):</a:t>
-            </a:r>
-          </a:p>
-          <a:p>
             <a:pPr marL="0" indent="0">
               <a:buNone/>
             </a:pPr>
-            <a:endParaRPr lang="en-US" sz="1200" dirty="0" smtClean="0">
+            <a:r>
+              <a:rPr lang="en-US" sz="2600" dirty="0" smtClean="0">
+                <a:cs typeface="Consolas" panose="020B0609020204030204" pitchFamily="49" charset="0"/>
+              </a:rPr>
+              <a:t>Set </a:t>
+            </a:r>
+            <a:r>
+              <a:rPr lang="en-US" sz="2600" dirty="0">
+                <a:cs typeface="Consolas" panose="020B0609020204030204" pitchFamily="49" charset="0"/>
+              </a:rPr>
+              <a:t>the environment; run </a:t>
+            </a:r>
+            <a:r>
+              <a:rPr lang="en-US" sz="2600" dirty="0" smtClean="0">
+                <a:cs typeface="Consolas" panose="020B0609020204030204" pitchFamily="49" charset="0"/>
+              </a:rPr>
+              <a:t>CL.EXE</a:t>
+            </a:r>
+          </a:p>
+          <a:p>
+            <a:r>
+              <a:rPr lang="en-US" sz="2600" dirty="0" smtClean="0">
+                <a:cs typeface="Consolas" panose="020B0609020204030204" pitchFamily="49" charset="0"/>
+              </a:rPr>
+              <a:t>Visual Studio help/about: fail</a:t>
+            </a:r>
+          </a:p>
+          <a:p>
+            <a:r>
+              <a:rPr lang="en-US" sz="2600" dirty="0" smtClean="0">
+                <a:cs typeface="Consolas" panose="020B0609020204030204" pitchFamily="49" charset="0"/>
+              </a:rPr>
+              <a:t>Look for “C++” </a:t>
+            </a:r>
+            <a:r>
+              <a:rPr lang="en-US" sz="2600" dirty="0" smtClean="0">
+                <a:cs typeface="Consolas" panose="020B0609020204030204" pitchFamily="49" charset="0"/>
+                <a:hlinkClick r:id="rId2"/>
+              </a:rPr>
+              <a:t>here</a:t>
+            </a:r>
+            <a:r>
+              <a:rPr lang="en-US" sz="2600" dirty="0" smtClean="0">
+                <a:cs typeface="Consolas" panose="020B0609020204030204" pitchFamily="49" charset="0"/>
+              </a:rPr>
+              <a:t> for all MS C++ compiler versions</a:t>
+            </a:r>
+            <a:endParaRPr lang="en-US" sz="2600" dirty="0">
+              <a:cs typeface="Consolas" panose="020B0609020204030204" pitchFamily="49" charset="0"/>
+            </a:endParaRPr>
+          </a:p>
+          <a:p>
+            <a:pPr marL="0" indent="0">
+              <a:buNone/>
+            </a:pPr>
+            <a:endParaRPr lang="en-US" sz="1800" dirty="0">
               <a:latin typeface="Consolas" panose="020B0609020204030204" pitchFamily="49" charset="0"/>
               <a:cs typeface="Consolas" panose="020B0609020204030204" pitchFamily="49" charset="0"/>
             </a:endParaRPr>
@@ -5219,194 +4263,48 @@
               <a:buNone/>
             </a:pPr>
             <a:r>
-              <a:rPr lang="en-US" sz="1200" dirty="0" smtClean="0">
-                <a:latin typeface="Consolas" panose="020B0609020204030204" pitchFamily="49" charset="0"/>
-                <a:cs typeface="Consolas" panose="020B0609020204030204" pitchFamily="49" charset="0"/>
-              </a:rPr>
-              <a:t>  namespace </a:t>
-            </a:r>
-            <a:r>
-              <a:rPr lang="en-US" sz="1200" dirty="0" err="1">
-                <a:latin typeface="Consolas" panose="020B0609020204030204" pitchFamily="49" charset="0"/>
-                <a:cs typeface="Consolas" panose="020B0609020204030204" pitchFamily="49" charset="0"/>
-              </a:rPr>
-              <a:t>flatbuffers</a:t>
-            </a:r>
-            <a:r>
-              <a:rPr lang="en-US" sz="1200" dirty="0">
-                <a:latin typeface="Consolas" panose="020B0609020204030204" pitchFamily="49" charset="0"/>
-                <a:cs typeface="Consolas" panose="020B0609020204030204" pitchFamily="49" charset="0"/>
-              </a:rPr>
-              <a:t> {</a:t>
-            </a:r>
-          </a:p>
-          <a:p>
-            <a:pPr marL="0" indent="0">
-              <a:buNone/>
-            </a:pPr>
-            <a:r>
-              <a:rPr lang="en-US" sz="1200" dirty="0" smtClean="0">
-                <a:latin typeface="Consolas" panose="020B0609020204030204" pitchFamily="49" charset="0"/>
-                <a:cs typeface="Consolas" panose="020B0609020204030204" pitchFamily="49" charset="0"/>
-              </a:rPr>
-              <a:t>    // </a:t>
-            </a:r>
-            <a:r>
-              <a:rPr lang="en-US" sz="1200" dirty="0">
-                <a:latin typeface="Consolas" panose="020B0609020204030204" pitchFamily="49" charset="0"/>
-                <a:cs typeface="Consolas" panose="020B0609020204030204" pitchFamily="49" charset="0"/>
-              </a:rPr>
-              <a:t>Convert an integer or floating point value to a string.</a:t>
-            </a:r>
-          </a:p>
-          <a:p>
-            <a:pPr marL="0" indent="0">
-              <a:buNone/>
-            </a:pPr>
-            <a:r>
-              <a:rPr lang="en-US" sz="1200" dirty="0" smtClean="0">
-                <a:latin typeface="Consolas" panose="020B0609020204030204" pitchFamily="49" charset="0"/>
-                <a:cs typeface="Consolas" panose="020B0609020204030204" pitchFamily="49" charset="0"/>
-              </a:rPr>
-              <a:t>    // </a:t>
-            </a:r>
-            <a:r>
-              <a:rPr lang="en-US" sz="1200" dirty="0">
-                <a:latin typeface="Consolas" panose="020B0609020204030204" pitchFamily="49" charset="0"/>
-                <a:cs typeface="Consolas" panose="020B0609020204030204" pitchFamily="49" charset="0"/>
-              </a:rPr>
-              <a:t>In contrast to </a:t>
-            </a:r>
-            <a:r>
-              <a:rPr lang="en-US" sz="1200" dirty="0" err="1">
-                <a:latin typeface="Consolas" panose="020B0609020204030204" pitchFamily="49" charset="0"/>
-                <a:cs typeface="Consolas" panose="020B0609020204030204" pitchFamily="49" charset="0"/>
-              </a:rPr>
-              <a:t>std</a:t>
-            </a:r>
-            <a:r>
-              <a:rPr lang="en-US" sz="1200" dirty="0">
-                <a:latin typeface="Consolas" panose="020B0609020204030204" pitchFamily="49" charset="0"/>
-                <a:cs typeface="Consolas" panose="020B0609020204030204" pitchFamily="49" charset="0"/>
-              </a:rPr>
-              <a:t>::</a:t>
-            </a:r>
-            <a:r>
-              <a:rPr lang="en-US" sz="1200" dirty="0" err="1">
-                <a:latin typeface="Consolas" panose="020B0609020204030204" pitchFamily="49" charset="0"/>
-                <a:cs typeface="Consolas" panose="020B0609020204030204" pitchFamily="49" charset="0"/>
-              </a:rPr>
-              <a:t>stringstream</a:t>
-            </a:r>
-            <a:r>
-              <a:rPr lang="en-US" sz="1200" dirty="0">
-                <a:latin typeface="Consolas" panose="020B0609020204030204" pitchFamily="49" charset="0"/>
-                <a:cs typeface="Consolas" panose="020B0609020204030204" pitchFamily="49" charset="0"/>
-              </a:rPr>
-              <a:t>, "char" values </a:t>
-            </a:r>
-            <a:r>
-              <a:rPr lang="en-US" sz="1200" dirty="0" smtClean="0">
-                <a:latin typeface="Consolas" panose="020B0609020204030204" pitchFamily="49" charset="0"/>
-                <a:cs typeface="Consolas" panose="020B0609020204030204" pitchFamily="49" charset="0"/>
-              </a:rPr>
-              <a:t>are converted </a:t>
-            </a:r>
-            <a:r>
-              <a:rPr lang="en-US" sz="1200" dirty="0">
-                <a:latin typeface="Consolas" panose="020B0609020204030204" pitchFamily="49" charset="0"/>
-                <a:cs typeface="Consolas" panose="020B0609020204030204" pitchFamily="49" charset="0"/>
-              </a:rPr>
-              <a:t>to a string of digits.</a:t>
-            </a:r>
-          </a:p>
-          <a:p>
-            <a:pPr marL="0" indent="0">
-              <a:buNone/>
-            </a:pPr>
-            <a:r>
-              <a:rPr lang="en-US" sz="1200" dirty="0" smtClean="0">
-                <a:latin typeface="Consolas" panose="020B0609020204030204" pitchFamily="49" charset="0"/>
-                <a:cs typeface="Consolas" panose="020B0609020204030204" pitchFamily="49" charset="0"/>
-              </a:rPr>
-              <a:t>    template&lt;</a:t>
-            </a:r>
-            <a:r>
-              <a:rPr lang="en-US" sz="1200" dirty="0" err="1" smtClean="0">
-                <a:latin typeface="Consolas" panose="020B0609020204030204" pitchFamily="49" charset="0"/>
-                <a:cs typeface="Consolas" panose="020B0609020204030204" pitchFamily="49" charset="0"/>
-              </a:rPr>
-              <a:t>typename</a:t>
-            </a:r>
-            <a:r>
-              <a:rPr lang="en-US" sz="1200" dirty="0" smtClean="0">
-                <a:latin typeface="Consolas" panose="020B0609020204030204" pitchFamily="49" charset="0"/>
-                <a:cs typeface="Consolas" panose="020B0609020204030204" pitchFamily="49" charset="0"/>
-              </a:rPr>
-              <a:t> </a:t>
-            </a:r>
-            <a:r>
-              <a:rPr lang="en-US" sz="1200" dirty="0">
-                <a:latin typeface="Consolas" panose="020B0609020204030204" pitchFamily="49" charset="0"/>
-                <a:cs typeface="Consolas" panose="020B0609020204030204" pitchFamily="49" charset="0"/>
-              </a:rPr>
-              <a:t>T&gt; </a:t>
-            </a:r>
-            <a:r>
-              <a:rPr lang="en-US" sz="1200" dirty="0" err="1">
-                <a:latin typeface="Consolas" panose="020B0609020204030204" pitchFamily="49" charset="0"/>
-                <a:cs typeface="Consolas" panose="020B0609020204030204" pitchFamily="49" charset="0"/>
-              </a:rPr>
-              <a:t>std</a:t>
-            </a:r>
-            <a:r>
-              <a:rPr lang="en-US" sz="1200" dirty="0">
-                <a:latin typeface="Consolas" panose="020B0609020204030204" pitchFamily="49" charset="0"/>
-                <a:cs typeface="Consolas" panose="020B0609020204030204" pitchFamily="49" charset="0"/>
-              </a:rPr>
-              <a:t>::string </a:t>
-            </a:r>
-            <a:r>
-              <a:rPr lang="en-US" sz="1200" dirty="0" err="1">
-                <a:latin typeface="Consolas" panose="020B0609020204030204" pitchFamily="49" charset="0"/>
-                <a:cs typeface="Consolas" panose="020B0609020204030204" pitchFamily="49" charset="0"/>
-              </a:rPr>
-              <a:t>NumToString</a:t>
-            </a:r>
-            <a:r>
-              <a:rPr lang="en-US" sz="1200" dirty="0">
-                <a:latin typeface="Consolas" panose="020B0609020204030204" pitchFamily="49" charset="0"/>
-                <a:cs typeface="Consolas" panose="020B0609020204030204" pitchFamily="49" charset="0"/>
-              </a:rPr>
-              <a:t>(T t</a:t>
-            </a:r>
-            <a:r>
-              <a:rPr lang="en-US" sz="1200" dirty="0" smtClean="0">
-                <a:latin typeface="Consolas" panose="020B0609020204030204" pitchFamily="49" charset="0"/>
-                <a:cs typeface="Consolas" panose="020B0609020204030204" pitchFamily="49" charset="0"/>
-              </a:rPr>
-              <a:t>)</a:t>
-            </a:r>
-          </a:p>
-          <a:p>
-            <a:pPr marL="0" indent="0">
-              <a:buNone/>
-            </a:pPr>
-            <a:r>
-              <a:rPr lang="en-US" sz="1200" dirty="0">
-                <a:latin typeface="Consolas" panose="020B0609020204030204" pitchFamily="49" charset="0"/>
-                <a:cs typeface="Consolas" panose="020B0609020204030204" pitchFamily="49" charset="0"/>
-              </a:rPr>
-              <a:t> </a:t>
-            </a:r>
-            <a:r>
-              <a:rPr lang="en-US" sz="1200" dirty="0" smtClean="0">
-                <a:latin typeface="Consolas" panose="020B0609020204030204" pitchFamily="49" charset="0"/>
-                <a:cs typeface="Consolas" panose="020B0609020204030204" pitchFamily="49" charset="0"/>
-              </a:rPr>
-              <a:t>  {</a:t>
-            </a:r>
-            <a:endParaRPr lang="en-US" sz="1200" dirty="0">
+              <a:rPr lang="en-US" sz="1800" b="1" dirty="0" smtClean="0">
+                <a:latin typeface="Consolas" panose="020B0609020204030204" pitchFamily="49" charset="0"/>
+                <a:cs typeface="Consolas" panose="020B0609020204030204" pitchFamily="49" charset="0"/>
+              </a:rPr>
+              <a:t>vs2013</a:t>
+            </a:r>
+            <a:r>
+              <a:rPr lang="en-US" sz="1800" dirty="0" smtClean="0">
+                <a:latin typeface="Consolas" panose="020B0609020204030204" pitchFamily="49" charset="0"/>
+                <a:cs typeface="Consolas" panose="020B0609020204030204" pitchFamily="49" charset="0"/>
+              </a:rPr>
+              <a:t>env: Microsoft </a:t>
+            </a:r>
+            <a:r>
+              <a:rPr lang="en-US" sz="1800" dirty="0">
+                <a:latin typeface="Consolas" panose="020B0609020204030204" pitchFamily="49" charset="0"/>
+                <a:cs typeface="Consolas" panose="020B0609020204030204" pitchFamily="49" charset="0"/>
+              </a:rPr>
+              <a:t>(R) C/C++ Optimizing Compiler Version </a:t>
+            </a:r>
+            <a:r>
+              <a:rPr lang="en-US" sz="1800" b="1" dirty="0">
+                <a:latin typeface="Consolas" panose="020B0609020204030204" pitchFamily="49" charset="0"/>
+                <a:cs typeface="Consolas" panose="020B0609020204030204" pitchFamily="49" charset="0"/>
+              </a:rPr>
+              <a:t>18.00.31010</a:t>
+            </a:r>
+            <a:r>
+              <a:rPr lang="en-US" sz="1800" dirty="0">
+                <a:latin typeface="Consolas" panose="020B0609020204030204" pitchFamily="49" charset="0"/>
+                <a:cs typeface="Consolas" panose="020B0609020204030204" pitchFamily="49" charset="0"/>
+              </a:rPr>
+              <a:t> for </a:t>
+            </a:r>
+            <a:r>
+              <a:rPr lang="en-US" sz="1800" dirty="0" smtClean="0">
+                <a:latin typeface="Consolas" panose="020B0609020204030204" pitchFamily="49" charset="0"/>
+                <a:cs typeface="Consolas" panose="020B0609020204030204" pitchFamily="49" charset="0"/>
+              </a:rPr>
+              <a:t>x86</a:t>
+            </a:r>
+            <a:endParaRPr lang="en-US" sz="1800" dirty="0">
               <a:latin typeface="Consolas" panose="020B0609020204030204" pitchFamily="49" charset="0"/>
               <a:cs typeface="Consolas" panose="020B0609020204030204" pitchFamily="49" charset="0"/>
             </a:endParaRPr>
@@ -5416,60 +4314,48 @@
               <a:buNone/>
             </a:pPr>
             <a:r>
-              <a:rPr lang="en-US" sz="1200" b="1" dirty="0" smtClean="0">
-                <a:latin typeface="Consolas" panose="020B0609020204030204" pitchFamily="49" charset="0"/>
-                <a:cs typeface="Consolas" panose="020B0609020204030204" pitchFamily="49" charset="0"/>
-              </a:rPr>
-              <a:t>        </a:t>
-            </a:r>
-            <a:r>
-              <a:rPr lang="en-US" sz="1200" b="1" dirty="0">
-                <a:latin typeface="Consolas" panose="020B0609020204030204" pitchFamily="49" charset="0"/>
-                <a:cs typeface="Consolas" panose="020B0609020204030204" pitchFamily="49" charset="0"/>
-              </a:rPr>
-              <a:t>// </a:t>
-            </a:r>
-            <a:r>
-              <a:rPr lang="en-US" sz="1200" b="1" dirty="0" err="1">
-                <a:latin typeface="Consolas" panose="020B0609020204030204" pitchFamily="49" charset="0"/>
-                <a:cs typeface="Consolas" panose="020B0609020204030204" pitchFamily="49" charset="0"/>
-              </a:rPr>
-              <a:t>to_string</a:t>
-            </a:r>
-            <a:r>
-              <a:rPr lang="en-US" sz="1200" b="1" dirty="0">
-                <a:latin typeface="Consolas" panose="020B0609020204030204" pitchFamily="49" charset="0"/>
-                <a:cs typeface="Consolas" panose="020B0609020204030204" pitchFamily="49" charset="0"/>
-              </a:rPr>
-              <a:t>() prints different numbers of digits for floats depending on</a:t>
-            </a:r>
-          </a:p>
-          <a:p>
-            <a:pPr marL="0" indent="0">
-              <a:buNone/>
-            </a:pPr>
-            <a:r>
-              <a:rPr lang="en-US" sz="1200" b="1" dirty="0" smtClean="0">
-                <a:latin typeface="Consolas" panose="020B0609020204030204" pitchFamily="49" charset="0"/>
-                <a:cs typeface="Consolas" panose="020B0609020204030204" pitchFamily="49" charset="0"/>
-              </a:rPr>
-              <a:t>        </a:t>
-            </a:r>
-            <a:r>
-              <a:rPr lang="en-US" sz="1200" b="1" dirty="0">
-                <a:latin typeface="Consolas" panose="020B0609020204030204" pitchFamily="49" charset="0"/>
-                <a:cs typeface="Consolas" panose="020B0609020204030204" pitchFamily="49" charset="0"/>
-              </a:rPr>
-              <a:t>// platform and isn't available on Android, so we use </a:t>
-            </a:r>
-            <a:r>
-              <a:rPr lang="en-US" sz="1200" b="1" dirty="0" err="1">
-                <a:latin typeface="Consolas" panose="020B0609020204030204" pitchFamily="49" charset="0"/>
-                <a:cs typeface="Consolas" panose="020B0609020204030204" pitchFamily="49" charset="0"/>
-              </a:rPr>
-              <a:t>stringstream</a:t>
-            </a:r>
-            <a:endParaRPr lang="en-US" sz="1200" b="1" dirty="0">
+              <a:rPr lang="en-US" sz="1800" b="1" dirty="0" smtClean="0">
+                <a:latin typeface="Consolas" panose="020B0609020204030204" pitchFamily="49" charset="0"/>
+                <a:cs typeface="Consolas" panose="020B0609020204030204" pitchFamily="49" charset="0"/>
+              </a:rPr>
+              <a:t>vs2012</a:t>
+            </a:r>
+            <a:r>
+              <a:rPr lang="en-US" sz="1800" dirty="0" smtClean="0">
+                <a:latin typeface="Consolas" panose="020B0609020204030204" pitchFamily="49" charset="0"/>
+                <a:cs typeface="Consolas" panose="020B0609020204030204" pitchFamily="49" charset="0"/>
+              </a:rPr>
+              <a:t>env: Microsoft </a:t>
+            </a:r>
+            <a:r>
+              <a:rPr lang="en-US" sz="1800" dirty="0">
+                <a:latin typeface="Consolas" panose="020B0609020204030204" pitchFamily="49" charset="0"/>
+                <a:cs typeface="Consolas" panose="020B0609020204030204" pitchFamily="49" charset="0"/>
+              </a:rPr>
+              <a:t>(R) C/C++ Optimizing Compiler Version </a:t>
+            </a:r>
+            <a:r>
+              <a:rPr lang="en-US" sz="1800" b="1" dirty="0">
+                <a:latin typeface="Consolas" panose="020B0609020204030204" pitchFamily="49" charset="0"/>
+                <a:cs typeface="Consolas" panose="020B0609020204030204" pitchFamily="49" charset="0"/>
+              </a:rPr>
+              <a:t>17.00.61030</a:t>
+            </a:r>
+            <a:r>
+              <a:rPr lang="en-US" sz="1800" dirty="0">
+                <a:latin typeface="Consolas" panose="020B0609020204030204" pitchFamily="49" charset="0"/>
+                <a:cs typeface="Consolas" panose="020B0609020204030204" pitchFamily="49" charset="0"/>
+              </a:rPr>
+              <a:t> for </a:t>
+            </a:r>
+            <a:r>
+              <a:rPr lang="en-US" sz="1800" dirty="0" smtClean="0">
+                <a:latin typeface="Consolas" panose="020B0609020204030204" pitchFamily="49" charset="0"/>
+                <a:cs typeface="Consolas" panose="020B0609020204030204" pitchFamily="49" charset="0"/>
+              </a:rPr>
+              <a:t>x86</a:t>
+            </a:r>
+            <a:endParaRPr lang="en-US" sz="1800" dirty="0">
               <a:latin typeface="Consolas" panose="020B0609020204030204" pitchFamily="49" charset="0"/>
               <a:cs typeface="Consolas" panose="020B0609020204030204" pitchFamily="49" charset="0"/>
             </a:endParaRPr>
@@ -5479,139 +4365,168 @@
               <a:buNone/>
             </a:pPr>
             <a:r>
-              <a:rPr lang="en-US" sz="1200" dirty="0" smtClean="0">
-                <a:latin typeface="Consolas" panose="020B0609020204030204" pitchFamily="49" charset="0"/>
-                <a:cs typeface="Consolas" panose="020B0609020204030204" pitchFamily="49" charset="0"/>
-              </a:rPr>
-              <a:t>        </a:t>
-            </a:r>
-            <a:r>
-              <a:rPr lang="en-US" sz="1200" dirty="0" err="1">
-                <a:latin typeface="Consolas" panose="020B0609020204030204" pitchFamily="49" charset="0"/>
-                <a:cs typeface="Consolas" panose="020B0609020204030204" pitchFamily="49" charset="0"/>
-              </a:rPr>
-              <a:t>std</a:t>
-            </a:r>
-            <a:r>
-              <a:rPr lang="en-US" sz="1200" dirty="0">
-                <a:latin typeface="Consolas" panose="020B0609020204030204" pitchFamily="49" charset="0"/>
-                <a:cs typeface="Consolas" panose="020B0609020204030204" pitchFamily="49" charset="0"/>
-              </a:rPr>
-              <a:t>::</a:t>
-            </a:r>
-            <a:r>
-              <a:rPr lang="en-US" sz="1200" dirty="0" err="1">
-                <a:latin typeface="Consolas" panose="020B0609020204030204" pitchFamily="49" charset="0"/>
-                <a:cs typeface="Consolas" panose="020B0609020204030204" pitchFamily="49" charset="0"/>
-              </a:rPr>
-              <a:t>stringstream</a:t>
-            </a:r>
-            <a:r>
-              <a:rPr lang="en-US" sz="1200" dirty="0">
-                <a:latin typeface="Consolas" panose="020B0609020204030204" pitchFamily="49" charset="0"/>
-                <a:cs typeface="Consolas" panose="020B0609020204030204" pitchFamily="49" charset="0"/>
-              </a:rPr>
-              <a:t> </a:t>
-            </a:r>
-            <a:r>
-              <a:rPr lang="en-US" sz="1200" dirty="0" err="1">
-                <a:latin typeface="Consolas" panose="020B0609020204030204" pitchFamily="49" charset="0"/>
-                <a:cs typeface="Consolas" panose="020B0609020204030204" pitchFamily="49" charset="0"/>
-              </a:rPr>
-              <a:t>ss</a:t>
-            </a:r>
-            <a:r>
-              <a:rPr lang="en-US" sz="1200" dirty="0">
-                <a:latin typeface="Consolas" panose="020B0609020204030204" pitchFamily="49" charset="0"/>
-                <a:cs typeface="Consolas" panose="020B0609020204030204" pitchFamily="49" charset="0"/>
-              </a:rPr>
-              <a:t>;</a:t>
-            </a:r>
-          </a:p>
-          <a:p>
-            <a:pPr marL="0" indent="0">
-              <a:buNone/>
-            </a:pPr>
-            <a:r>
-              <a:rPr lang="en-US" sz="1200" dirty="0" smtClean="0">
-                <a:latin typeface="Consolas" panose="020B0609020204030204" pitchFamily="49" charset="0"/>
-                <a:cs typeface="Consolas" panose="020B0609020204030204" pitchFamily="49" charset="0"/>
-              </a:rPr>
-              <a:t>        </a:t>
-            </a:r>
-            <a:r>
-              <a:rPr lang="en-US" sz="1200" dirty="0" err="1">
-                <a:latin typeface="Consolas" panose="020B0609020204030204" pitchFamily="49" charset="0"/>
-                <a:cs typeface="Consolas" panose="020B0609020204030204" pitchFamily="49" charset="0"/>
-              </a:rPr>
-              <a:t>ss</a:t>
-            </a:r>
-            <a:r>
-              <a:rPr lang="en-US" sz="1200" dirty="0">
-                <a:latin typeface="Consolas" panose="020B0609020204030204" pitchFamily="49" charset="0"/>
-                <a:cs typeface="Consolas" panose="020B0609020204030204" pitchFamily="49" charset="0"/>
-              </a:rPr>
-              <a:t> &lt;&lt; t;</a:t>
-            </a:r>
-          </a:p>
-          <a:p>
-            <a:pPr marL="0" indent="0">
-              <a:buNone/>
-            </a:pPr>
-            <a:r>
-              <a:rPr lang="en-US" sz="1200" dirty="0" smtClean="0">
-                <a:latin typeface="Consolas" panose="020B0609020204030204" pitchFamily="49" charset="0"/>
-                <a:cs typeface="Consolas" panose="020B0609020204030204" pitchFamily="49" charset="0"/>
-              </a:rPr>
-              <a:t>        </a:t>
-            </a:r>
-            <a:r>
-              <a:rPr lang="en-US" sz="1200" dirty="0">
-                <a:latin typeface="Consolas" panose="020B0609020204030204" pitchFamily="49" charset="0"/>
-                <a:cs typeface="Consolas" panose="020B0609020204030204" pitchFamily="49" charset="0"/>
-              </a:rPr>
-              <a:t>return </a:t>
-            </a:r>
-            <a:r>
-              <a:rPr lang="en-US" sz="1200" dirty="0" err="1">
-                <a:latin typeface="Consolas" panose="020B0609020204030204" pitchFamily="49" charset="0"/>
-                <a:cs typeface="Consolas" panose="020B0609020204030204" pitchFamily="49" charset="0"/>
-              </a:rPr>
-              <a:t>ss.str</a:t>
-            </a:r>
-            <a:r>
-              <a:rPr lang="en-US" sz="1200" dirty="0">
-                <a:latin typeface="Consolas" panose="020B0609020204030204" pitchFamily="49" charset="0"/>
-                <a:cs typeface="Consolas" panose="020B0609020204030204" pitchFamily="49" charset="0"/>
-              </a:rPr>
-              <a:t>();</a:t>
-            </a:r>
-          </a:p>
-          <a:p>
-            <a:pPr marL="0" indent="0">
-              <a:buNone/>
-            </a:pPr>
-            <a:r>
-              <a:rPr lang="en-US" sz="1200" dirty="0" smtClean="0">
-                <a:latin typeface="Consolas" panose="020B0609020204030204" pitchFamily="49" charset="0"/>
-                <a:cs typeface="Consolas" panose="020B0609020204030204" pitchFamily="49" charset="0"/>
-              </a:rPr>
-              <a:t>   }</a:t>
-            </a:r>
-            <a:endParaRPr lang="en-US" sz="1200" dirty="0">
+              <a:rPr lang="en-US" sz="1800" dirty="0" smtClean="0">
+                <a:latin typeface="Consolas" panose="020B0609020204030204" pitchFamily="49" charset="0"/>
+                <a:cs typeface="Consolas" panose="020B0609020204030204" pitchFamily="49" charset="0"/>
+              </a:rPr>
+              <a:t>vs</a:t>
+            </a:r>
+            <a:r>
+              <a:rPr lang="en-US" sz="1800" b="1" dirty="0" smtClean="0">
+                <a:latin typeface="Consolas" panose="020B0609020204030204" pitchFamily="49" charset="0"/>
+                <a:cs typeface="Consolas" panose="020B0609020204030204" pitchFamily="49" charset="0"/>
+              </a:rPr>
+              <a:t>2010</a:t>
+            </a:r>
+            <a:r>
+              <a:rPr lang="en-US" sz="1800" dirty="0" smtClean="0">
+                <a:latin typeface="Consolas" panose="020B0609020204030204" pitchFamily="49" charset="0"/>
+                <a:cs typeface="Consolas" panose="020B0609020204030204" pitchFamily="49" charset="0"/>
+              </a:rPr>
+              <a:t>env: Microsoft </a:t>
+            </a:r>
+            <a:r>
+              <a:rPr lang="en-US" sz="1800" dirty="0">
+                <a:latin typeface="Consolas" panose="020B0609020204030204" pitchFamily="49" charset="0"/>
+                <a:cs typeface="Consolas" panose="020B0609020204030204" pitchFamily="49" charset="0"/>
+              </a:rPr>
+              <a:t>(R) 32-bit C/C++ Optimizing Compiler Version </a:t>
+            </a:r>
+            <a:r>
+              <a:rPr lang="en-US" sz="1800" b="1" dirty="0">
+                <a:latin typeface="Consolas" panose="020B0609020204030204" pitchFamily="49" charset="0"/>
+                <a:cs typeface="Consolas" panose="020B0609020204030204" pitchFamily="49" charset="0"/>
+              </a:rPr>
+              <a:t>16.00.40219.01</a:t>
+            </a:r>
+            <a:r>
+              <a:rPr lang="en-US" sz="1800" dirty="0">
+                <a:latin typeface="Consolas" panose="020B0609020204030204" pitchFamily="49" charset="0"/>
+                <a:cs typeface="Consolas" panose="020B0609020204030204" pitchFamily="49" charset="0"/>
+              </a:rPr>
+              <a:t> for </a:t>
+            </a:r>
+            <a:r>
+              <a:rPr lang="en-US" sz="1800" dirty="0" smtClean="0">
+                <a:latin typeface="Consolas" panose="020B0609020204030204" pitchFamily="49" charset="0"/>
+                <a:cs typeface="Consolas" panose="020B0609020204030204" pitchFamily="49" charset="0"/>
+              </a:rPr>
+              <a:t>80x86</a:t>
+            </a:r>
+            <a:endParaRPr lang="en-US" sz="1800" dirty="0">
               <a:latin typeface="Consolas" panose="020B0609020204030204" pitchFamily="49" charset="0"/>
               <a:cs typeface="Consolas" panose="020B0609020204030204" pitchFamily="49" charset="0"/>
             </a:endParaRPr>
           </a:p>
           <a:p>
-            <a:endParaRPr lang="en-US" sz="1400" dirty="0" smtClean="0"/>
+            <a:pPr marL="0" indent="0">
+              <a:buNone/>
+            </a:pPr>
+            <a:r>
+              <a:rPr lang="en-US" sz="1800" dirty="0" smtClean="0">
+                <a:latin typeface="Consolas" panose="020B0609020204030204" pitchFamily="49" charset="0"/>
+                <a:cs typeface="Consolas" panose="020B0609020204030204" pitchFamily="49" charset="0"/>
+              </a:rPr>
+              <a:t>vs</a:t>
+            </a:r>
+            <a:r>
+              <a:rPr lang="en-US" sz="1800" b="1" dirty="0" smtClean="0">
+                <a:latin typeface="Consolas" panose="020B0609020204030204" pitchFamily="49" charset="0"/>
+                <a:cs typeface="Consolas" panose="020B0609020204030204" pitchFamily="49" charset="0"/>
+              </a:rPr>
+              <a:t>2008</a:t>
+            </a:r>
+            <a:r>
+              <a:rPr lang="en-US" sz="1800" dirty="0" smtClean="0">
+                <a:latin typeface="Consolas" panose="020B0609020204030204" pitchFamily="49" charset="0"/>
+                <a:cs typeface="Consolas" panose="020B0609020204030204" pitchFamily="49" charset="0"/>
+              </a:rPr>
+              <a:t>env: Microsoft </a:t>
+            </a:r>
+            <a:r>
+              <a:rPr lang="en-US" sz="1800" dirty="0">
+                <a:latin typeface="Consolas" panose="020B0609020204030204" pitchFamily="49" charset="0"/>
+                <a:cs typeface="Consolas" panose="020B0609020204030204" pitchFamily="49" charset="0"/>
+              </a:rPr>
+              <a:t>(R) 32-bit C/C++ Optimizing Compiler </a:t>
+            </a:r>
+            <a:r>
+              <a:rPr lang="en-US" sz="1800" dirty="0" smtClean="0">
+                <a:latin typeface="Consolas" panose="020B0609020204030204" pitchFamily="49" charset="0"/>
+                <a:cs typeface="Consolas" panose="020B0609020204030204" pitchFamily="49" charset="0"/>
+              </a:rPr>
+              <a:t>Version </a:t>
+            </a:r>
+            <a:r>
+              <a:rPr lang="en-US" sz="1800" b="1" dirty="0" smtClean="0">
+                <a:latin typeface="Consolas" panose="020B0609020204030204" pitchFamily="49" charset="0"/>
+                <a:cs typeface="Consolas" panose="020B0609020204030204" pitchFamily="49" charset="0"/>
+              </a:rPr>
+              <a:t>15.00.30729.01</a:t>
+            </a:r>
+            <a:r>
+              <a:rPr lang="en-US" sz="1800" dirty="0" smtClean="0">
+                <a:latin typeface="Consolas" panose="020B0609020204030204" pitchFamily="49" charset="0"/>
+                <a:cs typeface="Consolas" panose="020B0609020204030204" pitchFamily="49" charset="0"/>
+              </a:rPr>
+              <a:t> </a:t>
+            </a:r>
+            <a:r>
+              <a:rPr lang="en-US" sz="1800" dirty="0">
+                <a:latin typeface="Consolas" panose="020B0609020204030204" pitchFamily="49" charset="0"/>
+                <a:cs typeface="Consolas" panose="020B0609020204030204" pitchFamily="49" charset="0"/>
+              </a:rPr>
+              <a:t>for </a:t>
+            </a:r>
+            <a:r>
+              <a:rPr lang="en-US" sz="1800" dirty="0" smtClean="0">
+                <a:latin typeface="Consolas" panose="020B0609020204030204" pitchFamily="49" charset="0"/>
+                <a:cs typeface="Consolas" panose="020B0609020204030204" pitchFamily="49" charset="0"/>
+              </a:rPr>
+              <a:t>80x86</a:t>
+            </a:r>
+          </a:p>
+          <a:p>
+            <a:pPr marL="0" indent="0">
+              <a:buNone/>
+            </a:pPr>
+            <a:r>
+              <a:rPr lang="en-US" sz="1800" dirty="0">
+                <a:latin typeface="Consolas" panose="020B0609020204030204" pitchFamily="49" charset="0"/>
+                <a:cs typeface="Consolas" panose="020B0609020204030204" pitchFamily="49" charset="0"/>
+              </a:rPr>
+              <a:t>vs</a:t>
+            </a:r>
+            <a:r>
+              <a:rPr lang="en-US" sz="1800" b="1" dirty="0">
+                <a:latin typeface="Consolas" panose="020B0609020204030204" pitchFamily="49" charset="0"/>
+                <a:cs typeface="Consolas" panose="020B0609020204030204" pitchFamily="49" charset="0"/>
+              </a:rPr>
+              <a:t>2014</a:t>
+            </a:r>
+            <a:r>
+              <a:rPr lang="en-US" sz="1800" dirty="0">
+                <a:latin typeface="Consolas" panose="020B0609020204030204" pitchFamily="49" charset="0"/>
+                <a:cs typeface="Consolas" panose="020B0609020204030204" pitchFamily="49" charset="0"/>
+              </a:rPr>
+              <a:t>env: Microsoft (R) C/C++ Optimizing Compiler Version 19.00.22129.1 for x86</a:t>
+            </a:r>
+          </a:p>
+          <a:p>
+            <a:pPr marL="0" indent="0">
+              <a:buNone/>
+            </a:pPr>
+            <a:endParaRPr lang="en-US" sz="1800" dirty="0">
+              <a:latin typeface="Consolas" panose="020B0609020204030204" pitchFamily="49" charset="0"/>
+              <a:cs typeface="Consolas" panose="020B0609020204030204" pitchFamily="49" charset="0"/>
+            </a:endParaRPr>
           </a:p>
         </p:txBody>
       </p:sp>
     </p:spTree>
     <p:extLst>
       <p:ext uri="{BB962C8B-B14F-4D97-AF65-F5344CB8AC3E}">
-        <p14:creationId xmlns:p14="http://schemas.microsoft.com/office/powerpoint/2010/main" val="4177361218"/>
+        <p14:creationId xmlns:p14="http://schemas.microsoft.com/office/powerpoint/2010/main" val="82139143"/>
       </p:ext>
     </p:extLst>
   </p:cSld>
@@ -5661,6 +4576,1846 @@
           <a:lstStyle/>
           <a:p>
             <a:r>
+              <a:rPr lang="en-US" smtClean="0"/>
+              <a:t>MS C/C</a:t>
+            </a:r>
+            <a:r>
+              <a:rPr lang="en-US" dirty="0" smtClean="0"/>
+              <a:t>++ runtime dependencies</a:t>
+            </a:r>
+            <a:endParaRPr lang="en-US" dirty="0"/>
+          </a:p>
+        </p:txBody>
+      </p:sp>
+      <p:sp>
+        <p:nvSpPr>
+          <p:cNvPr id="3" name="Content Placeholder 2"/>
+          <p:cNvSpPr>
+            <a:spLocks noGrp="1"/>
+          </p:cNvSpPr>
+          <p:nvPr>
+            <p:ph idx="1"/>
+          </p:nvPr>
+        </p:nvSpPr>
+        <p:spPr/>
+        <p:txBody>
+          <a:bodyPr>
+            <a:normAutofit fontScale="62500" lnSpcReduction="20000"/>
+          </a:bodyPr>
+          <a:lstStyle/>
+          <a:p>
+            <a:pPr marL="0" indent="0">
+              <a:buNone/>
+            </a:pPr>
+            <a:r>
+              <a:rPr lang="en-US" dirty="0">
+                <a:latin typeface="Consolas" panose="020B0609020204030204" pitchFamily="49" charset="0"/>
+                <a:cs typeface="Consolas" panose="020B0609020204030204" pitchFamily="49" charset="0"/>
+              </a:rPr>
+              <a:t>c:\apps\vs2013\VC\redist\x64</a:t>
+            </a:r>
+            <a:r>
+              <a:rPr lang="en-US" dirty="0" smtClean="0">
+                <a:latin typeface="Consolas" panose="020B0609020204030204" pitchFamily="49" charset="0"/>
+                <a:cs typeface="Consolas" panose="020B0609020204030204" pitchFamily="49" charset="0"/>
+              </a:rPr>
+              <a:t>&gt; tree </a:t>
+            </a:r>
+            <a:r>
+              <a:rPr lang="en-US" dirty="0">
+                <a:latin typeface="Consolas" panose="020B0609020204030204" pitchFamily="49" charset="0"/>
+                <a:cs typeface="Consolas" panose="020B0609020204030204" pitchFamily="49" charset="0"/>
+              </a:rPr>
+              <a:t>/f /a</a:t>
+            </a:r>
+          </a:p>
+          <a:p>
+            <a:pPr marL="0" indent="0">
+              <a:buNone/>
+            </a:pPr>
+            <a:r>
+              <a:rPr lang="en-US" dirty="0" smtClean="0">
+                <a:latin typeface="Consolas" panose="020B0609020204030204" pitchFamily="49" charset="0"/>
+                <a:cs typeface="Consolas" panose="020B0609020204030204" pitchFamily="49" charset="0"/>
+              </a:rPr>
+              <a:t>+---</a:t>
+            </a:r>
+            <a:r>
+              <a:rPr lang="en-US" dirty="0">
+                <a:latin typeface="Consolas" panose="020B0609020204030204" pitchFamily="49" charset="0"/>
+                <a:cs typeface="Consolas" panose="020B0609020204030204" pitchFamily="49" charset="0"/>
+              </a:rPr>
+              <a:t>Microsoft.VC120.CRT</a:t>
+            </a:r>
+          </a:p>
+          <a:p>
+            <a:pPr marL="0" indent="0">
+              <a:buNone/>
+            </a:pPr>
+            <a:r>
+              <a:rPr lang="en-US" dirty="0">
+                <a:latin typeface="Consolas" panose="020B0609020204030204" pitchFamily="49" charset="0"/>
+                <a:cs typeface="Consolas" panose="020B0609020204030204" pitchFamily="49" charset="0"/>
+              </a:rPr>
+              <a:t>|       </a:t>
+            </a:r>
+            <a:r>
+              <a:rPr lang="en-US" b="1" dirty="0" smtClean="0">
+                <a:solidFill>
+                  <a:srgbClr val="FF0000"/>
+                </a:solidFill>
+                <a:latin typeface="Consolas" panose="020B0609020204030204" pitchFamily="49" charset="0"/>
+                <a:cs typeface="Consolas" panose="020B0609020204030204" pitchFamily="49" charset="0"/>
+              </a:rPr>
+              <a:t>msvcp120.dll</a:t>
+            </a:r>
+            <a:r>
+              <a:rPr lang="en-US" dirty="0" smtClean="0">
+                <a:latin typeface="Consolas" panose="020B0609020204030204" pitchFamily="49" charset="0"/>
+                <a:cs typeface="Consolas" panose="020B0609020204030204" pitchFamily="49" charset="0"/>
+              </a:rPr>
+              <a:t>	// C++ runtime</a:t>
+            </a:r>
+            <a:endParaRPr lang="en-US" dirty="0">
+              <a:latin typeface="Consolas" panose="020B0609020204030204" pitchFamily="49" charset="0"/>
+              <a:cs typeface="Consolas" panose="020B0609020204030204" pitchFamily="49" charset="0"/>
+            </a:endParaRPr>
+          </a:p>
+          <a:p>
+            <a:pPr marL="0" indent="0">
+              <a:buNone/>
+            </a:pPr>
+            <a:r>
+              <a:rPr lang="en-US" dirty="0">
+                <a:latin typeface="Consolas" panose="020B0609020204030204" pitchFamily="49" charset="0"/>
+                <a:cs typeface="Consolas" panose="020B0609020204030204" pitchFamily="49" charset="0"/>
+              </a:rPr>
+              <a:t>|       </a:t>
+            </a:r>
+            <a:r>
+              <a:rPr lang="en-US" b="1" dirty="0" smtClean="0">
+                <a:solidFill>
+                  <a:srgbClr val="FF0000"/>
+                </a:solidFill>
+                <a:latin typeface="Consolas" panose="020B0609020204030204" pitchFamily="49" charset="0"/>
+                <a:cs typeface="Consolas" panose="020B0609020204030204" pitchFamily="49" charset="0"/>
+              </a:rPr>
+              <a:t>msvcr120.dll</a:t>
+            </a:r>
+            <a:r>
+              <a:rPr lang="en-US" dirty="0" smtClean="0">
+                <a:latin typeface="Consolas" panose="020B0609020204030204" pitchFamily="49" charset="0"/>
+                <a:cs typeface="Consolas" panose="020B0609020204030204" pitchFamily="49" charset="0"/>
+              </a:rPr>
+              <a:t>	// C runtime</a:t>
+            </a:r>
+            <a:endParaRPr lang="en-US" dirty="0">
+              <a:latin typeface="Consolas" panose="020B0609020204030204" pitchFamily="49" charset="0"/>
+              <a:cs typeface="Consolas" panose="020B0609020204030204" pitchFamily="49" charset="0"/>
+            </a:endParaRPr>
+          </a:p>
+          <a:p>
+            <a:pPr marL="0" indent="0">
+              <a:buNone/>
+            </a:pPr>
+            <a:r>
+              <a:rPr lang="en-US" dirty="0">
+                <a:latin typeface="Consolas" panose="020B0609020204030204" pitchFamily="49" charset="0"/>
+                <a:cs typeface="Consolas" panose="020B0609020204030204" pitchFamily="49" charset="0"/>
+              </a:rPr>
+              <a:t>|       </a:t>
+            </a:r>
+            <a:r>
+              <a:rPr lang="en-US" dirty="0" smtClean="0">
+                <a:latin typeface="Consolas" panose="020B0609020204030204" pitchFamily="49" charset="0"/>
+                <a:cs typeface="Consolas" panose="020B0609020204030204" pitchFamily="49" charset="0"/>
+              </a:rPr>
+              <a:t>vccorlib120.dll 	// C++/CLI</a:t>
+            </a:r>
+            <a:endParaRPr lang="en-US" dirty="0">
+              <a:latin typeface="Consolas" panose="020B0609020204030204" pitchFamily="49" charset="0"/>
+              <a:cs typeface="Consolas" panose="020B0609020204030204" pitchFamily="49" charset="0"/>
+            </a:endParaRPr>
+          </a:p>
+          <a:p>
+            <a:pPr marL="0" indent="0">
+              <a:buNone/>
+            </a:pPr>
+            <a:r>
+              <a:rPr lang="en-US" dirty="0" smtClean="0">
+                <a:latin typeface="Consolas" panose="020B0609020204030204" pitchFamily="49" charset="0"/>
+                <a:cs typeface="Consolas" panose="020B0609020204030204" pitchFamily="49" charset="0"/>
+              </a:rPr>
+              <a:t>+---</a:t>
+            </a:r>
+            <a:r>
+              <a:rPr lang="en-US" dirty="0">
+                <a:latin typeface="Consolas" panose="020B0609020204030204" pitchFamily="49" charset="0"/>
+                <a:cs typeface="Consolas" panose="020B0609020204030204" pitchFamily="49" charset="0"/>
+              </a:rPr>
+              <a:t>Microsoft.VC120.CXXAMP</a:t>
+            </a:r>
+          </a:p>
+          <a:p>
+            <a:pPr marL="0" indent="0">
+              <a:buNone/>
+            </a:pPr>
+            <a:r>
+              <a:rPr lang="en-US" dirty="0">
+                <a:latin typeface="Consolas" panose="020B0609020204030204" pitchFamily="49" charset="0"/>
+                <a:cs typeface="Consolas" panose="020B0609020204030204" pitchFamily="49" charset="0"/>
+              </a:rPr>
+              <a:t>|       vcamp120.dll</a:t>
+            </a:r>
+          </a:p>
+          <a:p>
+            <a:pPr marL="0" indent="0">
+              <a:buNone/>
+            </a:pPr>
+            <a:r>
+              <a:rPr lang="en-US" dirty="0" smtClean="0">
+                <a:latin typeface="Consolas" panose="020B0609020204030204" pitchFamily="49" charset="0"/>
+                <a:cs typeface="Consolas" panose="020B0609020204030204" pitchFamily="49" charset="0"/>
+              </a:rPr>
+              <a:t>+---</a:t>
+            </a:r>
+            <a:r>
+              <a:rPr lang="en-US" dirty="0">
+                <a:latin typeface="Consolas" panose="020B0609020204030204" pitchFamily="49" charset="0"/>
+                <a:cs typeface="Consolas" panose="020B0609020204030204" pitchFamily="49" charset="0"/>
+              </a:rPr>
+              <a:t>Microsoft.VC120.MFC</a:t>
+            </a:r>
+          </a:p>
+          <a:p>
+            <a:pPr marL="0" indent="0">
+              <a:buNone/>
+            </a:pPr>
+            <a:r>
+              <a:rPr lang="en-US" dirty="0">
+                <a:latin typeface="Consolas" panose="020B0609020204030204" pitchFamily="49" charset="0"/>
+                <a:cs typeface="Consolas" panose="020B0609020204030204" pitchFamily="49" charset="0"/>
+              </a:rPr>
+              <a:t>|       mfc120u.dll</a:t>
+            </a:r>
+          </a:p>
+          <a:p>
+            <a:pPr marL="0" indent="0">
+              <a:buNone/>
+            </a:pPr>
+            <a:r>
+              <a:rPr lang="en-US" dirty="0">
+                <a:latin typeface="Consolas" panose="020B0609020204030204" pitchFamily="49" charset="0"/>
+                <a:cs typeface="Consolas" panose="020B0609020204030204" pitchFamily="49" charset="0"/>
+              </a:rPr>
+              <a:t>|       mfcm120u.dll</a:t>
+            </a:r>
+          </a:p>
+          <a:p>
+            <a:pPr marL="0" indent="0">
+              <a:buNone/>
+            </a:pPr>
+            <a:r>
+              <a:rPr lang="en-US" dirty="0" smtClean="0">
+                <a:latin typeface="Consolas" panose="020B0609020204030204" pitchFamily="49" charset="0"/>
+                <a:cs typeface="Consolas" panose="020B0609020204030204" pitchFamily="49" charset="0"/>
+              </a:rPr>
+              <a:t>+---</a:t>
+            </a:r>
+            <a:r>
+              <a:rPr lang="en-US" dirty="0">
+                <a:latin typeface="Consolas" panose="020B0609020204030204" pitchFamily="49" charset="0"/>
+                <a:cs typeface="Consolas" panose="020B0609020204030204" pitchFamily="49" charset="0"/>
+              </a:rPr>
+              <a:t>Microsoft.VC120.MFCLOC</a:t>
+            </a:r>
+          </a:p>
+          <a:p>
+            <a:pPr marL="0" indent="0">
+              <a:buNone/>
+            </a:pPr>
+            <a:r>
+              <a:rPr lang="en-US" dirty="0">
+                <a:latin typeface="Consolas" panose="020B0609020204030204" pitchFamily="49" charset="0"/>
+                <a:cs typeface="Consolas" panose="020B0609020204030204" pitchFamily="49" charset="0"/>
+              </a:rPr>
+              <a:t>|       </a:t>
+            </a:r>
+            <a:r>
+              <a:rPr lang="en-US" dirty="0" smtClean="0">
+                <a:latin typeface="Consolas" panose="020B0609020204030204" pitchFamily="49" charset="0"/>
+                <a:cs typeface="Consolas" panose="020B0609020204030204" pitchFamily="49" charset="0"/>
+              </a:rPr>
+              <a:t>//</a:t>
+            </a:r>
+            <a:r>
+              <a:rPr lang="en-US" dirty="0" err="1" smtClean="0">
+                <a:latin typeface="Consolas" panose="020B0609020204030204" pitchFamily="49" charset="0"/>
+                <a:cs typeface="Consolas" panose="020B0609020204030204" pitchFamily="49" charset="0"/>
+              </a:rPr>
+              <a:t>mfc</a:t>
+            </a:r>
+            <a:r>
+              <a:rPr lang="en-US" dirty="0" smtClean="0">
+                <a:latin typeface="Consolas" panose="020B0609020204030204" pitchFamily="49" charset="0"/>
+                <a:cs typeface="Consolas" panose="020B0609020204030204" pitchFamily="49" charset="0"/>
+              </a:rPr>
+              <a:t> localized stuff</a:t>
+            </a:r>
+            <a:endParaRPr lang="en-US" dirty="0">
+              <a:latin typeface="Consolas" panose="020B0609020204030204" pitchFamily="49" charset="0"/>
+              <a:cs typeface="Consolas" panose="020B0609020204030204" pitchFamily="49" charset="0"/>
+            </a:endParaRPr>
+          </a:p>
+          <a:p>
+            <a:pPr marL="0" indent="0">
+              <a:buNone/>
+            </a:pPr>
+            <a:r>
+              <a:rPr lang="en-US" dirty="0" smtClean="0">
+                <a:latin typeface="Consolas" panose="020B0609020204030204" pitchFamily="49" charset="0"/>
+                <a:cs typeface="Consolas" panose="020B0609020204030204" pitchFamily="49" charset="0"/>
+              </a:rPr>
+              <a:t>\---</a:t>
+            </a:r>
+            <a:r>
+              <a:rPr lang="en-US" dirty="0">
+                <a:latin typeface="Consolas" panose="020B0609020204030204" pitchFamily="49" charset="0"/>
+                <a:cs typeface="Consolas" panose="020B0609020204030204" pitchFamily="49" charset="0"/>
+              </a:rPr>
+              <a:t>Microsoft.VC120.OpenMP</a:t>
+            </a:r>
+          </a:p>
+          <a:p>
+            <a:pPr marL="0" indent="0">
+              <a:buNone/>
+            </a:pPr>
+            <a:r>
+              <a:rPr lang="en-US" dirty="0">
+                <a:latin typeface="Consolas" panose="020B0609020204030204" pitchFamily="49" charset="0"/>
+                <a:cs typeface="Consolas" panose="020B0609020204030204" pitchFamily="49" charset="0"/>
+              </a:rPr>
+              <a:t>        vcomp120.dll</a:t>
+            </a:r>
+          </a:p>
+          <a:p>
+            <a:pPr marL="0" indent="0">
+              <a:buNone/>
+            </a:pPr>
+            <a:endParaRPr lang="en-US" dirty="0"/>
+          </a:p>
+        </p:txBody>
+      </p:sp>
+    </p:spTree>
+    <p:extLst>
+      <p:ext uri="{BB962C8B-B14F-4D97-AF65-F5344CB8AC3E}">
+        <p14:creationId xmlns:p14="http://schemas.microsoft.com/office/powerpoint/2010/main" val="2368571093"/>
+      </p:ext>
+    </p:extLst>
+  </p:cSld>
+  <p:clrMapOvr>
+    <a:masterClrMapping/>
+  </p:clrMapOvr>
+  <p:timing>
+    <p:tnLst>
+      <p:par>
+        <p:cTn id="1" dur="indefinite" restart="never" nodeType="tmRoot"/>
+      </p:par>
+    </p:tnLst>
+  </p:timing>
+</p:sld>
+</file>
+
+<file path=ppt/slides/slide18.xml><?xml version="1.0" encoding="utf-8"?>
+<p:sld xmlns:a="http://schemas.openxmlformats.org/drawingml/2006/main" xmlns:r="http://schemas.openxmlformats.org/officeDocument/2006/relationships" xmlns:p="http://schemas.openxmlformats.org/presentationml/2006/main">
+  <p:cSld>
+    <p:spTree>
+      <p:nvGrpSpPr>
+        <p:cNvPr id="1" name=""/>
+        <p:cNvGrpSpPr/>
+        <p:nvPr/>
+      </p:nvGrpSpPr>
+      <p:grpSpPr>
+        <a:xfrm>
+          <a:off x="0" y="0"/>
+          <a:ext cx="0" cy="0"/>
+          <a:chOff x="0" y="0"/>
+          <a:chExt cx="0" cy="0"/>
+        </a:xfrm>
+      </p:grpSpPr>
+      <p:sp>
+        <p:nvSpPr>
+          <p:cNvPr id="2" name="Title 1"/>
+          <p:cNvSpPr>
+            <a:spLocks noGrp="1"/>
+          </p:cNvSpPr>
+          <p:nvPr>
+            <p:ph type="title"/>
+          </p:nvPr>
+        </p:nvSpPr>
+        <p:spPr/>
+        <p:txBody>
+          <a:bodyPr/>
+          <a:lstStyle/>
+          <a:p>
+            <a:r>
+              <a:rPr lang="en-US" smtClean="0"/>
+              <a:t>Which C++ compiler?</a:t>
+            </a:r>
+            <a:endParaRPr lang="en-US" dirty="0"/>
+          </a:p>
+        </p:txBody>
+      </p:sp>
+      <p:sp>
+        <p:nvSpPr>
+          <p:cNvPr id="3" name="Content Placeholder 2"/>
+          <p:cNvSpPr>
+            <a:spLocks noGrp="1"/>
+          </p:cNvSpPr>
+          <p:nvPr>
+            <p:ph idx="1"/>
+          </p:nvPr>
+        </p:nvSpPr>
+        <p:spPr/>
+        <p:txBody>
+          <a:bodyPr>
+            <a:normAutofit lnSpcReduction="10000"/>
+          </a:bodyPr>
+          <a:lstStyle/>
+          <a:p>
+            <a:pPr marL="0" indent="0">
+              <a:buNone/>
+            </a:pPr>
+            <a:r>
+              <a:rPr lang="en-US" sz="1800" dirty="0" smtClean="0">
+                <a:latin typeface="Consolas" panose="020B0609020204030204" pitchFamily="49" charset="0"/>
+                <a:cs typeface="Consolas" panose="020B0609020204030204" pitchFamily="49" charset="0"/>
+              </a:rPr>
+              <a:t>// an up-to-date </a:t>
+            </a:r>
+            <a:r>
+              <a:rPr lang="en-US" sz="1800" dirty="0" err="1" smtClean="0">
+                <a:latin typeface="Consolas" panose="020B0609020204030204" pitchFamily="49" charset="0"/>
+                <a:cs typeface="Consolas" panose="020B0609020204030204" pitchFamily="49" charset="0"/>
+              </a:rPr>
+              <a:t>linux</a:t>
+            </a:r>
+            <a:r>
+              <a:rPr lang="en-US" sz="1800" dirty="0" smtClean="0">
+                <a:latin typeface="Consolas" panose="020B0609020204030204" pitchFamily="49" charset="0"/>
+                <a:cs typeface="Consolas" panose="020B0609020204030204" pitchFamily="49" charset="0"/>
+              </a:rPr>
+              <a:t> box:</a:t>
+            </a:r>
+          </a:p>
+          <a:p>
+            <a:pPr marL="0" indent="0">
+              <a:buNone/>
+            </a:pPr>
+            <a:endParaRPr lang="en-US" sz="1800" dirty="0">
+              <a:latin typeface="Consolas" panose="020B0609020204030204" pitchFamily="49" charset="0"/>
+              <a:cs typeface="Consolas" panose="020B0609020204030204" pitchFamily="49" charset="0"/>
+            </a:endParaRPr>
+          </a:p>
+          <a:p>
+            <a:pPr marL="0" indent="0">
+              <a:buNone/>
+            </a:pPr>
+            <a:r>
+              <a:rPr lang="en-US" sz="1800" dirty="0" smtClean="0">
+                <a:latin typeface="Consolas" panose="020B0609020204030204" pitchFamily="49" charset="0"/>
+                <a:cs typeface="Consolas" panose="020B0609020204030204" pitchFamily="49" charset="0"/>
+              </a:rPr>
+              <a:t>  dwight@dwight-mint17 </a:t>
+            </a:r>
+            <a:r>
+              <a:rPr lang="en-US" sz="1800" dirty="0">
+                <a:latin typeface="Consolas" panose="020B0609020204030204" pitchFamily="49" charset="0"/>
+                <a:cs typeface="Consolas" panose="020B0609020204030204" pitchFamily="49" charset="0"/>
+              </a:rPr>
+              <a:t>~ $ </a:t>
+            </a:r>
+            <a:r>
+              <a:rPr lang="en-US" sz="2400" b="1" dirty="0">
+                <a:latin typeface="Consolas" panose="020B0609020204030204" pitchFamily="49" charset="0"/>
+                <a:cs typeface="Consolas" panose="020B0609020204030204" pitchFamily="49" charset="0"/>
+              </a:rPr>
+              <a:t>g++ --version</a:t>
+            </a:r>
+          </a:p>
+          <a:p>
+            <a:pPr marL="0" indent="0">
+              <a:buNone/>
+            </a:pPr>
+            <a:r>
+              <a:rPr lang="en-US" sz="1800" dirty="0" smtClean="0">
+                <a:latin typeface="Consolas" panose="020B0609020204030204" pitchFamily="49" charset="0"/>
+                <a:cs typeface="Consolas" panose="020B0609020204030204" pitchFamily="49" charset="0"/>
+              </a:rPr>
+              <a:t>  g</a:t>
+            </a:r>
+            <a:r>
+              <a:rPr lang="en-US" sz="1800" dirty="0">
+                <a:latin typeface="Consolas" panose="020B0609020204030204" pitchFamily="49" charset="0"/>
+                <a:cs typeface="Consolas" panose="020B0609020204030204" pitchFamily="49" charset="0"/>
+              </a:rPr>
+              <a:t>++ (Ubuntu 4.8.2-19ubuntu1) 4.8.2</a:t>
+            </a:r>
+          </a:p>
+          <a:p>
+            <a:pPr marL="0" indent="0">
+              <a:buNone/>
+            </a:pPr>
+            <a:r>
+              <a:rPr lang="en-US" sz="1800" dirty="0" smtClean="0">
+                <a:latin typeface="Consolas" panose="020B0609020204030204" pitchFamily="49" charset="0"/>
+                <a:cs typeface="Consolas" panose="020B0609020204030204" pitchFamily="49" charset="0"/>
+              </a:rPr>
+              <a:t>  Copyright </a:t>
+            </a:r>
+            <a:r>
+              <a:rPr lang="en-US" sz="1800" dirty="0">
+                <a:latin typeface="Consolas" panose="020B0609020204030204" pitchFamily="49" charset="0"/>
+                <a:cs typeface="Consolas" panose="020B0609020204030204" pitchFamily="49" charset="0"/>
+              </a:rPr>
+              <a:t>(C) 2013 Free Software Foundation, Inc</a:t>
+            </a:r>
+            <a:r>
+              <a:rPr lang="en-US" sz="1800" dirty="0" smtClean="0">
+                <a:latin typeface="Consolas" panose="020B0609020204030204" pitchFamily="49" charset="0"/>
+                <a:cs typeface="Consolas" panose="020B0609020204030204" pitchFamily="49" charset="0"/>
+              </a:rPr>
+              <a:t>.</a:t>
+            </a:r>
+          </a:p>
+          <a:p>
+            <a:pPr marL="0" indent="0">
+              <a:buNone/>
+            </a:pPr>
+            <a:endParaRPr lang="en-US" sz="1800" dirty="0">
+              <a:latin typeface="Consolas" panose="020B0609020204030204" pitchFamily="49" charset="0"/>
+              <a:cs typeface="Consolas" panose="020B0609020204030204" pitchFamily="49" charset="0"/>
+            </a:endParaRPr>
+          </a:p>
+          <a:p>
+            <a:pPr marL="285750"/>
+            <a:r>
+              <a:rPr lang="en-US" sz="2800" dirty="0" smtClean="0"/>
+              <a:t>“G” is for GNU</a:t>
+            </a:r>
+            <a:endParaRPr lang="en-US" sz="2800" dirty="0"/>
+          </a:p>
+          <a:p>
+            <a:pPr marL="285750"/>
+            <a:r>
+              <a:rPr lang="en-US" sz="2800" dirty="0" smtClean="0"/>
+              <a:t>“GNU” is for “GNU is Not Unix”</a:t>
+            </a:r>
+          </a:p>
+          <a:p>
+            <a:pPr marL="285750"/>
+            <a:r>
+              <a:rPr lang="en-US" sz="2800" dirty="0" smtClean="0"/>
+              <a:t>g++ is the C++ compiler command</a:t>
+            </a:r>
+          </a:p>
+          <a:p>
+            <a:pPr marL="285750"/>
+            <a:r>
+              <a:rPr lang="en-US" sz="2800" dirty="0" err="1" smtClean="0"/>
+              <a:t>gcc</a:t>
+            </a:r>
+            <a:r>
+              <a:rPr lang="en-US" sz="2800" dirty="0" smtClean="0"/>
+              <a:t> is the C compiler command</a:t>
+            </a:r>
+          </a:p>
+          <a:p>
+            <a:pPr marL="285750"/>
+            <a:r>
+              <a:rPr lang="en-US" sz="2800" smtClean="0"/>
+              <a:t>GCC: </a:t>
+            </a:r>
+            <a:r>
+              <a:rPr lang="en-US" sz="2800" dirty="0" smtClean="0"/>
+              <a:t>“</a:t>
+            </a:r>
+            <a:r>
+              <a:rPr lang="en-US" sz="2800" dirty="0" smtClean="0">
+                <a:hlinkClick r:id="rId2"/>
+              </a:rPr>
+              <a:t>GNU compiler collection</a:t>
+            </a:r>
+            <a:r>
+              <a:rPr lang="en-US" sz="2800" dirty="0" smtClean="0"/>
+              <a:t>”</a:t>
+            </a:r>
+            <a:endParaRPr lang="en-US" sz="2800" dirty="0"/>
+          </a:p>
+          <a:p>
+            <a:pPr marL="0" indent="0">
+              <a:buNone/>
+            </a:pPr>
+            <a:endParaRPr lang="en-US" sz="1800" dirty="0">
+              <a:latin typeface="Consolas" panose="020B0609020204030204" pitchFamily="49" charset="0"/>
+              <a:cs typeface="Consolas" panose="020B0609020204030204" pitchFamily="49" charset="0"/>
+            </a:endParaRPr>
+          </a:p>
+          <a:p>
+            <a:pPr marL="0" indent="0">
+              <a:buNone/>
+            </a:pPr>
+            <a:endParaRPr lang="en-US" sz="1800" dirty="0" smtClean="0">
+              <a:latin typeface="Consolas" panose="020B0609020204030204" pitchFamily="49" charset="0"/>
+              <a:cs typeface="Consolas" panose="020B0609020204030204" pitchFamily="49" charset="0"/>
+            </a:endParaRPr>
+          </a:p>
+          <a:p>
+            <a:pPr marL="0" indent="0">
+              <a:buNone/>
+            </a:pPr>
+            <a:endParaRPr lang="en-US" sz="1800" dirty="0">
+              <a:latin typeface="Consolas" panose="020B0609020204030204" pitchFamily="49" charset="0"/>
+              <a:cs typeface="Consolas" panose="020B0609020204030204" pitchFamily="49" charset="0"/>
+            </a:endParaRPr>
+          </a:p>
+        </p:txBody>
+      </p:sp>
+    </p:spTree>
+    <p:extLst>
+      <p:ext uri="{BB962C8B-B14F-4D97-AF65-F5344CB8AC3E}">
+        <p14:creationId xmlns:p14="http://schemas.microsoft.com/office/powerpoint/2010/main" val="3151603959"/>
+      </p:ext>
+    </p:extLst>
+  </p:cSld>
+  <p:clrMapOvr>
+    <a:masterClrMapping/>
+  </p:clrMapOvr>
+  <p:timing>
+    <p:tnLst>
+      <p:par>
+        <p:cTn id="1" dur="indefinite" restart="never" nodeType="tmRoot"/>
+      </p:par>
+    </p:tnLst>
+  </p:timing>
+</p:sld>
+</file>
+
+<file path=ppt/slides/slide19.xml><?xml version="1.0" encoding="utf-8"?>
+<p:sld xmlns:a="http://schemas.openxmlformats.org/drawingml/2006/main" xmlns:r="http://schemas.openxmlformats.org/officeDocument/2006/relationships" xmlns:p="http://schemas.openxmlformats.org/presentationml/2006/main">
+  <p:cSld>
+    <p:spTree>
+      <p:nvGrpSpPr>
+        <p:cNvPr id="1" name=""/>
+        <p:cNvGrpSpPr/>
+        <p:nvPr/>
+      </p:nvGrpSpPr>
+      <p:grpSpPr>
+        <a:xfrm>
+          <a:off x="0" y="0"/>
+          <a:ext cx="0" cy="0"/>
+          <a:chOff x="0" y="0"/>
+          <a:chExt cx="0" cy="0"/>
+        </a:xfrm>
+      </p:grpSpPr>
+      <p:sp>
+        <p:nvSpPr>
+          <p:cNvPr id="2" name="Title 1"/>
+          <p:cNvSpPr>
+            <a:spLocks noGrp="1"/>
+          </p:cNvSpPr>
+          <p:nvPr>
+            <p:ph type="title"/>
+          </p:nvPr>
+        </p:nvSpPr>
+        <p:spPr/>
+        <p:txBody>
+          <a:bodyPr/>
+          <a:lstStyle/>
+          <a:p>
+            <a:r>
+              <a:rPr lang="en-US" dirty="0" err="1" smtClean="0"/>
+              <a:t>std</a:t>
+            </a:r>
+            <a:r>
+              <a:rPr lang="en-US" dirty="0" smtClean="0"/>
+              <a:t>::</a:t>
+            </a:r>
+            <a:r>
+              <a:rPr lang="en-US" dirty="0" err="1" smtClean="0"/>
+              <a:t>to_string</a:t>
+            </a:r>
+            <a:endParaRPr lang="en-US" dirty="0"/>
+          </a:p>
+        </p:txBody>
+      </p:sp>
+      <p:sp>
+        <p:nvSpPr>
+          <p:cNvPr id="3" name="Content Placeholder 2"/>
+          <p:cNvSpPr>
+            <a:spLocks noGrp="1"/>
+          </p:cNvSpPr>
+          <p:nvPr>
+            <p:ph idx="1"/>
+          </p:nvPr>
+        </p:nvSpPr>
+        <p:spPr>
+          <a:xfrm>
+            <a:off x="457200" y="1600200"/>
+            <a:ext cx="8229600" cy="4800600"/>
+          </a:xfrm>
+        </p:spPr>
+        <p:txBody>
+          <a:bodyPr>
+            <a:normAutofit fontScale="92500" lnSpcReduction="10000"/>
+          </a:bodyPr>
+          <a:lstStyle/>
+          <a:p>
+            <a:r>
+              <a:rPr lang="en-US" dirty="0" smtClean="0"/>
+              <a:t>“</a:t>
+            </a:r>
+            <a:r>
+              <a:rPr lang="en-US" dirty="0"/>
+              <a:t>Converts a numeric value to </a:t>
+            </a:r>
+            <a:r>
+              <a:rPr lang="en-US" dirty="0" err="1">
+                <a:hlinkClick r:id="rId2" tooltip="cpp/string/basic string"/>
+              </a:rPr>
+              <a:t>std</a:t>
+            </a:r>
+            <a:r>
+              <a:rPr lang="en-US" dirty="0">
+                <a:hlinkClick r:id="rId2" tooltip="cpp/string/basic string"/>
+              </a:rPr>
+              <a:t>::string</a:t>
+            </a:r>
+            <a:r>
+              <a:rPr lang="en-US" dirty="0" smtClean="0"/>
+              <a:t>.”</a:t>
+            </a:r>
+          </a:p>
+          <a:p>
+            <a:pPr marL="400050" lvl="1" indent="0">
+              <a:buNone/>
+            </a:pPr>
+            <a:r>
+              <a:rPr lang="en-US" sz="2200" dirty="0" smtClean="0">
+                <a:hlinkClick r:id="rId3"/>
+              </a:rPr>
+              <a:t>http</a:t>
+            </a:r>
+            <a:r>
+              <a:rPr lang="en-US" sz="2200" dirty="0">
+                <a:hlinkClick r:id="rId3"/>
+              </a:rPr>
+              <a:t>://</a:t>
+            </a:r>
+            <a:r>
+              <a:rPr lang="en-US" sz="2200" dirty="0" smtClean="0">
+                <a:hlinkClick r:id="rId3"/>
+              </a:rPr>
+              <a:t>en.cppreference.com/w/cpp/string/basic_string/to_string</a:t>
+            </a:r>
+            <a:endParaRPr lang="en-US" sz="2200" dirty="0" smtClean="0"/>
+          </a:p>
+          <a:p>
+            <a:pPr marL="285750"/>
+            <a:r>
+              <a:rPr lang="en-US" dirty="0" smtClean="0"/>
+              <a:t>Avoid </a:t>
+            </a:r>
+            <a:r>
+              <a:rPr lang="en-US" dirty="0" err="1" smtClean="0"/>
+              <a:t>atof</a:t>
+            </a:r>
+            <a:r>
+              <a:rPr lang="en-US" dirty="0" smtClean="0"/>
+              <a:t>(), </a:t>
+            </a:r>
+            <a:r>
+              <a:rPr lang="en-US" dirty="0" err="1" smtClean="0"/>
+              <a:t>atoi</a:t>
+            </a:r>
+            <a:r>
+              <a:rPr lang="en-US" dirty="0" smtClean="0"/>
+              <a:t>(), …; </a:t>
+            </a:r>
+            <a:r>
+              <a:rPr lang="en-US" dirty="0" err="1" smtClean="0"/>
+              <a:t>unicode</a:t>
+            </a:r>
+            <a:r>
+              <a:rPr lang="en-US" dirty="0" smtClean="0"/>
+              <a:t>; …</a:t>
+            </a:r>
+          </a:p>
+          <a:p>
+            <a:pPr marL="285750"/>
+            <a:r>
+              <a:rPr lang="en-US" dirty="0" smtClean="0"/>
+              <a:t>Use </a:t>
+            </a:r>
+            <a:r>
+              <a:rPr lang="en-US" dirty="0" err="1" smtClean="0"/>
+              <a:t>to_wstring</a:t>
+            </a:r>
+            <a:r>
+              <a:rPr lang="en-US" dirty="0" smtClean="0"/>
+              <a:t>() for wide strings</a:t>
+            </a:r>
+            <a:endParaRPr lang="en-US" dirty="0"/>
+          </a:p>
+          <a:p>
+            <a:pPr marL="400050" lvl="1" indent="0">
+              <a:buNone/>
+            </a:pPr>
+            <a:endParaRPr lang="en-US" sz="1800" dirty="0" smtClean="0"/>
+          </a:p>
+          <a:p>
+            <a:pPr marL="800100" lvl="2" indent="0">
+              <a:buNone/>
+            </a:pPr>
+            <a:r>
+              <a:rPr lang="en-US" sz="1400" dirty="0" smtClean="0">
+                <a:latin typeface="Consolas" panose="020B0609020204030204" pitchFamily="49" charset="0"/>
+                <a:cs typeface="Consolas" panose="020B0609020204030204" pitchFamily="49" charset="0"/>
+              </a:rPr>
+              <a:t>#</a:t>
+            </a:r>
+            <a:r>
+              <a:rPr lang="en-US" sz="1400" dirty="0">
+                <a:latin typeface="Consolas" panose="020B0609020204030204" pitchFamily="49" charset="0"/>
+                <a:cs typeface="Consolas" panose="020B0609020204030204" pitchFamily="49" charset="0"/>
+              </a:rPr>
+              <a:t>include &lt;</a:t>
+            </a:r>
+            <a:r>
+              <a:rPr lang="en-US" sz="1400" dirty="0" err="1">
+                <a:latin typeface="Consolas" panose="020B0609020204030204" pitchFamily="49" charset="0"/>
+                <a:cs typeface="Consolas" panose="020B0609020204030204" pitchFamily="49" charset="0"/>
+              </a:rPr>
+              <a:t>iostream</a:t>
+            </a:r>
+            <a:r>
+              <a:rPr lang="en-US" sz="1400" dirty="0">
+                <a:latin typeface="Consolas" panose="020B0609020204030204" pitchFamily="49" charset="0"/>
+                <a:cs typeface="Consolas" panose="020B0609020204030204" pitchFamily="49" charset="0"/>
+              </a:rPr>
+              <a:t>&gt;</a:t>
+            </a:r>
+          </a:p>
+          <a:p>
+            <a:pPr marL="800100" lvl="2" indent="0">
+              <a:buNone/>
+            </a:pPr>
+            <a:r>
+              <a:rPr lang="en-US" sz="1400" dirty="0">
+                <a:latin typeface="Consolas" panose="020B0609020204030204" pitchFamily="49" charset="0"/>
+                <a:cs typeface="Consolas" panose="020B0609020204030204" pitchFamily="49" charset="0"/>
+              </a:rPr>
+              <a:t>#include &lt;string</a:t>
+            </a:r>
+            <a:r>
+              <a:rPr lang="en-US" sz="1400" dirty="0" smtClean="0">
+                <a:latin typeface="Consolas" panose="020B0609020204030204" pitchFamily="49" charset="0"/>
+                <a:cs typeface="Consolas" panose="020B0609020204030204" pitchFamily="49" charset="0"/>
+              </a:rPr>
+              <a:t>&gt;</a:t>
+            </a:r>
+          </a:p>
+          <a:p>
+            <a:pPr marL="800100" lvl="2" indent="0">
+              <a:buNone/>
+            </a:pPr>
+            <a:endParaRPr lang="en-US" sz="1400" dirty="0">
+              <a:latin typeface="Consolas" panose="020B0609020204030204" pitchFamily="49" charset="0"/>
+              <a:cs typeface="Consolas" panose="020B0609020204030204" pitchFamily="49" charset="0"/>
+            </a:endParaRPr>
+          </a:p>
+          <a:p>
+            <a:pPr marL="800100" lvl="2" indent="0">
+              <a:buNone/>
+            </a:pPr>
+            <a:r>
+              <a:rPr lang="en-US" sz="1400" dirty="0" err="1" smtClean="0">
+                <a:latin typeface="Consolas" panose="020B0609020204030204" pitchFamily="49" charset="0"/>
+                <a:cs typeface="Consolas" panose="020B0609020204030204" pitchFamily="49" charset="0"/>
+              </a:rPr>
+              <a:t>int</a:t>
+            </a:r>
+            <a:r>
+              <a:rPr lang="en-US" sz="1400" dirty="0" smtClean="0">
+                <a:latin typeface="Consolas" panose="020B0609020204030204" pitchFamily="49" charset="0"/>
+                <a:cs typeface="Consolas" panose="020B0609020204030204" pitchFamily="49" charset="0"/>
+              </a:rPr>
+              <a:t> </a:t>
+            </a:r>
+            <a:r>
+              <a:rPr lang="en-US" sz="1400" dirty="0">
+                <a:latin typeface="Consolas" panose="020B0609020204030204" pitchFamily="49" charset="0"/>
+                <a:cs typeface="Consolas" panose="020B0609020204030204" pitchFamily="49" charset="0"/>
+              </a:rPr>
+              <a:t>main</a:t>
+            </a:r>
+            <a:r>
+              <a:rPr lang="en-US" sz="1400" dirty="0" smtClean="0">
+                <a:latin typeface="Consolas" panose="020B0609020204030204" pitchFamily="49" charset="0"/>
+                <a:cs typeface="Consolas" panose="020B0609020204030204" pitchFamily="49" charset="0"/>
+              </a:rPr>
+              <a:t>()</a:t>
+            </a:r>
+          </a:p>
+          <a:p>
+            <a:pPr marL="800100" lvl="2" indent="0">
+              <a:buNone/>
+            </a:pPr>
+            <a:r>
+              <a:rPr lang="en-US" sz="1400" dirty="0" smtClean="0">
+                <a:latin typeface="Consolas" panose="020B0609020204030204" pitchFamily="49" charset="0"/>
+                <a:cs typeface="Consolas" panose="020B0609020204030204" pitchFamily="49" charset="0"/>
+              </a:rPr>
+              <a:t>{</a:t>
+            </a:r>
+            <a:endParaRPr lang="en-US" sz="1400" dirty="0">
+              <a:latin typeface="Consolas" panose="020B0609020204030204" pitchFamily="49" charset="0"/>
+              <a:cs typeface="Consolas" panose="020B0609020204030204" pitchFamily="49" charset="0"/>
+            </a:endParaRPr>
+          </a:p>
+          <a:p>
+            <a:pPr marL="800100" lvl="2" indent="0">
+              <a:buNone/>
+            </a:pPr>
+            <a:r>
+              <a:rPr lang="en-US" sz="1400" dirty="0">
+                <a:latin typeface="Consolas" panose="020B0609020204030204" pitchFamily="49" charset="0"/>
+                <a:cs typeface="Consolas" panose="020B0609020204030204" pitchFamily="49" charset="0"/>
+              </a:rPr>
+              <a:t>    double f = 23.43;</a:t>
+            </a:r>
+          </a:p>
+          <a:p>
+            <a:pPr marL="800100" lvl="2" indent="0">
+              <a:buNone/>
+            </a:pPr>
+            <a:r>
+              <a:rPr lang="en-US" sz="1400" dirty="0">
+                <a:latin typeface="Consolas" panose="020B0609020204030204" pitchFamily="49" charset="0"/>
+                <a:cs typeface="Consolas" panose="020B0609020204030204" pitchFamily="49" charset="0"/>
+              </a:rPr>
+              <a:t>    </a:t>
+            </a:r>
+            <a:r>
+              <a:rPr lang="en-US" sz="1400" dirty="0" err="1">
+                <a:latin typeface="Consolas" panose="020B0609020204030204" pitchFamily="49" charset="0"/>
+                <a:cs typeface="Consolas" panose="020B0609020204030204" pitchFamily="49" charset="0"/>
+              </a:rPr>
+              <a:t>std</a:t>
+            </a:r>
+            <a:r>
+              <a:rPr lang="en-US" sz="1400" dirty="0">
+                <a:latin typeface="Consolas" panose="020B0609020204030204" pitchFamily="49" charset="0"/>
+                <a:cs typeface="Consolas" panose="020B0609020204030204" pitchFamily="49" charset="0"/>
+              </a:rPr>
+              <a:t>::string </a:t>
+            </a:r>
+            <a:r>
+              <a:rPr lang="en-US" sz="1400" dirty="0" err="1">
+                <a:latin typeface="Consolas" panose="020B0609020204030204" pitchFamily="49" charset="0"/>
+                <a:cs typeface="Consolas" panose="020B0609020204030204" pitchFamily="49" charset="0"/>
+              </a:rPr>
+              <a:t>f_str</a:t>
+            </a:r>
+            <a:r>
+              <a:rPr lang="en-US" sz="1400" dirty="0">
+                <a:latin typeface="Consolas" panose="020B0609020204030204" pitchFamily="49" charset="0"/>
+                <a:cs typeface="Consolas" panose="020B0609020204030204" pitchFamily="49" charset="0"/>
+              </a:rPr>
+              <a:t> = </a:t>
+            </a:r>
+            <a:r>
+              <a:rPr lang="en-US" sz="1400" dirty="0" err="1">
+                <a:latin typeface="Consolas" panose="020B0609020204030204" pitchFamily="49" charset="0"/>
+                <a:cs typeface="Consolas" panose="020B0609020204030204" pitchFamily="49" charset="0"/>
+              </a:rPr>
+              <a:t>std</a:t>
+            </a:r>
+            <a:r>
+              <a:rPr lang="en-US" sz="1400" dirty="0">
+                <a:latin typeface="Consolas" panose="020B0609020204030204" pitchFamily="49" charset="0"/>
+                <a:cs typeface="Consolas" panose="020B0609020204030204" pitchFamily="49" charset="0"/>
+              </a:rPr>
+              <a:t>::</a:t>
+            </a:r>
+            <a:r>
+              <a:rPr lang="en-US" sz="1400" dirty="0" err="1">
+                <a:latin typeface="Consolas" panose="020B0609020204030204" pitchFamily="49" charset="0"/>
+                <a:cs typeface="Consolas" panose="020B0609020204030204" pitchFamily="49" charset="0"/>
+              </a:rPr>
+              <a:t>to_string</a:t>
+            </a:r>
+            <a:r>
+              <a:rPr lang="en-US" sz="1400" dirty="0">
+                <a:latin typeface="Consolas" panose="020B0609020204030204" pitchFamily="49" charset="0"/>
+                <a:cs typeface="Consolas" panose="020B0609020204030204" pitchFamily="49" charset="0"/>
+              </a:rPr>
+              <a:t>(f);</a:t>
+            </a:r>
+          </a:p>
+          <a:p>
+            <a:pPr marL="800100" lvl="2" indent="0">
+              <a:buNone/>
+            </a:pPr>
+            <a:r>
+              <a:rPr lang="en-US" sz="1400" dirty="0">
+                <a:latin typeface="Consolas" panose="020B0609020204030204" pitchFamily="49" charset="0"/>
+                <a:cs typeface="Consolas" panose="020B0609020204030204" pitchFamily="49" charset="0"/>
+              </a:rPr>
+              <a:t>    </a:t>
+            </a:r>
+            <a:r>
+              <a:rPr lang="en-US" sz="1400" dirty="0" err="1">
+                <a:latin typeface="Consolas" panose="020B0609020204030204" pitchFamily="49" charset="0"/>
+                <a:cs typeface="Consolas" panose="020B0609020204030204" pitchFamily="49" charset="0"/>
+              </a:rPr>
+              <a:t>std</a:t>
+            </a:r>
+            <a:r>
+              <a:rPr lang="en-US" sz="1400" dirty="0">
+                <a:latin typeface="Consolas" panose="020B0609020204030204" pitchFamily="49" charset="0"/>
+                <a:cs typeface="Consolas" panose="020B0609020204030204" pitchFamily="49" charset="0"/>
+              </a:rPr>
+              <a:t>::</a:t>
+            </a:r>
+            <a:r>
+              <a:rPr lang="en-US" sz="1400" dirty="0" err="1">
+                <a:latin typeface="Consolas" panose="020B0609020204030204" pitchFamily="49" charset="0"/>
+                <a:cs typeface="Consolas" panose="020B0609020204030204" pitchFamily="49" charset="0"/>
+              </a:rPr>
+              <a:t>cout</a:t>
+            </a:r>
+            <a:r>
+              <a:rPr lang="en-US" sz="1400" dirty="0">
+                <a:latin typeface="Consolas" panose="020B0609020204030204" pitchFamily="49" charset="0"/>
+                <a:cs typeface="Consolas" panose="020B0609020204030204" pitchFamily="49" charset="0"/>
+              </a:rPr>
+              <a:t> &lt;&lt; </a:t>
+            </a:r>
+            <a:r>
+              <a:rPr lang="en-US" sz="1400" dirty="0" err="1">
+                <a:latin typeface="Consolas" panose="020B0609020204030204" pitchFamily="49" charset="0"/>
+                <a:cs typeface="Consolas" panose="020B0609020204030204" pitchFamily="49" charset="0"/>
+              </a:rPr>
+              <a:t>f_str</a:t>
+            </a:r>
+            <a:r>
+              <a:rPr lang="en-US" sz="1400" dirty="0">
+                <a:latin typeface="Consolas" panose="020B0609020204030204" pitchFamily="49" charset="0"/>
+                <a:cs typeface="Consolas" panose="020B0609020204030204" pitchFamily="49" charset="0"/>
+              </a:rPr>
+              <a:t> &lt;&lt; </a:t>
+            </a:r>
+            <a:r>
+              <a:rPr lang="en-US" sz="1400" dirty="0" err="1" smtClean="0">
+                <a:latin typeface="Consolas" panose="020B0609020204030204" pitchFamily="49" charset="0"/>
+                <a:cs typeface="Consolas" panose="020B0609020204030204" pitchFamily="49" charset="0"/>
+              </a:rPr>
+              <a:t>std</a:t>
+            </a:r>
+            <a:r>
+              <a:rPr lang="en-US" sz="1400" dirty="0" smtClean="0">
+                <a:latin typeface="Consolas" panose="020B0609020204030204" pitchFamily="49" charset="0"/>
+                <a:cs typeface="Consolas" panose="020B0609020204030204" pitchFamily="49" charset="0"/>
+              </a:rPr>
+              <a:t>::</a:t>
+            </a:r>
+            <a:r>
+              <a:rPr lang="en-US" sz="1400" dirty="0" err="1" smtClean="0">
+                <a:latin typeface="Consolas" panose="020B0609020204030204" pitchFamily="49" charset="0"/>
+                <a:cs typeface="Consolas" panose="020B0609020204030204" pitchFamily="49" charset="0"/>
+              </a:rPr>
+              <a:t>endl</a:t>
+            </a:r>
+            <a:r>
+              <a:rPr lang="en-US" sz="1400" dirty="0" smtClean="0">
+                <a:latin typeface="Consolas" panose="020B0609020204030204" pitchFamily="49" charset="0"/>
+                <a:cs typeface="Consolas" panose="020B0609020204030204" pitchFamily="49" charset="0"/>
+              </a:rPr>
+              <a:t>;</a:t>
+            </a:r>
+            <a:endParaRPr lang="en-US" sz="1400" dirty="0">
+              <a:latin typeface="Consolas" panose="020B0609020204030204" pitchFamily="49" charset="0"/>
+              <a:cs typeface="Consolas" panose="020B0609020204030204" pitchFamily="49" charset="0"/>
+            </a:endParaRPr>
+          </a:p>
+          <a:p>
+            <a:pPr marL="800100" lvl="2" indent="0">
+              <a:buNone/>
+            </a:pPr>
+            <a:r>
+              <a:rPr lang="en-US" sz="1400" dirty="0" smtClean="0">
+                <a:latin typeface="Consolas" panose="020B0609020204030204" pitchFamily="49" charset="0"/>
+                <a:cs typeface="Consolas" panose="020B0609020204030204" pitchFamily="49" charset="0"/>
+              </a:rPr>
+              <a:t>}</a:t>
+            </a:r>
+          </a:p>
+          <a:p>
+            <a:pPr marL="800100" lvl="2" indent="0">
+              <a:buNone/>
+            </a:pPr>
+            <a:endParaRPr lang="en-US" sz="1400" dirty="0" smtClean="0">
+              <a:latin typeface="Consolas" panose="020B0609020204030204" pitchFamily="49" charset="0"/>
+              <a:cs typeface="Consolas" panose="020B0609020204030204" pitchFamily="49" charset="0"/>
+            </a:endParaRPr>
+          </a:p>
+          <a:p>
+            <a:pPr marL="800100" lvl="2" indent="0">
+              <a:buNone/>
+            </a:pPr>
+            <a:r>
+              <a:rPr lang="en-US" sz="1400" dirty="0" smtClean="0">
+                <a:latin typeface="Consolas" panose="020B0609020204030204" pitchFamily="49" charset="0"/>
+                <a:cs typeface="Consolas" panose="020B0609020204030204" pitchFamily="49" charset="0"/>
+              </a:rPr>
+              <a:t>output: </a:t>
+            </a:r>
+            <a:r>
+              <a:rPr lang="en-US" sz="1400" dirty="0" smtClean="0"/>
+              <a:t>23.430000</a:t>
+            </a:r>
+            <a:endParaRPr lang="en-US" sz="1400" dirty="0">
+              <a:latin typeface="Consolas" panose="020B0609020204030204" pitchFamily="49" charset="0"/>
+              <a:cs typeface="Consolas" panose="020B0609020204030204" pitchFamily="49" charset="0"/>
+            </a:endParaRPr>
+          </a:p>
+          <a:p>
+            <a:pPr marL="800100" lvl="2" indent="0">
+              <a:buNone/>
+            </a:pPr>
+            <a:endParaRPr lang="en-US" sz="1400" dirty="0" smtClean="0"/>
+          </a:p>
+        </p:txBody>
+      </p:sp>
+    </p:spTree>
+    <p:extLst>
+      <p:ext uri="{BB962C8B-B14F-4D97-AF65-F5344CB8AC3E}">
+        <p14:creationId xmlns:p14="http://schemas.microsoft.com/office/powerpoint/2010/main" val="146388363"/>
+      </p:ext>
+    </p:extLst>
+  </p:cSld>
+  <p:clrMapOvr>
+    <a:masterClrMapping/>
+  </p:clrMapOvr>
+  <p:timing>
+    <p:tnLst>
+      <p:par>
+        <p:cTn id="1" dur="indefinite" restart="never" nodeType="tmRoot"/>
+      </p:par>
+    </p:tnLst>
+  </p:timing>
+</p:sld>
+</file>
+
+<file path=ppt/slides/slide2.xml><?xml version="1.0" encoding="utf-8"?>
+<p:sld xmlns:a="http://schemas.openxmlformats.org/drawingml/2006/main" xmlns:r="http://schemas.openxmlformats.org/officeDocument/2006/relationships" xmlns:p="http://schemas.openxmlformats.org/presentationml/2006/main">
+  <p:cSld>
+    <p:spTree>
+      <p:nvGrpSpPr>
+        <p:cNvPr id="1" name=""/>
+        <p:cNvGrpSpPr/>
+        <p:nvPr/>
+      </p:nvGrpSpPr>
+      <p:grpSpPr>
+        <a:xfrm>
+          <a:off x="0" y="0"/>
+          <a:ext cx="0" cy="0"/>
+          <a:chOff x="0" y="0"/>
+          <a:chExt cx="0" cy="0"/>
+        </a:xfrm>
+      </p:grpSpPr>
+      <p:sp>
+        <p:nvSpPr>
+          <p:cNvPr id="2" name="Title 1"/>
+          <p:cNvSpPr>
+            <a:spLocks noGrp="1"/>
+          </p:cNvSpPr>
+          <p:nvPr>
+            <p:ph type="title"/>
+          </p:nvPr>
+        </p:nvSpPr>
+        <p:spPr/>
+        <p:txBody>
+          <a:bodyPr/>
+          <a:lstStyle/>
+          <a:p>
+            <a:r>
+              <a:rPr lang="en-US" dirty="0" smtClean="0"/>
+              <a:t>Disclaimers	</a:t>
+            </a:r>
+            <a:endParaRPr lang="en-US" dirty="0"/>
+          </a:p>
+        </p:txBody>
+      </p:sp>
+      <p:sp>
+        <p:nvSpPr>
+          <p:cNvPr id="3" name="Content Placeholder 2"/>
+          <p:cNvSpPr>
+            <a:spLocks noGrp="1"/>
+          </p:cNvSpPr>
+          <p:nvPr>
+            <p:ph idx="1"/>
+          </p:nvPr>
+        </p:nvSpPr>
+        <p:spPr/>
+        <p:txBody>
+          <a:bodyPr>
+            <a:normAutofit/>
+          </a:bodyPr>
+          <a:lstStyle/>
+          <a:p>
+            <a:r>
+              <a:rPr lang="en-US" dirty="0" smtClean="0"/>
+              <a:t>I like a lot of languages in addition to C++</a:t>
+            </a:r>
+          </a:p>
+          <a:p>
+            <a:pPr lvl="1"/>
+            <a:r>
+              <a:rPr lang="en-US" dirty="0" smtClean="0"/>
+              <a:t>C# (mostly); Python; Java; PHP; Groovy; would like to learn Ruby and </a:t>
+            </a:r>
+            <a:r>
+              <a:rPr lang="en-US" dirty="0" err="1" smtClean="0"/>
+              <a:t>Clojure</a:t>
+            </a:r>
+            <a:endParaRPr lang="en-US" dirty="0" smtClean="0"/>
+          </a:p>
+          <a:p>
+            <a:r>
+              <a:rPr lang="en-US" dirty="0" smtClean="0"/>
+              <a:t>I use Microsoft C++ mostly</a:t>
+            </a:r>
+          </a:p>
+          <a:p>
+            <a:r>
+              <a:rPr lang="en-US" dirty="0" smtClean="0"/>
+              <a:t>I’m not a C++ expert</a:t>
+            </a:r>
+          </a:p>
+          <a:p>
+            <a:pPr lvl="1"/>
+            <a:r>
+              <a:rPr lang="en-US" dirty="0" smtClean="0"/>
+              <a:t>these challenge me: </a:t>
+            </a:r>
+            <a:r>
+              <a:rPr lang="en-US" dirty="0" smtClean="0">
+                <a:hlinkClick r:id="rId2"/>
+              </a:rPr>
+              <a:t>http</a:t>
+            </a:r>
+            <a:r>
+              <a:rPr lang="en-US" dirty="0">
+                <a:hlinkClick r:id="rId2"/>
+              </a:rPr>
+              <a:t>://</a:t>
+            </a:r>
+            <a:r>
+              <a:rPr lang="en-US" dirty="0" smtClean="0">
+                <a:hlinkClick r:id="rId2"/>
+              </a:rPr>
+              <a:t>cppquiz.org/quiz/question/1</a:t>
+            </a:r>
+            <a:endParaRPr lang="en-US" dirty="0" smtClean="0"/>
+          </a:p>
+          <a:p>
+            <a:r>
+              <a:rPr lang="en-US" dirty="0" smtClean="0"/>
+              <a:t>It’s fun to learn new things and apply them</a:t>
+            </a:r>
+            <a:endParaRPr lang="en-US" dirty="0"/>
+          </a:p>
+          <a:p>
+            <a:pPr lvl="1"/>
+            <a:endParaRPr lang="en-US" dirty="0" smtClean="0"/>
+          </a:p>
+          <a:p>
+            <a:pPr marL="457200" lvl="1" indent="0">
+              <a:buNone/>
+            </a:pPr>
+            <a:endParaRPr lang="en-US" dirty="0" smtClean="0"/>
+          </a:p>
+          <a:p>
+            <a:pPr lvl="1"/>
+            <a:endParaRPr lang="en-US" dirty="0" smtClean="0"/>
+          </a:p>
+          <a:p>
+            <a:endParaRPr lang="en-US" dirty="0"/>
+          </a:p>
+        </p:txBody>
+      </p:sp>
+    </p:spTree>
+    <p:extLst>
+      <p:ext uri="{BB962C8B-B14F-4D97-AF65-F5344CB8AC3E}">
+        <p14:creationId xmlns:p14="http://schemas.microsoft.com/office/powerpoint/2010/main" val="3835412766"/>
+      </p:ext>
+    </p:extLst>
+  </p:cSld>
+  <p:clrMapOvr>
+    <a:masterClrMapping/>
+  </p:clrMapOvr>
+  <p:timing>
+    <p:tnLst>
+      <p:par>
+        <p:cTn id="1" dur="indefinite" restart="never" nodeType="tmRoot"/>
+      </p:par>
+    </p:tnLst>
+  </p:timing>
+</p:sld>
+</file>
+
+<file path=ppt/slides/slide20.xml><?xml version="1.0" encoding="utf-8"?>
+<p:sld xmlns:a="http://schemas.openxmlformats.org/drawingml/2006/main" xmlns:r="http://schemas.openxmlformats.org/officeDocument/2006/relationships" xmlns:p="http://schemas.openxmlformats.org/presentationml/2006/main">
+  <p:cSld>
+    <p:spTree>
+      <p:nvGrpSpPr>
+        <p:cNvPr id="1" name=""/>
+        <p:cNvGrpSpPr/>
+        <p:nvPr/>
+      </p:nvGrpSpPr>
+      <p:grpSpPr>
+        <a:xfrm>
+          <a:off x="0" y="0"/>
+          <a:ext cx="0" cy="0"/>
+          <a:chOff x="0" y="0"/>
+          <a:chExt cx="0" cy="0"/>
+        </a:xfrm>
+      </p:grpSpPr>
+      <p:sp>
+        <p:nvSpPr>
+          <p:cNvPr id="2" name="Title 1"/>
+          <p:cNvSpPr>
+            <a:spLocks noGrp="1"/>
+          </p:cNvSpPr>
+          <p:nvPr>
+            <p:ph type="title"/>
+          </p:nvPr>
+        </p:nvSpPr>
+        <p:spPr/>
+        <p:txBody>
+          <a:bodyPr/>
+          <a:lstStyle/>
+          <a:p>
+            <a:r>
+              <a:rPr lang="en-US" dirty="0" err="1" smtClean="0"/>
+              <a:t>std</a:t>
+            </a:r>
+            <a:r>
+              <a:rPr lang="en-US" dirty="0" smtClean="0"/>
+              <a:t>::</a:t>
+            </a:r>
+            <a:r>
+              <a:rPr lang="en-US" dirty="0" err="1" smtClean="0"/>
+              <a:t>to_string</a:t>
+            </a:r>
+            <a:endParaRPr lang="en-US" dirty="0"/>
+          </a:p>
+        </p:txBody>
+      </p:sp>
+      <p:sp>
+        <p:nvSpPr>
+          <p:cNvPr id="3" name="Content Placeholder 2"/>
+          <p:cNvSpPr>
+            <a:spLocks noGrp="1"/>
+          </p:cNvSpPr>
+          <p:nvPr>
+            <p:ph idx="1"/>
+          </p:nvPr>
+        </p:nvSpPr>
+        <p:spPr/>
+        <p:txBody>
+          <a:bodyPr>
+            <a:normAutofit/>
+          </a:bodyPr>
+          <a:lstStyle/>
+          <a:p>
+            <a:r>
+              <a:rPr lang="en-US" dirty="0" smtClean="0"/>
+              <a:t>Works with all sorts of numeric types</a:t>
+            </a:r>
+          </a:p>
+          <a:p>
+            <a:r>
+              <a:rPr lang="en-US" dirty="0" smtClean="0"/>
+              <a:t>Caveat (google </a:t>
+            </a:r>
+            <a:r>
+              <a:rPr lang="en-US" dirty="0" err="1" smtClean="0"/>
+              <a:t>FlatBuffers</a:t>
+            </a:r>
+            <a:r>
+              <a:rPr lang="en-US" dirty="0" smtClean="0"/>
+              <a:t>):</a:t>
+            </a:r>
+          </a:p>
+          <a:p>
+            <a:pPr marL="0" indent="0">
+              <a:buNone/>
+            </a:pPr>
+            <a:endParaRPr lang="en-US" sz="1200" dirty="0" smtClean="0">
+              <a:latin typeface="Consolas" panose="020B0609020204030204" pitchFamily="49" charset="0"/>
+              <a:cs typeface="Consolas" panose="020B0609020204030204" pitchFamily="49" charset="0"/>
+            </a:endParaRPr>
+          </a:p>
+          <a:p>
+            <a:pPr marL="0" indent="0">
+              <a:buNone/>
+            </a:pPr>
+            <a:r>
+              <a:rPr lang="en-US" sz="1200" dirty="0" smtClean="0">
+                <a:latin typeface="Consolas" panose="020B0609020204030204" pitchFamily="49" charset="0"/>
+                <a:cs typeface="Consolas" panose="020B0609020204030204" pitchFamily="49" charset="0"/>
+              </a:rPr>
+              <a:t>  namespace </a:t>
+            </a:r>
+            <a:r>
+              <a:rPr lang="en-US" sz="1200" dirty="0" err="1">
+                <a:latin typeface="Consolas" panose="020B0609020204030204" pitchFamily="49" charset="0"/>
+                <a:cs typeface="Consolas" panose="020B0609020204030204" pitchFamily="49" charset="0"/>
+              </a:rPr>
+              <a:t>flatbuffers</a:t>
+            </a:r>
+            <a:r>
+              <a:rPr lang="en-US" sz="1200" dirty="0">
+                <a:latin typeface="Consolas" panose="020B0609020204030204" pitchFamily="49" charset="0"/>
+                <a:cs typeface="Consolas" panose="020B0609020204030204" pitchFamily="49" charset="0"/>
+              </a:rPr>
+              <a:t> {</a:t>
+            </a:r>
+          </a:p>
+          <a:p>
+            <a:pPr marL="0" indent="0">
+              <a:buNone/>
+            </a:pPr>
+            <a:r>
+              <a:rPr lang="en-US" sz="1200" dirty="0" smtClean="0">
+                <a:latin typeface="Consolas" panose="020B0609020204030204" pitchFamily="49" charset="0"/>
+                <a:cs typeface="Consolas" panose="020B0609020204030204" pitchFamily="49" charset="0"/>
+              </a:rPr>
+              <a:t>    // </a:t>
+            </a:r>
+            <a:r>
+              <a:rPr lang="en-US" sz="1200" dirty="0">
+                <a:latin typeface="Consolas" panose="020B0609020204030204" pitchFamily="49" charset="0"/>
+                <a:cs typeface="Consolas" panose="020B0609020204030204" pitchFamily="49" charset="0"/>
+              </a:rPr>
+              <a:t>Convert an integer or floating point value to a string.</a:t>
+            </a:r>
+          </a:p>
+          <a:p>
+            <a:pPr marL="0" indent="0">
+              <a:buNone/>
+            </a:pPr>
+            <a:r>
+              <a:rPr lang="en-US" sz="1200" dirty="0" smtClean="0">
+                <a:latin typeface="Consolas" panose="020B0609020204030204" pitchFamily="49" charset="0"/>
+                <a:cs typeface="Consolas" panose="020B0609020204030204" pitchFamily="49" charset="0"/>
+              </a:rPr>
+              <a:t>    // </a:t>
+            </a:r>
+            <a:r>
+              <a:rPr lang="en-US" sz="1200" dirty="0">
+                <a:latin typeface="Consolas" panose="020B0609020204030204" pitchFamily="49" charset="0"/>
+                <a:cs typeface="Consolas" panose="020B0609020204030204" pitchFamily="49" charset="0"/>
+              </a:rPr>
+              <a:t>In contrast to </a:t>
+            </a:r>
+            <a:r>
+              <a:rPr lang="en-US" sz="1200" dirty="0" err="1">
+                <a:latin typeface="Consolas" panose="020B0609020204030204" pitchFamily="49" charset="0"/>
+                <a:cs typeface="Consolas" panose="020B0609020204030204" pitchFamily="49" charset="0"/>
+              </a:rPr>
+              <a:t>std</a:t>
+            </a:r>
+            <a:r>
+              <a:rPr lang="en-US" sz="1200" dirty="0">
+                <a:latin typeface="Consolas" panose="020B0609020204030204" pitchFamily="49" charset="0"/>
+                <a:cs typeface="Consolas" panose="020B0609020204030204" pitchFamily="49" charset="0"/>
+              </a:rPr>
+              <a:t>::</a:t>
+            </a:r>
+            <a:r>
+              <a:rPr lang="en-US" sz="1200" dirty="0" err="1">
+                <a:latin typeface="Consolas" panose="020B0609020204030204" pitchFamily="49" charset="0"/>
+                <a:cs typeface="Consolas" panose="020B0609020204030204" pitchFamily="49" charset="0"/>
+              </a:rPr>
+              <a:t>stringstream</a:t>
+            </a:r>
+            <a:r>
+              <a:rPr lang="en-US" sz="1200" dirty="0">
+                <a:latin typeface="Consolas" panose="020B0609020204030204" pitchFamily="49" charset="0"/>
+                <a:cs typeface="Consolas" panose="020B0609020204030204" pitchFamily="49" charset="0"/>
+              </a:rPr>
+              <a:t>, "char" values </a:t>
+            </a:r>
+            <a:r>
+              <a:rPr lang="en-US" sz="1200" dirty="0" smtClean="0">
+                <a:latin typeface="Consolas" panose="020B0609020204030204" pitchFamily="49" charset="0"/>
+                <a:cs typeface="Consolas" panose="020B0609020204030204" pitchFamily="49" charset="0"/>
+              </a:rPr>
+              <a:t>are converted </a:t>
+            </a:r>
+            <a:r>
+              <a:rPr lang="en-US" sz="1200" dirty="0">
+                <a:latin typeface="Consolas" panose="020B0609020204030204" pitchFamily="49" charset="0"/>
+                <a:cs typeface="Consolas" panose="020B0609020204030204" pitchFamily="49" charset="0"/>
+              </a:rPr>
+              <a:t>to a string of digits.</a:t>
+            </a:r>
+          </a:p>
+          <a:p>
+            <a:pPr marL="0" indent="0">
+              <a:buNone/>
+            </a:pPr>
+            <a:r>
+              <a:rPr lang="en-US" sz="1200" dirty="0" smtClean="0">
+                <a:latin typeface="Consolas" panose="020B0609020204030204" pitchFamily="49" charset="0"/>
+                <a:cs typeface="Consolas" panose="020B0609020204030204" pitchFamily="49" charset="0"/>
+              </a:rPr>
+              <a:t>    template&lt;</a:t>
+            </a:r>
+            <a:r>
+              <a:rPr lang="en-US" sz="1200" dirty="0" err="1" smtClean="0">
+                <a:latin typeface="Consolas" panose="020B0609020204030204" pitchFamily="49" charset="0"/>
+                <a:cs typeface="Consolas" panose="020B0609020204030204" pitchFamily="49" charset="0"/>
+              </a:rPr>
+              <a:t>typename</a:t>
+            </a:r>
+            <a:r>
+              <a:rPr lang="en-US" sz="1200" dirty="0" smtClean="0">
+                <a:latin typeface="Consolas" panose="020B0609020204030204" pitchFamily="49" charset="0"/>
+                <a:cs typeface="Consolas" panose="020B0609020204030204" pitchFamily="49" charset="0"/>
+              </a:rPr>
+              <a:t> </a:t>
+            </a:r>
+            <a:r>
+              <a:rPr lang="en-US" sz="1200" dirty="0">
+                <a:latin typeface="Consolas" panose="020B0609020204030204" pitchFamily="49" charset="0"/>
+                <a:cs typeface="Consolas" panose="020B0609020204030204" pitchFamily="49" charset="0"/>
+              </a:rPr>
+              <a:t>T&gt; </a:t>
+            </a:r>
+            <a:r>
+              <a:rPr lang="en-US" sz="1200" dirty="0" err="1">
+                <a:latin typeface="Consolas" panose="020B0609020204030204" pitchFamily="49" charset="0"/>
+                <a:cs typeface="Consolas" panose="020B0609020204030204" pitchFamily="49" charset="0"/>
+              </a:rPr>
+              <a:t>std</a:t>
+            </a:r>
+            <a:r>
+              <a:rPr lang="en-US" sz="1200" dirty="0">
+                <a:latin typeface="Consolas" panose="020B0609020204030204" pitchFamily="49" charset="0"/>
+                <a:cs typeface="Consolas" panose="020B0609020204030204" pitchFamily="49" charset="0"/>
+              </a:rPr>
+              <a:t>::string </a:t>
+            </a:r>
+            <a:r>
+              <a:rPr lang="en-US" sz="1200" dirty="0" err="1">
+                <a:latin typeface="Consolas" panose="020B0609020204030204" pitchFamily="49" charset="0"/>
+                <a:cs typeface="Consolas" panose="020B0609020204030204" pitchFamily="49" charset="0"/>
+              </a:rPr>
+              <a:t>NumToString</a:t>
+            </a:r>
+            <a:r>
+              <a:rPr lang="en-US" sz="1200" dirty="0">
+                <a:latin typeface="Consolas" panose="020B0609020204030204" pitchFamily="49" charset="0"/>
+                <a:cs typeface="Consolas" panose="020B0609020204030204" pitchFamily="49" charset="0"/>
+              </a:rPr>
+              <a:t>(T t</a:t>
+            </a:r>
+            <a:r>
+              <a:rPr lang="en-US" sz="1200" dirty="0" smtClean="0">
+                <a:latin typeface="Consolas" panose="020B0609020204030204" pitchFamily="49" charset="0"/>
+                <a:cs typeface="Consolas" panose="020B0609020204030204" pitchFamily="49" charset="0"/>
+              </a:rPr>
+              <a:t>)</a:t>
+            </a:r>
+          </a:p>
+          <a:p>
+            <a:pPr marL="0" indent="0">
+              <a:buNone/>
+            </a:pPr>
+            <a:r>
+              <a:rPr lang="en-US" sz="1200" dirty="0">
+                <a:latin typeface="Consolas" panose="020B0609020204030204" pitchFamily="49" charset="0"/>
+                <a:cs typeface="Consolas" panose="020B0609020204030204" pitchFamily="49" charset="0"/>
+              </a:rPr>
+              <a:t> </a:t>
+            </a:r>
+            <a:r>
+              <a:rPr lang="en-US" sz="1200" dirty="0" smtClean="0">
+                <a:latin typeface="Consolas" panose="020B0609020204030204" pitchFamily="49" charset="0"/>
+                <a:cs typeface="Consolas" panose="020B0609020204030204" pitchFamily="49" charset="0"/>
+              </a:rPr>
+              <a:t>  {</a:t>
+            </a:r>
+            <a:endParaRPr lang="en-US" sz="1200" dirty="0">
+              <a:latin typeface="Consolas" panose="020B0609020204030204" pitchFamily="49" charset="0"/>
+              <a:cs typeface="Consolas" panose="020B0609020204030204" pitchFamily="49" charset="0"/>
+            </a:endParaRPr>
+          </a:p>
+          <a:p>
+            <a:pPr marL="0" indent="0">
+              <a:buNone/>
+            </a:pPr>
+            <a:r>
+              <a:rPr lang="en-US" sz="1200" b="1" dirty="0" smtClean="0">
+                <a:latin typeface="Consolas" panose="020B0609020204030204" pitchFamily="49" charset="0"/>
+                <a:cs typeface="Consolas" panose="020B0609020204030204" pitchFamily="49" charset="0"/>
+              </a:rPr>
+              <a:t>        </a:t>
+            </a:r>
+            <a:r>
+              <a:rPr lang="en-US" sz="1200" b="1" dirty="0">
+                <a:latin typeface="Consolas" panose="020B0609020204030204" pitchFamily="49" charset="0"/>
+                <a:cs typeface="Consolas" panose="020B0609020204030204" pitchFamily="49" charset="0"/>
+              </a:rPr>
+              <a:t>// </a:t>
+            </a:r>
+            <a:r>
+              <a:rPr lang="en-US" sz="1200" b="1" dirty="0" err="1">
+                <a:latin typeface="Consolas" panose="020B0609020204030204" pitchFamily="49" charset="0"/>
+                <a:cs typeface="Consolas" panose="020B0609020204030204" pitchFamily="49" charset="0"/>
+              </a:rPr>
+              <a:t>to_string</a:t>
+            </a:r>
+            <a:r>
+              <a:rPr lang="en-US" sz="1200" b="1" dirty="0">
+                <a:latin typeface="Consolas" panose="020B0609020204030204" pitchFamily="49" charset="0"/>
+                <a:cs typeface="Consolas" panose="020B0609020204030204" pitchFamily="49" charset="0"/>
+              </a:rPr>
+              <a:t>() prints different numbers of digits for floats depending on</a:t>
+            </a:r>
+          </a:p>
+          <a:p>
+            <a:pPr marL="0" indent="0">
+              <a:buNone/>
+            </a:pPr>
+            <a:r>
+              <a:rPr lang="en-US" sz="1200" b="1" dirty="0" smtClean="0">
+                <a:latin typeface="Consolas" panose="020B0609020204030204" pitchFamily="49" charset="0"/>
+                <a:cs typeface="Consolas" panose="020B0609020204030204" pitchFamily="49" charset="0"/>
+              </a:rPr>
+              <a:t>        </a:t>
+            </a:r>
+            <a:r>
+              <a:rPr lang="en-US" sz="1200" b="1" dirty="0">
+                <a:latin typeface="Consolas" panose="020B0609020204030204" pitchFamily="49" charset="0"/>
+                <a:cs typeface="Consolas" panose="020B0609020204030204" pitchFamily="49" charset="0"/>
+              </a:rPr>
+              <a:t>// platform and isn't available on Android, so we use </a:t>
+            </a:r>
+            <a:r>
+              <a:rPr lang="en-US" sz="1200" b="1" dirty="0" err="1">
+                <a:latin typeface="Consolas" panose="020B0609020204030204" pitchFamily="49" charset="0"/>
+                <a:cs typeface="Consolas" panose="020B0609020204030204" pitchFamily="49" charset="0"/>
+              </a:rPr>
+              <a:t>stringstream</a:t>
+            </a:r>
+            <a:endParaRPr lang="en-US" sz="1200" b="1" dirty="0">
+              <a:latin typeface="Consolas" panose="020B0609020204030204" pitchFamily="49" charset="0"/>
+              <a:cs typeface="Consolas" panose="020B0609020204030204" pitchFamily="49" charset="0"/>
+            </a:endParaRPr>
+          </a:p>
+          <a:p>
+            <a:pPr marL="0" indent="0">
+              <a:buNone/>
+            </a:pPr>
+            <a:r>
+              <a:rPr lang="en-US" sz="1200" dirty="0" smtClean="0">
+                <a:latin typeface="Consolas" panose="020B0609020204030204" pitchFamily="49" charset="0"/>
+                <a:cs typeface="Consolas" panose="020B0609020204030204" pitchFamily="49" charset="0"/>
+              </a:rPr>
+              <a:t>        </a:t>
+            </a:r>
+            <a:r>
+              <a:rPr lang="en-US" sz="1200" dirty="0" err="1">
+                <a:latin typeface="Consolas" panose="020B0609020204030204" pitchFamily="49" charset="0"/>
+                <a:cs typeface="Consolas" panose="020B0609020204030204" pitchFamily="49" charset="0"/>
+              </a:rPr>
+              <a:t>std</a:t>
+            </a:r>
+            <a:r>
+              <a:rPr lang="en-US" sz="1200" dirty="0">
+                <a:latin typeface="Consolas" panose="020B0609020204030204" pitchFamily="49" charset="0"/>
+                <a:cs typeface="Consolas" panose="020B0609020204030204" pitchFamily="49" charset="0"/>
+              </a:rPr>
+              <a:t>::</a:t>
+            </a:r>
+            <a:r>
+              <a:rPr lang="en-US" sz="1200" dirty="0" err="1">
+                <a:latin typeface="Consolas" panose="020B0609020204030204" pitchFamily="49" charset="0"/>
+                <a:cs typeface="Consolas" panose="020B0609020204030204" pitchFamily="49" charset="0"/>
+              </a:rPr>
+              <a:t>stringstream</a:t>
+            </a:r>
+            <a:r>
+              <a:rPr lang="en-US" sz="1200" dirty="0">
+                <a:latin typeface="Consolas" panose="020B0609020204030204" pitchFamily="49" charset="0"/>
+                <a:cs typeface="Consolas" panose="020B0609020204030204" pitchFamily="49" charset="0"/>
+              </a:rPr>
+              <a:t> </a:t>
+            </a:r>
+            <a:r>
+              <a:rPr lang="en-US" sz="1200" dirty="0" err="1">
+                <a:latin typeface="Consolas" panose="020B0609020204030204" pitchFamily="49" charset="0"/>
+                <a:cs typeface="Consolas" panose="020B0609020204030204" pitchFamily="49" charset="0"/>
+              </a:rPr>
+              <a:t>ss</a:t>
+            </a:r>
+            <a:r>
+              <a:rPr lang="en-US" sz="1200" dirty="0">
+                <a:latin typeface="Consolas" panose="020B0609020204030204" pitchFamily="49" charset="0"/>
+                <a:cs typeface="Consolas" panose="020B0609020204030204" pitchFamily="49" charset="0"/>
+              </a:rPr>
+              <a:t>;</a:t>
+            </a:r>
+          </a:p>
+          <a:p>
+            <a:pPr marL="0" indent="0">
+              <a:buNone/>
+            </a:pPr>
+            <a:r>
+              <a:rPr lang="en-US" sz="1200" dirty="0" smtClean="0">
+                <a:latin typeface="Consolas" panose="020B0609020204030204" pitchFamily="49" charset="0"/>
+                <a:cs typeface="Consolas" panose="020B0609020204030204" pitchFamily="49" charset="0"/>
+              </a:rPr>
+              <a:t>        </a:t>
+            </a:r>
+            <a:r>
+              <a:rPr lang="en-US" sz="1200" dirty="0" err="1">
+                <a:latin typeface="Consolas" panose="020B0609020204030204" pitchFamily="49" charset="0"/>
+                <a:cs typeface="Consolas" panose="020B0609020204030204" pitchFamily="49" charset="0"/>
+              </a:rPr>
+              <a:t>ss</a:t>
+            </a:r>
+            <a:r>
+              <a:rPr lang="en-US" sz="1200" dirty="0">
+                <a:latin typeface="Consolas" panose="020B0609020204030204" pitchFamily="49" charset="0"/>
+                <a:cs typeface="Consolas" panose="020B0609020204030204" pitchFamily="49" charset="0"/>
+              </a:rPr>
+              <a:t> &lt;&lt; t;</a:t>
+            </a:r>
+          </a:p>
+          <a:p>
+            <a:pPr marL="0" indent="0">
+              <a:buNone/>
+            </a:pPr>
+            <a:r>
+              <a:rPr lang="en-US" sz="1200" dirty="0" smtClean="0">
+                <a:latin typeface="Consolas" panose="020B0609020204030204" pitchFamily="49" charset="0"/>
+                <a:cs typeface="Consolas" panose="020B0609020204030204" pitchFamily="49" charset="0"/>
+              </a:rPr>
+              <a:t>        </a:t>
+            </a:r>
+            <a:r>
+              <a:rPr lang="en-US" sz="1200" dirty="0">
+                <a:latin typeface="Consolas" panose="020B0609020204030204" pitchFamily="49" charset="0"/>
+                <a:cs typeface="Consolas" panose="020B0609020204030204" pitchFamily="49" charset="0"/>
+              </a:rPr>
+              <a:t>return </a:t>
+            </a:r>
+            <a:r>
+              <a:rPr lang="en-US" sz="1200" dirty="0" err="1">
+                <a:latin typeface="Consolas" panose="020B0609020204030204" pitchFamily="49" charset="0"/>
+                <a:cs typeface="Consolas" panose="020B0609020204030204" pitchFamily="49" charset="0"/>
+              </a:rPr>
+              <a:t>ss.str</a:t>
+            </a:r>
+            <a:r>
+              <a:rPr lang="en-US" sz="1200" dirty="0">
+                <a:latin typeface="Consolas" panose="020B0609020204030204" pitchFamily="49" charset="0"/>
+                <a:cs typeface="Consolas" panose="020B0609020204030204" pitchFamily="49" charset="0"/>
+              </a:rPr>
+              <a:t>();</a:t>
+            </a:r>
+          </a:p>
+          <a:p>
+            <a:pPr marL="0" indent="0">
+              <a:buNone/>
+            </a:pPr>
+            <a:r>
+              <a:rPr lang="en-US" sz="1200" dirty="0" smtClean="0">
+                <a:latin typeface="Consolas" panose="020B0609020204030204" pitchFamily="49" charset="0"/>
+                <a:cs typeface="Consolas" panose="020B0609020204030204" pitchFamily="49" charset="0"/>
+              </a:rPr>
+              <a:t>   }</a:t>
+            </a:r>
+            <a:endParaRPr lang="en-US" sz="1200" dirty="0">
+              <a:latin typeface="Consolas" panose="020B0609020204030204" pitchFamily="49" charset="0"/>
+              <a:cs typeface="Consolas" panose="020B0609020204030204" pitchFamily="49" charset="0"/>
+            </a:endParaRPr>
+          </a:p>
+          <a:p>
+            <a:endParaRPr lang="en-US" sz="1400" dirty="0" smtClean="0"/>
+          </a:p>
+        </p:txBody>
+      </p:sp>
+    </p:spTree>
+    <p:extLst>
+      <p:ext uri="{BB962C8B-B14F-4D97-AF65-F5344CB8AC3E}">
+        <p14:creationId xmlns:p14="http://schemas.microsoft.com/office/powerpoint/2010/main" val="4177361218"/>
+      </p:ext>
+    </p:extLst>
+  </p:cSld>
+  <p:clrMapOvr>
+    <a:masterClrMapping/>
+  </p:clrMapOvr>
+  <p:timing>
+    <p:tnLst>
+      <p:par>
+        <p:cTn id="1" dur="indefinite" restart="never" nodeType="tmRoot"/>
+      </p:par>
+    </p:tnLst>
+  </p:timing>
+</p:sld>
+</file>
+
+<file path=ppt/slides/slide21.xml><?xml version="1.0" encoding="utf-8"?>
+<p:sld xmlns:a="http://schemas.openxmlformats.org/drawingml/2006/main" xmlns:r="http://schemas.openxmlformats.org/officeDocument/2006/relationships" xmlns:p="http://schemas.openxmlformats.org/presentationml/2006/main">
+  <p:cSld>
+    <p:spTree>
+      <p:nvGrpSpPr>
+        <p:cNvPr id="1" name=""/>
+        <p:cNvGrpSpPr/>
+        <p:nvPr/>
+      </p:nvGrpSpPr>
+      <p:grpSpPr>
+        <a:xfrm>
+          <a:off x="0" y="0"/>
+          <a:ext cx="0" cy="0"/>
+          <a:chOff x="0" y="0"/>
+          <a:chExt cx="0" cy="0"/>
+        </a:xfrm>
+      </p:grpSpPr>
+      <p:sp>
+        <p:nvSpPr>
+          <p:cNvPr id="2" name="Title 1"/>
+          <p:cNvSpPr>
+            <a:spLocks noGrp="1"/>
+          </p:cNvSpPr>
+          <p:nvPr>
+            <p:ph type="title"/>
+          </p:nvPr>
+        </p:nvSpPr>
+        <p:spPr/>
+        <p:txBody>
+          <a:bodyPr/>
+          <a:lstStyle/>
+          <a:p>
+            <a:r>
               <a:rPr lang="en-US" dirty="0" smtClean="0"/>
               <a:t>Google C++</a:t>
             </a:r>
@@ -5914,7 +6669,7 @@
 </p:sld>
 </file>
 
-<file path=ppt/slides/slide18.xml><?xml version="1.0" encoding="utf-8"?>
+<file path=ppt/slides/slide22.xml><?xml version="1.0" encoding="utf-8"?>
 <p:sld xmlns:a="http://schemas.openxmlformats.org/drawingml/2006/main" xmlns:r="http://schemas.openxmlformats.org/officeDocument/2006/relationships" xmlns:p="http://schemas.openxmlformats.org/presentationml/2006/main">
   <p:cSld>
     <p:spTree>
@@ -6177,7 +6932,7 @@
 </p:sld>
 </file>
 
-<file path=ppt/slides/slide19.xml><?xml version="1.0" encoding="utf-8"?>
+<file path=ppt/slides/slide23.xml><?xml version="1.0" encoding="utf-8"?>
 <p:sld xmlns:a="http://schemas.openxmlformats.org/drawingml/2006/main" xmlns:r="http://schemas.openxmlformats.org/officeDocument/2006/relationships" xmlns:p="http://schemas.openxmlformats.org/presentationml/2006/main">
   <p:cSld>
     <p:spTree>
@@ -6296,7 +7051,7 @@
 </p:sld>
 </file>
 
-<file path=ppt/slides/slide2.xml><?xml version="1.0" encoding="utf-8"?>
+<file path=ppt/slides/slide3.xml><?xml version="1.0" encoding="utf-8"?>
 <p:sld xmlns:a="http://schemas.openxmlformats.org/drawingml/2006/main" xmlns:r="http://schemas.openxmlformats.org/officeDocument/2006/relationships" xmlns:p="http://schemas.openxmlformats.org/presentationml/2006/main">
   <p:cSld>
     <p:spTree>
@@ -6330,7 +7085,7 @@
           <a:p>
             <a:r>
               <a:rPr lang="en-US" dirty="0" smtClean="0"/>
-              <a:t>Disclaimers	</a:t>
+              <a:t>C++: Alive and Well</a:t>
             </a:r>
             <a:endParaRPr lang="en-US" dirty="0"/>
           </a:p>
@@ -6348,88 +7103,56 @@
         </p:nvSpPr>
         <p:spPr/>
         <p:txBody>
-          <a:bodyPr>
-            <a:normAutofit/>
-          </a:bodyPr>
+          <a:bodyPr/>
           <a:lstStyle/>
           <a:p>
             <a:r>
               <a:rPr lang="en-US" dirty="0" smtClean="0"/>
-              <a:t>I like a lot of languages in addition to C++</a:t>
+              <a:t>Facebook:</a:t>
             </a:r>
           </a:p>
           <a:p>
             <a:pPr lvl="1"/>
             <a:r>
-              <a:rPr lang="en-US" dirty="0" smtClean="0"/>
-              <a:t>C# (mostly); Python; Java; PHP; Groovy; would like to learn Ruby and </a:t>
-            </a:r>
-            <a:r>
-              <a:rPr lang="en-US" dirty="0" err="1" smtClean="0"/>
-              <a:t>Clojure</a:t>
-            </a:r>
-            <a:endParaRPr lang="en-US" dirty="0" smtClean="0"/>
-          </a:p>
-          <a:p>
-            <a:r>
-              <a:rPr lang="en-US" dirty="0" smtClean="0"/>
-              <a:t>I use Microsoft C++ mostly</a:t>
-            </a:r>
-          </a:p>
-          <a:p>
-            <a:r>
-              <a:rPr lang="en-US" dirty="0" smtClean="0"/>
-              <a:t>I’m not a C++ expert</a:t>
-            </a:r>
+              <a:rPr lang="en-US" dirty="0" err="1"/>
+              <a:t>Proxygen</a:t>
+            </a:r>
+            <a:r>
+              <a:rPr lang="en-US" dirty="0"/>
+              <a:t> makes heavy use of the latest C++ features and depends on </a:t>
+            </a:r>
+            <a:r>
+              <a:rPr lang="en-US" b="1" dirty="0">
+                <a:hlinkClick r:id="rId2"/>
+              </a:rPr>
+              <a:t>Thrift</a:t>
+            </a:r>
+            <a:r>
+              <a:rPr lang="en-US" dirty="0"/>
+              <a:t> and </a:t>
+            </a:r>
+            <a:r>
+              <a:rPr lang="en-US" b="1" dirty="0">
+                <a:hlinkClick r:id="rId3"/>
+              </a:rPr>
+              <a:t>Folly</a:t>
+            </a:r>
+            <a:r>
+              <a:rPr lang="en-US" dirty="0"/>
+              <a:t> for its underlying network and data abstractions. We make use of move semantics to avoid extra copies for large objects like body buffers and header representations while avoiding typical pitfalls like memory leaks. Additionally, by using non-blocking IO and Linux's </a:t>
+            </a:r>
+            <a:r>
+              <a:rPr lang="en-US" dirty="0" err="1"/>
+              <a:t>epoll</a:t>
+            </a:r>
+            <a:r>
+              <a:rPr lang="en-US" dirty="0"/>
+              <a:t> under the hood, we are able to create a memory and CPU efficient server.</a:t>
+            </a:r>
+            <a:endParaRPr lang="en-US" dirty="0"/>
           </a:p>
           <a:p>
             <a:pPr lvl="1"/>
-            <a:r>
-              <a:rPr lang="en-US" dirty="0" smtClean="0"/>
-              <a:t>these challenge me: </a:t>
-            </a:r>
-            <a:r>
-              <a:rPr lang="en-US" dirty="0" smtClean="0">
-                <a:hlinkClick r:id="rId2"/>
-              </a:rPr>
-              <a:t>http</a:t>
-            </a:r>
-            <a:r>
-              <a:rPr lang="en-US" dirty="0">
-                <a:hlinkClick r:id="rId2"/>
-              </a:rPr>
-              <a:t>://</a:t>
-            </a:r>
-            <a:r>
-              <a:rPr lang="en-US" dirty="0" smtClean="0">
-                <a:hlinkClick r:id="rId2"/>
-              </a:rPr>
-              <a:t>cppquiz.org/quiz/question/1</a:t>
-            </a:r>
-            <a:endParaRPr lang="en-US" dirty="0" smtClean="0"/>
-          </a:p>
-          <a:p>
-            <a:r>
-              <a:rPr lang="en-US" dirty="0" smtClean="0"/>
-              <a:t>It’s fun to learn new things and apply them</a:t>
-            </a:r>
-            <a:endParaRPr lang="en-US" dirty="0"/>
-          </a:p>
-          <a:p>
-            <a:pPr lvl="1"/>
-            <a:endParaRPr lang="en-US" dirty="0" smtClean="0"/>
-          </a:p>
-          <a:p>
-            <a:pPr marL="457200" lvl="1" indent="0">
-              <a:buNone/>
-            </a:pPr>
-            <a:endParaRPr lang="en-US" dirty="0" smtClean="0"/>
-          </a:p>
-          <a:p>
-            <a:pPr lvl="1"/>
-            <a:endParaRPr lang="en-US" dirty="0" smtClean="0"/>
-          </a:p>
-          <a:p>
             <a:endParaRPr lang="en-US" dirty="0"/>
           </a:p>
         </p:txBody>
@@ -6437,7 +7160,7 @@
     </p:spTree>
     <p:extLst>
       <p:ext uri="{BB962C8B-B14F-4D97-AF65-F5344CB8AC3E}">
-        <p14:creationId xmlns:p14="http://schemas.microsoft.com/office/powerpoint/2010/main" val="3835412766"/>
+        <p14:creationId xmlns:p14="http://schemas.microsoft.com/office/powerpoint/2010/main" val="699224995"/>
       </p:ext>
     </p:extLst>
   </p:cSld>
@@ -6454,7 +7177,79 @@
 </p:sld>
 </file>
 
-<file path=ppt/slides/slide3.xml><?xml version="1.0" encoding="utf-8"?>
+<file path=ppt/slides/slide4.xml><?xml version="1.0" encoding="utf-8"?>
+<p:sld xmlns:a="http://schemas.openxmlformats.org/drawingml/2006/main" xmlns:r="http://schemas.openxmlformats.org/officeDocument/2006/relationships" xmlns:p="http://schemas.openxmlformats.org/presentationml/2006/main">
+  <p:cSld>
+    <p:spTree>
+      <p:nvGrpSpPr>
+        <p:cNvPr id="1" name=""/>
+        <p:cNvGrpSpPr/>
+        <p:nvPr/>
+      </p:nvGrpSpPr>
+      <p:grpSpPr>
+        <a:xfrm>
+          <a:off x="0" y="0"/>
+          <a:ext cx="0" cy="0"/>
+          <a:chOff x="0" y="0"/>
+          <a:chExt cx="0" cy="0"/>
+        </a:xfrm>
+      </p:grpSpPr>
+      <p:sp>
+        <p:nvSpPr>
+          <p:cNvPr id="2" name="Title 1"/>
+          <p:cNvSpPr>
+            <a:spLocks noGrp="1"/>
+          </p:cNvSpPr>
+          <p:nvPr>
+            <p:ph type="title"/>
+          </p:nvPr>
+        </p:nvSpPr>
+        <p:spPr/>
+        <p:txBody>
+          <a:bodyPr/>
+          <a:lstStyle/>
+          <a:p>
+            <a:r>
+              <a:rPr lang="en-US" dirty="0" smtClean="0"/>
+              <a:t>C++ History</a:t>
+            </a:r>
+            <a:endParaRPr lang="en-US" dirty="0"/>
+          </a:p>
+        </p:txBody>
+      </p:sp>
+      <p:sp>
+        <p:nvSpPr>
+          <p:cNvPr id="3" name="Content Placeholder 2"/>
+          <p:cNvSpPr>
+            <a:spLocks noGrp="1"/>
+          </p:cNvSpPr>
+          <p:nvPr>
+            <p:ph idx="1"/>
+          </p:nvPr>
+        </p:nvSpPr>
+        <p:spPr/>
+        <p:txBody>
+          <a:bodyPr/>
+          <a:lstStyle/>
+          <a:p>
+            <a:endParaRPr lang="en-US"/>
+          </a:p>
+        </p:txBody>
+      </p:sp>
+    </p:spTree>
+    <p:extLst>
+      <p:ext uri="{BB962C8B-B14F-4D97-AF65-F5344CB8AC3E}">
+        <p14:creationId xmlns:p14="http://schemas.microsoft.com/office/powerpoint/2010/main" val="3421079094"/>
+      </p:ext>
+    </p:extLst>
+  </p:cSld>
+  <p:clrMapOvr>
+    <a:masterClrMapping/>
+  </p:clrMapOvr>
+</p:sld>
+</file>
+
+<file path=ppt/slides/slide5.xml><?xml version="1.0" encoding="utf-8"?>
 <p:sld xmlns:a="http://schemas.openxmlformats.org/drawingml/2006/main" xmlns:r="http://schemas.openxmlformats.org/officeDocument/2006/relationships" xmlns:p="http://schemas.openxmlformats.org/presentationml/2006/main">
   <p:cSld>
     <p:spTree>
@@ -6555,7 +7350,7 @@
 </p:sld>
 </file>
 
-<file path=ppt/slides/slide4.xml><?xml version="1.0" encoding="utf-8"?>
+<file path=ppt/slides/slide6.xml><?xml version="1.0" encoding="utf-8"?>
 <p:sld xmlns:a="http://schemas.openxmlformats.org/drawingml/2006/main" xmlns:r="http://schemas.openxmlformats.org/officeDocument/2006/relationships" xmlns:p="http://schemas.openxmlformats.org/presentationml/2006/main">
   <p:cSld>
     <p:spTree>
@@ -6710,7 +7505,7 @@
 </p:sld>
 </file>
 
-<file path=ppt/slides/slide5.xml><?xml version="1.0" encoding="utf-8"?>
+<file path=ppt/slides/slide7.xml><?xml version="1.0" encoding="utf-8"?>
 <p:sld xmlns:a="http://schemas.openxmlformats.org/drawingml/2006/main" xmlns:r="http://schemas.openxmlformats.org/officeDocument/2006/relationships" xmlns:p="http://schemas.openxmlformats.org/presentationml/2006/main">
   <p:cSld>
     <p:spTree>
@@ -6873,347 +7668,6 @@
 </p:sld>
 </file>
 
-<file path=ppt/slides/slide6.xml><?xml version="1.0" encoding="utf-8"?>
-<p:sld xmlns:a="http://schemas.openxmlformats.org/drawingml/2006/main" xmlns:r="http://schemas.openxmlformats.org/officeDocument/2006/relationships" xmlns:p="http://schemas.openxmlformats.org/presentationml/2006/main">
-  <p:cSld>
-    <p:spTree>
-      <p:nvGrpSpPr>
-        <p:cNvPr id="1" name=""/>
-        <p:cNvGrpSpPr/>
-        <p:nvPr/>
-      </p:nvGrpSpPr>
-      <p:grpSpPr>
-        <a:xfrm>
-          <a:off x="0" y="0"/>
-          <a:ext cx="0" cy="0"/>
-          <a:chOff x="0" y="0"/>
-          <a:chExt cx="0" cy="0"/>
-        </a:xfrm>
-      </p:grpSpPr>
-      <p:sp>
-        <p:nvSpPr>
-          <p:cNvPr id="2" name="Title 1"/>
-          <p:cNvSpPr>
-            <a:spLocks noGrp="1"/>
-          </p:cNvSpPr>
-          <p:nvPr>
-            <p:ph type="title"/>
-          </p:nvPr>
-        </p:nvSpPr>
-        <p:spPr/>
-        <p:txBody>
-          <a:bodyPr>
-            <a:normAutofit fontScale="90000"/>
-          </a:bodyPr>
-          <a:lstStyle/>
-          <a:p>
-            <a:r>
-              <a:rPr lang="en-US" dirty="0" smtClean="0"/>
-              <a:t>C++ Standard Library / STL:</a:t>
-            </a:r>
-            <a:br>
-              <a:rPr lang="en-US" dirty="0" smtClean="0"/>
-            </a:br>
-            <a:r>
-              <a:rPr lang="en-US" i="1" dirty="0" smtClean="0"/>
-              <a:t>Not Object Oriented!</a:t>
-            </a:r>
-            <a:endParaRPr lang="en-US" i="1" dirty="0"/>
-          </a:p>
-        </p:txBody>
-      </p:sp>
-      <p:sp>
-        <p:nvSpPr>
-          <p:cNvPr id="3" name="Content Placeholder 2"/>
-          <p:cNvSpPr>
-            <a:spLocks noGrp="1"/>
-          </p:cNvSpPr>
-          <p:nvPr>
-            <p:ph idx="1"/>
-          </p:nvPr>
-        </p:nvSpPr>
-        <p:spPr/>
-        <p:txBody>
-          <a:bodyPr>
-            <a:normAutofit/>
-          </a:bodyPr>
-          <a:lstStyle/>
-          <a:p>
-            <a:r>
-              <a:rPr lang="en-US" dirty="0" smtClean="0"/>
-              <a:t>Read what the creator of the STL has to say about this</a:t>
-            </a:r>
-            <a:r>
-              <a:rPr lang="en-US" dirty="0"/>
-              <a:t>:</a:t>
-            </a:r>
-            <a:endParaRPr lang="en-US" dirty="0" smtClean="0"/>
-          </a:p>
-          <a:p>
-            <a:pPr marL="400050" lvl="1" indent="0">
-              <a:buNone/>
-            </a:pPr>
-            <a:r>
-              <a:rPr lang="en-US" dirty="0">
-                <a:hlinkClick r:id="rId2"/>
-              </a:rPr>
-              <a:t>https://en.wikipedia.org/wiki/Alexander_Stepanov#Criticism_of_OOP</a:t>
-            </a:r>
-            <a:endParaRPr lang="en-US" dirty="0"/>
-          </a:p>
-          <a:p>
-            <a:r>
-              <a:rPr lang="en-US" dirty="0" smtClean="0"/>
-              <a:t>He’s got a new book, too:</a:t>
-            </a:r>
-          </a:p>
-          <a:p>
-            <a:pPr marL="400050" lvl="1" indent="0">
-              <a:buNone/>
-            </a:pPr>
-            <a:r>
-              <a:rPr lang="en-US" dirty="0" smtClean="0">
-                <a:hlinkClick r:id="rId3"/>
-              </a:rPr>
-              <a:t>http</a:t>
-            </a:r>
-            <a:r>
-              <a:rPr lang="en-US" dirty="0">
-                <a:hlinkClick r:id="rId3"/>
-              </a:rPr>
-              <a:t>://</a:t>
-            </a:r>
-            <a:r>
-              <a:rPr lang="en-US" dirty="0" smtClean="0">
-                <a:hlinkClick r:id="rId3"/>
-              </a:rPr>
-              <a:t>www.informit.com/store/from-mathematics-to-generic-programming-9780321942043</a:t>
-            </a:r>
-            <a:endParaRPr lang="en-US" dirty="0" smtClean="0"/>
-          </a:p>
-          <a:p>
-            <a:pPr marL="0" indent="0">
-              <a:buNone/>
-            </a:pPr>
-            <a:endParaRPr lang="en-US" dirty="0" smtClean="0"/>
-          </a:p>
-          <a:p>
-            <a:pPr marL="0" indent="0">
-              <a:buNone/>
-            </a:pPr>
-            <a:endParaRPr lang="en-US" dirty="0"/>
-          </a:p>
-        </p:txBody>
-      </p:sp>
-    </p:spTree>
-    <p:extLst>
-      <p:ext uri="{BB962C8B-B14F-4D97-AF65-F5344CB8AC3E}">
-        <p14:creationId xmlns:p14="http://schemas.microsoft.com/office/powerpoint/2010/main" val="1243197235"/>
-      </p:ext>
-    </p:extLst>
-  </p:cSld>
-  <p:clrMapOvr>
-    <a:masterClrMapping/>
-  </p:clrMapOvr>
-  <p:timing>
-    <p:tnLst>
-      <p:par>
-        <p:cTn id="1" dur="indefinite" restart="never" nodeType="tmRoot"/>
-      </p:par>
-    </p:tnLst>
-  </p:timing>
-</p:sld>
-</file>
-
-<file path=ppt/slides/slide7.xml><?xml version="1.0" encoding="utf-8"?>
-<p:sld xmlns:a="http://schemas.openxmlformats.org/drawingml/2006/main" xmlns:r="http://schemas.openxmlformats.org/officeDocument/2006/relationships" xmlns:p="http://schemas.openxmlformats.org/presentationml/2006/main">
-  <p:cSld>
-    <p:spTree>
-      <p:nvGrpSpPr>
-        <p:cNvPr id="1" name=""/>
-        <p:cNvGrpSpPr/>
-        <p:nvPr/>
-      </p:nvGrpSpPr>
-      <p:grpSpPr>
-        <a:xfrm>
-          <a:off x="0" y="0"/>
-          <a:ext cx="0" cy="0"/>
-          <a:chOff x="0" y="0"/>
-          <a:chExt cx="0" cy="0"/>
-        </a:xfrm>
-      </p:grpSpPr>
-      <p:sp>
-        <p:nvSpPr>
-          <p:cNvPr id="2" name="Title 1"/>
-          <p:cNvSpPr>
-            <a:spLocks noGrp="1"/>
-          </p:cNvSpPr>
-          <p:nvPr>
-            <p:ph type="title"/>
-          </p:nvPr>
-        </p:nvSpPr>
-        <p:spPr/>
-        <p:txBody>
-          <a:bodyPr/>
-          <a:lstStyle/>
-          <a:p>
-            <a:r>
-              <a:rPr lang="en-US" dirty="0" smtClean="0"/>
-              <a:t>What’s missing</a:t>
-            </a:r>
-            <a:endParaRPr lang="en-US" dirty="0"/>
-          </a:p>
-        </p:txBody>
-      </p:sp>
-      <p:sp>
-        <p:nvSpPr>
-          <p:cNvPr id="3" name="Content Placeholder 2"/>
-          <p:cNvSpPr>
-            <a:spLocks noGrp="1"/>
-          </p:cNvSpPr>
-          <p:nvPr>
-            <p:ph idx="1"/>
-          </p:nvPr>
-        </p:nvSpPr>
-        <p:spPr>
-          <a:xfrm>
-            <a:off x="457200" y="1295400"/>
-            <a:ext cx="8229600" cy="4830763"/>
-          </a:xfrm>
-        </p:spPr>
-        <p:txBody>
-          <a:bodyPr>
-            <a:normAutofit fontScale="85000" lnSpcReduction="20000"/>
-          </a:bodyPr>
-          <a:lstStyle/>
-          <a:p>
-            <a:r>
-              <a:rPr lang="en-US" dirty="0" smtClean="0"/>
-              <a:t>XML</a:t>
-            </a:r>
-          </a:p>
-          <a:p>
-            <a:r>
-              <a:rPr lang="en-US" dirty="0" smtClean="0"/>
-              <a:t>Packages / modules</a:t>
-            </a:r>
-          </a:p>
-          <a:p>
-            <a:pPr lvl="1"/>
-            <a:r>
-              <a:rPr lang="en-US" dirty="0" smtClean="0"/>
-              <a:t>PHP composer; Python pip; Ruby gems</a:t>
-            </a:r>
-            <a:endParaRPr lang="en-US" dirty="0"/>
-          </a:p>
-          <a:p>
-            <a:pPr lvl="1"/>
-            <a:r>
-              <a:rPr lang="en-US" dirty="0" smtClean="0"/>
-              <a:t>Java .JAR, .WAR; </a:t>
-            </a:r>
-            <a:r>
-              <a:rPr lang="en-US" dirty="0" smtClean="0">
-                <a:hlinkClick r:id="rId2"/>
-              </a:rPr>
-              <a:t>JPM4j</a:t>
-            </a:r>
-            <a:endParaRPr lang="en-US" dirty="0"/>
-          </a:p>
-          <a:p>
-            <a:r>
-              <a:rPr lang="en-US" dirty="0" smtClean="0"/>
-              <a:t>Garbage collection (as C#, Java, Python, …)</a:t>
-            </a:r>
-          </a:p>
-          <a:p>
-            <a:r>
-              <a:rPr lang="en-US" dirty="0" smtClean="0"/>
-              <a:t>Strings in switch() statement (C#)</a:t>
-            </a:r>
-          </a:p>
-          <a:p>
-            <a:r>
-              <a:rPr lang="en-US" dirty="0" smtClean="0"/>
-              <a:t>Decimal</a:t>
-            </a:r>
-          </a:p>
-          <a:p>
-            <a:r>
-              <a:rPr lang="en-US" dirty="0" smtClean="0"/>
-              <a:t>Serialization</a:t>
-            </a:r>
-          </a:p>
-          <a:p>
-            <a:pPr lvl="1"/>
-            <a:r>
-              <a:rPr lang="en-US" dirty="0" smtClean="0"/>
-              <a:t>see </a:t>
-            </a:r>
-            <a:r>
-              <a:rPr lang="en-US" dirty="0" smtClean="0">
-                <a:hlinkClick r:id="rId3"/>
-              </a:rPr>
-              <a:t>google </a:t>
-            </a:r>
-            <a:r>
-              <a:rPr lang="en-US" dirty="0" err="1" smtClean="0">
-                <a:hlinkClick r:id="rId3"/>
-              </a:rPr>
-              <a:t>FlatBuffers</a:t>
-            </a:r>
-            <a:r>
-              <a:rPr lang="en-US" dirty="0" smtClean="0">
-                <a:hlinkClick r:id="rId3"/>
-              </a:rPr>
-              <a:t> </a:t>
-            </a:r>
-            <a:r>
-              <a:rPr lang="en-US" dirty="0" smtClean="0"/>
-              <a:t>– good, modern C++</a:t>
-            </a:r>
-          </a:p>
-          <a:p>
-            <a:r>
-              <a:rPr lang="en-US" dirty="0" smtClean="0"/>
-              <a:t>Run-time introspection (C#, Java, Python, …)</a:t>
-            </a:r>
-          </a:p>
-          <a:p>
-            <a:r>
-              <a:rPr lang="en-US" dirty="0" smtClean="0"/>
-              <a:t>Interfaces: Need [ugly] abstract classes</a:t>
-            </a:r>
-          </a:p>
-          <a:p>
-            <a:r>
-              <a:rPr lang="en-US" dirty="0" smtClean="0"/>
-              <a:t>command-line parsing</a:t>
-            </a:r>
-            <a:endParaRPr lang="en-US" dirty="0"/>
-          </a:p>
-        </p:txBody>
-      </p:sp>
-    </p:spTree>
-    <p:extLst>
-      <p:ext uri="{BB962C8B-B14F-4D97-AF65-F5344CB8AC3E}">
-        <p14:creationId xmlns:p14="http://schemas.microsoft.com/office/powerpoint/2010/main" val="2897646070"/>
-      </p:ext>
-    </p:extLst>
-  </p:cSld>
-  <p:clrMapOvr>
-    <a:masterClrMapping/>
-  </p:clrMapOvr>
-  <p:timing>
-    <p:tnLst>
-      <p:par>
-        <p:cTn id="1" dur="indefinite" restart="never" nodeType="tmRoot"/>
-      </p:par>
-    </p:tnLst>
-  </p:timing>
-</p:sld>
-</file>
-
 <file path=ppt/slides/slide8.xml><?xml version="1.0" encoding="utf-8"?>
 <p:sld xmlns:a="http://schemas.openxmlformats.org/drawingml/2006/main" xmlns:r="http://schemas.openxmlformats.org/officeDocument/2006/relationships" xmlns:p="http://schemas.openxmlformats.org/presentationml/2006/main">
   <p:cSld>
@@ -7248,7 +7702,11 @@
           <a:p>
             <a:r>
               <a:rPr lang="en-US" dirty="0" smtClean="0"/>
-              <a:t>C++ Idioms</a:t>
+              <a:t>Paradigms: </a:t>
+            </a:r>
+            <a:r>
+              <a:rPr lang="en-US" dirty="0" smtClean="0"/>
+              <a:t>Generic</a:t>
             </a:r>
             <a:endParaRPr lang="en-US" dirty="0"/>
           </a:p>
@@ -7256,7 +7714,7 @@
       </p:sp>
       <p:sp>
         <p:nvSpPr>
-          <p:cNvPr id="3" name="Content Placeholder 2"/>
+          <p:cNvPr id="4" name="Content Placeholder 3"/>
           <p:cNvSpPr>
             <a:spLocks noGrp="1"/>
           </p:cNvSpPr>
@@ -7266,57 +7724,38 @@
         </p:nvSpPr>
         <p:spPr/>
         <p:txBody>
-          <a:bodyPr/>
-          <a:lstStyle/>
-          <a:p>
-            <a:r>
-              <a:rPr lang="en-US" dirty="0" smtClean="0">
-                <a:hlinkClick r:id="rId2"/>
-              </a:rPr>
-              <a:t>RAII</a:t>
+          <a:bodyPr>
+            <a:normAutofit/>
+          </a:bodyPr>
+          <a:lstStyle/>
+          <a:p>
+            <a:r>
+              <a:rPr lang="en-US" dirty="0" smtClean="0"/>
+              <a:t> </a:t>
+            </a:r>
+            <a:r>
+              <a:rPr lang="en-US" dirty="0" smtClean="0"/>
+              <a:t>Templates</a:t>
             </a:r>
             <a:endParaRPr lang="en-US" dirty="0" smtClean="0"/>
           </a:p>
           <a:p>
-            <a:pPr lvl="1"/>
-            <a:r>
-              <a:rPr lang="en-US" dirty="0" smtClean="0"/>
-              <a:t>“Resource Acquisition Is Initialization”</a:t>
-            </a:r>
-          </a:p>
-          <a:p>
-            <a:pPr lvl="1"/>
-            <a:r>
-              <a:rPr lang="en-US" dirty="0" smtClean="0"/>
-              <a:t>Acquire and release things in constructor and destructor</a:t>
-            </a:r>
-          </a:p>
-          <a:p>
-            <a:r>
-              <a:rPr lang="en-US" dirty="0" smtClean="0">
-                <a:hlinkClick r:id="rId3"/>
-              </a:rPr>
-              <a:t>SFINAE</a:t>
+            <a:pPr marL="0" indent="0">
+              <a:buNone/>
+            </a:pPr>
+            <a:r>
+              <a:rPr lang="en-US" dirty="0" err="1" smtClean="0"/>
+              <a:t>dlftodo</a:t>
             </a:r>
             <a:endParaRPr lang="en-US" dirty="0" smtClean="0"/>
           </a:p>
           <a:p>
-            <a:pPr lvl="1"/>
-            <a:r>
-              <a:rPr lang="en-US" dirty="0"/>
-              <a:t>“Substitution </a:t>
-            </a:r>
-            <a:r>
-              <a:rPr lang="en-US" dirty="0" smtClean="0"/>
-              <a:t>Failure Is Not An Error”</a:t>
-            </a:r>
-          </a:p>
-          <a:p>
-            <a:pPr lvl="1"/>
-            <a:r>
-              <a:rPr lang="en-US" dirty="0" smtClean="0"/>
-              <a:t>You won’t get compile-time errors when fiddling with templates</a:t>
-            </a:r>
+            <a:pPr marL="0" indent="0">
+              <a:buNone/>
+            </a:pPr>
+            <a:endParaRPr lang="en-US" dirty="0"/>
+          </a:p>
+          <a:p>
             <a:endParaRPr lang="en-US" dirty="0"/>
           </a:p>
         </p:txBody>
@@ -7324,7 +7763,7 @@
     </p:spTree>
     <p:extLst>
       <p:ext uri="{BB962C8B-B14F-4D97-AF65-F5344CB8AC3E}">
-        <p14:creationId xmlns:p14="http://schemas.microsoft.com/office/powerpoint/2010/main" val="3246688767"/>
+        <p14:creationId xmlns:p14="http://schemas.microsoft.com/office/powerpoint/2010/main" val="2125134433"/>
       </p:ext>
     </p:extLst>
   </p:cSld>
@@ -7375,7 +7814,11 @@
           <a:p>
             <a:r>
               <a:rPr lang="en-US" dirty="0" smtClean="0"/>
-              <a:t>C++ Rule of 3</a:t>
+              <a:t>Paradigms: </a:t>
+            </a:r>
+            <a:r>
+              <a:rPr lang="en-US" dirty="0" smtClean="0"/>
+              <a:t>Functional</a:t>
             </a:r>
             <a:endParaRPr lang="en-US" dirty="0"/>
           </a:p>
@@ -7383,7 +7826,7 @@
       </p:sp>
       <p:sp>
         <p:nvSpPr>
-          <p:cNvPr id="3" name="Content Placeholder 2"/>
+          <p:cNvPr id="4" name="Content Placeholder 3"/>
           <p:cNvSpPr>
             <a:spLocks noGrp="1"/>
           </p:cNvSpPr>
@@ -7393,51 +7836,46 @@
         </p:nvSpPr>
         <p:spPr/>
         <p:txBody>
-          <a:bodyPr/>
-          <a:lstStyle/>
+          <a:bodyPr>
+            <a:normAutofit/>
+          </a:bodyPr>
+          <a:lstStyle/>
+          <a:p>
+            <a:r>
+              <a:rPr lang="en-US" dirty="0" smtClean="0"/>
+              <a:t> </a:t>
+            </a:r>
+            <a:r>
+              <a:rPr lang="en-US" smtClean="0"/>
+              <a:t>Lambas</a:t>
+            </a:r>
+            <a:endParaRPr lang="en-US" dirty="0" smtClean="0"/>
+          </a:p>
           <a:p>
             <a:pPr marL="0" indent="0">
               <a:buNone/>
             </a:pPr>
             <a:r>
-              <a:rPr lang="en-US" sz="2400" dirty="0">
-                <a:hlinkClick r:id="rId2"/>
-              </a:rPr>
-              <a:t>http://</a:t>
-            </a:r>
-            <a:r>
-              <a:rPr lang="en-US" sz="2400" dirty="0" smtClean="0">
-                <a:hlinkClick r:id="rId2"/>
-              </a:rPr>
-              <a:t>en.cppreference.com/w/cpp/language/rule_of_three</a:t>
-            </a:r>
-            <a:endParaRPr lang="en-US" sz="2400" dirty="0" smtClean="0"/>
+              <a:rPr lang="en-US" dirty="0" err="1" smtClean="0"/>
+              <a:t>dlftodo</a:t>
+            </a:r>
+            <a:endParaRPr lang="en-US" dirty="0" smtClean="0"/>
           </a:p>
           <a:p>
             <a:pPr marL="0" indent="0">
               <a:buNone/>
             </a:pPr>
-            <a:endParaRPr lang="en-US" dirty="0" smtClean="0"/>
-          </a:p>
-          <a:p>
-            <a:pPr marL="400050" lvl="1" indent="0">
-              <a:buNone/>
-            </a:pPr>
-            <a:r>
-              <a:rPr lang="en-US" dirty="0" smtClean="0"/>
-              <a:t>“If </a:t>
-            </a:r>
-            <a:r>
-              <a:rPr lang="en-US" dirty="0"/>
-              <a:t>a class requires a user-defined destructor, a user-defined copy constructor, or a user-defined copy assignment operator, it almost certainly requires all three.</a:t>
-            </a:r>
+            <a:endParaRPr lang="en-US" dirty="0"/>
+          </a:p>
+          <a:p>
+            <a:endParaRPr lang="en-US" dirty="0"/>
           </a:p>
         </p:txBody>
       </p:sp>
     </p:spTree>
     <p:extLst>
       <p:ext uri="{BB962C8B-B14F-4D97-AF65-F5344CB8AC3E}">
-        <p14:creationId xmlns:p14="http://schemas.microsoft.com/office/powerpoint/2010/main" val="2038294293"/>
+        <p14:creationId xmlns:p14="http://schemas.microsoft.com/office/powerpoint/2010/main" val="1705405775"/>
       </p:ext>
     </p:extLst>
   </p:cSld>

--- a/doc/Fun_with_C++11.pptx
+++ b/doc/Fun_with_C++11.pptx
@@ -13,8 +13,8 @@
     <p:sldId id="272" r:id="rId7"/>
     <p:sldId id="273" r:id="rId8"/>
     <p:sldId id="277" r:id="rId9"/>
-    <p:sldId id="278" r:id="rId10"/>
-    <p:sldId id="264" r:id="rId11"/>
+    <p:sldId id="264" r:id="rId10"/>
+    <p:sldId id="278" r:id="rId11"/>
     <p:sldId id="257" r:id="rId12"/>
     <p:sldId id="259" r:id="rId13"/>
     <p:sldId id="270" r:id="rId14"/>
@@ -23,11 +23,13 @@
     <p:sldId id="263" r:id="rId17"/>
     <p:sldId id="261" r:id="rId18"/>
     <p:sldId id="274" r:id="rId19"/>
-    <p:sldId id="265" r:id="rId20"/>
-    <p:sldId id="266" r:id="rId21"/>
-    <p:sldId id="267" r:id="rId22"/>
-    <p:sldId id="268" r:id="rId23"/>
-    <p:sldId id="269" r:id="rId24"/>
+    <p:sldId id="280" r:id="rId20"/>
+    <p:sldId id="279" r:id="rId21"/>
+    <p:sldId id="265" r:id="rId22"/>
+    <p:sldId id="266" r:id="rId23"/>
+    <p:sldId id="267" r:id="rId24"/>
+    <p:sldId id="268" r:id="rId25"/>
+    <p:sldId id="269" r:id="rId26"/>
   </p:sldIdLst>
   <p:sldSz cx="9144000" cy="6858000" type="screen4x3"/>
   <p:notesSz cx="6858000" cy="9144000"/>
@@ -326,7 +328,7 @@
           <a:p>
             <a:fld id="{81509AD4-132E-4B79-8E81-ED2DE054EDF4}" type="datetimeFigureOut">
               <a:rPr lang="en-US" smtClean="0"/>
-              <a:t>11/8/2014</a:t>
+              <a:t>11/9/2014</a:t>
             </a:fld>
             <a:endParaRPr lang="en-US" dirty="0"/>
           </a:p>
@@ -496,7 +498,7 @@
           <a:p>
             <a:fld id="{81509AD4-132E-4B79-8E81-ED2DE054EDF4}" type="datetimeFigureOut">
               <a:rPr lang="en-US" smtClean="0"/>
-              <a:t>11/8/2014</a:t>
+              <a:t>11/9/2014</a:t>
             </a:fld>
             <a:endParaRPr lang="en-US" dirty="0"/>
           </a:p>
@@ -676,7 +678,7 @@
           <a:p>
             <a:fld id="{81509AD4-132E-4B79-8E81-ED2DE054EDF4}" type="datetimeFigureOut">
               <a:rPr lang="en-US" smtClean="0"/>
-              <a:t>11/8/2014</a:t>
+              <a:t>11/9/2014</a:t>
             </a:fld>
             <a:endParaRPr lang="en-US" dirty="0"/>
           </a:p>
@@ -846,7 +848,7 @@
           <a:p>
             <a:fld id="{81509AD4-132E-4B79-8E81-ED2DE054EDF4}" type="datetimeFigureOut">
               <a:rPr lang="en-US" smtClean="0"/>
-              <a:t>11/8/2014</a:t>
+              <a:t>11/9/2014</a:t>
             </a:fld>
             <a:endParaRPr lang="en-US" dirty="0"/>
           </a:p>
@@ -1092,7 +1094,7 @@
           <a:p>
             <a:fld id="{81509AD4-132E-4B79-8E81-ED2DE054EDF4}" type="datetimeFigureOut">
               <a:rPr lang="en-US" smtClean="0"/>
-              <a:t>11/8/2014</a:t>
+              <a:t>11/9/2014</a:t>
             </a:fld>
             <a:endParaRPr lang="en-US" dirty="0"/>
           </a:p>
@@ -1380,7 +1382,7 @@
           <a:p>
             <a:fld id="{81509AD4-132E-4B79-8E81-ED2DE054EDF4}" type="datetimeFigureOut">
               <a:rPr lang="en-US" smtClean="0"/>
-              <a:t>11/8/2014</a:t>
+              <a:t>11/9/2014</a:t>
             </a:fld>
             <a:endParaRPr lang="en-US" dirty="0"/>
           </a:p>
@@ -1802,7 +1804,7 @@
           <a:p>
             <a:fld id="{81509AD4-132E-4B79-8E81-ED2DE054EDF4}" type="datetimeFigureOut">
               <a:rPr lang="en-US" smtClean="0"/>
-              <a:t>11/8/2014</a:t>
+              <a:t>11/9/2014</a:t>
             </a:fld>
             <a:endParaRPr lang="en-US" dirty="0"/>
           </a:p>
@@ -1920,7 +1922,7 @@
           <a:p>
             <a:fld id="{81509AD4-132E-4B79-8E81-ED2DE054EDF4}" type="datetimeFigureOut">
               <a:rPr lang="en-US" smtClean="0"/>
-              <a:t>11/8/2014</a:t>
+              <a:t>11/9/2014</a:t>
             </a:fld>
             <a:endParaRPr lang="en-US" dirty="0"/>
           </a:p>
@@ -2015,7 +2017,7 @@
           <a:p>
             <a:fld id="{81509AD4-132E-4B79-8E81-ED2DE054EDF4}" type="datetimeFigureOut">
               <a:rPr lang="en-US" smtClean="0"/>
-              <a:t>11/8/2014</a:t>
+              <a:t>11/9/2014</a:t>
             </a:fld>
             <a:endParaRPr lang="en-US" dirty="0"/>
           </a:p>
@@ -2292,7 +2294,7 @@
           <a:p>
             <a:fld id="{81509AD4-132E-4B79-8E81-ED2DE054EDF4}" type="datetimeFigureOut">
               <a:rPr lang="en-US" smtClean="0"/>
-              <a:t>11/8/2014</a:t>
+              <a:t>11/9/2014</a:t>
             </a:fld>
             <a:endParaRPr lang="en-US" dirty="0"/>
           </a:p>
@@ -2545,7 +2547,7 @@
           <a:p>
             <a:fld id="{81509AD4-132E-4B79-8E81-ED2DE054EDF4}" type="datetimeFigureOut">
               <a:rPr lang="en-US" smtClean="0"/>
-              <a:t>11/8/2014</a:t>
+              <a:t>11/9/2014</a:t>
             </a:fld>
             <a:endParaRPr lang="en-US" dirty="0"/>
           </a:p>
@@ -2758,7 +2760,7 @@
           <a:p>
             <a:fld id="{81509AD4-132E-4B79-8E81-ED2DE054EDF4}" type="datetimeFigureOut">
               <a:rPr lang="en-US" smtClean="0"/>
-              <a:t>11/8/2014</a:t>
+              <a:t>11/9/2014</a:t>
             </a:fld>
             <a:endParaRPr lang="en-US" dirty="0"/>
           </a:p>
@@ -3224,29 +3226,20 @@
         </p:nvSpPr>
         <p:spPr/>
         <p:txBody>
-          <a:bodyPr>
-            <a:normAutofit fontScale="90000"/>
-          </a:bodyPr>
+          <a:bodyPr/>
           <a:lstStyle/>
           <a:p>
             <a:r>
               <a:rPr lang="en-US" dirty="0" smtClean="0"/>
-              <a:t>C++ Standard Library / STL:</a:t>
-            </a:r>
-            <a:br>
-              <a:rPr lang="en-US" dirty="0" smtClean="0"/>
-            </a:br>
-            <a:r>
-              <a:rPr lang="en-US" i="1" dirty="0" smtClean="0"/>
-              <a:t>Not Object Oriented!</a:t>
-            </a:r>
-            <a:endParaRPr lang="en-US" i="1" dirty="0"/>
-          </a:p>
-        </p:txBody>
-      </p:sp>
-      <p:sp>
-        <p:nvSpPr>
-          <p:cNvPr id="3" name="Content Placeholder 2"/>
+              <a:t>Paradigms: Functional</a:t>
+            </a:r>
+            <a:endParaRPr lang="en-US" dirty="0"/>
+          </a:p>
+        </p:txBody>
+      </p:sp>
+      <p:sp>
+        <p:nvSpPr>
+          <p:cNvPr id="4" name="Content Placeholder 3"/>
           <p:cNvSpPr>
             <a:spLocks noGrp="1"/>
           </p:cNvSpPr>
@@ -3263,66 +3256,37 @@
           <a:p>
             <a:r>
               <a:rPr lang="en-US" dirty="0" smtClean="0"/>
-              <a:t>Read what the creator of the STL has to say about this</a:t>
-            </a:r>
-            <a:r>
-              <a:rPr lang="en-US" dirty="0"/>
-              <a:t>:</a:t>
+              <a:t> </a:t>
+            </a:r>
+            <a:r>
+              <a:rPr lang="en-US" dirty="0" smtClean="0"/>
+              <a:t>Lambdas</a:t>
+            </a:r>
+          </a:p>
+          <a:p>
+            <a:r>
+              <a:rPr lang="en-US" dirty="0" smtClean="0"/>
+              <a:t>map/reduce: use ??? and ??? instead</a:t>
             </a:r>
             <a:endParaRPr lang="en-US" dirty="0" smtClean="0"/>
           </a:p>
           <a:p>
-            <a:pPr marL="400050" lvl="1" indent="0">
-              <a:buNone/>
-            </a:pPr>
-            <a:r>
-              <a:rPr lang="en-US" dirty="0">
-                <a:hlinkClick r:id="rId2"/>
-              </a:rPr>
-              <a:t>https://en.wikipedia.org/wiki/Alexander_Stepanov#Criticism_of_OOP</a:t>
-            </a:r>
+            <a:pPr marL="0" indent="0">
+              <a:buNone/>
+            </a:pPr>
+            <a:r>
+              <a:rPr lang="en-US" dirty="0" err="1" smtClean="0"/>
+              <a:t>dlftodo</a:t>
+            </a:r>
+            <a:endParaRPr lang="en-US" dirty="0" smtClean="0"/>
+          </a:p>
+          <a:p>
+            <a:pPr marL="0" indent="0">
+              <a:buNone/>
+            </a:pPr>
             <a:endParaRPr lang="en-US" dirty="0"/>
           </a:p>
           <a:p>
-            <a:r>
-              <a:rPr lang="en-US" dirty="0" smtClean="0"/>
-              <a:t>He’s got a new book, too:</a:t>
-            </a:r>
-          </a:p>
-          <a:p>
-            <a:pPr marL="400050" lvl="1" indent="0">
-              <a:buNone/>
-            </a:pPr>
-            <a:r>
-              <a:rPr lang="en-US" dirty="0" smtClean="0">
-                <a:hlinkClick r:id="rId3"/>
-              </a:rPr>
-              <a:t>http</a:t>
-            </a:r>
-            <a:r>
-              <a:rPr lang="en-US" dirty="0">
-                <a:hlinkClick r:id="rId3"/>
-              </a:rPr>
-              <a:t>://</a:t>
-            </a:r>
-            <a:r>
-              <a:rPr lang="en-US" dirty="0" smtClean="0">
-                <a:hlinkClick r:id="rId3"/>
-              </a:rPr>
-              <a:t>www.informit.com/store/from-mathematics-to-generic-programming-9780321942043</a:t>
-            </a:r>
-            <a:endParaRPr lang="en-US" dirty="0" smtClean="0"/>
-          </a:p>
-          <a:p>
-            <a:pPr marL="0" indent="0">
-              <a:buNone/>
-            </a:pPr>
-            <a:endParaRPr lang="en-US" dirty="0" smtClean="0"/>
-          </a:p>
-          <a:p>
-            <a:pPr marL="0" indent="0">
-              <a:buNone/>
-            </a:pPr>
             <a:endParaRPr lang="en-US" dirty="0"/>
           </a:p>
         </p:txBody>
@@ -3330,7 +3294,7 @@
     </p:spTree>
     <p:extLst>
       <p:ext uri="{BB962C8B-B14F-4D97-AF65-F5344CB8AC3E}">
-        <p14:creationId xmlns:p14="http://schemas.microsoft.com/office/powerpoint/2010/main" val="1243197235"/>
+        <p14:creationId xmlns:p14="http://schemas.microsoft.com/office/powerpoint/2010/main" val="1705405775"/>
       </p:ext>
     </p:extLst>
   </p:cSld>
@@ -3432,7 +3396,7 @@
             <a:pPr lvl="1"/>
             <a:r>
               <a:rPr lang="en-US" dirty="0" smtClean="0"/>
-              <a:t>Java .JAR, .WAR; </a:t>
+              <a:t>Java </a:t>
             </a:r>
             <a:r>
               <a:rPr lang="en-US" dirty="0" smtClean="0">
@@ -3457,14 +3421,16 @@
           <a:p>
             <a:r>
               <a:rPr lang="en-US" dirty="0" smtClean="0"/>
-              <a:t>Decimal</a:t>
-            </a:r>
+              <a:t>Decimal data type</a:t>
+            </a:r>
+            <a:endParaRPr lang="en-US" dirty="0" smtClean="0"/>
           </a:p>
           <a:p>
             <a:r>
               <a:rPr lang="en-US" dirty="0" smtClean="0"/>
-              <a:t>Serialization</a:t>
-            </a:r>
+              <a:t>Serialization:</a:t>
+            </a:r>
+            <a:endParaRPr lang="en-US" dirty="0" smtClean="0"/>
           </a:p>
           <a:p>
             <a:pPr lvl="1"/>
@@ -3924,7 +3890,11 @@
           <a:p>
             <a:r>
               <a:rPr lang="en-US" dirty="0" smtClean="0"/>
-              <a:t>Which C++ compiler?</a:t>
+              <a:t>Which C++ </a:t>
+            </a:r>
+            <a:r>
+              <a:rPr lang="en-US" dirty="0" smtClean="0"/>
+              <a:t>compiler am I using?</a:t>
             </a:r>
             <a:endParaRPr lang="en-US" dirty="0"/>
           </a:p>
@@ -4987,22 +4957,25 @@
               <a:buNone/>
             </a:pPr>
             <a:r>
-              <a:rPr lang="en-US" sz="1800" dirty="0" smtClean="0">
-                <a:latin typeface="Consolas" panose="020B0609020204030204" pitchFamily="49" charset="0"/>
-                <a:cs typeface="Consolas" panose="020B0609020204030204" pitchFamily="49" charset="0"/>
-              </a:rPr>
-              <a:t>// an up-to-date </a:t>
-            </a:r>
-            <a:r>
-              <a:rPr lang="en-US" sz="1800" dirty="0" err="1" smtClean="0">
-                <a:latin typeface="Consolas" panose="020B0609020204030204" pitchFamily="49" charset="0"/>
+              <a:rPr lang="en-US" sz="2800" dirty="0" smtClean="0">
+                <a:cs typeface="Consolas" panose="020B0609020204030204" pitchFamily="49" charset="0"/>
+              </a:rPr>
+              <a:t>On an </a:t>
+            </a:r>
+            <a:r>
+              <a:rPr lang="en-US" sz="2800" dirty="0" smtClean="0">
+                <a:cs typeface="Consolas" panose="020B0609020204030204" pitchFamily="49" charset="0"/>
+              </a:rPr>
+              <a:t>up-to-date </a:t>
+            </a:r>
+            <a:r>
+              <a:rPr lang="en-US" sz="2800" dirty="0" err="1" smtClean="0">
                 <a:cs typeface="Consolas" panose="020B0609020204030204" pitchFamily="49" charset="0"/>
               </a:rPr>
               <a:t>linux</a:t>
             </a:r>
             <a:r>
-              <a:rPr lang="en-US" sz="1800" dirty="0" smtClean="0">
-                <a:latin typeface="Consolas" panose="020B0609020204030204" pitchFamily="49" charset="0"/>
+              <a:rPr lang="en-US" sz="2800" dirty="0" smtClean="0">
                 <a:cs typeface="Consolas" panose="020B0609020204030204" pitchFamily="49" charset="0"/>
               </a:rPr>
               <a:t> box:</a:t>
@@ -5133,12 +5106,8 @@
           <a:p>
             <a:pPr marL="285750"/>
             <a:r>
-              <a:rPr lang="en-US" sz="2800" smtClean="0"/>
-              <a:t>GCC: </a:t>
-            </a:r>
-            <a:r>
               <a:rPr lang="en-US" sz="2800" dirty="0" smtClean="0"/>
-              <a:t>“</a:t>
+              <a:t>GCC: “</a:t>
             </a:r>
             <a:r>
               <a:rPr lang="en-US" sz="2800" dirty="0" smtClean="0">
@@ -5234,16 +5203,8 @@
           <a:lstStyle/>
           <a:p>
             <a:r>
-              <a:rPr lang="en-US" dirty="0" err="1" smtClean="0"/>
-              <a:t>std</a:t>
-            </a:r>
-            <a:r>
               <a:rPr lang="en-US" dirty="0" smtClean="0"/>
-              <a:t>::</a:t>
-            </a:r>
-            <a:r>
-              <a:rPr lang="en-US" dirty="0" err="1" smtClean="0"/>
-              <a:t>to_string</a:t>
+              <a:t>String Literals: Raw</a:t>
             </a:r>
             <a:endParaRPr lang="en-US" dirty="0"/>
           </a:p>
@@ -5262,446 +5223,518 @@
         <p:spPr>
           <a:xfrm>
             <a:off x="457200" y="1600200"/>
-            <a:ext cx="8229600" cy="4800600"/>
+            <a:ext cx="8229600" cy="4953000"/>
           </a:xfrm>
         </p:spPr>
         <p:txBody>
           <a:bodyPr>
-            <a:normAutofit fontScale="92500" lnSpcReduction="10000"/>
+            <a:normAutofit fontScale="85000" lnSpcReduction="20000"/>
           </a:bodyPr>
           <a:lstStyle/>
           <a:p>
             <a:r>
               <a:rPr lang="en-US" dirty="0" smtClean="0"/>
-              <a:t>“</a:t>
-            </a:r>
-            <a:r>
-              <a:rPr lang="en-US" dirty="0"/>
-              <a:t>Converts a numeric value to </a:t>
-            </a:r>
-            <a:r>
-              <a:rPr lang="en-US" dirty="0" err="1">
-                <a:hlinkClick r:id="rId2" tooltip="cpp/string/basic string"/>
+              <a:t>YAY! Needed this from day 1:</a:t>
+            </a:r>
+          </a:p>
+          <a:p>
+            <a:pPr marL="0" indent="0">
+              <a:buNone/>
+            </a:pPr>
+            <a:endParaRPr lang="en-US" dirty="0" smtClean="0"/>
+          </a:p>
+          <a:p>
+            <a:pPr marL="0" indent="0">
+              <a:buNone/>
+            </a:pPr>
+            <a:r>
+              <a:rPr lang="en-US" sz="2100" dirty="0" smtClean="0">
+                <a:latin typeface="Consolas" panose="020B0609020204030204" pitchFamily="49" charset="0"/>
+                <a:cs typeface="Consolas" panose="020B0609020204030204" pitchFamily="49" charset="0"/>
+              </a:rPr>
+              <a:t>  #</a:t>
+            </a:r>
+            <a:r>
+              <a:rPr lang="en-US" sz="2100" dirty="0">
+                <a:latin typeface="Consolas" panose="020B0609020204030204" pitchFamily="49" charset="0"/>
+                <a:cs typeface="Consolas" panose="020B0609020204030204" pitchFamily="49" charset="0"/>
+              </a:rPr>
+              <a:t>include &lt;string&gt;</a:t>
+            </a:r>
+          </a:p>
+          <a:p>
+            <a:pPr marL="0" indent="0">
+              <a:buNone/>
+            </a:pPr>
+            <a:r>
+              <a:rPr lang="en-US" sz="2100" dirty="0" smtClean="0">
+                <a:latin typeface="Consolas" panose="020B0609020204030204" pitchFamily="49" charset="0"/>
+                <a:cs typeface="Consolas" panose="020B0609020204030204" pitchFamily="49" charset="0"/>
+              </a:rPr>
+              <a:t>  #</a:t>
+            </a:r>
+            <a:r>
+              <a:rPr lang="en-US" sz="2100" dirty="0">
+                <a:latin typeface="Consolas" panose="020B0609020204030204" pitchFamily="49" charset="0"/>
+                <a:cs typeface="Consolas" panose="020B0609020204030204" pitchFamily="49" charset="0"/>
+              </a:rPr>
+              <a:t>include &lt;</a:t>
+            </a:r>
+            <a:r>
+              <a:rPr lang="en-US" sz="2100" dirty="0" err="1">
+                <a:latin typeface="Consolas" panose="020B0609020204030204" pitchFamily="49" charset="0"/>
+                <a:cs typeface="Consolas" panose="020B0609020204030204" pitchFamily="49" charset="0"/>
+              </a:rPr>
+              <a:t>iostream</a:t>
+            </a:r>
+            <a:r>
+              <a:rPr lang="en-US" sz="2100" dirty="0">
+                <a:latin typeface="Consolas" panose="020B0609020204030204" pitchFamily="49" charset="0"/>
+                <a:cs typeface="Consolas" panose="020B0609020204030204" pitchFamily="49" charset="0"/>
+              </a:rPr>
+              <a:t>&gt;</a:t>
+            </a:r>
+          </a:p>
+          <a:p>
+            <a:pPr marL="0" indent="0">
+              <a:buNone/>
+            </a:pPr>
+            <a:r>
+              <a:rPr lang="en-US" sz="2100" dirty="0" smtClean="0">
+                <a:latin typeface="Consolas" panose="020B0609020204030204" pitchFamily="49" charset="0"/>
+                <a:cs typeface="Consolas" panose="020B0609020204030204" pitchFamily="49" charset="0"/>
+              </a:rPr>
+              <a:t>  </a:t>
+            </a:r>
+            <a:r>
+              <a:rPr lang="en-US" sz="2100" dirty="0" err="1" smtClean="0">
+                <a:latin typeface="Consolas" panose="020B0609020204030204" pitchFamily="49" charset="0"/>
+                <a:cs typeface="Consolas" panose="020B0609020204030204" pitchFamily="49" charset="0"/>
+              </a:rPr>
+              <a:t>int</a:t>
+            </a:r>
+            <a:r>
+              <a:rPr lang="en-US" sz="2100" dirty="0" smtClean="0">
+                <a:latin typeface="Consolas" panose="020B0609020204030204" pitchFamily="49" charset="0"/>
+                <a:cs typeface="Consolas" panose="020B0609020204030204" pitchFamily="49" charset="0"/>
+              </a:rPr>
+              <a:t> </a:t>
+            </a:r>
+            <a:r>
+              <a:rPr lang="en-US" sz="2100" dirty="0">
+                <a:latin typeface="Consolas" panose="020B0609020204030204" pitchFamily="49" charset="0"/>
+                <a:cs typeface="Consolas" panose="020B0609020204030204" pitchFamily="49" charset="0"/>
+              </a:rPr>
+              <a:t>main() {</a:t>
+            </a:r>
+          </a:p>
+          <a:p>
+            <a:pPr marL="0" indent="0">
+              <a:buNone/>
+            </a:pPr>
+            <a:r>
+              <a:rPr lang="en-US" sz="2100" dirty="0" smtClean="0">
+                <a:latin typeface="Consolas" panose="020B0609020204030204" pitchFamily="49" charset="0"/>
+                <a:cs typeface="Consolas" panose="020B0609020204030204" pitchFamily="49" charset="0"/>
+              </a:rPr>
+              <a:t>    </a:t>
+            </a:r>
+            <a:r>
+              <a:rPr lang="en-US" sz="2100" dirty="0" err="1" smtClean="0">
+                <a:latin typeface="Consolas" panose="020B0609020204030204" pitchFamily="49" charset="0"/>
+                <a:cs typeface="Consolas" panose="020B0609020204030204" pitchFamily="49" charset="0"/>
               </a:rPr>
               <a:t>std</a:t>
             </a:r>
             <a:r>
-              <a:rPr lang="en-US" dirty="0">
-                <a:hlinkClick r:id="rId2" tooltip="cpp/string/basic string"/>
-              </a:rPr>
-              <a:t>::string</a:t>
-            </a:r>
-            <a:r>
-              <a:rPr lang="en-US" dirty="0" smtClean="0"/>
-              <a:t>.”</a:t>
-            </a:r>
-          </a:p>
-          <a:p>
-            <a:pPr marL="400050" lvl="1" indent="0">
-              <a:buNone/>
-            </a:pPr>
-            <a:r>
-              <a:rPr lang="en-US" sz="2200" dirty="0" smtClean="0">
-                <a:hlinkClick r:id="rId3"/>
-              </a:rPr>
-              <a:t>http</a:t>
-            </a:r>
-            <a:r>
-              <a:rPr lang="en-US" sz="2200" dirty="0">
-                <a:hlinkClick r:id="rId3"/>
-              </a:rPr>
-              <a:t>://</a:t>
-            </a:r>
-            <a:r>
-              <a:rPr lang="en-US" sz="2200" dirty="0" smtClean="0">
-                <a:hlinkClick r:id="rId3"/>
-              </a:rPr>
-              <a:t>en.cppreference.com/w/cpp/string/basic_string/to_string</a:t>
-            </a:r>
-            <a:endParaRPr lang="en-US" sz="2200" dirty="0" smtClean="0"/>
-          </a:p>
-          <a:p>
-            <a:pPr marL="285750"/>
-            <a:r>
-              <a:rPr lang="en-US" dirty="0" smtClean="0"/>
-              <a:t>Avoid </a:t>
-            </a:r>
-            <a:r>
-              <a:rPr lang="en-US" dirty="0" err="1" smtClean="0"/>
-              <a:t>atof</a:t>
-            </a:r>
-            <a:r>
-              <a:rPr lang="en-US" dirty="0" smtClean="0"/>
-              <a:t>(), </a:t>
-            </a:r>
-            <a:r>
-              <a:rPr lang="en-US" dirty="0" err="1" smtClean="0"/>
-              <a:t>atoi</a:t>
-            </a:r>
-            <a:r>
-              <a:rPr lang="en-US" dirty="0" smtClean="0"/>
-              <a:t>(), …; </a:t>
-            </a:r>
-            <a:r>
-              <a:rPr lang="en-US" dirty="0" err="1" smtClean="0"/>
-              <a:t>unicode</a:t>
-            </a:r>
-            <a:r>
-              <a:rPr lang="en-US" dirty="0" smtClean="0"/>
-              <a:t>; …</a:t>
-            </a:r>
-          </a:p>
-          <a:p>
-            <a:pPr marL="285750"/>
-            <a:r>
-              <a:rPr lang="en-US" dirty="0" smtClean="0"/>
-              <a:t>Use </a:t>
-            </a:r>
-            <a:r>
-              <a:rPr lang="en-US" dirty="0" err="1" smtClean="0"/>
-              <a:t>to_wstring</a:t>
-            </a:r>
-            <a:r>
-              <a:rPr lang="en-US" dirty="0" smtClean="0"/>
-              <a:t>() for wide strings</a:t>
-            </a:r>
-            <a:endParaRPr lang="en-US" dirty="0"/>
-          </a:p>
-          <a:p>
-            <a:pPr marL="400050" lvl="1" indent="0">
-              <a:buNone/>
-            </a:pPr>
-            <a:endParaRPr lang="en-US" sz="1800" dirty="0" smtClean="0"/>
-          </a:p>
-          <a:p>
-            <a:pPr marL="800100" lvl="2" indent="0">
-              <a:buNone/>
-            </a:pPr>
-            <a:r>
-              <a:rPr lang="en-US" sz="1400" dirty="0" smtClean="0">
-                <a:latin typeface="Consolas" panose="020B0609020204030204" pitchFamily="49" charset="0"/>
-                <a:cs typeface="Consolas" panose="020B0609020204030204" pitchFamily="49" charset="0"/>
-              </a:rPr>
-              <a:t>#</a:t>
-            </a:r>
-            <a:r>
-              <a:rPr lang="en-US" sz="1400" dirty="0">
-                <a:latin typeface="Consolas" panose="020B0609020204030204" pitchFamily="49" charset="0"/>
-                <a:cs typeface="Consolas" panose="020B0609020204030204" pitchFamily="49" charset="0"/>
-              </a:rPr>
-              <a:t>include &lt;</a:t>
-            </a:r>
-            <a:r>
-              <a:rPr lang="en-US" sz="1400" dirty="0" err="1">
-                <a:latin typeface="Consolas" panose="020B0609020204030204" pitchFamily="49" charset="0"/>
-                <a:cs typeface="Consolas" panose="020B0609020204030204" pitchFamily="49" charset="0"/>
-              </a:rPr>
-              <a:t>iostream</a:t>
-            </a:r>
-            <a:r>
-              <a:rPr lang="en-US" sz="1400" dirty="0">
-                <a:latin typeface="Consolas" panose="020B0609020204030204" pitchFamily="49" charset="0"/>
-                <a:cs typeface="Consolas" panose="020B0609020204030204" pitchFamily="49" charset="0"/>
-              </a:rPr>
-              <a:t>&gt;</a:t>
-            </a:r>
-          </a:p>
-          <a:p>
-            <a:pPr marL="800100" lvl="2" indent="0">
-              <a:buNone/>
-            </a:pPr>
-            <a:r>
-              <a:rPr lang="en-US" sz="1400" dirty="0">
-                <a:latin typeface="Consolas" panose="020B0609020204030204" pitchFamily="49" charset="0"/>
-                <a:cs typeface="Consolas" panose="020B0609020204030204" pitchFamily="49" charset="0"/>
-              </a:rPr>
-              <a:t>#include &lt;string</a:t>
-            </a:r>
-            <a:r>
-              <a:rPr lang="en-US" sz="1400" dirty="0" smtClean="0">
-                <a:latin typeface="Consolas" panose="020B0609020204030204" pitchFamily="49" charset="0"/>
-                <a:cs typeface="Consolas" panose="020B0609020204030204" pitchFamily="49" charset="0"/>
-              </a:rPr>
-              <a:t>&gt;</a:t>
-            </a:r>
-          </a:p>
-          <a:p>
-            <a:pPr marL="800100" lvl="2" indent="0">
-              <a:buNone/>
-            </a:pPr>
-            <a:endParaRPr lang="en-US" sz="1400" dirty="0">
+              <a:rPr lang="en-US" sz="2100" dirty="0">
+                <a:latin typeface="Consolas" panose="020B0609020204030204" pitchFamily="49" charset="0"/>
+                <a:cs typeface="Consolas" panose="020B0609020204030204" pitchFamily="49" charset="0"/>
+              </a:rPr>
+              <a:t>::string s = </a:t>
+            </a:r>
+            <a:r>
+              <a:rPr lang="en-US" sz="2100" dirty="0">
+                <a:solidFill>
+                  <a:srgbClr val="FF0000"/>
+                </a:solidFill>
+                <a:latin typeface="Consolas" panose="020B0609020204030204" pitchFamily="49" charset="0"/>
+                <a:cs typeface="Consolas" panose="020B0609020204030204" pitchFamily="49" charset="0"/>
+              </a:rPr>
+              <a:t>R</a:t>
+            </a:r>
+            <a:r>
+              <a:rPr lang="en-US" sz="2100" dirty="0" smtClean="0">
+                <a:solidFill>
+                  <a:srgbClr val="FF0000"/>
+                </a:solidFill>
+                <a:latin typeface="Consolas" panose="020B0609020204030204" pitchFamily="49" charset="0"/>
+                <a:cs typeface="Consolas" panose="020B0609020204030204" pitchFamily="49" charset="0"/>
+              </a:rPr>
+              <a:t>"#(</a:t>
+            </a:r>
+            <a:r>
+              <a:rPr lang="en-US" sz="2100" dirty="0" smtClean="0">
+                <a:latin typeface="Consolas" panose="020B0609020204030204" pitchFamily="49" charset="0"/>
+                <a:cs typeface="Consolas" panose="020B0609020204030204" pitchFamily="49" charset="0"/>
+              </a:rPr>
+              <a:t>\&gt;%^\t\n&amp;*(&lt;</a:t>
+            </a:r>
+            <a:r>
+              <a:rPr lang="en-US" sz="2100" dirty="0" smtClean="0">
+                <a:solidFill>
+                  <a:srgbClr val="FF0000"/>
+                </a:solidFill>
+                <a:latin typeface="Consolas" panose="020B0609020204030204" pitchFamily="49" charset="0"/>
+                <a:cs typeface="Consolas" panose="020B0609020204030204" pitchFamily="49" charset="0"/>
+              </a:rPr>
+              <a:t>)#"</a:t>
+            </a:r>
+            <a:r>
+              <a:rPr lang="en-US" sz="2100" dirty="0" smtClean="0">
+                <a:latin typeface="Consolas" panose="020B0609020204030204" pitchFamily="49" charset="0"/>
+                <a:cs typeface="Consolas" panose="020B0609020204030204" pitchFamily="49" charset="0"/>
+              </a:rPr>
+              <a:t>;</a:t>
+            </a:r>
+            <a:endParaRPr lang="en-US" sz="2100" dirty="0">
               <a:latin typeface="Consolas" panose="020B0609020204030204" pitchFamily="49" charset="0"/>
               <a:cs typeface="Consolas" panose="020B0609020204030204" pitchFamily="49" charset="0"/>
             </a:endParaRPr>
           </a:p>
           <a:p>
-            <a:pPr marL="800100" lvl="2" indent="0">
-              <a:buNone/>
-            </a:pPr>
-            <a:r>
-              <a:rPr lang="en-US" sz="1400" dirty="0" err="1" smtClean="0">
-                <a:latin typeface="Consolas" panose="020B0609020204030204" pitchFamily="49" charset="0"/>
-                <a:cs typeface="Consolas" panose="020B0609020204030204" pitchFamily="49" charset="0"/>
-              </a:rPr>
-              <a:t>int</a:t>
-            </a:r>
-            <a:r>
-              <a:rPr lang="en-US" sz="1400" dirty="0" smtClean="0">
-                <a:latin typeface="Consolas" panose="020B0609020204030204" pitchFamily="49" charset="0"/>
-                <a:cs typeface="Consolas" panose="020B0609020204030204" pitchFamily="49" charset="0"/>
-              </a:rPr>
-              <a:t> </a:t>
-            </a:r>
-            <a:r>
-              <a:rPr lang="en-US" sz="1400" dirty="0">
-                <a:latin typeface="Consolas" panose="020B0609020204030204" pitchFamily="49" charset="0"/>
-                <a:cs typeface="Consolas" panose="020B0609020204030204" pitchFamily="49" charset="0"/>
-              </a:rPr>
-              <a:t>main</a:t>
-            </a:r>
-            <a:r>
-              <a:rPr lang="en-US" sz="1400" dirty="0" smtClean="0">
-                <a:latin typeface="Consolas" panose="020B0609020204030204" pitchFamily="49" charset="0"/>
-                <a:cs typeface="Consolas" panose="020B0609020204030204" pitchFamily="49" charset="0"/>
-              </a:rPr>
-              <a:t>()</a:t>
-            </a:r>
-          </a:p>
-          <a:p>
-            <a:pPr marL="800100" lvl="2" indent="0">
-              <a:buNone/>
-            </a:pPr>
-            <a:r>
-              <a:rPr lang="en-US" sz="1400" dirty="0" smtClean="0">
-                <a:latin typeface="Consolas" panose="020B0609020204030204" pitchFamily="49" charset="0"/>
-                <a:cs typeface="Consolas" panose="020B0609020204030204" pitchFamily="49" charset="0"/>
-              </a:rPr>
-              <a:t>{</a:t>
-            </a:r>
-            <a:endParaRPr lang="en-US" sz="1400" dirty="0">
+            <a:pPr marL="0" indent="0">
+              <a:buNone/>
+            </a:pPr>
+            <a:r>
+              <a:rPr lang="en-US" sz="2100" dirty="0" smtClean="0">
+                <a:latin typeface="Consolas" panose="020B0609020204030204" pitchFamily="49" charset="0"/>
+                <a:cs typeface="Consolas" panose="020B0609020204030204" pitchFamily="49" charset="0"/>
+              </a:rPr>
+              <a:t>    </a:t>
+            </a:r>
+            <a:r>
+              <a:rPr lang="en-US" sz="2100" dirty="0" err="1" smtClean="0">
+                <a:latin typeface="Consolas" panose="020B0609020204030204" pitchFamily="49" charset="0"/>
+                <a:cs typeface="Consolas" panose="020B0609020204030204" pitchFamily="49" charset="0"/>
+              </a:rPr>
+              <a:t>std</a:t>
+            </a:r>
+            <a:r>
+              <a:rPr lang="en-US" sz="2100" dirty="0">
+                <a:latin typeface="Consolas" panose="020B0609020204030204" pitchFamily="49" charset="0"/>
+                <a:cs typeface="Consolas" panose="020B0609020204030204" pitchFamily="49" charset="0"/>
+              </a:rPr>
+              <a:t>::</a:t>
+            </a:r>
+            <a:r>
+              <a:rPr lang="en-US" sz="2100" dirty="0" err="1">
+                <a:latin typeface="Consolas" panose="020B0609020204030204" pitchFamily="49" charset="0"/>
+                <a:cs typeface="Consolas" panose="020B0609020204030204" pitchFamily="49" charset="0"/>
+              </a:rPr>
+              <a:t>cout</a:t>
+            </a:r>
+            <a:r>
+              <a:rPr lang="en-US" sz="2100" dirty="0">
+                <a:latin typeface="Consolas" panose="020B0609020204030204" pitchFamily="49" charset="0"/>
+                <a:cs typeface="Consolas" panose="020B0609020204030204" pitchFamily="49" charset="0"/>
+              </a:rPr>
+              <a:t> &lt;&lt; s &lt;&lt; </a:t>
+            </a:r>
+            <a:r>
+              <a:rPr lang="en-US" sz="2100" dirty="0" err="1">
+                <a:latin typeface="Consolas" panose="020B0609020204030204" pitchFamily="49" charset="0"/>
+                <a:cs typeface="Consolas" panose="020B0609020204030204" pitchFamily="49" charset="0"/>
+              </a:rPr>
+              <a:t>std</a:t>
+            </a:r>
+            <a:r>
+              <a:rPr lang="en-US" sz="2100" dirty="0">
+                <a:latin typeface="Consolas" panose="020B0609020204030204" pitchFamily="49" charset="0"/>
+                <a:cs typeface="Consolas" panose="020B0609020204030204" pitchFamily="49" charset="0"/>
+              </a:rPr>
+              <a:t>::</a:t>
+            </a:r>
+            <a:r>
+              <a:rPr lang="en-US" sz="2100" dirty="0" err="1">
+                <a:latin typeface="Consolas" panose="020B0609020204030204" pitchFamily="49" charset="0"/>
+                <a:cs typeface="Consolas" panose="020B0609020204030204" pitchFamily="49" charset="0"/>
+              </a:rPr>
+              <a:t>endl</a:t>
+            </a:r>
+            <a:r>
+              <a:rPr lang="en-US" sz="2100" dirty="0">
+                <a:latin typeface="Consolas" panose="020B0609020204030204" pitchFamily="49" charset="0"/>
+                <a:cs typeface="Consolas" panose="020B0609020204030204" pitchFamily="49" charset="0"/>
+              </a:rPr>
+              <a:t>;</a:t>
+            </a:r>
+          </a:p>
+          <a:p>
+            <a:pPr marL="0" indent="0">
+              <a:buNone/>
+            </a:pPr>
+            <a:r>
+              <a:rPr lang="en-US" sz="2100" dirty="0" smtClean="0">
+                <a:latin typeface="Consolas" panose="020B0609020204030204" pitchFamily="49" charset="0"/>
+                <a:cs typeface="Consolas" panose="020B0609020204030204" pitchFamily="49" charset="0"/>
+              </a:rPr>
+              <a:t>    s </a:t>
+            </a:r>
+            <a:r>
+              <a:rPr lang="en-US" sz="2100" dirty="0">
+                <a:latin typeface="Consolas" panose="020B0609020204030204" pitchFamily="49" charset="0"/>
+                <a:cs typeface="Consolas" panose="020B0609020204030204" pitchFamily="49" charset="0"/>
+              </a:rPr>
+              <a:t>= </a:t>
+            </a:r>
+            <a:r>
+              <a:rPr lang="en-US" sz="2100" dirty="0" err="1">
+                <a:solidFill>
+                  <a:srgbClr val="FF0000"/>
+                </a:solidFill>
+                <a:latin typeface="Consolas" panose="020B0609020204030204" pitchFamily="49" charset="0"/>
+                <a:cs typeface="Consolas" panose="020B0609020204030204" pitchFamily="49" charset="0"/>
+              </a:rPr>
+              <a:t>R"gobbledygook</a:t>
+            </a:r>
+            <a:r>
+              <a:rPr lang="en-US" sz="2100" dirty="0">
+                <a:latin typeface="Consolas" panose="020B0609020204030204" pitchFamily="49" charset="0"/>
+                <a:cs typeface="Consolas" panose="020B0609020204030204" pitchFamily="49" charset="0"/>
+              </a:rPr>
+              <a:t>(a raw string literal </a:t>
+            </a:r>
+            <a:r>
+              <a:rPr lang="en-US" sz="2100">
+                <a:latin typeface="Consolas" panose="020B0609020204030204" pitchFamily="49" charset="0"/>
+                <a:cs typeface="Consolas" panose="020B0609020204030204" pitchFamily="49" charset="0"/>
+              </a:rPr>
+              <a:t>with </a:t>
+            </a:r>
+            <a:r>
+              <a:rPr lang="en-US" sz="2100">
+                <a:latin typeface="Consolas" panose="020B0609020204030204" pitchFamily="49" charset="0"/>
+                <a:cs typeface="Consolas" panose="020B0609020204030204" pitchFamily="49" charset="0"/>
+              </a:rPr>
+              <a:t>"</a:t>
+            </a:r>
+            <a:r>
+              <a:rPr lang="en-US" sz="2100" smtClean="0">
+                <a:latin typeface="Consolas" panose="020B0609020204030204" pitchFamily="49" charset="0"/>
+                <a:cs typeface="Consolas" panose="020B0609020204030204" pitchFamily="49" charset="0"/>
+              </a:rPr>
+              <a:t>gobbledygook</a:t>
+            </a:r>
+            <a:r>
+              <a:rPr lang="en-US" sz="2100" dirty="0">
+                <a:latin typeface="Consolas" panose="020B0609020204030204" pitchFamily="49" charset="0"/>
+                <a:cs typeface="Consolas" panose="020B0609020204030204" pitchFamily="49" charset="0"/>
+              </a:rPr>
+              <a:t>"</a:t>
+            </a:r>
+            <a:endParaRPr lang="en-US" sz="2100" dirty="0" smtClean="0">
               <a:latin typeface="Consolas" panose="020B0609020204030204" pitchFamily="49" charset="0"/>
               <a:cs typeface="Consolas" panose="020B0609020204030204" pitchFamily="49" charset="0"/>
             </a:endParaRPr>
           </a:p>
           <a:p>
-            <a:pPr marL="800100" lvl="2" indent="0">
-              <a:buNone/>
-            </a:pPr>
-            <a:r>
-              <a:rPr lang="en-US" sz="1400" dirty="0">
-                <a:latin typeface="Consolas" panose="020B0609020204030204" pitchFamily="49" charset="0"/>
-                <a:cs typeface="Consolas" panose="020B0609020204030204" pitchFamily="49" charset="0"/>
-              </a:rPr>
-              <a:t>    double f = 23.43;</a:t>
-            </a:r>
-          </a:p>
-          <a:p>
-            <a:pPr marL="800100" lvl="2" indent="0">
-              <a:buNone/>
-            </a:pPr>
-            <a:r>
-              <a:rPr lang="en-US" sz="1400" dirty="0">
+            <a:pPr marL="0" indent="0">
+              <a:buNone/>
+            </a:pPr>
+            <a:r>
+              <a:rPr lang="en-US" sz="2100" dirty="0" smtClean="0">
+                <a:latin typeface="Consolas" panose="020B0609020204030204" pitchFamily="49" charset="0"/>
+                <a:cs typeface="Consolas" panose="020B0609020204030204" pitchFamily="49" charset="0"/>
+              </a:rPr>
+              <a:t>        as the delimiter</a:t>
+            </a:r>
+            <a:r>
+              <a:rPr lang="en-US" sz="2100" dirty="0" smtClean="0">
+                <a:solidFill>
+                  <a:srgbClr val="FF0000"/>
+                </a:solidFill>
+                <a:latin typeface="Consolas" panose="020B0609020204030204" pitchFamily="49" charset="0"/>
+                <a:cs typeface="Consolas" panose="020B0609020204030204" pitchFamily="49" charset="0"/>
+              </a:rPr>
+              <a:t>)gobbledygook</a:t>
+            </a:r>
+            <a:r>
+              <a:rPr lang="en-US" sz="2100" dirty="0">
+                <a:solidFill>
+                  <a:srgbClr val="FF0000"/>
+                </a:solidFill>
+                <a:latin typeface="Consolas" panose="020B0609020204030204" pitchFamily="49" charset="0"/>
+                <a:cs typeface="Consolas" panose="020B0609020204030204" pitchFamily="49" charset="0"/>
+              </a:rPr>
+              <a:t>"</a:t>
+            </a:r>
+            <a:r>
+              <a:rPr lang="en-US" sz="2100" dirty="0">
+                <a:latin typeface="Consolas" panose="020B0609020204030204" pitchFamily="49" charset="0"/>
+                <a:cs typeface="Consolas" panose="020B0609020204030204" pitchFamily="49" charset="0"/>
+              </a:rPr>
+              <a:t>;</a:t>
+            </a:r>
+          </a:p>
+          <a:p>
+            <a:pPr marL="0" indent="0">
+              <a:buNone/>
+            </a:pPr>
+            <a:r>
+              <a:rPr lang="en-US" sz="2100" dirty="0" smtClean="0">
                 <a:latin typeface="Consolas" panose="020B0609020204030204" pitchFamily="49" charset="0"/>
                 <a:cs typeface="Consolas" panose="020B0609020204030204" pitchFamily="49" charset="0"/>
               </a:rPr>
               <a:t>    </a:t>
             </a:r>
             <a:r>
-              <a:rPr lang="en-US" sz="1400" dirty="0" err="1">
+              <a:rPr lang="en-US" sz="2100" dirty="0" err="1" smtClean="0">
                 <a:latin typeface="Consolas" panose="020B0609020204030204" pitchFamily="49" charset="0"/>
                 <a:cs typeface="Consolas" panose="020B0609020204030204" pitchFamily="49" charset="0"/>
               </a:rPr>
               <a:t>std</a:t>
             </a:r>
             <a:r>
-              <a:rPr lang="en-US" sz="1400" dirty="0">
-                <a:latin typeface="Consolas" panose="020B0609020204030204" pitchFamily="49" charset="0"/>
-                <a:cs typeface="Consolas" panose="020B0609020204030204" pitchFamily="49" charset="0"/>
-              </a:rPr>
-              <a:t>::string </a:t>
-            </a:r>
-            <a:r>
-              <a:rPr lang="en-US" sz="1400" dirty="0" err="1">
-                <a:latin typeface="Consolas" panose="020B0609020204030204" pitchFamily="49" charset="0"/>
-                <a:cs typeface="Consolas" panose="020B0609020204030204" pitchFamily="49" charset="0"/>
-              </a:rPr>
-              <a:t>f_str</a:t>
-            </a:r>
-            <a:r>
-              <a:rPr lang="en-US" sz="1400" dirty="0">
-                <a:latin typeface="Consolas" panose="020B0609020204030204" pitchFamily="49" charset="0"/>
-                <a:cs typeface="Consolas" panose="020B0609020204030204" pitchFamily="49" charset="0"/>
-              </a:rPr>
-              <a:t> = </a:t>
-            </a:r>
-            <a:r>
-              <a:rPr lang="en-US" sz="1400" dirty="0" err="1">
+              <a:rPr lang="en-US" sz="2100" dirty="0">
+                <a:latin typeface="Consolas" panose="020B0609020204030204" pitchFamily="49" charset="0"/>
+                <a:cs typeface="Consolas" panose="020B0609020204030204" pitchFamily="49" charset="0"/>
+              </a:rPr>
+              <a:t>::</a:t>
+            </a:r>
+            <a:r>
+              <a:rPr lang="en-US" sz="2100" dirty="0" err="1">
+                <a:latin typeface="Consolas" panose="020B0609020204030204" pitchFamily="49" charset="0"/>
+                <a:cs typeface="Consolas" panose="020B0609020204030204" pitchFamily="49" charset="0"/>
+              </a:rPr>
+              <a:t>cout</a:t>
+            </a:r>
+            <a:r>
+              <a:rPr lang="en-US" sz="2100" dirty="0">
+                <a:latin typeface="Consolas" panose="020B0609020204030204" pitchFamily="49" charset="0"/>
+                <a:cs typeface="Consolas" panose="020B0609020204030204" pitchFamily="49" charset="0"/>
+              </a:rPr>
+              <a:t> &lt;&lt; s &lt;&lt; </a:t>
+            </a:r>
+            <a:r>
+              <a:rPr lang="en-US" sz="2100" dirty="0" err="1">
                 <a:latin typeface="Consolas" panose="020B0609020204030204" pitchFamily="49" charset="0"/>
                 <a:cs typeface="Consolas" panose="020B0609020204030204" pitchFamily="49" charset="0"/>
               </a:rPr>
               <a:t>std</a:t>
             </a:r>
             <a:r>
-              <a:rPr lang="en-US" sz="1400" dirty="0">
+              <a:rPr lang="en-US" sz="2100" dirty="0">
                 <a:latin typeface="Consolas" panose="020B0609020204030204" pitchFamily="49" charset="0"/>
                 <a:cs typeface="Consolas" panose="020B0609020204030204" pitchFamily="49" charset="0"/>
               </a:rPr>
               <a:t>::</a:t>
             </a:r>
             <a:r>
-              <a:rPr lang="en-US" sz="1400" dirty="0" err="1">
-                <a:latin typeface="Consolas" panose="020B0609020204030204" pitchFamily="49" charset="0"/>
-                <a:cs typeface="Consolas" panose="020B0609020204030204" pitchFamily="49" charset="0"/>
-              </a:rPr>
-              <a:t>to_string</a:t>
-            </a:r>
-            <a:r>
-              <a:rPr lang="en-US" sz="1400" dirty="0">
-                <a:latin typeface="Consolas" panose="020B0609020204030204" pitchFamily="49" charset="0"/>
-                <a:cs typeface="Consolas" panose="020B0609020204030204" pitchFamily="49" charset="0"/>
-              </a:rPr>
-              <a:t>(f);</a:t>
-            </a:r>
-          </a:p>
-          <a:p>
-            <a:pPr marL="800100" lvl="2" indent="0">
-              <a:buNone/>
-            </a:pPr>
-            <a:r>
-              <a:rPr lang="en-US" sz="1400" dirty="0">
-                <a:latin typeface="Consolas" panose="020B0609020204030204" pitchFamily="49" charset="0"/>
-                <a:cs typeface="Consolas" panose="020B0609020204030204" pitchFamily="49" charset="0"/>
-              </a:rPr>
-              <a:t>    </a:t>
-            </a:r>
-            <a:r>
-              <a:rPr lang="en-US" sz="1400" dirty="0" err="1">
-                <a:latin typeface="Consolas" panose="020B0609020204030204" pitchFamily="49" charset="0"/>
-                <a:cs typeface="Consolas" panose="020B0609020204030204" pitchFamily="49" charset="0"/>
-              </a:rPr>
-              <a:t>std</a:t>
-            </a:r>
-            <a:r>
-              <a:rPr lang="en-US" sz="1400" dirty="0">
-                <a:latin typeface="Consolas" panose="020B0609020204030204" pitchFamily="49" charset="0"/>
-                <a:cs typeface="Consolas" panose="020B0609020204030204" pitchFamily="49" charset="0"/>
-              </a:rPr>
-              <a:t>::</a:t>
-            </a:r>
-            <a:r>
-              <a:rPr lang="en-US" sz="1400" dirty="0" err="1">
-                <a:latin typeface="Consolas" panose="020B0609020204030204" pitchFamily="49" charset="0"/>
-                <a:cs typeface="Consolas" panose="020B0609020204030204" pitchFamily="49" charset="0"/>
-              </a:rPr>
-              <a:t>cout</a:t>
-            </a:r>
-            <a:r>
-              <a:rPr lang="en-US" sz="1400" dirty="0">
-                <a:latin typeface="Consolas" panose="020B0609020204030204" pitchFamily="49" charset="0"/>
-                <a:cs typeface="Consolas" panose="020B0609020204030204" pitchFamily="49" charset="0"/>
-              </a:rPr>
-              <a:t> &lt;&lt; </a:t>
-            </a:r>
-            <a:r>
-              <a:rPr lang="en-US" sz="1400" dirty="0" err="1">
-                <a:latin typeface="Consolas" panose="020B0609020204030204" pitchFamily="49" charset="0"/>
-                <a:cs typeface="Consolas" panose="020B0609020204030204" pitchFamily="49" charset="0"/>
-              </a:rPr>
-              <a:t>f_str</a:t>
-            </a:r>
-            <a:r>
-              <a:rPr lang="en-US" sz="1400" dirty="0">
-                <a:latin typeface="Consolas" panose="020B0609020204030204" pitchFamily="49" charset="0"/>
-                <a:cs typeface="Consolas" panose="020B0609020204030204" pitchFamily="49" charset="0"/>
-              </a:rPr>
-              <a:t> &lt;&lt; </a:t>
-            </a:r>
-            <a:r>
-              <a:rPr lang="en-US" sz="1400" dirty="0" err="1" smtClean="0">
-                <a:latin typeface="Consolas" panose="020B0609020204030204" pitchFamily="49" charset="0"/>
-                <a:cs typeface="Consolas" panose="020B0609020204030204" pitchFamily="49" charset="0"/>
-              </a:rPr>
-              <a:t>std</a:t>
-            </a:r>
-            <a:r>
-              <a:rPr lang="en-US" sz="1400" dirty="0" smtClean="0">
-                <a:latin typeface="Consolas" panose="020B0609020204030204" pitchFamily="49" charset="0"/>
-                <a:cs typeface="Consolas" panose="020B0609020204030204" pitchFamily="49" charset="0"/>
-              </a:rPr>
-              <a:t>::</a:t>
-            </a:r>
-            <a:r>
-              <a:rPr lang="en-US" sz="1400" dirty="0" err="1" smtClean="0">
+              <a:rPr lang="en-US" sz="2100" dirty="0" err="1">
                 <a:latin typeface="Consolas" panose="020B0609020204030204" pitchFamily="49" charset="0"/>
                 <a:cs typeface="Consolas" panose="020B0609020204030204" pitchFamily="49" charset="0"/>
               </a:rPr>
               <a:t>endl</a:t>
             </a:r>
             <a:r>
-              <a:rPr lang="en-US" sz="1400" dirty="0" smtClean="0">
+              <a:rPr lang="en-US" sz="2100" dirty="0">
                 <a:latin typeface="Consolas" panose="020B0609020204030204" pitchFamily="49" charset="0"/>
                 <a:cs typeface="Consolas" panose="020B0609020204030204" pitchFamily="49" charset="0"/>
               </a:rPr>
               <a:t>;</a:t>
             </a:r>
-            <a:endParaRPr lang="en-US" sz="1400" dirty="0">
+          </a:p>
+          <a:p>
+            <a:pPr marL="0" indent="0">
+              <a:buNone/>
+            </a:pPr>
+            <a:r>
+              <a:rPr lang="en-US" sz="2100" dirty="0" smtClean="0">
+                <a:latin typeface="Consolas" panose="020B0609020204030204" pitchFamily="49" charset="0"/>
+                <a:cs typeface="Consolas" panose="020B0609020204030204" pitchFamily="49" charset="0"/>
+              </a:rPr>
+              <a:t>    return </a:t>
+            </a:r>
+            <a:r>
+              <a:rPr lang="en-US" sz="2100" dirty="0">
+                <a:latin typeface="Consolas" panose="020B0609020204030204" pitchFamily="49" charset="0"/>
+                <a:cs typeface="Consolas" panose="020B0609020204030204" pitchFamily="49" charset="0"/>
+              </a:rPr>
+              <a:t>0;</a:t>
+            </a:r>
+          </a:p>
+          <a:p>
+            <a:pPr marL="0" indent="0">
+              <a:buNone/>
+            </a:pPr>
+            <a:r>
+              <a:rPr lang="en-US" sz="2100" dirty="0" smtClean="0">
+                <a:latin typeface="Consolas" panose="020B0609020204030204" pitchFamily="49" charset="0"/>
+                <a:cs typeface="Consolas" panose="020B0609020204030204" pitchFamily="49" charset="0"/>
+              </a:rPr>
+              <a:t>  }</a:t>
+            </a:r>
+          </a:p>
+          <a:p>
+            <a:pPr marL="0" indent="0">
+              <a:buNone/>
+            </a:pPr>
+            <a:endParaRPr lang="en-US" sz="2000" dirty="0">
               <a:latin typeface="Consolas" panose="020B0609020204030204" pitchFamily="49" charset="0"/>
               <a:cs typeface="Consolas" panose="020B0609020204030204" pitchFamily="49" charset="0"/>
             </a:endParaRPr>
           </a:p>
           <a:p>
-            <a:pPr marL="800100" lvl="2" indent="0">
-              <a:buNone/>
-            </a:pPr>
-            <a:r>
-              <a:rPr lang="en-US" sz="1400" dirty="0" smtClean="0">
-                <a:latin typeface="Consolas" panose="020B0609020204030204" pitchFamily="49" charset="0"/>
-                <a:cs typeface="Consolas" panose="020B0609020204030204" pitchFamily="49" charset="0"/>
-              </a:rPr>
-              <a:t>}</a:t>
-            </a:r>
-          </a:p>
-          <a:p>
-            <a:pPr marL="800100" lvl="2" indent="0">
-              <a:buNone/>
-            </a:pPr>
-            <a:endParaRPr lang="en-US" sz="1400" dirty="0" smtClean="0">
+            <a:pPr marL="0" indent="0">
+              <a:buNone/>
+            </a:pPr>
+            <a:r>
+              <a:rPr lang="en-US" sz="2800" dirty="0"/>
+              <a:t>\&gt;%^\t\n</a:t>
+            </a:r>
+            <a:r>
+              <a:rPr lang="en-US" sz="2800" dirty="0" smtClean="0"/>
+              <a:t>&amp;*(&lt;</a:t>
+            </a:r>
+          </a:p>
+          <a:p>
+            <a:pPr marL="0" indent="0">
+              <a:buNone/>
+            </a:pPr>
+            <a:r>
+              <a:rPr lang="en-US" sz="2800" dirty="0"/>
+              <a:t>a raw string literal with "gobbledygook" as the delimiter</a:t>
+            </a:r>
+            <a:endParaRPr lang="en-US" sz="2800" dirty="0" smtClean="0">
               <a:latin typeface="Consolas" panose="020B0609020204030204" pitchFamily="49" charset="0"/>
               <a:cs typeface="Consolas" panose="020B0609020204030204" pitchFamily="49" charset="0"/>
             </a:endParaRPr>
           </a:p>
           <a:p>
-            <a:pPr marL="800100" lvl="2" indent="0">
-              <a:buNone/>
-            </a:pPr>
-            <a:r>
-              <a:rPr lang="en-US" sz="1400" dirty="0" smtClean="0">
-                <a:latin typeface="Consolas" panose="020B0609020204030204" pitchFamily="49" charset="0"/>
-                <a:cs typeface="Consolas" panose="020B0609020204030204" pitchFamily="49" charset="0"/>
-              </a:rPr>
-              <a:t>output: </a:t>
-            </a:r>
-            <a:r>
-              <a:rPr lang="en-US" sz="1400" dirty="0" smtClean="0"/>
-              <a:t>23.430000</a:t>
-            </a:r>
-            <a:endParaRPr lang="en-US" sz="1400" dirty="0">
+            <a:pPr marL="0" indent="0">
+              <a:buNone/>
+            </a:pPr>
+            <a:endParaRPr lang="en-US" dirty="0" smtClean="0">
               <a:latin typeface="Consolas" panose="020B0609020204030204" pitchFamily="49" charset="0"/>
               <a:cs typeface="Consolas" panose="020B0609020204030204" pitchFamily="49" charset="0"/>
             </a:endParaRPr>
           </a:p>
           <a:p>
-            <a:pPr marL="800100" lvl="2" indent="0">
-              <a:buNone/>
-            </a:pPr>
-            <a:endParaRPr lang="en-US" sz="1400" dirty="0" smtClean="0"/>
+            <a:pPr marL="0" indent="0">
+              <a:buNone/>
+            </a:pPr>
+            <a:endParaRPr lang="en-US" sz="2000" dirty="0">
+              <a:latin typeface="Consolas" panose="020B0609020204030204" pitchFamily="49" charset="0"/>
+              <a:cs typeface="Consolas" panose="020B0609020204030204" pitchFamily="49" charset="0"/>
+            </a:endParaRPr>
           </a:p>
         </p:txBody>
       </p:sp>
     </p:spTree>
     <p:extLst>
       <p:ext uri="{BB962C8B-B14F-4D97-AF65-F5344CB8AC3E}">
-        <p14:creationId xmlns:p14="http://schemas.microsoft.com/office/powerpoint/2010/main" val="146388363"/>
+        <p14:creationId xmlns:p14="http://schemas.microsoft.com/office/powerpoint/2010/main" val="617387278"/>
       </p:ext>
     </p:extLst>
   </p:cSld>
@@ -5909,16 +5942,8 @@
           <a:lstStyle/>
           <a:p>
             <a:r>
-              <a:rPr lang="en-US" dirty="0" err="1" smtClean="0"/>
-              <a:t>std</a:t>
-            </a:r>
-            <a:r>
               <a:rPr lang="en-US" dirty="0" smtClean="0"/>
-              <a:t>::</a:t>
-            </a:r>
-            <a:r>
-              <a:rPr lang="en-US" dirty="0" err="1" smtClean="0"/>
-              <a:t>to_string</a:t>
+              <a:t>Smart Pointers</a:t>
             </a:r>
             <a:endParaRPr lang="en-US" dirty="0"/>
           </a:p>
@@ -5936,437 +5961,70 @@
         </p:nvSpPr>
         <p:spPr/>
         <p:txBody>
-          <a:bodyPr>
-            <a:normAutofit/>
-          </a:bodyPr>
-          <a:lstStyle/>
-          <a:p>
+          <a:bodyPr/>
+          <a:lstStyle/>
+          <a:p>
+            <a:r>
+              <a:rPr lang="en-US" dirty="0" err="1" smtClean="0">
+                <a:latin typeface="Consolas" panose="020B0609020204030204" pitchFamily="49" charset="0"/>
+                <a:cs typeface="Consolas" panose="020B0609020204030204" pitchFamily="49" charset="0"/>
+              </a:rPr>
+              <a:t>auto_ptr</a:t>
+            </a:r>
             <a:r>
               <a:rPr lang="en-US" dirty="0" smtClean="0"/>
-              <a:t>Works with all sorts of numeric types</a:t>
-            </a:r>
-          </a:p>
-          <a:p>
+              <a:t> is deprecated. Do not use it.</a:t>
+            </a:r>
+          </a:p>
+          <a:p>
+            <a:r>
+              <a:rPr lang="en-US" dirty="0" err="1" smtClean="0">
+                <a:latin typeface="Consolas" panose="020B0609020204030204" pitchFamily="49" charset="0"/>
+                <a:cs typeface="Consolas" panose="020B0609020204030204" pitchFamily="49" charset="0"/>
+              </a:rPr>
+              <a:t>unique_ptr</a:t>
+            </a:r>
             <a:r>
               <a:rPr lang="en-US" dirty="0" smtClean="0"/>
-              <a:t>Caveat (google </a:t>
-            </a:r>
-            <a:r>
-              <a:rPr lang="en-US" dirty="0" err="1" smtClean="0"/>
-              <a:t>FlatBuffers</a:t>
-            </a:r>
+              <a:t> is awesome. Use it all the time.</a:t>
+            </a:r>
+          </a:p>
+          <a:p>
             <a:r>
               <a:rPr lang="en-US" dirty="0" smtClean="0"/>
-              <a:t>):</a:t>
-            </a:r>
+              <a:t>Same with </a:t>
+            </a:r>
+            <a:r>
+              <a:rPr lang="en-US" dirty="0" err="1" smtClean="0">
+                <a:latin typeface="Consolas" panose="020B0609020204030204" pitchFamily="49" charset="0"/>
+                <a:cs typeface="Consolas" panose="020B0609020204030204" pitchFamily="49" charset="0"/>
+              </a:rPr>
+              <a:t>shared_ptr</a:t>
+            </a:r>
+            <a:r>
+              <a:rPr lang="en-US" dirty="0" smtClean="0"/>
+              <a:t>. Do amazing things.</a:t>
+            </a:r>
+          </a:p>
+          <a:p>
+            <a:endParaRPr lang="en-US" dirty="0" smtClean="0"/>
           </a:p>
           <a:p>
             <a:pPr marL="0" indent="0">
               <a:buNone/>
             </a:pPr>
-            <a:endParaRPr lang="en-US" sz="1200" dirty="0" smtClean="0">
-              <a:latin typeface="Consolas" panose="020B0609020204030204" pitchFamily="49" charset="0"/>
-              <a:cs typeface="Consolas" panose="020B0609020204030204" pitchFamily="49" charset="0"/>
-            </a:endParaRPr>
-          </a:p>
-          <a:p>
-            <a:pPr marL="0" indent="0">
-              <a:buNone/>
-            </a:pPr>
-            <a:r>
-              <a:rPr lang="en-US" sz="1200" dirty="0" smtClean="0">
-                <a:latin typeface="Consolas" panose="020B0609020204030204" pitchFamily="49" charset="0"/>
-                <a:cs typeface="Consolas" panose="020B0609020204030204" pitchFamily="49" charset="0"/>
-              </a:rPr>
-              <a:t>  namespace </a:t>
-            </a:r>
-            <a:r>
-              <a:rPr lang="en-US" sz="1200" dirty="0" err="1">
-                <a:latin typeface="Consolas" panose="020B0609020204030204" pitchFamily="49" charset="0"/>
-                <a:cs typeface="Consolas" panose="020B0609020204030204" pitchFamily="49" charset="0"/>
-              </a:rPr>
-              <a:t>flatbuffers</a:t>
-            </a:r>
-            <a:r>
-              <a:rPr lang="en-US" sz="1200" dirty="0">
-                <a:latin typeface="Consolas" panose="020B0609020204030204" pitchFamily="49" charset="0"/>
-                <a:cs typeface="Consolas" panose="020B0609020204030204" pitchFamily="49" charset="0"/>
-              </a:rPr>
-              <a:t> {</a:t>
-            </a:r>
-          </a:p>
-          <a:p>
-            <a:pPr marL="0" indent="0">
-              <a:buNone/>
-            </a:pPr>
-            <a:r>
-              <a:rPr lang="en-US" sz="1200" dirty="0" smtClean="0">
-                <a:latin typeface="Consolas" panose="020B0609020204030204" pitchFamily="49" charset="0"/>
-                <a:cs typeface="Consolas" panose="020B0609020204030204" pitchFamily="49" charset="0"/>
-              </a:rPr>
-              <a:t>    // </a:t>
-            </a:r>
-            <a:r>
-              <a:rPr lang="en-US" sz="1200" dirty="0">
-                <a:latin typeface="Consolas" panose="020B0609020204030204" pitchFamily="49" charset="0"/>
-                <a:cs typeface="Consolas" panose="020B0609020204030204" pitchFamily="49" charset="0"/>
-              </a:rPr>
-              <a:t>Convert an integer or floating point value to a string.</a:t>
-            </a:r>
-          </a:p>
-          <a:p>
-            <a:pPr marL="0" indent="0">
-              <a:buNone/>
-            </a:pPr>
-            <a:r>
-              <a:rPr lang="en-US" sz="1200" dirty="0" smtClean="0">
-                <a:latin typeface="Consolas" panose="020B0609020204030204" pitchFamily="49" charset="0"/>
-                <a:cs typeface="Consolas" panose="020B0609020204030204" pitchFamily="49" charset="0"/>
-              </a:rPr>
-              <a:t>    // </a:t>
-            </a:r>
-            <a:r>
-              <a:rPr lang="en-US" sz="1200" dirty="0">
-                <a:latin typeface="Consolas" panose="020B0609020204030204" pitchFamily="49" charset="0"/>
-                <a:cs typeface="Consolas" panose="020B0609020204030204" pitchFamily="49" charset="0"/>
-              </a:rPr>
-              <a:t>In contrast to </a:t>
-            </a:r>
-            <a:r>
-              <a:rPr lang="en-US" sz="1200" dirty="0" err="1">
-                <a:latin typeface="Consolas" panose="020B0609020204030204" pitchFamily="49" charset="0"/>
-                <a:cs typeface="Consolas" panose="020B0609020204030204" pitchFamily="49" charset="0"/>
-              </a:rPr>
-              <a:t>std</a:t>
-            </a:r>
-            <a:r>
-              <a:rPr lang="en-US" sz="1200" dirty="0">
-                <a:latin typeface="Consolas" panose="020B0609020204030204" pitchFamily="49" charset="0"/>
-                <a:cs typeface="Consolas" panose="020B0609020204030204" pitchFamily="49" charset="0"/>
-              </a:rPr>
-              <a:t>::</a:t>
-            </a:r>
-            <a:r>
-              <a:rPr lang="en-US" sz="1200" dirty="0" err="1">
-                <a:latin typeface="Consolas" panose="020B0609020204030204" pitchFamily="49" charset="0"/>
-                <a:cs typeface="Consolas" panose="020B0609020204030204" pitchFamily="49" charset="0"/>
-              </a:rPr>
-              <a:t>stringstream</a:t>
-            </a:r>
-            <a:r>
-              <a:rPr lang="en-US" sz="1200" dirty="0">
-                <a:latin typeface="Consolas" panose="020B0609020204030204" pitchFamily="49" charset="0"/>
-                <a:cs typeface="Consolas" panose="020B0609020204030204" pitchFamily="49" charset="0"/>
-              </a:rPr>
-              <a:t>, "char" values </a:t>
-            </a:r>
-            <a:r>
-              <a:rPr lang="en-US" sz="1200" dirty="0" smtClean="0">
-                <a:latin typeface="Consolas" panose="020B0609020204030204" pitchFamily="49" charset="0"/>
-                <a:cs typeface="Consolas" panose="020B0609020204030204" pitchFamily="49" charset="0"/>
-              </a:rPr>
-              <a:t>are converted </a:t>
-            </a:r>
-            <a:r>
-              <a:rPr lang="en-US" sz="1200" dirty="0">
-                <a:latin typeface="Consolas" panose="020B0609020204030204" pitchFamily="49" charset="0"/>
-                <a:cs typeface="Consolas" panose="020B0609020204030204" pitchFamily="49" charset="0"/>
-              </a:rPr>
-              <a:t>to a string of digits.</a:t>
-            </a:r>
-          </a:p>
-          <a:p>
-            <a:pPr marL="0" indent="0">
-              <a:buNone/>
-            </a:pPr>
-            <a:r>
-              <a:rPr lang="en-US" sz="1200" dirty="0" smtClean="0">
-                <a:latin typeface="Consolas" panose="020B0609020204030204" pitchFamily="49" charset="0"/>
-                <a:cs typeface="Consolas" panose="020B0609020204030204" pitchFamily="49" charset="0"/>
-              </a:rPr>
-              <a:t>    template&lt;</a:t>
-            </a:r>
-            <a:r>
-              <a:rPr lang="en-US" sz="1200" dirty="0" err="1" smtClean="0">
-                <a:latin typeface="Consolas" panose="020B0609020204030204" pitchFamily="49" charset="0"/>
-                <a:cs typeface="Consolas" panose="020B0609020204030204" pitchFamily="49" charset="0"/>
-              </a:rPr>
-              <a:t>typename</a:t>
-            </a:r>
-            <a:r>
-              <a:rPr lang="en-US" sz="1200" dirty="0" smtClean="0">
-                <a:latin typeface="Consolas" panose="020B0609020204030204" pitchFamily="49" charset="0"/>
-                <a:cs typeface="Consolas" panose="020B0609020204030204" pitchFamily="49" charset="0"/>
-              </a:rPr>
-              <a:t> </a:t>
-            </a:r>
-            <a:r>
-              <a:rPr lang="en-US" sz="1200" dirty="0">
-                <a:latin typeface="Consolas" panose="020B0609020204030204" pitchFamily="49" charset="0"/>
-                <a:cs typeface="Consolas" panose="020B0609020204030204" pitchFamily="49" charset="0"/>
-              </a:rPr>
-              <a:t>T&gt; </a:t>
-            </a:r>
-            <a:r>
-              <a:rPr lang="en-US" sz="1200" dirty="0" err="1">
-                <a:latin typeface="Consolas" panose="020B0609020204030204" pitchFamily="49" charset="0"/>
-                <a:cs typeface="Consolas" panose="020B0609020204030204" pitchFamily="49" charset="0"/>
-              </a:rPr>
-              <a:t>std</a:t>
-            </a:r>
-            <a:r>
-              <a:rPr lang="en-US" sz="1200" dirty="0">
-                <a:latin typeface="Consolas" panose="020B0609020204030204" pitchFamily="49" charset="0"/>
-                <a:cs typeface="Consolas" panose="020B0609020204030204" pitchFamily="49" charset="0"/>
-              </a:rPr>
-              <a:t>::string </a:t>
-            </a:r>
-            <a:r>
-              <a:rPr lang="en-US" sz="1200" dirty="0" err="1">
-                <a:latin typeface="Consolas" panose="020B0609020204030204" pitchFamily="49" charset="0"/>
-                <a:cs typeface="Consolas" panose="020B0609020204030204" pitchFamily="49" charset="0"/>
-              </a:rPr>
-              <a:t>NumToString</a:t>
-            </a:r>
-            <a:r>
-              <a:rPr lang="en-US" sz="1200" dirty="0">
-                <a:latin typeface="Consolas" panose="020B0609020204030204" pitchFamily="49" charset="0"/>
-                <a:cs typeface="Consolas" panose="020B0609020204030204" pitchFamily="49" charset="0"/>
-              </a:rPr>
-              <a:t>(T t</a:t>
-            </a:r>
-            <a:r>
-              <a:rPr lang="en-US" sz="1200" dirty="0" smtClean="0">
-                <a:latin typeface="Consolas" panose="020B0609020204030204" pitchFamily="49" charset="0"/>
-                <a:cs typeface="Consolas" panose="020B0609020204030204" pitchFamily="49" charset="0"/>
-              </a:rPr>
-              <a:t>)</a:t>
-            </a:r>
-          </a:p>
-          <a:p>
-            <a:pPr marL="0" indent="0">
-              <a:buNone/>
-            </a:pPr>
-            <a:r>
-              <a:rPr lang="en-US" sz="1200" dirty="0">
-                <a:latin typeface="Consolas" panose="020B0609020204030204" pitchFamily="49" charset="0"/>
-                <a:cs typeface="Consolas" panose="020B0609020204030204" pitchFamily="49" charset="0"/>
-              </a:rPr>
-              <a:t> </a:t>
-            </a:r>
-            <a:r>
-              <a:rPr lang="en-US" sz="1200" dirty="0" smtClean="0">
-                <a:latin typeface="Consolas" panose="020B0609020204030204" pitchFamily="49" charset="0"/>
-                <a:cs typeface="Consolas" panose="020B0609020204030204" pitchFamily="49" charset="0"/>
-              </a:rPr>
-              <a:t>  {</a:t>
-            </a:r>
-            <a:endParaRPr lang="en-US" sz="1200" dirty="0">
-              <a:latin typeface="Consolas" panose="020B0609020204030204" pitchFamily="49" charset="0"/>
-              <a:cs typeface="Consolas" panose="020B0609020204030204" pitchFamily="49" charset="0"/>
-            </a:endParaRPr>
-          </a:p>
-          <a:p>
-            <a:pPr marL="0" indent="0">
-              <a:buNone/>
-            </a:pPr>
-            <a:r>
-              <a:rPr lang="en-US" sz="1200" b="1" dirty="0" smtClean="0">
-                <a:latin typeface="Consolas" panose="020B0609020204030204" pitchFamily="49" charset="0"/>
-                <a:cs typeface="Consolas" panose="020B0609020204030204" pitchFamily="49" charset="0"/>
-              </a:rPr>
-              <a:t>        </a:t>
-            </a:r>
-            <a:r>
-              <a:rPr lang="en-US" sz="1200" b="1" dirty="0">
-                <a:latin typeface="Consolas" panose="020B0609020204030204" pitchFamily="49" charset="0"/>
-                <a:cs typeface="Consolas" panose="020B0609020204030204" pitchFamily="49" charset="0"/>
-              </a:rPr>
-              <a:t>// </a:t>
-            </a:r>
-            <a:r>
-              <a:rPr lang="en-US" sz="1200" b="1" dirty="0" err="1">
-                <a:latin typeface="Consolas" panose="020B0609020204030204" pitchFamily="49" charset="0"/>
-                <a:cs typeface="Consolas" panose="020B0609020204030204" pitchFamily="49" charset="0"/>
-              </a:rPr>
-              <a:t>to_string</a:t>
-            </a:r>
-            <a:r>
-              <a:rPr lang="en-US" sz="1200" b="1" dirty="0">
-                <a:latin typeface="Consolas" panose="020B0609020204030204" pitchFamily="49" charset="0"/>
-                <a:cs typeface="Consolas" panose="020B0609020204030204" pitchFamily="49" charset="0"/>
-              </a:rPr>
-              <a:t>() prints different numbers of digits for floats depending on</a:t>
-            </a:r>
-          </a:p>
-          <a:p>
-            <a:pPr marL="0" indent="0">
-              <a:buNone/>
-            </a:pPr>
-            <a:r>
-              <a:rPr lang="en-US" sz="1200" b="1" dirty="0" smtClean="0">
-                <a:latin typeface="Consolas" panose="020B0609020204030204" pitchFamily="49" charset="0"/>
-                <a:cs typeface="Consolas" panose="020B0609020204030204" pitchFamily="49" charset="0"/>
-              </a:rPr>
-              <a:t>        </a:t>
-            </a:r>
-            <a:r>
-              <a:rPr lang="en-US" sz="1200" b="1" dirty="0">
-                <a:latin typeface="Consolas" panose="020B0609020204030204" pitchFamily="49" charset="0"/>
-                <a:cs typeface="Consolas" panose="020B0609020204030204" pitchFamily="49" charset="0"/>
-              </a:rPr>
-              <a:t>// platform and isn't available on Android, so we use </a:t>
-            </a:r>
-            <a:r>
-              <a:rPr lang="en-US" sz="1200" b="1" dirty="0" err="1">
-                <a:latin typeface="Consolas" panose="020B0609020204030204" pitchFamily="49" charset="0"/>
-                <a:cs typeface="Consolas" panose="020B0609020204030204" pitchFamily="49" charset="0"/>
-              </a:rPr>
-              <a:t>stringstream</a:t>
-            </a:r>
-            <a:endParaRPr lang="en-US" sz="1200" b="1" dirty="0">
-              <a:latin typeface="Consolas" panose="020B0609020204030204" pitchFamily="49" charset="0"/>
-              <a:cs typeface="Consolas" panose="020B0609020204030204" pitchFamily="49" charset="0"/>
-            </a:endParaRPr>
-          </a:p>
-          <a:p>
-            <a:pPr marL="0" indent="0">
-              <a:buNone/>
-            </a:pPr>
-            <a:r>
-              <a:rPr lang="en-US" sz="1200" dirty="0" smtClean="0">
-                <a:latin typeface="Consolas" panose="020B0609020204030204" pitchFamily="49" charset="0"/>
-                <a:cs typeface="Consolas" panose="020B0609020204030204" pitchFamily="49" charset="0"/>
-              </a:rPr>
-              <a:t>        </a:t>
-            </a:r>
-            <a:r>
-              <a:rPr lang="en-US" sz="1200" dirty="0" err="1">
-                <a:latin typeface="Consolas" panose="020B0609020204030204" pitchFamily="49" charset="0"/>
-                <a:cs typeface="Consolas" panose="020B0609020204030204" pitchFamily="49" charset="0"/>
-              </a:rPr>
-              <a:t>std</a:t>
-            </a:r>
-            <a:r>
-              <a:rPr lang="en-US" sz="1200" dirty="0">
-                <a:latin typeface="Consolas" panose="020B0609020204030204" pitchFamily="49" charset="0"/>
-                <a:cs typeface="Consolas" panose="020B0609020204030204" pitchFamily="49" charset="0"/>
-              </a:rPr>
-              <a:t>::</a:t>
-            </a:r>
-            <a:r>
-              <a:rPr lang="en-US" sz="1200" dirty="0" err="1">
-                <a:latin typeface="Consolas" panose="020B0609020204030204" pitchFamily="49" charset="0"/>
-                <a:cs typeface="Consolas" panose="020B0609020204030204" pitchFamily="49" charset="0"/>
-              </a:rPr>
-              <a:t>stringstream</a:t>
-            </a:r>
-            <a:r>
-              <a:rPr lang="en-US" sz="1200" dirty="0">
-                <a:latin typeface="Consolas" panose="020B0609020204030204" pitchFamily="49" charset="0"/>
-                <a:cs typeface="Consolas" panose="020B0609020204030204" pitchFamily="49" charset="0"/>
-              </a:rPr>
-              <a:t> </a:t>
-            </a:r>
-            <a:r>
-              <a:rPr lang="en-US" sz="1200" dirty="0" err="1">
-                <a:latin typeface="Consolas" panose="020B0609020204030204" pitchFamily="49" charset="0"/>
-                <a:cs typeface="Consolas" panose="020B0609020204030204" pitchFamily="49" charset="0"/>
-              </a:rPr>
-              <a:t>ss</a:t>
-            </a:r>
-            <a:r>
-              <a:rPr lang="en-US" sz="1200" dirty="0">
-                <a:latin typeface="Consolas" panose="020B0609020204030204" pitchFamily="49" charset="0"/>
-                <a:cs typeface="Consolas" panose="020B0609020204030204" pitchFamily="49" charset="0"/>
-              </a:rPr>
-              <a:t>;</a:t>
-            </a:r>
-          </a:p>
-          <a:p>
-            <a:pPr marL="0" indent="0">
-              <a:buNone/>
-            </a:pPr>
-            <a:r>
-              <a:rPr lang="en-US" sz="1200" dirty="0" smtClean="0">
-                <a:latin typeface="Consolas" panose="020B0609020204030204" pitchFamily="49" charset="0"/>
-                <a:cs typeface="Consolas" panose="020B0609020204030204" pitchFamily="49" charset="0"/>
-              </a:rPr>
-              <a:t>        </a:t>
-            </a:r>
-            <a:r>
-              <a:rPr lang="en-US" sz="1200" dirty="0" err="1">
-                <a:latin typeface="Consolas" panose="020B0609020204030204" pitchFamily="49" charset="0"/>
-                <a:cs typeface="Consolas" panose="020B0609020204030204" pitchFamily="49" charset="0"/>
-              </a:rPr>
-              <a:t>ss</a:t>
-            </a:r>
-            <a:r>
-              <a:rPr lang="en-US" sz="1200" dirty="0">
-                <a:latin typeface="Consolas" panose="020B0609020204030204" pitchFamily="49" charset="0"/>
-                <a:cs typeface="Consolas" panose="020B0609020204030204" pitchFamily="49" charset="0"/>
-              </a:rPr>
-              <a:t> &lt;&lt; t;</a:t>
-            </a:r>
-          </a:p>
-          <a:p>
-            <a:pPr marL="0" indent="0">
-              <a:buNone/>
-            </a:pPr>
-            <a:r>
-              <a:rPr lang="en-US" sz="1200" dirty="0" smtClean="0">
-                <a:latin typeface="Consolas" panose="020B0609020204030204" pitchFamily="49" charset="0"/>
-                <a:cs typeface="Consolas" panose="020B0609020204030204" pitchFamily="49" charset="0"/>
-              </a:rPr>
-              <a:t>        </a:t>
-            </a:r>
-            <a:r>
-              <a:rPr lang="en-US" sz="1200" dirty="0">
-                <a:latin typeface="Consolas" panose="020B0609020204030204" pitchFamily="49" charset="0"/>
-                <a:cs typeface="Consolas" panose="020B0609020204030204" pitchFamily="49" charset="0"/>
-              </a:rPr>
-              <a:t>return </a:t>
-            </a:r>
-            <a:r>
-              <a:rPr lang="en-US" sz="1200" dirty="0" err="1">
-                <a:latin typeface="Consolas" panose="020B0609020204030204" pitchFamily="49" charset="0"/>
-                <a:cs typeface="Consolas" panose="020B0609020204030204" pitchFamily="49" charset="0"/>
-              </a:rPr>
-              <a:t>ss.str</a:t>
-            </a:r>
-            <a:r>
-              <a:rPr lang="en-US" sz="1200" dirty="0">
-                <a:latin typeface="Consolas" panose="020B0609020204030204" pitchFamily="49" charset="0"/>
-                <a:cs typeface="Consolas" panose="020B0609020204030204" pitchFamily="49" charset="0"/>
-              </a:rPr>
-              <a:t>();</a:t>
-            </a:r>
-          </a:p>
-          <a:p>
-            <a:pPr marL="0" indent="0">
-              <a:buNone/>
-            </a:pPr>
-            <a:r>
-              <a:rPr lang="en-US" sz="1200" dirty="0" smtClean="0">
-                <a:latin typeface="Consolas" panose="020B0609020204030204" pitchFamily="49" charset="0"/>
-                <a:cs typeface="Consolas" panose="020B0609020204030204" pitchFamily="49" charset="0"/>
-              </a:rPr>
-              <a:t>   }</a:t>
-            </a:r>
-            <a:endParaRPr lang="en-US" sz="1200" dirty="0">
-              <a:latin typeface="Consolas" panose="020B0609020204030204" pitchFamily="49" charset="0"/>
-              <a:cs typeface="Consolas" panose="020B0609020204030204" pitchFamily="49" charset="0"/>
-            </a:endParaRPr>
-          </a:p>
-          <a:p>
-            <a:endParaRPr lang="en-US" sz="1400" dirty="0" smtClean="0"/>
+            <a:r>
+              <a:rPr lang="en-US" dirty="0" smtClean="0"/>
+              <a:t>C++ does not have garbage collection: It is deterministic in its acquisition and release of memory and other resources.</a:t>
+            </a:r>
+            <a:endParaRPr lang="en-US" dirty="0"/>
           </a:p>
         </p:txBody>
       </p:sp>
     </p:spTree>
     <p:extLst>
       <p:ext uri="{BB962C8B-B14F-4D97-AF65-F5344CB8AC3E}">
-        <p14:creationId xmlns:p14="http://schemas.microsoft.com/office/powerpoint/2010/main" val="4177361218"/>
+        <p14:creationId xmlns:p14="http://schemas.microsoft.com/office/powerpoint/2010/main" val="3828345346"/>
       </p:ext>
     </p:extLst>
   </p:cSld>
@@ -6416,256 +6074,480 @@
           <a:lstStyle/>
           <a:p>
             <a:r>
-              <a:rPr lang="en-US" dirty="0" smtClean="0"/>
-              <a:t>Google C++</a:t>
-            </a:r>
-            <a:endParaRPr lang="en-US" dirty="0"/>
-          </a:p>
-        </p:txBody>
-      </p:sp>
-      <p:sp>
-        <p:nvSpPr>
-          <p:cNvPr id="3" name="Content Placeholder 2"/>
-          <p:cNvSpPr>
-            <a:spLocks noGrp="1"/>
-          </p:cNvSpPr>
-          <p:nvPr>
-            <p:ph idx="1"/>
-          </p:nvPr>
-        </p:nvSpPr>
-        <p:spPr/>
-        <p:txBody>
-          <a:bodyPr>
-            <a:normAutofit fontScale="92500"/>
-          </a:bodyPr>
-          <a:lstStyle/>
-          <a:p>
-            <a:pPr marL="0" indent="0">
-              <a:buNone/>
-            </a:pPr>
-            <a:r>
-              <a:rPr lang="en-US" sz="2000" dirty="0">
-                <a:hlinkClick r:id="rId2"/>
-              </a:rPr>
-              <a:t>http://</a:t>
-            </a:r>
-            <a:r>
-              <a:rPr lang="en-US" sz="2000" dirty="0" smtClean="0">
-                <a:hlinkClick r:id="rId2"/>
-              </a:rPr>
-              <a:t>google-styleguide.googlecode.com/svn/trunk/cppguide.html</a:t>
-            </a:r>
-            <a:endParaRPr lang="en-US" sz="2000" dirty="0" smtClean="0"/>
-          </a:p>
-          <a:p>
-            <a:pPr marL="400050" lvl="1" indent="0">
-              <a:buNone/>
-            </a:pPr>
-            <a:endParaRPr lang="en-US" sz="1400" dirty="0" smtClean="0"/>
-          </a:p>
-          <a:p>
-            <a:pPr marL="400050" lvl="1" indent="0">
-              <a:buNone/>
-            </a:pPr>
-            <a:r>
-              <a:rPr lang="en-US" sz="1800" dirty="0" smtClean="0">
-                <a:latin typeface="Consolas" panose="020B0609020204030204" pitchFamily="49" charset="0"/>
-                <a:cs typeface="Consolas" panose="020B0609020204030204" pitchFamily="49" charset="0"/>
-              </a:rPr>
-              <a:t>“Programmers </a:t>
-            </a:r>
-            <a:r>
-              <a:rPr lang="en-US" sz="1800" dirty="0">
-                <a:latin typeface="Consolas" panose="020B0609020204030204" pitchFamily="49" charset="0"/>
-                <a:cs typeface="Consolas" panose="020B0609020204030204" pitchFamily="49" charset="0"/>
-              </a:rPr>
-              <a:t>have to understand the difference between auto and </a:t>
-            </a:r>
-            <a:r>
-              <a:rPr lang="en-US" sz="1800" dirty="0" err="1">
-                <a:latin typeface="Consolas" panose="020B0609020204030204" pitchFamily="49" charset="0"/>
-                <a:cs typeface="Consolas" panose="020B0609020204030204" pitchFamily="49" charset="0"/>
-              </a:rPr>
-              <a:t>const</a:t>
-            </a:r>
-            <a:r>
-              <a:rPr lang="en-US" sz="1800" dirty="0">
-                <a:latin typeface="Consolas" panose="020B0609020204030204" pitchFamily="49" charset="0"/>
-                <a:cs typeface="Consolas" panose="020B0609020204030204" pitchFamily="49" charset="0"/>
-              </a:rPr>
-              <a:t> auto&amp; or they'll get copies when they didn't mean to.</a:t>
-            </a:r>
-          </a:p>
-          <a:p>
-            <a:pPr marL="400050" lvl="1" indent="0">
-              <a:buNone/>
-            </a:pPr>
-            <a:endParaRPr lang="en-US" sz="1800" dirty="0">
+              <a:rPr lang="en-US" dirty="0" err="1" smtClean="0">
+                <a:latin typeface="Consolas" panose="020B0609020204030204" pitchFamily="49" charset="0"/>
+                <a:cs typeface="Consolas" panose="020B0609020204030204" pitchFamily="49" charset="0"/>
+              </a:rPr>
+              <a:t>std</a:t>
+            </a:r>
+            <a:r>
+              <a:rPr lang="en-US" dirty="0" smtClean="0">
+                <a:latin typeface="Consolas" panose="020B0609020204030204" pitchFamily="49" charset="0"/>
+                <a:cs typeface="Consolas" panose="020B0609020204030204" pitchFamily="49" charset="0"/>
+              </a:rPr>
+              <a:t>::</a:t>
+            </a:r>
+            <a:r>
+              <a:rPr lang="en-US" dirty="0" err="1" smtClean="0">
+                <a:latin typeface="Consolas" panose="020B0609020204030204" pitchFamily="49" charset="0"/>
+                <a:cs typeface="Consolas" panose="020B0609020204030204" pitchFamily="49" charset="0"/>
+              </a:rPr>
+              <a:t>to_string</a:t>
+            </a:r>
+            <a:endParaRPr lang="en-US" dirty="0">
               <a:latin typeface="Consolas" panose="020B0609020204030204" pitchFamily="49" charset="0"/>
               <a:cs typeface="Consolas" panose="020B0609020204030204" pitchFamily="49" charset="0"/>
             </a:endParaRPr>
           </a:p>
+        </p:txBody>
+      </p:sp>
+      <p:sp>
+        <p:nvSpPr>
+          <p:cNvPr id="3" name="Content Placeholder 2"/>
+          <p:cNvSpPr>
+            <a:spLocks noGrp="1"/>
+          </p:cNvSpPr>
+          <p:nvPr>
+            <p:ph idx="1"/>
+          </p:nvPr>
+        </p:nvSpPr>
+        <p:spPr>
+          <a:xfrm>
+            <a:off x="457200" y="1600200"/>
+            <a:ext cx="8229600" cy="4800600"/>
+          </a:xfrm>
+        </p:spPr>
+        <p:txBody>
+          <a:bodyPr>
+            <a:normAutofit lnSpcReduction="10000"/>
+          </a:bodyPr>
+          <a:lstStyle/>
+          <a:p>
+            <a:r>
+              <a:rPr lang="en-US" dirty="0" smtClean="0"/>
+              <a:t>“</a:t>
+            </a:r>
+            <a:r>
+              <a:rPr lang="en-US" dirty="0"/>
+              <a:t>Converts a numeric value to </a:t>
+            </a:r>
+            <a:r>
+              <a:rPr lang="en-US" dirty="0" err="1">
+                <a:hlinkClick r:id="rId2" tooltip="cpp/string/basic string"/>
+              </a:rPr>
+              <a:t>std</a:t>
+            </a:r>
+            <a:r>
+              <a:rPr lang="en-US" dirty="0">
+                <a:hlinkClick r:id="rId2" tooltip="cpp/string/basic string"/>
+              </a:rPr>
+              <a:t>::string</a:t>
+            </a:r>
+            <a:r>
+              <a:rPr lang="en-US" dirty="0" smtClean="0"/>
+              <a:t>.”</a:t>
+            </a:r>
+          </a:p>
           <a:p>
             <a:pPr marL="400050" lvl="1" indent="0">
               <a:buNone/>
             </a:pPr>
             <a:r>
-              <a:rPr lang="en-US" sz="1800" dirty="0">
-                <a:latin typeface="Consolas" panose="020B0609020204030204" pitchFamily="49" charset="0"/>
-                <a:cs typeface="Consolas" panose="020B0609020204030204" pitchFamily="49" charset="0"/>
-              </a:rPr>
-              <a:t>The interaction between auto and C++11 brace-initialization can be confusing. The declarations:</a:t>
-            </a:r>
+              <a:rPr lang="en-US" sz="2200" dirty="0" smtClean="0">
+                <a:hlinkClick r:id="rId3"/>
+              </a:rPr>
+              <a:t>http</a:t>
+            </a:r>
+            <a:r>
+              <a:rPr lang="en-US" sz="2200" dirty="0">
+                <a:hlinkClick r:id="rId3"/>
+              </a:rPr>
+              <a:t>://</a:t>
+            </a:r>
+            <a:r>
+              <a:rPr lang="en-US" sz="2200" dirty="0" smtClean="0">
+                <a:hlinkClick r:id="rId3"/>
+              </a:rPr>
+              <a:t>en.cppreference.com/w/cpp/string/basic_string/to_string</a:t>
+            </a:r>
+            <a:endParaRPr lang="en-US" sz="2200" dirty="0" smtClean="0"/>
+          </a:p>
+          <a:p>
+            <a:pPr marL="285750"/>
+            <a:r>
+              <a:rPr lang="en-US" dirty="0" smtClean="0"/>
+              <a:t>Avoid </a:t>
+            </a:r>
+            <a:r>
+              <a:rPr lang="en-US" dirty="0" err="1" smtClean="0"/>
+              <a:t>atof</a:t>
+            </a:r>
+            <a:r>
+              <a:rPr lang="en-US" dirty="0" smtClean="0"/>
+              <a:t>(), </a:t>
+            </a:r>
+            <a:r>
+              <a:rPr lang="en-US" dirty="0" err="1" smtClean="0"/>
+              <a:t>atoi</a:t>
+            </a:r>
+            <a:r>
+              <a:rPr lang="en-US" dirty="0" smtClean="0"/>
+              <a:t>(), Unicode macros, …</a:t>
+            </a:r>
+            <a:endParaRPr lang="en-US" dirty="0" smtClean="0"/>
+          </a:p>
+          <a:p>
+            <a:pPr marL="285750"/>
+            <a:r>
+              <a:rPr lang="en-US" dirty="0" smtClean="0"/>
+              <a:t>Use </a:t>
+            </a:r>
+            <a:r>
+              <a:rPr lang="en-US" dirty="0" err="1" smtClean="0"/>
+              <a:t>to_wstring</a:t>
+            </a:r>
+            <a:r>
+              <a:rPr lang="en-US" dirty="0" smtClean="0"/>
+              <a:t>() for wide strings</a:t>
+            </a:r>
+            <a:endParaRPr lang="en-US" dirty="0"/>
           </a:p>
           <a:p>
             <a:pPr marL="400050" lvl="1" indent="0">
               <a:buNone/>
             </a:pPr>
-            <a:endParaRPr lang="en-US" sz="1800" dirty="0">
+            <a:endParaRPr lang="en-US" sz="1800" dirty="0" smtClean="0"/>
+          </a:p>
+          <a:p>
+            <a:pPr marL="800100" lvl="2" indent="0">
+              <a:buNone/>
+            </a:pPr>
+            <a:r>
+              <a:rPr lang="en-US" sz="1400" dirty="0" smtClean="0">
+                <a:latin typeface="Consolas" panose="020B0609020204030204" pitchFamily="49" charset="0"/>
+                <a:cs typeface="Consolas" panose="020B0609020204030204" pitchFamily="49" charset="0"/>
+              </a:rPr>
+              <a:t>#</a:t>
+            </a:r>
+            <a:r>
+              <a:rPr lang="en-US" sz="1400" dirty="0">
+                <a:latin typeface="Consolas" panose="020B0609020204030204" pitchFamily="49" charset="0"/>
+                <a:cs typeface="Consolas" panose="020B0609020204030204" pitchFamily="49" charset="0"/>
+              </a:rPr>
+              <a:t>include &lt;</a:t>
+            </a:r>
+            <a:r>
+              <a:rPr lang="en-US" sz="1400" dirty="0" err="1">
+                <a:latin typeface="Consolas" panose="020B0609020204030204" pitchFamily="49" charset="0"/>
+                <a:cs typeface="Consolas" panose="020B0609020204030204" pitchFamily="49" charset="0"/>
+              </a:rPr>
+              <a:t>iostream</a:t>
+            </a:r>
+            <a:r>
+              <a:rPr lang="en-US" sz="1400" dirty="0">
+                <a:latin typeface="Consolas" panose="020B0609020204030204" pitchFamily="49" charset="0"/>
+                <a:cs typeface="Consolas" panose="020B0609020204030204" pitchFamily="49" charset="0"/>
+              </a:rPr>
+              <a:t>&gt;</a:t>
+            </a:r>
+          </a:p>
+          <a:p>
+            <a:pPr marL="800100" lvl="2" indent="0">
+              <a:buNone/>
+            </a:pPr>
+            <a:r>
+              <a:rPr lang="en-US" sz="1400" dirty="0">
+                <a:latin typeface="Consolas" panose="020B0609020204030204" pitchFamily="49" charset="0"/>
+                <a:cs typeface="Consolas" panose="020B0609020204030204" pitchFamily="49" charset="0"/>
+              </a:rPr>
+              <a:t>#include &lt;string</a:t>
+            </a:r>
+            <a:r>
+              <a:rPr lang="en-US" sz="1400" dirty="0" smtClean="0">
+                <a:latin typeface="Consolas" panose="020B0609020204030204" pitchFamily="49" charset="0"/>
+                <a:cs typeface="Consolas" panose="020B0609020204030204" pitchFamily="49" charset="0"/>
+              </a:rPr>
+              <a:t>&gt;</a:t>
+            </a:r>
+          </a:p>
+          <a:p>
+            <a:pPr marL="800100" lvl="2" indent="0">
+              <a:buNone/>
+            </a:pPr>
+            <a:endParaRPr lang="en-US" sz="1400" dirty="0">
               <a:latin typeface="Consolas" panose="020B0609020204030204" pitchFamily="49" charset="0"/>
               <a:cs typeface="Consolas" panose="020B0609020204030204" pitchFamily="49" charset="0"/>
             </a:endParaRPr>
           </a:p>
           <a:p>
-            <a:pPr marL="400050" lvl="1" indent="0">
-              <a:buNone/>
-            </a:pPr>
-            <a:r>
-              <a:rPr lang="en-US" sz="1800" dirty="0">
-                <a:latin typeface="Consolas" panose="020B0609020204030204" pitchFamily="49" charset="0"/>
-                <a:cs typeface="Consolas" panose="020B0609020204030204" pitchFamily="49" charset="0"/>
-              </a:rPr>
-              <a:t>auto x(3);  // </a:t>
-            </a:r>
-            <a:r>
-              <a:rPr lang="en-US" sz="1800" dirty="0">
-                <a:solidFill>
-                  <a:srgbClr val="FF0000"/>
-                </a:solidFill>
-                <a:latin typeface="Consolas" panose="020B0609020204030204" pitchFamily="49" charset="0"/>
-                <a:cs typeface="Consolas" panose="020B0609020204030204" pitchFamily="49" charset="0"/>
-              </a:rPr>
-              <a:t>Note: parentheses.</a:t>
-            </a:r>
-          </a:p>
-          <a:p>
-            <a:pPr marL="400050" lvl="1" indent="0">
-              <a:buNone/>
-            </a:pPr>
-            <a:r>
-              <a:rPr lang="en-US" sz="1800" dirty="0">
-                <a:latin typeface="Consolas" panose="020B0609020204030204" pitchFamily="49" charset="0"/>
-                <a:cs typeface="Consolas" panose="020B0609020204030204" pitchFamily="49" charset="0"/>
-              </a:rPr>
-              <a:t>auto y{3};  // </a:t>
-            </a:r>
-            <a:r>
-              <a:rPr lang="en-US" sz="1800" dirty="0">
-                <a:solidFill>
-                  <a:srgbClr val="FF0000"/>
-                </a:solidFill>
-                <a:latin typeface="Consolas" panose="020B0609020204030204" pitchFamily="49" charset="0"/>
-                <a:cs typeface="Consolas" panose="020B0609020204030204" pitchFamily="49" charset="0"/>
-              </a:rPr>
-              <a:t>Note: curly braces.</a:t>
-            </a:r>
-          </a:p>
-          <a:p>
-            <a:pPr marL="400050" lvl="1" indent="0">
-              <a:buNone/>
-            </a:pPr>
-            <a:endParaRPr lang="en-US" sz="1800" dirty="0" smtClean="0">
+            <a:pPr marL="800100" lvl="2" indent="0">
+              <a:buNone/>
+            </a:pPr>
+            <a:r>
+              <a:rPr lang="en-US" sz="1400" dirty="0" err="1" smtClean="0">
+                <a:latin typeface="Consolas" panose="020B0609020204030204" pitchFamily="49" charset="0"/>
+                <a:cs typeface="Consolas" panose="020B0609020204030204" pitchFamily="49" charset="0"/>
+              </a:rPr>
+              <a:t>int</a:t>
+            </a:r>
+            <a:r>
+              <a:rPr lang="en-US" sz="1400" dirty="0" smtClean="0">
+                <a:latin typeface="Consolas" panose="020B0609020204030204" pitchFamily="49" charset="0"/>
+                <a:cs typeface="Consolas" panose="020B0609020204030204" pitchFamily="49" charset="0"/>
+              </a:rPr>
+              <a:t> </a:t>
+            </a:r>
+            <a:r>
+              <a:rPr lang="en-US" sz="1400" dirty="0">
+                <a:latin typeface="Consolas" panose="020B0609020204030204" pitchFamily="49" charset="0"/>
+                <a:cs typeface="Consolas" panose="020B0609020204030204" pitchFamily="49" charset="0"/>
+              </a:rPr>
+              <a:t>main</a:t>
+            </a:r>
+            <a:r>
+              <a:rPr lang="en-US" sz="1400" dirty="0" smtClean="0">
+                <a:latin typeface="Consolas" panose="020B0609020204030204" pitchFamily="49" charset="0"/>
+                <a:cs typeface="Consolas" panose="020B0609020204030204" pitchFamily="49" charset="0"/>
+              </a:rPr>
+              <a:t>() {</a:t>
+            </a:r>
+            <a:endParaRPr lang="en-US" sz="1400" dirty="0">
               <a:latin typeface="Consolas" panose="020B0609020204030204" pitchFamily="49" charset="0"/>
               <a:cs typeface="Consolas" panose="020B0609020204030204" pitchFamily="49" charset="0"/>
             </a:endParaRPr>
           </a:p>
           <a:p>
-            <a:pPr marL="400050" lvl="1" indent="0">
-              <a:buNone/>
-            </a:pPr>
-            <a:r>
-              <a:rPr lang="en-US" sz="2400" dirty="0" smtClean="0">
-                <a:latin typeface="Consolas" panose="020B0609020204030204" pitchFamily="49" charset="0"/>
-                <a:cs typeface="Consolas" panose="020B0609020204030204" pitchFamily="49" charset="0"/>
-              </a:rPr>
-              <a:t>mean </a:t>
-            </a:r>
-            <a:r>
-              <a:rPr lang="en-US" sz="2400" dirty="0">
-                <a:latin typeface="Consolas" panose="020B0609020204030204" pitchFamily="49" charset="0"/>
-                <a:cs typeface="Consolas" panose="020B0609020204030204" pitchFamily="49" charset="0"/>
-              </a:rPr>
-              <a:t>different things — x is an </a:t>
-            </a:r>
-            <a:r>
-              <a:rPr lang="en-US" sz="2400" dirty="0" err="1">
-                <a:latin typeface="Consolas" panose="020B0609020204030204" pitchFamily="49" charset="0"/>
-                <a:cs typeface="Consolas" panose="020B0609020204030204" pitchFamily="49" charset="0"/>
-              </a:rPr>
-              <a:t>int</a:t>
-            </a:r>
-            <a:r>
-              <a:rPr lang="en-US" sz="2400" dirty="0">
-                <a:latin typeface="Consolas" panose="020B0609020204030204" pitchFamily="49" charset="0"/>
-                <a:cs typeface="Consolas" panose="020B0609020204030204" pitchFamily="49" charset="0"/>
-              </a:rPr>
-              <a:t>, while y is a </a:t>
-            </a:r>
-            <a:r>
-              <a:rPr lang="en-US" sz="2400" dirty="0" err="1">
+            <a:pPr marL="800100" lvl="2" indent="0">
+              <a:buNone/>
+            </a:pPr>
+            <a:r>
+              <a:rPr lang="en-US" sz="1400" dirty="0">
+                <a:latin typeface="Consolas" panose="020B0609020204030204" pitchFamily="49" charset="0"/>
+                <a:cs typeface="Consolas" panose="020B0609020204030204" pitchFamily="49" charset="0"/>
+              </a:rPr>
+              <a:t>    double f = 23.43;</a:t>
+            </a:r>
+          </a:p>
+          <a:p>
+            <a:pPr marL="800100" lvl="2" indent="0">
+              <a:buNone/>
+            </a:pPr>
+            <a:r>
+              <a:rPr lang="en-US" sz="1400" dirty="0">
+                <a:latin typeface="Consolas" panose="020B0609020204030204" pitchFamily="49" charset="0"/>
+                <a:cs typeface="Consolas" panose="020B0609020204030204" pitchFamily="49" charset="0"/>
+              </a:rPr>
+              <a:t>    </a:t>
+            </a:r>
+            <a:r>
+              <a:rPr lang="en-US" sz="1400" dirty="0" err="1">
                 <a:latin typeface="Consolas" panose="020B0609020204030204" pitchFamily="49" charset="0"/>
                 <a:cs typeface="Consolas" panose="020B0609020204030204" pitchFamily="49" charset="0"/>
               </a:rPr>
               <a:t>std</a:t>
             </a:r>
             <a:r>
-              <a:rPr lang="en-US" sz="2400" dirty="0">
+              <a:rPr lang="en-US" sz="1400" dirty="0">
+                <a:latin typeface="Consolas" panose="020B0609020204030204" pitchFamily="49" charset="0"/>
+                <a:cs typeface="Consolas" panose="020B0609020204030204" pitchFamily="49" charset="0"/>
+              </a:rPr>
+              <a:t>::string </a:t>
+            </a:r>
+            <a:r>
+              <a:rPr lang="en-US" sz="1400" dirty="0" err="1">
+                <a:latin typeface="Consolas" panose="020B0609020204030204" pitchFamily="49" charset="0"/>
+                <a:cs typeface="Consolas" panose="020B0609020204030204" pitchFamily="49" charset="0"/>
+              </a:rPr>
+              <a:t>f_str</a:t>
+            </a:r>
+            <a:r>
+              <a:rPr lang="en-US" sz="1400" dirty="0">
+                <a:latin typeface="Consolas" panose="020B0609020204030204" pitchFamily="49" charset="0"/>
+                <a:cs typeface="Consolas" panose="020B0609020204030204" pitchFamily="49" charset="0"/>
+              </a:rPr>
+              <a:t> = </a:t>
+            </a:r>
+            <a:r>
+              <a:rPr lang="en-US" sz="1400" dirty="0" err="1">
+                <a:latin typeface="Consolas" panose="020B0609020204030204" pitchFamily="49" charset="0"/>
+                <a:cs typeface="Consolas" panose="020B0609020204030204" pitchFamily="49" charset="0"/>
+              </a:rPr>
+              <a:t>std</a:t>
+            </a:r>
+            <a:r>
+              <a:rPr lang="en-US" sz="1400" dirty="0">
                 <a:latin typeface="Consolas" panose="020B0609020204030204" pitchFamily="49" charset="0"/>
                 <a:cs typeface="Consolas" panose="020B0609020204030204" pitchFamily="49" charset="0"/>
               </a:rPr>
               <a:t>::</a:t>
             </a:r>
             <a:r>
-              <a:rPr lang="en-US" sz="2400" dirty="0" err="1">
-                <a:latin typeface="Consolas" panose="020B0609020204030204" pitchFamily="49" charset="0"/>
-                <a:cs typeface="Consolas" panose="020B0609020204030204" pitchFamily="49" charset="0"/>
-              </a:rPr>
-              <a:t>initializer_list</a:t>
-            </a:r>
-            <a:r>
-              <a:rPr lang="en-US" sz="2400" dirty="0">
-                <a:latin typeface="Consolas" panose="020B0609020204030204" pitchFamily="49" charset="0"/>
-                <a:cs typeface="Consolas" panose="020B0609020204030204" pitchFamily="49" charset="0"/>
-              </a:rPr>
-              <a:t>&lt;</a:t>
-            </a:r>
-            <a:r>
-              <a:rPr lang="en-US" sz="2400" dirty="0" err="1">
-                <a:latin typeface="Consolas" panose="020B0609020204030204" pitchFamily="49" charset="0"/>
-                <a:cs typeface="Consolas" panose="020B0609020204030204" pitchFamily="49" charset="0"/>
-              </a:rPr>
-              <a:t>int</a:t>
-            </a:r>
-            <a:r>
-              <a:rPr lang="en-US" sz="2400" dirty="0">
-                <a:latin typeface="Consolas" panose="020B0609020204030204" pitchFamily="49" charset="0"/>
-                <a:cs typeface="Consolas" panose="020B0609020204030204" pitchFamily="49" charset="0"/>
-              </a:rPr>
-              <a:t>&gt;. The same applies to other normally-invisible proxy types.</a:t>
-            </a:r>
+              <a:rPr lang="en-US" sz="1400" dirty="0" err="1">
+                <a:latin typeface="Consolas" panose="020B0609020204030204" pitchFamily="49" charset="0"/>
+                <a:cs typeface="Consolas" panose="020B0609020204030204" pitchFamily="49" charset="0"/>
+              </a:rPr>
+              <a:t>to_string</a:t>
+            </a:r>
+            <a:r>
+              <a:rPr lang="en-US" sz="1400" dirty="0">
+                <a:latin typeface="Consolas" panose="020B0609020204030204" pitchFamily="49" charset="0"/>
+                <a:cs typeface="Consolas" panose="020B0609020204030204" pitchFamily="49" charset="0"/>
+              </a:rPr>
+              <a:t>(f);</a:t>
+            </a:r>
+          </a:p>
+          <a:p>
+            <a:pPr marL="800100" lvl="2" indent="0">
+              <a:buNone/>
+            </a:pPr>
+            <a:r>
+              <a:rPr lang="en-US" sz="1400" dirty="0">
+                <a:latin typeface="Consolas" panose="020B0609020204030204" pitchFamily="49" charset="0"/>
+                <a:cs typeface="Consolas" panose="020B0609020204030204" pitchFamily="49" charset="0"/>
+              </a:rPr>
+              <a:t>    </a:t>
+            </a:r>
+            <a:r>
+              <a:rPr lang="en-US" sz="1400" dirty="0" err="1">
+                <a:latin typeface="Consolas" panose="020B0609020204030204" pitchFamily="49" charset="0"/>
+                <a:cs typeface="Consolas" panose="020B0609020204030204" pitchFamily="49" charset="0"/>
+              </a:rPr>
+              <a:t>std</a:t>
+            </a:r>
+            <a:r>
+              <a:rPr lang="en-US" sz="1400" dirty="0">
+                <a:latin typeface="Consolas" panose="020B0609020204030204" pitchFamily="49" charset="0"/>
+                <a:cs typeface="Consolas" panose="020B0609020204030204" pitchFamily="49" charset="0"/>
+              </a:rPr>
+              <a:t>::</a:t>
+            </a:r>
+            <a:r>
+              <a:rPr lang="en-US" sz="1400" dirty="0" err="1">
+                <a:latin typeface="Consolas" panose="020B0609020204030204" pitchFamily="49" charset="0"/>
+                <a:cs typeface="Consolas" panose="020B0609020204030204" pitchFamily="49" charset="0"/>
+              </a:rPr>
+              <a:t>cout</a:t>
+            </a:r>
+            <a:r>
+              <a:rPr lang="en-US" sz="1400" dirty="0">
+                <a:latin typeface="Consolas" panose="020B0609020204030204" pitchFamily="49" charset="0"/>
+                <a:cs typeface="Consolas" panose="020B0609020204030204" pitchFamily="49" charset="0"/>
+              </a:rPr>
+              <a:t> &lt;&lt; </a:t>
+            </a:r>
+            <a:r>
+              <a:rPr lang="en-US" sz="1400" dirty="0" err="1">
+                <a:latin typeface="Consolas" panose="020B0609020204030204" pitchFamily="49" charset="0"/>
+                <a:cs typeface="Consolas" panose="020B0609020204030204" pitchFamily="49" charset="0"/>
+              </a:rPr>
+              <a:t>f_str</a:t>
+            </a:r>
+            <a:r>
+              <a:rPr lang="en-US" sz="1400" dirty="0">
+                <a:latin typeface="Consolas" panose="020B0609020204030204" pitchFamily="49" charset="0"/>
+                <a:cs typeface="Consolas" panose="020B0609020204030204" pitchFamily="49" charset="0"/>
+              </a:rPr>
+              <a:t> &lt;&lt; </a:t>
+            </a:r>
+            <a:r>
+              <a:rPr lang="en-US" sz="1400" dirty="0" err="1" smtClean="0">
+                <a:latin typeface="Consolas" panose="020B0609020204030204" pitchFamily="49" charset="0"/>
+                <a:cs typeface="Consolas" panose="020B0609020204030204" pitchFamily="49" charset="0"/>
+              </a:rPr>
+              <a:t>std</a:t>
+            </a:r>
+            <a:r>
+              <a:rPr lang="en-US" sz="1400" dirty="0" smtClean="0">
+                <a:latin typeface="Consolas" panose="020B0609020204030204" pitchFamily="49" charset="0"/>
+                <a:cs typeface="Consolas" panose="020B0609020204030204" pitchFamily="49" charset="0"/>
+              </a:rPr>
+              <a:t>::</a:t>
+            </a:r>
+            <a:r>
+              <a:rPr lang="en-US" sz="1400" dirty="0" err="1" smtClean="0">
+                <a:latin typeface="Consolas" panose="020B0609020204030204" pitchFamily="49" charset="0"/>
+                <a:cs typeface="Consolas" panose="020B0609020204030204" pitchFamily="49" charset="0"/>
+              </a:rPr>
+              <a:t>endl</a:t>
+            </a:r>
+            <a:r>
+              <a:rPr lang="en-US" sz="1400" dirty="0" smtClean="0">
+                <a:latin typeface="Consolas" panose="020B0609020204030204" pitchFamily="49" charset="0"/>
+                <a:cs typeface="Consolas" panose="020B0609020204030204" pitchFamily="49" charset="0"/>
+              </a:rPr>
+              <a:t>;</a:t>
+            </a:r>
+            <a:endParaRPr lang="en-US" sz="1400" dirty="0">
+              <a:latin typeface="Consolas" panose="020B0609020204030204" pitchFamily="49" charset="0"/>
+              <a:cs typeface="Consolas" panose="020B0609020204030204" pitchFamily="49" charset="0"/>
+            </a:endParaRPr>
+          </a:p>
+          <a:p>
+            <a:pPr marL="800100" lvl="2" indent="0">
+              <a:buNone/>
+            </a:pPr>
+            <a:r>
+              <a:rPr lang="en-US" sz="1400" dirty="0" smtClean="0">
+                <a:latin typeface="Consolas" panose="020B0609020204030204" pitchFamily="49" charset="0"/>
+                <a:cs typeface="Consolas" panose="020B0609020204030204" pitchFamily="49" charset="0"/>
+              </a:rPr>
+              <a:t>}</a:t>
+            </a:r>
+          </a:p>
+          <a:p>
+            <a:pPr marL="800100" lvl="2" indent="0">
+              <a:buNone/>
+            </a:pPr>
+            <a:endParaRPr lang="en-US" sz="1400" dirty="0" smtClean="0">
+              <a:latin typeface="Consolas" panose="020B0609020204030204" pitchFamily="49" charset="0"/>
+              <a:cs typeface="Consolas" panose="020B0609020204030204" pitchFamily="49" charset="0"/>
+            </a:endParaRPr>
+          </a:p>
+          <a:p>
+            <a:pPr marL="800100" lvl="2" indent="0">
+              <a:buNone/>
+            </a:pPr>
+            <a:r>
+              <a:rPr lang="en-US" sz="1400" dirty="0" smtClean="0">
+                <a:latin typeface="Consolas" panose="020B0609020204030204" pitchFamily="49" charset="0"/>
+                <a:cs typeface="Consolas" panose="020B0609020204030204" pitchFamily="49" charset="0"/>
+              </a:rPr>
+              <a:t>output: </a:t>
+            </a:r>
+            <a:r>
+              <a:rPr lang="en-US" sz="1400" dirty="0" smtClean="0"/>
+              <a:t>23.430000</a:t>
+            </a:r>
+            <a:endParaRPr lang="en-US" sz="1400" dirty="0">
+              <a:latin typeface="Consolas" panose="020B0609020204030204" pitchFamily="49" charset="0"/>
+              <a:cs typeface="Consolas" panose="020B0609020204030204" pitchFamily="49" charset="0"/>
+            </a:endParaRPr>
+          </a:p>
+          <a:p>
+            <a:pPr marL="800100" lvl="2" indent="0">
+              <a:buNone/>
+            </a:pPr>
+            <a:endParaRPr lang="en-US" sz="1400" dirty="0" smtClean="0"/>
           </a:p>
         </p:txBody>
       </p:sp>
     </p:spTree>
     <p:extLst>
       <p:ext uri="{BB962C8B-B14F-4D97-AF65-F5344CB8AC3E}">
-        <p14:creationId xmlns:p14="http://schemas.microsoft.com/office/powerpoint/2010/main" val="3077294350"/>
+        <p14:creationId xmlns:p14="http://schemas.microsoft.com/office/powerpoint/2010/main" val="146388363"/>
       </p:ext>
     </p:extLst>
   </p:cSld>
   <p:clrMapOvr>
     <a:masterClrMapping/>
   </p:clrMapOvr>
+  <p:timing>
+    <p:tnLst>
+      <p:par>
+        <p:cTn id="1" dur="indefinite" restart="never" nodeType="tmRoot"/>
+      </p:par>
+    </p:tnLst>
+  </p:timing>
 </p:sld>
 </file>
 
@@ -6702,8 +6584,821 @@
           <a:lstStyle/>
           <a:p>
             <a:r>
+              <a:rPr lang="en-US" dirty="0" err="1" smtClean="0">
+                <a:latin typeface="Consolas" panose="020B0609020204030204" pitchFamily="49" charset="0"/>
+                <a:cs typeface="Consolas" panose="020B0609020204030204" pitchFamily="49" charset="0"/>
+              </a:rPr>
+              <a:t>std</a:t>
+            </a:r>
+            <a:r>
+              <a:rPr lang="en-US" dirty="0" smtClean="0">
+                <a:latin typeface="Consolas" panose="020B0609020204030204" pitchFamily="49" charset="0"/>
+                <a:cs typeface="Consolas" panose="020B0609020204030204" pitchFamily="49" charset="0"/>
+              </a:rPr>
+              <a:t>::</a:t>
+            </a:r>
+            <a:r>
+              <a:rPr lang="en-US" dirty="0" err="1" smtClean="0">
+                <a:latin typeface="Consolas" panose="020B0609020204030204" pitchFamily="49" charset="0"/>
+                <a:cs typeface="Consolas" panose="020B0609020204030204" pitchFamily="49" charset="0"/>
+              </a:rPr>
+              <a:t>to_string</a:t>
+            </a:r>
+            <a:endParaRPr lang="en-US" dirty="0">
+              <a:latin typeface="Consolas" panose="020B0609020204030204" pitchFamily="49" charset="0"/>
+              <a:cs typeface="Consolas" panose="020B0609020204030204" pitchFamily="49" charset="0"/>
+            </a:endParaRPr>
+          </a:p>
+        </p:txBody>
+      </p:sp>
+      <p:sp>
+        <p:nvSpPr>
+          <p:cNvPr id="3" name="Content Placeholder 2"/>
+          <p:cNvSpPr>
+            <a:spLocks noGrp="1"/>
+          </p:cNvSpPr>
+          <p:nvPr>
+            <p:ph idx="1"/>
+          </p:nvPr>
+        </p:nvSpPr>
+        <p:spPr/>
+        <p:txBody>
+          <a:bodyPr>
+            <a:normAutofit/>
+          </a:bodyPr>
+          <a:lstStyle/>
+          <a:p>
+            <a:r>
               <a:rPr lang="en-US" dirty="0" smtClean="0"/>
-              <a:t>Google C++</a:t>
+              <a:t>Works with all sorts of numeric types</a:t>
+            </a:r>
+          </a:p>
+          <a:p>
+            <a:r>
+              <a:rPr lang="en-US" dirty="0" smtClean="0"/>
+              <a:t>Caveat (google </a:t>
+            </a:r>
+            <a:r>
+              <a:rPr lang="en-US" dirty="0" err="1" smtClean="0"/>
+              <a:t>FlatBuffers</a:t>
+            </a:r>
+            <a:r>
+              <a:rPr lang="en-US" dirty="0" smtClean="0"/>
+              <a:t>):</a:t>
+            </a:r>
+          </a:p>
+          <a:p>
+            <a:pPr marL="0" indent="0">
+              <a:buNone/>
+            </a:pPr>
+            <a:endParaRPr lang="en-US" sz="1200" dirty="0" smtClean="0">
+              <a:latin typeface="Consolas" panose="020B0609020204030204" pitchFamily="49" charset="0"/>
+              <a:cs typeface="Consolas" panose="020B0609020204030204" pitchFamily="49" charset="0"/>
+            </a:endParaRPr>
+          </a:p>
+          <a:p>
+            <a:pPr marL="0" indent="0">
+              <a:buNone/>
+            </a:pPr>
+            <a:r>
+              <a:rPr lang="en-US" sz="1200" dirty="0" smtClean="0">
+                <a:latin typeface="Consolas" panose="020B0609020204030204" pitchFamily="49" charset="0"/>
+                <a:cs typeface="Consolas" panose="020B0609020204030204" pitchFamily="49" charset="0"/>
+              </a:rPr>
+              <a:t>  namespace </a:t>
+            </a:r>
+            <a:r>
+              <a:rPr lang="en-US" sz="1200" dirty="0" err="1">
+                <a:latin typeface="Consolas" panose="020B0609020204030204" pitchFamily="49" charset="0"/>
+                <a:cs typeface="Consolas" panose="020B0609020204030204" pitchFamily="49" charset="0"/>
+              </a:rPr>
+              <a:t>flatbuffers</a:t>
+            </a:r>
+            <a:r>
+              <a:rPr lang="en-US" sz="1200" dirty="0">
+                <a:latin typeface="Consolas" panose="020B0609020204030204" pitchFamily="49" charset="0"/>
+                <a:cs typeface="Consolas" panose="020B0609020204030204" pitchFamily="49" charset="0"/>
+              </a:rPr>
+              <a:t> {</a:t>
+            </a:r>
+          </a:p>
+          <a:p>
+            <a:pPr marL="0" indent="0">
+              <a:buNone/>
+            </a:pPr>
+            <a:r>
+              <a:rPr lang="en-US" sz="1200" dirty="0" smtClean="0">
+                <a:latin typeface="Consolas" panose="020B0609020204030204" pitchFamily="49" charset="0"/>
+                <a:cs typeface="Consolas" panose="020B0609020204030204" pitchFamily="49" charset="0"/>
+              </a:rPr>
+              <a:t>    // </a:t>
+            </a:r>
+            <a:r>
+              <a:rPr lang="en-US" sz="1200" dirty="0">
+                <a:latin typeface="Consolas" panose="020B0609020204030204" pitchFamily="49" charset="0"/>
+                <a:cs typeface="Consolas" panose="020B0609020204030204" pitchFamily="49" charset="0"/>
+              </a:rPr>
+              <a:t>Convert an integer or floating point value to a string.</a:t>
+            </a:r>
+          </a:p>
+          <a:p>
+            <a:pPr marL="0" indent="0">
+              <a:buNone/>
+            </a:pPr>
+            <a:r>
+              <a:rPr lang="en-US" sz="1200" dirty="0" smtClean="0">
+                <a:latin typeface="Consolas" panose="020B0609020204030204" pitchFamily="49" charset="0"/>
+                <a:cs typeface="Consolas" panose="020B0609020204030204" pitchFamily="49" charset="0"/>
+              </a:rPr>
+              <a:t>    // </a:t>
+            </a:r>
+            <a:r>
+              <a:rPr lang="en-US" sz="1200" dirty="0">
+                <a:latin typeface="Consolas" panose="020B0609020204030204" pitchFamily="49" charset="0"/>
+                <a:cs typeface="Consolas" panose="020B0609020204030204" pitchFamily="49" charset="0"/>
+              </a:rPr>
+              <a:t>In contrast to </a:t>
+            </a:r>
+            <a:r>
+              <a:rPr lang="en-US" sz="1200" dirty="0" err="1">
+                <a:latin typeface="Consolas" panose="020B0609020204030204" pitchFamily="49" charset="0"/>
+                <a:cs typeface="Consolas" panose="020B0609020204030204" pitchFamily="49" charset="0"/>
+              </a:rPr>
+              <a:t>std</a:t>
+            </a:r>
+            <a:r>
+              <a:rPr lang="en-US" sz="1200" dirty="0">
+                <a:latin typeface="Consolas" panose="020B0609020204030204" pitchFamily="49" charset="0"/>
+                <a:cs typeface="Consolas" panose="020B0609020204030204" pitchFamily="49" charset="0"/>
+              </a:rPr>
+              <a:t>::</a:t>
+            </a:r>
+            <a:r>
+              <a:rPr lang="en-US" sz="1200" dirty="0" err="1">
+                <a:latin typeface="Consolas" panose="020B0609020204030204" pitchFamily="49" charset="0"/>
+                <a:cs typeface="Consolas" panose="020B0609020204030204" pitchFamily="49" charset="0"/>
+              </a:rPr>
+              <a:t>stringstream</a:t>
+            </a:r>
+            <a:r>
+              <a:rPr lang="en-US" sz="1200" dirty="0">
+                <a:latin typeface="Consolas" panose="020B0609020204030204" pitchFamily="49" charset="0"/>
+                <a:cs typeface="Consolas" panose="020B0609020204030204" pitchFamily="49" charset="0"/>
+              </a:rPr>
+              <a:t>, "char" values </a:t>
+            </a:r>
+            <a:r>
+              <a:rPr lang="en-US" sz="1200" dirty="0" smtClean="0">
+                <a:latin typeface="Consolas" panose="020B0609020204030204" pitchFamily="49" charset="0"/>
+                <a:cs typeface="Consolas" panose="020B0609020204030204" pitchFamily="49" charset="0"/>
+              </a:rPr>
+              <a:t>are converted </a:t>
+            </a:r>
+            <a:r>
+              <a:rPr lang="en-US" sz="1200" dirty="0">
+                <a:latin typeface="Consolas" panose="020B0609020204030204" pitchFamily="49" charset="0"/>
+                <a:cs typeface="Consolas" panose="020B0609020204030204" pitchFamily="49" charset="0"/>
+              </a:rPr>
+              <a:t>to a string of digits.</a:t>
+            </a:r>
+          </a:p>
+          <a:p>
+            <a:pPr marL="0" indent="0">
+              <a:buNone/>
+            </a:pPr>
+            <a:r>
+              <a:rPr lang="en-US" sz="1200" dirty="0" smtClean="0">
+                <a:latin typeface="Consolas" panose="020B0609020204030204" pitchFamily="49" charset="0"/>
+                <a:cs typeface="Consolas" panose="020B0609020204030204" pitchFamily="49" charset="0"/>
+              </a:rPr>
+              <a:t>    template&lt;</a:t>
+            </a:r>
+            <a:r>
+              <a:rPr lang="en-US" sz="1200" dirty="0" err="1" smtClean="0">
+                <a:latin typeface="Consolas" panose="020B0609020204030204" pitchFamily="49" charset="0"/>
+                <a:cs typeface="Consolas" panose="020B0609020204030204" pitchFamily="49" charset="0"/>
+              </a:rPr>
+              <a:t>typename</a:t>
+            </a:r>
+            <a:r>
+              <a:rPr lang="en-US" sz="1200" dirty="0" smtClean="0">
+                <a:latin typeface="Consolas" panose="020B0609020204030204" pitchFamily="49" charset="0"/>
+                <a:cs typeface="Consolas" panose="020B0609020204030204" pitchFamily="49" charset="0"/>
+              </a:rPr>
+              <a:t> </a:t>
+            </a:r>
+            <a:r>
+              <a:rPr lang="en-US" sz="1200" dirty="0">
+                <a:latin typeface="Consolas" panose="020B0609020204030204" pitchFamily="49" charset="0"/>
+                <a:cs typeface="Consolas" panose="020B0609020204030204" pitchFamily="49" charset="0"/>
+              </a:rPr>
+              <a:t>T&gt; </a:t>
+            </a:r>
+            <a:r>
+              <a:rPr lang="en-US" sz="1200" dirty="0" err="1">
+                <a:latin typeface="Consolas" panose="020B0609020204030204" pitchFamily="49" charset="0"/>
+                <a:cs typeface="Consolas" panose="020B0609020204030204" pitchFamily="49" charset="0"/>
+              </a:rPr>
+              <a:t>std</a:t>
+            </a:r>
+            <a:r>
+              <a:rPr lang="en-US" sz="1200" dirty="0">
+                <a:latin typeface="Consolas" panose="020B0609020204030204" pitchFamily="49" charset="0"/>
+                <a:cs typeface="Consolas" panose="020B0609020204030204" pitchFamily="49" charset="0"/>
+              </a:rPr>
+              <a:t>::string </a:t>
+            </a:r>
+            <a:r>
+              <a:rPr lang="en-US" sz="1200" dirty="0" err="1">
+                <a:latin typeface="Consolas" panose="020B0609020204030204" pitchFamily="49" charset="0"/>
+                <a:cs typeface="Consolas" panose="020B0609020204030204" pitchFamily="49" charset="0"/>
+              </a:rPr>
+              <a:t>NumToString</a:t>
+            </a:r>
+            <a:r>
+              <a:rPr lang="en-US" sz="1200" dirty="0">
+                <a:latin typeface="Consolas" panose="020B0609020204030204" pitchFamily="49" charset="0"/>
+                <a:cs typeface="Consolas" panose="020B0609020204030204" pitchFamily="49" charset="0"/>
+              </a:rPr>
+              <a:t>(T t</a:t>
+            </a:r>
+            <a:r>
+              <a:rPr lang="en-US" sz="1200" dirty="0" smtClean="0">
+                <a:latin typeface="Consolas" panose="020B0609020204030204" pitchFamily="49" charset="0"/>
+                <a:cs typeface="Consolas" panose="020B0609020204030204" pitchFamily="49" charset="0"/>
+              </a:rPr>
+              <a:t>)</a:t>
+            </a:r>
+          </a:p>
+          <a:p>
+            <a:pPr marL="0" indent="0">
+              <a:buNone/>
+            </a:pPr>
+            <a:r>
+              <a:rPr lang="en-US" sz="1200" dirty="0">
+                <a:latin typeface="Consolas" panose="020B0609020204030204" pitchFamily="49" charset="0"/>
+                <a:cs typeface="Consolas" panose="020B0609020204030204" pitchFamily="49" charset="0"/>
+              </a:rPr>
+              <a:t> </a:t>
+            </a:r>
+            <a:r>
+              <a:rPr lang="en-US" sz="1200" dirty="0" smtClean="0">
+                <a:latin typeface="Consolas" panose="020B0609020204030204" pitchFamily="49" charset="0"/>
+                <a:cs typeface="Consolas" panose="020B0609020204030204" pitchFamily="49" charset="0"/>
+              </a:rPr>
+              <a:t>  {</a:t>
+            </a:r>
+            <a:endParaRPr lang="en-US" sz="1200" dirty="0">
+              <a:latin typeface="Consolas" panose="020B0609020204030204" pitchFamily="49" charset="0"/>
+              <a:cs typeface="Consolas" panose="020B0609020204030204" pitchFamily="49" charset="0"/>
+            </a:endParaRPr>
+          </a:p>
+          <a:p>
+            <a:pPr marL="0" indent="0">
+              <a:buNone/>
+            </a:pPr>
+            <a:r>
+              <a:rPr lang="en-US" sz="1200" b="1" dirty="0" smtClean="0">
+                <a:latin typeface="Consolas" panose="020B0609020204030204" pitchFamily="49" charset="0"/>
+                <a:cs typeface="Consolas" panose="020B0609020204030204" pitchFamily="49" charset="0"/>
+              </a:rPr>
+              <a:t>        </a:t>
+            </a:r>
+            <a:r>
+              <a:rPr lang="en-US" sz="1200" b="1" dirty="0">
+                <a:latin typeface="Consolas" panose="020B0609020204030204" pitchFamily="49" charset="0"/>
+                <a:cs typeface="Consolas" panose="020B0609020204030204" pitchFamily="49" charset="0"/>
+              </a:rPr>
+              <a:t>// </a:t>
+            </a:r>
+            <a:r>
+              <a:rPr lang="en-US" sz="1200" b="1" dirty="0" err="1">
+                <a:latin typeface="Consolas" panose="020B0609020204030204" pitchFamily="49" charset="0"/>
+                <a:cs typeface="Consolas" panose="020B0609020204030204" pitchFamily="49" charset="0"/>
+              </a:rPr>
+              <a:t>to_string</a:t>
+            </a:r>
+            <a:r>
+              <a:rPr lang="en-US" sz="1200" b="1" dirty="0">
+                <a:latin typeface="Consolas" panose="020B0609020204030204" pitchFamily="49" charset="0"/>
+                <a:cs typeface="Consolas" panose="020B0609020204030204" pitchFamily="49" charset="0"/>
+              </a:rPr>
+              <a:t>() prints different numbers of digits for floats depending on</a:t>
+            </a:r>
+          </a:p>
+          <a:p>
+            <a:pPr marL="0" indent="0">
+              <a:buNone/>
+            </a:pPr>
+            <a:r>
+              <a:rPr lang="en-US" sz="1200" b="1" dirty="0" smtClean="0">
+                <a:latin typeface="Consolas" panose="020B0609020204030204" pitchFamily="49" charset="0"/>
+                <a:cs typeface="Consolas" panose="020B0609020204030204" pitchFamily="49" charset="0"/>
+              </a:rPr>
+              <a:t>        </a:t>
+            </a:r>
+            <a:r>
+              <a:rPr lang="en-US" sz="1200" b="1" dirty="0">
+                <a:latin typeface="Consolas" panose="020B0609020204030204" pitchFamily="49" charset="0"/>
+                <a:cs typeface="Consolas" panose="020B0609020204030204" pitchFamily="49" charset="0"/>
+              </a:rPr>
+              <a:t>// platform and isn't available on Android, so we use </a:t>
+            </a:r>
+            <a:r>
+              <a:rPr lang="en-US" sz="1200" b="1" dirty="0" err="1">
+                <a:latin typeface="Consolas" panose="020B0609020204030204" pitchFamily="49" charset="0"/>
+                <a:cs typeface="Consolas" panose="020B0609020204030204" pitchFamily="49" charset="0"/>
+              </a:rPr>
+              <a:t>stringstream</a:t>
+            </a:r>
+            <a:endParaRPr lang="en-US" sz="1200" b="1" dirty="0">
+              <a:latin typeface="Consolas" panose="020B0609020204030204" pitchFamily="49" charset="0"/>
+              <a:cs typeface="Consolas" panose="020B0609020204030204" pitchFamily="49" charset="0"/>
+            </a:endParaRPr>
+          </a:p>
+          <a:p>
+            <a:pPr marL="0" indent="0">
+              <a:buNone/>
+            </a:pPr>
+            <a:r>
+              <a:rPr lang="en-US" sz="1200" dirty="0" smtClean="0">
+                <a:latin typeface="Consolas" panose="020B0609020204030204" pitchFamily="49" charset="0"/>
+                <a:cs typeface="Consolas" panose="020B0609020204030204" pitchFamily="49" charset="0"/>
+              </a:rPr>
+              <a:t>        </a:t>
+            </a:r>
+            <a:r>
+              <a:rPr lang="en-US" sz="1200" dirty="0" err="1">
+                <a:latin typeface="Consolas" panose="020B0609020204030204" pitchFamily="49" charset="0"/>
+                <a:cs typeface="Consolas" panose="020B0609020204030204" pitchFamily="49" charset="0"/>
+              </a:rPr>
+              <a:t>std</a:t>
+            </a:r>
+            <a:r>
+              <a:rPr lang="en-US" sz="1200" dirty="0">
+                <a:latin typeface="Consolas" panose="020B0609020204030204" pitchFamily="49" charset="0"/>
+                <a:cs typeface="Consolas" panose="020B0609020204030204" pitchFamily="49" charset="0"/>
+              </a:rPr>
+              <a:t>::</a:t>
+            </a:r>
+            <a:r>
+              <a:rPr lang="en-US" sz="1200" dirty="0" err="1">
+                <a:latin typeface="Consolas" panose="020B0609020204030204" pitchFamily="49" charset="0"/>
+                <a:cs typeface="Consolas" panose="020B0609020204030204" pitchFamily="49" charset="0"/>
+              </a:rPr>
+              <a:t>stringstream</a:t>
+            </a:r>
+            <a:r>
+              <a:rPr lang="en-US" sz="1200" dirty="0">
+                <a:latin typeface="Consolas" panose="020B0609020204030204" pitchFamily="49" charset="0"/>
+                <a:cs typeface="Consolas" panose="020B0609020204030204" pitchFamily="49" charset="0"/>
+              </a:rPr>
+              <a:t> </a:t>
+            </a:r>
+            <a:r>
+              <a:rPr lang="en-US" sz="1200" dirty="0" err="1">
+                <a:latin typeface="Consolas" panose="020B0609020204030204" pitchFamily="49" charset="0"/>
+                <a:cs typeface="Consolas" panose="020B0609020204030204" pitchFamily="49" charset="0"/>
+              </a:rPr>
+              <a:t>ss</a:t>
+            </a:r>
+            <a:r>
+              <a:rPr lang="en-US" sz="1200" dirty="0">
+                <a:latin typeface="Consolas" panose="020B0609020204030204" pitchFamily="49" charset="0"/>
+                <a:cs typeface="Consolas" panose="020B0609020204030204" pitchFamily="49" charset="0"/>
+              </a:rPr>
+              <a:t>;</a:t>
+            </a:r>
+          </a:p>
+          <a:p>
+            <a:pPr marL="0" indent="0">
+              <a:buNone/>
+            </a:pPr>
+            <a:r>
+              <a:rPr lang="en-US" sz="1200" dirty="0" smtClean="0">
+                <a:latin typeface="Consolas" panose="020B0609020204030204" pitchFamily="49" charset="0"/>
+                <a:cs typeface="Consolas" panose="020B0609020204030204" pitchFamily="49" charset="0"/>
+              </a:rPr>
+              <a:t>        </a:t>
+            </a:r>
+            <a:r>
+              <a:rPr lang="en-US" sz="1200" dirty="0" err="1">
+                <a:latin typeface="Consolas" panose="020B0609020204030204" pitchFamily="49" charset="0"/>
+                <a:cs typeface="Consolas" panose="020B0609020204030204" pitchFamily="49" charset="0"/>
+              </a:rPr>
+              <a:t>ss</a:t>
+            </a:r>
+            <a:r>
+              <a:rPr lang="en-US" sz="1200" dirty="0">
+                <a:latin typeface="Consolas" panose="020B0609020204030204" pitchFamily="49" charset="0"/>
+                <a:cs typeface="Consolas" panose="020B0609020204030204" pitchFamily="49" charset="0"/>
+              </a:rPr>
+              <a:t> &lt;&lt; t;</a:t>
+            </a:r>
+          </a:p>
+          <a:p>
+            <a:pPr marL="0" indent="0">
+              <a:buNone/>
+            </a:pPr>
+            <a:r>
+              <a:rPr lang="en-US" sz="1200" dirty="0" smtClean="0">
+                <a:latin typeface="Consolas" panose="020B0609020204030204" pitchFamily="49" charset="0"/>
+                <a:cs typeface="Consolas" panose="020B0609020204030204" pitchFamily="49" charset="0"/>
+              </a:rPr>
+              <a:t>        </a:t>
+            </a:r>
+            <a:r>
+              <a:rPr lang="en-US" sz="1200" dirty="0">
+                <a:latin typeface="Consolas" panose="020B0609020204030204" pitchFamily="49" charset="0"/>
+                <a:cs typeface="Consolas" panose="020B0609020204030204" pitchFamily="49" charset="0"/>
+              </a:rPr>
+              <a:t>return </a:t>
+            </a:r>
+            <a:r>
+              <a:rPr lang="en-US" sz="1200" dirty="0" err="1">
+                <a:latin typeface="Consolas" panose="020B0609020204030204" pitchFamily="49" charset="0"/>
+                <a:cs typeface="Consolas" panose="020B0609020204030204" pitchFamily="49" charset="0"/>
+              </a:rPr>
+              <a:t>ss.str</a:t>
+            </a:r>
+            <a:r>
+              <a:rPr lang="en-US" sz="1200" dirty="0">
+                <a:latin typeface="Consolas" panose="020B0609020204030204" pitchFamily="49" charset="0"/>
+                <a:cs typeface="Consolas" panose="020B0609020204030204" pitchFamily="49" charset="0"/>
+              </a:rPr>
+              <a:t>();</a:t>
+            </a:r>
+          </a:p>
+          <a:p>
+            <a:pPr marL="0" indent="0">
+              <a:buNone/>
+            </a:pPr>
+            <a:r>
+              <a:rPr lang="en-US" sz="1200" dirty="0" smtClean="0">
+                <a:latin typeface="Consolas" panose="020B0609020204030204" pitchFamily="49" charset="0"/>
+                <a:cs typeface="Consolas" panose="020B0609020204030204" pitchFamily="49" charset="0"/>
+              </a:rPr>
+              <a:t>   }</a:t>
+            </a:r>
+            <a:endParaRPr lang="en-US" sz="1200" dirty="0">
+              <a:latin typeface="Consolas" panose="020B0609020204030204" pitchFamily="49" charset="0"/>
+              <a:cs typeface="Consolas" panose="020B0609020204030204" pitchFamily="49" charset="0"/>
+            </a:endParaRPr>
+          </a:p>
+          <a:p>
+            <a:endParaRPr lang="en-US" sz="1400" dirty="0" smtClean="0"/>
+          </a:p>
+        </p:txBody>
+      </p:sp>
+    </p:spTree>
+    <p:extLst>
+      <p:ext uri="{BB962C8B-B14F-4D97-AF65-F5344CB8AC3E}">
+        <p14:creationId xmlns:p14="http://schemas.microsoft.com/office/powerpoint/2010/main" val="4177361218"/>
+      </p:ext>
+    </p:extLst>
+  </p:cSld>
+  <p:clrMapOvr>
+    <a:masterClrMapping/>
+  </p:clrMapOvr>
+  <p:timing>
+    <p:tnLst>
+      <p:par>
+        <p:cTn id="1" dur="indefinite" restart="never" nodeType="tmRoot"/>
+      </p:par>
+    </p:tnLst>
+  </p:timing>
+</p:sld>
+</file>
+
+<file path=ppt/slides/slide23.xml><?xml version="1.0" encoding="utf-8"?>
+<p:sld xmlns:a="http://schemas.openxmlformats.org/drawingml/2006/main" xmlns:r="http://schemas.openxmlformats.org/officeDocument/2006/relationships" xmlns:p="http://schemas.openxmlformats.org/presentationml/2006/main">
+  <p:cSld>
+    <p:spTree>
+      <p:nvGrpSpPr>
+        <p:cNvPr id="1" name=""/>
+        <p:cNvGrpSpPr/>
+        <p:nvPr/>
+      </p:nvGrpSpPr>
+      <p:grpSpPr>
+        <a:xfrm>
+          <a:off x="0" y="0"/>
+          <a:ext cx="0" cy="0"/>
+          <a:chOff x="0" y="0"/>
+          <a:chExt cx="0" cy="0"/>
+        </a:xfrm>
+      </p:grpSpPr>
+      <p:sp>
+        <p:nvSpPr>
+          <p:cNvPr id="2" name="Title 1"/>
+          <p:cNvSpPr>
+            <a:spLocks noGrp="1"/>
+          </p:cNvSpPr>
+          <p:nvPr>
+            <p:ph type="title"/>
+          </p:nvPr>
+        </p:nvSpPr>
+        <p:spPr/>
+        <p:txBody>
+          <a:bodyPr/>
+          <a:lstStyle/>
+          <a:p>
+            <a:r>
+              <a:rPr lang="en-US" dirty="0" smtClean="0"/>
+              <a:t>Google C</a:t>
+            </a:r>
+            <a:r>
+              <a:rPr lang="en-US" dirty="0" smtClean="0"/>
+              <a:t>++ guide</a:t>
+            </a:r>
+            <a:endParaRPr lang="en-US" dirty="0"/>
+          </a:p>
+        </p:txBody>
+      </p:sp>
+      <p:sp>
+        <p:nvSpPr>
+          <p:cNvPr id="3" name="Content Placeholder 2"/>
+          <p:cNvSpPr>
+            <a:spLocks noGrp="1"/>
+          </p:cNvSpPr>
+          <p:nvPr>
+            <p:ph idx="1"/>
+          </p:nvPr>
+        </p:nvSpPr>
+        <p:spPr/>
+        <p:txBody>
+          <a:bodyPr>
+            <a:normAutofit fontScale="92500"/>
+          </a:bodyPr>
+          <a:lstStyle/>
+          <a:p>
+            <a:pPr marL="0" indent="0">
+              <a:buNone/>
+            </a:pPr>
+            <a:r>
+              <a:rPr lang="en-US" sz="2000" dirty="0">
+                <a:hlinkClick r:id="rId2"/>
+              </a:rPr>
+              <a:t>http://</a:t>
+            </a:r>
+            <a:r>
+              <a:rPr lang="en-US" sz="2000" dirty="0" smtClean="0">
+                <a:hlinkClick r:id="rId2"/>
+              </a:rPr>
+              <a:t>google-styleguide.googlecode.com/svn/trunk/cppguide.html</a:t>
+            </a:r>
+            <a:endParaRPr lang="en-US" sz="2000" dirty="0" smtClean="0"/>
+          </a:p>
+          <a:p>
+            <a:pPr marL="400050" lvl="1" indent="0">
+              <a:buNone/>
+            </a:pPr>
+            <a:endParaRPr lang="en-US" sz="1400" dirty="0" smtClean="0"/>
+          </a:p>
+          <a:p>
+            <a:pPr marL="400050" lvl="1" indent="0">
+              <a:buNone/>
+            </a:pPr>
+            <a:r>
+              <a:rPr lang="en-US" sz="1800" dirty="0" smtClean="0">
+                <a:latin typeface="Consolas" panose="020B0609020204030204" pitchFamily="49" charset="0"/>
+                <a:cs typeface="Consolas" panose="020B0609020204030204" pitchFamily="49" charset="0"/>
+              </a:rPr>
+              <a:t>“Programmers </a:t>
+            </a:r>
+            <a:r>
+              <a:rPr lang="en-US" sz="1800" dirty="0">
+                <a:latin typeface="Consolas" panose="020B0609020204030204" pitchFamily="49" charset="0"/>
+                <a:cs typeface="Consolas" panose="020B0609020204030204" pitchFamily="49" charset="0"/>
+              </a:rPr>
+              <a:t>have to understand the difference between auto and </a:t>
+            </a:r>
+            <a:r>
+              <a:rPr lang="en-US" sz="1800" dirty="0" err="1">
+                <a:latin typeface="Consolas" panose="020B0609020204030204" pitchFamily="49" charset="0"/>
+                <a:cs typeface="Consolas" panose="020B0609020204030204" pitchFamily="49" charset="0"/>
+              </a:rPr>
+              <a:t>const</a:t>
+            </a:r>
+            <a:r>
+              <a:rPr lang="en-US" sz="1800" dirty="0">
+                <a:latin typeface="Consolas" panose="020B0609020204030204" pitchFamily="49" charset="0"/>
+                <a:cs typeface="Consolas" panose="020B0609020204030204" pitchFamily="49" charset="0"/>
+              </a:rPr>
+              <a:t> auto&amp; or they'll get copies when they didn't mean to.</a:t>
+            </a:r>
+          </a:p>
+          <a:p>
+            <a:pPr marL="400050" lvl="1" indent="0">
+              <a:buNone/>
+            </a:pPr>
+            <a:endParaRPr lang="en-US" sz="1800" dirty="0">
+              <a:latin typeface="Consolas" panose="020B0609020204030204" pitchFamily="49" charset="0"/>
+              <a:cs typeface="Consolas" panose="020B0609020204030204" pitchFamily="49" charset="0"/>
+            </a:endParaRPr>
+          </a:p>
+          <a:p>
+            <a:pPr marL="400050" lvl="1" indent="0">
+              <a:buNone/>
+            </a:pPr>
+            <a:r>
+              <a:rPr lang="en-US" sz="1800" dirty="0">
+                <a:latin typeface="Consolas" panose="020B0609020204030204" pitchFamily="49" charset="0"/>
+                <a:cs typeface="Consolas" panose="020B0609020204030204" pitchFamily="49" charset="0"/>
+              </a:rPr>
+              <a:t>The interaction between auto and C++11 brace-initialization can be confusing. The declarations:</a:t>
+            </a:r>
+          </a:p>
+          <a:p>
+            <a:pPr marL="400050" lvl="1" indent="0">
+              <a:buNone/>
+            </a:pPr>
+            <a:endParaRPr lang="en-US" sz="1800" dirty="0">
+              <a:latin typeface="Consolas" panose="020B0609020204030204" pitchFamily="49" charset="0"/>
+              <a:cs typeface="Consolas" panose="020B0609020204030204" pitchFamily="49" charset="0"/>
+            </a:endParaRPr>
+          </a:p>
+          <a:p>
+            <a:pPr marL="400050" lvl="1" indent="0">
+              <a:buNone/>
+            </a:pPr>
+            <a:r>
+              <a:rPr lang="en-US" sz="1800" dirty="0">
+                <a:latin typeface="Consolas" panose="020B0609020204030204" pitchFamily="49" charset="0"/>
+                <a:cs typeface="Consolas" panose="020B0609020204030204" pitchFamily="49" charset="0"/>
+              </a:rPr>
+              <a:t>auto x(3);  // </a:t>
+            </a:r>
+            <a:r>
+              <a:rPr lang="en-US" sz="1800" dirty="0">
+                <a:solidFill>
+                  <a:srgbClr val="FF0000"/>
+                </a:solidFill>
+                <a:latin typeface="Consolas" panose="020B0609020204030204" pitchFamily="49" charset="0"/>
+                <a:cs typeface="Consolas" panose="020B0609020204030204" pitchFamily="49" charset="0"/>
+              </a:rPr>
+              <a:t>Note: parentheses.</a:t>
+            </a:r>
+          </a:p>
+          <a:p>
+            <a:pPr marL="400050" lvl="1" indent="0">
+              <a:buNone/>
+            </a:pPr>
+            <a:r>
+              <a:rPr lang="en-US" sz="1800" dirty="0">
+                <a:latin typeface="Consolas" panose="020B0609020204030204" pitchFamily="49" charset="0"/>
+                <a:cs typeface="Consolas" panose="020B0609020204030204" pitchFamily="49" charset="0"/>
+              </a:rPr>
+              <a:t>auto y{3};  // </a:t>
+            </a:r>
+            <a:r>
+              <a:rPr lang="en-US" sz="1800" dirty="0">
+                <a:solidFill>
+                  <a:srgbClr val="FF0000"/>
+                </a:solidFill>
+                <a:latin typeface="Consolas" panose="020B0609020204030204" pitchFamily="49" charset="0"/>
+                <a:cs typeface="Consolas" panose="020B0609020204030204" pitchFamily="49" charset="0"/>
+              </a:rPr>
+              <a:t>Note: curly braces.</a:t>
+            </a:r>
+          </a:p>
+          <a:p>
+            <a:pPr marL="400050" lvl="1" indent="0">
+              <a:buNone/>
+            </a:pPr>
+            <a:endParaRPr lang="en-US" sz="1800" dirty="0" smtClean="0">
+              <a:latin typeface="Consolas" panose="020B0609020204030204" pitchFamily="49" charset="0"/>
+              <a:cs typeface="Consolas" panose="020B0609020204030204" pitchFamily="49" charset="0"/>
+            </a:endParaRPr>
+          </a:p>
+          <a:p>
+            <a:pPr marL="400050" lvl="1" indent="0">
+              <a:buNone/>
+            </a:pPr>
+            <a:r>
+              <a:rPr lang="en-US" sz="2400" dirty="0" smtClean="0">
+                <a:latin typeface="Consolas" panose="020B0609020204030204" pitchFamily="49" charset="0"/>
+                <a:cs typeface="Consolas" panose="020B0609020204030204" pitchFamily="49" charset="0"/>
+              </a:rPr>
+              <a:t>mean </a:t>
+            </a:r>
+            <a:r>
+              <a:rPr lang="en-US" sz="2400" dirty="0">
+                <a:latin typeface="Consolas" panose="020B0609020204030204" pitchFamily="49" charset="0"/>
+                <a:cs typeface="Consolas" panose="020B0609020204030204" pitchFamily="49" charset="0"/>
+              </a:rPr>
+              <a:t>different things — x is an </a:t>
+            </a:r>
+            <a:r>
+              <a:rPr lang="en-US" sz="2400" dirty="0" err="1">
+                <a:latin typeface="Consolas" panose="020B0609020204030204" pitchFamily="49" charset="0"/>
+                <a:cs typeface="Consolas" panose="020B0609020204030204" pitchFamily="49" charset="0"/>
+              </a:rPr>
+              <a:t>int</a:t>
+            </a:r>
+            <a:r>
+              <a:rPr lang="en-US" sz="2400" dirty="0">
+                <a:latin typeface="Consolas" panose="020B0609020204030204" pitchFamily="49" charset="0"/>
+                <a:cs typeface="Consolas" panose="020B0609020204030204" pitchFamily="49" charset="0"/>
+              </a:rPr>
+              <a:t>, while y is a </a:t>
+            </a:r>
+            <a:r>
+              <a:rPr lang="en-US" sz="2400" dirty="0" err="1">
+                <a:latin typeface="Consolas" panose="020B0609020204030204" pitchFamily="49" charset="0"/>
+                <a:cs typeface="Consolas" panose="020B0609020204030204" pitchFamily="49" charset="0"/>
+              </a:rPr>
+              <a:t>std</a:t>
+            </a:r>
+            <a:r>
+              <a:rPr lang="en-US" sz="2400" dirty="0">
+                <a:latin typeface="Consolas" panose="020B0609020204030204" pitchFamily="49" charset="0"/>
+                <a:cs typeface="Consolas" panose="020B0609020204030204" pitchFamily="49" charset="0"/>
+              </a:rPr>
+              <a:t>::</a:t>
+            </a:r>
+            <a:r>
+              <a:rPr lang="en-US" sz="2400" dirty="0" err="1">
+                <a:latin typeface="Consolas" panose="020B0609020204030204" pitchFamily="49" charset="0"/>
+                <a:cs typeface="Consolas" panose="020B0609020204030204" pitchFamily="49" charset="0"/>
+              </a:rPr>
+              <a:t>initializer_list</a:t>
+            </a:r>
+            <a:r>
+              <a:rPr lang="en-US" sz="2400" dirty="0">
+                <a:latin typeface="Consolas" panose="020B0609020204030204" pitchFamily="49" charset="0"/>
+                <a:cs typeface="Consolas" panose="020B0609020204030204" pitchFamily="49" charset="0"/>
+              </a:rPr>
+              <a:t>&lt;</a:t>
+            </a:r>
+            <a:r>
+              <a:rPr lang="en-US" sz="2400" dirty="0" err="1">
+                <a:latin typeface="Consolas" panose="020B0609020204030204" pitchFamily="49" charset="0"/>
+                <a:cs typeface="Consolas" panose="020B0609020204030204" pitchFamily="49" charset="0"/>
+              </a:rPr>
+              <a:t>int</a:t>
+            </a:r>
+            <a:r>
+              <a:rPr lang="en-US" sz="2400" dirty="0">
+                <a:latin typeface="Consolas" panose="020B0609020204030204" pitchFamily="49" charset="0"/>
+                <a:cs typeface="Consolas" panose="020B0609020204030204" pitchFamily="49" charset="0"/>
+              </a:rPr>
+              <a:t>&gt;. The same applies to other normally-invisible proxy types.</a:t>
+            </a:r>
+          </a:p>
+        </p:txBody>
+      </p:sp>
+    </p:spTree>
+    <p:extLst>
+      <p:ext uri="{BB962C8B-B14F-4D97-AF65-F5344CB8AC3E}">
+        <p14:creationId xmlns:p14="http://schemas.microsoft.com/office/powerpoint/2010/main" val="3077294350"/>
+      </p:ext>
+    </p:extLst>
+  </p:cSld>
+  <p:clrMapOvr>
+    <a:masterClrMapping/>
+  </p:clrMapOvr>
+</p:sld>
+</file>
+
+<file path=ppt/slides/slide24.xml><?xml version="1.0" encoding="utf-8"?>
+<p:sld xmlns:a="http://schemas.openxmlformats.org/drawingml/2006/main" xmlns:r="http://schemas.openxmlformats.org/officeDocument/2006/relationships" xmlns:p="http://schemas.openxmlformats.org/presentationml/2006/main">
+  <p:cSld>
+    <p:spTree>
+      <p:nvGrpSpPr>
+        <p:cNvPr id="1" name=""/>
+        <p:cNvGrpSpPr/>
+        <p:nvPr/>
+      </p:nvGrpSpPr>
+      <p:grpSpPr>
+        <a:xfrm>
+          <a:off x="0" y="0"/>
+          <a:ext cx="0" cy="0"/>
+          <a:chOff x="0" y="0"/>
+          <a:chExt cx="0" cy="0"/>
+        </a:xfrm>
+      </p:grpSpPr>
+      <p:sp>
+        <p:nvSpPr>
+          <p:cNvPr id="2" name="Title 1"/>
+          <p:cNvSpPr>
+            <a:spLocks noGrp="1"/>
+          </p:cNvSpPr>
+          <p:nvPr>
+            <p:ph type="title"/>
+          </p:nvPr>
+        </p:nvSpPr>
+        <p:spPr/>
+        <p:txBody>
+          <a:bodyPr/>
+          <a:lstStyle/>
+          <a:p>
+            <a:r>
+              <a:rPr lang="en-US" dirty="0" smtClean="0"/>
+              <a:t>Google C</a:t>
+            </a:r>
+            <a:r>
+              <a:rPr lang="en-US" dirty="0" smtClean="0"/>
+              <a:t>++ guide</a:t>
             </a:r>
             <a:endParaRPr lang="en-US" dirty="0"/>
           </a:p>
@@ -6932,7 +7627,7 @@
 </p:sld>
 </file>
 
-<file path=ppt/slides/slide23.xml><?xml version="1.0" encoding="utf-8"?>
+<file path=ppt/slides/slide25.xml><?xml version="1.0" encoding="utf-8"?>
 <p:sld xmlns:a="http://schemas.openxmlformats.org/drawingml/2006/main" xmlns:r="http://schemas.openxmlformats.org/officeDocument/2006/relationships" xmlns:p="http://schemas.openxmlformats.org/presentationml/2006/main">
   <p:cSld>
     <p:spTree>
@@ -6966,7 +7661,11 @@
           <a:p>
             <a:r>
               <a:rPr lang="en-US" dirty="0" smtClean="0"/>
-              <a:t>Google C++</a:t>
+              <a:t>Google C</a:t>
+            </a:r>
+            <a:r>
+              <a:rPr lang="en-US" dirty="0" smtClean="0"/>
+              <a:t>++ guide</a:t>
             </a:r>
             <a:endParaRPr lang="en-US" dirty="0"/>
           </a:p>
@@ -7149,7 +7848,6 @@
               <a:rPr lang="en-US" dirty="0"/>
               <a:t> under the hood, we are able to create a memory and CPU efficient server.</a:t>
             </a:r>
-            <a:endParaRPr lang="en-US" dirty="0"/>
           </a:p>
           <a:p>
             <a:pPr lvl="1"/>
@@ -7232,7 +7930,52 @@
           <a:bodyPr/>
           <a:lstStyle/>
           <a:p>
-            <a:endParaRPr lang="en-US"/>
+            <a:r>
+              <a:rPr lang="en-US" dirty="0" err="1" smtClean="0"/>
+              <a:t>Todo</a:t>
+            </a:r>
+            <a:endParaRPr lang="en-US" dirty="0" smtClean="0"/>
+          </a:p>
+          <a:p>
+            <a:r>
+              <a:rPr lang="en-US" dirty="0" smtClean="0"/>
+              <a:t>C++03</a:t>
+            </a:r>
+            <a:endParaRPr lang="en-US" dirty="0" smtClean="0"/>
+          </a:p>
+          <a:p>
+            <a:r>
+              <a:rPr lang="en-US" dirty="0" smtClean="0"/>
+              <a:t>TR1: </a:t>
+            </a:r>
+            <a:r>
+              <a:rPr lang="en-US" dirty="0" smtClean="0">
+                <a:hlinkClick r:id="rId2"/>
+              </a:rPr>
+              <a:t>Technical Report 1</a:t>
+            </a:r>
+            <a:endParaRPr lang="en-US" dirty="0" smtClean="0"/>
+          </a:p>
+          <a:p>
+            <a:r>
+              <a:rPr lang="en-US" dirty="0" smtClean="0"/>
+              <a:t>C++11</a:t>
+            </a:r>
+          </a:p>
+          <a:p>
+            <a:r>
+              <a:rPr lang="en-US" dirty="0" smtClean="0"/>
+              <a:t>C++14</a:t>
+            </a:r>
+          </a:p>
+          <a:p>
+            <a:r>
+              <a:rPr lang="en-US" dirty="0" smtClean="0"/>
+              <a:t>C++17</a:t>
+            </a:r>
+          </a:p>
+          <a:p>
+            <a:endParaRPr lang="en-US" dirty="0"/>
           </a:p>
         </p:txBody>
       </p:sp>
@@ -7246,6 +7989,13 @@
   <p:clrMapOvr>
     <a:masterClrMapping/>
   </p:clrMapOvr>
+  <p:timing>
+    <p:tnLst>
+      <p:par>
+        <p:cTn id="1" dur="indefinite" restart="never" nodeType="tmRoot"/>
+      </p:par>
+    </p:tnLst>
+  </p:timing>
 </p:sld>
 </file>
 
@@ -7283,7 +8033,7 @@
           <a:p>
             <a:r>
               <a:rPr lang="en-US" dirty="0" smtClean="0"/>
-              <a:t>Paradigms</a:t>
+              <a:t>C++ is Multi-Paradigm</a:t>
             </a:r>
             <a:endParaRPr lang="en-US" dirty="0"/>
           </a:p>
@@ -7702,11 +8452,7 @@
           <a:p>
             <a:r>
               <a:rPr lang="en-US" dirty="0" smtClean="0"/>
-              <a:t>Paradigms: </a:t>
-            </a:r>
-            <a:r>
-              <a:rPr lang="en-US" dirty="0" smtClean="0"/>
-              <a:t>Generic</a:t>
+              <a:t>Paradigms: Generic</a:t>
             </a:r>
             <a:endParaRPr lang="en-US" dirty="0"/>
           </a:p>
@@ -7731,13 +8477,8 @@
           <a:p>
             <a:r>
               <a:rPr lang="en-US" dirty="0" smtClean="0"/>
-              <a:t> </a:t>
-            </a:r>
-            <a:r>
-              <a:rPr lang="en-US" dirty="0" smtClean="0"/>
-              <a:t>Templates</a:t>
-            </a:r>
-            <a:endParaRPr lang="en-US" dirty="0" smtClean="0"/>
+              <a:t> Templates</a:t>
+            </a:r>
           </a:p>
           <a:p>
             <a:pPr marL="0" indent="0">
@@ -7809,24 +8550,29 @@
         </p:nvSpPr>
         <p:spPr/>
         <p:txBody>
-          <a:bodyPr/>
+          <a:bodyPr>
+            <a:normAutofit fontScale="90000"/>
+          </a:bodyPr>
           <a:lstStyle/>
           <a:p>
             <a:r>
               <a:rPr lang="en-US" dirty="0" smtClean="0"/>
-              <a:t>Paradigms: </a:t>
-            </a:r>
-            <a:r>
+              <a:t>C++ Standard Library / STL:</a:t>
+            </a:r>
+            <a:br>
               <a:rPr lang="en-US" dirty="0" smtClean="0"/>
-              <a:t>Functional</a:t>
-            </a:r>
-            <a:endParaRPr lang="en-US" dirty="0"/>
-          </a:p>
-        </p:txBody>
-      </p:sp>
-      <p:sp>
-        <p:nvSpPr>
-          <p:cNvPr id="4" name="Content Placeholder 3"/>
+            </a:br>
+            <a:r>
+              <a:rPr lang="en-US" i="1" dirty="0" smtClean="0"/>
+              <a:t>Not Object Oriented!</a:t>
+            </a:r>
+            <a:endParaRPr lang="en-US" i="1" dirty="0"/>
+          </a:p>
+        </p:txBody>
+      </p:sp>
+      <p:sp>
+        <p:nvSpPr>
+          <p:cNvPr id="3" name="Content Placeholder 2"/>
           <p:cNvSpPr>
             <a:spLocks noGrp="1"/>
           </p:cNvSpPr>
@@ -7843,31 +8589,66 @@
           <a:p>
             <a:r>
               <a:rPr lang="en-US" dirty="0" smtClean="0"/>
-              <a:t> </a:t>
-            </a:r>
-            <a:r>
-              <a:rPr lang="en-US" smtClean="0"/>
-              <a:t>Lambas</a:t>
+              <a:t>Read what the creator of the STL has to say about this</a:t>
+            </a:r>
+            <a:r>
+              <a:rPr lang="en-US" dirty="0"/>
+              <a:t>:</a:t>
             </a:r>
             <a:endParaRPr lang="en-US" dirty="0" smtClean="0"/>
           </a:p>
           <a:p>
+            <a:pPr marL="400050" lvl="1" indent="0">
+              <a:buNone/>
+            </a:pPr>
+            <a:r>
+              <a:rPr lang="en-US" dirty="0">
+                <a:hlinkClick r:id="rId2"/>
+              </a:rPr>
+              <a:t>https://en.wikipedia.org/wiki/Alexander_Stepanov#Criticism_of_OOP</a:t>
+            </a:r>
+            <a:endParaRPr lang="en-US" dirty="0"/>
+          </a:p>
+          <a:p>
+            <a:r>
+              <a:rPr lang="en-US" dirty="0" smtClean="0"/>
+              <a:t>He’s got a new book, too:</a:t>
+            </a:r>
+          </a:p>
+          <a:p>
+            <a:pPr marL="400050" lvl="1" indent="0">
+              <a:buNone/>
+            </a:pPr>
+            <a:r>
+              <a:rPr lang="en-US" dirty="0" smtClean="0">
+                <a:hlinkClick r:id="rId3"/>
+              </a:rPr>
+              <a:t>http</a:t>
+            </a:r>
+            <a:r>
+              <a:rPr lang="en-US" dirty="0">
+                <a:hlinkClick r:id="rId3"/>
+              </a:rPr>
+              <a:t>://</a:t>
+            </a:r>
+            <a:r>
+              <a:rPr lang="en-US" dirty="0" smtClean="0">
+                <a:hlinkClick r:id="rId3"/>
+              </a:rPr>
+              <a:t>www.informit.com/store/from-mathematics-to-generic-programming-9780321942043</a:t>
+            </a:r>
+            <a:endParaRPr lang="en-US" dirty="0" smtClean="0"/>
+          </a:p>
+          <a:p>
             <a:pPr marL="0" indent="0">
               <a:buNone/>
             </a:pPr>
-            <a:r>
-              <a:rPr lang="en-US" dirty="0" err="1" smtClean="0"/>
-              <a:t>dlftodo</a:t>
-            </a:r>
             <a:endParaRPr lang="en-US" dirty="0" smtClean="0"/>
           </a:p>
           <a:p>
             <a:pPr marL="0" indent="0">
               <a:buNone/>
             </a:pPr>
-            <a:endParaRPr lang="en-US" dirty="0"/>
-          </a:p>
-          <a:p>
             <a:endParaRPr lang="en-US" dirty="0"/>
           </a:p>
         </p:txBody>
@@ -7875,7 +8656,7 @@
     </p:spTree>
     <p:extLst>
       <p:ext uri="{BB962C8B-B14F-4D97-AF65-F5344CB8AC3E}">
-        <p14:creationId xmlns:p14="http://schemas.microsoft.com/office/powerpoint/2010/main" val="1705405775"/>
+        <p14:creationId xmlns:p14="http://schemas.microsoft.com/office/powerpoint/2010/main" val="1243197235"/>
       </p:ext>
     </p:extLst>
   </p:cSld>

--- a/doc/Fun_with_C++11.pptx
+++ b/doc/Fun_with_C++11.pptx
@@ -6,30 +6,31 @@
   </p:sldMasterIdLst>
   <p:sldIdLst>
     <p:sldId id="256" r:id="rId2"/>
-    <p:sldId id="260" r:id="rId3"/>
-    <p:sldId id="275" r:id="rId4"/>
-    <p:sldId id="276" r:id="rId5"/>
-    <p:sldId id="258" r:id="rId6"/>
-    <p:sldId id="272" r:id="rId7"/>
-    <p:sldId id="273" r:id="rId8"/>
-    <p:sldId id="277" r:id="rId9"/>
-    <p:sldId id="264" r:id="rId10"/>
-    <p:sldId id="278" r:id="rId11"/>
-    <p:sldId id="257" r:id="rId12"/>
-    <p:sldId id="259" r:id="rId13"/>
-    <p:sldId id="270" r:id="rId14"/>
-    <p:sldId id="271" r:id="rId15"/>
-    <p:sldId id="262" r:id="rId16"/>
-    <p:sldId id="263" r:id="rId17"/>
-    <p:sldId id="261" r:id="rId18"/>
-    <p:sldId id="274" r:id="rId19"/>
-    <p:sldId id="280" r:id="rId20"/>
-    <p:sldId id="279" r:id="rId21"/>
-    <p:sldId id="265" r:id="rId22"/>
-    <p:sldId id="266" r:id="rId23"/>
-    <p:sldId id="267" r:id="rId24"/>
-    <p:sldId id="268" r:id="rId25"/>
-    <p:sldId id="269" r:id="rId26"/>
+    <p:sldId id="281" r:id="rId3"/>
+    <p:sldId id="260" r:id="rId4"/>
+    <p:sldId id="275" r:id="rId5"/>
+    <p:sldId id="276" r:id="rId6"/>
+    <p:sldId id="258" r:id="rId7"/>
+    <p:sldId id="272" r:id="rId8"/>
+    <p:sldId id="273" r:id="rId9"/>
+    <p:sldId id="277" r:id="rId10"/>
+    <p:sldId id="264" r:id="rId11"/>
+    <p:sldId id="278" r:id="rId12"/>
+    <p:sldId id="257" r:id="rId13"/>
+    <p:sldId id="259" r:id="rId14"/>
+    <p:sldId id="270" r:id="rId15"/>
+    <p:sldId id="271" r:id="rId16"/>
+    <p:sldId id="262" r:id="rId17"/>
+    <p:sldId id="263" r:id="rId18"/>
+    <p:sldId id="261" r:id="rId19"/>
+    <p:sldId id="274" r:id="rId20"/>
+    <p:sldId id="280" r:id="rId21"/>
+    <p:sldId id="279" r:id="rId22"/>
+    <p:sldId id="265" r:id="rId23"/>
+    <p:sldId id="266" r:id="rId24"/>
+    <p:sldId id="267" r:id="rId25"/>
+    <p:sldId id="268" r:id="rId26"/>
+    <p:sldId id="269" r:id="rId27"/>
   </p:sldIdLst>
   <p:sldSz cx="9144000" cy="6858000" type="screen4x3"/>
   <p:notesSz cx="6858000" cy="9144000"/>
@@ -130,7 +131,7 @@
   </p:defaultTextStyle>
   <p:extLst>
     <p:ext uri="{EFAFB233-063F-42B5-8137-9DF3F51BA10A}">
-      <p15:sldGuideLst xmlns:p15="http://schemas.microsoft.com/office/powerpoint/2012/main">
+      <p15:sldGuideLst xmlns:p15="http://schemas.microsoft.com/office/powerpoint/2012/main" xmlns="">
         <p15:guide id="1" orient="horz" pos="2160">
           <p15:clr>
             <a:srgbClr val="A4A3A4"/>
@@ -328,7 +329,7 @@
           <a:p>
             <a:fld id="{81509AD4-132E-4B79-8E81-ED2DE054EDF4}" type="datetimeFigureOut">
               <a:rPr lang="en-US" smtClean="0"/>
-              <a:t>11/9/2014</a:t>
+              <a:t>11/10/2014</a:t>
             </a:fld>
             <a:endParaRPr lang="en-US" dirty="0"/>
           </a:p>
@@ -498,7 +499,7 @@
           <a:p>
             <a:fld id="{81509AD4-132E-4B79-8E81-ED2DE054EDF4}" type="datetimeFigureOut">
               <a:rPr lang="en-US" smtClean="0"/>
-              <a:t>11/9/2014</a:t>
+              <a:t>11/10/2014</a:t>
             </a:fld>
             <a:endParaRPr lang="en-US" dirty="0"/>
           </a:p>
@@ -678,7 +679,7 @@
           <a:p>
             <a:fld id="{81509AD4-132E-4B79-8E81-ED2DE054EDF4}" type="datetimeFigureOut">
               <a:rPr lang="en-US" smtClean="0"/>
-              <a:t>11/9/2014</a:t>
+              <a:t>11/10/2014</a:t>
             </a:fld>
             <a:endParaRPr lang="en-US" dirty="0"/>
           </a:p>
@@ -848,7 +849,7 @@
           <a:p>
             <a:fld id="{81509AD4-132E-4B79-8E81-ED2DE054EDF4}" type="datetimeFigureOut">
               <a:rPr lang="en-US" smtClean="0"/>
-              <a:t>11/9/2014</a:t>
+              <a:t>11/10/2014</a:t>
             </a:fld>
             <a:endParaRPr lang="en-US" dirty="0"/>
           </a:p>
@@ -1094,7 +1095,7 @@
           <a:p>
             <a:fld id="{81509AD4-132E-4B79-8E81-ED2DE054EDF4}" type="datetimeFigureOut">
               <a:rPr lang="en-US" smtClean="0"/>
-              <a:t>11/9/2014</a:t>
+              <a:t>11/10/2014</a:t>
             </a:fld>
             <a:endParaRPr lang="en-US" dirty="0"/>
           </a:p>
@@ -1382,7 +1383,7 @@
           <a:p>
             <a:fld id="{81509AD4-132E-4B79-8E81-ED2DE054EDF4}" type="datetimeFigureOut">
               <a:rPr lang="en-US" smtClean="0"/>
-              <a:t>11/9/2014</a:t>
+              <a:t>11/10/2014</a:t>
             </a:fld>
             <a:endParaRPr lang="en-US" dirty="0"/>
           </a:p>
@@ -1804,7 +1805,7 @@
           <a:p>
             <a:fld id="{81509AD4-132E-4B79-8E81-ED2DE054EDF4}" type="datetimeFigureOut">
               <a:rPr lang="en-US" smtClean="0"/>
-              <a:t>11/9/2014</a:t>
+              <a:t>11/10/2014</a:t>
             </a:fld>
             <a:endParaRPr lang="en-US" dirty="0"/>
           </a:p>
@@ -1922,7 +1923,7 @@
           <a:p>
             <a:fld id="{81509AD4-132E-4B79-8E81-ED2DE054EDF4}" type="datetimeFigureOut">
               <a:rPr lang="en-US" smtClean="0"/>
-              <a:t>11/9/2014</a:t>
+              <a:t>11/10/2014</a:t>
             </a:fld>
             <a:endParaRPr lang="en-US" dirty="0"/>
           </a:p>
@@ -2017,7 +2018,7 @@
           <a:p>
             <a:fld id="{81509AD4-132E-4B79-8E81-ED2DE054EDF4}" type="datetimeFigureOut">
               <a:rPr lang="en-US" smtClean="0"/>
-              <a:t>11/9/2014</a:t>
+              <a:t>11/10/2014</a:t>
             </a:fld>
             <a:endParaRPr lang="en-US" dirty="0"/>
           </a:p>
@@ -2294,7 +2295,7 @@
           <a:p>
             <a:fld id="{81509AD4-132E-4B79-8E81-ED2DE054EDF4}" type="datetimeFigureOut">
               <a:rPr lang="en-US" smtClean="0"/>
-              <a:t>11/9/2014</a:t>
+              <a:t>11/10/2014</a:t>
             </a:fld>
             <a:endParaRPr lang="en-US" dirty="0"/>
           </a:p>
@@ -2547,7 +2548,7 @@
           <a:p>
             <a:fld id="{81509AD4-132E-4B79-8E81-ED2DE054EDF4}" type="datetimeFigureOut">
               <a:rPr lang="en-US" smtClean="0"/>
-              <a:t>11/9/2014</a:t>
+              <a:t>11/10/2014</a:t>
             </a:fld>
             <a:endParaRPr lang="en-US" dirty="0"/>
           </a:p>
@@ -2760,7 +2761,7 @@
           <a:p>
             <a:fld id="{81509AD4-132E-4B79-8E81-ED2DE054EDF4}" type="datetimeFigureOut">
               <a:rPr lang="en-US" smtClean="0"/>
-              <a:t>11/9/2014</a:t>
+              <a:t>11/10/2014</a:t>
             </a:fld>
             <a:endParaRPr lang="en-US" dirty="0"/>
           </a:p>
@@ -3226,20 +3227,29 @@
         </p:nvSpPr>
         <p:spPr/>
         <p:txBody>
-          <a:bodyPr/>
+          <a:bodyPr>
+            <a:normAutofit fontScale="90000"/>
+          </a:bodyPr>
           <a:lstStyle/>
           <a:p>
             <a:r>
               <a:rPr lang="en-US" dirty="0" smtClean="0"/>
-              <a:t>Paradigms: Functional</a:t>
-            </a:r>
-            <a:endParaRPr lang="en-US" dirty="0"/>
-          </a:p>
-        </p:txBody>
-      </p:sp>
-      <p:sp>
-        <p:nvSpPr>
-          <p:cNvPr id="4" name="Content Placeholder 3"/>
+              <a:t>C++ Standard Library / STL:</a:t>
+            </a:r>
+            <a:br>
+              <a:rPr lang="en-US" dirty="0" smtClean="0"/>
+            </a:br>
+            <a:r>
+              <a:rPr lang="en-US" i="1" dirty="0" smtClean="0"/>
+              <a:t>Not Object Oriented!</a:t>
+            </a:r>
+            <a:endParaRPr lang="en-US" i="1" dirty="0"/>
+          </a:p>
+        </p:txBody>
+      </p:sp>
+      <p:sp>
+        <p:nvSpPr>
+          <p:cNvPr id="3" name="Content Placeholder 2"/>
           <p:cNvSpPr>
             <a:spLocks noGrp="1"/>
           </p:cNvSpPr>
@@ -3256,17 +3266,53 @@
           <a:p>
             <a:r>
               <a:rPr lang="en-US" dirty="0" smtClean="0"/>
-              <a:t> </a:t>
-            </a:r>
+              <a:t>Read what the creator of the STL has to say about this</a:t>
+            </a:r>
+            <a:r>
+              <a:rPr lang="en-US" dirty="0"/>
+              <a:t>:</a:t>
+            </a:r>
+            <a:endParaRPr lang="en-US" dirty="0" smtClean="0"/>
+          </a:p>
+          <a:p>
+            <a:pPr marL="400050" lvl="1" indent="0">
+              <a:buNone/>
+            </a:pPr>
+            <a:r>
+              <a:rPr lang="en-US" dirty="0">
+                <a:hlinkClick r:id="rId2"/>
+              </a:rPr>
+              <a:t>https://en.wikipedia.org/wiki/Alexander_Stepanov#Criticism_of_OOP</a:t>
+            </a:r>
+            <a:endParaRPr lang="en-US" dirty="0"/>
+          </a:p>
+          <a:p>
             <a:r>
               <a:rPr lang="en-US" dirty="0" smtClean="0"/>
-              <a:t>Lambdas</a:t>
-            </a:r>
-          </a:p>
-          <a:p>
-            <a:r>
-              <a:rPr lang="en-US" dirty="0" smtClean="0"/>
-              <a:t>map/reduce: use ??? and ??? instead</a:t>
+              <a:t>He’s got a new book, too:</a:t>
+            </a:r>
+          </a:p>
+          <a:p>
+            <a:pPr marL="400050" lvl="1" indent="0">
+              <a:buNone/>
+            </a:pPr>
+            <a:r>
+              <a:rPr lang="en-US" dirty="0" smtClean="0">
+                <a:hlinkClick r:id="rId3"/>
+              </a:rPr>
+              <a:t>http</a:t>
+            </a:r>
+            <a:r>
+              <a:rPr lang="en-US" dirty="0">
+                <a:hlinkClick r:id="rId3"/>
+              </a:rPr>
+              <a:t>://</a:t>
+            </a:r>
+            <a:r>
+              <a:rPr lang="en-US" dirty="0" smtClean="0">
+                <a:hlinkClick r:id="rId3"/>
+              </a:rPr>
+              <a:t>www.informit.com/store/from-mathematics-to-generic-programming-9780321942043</a:t>
             </a:r>
             <a:endParaRPr lang="en-US" dirty="0" smtClean="0"/>
           </a:p>
@@ -3274,19 +3320,12 @@
             <a:pPr marL="0" indent="0">
               <a:buNone/>
             </a:pPr>
-            <a:r>
-              <a:rPr lang="en-US" dirty="0" err="1" smtClean="0"/>
-              <a:t>dlftodo</a:t>
-            </a:r>
             <a:endParaRPr lang="en-US" dirty="0" smtClean="0"/>
           </a:p>
           <a:p>
             <a:pPr marL="0" indent="0">
               <a:buNone/>
             </a:pPr>
-            <a:endParaRPr lang="en-US" dirty="0"/>
-          </a:p>
-          <a:p>
             <a:endParaRPr lang="en-US" dirty="0"/>
           </a:p>
         </p:txBody>
@@ -3294,7 +3333,7 @@
     </p:spTree>
     <p:extLst>
       <p:ext uri="{BB962C8B-B14F-4D97-AF65-F5344CB8AC3E}">
-        <p14:creationId xmlns:p14="http://schemas.microsoft.com/office/powerpoint/2010/main" val="1705405775"/>
+        <p14:creationId xmlns:p14="http://schemas.microsoft.com/office/powerpoint/2010/main" val="1243197235"/>
       </p:ext>
     </p:extLst>
   </p:cSld>
@@ -3345,7 +3384,7 @@
           <a:p>
             <a:r>
               <a:rPr lang="en-US" dirty="0" smtClean="0"/>
-              <a:t>What’s missing</a:t>
+              <a:t>Paradigms: Functional</a:t>
             </a:r>
             <a:endParaRPr lang="en-US" dirty="0"/>
           </a:p>
@@ -3353,7 +3392,7 @@
       </p:sp>
       <p:sp>
         <p:nvSpPr>
-          <p:cNvPr id="3" name="Content Placeholder 2"/>
+          <p:cNvPr id="4" name="Content Placeholder 3"/>
           <p:cNvSpPr>
             <a:spLocks noGrp="1"/>
           </p:cNvSpPr>
@@ -3361,123 +3400,41 @@
             <p:ph idx="1"/>
           </p:nvPr>
         </p:nvSpPr>
-        <p:spPr>
-          <a:xfrm>
-            <a:off x="457200" y="1295400"/>
-            <a:ext cx="8229600" cy="4830763"/>
-          </a:xfrm>
-        </p:spPr>
+        <p:spPr/>
         <p:txBody>
           <a:bodyPr>
-            <a:normAutofit fontScale="85000" lnSpcReduction="20000"/>
+            <a:normAutofit/>
           </a:bodyPr>
           <a:lstStyle/>
           <a:p>
             <a:r>
               <a:rPr lang="en-US" dirty="0" smtClean="0"/>
-              <a:t>XML</a:t>
+              <a:t> Lambdas</a:t>
             </a:r>
           </a:p>
           <a:p>
             <a:r>
               <a:rPr lang="en-US" dirty="0" smtClean="0"/>
-              <a:t>Packages / modules</a:t>
-            </a:r>
-          </a:p>
-          <a:p>
-            <a:pPr lvl="1"/>
-            <a:r>
-              <a:rPr lang="en-US" dirty="0" smtClean="0"/>
-              <a:t>PHP composer; Python pip; Ruby gems</a:t>
-            </a:r>
+              <a:t>map/reduce: use ??? and ??? instead</a:t>
+            </a:r>
+          </a:p>
+          <a:p>
+            <a:pPr marL="0" indent="0">
+              <a:buNone/>
+            </a:pPr>
+            <a:r>
+              <a:rPr lang="en-US" dirty="0" err="1" smtClean="0"/>
+              <a:t>dlftodo</a:t>
+            </a:r>
+            <a:endParaRPr lang="en-US" dirty="0" smtClean="0"/>
+          </a:p>
+          <a:p>
+            <a:pPr marL="0" indent="0">
+              <a:buNone/>
+            </a:pPr>
             <a:endParaRPr lang="en-US" dirty="0"/>
           </a:p>
           <a:p>
-            <a:pPr lvl="1"/>
-            <a:r>
-              <a:rPr lang="en-US" dirty="0" smtClean="0"/>
-              <a:t>Java </a:t>
-            </a:r>
-            <a:r>
-              <a:rPr lang="en-US" dirty="0" smtClean="0">
-                <a:hlinkClick r:id="rId2"/>
-              </a:rPr>
-              <a:t>JPM4j</a:t>
-            </a:r>
-            <a:endParaRPr lang="en-US" dirty="0"/>
-          </a:p>
-          <a:p>
-            <a:r>
-              <a:rPr lang="en-US" dirty="0" smtClean="0"/>
-              <a:t>Garbage collection (as C#, Java, Python, …)</a:t>
-            </a:r>
-          </a:p>
-          <a:p>
-            <a:r>
-              <a:rPr lang="en-US" dirty="0" smtClean="0"/>
-              <a:t>Strings in switch() statement (C#)</a:t>
-            </a:r>
-          </a:p>
-          <a:p>
-            <a:r>
-              <a:rPr lang="en-US" dirty="0" smtClean="0"/>
-              <a:t>Decimal data type</a:t>
-            </a:r>
-            <a:endParaRPr lang="en-US" dirty="0" smtClean="0"/>
-          </a:p>
-          <a:p>
-            <a:r>
-              <a:rPr lang="en-US" dirty="0" smtClean="0"/>
-              <a:t>Serialization:</a:t>
-            </a:r>
-            <a:endParaRPr lang="en-US" dirty="0" smtClean="0"/>
-          </a:p>
-          <a:p>
-            <a:pPr lvl="1"/>
-            <a:r>
-              <a:rPr lang="en-US" dirty="0" smtClean="0"/>
-              <a:t>see </a:t>
-            </a:r>
-            <a:r>
-              <a:rPr lang="en-US" dirty="0" smtClean="0">
-                <a:hlinkClick r:id="rId3"/>
-              </a:rPr>
-              <a:t>google </a:t>
-            </a:r>
-            <a:r>
-              <a:rPr lang="en-US" dirty="0" err="1" smtClean="0">
-                <a:hlinkClick r:id="rId3"/>
-              </a:rPr>
-              <a:t>FlatBuffers</a:t>
-            </a:r>
-            <a:r>
-              <a:rPr lang="en-US" dirty="0" smtClean="0">
-                <a:hlinkClick r:id="rId3"/>
-              </a:rPr>
-              <a:t> </a:t>
-            </a:r>
-            <a:r>
-              <a:rPr lang="en-US" dirty="0" smtClean="0"/>
-              <a:t>– good, modern C++</a:t>
-            </a:r>
-          </a:p>
-          <a:p>
-            <a:r>
-              <a:rPr lang="en-US" dirty="0" smtClean="0"/>
-              <a:t>Run-time introspection (C#, Java, Python, …)</a:t>
-            </a:r>
-          </a:p>
-          <a:p>
-            <a:r>
-              <a:rPr lang="en-US" dirty="0" smtClean="0"/>
-              <a:t>Interfaces: Need [ugly] abstract classes</a:t>
-            </a:r>
-          </a:p>
-          <a:p>
-            <a:r>
-              <a:rPr lang="en-US" dirty="0" smtClean="0"/>
-              <a:t>command-line parsing</a:t>
-            </a:r>
             <a:endParaRPr lang="en-US" dirty="0"/>
           </a:p>
         </p:txBody>
@@ -3485,7 +3442,7 @@
     </p:spTree>
     <p:extLst>
       <p:ext uri="{BB962C8B-B14F-4D97-AF65-F5344CB8AC3E}">
-        <p14:creationId xmlns:p14="http://schemas.microsoft.com/office/powerpoint/2010/main" val="2897646070"/>
+        <p14:creationId xmlns:p14="http://schemas.microsoft.com/office/powerpoint/2010/main" val="1705405775"/>
       </p:ext>
     </p:extLst>
   </p:cSld>
@@ -3536,7 +3493,7 @@
           <a:p>
             <a:r>
               <a:rPr lang="en-US" dirty="0" smtClean="0"/>
-              <a:t>C++ Idioms</a:t>
+              <a:t>What’s missing</a:t>
             </a:r>
             <a:endParaRPr lang="en-US" dirty="0"/>
           </a:p>
@@ -3552,58 +3509,120 @@
             <p:ph idx="1"/>
           </p:nvPr>
         </p:nvSpPr>
-        <p:spPr/>
-        <p:txBody>
-          <a:bodyPr/>
-          <a:lstStyle/>
-          <a:p>
+        <p:spPr>
+          <a:xfrm>
+            <a:off x="457200" y="1295400"/>
+            <a:ext cx="8229600" cy="4830763"/>
+          </a:xfrm>
+        </p:spPr>
+        <p:txBody>
+          <a:bodyPr>
+            <a:normAutofit fontScale="85000" lnSpcReduction="20000"/>
+          </a:bodyPr>
+          <a:lstStyle/>
+          <a:p>
+            <a:r>
+              <a:rPr lang="en-US" dirty="0" smtClean="0"/>
+              <a:t>XML</a:t>
+            </a:r>
+          </a:p>
+          <a:p>
+            <a:r>
+              <a:rPr lang="en-US" dirty="0" smtClean="0"/>
+              <a:t>Packages / modules</a:t>
+            </a:r>
+          </a:p>
+          <a:p>
+            <a:pPr lvl="1"/>
+            <a:r>
+              <a:rPr lang="en-US" dirty="0" smtClean="0"/>
+              <a:t>PHP composer; Python pip; Ruby gems</a:t>
+            </a:r>
+            <a:endParaRPr lang="en-US" dirty="0"/>
+          </a:p>
+          <a:p>
+            <a:pPr lvl="1"/>
+            <a:r>
+              <a:rPr lang="en-US" dirty="0" smtClean="0"/>
+              <a:t>Java </a:t>
+            </a:r>
             <a:r>
               <a:rPr lang="en-US" dirty="0" smtClean="0">
                 <a:hlinkClick r:id="rId2"/>
               </a:rPr>
-              <a:t>RAII</a:t>
-            </a:r>
-            <a:endParaRPr lang="en-US" dirty="0" smtClean="0"/>
+              <a:t>JPM4j</a:t>
+            </a:r>
+            <a:endParaRPr lang="en-US" dirty="0"/>
+          </a:p>
+          <a:p>
+            <a:r>
+              <a:rPr lang="en-US" dirty="0" smtClean="0"/>
+              <a:t>Garbage collection (as C#, Java, Python, …)</a:t>
+            </a:r>
+          </a:p>
+          <a:p>
+            <a:r>
+              <a:rPr lang="en-US" dirty="0" smtClean="0"/>
+              <a:t>Strings in switch() statement (C#)</a:t>
+            </a:r>
+          </a:p>
+          <a:p>
+            <a:r>
+              <a:rPr lang="en-US" dirty="0" smtClean="0"/>
+              <a:t>Decimal data type</a:t>
+            </a:r>
+          </a:p>
+          <a:p>
+            <a:r>
+              <a:rPr lang="en-US" dirty="0" smtClean="0"/>
+              <a:t>Serialization:</a:t>
+            </a:r>
           </a:p>
           <a:p>
             <a:pPr lvl="1"/>
             <a:r>
               <a:rPr lang="en-US" dirty="0" smtClean="0"/>
-              <a:t>“Resource Acquisition Is Initialization”</a:t>
-            </a:r>
-          </a:p>
-          <a:p>
-            <a:pPr lvl="1"/>
-            <a:r>
-              <a:rPr lang="en-US" dirty="0" smtClean="0"/>
-              <a:t>Acquire and release things in constructor and destructor</a:t>
-            </a:r>
-          </a:p>
-          <a:p>
+              <a:t>see </a:t>
+            </a:r>
             <a:r>
               <a:rPr lang="en-US" dirty="0" smtClean="0">
                 <a:hlinkClick r:id="rId3"/>
               </a:rPr>
-              <a:t>SFINAE</a:t>
-            </a:r>
-            <a:endParaRPr lang="en-US" dirty="0" smtClean="0"/>
-          </a:p>
-          <a:p>
-            <a:pPr lvl="1"/>
-            <a:r>
-              <a:rPr lang="en-US" dirty="0"/>
-              <a:t>“Substitution </a:t>
+              <a:t>google </a:t>
+            </a:r>
+            <a:r>
+              <a:rPr lang="en-US" dirty="0" err="1" smtClean="0">
+                <a:hlinkClick r:id="rId3"/>
+              </a:rPr>
+              <a:t>FlatBuffers</a:t>
+            </a:r>
+            <a:r>
+              <a:rPr lang="en-US" dirty="0" smtClean="0">
+                <a:hlinkClick r:id="rId3"/>
+              </a:rPr>
+              <a:t> </a:t>
             </a:r>
             <a:r>
               <a:rPr lang="en-US" dirty="0" smtClean="0"/>
-              <a:t>Failure Is Not An Error”</a:t>
-            </a:r>
-          </a:p>
-          <a:p>
-            <a:pPr lvl="1"/>
+              <a:t>– good, modern C++</a:t>
+            </a:r>
+          </a:p>
+          <a:p>
             <a:r>
               <a:rPr lang="en-US" dirty="0" smtClean="0"/>
-              <a:t>You won’t get compile-time errors when fiddling with templates</a:t>
+              <a:t>Run-time introspection (C#, Java, Python, …)</a:t>
+            </a:r>
+          </a:p>
+          <a:p>
+            <a:r>
+              <a:rPr lang="en-US" dirty="0" smtClean="0"/>
+              <a:t>Interfaces: Need [ugly] abstract classes</a:t>
+            </a:r>
+          </a:p>
+          <a:p>
+            <a:r>
+              <a:rPr lang="en-US" dirty="0" smtClean="0"/>
+              <a:t>command-line parsing</a:t>
             </a:r>
             <a:endParaRPr lang="en-US" dirty="0"/>
           </a:p>
@@ -3612,7 +3631,7 @@
     </p:spTree>
     <p:extLst>
       <p:ext uri="{BB962C8B-B14F-4D97-AF65-F5344CB8AC3E}">
-        <p14:creationId xmlns:p14="http://schemas.microsoft.com/office/powerpoint/2010/main" val="3246688767"/>
+        <p14:creationId xmlns:p14="http://schemas.microsoft.com/office/powerpoint/2010/main" val="2897646070"/>
       </p:ext>
     </p:extLst>
   </p:cSld>
@@ -3663,7 +3682,7 @@
           <a:p>
             <a:r>
               <a:rPr lang="en-US" dirty="0" smtClean="0"/>
-              <a:t>C++ Rule of 3</a:t>
+              <a:t>C++ Idioms</a:t>
             </a:r>
             <a:endParaRPr lang="en-US" dirty="0"/>
           </a:p>
@@ -3684,48 +3703,62 @@
           <a:bodyPr/>
           <a:lstStyle/>
           <a:p>
-            <a:pPr marL="0" indent="0">
-              <a:buNone/>
-            </a:pPr>
-            <a:r>
-              <a:rPr lang="en-US" sz="2400" dirty="0">
+            <a:r>
+              <a:rPr lang="en-US" dirty="0" smtClean="0">
                 <a:hlinkClick r:id="rId2"/>
               </a:rPr>
-              <a:t>http://</a:t>
-            </a:r>
-            <a:r>
-              <a:rPr lang="en-US" sz="2400" dirty="0" smtClean="0">
-                <a:hlinkClick r:id="rId2"/>
-              </a:rPr>
-              <a:t>en.cppreference.com/w/cpp/language/rule_of_three</a:t>
-            </a:r>
-            <a:endParaRPr lang="en-US" sz="2400" dirty="0" smtClean="0"/>
-          </a:p>
-          <a:p>
-            <a:pPr marL="0" indent="0">
-              <a:buNone/>
-            </a:pPr>
+              <a:t>RAII</a:t>
+            </a:r>
             <a:endParaRPr lang="en-US" dirty="0" smtClean="0"/>
           </a:p>
           <a:p>
-            <a:pPr marL="400050" lvl="1" indent="0">
-              <a:buNone/>
-            </a:pPr>
+            <a:pPr lvl="1"/>
             <a:r>
               <a:rPr lang="en-US" dirty="0" smtClean="0"/>
-              <a:t>“If </a:t>
-            </a:r>
+              <a:t>“Resource Acquisition Is Initialization”</a:t>
+            </a:r>
+          </a:p>
+          <a:p>
+            <a:pPr lvl="1"/>
+            <a:r>
+              <a:rPr lang="en-US" dirty="0" smtClean="0"/>
+              <a:t>Acquire and release things in constructor and destructor</a:t>
+            </a:r>
+          </a:p>
+          <a:p>
+            <a:r>
+              <a:rPr lang="en-US" dirty="0" smtClean="0">
+                <a:hlinkClick r:id="rId3"/>
+              </a:rPr>
+              <a:t>SFINAE</a:t>
+            </a:r>
+            <a:endParaRPr lang="en-US" dirty="0" smtClean="0"/>
+          </a:p>
+          <a:p>
+            <a:pPr lvl="1"/>
             <a:r>
               <a:rPr lang="en-US" dirty="0"/>
-              <a:t>a class requires a user-defined destructor, a user-defined copy constructor, or a user-defined copy assignment operator, it almost certainly requires all three.</a:t>
-            </a:r>
+              <a:t>“Substitution </a:t>
+            </a:r>
+            <a:r>
+              <a:rPr lang="en-US" dirty="0" smtClean="0"/>
+              <a:t>Failure Is Not An Error”</a:t>
+            </a:r>
+          </a:p>
+          <a:p>
+            <a:pPr lvl="1"/>
+            <a:r>
+              <a:rPr lang="en-US" dirty="0" smtClean="0"/>
+              <a:t>You won’t get compile-time errors when fiddling with templates</a:t>
+            </a:r>
+            <a:endParaRPr lang="en-US" dirty="0"/>
           </a:p>
         </p:txBody>
       </p:sp>
     </p:spTree>
     <p:extLst>
       <p:ext uri="{BB962C8B-B14F-4D97-AF65-F5344CB8AC3E}">
-        <p14:creationId xmlns:p14="http://schemas.microsoft.com/office/powerpoint/2010/main" val="2038294293"/>
+        <p14:creationId xmlns:p14="http://schemas.microsoft.com/office/powerpoint/2010/main" val="3246688767"/>
       </p:ext>
     </p:extLst>
   </p:cSld>
@@ -3776,7 +3809,7 @@
           <a:p>
             <a:r>
               <a:rPr lang="en-US" dirty="0" smtClean="0"/>
-              <a:t>C++11 Rule of 5</a:t>
+              <a:t>C++ Rule of 3</a:t>
             </a:r>
             <a:endParaRPr lang="en-US" dirty="0"/>
           </a:p>
@@ -3825,21 +3858,20 @@
               <a:buNone/>
             </a:pPr>
             <a:r>
+              <a:rPr lang="en-US" dirty="0" smtClean="0"/>
+              <a:t>“If </a:t>
+            </a:r>
+            <a:r>
               <a:rPr lang="en-US" dirty="0"/>
-              <a:t>“Because the presence of a user-defined destructor, copy-constructor, or copy-assignment operator prevents implicit definition of the move constructor and the move assignment operator, any class for which move semantics are desirable, has to declare all five special member </a:t>
-            </a:r>
-            <a:r>
-              <a:rPr lang="en-US" dirty="0" smtClean="0"/>
-              <a:t>functions.</a:t>
-            </a:r>
-            <a:endParaRPr lang="en-US" dirty="0"/>
+              <a:t>a class requires a user-defined destructor, a user-defined copy constructor, or a user-defined copy assignment operator, it almost certainly requires all three.</a:t>
+            </a:r>
           </a:p>
         </p:txBody>
       </p:sp>
     </p:spTree>
     <p:extLst>
       <p:ext uri="{BB962C8B-B14F-4D97-AF65-F5344CB8AC3E}">
-        <p14:creationId xmlns:p14="http://schemas.microsoft.com/office/powerpoint/2010/main" val="2995229971"/>
+        <p14:creationId xmlns:p14="http://schemas.microsoft.com/office/powerpoint/2010/main" val="2038294293"/>
       </p:ext>
     </p:extLst>
   </p:cSld>
@@ -3890,208 +3922,70 @@
           <a:p>
             <a:r>
               <a:rPr lang="en-US" dirty="0" smtClean="0"/>
-              <a:t>Which C++ </a:t>
+              <a:t>C++11 Rule of 5</a:t>
+            </a:r>
+            <a:endParaRPr lang="en-US" dirty="0"/>
+          </a:p>
+        </p:txBody>
+      </p:sp>
+      <p:sp>
+        <p:nvSpPr>
+          <p:cNvPr id="3" name="Content Placeholder 2"/>
+          <p:cNvSpPr>
+            <a:spLocks noGrp="1"/>
+          </p:cNvSpPr>
+          <p:nvPr>
+            <p:ph idx="1"/>
+          </p:nvPr>
+        </p:nvSpPr>
+        <p:spPr/>
+        <p:txBody>
+          <a:bodyPr/>
+          <a:lstStyle/>
+          <a:p>
+            <a:pPr marL="0" indent="0">
+              <a:buNone/>
+            </a:pPr>
+            <a:r>
+              <a:rPr lang="en-US" sz="2400" dirty="0">
+                <a:hlinkClick r:id="rId2"/>
+              </a:rPr>
+              <a:t>http://</a:t>
+            </a:r>
+            <a:r>
+              <a:rPr lang="en-US" sz="2400" dirty="0" smtClean="0">
+                <a:hlinkClick r:id="rId2"/>
+              </a:rPr>
+              <a:t>en.cppreference.com/w/cpp/language/rule_of_three</a:t>
+            </a:r>
+            <a:endParaRPr lang="en-US" sz="2400" dirty="0" smtClean="0"/>
+          </a:p>
+          <a:p>
+            <a:pPr marL="0" indent="0">
+              <a:buNone/>
+            </a:pPr>
+            <a:endParaRPr lang="en-US" dirty="0" smtClean="0"/>
+          </a:p>
+          <a:p>
+            <a:pPr marL="400050" lvl="1" indent="0">
+              <a:buNone/>
+            </a:pPr>
+            <a:r>
+              <a:rPr lang="en-US" dirty="0"/>
+              <a:t>“Because the presence of a user-defined destructor, copy-constructor, or copy-assignment operator prevents implicit definition of the move constructor and the move assignment operator, any class for which move semantics are desirable, has to declare all five special member </a:t>
             </a:r>
             <a:r>
               <a:rPr lang="en-US" dirty="0" smtClean="0"/>
-              <a:t>compiler am I using?</a:t>
+              <a:t>functions.</a:t>
             </a:r>
             <a:endParaRPr lang="en-US" dirty="0"/>
-          </a:p>
-        </p:txBody>
-      </p:sp>
-      <p:sp>
-        <p:nvSpPr>
-          <p:cNvPr id="3" name="Content Placeholder 2"/>
-          <p:cNvSpPr>
-            <a:spLocks noGrp="1"/>
-          </p:cNvSpPr>
-          <p:nvPr>
-            <p:ph idx="1"/>
-          </p:nvPr>
-        </p:nvSpPr>
-        <p:spPr/>
-        <p:txBody>
-          <a:bodyPr>
-            <a:normAutofit/>
-          </a:bodyPr>
-          <a:lstStyle/>
-          <a:p>
-            <a:pPr marL="457200" lvl="1" indent="0">
-              <a:buNone/>
-            </a:pPr>
-            <a:endParaRPr lang="en-US" sz="1800" dirty="0" smtClean="0">
-              <a:latin typeface="Consolas" panose="020B0609020204030204" pitchFamily="49" charset="0"/>
-              <a:cs typeface="Consolas" panose="020B0609020204030204" pitchFamily="49" charset="0"/>
-            </a:endParaRPr>
-          </a:p>
-          <a:p>
-            <a:pPr marL="457200" lvl="1" indent="0">
-              <a:buNone/>
-            </a:pPr>
-            <a:r>
-              <a:rPr lang="en-US" sz="1800" dirty="0" smtClean="0">
-                <a:latin typeface="Consolas" panose="020B0609020204030204" pitchFamily="49" charset="0"/>
-                <a:cs typeface="Consolas" panose="020B0609020204030204" pitchFamily="49" charset="0"/>
-              </a:rPr>
-              <a:t>c</a:t>
-            </a:r>
-            <a:r>
-              <a:rPr lang="en-US" sz="1800" dirty="0">
-                <a:latin typeface="Consolas" panose="020B0609020204030204" pitchFamily="49" charset="0"/>
-                <a:cs typeface="Consolas" panose="020B0609020204030204" pitchFamily="49" charset="0"/>
-              </a:rPr>
-              <a:t>:\apps\WinDDK\7600.16385.1</a:t>
-            </a:r>
-            <a:r>
-              <a:rPr lang="en-US" sz="1800" dirty="0" smtClean="0">
-                <a:latin typeface="Consolas" panose="020B0609020204030204" pitchFamily="49" charset="0"/>
-                <a:cs typeface="Consolas" panose="020B0609020204030204" pitchFamily="49" charset="0"/>
-              </a:rPr>
-              <a:t>&gt; bin\setenv.bat </a:t>
-            </a:r>
-            <a:r>
-              <a:rPr lang="en-US" sz="1800" dirty="0">
-                <a:latin typeface="Consolas" panose="020B0609020204030204" pitchFamily="49" charset="0"/>
-                <a:cs typeface="Consolas" panose="020B0609020204030204" pitchFamily="49" charset="0"/>
-              </a:rPr>
-              <a:t>. WLH</a:t>
-            </a:r>
-          </a:p>
-          <a:p>
-            <a:pPr marL="457200" lvl="1" indent="0">
-              <a:buNone/>
-            </a:pPr>
-            <a:endParaRPr lang="en-US" sz="1800" dirty="0">
-              <a:latin typeface="Consolas" panose="020B0609020204030204" pitchFamily="49" charset="0"/>
-              <a:cs typeface="Consolas" panose="020B0609020204030204" pitchFamily="49" charset="0"/>
-            </a:endParaRPr>
-          </a:p>
-          <a:p>
-            <a:pPr marL="457200" lvl="1" indent="0">
-              <a:buNone/>
-            </a:pPr>
-            <a:r>
-              <a:rPr lang="en-US" sz="1800" dirty="0">
-                <a:latin typeface="Consolas" panose="020B0609020204030204" pitchFamily="49" charset="0"/>
-                <a:cs typeface="Consolas" panose="020B0609020204030204" pitchFamily="49" charset="0"/>
-              </a:rPr>
-              <a:t>c:\apps\WinDDK\7600.16385.1</a:t>
-            </a:r>
-            <a:r>
-              <a:rPr lang="en-US" sz="1800" smtClean="0">
-                <a:latin typeface="Consolas" panose="020B0609020204030204" pitchFamily="49" charset="0"/>
-                <a:cs typeface="Consolas" panose="020B0609020204030204" pitchFamily="49" charset="0"/>
-              </a:rPr>
-              <a:t>&gt; cl.exe</a:t>
-            </a:r>
-            <a:endParaRPr lang="en-US" sz="1800" dirty="0">
-              <a:latin typeface="Consolas" panose="020B0609020204030204" pitchFamily="49" charset="0"/>
-              <a:cs typeface="Consolas" panose="020B0609020204030204" pitchFamily="49" charset="0"/>
-            </a:endParaRPr>
-          </a:p>
-          <a:p>
-            <a:pPr marL="457200" lvl="1" indent="0">
-              <a:buNone/>
-            </a:pPr>
-            <a:endParaRPr lang="en-US" sz="1800" dirty="0">
-              <a:latin typeface="Consolas" panose="020B0609020204030204" pitchFamily="49" charset="0"/>
-              <a:cs typeface="Consolas" panose="020B0609020204030204" pitchFamily="49" charset="0"/>
-            </a:endParaRPr>
-          </a:p>
-          <a:p>
-            <a:pPr marL="457200" lvl="1" indent="0">
-              <a:buNone/>
-            </a:pPr>
-            <a:r>
-              <a:rPr lang="en-US" sz="1800" dirty="0">
-                <a:latin typeface="Consolas" panose="020B0609020204030204" pitchFamily="49" charset="0"/>
-                <a:cs typeface="Consolas" panose="020B0609020204030204" pitchFamily="49" charset="0"/>
-              </a:rPr>
-              <a:t>Microsoft (R) 32-bit C/C++ Optimizing Compiler Version </a:t>
-            </a:r>
-            <a:r>
-              <a:rPr lang="en-US" sz="1800" b="1" dirty="0">
-                <a:latin typeface="Consolas" panose="020B0609020204030204" pitchFamily="49" charset="0"/>
-                <a:cs typeface="Consolas" panose="020B0609020204030204" pitchFamily="49" charset="0"/>
-              </a:rPr>
-              <a:t>15.00.30729.207</a:t>
-            </a:r>
-            <a:r>
-              <a:rPr lang="en-US" sz="1800" dirty="0">
-                <a:latin typeface="Consolas" panose="020B0609020204030204" pitchFamily="49" charset="0"/>
-                <a:cs typeface="Consolas" panose="020B0609020204030204" pitchFamily="49" charset="0"/>
-              </a:rPr>
-              <a:t> for </a:t>
-            </a:r>
-            <a:r>
-              <a:rPr lang="en-US" sz="1800" dirty="0" smtClean="0">
-                <a:latin typeface="Consolas" panose="020B0609020204030204" pitchFamily="49" charset="0"/>
-                <a:cs typeface="Consolas" panose="020B0609020204030204" pitchFamily="49" charset="0"/>
-              </a:rPr>
-              <a:t>80x86</a:t>
-            </a:r>
-          </a:p>
-          <a:p>
-            <a:pPr marL="457200" lvl="1" indent="0">
-              <a:buNone/>
-            </a:pPr>
-            <a:endParaRPr lang="en-US" sz="1800" dirty="0">
-              <a:latin typeface="Consolas" panose="020B0609020204030204" pitchFamily="49" charset="0"/>
-              <a:cs typeface="Consolas" panose="020B0609020204030204" pitchFamily="49" charset="0"/>
-            </a:endParaRPr>
-          </a:p>
-          <a:p>
-            <a:pPr marL="457200" lvl="1" indent="0">
-              <a:buNone/>
-            </a:pPr>
-            <a:r>
-              <a:rPr lang="en-US" sz="1800" dirty="0">
-                <a:latin typeface="Consolas" panose="020B0609020204030204" pitchFamily="49" charset="0"/>
-                <a:cs typeface="Consolas" panose="020B0609020204030204" pitchFamily="49" charset="0"/>
-              </a:rPr>
-              <a:t>Copyright (C) Microsoft Corporation.  All rights reserved.</a:t>
-            </a:r>
-          </a:p>
-          <a:p>
-            <a:pPr marL="457200" lvl="1" indent="0">
-              <a:buNone/>
-            </a:pPr>
-            <a:r>
-              <a:rPr lang="en-US" sz="1800" dirty="0">
-                <a:latin typeface="Consolas" panose="020B0609020204030204" pitchFamily="49" charset="0"/>
-                <a:cs typeface="Consolas" panose="020B0609020204030204" pitchFamily="49" charset="0"/>
-              </a:rPr>
-              <a:t>usage: cl [ option... ] filename... [ /link </a:t>
-            </a:r>
-            <a:r>
-              <a:rPr lang="en-US" sz="1800" dirty="0" err="1">
-                <a:latin typeface="Consolas" panose="020B0609020204030204" pitchFamily="49" charset="0"/>
-                <a:cs typeface="Consolas" panose="020B0609020204030204" pitchFamily="49" charset="0"/>
-              </a:rPr>
-              <a:t>linkoption</a:t>
-            </a:r>
-            <a:r>
-              <a:rPr lang="en-US" sz="1800" dirty="0">
-                <a:latin typeface="Consolas" panose="020B0609020204030204" pitchFamily="49" charset="0"/>
-                <a:cs typeface="Consolas" panose="020B0609020204030204" pitchFamily="49" charset="0"/>
-              </a:rPr>
-              <a:t>... ]</a:t>
-            </a:r>
-          </a:p>
-          <a:p>
-            <a:pPr lvl="1"/>
-            <a:endParaRPr lang="en-US" sz="1800" dirty="0">
-              <a:latin typeface="Consolas" panose="020B0609020204030204" pitchFamily="49" charset="0"/>
-              <a:cs typeface="Consolas" panose="020B0609020204030204" pitchFamily="49" charset="0"/>
-            </a:endParaRPr>
           </a:p>
         </p:txBody>
       </p:sp>
     </p:spTree>
     <p:extLst>
       <p:ext uri="{BB962C8B-B14F-4D97-AF65-F5344CB8AC3E}">
-        <p14:creationId xmlns:p14="http://schemas.microsoft.com/office/powerpoint/2010/main" val="2118868596"/>
+        <p14:creationId xmlns:p14="http://schemas.microsoft.com/office/powerpoint/2010/main" val="2995229971"/>
       </p:ext>
     </p:extLst>
   </p:cSld>
@@ -4141,8 +4035,8 @@
           <a:lstStyle/>
           <a:p>
             <a:r>
-              <a:rPr lang="en-US" smtClean="0"/>
-              <a:t>Which C++ compiler?</a:t>
+              <a:rPr lang="en-US" dirty="0" smtClean="0"/>
+              <a:t>Which C++ compiler am I using?</a:t>
             </a:r>
             <a:endParaRPr lang="en-US" dirty="0"/>
           </a:p>
@@ -4161,66 +4055,53 @@
         <p:spPr/>
         <p:txBody>
           <a:bodyPr>
-            <a:normAutofit lnSpcReduction="10000"/>
+            <a:normAutofit/>
           </a:bodyPr>
           <a:lstStyle/>
           <a:p>
-            <a:pPr marL="0" indent="0">
-              <a:buNone/>
-            </a:pPr>
-            <a:r>
-              <a:rPr lang="en-US" sz="2600" dirty="0" smtClean="0">
-                <a:cs typeface="Consolas" panose="020B0609020204030204" pitchFamily="49" charset="0"/>
-              </a:rPr>
-              <a:t>Set </a:t>
-            </a:r>
-            <a:r>
-              <a:rPr lang="en-US" sz="2600" dirty="0">
-                <a:cs typeface="Consolas" panose="020B0609020204030204" pitchFamily="49" charset="0"/>
-              </a:rPr>
-              <a:t>the environment; run </a:t>
-            </a:r>
-            <a:r>
-              <a:rPr lang="en-US" sz="2600" dirty="0" smtClean="0">
-                <a:cs typeface="Consolas" panose="020B0609020204030204" pitchFamily="49" charset="0"/>
-              </a:rPr>
-              <a:t>CL.EXE</a:t>
-            </a:r>
-          </a:p>
-          <a:p>
-            <a:r>
-              <a:rPr lang="en-US" sz="2600" dirty="0" smtClean="0">
-                <a:cs typeface="Consolas" panose="020B0609020204030204" pitchFamily="49" charset="0"/>
-              </a:rPr>
-              <a:t>Visual Studio help/about: fail</a:t>
-            </a:r>
-          </a:p>
-          <a:p>
-            <a:r>
-              <a:rPr lang="en-US" sz="2600" dirty="0" smtClean="0">
-                <a:cs typeface="Consolas" panose="020B0609020204030204" pitchFamily="49" charset="0"/>
-              </a:rPr>
-              <a:t>Look for “C++” </a:t>
-            </a:r>
-            <a:r>
-              <a:rPr lang="en-US" sz="2600" dirty="0" smtClean="0">
-                <a:cs typeface="Consolas" panose="020B0609020204030204" pitchFamily="49" charset="0"/>
-                <a:hlinkClick r:id="rId2"/>
-              </a:rPr>
-              <a:t>here</a:t>
-            </a:r>
-            <a:r>
-              <a:rPr lang="en-US" sz="2600" dirty="0" smtClean="0">
-                <a:cs typeface="Consolas" panose="020B0609020204030204" pitchFamily="49" charset="0"/>
-              </a:rPr>
-              <a:t> for all MS C++ compiler versions</a:t>
-            </a:r>
-            <a:endParaRPr lang="en-US" sz="2600" dirty="0">
+            <a:pPr marL="457200" lvl="1" indent="0">
+              <a:buNone/>
+            </a:pPr>
+            <a:endParaRPr lang="en-US" sz="1800" dirty="0" smtClean="0">
+              <a:latin typeface="Consolas" panose="020B0609020204030204" pitchFamily="49" charset="0"/>
               <a:cs typeface="Consolas" panose="020B0609020204030204" pitchFamily="49" charset="0"/>
             </a:endParaRPr>
           </a:p>
           <a:p>
-            <a:pPr marL="0" indent="0">
+            <a:pPr marL="457200" lvl="1" indent="0">
+              <a:buNone/>
+            </a:pPr>
+            <a:r>
+              <a:rPr lang="en-US" sz="1800" dirty="0" smtClean="0">
+                <a:latin typeface="Consolas" panose="020B0609020204030204" pitchFamily="49" charset="0"/>
+                <a:cs typeface="Consolas" panose="020B0609020204030204" pitchFamily="49" charset="0"/>
+              </a:rPr>
+              <a:t>c</a:t>
+            </a:r>
+            <a:r>
+              <a:rPr lang="en-US" sz="1800" dirty="0">
+                <a:latin typeface="Consolas" panose="020B0609020204030204" pitchFamily="49" charset="0"/>
+                <a:cs typeface="Consolas" panose="020B0609020204030204" pitchFamily="49" charset="0"/>
+              </a:rPr>
+              <a:t>:\apps\WinDDK\7600.16385.1</a:t>
+            </a:r>
+            <a:r>
+              <a:rPr lang="en-US" sz="1800" dirty="0" smtClean="0">
+                <a:latin typeface="Consolas" panose="020B0609020204030204" pitchFamily="49" charset="0"/>
+                <a:cs typeface="Consolas" panose="020B0609020204030204" pitchFamily="49" charset="0"/>
+              </a:rPr>
+              <a:t>&gt; bin\setenv.bat </a:t>
+            </a:r>
+            <a:r>
+              <a:rPr lang="en-US" sz="1800" dirty="0">
+                <a:latin typeface="Consolas" panose="020B0609020204030204" pitchFamily="49" charset="0"/>
+                <a:cs typeface="Consolas" panose="020B0609020204030204" pitchFamily="49" charset="0"/>
+              </a:rPr>
+              <a:t>. WLH</a:t>
+            </a:r>
+          </a:p>
+          <a:p>
+            <a:pPr marL="457200" lvl="1" indent="0">
               <a:buNone/>
             </a:pPr>
             <a:endParaRPr lang="en-US" sz="1800" dirty="0">
@@ -4229,50 +4110,22 @@
             </a:endParaRPr>
           </a:p>
           <a:p>
-            <a:pPr marL="0" indent="0">
-              <a:buNone/>
-            </a:pPr>
-            <a:r>
-              <a:rPr lang="en-US" sz="1800" b="1" dirty="0" smtClean="0">
-                <a:latin typeface="Consolas" panose="020B0609020204030204" pitchFamily="49" charset="0"/>
-                <a:cs typeface="Consolas" panose="020B0609020204030204" pitchFamily="49" charset="0"/>
-              </a:rPr>
-              <a:t>vs2013</a:t>
-            </a:r>
-            <a:r>
-              <a:rPr lang="en-US" sz="1800" dirty="0" smtClean="0">
-                <a:latin typeface="Consolas" panose="020B0609020204030204" pitchFamily="49" charset="0"/>
-                <a:cs typeface="Consolas" panose="020B0609020204030204" pitchFamily="49" charset="0"/>
-              </a:rPr>
-              <a:t>env: Microsoft </a:t>
-            </a:r>
+            <a:pPr marL="457200" lvl="1" indent="0">
+              <a:buNone/>
+            </a:pPr>
             <a:r>
               <a:rPr lang="en-US" sz="1800" dirty="0">
                 <a:latin typeface="Consolas" panose="020B0609020204030204" pitchFamily="49" charset="0"/>
                 <a:cs typeface="Consolas" panose="020B0609020204030204" pitchFamily="49" charset="0"/>
               </a:rPr>
-              <a:t>(R) C/C++ Optimizing Compiler Version </a:t>
-            </a:r>
-            <a:r>
-              <a:rPr lang="en-US" sz="1800" b="1" dirty="0">
-                <a:latin typeface="Consolas" panose="020B0609020204030204" pitchFamily="49" charset="0"/>
-                <a:cs typeface="Consolas" panose="020B0609020204030204" pitchFamily="49" charset="0"/>
-              </a:rPr>
-              <a:t>18.00.31010</a:t>
-            </a:r>
-            <a:r>
-              <a:rPr lang="en-US" sz="1800" dirty="0">
-                <a:latin typeface="Consolas" panose="020B0609020204030204" pitchFamily="49" charset="0"/>
-                <a:cs typeface="Consolas" panose="020B0609020204030204" pitchFamily="49" charset="0"/>
-              </a:rPr>
-              <a:t> for </a:t>
-            </a:r>
-            <a:r>
-              <a:rPr lang="en-US" sz="1800" dirty="0" smtClean="0">
-                <a:latin typeface="Consolas" panose="020B0609020204030204" pitchFamily="49" charset="0"/>
-                <a:cs typeface="Consolas" panose="020B0609020204030204" pitchFamily="49" charset="0"/>
-              </a:rPr>
-              <a:t>x86</a:t>
+              <a:t>c:\apps\WinDDK\7600.16385.1</a:t>
+            </a:r>
+            <a:r>
+              <a:rPr lang="en-US" sz="1800" smtClean="0">
+                <a:latin typeface="Consolas" panose="020B0609020204030204" pitchFamily="49" charset="0"/>
+                <a:cs typeface="Consolas" panose="020B0609020204030204" pitchFamily="49" charset="0"/>
+              </a:rPr>
+              <a:t>&gt; cl.exe</a:t>
             </a:r>
             <a:endParaRPr lang="en-US" sz="1800" dirty="0">
               <a:latin typeface="Consolas" panose="020B0609020204030204" pitchFamily="49" charset="0"/>
@@ -4280,212 +4133,96 @@
             </a:endParaRPr>
           </a:p>
           <a:p>
-            <a:pPr marL="0" indent="0">
-              <a:buNone/>
-            </a:pPr>
-            <a:r>
-              <a:rPr lang="en-US" sz="1800" b="1" dirty="0" smtClean="0">
-                <a:latin typeface="Consolas" panose="020B0609020204030204" pitchFamily="49" charset="0"/>
-                <a:cs typeface="Consolas" panose="020B0609020204030204" pitchFamily="49" charset="0"/>
-              </a:rPr>
-              <a:t>vs2012</a:t>
-            </a:r>
-            <a:r>
-              <a:rPr lang="en-US" sz="1800" dirty="0" smtClean="0">
-                <a:latin typeface="Consolas" panose="020B0609020204030204" pitchFamily="49" charset="0"/>
-                <a:cs typeface="Consolas" panose="020B0609020204030204" pitchFamily="49" charset="0"/>
-              </a:rPr>
-              <a:t>env: Microsoft </a:t>
-            </a:r>
-            <a:r>
-              <a:rPr lang="en-US" sz="1800" dirty="0">
-                <a:latin typeface="Consolas" panose="020B0609020204030204" pitchFamily="49" charset="0"/>
-                <a:cs typeface="Consolas" panose="020B0609020204030204" pitchFamily="49" charset="0"/>
-              </a:rPr>
-              <a:t>(R) C/C++ Optimizing Compiler Version </a:t>
-            </a:r>
-            <a:r>
-              <a:rPr lang="en-US" sz="1800" b="1" dirty="0">
-                <a:latin typeface="Consolas" panose="020B0609020204030204" pitchFamily="49" charset="0"/>
-                <a:cs typeface="Consolas" panose="020B0609020204030204" pitchFamily="49" charset="0"/>
-              </a:rPr>
-              <a:t>17.00.61030</a:t>
-            </a:r>
-            <a:r>
-              <a:rPr lang="en-US" sz="1800" dirty="0">
-                <a:latin typeface="Consolas" panose="020B0609020204030204" pitchFamily="49" charset="0"/>
-                <a:cs typeface="Consolas" panose="020B0609020204030204" pitchFamily="49" charset="0"/>
-              </a:rPr>
-              <a:t> for </a:t>
-            </a:r>
-            <a:r>
-              <a:rPr lang="en-US" sz="1800" dirty="0" smtClean="0">
-                <a:latin typeface="Consolas" panose="020B0609020204030204" pitchFamily="49" charset="0"/>
-                <a:cs typeface="Consolas" panose="020B0609020204030204" pitchFamily="49" charset="0"/>
-              </a:rPr>
-              <a:t>x86</a:t>
-            </a:r>
+            <a:pPr marL="457200" lvl="1" indent="0">
+              <a:buNone/>
+            </a:pPr>
             <a:endParaRPr lang="en-US" sz="1800" dirty="0">
               <a:latin typeface="Consolas" panose="020B0609020204030204" pitchFamily="49" charset="0"/>
               <a:cs typeface="Consolas" panose="020B0609020204030204" pitchFamily="49" charset="0"/>
             </a:endParaRPr>
           </a:p>
           <a:p>
-            <a:pPr marL="0" indent="0">
-              <a:buNone/>
-            </a:pPr>
+            <a:pPr marL="457200" lvl="1" indent="0">
+              <a:buNone/>
+            </a:pPr>
+            <a:r>
+              <a:rPr lang="en-US" sz="1800" dirty="0">
+                <a:latin typeface="Consolas" panose="020B0609020204030204" pitchFamily="49" charset="0"/>
+                <a:cs typeface="Consolas" panose="020B0609020204030204" pitchFamily="49" charset="0"/>
+              </a:rPr>
+              <a:t>Microsoft (R) 32-bit C/C++ Optimizing Compiler Version </a:t>
+            </a:r>
+            <a:r>
+              <a:rPr lang="en-US" sz="1800" b="1" dirty="0">
+                <a:latin typeface="Consolas" panose="020B0609020204030204" pitchFamily="49" charset="0"/>
+                <a:cs typeface="Consolas" panose="020B0609020204030204" pitchFamily="49" charset="0"/>
+              </a:rPr>
+              <a:t>15.00.30729.207</a:t>
+            </a:r>
+            <a:r>
+              <a:rPr lang="en-US" sz="1800" dirty="0">
+                <a:latin typeface="Consolas" panose="020B0609020204030204" pitchFamily="49" charset="0"/>
+                <a:cs typeface="Consolas" panose="020B0609020204030204" pitchFamily="49" charset="0"/>
+              </a:rPr>
+              <a:t> for </a:t>
+            </a:r>
             <a:r>
               <a:rPr lang="en-US" sz="1800" dirty="0" smtClean="0">
                 <a:latin typeface="Consolas" panose="020B0609020204030204" pitchFamily="49" charset="0"/>
                 <a:cs typeface="Consolas" panose="020B0609020204030204" pitchFamily="49" charset="0"/>
               </a:rPr>
-              <a:t>vs</a:t>
-            </a:r>
-            <a:r>
-              <a:rPr lang="en-US" sz="1800" b="1" dirty="0" smtClean="0">
-                <a:latin typeface="Consolas" panose="020B0609020204030204" pitchFamily="49" charset="0"/>
-                <a:cs typeface="Consolas" panose="020B0609020204030204" pitchFamily="49" charset="0"/>
-              </a:rPr>
-              <a:t>2010</a:t>
-            </a:r>
-            <a:r>
-              <a:rPr lang="en-US" sz="1800" dirty="0" smtClean="0">
-                <a:latin typeface="Consolas" panose="020B0609020204030204" pitchFamily="49" charset="0"/>
-                <a:cs typeface="Consolas" panose="020B0609020204030204" pitchFamily="49" charset="0"/>
-              </a:rPr>
-              <a:t>env: Microsoft </a:t>
-            </a:r>
-            <a:r>
-              <a:rPr lang="en-US" sz="1800" dirty="0">
-                <a:latin typeface="Consolas" panose="020B0609020204030204" pitchFamily="49" charset="0"/>
-                <a:cs typeface="Consolas" panose="020B0609020204030204" pitchFamily="49" charset="0"/>
-              </a:rPr>
-              <a:t>(R) 32-bit C/C++ Optimizing Compiler Version </a:t>
-            </a:r>
-            <a:r>
-              <a:rPr lang="en-US" sz="1800" b="1" dirty="0">
-                <a:latin typeface="Consolas" panose="020B0609020204030204" pitchFamily="49" charset="0"/>
-                <a:cs typeface="Consolas" panose="020B0609020204030204" pitchFamily="49" charset="0"/>
-              </a:rPr>
-              <a:t>16.00.40219.01</a:t>
-            </a:r>
-            <a:r>
-              <a:rPr lang="en-US" sz="1800" dirty="0">
-                <a:latin typeface="Consolas" panose="020B0609020204030204" pitchFamily="49" charset="0"/>
-                <a:cs typeface="Consolas" panose="020B0609020204030204" pitchFamily="49" charset="0"/>
-              </a:rPr>
-              <a:t> for </a:t>
-            </a:r>
-            <a:r>
-              <a:rPr lang="en-US" sz="1800" dirty="0" smtClean="0">
-                <a:latin typeface="Consolas" panose="020B0609020204030204" pitchFamily="49" charset="0"/>
-                <a:cs typeface="Consolas" panose="020B0609020204030204" pitchFamily="49" charset="0"/>
-              </a:rPr>
               <a:t>80x86</a:t>
             </a:r>
+          </a:p>
+          <a:p>
+            <a:pPr marL="457200" lvl="1" indent="0">
+              <a:buNone/>
+            </a:pPr>
             <a:endParaRPr lang="en-US" sz="1800" dirty="0">
               <a:latin typeface="Consolas" panose="020B0609020204030204" pitchFamily="49" charset="0"/>
               <a:cs typeface="Consolas" panose="020B0609020204030204" pitchFamily="49" charset="0"/>
             </a:endParaRPr>
           </a:p>
           <a:p>
-            <a:pPr marL="0" indent="0">
-              <a:buNone/>
-            </a:pPr>
-            <a:r>
-              <a:rPr lang="en-US" sz="1800" dirty="0" smtClean="0">
-                <a:latin typeface="Consolas" panose="020B0609020204030204" pitchFamily="49" charset="0"/>
-                <a:cs typeface="Consolas" panose="020B0609020204030204" pitchFamily="49" charset="0"/>
-              </a:rPr>
-              <a:t>vs</a:t>
-            </a:r>
-            <a:r>
-              <a:rPr lang="en-US" sz="1800" b="1" dirty="0" smtClean="0">
-                <a:latin typeface="Consolas" panose="020B0609020204030204" pitchFamily="49" charset="0"/>
-                <a:cs typeface="Consolas" panose="020B0609020204030204" pitchFamily="49" charset="0"/>
-              </a:rPr>
-              <a:t>2008</a:t>
-            </a:r>
-            <a:r>
-              <a:rPr lang="en-US" sz="1800" dirty="0" smtClean="0">
-                <a:latin typeface="Consolas" panose="020B0609020204030204" pitchFamily="49" charset="0"/>
-                <a:cs typeface="Consolas" panose="020B0609020204030204" pitchFamily="49" charset="0"/>
-              </a:rPr>
-              <a:t>env: Microsoft </a:t>
-            </a:r>
+            <a:pPr marL="457200" lvl="1" indent="0">
+              <a:buNone/>
+            </a:pPr>
             <a:r>
               <a:rPr lang="en-US" sz="1800" dirty="0">
                 <a:latin typeface="Consolas" panose="020B0609020204030204" pitchFamily="49" charset="0"/>
                 <a:cs typeface="Consolas" panose="020B0609020204030204" pitchFamily="49" charset="0"/>
               </a:rPr>
-              <a:t>(R) 32-bit C/C++ Optimizing Compiler </a:t>
-            </a:r>
-            <a:r>
-              <a:rPr lang="en-US" sz="1800" dirty="0" smtClean="0">
-                <a:latin typeface="Consolas" panose="020B0609020204030204" pitchFamily="49" charset="0"/>
-                <a:cs typeface="Consolas" panose="020B0609020204030204" pitchFamily="49" charset="0"/>
-              </a:rPr>
-              <a:t>Version </a:t>
-            </a:r>
-            <a:r>
-              <a:rPr lang="en-US" sz="1800" b="1" dirty="0" smtClean="0">
-                <a:latin typeface="Consolas" panose="020B0609020204030204" pitchFamily="49" charset="0"/>
-                <a:cs typeface="Consolas" panose="020B0609020204030204" pitchFamily="49" charset="0"/>
-              </a:rPr>
-              <a:t>15.00.30729.01</a:t>
-            </a:r>
-            <a:r>
-              <a:rPr lang="en-US" sz="1800" dirty="0" smtClean="0">
-                <a:latin typeface="Consolas" panose="020B0609020204030204" pitchFamily="49" charset="0"/>
-                <a:cs typeface="Consolas" panose="020B0609020204030204" pitchFamily="49" charset="0"/>
-              </a:rPr>
-              <a:t> </a:t>
-            </a:r>
+              <a:t>Copyright (C) Microsoft Corporation.  All rights reserved.</a:t>
+            </a:r>
+          </a:p>
+          <a:p>
+            <a:pPr marL="457200" lvl="1" indent="0">
+              <a:buNone/>
+            </a:pPr>
             <a:r>
               <a:rPr lang="en-US" sz="1800" dirty="0">
                 <a:latin typeface="Consolas" panose="020B0609020204030204" pitchFamily="49" charset="0"/>
                 <a:cs typeface="Consolas" panose="020B0609020204030204" pitchFamily="49" charset="0"/>
               </a:rPr>
-              <a:t>for </a:t>
-            </a:r>
-            <a:r>
-              <a:rPr lang="en-US" sz="1800" dirty="0" smtClean="0">
-                <a:latin typeface="Consolas" panose="020B0609020204030204" pitchFamily="49" charset="0"/>
-                <a:cs typeface="Consolas" panose="020B0609020204030204" pitchFamily="49" charset="0"/>
-              </a:rPr>
-              <a:t>80x86</a:t>
-            </a:r>
-          </a:p>
-          <a:p>
-            <a:pPr marL="0" indent="0">
-              <a:buNone/>
-            </a:pPr>
+              <a:t>usage: cl [ option... ] filename... [ /link </a:t>
+            </a:r>
+            <a:r>
+              <a:rPr lang="en-US" sz="1800" dirty="0" err="1">
+                <a:latin typeface="Consolas" panose="020B0609020204030204" pitchFamily="49" charset="0"/>
+                <a:cs typeface="Consolas" panose="020B0609020204030204" pitchFamily="49" charset="0"/>
+              </a:rPr>
+              <a:t>linkoption</a:t>
+            </a:r>
             <a:r>
               <a:rPr lang="en-US" sz="1800" dirty="0">
                 <a:latin typeface="Consolas" panose="020B0609020204030204" pitchFamily="49" charset="0"/>
                 <a:cs typeface="Consolas" panose="020B0609020204030204" pitchFamily="49" charset="0"/>
               </a:rPr>
-              <a:t>vs</a:t>
-            </a:r>
-            <a:r>
-              <a:rPr lang="en-US" sz="1800" b="1" dirty="0">
-                <a:latin typeface="Consolas" panose="020B0609020204030204" pitchFamily="49" charset="0"/>
-                <a:cs typeface="Consolas" panose="020B0609020204030204" pitchFamily="49" charset="0"/>
-              </a:rPr>
-              <a:t>2014</a:t>
-            </a:r>
-            <a:r>
-              <a:rPr lang="en-US" sz="1800" dirty="0">
-                <a:latin typeface="Consolas" panose="020B0609020204030204" pitchFamily="49" charset="0"/>
-                <a:cs typeface="Consolas" panose="020B0609020204030204" pitchFamily="49" charset="0"/>
-              </a:rPr>
-              <a:t>env: Microsoft (R) C/C++ Optimizing Compiler Version 19.00.22129.1 for x86</a:t>
-            </a:r>
-          </a:p>
-          <a:p>
-            <a:pPr marL="0" indent="0">
-              <a:buNone/>
-            </a:pPr>
+              <a:t>... ]</a:t>
+            </a:r>
+          </a:p>
+          <a:p>
+            <a:pPr lvl="1"/>
             <a:endParaRPr lang="en-US" sz="1800" dirty="0">
               <a:latin typeface="Consolas" panose="020B0609020204030204" pitchFamily="49" charset="0"/>
               <a:cs typeface="Consolas" panose="020B0609020204030204" pitchFamily="49" charset="0"/>
@@ -4496,7 +4233,7 @@
     </p:spTree>
     <p:extLst>
       <p:ext uri="{BB962C8B-B14F-4D97-AF65-F5344CB8AC3E}">
-        <p14:creationId xmlns:p14="http://schemas.microsoft.com/office/powerpoint/2010/main" val="82139143"/>
+        <p14:creationId xmlns:p14="http://schemas.microsoft.com/office/powerpoint/2010/main" val="2118868596"/>
       </p:ext>
     </p:extLst>
   </p:cSld>
@@ -4547,11 +4284,7 @@
           <a:p>
             <a:r>
               <a:rPr lang="en-US" smtClean="0"/>
-              <a:t>MS C/C</a:t>
-            </a:r>
-            <a:r>
-              <a:rPr lang="en-US" dirty="0" smtClean="0"/>
-              <a:t>++ runtime dependencies</a:t>
+              <a:t>Which C++ compiler?</a:t>
             </a:r>
             <a:endParaRPr lang="en-US" dirty="0"/>
           </a:p>
@@ -4570,7 +4303,7 @@
         <p:spPr/>
         <p:txBody>
           <a:bodyPr>
-            <a:normAutofit fontScale="62500" lnSpcReduction="20000"/>
+            <a:normAutofit lnSpcReduction="10000"/>
           </a:bodyPr>
           <a:lstStyle/>
           <a:p>
@@ -4578,75 +4311,61 @@
               <a:buNone/>
             </a:pPr>
             <a:r>
-              <a:rPr lang="en-US" dirty="0">
-                <a:latin typeface="Consolas" panose="020B0609020204030204" pitchFamily="49" charset="0"/>
-                <a:cs typeface="Consolas" panose="020B0609020204030204" pitchFamily="49" charset="0"/>
-              </a:rPr>
-              <a:t>c:\apps\vs2013\VC\redist\x64</a:t>
-            </a:r>
-            <a:r>
-              <a:rPr lang="en-US" dirty="0" smtClean="0">
-                <a:latin typeface="Consolas" panose="020B0609020204030204" pitchFamily="49" charset="0"/>
-                <a:cs typeface="Consolas" panose="020B0609020204030204" pitchFamily="49" charset="0"/>
-              </a:rPr>
-              <a:t>&gt; tree </a:t>
-            </a:r>
-            <a:r>
-              <a:rPr lang="en-US" dirty="0">
-                <a:latin typeface="Consolas" panose="020B0609020204030204" pitchFamily="49" charset="0"/>
-                <a:cs typeface="Consolas" panose="020B0609020204030204" pitchFamily="49" charset="0"/>
-              </a:rPr>
-              <a:t>/f /a</a:t>
-            </a:r>
+              <a:rPr lang="en-US" sz="2600" dirty="0" smtClean="0">
+                <a:cs typeface="Consolas" panose="020B0609020204030204" pitchFamily="49" charset="0"/>
+              </a:rPr>
+              <a:t>Set </a:t>
+            </a:r>
+            <a:r>
+              <a:rPr lang="en-US" sz="2600" dirty="0">
+                <a:cs typeface="Consolas" panose="020B0609020204030204" pitchFamily="49" charset="0"/>
+              </a:rPr>
+              <a:t>the environment; run </a:t>
+            </a:r>
+            <a:r>
+              <a:rPr lang="en-US" sz="2600" dirty="0" smtClean="0">
+                <a:cs typeface="Consolas" panose="020B0609020204030204" pitchFamily="49" charset="0"/>
+              </a:rPr>
+              <a:t>CL.EXE</a:t>
+            </a:r>
+          </a:p>
+          <a:p>
+            <a:r>
+              <a:rPr lang="en-US" sz="2600" dirty="0" smtClean="0">
+                <a:cs typeface="Consolas" panose="020B0609020204030204" pitchFamily="49" charset="0"/>
+              </a:rPr>
+              <a:t>Visual Studio help/about: fail</a:t>
+            </a:r>
+          </a:p>
+          <a:p>
+            <a:r>
+              <a:rPr lang="en-US" sz="2600" dirty="0" smtClean="0">
+                <a:cs typeface="Consolas" panose="020B0609020204030204" pitchFamily="49" charset="0"/>
+              </a:rPr>
+              <a:t>Look for “C++” </a:t>
+            </a:r>
+            <a:r>
+              <a:rPr lang="en-US" sz="2600" dirty="0" smtClean="0">
+                <a:cs typeface="Consolas" panose="020B0609020204030204" pitchFamily="49" charset="0"/>
+                <a:hlinkClick r:id="rId2"/>
+              </a:rPr>
+              <a:t>here</a:t>
+            </a:r>
+            <a:r>
+              <a:rPr lang="en-US" sz="2600" dirty="0" smtClean="0">
+                <a:cs typeface="Consolas" panose="020B0609020204030204" pitchFamily="49" charset="0"/>
+              </a:rPr>
+              <a:t> for all MS C++ compiler versions</a:t>
+            </a:r>
+            <a:endParaRPr lang="en-US" sz="2600" dirty="0">
+              <a:cs typeface="Consolas" panose="020B0609020204030204" pitchFamily="49" charset="0"/>
+            </a:endParaRPr>
           </a:p>
           <a:p>
             <a:pPr marL="0" indent="0">
               <a:buNone/>
             </a:pPr>
-            <a:r>
-              <a:rPr lang="en-US" dirty="0" smtClean="0">
-                <a:latin typeface="Consolas" panose="020B0609020204030204" pitchFamily="49" charset="0"/>
-                <a:cs typeface="Consolas" panose="020B0609020204030204" pitchFamily="49" charset="0"/>
-              </a:rPr>
-              <a:t>+---</a:t>
-            </a:r>
-            <a:r>
-              <a:rPr lang="en-US" dirty="0">
-                <a:latin typeface="Consolas" panose="020B0609020204030204" pitchFamily="49" charset="0"/>
-                <a:cs typeface="Consolas" panose="020B0609020204030204" pitchFamily="49" charset="0"/>
-              </a:rPr>
-              <a:t>Microsoft.VC120.CRT</a:t>
-            </a:r>
-          </a:p>
-          <a:p>
-            <a:pPr marL="0" indent="0">
-              <a:buNone/>
-            </a:pPr>
-            <a:r>
-              <a:rPr lang="en-US" dirty="0">
-                <a:latin typeface="Consolas" panose="020B0609020204030204" pitchFamily="49" charset="0"/>
-                <a:cs typeface="Consolas" panose="020B0609020204030204" pitchFamily="49" charset="0"/>
-              </a:rPr>
-              <a:t>|       </a:t>
-            </a:r>
-            <a:r>
-              <a:rPr lang="en-US" b="1" dirty="0" smtClean="0">
-                <a:solidFill>
-                  <a:srgbClr val="FF0000"/>
-                </a:solidFill>
-                <a:latin typeface="Consolas" panose="020B0609020204030204" pitchFamily="49" charset="0"/>
-                <a:cs typeface="Consolas" panose="020B0609020204030204" pitchFamily="49" charset="0"/>
-              </a:rPr>
-              <a:t>msvcp120.dll</a:t>
-            </a:r>
-            <a:r>
-              <a:rPr lang="en-US" dirty="0" smtClean="0">
-                <a:latin typeface="Consolas" panose="020B0609020204030204" pitchFamily="49" charset="0"/>
-                <a:cs typeface="Consolas" panose="020B0609020204030204" pitchFamily="49" charset="0"/>
-              </a:rPr>
-              <a:t>	// C++ runtime</a:t>
-            </a:r>
-            <a:endParaRPr lang="en-US" dirty="0">
+            <a:endParaRPr lang="en-US" sz="1800" dirty="0">
               <a:latin typeface="Consolas" panose="020B0609020204030204" pitchFamily="49" charset="0"/>
               <a:cs typeface="Consolas" panose="020B0609020204030204" pitchFamily="49" charset="0"/>
             </a:endParaRPr>
@@ -4656,30 +4375,48 @@
               <a:buNone/>
             </a:pPr>
             <a:r>
-              <a:rPr lang="en-US" dirty="0">
-                <a:latin typeface="Consolas" panose="020B0609020204030204" pitchFamily="49" charset="0"/>
-                <a:cs typeface="Consolas" panose="020B0609020204030204" pitchFamily="49" charset="0"/>
-              </a:rPr>
-              <a:t>|       </a:t>
-            </a:r>
-            <a:r>
-              <a:rPr lang="en-US" b="1" dirty="0" smtClean="0">
-                <a:solidFill>
-                  <a:srgbClr val="FF0000"/>
-                </a:solidFill>
-                <a:latin typeface="Consolas" panose="020B0609020204030204" pitchFamily="49" charset="0"/>
-                <a:cs typeface="Consolas" panose="020B0609020204030204" pitchFamily="49" charset="0"/>
-              </a:rPr>
-              <a:t>msvcr120.dll</a:t>
-            </a:r>
-            <a:r>
-              <a:rPr lang="en-US" dirty="0" smtClean="0">
-                <a:latin typeface="Consolas" panose="020B0609020204030204" pitchFamily="49" charset="0"/>
-                <a:cs typeface="Consolas" panose="020B0609020204030204" pitchFamily="49" charset="0"/>
-              </a:rPr>
-              <a:t>	// C runtime</a:t>
-            </a:r>
-            <a:endParaRPr lang="en-US" dirty="0">
+              <a:rPr lang="en-US" sz="1800" b="1" dirty="0" smtClean="0">
+                <a:latin typeface="Consolas" panose="020B0609020204030204" pitchFamily="49" charset="0"/>
+                <a:cs typeface="Consolas" panose="020B0609020204030204" pitchFamily="49" charset="0"/>
+              </a:rPr>
+              <a:t>vs2013</a:t>
+            </a:r>
+            <a:r>
+              <a:rPr lang="en-US" sz="1800" dirty="0" smtClean="0">
+                <a:latin typeface="Consolas" panose="020B0609020204030204" pitchFamily="49" charset="0"/>
+                <a:cs typeface="Consolas" panose="020B0609020204030204" pitchFamily="49" charset="0"/>
+              </a:rPr>
+              <a:t>env: Microsoft </a:t>
+            </a:r>
+            <a:r>
+              <a:rPr lang="en-US" sz="1800" dirty="0">
+                <a:latin typeface="Consolas" panose="020B0609020204030204" pitchFamily="49" charset="0"/>
+                <a:cs typeface="Consolas" panose="020B0609020204030204" pitchFamily="49" charset="0"/>
+              </a:rPr>
+              <a:t>(R) C/C++ Optimizing Compiler Version </a:t>
+            </a:r>
+            <a:r>
+              <a:rPr lang="en-US" sz="1800" b="1" dirty="0">
+                <a:latin typeface="Consolas" panose="020B0609020204030204" pitchFamily="49" charset="0"/>
+                <a:cs typeface="Consolas" panose="020B0609020204030204" pitchFamily="49" charset="0"/>
+              </a:rPr>
+              <a:t>18.00.31010</a:t>
+            </a:r>
+            <a:r>
+              <a:rPr lang="en-US" sz="1800" dirty="0">
+                <a:latin typeface="Consolas" panose="020B0609020204030204" pitchFamily="49" charset="0"/>
+                <a:cs typeface="Consolas" panose="020B0609020204030204" pitchFamily="49" charset="0"/>
+              </a:rPr>
+              <a:t> for </a:t>
+            </a:r>
+            <a:r>
+              <a:rPr lang="en-US" sz="1800" dirty="0" smtClean="0">
+                <a:latin typeface="Consolas" panose="020B0609020204030204" pitchFamily="49" charset="0"/>
+                <a:cs typeface="Consolas" panose="020B0609020204030204" pitchFamily="49" charset="0"/>
+              </a:rPr>
+              <a:t>x86</a:t>
+            </a:r>
+            <a:endParaRPr lang="en-US" sz="1800" dirty="0">
               <a:latin typeface="Consolas" panose="020B0609020204030204" pitchFamily="49" charset="0"/>
               <a:cs typeface="Consolas" panose="020B0609020204030204" pitchFamily="49" charset="0"/>
             </a:endParaRPr>
@@ -4689,20 +4426,48 @@
               <a:buNone/>
             </a:pPr>
             <a:r>
-              <a:rPr lang="en-US" dirty="0">
-                <a:latin typeface="Consolas" panose="020B0609020204030204" pitchFamily="49" charset="0"/>
-                <a:cs typeface="Consolas" panose="020B0609020204030204" pitchFamily="49" charset="0"/>
-              </a:rPr>
-              <a:t>|       </a:t>
-            </a:r>
-            <a:r>
-              <a:rPr lang="en-US" dirty="0" smtClean="0">
-                <a:latin typeface="Consolas" panose="020B0609020204030204" pitchFamily="49" charset="0"/>
-                <a:cs typeface="Consolas" panose="020B0609020204030204" pitchFamily="49" charset="0"/>
-              </a:rPr>
-              <a:t>vccorlib120.dll 	// C++/CLI</a:t>
-            </a:r>
-            <a:endParaRPr lang="en-US" dirty="0">
+              <a:rPr lang="en-US" sz="1800" b="1" dirty="0" smtClean="0">
+                <a:latin typeface="Consolas" panose="020B0609020204030204" pitchFamily="49" charset="0"/>
+                <a:cs typeface="Consolas" panose="020B0609020204030204" pitchFamily="49" charset="0"/>
+              </a:rPr>
+              <a:t>vs2012</a:t>
+            </a:r>
+            <a:r>
+              <a:rPr lang="en-US" sz="1800" dirty="0" smtClean="0">
+                <a:latin typeface="Consolas" panose="020B0609020204030204" pitchFamily="49" charset="0"/>
+                <a:cs typeface="Consolas" panose="020B0609020204030204" pitchFamily="49" charset="0"/>
+              </a:rPr>
+              <a:t>env: Microsoft </a:t>
+            </a:r>
+            <a:r>
+              <a:rPr lang="en-US" sz="1800" dirty="0">
+                <a:latin typeface="Consolas" panose="020B0609020204030204" pitchFamily="49" charset="0"/>
+                <a:cs typeface="Consolas" panose="020B0609020204030204" pitchFamily="49" charset="0"/>
+              </a:rPr>
+              <a:t>(R) C/C++ Optimizing Compiler Version </a:t>
+            </a:r>
+            <a:r>
+              <a:rPr lang="en-US" sz="1800" b="1" dirty="0">
+                <a:latin typeface="Consolas" panose="020B0609020204030204" pitchFamily="49" charset="0"/>
+                <a:cs typeface="Consolas" panose="020B0609020204030204" pitchFamily="49" charset="0"/>
+              </a:rPr>
+              <a:t>17.00.61030</a:t>
+            </a:r>
+            <a:r>
+              <a:rPr lang="en-US" sz="1800" dirty="0">
+                <a:latin typeface="Consolas" panose="020B0609020204030204" pitchFamily="49" charset="0"/>
+                <a:cs typeface="Consolas" panose="020B0609020204030204" pitchFamily="49" charset="0"/>
+              </a:rPr>
+              <a:t> for </a:t>
+            </a:r>
+            <a:r>
+              <a:rPr lang="en-US" sz="1800" dirty="0" smtClean="0">
+                <a:latin typeface="Consolas" panose="020B0609020204030204" pitchFamily="49" charset="0"/>
+                <a:cs typeface="Consolas" panose="020B0609020204030204" pitchFamily="49" charset="0"/>
+              </a:rPr>
+              <a:t>x86</a:t>
+            </a:r>
+            <a:endParaRPr lang="en-US" sz="1800" dirty="0">
               <a:latin typeface="Consolas" panose="020B0609020204030204" pitchFamily="49" charset="0"/>
               <a:cs typeface="Consolas" panose="020B0609020204030204" pitchFamily="49" charset="0"/>
             </a:endParaRPr>
@@ -4712,127 +4477,55 @@
               <a:buNone/>
             </a:pPr>
             <a:r>
-              <a:rPr lang="en-US" dirty="0" smtClean="0">
-                <a:latin typeface="Consolas" panose="020B0609020204030204" pitchFamily="49" charset="0"/>
-                <a:cs typeface="Consolas" panose="020B0609020204030204" pitchFamily="49" charset="0"/>
-              </a:rPr>
-              <a:t>+---</a:t>
-            </a:r>
-            <a:r>
-              <a:rPr lang="en-US" dirty="0">
-                <a:latin typeface="Consolas" panose="020B0609020204030204" pitchFamily="49" charset="0"/>
-                <a:cs typeface="Consolas" panose="020B0609020204030204" pitchFamily="49" charset="0"/>
-              </a:rPr>
-              <a:t>Microsoft.VC120.CXXAMP</a:t>
-            </a:r>
-          </a:p>
-          <a:p>
-            <a:pPr marL="0" indent="0">
-              <a:buNone/>
-            </a:pPr>
-            <a:r>
-              <a:rPr lang="en-US" dirty="0">
-                <a:latin typeface="Consolas" panose="020B0609020204030204" pitchFamily="49" charset="0"/>
-                <a:cs typeface="Consolas" panose="020B0609020204030204" pitchFamily="49" charset="0"/>
-              </a:rPr>
-              <a:t>|       vcamp120.dll</a:t>
-            </a:r>
-          </a:p>
-          <a:p>
-            <a:pPr marL="0" indent="0">
-              <a:buNone/>
-            </a:pPr>
-            <a:r>
-              <a:rPr lang="en-US" dirty="0" smtClean="0">
-                <a:latin typeface="Consolas" panose="020B0609020204030204" pitchFamily="49" charset="0"/>
-                <a:cs typeface="Consolas" panose="020B0609020204030204" pitchFamily="49" charset="0"/>
-              </a:rPr>
-              <a:t>+---</a:t>
-            </a:r>
-            <a:r>
-              <a:rPr lang="en-US" dirty="0">
-                <a:latin typeface="Consolas" panose="020B0609020204030204" pitchFamily="49" charset="0"/>
-                <a:cs typeface="Consolas" panose="020B0609020204030204" pitchFamily="49" charset="0"/>
-              </a:rPr>
-              <a:t>Microsoft.VC120.MFC</a:t>
-            </a:r>
-          </a:p>
-          <a:p>
-            <a:pPr marL="0" indent="0">
-              <a:buNone/>
-            </a:pPr>
-            <a:r>
-              <a:rPr lang="en-US" dirty="0">
-                <a:latin typeface="Consolas" panose="020B0609020204030204" pitchFamily="49" charset="0"/>
-                <a:cs typeface="Consolas" panose="020B0609020204030204" pitchFamily="49" charset="0"/>
-              </a:rPr>
-              <a:t>|       mfc120u.dll</a:t>
-            </a:r>
-          </a:p>
-          <a:p>
-            <a:pPr marL="0" indent="0">
-              <a:buNone/>
-            </a:pPr>
-            <a:r>
-              <a:rPr lang="en-US" dirty="0">
-                <a:latin typeface="Consolas" panose="020B0609020204030204" pitchFamily="49" charset="0"/>
-                <a:cs typeface="Consolas" panose="020B0609020204030204" pitchFamily="49" charset="0"/>
-              </a:rPr>
-              <a:t>|       mfcm120u.dll</a:t>
-            </a:r>
-          </a:p>
-          <a:p>
-            <a:pPr marL="0" indent="0">
-              <a:buNone/>
-            </a:pPr>
-            <a:r>
-              <a:rPr lang="en-US" dirty="0" smtClean="0">
-                <a:latin typeface="Consolas" panose="020B0609020204030204" pitchFamily="49" charset="0"/>
-                <a:cs typeface="Consolas" panose="020B0609020204030204" pitchFamily="49" charset="0"/>
-              </a:rPr>
-              <a:t>+---</a:t>
-            </a:r>
-            <a:r>
-              <a:rPr lang="en-US" dirty="0">
-                <a:latin typeface="Consolas" panose="020B0609020204030204" pitchFamily="49" charset="0"/>
-                <a:cs typeface="Consolas" panose="020B0609020204030204" pitchFamily="49" charset="0"/>
-              </a:rPr>
-              <a:t>Microsoft.VC120.MFCLOC</a:t>
-            </a:r>
-          </a:p>
-          <a:p>
-            <a:pPr marL="0" indent="0">
-              <a:buNone/>
-            </a:pPr>
-            <a:r>
-              <a:rPr lang="en-US" dirty="0">
-                <a:latin typeface="Consolas" panose="020B0609020204030204" pitchFamily="49" charset="0"/>
-                <a:cs typeface="Consolas" panose="020B0609020204030204" pitchFamily="49" charset="0"/>
-              </a:rPr>
-              <a:t>|       </a:t>
-            </a:r>
-            <a:r>
-              <a:rPr lang="en-US" dirty="0" smtClean="0">
-                <a:latin typeface="Consolas" panose="020B0609020204030204" pitchFamily="49" charset="0"/>
-                <a:cs typeface="Consolas" panose="020B0609020204030204" pitchFamily="49" charset="0"/>
-              </a:rPr>
-              <a:t>//</a:t>
-            </a:r>
-            <a:r>
-              <a:rPr lang="en-US" dirty="0" err="1" smtClean="0">
-                <a:latin typeface="Consolas" panose="020B0609020204030204" pitchFamily="49" charset="0"/>
-                <a:cs typeface="Consolas" panose="020B0609020204030204" pitchFamily="49" charset="0"/>
-              </a:rPr>
-              <a:t>mfc</a:t>
-            </a:r>
-            <a:r>
-              <a:rPr lang="en-US" dirty="0" smtClean="0">
-                <a:latin typeface="Consolas" panose="020B0609020204030204" pitchFamily="49" charset="0"/>
-                <a:cs typeface="Consolas" panose="020B0609020204030204" pitchFamily="49" charset="0"/>
-              </a:rPr>
-              <a:t> localized stuff</a:t>
-            </a:r>
-            <a:endParaRPr lang="en-US" dirty="0">
+              <a:rPr lang="en-US" sz="1800" dirty="0" smtClean="0">
+                <a:latin typeface="Consolas" panose="020B0609020204030204" pitchFamily="49" charset="0"/>
+                <a:cs typeface="Consolas" panose="020B0609020204030204" pitchFamily="49" charset="0"/>
+              </a:rPr>
+              <a:t>vs</a:t>
+            </a:r>
+            <a:r>
+              <a:rPr lang="en-US" sz="1800" b="1" dirty="0" smtClean="0">
+                <a:latin typeface="Consolas" panose="020B0609020204030204" pitchFamily="49" charset="0"/>
+                <a:cs typeface="Consolas" panose="020B0609020204030204" pitchFamily="49" charset="0"/>
+              </a:rPr>
+              <a:t>2010</a:t>
+            </a:r>
+            <a:r>
+              <a:rPr lang="en-US" sz="1800" dirty="0" smtClean="0">
+                <a:latin typeface="Consolas" panose="020B0609020204030204" pitchFamily="49" charset="0"/>
+                <a:cs typeface="Consolas" panose="020B0609020204030204" pitchFamily="49" charset="0"/>
+              </a:rPr>
+              <a:t>env: Microsoft </a:t>
+            </a:r>
+            <a:r>
+              <a:rPr lang="en-US" sz="1800" dirty="0">
+                <a:latin typeface="Consolas" panose="020B0609020204030204" pitchFamily="49" charset="0"/>
+                <a:cs typeface="Consolas" panose="020B0609020204030204" pitchFamily="49" charset="0"/>
+              </a:rPr>
+              <a:t>(R) 32-bit C/C++ Optimizing Compiler Version </a:t>
+            </a:r>
+            <a:r>
+              <a:rPr lang="en-US" sz="1800" b="1" dirty="0">
+                <a:latin typeface="Consolas" panose="020B0609020204030204" pitchFamily="49" charset="0"/>
+                <a:cs typeface="Consolas" panose="020B0609020204030204" pitchFamily="49" charset="0"/>
+              </a:rPr>
+              <a:t>16.00.40219.01</a:t>
+            </a:r>
+            <a:r>
+              <a:rPr lang="en-US" sz="1800" dirty="0">
+                <a:latin typeface="Consolas" panose="020B0609020204030204" pitchFamily="49" charset="0"/>
+                <a:cs typeface="Consolas" panose="020B0609020204030204" pitchFamily="49" charset="0"/>
+              </a:rPr>
+              <a:t> for </a:t>
+            </a:r>
+            <a:r>
+              <a:rPr lang="en-US" sz="1800" dirty="0" smtClean="0">
+                <a:latin typeface="Consolas" panose="020B0609020204030204" pitchFamily="49" charset="0"/>
+                <a:cs typeface="Consolas" panose="020B0609020204030204" pitchFamily="49" charset="0"/>
+              </a:rPr>
+              <a:t>80x86</a:t>
+            </a:r>
+            <a:endParaRPr lang="en-US" sz="1800" dirty="0">
               <a:latin typeface="Consolas" panose="020B0609020204030204" pitchFamily="49" charset="0"/>
               <a:cs typeface="Consolas" panose="020B0609020204030204" pitchFamily="49" charset="0"/>
             </a:endParaRPr>
@@ -4842,18 +4535,67 @@
               <a:buNone/>
             </a:pPr>
             <a:r>
-              <a:rPr lang="en-US" dirty="0" smtClean="0">
-                <a:latin typeface="Consolas" panose="020B0609020204030204" pitchFamily="49" charset="0"/>
-                <a:cs typeface="Consolas" panose="020B0609020204030204" pitchFamily="49" charset="0"/>
-              </a:rPr>
-              <a:t>\---</a:t>
-            </a:r>
-            <a:r>
-              <a:rPr lang="en-US" dirty="0">
-                <a:latin typeface="Consolas" panose="020B0609020204030204" pitchFamily="49" charset="0"/>
-                <a:cs typeface="Consolas" panose="020B0609020204030204" pitchFamily="49" charset="0"/>
-              </a:rPr>
-              <a:t>Microsoft.VC120.OpenMP</a:t>
+              <a:rPr lang="en-US" sz="1800" dirty="0" smtClean="0">
+                <a:latin typeface="Consolas" panose="020B0609020204030204" pitchFamily="49" charset="0"/>
+                <a:cs typeface="Consolas" panose="020B0609020204030204" pitchFamily="49" charset="0"/>
+              </a:rPr>
+              <a:t>vs</a:t>
+            </a:r>
+            <a:r>
+              <a:rPr lang="en-US" sz="1800" b="1" dirty="0" smtClean="0">
+                <a:latin typeface="Consolas" panose="020B0609020204030204" pitchFamily="49" charset="0"/>
+                <a:cs typeface="Consolas" panose="020B0609020204030204" pitchFamily="49" charset="0"/>
+              </a:rPr>
+              <a:t>2008</a:t>
+            </a:r>
+            <a:r>
+              <a:rPr lang="en-US" sz="1800" dirty="0" smtClean="0">
+                <a:latin typeface="Consolas" panose="020B0609020204030204" pitchFamily="49" charset="0"/>
+                <a:cs typeface="Consolas" panose="020B0609020204030204" pitchFamily="49" charset="0"/>
+              </a:rPr>
+              <a:t>env: Microsoft </a:t>
+            </a:r>
+            <a:r>
+              <a:rPr lang="en-US" sz="1800" dirty="0">
+                <a:latin typeface="Consolas" panose="020B0609020204030204" pitchFamily="49" charset="0"/>
+                <a:cs typeface="Consolas" panose="020B0609020204030204" pitchFamily="49" charset="0"/>
+              </a:rPr>
+              <a:t>(R) 32-bit C/C++ Optimizing Compiler </a:t>
+            </a:r>
+            <a:r>
+              <a:rPr lang="en-US" sz="1800" dirty="0" smtClean="0">
+                <a:latin typeface="Consolas" panose="020B0609020204030204" pitchFamily="49" charset="0"/>
+                <a:cs typeface="Consolas" panose="020B0609020204030204" pitchFamily="49" charset="0"/>
+              </a:rPr>
+              <a:t>Version </a:t>
+            </a:r>
+            <a:r>
+              <a:rPr lang="en-US" sz="1800" b="1" dirty="0" smtClean="0">
+                <a:latin typeface="Consolas" panose="020B0609020204030204" pitchFamily="49" charset="0"/>
+                <a:cs typeface="Consolas" panose="020B0609020204030204" pitchFamily="49" charset="0"/>
+              </a:rPr>
+              <a:t>15.00.30729.01</a:t>
+            </a:r>
+            <a:r>
+              <a:rPr lang="en-US" sz="1800" dirty="0" smtClean="0">
+                <a:latin typeface="Consolas" panose="020B0609020204030204" pitchFamily="49" charset="0"/>
+                <a:cs typeface="Consolas" panose="020B0609020204030204" pitchFamily="49" charset="0"/>
+              </a:rPr>
+              <a:t> </a:t>
+            </a:r>
+            <a:r>
+              <a:rPr lang="en-US" sz="1800" dirty="0">
+                <a:latin typeface="Consolas" panose="020B0609020204030204" pitchFamily="49" charset="0"/>
+                <a:cs typeface="Consolas" panose="020B0609020204030204" pitchFamily="49" charset="0"/>
+              </a:rPr>
+              <a:t>for </a:t>
+            </a:r>
+            <a:r>
+              <a:rPr lang="en-US" sz="1800" dirty="0" smtClean="0">
+                <a:latin typeface="Consolas" panose="020B0609020204030204" pitchFamily="49" charset="0"/>
+                <a:cs typeface="Consolas" panose="020B0609020204030204" pitchFamily="49" charset="0"/>
+              </a:rPr>
+              <a:t>80x86</a:t>
             </a:r>
           </a:p>
           <a:p>
@@ -4861,25 +4603,42 @@
               <a:buNone/>
             </a:pPr>
             <a:r>
-              <a:rPr lang="en-US" dirty="0">
-                <a:latin typeface="Consolas" panose="020B0609020204030204" pitchFamily="49" charset="0"/>
-                <a:cs typeface="Consolas" panose="020B0609020204030204" pitchFamily="49" charset="0"/>
-              </a:rPr>
-              <a:t>        vcomp120.dll</a:t>
+              <a:rPr lang="en-US" sz="1800" dirty="0">
+                <a:latin typeface="Consolas" panose="020B0609020204030204" pitchFamily="49" charset="0"/>
+                <a:cs typeface="Consolas" panose="020B0609020204030204" pitchFamily="49" charset="0"/>
+              </a:rPr>
+              <a:t>vs</a:t>
+            </a:r>
+            <a:r>
+              <a:rPr lang="en-US" sz="1800" b="1" dirty="0">
+                <a:latin typeface="Consolas" panose="020B0609020204030204" pitchFamily="49" charset="0"/>
+                <a:cs typeface="Consolas" panose="020B0609020204030204" pitchFamily="49" charset="0"/>
+              </a:rPr>
+              <a:t>2014</a:t>
+            </a:r>
+            <a:r>
+              <a:rPr lang="en-US" sz="1800" dirty="0">
+                <a:latin typeface="Consolas" panose="020B0609020204030204" pitchFamily="49" charset="0"/>
+                <a:cs typeface="Consolas" panose="020B0609020204030204" pitchFamily="49" charset="0"/>
+              </a:rPr>
+              <a:t>env: Microsoft (R) C/C++ Optimizing Compiler Version 19.00.22129.1 for x86</a:t>
             </a:r>
           </a:p>
           <a:p>
             <a:pPr marL="0" indent="0">
               <a:buNone/>
             </a:pPr>
-            <a:endParaRPr lang="en-US" dirty="0"/>
+            <a:endParaRPr lang="en-US" sz="1800" dirty="0">
+              <a:latin typeface="Consolas" panose="020B0609020204030204" pitchFamily="49" charset="0"/>
+              <a:cs typeface="Consolas" panose="020B0609020204030204" pitchFamily="49" charset="0"/>
+            </a:endParaRPr>
           </a:p>
         </p:txBody>
       </p:sp>
     </p:spTree>
     <p:extLst>
       <p:ext uri="{BB962C8B-B14F-4D97-AF65-F5344CB8AC3E}">
-        <p14:creationId xmlns:p14="http://schemas.microsoft.com/office/powerpoint/2010/main" val="2368571093"/>
+        <p14:creationId xmlns:p14="http://schemas.microsoft.com/office/powerpoint/2010/main" val="82139143"/>
       </p:ext>
     </p:extLst>
   </p:cSld>
@@ -4930,7 +4689,11 @@
           <a:p>
             <a:r>
               <a:rPr lang="en-US" smtClean="0"/>
-              <a:t>Which C++ compiler?</a:t>
+              <a:t>MS C/C</a:t>
+            </a:r>
+            <a:r>
+              <a:rPr lang="en-US" dirty="0" smtClean="0"/>
+              <a:t>++ runtime dependencies</a:t>
             </a:r>
             <a:endParaRPr lang="en-US" dirty="0"/>
           </a:p>
@@ -4949,7 +4712,7 @@
         <p:spPr/>
         <p:txBody>
           <a:bodyPr>
-            <a:normAutofit lnSpcReduction="10000"/>
+            <a:normAutofit fontScale="62500" lnSpcReduction="20000"/>
           </a:bodyPr>
           <a:lstStyle/>
           <a:p>
@@ -4957,35 +4720,75 @@
               <a:buNone/>
             </a:pPr>
             <a:r>
-              <a:rPr lang="en-US" sz="2800" dirty="0" smtClean="0">
-                <a:cs typeface="Consolas" panose="020B0609020204030204" pitchFamily="49" charset="0"/>
-              </a:rPr>
-              <a:t>On an </a:t>
-            </a:r>
-            <a:r>
-              <a:rPr lang="en-US" sz="2800" dirty="0" smtClean="0">
-                <a:cs typeface="Consolas" panose="020B0609020204030204" pitchFamily="49" charset="0"/>
-              </a:rPr>
-              <a:t>up-to-date </a:t>
-            </a:r>
-            <a:r>
-              <a:rPr lang="en-US" sz="2800" dirty="0" err="1" smtClean="0">
-                <a:cs typeface="Consolas" panose="020B0609020204030204" pitchFamily="49" charset="0"/>
-              </a:rPr>
-              <a:t>linux</a:t>
-            </a:r>
-            <a:r>
-              <a:rPr lang="en-US" sz="2800" dirty="0" smtClean="0">
-                <a:cs typeface="Consolas" panose="020B0609020204030204" pitchFamily="49" charset="0"/>
-              </a:rPr>
-              <a:t> box:</a:t>
+              <a:rPr lang="en-US" dirty="0">
+                <a:latin typeface="Consolas" panose="020B0609020204030204" pitchFamily="49" charset="0"/>
+                <a:cs typeface="Consolas" panose="020B0609020204030204" pitchFamily="49" charset="0"/>
+              </a:rPr>
+              <a:t>c:\apps\vs2013\VC\redist\x64</a:t>
+            </a:r>
+            <a:r>
+              <a:rPr lang="en-US" dirty="0" smtClean="0">
+                <a:latin typeface="Consolas" panose="020B0609020204030204" pitchFamily="49" charset="0"/>
+                <a:cs typeface="Consolas" panose="020B0609020204030204" pitchFamily="49" charset="0"/>
+              </a:rPr>
+              <a:t>&gt; tree </a:t>
+            </a:r>
+            <a:r>
+              <a:rPr lang="en-US" dirty="0">
+                <a:latin typeface="Consolas" panose="020B0609020204030204" pitchFamily="49" charset="0"/>
+                <a:cs typeface="Consolas" panose="020B0609020204030204" pitchFamily="49" charset="0"/>
+              </a:rPr>
+              <a:t>/f /a</a:t>
             </a:r>
           </a:p>
           <a:p>
             <a:pPr marL="0" indent="0">
               <a:buNone/>
             </a:pPr>
-            <a:endParaRPr lang="en-US" sz="1800" dirty="0">
+            <a:r>
+              <a:rPr lang="en-US" dirty="0" smtClean="0">
+                <a:latin typeface="Consolas" panose="020B0609020204030204" pitchFamily="49" charset="0"/>
+                <a:cs typeface="Consolas" panose="020B0609020204030204" pitchFamily="49" charset="0"/>
+              </a:rPr>
+              <a:t>+---</a:t>
+            </a:r>
+            <a:r>
+              <a:rPr lang="en-US" dirty="0">
+                <a:latin typeface="Consolas" panose="020B0609020204030204" pitchFamily="49" charset="0"/>
+                <a:cs typeface="Consolas" panose="020B0609020204030204" pitchFamily="49" charset="0"/>
+              </a:rPr>
+              <a:t>Microsoft.VC120.CRT</a:t>
+            </a:r>
+          </a:p>
+          <a:p>
+            <a:pPr marL="0" indent="0">
+              <a:buNone/>
+            </a:pPr>
+            <a:r>
+              <a:rPr lang="en-US" dirty="0">
+                <a:latin typeface="Consolas" panose="020B0609020204030204" pitchFamily="49" charset="0"/>
+                <a:cs typeface="Consolas" panose="020B0609020204030204" pitchFamily="49" charset="0"/>
+              </a:rPr>
+              <a:t>|       </a:t>
+            </a:r>
+            <a:r>
+              <a:rPr lang="en-US" b="1" dirty="0" smtClean="0">
+                <a:solidFill>
+                  <a:srgbClr val="FF0000"/>
+                </a:solidFill>
+                <a:latin typeface="Consolas" panose="020B0609020204030204" pitchFamily="49" charset="0"/>
+                <a:cs typeface="Consolas" panose="020B0609020204030204" pitchFamily="49" charset="0"/>
+              </a:rPr>
+              <a:t>msvcp120.dll</a:t>
+            </a:r>
+            <a:r>
+              <a:rPr lang="en-US" dirty="0" smtClean="0">
+                <a:latin typeface="Consolas" panose="020B0609020204030204" pitchFamily="49" charset="0"/>
+                <a:cs typeface="Consolas" panose="020B0609020204030204" pitchFamily="49" charset="0"/>
+              </a:rPr>
+              <a:t>	// C++ runtime</a:t>
+            </a:r>
+            <a:endParaRPr lang="en-US" dirty="0">
               <a:latin typeface="Consolas" panose="020B0609020204030204" pitchFamily="49" charset="0"/>
               <a:cs typeface="Consolas" panose="020B0609020204030204" pitchFamily="49" charset="0"/>
             </a:endParaRPr>
@@ -4995,137 +4798,53 @@
               <a:buNone/>
             </a:pPr>
             <a:r>
-              <a:rPr lang="en-US" sz="1800" dirty="0" smtClean="0">
-                <a:latin typeface="Consolas" panose="020B0609020204030204" pitchFamily="49" charset="0"/>
-                <a:cs typeface="Consolas" panose="020B0609020204030204" pitchFamily="49" charset="0"/>
-              </a:rPr>
-              <a:t>  dwight@dwight-mint17 </a:t>
-            </a:r>
-            <a:r>
-              <a:rPr lang="en-US" sz="1800" dirty="0">
-                <a:latin typeface="Consolas" panose="020B0609020204030204" pitchFamily="49" charset="0"/>
-                <a:cs typeface="Consolas" panose="020B0609020204030204" pitchFamily="49" charset="0"/>
-              </a:rPr>
-              <a:t>~ $ </a:t>
-            </a:r>
-            <a:r>
-              <a:rPr lang="en-US" sz="2400" b="1" dirty="0">
-                <a:latin typeface="Consolas" panose="020B0609020204030204" pitchFamily="49" charset="0"/>
-                <a:cs typeface="Consolas" panose="020B0609020204030204" pitchFamily="49" charset="0"/>
-              </a:rPr>
-              <a:t>g++ --version</a:t>
-            </a:r>
-          </a:p>
-          <a:p>
-            <a:pPr marL="0" indent="0">
-              <a:buNone/>
-            </a:pPr>
-            <a:r>
-              <a:rPr lang="en-US" sz="1800" dirty="0" smtClean="0">
-                <a:latin typeface="Consolas" panose="020B0609020204030204" pitchFamily="49" charset="0"/>
-                <a:cs typeface="Consolas" panose="020B0609020204030204" pitchFamily="49" charset="0"/>
-              </a:rPr>
-              <a:t>  g</a:t>
-            </a:r>
-            <a:r>
-              <a:rPr lang="en-US" sz="1800" dirty="0">
-                <a:latin typeface="Consolas" panose="020B0609020204030204" pitchFamily="49" charset="0"/>
-                <a:cs typeface="Consolas" panose="020B0609020204030204" pitchFamily="49" charset="0"/>
-              </a:rPr>
-              <a:t>++ (Ubuntu 4.8.2-19ubuntu1) 4.8.2</a:t>
-            </a:r>
-          </a:p>
-          <a:p>
-            <a:pPr marL="0" indent="0">
-              <a:buNone/>
-            </a:pPr>
-            <a:r>
-              <a:rPr lang="en-US" sz="1800" dirty="0" smtClean="0">
-                <a:latin typeface="Consolas" panose="020B0609020204030204" pitchFamily="49" charset="0"/>
-                <a:cs typeface="Consolas" panose="020B0609020204030204" pitchFamily="49" charset="0"/>
-              </a:rPr>
-              <a:t>  Copyright </a:t>
-            </a:r>
-            <a:r>
-              <a:rPr lang="en-US" sz="1800" dirty="0">
-                <a:latin typeface="Consolas" panose="020B0609020204030204" pitchFamily="49" charset="0"/>
-                <a:cs typeface="Consolas" panose="020B0609020204030204" pitchFamily="49" charset="0"/>
-              </a:rPr>
-              <a:t>(C) 2013 Free Software Foundation, Inc</a:t>
-            </a:r>
-            <a:r>
-              <a:rPr lang="en-US" sz="1800" dirty="0" smtClean="0">
-                <a:latin typeface="Consolas" panose="020B0609020204030204" pitchFamily="49" charset="0"/>
-                <a:cs typeface="Consolas" panose="020B0609020204030204" pitchFamily="49" charset="0"/>
-              </a:rPr>
-              <a:t>.</a:t>
-            </a:r>
-          </a:p>
-          <a:p>
-            <a:pPr marL="0" indent="0">
-              <a:buNone/>
-            </a:pPr>
-            <a:endParaRPr lang="en-US" sz="1800" dirty="0">
+              <a:rPr lang="en-US" dirty="0">
+                <a:latin typeface="Consolas" panose="020B0609020204030204" pitchFamily="49" charset="0"/>
+                <a:cs typeface="Consolas" panose="020B0609020204030204" pitchFamily="49" charset="0"/>
+              </a:rPr>
+              <a:t>|       </a:t>
+            </a:r>
+            <a:r>
+              <a:rPr lang="en-US" b="1" dirty="0" smtClean="0">
+                <a:solidFill>
+                  <a:srgbClr val="FF0000"/>
+                </a:solidFill>
+                <a:latin typeface="Consolas" panose="020B0609020204030204" pitchFamily="49" charset="0"/>
+                <a:cs typeface="Consolas" panose="020B0609020204030204" pitchFamily="49" charset="0"/>
+              </a:rPr>
+              <a:t>msvcr120.dll</a:t>
+            </a:r>
+            <a:r>
+              <a:rPr lang="en-US" dirty="0" smtClean="0">
+                <a:latin typeface="Consolas" panose="020B0609020204030204" pitchFamily="49" charset="0"/>
+                <a:cs typeface="Consolas" panose="020B0609020204030204" pitchFamily="49" charset="0"/>
+              </a:rPr>
+              <a:t>	// C runtime</a:t>
+            </a:r>
+            <a:endParaRPr lang="en-US" dirty="0">
               <a:latin typeface="Consolas" panose="020B0609020204030204" pitchFamily="49" charset="0"/>
               <a:cs typeface="Consolas" panose="020B0609020204030204" pitchFamily="49" charset="0"/>
             </a:endParaRPr>
           </a:p>
           <a:p>
-            <a:pPr marL="285750"/>
-            <a:r>
-              <a:rPr lang="en-US" sz="2800" dirty="0" smtClean="0"/>
-              <a:t>“G” is for GNU</a:t>
-            </a:r>
-            <a:endParaRPr lang="en-US" sz="2800" dirty="0"/>
-          </a:p>
-          <a:p>
-            <a:pPr marL="285750"/>
-            <a:r>
-              <a:rPr lang="en-US" sz="2800" dirty="0" smtClean="0"/>
-              <a:t>“GNU” is for “GNU is Not Unix”</a:t>
-            </a:r>
-          </a:p>
-          <a:p>
-            <a:pPr marL="285750"/>
-            <a:r>
-              <a:rPr lang="en-US" sz="2800" dirty="0" smtClean="0"/>
-              <a:t>g++ is the C++ compiler command</a:t>
-            </a:r>
-          </a:p>
-          <a:p>
-            <a:pPr marL="285750"/>
-            <a:r>
-              <a:rPr lang="en-US" sz="2800" dirty="0" err="1" smtClean="0"/>
-              <a:t>gcc</a:t>
-            </a:r>
-            <a:r>
-              <a:rPr lang="en-US" sz="2800" dirty="0" smtClean="0"/>
-              <a:t> is the C compiler command</a:t>
-            </a:r>
-          </a:p>
-          <a:p>
-            <a:pPr marL="285750"/>
-            <a:r>
-              <a:rPr lang="en-US" sz="2800" dirty="0" smtClean="0"/>
-              <a:t>GCC: “</a:t>
-            </a:r>
-            <a:r>
-              <a:rPr lang="en-US" sz="2800" dirty="0" smtClean="0">
-                <a:hlinkClick r:id="rId2"/>
-              </a:rPr>
-              <a:t>GNU compiler collection</a:t>
-            </a:r>
-            <a:r>
-              <a:rPr lang="en-US" sz="2800" dirty="0" smtClean="0"/>
-              <a:t>”</a:t>
-            </a:r>
-            <a:endParaRPr lang="en-US" sz="2800" dirty="0"/>
-          </a:p>
-          <a:p>
             <a:pPr marL="0" indent="0">
               <a:buNone/>
             </a:pPr>
-            <a:endParaRPr lang="en-US" sz="1800" dirty="0">
+            <a:r>
+              <a:rPr lang="en-US" dirty="0">
+                <a:latin typeface="Consolas" panose="020B0609020204030204" pitchFamily="49" charset="0"/>
+                <a:cs typeface="Consolas" panose="020B0609020204030204" pitchFamily="49" charset="0"/>
+              </a:rPr>
+              <a:t>|       </a:t>
+            </a:r>
+            <a:r>
+              <a:rPr lang="en-US" dirty="0" smtClean="0">
+                <a:latin typeface="Consolas" panose="020B0609020204030204" pitchFamily="49" charset="0"/>
+                <a:cs typeface="Consolas" panose="020B0609020204030204" pitchFamily="49" charset="0"/>
+              </a:rPr>
+              <a:t>vccorlib120.dll 	// C++/CLI</a:t>
+            </a:r>
+            <a:endParaRPr lang="en-US" dirty="0">
               <a:latin typeface="Consolas" panose="020B0609020204030204" pitchFamily="49" charset="0"/>
               <a:cs typeface="Consolas" panose="020B0609020204030204" pitchFamily="49" charset="0"/>
             </a:endParaRPr>
@@ -5134,7 +4853,128 @@
             <a:pPr marL="0" indent="0">
               <a:buNone/>
             </a:pPr>
-            <a:endParaRPr lang="en-US" sz="1800" dirty="0" smtClean="0">
+            <a:r>
+              <a:rPr lang="en-US" dirty="0" smtClean="0">
+                <a:latin typeface="Consolas" panose="020B0609020204030204" pitchFamily="49" charset="0"/>
+                <a:cs typeface="Consolas" panose="020B0609020204030204" pitchFamily="49" charset="0"/>
+              </a:rPr>
+              <a:t>+---</a:t>
+            </a:r>
+            <a:r>
+              <a:rPr lang="en-US" dirty="0">
+                <a:latin typeface="Consolas" panose="020B0609020204030204" pitchFamily="49" charset="0"/>
+                <a:cs typeface="Consolas" panose="020B0609020204030204" pitchFamily="49" charset="0"/>
+              </a:rPr>
+              <a:t>Microsoft.VC120.CXXAMP</a:t>
+            </a:r>
+          </a:p>
+          <a:p>
+            <a:pPr marL="0" indent="0">
+              <a:buNone/>
+            </a:pPr>
+            <a:r>
+              <a:rPr lang="en-US" dirty="0">
+                <a:latin typeface="Consolas" panose="020B0609020204030204" pitchFamily="49" charset="0"/>
+                <a:cs typeface="Consolas" panose="020B0609020204030204" pitchFamily="49" charset="0"/>
+              </a:rPr>
+              <a:t>|       vcamp120.dll</a:t>
+            </a:r>
+          </a:p>
+          <a:p>
+            <a:pPr marL="0" indent="0">
+              <a:buNone/>
+            </a:pPr>
+            <a:r>
+              <a:rPr lang="en-US" dirty="0" smtClean="0">
+                <a:latin typeface="Consolas" panose="020B0609020204030204" pitchFamily="49" charset="0"/>
+                <a:cs typeface="Consolas" panose="020B0609020204030204" pitchFamily="49" charset="0"/>
+              </a:rPr>
+              <a:t>+---</a:t>
+            </a:r>
+            <a:r>
+              <a:rPr lang="en-US" dirty="0">
+                <a:latin typeface="Consolas" panose="020B0609020204030204" pitchFamily="49" charset="0"/>
+                <a:cs typeface="Consolas" panose="020B0609020204030204" pitchFamily="49" charset="0"/>
+              </a:rPr>
+              <a:t>Microsoft.VC120.MFC</a:t>
+            </a:r>
+          </a:p>
+          <a:p>
+            <a:pPr marL="0" indent="0">
+              <a:buNone/>
+            </a:pPr>
+            <a:r>
+              <a:rPr lang="en-US" dirty="0">
+                <a:latin typeface="Consolas" panose="020B0609020204030204" pitchFamily="49" charset="0"/>
+                <a:cs typeface="Consolas" panose="020B0609020204030204" pitchFamily="49" charset="0"/>
+              </a:rPr>
+              <a:t>|       mfc120u.dll</a:t>
+            </a:r>
+          </a:p>
+          <a:p>
+            <a:pPr marL="0" indent="0">
+              <a:buNone/>
+            </a:pPr>
+            <a:r>
+              <a:rPr lang="en-US" dirty="0">
+                <a:latin typeface="Consolas" panose="020B0609020204030204" pitchFamily="49" charset="0"/>
+                <a:cs typeface="Consolas" panose="020B0609020204030204" pitchFamily="49" charset="0"/>
+              </a:rPr>
+              <a:t>|       mfcm120u.dll</a:t>
+            </a:r>
+          </a:p>
+          <a:p>
+            <a:pPr marL="0" indent="0">
+              <a:buNone/>
+            </a:pPr>
+            <a:r>
+              <a:rPr lang="en-US" dirty="0" smtClean="0">
+                <a:latin typeface="Consolas" panose="020B0609020204030204" pitchFamily="49" charset="0"/>
+                <a:cs typeface="Consolas" panose="020B0609020204030204" pitchFamily="49" charset="0"/>
+              </a:rPr>
+              <a:t>+---</a:t>
+            </a:r>
+            <a:r>
+              <a:rPr lang="en-US" dirty="0">
+                <a:latin typeface="Consolas" panose="020B0609020204030204" pitchFamily="49" charset="0"/>
+                <a:cs typeface="Consolas" panose="020B0609020204030204" pitchFamily="49" charset="0"/>
+              </a:rPr>
+              <a:t>Microsoft.VC120.MFCLOC</a:t>
+            </a:r>
+          </a:p>
+          <a:p>
+            <a:pPr marL="0" indent="0">
+              <a:buNone/>
+            </a:pPr>
+            <a:r>
+              <a:rPr lang="en-US" dirty="0">
+                <a:latin typeface="Consolas" panose="020B0609020204030204" pitchFamily="49" charset="0"/>
+                <a:cs typeface="Consolas" panose="020B0609020204030204" pitchFamily="49" charset="0"/>
+              </a:rPr>
+              <a:t>|       </a:t>
+            </a:r>
+            <a:r>
+              <a:rPr lang="en-US" dirty="0" smtClean="0">
+                <a:latin typeface="Consolas" panose="020B0609020204030204" pitchFamily="49" charset="0"/>
+                <a:cs typeface="Consolas" panose="020B0609020204030204" pitchFamily="49" charset="0"/>
+              </a:rPr>
+              <a:t>//</a:t>
+            </a:r>
+            <a:r>
+              <a:rPr lang="en-US" dirty="0" err="1" smtClean="0">
+                <a:latin typeface="Consolas" panose="020B0609020204030204" pitchFamily="49" charset="0"/>
+                <a:cs typeface="Consolas" panose="020B0609020204030204" pitchFamily="49" charset="0"/>
+              </a:rPr>
+              <a:t>mfc</a:t>
+            </a:r>
+            <a:r>
+              <a:rPr lang="en-US" dirty="0" smtClean="0">
+                <a:latin typeface="Consolas" panose="020B0609020204030204" pitchFamily="49" charset="0"/>
+                <a:cs typeface="Consolas" panose="020B0609020204030204" pitchFamily="49" charset="0"/>
+              </a:rPr>
+              <a:t> localized stuff</a:t>
+            </a:r>
+            <a:endParaRPr lang="en-US" dirty="0">
               <a:latin typeface="Consolas" panose="020B0609020204030204" pitchFamily="49" charset="0"/>
               <a:cs typeface="Consolas" panose="020B0609020204030204" pitchFamily="49" charset="0"/>
             </a:endParaRPr>
@@ -5143,17 +4983,45 @@
             <a:pPr marL="0" indent="0">
               <a:buNone/>
             </a:pPr>
-            <a:endParaRPr lang="en-US" sz="1800" dirty="0">
-              <a:latin typeface="Consolas" panose="020B0609020204030204" pitchFamily="49" charset="0"/>
-              <a:cs typeface="Consolas" panose="020B0609020204030204" pitchFamily="49" charset="0"/>
-            </a:endParaRPr>
+            <a:r>
+              <a:rPr lang="en-US" dirty="0" smtClean="0">
+                <a:latin typeface="Consolas" panose="020B0609020204030204" pitchFamily="49" charset="0"/>
+                <a:cs typeface="Consolas" panose="020B0609020204030204" pitchFamily="49" charset="0"/>
+              </a:rPr>
+              <a:t>\---</a:t>
+            </a:r>
+            <a:r>
+              <a:rPr lang="en-US" dirty="0">
+                <a:latin typeface="Consolas" panose="020B0609020204030204" pitchFamily="49" charset="0"/>
+                <a:cs typeface="Consolas" panose="020B0609020204030204" pitchFamily="49" charset="0"/>
+              </a:rPr>
+              <a:t>Microsoft.VC120.OpenMP</a:t>
+            </a:r>
+          </a:p>
+          <a:p>
+            <a:pPr marL="0" indent="0">
+              <a:buNone/>
+            </a:pPr>
+            <a:r>
+              <a:rPr lang="en-US" dirty="0">
+                <a:latin typeface="Consolas" panose="020B0609020204030204" pitchFamily="49" charset="0"/>
+                <a:cs typeface="Consolas" panose="020B0609020204030204" pitchFamily="49" charset="0"/>
+              </a:rPr>
+              <a:t>        vcomp120.dll</a:t>
+            </a:r>
+          </a:p>
+          <a:p>
+            <a:pPr marL="0" indent="0">
+              <a:buNone/>
+            </a:pPr>
+            <a:endParaRPr lang="en-US" dirty="0"/>
           </a:p>
         </p:txBody>
       </p:sp>
     </p:spTree>
     <p:extLst>
       <p:ext uri="{BB962C8B-B14F-4D97-AF65-F5344CB8AC3E}">
-        <p14:creationId xmlns:p14="http://schemas.microsoft.com/office/powerpoint/2010/main" val="3151603959"/>
+        <p14:creationId xmlns:p14="http://schemas.microsoft.com/office/powerpoint/2010/main" val="2368571093"/>
       </p:ext>
     </p:extLst>
   </p:cSld>
@@ -5203,8 +5071,8 @@
           <a:lstStyle/>
           <a:p>
             <a:r>
-              <a:rPr lang="en-US" dirty="0" smtClean="0"/>
-              <a:t>String Literals: Raw</a:t>
+              <a:rPr lang="en-US" smtClean="0"/>
+              <a:t>Which C++ compiler?</a:t>
             </a:r>
             <a:endParaRPr lang="en-US" dirty="0"/>
           </a:p>
@@ -5220,184 +5088,40 @@
             <p:ph idx="1"/>
           </p:nvPr>
         </p:nvSpPr>
-        <p:spPr>
-          <a:xfrm>
-            <a:off x="457200" y="1600200"/>
-            <a:ext cx="8229600" cy="4953000"/>
-          </a:xfrm>
-        </p:spPr>
+        <p:spPr/>
         <p:txBody>
           <a:bodyPr>
-            <a:normAutofit fontScale="85000" lnSpcReduction="20000"/>
+            <a:normAutofit lnSpcReduction="10000"/>
           </a:bodyPr>
           <a:lstStyle/>
           <a:p>
-            <a:r>
-              <a:rPr lang="en-US" dirty="0" smtClean="0"/>
-              <a:t>YAY! Needed this from day 1:</a:t>
-            </a:r>
-          </a:p>
-          <a:p>
             <a:pPr marL="0" indent="0">
               <a:buNone/>
             </a:pPr>
-            <a:endParaRPr lang="en-US" dirty="0" smtClean="0"/>
+            <a:r>
+              <a:rPr lang="en-US" sz="2800" dirty="0" smtClean="0">
+                <a:cs typeface="Consolas" panose="020B0609020204030204" pitchFamily="49" charset="0"/>
+              </a:rPr>
+              <a:t>On an up-to-date </a:t>
+            </a:r>
+            <a:r>
+              <a:rPr lang="en-US" sz="2800" dirty="0" err="1" smtClean="0">
+                <a:cs typeface="Consolas" panose="020B0609020204030204" pitchFamily="49" charset="0"/>
+              </a:rPr>
+              <a:t>linux</a:t>
+            </a:r>
+            <a:r>
+              <a:rPr lang="en-US" sz="2800" dirty="0" smtClean="0">
+                <a:cs typeface="Consolas" panose="020B0609020204030204" pitchFamily="49" charset="0"/>
+              </a:rPr>
+              <a:t> box:</a:t>
+            </a:r>
           </a:p>
           <a:p>
             <a:pPr marL="0" indent="0">
               <a:buNone/>
             </a:pPr>
-            <a:r>
-              <a:rPr lang="en-US" sz="2100" dirty="0" smtClean="0">
-                <a:latin typeface="Consolas" panose="020B0609020204030204" pitchFamily="49" charset="0"/>
-                <a:cs typeface="Consolas" panose="020B0609020204030204" pitchFamily="49" charset="0"/>
-              </a:rPr>
-              <a:t>  #</a:t>
-            </a:r>
-            <a:r>
-              <a:rPr lang="en-US" sz="2100" dirty="0">
-                <a:latin typeface="Consolas" panose="020B0609020204030204" pitchFamily="49" charset="0"/>
-                <a:cs typeface="Consolas" panose="020B0609020204030204" pitchFamily="49" charset="0"/>
-              </a:rPr>
-              <a:t>include &lt;string&gt;</a:t>
-            </a:r>
-          </a:p>
-          <a:p>
-            <a:pPr marL="0" indent="0">
-              <a:buNone/>
-            </a:pPr>
-            <a:r>
-              <a:rPr lang="en-US" sz="2100" dirty="0" smtClean="0">
-                <a:latin typeface="Consolas" panose="020B0609020204030204" pitchFamily="49" charset="0"/>
-                <a:cs typeface="Consolas" panose="020B0609020204030204" pitchFamily="49" charset="0"/>
-              </a:rPr>
-              <a:t>  #</a:t>
-            </a:r>
-            <a:r>
-              <a:rPr lang="en-US" sz="2100" dirty="0">
-                <a:latin typeface="Consolas" panose="020B0609020204030204" pitchFamily="49" charset="0"/>
-                <a:cs typeface="Consolas" panose="020B0609020204030204" pitchFamily="49" charset="0"/>
-              </a:rPr>
-              <a:t>include &lt;</a:t>
-            </a:r>
-            <a:r>
-              <a:rPr lang="en-US" sz="2100" dirty="0" err="1">
-                <a:latin typeface="Consolas" panose="020B0609020204030204" pitchFamily="49" charset="0"/>
-                <a:cs typeface="Consolas" panose="020B0609020204030204" pitchFamily="49" charset="0"/>
-              </a:rPr>
-              <a:t>iostream</a:t>
-            </a:r>
-            <a:r>
-              <a:rPr lang="en-US" sz="2100" dirty="0">
-                <a:latin typeface="Consolas" panose="020B0609020204030204" pitchFamily="49" charset="0"/>
-                <a:cs typeface="Consolas" panose="020B0609020204030204" pitchFamily="49" charset="0"/>
-              </a:rPr>
-              <a:t>&gt;</a:t>
-            </a:r>
-          </a:p>
-          <a:p>
-            <a:pPr marL="0" indent="0">
-              <a:buNone/>
-            </a:pPr>
-            <a:r>
-              <a:rPr lang="en-US" sz="2100" dirty="0" smtClean="0">
-                <a:latin typeface="Consolas" panose="020B0609020204030204" pitchFamily="49" charset="0"/>
-                <a:cs typeface="Consolas" panose="020B0609020204030204" pitchFamily="49" charset="0"/>
-              </a:rPr>
-              <a:t>  </a:t>
-            </a:r>
-            <a:r>
-              <a:rPr lang="en-US" sz="2100" dirty="0" err="1" smtClean="0">
-                <a:latin typeface="Consolas" panose="020B0609020204030204" pitchFamily="49" charset="0"/>
-                <a:cs typeface="Consolas" panose="020B0609020204030204" pitchFamily="49" charset="0"/>
-              </a:rPr>
-              <a:t>int</a:t>
-            </a:r>
-            <a:r>
-              <a:rPr lang="en-US" sz="2100" dirty="0" smtClean="0">
-                <a:latin typeface="Consolas" panose="020B0609020204030204" pitchFamily="49" charset="0"/>
-                <a:cs typeface="Consolas" panose="020B0609020204030204" pitchFamily="49" charset="0"/>
-              </a:rPr>
-              <a:t> </a:t>
-            </a:r>
-            <a:r>
-              <a:rPr lang="en-US" sz="2100" dirty="0">
-                <a:latin typeface="Consolas" panose="020B0609020204030204" pitchFamily="49" charset="0"/>
-                <a:cs typeface="Consolas" panose="020B0609020204030204" pitchFamily="49" charset="0"/>
-              </a:rPr>
-              <a:t>main() {</a:t>
-            </a:r>
-          </a:p>
-          <a:p>
-            <a:pPr marL="0" indent="0">
-              <a:buNone/>
-            </a:pPr>
-            <a:r>
-              <a:rPr lang="en-US" sz="2100" dirty="0" smtClean="0">
-                <a:latin typeface="Consolas" panose="020B0609020204030204" pitchFamily="49" charset="0"/>
-                <a:cs typeface="Consolas" panose="020B0609020204030204" pitchFamily="49" charset="0"/>
-              </a:rPr>
-              <a:t>    </a:t>
-            </a:r>
-            <a:r>
-              <a:rPr lang="en-US" sz="2100" dirty="0" err="1" smtClean="0">
-                <a:latin typeface="Consolas" panose="020B0609020204030204" pitchFamily="49" charset="0"/>
-                <a:cs typeface="Consolas" panose="020B0609020204030204" pitchFamily="49" charset="0"/>
-              </a:rPr>
-              <a:t>std</a:t>
-            </a:r>
-            <a:r>
-              <a:rPr lang="en-US" sz="2100" dirty="0">
-                <a:latin typeface="Consolas" panose="020B0609020204030204" pitchFamily="49" charset="0"/>
-                <a:cs typeface="Consolas" panose="020B0609020204030204" pitchFamily="49" charset="0"/>
-              </a:rPr>
-              <a:t>::string s = </a:t>
-            </a:r>
-            <a:r>
-              <a:rPr lang="en-US" sz="2100" dirty="0">
-                <a:solidFill>
-                  <a:srgbClr val="FF0000"/>
-                </a:solidFill>
-                <a:latin typeface="Consolas" panose="020B0609020204030204" pitchFamily="49" charset="0"/>
-                <a:cs typeface="Consolas" panose="020B0609020204030204" pitchFamily="49" charset="0"/>
-              </a:rPr>
-              <a:t>R</a:t>
-            </a:r>
-            <a:r>
-              <a:rPr lang="en-US" sz="2100" dirty="0" smtClean="0">
-                <a:solidFill>
-                  <a:srgbClr val="FF0000"/>
-                </a:solidFill>
-                <a:latin typeface="Consolas" panose="020B0609020204030204" pitchFamily="49" charset="0"/>
-                <a:cs typeface="Consolas" panose="020B0609020204030204" pitchFamily="49" charset="0"/>
-              </a:rPr>
-              <a:t>"#(</a:t>
-            </a:r>
-            <a:r>
-              <a:rPr lang="en-US" sz="2100" dirty="0" smtClean="0">
-                <a:latin typeface="Consolas" panose="020B0609020204030204" pitchFamily="49" charset="0"/>
-                <a:cs typeface="Consolas" panose="020B0609020204030204" pitchFamily="49" charset="0"/>
-              </a:rPr>
-              <a:t>\&gt;%^\t\n&amp;*(&lt;</a:t>
-            </a:r>
-            <a:r>
-              <a:rPr lang="en-US" sz="2100" dirty="0" smtClean="0">
-                <a:solidFill>
-                  <a:srgbClr val="FF0000"/>
-                </a:solidFill>
-                <a:latin typeface="Consolas" panose="020B0609020204030204" pitchFamily="49" charset="0"/>
-                <a:cs typeface="Consolas" panose="020B0609020204030204" pitchFamily="49" charset="0"/>
-              </a:rPr>
-              <a:t>)#"</a:t>
-            </a:r>
-            <a:r>
-              <a:rPr lang="en-US" sz="2100" dirty="0" smtClean="0">
-                <a:latin typeface="Consolas" panose="020B0609020204030204" pitchFamily="49" charset="0"/>
-                <a:cs typeface="Consolas" panose="020B0609020204030204" pitchFamily="49" charset="0"/>
-              </a:rPr>
-              <a:t>;</a:t>
-            </a:r>
-            <a:endParaRPr lang="en-US" sz="2100" dirty="0">
+            <a:endParaRPr lang="en-US" sz="1800" dirty="0">
               <a:latin typeface="Consolas" panose="020B0609020204030204" pitchFamily="49" charset="0"/>
               <a:cs typeface="Consolas" panose="020B0609020204030204" pitchFamily="49" charset="0"/>
             </a:endParaRPr>
@@ -5407,67 +5131,25 @@
               <a:buNone/>
             </a:pPr>
             <a:r>
-              <a:rPr lang="en-US" sz="2100" dirty="0" smtClean="0">
-                <a:latin typeface="Consolas" panose="020B0609020204030204" pitchFamily="49" charset="0"/>
-                <a:cs typeface="Consolas" panose="020B0609020204030204" pitchFamily="49" charset="0"/>
-              </a:rPr>
-              <a:t>    </a:t>
-            </a:r>
-            <a:r>
-              <a:rPr lang="en-US" sz="2100" dirty="0" err="1" smtClean="0">
-                <a:latin typeface="Consolas" panose="020B0609020204030204" pitchFamily="49" charset="0"/>
-                <a:cs typeface="Consolas" panose="020B0609020204030204" pitchFamily="49" charset="0"/>
-              </a:rPr>
-              <a:t>std</a:t>
-            </a:r>
-            <a:r>
-              <a:rPr lang="en-US" sz="2100" dirty="0">
-                <a:latin typeface="Consolas" panose="020B0609020204030204" pitchFamily="49" charset="0"/>
-                <a:cs typeface="Consolas" panose="020B0609020204030204" pitchFamily="49" charset="0"/>
-              </a:rPr>
-              <a:t>::</a:t>
-            </a:r>
-            <a:r>
-              <a:rPr lang="en-US" sz="2100" dirty="0" err="1">
-                <a:latin typeface="Consolas" panose="020B0609020204030204" pitchFamily="49" charset="0"/>
-                <a:cs typeface="Consolas" panose="020B0609020204030204" pitchFamily="49" charset="0"/>
-              </a:rPr>
-              <a:t>cout</a:t>
-            </a:r>
-            <a:r>
-              <a:rPr lang="en-US" sz="2100" dirty="0">
-                <a:latin typeface="Consolas" panose="020B0609020204030204" pitchFamily="49" charset="0"/>
-                <a:cs typeface="Consolas" panose="020B0609020204030204" pitchFamily="49" charset="0"/>
-              </a:rPr>
-              <a:t> &lt;&lt; s &lt;&lt; </a:t>
-            </a:r>
-            <a:r>
-              <a:rPr lang="en-US" sz="2100" dirty="0" err="1">
-                <a:latin typeface="Consolas" panose="020B0609020204030204" pitchFamily="49" charset="0"/>
-                <a:cs typeface="Consolas" panose="020B0609020204030204" pitchFamily="49" charset="0"/>
-              </a:rPr>
-              <a:t>std</a:t>
-            </a:r>
-            <a:r>
-              <a:rPr lang="en-US" sz="2100" dirty="0">
-                <a:latin typeface="Consolas" panose="020B0609020204030204" pitchFamily="49" charset="0"/>
-                <a:cs typeface="Consolas" panose="020B0609020204030204" pitchFamily="49" charset="0"/>
-              </a:rPr>
-              <a:t>::</a:t>
-            </a:r>
-            <a:r>
-              <a:rPr lang="en-US" sz="2100" dirty="0" err="1">
-                <a:latin typeface="Consolas" panose="020B0609020204030204" pitchFamily="49" charset="0"/>
-                <a:cs typeface="Consolas" panose="020B0609020204030204" pitchFamily="49" charset="0"/>
-              </a:rPr>
-              <a:t>endl</a:t>
-            </a:r>
-            <a:r>
-              <a:rPr lang="en-US" sz="2100" dirty="0">
-                <a:latin typeface="Consolas" panose="020B0609020204030204" pitchFamily="49" charset="0"/>
-                <a:cs typeface="Consolas" panose="020B0609020204030204" pitchFamily="49" charset="0"/>
-              </a:rPr>
-              <a:t>;</a:t>
+              <a:rPr lang="en-US" sz="1800" dirty="0" smtClean="0">
+                <a:latin typeface="Consolas" panose="020B0609020204030204" pitchFamily="49" charset="0"/>
+                <a:cs typeface="Consolas" panose="020B0609020204030204" pitchFamily="49" charset="0"/>
+              </a:rPr>
+              <a:t>  dwight@dwight-mint17 </a:t>
+            </a:r>
+            <a:r>
+              <a:rPr lang="en-US" sz="1800" dirty="0">
+                <a:latin typeface="Consolas" panose="020B0609020204030204" pitchFamily="49" charset="0"/>
+                <a:cs typeface="Consolas" panose="020B0609020204030204" pitchFamily="49" charset="0"/>
+              </a:rPr>
+              <a:t>~ $ </a:t>
+            </a:r>
+            <a:r>
+              <a:rPr lang="en-US" sz="2400" b="1" dirty="0">
+                <a:latin typeface="Consolas" panose="020B0609020204030204" pitchFamily="49" charset="0"/>
+                <a:cs typeface="Consolas" panose="020B0609020204030204" pitchFamily="49" charset="0"/>
+              </a:rPr>
+              <a:t>g++ --version</a:t>
             </a:r>
           </a:p>
           <a:p>
@@ -5475,212 +5157,111 @@
               <a:buNone/>
             </a:pPr>
             <a:r>
-              <a:rPr lang="en-US" sz="2100" dirty="0" smtClean="0">
-                <a:latin typeface="Consolas" panose="020B0609020204030204" pitchFamily="49" charset="0"/>
-                <a:cs typeface="Consolas" panose="020B0609020204030204" pitchFamily="49" charset="0"/>
-              </a:rPr>
-              <a:t>    s </a:t>
-            </a:r>
-            <a:r>
-              <a:rPr lang="en-US" sz="2100" dirty="0">
-                <a:latin typeface="Consolas" panose="020B0609020204030204" pitchFamily="49" charset="0"/>
-                <a:cs typeface="Consolas" panose="020B0609020204030204" pitchFamily="49" charset="0"/>
-              </a:rPr>
-              <a:t>= </a:t>
-            </a:r>
-            <a:r>
-              <a:rPr lang="en-US" sz="2100" dirty="0" err="1">
-                <a:solidFill>
-                  <a:srgbClr val="FF0000"/>
-                </a:solidFill>
-                <a:latin typeface="Consolas" panose="020B0609020204030204" pitchFamily="49" charset="0"/>
-                <a:cs typeface="Consolas" panose="020B0609020204030204" pitchFamily="49" charset="0"/>
-              </a:rPr>
-              <a:t>R"gobbledygook</a:t>
-            </a:r>
-            <a:r>
-              <a:rPr lang="en-US" sz="2100" dirty="0">
-                <a:latin typeface="Consolas" panose="020B0609020204030204" pitchFamily="49" charset="0"/>
-                <a:cs typeface="Consolas" panose="020B0609020204030204" pitchFamily="49" charset="0"/>
-              </a:rPr>
-              <a:t>(a raw string literal </a:t>
-            </a:r>
-            <a:r>
-              <a:rPr lang="en-US" sz="2100">
-                <a:latin typeface="Consolas" panose="020B0609020204030204" pitchFamily="49" charset="0"/>
-                <a:cs typeface="Consolas" panose="020B0609020204030204" pitchFamily="49" charset="0"/>
-              </a:rPr>
-              <a:t>with </a:t>
-            </a:r>
-            <a:r>
-              <a:rPr lang="en-US" sz="2100">
-                <a:latin typeface="Consolas" panose="020B0609020204030204" pitchFamily="49" charset="0"/>
-                <a:cs typeface="Consolas" panose="020B0609020204030204" pitchFamily="49" charset="0"/>
-              </a:rPr>
-              <a:t>"</a:t>
-            </a:r>
-            <a:r>
-              <a:rPr lang="en-US" sz="2100" smtClean="0">
-                <a:latin typeface="Consolas" panose="020B0609020204030204" pitchFamily="49" charset="0"/>
-                <a:cs typeface="Consolas" panose="020B0609020204030204" pitchFamily="49" charset="0"/>
-              </a:rPr>
-              <a:t>gobbledygook</a:t>
-            </a:r>
-            <a:r>
-              <a:rPr lang="en-US" sz="2100" dirty="0">
-                <a:latin typeface="Consolas" panose="020B0609020204030204" pitchFamily="49" charset="0"/>
-                <a:cs typeface="Consolas" panose="020B0609020204030204" pitchFamily="49" charset="0"/>
-              </a:rPr>
-              <a:t>"</a:t>
-            </a:r>
-            <a:endParaRPr lang="en-US" sz="2100" dirty="0" smtClean="0">
+              <a:rPr lang="en-US" sz="1800" dirty="0" smtClean="0">
+                <a:latin typeface="Consolas" panose="020B0609020204030204" pitchFamily="49" charset="0"/>
+                <a:cs typeface="Consolas" panose="020B0609020204030204" pitchFamily="49" charset="0"/>
+              </a:rPr>
+              <a:t>  g</a:t>
+            </a:r>
+            <a:r>
+              <a:rPr lang="en-US" sz="1800" dirty="0">
+                <a:latin typeface="Consolas" panose="020B0609020204030204" pitchFamily="49" charset="0"/>
+                <a:cs typeface="Consolas" panose="020B0609020204030204" pitchFamily="49" charset="0"/>
+              </a:rPr>
+              <a:t>++ (Ubuntu 4.8.2-19ubuntu1) 4.8.2</a:t>
+            </a:r>
+          </a:p>
+          <a:p>
+            <a:pPr marL="0" indent="0">
+              <a:buNone/>
+            </a:pPr>
+            <a:r>
+              <a:rPr lang="en-US" sz="1800" dirty="0" smtClean="0">
+                <a:latin typeface="Consolas" panose="020B0609020204030204" pitchFamily="49" charset="0"/>
+                <a:cs typeface="Consolas" panose="020B0609020204030204" pitchFamily="49" charset="0"/>
+              </a:rPr>
+              <a:t>  Copyright </a:t>
+            </a:r>
+            <a:r>
+              <a:rPr lang="en-US" sz="1800" dirty="0">
+                <a:latin typeface="Consolas" panose="020B0609020204030204" pitchFamily="49" charset="0"/>
+                <a:cs typeface="Consolas" panose="020B0609020204030204" pitchFamily="49" charset="0"/>
+              </a:rPr>
+              <a:t>(C) 2013 Free Software Foundation, Inc</a:t>
+            </a:r>
+            <a:r>
+              <a:rPr lang="en-US" sz="1800" dirty="0" smtClean="0">
+                <a:latin typeface="Consolas" panose="020B0609020204030204" pitchFamily="49" charset="0"/>
+                <a:cs typeface="Consolas" panose="020B0609020204030204" pitchFamily="49" charset="0"/>
+              </a:rPr>
+              <a:t>.</a:t>
+            </a:r>
+          </a:p>
+          <a:p>
+            <a:pPr marL="0" indent="0">
+              <a:buNone/>
+            </a:pPr>
+            <a:endParaRPr lang="en-US" sz="1800" dirty="0">
               <a:latin typeface="Consolas" panose="020B0609020204030204" pitchFamily="49" charset="0"/>
               <a:cs typeface="Consolas" panose="020B0609020204030204" pitchFamily="49" charset="0"/>
             </a:endParaRPr>
           </a:p>
           <a:p>
+            <a:pPr marL="285750"/>
+            <a:r>
+              <a:rPr lang="en-US" sz="2800" dirty="0" smtClean="0"/>
+              <a:t>“G” is for GNU</a:t>
+            </a:r>
+            <a:endParaRPr lang="en-US" sz="2800" dirty="0"/>
+          </a:p>
+          <a:p>
+            <a:pPr marL="285750"/>
+            <a:r>
+              <a:rPr lang="en-US" sz="2800" dirty="0" smtClean="0"/>
+              <a:t>“GNU” is for “GNU is Not Unix”</a:t>
+            </a:r>
+          </a:p>
+          <a:p>
+            <a:pPr marL="285750"/>
+            <a:r>
+              <a:rPr lang="en-US" sz="2800" dirty="0" smtClean="0"/>
+              <a:t>g++ is the C++ compiler command</a:t>
+            </a:r>
+          </a:p>
+          <a:p>
+            <a:pPr marL="285750"/>
+            <a:r>
+              <a:rPr lang="en-US" sz="2800" dirty="0" err="1" smtClean="0"/>
+              <a:t>gcc</a:t>
+            </a:r>
+            <a:r>
+              <a:rPr lang="en-US" sz="2800" dirty="0" smtClean="0"/>
+              <a:t> is the C compiler command</a:t>
+            </a:r>
+          </a:p>
+          <a:p>
+            <a:pPr marL="285750"/>
+            <a:r>
+              <a:rPr lang="en-US" sz="2800" dirty="0" smtClean="0"/>
+              <a:t>GCC: “</a:t>
+            </a:r>
+            <a:r>
+              <a:rPr lang="en-US" sz="2800" dirty="0" smtClean="0">
+                <a:hlinkClick r:id="rId2"/>
+              </a:rPr>
+              <a:t>GNU compiler collection</a:t>
+            </a:r>
+            <a:r>
+              <a:rPr lang="en-US" sz="2800" dirty="0" smtClean="0"/>
+              <a:t>”</a:t>
+            </a:r>
+            <a:endParaRPr lang="en-US" sz="2800" dirty="0"/>
+          </a:p>
+          <a:p>
             <a:pPr marL="0" indent="0">
               <a:buNone/>
             </a:pPr>
-            <a:r>
-              <a:rPr lang="en-US" sz="2100" dirty="0" smtClean="0">
-                <a:latin typeface="Consolas" panose="020B0609020204030204" pitchFamily="49" charset="0"/>
-                <a:cs typeface="Consolas" panose="020B0609020204030204" pitchFamily="49" charset="0"/>
-              </a:rPr>
-              <a:t>        as the delimiter</a:t>
-            </a:r>
-            <a:r>
-              <a:rPr lang="en-US" sz="2100" dirty="0" smtClean="0">
-                <a:solidFill>
-                  <a:srgbClr val="FF0000"/>
-                </a:solidFill>
-                <a:latin typeface="Consolas" panose="020B0609020204030204" pitchFamily="49" charset="0"/>
-                <a:cs typeface="Consolas" panose="020B0609020204030204" pitchFamily="49" charset="0"/>
-              </a:rPr>
-              <a:t>)gobbledygook</a:t>
-            </a:r>
-            <a:r>
-              <a:rPr lang="en-US" sz="2100" dirty="0">
-                <a:solidFill>
-                  <a:srgbClr val="FF0000"/>
-                </a:solidFill>
-                <a:latin typeface="Consolas" panose="020B0609020204030204" pitchFamily="49" charset="0"/>
-                <a:cs typeface="Consolas" panose="020B0609020204030204" pitchFamily="49" charset="0"/>
-              </a:rPr>
-              <a:t>"</a:t>
-            </a:r>
-            <a:r>
-              <a:rPr lang="en-US" sz="2100" dirty="0">
-                <a:latin typeface="Consolas" panose="020B0609020204030204" pitchFamily="49" charset="0"/>
-                <a:cs typeface="Consolas" panose="020B0609020204030204" pitchFamily="49" charset="0"/>
-              </a:rPr>
-              <a:t>;</a:t>
-            </a:r>
-          </a:p>
-          <a:p>
-            <a:pPr marL="0" indent="0">
-              <a:buNone/>
-            </a:pPr>
-            <a:r>
-              <a:rPr lang="en-US" sz="2100" dirty="0" smtClean="0">
-                <a:latin typeface="Consolas" panose="020B0609020204030204" pitchFamily="49" charset="0"/>
-                <a:cs typeface="Consolas" panose="020B0609020204030204" pitchFamily="49" charset="0"/>
-              </a:rPr>
-              <a:t>    </a:t>
-            </a:r>
-            <a:r>
-              <a:rPr lang="en-US" sz="2100" dirty="0" err="1" smtClean="0">
-                <a:latin typeface="Consolas" panose="020B0609020204030204" pitchFamily="49" charset="0"/>
-                <a:cs typeface="Consolas" panose="020B0609020204030204" pitchFamily="49" charset="0"/>
-              </a:rPr>
-              <a:t>std</a:t>
-            </a:r>
-            <a:r>
-              <a:rPr lang="en-US" sz="2100" dirty="0">
-                <a:latin typeface="Consolas" panose="020B0609020204030204" pitchFamily="49" charset="0"/>
-                <a:cs typeface="Consolas" panose="020B0609020204030204" pitchFamily="49" charset="0"/>
-              </a:rPr>
-              <a:t>::</a:t>
-            </a:r>
-            <a:r>
-              <a:rPr lang="en-US" sz="2100" dirty="0" err="1">
-                <a:latin typeface="Consolas" panose="020B0609020204030204" pitchFamily="49" charset="0"/>
-                <a:cs typeface="Consolas" panose="020B0609020204030204" pitchFamily="49" charset="0"/>
-              </a:rPr>
-              <a:t>cout</a:t>
-            </a:r>
-            <a:r>
-              <a:rPr lang="en-US" sz="2100" dirty="0">
-                <a:latin typeface="Consolas" panose="020B0609020204030204" pitchFamily="49" charset="0"/>
-                <a:cs typeface="Consolas" panose="020B0609020204030204" pitchFamily="49" charset="0"/>
-              </a:rPr>
-              <a:t> &lt;&lt; s &lt;&lt; </a:t>
-            </a:r>
-            <a:r>
-              <a:rPr lang="en-US" sz="2100" dirty="0" err="1">
-                <a:latin typeface="Consolas" panose="020B0609020204030204" pitchFamily="49" charset="0"/>
-                <a:cs typeface="Consolas" panose="020B0609020204030204" pitchFamily="49" charset="0"/>
-              </a:rPr>
-              <a:t>std</a:t>
-            </a:r>
-            <a:r>
-              <a:rPr lang="en-US" sz="2100" dirty="0">
-                <a:latin typeface="Consolas" panose="020B0609020204030204" pitchFamily="49" charset="0"/>
-                <a:cs typeface="Consolas" panose="020B0609020204030204" pitchFamily="49" charset="0"/>
-              </a:rPr>
-              <a:t>::</a:t>
-            </a:r>
-            <a:r>
-              <a:rPr lang="en-US" sz="2100" dirty="0" err="1">
-                <a:latin typeface="Consolas" panose="020B0609020204030204" pitchFamily="49" charset="0"/>
-                <a:cs typeface="Consolas" panose="020B0609020204030204" pitchFamily="49" charset="0"/>
-              </a:rPr>
-              <a:t>endl</a:t>
-            </a:r>
-            <a:r>
-              <a:rPr lang="en-US" sz="2100" dirty="0">
-                <a:latin typeface="Consolas" panose="020B0609020204030204" pitchFamily="49" charset="0"/>
-                <a:cs typeface="Consolas" panose="020B0609020204030204" pitchFamily="49" charset="0"/>
-              </a:rPr>
-              <a:t>;</a:t>
-            </a:r>
-          </a:p>
-          <a:p>
-            <a:pPr marL="0" indent="0">
-              <a:buNone/>
-            </a:pPr>
-            <a:r>
-              <a:rPr lang="en-US" sz="2100" dirty="0" smtClean="0">
-                <a:latin typeface="Consolas" panose="020B0609020204030204" pitchFamily="49" charset="0"/>
-                <a:cs typeface="Consolas" panose="020B0609020204030204" pitchFamily="49" charset="0"/>
-              </a:rPr>
-              <a:t>    return </a:t>
-            </a:r>
-            <a:r>
-              <a:rPr lang="en-US" sz="2100" dirty="0">
-                <a:latin typeface="Consolas" panose="020B0609020204030204" pitchFamily="49" charset="0"/>
-                <a:cs typeface="Consolas" panose="020B0609020204030204" pitchFamily="49" charset="0"/>
-              </a:rPr>
-              <a:t>0;</a:t>
-            </a:r>
-          </a:p>
-          <a:p>
-            <a:pPr marL="0" indent="0">
-              <a:buNone/>
-            </a:pPr>
-            <a:r>
-              <a:rPr lang="en-US" sz="2100" dirty="0" smtClean="0">
-                <a:latin typeface="Consolas" panose="020B0609020204030204" pitchFamily="49" charset="0"/>
-                <a:cs typeface="Consolas" panose="020B0609020204030204" pitchFamily="49" charset="0"/>
-              </a:rPr>
-              <a:t>  }</a:t>
-            </a:r>
-          </a:p>
-          <a:p>
-            <a:pPr marL="0" indent="0">
-              <a:buNone/>
-            </a:pPr>
-            <a:endParaRPr lang="en-US" sz="2000" dirty="0">
+            <a:endParaRPr lang="en-US" sz="1800" dirty="0">
               <a:latin typeface="Consolas" panose="020B0609020204030204" pitchFamily="49" charset="0"/>
               <a:cs typeface="Consolas" panose="020B0609020204030204" pitchFamily="49" charset="0"/>
             </a:endParaRPr>
@@ -5689,24 +5270,7 @@
             <a:pPr marL="0" indent="0">
               <a:buNone/>
             </a:pPr>
-            <a:r>
-              <a:rPr lang="en-US" sz="2800" dirty="0"/>
-              <a:t>\&gt;%^\t\n</a:t>
-            </a:r>
-            <a:r>
-              <a:rPr lang="en-US" sz="2800" dirty="0" smtClean="0"/>
-              <a:t>&amp;*(&lt;</a:t>
-            </a:r>
-          </a:p>
-          <a:p>
-            <a:pPr marL="0" indent="0">
-              <a:buNone/>
-            </a:pPr>
-            <a:r>
-              <a:rPr lang="en-US" sz="2800" dirty="0"/>
-              <a:t>a raw string literal with "gobbledygook" as the delimiter</a:t>
-            </a:r>
-            <a:endParaRPr lang="en-US" sz="2800" dirty="0" smtClean="0">
+            <a:endParaRPr lang="en-US" sz="1800" dirty="0" smtClean="0">
               <a:latin typeface="Consolas" panose="020B0609020204030204" pitchFamily="49" charset="0"/>
               <a:cs typeface="Consolas" panose="020B0609020204030204" pitchFamily="49" charset="0"/>
             </a:endParaRPr>
@@ -5715,26 +5279,17 @@
             <a:pPr marL="0" indent="0">
               <a:buNone/>
             </a:pPr>
-            <a:endParaRPr lang="en-US" dirty="0" smtClean="0">
+            <a:endParaRPr lang="en-US" sz="1800" dirty="0">
               <a:latin typeface="Consolas" panose="020B0609020204030204" pitchFamily="49" charset="0"/>
               <a:cs typeface="Consolas" panose="020B0609020204030204" pitchFamily="49" charset="0"/>
             </a:endParaRPr>
           </a:p>
-          <a:p>
-            <a:pPr marL="0" indent="0">
-              <a:buNone/>
-            </a:pPr>
-            <a:endParaRPr lang="en-US" sz="2000" dirty="0">
-              <a:latin typeface="Consolas" panose="020B0609020204030204" pitchFamily="49" charset="0"/>
-              <a:cs typeface="Consolas" panose="020B0609020204030204" pitchFamily="49" charset="0"/>
-            </a:endParaRPr>
-          </a:p>
         </p:txBody>
       </p:sp>
     </p:spTree>
     <p:extLst>
       <p:ext uri="{BB962C8B-B14F-4D97-AF65-F5344CB8AC3E}">
-        <p14:creationId xmlns:p14="http://schemas.microsoft.com/office/powerpoint/2010/main" val="617387278"/>
+        <p14:creationId xmlns:p14="http://schemas.microsoft.com/office/powerpoint/2010/main" val="3151603959"/>
       </p:ext>
     </p:extLst>
   </p:cSld>
@@ -5785,7 +5340,7 @@
           <a:p>
             <a:r>
               <a:rPr lang="en-US" dirty="0" smtClean="0"/>
-              <a:t>Disclaimers	</a:t>
+              <a:t>C++ Innovators</a:t>
             </a:r>
             <a:endParaRPr lang="en-US" dirty="0"/>
           </a:p>
@@ -5809,82 +5364,82 @@
           <a:lstStyle/>
           <a:p>
             <a:r>
-              <a:rPr lang="en-US" dirty="0" smtClean="0"/>
-              <a:t>I like a lot of languages in addition to C++</a:t>
-            </a:r>
-          </a:p>
-          <a:p>
-            <a:pPr lvl="1"/>
-            <a:r>
-              <a:rPr lang="en-US" dirty="0" smtClean="0"/>
-              <a:t>C# (mostly); Python; Java; PHP; Groovy; would like to learn Ruby and </a:t>
-            </a:r>
-            <a:r>
-              <a:rPr lang="en-US" dirty="0" err="1" smtClean="0"/>
-              <a:t>Clojure</a:t>
-            </a:r>
-            <a:endParaRPr lang="en-US" dirty="0" smtClean="0"/>
-          </a:p>
-          <a:p>
-            <a:r>
-              <a:rPr lang="en-US" dirty="0" smtClean="0"/>
-              <a:t>I use Microsoft C++ mostly</a:t>
-            </a:r>
-          </a:p>
-          <a:p>
-            <a:r>
-              <a:rPr lang="en-US" dirty="0" smtClean="0"/>
-              <a:t>I’m not a C++ expert</a:t>
-            </a:r>
-          </a:p>
-          <a:p>
-            <a:pPr lvl="1"/>
-            <a:r>
-              <a:rPr lang="en-US" dirty="0" smtClean="0"/>
-              <a:t>these challenge me: </a:t>
-            </a:r>
-            <a:r>
               <a:rPr lang="en-US" dirty="0" smtClean="0">
                 <a:hlinkClick r:id="rId2"/>
               </a:rPr>
-              <a:t>http</a:t>
-            </a:r>
-            <a:r>
-              <a:rPr lang="en-US" dirty="0">
-                <a:hlinkClick r:id="rId2"/>
-              </a:rPr>
-              <a:t>://</a:t>
-            </a:r>
-            <a:r>
-              <a:rPr lang="en-US" dirty="0" smtClean="0">
-                <a:hlinkClick r:id="rId2"/>
-              </a:rPr>
-              <a:t>cppquiz.org/quiz/question/1</a:t>
-            </a:r>
-            <a:endParaRPr lang="en-US" dirty="0" smtClean="0"/>
-          </a:p>
-          <a:p>
+              <a:t>LLVM</a:t>
+            </a:r>
             <a:r>
               <a:rPr lang="en-US" dirty="0" smtClean="0"/>
-              <a:t>It’s fun to learn new things and apply them</a:t>
-            </a:r>
-            <a:endParaRPr lang="en-US" dirty="0"/>
+              <a:t>: all your languages belong to us…</a:t>
+            </a:r>
+          </a:p>
+          <a:p>
+            <a:r>
+              <a:rPr lang="en-US" dirty="0" smtClean="0"/>
+              <a:t>Boost library: Many things make their way into C++ </a:t>
+            </a:r>
+            <a:r>
+              <a:rPr lang="en-US" dirty="0" err="1" smtClean="0"/>
+              <a:t>std</a:t>
+            </a:r>
+            <a:r>
+              <a:rPr lang="en-US" dirty="0" smtClean="0"/>
+              <a:t> lib</a:t>
+            </a:r>
+          </a:p>
+          <a:p>
+            <a:r>
+              <a:rPr lang="en-US" dirty="0" smtClean="0"/>
+              <a:t>Facebook: </a:t>
+            </a:r>
+            <a:r>
+              <a:rPr lang="en-US" dirty="0" err="1" smtClean="0"/>
+              <a:t>HipHop</a:t>
+            </a:r>
+            <a:r>
+              <a:rPr lang="en-US" dirty="0" smtClean="0"/>
+              <a:t> </a:t>
+            </a:r>
+            <a:r>
+              <a:rPr lang="en-US" dirty="0" err="1" smtClean="0"/>
+              <a:t>transpiler</a:t>
+            </a:r>
+            <a:r>
+              <a:rPr lang="en-US" dirty="0" smtClean="0"/>
+              <a:t>; many </a:t>
+            </a:r>
+            <a:r>
+              <a:rPr lang="en-US" dirty="0" err="1" smtClean="0"/>
+              <a:t>opensource</a:t>
+            </a:r>
+            <a:r>
+              <a:rPr lang="en-US" dirty="0" smtClean="0"/>
+              <a:t> libs</a:t>
+            </a:r>
+          </a:p>
+          <a:p>
+            <a:r>
+              <a:rPr lang="en-US" dirty="0" smtClean="0"/>
+              <a:t>Google – products and tools</a:t>
+            </a:r>
+          </a:p>
+          <a:p>
+            <a:r>
+              <a:rPr lang="en-US" dirty="0" smtClean="0"/>
+              <a:t>Microsoft – tools; Office</a:t>
+            </a:r>
           </a:p>
           <a:p>
             <a:pPr lvl="1"/>
-            <a:endParaRPr lang="en-US" dirty="0" smtClean="0"/>
-          </a:p>
-          <a:p>
-            <a:pPr marL="457200" lvl="1" indent="0">
-              <a:buNone/>
-            </a:pPr>
-            <a:endParaRPr lang="en-US" dirty="0" smtClean="0"/>
-          </a:p>
-          <a:p>
-            <a:pPr lvl="1"/>
-            <a:endParaRPr lang="en-US" dirty="0" smtClean="0"/>
-          </a:p>
-          <a:p>
+            <a:r>
+              <a:rPr lang="en-US" dirty="0" smtClean="0"/>
+              <a:t>.NET not used in tools </a:t>
+            </a:r>
+            <a:r>
+              <a:rPr lang="en-US" smtClean="0"/>
+              <a:t>or Office..</a:t>
+            </a:r>
             <a:endParaRPr lang="en-US" dirty="0"/>
           </a:p>
         </p:txBody>
@@ -5892,7 +5447,7 @@
     </p:spTree>
     <p:extLst>
       <p:ext uri="{BB962C8B-B14F-4D97-AF65-F5344CB8AC3E}">
-        <p14:creationId xmlns:p14="http://schemas.microsoft.com/office/powerpoint/2010/main" val="3835412766"/>
+        <p14:creationId xmlns:p14="http://schemas.microsoft.com/office/powerpoint/2010/main" val="1674393153"/>
       </p:ext>
     </p:extLst>
   </p:cSld>
@@ -5943,7 +5498,7 @@
           <a:p>
             <a:r>
               <a:rPr lang="en-US" dirty="0" smtClean="0"/>
-              <a:t>Smart Pointers</a:t>
+              <a:t>String Literals: Raw</a:t>
             </a:r>
             <a:endParaRPr lang="en-US" dirty="0"/>
           </a:p>
@@ -5959,54 +5514,27 @@
             <p:ph idx="1"/>
           </p:nvPr>
         </p:nvSpPr>
-        <p:spPr/>
-        <p:txBody>
-          <a:bodyPr/>
-          <a:lstStyle/>
-          <a:p>
-            <a:r>
-              <a:rPr lang="en-US" dirty="0" err="1" smtClean="0">
-                <a:latin typeface="Consolas" panose="020B0609020204030204" pitchFamily="49" charset="0"/>
-                <a:cs typeface="Consolas" panose="020B0609020204030204" pitchFamily="49" charset="0"/>
-              </a:rPr>
-              <a:t>auto_ptr</a:t>
-            </a:r>
+        <p:spPr>
+          <a:xfrm>
+            <a:off x="457200" y="1600200"/>
+            <a:ext cx="8229600" cy="4953000"/>
+          </a:xfrm>
+        </p:spPr>
+        <p:txBody>
+          <a:bodyPr>
+            <a:normAutofit fontScale="85000" lnSpcReduction="20000"/>
+          </a:bodyPr>
+          <a:lstStyle/>
+          <a:p>
             <a:r>
               <a:rPr lang="en-US" dirty="0" smtClean="0"/>
-              <a:t> is deprecated. Do not use it.</a:t>
-            </a:r>
-          </a:p>
-          <a:p>
-            <a:r>
-              <a:rPr lang="en-US" dirty="0" err="1" smtClean="0">
-                <a:latin typeface="Consolas" panose="020B0609020204030204" pitchFamily="49" charset="0"/>
-                <a:cs typeface="Consolas" panose="020B0609020204030204" pitchFamily="49" charset="0"/>
-              </a:rPr>
-              <a:t>unique_ptr</a:t>
-            </a:r>
-            <a:r>
-              <a:rPr lang="en-US" dirty="0" smtClean="0"/>
-              <a:t> is awesome. Use it all the time.</a:t>
-            </a:r>
-          </a:p>
-          <a:p>
-            <a:r>
-              <a:rPr lang="en-US" dirty="0" smtClean="0"/>
-              <a:t>Same with </a:t>
-            </a:r>
-            <a:r>
-              <a:rPr lang="en-US" dirty="0" err="1" smtClean="0">
-                <a:latin typeface="Consolas" panose="020B0609020204030204" pitchFamily="49" charset="0"/>
-                <a:cs typeface="Consolas" panose="020B0609020204030204" pitchFamily="49" charset="0"/>
-              </a:rPr>
-              <a:t>shared_ptr</a:t>
-            </a:r>
-            <a:r>
-              <a:rPr lang="en-US" dirty="0" smtClean="0"/>
-              <a:t>. Do amazing things.</a:t>
-            </a:r>
-          </a:p>
-          <a:p>
+              <a:t>YAY! Needed this from day 1:</a:t>
+            </a:r>
+          </a:p>
+          <a:p>
+            <a:pPr marL="0" indent="0">
+              <a:buNone/>
+            </a:pPr>
             <a:endParaRPr lang="en-US" dirty="0" smtClean="0"/>
           </a:p>
           <a:p>
@@ -6014,17 +5542,486 @@
               <a:buNone/>
             </a:pPr>
             <a:r>
-              <a:rPr lang="en-US" dirty="0" smtClean="0"/>
-              <a:t>C++ does not have garbage collection: It is deterministic in its acquisition and release of memory and other resources.</a:t>
-            </a:r>
-            <a:endParaRPr lang="en-US" dirty="0"/>
+              <a:rPr lang="en-US" sz="2100" dirty="0" smtClean="0">
+                <a:latin typeface="Consolas" panose="020B0609020204030204" pitchFamily="49" charset="0"/>
+                <a:cs typeface="Consolas" panose="020B0609020204030204" pitchFamily="49" charset="0"/>
+              </a:rPr>
+              <a:t>  #</a:t>
+            </a:r>
+            <a:r>
+              <a:rPr lang="en-US" sz="2100" dirty="0">
+                <a:latin typeface="Consolas" panose="020B0609020204030204" pitchFamily="49" charset="0"/>
+                <a:cs typeface="Consolas" panose="020B0609020204030204" pitchFamily="49" charset="0"/>
+              </a:rPr>
+              <a:t>include &lt;string&gt;</a:t>
+            </a:r>
+          </a:p>
+          <a:p>
+            <a:pPr marL="0" indent="0">
+              <a:buNone/>
+            </a:pPr>
+            <a:r>
+              <a:rPr lang="en-US" sz="2100" dirty="0" smtClean="0">
+                <a:latin typeface="Consolas" panose="020B0609020204030204" pitchFamily="49" charset="0"/>
+                <a:cs typeface="Consolas" panose="020B0609020204030204" pitchFamily="49" charset="0"/>
+              </a:rPr>
+              <a:t>  #</a:t>
+            </a:r>
+            <a:r>
+              <a:rPr lang="en-US" sz="2100" dirty="0">
+                <a:latin typeface="Consolas" panose="020B0609020204030204" pitchFamily="49" charset="0"/>
+                <a:cs typeface="Consolas" panose="020B0609020204030204" pitchFamily="49" charset="0"/>
+              </a:rPr>
+              <a:t>include &lt;</a:t>
+            </a:r>
+            <a:r>
+              <a:rPr lang="en-US" sz="2100" dirty="0" err="1">
+                <a:latin typeface="Consolas" panose="020B0609020204030204" pitchFamily="49" charset="0"/>
+                <a:cs typeface="Consolas" panose="020B0609020204030204" pitchFamily="49" charset="0"/>
+              </a:rPr>
+              <a:t>iostream</a:t>
+            </a:r>
+            <a:r>
+              <a:rPr lang="en-US" sz="2100" dirty="0">
+                <a:latin typeface="Consolas" panose="020B0609020204030204" pitchFamily="49" charset="0"/>
+                <a:cs typeface="Consolas" panose="020B0609020204030204" pitchFamily="49" charset="0"/>
+              </a:rPr>
+              <a:t>&gt;</a:t>
+            </a:r>
+          </a:p>
+          <a:p>
+            <a:pPr marL="0" indent="0">
+              <a:buNone/>
+            </a:pPr>
+            <a:r>
+              <a:rPr lang="en-US" sz="2100" dirty="0" smtClean="0">
+                <a:latin typeface="Consolas" panose="020B0609020204030204" pitchFamily="49" charset="0"/>
+                <a:cs typeface="Consolas" panose="020B0609020204030204" pitchFamily="49" charset="0"/>
+              </a:rPr>
+              <a:t>  </a:t>
+            </a:r>
+            <a:r>
+              <a:rPr lang="en-US" sz="2100" dirty="0" err="1" smtClean="0">
+                <a:latin typeface="Consolas" panose="020B0609020204030204" pitchFamily="49" charset="0"/>
+                <a:cs typeface="Consolas" panose="020B0609020204030204" pitchFamily="49" charset="0"/>
+              </a:rPr>
+              <a:t>int</a:t>
+            </a:r>
+            <a:r>
+              <a:rPr lang="en-US" sz="2100" dirty="0" smtClean="0">
+                <a:latin typeface="Consolas" panose="020B0609020204030204" pitchFamily="49" charset="0"/>
+                <a:cs typeface="Consolas" panose="020B0609020204030204" pitchFamily="49" charset="0"/>
+              </a:rPr>
+              <a:t> </a:t>
+            </a:r>
+            <a:r>
+              <a:rPr lang="en-US" sz="2100" dirty="0">
+                <a:latin typeface="Consolas" panose="020B0609020204030204" pitchFamily="49" charset="0"/>
+                <a:cs typeface="Consolas" panose="020B0609020204030204" pitchFamily="49" charset="0"/>
+              </a:rPr>
+              <a:t>main() {</a:t>
+            </a:r>
+          </a:p>
+          <a:p>
+            <a:pPr marL="0" indent="0">
+              <a:buNone/>
+            </a:pPr>
+            <a:r>
+              <a:rPr lang="en-US" sz="2100" dirty="0" smtClean="0">
+                <a:latin typeface="Consolas" panose="020B0609020204030204" pitchFamily="49" charset="0"/>
+                <a:cs typeface="Consolas" panose="020B0609020204030204" pitchFamily="49" charset="0"/>
+              </a:rPr>
+              <a:t>    </a:t>
+            </a:r>
+            <a:r>
+              <a:rPr lang="en-US" sz="2100" dirty="0" err="1" smtClean="0">
+                <a:latin typeface="Consolas" panose="020B0609020204030204" pitchFamily="49" charset="0"/>
+                <a:cs typeface="Consolas" panose="020B0609020204030204" pitchFamily="49" charset="0"/>
+              </a:rPr>
+              <a:t>std</a:t>
+            </a:r>
+            <a:r>
+              <a:rPr lang="en-US" sz="2100" dirty="0">
+                <a:latin typeface="Consolas" panose="020B0609020204030204" pitchFamily="49" charset="0"/>
+                <a:cs typeface="Consolas" panose="020B0609020204030204" pitchFamily="49" charset="0"/>
+              </a:rPr>
+              <a:t>::string s = </a:t>
+            </a:r>
+            <a:r>
+              <a:rPr lang="en-US" sz="2100" dirty="0">
+                <a:solidFill>
+                  <a:srgbClr val="FF0000"/>
+                </a:solidFill>
+                <a:latin typeface="Consolas" panose="020B0609020204030204" pitchFamily="49" charset="0"/>
+                <a:cs typeface="Consolas" panose="020B0609020204030204" pitchFamily="49" charset="0"/>
+              </a:rPr>
+              <a:t>R</a:t>
+            </a:r>
+            <a:r>
+              <a:rPr lang="en-US" sz="2100" dirty="0" smtClean="0">
+                <a:solidFill>
+                  <a:srgbClr val="FF0000"/>
+                </a:solidFill>
+                <a:latin typeface="Consolas" panose="020B0609020204030204" pitchFamily="49" charset="0"/>
+                <a:cs typeface="Consolas" panose="020B0609020204030204" pitchFamily="49" charset="0"/>
+              </a:rPr>
+              <a:t>"#(</a:t>
+            </a:r>
+            <a:r>
+              <a:rPr lang="en-US" sz="2100" dirty="0" smtClean="0">
+                <a:latin typeface="Consolas" panose="020B0609020204030204" pitchFamily="49" charset="0"/>
+                <a:cs typeface="Consolas" panose="020B0609020204030204" pitchFamily="49" charset="0"/>
+              </a:rPr>
+              <a:t>\&gt;%^\t\n&amp;*(&lt;</a:t>
+            </a:r>
+            <a:r>
+              <a:rPr lang="en-US" sz="2100" dirty="0" smtClean="0">
+                <a:solidFill>
+                  <a:srgbClr val="FF0000"/>
+                </a:solidFill>
+                <a:latin typeface="Consolas" panose="020B0609020204030204" pitchFamily="49" charset="0"/>
+                <a:cs typeface="Consolas" panose="020B0609020204030204" pitchFamily="49" charset="0"/>
+              </a:rPr>
+              <a:t>)#"</a:t>
+            </a:r>
+            <a:r>
+              <a:rPr lang="en-US" sz="2100" dirty="0" smtClean="0">
+                <a:latin typeface="Consolas" panose="020B0609020204030204" pitchFamily="49" charset="0"/>
+                <a:cs typeface="Consolas" panose="020B0609020204030204" pitchFamily="49" charset="0"/>
+              </a:rPr>
+              <a:t>;</a:t>
+            </a:r>
+            <a:endParaRPr lang="en-US" sz="2100" dirty="0">
+              <a:latin typeface="Consolas" panose="020B0609020204030204" pitchFamily="49" charset="0"/>
+              <a:cs typeface="Consolas" panose="020B0609020204030204" pitchFamily="49" charset="0"/>
+            </a:endParaRPr>
+          </a:p>
+          <a:p>
+            <a:pPr marL="0" indent="0">
+              <a:buNone/>
+            </a:pPr>
+            <a:r>
+              <a:rPr lang="en-US" sz="2100" dirty="0" smtClean="0">
+                <a:latin typeface="Consolas" panose="020B0609020204030204" pitchFamily="49" charset="0"/>
+                <a:cs typeface="Consolas" panose="020B0609020204030204" pitchFamily="49" charset="0"/>
+              </a:rPr>
+              <a:t>    </a:t>
+            </a:r>
+            <a:r>
+              <a:rPr lang="en-US" sz="2100" dirty="0" err="1" smtClean="0">
+                <a:latin typeface="Consolas" panose="020B0609020204030204" pitchFamily="49" charset="0"/>
+                <a:cs typeface="Consolas" panose="020B0609020204030204" pitchFamily="49" charset="0"/>
+              </a:rPr>
+              <a:t>std</a:t>
+            </a:r>
+            <a:r>
+              <a:rPr lang="en-US" sz="2100" dirty="0">
+                <a:latin typeface="Consolas" panose="020B0609020204030204" pitchFamily="49" charset="0"/>
+                <a:cs typeface="Consolas" panose="020B0609020204030204" pitchFamily="49" charset="0"/>
+              </a:rPr>
+              <a:t>::</a:t>
+            </a:r>
+            <a:r>
+              <a:rPr lang="en-US" sz="2100" dirty="0" err="1">
+                <a:latin typeface="Consolas" panose="020B0609020204030204" pitchFamily="49" charset="0"/>
+                <a:cs typeface="Consolas" panose="020B0609020204030204" pitchFamily="49" charset="0"/>
+              </a:rPr>
+              <a:t>cout</a:t>
+            </a:r>
+            <a:r>
+              <a:rPr lang="en-US" sz="2100" dirty="0">
+                <a:latin typeface="Consolas" panose="020B0609020204030204" pitchFamily="49" charset="0"/>
+                <a:cs typeface="Consolas" panose="020B0609020204030204" pitchFamily="49" charset="0"/>
+              </a:rPr>
+              <a:t> &lt;&lt; s &lt;&lt; </a:t>
+            </a:r>
+            <a:r>
+              <a:rPr lang="en-US" sz="2100" dirty="0" err="1">
+                <a:latin typeface="Consolas" panose="020B0609020204030204" pitchFamily="49" charset="0"/>
+                <a:cs typeface="Consolas" panose="020B0609020204030204" pitchFamily="49" charset="0"/>
+              </a:rPr>
+              <a:t>std</a:t>
+            </a:r>
+            <a:r>
+              <a:rPr lang="en-US" sz="2100" dirty="0">
+                <a:latin typeface="Consolas" panose="020B0609020204030204" pitchFamily="49" charset="0"/>
+                <a:cs typeface="Consolas" panose="020B0609020204030204" pitchFamily="49" charset="0"/>
+              </a:rPr>
+              <a:t>::</a:t>
+            </a:r>
+            <a:r>
+              <a:rPr lang="en-US" sz="2100" dirty="0" err="1">
+                <a:latin typeface="Consolas" panose="020B0609020204030204" pitchFamily="49" charset="0"/>
+                <a:cs typeface="Consolas" panose="020B0609020204030204" pitchFamily="49" charset="0"/>
+              </a:rPr>
+              <a:t>endl</a:t>
+            </a:r>
+            <a:r>
+              <a:rPr lang="en-US" sz="2100" dirty="0">
+                <a:latin typeface="Consolas" panose="020B0609020204030204" pitchFamily="49" charset="0"/>
+                <a:cs typeface="Consolas" panose="020B0609020204030204" pitchFamily="49" charset="0"/>
+              </a:rPr>
+              <a:t>;</a:t>
+            </a:r>
+          </a:p>
+          <a:p>
+            <a:pPr marL="0" indent="0">
+              <a:buNone/>
+            </a:pPr>
+            <a:r>
+              <a:rPr lang="en-US" sz="2100" dirty="0" smtClean="0">
+                <a:latin typeface="Consolas" panose="020B0609020204030204" pitchFamily="49" charset="0"/>
+                <a:cs typeface="Consolas" panose="020B0609020204030204" pitchFamily="49" charset="0"/>
+              </a:rPr>
+              <a:t>    s </a:t>
+            </a:r>
+            <a:r>
+              <a:rPr lang="en-US" sz="2100" dirty="0">
+                <a:latin typeface="Consolas" panose="020B0609020204030204" pitchFamily="49" charset="0"/>
+                <a:cs typeface="Consolas" panose="020B0609020204030204" pitchFamily="49" charset="0"/>
+              </a:rPr>
+              <a:t>= </a:t>
+            </a:r>
+            <a:r>
+              <a:rPr lang="en-US" sz="2100" dirty="0" err="1">
+                <a:solidFill>
+                  <a:srgbClr val="FF0000"/>
+                </a:solidFill>
+                <a:latin typeface="Consolas" panose="020B0609020204030204" pitchFamily="49" charset="0"/>
+                <a:cs typeface="Consolas" panose="020B0609020204030204" pitchFamily="49" charset="0"/>
+              </a:rPr>
+              <a:t>R"gobbledygook</a:t>
+            </a:r>
+            <a:r>
+              <a:rPr lang="en-US" sz="2100" dirty="0">
+                <a:latin typeface="Consolas" panose="020B0609020204030204" pitchFamily="49" charset="0"/>
+                <a:cs typeface="Consolas" panose="020B0609020204030204" pitchFamily="49" charset="0"/>
+              </a:rPr>
+              <a:t>(a raw string literal </a:t>
+            </a:r>
+            <a:r>
+              <a:rPr lang="en-US" sz="2100">
+                <a:latin typeface="Consolas" panose="020B0609020204030204" pitchFamily="49" charset="0"/>
+                <a:cs typeface="Consolas" panose="020B0609020204030204" pitchFamily="49" charset="0"/>
+              </a:rPr>
+              <a:t>with "</a:t>
+            </a:r>
+            <a:r>
+              <a:rPr lang="en-US" sz="2100" smtClean="0">
+                <a:latin typeface="Consolas" panose="020B0609020204030204" pitchFamily="49" charset="0"/>
+                <a:cs typeface="Consolas" panose="020B0609020204030204" pitchFamily="49" charset="0"/>
+              </a:rPr>
+              <a:t>gobbledygook</a:t>
+            </a:r>
+            <a:r>
+              <a:rPr lang="en-US" sz="2100" dirty="0">
+                <a:latin typeface="Consolas" panose="020B0609020204030204" pitchFamily="49" charset="0"/>
+                <a:cs typeface="Consolas" panose="020B0609020204030204" pitchFamily="49" charset="0"/>
+              </a:rPr>
+              <a:t>"</a:t>
+            </a:r>
+            <a:endParaRPr lang="en-US" sz="2100" dirty="0" smtClean="0">
+              <a:latin typeface="Consolas" panose="020B0609020204030204" pitchFamily="49" charset="0"/>
+              <a:cs typeface="Consolas" panose="020B0609020204030204" pitchFamily="49" charset="0"/>
+            </a:endParaRPr>
+          </a:p>
+          <a:p>
+            <a:pPr marL="0" indent="0">
+              <a:buNone/>
+            </a:pPr>
+            <a:r>
+              <a:rPr lang="en-US" sz="2100" dirty="0" smtClean="0">
+                <a:latin typeface="Consolas" panose="020B0609020204030204" pitchFamily="49" charset="0"/>
+                <a:cs typeface="Consolas" panose="020B0609020204030204" pitchFamily="49" charset="0"/>
+              </a:rPr>
+              <a:t>        as the delimiter</a:t>
+            </a:r>
+            <a:r>
+              <a:rPr lang="en-US" sz="2100" dirty="0" smtClean="0">
+                <a:solidFill>
+                  <a:srgbClr val="FF0000"/>
+                </a:solidFill>
+                <a:latin typeface="Consolas" panose="020B0609020204030204" pitchFamily="49" charset="0"/>
+                <a:cs typeface="Consolas" panose="020B0609020204030204" pitchFamily="49" charset="0"/>
+              </a:rPr>
+              <a:t>)gobbledygook</a:t>
+            </a:r>
+            <a:r>
+              <a:rPr lang="en-US" sz="2100" dirty="0">
+                <a:solidFill>
+                  <a:srgbClr val="FF0000"/>
+                </a:solidFill>
+                <a:latin typeface="Consolas" panose="020B0609020204030204" pitchFamily="49" charset="0"/>
+                <a:cs typeface="Consolas" panose="020B0609020204030204" pitchFamily="49" charset="0"/>
+              </a:rPr>
+              <a:t>"</a:t>
+            </a:r>
+            <a:r>
+              <a:rPr lang="en-US" sz="2100" dirty="0">
+                <a:latin typeface="Consolas" panose="020B0609020204030204" pitchFamily="49" charset="0"/>
+                <a:cs typeface="Consolas" panose="020B0609020204030204" pitchFamily="49" charset="0"/>
+              </a:rPr>
+              <a:t>;</a:t>
+            </a:r>
+          </a:p>
+          <a:p>
+            <a:pPr marL="0" indent="0">
+              <a:buNone/>
+            </a:pPr>
+            <a:r>
+              <a:rPr lang="en-US" sz="2100" dirty="0" smtClean="0">
+                <a:latin typeface="Consolas" panose="020B0609020204030204" pitchFamily="49" charset="0"/>
+                <a:cs typeface="Consolas" panose="020B0609020204030204" pitchFamily="49" charset="0"/>
+              </a:rPr>
+              <a:t>    </a:t>
+            </a:r>
+            <a:r>
+              <a:rPr lang="en-US" sz="2100" dirty="0" err="1" smtClean="0">
+                <a:latin typeface="Consolas" panose="020B0609020204030204" pitchFamily="49" charset="0"/>
+                <a:cs typeface="Consolas" panose="020B0609020204030204" pitchFamily="49" charset="0"/>
+              </a:rPr>
+              <a:t>std</a:t>
+            </a:r>
+            <a:r>
+              <a:rPr lang="en-US" sz="2100" dirty="0">
+                <a:latin typeface="Consolas" panose="020B0609020204030204" pitchFamily="49" charset="0"/>
+                <a:cs typeface="Consolas" panose="020B0609020204030204" pitchFamily="49" charset="0"/>
+              </a:rPr>
+              <a:t>::</a:t>
+            </a:r>
+            <a:r>
+              <a:rPr lang="en-US" sz="2100" dirty="0" err="1">
+                <a:latin typeface="Consolas" panose="020B0609020204030204" pitchFamily="49" charset="0"/>
+                <a:cs typeface="Consolas" panose="020B0609020204030204" pitchFamily="49" charset="0"/>
+              </a:rPr>
+              <a:t>cout</a:t>
+            </a:r>
+            <a:r>
+              <a:rPr lang="en-US" sz="2100" dirty="0">
+                <a:latin typeface="Consolas" panose="020B0609020204030204" pitchFamily="49" charset="0"/>
+                <a:cs typeface="Consolas" panose="020B0609020204030204" pitchFamily="49" charset="0"/>
+              </a:rPr>
+              <a:t> &lt;&lt; s &lt;&lt; </a:t>
+            </a:r>
+            <a:r>
+              <a:rPr lang="en-US" sz="2100" dirty="0" err="1">
+                <a:latin typeface="Consolas" panose="020B0609020204030204" pitchFamily="49" charset="0"/>
+                <a:cs typeface="Consolas" panose="020B0609020204030204" pitchFamily="49" charset="0"/>
+              </a:rPr>
+              <a:t>std</a:t>
+            </a:r>
+            <a:r>
+              <a:rPr lang="en-US" sz="2100" dirty="0">
+                <a:latin typeface="Consolas" panose="020B0609020204030204" pitchFamily="49" charset="0"/>
+                <a:cs typeface="Consolas" panose="020B0609020204030204" pitchFamily="49" charset="0"/>
+              </a:rPr>
+              <a:t>::</a:t>
+            </a:r>
+            <a:r>
+              <a:rPr lang="en-US" sz="2100" dirty="0" err="1">
+                <a:latin typeface="Consolas" panose="020B0609020204030204" pitchFamily="49" charset="0"/>
+                <a:cs typeface="Consolas" panose="020B0609020204030204" pitchFamily="49" charset="0"/>
+              </a:rPr>
+              <a:t>endl</a:t>
+            </a:r>
+            <a:r>
+              <a:rPr lang="en-US" sz="2100" dirty="0">
+                <a:latin typeface="Consolas" panose="020B0609020204030204" pitchFamily="49" charset="0"/>
+                <a:cs typeface="Consolas" panose="020B0609020204030204" pitchFamily="49" charset="0"/>
+              </a:rPr>
+              <a:t>;</a:t>
+            </a:r>
+          </a:p>
+          <a:p>
+            <a:pPr marL="0" indent="0">
+              <a:buNone/>
+            </a:pPr>
+            <a:r>
+              <a:rPr lang="en-US" sz="2100" dirty="0" smtClean="0">
+                <a:latin typeface="Consolas" panose="020B0609020204030204" pitchFamily="49" charset="0"/>
+                <a:cs typeface="Consolas" panose="020B0609020204030204" pitchFamily="49" charset="0"/>
+              </a:rPr>
+              <a:t>    return </a:t>
+            </a:r>
+            <a:r>
+              <a:rPr lang="en-US" sz="2100" dirty="0">
+                <a:latin typeface="Consolas" panose="020B0609020204030204" pitchFamily="49" charset="0"/>
+                <a:cs typeface="Consolas" panose="020B0609020204030204" pitchFamily="49" charset="0"/>
+              </a:rPr>
+              <a:t>0;</a:t>
+            </a:r>
+          </a:p>
+          <a:p>
+            <a:pPr marL="0" indent="0">
+              <a:buNone/>
+            </a:pPr>
+            <a:r>
+              <a:rPr lang="en-US" sz="2100" dirty="0" smtClean="0">
+                <a:latin typeface="Consolas" panose="020B0609020204030204" pitchFamily="49" charset="0"/>
+                <a:cs typeface="Consolas" panose="020B0609020204030204" pitchFamily="49" charset="0"/>
+              </a:rPr>
+              <a:t>  }</a:t>
+            </a:r>
+          </a:p>
+          <a:p>
+            <a:pPr marL="0" indent="0">
+              <a:buNone/>
+            </a:pPr>
+            <a:endParaRPr lang="en-US" sz="2000" dirty="0">
+              <a:latin typeface="Consolas" panose="020B0609020204030204" pitchFamily="49" charset="0"/>
+              <a:cs typeface="Consolas" panose="020B0609020204030204" pitchFamily="49" charset="0"/>
+            </a:endParaRPr>
+          </a:p>
+          <a:p>
+            <a:pPr marL="0" indent="0">
+              <a:buNone/>
+            </a:pPr>
+            <a:r>
+              <a:rPr lang="en-US" sz="2800" dirty="0"/>
+              <a:t>\&gt;%^\t\n</a:t>
+            </a:r>
+            <a:r>
+              <a:rPr lang="en-US" sz="2800" dirty="0" smtClean="0"/>
+              <a:t>&amp;*(&lt;</a:t>
+            </a:r>
+          </a:p>
+          <a:p>
+            <a:pPr marL="0" indent="0">
+              <a:buNone/>
+            </a:pPr>
+            <a:r>
+              <a:rPr lang="en-US" sz="2800" dirty="0"/>
+              <a:t>a raw string literal with "gobbledygook" as the delimiter</a:t>
+            </a:r>
+            <a:endParaRPr lang="en-US" sz="2800" dirty="0" smtClean="0">
+              <a:latin typeface="Consolas" panose="020B0609020204030204" pitchFamily="49" charset="0"/>
+              <a:cs typeface="Consolas" panose="020B0609020204030204" pitchFamily="49" charset="0"/>
+            </a:endParaRPr>
+          </a:p>
+          <a:p>
+            <a:pPr marL="0" indent="0">
+              <a:buNone/>
+            </a:pPr>
+            <a:endParaRPr lang="en-US" dirty="0" smtClean="0">
+              <a:latin typeface="Consolas" panose="020B0609020204030204" pitchFamily="49" charset="0"/>
+              <a:cs typeface="Consolas" panose="020B0609020204030204" pitchFamily="49" charset="0"/>
+            </a:endParaRPr>
+          </a:p>
+          <a:p>
+            <a:pPr marL="0" indent="0">
+              <a:buNone/>
+            </a:pPr>
+            <a:endParaRPr lang="en-US" sz="2000" dirty="0">
+              <a:latin typeface="Consolas" panose="020B0609020204030204" pitchFamily="49" charset="0"/>
+              <a:cs typeface="Consolas" panose="020B0609020204030204" pitchFamily="49" charset="0"/>
+            </a:endParaRPr>
           </a:p>
         </p:txBody>
       </p:sp>
     </p:spTree>
     <p:extLst>
       <p:ext uri="{BB962C8B-B14F-4D97-AF65-F5344CB8AC3E}">
-        <p14:creationId xmlns:p14="http://schemas.microsoft.com/office/powerpoint/2010/main" val="3828345346"/>
+        <p14:creationId xmlns:p14="http://schemas.microsoft.com/office/powerpoint/2010/main" val="617387278"/>
       </p:ext>
     </p:extLst>
   </p:cSld>
@@ -6074,467 +6071,89 @@
           <a:lstStyle/>
           <a:p>
             <a:r>
+              <a:rPr lang="en-US" dirty="0" smtClean="0"/>
+              <a:t>Smart Pointers</a:t>
+            </a:r>
+            <a:endParaRPr lang="en-US" dirty="0"/>
+          </a:p>
+        </p:txBody>
+      </p:sp>
+      <p:sp>
+        <p:nvSpPr>
+          <p:cNvPr id="3" name="Content Placeholder 2"/>
+          <p:cNvSpPr>
+            <a:spLocks noGrp="1"/>
+          </p:cNvSpPr>
+          <p:nvPr>
+            <p:ph idx="1"/>
+          </p:nvPr>
+        </p:nvSpPr>
+        <p:spPr/>
+        <p:txBody>
+          <a:bodyPr/>
+          <a:lstStyle/>
+          <a:p>
+            <a:r>
               <a:rPr lang="en-US" dirty="0" err="1" smtClean="0">
                 <a:latin typeface="Consolas" panose="020B0609020204030204" pitchFamily="49" charset="0"/>
                 <a:cs typeface="Consolas" panose="020B0609020204030204" pitchFamily="49" charset="0"/>
               </a:rPr>
-              <a:t>std</a:t>
-            </a:r>
-            <a:r>
-              <a:rPr lang="en-US" dirty="0" smtClean="0">
-                <a:latin typeface="Consolas" panose="020B0609020204030204" pitchFamily="49" charset="0"/>
-                <a:cs typeface="Consolas" panose="020B0609020204030204" pitchFamily="49" charset="0"/>
-              </a:rPr>
-              <a:t>::</a:t>
-            </a:r>
+              <a:t>auto_ptr</a:t>
+            </a:r>
+            <a:r>
+              <a:rPr lang="en-US" dirty="0" smtClean="0"/>
+              <a:t> is deprecated. Do not use it.</a:t>
+            </a:r>
+          </a:p>
+          <a:p>
             <a:r>
               <a:rPr lang="en-US" dirty="0" err="1" smtClean="0">
                 <a:latin typeface="Consolas" panose="020B0609020204030204" pitchFamily="49" charset="0"/>
                 <a:cs typeface="Consolas" panose="020B0609020204030204" pitchFamily="49" charset="0"/>
               </a:rPr>
-              <a:t>to_string</a:t>
-            </a:r>
-            <a:endParaRPr lang="en-US" dirty="0">
-              <a:latin typeface="Consolas" panose="020B0609020204030204" pitchFamily="49" charset="0"/>
-              <a:cs typeface="Consolas" panose="020B0609020204030204" pitchFamily="49" charset="0"/>
-            </a:endParaRPr>
-          </a:p>
-        </p:txBody>
-      </p:sp>
-      <p:sp>
-        <p:nvSpPr>
-          <p:cNvPr id="3" name="Content Placeholder 2"/>
-          <p:cNvSpPr>
-            <a:spLocks noGrp="1"/>
-          </p:cNvSpPr>
-          <p:nvPr>
-            <p:ph idx="1"/>
-          </p:nvPr>
-        </p:nvSpPr>
-        <p:spPr>
-          <a:xfrm>
-            <a:off x="457200" y="1600200"/>
-            <a:ext cx="8229600" cy="4800600"/>
-          </a:xfrm>
-        </p:spPr>
-        <p:txBody>
-          <a:bodyPr>
-            <a:normAutofit lnSpcReduction="10000"/>
-          </a:bodyPr>
-          <a:lstStyle/>
-          <a:p>
+              <a:t>unique_ptr</a:t>
+            </a:r>
             <a:r>
               <a:rPr lang="en-US" dirty="0" smtClean="0"/>
-              <a:t>“</a:t>
-            </a:r>
-            <a:r>
-              <a:rPr lang="en-US" dirty="0"/>
-              <a:t>Converts a numeric value to </a:t>
-            </a:r>
-            <a:r>
-              <a:rPr lang="en-US" dirty="0" err="1">
-                <a:hlinkClick r:id="rId2" tooltip="cpp/string/basic string"/>
-              </a:rPr>
-              <a:t>std</a:t>
-            </a:r>
-            <a:r>
-              <a:rPr lang="en-US" dirty="0">
-                <a:hlinkClick r:id="rId2" tooltip="cpp/string/basic string"/>
-              </a:rPr>
-              <a:t>::string</a:t>
-            </a:r>
+              <a:t> is awesome. Use it all the time.</a:t>
+            </a:r>
+          </a:p>
+          <a:p>
             <a:r>
               <a:rPr lang="en-US" dirty="0" smtClean="0"/>
-              <a:t>.”</a:t>
-            </a:r>
-          </a:p>
-          <a:p>
-            <a:pPr marL="400050" lvl="1" indent="0">
-              <a:buNone/>
-            </a:pPr>
-            <a:r>
-              <a:rPr lang="en-US" sz="2200" dirty="0" smtClean="0">
-                <a:hlinkClick r:id="rId3"/>
-              </a:rPr>
-              <a:t>http</a:t>
-            </a:r>
-            <a:r>
-              <a:rPr lang="en-US" sz="2200" dirty="0">
-                <a:hlinkClick r:id="rId3"/>
-              </a:rPr>
-              <a:t>://</a:t>
-            </a:r>
-            <a:r>
-              <a:rPr lang="en-US" sz="2200" dirty="0" smtClean="0">
-                <a:hlinkClick r:id="rId3"/>
-              </a:rPr>
-              <a:t>en.cppreference.com/w/cpp/string/basic_string/to_string</a:t>
-            </a:r>
-            <a:endParaRPr lang="en-US" sz="2200" dirty="0" smtClean="0"/>
-          </a:p>
-          <a:p>
-            <a:pPr marL="285750"/>
+              <a:t>Same with </a:t>
+            </a:r>
+            <a:r>
+              <a:rPr lang="en-US" dirty="0" err="1" smtClean="0">
+                <a:latin typeface="Consolas" panose="020B0609020204030204" pitchFamily="49" charset="0"/>
+                <a:cs typeface="Consolas" panose="020B0609020204030204" pitchFamily="49" charset="0"/>
+              </a:rPr>
+              <a:t>shared_ptr</a:t>
+            </a:r>
             <a:r>
               <a:rPr lang="en-US" dirty="0" smtClean="0"/>
-              <a:t>Avoid </a:t>
-            </a:r>
-            <a:r>
-              <a:rPr lang="en-US" dirty="0" err="1" smtClean="0"/>
-              <a:t>atof</a:t>
-            </a:r>
+              <a:t>. Do amazing things.</a:t>
+            </a:r>
+          </a:p>
+          <a:p>
+            <a:endParaRPr lang="en-US" dirty="0" smtClean="0"/>
+          </a:p>
+          <a:p>
+            <a:pPr marL="0" indent="0">
+              <a:buNone/>
+            </a:pPr>
             <a:r>
               <a:rPr lang="en-US" dirty="0" smtClean="0"/>
-              <a:t>(), </a:t>
-            </a:r>
-            <a:r>
-              <a:rPr lang="en-US" dirty="0" err="1" smtClean="0"/>
-              <a:t>atoi</a:t>
-            </a:r>
-            <a:r>
-              <a:rPr lang="en-US" dirty="0" smtClean="0"/>
-              <a:t>(), Unicode macros, …</a:t>
-            </a:r>
-            <a:endParaRPr lang="en-US" dirty="0" smtClean="0"/>
-          </a:p>
-          <a:p>
-            <a:pPr marL="285750"/>
-            <a:r>
-              <a:rPr lang="en-US" dirty="0" smtClean="0"/>
-              <a:t>Use </a:t>
-            </a:r>
-            <a:r>
-              <a:rPr lang="en-US" dirty="0" err="1" smtClean="0"/>
-              <a:t>to_wstring</a:t>
-            </a:r>
-            <a:r>
-              <a:rPr lang="en-US" dirty="0" smtClean="0"/>
-              <a:t>() for wide strings</a:t>
+              <a:t>C++ does not have garbage collection: It is deterministic in its acquisition and release of memory and other resources.</a:t>
             </a:r>
             <a:endParaRPr lang="en-US" dirty="0"/>
-          </a:p>
-          <a:p>
-            <a:pPr marL="400050" lvl="1" indent="0">
-              <a:buNone/>
-            </a:pPr>
-            <a:endParaRPr lang="en-US" sz="1800" dirty="0" smtClean="0"/>
-          </a:p>
-          <a:p>
-            <a:pPr marL="800100" lvl="2" indent="0">
-              <a:buNone/>
-            </a:pPr>
-            <a:r>
-              <a:rPr lang="en-US" sz="1400" dirty="0" smtClean="0">
-                <a:latin typeface="Consolas" panose="020B0609020204030204" pitchFamily="49" charset="0"/>
-                <a:cs typeface="Consolas" panose="020B0609020204030204" pitchFamily="49" charset="0"/>
-              </a:rPr>
-              <a:t>#</a:t>
-            </a:r>
-            <a:r>
-              <a:rPr lang="en-US" sz="1400" dirty="0">
-                <a:latin typeface="Consolas" panose="020B0609020204030204" pitchFamily="49" charset="0"/>
-                <a:cs typeface="Consolas" panose="020B0609020204030204" pitchFamily="49" charset="0"/>
-              </a:rPr>
-              <a:t>include &lt;</a:t>
-            </a:r>
-            <a:r>
-              <a:rPr lang="en-US" sz="1400" dirty="0" err="1">
-                <a:latin typeface="Consolas" panose="020B0609020204030204" pitchFamily="49" charset="0"/>
-                <a:cs typeface="Consolas" panose="020B0609020204030204" pitchFamily="49" charset="0"/>
-              </a:rPr>
-              <a:t>iostream</a:t>
-            </a:r>
-            <a:r>
-              <a:rPr lang="en-US" sz="1400" dirty="0">
-                <a:latin typeface="Consolas" panose="020B0609020204030204" pitchFamily="49" charset="0"/>
-                <a:cs typeface="Consolas" panose="020B0609020204030204" pitchFamily="49" charset="0"/>
-              </a:rPr>
-              <a:t>&gt;</a:t>
-            </a:r>
-          </a:p>
-          <a:p>
-            <a:pPr marL="800100" lvl="2" indent="0">
-              <a:buNone/>
-            </a:pPr>
-            <a:r>
-              <a:rPr lang="en-US" sz="1400" dirty="0">
-                <a:latin typeface="Consolas" panose="020B0609020204030204" pitchFamily="49" charset="0"/>
-                <a:cs typeface="Consolas" panose="020B0609020204030204" pitchFamily="49" charset="0"/>
-              </a:rPr>
-              <a:t>#include &lt;string</a:t>
-            </a:r>
-            <a:r>
-              <a:rPr lang="en-US" sz="1400" dirty="0" smtClean="0">
-                <a:latin typeface="Consolas" panose="020B0609020204030204" pitchFamily="49" charset="0"/>
-                <a:cs typeface="Consolas" panose="020B0609020204030204" pitchFamily="49" charset="0"/>
-              </a:rPr>
-              <a:t>&gt;</a:t>
-            </a:r>
-          </a:p>
-          <a:p>
-            <a:pPr marL="800100" lvl="2" indent="0">
-              <a:buNone/>
-            </a:pPr>
-            <a:endParaRPr lang="en-US" sz="1400" dirty="0">
-              <a:latin typeface="Consolas" panose="020B0609020204030204" pitchFamily="49" charset="0"/>
-              <a:cs typeface="Consolas" panose="020B0609020204030204" pitchFamily="49" charset="0"/>
-            </a:endParaRPr>
-          </a:p>
-          <a:p>
-            <a:pPr marL="800100" lvl="2" indent="0">
-              <a:buNone/>
-            </a:pPr>
-            <a:r>
-              <a:rPr lang="en-US" sz="1400" dirty="0" err="1" smtClean="0">
-                <a:latin typeface="Consolas" panose="020B0609020204030204" pitchFamily="49" charset="0"/>
-                <a:cs typeface="Consolas" panose="020B0609020204030204" pitchFamily="49" charset="0"/>
-              </a:rPr>
-              <a:t>int</a:t>
-            </a:r>
-            <a:r>
-              <a:rPr lang="en-US" sz="1400" dirty="0" smtClean="0">
-                <a:latin typeface="Consolas" panose="020B0609020204030204" pitchFamily="49" charset="0"/>
-                <a:cs typeface="Consolas" panose="020B0609020204030204" pitchFamily="49" charset="0"/>
-              </a:rPr>
-              <a:t> </a:t>
-            </a:r>
-            <a:r>
-              <a:rPr lang="en-US" sz="1400" dirty="0">
-                <a:latin typeface="Consolas" panose="020B0609020204030204" pitchFamily="49" charset="0"/>
-                <a:cs typeface="Consolas" panose="020B0609020204030204" pitchFamily="49" charset="0"/>
-              </a:rPr>
-              <a:t>main</a:t>
-            </a:r>
-            <a:r>
-              <a:rPr lang="en-US" sz="1400" dirty="0" smtClean="0">
-                <a:latin typeface="Consolas" panose="020B0609020204030204" pitchFamily="49" charset="0"/>
-                <a:cs typeface="Consolas" panose="020B0609020204030204" pitchFamily="49" charset="0"/>
-              </a:rPr>
-              <a:t>() {</a:t>
-            </a:r>
-            <a:endParaRPr lang="en-US" sz="1400" dirty="0">
-              <a:latin typeface="Consolas" panose="020B0609020204030204" pitchFamily="49" charset="0"/>
-              <a:cs typeface="Consolas" panose="020B0609020204030204" pitchFamily="49" charset="0"/>
-            </a:endParaRPr>
-          </a:p>
-          <a:p>
-            <a:pPr marL="800100" lvl="2" indent="0">
-              <a:buNone/>
-            </a:pPr>
-            <a:r>
-              <a:rPr lang="en-US" sz="1400" dirty="0">
-                <a:latin typeface="Consolas" panose="020B0609020204030204" pitchFamily="49" charset="0"/>
-                <a:cs typeface="Consolas" panose="020B0609020204030204" pitchFamily="49" charset="0"/>
-              </a:rPr>
-              <a:t>    double f = 23.43;</a:t>
-            </a:r>
-          </a:p>
-          <a:p>
-            <a:pPr marL="800100" lvl="2" indent="0">
-              <a:buNone/>
-            </a:pPr>
-            <a:r>
-              <a:rPr lang="en-US" sz="1400" dirty="0">
-                <a:latin typeface="Consolas" panose="020B0609020204030204" pitchFamily="49" charset="0"/>
-                <a:cs typeface="Consolas" panose="020B0609020204030204" pitchFamily="49" charset="0"/>
-              </a:rPr>
-              <a:t>    </a:t>
-            </a:r>
-            <a:r>
-              <a:rPr lang="en-US" sz="1400" dirty="0" err="1">
-                <a:latin typeface="Consolas" panose="020B0609020204030204" pitchFamily="49" charset="0"/>
-                <a:cs typeface="Consolas" panose="020B0609020204030204" pitchFamily="49" charset="0"/>
-              </a:rPr>
-              <a:t>std</a:t>
-            </a:r>
-            <a:r>
-              <a:rPr lang="en-US" sz="1400" dirty="0">
-                <a:latin typeface="Consolas" panose="020B0609020204030204" pitchFamily="49" charset="0"/>
-                <a:cs typeface="Consolas" panose="020B0609020204030204" pitchFamily="49" charset="0"/>
-              </a:rPr>
-              <a:t>::string </a:t>
-            </a:r>
-            <a:r>
-              <a:rPr lang="en-US" sz="1400" dirty="0" err="1">
-                <a:latin typeface="Consolas" panose="020B0609020204030204" pitchFamily="49" charset="0"/>
-                <a:cs typeface="Consolas" panose="020B0609020204030204" pitchFamily="49" charset="0"/>
-              </a:rPr>
-              <a:t>f_str</a:t>
-            </a:r>
-            <a:r>
-              <a:rPr lang="en-US" sz="1400" dirty="0">
-                <a:latin typeface="Consolas" panose="020B0609020204030204" pitchFamily="49" charset="0"/>
-                <a:cs typeface="Consolas" panose="020B0609020204030204" pitchFamily="49" charset="0"/>
-              </a:rPr>
-              <a:t> = </a:t>
-            </a:r>
-            <a:r>
-              <a:rPr lang="en-US" sz="1400" dirty="0" err="1">
-                <a:latin typeface="Consolas" panose="020B0609020204030204" pitchFamily="49" charset="0"/>
-                <a:cs typeface="Consolas" panose="020B0609020204030204" pitchFamily="49" charset="0"/>
-              </a:rPr>
-              <a:t>std</a:t>
-            </a:r>
-            <a:r>
-              <a:rPr lang="en-US" sz="1400" dirty="0">
-                <a:latin typeface="Consolas" panose="020B0609020204030204" pitchFamily="49" charset="0"/>
-                <a:cs typeface="Consolas" panose="020B0609020204030204" pitchFamily="49" charset="0"/>
-              </a:rPr>
-              <a:t>::</a:t>
-            </a:r>
-            <a:r>
-              <a:rPr lang="en-US" sz="1400" dirty="0" err="1">
-                <a:latin typeface="Consolas" panose="020B0609020204030204" pitchFamily="49" charset="0"/>
-                <a:cs typeface="Consolas" panose="020B0609020204030204" pitchFamily="49" charset="0"/>
-              </a:rPr>
-              <a:t>to_string</a:t>
-            </a:r>
-            <a:r>
-              <a:rPr lang="en-US" sz="1400" dirty="0">
-                <a:latin typeface="Consolas" panose="020B0609020204030204" pitchFamily="49" charset="0"/>
-                <a:cs typeface="Consolas" panose="020B0609020204030204" pitchFamily="49" charset="0"/>
-              </a:rPr>
-              <a:t>(f);</a:t>
-            </a:r>
-          </a:p>
-          <a:p>
-            <a:pPr marL="800100" lvl="2" indent="0">
-              <a:buNone/>
-            </a:pPr>
-            <a:r>
-              <a:rPr lang="en-US" sz="1400" dirty="0">
-                <a:latin typeface="Consolas" panose="020B0609020204030204" pitchFamily="49" charset="0"/>
-                <a:cs typeface="Consolas" panose="020B0609020204030204" pitchFamily="49" charset="0"/>
-              </a:rPr>
-              <a:t>    </a:t>
-            </a:r>
-            <a:r>
-              <a:rPr lang="en-US" sz="1400" dirty="0" err="1">
-                <a:latin typeface="Consolas" panose="020B0609020204030204" pitchFamily="49" charset="0"/>
-                <a:cs typeface="Consolas" panose="020B0609020204030204" pitchFamily="49" charset="0"/>
-              </a:rPr>
-              <a:t>std</a:t>
-            </a:r>
-            <a:r>
-              <a:rPr lang="en-US" sz="1400" dirty="0">
-                <a:latin typeface="Consolas" panose="020B0609020204030204" pitchFamily="49" charset="0"/>
-                <a:cs typeface="Consolas" panose="020B0609020204030204" pitchFamily="49" charset="0"/>
-              </a:rPr>
-              <a:t>::</a:t>
-            </a:r>
-            <a:r>
-              <a:rPr lang="en-US" sz="1400" dirty="0" err="1">
-                <a:latin typeface="Consolas" panose="020B0609020204030204" pitchFamily="49" charset="0"/>
-                <a:cs typeface="Consolas" panose="020B0609020204030204" pitchFamily="49" charset="0"/>
-              </a:rPr>
-              <a:t>cout</a:t>
-            </a:r>
-            <a:r>
-              <a:rPr lang="en-US" sz="1400" dirty="0">
-                <a:latin typeface="Consolas" panose="020B0609020204030204" pitchFamily="49" charset="0"/>
-                <a:cs typeface="Consolas" panose="020B0609020204030204" pitchFamily="49" charset="0"/>
-              </a:rPr>
-              <a:t> &lt;&lt; </a:t>
-            </a:r>
-            <a:r>
-              <a:rPr lang="en-US" sz="1400" dirty="0" err="1">
-                <a:latin typeface="Consolas" panose="020B0609020204030204" pitchFamily="49" charset="0"/>
-                <a:cs typeface="Consolas" panose="020B0609020204030204" pitchFamily="49" charset="0"/>
-              </a:rPr>
-              <a:t>f_str</a:t>
-            </a:r>
-            <a:r>
-              <a:rPr lang="en-US" sz="1400" dirty="0">
-                <a:latin typeface="Consolas" panose="020B0609020204030204" pitchFamily="49" charset="0"/>
-                <a:cs typeface="Consolas" panose="020B0609020204030204" pitchFamily="49" charset="0"/>
-              </a:rPr>
-              <a:t> &lt;&lt; </a:t>
-            </a:r>
-            <a:r>
-              <a:rPr lang="en-US" sz="1400" dirty="0" err="1" smtClean="0">
-                <a:latin typeface="Consolas" panose="020B0609020204030204" pitchFamily="49" charset="0"/>
-                <a:cs typeface="Consolas" panose="020B0609020204030204" pitchFamily="49" charset="0"/>
-              </a:rPr>
-              <a:t>std</a:t>
-            </a:r>
-            <a:r>
-              <a:rPr lang="en-US" sz="1400" dirty="0" smtClean="0">
-                <a:latin typeface="Consolas" panose="020B0609020204030204" pitchFamily="49" charset="0"/>
-                <a:cs typeface="Consolas" panose="020B0609020204030204" pitchFamily="49" charset="0"/>
-              </a:rPr>
-              <a:t>::</a:t>
-            </a:r>
-            <a:r>
-              <a:rPr lang="en-US" sz="1400" dirty="0" err="1" smtClean="0">
-                <a:latin typeface="Consolas" panose="020B0609020204030204" pitchFamily="49" charset="0"/>
-                <a:cs typeface="Consolas" panose="020B0609020204030204" pitchFamily="49" charset="0"/>
-              </a:rPr>
-              <a:t>endl</a:t>
-            </a:r>
-            <a:r>
-              <a:rPr lang="en-US" sz="1400" dirty="0" smtClean="0">
-                <a:latin typeface="Consolas" panose="020B0609020204030204" pitchFamily="49" charset="0"/>
-                <a:cs typeface="Consolas" panose="020B0609020204030204" pitchFamily="49" charset="0"/>
-              </a:rPr>
-              <a:t>;</a:t>
-            </a:r>
-            <a:endParaRPr lang="en-US" sz="1400" dirty="0">
-              <a:latin typeface="Consolas" panose="020B0609020204030204" pitchFamily="49" charset="0"/>
-              <a:cs typeface="Consolas" panose="020B0609020204030204" pitchFamily="49" charset="0"/>
-            </a:endParaRPr>
-          </a:p>
-          <a:p>
-            <a:pPr marL="800100" lvl="2" indent="0">
-              <a:buNone/>
-            </a:pPr>
-            <a:r>
-              <a:rPr lang="en-US" sz="1400" dirty="0" smtClean="0">
-                <a:latin typeface="Consolas" panose="020B0609020204030204" pitchFamily="49" charset="0"/>
-                <a:cs typeface="Consolas" panose="020B0609020204030204" pitchFamily="49" charset="0"/>
-              </a:rPr>
-              <a:t>}</a:t>
-            </a:r>
-          </a:p>
-          <a:p>
-            <a:pPr marL="800100" lvl="2" indent="0">
-              <a:buNone/>
-            </a:pPr>
-            <a:endParaRPr lang="en-US" sz="1400" dirty="0" smtClean="0">
-              <a:latin typeface="Consolas" panose="020B0609020204030204" pitchFamily="49" charset="0"/>
-              <a:cs typeface="Consolas" panose="020B0609020204030204" pitchFamily="49" charset="0"/>
-            </a:endParaRPr>
-          </a:p>
-          <a:p>
-            <a:pPr marL="800100" lvl="2" indent="0">
-              <a:buNone/>
-            </a:pPr>
-            <a:r>
-              <a:rPr lang="en-US" sz="1400" dirty="0" smtClean="0">
-                <a:latin typeface="Consolas" panose="020B0609020204030204" pitchFamily="49" charset="0"/>
-                <a:cs typeface="Consolas" panose="020B0609020204030204" pitchFamily="49" charset="0"/>
-              </a:rPr>
-              <a:t>output: </a:t>
-            </a:r>
-            <a:r>
-              <a:rPr lang="en-US" sz="1400" dirty="0" smtClean="0"/>
-              <a:t>23.430000</a:t>
-            </a:r>
-            <a:endParaRPr lang="en-US" sz="1400" dirty="0">
-              <a:latin typeface="Consolas" panose="020B0609020204030204" pitchFamily="49" charset="0"/>
-              <a:cs typeface="Consolas" panose="020B0609020204030204" pitchFamily="49" charset="0"/>
-            </a:endParaRPr>
-          </a:p>
-          <a:p>
-            <a:pPr marL="800100" lvl="2" indent="0">
-              <a:buNone/>
-            </a:pPr>
-            <a:endParaRPr lang="en-US" sz="1400" dirty="0" smtClean="0"/>
           </a:p>
         </p:txBody>
       </p:sp>
     </p:spTree>
     <p:extLst>
       <p:ext uri="{BB962C8B-B14F-4D97-AF65-F5344CB8AC3E}">
-        <p14:creationId xmlns:p14="http://schemas.microsoft.com/office/powerpoint/2010/main" val="146388363"/>
+        <p14:creationId xmlns:p14="http://schemas.microsoft.com/office/powerpoint/2010/main" val="3828345346"/>
       </p:ext>
     </p:extLst>
   </p:cSld>
@@ -6621,431 +6240,421 @@
             <p:ph idx="1"/>
           </p:nvPr>
         </p:nvSpPr>
-        <p:spPr/>
+        <p:spPr>
+          <a:xfrm>
+            <a:off x="457200" y="1600200"/>
+            <a:ext cx="8229600" cy="4800600"/>
+          </a:xfrm>
+        </p:spPr>
         <p:txBody>
           <a:bodyPr>
-            <a:normAutofit/>
+            <a:normAutofit lnSpcReduction="10000"/>
           </a:bodyPr>
           <a:lstStyle/>
           <a:p>
             <a:r>
               <a:rPr lang="en-US" dirty="0" smtClean="0"/>
-              <a:t>Works with all sorts of numeric types</a:t>
-            </a:r>
-          </a:p>
-          <a:p>
+              <a:t>“</a:t>
+            </a:r>
+            <a:r>
+              <a:rPr lang="en-US" dirty="0"/>
+              <a:t>Converts a numeric value to </a:t>
+            </a:r>
+            <a:r>
+              <a:rPr lang="en-US" dirty="0" err="1">
+                <a:hlinkClick r:id="rId2" tooltip="cpp/string/basic string"/>
+              </a:rPr>
+              <a:t>std</a:t>
+            </a:r>
+            <a:r>
+              <a:rPr lang="en-US" dirty="0">
+                <a:hlinkClick r:id="rId2" tooltip="cpp/string/basic string"/>
+              </a:rPr>
+              <a:t>::string</a:t>
+            </a:r>
             <a:r>
               <a:rPr lang="en-US" dirty="0" smtClean="0"/>
-              <a:t>Caveat (google </a:t>
+              <a:t>.”</a:t>
+            </a:r>
+          </a:p>
+          <a:p>
+            <a:pPr marL="400050" lvl="1" indent="0">
+              <a:buNone/>
+            </a:pPr>
+            <a:r>
+              <a:rPr lang="en-US" sz="2200" dirty="0" smtClean="0">
+                <a:hlinkClick r:id="rId3"/>
+              </a:rPr>
+              <a:t>http</a:t>
+            </a:r>
+            <a:r>
+              <a:rPr lang="en-US" sz="2200" dirty="0">
+                <a:hlinkClick r:id="rId3"/>
+              </a:rPr>
+              <a:t>://</a:t>
+            </a:r>
+            <a:r>
+              <a:rPr lang="en-US" sz="2200" dirty="0" smtClean="0">
+                <a:hlinkClick r:id="rId3"/>
+              </a:rPr>
+              <a:t>en.cppreference.com/w/cpp/string/basic_string/to_string</a:t>
+            </a:r>
+            <a:endParaRPr lang="en-US" sz="2200" dirty="0" smtClean="0"/>
+          </a:p>
+          <a:p>
+            <a:pPr marL="285750"/>
+            <a:r>
+              <a:rPr lang="en-US" dirty="0" smtClean="0"/>
+              <a:t>Avoid </a:t>
             </a:r>
             <a:r>
               <a:rPr lang="en-US" dirty="0" err="1" smtClean="0"/>
-              <a:t>FlatBuffers</a:t>
+              <a:t>atof</a:t>
             </a:r>
             <a:r>
               <a:rPr lang="en-US" dirty="0" smtClean="0"/>
-              <a:t>):</a:t>
-            </a:r>
-          </a:p>
-          <a:p>
-            <a:pPr marL="0" indent="0">
-              <a:buNone/>
-            </a:pPr>
-            <a:endParaRPr lang="en-US" sz="1200" dirty="0" smtClean="0">
+              <a:t>(), </a:t>
+            </a:r>
+            <a:r>
+              <a:rPr lang="en-US" dirty="0" err="1" smtClean="0"/>
+              <a:t>atoi</a:t>
+            </a:r>
+            <a:r>
+              <a:rPr lang="en-US" dirty="0" smtClean="0"/>
+              <a:t>(), Unicode macros, …</a:t>
+            </a:r>
+          </a:p>
+          <a:p>
+            <a:pPr marL="285750"/>
+            <a:r>
+              <a:rPr lang="en-US" dirty="0" smtClean="0"/>
+              <a:t>Use </a:t>
+            </a:r>
+            <a:r>
+              <a:rPr lang="en-US" dirty="0" err="1" smtClean="0"/>
+              <a:t>to_wstring</a:t>
+            </a:r>
+            <a:r>
+              <a:rPr lang="en-US" dirty="0" smtClean="0"/>
+              <a:t>() for wide strings</a:t>
+            </a:r>
+            <a:endParaRPr lang="en-US" dirty="0"/>
+          </a:p>
+          <a:p>
+            <a:pPr marL="400050" lvl="1" indent="0">
+              <a:buNone/>
+            </a:pPr>
+            <a:endParaRPr lang="en-US" sz="1800" dirty="0" smtClean="0"/>
+          </a:p>
+          <a:p>
+            <a:pPr marL="800100" lvl="2" indent="0">
+              <a:buNone/>
+            </a:pPr>
+            <a:r>
+              <a:rPr lang="en-US" sz="1400" dirty="0" smtClean="0">
+                <a:latin typeface="Consolas" panose="020B0609020204030204" pitchFamily="49" charset="0"/>
+                <a:cs typeface="Consolas" panose="020B0609020204030204" pitchFamily="49" charset="0"/>
+              </a:rPr>
+              <a:t>#</a:t>
+            </a:r>
+            <a:r>
+              <a:rPr lang="en-US" sz="1400" dirty="0">
+                <a:latin typeface="Consolas" panose="020B0609020204030204" pitchFamily="49" charset="0"/>
+                <a:cs typeface="Consolas" panose="020B0609020204030204" pitchFamily="49" charset="0"/>
+              </a:rPr>
+              <a:t>include &lt;</a:t>
+            </a:r>
+            <a:r>
+              <a:rPr lang="en-US" sz="1400" dirty="0" err="1">
+                <a:latin typeface="Consolas" panose="020B0609020204030204" pitchFamily="49" charset="0"/>
+                <a:cs typeface="Consolas" panose="020B0609020204030204" pitchFamily="49" charset="0"/>
+              </a:rPr>
+              <a:t>iostream</a:t>
+            </a:r>
+            <a:r>
+              <a:rPr lang="en-US" sz="1400" dirty="0">
+                <a:latin typeface="Consolas" panose="020B0609020204030204" pitchFamily="49" charset="0"/>
+                <a:cs typeface="Consolas" panose="020B0609020204030204" pitchFamily="49" charset="0"/>
+              </a:rPr>
+              <a:t>&gt;</a:t>
+            </a:r>
+          </a:p>
+          <a:p>
+            <a:pPr marL="800100" lvl="2" indent="0">
+              <a:buNone/>
+            </a:pPr>
+            <a:r>
+              <a:rPr lang="en-US" sz="1400" dirty="0">
+                <a:latin typeface="Consolas" panose="020B0609020204030204" pitchFamily="49" charset="0"/>
+                <a:cs typeface="Consolas" panose="020B0609020204030204" pitchFamily="49" charset="0"/>
+              </a:rPr>
+              <a:t>#include &lt;string</a:t>
+            </a:r>
+            <a:r>
+              <a:rPr lang="en-US" sz="1400" dirty="0" smtClean="0">
+                <a:latin typeface="Consolas" panose="020B0609020204030204" pitchFamily="49" charset="0"/>
+                <a:cs typeface="Consolas" panose="020B0609020204030204" pitchFamily="49" charset="0"/>
+              </a:rPr>
+              <a:t>&gt;</a:t>
+            </a:r>
+          </a:p>
+          <a:p>
+            <a:pPr marL="800100" lvl="2" indent="0">
+              <a:buNone/>
+            </a:pPr>
+            <a:endParaRPr lang="en-US" sz="1400" dirty="0">
               <a:latin typeface="Consolas" panose="020B0609020204030204" pitchFamily="49" charset="0"/>
               <a:cs typeface="Consolas" panose="020B0609020204030204" pitchFamily="49" charset="0"/>
             </a:endParaRPr>
           </a:p>
           <a:p>
-            <a:pPr marL="0" indent="0">
-              <a:buNone/>
-            </a:pPr>
-            <a:r>
-              <a:rPr lang="en-US" sz="1200" dirty="0" smtClean="0">
-                <a:latin typeface="Consolas" panose="020B0609020204030204" pitchFamily="49" charset="0"/>
-                <a:cs typeface="Consolas" panose="020B0609020204030204" pitchFamily="49" charset="0"/>
-              </a:rPr>
-              <a:t>  namespace </a:t>
-            </a:r>
-            <a:r>
-              <a:rPr lang="en-US" sz="1200" dirty="0" err="1">
-                <a:latin typeface="Consolas" panose="020B0609020204030204" pitchFamily="49" charset="0"/>
-                <a:cs typeface="Consolas" panose="020B0609020204030204" pitchFamily="49" charset="0"/>
-              </a:rPr>
-              <a:t>flatbuffers</a:t>
-            </a:r>
-            <a:r>
-              <a:rPr lang="en-US" sz="1200" dirty="0">
-                <a:latin typeface="Consolas" panose="020B0609020204030204" pitchFamily="49" charset="0"/>
-                <a:cs typeface="Consolas" panose="020B0609020204030204" pitchFamily="49" charset="0"/>
-              </a:rPr>
-              <a:t> {</a:t>
-            </a:r>
-          </a:p>
-          <a:p>
-            <a:pPr marL="0" indent="0">
-              <a:buNone/>
-            </a:pPr>
-            <a:r>
-              <a:rPr lang="en-US" sz="1200" dirty="0" smtClean="0">
-                <a:latin typeface="Consolas" panose="020B0609020204030204" pitchFamily="49" charset="0"/>
-                <a:cs typeface="Consolas" panose="020B0609020204030204" pitchFamily="49" charset="0"/>
-              </a:rPr>
-              <a:t>    // </a:t>
-            </a:r>
-            <a:r>
-              <a:rPr lang="en-US" sz="1200" dirty="0">
-                <a:latin typeface="Consolas" panose="020B0609020204030204" pitchFamily="49" charset="0"/>
-                <a:cs typeface="Consolas" panose="020B0609020204030204" pitchFamily="49" charset="0"/>
-              </a:rPr>
-              <a:t>Convert an integer or floating point value to a string.</a:t>
-            </a:r>
-          </a:p>
-          <a:p>
-            <a:pPr marL="0" indent="0">
-              <a:buNone/>
-            </a:pPr>
-            <a:r>
-              <a:rPr lang="en-US" sz="1200" dirty="0" smtClean="0">
-                <a:latin typeface="Consolas" panose="020B0609020204030204" pitchFamily="49" charset="0"/>
-                <a:cs typeface="Consolas" panose="020B0609020204030204" pitchFamily="49" charset="0"/>
-              </a:rPr>
-              <a:t>    // </a:t>
-            </a:r>
-            <a:r>
-              <a:rPr lang="en-US" sz="1200" dirty="0">
-                <a:latin typeface="Consolas" panose="020B0609020204030204" pitchFamily="49" charset="0"/>
-                <a:cs typeface="Consolas" panose="020B0609020204030204" pitchFamily="49" charset="0"/>
-              </a:rPr>
-              <a:t>In contrast to </a:t>
-            </a:r>
-            <a:r>
-              <a:rPr lang="en-US" sz="1200" dirty="0" err="1">
-                <a:latin typeface="Consolas" panose="020B0609020204030204" pitchFamily="49" charset="0"/>
-                <a:cs typeface="Consolas" panose="020B0609020204030204" pitchFamily="49" charset="0"/>
-              </a:rPr>
-              <a:t>std</a:t>
-            </a:r>
-            <a:r>
-              <a:rPr lang="en-US" sz="1200" dirty="0">
-                <a:latin typeface="Consolas" panose="020B0609020204030204" pitchFamily="49" charset="0"/>
-                <a:cs typeface="Consolas" panose="020B0609020204030204" pitchFamily="49" charset="0"/>
-              </a:rPr>
-              <a:t>::</a:t>
-            </a:r>
-            <a:r>
-              <a:rPr lang="en-US" sz="1200" dirty="0" err="1">
-                <a:latin typeface="Consolas" panose="020B0609020204030204" pitchFamily="49" charset="0"/>
-                <a:cs typeface="Consolas" panose="020B0609020204030204" pitchFamily="49" charset="0"/>
-              </a:rPr>
-              <a:t>stringstream</a:t>
-            </a:r>
-            <a:r>
-              <a:rPr lang="en-US" sz="1200" dirty="0">
-                <a:latin typeface="Consolas" panose="020B0609020204030204" pitchFamily="49" charset="0"/>
-                <a:cs typeface="Consolas" panose="020B0609020204030204" pitchFamily="49" charset="0"/>
-              </a:rPr>
-              <a:t>, "char" values </a:t>
-            </a:r>
-            <a:r>
-              <a:rPr lang="en-US" sz="1200" dirty="0" smtClean="0">
-                <a:latin typeface="Consolas" panose="020B0609020204030204" pitchFamily="49" charset="0"/>
-                <a:cs typeface="Consolas" panose="020B0609020204030204" pitchFamily="49" charset="0"/>
-              </a:rPr>
-              <a:t>are converted </a:t>
-            </a:r>
-            <a:r>
-              <a:rPr lang="en-US" sz="1200" dirty="0">
-                <a:latin typeface="Consolas" panose="020B0609020204030204" pitchFamily="49" charset="0"/>
-                <a:cs typeface="Consolas" panose="020B0609020204030204" pitchFamily="49" charset="0"/>
-              </a:rPr>
-              <a:t>to a string of digits.</a:t>
-            </a:r>
-          </a:p>
-          <a:p>
-            <a:pPr marL="0" indent="0">
-              <a:buNone/>
-            </a:pPr>
-            <a:r>
-              <a:rPr lang="en-US" sz="1200" dirty="0" smtClean="0">
-                <a:latin typeface="Consolas" panose="020B0609020204030204" pitchFamily="49" charset="0"/>
-                <a:cs typeface="Consolas" panose="020B0609020204030204" pitchFamily="49" charset="0"/>
-              </a:rPr>
-              <a:t>    template&lt;</a:t>
-            </a:r>
-            <a:r>
-              <a:rPr lang="en-US" sz="1200" dirty="0" err="1" smtClean="0">
-                <a:latin typeface="Consolas" panose="020B0609020204030204" pitchFamily="49" charset="0"/>
-                <a:cs typeface="Consolas" panose="020B0609020204030204" pitchFamily="49" charset="0"/>
-              </a:rPr>
-              <a:t>typename</a:t>
-            </a:r>
-            <a:r>
-              <a:rPr lang="en-US" sz="1200" dirty="0" smtClean="0">
+            <a:pPr marL="800100" lvl="2" indent="0">
+              <a:buNone/>
+            </a:pPr>
+            <a:r>
+              <a:rPr lang="en-US" sz="1400" dirty="0" err="1" smtClean="0">
+                <a:latin typeface="Consolas" panose="020B0609020204030204" pitchFamily="49" charset="0"/>
+                <a:cs typeface="Consolas" panose="020B0609020204030204" pitchFamily="49" charset="0"/>
+              </a:rPr>
+              <a:t>int</a:t>
+            </a:r>
+            <a:r>
+              <a:rPr lang="en-US" sz="1400" dirty="0" smtClean="0">
                 <a:latin typeface="Consolas" panose="020B0609020204030204" pitchFamily="49" charset="0"/>
                 <a:cs typeface="Consolas" panose="020B0609020204030204" pitchFamily="49" charset="0"/>
               </a:rPr>
               <a:t> </a:t>
             </a:r>
             <a:r>
-              <a:rPr lang="en-US" sz="1200" dirty="0">
-                <a:latin typeface="Consolas" panose="020B0609020204030204" pitchFamily="49" charset="0"/>
-                <a:cs typeface="Consolas" panose="020B0609020204030204" pitchFamily="49" charset="0"/>
-              </a:rPr>
-              <a:t>T&gt; </a:t>
-            </a:r>
-            <a:r>
-              <a:rPr lang="en-US" sz="1200" dirty="0" err="1">
-                <a:latin typeface="Consolas" panose="020B0609020204030204" pitchFamily="49" charset="0"/>
-                <a:cs typeface="Consolas" panose="020B0609020204030204" pitchFamily="49" charset="0"/>
-              </a:rPr>
-              <a:t>std</a:t>
-            </a:r>
-            <a:r>
-              <a:rPr lang="en-US" sz="1200" dirty="0">
-                <a:latin typeface="Consolas" panose="020B0609020204030204" pitchFamily="49" charset="0"/>
-                <a:cs typeface="Consolas" panose="020B0609020204030204" pitchFamily="49" charset="0"/>
-              </a:rPr>
-              <a:t>::string </a:t>
-            </a:r>
-            <a:r>
-              <a:rPr lang="en-US" sz="1200" dirty="0" err="1">
-                <a:latin typeface="Consolas" panose="020B0609020204030204" pitchFamily="49" charset="0"/>
-                <a:cs typeface="Consolas" panose="020B0609020204030204" pitchFamily="49" charset="0"/>
-              </a:rPr>
-              <a:t>NumToString</a:t>
-            </a:r>
-            <a:r>
-              <a:rPr lang="en-US" sz="1200" dirty="0">
-                <a:latin typeface="Consolas" panose="020B0609020204030204" pitchFamily="49" charset="0"/>
-                <a:cs typeface="Consolas" panose="020B0609020204030204" pitchFamily="49" charset="0"/>
-              </a:rPr>
-              <a:t>(T t</a:t>
-            </a:r>
-            <a:r>
-              <a:rPr lang="en-US" sz="1200" dirty="0" smtClean="0">
-                <a:latin typeface="Consolas" panose="020B0609020204030204" pitchFamily="49" charset="0"/>
-                <a:cs typeface="Consolas" panose="020B0609020204030204" pitchFamily="49" charset="0"/>
-              </a:rPr>
-              <a:t>)</a:t>
-            </a:r>
-          </a:p>
-          <a:p>
-            <a:pPr marL="0" indent="0">
-              <a:buNone/>
-            </a:pPr>
-            <a:r>
-              <a:rPr lang="en-US" sz="1200" dirty="0">
-                <a:latin typeface="Consolas" panose="020B0609020204030204" pitchFamily="49" charset="0"/>
-                <a:cs typeface="Consolas" panose="020B0609020204030204" pitchFamily="49" charset="0"/>
-              </a:rPr>
-              <a:t> </a:t>
-            </a:r>
-            <a:r>
-              <a:rPr lang="en-US" sz="1200" dirty="0" smtClean="0">
-                <a:latin typeface="Consolas" panose="020B0609020204030204" pitchFamily="49" charset="0"/>
-                <a:cs typeface="Consolas" panose="020B0609020204030204" pitchFamily="49" charset="0"/>
-              </a:rPr>
-              <a:t>  {</a:t>
-            </a:r>
-            <a:endParaRPr lang="en-US" sz="1200" dirty="0">
+              <a:rPr lang="en-US" sz="1400" dirty="0">
+                <a:latin typeface="Consolas" panose="020B0609020204030204" pitchFamily="49" charset="0"/>
+                <a:cs typeface="Consolas" panose="020B0609020204030204" pitchFamily="49" charset="0"/>
+              </a:rPr>
+              <a:t>main</a:t>
+            </a:r>
+            <a:r>
+              <a:rPr lang="en-US" sz="1400" dirty="0" smtClean="0">
+                <a:latin typeface="Consolas" panose="020B0609020204030204" pitchFamily="49" charset="0"/>
+                <a:cs typeface="Consolas" panose="020B0609020204030204" pitchFamily="49" charset="0"/>
+              </a:rPr>
+              <a:t>() {</a:t>
+            </a:r>
+            <a:endParaRPr lang="en-US" sz="1400" dirty="0">
               <a:latin typeface="Consolas" panose="020B0609020204030204" pitchFamily="49" charset="0"/>
               <a:cs typeface="Consolas" panose="020B0609020204030204" pitchFamily="49" charset="0"/>
             </a:endParaRPr>
           </a:p>
           <a:p>
-            <a:pPr marL="0" indent="0">
-              <a:buNone/>
-            </a:pPr>
-            <a:r>
-              <a:rPr lang="en-US" sz="1200" b="1" dirty="0" smtClean="0">
-                <a:latin typeface="Consolas" panose="020B0609020204030204" pitchFamily="49" charset="0"/>
-                <a:cs typeface="Consolas" panose="020B0609020204030204" pitchFamily="49" charset="0"/>
-              </a:rPr>
-              <a:t>        </a:t>
-            </a:r>
-            <a:r>
-              <a:rPr lang="en-US" sz="1200" b="1" dirty="0">
-                <a:latin typeface="Consolas" panose="020B0609020204030204" pitchFamily="49" charset="0"/>
-                <a:cs typeface="Consolas" panose="020B0609020204030204" pitchFamily="49" charset="0"/>
-              </a:rPr>
-              <a:t>// </a:t>
-            </a:r>
-            <a:r>
-              <a:rPr lang="en-US" sz="1200" b="1" dirty="0" err="1">
+            <a:pPr marL="800100" lvl="2" indent="0">
+              <a:buNone/>
+            </a:pPr>
+            <a:r>
+              <a:rPr lang="en-US" sz="1400" dirty="0">
+                <a:latin typeface="Consolas" panose="020B0609020204030204" pitchFamily="49" charset="0"/>
+                <a:cs typeface="Consolas" panose="020B0609020204030204" pitchFamily="49" charset="0"/>
+              </a:rPr>
+              <a:t>    double f = 23.43;</a:t>
+            </a:r>
+          </a:p>
+          <a:p>
+            <a:pPr marL="800100" lvl="2" indent="0">
+              <a:buNone/>
+            </a:pPr>
+            <a:r>
+              <a:rPr lang="en-US" sz="1400" dirty="0">
+                <a:latin typeface="Consolas" panose="020B0609020204030204" pitchFamily="49" charset="0"/>
+                <a:cs typeface="Consolas" panose="020B0609020204030204" pitchFamily="49" charset="0"/>
+              </a:rPr>
+              <a:t>    </a:t>
+            </a:r>
+            <a:r>
+              <a:rPr lang="en-US" sz="1400" dirty="0" err="1">
+                <a:latin typeface="Consolas" panose="020B0609020204030204" pitchFamily="49" charset="0"/>
+                <a:cs typeface="Consolas" panose="020B0609020204030204" pitchFamily="49" charset="0"/>
+              </a:rPr>
+              <a:t>std</a:t>
+            </a:r>
+            <a:r>
+              <a:rPr lang="en-US" sz="1400" dirty="0">
+                <a:latin typeface="Consolas" panose="020B0609020204030204" pitchFamily="49" charset="0"/>
+                <a:cs typeface="Consolas" panose="020B0609020204030204" pitchFamily="49" charset="0"/>
+              </a:rPr>
+              <a:t>::string </a:t>
+            </a:r>
+            <a:r>
+              <a:rPr lang="en-US" sz="1400" dirty="0" err="1">
+                <a:latin typeface="Consolas" panose="020B0609020204030204" pitchFamily="49" charset="0"/>
+                <a:cs typeface="Consolas" panose="020B0609020204030204" pitchFamily="49" charset="0"/>
+              </a:rPr>
+              <a:t>f_str</a:t>
+            </a:r>
+            <a:r>
+              <a:rPr lang="en-US" sz="1400" dirty="0">
+                <a:latin typeface="Consolas" panose="020B0609020204030204" pitchFamily="49" charset="0"/>
+                <a:cs typeface="Consolas" panose="020B0609020204030204" pitchFamily="49" charset="0"/>
+              </a:rPr>
+              <a:t> = </a:t>
+            </a:r>
+            <a:r>
+              <a:rPr lang="en-US" sz="1400" dirty="0" err="1">
+                <a:latin typeface="Consolas" panose="020B0609020204030204" pitchFamily="49" charset="0"/>
+                <a:cs typeface="Consolas" panose="020B0609020204030204" pitchFamily="49" charset="0"/>
+              </a:rPr>
+              <a:t>std</a:t>
+            </a:r>
+            <a:r>
+              <a:rPr lang="en-US" sz="1400" dirty="0">
+                <a:latin typeface="Consolas" panose="020B0609020204030204" pitchFamily="49" charset="0"/>
+                <a:cs typeface="Consolas" panose="020B0609020204030204" pitchFamily="49" charset="0"/>
+              </a:rPr>
+              <a:t>::</a:t>
+            </a:r>
+            <a:r>
+              <a:rPr lang="en-US" sz="1400" dirty="0" err="1">
                 <a:latin typeface="Consolas" panose="020B0609020204030204" pitchFamily="49" charset="0"/>
                 <a:cs typeface="Consolas" panose="020B0609020204030204" pitchFamily="49" charset="0"/>
               </a:rPr>
               <a:t>to_string</a:t>
             </a:r>
             <a:r>
-              <a:rPr lang="en-US" sz="1200" b="1" dirty="0">
-                <a:latin typeface="Consolas" panose="020B0609020204030204" pitchFamily="49" charset="0"/>
-                <a:cs typeface="Consolas" panose="020B0609020204030204" pitchFamily="49" charset="0"/>
-              </a:rPr>
-              <a:t>() prints different numbers of digits for floats depending on</a:t>
-            </a:r>
-          </a:p>
-          <a:p>
-            <a:pPr marL="0" indent="0">
-              <a:buNone/>
-            </a:pPr>
-            <a:r>
-              <a:rPr lang="en-US" sz="1200" b="1" dirty="0" smtClean="0">
-                <a:latin typeface="Consolas" panose="020B0609020204030204" pitchFamily="49" charset="0"/>
-                <a:cs typeface="Consolas" panose="020B0609020204030204" pitchFamily="49" charset="0"/>
-              </a:rPr>
-              <a:t>        </a:t>
-            </a:r>
-            <a:r>
-              <a:rPr lang="en-US" sz="1200" b="1" dirty="0">
-                <a:latin typeface="Consolas" panose="020B0609020204030204" pitchFamily="49" charset="0"/>
-                <a:cs typeface="Consolas" panose="020B0609020204030204" pitchFamily="49" charset="0"/>
-              </a:rPr>
-              <a:t>// platform and isn't available on Android, so we use </a:t>
-            </a:r>
-            <a:r>
-              <a:rPr lang="en-US" sz="1200" b="1" dirty="0" err="1">
-                <a:latin typeface="Consolas" panose="020B0609020204030204" pitchFamily="49" charset="0"/>
-                <a:cs typeface="Consolas" panose="020B0609020204030204" pitchFamily="49" charset="0"/>
-              </a:rPr>
-              <a:t>stringstream</a:t>
-            </a:r>
-            <a:endParaRPr lang="en-US" sz="1200" b="1" dirty="0">
+              <a:rPr lang="en-US" sz="1400" dirty="0">
+                <a:latin typeface="Consolas" panose="020B0609020204030204" pitchFamily="49" charset="0"/>
+                <a:cs typeface="Consolas" panose="020B0609020204030204" pitchFamily="49" charset="0"/>
+              </a:rPr>
+              <a:t>(f);</a:t>
+            </a:r>
+          </a:p>
+          <a:p>
+            <a:pPr marL="800100" lvl="2" indent="0">
+              <a:buNone/>
+            </a:pPr>
+            <a:r>
+              <a:rPr lang="en-US" sz="1400" dirty="0">
+                <a:latin typeface="Consolas" panose="020B0609020204030204" pitchFamily="49" charset="0"/>
+                <a:cs typeface="Consolas" panose="020B0609020204030204" pitchFamily="49" charset="0"/>
+              </a:rPr>
+              <a:t>    </a:t>
+            </a:r>
+            <a:r>
+              <a:rPr lang="en-US" sz="1400" dirty="0" err="1">
+                <a:latin typeface="Consolas" panose="020B0609020204030204" pitchFamily="49" charset="0"/>
+                <a:cs typeface="Consolas" panose="020B0609020204030204" pitchFamily="49" charset="0"/>
+              </a:rPr>
+              <a:t>std</a:t>
+            </a:r>
+            <a:r>
+              <a:rPr lang="en-US" sz="1400" dirty="0">
+                <a:latin typeface="Consolas" panose="020B0609020204030204" pitchFamily="49" charset="0"/>
+                <a:cs typeface="Consolas" panose="020B0609020204030204" pitchFamily="49" charset="0"/>
+              </a:rPr>
+              <a:t>::</a:t>
+            </a:r>
+            <a:r>
+              <a:rPr lang="en-US" sz="1400" dirty="0" err="1">
+                <a:latin typeface="Consolas" panose="020B0609020204030204" pitchFamily="49" charset="0"/>
+                <a:cs typeface="Consolas" panose="020B0609020204030204" pitchFamily="49" charset="0"/>
+              </a:rPr>
+              <a:t>cout</a:t>
+            </a:r>
+            <a:r>
+              <a:rPr lang="en-US" sz="1400" dirty="0">
+                <a:latin typeface="Consolas" panose="020B0609020204030204" pitchFamily="49" charset="0"/>
+                <a:cs typeface="Consolas" panose="020B0609020204030204" pitchFamily="49" charset="0"/>
+              </a:rPr>
+              <a:t> &lt;&lt; </a:t>
+            </a:r>
+            <a:r>
+              <a:rPr lang="en-US" sz="1400" dirty="0" err="1">
+                <a:latin typeface="Consolas" panose="020B0609020204030204" pitchFamily="49" charset="0"/>
+                <a:cs typeface="Consolas" panose="020B0609020204030204" pitchFamily="49" charset="0"/>
+              </a:rPr>
+              <a:t>f_str</a:t>
+            </a:r>
+            <a:r>
+              <a:rPr lang="en-US" sz="1400" dirty="0">
+                <a:latin typeface="Consolas" panose="020B0609020204030204" pitchFamily="49" charset="0"/>
+                <a:cs typeface="Consolas" panose="020B0609020204030204" pitchFamily="49" charset="0"/>
+              </a:rPr>
+              <a:t> &lt;&lt; </a:t>
+            </a:r>
+            <a:r>
+              <a:rPr lang="en-US" sz="1400" dirty="0" err="1" smtClean="0">
+                <a:latin typeface="Consolas" panose="020B0609020204030204" pitchFamily="49" charset="0"/>
+                <a:cs typeface="Consolas" panose="020B0609020204030204" pitchFamily="49" charset="0"/>
+              </a:rPr>
+              <a:t>std</a:t>
+            </a:r>
+            <a:r>
+              <a:rPr lang="en-US" sz="1400" dirty="0" smtClean="0">
+                <a:latin typeface="Consolas" panose="020B0609020204030204" pitchFamily="49" charset="0"/>
+                <a:cs typeface="Consolas" panose="020B0609020204030204" pitchFamily="49" charset="0"/>
+              </a:rPr>
+              <a:t>::</a:t>
+            </a:r>
+            <a:r>
+              <a:rPr lang="en-US" sz="1400" dirty="0" err="1" smtClean="0">
+                <a:latin typeface="Consolas" panose="020B0609020204030204" pitchFamily="49" charset="0"/>
+                <a:cs typeface="Consolas" panose="020B0609020204030204" pitchFamily="49" charset="0"/>
+              </a:rPr>
+              <a:t>endl</a:t>
+            </a:r>
+            <a:r>
+              <a:rPr lang="en-US" sz="1400" dirty="0" smtClean="0">
+                <a:latin typeface="Consolas" panose="020B0609020204030204" pitchFamily="49" charset="0"/>
+                <a:cs typeface="Consolas" panose="020B0609020204030204" pitchFamily="49" charset="0"/>
+              </a:rPr>
+              <a:t>;</a:t>
+            </a:r>
+            <a:endParaRPr lang="en-US" sz="1400" dirty="0">
               <a:latin typeface="Consolas" panose="020B0609020204030204" pitchFamily="49" charset="0"/>
               <a:cs typeface="Consolas" panose="020B0609020204030204" pitchFamily="49" charset="0"/>
             </a:endParaRPr>
           </a:p>
           <a:p>
-            <a:pPr marL="0" indent="0">
-              <a:buNone/>
-            </a:pPr>
-            <a:r>
-              <a:rPr lang="en-US" sz="1200" dirty="0" smtClean="0">
-                <a:latin typeface="Consolas" panose="020B0609020204030204" pitchFamily="49" charset="0"/>
-                <a:cs typeface="Consolas" panose="020B0609020204030204" pitchFamily="49" charset="0"/>
-              </a:rPr>
-              <a:t>        </a:t>
-            </a:r>
-            <a:r>
-              <a:rPr lang="en-US" sz="1200" dirty="0" err="1">
-                <a:latin typeface="Consolas" panose="020B0609020204030204" pitchFamily="49" charset="0"/>
-                <a:cs typeface="Consolas" panose="020B0609020204030204" pitchFamily="49" charset="0"/>
-              </a:rPr>
-              <a:t>std</a:t>
-            </a:r>
-            <a:r>
-              <a:rPr lang="en-US" sz="1200" dirty="0">
-                <a:latin typeface="Consolas" panose="020B0609020204030204" pitchFamily="49" charset="0"/>
-                <a:cs typeface="Consolas" panose="020B0609020204030204" pitchFamily="49" charset="0"/>
-              </a:rPr>
-              <a:t>::</a:t>
-            </a:r>
-            <a:r>
-              <a:rPr lang="en-US" sz="1200" dirty="0" err="1">
-                <a:latin typeface="Consolas" panose="020B0609020204030204" pitchFamily="49" charset="0"/>
-                <a:cs typeface="Consolas" panose="020B0609020204030204" pitchFamily="49" charset="0"/>
-              </a:rPr>
-              <a:t>stringstream</a:t>
-            </a:r>
-            <a:r>
-              <a:rPr lang="en-US" sz="1200" dirty="0">
-                <a:latin typeface="Consolas" panose="020B0609020204030204" pitchFamily="49" charset="0"/>
-                <a:cs typeface="Consolas" panose="020B0609020204030204" pitchFamily="49" charset="0"/>
-              </a:rPr>
-              <a:t> </a:t>
-            </a:r>
-            <a:r>
-              <a:rPr lang="en-US" sz="1200" dirty="0" err="1">
-                <a:latin typeface="Consolas" panose="020B0609020204030204" pitchFamily="49" charset="0"/>
-                <a:cs typeface="Consolas" panose="020B0609020204030204" pitchFamily="49" charset="0"/>
-              </a:rPr>
-              <a:t>ss</a:t>
-            </a:r>
-            <a:r>
-              <a:rPr lang="en-US" sz="1200" dirty="0">
-                <a:latin typeface="Consolas" panose="020B0609020204030204" pitchFamily="49" charset="0"/>
-                <a:cs typeface="Consolas" panose="020B0609020204030204" pitchFamily="49" charset="0"/>
-              </a:rPr>
-              <a:t>;</a:t>
-            </a:r>
-          </a:p>
-          <a:p>
-            <a:pPr marL="0" indent="0">
-              <a:buNone/>
-            </a:pPr>
-            <a:r>
-              <a:rPr lang="en-US" sz="1200" dirty="0" smtClean="0">
-                <a:latin typeface="Consolas" panose="020B0609020204030204" pitchFamily="49" charset="0"/>
-                <a:cs typeface="Consolas" panose="020B0609020204030204" pitchFamily="49" charset="0"/>
-              </a:rPr>
-              <a:t>        </a:t>
-            </a:r>
-            <a:r>
-              <a:rPr lang="en-US" sz="1200" dirty="0" err="1">
-                <a:latin typeface="Consolas" panose="020B0609020204030204" pitchFamily="49" charset="0"/>
-                <a:cs typeface="Consolas" panose="020B0609020204030204" pitchFamily="49" charset="0"/>
-              </a:rPr>
-              <a:t>ss</a:t>
-            </a:r>
-            <a:r>
-              <a:rPr lang="en-US" sz="1200" dirty="0">
-                <a:latin typeface="Consolas" panose="020B0609020204030204" pitchFamily="49" charset="0"/>
-                <a:cs typeface="Consolas" panose="020B0609020204030204" pitchFamily="49" charset="0"/>
-              </a:rPr>
-              <a:t> &lt;&lt; t;</a:t>
-            </a:r>
-          </a:p>
-          <a:p>
-            <a:pPr marL="0" indent="0">
-              <a:buNone/>
-            </a:pPr>
-            <a:r>
-              <a:rPr lang="en-US" sz="1200" dirty="0" smtClean="0">
-                <a:latin typeface="Consolas" panose="020B0609020204030204" pitchFamily="49" charset="0"/>
-                <a:cs typeface="Consolas" panose="020B0609020204030204" pitchFamily="49" charset="0"/>
-              </a:rPr>
-              <a:t>        </a:t>
-            </a:r>
-            <a:r>
-              <a:rPr lang="en-US" sz="1200" dirty="0">
-                <a:latin typeface="Consolas" panose="020B0609020204030204" pitchFamily="49" charset="0"/>
-                <a:cs typeface="Consolas" panose="020B0609020204030204" pitchFamily="49" charset="0"/>
-              </a:rPr>
-              <a:t>return </a:t>
-            </a:r>
-            <a:r>
-              <a:rPr lang="en-US" sz="1200" dirty="0" err="1">
-                <a:latin typeface="Consolas" panose="020B0609020204030204" pitchFamily="49" charset="0"/>
-                <a:cs typeface="Consolas" panose="020B0609020204030204" pitchFamily="49" charset="0"/>
-              </a:rPr>
-              <a:t>ss.str</a:t>
-            </a:r>
-            <a:r>
-              <a:rPr lang="en-US" sz="1200" dirty="0">
-                <a:latin typeface="Consolas" panose="020B0609020204030204" pitchFamily="49" charset="0"/>
-                <a:cs typeface="Consolas" panose="020B0609020204030204" pitchFamily="49" charset="0"/>
-              </a:rPr>
-              <a:t>();</a:t>
-            </a:r>
-          </a:p>
-          <a:p>
-            <a:pPr marL="0" indent="0">
-              <a:buNone/>
-            </a:pPr>
-            <a:r>
-              <a:rPr lang="en-US" sz="1200" dirty="0" smtClean="0">
-                <a:latin typeface="Consolas" panose="020B0609020204030204" pitchFamily="49" charset="0"/>
-                <a:cs typeface="Consolas" panose="020B0609020204030204" pitchFamily="49" charset="0"/>
-              </a:rPr>
-              <a:t>   }</a:t>
-            </a:r>
-            <a:endParaRPr lang="en-US" sz="1200" dirty="0">
+            <a:pPr marL="800100" lvl="2" indent="0">
+              <a:buNone/>
+            </a:pPr>
+            <a:r>
+              <a:rPr lang="en-US" sz="1400" dirty="0" smtClean="0">
+                <a:latin typeface="Consolas" panose="020B0609020204030204" pitchFamily="49" charset="0"/>
+                <a:cs typeface="Consolas" panose="020B0609020204030204" pitchFamily="49" charset="0"/>
+              </a:rPr>
+              <a:t>}</a:t>
+            </a:r>
+          </a:p>
+          <a:p>
+            <a:pPr marL="800100" lvl="2" indent="0">
+              <a:buNone/>
+            </a:pPr>
+            <a:endParaRPr lang="en-US" sz="1400" dirty="0" smtClean="0">
               <a:latin typeface="Consolas" panose="020B0609020204030204" pitchFamily="49" charset="0"/>
               <a:cs typeface="Consolas" panose="020B0609020204030204" pitchFamily="49" charset="0"/>
             </a:endParaRPr>
           </a:p>
           <a:p>
+            <a:pPr marL="800100" lvl="2" indent="0">
+              <a:buNone/>
+            </a:pPr>
+            <a:r>
+              <a:rPr lang="en-US" sz="1400" dirty="0" smtClean="0">
+                <a:latin typeface="Consolas" panose="020B0609020204030204" pitchFamily="49" charset="0"/>
+                <a:cs typeface="Consolas" panose="020B0609020204030204" pitchFamily="49" charset="0"/>
+              </a:rPr>
+              <a:t>output: </a:t>
+            </a:r>
+            <a:r>
+              <a:rPr lang="en-US" sz="1400" dirty="0" smtClean="0"/>
+              <a:t>23.430000</a:t>
+            </a:r>
+            <a:endParaRPr lang="en-US" sz="1400" dirty="0">
+              <a:latin typeface="Consolas" panose="020B0609020204030204" pitchFamily="49" charset="0"/>
+              <a:cs typeface="Consolas" panose="020B0609020204030204" pitchFamily="49" charset="0"/>
+            </a:endParaRPr>
+          </a:p>
+          <a:p>
+            <a:pPr marL="800100" lvl="2" indent="0">
+              <a:buNone/>
+            </a:pPr>
             <a:endParaRPr lang="en-US" sz="1400" dirty="0" smtClean="0"/>
           </a:p>
         </p:txBody>
@@ -7053,7 +6662,7 @@
     </p:spTree>
     <p:extLst>
       <p:ext uri="{BB962C8B-B14F-4D97-AF65-F5344CB8AC3E}">
-        <p14:creationId xmlns:p14="http://schemas.microsoft.com/office/powerpoint/2010/main" val="4177361218"/>
+        <p14:creationId xmlns:p14="http://schemas.microsoft.com/office/powerpoint/2010/main" val="146388363"/>
       </p:ext>
     </p:extLst>
   </p:cSld>
@@ -7103,260 +6712,489 @@
           <a:lstStyle/>
           <a:p>
             <a:r>
-              <a:rPr lang="en-US" dirty="0" smtClean="0"/>
-              <a:t>Google C</a:t>
-            </a:r>
-            <a:r>
-              <a:rPr lang="en-US" dirty="0" smtClean="0"/>
-              <a:t>++ guide</a:t>
-            </a:r>
-            <a:endParaRPr lang="en-US" dirty="0"/>
-          </a:p>
-        </p:txBody>
-      </p:sp>
-      <p:sp>
-        <p:nvSpPr>
-          <p:cNvPr id="3" name="Content Placeholder 2"/>
-          <p:cNvSpPr>
-            <a:spLocks noGrp="1"/>
-          </p:cNvSpPr>
-          <p:nvPr>
-            <p:ph idx="1"/>
-          </p:nvPr>
-        </p:nvSpPr>
-        <p:spPr/>
-        <p:txBody>
-          <a:bodyPr>
-            <a:normAutofit fontScale="92500"/>
-          </a:bodyPr>
-          <a:lstStyle/>
-          <a:p>
-            <a:pPr marL="0" indent="0">
-              <a:buNone/>
-            </a:pPr>
-            <a:r>
-              <a:rPr lang="en-US" sz="2000" dirty="0">
-                <a:hlinkClick r:id="rId2"/>
-              </a:rPr>
-              <a:t>http://</a:t>
-            </a:r>
-            <a:r>
-              <a:rPr lang="en-US" sz="2000" dirty="0" smtClean="0">
-                <a:hlinkClick r:id="rId2"/>
-              </a:rPr>
-              <a:t>google-styleguide.googlecode.com/svn/trunk/cppguide.html</a:t>
-            </a:r>
-            <a:endParaRPr lang="en-US" sz="2000" dirty="0" smtClean="0"/>
-          </a:p>
-          <a:p>
-            <a:pPr marL="400050" lvl="1" indent="0">
-              <a:buNone/>
-            </a:pPr>
-            <a:endParaRPr lang="en-US" sz="1400" dirty="0" smtClean="0"/>
-          </a:p>
-          <a:p>
-            <a:pPr marL="400050" lvl="1" indent="0">
-              <a:buNone/>
-            </a:pPr>
-            <a:r>
-              <a:rPr lang="en-US" sz="1800" dirty="0" smtClean="0">
-                <a:latin typeface="Consolas" panose="020B0609020204030204" pitchFamily="49" charset="0"/>
-                <a:cs typeface="Consolas" panose="020B0609020204030204" pitchFamily="49" charset="0"/>
-              </a:rPr>
-              <a:t>“Programmers </a:t>
-            </a:r>
-            <a:r>
-              <a:rPr lang="en-US" sz="1800" dirty="0">
-                <a:latin typeface="Consolas" panose="020B0609020204030204" pitchFamily="49" charset="0"/>
-                <a:cs typeface="Consolas" panose="020B0609020204030204" pitchFamily="49" charset="0"/>
-              </a:rPr>
-              <a:t>have to understand the difference between auto and </a:t>
-            </a:r>
-            <a:r>
-              <a:rPr lang="en-US" sz="1800" dirty="0" err="1">
-                <a:latin typeface="Consolas" panose="020B0609020204030204" pitchFamily="49" charset="0"/>
-                <a:cs typeface="Consolas" panose="020B0609020204030204" pitchFamily="49" charset="0"/>
-              </a:rPr>
-              <a:t>const</a:t>
-            </a:r>
-            <a:r>
-              <a:rPr lang="en-US" sz="1800" dirty="0">
-                <a:latin typeface="Consolas" panose="020B0609020204030204" pitchFamily="49" charset="0"/>
-                <a:cs typeface="Consolas" panose="020B0609020204030204" pitchFamily="49" charset="0"/>
-              </a:rPr>
-              <a:t> auto&amp; or they'll get copies when they didn't mean to.</a:t>
-            </a:r>
-          </a:p>
-          <a:p>
-            <a:pPr marL="400050" lvl="1" indent="0">
-              <a:buNone/>
-            </a:pPr>
-            <a:endParaRPr lang="en-US" sz="1800" dirty="0">
+              <a:rPr lang="en-US" dirty="0" err="1" smtClean="0">
+                <a:latin typeface="Consolas" panose="020B0609020204030204" pitchFamily="49" charset="0"/>
+                <a:cs typeface="Consolas" panose="020B0609020204030204" pitchFamily="49" charset="0"/>
+              </a:rPr>
+              <a:t>std</a:t>
+            </a:r>
+            <a:r>
+              <a:rPr lang="en-US" dirty="0" smtClean="0">
+                <a:latin typeface="Consolas" panose="020B0609020204030204" pitchFamily="49" charset="0"/>
+                <a:cs typeface="Consolas" panose="020B0609020204030204" pitchFamily="49" charset="0"/>
+              </a:rPr>
+              <a:t>::</a:t>
+            </a:r>
+            <a:r>
+              <a:rPr lang="en-US" dirty="0" err="1" smtClean="0">
+                <a:latin typeface="Consolas" panose="020B0609020204030204" pitchFamily="49" charset="0"/>
+                <a:cs typeface="Consolas" panose="020B0609020204030204" pitchFamily="49" charset="0"/>
+              </a:rPr>
+              <a:t>to_string</a:t>
+            </a:r>
+            <a:endParaRPr lang="en-US" dirty="0">
               <a:latin typeface="Consolas" panose="020B0609020204030204" pitchFamily="49" charset="0"/>
               <a:cs typeface="Consolas" panose="020B0609020204030204" pitchFamily="49" charset="0"/>
             </a:endParaRPr>
           </a:p>
-          <a:p>
-            <a:pPr marL="400050" lvl="1" indent="0">
-              <a:buNone/>
-            </a:pPr>
-            <a:r>
-              <a:rPr lang="en-US" sz="1800" dirty="0">
-                <a:latin typeface="Consolas" panose="020B0609020204030204" pitchFamily="49" charset="0"/>
-                <a:cs typeface="Consolas" panose="020B0609020204030204" pitchFamily="49" charset="0"/>
-              </a:rPr>
-              <a:t>The interaction between auto and C++11 brace-initialization can be confusing. The declarations:</a:t>
-            </a:r>
-          </a:p>
-          <a:p>
-            <a:pPr marL="400050" lvl="1" indent="0">
-              <a:buNone/>
-            </a:pPr>
-            <a:endParaRPr lang="en-US" sz="1800" dirty="0">
+        </p:txBody>
+      </p:sp>
+      <p:sp>
+        <p:nvSpPr>
+          <p:cNvPr id="3" name="Content Placeholder 2"/>
+          <p:cNvSpPr>
+            <a:spLocks noGrp="1"/>
+          </p:cNvSpPr>
+          <p:nvPr>
+            <p:ph idx="1"/>
+          </p:nvPr>
+        </p:nvSpPr>
+        <p:spPr/>
+        <p:txBody>
+          <a:bodyPr>
+            <a:normAutofit/>
+          </a:bodyPr>
+          <a:lstStyle/>
+          <a:p>
+            <a:r>
+              <a:rPr lang="en-US" dirty="0" smtClean="0"/>
+              <a:t>Works with all sorts of numeric types</a:t>
+            </a:r>
+          </a:p>
+          <a:p>
+            <a:r>
+              <a:rPr lang="en-US" dirty="0" smtClean="0"/>
+              <a:t>Caveat (google </a:t>
+            </a:r>
+            <a:r>
+              <a:rPr lang="en-US" dirty="0" err="1" smtClean="0"/>
+              <a:t>FlatBuffers</a:t>
+            </a:r>
+            <a:r>
+              <a:rPr lang="en-US" dirty="0" smtClean="0"/>
+              <a:t>):</a:t>
+            </a:r>
+          </a:p>
+          <a:p>
+            <a:pPr marL="0" indent="0">
+              <a:buNone/>
+            </a:pPr>
+            <a:endParaRPr lang="en-US" sz="1200" dirty="0" smtClean="0">
               <a:latin typeface="Consolas" panose="020B0609020204030204" pitchFamily="49" charset="0"/>
               <a:cs typeface="Consolas" panose="020B0609020204030204" pitchFamily="49" charset="0"/>
             </a:endParaRPr>
           </a:p>
           <a:p>
-            <a:pPr marL="400050" lvl="1" indent="0">
-              <a:buNone/>
-            </a:pPr>
-            <a:r>
-              <a:rPr lang="en-US" sz="1800" dirty="0">
-                <a:latin typeface="Consolas" panose="020B0609020204030204" pitchFamily="49" charset="0"/>
-                <a:cs typeface="Consolas" panose="020B0609020204030204" pitchFamily="49" charset="0"/>
-              </a:rPr>
-              <a:t>auto x(3);  // </a:t>
-            </a:r>
-            <a:r>
-              <a:rPr lang="en-US" sz="1800" dirty="0">
-                <a:solidFill>
-                  <a:srgbClr val="FF0000"/>
-                </a:solidFill>
-                <a:latin typeface="Consolas" panose="020B0609020204030204" pitchFamily="49" charset="0"/>
-                <a:cs typeface="Consolas" panose="020B0609020204030204" pitchFamily="49" charset="0"/>
-              </a:rPr>
-              <a:t>Note: parentheses.</a:t>
-            </a:r>
-          </a:p>
-          <a:p>
-            <a:pPr marL="400050" lvl="1" indent="0">
-              <a:buNone/>
-            </a:pPr>
-            <a:r>
-              <a:rPr lang="en-US" sz="1800" dirty="0">
-                <a:latin typeface="Consolas" panose="020B0609020204030204" pitchFamily="49" charset="0"/>
-                <a:cs typeface="Consolas" panose="020B0609020204030204" pitchFamily="49" charset="0"/>
-              </a:rPr>
-              <a:t>auto y{3};  // </a:t>
-            </a:r>
-            <a:r>
-              <a:rPr lang="en-US" sz="1800" dirty="0">
-                <a:solidFill>
-                  <a:srgbClr val="FF0000"/>
-                </a:solidFill>
-                <a:latin typeface="Consolas" panose="020B0609020204030204" pitchFamily="49" charset="0"/>
-                <a:cs typeface="Consolas" panose="020B0609020204030204" pitchFamily="49" charset="0"/>
-              </a:rPr>
-              <a:t>Note: curly braces.</a:t>
-            </a:r>
-          </a:p>
-          <a:p>
-            <a:pPr marL="400050" lvl="1" indent="0">
-              <a:buNone/>
-            </a:pPr>
-            <a:endParaRPr lang="en-US" sz="1800" dirty="0" smtClean="0">
+            <a:pPr marL="0" indent="0">
+              <a:buNone/>
+            </a:pPr>
+            <a:r>
+              <a:rPr lang="en-US" sz="1200" dirty="0" smtClean="0">
+                <a:latin typeface="Consolas" panose="020B0609020204030204" pitchFamily="49" charset="0"/>
+                <a:cs typeface="Consolas" panose="020B0609020204030204" pitchFamily="49" charset="0"/>
+              </a:rPr>
+              <a:t>  namespace </a:t>
+            </a:r>
+            <a:r>
+              <a:rPr lang="en-US" sz="1200" dirty="0" err="1">
+                <a:latin typeface="Consolas" panose="020B0609020204030204" pitchFamily="49" charset="0"/>
+                <a:cs typeface="Consolas" panose="020B0609020204030204" pitchFamily="49" charset="0"/>
+              </a:rPr>
+              <a:t>flatbuffers</a:t>
+            </a:r>
+            <a:r>
+              <a:rPr lang="en-US" sz="1200" dirty="0">
+                <a:latin typeface="Consolas" panose="020B0609020204030204" pitchFamily="49" charset="0"/>
+                <a:cs typeface="Consolas" panose="020B0609020204030204" pitchFamily="49" charset="0"/>
+              </a:rPr>
+              <a:t> {</a:t>
+            </a:r>
+          </a:p>
+          <a:p>
+            <a:pPr marL="0" indent="0">
+              <a:buNone/>
+            </a:pPr>
+            <a:r>
+              <a:rPr lang="en-US" sz="1200" dirty="0" smtClean="0">
+                <a:latin typeface="Consolas" panose="020B0609020204030204" pitchFamily="49" charset="0"/>
+                <a:cs typeface="Consolas" panose="020B0609020204030204" pitchFamily="49" charset="0"/>
+              </a:rPr>
+              <a:t>    // </a:t>
+            </a:r>
+            <a:r>
+              <a:rPr lang="en-US" sz="1200" dirty="0">
+                <a:latin typeface="Consolas" panose="020B0609020204030204" pitchFamily="49" charset="0"/>
+                <a:cs typeface="Consolas" panose="020B0609020204030204" pitchFamily="49" charset="0"/>
+              </a:rPr>
+              <a:t>Convert an integer or floating point value to a string.</a:t>
+            </a:r>
+          </a:p>
+          <a:p>
+            <a:pPr marL="0" indent="0">
+              <a:buNone/>
+            </a:pPr>
+            <a:r>
+              <a:rPr lang="en-US" sz="1200" dirty="0" smtClean="0">
+                <a:latin typeface="Consolas" panose="020B0609020204030204" pitchFamily="49" charset="0"/>
+                <a:cs typeface="Consolas" panose="020B0609020204030204" pitchFamily="49" charset="0"/>
+              </a:rPr>
+              <a:t>    // </a:t>
+            </a:r>
+            <a:r>
+              <a:rPr lang="en-US" sz="1200" dirty="0">
+                <a:latin typeface="Consolas" panose="020B0609020204030204" pitchFamily="49" charset="0"/>
+                <a:cs typeface="Consolas" panose="020B0609020204030204" pitchFamily="49" charset="0"/>
+              </a:rPr>
+              <a:t>In contrast to </a:t>
+            </a:r>
+            <a:r>
+              <a:rPr lang="en-US" sz="1200" dirty="0" err="1">
+                <a:latin typeface="Consolas" panose="020B0609020204030204" pitchFamily="49" charset="0"/>
+                <a:cs typeface="Consolas" panose="020B0609020204030204" pitchFamily="49" charset="0"/>
+              </a:rPr>
+              <a:t>std</a:t>
+            </a:r>
+            <a:r>
+              <a:rPr lang="en-US" sz="1200" dirty="0">
+                <a:latin typeface="Consolas" panose="020B0609020204030204" pitchFamily="49" charset="0"/>
+                <a:cs typeface="Consolas" panose="020B0609020204030204" pitchFamily="49" charset="0"/>
+              </a:rPr>
+              <a:t>::</a:t>
+            </a:r>
+            <a:r>
+              <a:rPr lang="en-US" sz="1200" dirty="0" err="1">
+                <a:latin typeface="Consolas" panose="020B0609020204030204" pitchFamily="49" charset="0"/>
+                <a:cs typeface="Consolas" panose="020B0609020204030204" pitchFamily="49" charset="0"/>
+              </a:rPr>
+              <a:t>stringstream</a:t>
+            </a:r>
+            <a:r>
+              <a:rPr lang="en-US" sz="1200" dirty="0">
+                <a:latin typeface="Consolas" panose="020B0609020204030204" pitchFamily="49" charset="0"/>
+                <a:cs typeface="Consolas" panose="020B0609020204030204" pitchFamily="49" charset="0"/>
+              </a:rPr>
+              <a:t>, "char" values </a:t>
+            </a:r>
+            <a:r>
+              <a:rPr lang="en-US" sz="1200" dirty="0" smtClean="0">
+                <a:latin typeface="Consolas" panose="020B0609020204030204" pitchFamily="49" charset="0"/>
+                <a:cs typeface="Consolas" panose="020B0609020204030204" pitchFamily="49" charset="0"/>
+              </a:rPr>
+              <a:t>are converted </a:t>
+            </a:r>
+            <a:r>
+              <a:rPr lang="en-US" sz="1200" dirty="0">
+                <a:latin typeface="Consolas" panose="020B0609020204030204" pitchFamily="49" charset="0"/>
+                <a:cs typeface="Consolas" panose="020B0609020204030204" pitchFamily="49" charset="0"/>
+              </a:rPr>
+              <a:t>to a string of digits.</a:t>
+            </a:r>
+          </a:p>
+          <a:p>
+            <a:pPr marL="0" indent="0">
+              <a:buNone/>
+            </a:pPr>
+            <a:r>
+              <a:rPr lang="en-US" sz="1200" dirty="0" smtClean="0">
+                <a:latin typeface="Consolas" panose="020B0609020204030204" pitchFamily="49" charset="0"/>
+                <a:cs typeface="Consolas" panose="020B0609020204030204" pitchFamily="49" charset="0"/>
+              </a:rPr>
+              <a:t>    template&lt;</a:t>
+            </a:r>
+            <a:r>
+              <a:rPr lang="en-US" sz="1200" dirty="0" err="1" smtClean="0">
+                <a:latin typeface="Consolas" panose="020B0609020204030204" pitchFamily="49" charset="0"/>
+                <a:cs typeface="Consolas" panose="020B0609020204030204" pitchFamily="49" charset="0"/>
+              </a:rPr>
+              <a:t>typename</a:t>
+            </a:r>
+            <a:r>
+              <a:rPr lang="en-US" sz="1200" dirty="0" smtClean="0">
+                <a:latin typeface="Consolas" panose="020B0609020204030204" pitchFamily="49" charset="0"/>
+                <a:cs typeface="Consolas" panose="020B0609020204030204" pitchFamily="49" charset="0"/>
+              </a:rPr>
+              <a:t> </a:t>
+            </a:r>
+            <a:r>
+              <a:rPr lang="en-US" sz="1200" dirty="0">
+                <a:latin typeface="Consolas" panose="020B0609020204030204" pitchFamily="49" charset="0"/>
+                <a:cs typeface="Consolas" panose="020B0609020204030204" pitchFamily="49" charset="0"/>
+              </a:rPr>
+              <a:t>T&gt; </a:t>
+            </a:r>
+            <a:r>
+              <a:rPr lang="en-US" sz="1200" dirty="0" err="1">
+                <a:latin typeface="Consolas" panose="020B0609020204030204" pitchFamily="49" charset="0"/>
+                <a:cs typeface="Consolas" panose="020B0609020204030204" pitchFamily="49" charset="0"/>
+              </a:rPr>
+              <a:t>std</a:t>
+            </a:r>
+            <a:r>
+              <a:rPr lang="en-US" sz="1200" dirty="0">
+                <a:latin typeface="Consolas" panose="020B0609020204030204" pitchFamily="49" charset="0"/>
+                <a:cs typeface="Consolas" panose="020B0609020204030204" pitchFamily="49" charset="0"/>
+              </a:rPr>
+              <a:t>::string </a:t>
+            </a:r>
+            <a:r>
+              <a:rPr lang="en-US" sz="1200" dirty="0" err="1">
+                <a:latin typeface="Consolas" panose="020B0609020204030204" pitchFamily="49" charset="0"/>
+                <a:cs typeface="Consolas" panose="020B0609020204030204" pitchFamily="49" charset="0"/>
+              </a:rPr>
+              <a:t>NumToString</a:t>
+            </a:r>
+            <a:r>
+              <a:rPr lang="en-US" sz="1200" dirty="0">
+                <a:latin typeface="Consolas" panose="020B0609020204030204" pitchFamily="49" charset="0"/>
+                <a:cs typeface="Consolas" panose="020B0609020204030204" pitchFamily="49" charset="0"/>
+              </a:rPr>
+              <a:t>(T t</a:t>
+            </a:r>
+            <a:r>
+              <a:rPr lang="en-US" sz="1200" dirty="0" smtClean="0">
+                <a:latin typeface="Consolas" panose="020B0609020204030204" pitchFamily="49" charset="0"/>
+                <a:cs typeface="Consolas" panose="020B0609020204030204" pitchFamily="49" charset="0"/>
+              </a:rPr>
+              <a:t>)</a:t>
+            </a:r>
+          </a:p>
+          <a:p>
+            <a:pPr marL="0" indent="0">
+              <a:buNone/>
+            </a:pPr>
+            <a:r>
+              <a:rPr lang="en-US" sz="1200" dirty="0">
+                <a:latin typeface="Consolas" panose="020B0609020204030204" pitchFamily="49" charset="0"/>
+                <a:cs typeface="Consolas" panose="020B0609020204030204" pitchFamily="49" charset="0"/>
+              </a:rPr>
+              <a:t> </a:t>
+            </a:r>
+            <a:r>
+              <a:rPr lang="en-US" sz="1200" dirty="0" smtClean="0">
+                <a:latin typeface="Consolas" panose="020B0609020204030204" pitchFamily="49" charset="0"/>
+                <a:cs typeface="Consolas" panose="020B0609020204030204" pitchFamily="49" charset="0"/>
+              </a:rPr>
+              <a:t>  {</a:t>
+            </a:r>
+            <a:endParaRPr lang="en-US" sz="1200" dirty="0">
               <a:latin typeface="Consolas" panose="020B0609020204030204" pitchFamily="49" charset="0"/>
               <a:cs typeface="Consolas" panose="020B0609020204030204" pitchFamily="49" charset="0"/>
             </a:endParaRPr>
           </a:p>
           <a:p>
-            <a:pPr marL="400050" lvl="1" indent="0">
-              <a:buNone/>
-            </a:pPr>
-            <a:r>
-              <a:rPr lang="en-US" sz="2400" dirty="0" smtClean="0">
-                <a:latin typeface="Consolas" panose="020B0609020204030204" pitchFamily="49" charset="0"/>
-                <a:cs typeface="Consolas" panose="020B0609020204030204" pitchFamily="49" charset="0"/>
-              </a:rPr>
-              <a:t>mean </a:t>
-            </a:r>
-            <a:r>
-              <a:rPr lang="en-US" sz="2400" dirty="0">
-                <a:latin typeface="Consolas" panose="020B0609020204030204" pitchFamily="49" charset="0"/>
-                <a:cs typeface="Consolas" panose="020B0609020204030204" pitchFamily="49" charset="0"/>
-              </a:rPr>
-              <a:t>different things — x is an </a:t>
-            </a:r>
-            <a:r>
-              <a:rPr lang="en-US" sz="2400" dirty="0" err="1">
-                <a:latin typeface="Consolas" panose="020B0609020204030204" pitchFamily="49" charset="0"/>
-                <a:cs typeface="Consolas" panose="020B0609020204030204" pitchFamily="49" charset="0"/>
-              </a:rPr>
-              <a:t>int</a:t>
-            </a:r>
-            <a:r>
-              <a:rPr lang="en-US" sz="2400" dirty="0">
-                <a:latin typeface="Consolas" panose="020B0609020204030204" pitchFamily="49" charset="0"/>
-                <a:cs typeface="Consolas" panose="020B0609020204030204" pitchFamily="49" charset="0"/>
-              </a:rPr>
-              <a:t>, while y is a </a:t>
-            </a:r>
-            <a:r>
-              <a:rPr lang="en-US" sz="2400" dirty="0" err="1">
+            <a:pPr marL="0" indent="0">
+              <a:buNone/>
+            </a:pPr>
+            <a:r>
+              <a:rPr lang="en-US" sz="1200" b="1" dirty="0" smtClean="0">
+                <a:latin typeface="Consolas" panose="020B0609020204030204" pitchFamily="49" charset="0"/>
+                <a:cs typeface="Consolas" panose="020B0609020204030204" pitchFamily="49" charset="0"/>
+              </a:rPr>
+              <a:t>        </a:t>
+            </a:r>
+            <a:r>
+              <a:rPr lang="en-US" sz="1200" b="1" dirty="0">
+                <a:latin typeface="Consolas" panose="020B0609020204030204" pitchFamily="49" charset="0"/>
+                <a:cs typeface="Consolas" panose="020B0609020204030204" pitchFamily="49" charset="0"/>
+              </a:rPr>
+              <a:t>// </a:t>
+            </a:r>
+            <a:r>
+              <a:rPr lang="en-US" sz="1200" b="1" dirty="0" err="1">
+                <a:latin typeface="Consolas" panose="020B0609020204030204" pitchFamily="49" charset="0"/>
+                <a:cs typeface="Consolas" panose="020B0609020204030204" pitchFamily="49" charset="0"/>
+              </a:rPr>
+              <a:t>to_string</a:t>
+            </a:r>
+            <a:r>
+              <a:rPr lang="en-US" sz="1200" b="1" dirty="0">
+                <a:latin typeface="Consolas" panose="020B0609020204030204" pitchFamily="49" charset="0"/>
+                <a:cs typeface="Consolas" panose="020B0609020204030204" pitchFamily="49" charset="0"/>
+              </a:rPr>
+              <a:t>() prints different numbers of digits for floats depending on</a:t>
+            </a:r>
+          </a:p>
+          <a:p>
+            <a:pPr marL="0" indent="0">
+              <a:buNone/>
+            </a:pPr>
+            <a:r>
+              <a:rPr lang="en-US" sz="1200" b="1" dirty="0" smtClean="0">
+                <a:latin typeface="Consolas" panose="020B0609020204030204" pitchFamily="49" charset="0"/>
+                <a:cs typeface="Consolas" panose="020B0609020204030204" pitchFamily="49" charset="0"/>
+              </a:rPr>
+              <a:t>        </a:t>
+            </a:r>
+            <a:r>
+              <a:rPr lang="en-US" sz="1200" b="1" dirty="0">
+                <a:latin typeface="Consolas" panose="020B0609020204030204" pitchFamily="49" charset="0"/>
+                <a:cs typeface="Consolas" panose="020B0609020204030204" pitchFamily="49" charset="0"/>
+              </a:rPr>
+              <a:t>// platform and isn't available on Android, so we use </a:t>
+            </a:r>
+            <a:r>
+              <a:rPr lang="en-US" sz="1200" b="1" dirty="0" err="1">
+                <a:latin typeface="Consolas" panose="020B0609020204030204" pitchFamily="49" charset="0"/>
+                <a:cs typeface="Consolas" panose="020B0609020204030204" pitchFamily="49" charset="0"/>
+              </a:rPr>
+              <a:t>stringstream</a:t>
+            </a:r>
+            <a:endParaRPr lang="en-US" sz="1200" b="1" dirty="0">
+              <a:latin typeface="Consolas" panose="020B0609020204030204" pitchFamily="49" charset="0"/>
+              <a:cs typeface="Consolas" panose="020B0609020204030204" pitchFamily="49" charset="0"/>
+            </a:endParaRPr>
+          </a:p>
+          <a:p>
+            <a:pPr marL="0" indent="0">
+              <a:buNone/>
+            </a:pPr>
+            <a:r>
+              <a:rPr lang="en-US" sz="1200" dirty="0" smtClean="0">
+                <a:latin typeface="Consolas" panose="020B0609020204030204" pitchFamily="49" charset="0"/>
+                <a:cs typeface="Consolas" panose="020B0609020204030204" pitchFamily="49" charset="0"/>
+              </a:rPr>
+              <a:t>        </a:t>
+            </a:r>
+            <a:r>
+              <a:rPr lang="en-US" sz="1200" dirty="0" err="1">
                 <a:latin typeface="Consolas" panose="020B0609020204030204" pitchFamily="49" charset="0"/>
                 <a:cs typeface="Consolas" panose="020B0609020204030204" pitchFamily="49" charset="0"/>
               </a:rPr>
               <a:t>std</a:t>
             </a:r>
             <a:r>
-              <a:rPr lang="en-US" sz="2400" dirty="0">
+              <a:rPr lang="en-US" sz="1200" dirty="0">
                 <a:latin typeface="Consolas" panose="020B0609020204030204" pitchFamily="49" charset="0"/>
                 <a:cs typeface="Consolas" panose="020B0609020204030204" pitchFamily="49" charset="0"/>
               </a:rPr>
               <a:t>::</a:t>
             </a:r>
             <a:r>
-              <a:rPr lang="en-US" sz="2400" dirty="0" err="1">
-                <a:latin typeface="Consolas" panose="020B0609020204030204" pitchFamily="49" charset="0"/>
-                <a:cs typeface="Consolas" panose="020B0609020204030204" pitchFamily="49" charset="0"/>
-              </a:rPr>
-              <a:t>initializer_list</a:t>
-            </a:r>
-            <a:r>
-              <a:rPr lang="en-US" sz="2400" dirty="0">
-                <a:latin typeface="Consolas" panose="020B0609020204030204" pitchFamily="49" charset="0"/>
-                <a:cs typeface="Consolas" panose="020B0609020204030204" pitchFamily="49" charset="0"/>
-              </a:rPr>
-              <a:t>&lt;</a:t>
-            </a:r>
-            <a:r>
-              <a:rPr lang="en-US" sz="2400" dirty="0" err="1">
-                <a:latin typeface="Consolas" panose="020B0609020204030204" pitchFamily="49" charset="0"/>
-                <a:cs typeface="Consolas" panose="020B0609020204030204" pitchFamily="49" charset="0"/>
-              </a:rPr>
-              <a:t>int</a:t>
-            </a:r>
-            <a:r>
-              <a:rPr lang="en-US" sz="2400" dirty="0">
-                <a:latin typeface="Consolas" panose="020B0609020204030204" pitchFamily="49" charset="0"/>
-                <a:cs typeface="Consolas" panose="020B0609020204030204" pitchFamily="49" charset="0"/>
-              </a:rPr>
-              <a:t>&gt;. The same applies to other normally-invisible proxy types.</a:t>
-            </a:r>
+              <a:rPr lang="en-US" sz="1200" dirty="0" err="1">
+                <a:latin typeface="Consolas" panose="020B0609020204030204" pitchFamily="49" charset="0"/>
+                <a:cs typeface="Consolas" panose="020B0609020204030204" pitchFamily="49" charset="0"/>
+              </a:rPr>
+              <a:t>stringstream</a:t>
+            </a:r>
+            <a:r>
+              <a:rPr lang="en-US" sz="1200" dirty="0">
+                <a:latin typeface="Consolas" panose="020B0609020204030204" pitchFamily="49" charset="0"/>
+                <a:cs typeface="Consolas" panose="020B0609020204030204" pitchFamily="49" charset="0"/>
+              </a:rPr>
+              <a:t> </a:t>
+            </a:r>
+            <a:r>
+              <a:rPr lang="en-US" sz="1200" dirty="0" err="1">
+                <a:latin typeface="Consolas" panose="020B0609020204030204" pitchFamily="49" charset="0"/>
+                <a:cs typeface="Consolas" panose="020B0609020204030204" pitchFamily="49" charset="0"/>
+              </a:rPr>
+              <a:t>ss</a:t>
+            </a:r>
+            <a:r>
+              <a:rPr lang="en-US" sz="1200" dirty="0">
+                <a:latin typeface="Consolas" panose="020B0609020204030204" pitchFamily="49" charset="0"/>
+                <a:cs typeface="Consolas" panose="020B0609020204030204" pitchFamily="49" charset="0"/>
+              </a:rPr>
+              <a:t>;</a:t>
+            </a:r>
+          </a:p>
+          <a:p>
+            <a:pPr marL="0" indent="0">
+              <a:buNone/>
+            </a:pPr>
+            <a:r>
+              <a:rPr lang="en-US" sz="1200" dirty="0" smtClean="0">
+                <a:latin typeface="Consolas" panose="020B0609020204030204" pitchFamily="49" charset="0"/>
+                <a:cs typeface="Consolas" panose="020B0609020204030204" pitchFamily="49" charset="0"/>
+              </a:rPr>
+              <a:t>        </a:t>
+            </a:r>
+            <a:r>
+              <a:rPr lang="en-US" sz="1200" dirty="0" err="1">
+                <a:latin typeface="Consolas" panose="020B0609020204030204" pitchFamily="49" charset="0"/>
+                <a:cs typeface="Consolas" panose="020B0609020204030204" pitchFamily="49" charset="0"/>
+              </a:rPr>
+              <a:t>ss</a:t>
+            </a:r>
+            <a:r>
+              <a:rPr lang="en-US" sz="1200" dirty="0">
+                <a:latin typeface="Consolas" panose="020B0609020204030204" pitchFamily="49" charset="0"/>
+                <a:cs typeface="Consolas" panose="020B0609020204030204" pitchFamily="49" charset="0"/>
+              </a:rPr>
+              <a:t> &lt;&lt; t;</a:t>
+            </a:r>
+          </a:p>
+          <a:p>
+            <a:pPr marL="0" indent="0">
+              <a:buNone/>
+            </a:pPr>
+            <a:r>
+              <a:rPr lang="en-US" sz="1200" dirty="0" smtClean="0">
+                <a:latin typeface="Consolas" panose="020B0609020204030204" pitchFamily="49" charset="0"/>
+                <a:cs typeface="Consolas" panose="020B0609020204030204" pitchFamily="49" charset="0"/>
+              </a:rPr>
+              <a:t>        </a:t>
+            </a:r>
+            <a:r>
+              <a:rPr lang="en-US" sz="1200" dirty="0">
+                <a:latin typeface="Consolas" panose="020B0609020204030204" pitchFamily="49" charset="0"/>
+                <a:cs typeface="Consolas" panose="020B0609020204030204" pitchFamily="49" charset="0"/>
+              </a:rPr>
+              <a:t>return </a:t>
+            </a:r>
+            <a:r>
+              <a:rPr lang="en-US" sz="1200" dirty="0" err="1">
+                <a:latin typeface="Consolas" panose="020B0609020204030204" pitchFamily="49" charset="0"/>
+                <a:cs typeface="Consolas" panose="020B0609020204030204" pitchFamily="49" charset="0"/>
+              </a:rPr>
+              <a:t>ss.str</a:t>
+            </a:r>
+            <a:r>
+              <a:rPr lang="en-US" sz="1200" dirty="0">
+                <a:latin typeface="Consolas" panose="020B0609020204030204" pitchFamily="49" charset="0"/>
+                <a:cs typeface="Consolas" panose="020B0609020204030204" pitchFamily="49" charset="0"/>
+              </a:rPr>
+              <a:t>();</a:t>
+            </a:r>
+          </a:p>
+          <a:p>
+            <a:pPr marL="0" indent="0">
+              <a:buNone/>
+            </a:pPr>
+            <a:r>
+              <a:rPr lang="en-US" sz="1200" dirty="0" smtClean="0">
+                <a:latin typeface="Consolas" panose="020B0609020204030204" pitchFamily="49" charset="0"/>
+                <a:cs typeface="Consolas" panose="020B0609020204030204" pitchFamily="49" charset="0"/>
+              </a:rPr>
+              <a:t>   }</a:t>
+            </a:r>
+            <a:endParaRPr lang="en-US" sz="1200" dirty="0">
+              <a:latin typeface="Consolas" panose="020B0609020204030204" pitchFamily="49" charset="0"/>
+              <a:cs typeface="Consolas" panose="020B0609020204030204" pitchFamily="49" charset="0"/>
+            </a:endParaRPr>
+          </a:p>
+          <a:p>
+            <a:endParaRPr lang="en-US" sz="1400" dirty="0" smtClean="0"/>
           </a:p>
         </p:txBody>
       </p:sp>
     </p:spTree>
     <p:extLst>
       <p:ext uri="{BB962C8B-B14F-4D97-AF65-F5344CB8AC3E}">
-        <p14:creationId xmlns:p14="http://schemas.microsoft.com/office/powerpoint/2010/main" val="3077294350"/>
+        <p14:creationId xmlns:p14="http://schemas.microsoft.com/office/powerpoint/2010/main" val="4177361218"/>
       </p:ext>
     </p:extLst>
   </p:cSld>
   <p:clrMapOvr>
     <a:masterClrMapping/>
   </p:clrMapOvr>
+  <p:timing>
+    <p:tnLst>
+      <p:par>
+        <p:cTn id="1" dur="indefinite" restart="never" nodeType="tmRoot"/>
+      </p:par>
+    </p:tnLst>
+  </p:timing>
 </p:sld>
 </file>
 
@@ -7394,11 +7232,293 @@
           <a:p>
             <a:r>
               <a:rPr lang="en-US" dirty="0" smtClean="0"/>
-              <a:t>Google C</a:t>
-            </a:r>
+              <a:t>Google C++ guide</a:t>
+            </a:r>
+            <a:endParaRPr lang="en-US" dirty="0"/>
+          </a:p>
+        </p:txBody>
+      </p:sp>
+      <p:sp>
+        <p:nvSpPr>
+          <p:cNvPr id="3" name="Content Placeholder 2"/>
+          <p:cNvSpPr>
+            <a:spLocks noGrp="1"/>
+          </p:cNvSpPr>
+          <p:nvPr>
+            <p:ph idx="1"/>
+          </p:nvPr>
+        </p:nvSpPr>
+        <p:spPr/>
+        <p:txBody>
+          <a:bodyPr>
+            <a:normAutofit fontScale="92500"/>
+          </a:bodyPr>
+          <a:lstStyle/>
+          <a:p>
+            <a:pPr marL="0" indent="0">
+              <a:buNone/>
+            </a:pPr>
+            <a:r>
+              <a:rPr lang="en-US" sz="2000" dirty="0">
+                <a:hlinkClick r:id="rId2"/>
+              </a:rPr>
+              <a:t>http://</a:t>
+            </a:r>
+            <a:r>
+              <a:rPr lang="en-US" sz="2000" dirty="0" smtClean="0">
+                <a:hlinkClick r:id="rId2"/>
+              </a:rPr>
+              <a:t>google-styleguide.googlecode.com/svn/trunk/cppguide.html</a:t>
+            </a:r>
+            <a:endParaRPr lang="en-US" sz="2000" dirty="0" smtClean="0"/>
+          </a:p>
+          <a:p>
+            <a:pPr marL="400050" lvl="1" indent="0">
+              <a:buNone/>
+            </a:pPr>
+            <a:endParaRPr lang="en-US" sz="1400" dirty="0" smtClean="0"/>
+          </a:p>
+          <a:p>
+            <a:pPr marL="400050" lvl="1" indent="0">
+              <a:buNone/>
+            </a:pPr>
+            <a:r>
+              <a:rPr lang="en-US" sz="1800" dirty="0" smtClean="0">
+                <a:latin typeface="Consolas" panose="020B0609020204030204" pitchFamily="49" charset="0"/>
+                <a:cs typeface="Consolas" panose="020B0609020204030204" pitchFamily="49" charset="0"/>
+              </a:rPr>
+              <a:t>“Programmers </a:t>
+            </a:r>
+            <a:r>
+              <a:rPr lang="en-US" sz="1800" dirty="0">
+                <a:latin typeface="Consolas" panose="020B0609020204030204" pitchFamily="49" charset="0"/>
+                <a:cs typeface="Consolas" panose="020B0609020204030204" pitchFamily="49" charset="0"/>
+              </a:rPr>
+              <a:t>have to understand the difference between auto and </a:t>
+            </a:r>
+            <a:r>
+              <a:rPr lang="en-US" sz="1800" dirty="0" err="1">
+                <a:latin typeface="Consolas" panose="020B0609020204030204" pitchFamily="49" charset="0"/>
+                <a:cs typeface="Consolas" panose="020B0609020204030204" pitchFamily="49" charset="0"/>
+              </a:rPr>
+              <a:t>const</a:t>
+            </a:r>
+            <a:r>
+              <a:rPr lang="en-US" sz="1800" dirty="0">
+                <a:latin typeface="Consolas" panose="020B0609020204030204" pitchFamily="49" charset="0"/>
+                <a:cs typeface="Consolas" panose="020B0609020204030204" pitchFamily="49" charset="0"/>
+              </a:rPr>
+              <a:t> auto&amp; or they'll get copies when they didn't mean to.</a:t>
+            </a:r>
+          </a:p>
+          <a:p>
+            <a:pPr marL="400050" lvl="1" indent="0">
+              <a:buNone/>
+            </a:pPr>
+            <a:endParaRPr lang="en-US" sz="1800" dirty="0">
+              <a:latin typeface="Consolas" panose="020B0609020204030204" pitchFamily="49" charset="0"/>
+              <a:cs typeface="Consolas" panose="020B0609020204030204" pitchFamily="49" charset="0"/>
+            </a:endParaRPr>
+          </a:p>
+          <a:p>
+            <a:pPr marL="400050" lvl="1" indent="0">
+              <a:buNone/>
+            </a:pPr>
+            <a:r>
+              <a:rPr lang="en-US" sz="1800" dirty="0">
+                <a:latin typeface="Consolas" panose="020B0609020204030204" pitchFamily="49" charset="0"/>
+                <a:cs typeface="Consolas" panose="020B0609020204030204" pitchFamily="49" charset="0"/>
+              </a:rPr>
+              <a:t>The interaction between auto and C++11 brace-initialization can be confusing. The declarations:</a:t>
+            </a:r>
+          </a:p>
+          <a:p>
+            <a:pPr marL="400050" lvl="1" indent="0">
+              <a:buNone/>
+            </a:pPr>
+            <a:endParaRPr lang="en-US" sz="1800" dirty="0">
+              <a:latin typeface="Consolas" panose="020B0609020204030204" pitchFamily="49" charset="0"/>
+              <a:cs typeface="Consolas" panose="020B0609020204030204" pitchFamily="49" charset="0"/>
+            </a:endParaRPr>
+          </a:p>
+          <a:p>
+            <a:pPr marL="400050" lvl="1" indent="0">
+              <a:buNone/>
+            </a:pPr>
+            <a:r>
+              <a:rPr lang="en-US" sz="1800" dirty="0">
+                <a:latin typeface="Consolas" panose="020B0609020204030204" pitchFamily="49" charset="0"/>
+                <a:cs typeface="Consolas" panose="020B0609020204030204" pitchFamily="49" charset="0"/>
+              </a:rPr>
+              <a:t>auto x(3);  // </a:t>
+            </a:r>
+            <a:r>
+              <a:rPr lang="en-US" sz="1800" dirty="0">
+                <a:solidFill>
+                  <a:srgbClr val="FF0000"/>
+                </a:solidFill>
+                <a:latin typeface="Consolas" panose="020B0609020204030204" pitchFamily="49" charset="0"/>
+                <a:cs typeface="Consolas" panose="020B0609020204030204" pitchFamily="49" charset="0"/>
+              </a:rPr>
+              <a:t>Note: parentheses.</a:t>
+            </a:r>
+          </a:p>
+          <a:p>
+            <a:pPr marL="400050" lvl="1" indent="0">
+              <a:buNone/>
+            </a:pPr>
+            <a:r>
+              <a:rPr lang="en-US" sz="1800" dirty="0">
+                <a:latin typeface="Consolas" panose="020B0609020204030204" pitchFamily="49" charset="0"/>
+                <a:cs typeface="Consolas" panose="020B0609020204030204" pitchFamily="49" charset="0"/>
+              </a:rPr>
+              <a:t>auto y{3};  // </a:t>
+            </a:r>
+            <a:r>
+              <a:rPr lang="en-US" sz="1800" dirty="0">
+                <a:solidFill>
+                  <a:srgbClr val="FF0000"/>
+                </a:solidFill>
+                <a:latin typeface="Consolas" panose="020B0609020204030204" pitchFamily="49" charset="0"/>
+                <a:cs typeface="Consolas" panose="020B0609020204030204" pitchFamily="49" charset="0"/>
+              </a:rPr>
+              <a:t>Note: curly braces.</a:t>
+            </a:r>
+          </a:p>
+          <a:p>
+            <a:pPr marL="400050" lvl="1" indent="0">
+              <a:buNone/>
+            </a:pPr>
+            <a:endParaRPr lang="en-US" sz="1800" dirty="0" smtClean="0">
+              <a:latin typeface="Consolas" panose="020B0609020204030204" pitchFamily="49" charset="0"/>
+              <a:cs typeface="Consolas" panose="020B0609020204030204" pitchFamily="49" charset="0"/>
+            </a:endParaRPr>
+          </a:p>
+          <a:p>
+            <a:pPr marL="400050" lvl="1" indent="0">
+              <a:buNone/>
+            </a:pPr>
+            <a:r>
+              <a:rPr lang="en-US" sz="2400" dirty="0" smtClean="0">
+                <a:latin typeface="Consolas" panose="020B0609020204030204" pitchFamily="49" charset="0"/>
+                <a:cs typeface="Consolas" panose="020B0609020204030204" pitchFamily="49" charset="0"/>
+              </a:rPr>
+              <a:t>mean </a:t>
+            </a:r>
+            <a:r>
+              <a:rPr lang="en-US" sz="2400" dirty="0">
+                <a:latin typeface="Consolas" panose="020B0609020204030204" pitchFamily="49" charset="0"/>
+                <a:cs typeface="Consolas" panose="020B0609020204030204" pitchFamily="49" charset="0"/>
+              </a:rPr>
+              <a:t>different things — x is an </a:t>
+            </a:r>
+            <a:r>
+              <a:rPr lang="en-US" sz="2400" dirty="0" err="1">
+                <a:latin typeface="Consolas" panose="020B0609020204030204" pitchFamily="49" charset="0"/>
+                <a:cs typeface="Consolas" panose="020B0609020204030204" pitchFamily="49" charset="0"/>
+              </a:rPr>
+              <a:t>int</a:t>
+            </a:r>
+            <a:r>
+              <a:rPr lang="en-US" sz="2400" dirty="0">
+                <a:latin typeface="Consolas" panose="020B0609020204030204" pitchFamily="49" charset="0"/>
+                <a:cs typeface="Consolas" panose="020B0609020204030204" pitchFamily="49" charset="0"/>
+              </a:rPr>
+              <a:t>, while y is a </a:t>
+            </a:r>
+            <a:r>
+              <a:rPr lang="en-US" sz="2400" dirty="0" err="1">
+                <a:latin typeface="Consolas" panose="020B0609020204030204" pitchFamily="49" charset="0"/>
+                <a:cs typeface="Consolas" panose="020B0609020204030204" pitchFamily="49" charset="0"/>
+              </a:rPr>
+              <a:t>std</a:t>
+            </a:r>
+            <a:r>
+              <a:rPr lang="en-US" sz="2400" dirty="0">
+                <a:latin typeface="Consolas" panose="020B0609020204030204" pitchFamily="49" charset="0"/>
+                <a:cs typeface="Consolas" panose="020B0609020204030204" pitchFamily="49" charset="0"/>
+              </a:rPr>
+              <a:t>::</a:t>
+            </a:r>
+            <a:r>
+              <a:rPr lang="en-US" sz="2400" dirty="0" err="1">
+                <a:latin typeface="Consolas" panose="020B0609020204030204" pitchFamily="49" charset="0"/>
+                <a:cs typeface="Consolas" panose="020B0609020204030204" pitchFamily="49" charset="0"/>
+              </a:rPr>
+              <a:t>initializer_list</a:t>
+            </a:r>
+            <a:r>
+              <a:rPr lang="en-US" sz="2400" dirty="0">
+                <a:latin typeface="Consolas" panose="020B0609020204030204" pitchFamily="49" charset="0"/>
+                <a:cs typeface="Consolas" panose="020B0609020204030204" pitchFamily="49" charset="0"/>
+              </a:rPr>
+              <a:t>&lt;</a:t>
+            </a:r>
+            <a:r>
+              <a:rPr lang="en-US" sz="2400" dirty="0" err="1">
+                <a:latin typeface="Consolas" panose="020B0609020204030204" pitchFamily="49" charset="0"/>
+                <a:cs typeface="Consolas" panose="020B0609020204030204" pitchFamily="49" charset="0"/>
+              </a:rPr>
+              <a:t>int</a:t>
+            </a:r>
+            <a:r>
+              <a:rPr lang="en-US" sz="2400" dirty="0">
+                <a:latin typeface="Consolas" panose="020B0609020204030204" pitchFamily="49" charset="0"/>
+                <a:cs typeface="Consolas" panose="020B0609020204030204" pitchFamily="49" charset="0"/>
+              </a:rPr>
+              <a:t>&gt;. The same applies to other normally-invisible proxy types.</a:t>
+            </a:r>
+          </a:p>
+        </p:txBody>
+      </p:sp>
+    </p:spTree>
+    <p:extLst>
+      <p:ext uri="{BB962C8B-B14F-4D97-AF65-F5344CB8AC3E}">
+        <p14:creationId xmlns:p14="http://schemas.microsoft.com/office/powerpoint/2010/main" val="3077294350"/>
+      </p:ext>
+    </p:extLst>
+  </p:cSld>
+  <p:clrMapOvr>
+    <a:masterClrMapping/>
+  </p:clrMapOvr>
+</p:sld>
+</file>
+
+<file path=ppt/slides/slide25.xml><?xml version="1.0" encoding="utf-8"?>
+<p:sld xmlns:a="http://schemas.openxmlformats.org/drawingml/2006/main" xmlns:r="http://schemas.openxmlformats.org/officeDocument/2006/relationships" xmlns:p="http://schemas.openxmlformats.org/presentationml/2006/main">
+  <p:cSld>
+    <p:spTree>
+      <p:nvGrpSpPr>
+        <p:cNvPr id="1" name=""/>
+        <p:cNvGrpSpPr/>
+        <p:nvPr/>
+      </p:nvGrpSpPr>
+      <p:grpSpPr>
+        <a:xfrm>
+          <a:off x="0" y="0"/>
+          <a:ext cx="0" cy="0"/>
+          <a:chOff x="0" y="0"/>
+          <a:chExt cx="0" cy="0"/>
+        </a:xfrm>
+      </p:grpSpPr>
+      <p:sp>
+        <p:nvSpPr>
+          <p:cNvPr id="2" name="Title 1"/>
+          <p:cNvSpPr>
+            <a:spLocks noGrp="1"/>
+          </p:cNvSpPr>
+          <p:nvPr>
+            <p:ph type="title"/>
+          </p:nvPr>
+        </p:nvSpPr>
+        <p:spPr/>
+        <p:txBody>
+          <a:bodyPr/>
+          <a:lstStyle/>
+          <a:p>
             <a:r>
               <a:rPr lang="en-US" dirty="0" smtClean="0"/>
-              <a:t>++ guide</a:t>
+              <a:t>Google C++ guide</a:t>
             </a:r>
             <a:endParaRPr lang="en-US" dirty="0"/>
           </a:p>
@@ -7627,7 +7747,7 @@
 </p:sld>
 </file>
 
-<file path=ppt/slides/slide25.xml><?xml version="1.0" encoding="utf-8"?>
+<file path=ppt/slides/slide26.xml><?xml version="1.0" encoding="utf-8"?>
 <p:sld xmlns:a="http://schemas.openxmlformats.org/drawingml/2006/main" xmlns:r="http://schemas.openxmlformats.org/officeDocument/2006/relationships" xmlns:p="http://schemas.openxmlformats.org/presentationml/2006/main">
   <p:cSld>
     <p:spTree>
@@ -7661,11 +7781,7 @@
           <a:p>
             <a:r>
               <a:rPr lang="en-US" dirty="0" smtClean="0"/>
-              <a:t>Google C</a:t>
-            </a:r>
-            <a:r>
-              <a:rPr lang="en-US" dirty="0" smtClean="0"/>
-              <a:t>++ guide</a:t>
+              <a:t>Google C++ guide</a:t>
             </a:r>
             <a:endParaRPr lang="en-US" dirty="0"/>
           </a:p>
@@ -7784,7 +7900,7 @@
           <a:p>
             <a:r>
               <a:rPr lang="en-US" dirty="0" smtClean="0"/>
-              <a:t>C++: Alive and Well</a:t>
+              <a:t>Disclaimers	</a:t>
             </a:r>
             <a:endParaRPr lang="en-US" dirty="0"/>
           </a:p>
@@ -7802,55 +7918,88 @@
         </p:nvSpPr>
         <p:spPr/>
         <p:txBody>
-          <a:bodyPr/>
+          <a:bodyPr>
+            <a:normAutofit/>
+          </a:bodyPr>
           <a:lstStyle/>
           <a:p>
             <a:r>
               <a:rPr lang="en-US" dirty="0" smtClean="0"/>
-              <a:t>Facebook:</a:t>
+              <a:t>I like a lot of languages in addition to C++</a:t>
             </a:r>
           </a:p>
           <a:p>
             <a:pPr lvl="1"/>
             <a:r>
-              <a:rPr lang="en-US" dirty="0" err="1"/>
-              <a:t>Proxygen</a:t>
-            </a:r>
-            <a:r>
-              <a:rPr lang="en-US" dirty="0"/>
-              <a:t> makes heavy use of the latest C++ features and depends on </a:t>
-            </a:r>
-            <a:r>
-              <a:rPr lang="en-US" b="1" dirty="0">
+              <a:rPr lang="en-US" dirty="0" smtClean="0"/>
+              <a:t>C# (mostly); Python; Java; PHP; Groovy; would like to learn Ruby and </a:t>
+            </a:r>
+            <a:r>
+              <a:rPr lang="en-US" dirty="0" err="1" smtClean="0"/>
+              <a:t>Clojure</a:t>
+            </a:r>
+            <a:endParaRPr lang="en-US" dirty="0" smtClean="0"/>
+          </a:p>
+          <a:p>
+            <a:r>
+              <a:rPr lang="en-US" dirty="0" smtClean="0"/>
+              <a:t>I use Microsoft C++ mostly</a:t>
+            </a:r>
+          </a:p>
+          <a:p>
+            <a:r>
+              <a:rPr lang="en-US" dirty="0" smtClean="0"/>
+              <a:t>I’m not a C++ expert</a:t>
+            </a:r>
+          </a:p>
+          <a:p>
+            <a:pPr lvl="1"/>
+            <a:r>
+              <a:rPr lang="en-US" dirty="0" smtClean="0"/>
+              <a:t>these challenge me: </a:t>
+            </a:r>
+            <a:r>
+              <a:rPr lang="en-US" dirty="0" smtClean="0">
                 <a:hlinkClick r:id="rId2"/>
               </a:rPr>
-              <a:t>Thrift</a:t>
-            </a:r>
-            <a:r>
-              <a:rPr lang="en-US" dirty="0"/>
-              <a:t> and </a:t>
-            </a:r>
-            <a:r>
-              <a:rPr lang="en-US" b="1" dirty="0">
-                <a:hlinkClick r:id="rId3"/>
-              </a:rPr>
-              <a:t>Folly</a:t>
-            </a:r>
-            <a:r>
-              <a:rPr lang="en-US" dirty="0"/>
-              <a:t> for its underlying network and data abstractions. We make use of move semantics to avoid extra copies for large objects like body buffers and header representations while avoiding typical pitfalls like memory leaks. Additionally, by using non-blocking IO and Linux's </a:t>
-            </a:r>
-            <a:r>
-              <a:rPr lang="en-US" dirty="0" err="1"/>
-              <a:t>epoll</a:t>
-            </a:r>
-            <a:r>
-              <a:rPr lang="en-US" dirty="0"/>
-              <a:t> under the hood, we are able to create a memory and CPU efficient server.</a:t>
-            </a:r>
+              <a:t>http</a:t>
+            </a:r>
+            <a:r>
+              <a:rPr lang="en-US" dirty="0">
+                <a:hlinkClick r:id="rId2"/>
+              </a:rPr>
+              <a:t>://</a:t>
+            </a:r>
+            <a:r>
+              <a:rPr lang="en-US" dirty="0" smtClean="0">
+                <a:hlinkClick r:id="rId2"/>
+              </a:rPr>
+              <a:t>cppquiz.org/quiz/question/1</a:t>
+            </a:r>
+            <a:endParaRPr lang="en-US" dirty="0" smtClean="0"/>
+          </a:p>
+          <a:p>
+            <a:r>
+              <a:rPr lang="en-US" dirty="0" smtClean="0"/>
+              <a:t>It’s fun to learn new things and apply them</a:t>
+            </a:r>
+            <a:endParaRPr lang="en-US" dirty="0"/>
           </a:p>
           <a:p>
             <a:pPr lvl="1"/>
+            <a:endParaRPr lang="en-US" dirty="0" smtClean="0"/>
+          </a:p>
+          <a:p>
+            <a:pPr marL="457200" lvl="1" indent="0">
+              <a:buNone/>
+            </a:pPr>
+            <a:endParaRPr lang="en-US" dirty="0" smtClean="0"/>
+          </a:p>
+          <a:p>
+            <a:pPr lvl="1"/>
+            <a:endParaRPr lang="en-US" dirty="0" smtClean="0"/>
+          </a:p>
+          <a:p>
             <a:endParaRPr lang="en-US" dirty="0"/>
           </a:p>
         </p:txBody>
@@ -7858,7 +8007,7 @@
     </p:spTree>
     <p:extLst>
       <p:ext uri="{BB962C8B-B14F-4D97-AF65-F5344CB8AC3E}">
-        <p14:creationId xmlns:p14="http://schemas.microsoft.com/office/powerpoint/2010/main" val="699224995"/>
+        <p14:creationId xmlns:p14="http://schemas.microsoft.com/office/powerpoint/2010/main" val="3835412766"/>
       </p:ext>
     </p:extLst>
   </p:cSld>
@@ -7909,7 +8058,7 @@
           <a:p>
             <a:r>
               <a:rPr lang="en-US" dirty="0" smtClean="0"/>
-              <a:t>C++ History</a:t>
+              <a:t>C++: Alive and Well</a:t>
             </a:r>
             <a:endParaRPr lang="en-US" dirty="0"/>
           </a:p>
@@ -7931,50 +8080,51 @@
           <a:lstStyle/>
           <a:p>
             <a:r>
-              <a:rPr lang="en-US" dirty="0" err="1" smtClean="0"/>
-              <a:t>Todo</a:t>
-            </a:r>
-            <a:endParaRPr lang="en-US" dirty="0" smtClean="0"/>
-          </a:p>
-          <a:p>
-            <a:r>
               <a:rPr lang="en-US" dirty="0" smtClean="0"/>
-              <a:t>C++03</a:t>
-            </a:r>
-            <a:endParaRPr lang="en-US" dirty="0" smtClean="0"/>
-          </a:p>
-          <a:p>
-            <a:r>
-              <a:rPr lang="en-US" dirty="0" smtClean="0"/>
-              <a:t>TR1: </a:t>
-            </a:r>
-            <a:r>
-              <a:rPr lang="en-US" dirty="0" smtClean="0">
+              <a:t>Facebook:</a:t>
+            </a:r>
+          </a:p>
+          <a:p>
+            <a:pPr lvl="1"/>
+            <a:r>
+              <a:rPr lang="en-US" dirty="0" err="1"/>
+              <a:t>Proxygen</a:t>
+            </a:r>
+            <a:r>
+              <a:rPr lang="en-US" dirty="0"/>
+              <a:t> makes heavy use of the latest C++ features and depends on </a:t>
+            </a:r>
+            <a:r>
+              <a:rPr lang="en-US" b="1" dirty="0">
                 <a:hlinkClick r:id="rId2"/>
               </a:rPr>
-              <a:t>Technical Report 1</a:t>
-            </a:r>
-            <a:endParaRPr lang="en-US" dirty="0" smtClean="0"/>
-          </a:p>
-          <a:p>
-            <a:r>
-              <a:rPr lang="en-US" dirty="0" smtClean="0"/>
-              <a:t>C++11</a:t>
-            </a:r>
-          </a:p>
-          <a:p>
-            <a:r>
-              <a:rPr lang="en-US" dirty="0" smtClean="0"/>
-              <a:t>C++14</a:t>
-            </a:r>
-          </a:p>
-          <a:p>
-            <a:r>
-              <a:rPr lang="en-US" dirty="0" smtClean="0"/>
-              <a:t>C++17</a:t>
-            </a:r>
-          </a:p>
-          <a:p>
+              <a:t>Thrift</a:t>
+            </a:r>
+            <a:r>
+              <a:rPr lang="en-US" dirty="0"/>
+              <a:t> and </a:t>
+            </a:r>
+            <a:r>
+              <a:rPr lang="en-US" b="1" dirty="0">
+                <a:hlinkClick r:id="rId3"/>
+              </a:rPr>
+              <a:t>Folly</a:t>
+            </a:r>
+            <a:r>
+              <a:rPr lang="en-US" dirty="0"/>
+              <a:t> for its underlying network and data abstractions. We make use of move semantics to avoid extra copies for large objects like body buffers and header representations while avoiding typical pitfalls like memory leaks. Additionally, by using non-blocking IO and Linux's </a:t>
+            </a:r>
+            <a:r>
+              <a:rPr lang="en-US" dirty="0" err="1"/>
+              <a:t>epoll</a:t>
+            </a:r>
+            <a:r>
+              <a:rPr lang="en-US" dirty="0"/>
+              <a:t> under the hood, we are able to create a memory and CPU efficient server.</a:t>
+            </a:r>
+          </a:p>
+          <a:p>
+            <a:pPr lvl="1"/>
             <a:endParaRPr lang="en-US" dirty="0"/>
           </a:p>
         </p:txBody>
@@ -7982,7 +8132,7 @@
     </p:spTree>
     <p:extLst>
       <p:ext uri="{BB962C8B-B14F-4D97-AF65-F5344CB8AC3E}">
-        <p14:creationId xmlns:p14="http://schemas.microsoft.com/office/powerpoint/2010/main" val="3421079094"/>
+        <p14:creationId xmlns:p14="http://schemas.microsoft.com/office/powerpoint/2010/main" val="699224995"/>
       </p:ext>
     </p:extLst>
   </p:cSld>
@@ -8033,6 +8183,129 @@
           <a:p>
             <a:r>
               <a:rPr lang="en-US" dirty="0" smtClean="0"/>
+              <a:t>C++ History</a:t>
+            </a:r>
+            <a:endParaRPr lang="en-US" dirty="0"/>
+          </a:p>
+        </p:txBody>
+      </p:sp>
+      <p:sp>
+        <p:nvSpPr>
+          <p:cNvPr id="3" name="Content Placeholder 2"/>
+          <p:cNvSpPr>
+            <a:spLocks noGrp="1"/>
+          </p:cNvSpPr>
+          <p:nvPr>
+            <p:ph idx="1"/>
+          </p:nvPr>
+        </p:nvSpPr>
+        <p:spPr/>
+        <p:txBody>
+          <a:bodyPr/>
+          <a:lstStyle/>
+          <a:p>
+            <a:r>
+              <a:rPr lang="en-US" dirty="0" err="1" smtClean="0"/>
+              <a:t>Todo</a:t>
+            </a:r>
+            <a:endParaRPr lang="en-US" dirty="0" smtClean="0"/>
+          </a:p>
+          <a:p>
+            <a:r>
+              <a:rPr lang="en-US" dirty="0" smtClean="0"/>
+              <a:t>C++03</a:t>
+            </a:r>
+          </a:p>
+          <a:p>
+            <a:r>
+              <a:rPr lang="en-US" dirty="0" smtClean="0"/>
+              <a:t>TR1: </a:t>
+            </a:r>
+            <a:r>
+              <a:rPr lang="en-US" dirty="0" smtClean="0">
+                <a:hlinkClick r:id="rId2"/>
+              </a:rPr>
+              <a:t>Technical Report 1</a:t>
+            </a:r>
+            <a:endParaRPr lang="en-US" dirty="0" smtClean="0"/>
+          </a:p>
+          <a:p>
+            <a:r>
+              <a:rPr lang="en-US" dirty="0" smtClean="0"/>
+              <a:t>C++11</a:t>
+            </a:r>
+          </a:p>
+          <a:p>
+            <a:r>
+              <a:rPr lang="en-US" dirty="0" smtClean="0"/>
+              <a:t>C++14</a:t>
+            </a:r>
+          </a:p>
+          <a:p>
+            <a:r>
+              <a:rPr lang="en-US" dirty="0" smtClean="0"/>
+              <a:t>C++17</a:t>
+            </a:r>
+          </a:p>
+          <a:p>
+            <a:endParaRPr lang="en-US" dirty="0"/>
+          </a:p>
+        </p:txBody>
+      </p:sp>
+    </p:spTree>
+    <p:extLst>
+      <p:ext uri="{BB962C8B-B14F-4D97-AF65-F5344CB8AC3E}">
+        <p14:creationId xmlns:p14="http://schemas.microsoft.com/office/powerpoint/2010/main" val="3421079094"/>
+      </p:ext>
+    </p:extLst>
+  </p:cSld>
+  <p:clrMapOvr>
+    <a:masterClrMapping/>
+  </p:clrMapOvr>
+  <p:timing>
+    <p:tnLst>
+      <p:par>
+        <p:cTn id="1" dur="indefinite" restart="never" nodeType="tmRoot"/>
+      </p:par>
+    </p:tnLst>
+  </p:timing>
+</p:sld>
+</file>
+
+<file path=ppt/slides/slide6.xml><?xml version="1.0" encoding="utf-8"?>
+<p:sld xmlns:a="http://schemas.openxmlformats.org/drawingml/2006/main" xmlns:r="http://schemas.openxmlformats.org/officeDocument/2006/relationships" xmlns:p="http://schemas.openxmlformats.org/presentationml/2006/main">
+  <p:cSld>
+    <p:spTree>
+      <p:nvGrpSpPr>
+        <p:cNvPr id="1" name=""/>
+        <p:cNvGrpSpPr/>
+        <p:nvPr/>
+      </p:nvGrpSpPr>
+      <p:grpSpPr>
+        <a:xfrm>
+          <a:off x="0" y="0"/>
+          <a:ext cx="0" cy="0"/>
+          <a:chOff x="0" y="0"/>
+          <a:chExt cx="0" cy="0"/>
+        </a:xfrm>
+      </p:grpSpPr>
+      <p:sp>
+        <p:nvSpPr>
+          <p:cNvPr id="2" name="Title 1"/>
+          <p:cNvSpPr>
+            <a:spLocks noGrp="1"/>
+          </p:cNvSpPr>
+          <p:nvPr>
+            <p:ph type="title"/>
+          </p:nvPr>
+        </p:nvSpPr>
+        <p:spPr/>
+        <p:txBody>
+          <a:bodyPr/>
+          <a:lstStyle/>
+          <a:p>
+            <a:r>
+              <a:rPr lang="en-US" dirty="0" smtClean="0"/>
               <a:t>C++ is Multi-Paradigm</a:t>
             </a:r>
             <a:endParaRPr lang="en-US" dirty="0"/>
@@ -8100,7 +8373,7 @@
 </p:sld>
 </file>
 
-<file path=ppt/slides/slide6.xml><?xml version="1.0" encoding="utf-8"?>
+<file path=ppt/slides/slide7.xml><?xml version="1.0" encoding="utf-8"?>
 <p:sld xmlns:a="http://schemas.openxmlformats.org/drawingml/2006/main" xmlns:r="http://schemas.openxmlformats.org/officeDocument/2006/relationships" xmlns:p="http://schemas.openxmlformats.org/presentationml/2006/main">
   <p:cSld>
     <p:spTree>
@@ -8255,7 +8528,7 @@
 </p:sld>
 </file>
 
-<file path=ppt/slides/slide7.xml><?xml version="1.0" encoding="utf-8"?>
+<file path=ppt/slides/slide8.xml><?xml version="1.0" encoding="utf-8"?>
 <p:sld xmlns:a="http://schemas.openxmlformats.org/drawingml/2006/main" xmlns:r="http://schemas.openxmlformats.org/officeDocument/2006/relationships" xmlns:p="http://schemas.openxmlformats.org/presentationml/2006/main">
   <p:cSld>
     <p:spTree>
@@ -8418,109 +8691,6 @@
 </p:sld>
 </file>
 
-<file path=ppt/slides/slide8.xml><?xml version="1.0" encoding="utf-8"?>
-<p:sld xmlns:a="http://schemas.openxmlformats.org/drawingml/2006/main" xmlns:r="http://schemas.openxmlformats.org/officeDocument/2006/relationships" xmlns:p="http://schemas.openxmlformats.org/presentationml/2006/main">
-  <p:cSld>
-    <p:spTree>
-      <p:nvGrpSpPr>
-        <p:cNvPr id="1" name=""/>
-        <p:cNvGrpSpPr/>
-        <p:nvPr/>
-      </p:nvGrpSpPr>
-      <p:grpSpPr>
-        <a:xfrm>
-          <a:off x="0" y="0"/>
-          <a:ext cx="0" cy="0"/>
-          <a:chOff x="0" y="0"/>
-          <a:chExt cx="0" cy="0"/>
-        </a:xfrm>
-      </p:grpSpPr>
-      <p:sp>
-        <p:nvSpPr>
-          <p:cNvPr id="2" name="Title 1"/>
-          <p:cNvSpPr>
-            <a:spLocks noGrp="1"/>
-          </p:cNvSpPr>
-          <p:nvPr>
-            <p:ph type="title"/>
-          </p:nvPr>
-        </p:nvSpPr>
-        <p:spPr/>
-        <p:txBody>
-          <a:bodyPr/>
-          <a:lstStyle/>
-          <a:p>
-            <a:r>
-              <a:rPr lang="en-US" dirty="0" smtClean="0"/>
-              <a:t>Paradigms: Generic</a:t>
-            </a:r>
-            <a:endParaRPr lang="en-US" dirty="0"/>
-          </a:p>
-        </p:txBody>
-      </p:sp>
-      <p:sp>
-        <p:nvSpPr>
-          <p:cNvPr id="4" name="Content Placeholder 3"/>
-          <p:cNvSpPr>
-            <a:spLocks noGrp="1"/>
-          </p:cNvSpPr>
-          <p:nvPr>
-            <p:ph idx="1"/>
-          </p:nvPr>
-        </p:nvSpPr>
-        <p:spPr/>
-        <p:txBody>
-          <a:bodyPr>
-            <a:normAutofit/>
-          </a:bodyPr>
-          <a:lstStyle/>
-          <a:p>
-            <a:r>
-              <a:rPr lang="en-US" dirty="0" smtClean="0"/>
-              <a:t> Templates</a:t>
-            </a:r>
-          </a:p>
-          <a:p>
-            <a:pPr marL="0" indent="0">
-              <a:buNone/>
-            </a:pPr>
-            <a:r>
-              <a:rPr lang="en-US" dirty="0" err="1" smtClean="0"/>
-              <a:t>dlftodo</a:t>
-            </a:r>
-            <a:endParaRPr lang="en-US" dirty="0" smtClean="0"/>
-          </a:p>
-          <a:p>
-            <a:pPr marL="0" indent="0">
-              <a:buNone/>
-            </a:pPr>
-            <a:endParaRPr lang="en-US" dirty="0"/>
-          </a:p>
-          <a:p>
-            <a:endParaRPr lang="en-US" dirty="0"/>
-          </a:p>
-        </p:txBody>
-      </p:sp>
-    </p:spTree>
-    <p:extLst>
-      <p:ext uri="{BB962C8B-B14F-4D97-AF65-F5344CB8AC3E}">
-        <p14:creationId xmlns:p14="http://schemas.microsoft.com/office/powerpoint/2010/main" val="2125134433"/>
-      </p:ext>
-    </p:extLst>
-  </p:cSld>
-  <p:clrMapOvr>
-    <a:masterClrMapping/>
-  </p:clrMapOvr>
-  <p:timing>
-    <p:tnLst>
-      <p:par>
-        <p:cTn id="1" dur="indefinite" restart="never" nodeType="tmRoot"/>
-      </p:par>
-    </p:tnLst>
-  </p:timing>
-</p:sld>
-</file>
-
 <file path=ppt/slides/slide9.xml><?xml version="1.0" encoding="utf-8"?>
 <p:sld xmlns:a="http://schemas.openxmlformats.org/drawingml/2006/main" xmlns:r="http://schemas.openxmlformats.org/officeDocument/2006/relationships" xmlns:p="http://schemas.openxmlformats.org/presentationml/2006/main">
   <p:cSld>
@@ -8550,29 +8720,20 @@
         </p:nvSpPr>
         <p:spPr/>
         <p:txBody>
-          <a:bodyPr>
-            <a:normAutofit fontScale="90000"/>
-          </a:bodyPr>
+          <a:bodyPr/>
           <a:lstStyle/>
           <a:p>
             <a:r>
               <a:rPr lang="en-US" dirty="0" smtClean="0"/>
-              <a:t>C++ Standard Library / STL:</a:t>
-            </a:r>
-            <a:br>
-              <a:rPr lang="en-US" dirty="0" smtClean="0"/>
-            </a:br>
-            <a:r>
-              <a:rPr lang="en-US" i="1" dirty="0" smtClean="0"/>
-              <a:t>Not Object Oriented!</a:t>
-            </a:r>
-            <a:endParaRPr lang="en-US" i="1" dirty="0"/>
-          </a:p>
-        </p:txBody>
-      </p:sp>
-      <p:sp>
-        <p:nvSpPr>
-          <p:cNvPr id="3" name="Content Placeholder 2"/>
+              <a:t>Paradigms: Generic</a:t>
+            </a:r>
+            <a:endParaRPr lang="en-US" dirty="0"/>
+          </a:p>
+        </p:txBody>
+      </p:sp>
+      <p:sp>
+        <p:nvSpPr>
+          <p:cNvPr id="4" name="Content Placeholder 3"/>
           <p:cNvSpPr>
             <a:spLocks noGrp="1"/>
           </p:cNvSpPr>
@@ -8589,66 +8750,26 @@
           <a:p>
             <a:r>
               <a:rPr lang="en-US" dirty="0" smtClean="0"/>
-              <a:t>Read what the creator of the STL has to say about this</a:t>
-            </a:r>
-            <a:r>
-              <a:rPr lang="en-US" dirty="0"/>
-              <a:t>:</a:t>
+              <a:t> Templates</a:t>
+            </a:r>
+          </a:p>
+          <a:p>
+            <a:pPr marL="0" indent="0">
+              <a:buNone/>
+            </a:pPr>
+            <a:r>
+              <a:rPr lang="en-US" dirty="0" err="1" smtClean="0"/>
+              <a:t>dlftodo</a:t>
             </a:r>
             <a:endParaRPr lang="en-US" dirty="0" smtClean="0"/>
           </a:p>
           <a:p>
-            <a:pPr marL="400050" lvl="1" indent="0">
-              <a:buNone/>
-            </a:pPr>
-            <a:r>
-              <a:rPr lang="en-US" dirty="0">
-                <a:hlinkClick r:id="rId2"/>
-              </a:rPr>
-              <a:t>https://en.wikipedia.org/wiki/Alexander_Stepanov#Criticism_of_OOP</a:t>
-            </a:r>
+            <a:pPr marL="0" indent="0">
+              <a:buNone/>
+            </a:pPr>
             <a:endParaRPr lang="en-US" dirty="0"/>
           </a:p>
           <a:p>
-            <a:r>
-              <a:rPr lang="en-US" dirty="0" smtClean="0"/>
-              <a:t>He’s got a new book, too:</a:t>
-            </a:r>
-          </a:p>
-          <a:p>
-            <a:pPr marL="400050" lvl="1" indent="0">
-              <a:buNone/>
-            </a:pPr>
-            <a:r>
-              <a:rPr lang="en-US" dirty="0" smtClean="0">
-                <a:hlinkClick r:id="rId3"/>
-              </a:rPr>
-              <a:t>http</a:t>
-            </a:r>
-            <a:r>
-              <a:rPr lang="en-US" dirty="0">
-                <a:hlinkClick r:id="rId3"/>
-              </a:rPr>
-              <a:t>://</a:t>
-            </a:r>
-            <a:r>
-              <a:rPr lang="en-US" dirty="0" smtClean="0">
-                <a:hlinkClick r:id="rId3"/>
-              </a:rPr>
-              <a:t>www.informit.com/store/from-mathematics-to-generic-programming-9780321942043</a:t>
-            </a:r>
-            <a:endParaRPr lang="en-US" dirty="0" smtClean="0"/>
-          </a:p>
-          <a:p>
-            <a:pPr marL="0" indent="0">
-              <a:buNone/>
-            </a:pPr>
-            <a:endParaRPr lang="en-US" dirty="0" smtClean="0"/>
-          </a:p>
-          <a:p>
-            <a:pPr marL="0" indent="0">
-              <a:buNone/>
-            </a:pPr>
             <a:endParaRPr lang="en-US" dirty="0"/>
           </a:p>
         </p:txBody>
@@ -8656,7 +8777,7 @@
     </p:spTree>
     <p:extLst>
       <p:ext uri="{BB962C8B-B14F-4D97-AF65-F5344CB8AC3E}">
-        <p14:creationId xmlns:p14="http://schemas.microsoft.com/office/powerpoint/2010/main" val="1243197235"/>
+        <p14:creationId xmlns:p14="http://schemas.microsoft.com/office/powerpoint/2010/main" val="2125134433"/>
       </p:ext>
     </p:extLst>
   </p:cSld>

--- a/doc/Fun_with_C++11.pptx
+++ b/doc/Fun_with_C++11.pptx
@@ -6,31 +6,32 @@
   </p:sldMasterIdLst>
   <p:sldIdLst>
     <p:sldId id="256" r:id="rId2"/>
-    <p:sldId id="281" r:id="rId3"/>
-    <p:sldId id="260" r:id="rId4"/>
-    <p:sldId id="275" r:id="rId5"/>
-    <p:sldId id="276" r:id="rId6"/>
-    <p:sldId id="258" r:id="rId7"/>
-    <p:sldId id="272" r:id="rId8"/>
-    <p:sldId id="273" r:id="rId9"/>
-    <p:sldId id="277" r:id="rId10"/>
-    <p:sldId id="264" r:id="rId11"/>
-    <p:sldId id="278" r:id="rId12"/>
-    <p:sldId id="257" r:id="rId13"/>
-    <p:sldId id="259" r:id="rId14"/>
-    <p:sldId id="270" r:id="rId15"/>
-    <p:sldId id="271" r:id="rId16"/>
-    <p:sldId id="262" r:id="rId17"/>
-    <p:sldId id="263" r:id="rId18"/>
-    <p:sldId id="261" r:id="rId19"/>
-    <p:sldId id="274" r:id="rId20"/>
-    <p:sldId id="280" r:id="rId21"/>
-    <p:sldId id="279" r:id="rId22"/>
-    <p:sldId id="265" r:id="rId23"/>
-    <p:sldId id="266" r:id="rId24"/>
-    <p:sldId id="267" r:id="rId25"/>
-    <p:sldId id="268" r:id="rId26"/>
-    <p:sldId id="269" r:id="rId27"/>
+    <p:sldId id="282" r:id="rId3"/>
+    <p:sldId id="281" r:id="rId4"/>
+    <p:sldId id="260" r:id="rId5"/>
+    <p:sldId id="275" r:id="rId6"/>
+    <p:sldId id="276" r:id="rId7"/>
+    <p:sldId id="258" r:id="rId8"/>
+    <p:sldId id="272" r:id="rId9"/>
+    <p:sldId id="273" r:id="rId10"/>
+    <p:sldId id="277" r:id="rId11"/>
+    <p:sldId id="264" r:id="rId12"/>
+    <p:sldId id="278" r:id="rId13"/>
+    <p:sldId id="257" r:id="rId14"/>
+    <p:sldId id="259" r:id="rId15"/>
+    <p:sldId id="270" r:id="rId16"/>
+    <p:sldId id="271" r:id="rId17"/>
+    <p:sldId id="262" r:id="rId18"/>
+    <p:sldId id="263" r:id="rId19"/>
+    <p:sldId id="261" r:id="rId20"/>
+    <p:sldId id="274" r:id="rId21"/>
+    <p:sldId id="280" r:id="rId22"/>
+    <p:sldId id="279" r:id="rId23"/>
+    <p:sldId id="265" r:id="rId24"/>
+    <p:sldId id="266" r:id="rId25"/>
+    <p:sldId id="267" r:id="rId26"/>
+    <p:sldId id="268" r:id="rId27"/>
+    <p:sldId id="269" r:id="rId28"/>
   </p:sldIdLst>
   <p:sldSz cx="9144000" cy="6858000" type="screen4x3"/>
   <p:notesSz cx="6858000" cy="9144000"/>
@@ -131,7 +132,7 @@
   </p:defaultTextStyle>
   <p:extLst>
     <p:ext uri="{EFAFB233-063F-42B5-8137-9DF3F51BA10A}">
-      <p15:sldGuideLst xmlns:p15="http://schemas.microsoft.com/office/powerpoint/2012/main" xmlns="">
+      <p15:sldGuideLst xmlns="" xmlns:p15="http://schemas.microsoft.com/office/powerpoint/2012/main">
         <p15:guide id="1" orient="horz" pos="2160">
           <p15:clr>
             <a:srgbClr val="A4A3A4"/>
@@ -3227,29 +3228,20 @@
         </p:nvSpPr>
         <p:spPr/>
         <p:txBody>
-          <a:bodyPr>
-            <a:normAutofit fontScale="90000"/>
-          </a:bodyPr>
-          <a:lstStyle/>
-          <a:p>
-            <a:r>
-              <a:rPr lang="en-US" dirty="0" smtClean="0"/>
-              <a:t>C++ Standard Library / STL:</a:t>
-            </a:r>
-            <a:br>
-              <a:rPr lang="en-US" dirty="0" smtClean="0"/>
-            </a:br>
-            <a:r>
-              <a:rPr lang="en-US" i="1" dirty="0" smtClean="0"/>
-              <a:t>Not Object Oriented!</a:t>
-            </a:r>
-            <a:endParaRPr lang="en-US" i="1" dirty="0"/>
-          </a:p>
-        </p:txBody>
-      </p:sp>
-      <p:sp>
-        <p:nvSpPr>
-          <p:cNvPr id="3" name="Content Placeholder 2"/>
+          <a:bodyPr/>
+          <a:lstStyle/>
+          <a:p>
+            <a:r>
+              <a:rPr lang="en-US" dirty="0" smtClean="0"/>
+              <a:t>Paradigms: Generic</a:t>
+            </a:r>
+            <a:endParaRPr lang="en-US" dirty="0"/>
+          </a:p>
+        </p:txBody>
+      </p:sp>
+      <p:sp>
+        <p:nvSpPr>
+          <p:cNvPr id="4" name="Content Placeholder 3"/>
           <p:cNvSpPr>
             <a:spLocks noGrp="1"/>
           </p:cNvSpPr>
@@ -3266,66 +3258,26 @@
           <a:p>
             <a:r>
               <a:rPr lang="en-US" dirty="0" smtClean="0"/>
-              <a:t>Read what the creator of the STL has to say about this</a:t>
-            </a:r>
-            <a:r>
-              <a:rPr lang="en-US" dirty="0"/>
-              <a:t>:</a:t>
+              <a:t> Templates</a:t>
+            </a:r>
+          </a:p>
+          <a:p>
+            <a:pPr marL="0" indent="0">
+              <a:buNone/>
+            </a:pPr>
+            <a:r>
+              <a:rPr lang="en-US" dirty="0" err="1" smtClean="0"/>
+              <a:t>dlftodo</a:t>
             </a:r>
             <a:endParaRPr lang="en-US" dirty="0" smtClean="0"/>
           </a:p>
           <a:p>
-            <a:pPr marL="400050" lvl="1" indent="0">
-              <a:buNone/>
-            </a:pPr>
-            <a:r>
-              <a:rPr lang="en-US" dirty="0">
-                <a:hlinkClick r:id="rId2"/>
-              </a:rPr>
-              <a:t>https://en.wikipedia.org/wiki/Alexander_Stepanov#Criticism_of_OOP</a:t>
-            </a:r>
+            <a:pPr marL="0" indent="0">
+              <a:buNone/>
+            </a:pPr>
             <a:endParaRPr lang="en-US" dirty="0"/>
           </a:p>
           <a:p>
-            <a:r>
-              <a:rPr lang="en-US" dirty="0" smtClean="0"/>
-              <a:t>He’s got a new book, too:</a:t>
-            </a:r>
-          </a:p>
-          <a:p>
-            <a:pPr marL="400050" lvl="1" indent="0">
-              <a:buNone/>
-            </a:pPr>
-            <a:r>
-              <a:rPr lang="en-US" dirty="0" smtClean="0">
-                <a:hlinkClick r:id="rId3"/>
-              </a:rPr>
-              <a:t>http</a:t>
-            </a:r>
-            <a:r>
-              <a:rPr lang="en-US" dirty="0">
-                <a:hlinkClick r:id="rId3"/>
-              </a:rPr>
-              <a:t>://</a:t>
-            </a:r>
-            <a:r>
-              <a:rPr lang="en-US" dirty="0" smtClean="0">
-                <a:hlinkClick r:id="rId3"/>
-              </a:rPr>
-              <a:t>www.informit.com/store/from-mathematics-to-generic-programming-9780321942043</a:t>
-            </a:r>
-            <a:endParaRPr lang="en-US" dirty="0" smtClean="0"/>
-          </a:p>
-          <a:p>
-            <a:pPr marL="0" indent="0">
-              <a:buNone/>
-            </a:pPr>
-            <a:endParaRPr lang="en-US" dirty="0" smtClean="0"/>
-          </a:p>
-          <a:p>
-            <a:pPr marL="0" indent="0">
-              <a:buNone/>
-            </a:pPr>
             <a:endParaRPr lang="en-US" dirty="0"/>
           </a:p>
         </p:txBody>
@@ -3333,7 +3285,7 @@
     </p:spTree>
     <p:extLst>
       <p:ext uri="{BB962C8B-B14F-4D97-AF65-F5344CB8AC3E}">
-        <p14:creationId xmlns:p14="http://schemas.microsoft.com/office/powerpoint/2010/main" val="1243197235"/>
+        <p14:creationId xmlns:p14="http://schemas.microsoft.com/office/powerpoint/2010/main" val="2125134433"/>
       </p:ext>
     </p:extLst>
   </p:cSld>
@@ -3379,20 +3331,29 @@
         </p:nvSpPr>
         <p:spPr/>
         <p:txBody>
-          <a:bodyPr/>
-          <a:lstStyle/>
-          <a:p>
-            <a:r>
-              <a:rPr lang="en-US" dirty="0" smtClean="0"/>
-              <a:t>Paradigms: Functional</a:t>
-            </a:r>
-            <a:endParaRPr lang="en-US" dirty="0"/>
-          </a:p>
-        </p:txBody>
-      </p:sp>
-      <p:sp>
-        <p:nvSpPr>
-          <p:cNvPr id="4" name="Content Placeholder 3"/>
+          <a:bodyPr>
+            <a:normAutofit fontScale="90000"/>
+          </a:bodyPr>
+          <a:lstStyle/>
+          <a:p>
+            <a:r>
+              <a:rPr lang="en-US" dirty="0" smtClean="0"/>
+              <a:t>C++ Standard Library / STL:</a:t>
+            </a:r>
+            <a:br>
+              <a:rPr lang="en-US" dirty="0" smtClean="0"/>
+            </a:br>
+            <a:r>
+              <a:rPr lang="en-US" i="1" dirty="0" smtClean="0"/>
+              <a:t>Not Object Oriented!</a:t>
+            </a:r>
+            <a:endParaRPr lang="en-US" i="1" dirty="0"/>
+          </a:p>
+        </p:txBody>
+      </p:sp>
+      <p:sp>
+        <p:nvSpPr>
+          <p:cNvPr id="3" name="Content Placeholder 2"/>
           <p:cNvSpPr>
             <a:spLocks noGrp="1"/>
           </p:cNvSpPr>
@@ -3409,32 +3370,66 @@
           <a:p>
             <a:r>
               <a:rPr lang="en-US" dirty="0" smtClean="0"/>
-              <a:t> Lambdas</a:t>
-            </a:r>
-          </a:p>
-          <a:p>
-            <a:r>
-              <a:rPr lang="en-US" dirty="0" smtClean="0"/>
-              <a:t>map/reduce: use ??? and ??? instead</a:t>
-            </a:r>
+              <a:t>Read what the creator of the STL has to say about this</a:t>
+            </a:r>
+            <a:r>
+              <a:rPr lang="en-US" dirty="0"/>
+              <a:t>:</a:t>
+            </a:r>
+            <a:endParaRPr lang="en-US" dirty="0" smtClean="0"/>
+          </a:p>
+          <a:p>
+            <a:pPr marL="400050" lvl="1" indent="0">
+              <a:buNone/>
+            </a:pPr>
+            <a:r>
+              <a:rPr lang="en-US" dirty="0">
+                <a:hlinkClick r:id="rId2"/>
+              </a:rPr>
+              <a:t>https://en.wikipedia.org/wiki/Alexander_Stepanov#Criticism_of_OOP</a:t>
+            </a:r>
+            <a:endParaRPr lang="en-US" dirty="0"/>
+          </a:p>
+          <a:p>
+            <a:r>
+              <a:rPr lang="en-US" dirty="0" smtClean="0"/>
+              <a:t>He’s got a new book, too:</a:t>
+            </a:r>
+          </a:p>
+          <a:p>
+            <a:pPr marL="400050" lvl="1" indent="0">
+              <a:buNone/>
+            </a:pPr>
+            <a:r>
+              <a:rPr lang="en-US" dirty="0" smtClean="0">
+                <a:hlinkClick r:id="rId3"/>
+              </a:rPr>
+              <a:t>http</a:t>
+            </a:r>
+            <a:r>
+              <a:rPr lang="en-US" dirty="0">
+                <a:hlinkClick r:id="rId3"/>
+              </a:rPr>
+              <a:t>://</a:t>
+            </a:r>
+            <a:r>
+              <a:rPr lang="en-US" dirty="0" smtClean="0">
+                <a:hlinkClick r:id="rId3"/>
+              </a:rPr>
+              <a:t>www.informit.com/store/from-mathematics-to-generic-programming-9780321942043</a:t>
+            </a:r>
+            <a:endParaRPr lang="en-US" dirty="0" smtClean="0"/>
           </a:p>
           <a:p>
             <a:pPr marL="0" indent="0">
               <a:buNone/>
             </a:pPr>
-            <a:r>
-              <a:rPr lang="en-US" dirty="0" err="1" smtClean="0"/>
-              <a:t>dlftodo</a:t>
-            </a:r>
             <a:endParaRPr lang="en-US" dirty="0" smtClean="0"/>
           </a:p>
           <a:p>
             <a:pPr marL="0" indent="0">
               <a:buNone/>
             </a:pPr>
-            <a:endParaRPr lang="en-US" dirty="0"/>
-          </a:p>
-          <a:p>
             <a:endParaRPr lang="en-US" dirty="0"/>
           </a:p>
         </p:txBody>
@@ -3442,7 +3437,7 @@
     </p:spTree>
     <p:extLst>
       <p:ext uri="{BB962C8B-B14F-4D97-AF65-F5344CB8AC3E}">
-        <p14:creationId xmlns:p14="http://schemas.microsoft.com/office/powerpoint/2010/main" val="1705405775"/>
+        <p14:creationId xmlns:p14="http://schemas.microsoft.com/office/powerpoint/2010/main" val="1243197235"/>
       </p:ext>
     </p:extLst>
   </p:cSld>
@@ -3493,7 +3488,7 @@
           <a:p>
             <a:r>
               <a:rPr lang="en-US" dirty="0" smtClean="0"/>
-              <a:t>What’s missing</a:t>
+              <a:t>Paradigms: Functional</a:t>
             </a:r>
             <a:endParaRPr lang="en-US" dirty="0"/>
           </a:p>
@@ -3501,7 +3496,7 @@
       </p:sp>
       <p:sp>
         <p:nvSpPr>
-          <p:cNvPr id="3" name="Content Placeholder 2"/>
+          <p:cNvPr id="4" name="Content Placeholder 3"/>
           <p:cNvSpPr>
             <a:spLocks noGrp="1"/>
           </p:cNvSpPr>
@@ -3509,121 +3504,41 @@
             <p:ph idx="1"/>
           </p:nvPr>
         </p:nvSpPr>
-        <p:spPr>
-          <a:xfrm>
-            <a:off x="457200" y="1295400"/>
-            <a:ext cx="8229600" cy="4830763"/>
-          </a:xfrm>
-        </p:spPr>
+        <p:spPr/>
         <p:txBody>
           <a:bodyPr>
-            <a:normAutofit fontScale="85000" lnSpcReduction="20000"/>
+            <a:normAutofit/>
           </a:bodyPr>
           <a:lstStyle/>
           <a:p>
             <a:r>
               <a:rPr lang="en-US" dirty="0" smtClean="0"/>
-              <a:t>XML</a:t>
-            </a:r>
-          </a:p>
-          <a:p>
-            <a:r>
-              <a:rPr lang="en-US" dirty="0" smtClean="0"/>
-              <a:t>Packages / modules</a:t>
-            </a:r>
-          </a:p>
-          <a:p>
-            <a:pPr lvl="1"/>
-            <a:r>
-              <a:rPr lang="en-US" dirty="0" smtClean="0"/>
-              <a:t>PHP composer; Python pip; Ruby gems</a:t>
-            </a:r>
+              <a:t> Lambdas</a:t>
+            </a:r>
+          </a:p>
+          <a:p>
+            <a:r>
+              <a:rPr lang="en-US" dirty="0" smtClean="0"/>
+              <a:t>map/reduce: use ??? and ??? instead</a:t>
+            </a:r>
+          </a:p>
+          <a:p>
+            <a:pPr marL="0" indent="0">
+              <a:buNone/>
+            </a:pPr>
+            <a:r>
+              <a:rPr lang="en-US" dirty="0" err="1" smtClean="0"/>
+              <a:t>dlftodo</a:t>
+            </a:r>
+            <a:endParaRPr lang="en-US" dirty="0" smtClean="0"/>
+          </a:p>
+          <a:p>
+            <a:pPr marL="0" indent="0">
+              <a:buNone/>
+            </a:pPr>
             <a:endParaRPr lang="en-US" dirty="0"/>
           </a:p>
           <a:p>
-            <a:pPr lvl="1"/>
-            <a:r>
-              <a:rPr lang="en-US" dirty="0" smtClean="0"/>
-              <a:t>Java </a:t>
-            </a:r>
-            <a:r>
-              <a:rPr lang="en-US" dirty="0" smtClean="0">
-                <a:hlinkClick r:id="rId2"/>
-              </a:rPr>
-              <a:t>JPM4j</a:t>
-            </a:r>
-            <a:endParaRPr lang="en-US" dirty="0"/>
-          </a:p>
-          <a:p>
-            <a:r>
-              <a:rPr lang="en-US" dirty="0" smtClean="0"/>
-              <a:t>Garbage collection (as C#, Java, Python, …)</a:t>
-            </a:r>
-          </a:p>
-          <a:p>
-            <a:r>
-              <a:rPr lang="en-US" dirty="0" smtClean="0"/>
-              <a:t>Strings in switch() statement (C#)</a:t>
-            </a:r>
-          </a:p>
-          <a:p>
-            <a:r>
-              <a:rPr lang="en-US" dirty="0" smtClean="0"/>
-              <a:t>Decimal data type</a:t>
-            </a:r>
-          </a:p>
-          <a:p>
-            <a:r>
-              <a:rPr lang="en-US" dirty="0" smtClean="0"/>
-              <a:t>Serialization:</a:t>
-            </a:r>
-          </a:p>
-          <a:p>
-            <a:pPr lvl="1"/>
-            <a:r>
-              <a:rPr lang="en-US" dirty="0" smtClean="0"/>
-              <a:t>see </a:t>
-            </a:r>
-            <a:r>
-              <a:rPr lang="en-US" dirty="0" smtClean="0">
-                <a:hlinkClick r:id="rId3"/>
-              </a:rPr>
-              <a:t>google </a:t>
-            </a:r>
-            <a:r>
-              <a:rPr lang="en-US" dirty="0" err="1" smtClean="0">
-                <a:hlinkClick r:id="rId3"/>
-              </a:rPr>
-              <a:t>FlatBuffers</a:t>
-            </a:r>
-            <a:r>
-              <a:rPr lang="en-US" dirty="0" smtClean="0">
-                <a:hlinkClick r:id="rId3"/>
-              </a:rPr>
-              <a:t> </a:t>
-            </a:r>
-            <a:r>
-              <a:rPr lang="en-US" dirty="0" smtClean="0"/>
-              <a:t>– good, modern C++</a:t>
-            </a:r>
-          </a:p>
-          <a:p>
-            <a:r>
-              <a:rPr lang="en-US" dirty="0" smtClean="0"/>
-              <a:t>Run-time introspection (C#, Java, Python, …)</a:t>
-            </a:r>
-          </a:p>
-          <a:p>
-            <a:r>
-              <a:rPr lang="en-US" dirty="0" smtClean="0"/>
-              <a:t>Interfaces: Need [ugly] abstract classes</a:t>
-            </a:r>
-          </a:p>
-          <a:p>
-            <a:r>
-              <a:rPr lang="en-US" dirty="0" smtClean="0"/>
-              <a:t>command-line parsing</a:t>
-            </a:r>
             <a:endParaRPr lang="en-US" dirty="0"/>
           </a:p>
         </p:txBody>
@@ -3631,7 +3546,7 @@
     </p:spTree>
     <p:extLst>
       <p:ext uri="{BB962C8B-B14F-4D97-AF65-F5344CB8AC3E}">
-        <p14:creationId xmlns:p14="http://schemas.microsoft.com/office/powerpoint/2010/main" val="2897646070"/>
+        <p14:creationId xmlns:p14="http://schemas.microsoft.com/office/powerpoint/2010/main" val="1705405775"/>
       </p:ext>
     </p:extLst>
   </p:cSld>
@@ -3682,7 +3597,7 @@
           <a:p>
             <a:r>
               <a:rPr lang="en-US" dirty="0" smtClean="0"/>
-              <a:t>C++ Idioms</a:t>
+              <a:t>What’s missing</a:t>
             </a:r>
             <a:endParaRPr lang="en-US" dirty="0"/>
           </a:p>
@@ -3698,58 +3613,120 @@
             <p:ph idx="1"/>
           </p:nvPr>
         </p:nvSpPr>
-        <p:spPr/>
-        <p:txBody>
-          <a:bodyPr/>
-          <a:lstStyle/>
-          <a:p>
+        <p:spPr>
+          <a:xfrm>
+            <a:off x="457200" y="1295400"/>
+            <a:ext cx="8229600" cy="4830763"/>
+          </a:xfrm>
+        </p:spPr>
+        <p:txBody>
+          <a:bodyPr>
+            <a:normAutofit fontScale="85000" lnSpcReduction="20000"/>
+          </a:bodyPr>
+          <a:lstStyle/>
+          <a:p>
+            <a:r>
+              <a:rPr lang="en-US" dirty="0" smtClean="0"/>
+              <a:t>XML</a:t>
+            </a:r>
+          </a:p>
+          <a:p>
+            <a:r>
+              <a:rPr lang="en-US" dirty="0" smtClean="0"/>
+              <a:t>Packages / modules</a:t>
+            </a:r>
+          </a:p>
+          <a:p>
+            <a:pPr lvl="1"/>
+            <a:r>
+              <a:rPr lang="en-US" dirty="0" smtClean="0"/>
+              <a:t>PHP composer; Python pip; Ruby gems</a:t>
+            </a:r>
+            <a:endParaRPr lang="en-US" dirty="0"/>
+          </a:p>
+          <a:p>
+            <a:pPr lvl="1"/>
+            <a:r>
+              <a:rPr lang="en-US" dirty="0" smtClean="0"/>
+              <a:t>Java </a:t>
+            </a:r>
             <a:r>
               <a:rPr lang="en-US" dirty="0" smtClean="0">
                 <a:hlinkClick r:id="rId2"/>
               </a:rPr>
-              <a:t>RAII</a:t>
-            </a:r>
-            <a:endParaRPr lang="en-US" dirty="0" smtClean="0"/>
+              <a:t>JPM4j</a:t>
+            </a:r>
+            <a:endParaRPr lang="en-US" dirty="0"/>
+          </a:p>
+          <a:p>
+            <a:r>
+              <a:rPr lang="en-US" dirty="0" smtClean="0"/>
+              <a:t>Garbage collection (as C#, Java, Python, …)</a:t>
+            </a:r>
+          </a:p>
+          <a:p>
+            <a:r>
+              <a:rPr lang="en-US" dirty="0" smtClean="0"/>
+              <a:t>Strings in switch() statement (C#)</a:t>
+            </a:r>
+          </a:p>
+          <a:p>
+            <a:r>
+              <a:rPr lang="en-US" dirty="0" smtClean="0"/>
+              <a:t>Decimal data type</a:t>
+            </a:r>
+          </a:p>
+          <a:p>
+            <a:r>
+              <a:rPr lang="en-US" dirty="0" smtClean="0"/>
+              <a:t>Serialization:</a:t>
+            </a:r>
           </a:p>
           <a:p>
             <a:pPr lvl="1"/>
             <a:r>
               <a:rPr lang="en-US" dirty="0" smtClean="0"/>
-              <a:t>“Resource Acquisition Is Initialization”</a:t>
-            </a:r>
-          </a:p>
-          <a:p>
-            <a:pPr lvl="1"/>
-            <a:r>
-              <a:rPr lang="en-US" dirty="0" smtClean="0"/>
-              <a:t>Acquire and release things in constructor and destructor</a:t>
-            </a:r>
-          </a:p>
-          <a:p>
+              <a:t>see </a:t>
+            </a:r>
             <a:r>
               <a:rPr lang="en-US" dirty="0" smtClean="0">
                 <a:hlinkClick r:id="rId3"/>
               </a:rPr>
-              <a:t>SFINAE</a:t>
-            </a:r>
-            <a:endParaRPr lang="en-US" dirty="0" smtClean="0"/>
-          </a:p>
-          <a:p>
-            <a:pPr lvl="1"/>
-            <a:r>
-              <a:rPr lang="en-US" dirty="0"/>
-              <a:t>“Substitution </a:t>
-            </a:r>
-            <a:r>
-              <a:rPr lang="en-US" dirty="0" smtClean="0"/>
-              <a:t>Failure Is Not An Error”</a:t>
-            </a:r>
-          </a:p>
-          <a:p>
-            <a:pPr lvl="1"/>
-            <a:r>
-              <a:rPr lang="en-US" dirty="0" smtClean="0"/>
-              <a:t>You won’t get compile-time errors when fiddling with templates</a:t>
+              <a:t>google </a:t>
+            </a:r>
+            <a:r>
+              <a:rPr lang="en-US" dirty="0" err="1" smtClean="0">
+                <a:hlinkClick r:id="rId3"/>
+              </a:rPr>
+              <a:t>FlatBuffers</a:t>
+            </a:r>
+            <a:r>
+              <a:rPr lang="en-US" dirty="0" smtClean="0">
+                <a:hlinkClick r:id="rId3"/>
+              </a:rPr>
+              <a:t> </a:t>
+            </a:r>
+            <a:r>
+              <a:rPr lang="en-US" dirty="0" smtClean="0"/>
+              <a:t>– good, modern C++</a:t>
+            </a:r>
+          </a:p>
+          <a:p>
+            <a:r>
+              <a:rPr lang="en-US" dirty="0" smtClean="0"/>
+              <a:t>Run-time introspection (C#, Java, Python, …)</a:t>
+            </a:r>
+          </a:p>
+          <a:p>
+            <a:r>
+              <a:rPr lang="en-US" dirty="0" smtClean="0"/>
+              <a:t>Interfaces: Need [ugly] abstract classes</a:t>
+            </a:r>
+          </a:p>
+          <a:p>
+            <a:r>
+              <a:rPr lang="en-US" dirty="0" smtClean="0"/>
+              <a:t>command-line parsing</a:t>
             </a:r>
             <a:endParaRPr lang="en-US" dirty="0"/>
           </a:p>
@@ -3758,7 +3735,7 @@
     </p:spTree>
     <p:extLst>
       <p:ext uri="{BB962C8B-B14F-4D97-AF65-F5344CB8AC3E}">
-        <p14:creationId xmlns:p14="http://schemas.microsoft.com/office/powerpoint/2010/main" val="3246688767"/>
+        <p14:creationId xmlns:p14="http://schemas.microsoft.com/office/powerpoint/2010/main" val="2897646070"/>
       </p:ext>
     </p:extLst>
   </p:cSld>
@@ -3809,7 +3786,7 @@
           <a:p>
             <a:r>
               <a:rPr lang="en-US" dirty="0" smtClean="0"/>
-              <a:t>C++ Rule of 3</a:t>
+              <a:t>C++ Idioms</a:t>
             </a:r>
             <a:endParaRPr lang="en-US" dirty="0"/>
           </a:p>
@@ -3830,48 +3807,62 @@
           <a:bodyPr/>
           <a:lstStyle/>
           <a:p>
-            <a:pPr marL="0" indent="0">
-              <a:buNone/>
-            </a:pPr>
-            <a:r>
-              <a:rPr lang="en-US" sz="2400" dirty="0">
+            <a:r>
+              <a:rPr lang="en-US" dirty="0" smtClean="0">
                 <a:hlinkClick r:id="rId2"/>
               </a:rPr>
-              <a:t>http://</a:t>
-            </a:r>
-            <a:r>
-              <a:rPr lang="en-US" sz="2400" dirty="0" smtClean="0">
-                <a:hlinkClick r:id="rId2"/>
-              </a:rPr>
-              <a:t>en.cppreference.com/w/cpp/language/rule_of_three</a:t>
-            </a:r>
-            <a:endParaRPr lang="en-US" sz="2400" dirty="0" smtClean="0"/>
-          </a:p>
-          <a:p>
-            <a:pPr marL="0" indent="0">
-              <a:buNone/>
-            </a:pPr>
+              <a:t>RAII</a:t>
+            </a:r>
             <a:endParaRPr lang="en-US" dirty="0" smtClean="0"/>
           </a:p>
           <a:p>
-            <a:pPr marL="400050" lvl="1" indent="0">
-              <a:buNone/>
-            </a:pPr>
-            <a:r>
-              <a:rPr lang="en-US" dirty="0" smtClean="0"/>
-              <a:t>“If </a:t>
-            </a:r>
+            <a:pPr lvl="1"/>
+            <a:r>
+              <a:rPr lang="en-US" dirty="0" smtClean="0"/>
+              <a:t>“Resource Acquisition Is Initialization”</a:t>
+            </a:r>
+          </a:p>
+          <a:p>
+            <a:pPr lvl="1"/>
+            <a:r>
+              <a:rPr lang="en-US" dirty="0" smtClean="0"/>
+              <a:t>Acquire and release things in constructor and destructor</a:t>
+            </a:r>
+          </a:p>
+          <a:p>
+            <a:r>
+              <a:rPr lang="en-US" dirty="0" smtClean="0">
+                <a:hlinkClick r:id="rId3"/>
+              </a:rPr>
+              <a:t>SFINAE</a:t>
+            </a:r>
+            <a:endParaRPr lang="en-US" dirty="0" smtClean="0"/>
+          </a:p>
+          <a:p>
+            <a:pPr lvl="1"/>
             <a:r>
               <a:rPr lang="en-US" dirty="0"/>
-              <a:t>a class requires a user-defined destructor, a user-defined copy constructor, or a user-defined copy assignment operator, it almost certainly requires all three.</a:t>
-            </a:r>
+              <a:t>“Substitution </a:t>
+            </a:r>
+            <a:r>
+              <a:rPr lang="en-US" dirty="0" smtClean="0"/>
+              <a:t>Failure Is Not An Error”</a:t>
+            </a:r>
+          </a:p>
+          <a:p>
+            <a:pPr lvl="1"/>
+            <a:r>
+              <a:rPr lang="en-US" dirty="0" smtClean="0"/>
+              <a:t>You won’t get compile-time errors when fiddling with templates</a:t>
+            </a:r>
+            <a:endParaRPr lang="en-US" dirty="0"/>
           </a:p>
         </p:txBody>
       </p:sp>
     </p:spTree>
     <p:extLst>
       <p:ext uri="{BB962C8B-B14F-4D97-AF65-F5344CB8AC3E}">
-        <p14:creationId xmlns:p14="http://schemas.microsoft.com/office/powerpoint/2010/main" val="2038294293"/>
+        <p14:creationId xmlns:p14="http://schemas.microsoft.com/office/powerpoint/2010/main" val="3246688767"/>
       </p:ext>
     </p:extLst>
   </p:cSld>
@@ -3922,7 +3913,7 @@
           <a:p>
             <a:r>
               <a:rPr lang="en-US" dirty="0" smtClean="0"/>
-              <a:t>C++11 Rule of 5</a:t>
+              <a:t>C++ Rule of 3</a:t>
             </a:r>
             <a:endParaRPr lang="en-US" dirty="0"/>
           </a:p>
@@ -3971,21 +3962,20 @@
               <a:buNone/>
             </a:pPr>
             <a:r>
+              <a:rPr lang="en-US" dirty="0" smtClean="0"/>
+              <a:t>“If </a:t>
+            </a:r>
+            <a:r>
               <a:rPr lang="en-US" dirty="0"/>
-              <a:t>“Because the presence of a user-defined destructor, copy-constructor, or copy-assignment operator prevents implicit definition of the move constructor and the move assignment operator, any class for which move semantics are desirable, has to declare all five special member </a:t>
-            </a:r>
-            <a:r>
-              <a:rPr lang="en-US" dirty="0" smtClean="0"/>
-              <a:t>functions.</a:t>
-            </a:r>
-            <a:endParaRPr lang="en-US" dirty="0"/>
+              <a:t>a class requires a user-defined destructor, a user-defined copy constructor, or a user-defined copy assignment operator, it almost certainly requires all three.</a:t>
+            </a:r>
           </a:p>
         </p:txBody>
       </p:sp>
     </p:spTree>
     <p:extLst>
       <p:ext uri="{BB962C8B-B14F-4D97-AF65-F5344CB8AC3E}">
-        <p14:creationId xmlns:p14="http://schemas.microsoft.com/office/powerpoint/2010/main" val="2995229971"/>
+        <p14:creationId xmlns:p14="http://schemas.microsoft.com/office/powerpoint/2010/main" val="2038294293"/>
       </p:ext>
     </p:extLst>
   </p:cSld>
@@ -4036,7 +4026,7 @@
           <a:p>
             <a:r>
               <a:rPr lang="en-US" dirty="0" smtClean="0"/>
-              <a:t>Which C++ compiler am I using?</a:t>
+              <a:t>C++11 Rule of 5</a:t>
             </a:r>
             <a:endParaRPr lang="en-US" dirty="0"/>
           </a:p>
@@ -4054,186 +4044,52 @@
         </p:nvSpPr>
         <p:spPr/>
         <p:txBody>
-          <a:bodyPr>
-            <a:normAutofit/>
-          </a:bodyPr>
-          <a:lstStyle/>
-          <a:p>
-            <a:pPr marL="457200" lvl="1" indent="0">
-              <a:buNone/>
-            </a:pPr>
-            <a:endParaRPr lang="en-US" sz="1800" dirty="0" smtClean="0">
-              <a:latin typeface="Consolas" panose="020B0609020204030204" pitchFamily="49" charset="0"/>
-              <a:cs typeface="Consolas" panose="020B0609020204030204" pitchFamily="49" charset="0"/>
-            </a:endParaRPr>
-          </a:p>
-          <a:p>
-            <a:pPr marL="457200" lvl="1" indent="0">
-              <a:buNone/>
-            </a:pPr>
-            <a:r>
-              <a:rPr lang="en-US" sz="1800" dirty="0" smtClean="0">
-                <a:latin typeface="Consolas" panose="020B0609020204030204" pitchFamily="49" charset="0"/>
-                <a:cs typeface="Consolas" panose="020B0609020204030204" pitchFamily="49" charset="0"/>
-              </a:rPr>
-              <a:t>c</a:t>
-            </a:r>
-            <a:r>
-              <a:rPr lang="en-US" sz="1800" dirty="0">
-                <a:latin typeface="Consolas" panose="020B0609020204030204" pitchFamily="49" charset="0"/>
-                <a:cs typeface="Consolas" panose="020B0609020204030204" pitchFamily="49" charset="0"/>
-              </a:rPr>
-              <a:t>:\apps\WinDDK\7600.16385.1</a:t>
-            </a:r>
-            <a:r>
-              <a:rPr lang="en-US" sz="1800" dirty="0" smtClean="0">
-                <a:latin typeface="Consolas" panose="020B0609020204030204" pitchFamily="49" charset="0"/>
-                <a:cs typeface="Consolas" panose="020B0609020204030204" pitchFamily="49" charset="0"/>
-              </a:rPr>
-              <a:t>&gt; bin\setenv.bat </a:t>
-            </a:r>
-            <a:r>
-              <a:rPr lang="en-US" sz="1800" dirty="0">
-                <a:latin typeface="Consolas" panose="020B0609020204030204" pitchFamily="49" charset="0"/>
-                <a:cs typeface="Consolas" panose="020B0609020204030204" pitchFamily="49" charset="0"/>
-              </a:rPr>
-              <a:t>. WLH</a:t>
-            </a:r>
-          </a:p>
-          <a:p>
-            <a:pPr marL="457200" lvl="1" indent="0">
-              <a:buNone/>
-            </a:pPr>
-            <a:endParaRPr lang="en-US" sz="1800" dirty="0">
-              <a:latin typeface="Consolas" panose="020B0609020204030204" pitchFamily="49" charset="0"/>
-              <a:cs typeface="Consolas" panose="020B0609020204030204" pitchFamily="49" charset="0"/>
-            </a:endParaRPr>
-          </a:p>
-          <a:p>
-            <a:pPr marL="457200" lvl="1" indent="0">
-              <a:buNone/>
-            </a:pPr>
-            <a:r>
-              <a:rPr lang="en-US" sz="1800" dirty="0">
-                <a:latin typeface="Consolas" panose="020B0609020204030204" pitchFamily="49" charset="0"/>
-                <a:cs typeface="Consolas" panose="020B0609020204030204" pitchFamily="49" charset="0"/>
-              </a:rPr>
-              <a:t>c:\apps\WinDDK\7600.16385.1</a:t>
-            </a:r>
-            <a:r>
-              <a:rPr lang="en-US" sz="1800" smtClean="0">
-                <a:latin typeface="Consolas" panose="020B0609020204030204" pitchFamily="49" charset="0"/>
-                <a:cs typeface="Consolas" panose="020B0609020204030204" pitchFamily="49" charset="0"/>
-              </a:rPr>
-              <a:t>&gt; cl.exe</a:t>
-            </a:r>
-            <a:endParaRPr lang="en-US" sz="1800" dirty="0">
-              <a:latin typeface="Consolas" panose="020B0609020204030204" pitchFamily="49" charset="0"/>
-              <a:cs typeface="Consolas" panose="020B0609020204030204" pitchFamily="49" charset="0"/>
-            </a:endParaRPr>
-          </a:p>
-          <a:p>
-            <a:pPr marL="457200" lvl="1" indent="0">
-              <a:buNone/>
-            </a:pPr>
-            <a:endParaRPr lang="en-US" sz="1800" dirty="0">
-              <a:latin typeface="Consolas" panose="020B0609020204030204" pitchFamily="49" charset="0"/>
-              <a:cs typeface="Consolas" panose="020B0609020204030204" pitchFamily="49" charset="0"/>
-            </a:endParaRPr>
-          </a:p>
-          <a:p>
-            <a:pPr marL="457200" lvl="1" indent="0">
-              <a:buNone/>
-            </a:pPr>
-            <a:r>
-              <a:rPr lang="en-US" sz="1800" dirty="0">
-                <a:latin typeface="Consolas" panose="020B0609020204030204" pitchFamily="49" charset="0"/>
-                <a:cs typeface="Consolas" panose="020B0609020204030204" pitchFamily="49" charset="0"/>
-              </a:rPr>
-              <a:t>Microsoft (R) 32-bit C/C++ Optimizing Compiler Version </a:t>
-            </a:r>
-            <a:r>
-              <a:rPr lang="en-US" sz="1800" b="1" dirty="0">
-                <a:latin typeface="Consolas" panose="020B0609020204030204" pitchFamily="49" charset="0"/>
-                <a:cs typeface="Consolas" panose="020B0609020204030204" pitchFamily="49" charset="0"/>
-              </a:rPr>
-              <a:t>15.00.30729.207</a:t>
-            </a:r>
-            <a:r>
-              <a:rPr lang="en-US" sz="1800" dirty="0">
-                <a:latin typeface="Consolas" panose="020B0609020204030204" pitchFamily="49" charset="0"/>
-                <a:cs typeface="Consolas" panose="020B0609020204030204" pitchFamily="49" charset="0"/>
-              </a:rPr>
-              <a:t> for </a:t>
-            </a:r>
-            <a:r>
-              <a:rPr lang="en-US" sz="1800" dirty="0" smtClean="0">
-                <a:latin typeface="Consolas" panose="020B0609020204030204" pitchFamily="49" charset="0"/>
-                <a:cs typeface="Consolas" panose="020B0609020204030204" pitchFamily="49" charset="0"/>
-              </a:rPr>
-              <a:t>80x86</a:t>
-            </a:r>
-          </a:p>
-          <a:p>
-            <a:pPr marL="457200" lvl="1" indent="0">
-              <a:buNone/>
-            </a:pPr>
-            <a:endParaRPr lang="en-US" sz="1800" dirty="0">
-              <a:latin typeface="Consolas" panose="020B0609020204030204" pitchFamily="49" charset="0"/>
-              <a:cs typeface="Consolas" panose="020B0609020204030204" pitchFamily="49" charset="0"/>
-            </a:endParaRPr>
-          </a:p>
-          <a:p>
-            <a:pPr marL="457200" lvl="1" indent="0">
-              <a:buNone/>
-            </a:pPr>
-            <a:r>
-              <a:rPr lang="en-US" sz="1800" dirty="0">
-                <a:latin typeface="Consolas" panose="020B0609020204030204" pitchFamily="49" charset="0"/>
-                <a:cs typeface="Consolas" panose="020B0609020204030204" pitchFamily="49" charset="0"/>
-              </a:rPr>
-              <a:t>Copyright (C) Microsoft Corporation.  All rights reserved.</a:t>
-            </a:r>
-          </a:p>
-          <a:p>
-            <a:pPr marL="457200" lvl="1" indent="0">
-              <a:buNone/>
-            </a:pPr>
-            <a:r>
-              <a:rPr lang="en-US" sz="1800" dirty="0">
-                <a:latin typeface="Consolas" panose="020B0609020204030204" pitchFamily="49" charset="0"/>
-                <a:cs typeface="Consolas" panose="020B0609020204030204" pitchFamily="49" charset="0"/>
-              </a:rPr>
-              <a:t>usage: cl [ option... ] filename... [ /link </a:t>
-            </a:r>
-            <a:r>
-              <a:rPr lang="en-US" sz="1800" dirty="0" err="1">
-                <a:latin typeface="Consolas" panose="020B0609020204030204" pitchFamily="49" charset="0"/>
-                <a:cs typeface="Consolas" panose="020B0609020204030204" pitchFamily="49" charset="0"/>
-              </a:rPr>
-              <a:t>linkoption</a:t>
-            </a:r>
-            <a:r>
-              <a:rPr lang="en-US" sz="1800" dirty="0">
-                <a:latin typeface="Consolas" panose="020B0609020204030204" pitchFamily="49" charset="0"/>
-                <a:cs typeface="Consolas" panose="020B0609020204030204" pitchFamily="49" charset="0"/>
-              </a:rPr>
-              <a:t>... ]</a:t>
-            </a:r>
-          </a:p>
-          <a:p>
-            <a:pPr lvl="1"/>
-            <a:endParaRPr lang="en-US" sz="1800" dirty="0">
-              <a:latin typeface="Consolas" panose="020B0609020204030204" pitchFamily="49" charset="0"/>
-              <a:cs typeface="Consolas" panose="020B0609020204030204" pitchFamily="49" charset="0"/>
-            </a:endParaRPr>
+          <a:bodyPr/>
+          <a:lstStyle/>
+          <a:p>
+            <a:pPr marL="0" indent="0">
+              <a:buNone/>
+            </a:pPr>
+            <a:r>
+              <a:rPr lang="en-US" sz="2400" dirty="0">
+                <a:hlinkClick r:id="rId2"/>
+              </a:rPr>
+              <a:t>http://</a:t>
+            </a:r>
+            <a:r>
+              <a:rPr lang="en-US" sz="2400" dirty="0" smtClean="0">
+                <a:hlinkClick r:id="rId2"/>
+              </a:rPr>
+              <a:t>en.cppreference.com/w/cpp/language/rule_of_three</a:t>
+            </a:r>
+            <a:endParaRPr lang="en-US" sz="2400" dirty="0" smtClean="0"/>
+          </a:p>
+          <a:p>
+            <a:pPr marL="0" indent="0">
+              <a:buNone/>
+            </a:pPr>
+            <a:endParaRPr lang="en-US" dirty="0" smtClean="0"/>
+          </a:p>
+          <a:p>
+            <a:pPr marL="400050" lvl="1" indent="0">
+              <a:buNone/>
+            </a:pPr>
+            <a:r>
+              <a:rPr lang="en-US" dirty="0"/>
+              <a:t>“Because the presence of a user-defined destructor, copy-constructor, or copy-assignment operator prevents implicit definition of the move constructor and the move assignment operator, any class for which move semantics are desirable, has to declare all five special member </a:t>
+            </a:r>
+            <a:r>
+              <a:rPr lang="en-US" dirty="0" smtClean="0"/>
+              <a:t>functions.</a:t>
+            </a:r>
+            <a:endParaRPr lang="en-US" dirty="0"/>
           </a:p>
         </p:txBody>
       </p:sp>
     </p:spTree>
     <p:extLst>
       <p:ext uri="{BB962C8B-B14F-4D97-AF65-F5344CB8AC3E}">
-        <p14:creationId xmlns:p14="http://schemas.microsoft.com/office/powerpoint/2010/main" val="2118868596"/>
+        <p14:creationId xmlns:p14="http://schemas.microsoft.com/office/powerpoint/2010/main" val="2995229971"/>
       </p:ext>
     </p:extLst>
   </p:cSld>
@@ -4283,8 +4139,8 @@
           <a:lstStyle/>
           <a:p>
             <a:r>
-              <a:rPr lang="en-US" smtClean="0"/>
-              <a:t>Which C++ compiler?</a:t>
+              <a:rPr lang="en-US" dirty="0" smtClean="0"/>
+              <a:t>Which C++ compiler am I using?</a:t>
             </a:r>
             <a:endParaRPr lang="en-US" dirty="0"/>
           </a:p>
@@ -4303,66 +4159,53 @@
         <p:spPr/>
         <p:txBody>
           <a:bodyPr>
-            <a:normAutofit lnSpcReduction="10000"/>
+            <a:normAutofit/>
           </a:bodyPr>
           <a:lstStyle/>
           <a:p>
-            <a:pPr marL="0" indent="0">
-              <a:buNone/>
-            </a:pPr>
-            <a:r>
-              <a:rPr lang="en-US" sz="2600" dirty="0" smtClean="0">
-                <a:cs typeface="Consolas" panose="020B0609020204030204" pitchFamily="49" charset="0"/>
-              </a:rPr>
-              <a:t>Set </a:t>
-            </a:r>
-            <a:r>
-              <a:rPr lang="en-US" sz="2600" dirty="0">
-                <a:cs typeface="Consolas" panose="020B0609020204030204" pitchFamily="49" charset="0"/>
-              </a:rPr>
-              <a:t>the environment; run </a:t>
-            </a:r>
-            <a:r>
-              <a:rPr lang="en-US" sz="2600" dirty="0" smtClean="0">
-                <a:cs typeface="Consolas" panose="020B0609020204030204" pitchFamily="49" charset="0"/>
-              </a:rPr>
-              <a:t>CL.EXE</a:t>
-            </a:r>
-          </a:p>
-          <a:p>
-            <a:r>
-              <a:rPr lang="en-US" sz="2600" dirty="0" smtClean="0">
-                <a:cs typeface="Consolas" panose="020B0609020204030204" pitchFamily="49" charset="0"/>
-              </a:rPr>
-              <a:t>Visual Studio help/about: fail</a:t>
-            </a:r>
-          </a:p>
-          <a:p>
-            <a:r>
-              <a:rPr lang="en-US" sz="2600" dirty="0" smtClean="0">
-                <a:cs typeface="Consolas" panose="020B0609020204030204" pitchFamily="49" charset="0"/>
-              </a:rPr>
-              <a:t>Look for “C++” </a:t>
-            </a:r>
-            <a:r>
-              <a:rPr lang="en-US" sz="2600" dirty="0" smtClean="0">
-                <a:cs typeface="Consolas" panose="020B0609020204030204" pitchFamily="49" charset="0"/>
-                <a:hlinkClick r:id="rId2"/>
-              </a:rPr>
-              <a:t>here</a:t>
-            </a:r>
-            <a:r>
-              <a:rPr lang="en-US" sz="2600" dirty="0" smtClean="0">
-                <a:cs typeface="Consolas" panose="020B0609020204030204" pitchFamily="49" charset="0"/>
-              </a:rPr>
-              <a:t> for all MS C++ compiler versions</a:t>
-            </a:r>
-            <a:endParaRPr lang="en-US" sz="2600" dirty="0">
+            <a:pPr marL="457200" lvl="1" indent="0">
+              <a:buNone/>
+            </a:pPr>
+            <a:endParaRPr lang="en-US" sz="1800" dirty="0" smtClean="0">
+              <a:latin typeface="Consolas" panose="020B0609020204030204" pitchFamily="49" charset="0"/>
               <a:cs typeface="Consolas" panose="020B0609020204030204" pitchFamily="49" charset="0"/>
             </a:endParaRPr>
           </a:p>
           <a:p>
-            <a:pPr marL="0" indent="0">
+            <a:pPr marL="457200" lvl="1" indent="0">
+              <a:buNone/>
+            </a:pPr>
+            <a:r>
+              <a:rPr lang="en-US" sz="1800" dirty="0" smtClean="0">
+                <a:latin typeface="Consolas" panose="020B0609020204030204" pitchFamily="49" charset="0"/>
+                <a:cs typeface="Consolas" panose="020B0609020204030204" pitchFamily="49" charset="0"/>
+              </a:rPr>
+              <a:t>c</a:t>
+            </a:r>
+            <a:r>
+              <a:rPr lang="en-US" sz="1800" dirty="0">
+                <a:latin typeface="Consolas" panose="020B0609020204030204" pitchFamily="49" charset="0"/>
+                <a:cs typeface="Consolas" panose="020B0609020204030204" pitchFamily="49" charset="0"/>
+              </a:rPr>
+              <a:t>:\apps\WinDDK\7600.16385.1</a:t>
+            </a:r>
+            <a:r>
+              <a:rPr lang="en-US" sz="1800" dirty="0" smtClean="0">
+                <a:latin typeface="Consolas" panose="020B0609020204030204" pitchFamily="49" charset="0"/>
+                <a:cs typeface="Consolas" panose="020B0609020204030204" pitchFamily="49" charset="0"/>
+              </a:rPr>
+              <a:t>&gt; bin\setenv.bat </a:t>
+            </a:r>
+            <a:r>
+              <a:rPr lang="en-US" sz="1800" dirty="0">
+                <a:latin typeface="Consolas" panose="020B0609020204030204" pitchFamily="49" charset="0"/>
+                <a:cs typeface="Consolas" panose="020B0609020204030204" pitchFamily="49" charset="0"/>
+              </a:rPr>
+              <a:t>. WLH</a:t>
+            </a:r>
+          </a:p>
+          <a:p>
+            <a:pPr marL="457200" lvl="1" indent="0">
               <a:buNone/>
             </a:pPr>
             <a:endParaRPr lang="en-US" sz="1800" dirty="0">
@@ -4371,50 +4214,22 @@
             </a:endParaRPr>
           </a:p>
           <a:p>
-            <a:pPr marL="0" indent="0">
-              <a:buNone/>
-            </a:pPr>
-            <a:r>
-              <a:rPr lang="en-US" sz="1800" b="1" dirty="0" smtClean="0">
-                <a:latin typeface="Consolas" panose="020B0609020204030204" pitchFamily="49" charset="0"/>
-                <a:cs typeface="Consolas" panose="020B0609020204030204" pitchFamily="49" charset="0"/>
-              </a:rPr>
-              <a:t>vs2013</a:t>
-            </a:r>
-            <a:r>
-              <a:rPr lang="en-US" sz="1800" dirty="0" smtClean="0">
-                <a:latin typeface="Consolas" panose="020B0609020204030204" pitchFamily="49" charset="0"/>
-                <a:cs typeface="Consolas" panose="020B0609020204030204" pitchFamily="49" charset="0"/>
-              </a:rPr>
-              <a:t>env: Microsoft </a:t>
-            </a:r>
+            <a:pPr marL="457200" lvl="1" indent="0">
+              <a:buNone/>
+            </a:pPr>
             <a:r>
               <a:rPr lang="en-US" sz="1800" dirty="0">
                 <a:latin typeface="Consolas" panose="020B0609020204030204" pitchFamily="49" charset="0"/>
                 <a:cs typeface="Consolas" panose="020B0609020204030204" pitchFamily="49" charset="0"/>
               </a:rPr>
-              <a:t>(R) C/C++ Optimizing Compiler Version </a:t>
-            </a:r>
-            <a:r>
-              <a:rPr lang="en-US" sz="1800" b="1" dirty="0">
-                <a:latin typeface="Consolas" panose="020B0609020204030204" pitchFamily="49" charset="0"/>
-                <a:cs typeface="Consolas" panose="020B0609020204030204" pitchFamily="49" charset="0"/>
-              </a:rPr>
-              <a:t>18.00.31010</a:t>
-            </a:r>
-            <a:r>
-              <a:rPr lang="en-US" sz="1800" dirty="0">
-                <a:latin typeface="Consolas" panose="020B0609020204030204" pitchFamily="49" charset="0"/>
-                <a:cs typeface="Consolas" panose="020B0609020204030204" pitchFamily="49" charset="0"/>
-              </a:rPr>
-              <a:t> for </a:t>
-            </a:r>
-            <a:r>
-              <a:rPr lang="en-US" sz="1800" dirty="0" smtClean="0">
-                <a:latin typeface="Consolas" panose="020B0609020204030204" pitchFamily="49" charset="0"/>
-                <a:cs typeface="Consolas" panose="020B0609020204030204" pitchFamily="49" charset="0"/>
-              </a:rPr>
-              <a:t>x86</a:t>
+              <a:t>c:\apps\WinDDK\7600.16385.1</a:t>
+            </a:r>
+            <a:r>
+              <a:rPr lang="en-US" sz="1800" smtClean="0">
+                <a:latin typeface="Consolas" panose="020B0609020204030204" pitchFamily="49" charset="0"/>
+                <a:cs typeface="Consolas" panose="020B0609020204030204" pitchFamily="49" charset="0"/>
+              </a:rPr>
+              <a:t>&gt; cl.exe</a:t>
             </a:r>
             <a:endParaRPr lang="en-US" sz="1800" dirty="0">
               <a:latin typeface="Consolas" panose="020B0609020204030204" pitchFamily="49" charset="0"/>
@@ -4422,212 +4237,96 @@
             </a:endParaRPr>
           </a:p>
           <a:p>
-            <a:pPr marL="0" indent="0">
-              <a:buNone/>
-            </a:pPr>
-            <a:r>
-              <a:rPr lang="en-US" sz="1800" b="1" dirty="0" smtClean="0">
-                <a:latin typeface="Consolas" panose="020B0609020204030204" pitchFamily="49" charset="0"/>
-                <a:cs typeface="Consolas" panose="020B0609020204030204" pitchFamily="49" charset="0"/>
-              </a:rPr>
-              <a:t>vs2012</a:t>
-            </a:r>
-            <a:r>
-              <a:rPr lang="en-US" sz="1800" dirty="0" smtClean="0">
-                <a:latin typeface="Consolas" panose="020B0609020204030204" pitchFamily="49" charset="0"/>
-                <a:cs typeface="Consolas" panose="020B0609020204030204" pitchFamily="49" charset="0"/>
-              </a:rPr>
-              <a:t>env: Microsoft </a:t>
-            </a:r>
-            <a:r>
-              <a:rPr lang="en-US" sz="1800" dirty="0">
-                <a:latin typeface="Consolas" panose="020B0609020204030204" pitchFamily="49" charset="0"/>
-                <a:cs typeface="Consolas" panose="020B0609020204030204" pitchFamily="49" charset="0"/>
-              </a:rPr>
-              <a:t>(R) C/C++ Optimizing Compiler Version </a:t>
-            </a:r>
-            <a:r>
-              <a:rPr lang="en-US" sz="1800" b="1" dirty="0">
-                <a:latin typeface="Consolas" panose="020B0609020204030204" pitchFamily="49" charset="0"/>
-                <a:cs typeface="Consolas" panose="020B0609020204030204" pitchFamily="49" charset="0"/>
-              </a:rPr>
-              <a:t>17.00.61030</a:t>
-            </a:r>
-            <a:r>
-              <a:rPr lang="en-US" sz="1800" dirty="0">
-                <a:latin typeface="Consolas" panose="020B0609020204030204" pitchFamily="49" charset="0"/>
-                <a:cs typeface="Consolas" panose="020B0609020204030204" pitchFamily="49" charset="0"/>
-              </a:rPr>
-              <a:t> for </a:t>
-            </a:r>
-            <a:r>
-              <a:rPr lang="en-US" sz="1800" dirty="0" smtClean="0">
-                <a:latin typeface="Consolas" panose="020B0609020204030204" pitchFamily="49" charset="0"/>
-                <a:cs typeface="Consolas" panose="020B0609020204030204" pitchFamily="49" charset="0"/>
-              </a:rPr>
-              <a:t>x86</a:t>
-            </a:r>
+            <a:pPr marL="457200" lvl="1" indent="0">
+              <a:buNone/>
+            </a:pPr>
             <a:endParaRPr lang="en-US" sz="1800" dirty="0">
               <a:latin typeface="Consolas" panose="020B0609020204030204" pitchFamily="49" charset="0"/>
               <a:cs typeface="Consolas" panose="020B0609020204030204" pitchFamily="49" charset="0"/>
             </a:endParaRPr>
           </a:p>
           <a:p>
-            <a:pPr marL="0" indent="0">
-              <a:buNone/>
-            </a:pPr>
+            <a:pPr marL="457200" lvl="1" indent="0">
+              <a:buNone/>
+            </a:pPr>
+            <a:r>
+              <a:rPr lang="en-US" sz="1800" dirty="0">
+                <a:latin typeface="Consolas" panose="020B0609020204030204" pitchFamily="49" charset="0"/>
+                <a:cs typeface="Consolas" panose="020B0609020204030204" pitchFamily="49" charset="0"/>
+              </a:rPr>
+              <a:t>Microsoft (R) 32-bit C/C++ Optimizing Compiler Version </a:t>
+            </a:r>
+            <a:r>
+              <a:rPr lang="en-US" sz="1800" b="1" dirty="0">
+                <a:latin typeface="Consolas" panose="020B0609020204030204" pitchFamily="49" charset="0"/>
+                <a:cs typeface="Consolas" panose="020B0609020204030204" pitchFamily="49" charset="0"/>
+              </a:rPr>
+              <a:t>15.00.30729.207</a:t>
+            </a:r>
+            <a:r>
+              <a:rPr lang="en-US" sz="1800" dirty="0">
+                <a:latin typeface="Consolas" panose="020B0609020204030204" pitchFamily="49" charset="0"/>
+                <a:cs typeface="Consolas" panose="020B0609020204030204" pitchFamily="49" charset="0"/>
+              </a:rPr>
+              <a:t> for </a:t>
+            </a:r>
             <a:r>
               <a:rPr lang="en-US" sz="1800" dirty="0" smtClean="0">
                 <a:latin typeface="Consolas" panose="020B0609020204030204" pitchFamily="49" charset="0"/>
                 <a:cs typeface="Consolas" panose="020B0609020204030204" pitchFamily="49" charset="0"/>
               </a:rPr>
-              <a:t>vs</a:t>
-            </a:r>
-            <a:r>
-              <a:rPr lang="en-US" sz="1800" b="1" dirty="0" smtClean="0">
-                <a:latin typeface="Consolas" panose="020B0609020204030204" pitchFamily="49" charset="0"/>
-                <a:cs typeface="Consolas" panose="020B0609020204030204" pitchFamily="49" charset="0"/>
-              </a:rPr>
-              <a:t>2010</a:t>
-            </a:r>
-            <a:r>
-              <a:rPr lang="en-US" sz="1800" dirty="0" smtClean="0">
-                <a:latin typeface="Consolas" panose="020B0609020204030204" pitchFamily="49" charset="0"/>
-                <a:cs typeface="Consolas" panose="020B0609020204030204" pitchFamily="49" charset="0"/>
-              </a:rPr>
-              <a:t>env: Microsoft </a:t>
-            </a:r>
-            <a:r>
-              <a:rPr lang="en-US" sz="1800" dirty="0">
-                <a:latin typeface="Consolas" panose="020B0609020204030204" pitchFamily="49" charset="0"/>
-                <a:cs typeface="Consolas" panose="020B0609020204030204" pitchFamily="49" charset="0"/>
-              </a:rPr>
-              <a:t>(R) 32-bit C/C++ Optimizing Compiler Version </a:t>
-            </a:r>
-            <a:r>
-              <a:rPr lang="en-US" sz="1800" b="1" dirty="0">
-                <a:latin typeface="Consolas" panose="020B0609020204030204" pitchFamily="49" charset="0"/>
-                <a:cs typeface="Consolas" panose="020B0609020204030204" pitchFamily="49" charset="0"/>
-              </a:rPr>
-              <a:t>16.00.40219.01</a:t>
-            </a:r>
-            <a:r>
-              <a:rPr lang="en-US" sz="1800" dirty="0">
-                <a:latin typeface="Consolas" panose="020B0609020204030204" pitchFamily="49" charset="0"/>
-                <a:cs typeface="Consolas" panose="020B0609020204030204" pitchFamily="49" charset="0"/>
-              </a:rPr>
-              <a:t> for </a:t>
-            </a:r>
-            <a:r>
-              <a:rPr lang="en-US" sz="1800" dirty="0" smtClean="0">
-                <a:latin typeface="Consolas" panose="020B0609020204030204" pitchFamily="49" charset="0"/>
-                <a:cs typeface="Consolas" panose="020B0609020204030204" pitchFamily="49" charset="0"/>
-              </a:rPr>
               <a:t>80x86</a:t>
             </a:r>
+          </a:p>
+          <a:p>
+            <a:pPr marL="457200" lvl="1" indent="0">
+              <a:buNone/>
+            </a:pPr>
             <a:endParaRPr lang="en-US" sz="1800" dirty="0">
               <a:latin typeface="Consolas" panose="020B0609020204030204" pitchFamily="49" charset="0"/>
               <a:cs typeface="Consolas" panose="020B0609020204030204" pitchFamily="49" charset="0"/>
             </a:endParaRPr>
           </a:p>
           <a:p>
-            <a:pPr marL="0" indent="0">
-              <a:buNone/>
-            </a:pPr>
-            <a:r>
-              <a:rPr lang="en-US" sz="1800" dirty="0" smtClean="0">
-                <a:latin typeface="Consolas" panose="020B0609020204030204" pitchFamily="49" charset="0"/>
-                <a:cs typeface="Consolas" panose="020B0609020204030204" pitchFamily="49" charset="0"/>
-              </a:rPr>
-              <a:t>vs</a:t>
-            </a:r>
-            <a:r>
-              <a:rPr lang="en-US" sz="1800" b="1" dirty="0" smtClean="0">
-                <a:latin typeface="Consolas" panose="020B0609020204030204" pitchFamily="49" charset="0"/>
-                <a:cs typeface="Consolas" panose="020B0609020204030204" pitchFamily="49" charset="0"/>
-              </a:rPr>
-              <a:t>2008</a:t>
-            </a:r>
-            <a:r>
-              <a:rPr lang="en-US" sz="1800" dirty="0" smtClean="0">
-                <a:latin typeface="Consolas" panose="020B0609020204030204" pitchFamily="49" charset="0"/>
-                <a:cs typeface="Consolas" panose="020B0609020204030204" pitchFamily="49" charset="0"/>
-              </a:rPr>
-              <a:t>env: Microsoft </a:t>
-            </a:r>
+            <a:pPr marL="457200" lvl="1" indent="0">
+              <a:buNone/>
+            </a:pPr>
             <a:r>
               <a:rPr lang="en-US" sz="1800" dirty="0">
                 <a:latin typeface="Consolas" panose="020B0609020204030204" pitchFamily="49" charset="0"/>
                 <a:cs typeface="Consolas" panose="020B0609020204030204" pitchFamily="49" charset="0"/>
               </a:rPr>
-              <a:t>(R) 32-bit C/C++ Optimizing Compiler </a:t>
-            </a:r>
-            <a:r>
-              <a:rPr lang="en-US" sz="1800" dirty="0" smtClean="0">
-                <a:latin typeface="Consolas" panose="020B0609020204030204" pitchFamily="49" charset="0"/>
-                <a:cs typeface="Consolas" panose="020B0609020204030204" pitchFamily="49" charset="0"/>
-              </a:rPr>
-              <a:t>Version </a:t>
-            </a:r>
-            <a:r>
-              <a:rPr lang="en-US" sz="1800" b="1" dirty="0" smtClean="0">
-                <a:latin typeface="Consolas" panose="020B0609020204030204" pitchFamily="49" charset="0"/>
-                <a:cs typeface="Consolas" panose="020B0609020204030204" pitchFamily="49" charset="0"/>
-              </a:rPr>
-              <a:t>15.00.30729.01</a:t>
-            </a:r>
-            <a:r>
-              <a:rPr lang="en-US" sz="1800" dirty="0" smtClean="0">
-                <a:latin typeface="Consolas" panose="020B0609020204030204" pitchFamily="49" charset="0"/>
-                <a:cs typeface="Consolas" panose="020B0609020204030204" pitchFamily="49" charset="0"/>
-              </a:rPr>
-              <a:t> </a:t>
-            </a:r>
+              <a:t>Copyright (C) Microsoft Corporation.  All rights reserved.</a:t>
+            </a:r>
+          </a:p>
+          <a:p>
+            <a:pPr marL="457200" lvl="1" indent="0">
+              <a:buNone/>
+            </a:pPr>
             <a:r>
               <a:rPr lang="en-US" sz="1800" dirty="0">
                 <a:latin typeface="Consolas" panose="020B0609020204030204" pitchFamily="49" charset="0"/>
                 <a:cs typeface="Consolas" panose="020B0609020204030204" pitchFamily="49" charset="0"/>
               </a:rPr>
-              <a:t>for </a:t>
-            </a:r>
-            <a:r>
-              <a:rPr lang="en-US" sz="1800" dirty="0" smtClean="0">
-                <a:latin typeface="Consolas" panose="020B0609020204030204" pitchFamily="49" charset="0"/>
-                <a:cs typeface="Consolas" panose="020B0609020204030204" pitchFamily="49" charset="0"/>
-              </a:rPr>
-              <a:t>80x86</a:t>
-            </a:r>
-          </a:p>
-          <a:p>
-            <a:pPr marL="0" indent="0">
-              <a:buNone/>
-            </a:pPr>
+              <a:t>usage: cl [ option... ] filename... [ /link </a:t>
+            </a:r>
+            <a:r>
+              <a:rPr lang="en-US" sz="1800" dirty="0" err="1">
+                <a:latin typeface="Consolas" panose="020B0609020204030204" pitchFamily="49" charset="0"/>
+                <a:cs typeface="Consolas" panose="020B0609020204030204" pitchFamily="49" charset="0"/>
+              </a:rPr>
+              <a:t>linkoption</a:t>
+            </a:r>
             <a:r>
               <a:rPr lang="en-US" sz="1800" dirty="0">
                 <a:latin typeface="Consolas" panose="020B0609020204030204" pitchFamily="49" charset="0"/>
                 <a:cs typeface="Consolas" panose="020B0609020204030204" pitchFamily="49" charset="0"/>
               </a:rPr>
-              <a:t>vs</a:t>
-            </a:r>
-            <a:r>
-              <a:rPr lang="en-US" sz="1800" b="1" dirty="0">
-                <a:latin typeface="Consolas" panose="020B0609020204030204" pitchFamily="49" charset="0"/>
-                <a:cs typeface="Consolas" panose="020B0609020204030204" pitchFamily="49" charset="0"/>
-              </a:rPr>
-              <a:t>2014</a:t>
-            </a:r>
-            <a:r>
-              <a:rPr lang="en-US" sz="1800" dirty="0">
-                <a:latin typeface="Consolas" panose="020B0609020204030204" pitchFamily="49" charset="0"/>
-                <a:cs typeface="Consolas" panose="020B0609020204030204" pitchFamily="49" charset="0"/>
-              </a:rPr>
-              <a:t>env: Microsoft (R) C/C++ Optimizing Compiler Version 19.00.22129.1 for x86</a:t>
-            </a:r>
-          </a:p>
-          <a:p>
-            <a:pPr marL="0" indent="0">
-              <a:buNone/>
-            </a:pPr>
+              <a:t>... ]</a:t>
+            </a:r>
+          </a:p>
+          <a:p>
+            <a:pPr lvl="1"/>
             <a:endParaRPr lang="en-US" sz="1800" dirty="0">
               <a:latin typeface="Consolas" panose="020B0609020204030204" pitchFamily="49" charset="0"/>
               <a:cs typeface="Consolas" panose="020B0609020204030204" pitchFamily="49" charset="0"/>
@@ -4638,7 +4337,7 @@
     </p:spTree>
     <p:extLst>
       <p:ext uri="{BB962C8B-B14F-4D97-AF65-F5344CB8AC3E}">
-        <p14:creationId xmlns:p14="http://schemas.microsoft.com/office/powerpoint/2010/main" val="82139143"/>
+        <p14:creationId xmlns:p14="http://schemas.microsoft.com/office/powerpoint/2010/main" val="2118868596"/>
       </p:ext>
     </p:extLst>
   </p:cSld>
@@ -4689,11 +4388,7 @@
           <a:p>
             <a:r>
               <a:rPr lang="en-US" smtClean="0"/>
-              <a:t>MS C/C</a:t>
-            </a:r>
-            <a:r>
-              <a:rPr lang="en-US" dirty="0" smtClean="0"/>
-              <a:t>++ runtime dependencies</a:t>
+              <a:t>Which C++ compiler?</a:t>
             </a:r>
             <a:endParaRPr lang="en-US" dirty="0"/>
           </a:p>
@@ -4712,7 +4407,7 @@
         <p:spPr/>
         <p:txBody>
           <a:bodyPr>
-            <a:normAutofit fontScale="62500" lnSpcReduction="20000"/>
+            <a:normAutofit lnSpcReduction="10000"/>
           </a:bodyPr>
           <a:lstStyle/>
           <a:p>
@@ -4720,75 +4415,61 @@
               <a:buNone/>
             </a:pPr>
             <a:r>
-              <a:rPr lang="en-US" dirty="0">
-                <a:latin typeface="Consolas" panose="020B0609020204030204" pitchFamily="49" charset="0"/>
-                <a:cs typeface="Consolas" panose="020B0609020204030204" pitchFamily="49" charset="0"/>
-              </a:rPr>
-              <a:t>c:\apps\vs2013\VC\redist\x64</a:t>
-            </a:r>
-            <a:r>
-              <a:rPr lang="en-US" dirty="0" smtClean="0">
-                <a:latin typeface="Consolas" panose="020B0609020204030204" pitchFamily="49" charset="0"/>
-                <a:cs typeface="Consolas" panose="020B0609020204030204" pitchFamily="49" charset="0"/>
-              </a:rPr>
-              <a:t>&gt; tree </a:t>
-            </a:r>
-            <a:r>
-              <a:rPr lang="en-US" dirty="0">
-                <a:latin typeface="Consolas" panose="020B0609020204030204" pitchFamily="49" charset="0"/>
-                <a:cs typeface="Consolas" panose="020B0609020204030204" pitchFamily="49" charset="0"/>
-              </a:rPr>
-              <a:t>/f /a</a:t>
-            </a:r>
+              <a:rPr lang="en-US" sz="2600" dirty="0" smtClean="0">
+                <a:cs typeface="Consolas" panose="020B0609020204030204" pitchFamily="49" charset="0"/>
+              </a:rPr>
+              <a:t>Set </a:t>
+            </a:r>
+            <a:r>
+              <a:rPr lang="en-US" sz="2600" dirty="0">
+                <a:cs typeface="Consolas" panose="020B0609020204030204" pitchFamily="49" charset="0"/>
+              </a:rPr>
+              <a:t>the environment; run </a:t>
+            </a:r>
+            <a:r>
+              <a:rPr lang="en-US" sz="2600" dirty="0" smtClean="0">
+                <a:cs typeface="Consolas" panose="020B0609020204030204" pitchFamily="49" charset="0"/>
+              </a:rPr>
+              <a:t>CL.EXE</a:t>
+            </a:r>
+          </a:p>
+          <a:p>
+            <a:r>
+              <a:rPr lang="en-US" sz="2600" dirty="0" smtClean="0">
+                <a:cs typeface="Consolas" panose="020B0609020204030204" pitchFamily="49" charset="0"/>
+              </a:rPr>
+              <a:t>Visual Studio help/about: fail</a:t>
+            </a:r>
+          </a:p>
+          <a:p>
+            <a:r>
+              <a:rPr lang="en-US" sz="2600" dirty="0" smtClean="0">
+                <a:cs typeface="Consolas" panose="020B0609020204030204" pitchFamily="49" charset="0"/>
+              </a:rPr>
+              <a:t>Look for “C++” </a:t>
+            </a:r>
+            <a:r>
+              <a:rPr lang="en-US" sz="2600" dirty="0" smtClean="0">
+                <a:cs typeface="Consolas" panose="020B0609020204030204" pitchFamily="49" charset="0"/>
+                <a:hlinkClick r:id="rId2"/>
+              </a:rPr>
+              <a:t>here</a:t>
+            </a:r>
+            <a:r>
+              <a:rPr lang="en-US" sz="2600" dirty="0" smtClean="0">
+                <a:cs typeface="Consolas" panose="020B0609020204030204" pitchFamily="49" charset="0"/>
+              </a:rPr>
+              <a:t> for all MS C++ compiler versions</a:t>
+            </a:r>
+            <a:endParaRPr lang="en-US" sz="2600" dirty="0">
+              <a:cs typeface="Consolas" panose="020B0609020204030204" pitchFamily="49" charset="0"/>
+            </a:endParaRPr>
           </a:p>
           <a:p>
             <a:pPr marL="0" indent="0">
               <a:buNone/>
             </a:pPr>
-            <a:r>
-              <a:rPr lang="en-US" dirty="0" smtClean="0">
-                <a:latin typeface="Consolas" panose="020B0609020204030204" pitchFamily="49" charset="0"/>
-                <a:cs typeface="Consolas" panose="020B0609020204030204" pitchFamily="49" charset="0"/>
-              </a:rPr>
-              <a:t>+---</a:t>
-            </a:r>
-            <a:r>
-              <a:rPr lang="en-US" dirty="0">
-                <a:latin typeface="Consolas" panose="020B0609020204030204" pitchFamily="49" charset="0"/>
-                <a:cs typeface="Consolas" panose="020B0609020204030204" pitchFamily="49" charset="0"/>
-              </a:rPr>
-              <a:t>Microsoft.VC120.CRT</a:t>
-            </a:r>
-          </a:p>
-          <a:p>
-            <a:pPr marL="0" indent="0">
-              <a:buNone/>
-            </a:pPr>
-            <a:r>
-              <a:rPr lang="en-US" dirty="0">
-                <a:latin typeface="Consolas" panose="020B0609020204030204" pitchFamily="49" charset="0"/>
-                <a:cs typeface="Consolas" panose="020B0609020204030204" pitchFamily="49" charset="0"/>
-              </a:rPr>
-              <a:t>|       </a:t>
-            </a:r>
-            <a:r>
-              <a:rPr lang="en-US" b="1" dirty="0" smtClean="0">
-                <a:solidFill>
-                  <a:srgbClr val="FF0000"/>
-                </a:solidFill>
-                <a:latin typeface="Consolas" panose="020B0609020204030204" pitchFamily="49" charset="0"/>
-                <a:cs typeface="Consolas" panose="020B0609020204030204" pitchFamily="49" charset="0"/>
-              </a:rPr>
-              <a:t>msvcp120.dll</a:t>
-            </a:r>
-            <a:r>
-              <a:rPr lang="en-US" dirty="0" smtClean="0">
-                <a:latin typeface="Consolas" panose="020B0609020204030204" pitchFamily="49" charset="0"/>
-                <a:cs typeface="Consolas" panose="020B0609020204030204" pitchFamily="49" charset="0"/>
-              </a:rPr>
-              <a:t>	// C++ runtime</a:t>
-            </a:r>
-            <a:endParaRPr lang="en-US" dirty="0">
+            <a:endParaRPr lang="en-US" sz="1800" dirty="0">
               <a:latin typeface="Consolas" panose="020B0609020204030204" pitchFamily="49" charset="0"/>
               <a:cs typeface="Consolas" panose="020B0609020204030204" pitchFamily="49" charset="0"/>
             </a:endParaRPr>
@@ -4798,30 +4479,48 @@
               <a:buNone/>
             </a:pPr>
             <a:r>
-              <a:rPr lang="en-US" dirty="0">
-                <a:latin typeface="Consolas" panose="020B0609020204030204" pitchFamily="49" charset="0"/>
-                <a:cs typeface="Consolas" panose="020B0609020204030204" pitchFamily="49" charset="0"/>
-              </a:rPr>
-              <a:t>|       </a:t>
-            </a:r>
-            <a:r>
-              <a:rPr lang="en-US" b="1" dirty="0" smtClean="0">
-                <a:solidFill>
-                  <a:srgbClr val="FF0000"/>
-                </a:solidFill>
-                <a:latin typeface="Consolas" panose="020B0609020204030204" pitchFamily="49" charset="0"/>
-                <a:cs typeface="Consolas" panose="020B0609020204030204" pitchFamily="49" charset="0"/>
-              </a:rPr>
-              <a:t>msvcr120.dll</a:t>
-            </a:r>
-            <a:r>
-              <a:rPr lang="en-US" dirty="0" smtClean="0">
-                <a:latin typeface="Consolas" panose="020B0609020204030204" pitchFamily="49" charset="0"/>
-                <a:cs typeface="Consolas" panose="020B0609020204030204" pitchFamily="49" charset="0"/>
-              </a:rPr>
-              <a:t>	// C runtime</a:t>
-            </a:r>
-            <a:endParaRPr lang="en-US" dirty="0">
+              <a:rPr lang="en-US" sz="1800" b="1" dirty="0" smtClean="0">
+                <a:latin typeface="Consolas" panose="020B0609020204030204" pitchFamily="49" charset="0"/>
+                <a:cs typeface="Consolas" panose="020B0609020204030204" pitchFamily="49" charset="0"/>
+              </a:rPr>
+              <a:t>vs2013</a:t>
+            </a:r>
+            <a:r>
+              <a:rPr lang="en-US" sz="1800" dirty="0" smtClean="0">
+                <a:latin typeface="Consolas" panose="020B0609020204030204" pitchFamily="49" charset="0"/>
+                <a:cs typeface="Consolas" panose="020B0609020204030204" pitchFamily="49" charset="0"/>
+              </a:rPr>
+              <a:t>env: Microsoft </a:t>
+            </a:r>
+            <a:r>
+              <a:rPr lang="en-US" sz="1800" dirty="0">
+                <a:latin typeface="Consolas" panose="020B0609020204030204" pitchFamily="49" charset="0"/>
+                <a:cs typeface="Consolas" panose="020B0609020204030204" pitchFamily="49" charset="0"/>
+              </a:rPr>
+              <a:t>(R) C/C++ Optimizing Compiler Version </a:t>
+            </a:r>
+            <a:r>
+              <a:rPr lang="en-US" sz="1800" b="1" dirty="0">
+                <a:latin typeface="Consolas" panose="020B0609020204030204" pitchFamily="49" charset="0"/>
+                <a:cs typeface="Consolas" panose="020B0609020204030204" pitchFamily="49" charset="0"/>
+              </a:rPr>
+              <a:t>18.00.31010</a:t>
+            </a:r>
+            <a:r>
+              <a:rPr lang="en-US" sz="1800" dirty="0">
+                <a:latin typeface="Consolas" panose="020B0609020204030204" pitchFamily="49" charset="0"/>
+                <a:cs typeface="Consolas" panose="020B0609020204030204" pitchFamily="49" charset="0"/>
+              </a:rPr>
+              <a:t> for </a:t>
+            </a:r>
+            <a:r>
+              <a:rPr lang="en-US" sz="1800" dirty="0" smtClean="0">
+                <a:latin typeface="Consolas" panose="020B0609020204030204" pitchFamily="49" charset="0"/>
+                <a:cs typeface="Consolas" panose="020B0609020204030204" pitchFamily="49" charset="0"/>
+              </a:rPr>
+              <a:t>x86</a:t>
+            </a:r>
+            <a:endParaRPr lang="en-US" sz="1800" dirty="0">
               <a:latin typeface="Consolas" panose="020B0609020204030204" pitchFamily="49" charset="0"/>
               <a:cs typeface="Consolas" panose="020B0609020204030204" pitchFamily="49" charset="0"/>
             </a:endParaRPr>
@@ -4831,20 +4530,48 @@
               <a:buNone/>
             </a:pPr>
             <a:r>
-              <a:rPr lang="en-US" dirty="0">
-                <a:latin typeface="Consolas" panose="020B0609020204030204" pitchFamily="49" charset="0"/>
-                <a:cs typeface="Consolas" panose="020B0609020204030204" pitchFamily="49" charset="0"/>
-              </a:rPr>
-              <a:t>|       </a:t>
-            </a:r>
-            <a:r>
-              <a:rPr lang="en-US" dirty="0" smtClean="0">
-                <a:latin typeface="Consolas" panose="020B0609020204030204" pitchFamily="49" charset="0"/>
-                <a:cs typeface="Consolas" panose="020B0609020204030204" pitchFamily="49" charset="0"/>
-              </a:rPr>
-              <a:t>vccorlib120.dll 	// C++/CLI</a:t>
-            </a:r>
-            <a:endParaRPr lang="en-US" dirty="0">
+              <a:rPr lang="en-US" sz="1800" b="1" dirty="0" smtClean="0">
+                <a:latin typeface="Consolas" panose="020B0609020204030204" pitchFamily="49" charset="0"/>
+                <a:cs typeface="Consolas" panose="020B0609020204030204" pitchFamily="49" charset="0"/>
+              </a:rPr>
+              <a:t>vs2012</a:t>
+            </a:r>
+            <a:r>
+              <a:rPr lang="en-US" sz="1800" dirty="0" smtClean="0">
+                <a:latin typeface="Consolas" panose="020B0609020204030204" pitchFamily="49" charset="0"/>
+                <a:cs typeface="Consolas" panose="020B0609020204030204" pitchFamily="49" charset="0"/>
+              </a:rPr>
+              <a:t>env: Microsoft </a:t>
+            </a:r>
+            <a:r>
+              <a:rPr lang="en-US" sz="1800" dirty="0">
+                <a:latin typeface="Consolas" panose="020B0609020204030204" pitchFamily="49" charset="0"/>
+                <a:cs typeface="Consolas" panose="020B0609020204030204" pitchFamily="49" charset="0"/>
+              </a:rPr>
+              <a:t>(R) C/C++ Optimizing Compiler Version </a:t>
+            </a:r>
+            <a:r>
+              <a:rPr lang="en-US" sz="1800" b="1" dirty="0">
+                <a:latin typeface="Consolas" panose="020B0609020204030204" pitchFamily="49" charset="0"/>
+                <a:cs typeface="Consolas" panose="020B0609020204030204" pitchFamily="49" charset="0"/>
+              </a:rPr>
+              <a:t>17.00.61030</a:t>
+            </a:r>
+            <a:r>
+              <a:rPr lang="en-US" sz="1800" dirty="0">
+                <a:latin typeface="Consolas" panose="020B0609020204030204" pitchFamily="49" charset="0"/>
+                <a:cs typeface="Consolas" panose="020B0609020204030204" pitchFamily="49" charset="0"/>
+              </a:rPr>
+              <a:t> for </a:t>
+            </a:r>
+            <a:r>
+              <a:rPr lang="en-US" sz="1800" dirty="0" smtClean="0">
+                <a:latin typeface="Consolas" panose="020B0609020204030204" pitchFamily="49" charset="0"/>
+                <a:cs typeface="Consolas" panose="020B0609020204030204" pitchFamily="49" charset="0"/>
+              </a:rPr>
+              <a:t>x86</a:t>
+            </a:r>
+            <a:endParaRPr lang="en-US" sz="1800" dirty="0">
               <a:latin typeface="Consolas" panose="020B0609020204030204" pitchFamily="49" charset="0"/>
               <a:cs typeface="Consolas" panose="020B0609020204030204" pitchFamily="49" charset="0"/>
             </a:endParaRPr>
@@ -4854,127 +4581,55 @@
               <a:buNone/>
             </a:pPr>
             <a:r>
-              <a:rPr lang="en-US" dirty="0" smtClean="0">
-                <a:latin typeface="Consolas" panose="020B0609020204030204" pitchFamily="49" charset="0"/>
-                <a:cs typeface="Consolas" panose="020B0609020204030204" pitchFamily="49" charset="0"/>
-              </a:rPr>
-              <a:t>+---</a:t>
-            </a:r>
-            <a:r>
-              <a:rPr lang="en-US" dirty="0">
-                <a:latin typeface="Consolas" panose="020B0609020204030204" pitchFamily="49" charset="0"/>
-                <a:cs typeface="Consolas" panose="020B0609020204030204" pitchFamily="49" charset="0"/>
-              </a:rPr>
-              <a:t>Microsoft.VC120.CXXAMP</a:t>
-            </a:r>
-          </a:p>
-          <a:p>
-            <a:pPr marL="0" indent="0">
-              <a:buNone/>
-            </a:pPr>
-            <a:r>
-              <a:rPr lang="en-US" dirty="0">
-                <a:latin typeface="Consolas" panose="020B0609020204030204" pitchFamily="49" charset="0"/>
-                <a:cs typeface="Consolas" panose="020B0609020204030204" pitchFamily="49" charset="0"/>
-              </a:rPr>
-              <a:t>|       vcamp120.dll</a:t>
-            </a:r>
-          </a:p>
-          <a:p>
-            <a:pPr marL="0" indent="0">
-              <a:buNone/>
-            </a:pPr>
-            <a:r>
-              <a:rPr lang="en-US" dirty="0" smtClean="0">
-                <a:latin typeface="Consolas" panose="020B0609020204030204" pitchFamily="49" charset="0"/>
-                <a:cs typeface="Consolas" panose="020B0609020204030204" pitchFamily="49" charset="0"/>
-              </a:rPr>
-              <a:t>+---</a:t>
-            </a:r>
-            <a:r>
-              <a:rPr lang="en-US" dirty="0">
-                <a:latin typeface="Consolas" panose="020B0609020204030204" pitchFamily="49" charset="0"/>
-                <a:cs typeface="Consolas" panose="020B0609020204030204" pitchFamily="49" charset="0"/>
-              </a:rPr>
-              <a:t>Microsoft.VC120.MFC</a:t>
-            </a:r>
-          </a:p>
-          <a:p>
-            <a:pPr marL="0" indent="0">
-              <a:buNone/>
-            </a:pPr>
-            <a:r>
-              <a:rPr lang="en-US" dirty="0">
-                <a:latin typeface="Consolas" panose="020B0609020204030204" pitchFamily="49" charset="0"/>
-                <a:cs typeface="Consolas" panose="020B0609020204030204" pitchFamily="49" charset="0"/>
-              </a:rPr>
-              <a:t>|       mfc120u.dll</a:t>
-            </a:r>
-          </a:p>
-          <a:p>
-            <a:pPr marL="0" indent="0">
-              <a:buNone/>
-            </a:pPr>
-            <a:r>
-              <a:rPr lang="en-US" dirty="0">
-                <a:latin typeface="Consolas" panose="020B0609020204030204" pitchFamily="49" charset="0"/>
-                <a:cs typeface="Consolas" panose="020B0609020204030204" pitchFamily="49" charset="0"/>
-              </a:rPr>
-              <a:t>|       mfcm120u.dll</a:t>
-            </a:r>
-          </a:p>
-          <a:p>
-            <a:pPr marL="0" indent="0">
-              <a:buNone/>
-            </a:pPr>
-            <a:r>
-              <a:rPr lang="en-US" dirty="0" smtClean="0">
-                <a:latin typeface="Consolas" panose="020B0609020204030204" pitchFamily="49" charset="0"/>
-                <a:cs typeface="Consolas" panose="020B0609020204030204" pitchFamily="49" charset="0"/>
-              </a:rPr>
-              <a:t>+---</a:t>
-            </a:r>
-            <a:r>
-              <a:rPr lang="en-US" dirty="0">
-                <a:latin typeface="Consolas" panose="020B0609020204030204" pitchFamily="49" charset="0"/>
-                <a:cs typeface="Consolas" panose="020B0609020204030204" pitchFamily="49" charset="0"/>
-              </a:rPr>
-              <a:t>Microsoft.VC120.MFCLOC</a:t>
-            </a:r>
-          </a:p>
-          <a:p>
-            <a:pPr marL="0" indent="0">
-              <a:buNone/>
-            </a:pPr>
-            <a:r>
-              <a:rPr lang="en-US" dirty="0">
-                <a:latin typeface="Consolas" panose="020B0609020204030204" pitchFamily="49" charset="0"/>
-                <a:cs typeface="Consolas" panose="020B0609020204030204" pitchFamily="49" charset="0"/>
-              </a:rPr>
-              <a:t>|       </a:t>
-            </a:r>
-            <a:r>
-              <a:rPr lang="en-US" dirty="0" smtClean="0">
-                <a:latin typeface="Consolas" panose="020B0609020204030204" pitchFamily="49" charset="0"/>
-                <a:cs typeface="Consolas" panose="020B0609020204030204" pitchFamily="49" charset="0"/>
-              </a:rPr>
-              <a:t>//</a:t>
-            </a:r>
-            <a:r>
-              <a:rPr lang="en-US" dirty="0" err="1" smtClean="0">
-                <a:latin typeface="Consolas" panose="020B0609020204030204" pitchFamily="49" charset="0"/>
-                <a:cs typeface="Consolas" panose="020B0609020204030204" pitchFamily="49" charset="0"/>
-              </a:rPr>
-              <a:t>mfc</a:t>
-            </a:r>
-            <a:r>
-              <a:rPr lang="en-US" dirty="0" smtClean="0">
-                <a:latin typeface="Consolas" panose="020B0609020204030204" pitchFamily="49" charset="0"/>
-                <a:cs typeface="Consolas" panose="020B0609020204030204" pitchFamily="49" charset="0"/>
-              </a:rPr>
-              <a:t> localized stuff</a:t>
-            </a:r>
-            <a:endParaRPr lang="en-US" dirty="0">
+              <a:rPr lang="en-US" sz="1800" dirty="0" smtClean="0">
+                <a:latin typeface="Consolas" panose="020B0609020204030204" pitchFamily="49" charset="0"/>
+                <a:cs typeface="Consolas" panose="020B0609020204030204" pitchFamily="49" charset="0"/>
+              </a:rPr>
+              <a:t>vs</a:t>
+            </a:r>
+            <a:r>
+              <a:rPr lang="en-US" sz="1800" b="1" dirty="0" smtClean="0">
+                <a:latin typeface="Consolas" panose="020B0609020204030204" pitchFamily="49" charset="0"/>
+                <a:cs typeface="Consolas" panose="020B0609020204030204" pitchFamily="49" charset="0"/>
+              </a:rPr>
+              <a:t>2010</a:t>
+            </a:r>
+            <a:r>
+              <a:rPr lang="en-US" sz="1800" dirty="0" smtClean="0">
+                <a:latin typeface="Consolas" panose="020B0609020204030204" pitchFamily="49" charset="0"/>
+                <a:cs typeface="Consolas" panose="020B0609020204030204" pitchFamily="49" charset="0"/>
+              </a:rPr>
+              <a:t>env: Microsoft </a:t>
+            </a:r>
+            <a:r>
+              <a:rPr lang="en-US" sz="1800" dirty="0">
+                <a:latin typeface="Consolas" panose="020B0609020204030204" pitchFamily="49" charset="0"/>
+                <a:cs typeface="Consolas" panose="020B0609020204030204" pitchFamily="49" charset="0"/>
+              </a:rPr>
+              <a:t>(R) 32-bit C/C++ Optimizing Compiler Version </a:t>
+            </a:r>
+            <a:r>
+              <a:rPr lang="en-US" sz="1800" b="1" dirty="0">
+                <a:latin typeface="Consolas" panose="020B0609020204030204" pitchFamily="49" charset="0"/>
+                <a:cs typeface="Consolas" panose="020B0609020204030204" pitchFamily="49" charset="0"/>
+              </a:rPr>
+              <a:t>16.00.40219.01</a:t>
+            </a:r>
+            <a:r>
+              <a:rPr lang="en-US" sz="1800" dirty="0">
+                <a:latin typeface="Consolas" panose="020B0609020204030204" pitchFamily="49" charset="0"/>
+                <a:cs typeface="Consolas" panose="020B0609020204030204" pitchFamily="49" charset="0"/>
+              </a:rPr>
+              <a:t> for </a:t>
+            </a:r>
+            <a:r>
+              <a:rPr lang="en-US" sz="1800" dirty="0" smtClean="0">
+                <a:latin typeface="Consolas" panose="020B0609020204030204" pitchFamily="49" charset="0"/>
+                <a:cs typeface="Consolas" panose="020B0609020204030204" pitchFamily="49" charset="0"/>
+              </a:rPr>
+              <a:t>80x86</a:t>
+            </a:r>
+            <a:endParaRPr lang="en-US" sz="1800" dirty="0">
               <a:latin typeface="Consolas" panose="020B0609020204030204" pitchFamily="49" charset="0"/>
               <a:cs typeface="Consolas" panose="020B0609020204030204" pitchFamily="49" charset="0"/>
             </a:endParaRPr>
@@ -4984,18 +4639,67 @@
               <a:buNone/>
             </a:pPr>
             <a:r>
-              <a:rPr lang="en-US" dirty="0" smtClean="0">
-                <a:latin typeface="Consolas" panose="020B0609020204030204" pitchFamily="49" charset="0"/>
-                <a:cs typeface="Consolas" panose="020B0609020204030204" pitchFamily="49" charset="0"/>
-              </a:rPr>
-              <a:t>\---</a:t>
-            </a:r>
-            <a:r>
-              <a:rPr lang="en-US" dirty="0">
-                <a:latin typeface="Consolas" panose="020B0609020204030204" pitchFamily="49" charset="0"/>
-                <a:cs typeface="Consolas" panose="020B0609020204030204" pitchFamily="49" charset="0"/>
-              </a:rPr>
-              <a:t>Microsoft.VC120.OpenMP</a:t>
+              <a:rPr lang="en-US" sz="1800" dirty="0" smtClean="0">
+                <a:latin typeface="Consolas" panose="020B0609020204030204" pitchFamily="49" charset="0"/>
+                <a:cs typeface="Consolas" panose="020B0609020204030204" pitchFamily="49" charset="0"/>
+              </a:rPr>
+              <a:t>vs</a:t>
+            </a:r>
+            <a:r>
+              <a:rPr lang="en-US" sz="1800" b="1" dirty="0" smtClean="0">
+                <a:latin typeface="Consolas" panose="020B0609020204030204" pitchFamily="49" charset="0"/>
+                <a:cs typeface="Consolas" panose="020B0609020204030204" pitchFamily="49" charset="0"/>
+              </a:rPr>
+              <a:t>2008</a:t>
+            </a:r>
+            <a:r>
+              <a:rPr lang="en-US" sz="1800" dirty="0" smtClean="0">
+                <a:latin typeface="Consolas" panose="020B0609020204030204" pitchFamily="49" charset="0"/>
+                <a:cs typeface="Consolas" panose="020B0609020204030204" pitchFamily="49" charset="0"/>
+              </a:rPr>
+              <a:t>env: Microsoft </a:t>
+            </a:r>
+            <a:r>
+              <a:rPr lang="en-US" sz="1800" dirty="0">
+                <a:latin typeface="Consolas" panose="020B0609020204030204" pitchFamily="49" charset="0"/>
+                <a:cs typeface="Consolas" panose="020B0609020204030204" pitchFamily="49" charset="0"/>
+              </a:rPr>
+              <a:t>(R) 32-bit C/C++ Optimizing Compiler </a:t>
+            </a:r>
+            <a:r>
+              <a:rPr lang="en-US" sz="1800" dirty="0" smtClean="0">
+                <a:latin typeface="Consolas" panose="020B0609020204030204" pitchFamily="49" charset="0"/>
+                <a:cs typeface="Consolas" panose="020B0609020204030204" pitchFamily="49" charset="0"/>
+              </a:rPr>
+              <a:t>Version </a:t>
+            </a:r>
+            <a:r>
+              <a:rPr lang="en-US" sz="1800" b="1" dirty="0" smtClean="0">
+                <a:latin typeface="Consolas" panose="020B0609020204030204" pitchFamily="49" charset="0"/>
+                <a:cs typeface="Consolas" panose="020B0609020204030204" pitchFamily="49" charset="0"/>
+              </a:rPr>
+              <a:t>15.00.30729.01</a:t>
+            </a:r>
+            <a:r>
+              <a:rPr lang="en-US" sz="1800" dirty="0" smtClean="0">
+                <a:latin typeface="Consolas" panose="020B0609020204030204" pitchFamily="49" charset="0"/>
+                <a:cs typeface="Consolas" panose="020B0609020204030204" pitchFamily="49" charset="0"/>
+              </a:rPr>
+              <a:t> </a:t>
+            </a:r>
+            <a:r>
+              <a:rPr lang="en-US" sz="1800" dirty="0">
+                <a:latin typeface="Consolas" panose="020B0609020204030204" pitchFamily="49" charset="0"/>
+                <a:cs typeface="Consolas" panose="020B0609020204030204" pitchFamily="49" charset="0"/>
+              </a:rPr>
+              <a:t>for </a:t>
+            </a:r>
+            <a:r>
+              <a:rPr lang="en-US" sz="1800" dirty="0" smtClean="0">
+                <a:latin typeface="Consolas" panose="020B0609020204030204" pitchFamily="49" charset="0"/>
+                <a:cs typeface="Consolas" panose="020B0609020204030204" pitchFamily="49" charset="0"/>
+              </a:rPr>
+              <a:t>80x86</a:t>
             </a:r>
           </a:p>
           <a:p>
@@ -5003,25 +4707,42 @@
               <a:buNone/>
             </a:pPr>
             <a:r>
-              <a:rPr lang="en-US" dirty="0">
-                <a:latin typeface="Consolas" panose="020B0609020204030204" pitchFamily="49" charset="0"/>
-                <a:cs typeface="Consolas" panose="020B0609020204030204" pitchFamily="49" charset="0"/>
-              </a:rPr>
-              <a:t>        vcomp120.dll</a:t>
+              <a:rPr lang="en-US" sz="1800" dirty="0">
+                <a:latin typeface="Consolas" panose="020B0609020204030204" pitchFamily="49" charset="0"/>
+                <a:cs typeface="Consolas" panose="020B0609020204030204" pitchFamily="49" charset="0"/>
+              </a:rPr>
+              <a:t>vs</a:t>
+            </a:r>
+            <a:r>
+              <a:rPr lang="en-US" sz="1800" b="1" dirty="0">
+                <a:latin typeface="Consolas" panose="020B0609020204030204" pitchFamily="49" charset="0"/>
+                <a:cs typeface="Consolas" panose="020B0609020204030204" pitchFamily="49" charset="0"/>
+              </a:rPr>
+              <a:t>2014</a:t>
+            </a:r>
+            <a:r>
+              <a:rPr lang="en-US" sz="1800" dirty="0">
+                <a:latin typeface="Consolas" panose="020B0609020204030204" pitchFamily="49" charset="0"/>
+                <a:cs typeface="Consolas" panose="020B0609020204030204" pitchFamily="49" charset="0"/>
+              </a:rPr>
+              <a:t>env: Microsoft (R) C/C++ Optimizing Compiler Version 19.00.22129.1 for x86</a:t>
             </a:r>
           </a:p>
           <a:p>
             <a:pPr marL="0" indent="0">
               <a:buNone/>
             </a:pPr>
-            <a:endParaRPr lang="en-US" dirty="0"/>
+            <a:endParaRPr lang="en-US" sz="1800" dirty="0">
+              <a:latin typeface="Consolas" panose="020B0609020204030204" pitchFamily="49" charset="0"/>
+              <a:cs typeface="Consolas" panose="020B0609020204030204" pitchFamily="49" charset="0"/>
+            </a:endParaRPr>
           </a:p>
         </p:txBody>
       </p:sp>
     </p:spTree>
     <p:extLst>
       <p:ext uri="{BB962C8B-B14F-4D97-AF65-F5344CB8AC3E}">
-        <p14:creationId xmlns:p14="http://schemas.microsoft.com/office/powerpoint/2010/main" val="2368571093"/>
+        <p14:creationId xmlns:p14="http://schemas.microsoft.com/office/powerpoint/2010/main" val="82139143"/>
       </p:ext>
     </p:extLst>
   </p:cSld>
@@ -5072,7 +4793,11 @@
           <a:p>
             <a:r>
               <a:rPr lang="en-US" smtClean="0"/>
-              <a:t>Which C++ compiler?</a:t>
+              <a:t>MS C/C</a:t>
+            </a:r>
+            <a:r>
+              <a:rPr lang="en-US" dirty="0" smtClean="0"/>
+              <a:t>++ runtime dependencies</a:t>
             </a:r>
             <a:endParaRPr lang="en-US" dirty="0"/>
           </a:p>
@@ -5091,7 +4816,7 @@
         <p:spPr/>
         <p:txBody>
           <a:bodyPr>
-            <a:normAutofit lnSpcReduction="10000"/>
+            <a:normAutofit fontScale="62500" lnSpcReduction="20000"/>
           </a:bodyPr>
           <a:lstStyle/>
           <a:p>
@@ -5099,29 +4824,75 @@
               <a:buNone/>
             </a:pPr>
             <a:r>
-              <a:rPr lang="en-US" sz="2800" dirty="0" smtClean="0">
-                <a:cs typeface="Consolas" panose="020B0609020204030204" pitchFamily="49" charset="0"/>
-              </a:rPr>
-              <a:t>On an up-to-date </a:t>
-            </a:r>
-            <a:r>
-              <a:rPr lang="en-US" sz="2800" dirty="0" err="1" smtClean="0">
-                <a:cs typeface="Consolas" panose="020B0609020204030204" pitchFamily="49" charset="0"/>
-              </a:rPr>
-              <a:t>linux</a:t>
-            </a:r>
-            <a:r>
-              <a:rPr lang="en-US" sz="2800" dirty="0" smtClean="0">
-                <a:cs typeface="Consolas" panose="020B0609020204030204" pitchFamily="49" charset="0"/>
-              </a:rPr>
-              <a:t> box:</a:t>
+              <a:rPr lang="en-US" dirty="0">
+                <a:latin typeface="Consolas" panose="020B0609020204030204" pitchFamily="49" charset="0"/>
+                <a:cs typeface="Consolas" panose="020B0609020204030204" pitchFamily="49" charset="0"/>
+              </a:rPr>
+              <a:t>c:\apps\vs2013\VC\redist\x64</a:t>
+            </a:r>
+            <a:r>
+              <a:rPr lang="en-US" dirty="0" smtClean="0">
+                <a:latin typeface="Consolas" panose="020B0609020204030204" pitchFamily="49" charset="0"/>
+                <a:cs typeface="Consolas" panose="020B0609020204030204" pitchFamily="49" charset="0"/>
+              </a:rPr>
+              <a:t>&gt; tree </a:t>
+            </a:r>
+            <a:r>
+              <a:rPr lang="en-US" dirty="0">
+                <a:latin typeface="Consolas" panose="020B0609020204030204" pitchFamily="49" charset="0"/>
+                <a:cs typeface="Consolas" panose="020B0609020204030204" pitchFamily="49" charset="0"/>
+              </a:rPr>
+              <a:t>/f /a</a:t>
             </a:r>
           </a:p>
           <a:p>
             <a:pPr marL="0" indent="0">
               <a:buNone/>
             </a:pPr>
-            <a:endParaRPr lang="en-US" sz="1800" dirty="0">
+            <a:r>
+              <a:rPr lang="en-US" dirty="0" smtClean="0">
+                <a:latin typeface="Consolas" panose="020B0609020204030204" pitchFamily="49" charset="0"/>
+                <a:cs typeface="Consolas" panose="020B0609020204030204" pitchFamily="49" charset="0"/>
+              </a:rPr>
+              <a:t>+---</a:t>
+            </a:r>
+            <a:r>
+              <a:rPr lang="en-US" dirty="0">
+                <a:latin typeface="Consolas" panose="020B0609020204030204" pitchFamily="49" charset="0"/>
+                <a:cs typeface="Consolas" panose="020B0609020204030204" pitchFamily="49" charset="0"/>
+              </a:rPr>
+              <a:t>Microsoft.VC120.CRT</a:t>
+            </a:r>
+          </a:p>
+          <a:p>
+            <a:pPr marL="0" indent="0">
+              <a:buNone/>
+            </a:pPr>
+            <a:r>
+              <a:rPr lang="en-US" dirty="0">
+                <a:latin typeface="Consolas" panose="020B0609020204030204" pitchFamily="49" charset="0"/>
+                <a:cs typeface="Consolas" panose="020B0609020204030204" pitchFamily="49" charset="0"/>
+              </a:rPr>
+              <a:t>|       </a:t>
+            </a:r>
+            <a:r>
+              <a:rPr lang="en-US" b="1" dirty="0" smtClean="0">
+                <a:solidFill>
+                  <a:srgbClr val="FF0000"/>
+                </a:solidFill>
+                <a:latin typeface="Consolas" panose="020B0609020204030204" pitchFamily="49" charset="0"/>
+                <a:cs typeface="Consolas" panose="020B0609020204030204" pitchFamily="49" charset="0"/>
+              </a:rPr>
+              <a:t>msvcp120.dll</a:t>
+            </a:r>
+            <a:r>
+              <a:rPr lang="en-US" dirty="0" smtClean="0">
+                <a:latin typeface="Consolas" panose="020B0609020204030204" pitchFamily="49" charset="0"/>
+                <a:cs typeface="Consolas" panose="020B0609020204030204" pitchFamily="49" charset="0"/>
+              </a:rPr>
+              <a:t>	// C++ runtime</a:t>
+            </a:r>
+            <a:endParaRPr lang="en-US" dirty="0">
               <a:latin typeface="Consolas" panose="020B0609020204030204" pitchFamily="49" charset="0"/>
               <a:cs typeface="Consolas" panose="020B0609020204030204" pitchFamily="49" charset="0"/>
             </a:endParaRPr>
@@ -5131,137 +4902,53 @@
               <a:buNone/>
             </a:pPr>
             <a:r>
-              <a:rPr lang="en-US" sz="1800" dirty="0" smtClean="0">
-                <a:latin typeface="Consolas" panose="020B0609020204030204" pitchFamily="49" charset="0"/>
-                <a:cs typeface="Consolas" panose="020B0609020204030204" pitchFamily="49" charset="0"/>
-              </a:rPr>
-              <a:t>  dwight@dwight-mint17 </a:t>
-            </a:r>
-            <a:r>
-              <a:rPr lang="en-US" sz="1800" dirty="0">
-                <a:latin typeface="Consolas" panose="020B0609020204030204" pitchFamily="49" charset="0"/>
-                <a:cs typeface="Consolas" panose="020B0609020204030204" pitchFamily="49" charset="0"/>
-              </a:rPr>
-              <a:t>~ $ </a:t>
-            </a:r>
-            <a:r>
-              <a:rPr lang="en-US" sz="2400" b="1" dirty="0">
-                <a:latin typeface="Consolas" panose="020B0609020204030204" pitchFamily="49" charset="0"/>
-                <a:cs typeface="Consolas" panose="020B0609020204030204" pitchFamily="49" charset="0"/>
-              </a:rPr>
-              <a:t>g++ --version</a:t>
-            </a:r>
-          </a:p>
-          <a:p>
-            <a:pPr marL="0" indent="0">
-              <a:buNone/>
-            </a:pPr>
-            <a:r>
-              <a:rPr lang="en-US" sz="1800" dirty="0" smtClean="0">
-                <a:latin typeface="Consolas" panose="020B0609020204030204" pitchFamily="49" charset="0"/>
-                <a:cs typeface="Consolas" panose="020B0609020204030204" pitchFamily="49" charset="0"/>
-              </a:rPr>
-              <a:t>  g</a:t>
-            </a:r>
-            <a:r>
-              <a:rPr lang="en-US" sz="1800" dirty="0">
-                <a:latin typeface="Consolas" panose="020B0609020204030204" pitchFamily="49" charset="0"/>
-                <a:cs typeface="Consolas" panose="020B0609020204030204" pitchFamily="49" charset="0"/>
-              </a:rPr>
-              <a:t>++ (Ubuntu 4.8.2-19ubuntu1) 4.8.2</a:t>
-            </a:r>
-          </a:p>
-          <a:p>
-            <a:pPr marL="0" indent="0">
-              <a:buNone/>
-            </a:pPr>
-            <a:r>
-              <a:rPr lang="en-US" sz="1800" dirty="0" smtClean="0">
-                <a:latin typeface="Consolas" panose="020B0609020204030204" pitchFamily="49" charset="0"/>
-                <a:cs typeface="Consolas" panose="020B0609020204030204" pitchFamily="49" charset="0"/>
-              </a:rPr>
-              <a:t>  Copyright </a:t>
-            </a:r>
-            <a:r>
-              <a:rPr lang="en-US" sz="1800" dirty="0">
-                <a:latin typeface="Consolas" panose="020B0609020204030204" pitchFamily="49" charset="0"/>
-                <a:cs typeface="Consolas" panose="020B0609020204030204" pitchFamily="49" charset="0"/>
-              </a:rPr>
-              <a:t>(C) 2013 Free Software Foundation, Inc</a:t>
-            </a:r>
-            <a:r>
-              <a:rPr lang="en-US" sz="1800" dirty="0" smtClean="0">
-                <a:latin typeface="Consolas" panose="020B0609020204030204" pitchFamily="49" charset="0"/>
-                <a:cs typeface="Consolas" panose="020B0609020204030204" pitchFamily="49" charset="0"/>
-              </a:rPr>
-              <a:t>.</a:t>
-            </a:r>
-          </a:p>
-          <a:p>
-            <a:pPr marL="0" indent="0">
-              <a:buNone/>
-            </a:pPr>
-            <a:endParaRPr lang="en-US" sz="1800" dirty="0">
+              <a:rPr lang="en-US" dirty="0">
+                <a:latin typeface="Consolas" panose="020B0609020204030204" pitchFamily="49" charset="0"/>
+                <a:cs typeface="Consolas" panose="020B0609020204030204" pitchFamily="49" charset="0"/>
+              </a:rPr>
+              <a:t>|       </a:t>
+            </a:r>
+            <a:r>
+              <a:rPr lang="en-US" b="1" dirty="0" smtClean="0">
+                <a:solidFill>
+                  <a:srgbClr val="FF0000"/>
+                </a:solidFill>
+                <a:latin typeface="Consolas" panose="020B0609020204030204" pitchFamily="49" charset="0"/>
+                <a:cs typeface="Consolas" panose="020B0609020204030204" pitchFamily="49" charset="0"/>
+              </a:rPr>
+              <a:t>msvcr120.dll</a:t>
+            </a:r>
+            <a:r>
+              <a:rPr lang="en-US" dirty="0" smtClean="0">
+                <a:latin typeface="Consolas" panose="020B0609020204030204" pitchFamily="49" charset="0"/>
+                <a:cs typeface="Consolas" panose="020B0609020204030204" pitchFamily="49" charset="0"/>
+              </a:rPr>
+              <a:t>	// C runtime</a:t>
+            </a:r>
+            <a:endParaRPr lang="en-US" dirty="0">
               <a:latin typeface="Consolas" panose="020B0609020204030204" pitchFamily="49" charset="0"/>
               <a:cs typeface="Consolas" panose="020B0609020204030204" pitchFamily="49" charset="0"/>
             </a:endParaRPr>
           </a:p>
           <a:p>
-            <a:pPr marL="285750"/>
-            <a:r>
-              <a:rPr lang="en-US" sz="2800" dirty="0" smtClean="0"/>
-              <a:t>“G” is for GNU</a:t>
-            </a:r>
-            <a:endParaRPr lang="en-US" sz="2800" dirty="0"/>
-          </a:p>
-          <a:p>
-            <a:pPr marL="285750"/>
-            <a:r>
-              <a:rPr lang="en-US" sz="2800" dirty="0" smtClean="0"/>
-              <a:t>“GNU” is for “GNU is Not Unix”</a:t>
-            </a:r>
-          </a:p>
-          <a:p>
-            <a:pPr marL="285750"/>
-            <a:r>
-              <a:rPr lang="en-US" sz="2800" dirty="0" smtClean="0"/>
-              <a:t>g++ is the C++ compiler command</a:t>
-            </a:r>
-          </a:p>
-          <a:p>
-            <a:pPr marL="285750"/>
-            <a:r>
-              <a:rPr lang="en-US" sz="2800" dirty="0" err="1" smtClean="0"/>
-              <a:t>gcc</a:t>
-            </a:r>
-            <a:r>
-              <a:rPr lang="en-US" sz="2800" dirty="0" smtClean="0"/>
-              <a:t> is the C compiler command</a:t>
-            </a:r>
-          </a:p>
-          <a:p>
-            <a:pPr marL="285750"/>
-            <a:r>
-              <a:rPr lang="en-US" sz="2800" dirty="0" smtClean="0"/>
-              <a:t>GCC: “</a:t>
-            </a:r>
-            <a:r>
-              <a:rPr lang="en-US" sz="2800" dirty="0" smtClean="0">
-                <a:hlinkClick r:id="rId2"/>
-              </a:rPr>
-              <a:t>GNU compiler collection</a:t>
-            </a:r>
-            <a:r>
-              <a:rPr lang="en-US" sz="2800" dirty="0" smtClean="0"/>
-              <a:t>”</a:t>
-            </a:r>
-            <a:endParaRPr lang="en-US" sz="2800" dirty="0"/>
-          </a:p>
-          <a:p>
             <a:pPr marL="0" indent="0">
               <a:buNone/>
             </a:pPr>
-            <a:endParaRPr lang="en-US" sz="1800" dirty="0">
+            <a:r>
+              <a:rPr lang="en-US" dirty="0">
+                <a:latin typeface="Consolas" panose="020B0609020204030204" pitchFamily="49" charset="0"/>
+                <a:cs typeface="Consolas" panose="020B0609020204030204" pitchFamily="49" charset="0"/>
+              </a:rPr>
+              <a:t>|       </a:t>
+            </a:r>
+            <a:r>
+              <a:rPr lang="en-US" dirty="0" smtClean="0">
+                <a:latin typeface="Consolas" panose="020B0609020204030204" pitchFamily="49" charset="0"/>
+                <a:cs typeface="Consolas" panose="020B0609020204030204" pitchFamily="49" charset="0"/>
+              </a:rPr>
+              <a:t>vccorlib120.dll 	// C++/CLI</a:t>
+            </a:r>
+            <a:endParaRPr lang="en-US" dirty="0">
               <a:latin typeface="Consolas" panose="020B0609020204030204" pitchFamily="49" charset="0"/>
               <a:cs typeface="Consolas" panose="020B0609020204030204" pitchFamily="49" charset="0"/>
             </a:endParaRPr>
@@ -5270,7 +4957,128 @@
             <a:pPr marL="0" indent="0">
               <a:buNone/>
             </a:pPr>
-            <a:endParaRPr lang="en-US" sz="1800" dirty="0" smtClean="0">
+            <a:r>
+              <a:rPr lang="en-US" dirty="0" smtClean="0">
+                <a:latin typeface="Consolas" panose="020B0609020204030204" pitchFamily="49" charset="0"/>
+                <a:cs typeface="Consolas" panose="020B0609020204030204" pitchFamily="49" charset="0"/>
+              </a:rPr>
+              <a:t>+---</a:t>
+            </a:r>
+            <a:r>
+              <a:rPr lang="en-US" dirty="0">
+                <a:latin typeface="Consolas" panose="020B0609020204030204" pitchFamily="49" charset="0"/>
+                <a:cs typeface="Consolas" panose="020B0609020204030204" pitchFamily="49" charset="0"/>
+              </a:rPr>
+              <a:t>Microsoft.VC120.CXXAMP</a:t>
+            </a:r>
+          </a:p>
+          <a:p>
+            <a:pPr marL="0" indent="0">
+              <a:buNone/>
+            </a:pPr>
+            <a:r>
+              <a:rPr lang="en-US" dirty="0">
+                <a:latin typeface="Consolas" panose="020B0609020204030204" pitchFamily="49" charset="0"/>
+                <a:cs typeface="Consolas" panose="020B0609020204030204" pitchFamily="49" charset="0"/>
+              </a:rPr>
+              <a:t>|       vcamp120.dll</a:t>
+            </a:r>
+          </a:p>
+          <a:p>
+            <a:pPr marL="0" indent="0">
+              <a:buNone/>
+            </a:pPr>
+            <a:r>
+              <a:rPr lang="en-US" dirty="0" smtClean="0">
+                <a:latin typeface="Consolas" panose="020B0609020204030204" pitchFamily="49" charset="0"/>
+                <a:cs typeface="Consolas" panose="020B0609020204030204" pitchFamily="49" charset="0"/>
+              </a:rPr>
+              <a:t>+---</a:t>
+            </a:r>
+            <a:r>
+              <a:rPr lang="en-US" dirty="0">
+                <a:latin typeface="Consolas" panose="020B0609020204030204" pitchFamily="49" charset="0"/>
+                <a:cs typeface="Consolas" panose="020B0609020204030204" pitchFamily="49" charset="0"/>
+              </a:rPr>
+              <a:t>Microsoft.VC120.MFC</a:t>
+            </a:r>
+          </a:p>
+          <a:p>
+            <a:pPr marL="0" indent="0">
+              <a:buNone/>
+            </a:pPr>
+            <a:r>
+              <a:rPr lang="en-US" dirty="0">
+                <a:latin typeface="Consolas" panose="020B0609020204030204" pitchFamily="49" charset="0"/>
+                <a:cs typeface="Consolas" panose="020B0609020204030204" pitchFamily="49" charset="0"/>
+              </a:rPr>
+              <a:t>|       mfc120u.dll</a:t>
+            </a:r>
+          </a:p>
+          <a:p>
+            <a:pPr marL="0" indent="0">
+              <a:buNone/>
+            </a:pPr>
+            <a:r>
+              <a:rPr lang="en-US" dirty="0">
+                <a:latin typeface="Consolas" panose="020B0609020204030204" pitchFamily="49" charset="0"/>
+                <a:cs typeface="Consolas" panose="020B0609020204030204" pitchFamily="49" charset="0"/>
+              </a:rPr>
+              <a:t>|       mfcm120u.dll</a:t>
+            </a:r>
+          </a:p>
+          <a:p>
+            <a:pPr marL="0" indent="0">
+              <a:buNone/>
+            </a:pPr>
+            <a:r>
+              <a:rPr lang="en-US" dirty="0" smtClean="0">
+                <a:latin typeface="Consolas" panose="020B0609020204030204" pitchFamily="49" charset="0"/>
+                <a:cs typeface="Consolas" panose="020B0609020204030204" pitchFamily="49" charset="0"/>
+              </a:rPr>
+              <a:t>+---</a:t>
+            </a:r>
+            <a:r>
+              <a:rPr lang="en-US" dirty="0">
+                <a:latin typeface="Consolas" panose="020B0609020204030204" pitchFamily="49" charset="0"/>
+                <a:cs typeface="Consolas" panose="020B0609020204030204" pitchFamily="49" charset="0"/>
+              </a:rPr>
+              <a:t>Microsoft.VC120.MFCLOC</a:t>
+            </a:r>
+          </a:p>
+          <a:p>
+            <a:pPr marL="0" indent="0">
+              <a:buNone/>
+            </a:pPr>
+            <a:r>
+              <a:rPr lang="en-US" dirty="0">
+                <a:latin typeface="Consolas" panose="020B0609020204030204" pitchFamily="49" charset="0"/>
+                <a:cs typeface="Consolas" panose="020B0609020204030204" pitchFamily="49" charset="0"/>
+              </a:rPr>
+              <a:t>|       </a:t>
+            </a:r>
+            <a:r>
+              <a:rPr lang="en-US" dirty="0" smtClean="0">
+                <a:latin typeface="Consolas" panose="020B0609020204030204" pitchFamily="49" charset="0"/>
+                <a:cs typeface="Consolas" panose="020B0609020204030204" pitchFamily="49" charset="0"/>
+              </a:rPr>
+              <a:t>//</a:t>
+            </a:r>
+            <a:r>
+              <a:rPr lang="en-US" dirty="0" err="1" smtClean="0">
+                <a:latin typeface="Consolas" panose="020B0609020204030204" pitchFamily="49" charset="0"/>
+                <a:cs typeface="Consolas" panose="020B0609020204030204" pitchFamily="49" charset="0"/>
+              </a:rPr>
+              <a:t>mfc</a:t>
+            </a:r>
+            <a:r>
+              <a:rPr lang="en-US" dirty="0" smtClean="0">
+                <a:latin typeface="Consolas" panose="020B0609020204030204" pitchFamily="49" charset="0"/>
+                <a:cs typeface="Consolas" panose="020B0609020204030204" pitchFamily="49" charset="0"/>
+              </a:rPr>
+              <a:t> localized stuff</a:t>
+            </a:r>
+            <a:endParaRPr lang="en-US" dirty="0">
               <a:latin typeface="Consolas" panose="020B0609020204030204" pitchFamily="49" charset="0"/>
               <a:cs typeface="Consolas" panose="020B0609020204030204" pitchFamily="49" charset="0"/>
             </a:endParaRPr>
@@ -5279,17 +5087,45 @@
             <a:pPr marL="0" indent="0">
               <a:buNone/>
             </a:pPr>
-            <a:endParaRPr lang="en-US" sz="1800" dirty="0">
-              <a:latin typeface="Consolas" panose="020B0609020204030204" pitchFamily="49" charset="0"/>
-              <a:cs typeface="Consolas" panose="020B0609020204030204" pitchFamily="49" charset="0"/>
-            </a:endParaRPr>
+            <a:r>
+              <a:rPr lang="en-US" dirty="0" smtClean="0">
+                <a:latin typeface="Consolas" panose="020B0609020204030204" pitchFamily="49" charset="0"/>
+                <a:cs typeface="Consolas" panose="020B0609020204030204" pitchFamily="49" charset="0"/>
+              </a:rPr>
+              <a:t>\---</a:t>
+            </a:r>
+            <a:r>
+              <a:rPr lang="en-US" dirty="0">
+                <a:latin typeface="Consolas" panose="020B0609020204030204" pitchFamily="49" charset="0"/>
+                <a:cs typeface="Consolas" panose="020B0609020204030204" pitchFamily="49" charset="0"/>
+              </a:rPr>
+              <a:t>Microsoft.VC120.OpenMP</a:t>
+            </a:r>
+          </a:p>
+          <a:p>
+            <a:pPr marL="0" indent="0">
+              <a:buNone/>
+            </a:pPr>
+            <a:r>
+              <a:rPr lang="en-US" dirty="0">
+                <a:latin typeface="Consolas" panose="020B0609020204030204" pitchFamily="49" charset="0"/>
+                <a:cs typeface="Consolas" panose="020B0609020204030204" pitchFamily="49" charset="0"/>
+              </a:rPr>
+              <a:t>        vcomp120.dll</a:t>
+            </a:r>
+          </a:p>
+          <a:p>
+            <a:pPr marL="0" indent="0">
+              <a:buNone/>
+            </a:pPr>
+            <a:endParaRPr lang="en-US" dirty="0"/>
           </a:p>
         </p:txBody>
       </p:sp>
     </p:spTree>
     <p:extLst>
       <p:ext uri="{BB962C8B-B14F-4D97-AF65-F5344CB8AC3E}">
-        <p14:creationId xmlns:p14="http://schemas.microsoft.com/office/powerpoint/2010/main" val="3151603959"/>
+        <p14:creationId xmlns:p14="http://schemas.microsoft.com/office/powerpoint/2010/main" val="2368571093"/>
       </p:ext>
     </p:extLst>
   </p:cSld>
@@ -5340,7 +5176,7 @@
           <a:p>
             <a:r>
               <a:rPr lang="en-US" dirty="0" smtClean="0"/>
-              <a:t>C++ Innovators</a:t>
+              <a:t>C++ Standard</a:t>
             </a:r>
             <a:endParaRPr lang="en-US" dirty="0"/>
           </a:p>
@@ -5356,10 +5192,15 @@
             <p:ph idx="1"/>
           </p:nvPr>
         </p:nvSpPr>
-        <p:spPr/>
+        <p:spPr>
+          <a:xfrm>
+            <a:off x="457200" y="1447800"/>
+            <a:ext cx="8229600" cy="5029200"/>
+          </a:xfrm>
+        </p:spPr>
         <p:txBody>
           <a:bodyPr>
-            <a:normAutofit/>
+            <a:normAutofit lnSpcReduction="10000"/>
           </a:bodyPr>
           <a:lstStyle/>
           <a:p>
@@ -5367,78 +5208,70 @@
               <a:rPr lang="en-US" dirty="0" smtClean="0">
                 <a:hlinkClick r:id="rId2"/>
               </a:rPr>
-              <a:t>LLVM</a:t>
-            </a:r>
-            <a:r>
-              <a:rPr lang="en-US" dirty="0" smtClean="0"/>
-              <a:t>: all your languages belong to us…</a:t>
-            </a:r>
-          </a:p>
-          <a:p>
-            <a:r>
-              <a:rPr lang="en-US" dirty="0" smtClean="0"/>
-              <a:t>Boost library: Many things make their way into C++ </a:t>
-            </a:r>
-            <a:r>
-              <a:rPr lang="en-US" dirty="0" err="1" smtClean="0"/>
-              <a:t>std</a:t>
-            </a:r>
-            <a:r>
-              <a:rPr lang="en-US" dirty="0" smtClean="0"/>
-              <a:t> lib</a:t>
-            </a:r>
-          </a:p>
-          <a:p>
-            <a:r>
-              <a:rPr lang="en-US" dirty="0" smtClean="0"/>
-              <a:t>Facebook: </a:t>
-            </a:r>
-            <a:r>
-              <a:rPr lang="en-US" dirty="0" err="1" smtClean="0"/>
-              <a:t>HipHop</a:t>
-            </a:r>
-            <a:r>
-              <a:rPr lang="en-US" dirty="0" smtClean="0"/>
-              <a:t> </a:t>
-            </a:r>
-            <a:r>
-              <a:rPr lang="en-US" dirty="0" err="1" smtClean="0"/>
-              <a:t>transpiler</a:t>
-            </a:r>
-            <a:r>
-              <a:rPr lang="en-US" dirty="0" smtClean="0"/>
-              <a:t>; many </a:t>
-            </a:r>
-            <a:r>
-              <a:rPr lang="en-US" dirty="0" err="1" smtClean="0"/>
-              <a:t>opensource</a:t>
-            </a:r>
-            <a:r>
-              <a:rPr lang="en-US" dirty="0" smtClean="0"/>
-              <a:t> libs</a:t>
-            </a:r>
-          </a:p>
-          <a:p>
-            <a:r>
-              <a:rPr lang="en-US" dirty="0" smtClean="0"/>
-              <a:t>Google – products and tools</a:t>
-            </a:r>
-          </a:p>
-          <a:p>
-            <a:r>
-              <a:rPr lang="en-US" dirty="0" smtClean="0"/>
-              <a:t>Microsoft – tools; Office</a:t>
-            </a:r>
-          </a:p>
-          <a:p>
-            <a:pPr lvl="1"/>
-            <a:r>
-              <a:rPr lang="en-US" dirty="0" smtClean="0"/>
-              <a:t>.NET not used in tools </a:t>
-            </a:r>
-            <a:r>
-              <a:rPr lang="en-US" smtClean="0"/>
-              <a:t>or Office..</a:t>
+              <a:t>ISO/IEC 14881:2011</a:t>
+            </a:r>
+            <a:endParaRPr lang="en-US" dirty="0"/>
+          </a:p>
+          <a:p>
+            <a:pPr marL="400050" lvl="1" indent="0">
+              <a:buNone/>
+            </a:pPr>
+            <a:r>
+              <a:rPr lang="en-US" sz="1800" dirty="0" smtClean="0"/>
+              <a:t>ISO/IEC </a:t>
+            </a:r>
+            <a:r>
+              <a:rPr lang="en-US" sz="1800" dirty="0"/>
+              <a:t>14882:2011 specifies requirements for implementations of the C++ programming language. The first such requirement is that they implement the language, and so ISO/IEC 14882:2011 also defines C++. Other requirements and relaxations of the first requirement appear at various places within ISO/IEC 14882:2011</a:t>
+            </a:r>
+            <a:r>
+              <a:rPr lang="en-US" sz="1800" dirty="0" smtClean="0"/>
+              <a:t>.</a:t>
+            </a:r>
+            <a:endParaRPr lang="en-US" sz="1800" dirty="0"/>
+          </a:p>
+          <a:p>
+            <a:pPr marL="400050" lvl="1" indent="0">
+              <a:buNone/>
+            </a:pPr>
+            <a:r>
+              <a:rPr lang="en-US" sz="1800" dirty="0"/>
+              <a:t>C++ is a general purpose programming language based on the C programming language as specified in ISO/IEC 9899:1999. In addition to the facilities provided by C, C++ provides additional data types, classes, templates, exceptions, namespaces, operator overloading, function name overloading, references, free store management operators, and additional library facilities.</a:t>
+            </a:r>
+            <a:endParaRPr lang="en-US" sz="1800" dirty="0" smtClean="0"/>
+          </a:p>
+          <a:p>
+            <a:r>
+              <a:rPr lang="en-US" dirty="0" smtClean="0"/>
+              <a:t>1300+ pages</a:t>
+            </a:r>
+          </a:p>
+          <a:p>
+            <a:r>
+              <a:rPr lang="en-US" dirty="0" smtClean="0">
+                <a:hlinkClick r:id="rId3"/>
+              </a:rPr>
+              <a:t>isocpp.org</a:t>
+            </a:r>
+            <a:r>
+              <a:rPr lang="en-US" dirty="0" smtClean="0"/>
+              <a:t>: links to free PDF drafts</a:t>
+            </a:r>
+          </a:p>
+          <a:p>
+            <a:r>
+              <a:rPr lang="en-US" dirty="0" smtClean="0"/>
+              <a:t>Purchase it </a:t>
+            </a:r>
+            <a:r>
+              <a:rPr lang="en-US" dirty="0" smtClean="0">
+                <a:hlinkClick r:id="rId4"/>
+              </a:rPr>
+              <a:t>here</a:t>
+            </a:r>
+            <a:r>
+              <a:rPr lang="en-US" dirty="0" smtClean="0"/>
+              <a:t> in the U.S. ($30 or $60?).</a:t>
             </a:r>
             <a:endParaRPr lang="en-US" dirty="0"/>
           </a:p>
@@ -5447,20 +5280,13 @@
     </p:spTree>
     <p:extLst>
       <p:ext uri="{BB962C8B-B14F-4D97-AF65-F5344CB8AC3E}">
-        <p14:creationId xmlns:p14="http://schemas.microsoft.com/office/powerpoint/2010/main" val="1674393153"/>
+        <p14:creationId xmlns:p14="http://schemas.microsoft.com/office/powerpoint/2010/main" val="335581048"/>
       </p:ext>
     </p:extLst>
   </p:cSld>
   <p:clrMapOvr>
     <a:masterClrMapping/>
   </p:clrMapOvr>
-  <p:timing>
-    <p:tnLst>
-      <p:par>
-        <p:cTn id="1" dur="indefinite" restart="never" nodeType="tmRoot"/>
-      </p:par>
-    </p:tnLst>
-  </p:timing>
 </p:sld>
 </file>
 
@@ -5497,8 +5323,8 @@
           <a:lstStyle/>
           <a:p>
             <a:r>
-              <a:rPr lang="en-US" dirty="0" smtClean="0"/>
-              <a:t>String Literals: Raw</a:t>
+              <a:rPr lang="en-US" smtClean="0"/>
+              <a:t>Which C++ compiler?</a:t>
             </a:r>
             <a:endParaRPr lang="en-US" dirty="0"/>
           </a:p>
@@ -5514,184 +5340,40 @@
             <p:ph idx="1"/>
           </p:nvPr>
         </p:nvSpPr>
-        <p:spPr>
-          <a:xfrm>
-            <a:off x="457200" y="1600200"/>
-            <a:ext cx="8229600" cy="4953000"/>
-          </a:xfrm>
-        </p:spPr>
+        <p:spPr/>
         <p:txBody>
           <a:bodyPr>
-            <a:normAutofit fontScale="85000" lnSpcReduction="20000"/>
+            <a:normAutofit lnSpcReduction="10000"/>
           </a:bodyPr>
           <a:lstStyle/>
           <a:p>
-            <a:r>
-              <a:rPr lang="en-US" dirty="0" smtClean="0"/>
-              <a:t>YAY! Needed this from day 1:</a:t>
-            </a:r>
-          </a:p>
-          <a:p>
             <a:pPr marL="0" indent="0">
               <a:buNone/>
             </a:pPr>
-            <a:endParaRPr lang="en-US" dirty="0" smtClean="0"/>
+            <a:r>
+              <a:rPr lang="en-US" sz="2800" dirty="0" smtClean="0">
+                <a:cs typeface="Consolas" panose="020B0609020204030204" pitchFamily="49" charset="0"/>
+              </a:rPr>
+              <a:t>On an up-to-date </a:t>
+            </a:r>
+            <a:r>
+              <a:rPr lang="en-US" sz="2800" dirty="0" err="1" smtClean="0">
+                <a:cs typeface="Consolas" panose="020B0609020204030204" pitchFamily="49" charset="0"/>
+              </a:rPr>
+              <a:t>linux</a:t>
+            </a:r>
+            <a:r>
+              <a:rPr lang="en-US" sz="2800" dirty="0" smtClean="0">
+                <a:cs typeface="Consolas" panose="020B0609020204030204" pitchFamily="49" charset="0"/>
+              </a:rPr>
+              <a:t> box:</a:t>
+            </a:r>
           </a:p>
           <a:p>
             <a:pPr marL="0" indent="0">
               <a:buNone/>
             </a:pPr>
-            <a:r>
-              <a:rPr lang="en-US" sz="2100" dirty="0" smtClean="0">
-                <a:latin typeface="Consolas" panose="020B0609020204030204" pitchFamily="49" charset="0"/>
-                <a:cs typeface="Consolas" panose="020B0609020204030204" pitchFamily="49" charset="0"/>
-              </a:rPr>
-              <a:t>  #</a:t>
-            </a:r>
-            <a:r>
-              <a:rPr lang="en-US" sz="2100" dirty="0">
-                <a:latin typeface="Consolas" panose="020B0609020204030204" pitchFamily="49" charset="0"/>
-                <a:cs typeface="Consolas" panose="020B0609020204030204" pitchFamily="49" charset="0"/>
-              </a:rPr>
-              <a:t>include &lt;string&gt;</a:t>
-            </a:r>
-          </a:p>
-          <a:p>
-            <a:pPr marL="0" indent="0">
-              <a:buNone/>
-            </a:pPr>
-            <a:r>
-              <a:rPr lang="en-US" sz="2100" dirty="0" smtClean="0">
-                <a:latin typeface="Consolas" panose="020B0609020204030204" pitchFamily="49" charset="0"/>
-                <a:cs typeface="Consolas" panose="020B0609020204030204" pitchFamily="49" charset="0"/>
-              </a:rPr>
-              <a:t>  #</a:t>
-            </a:r>
-            <a:r>
-              <a:rPr lang="en-US" sz="2100" dirty="0">
-                <a:latin typeface="Consolas" panose="020B0609020204030204" pitchFamily="49" charset="0"/>
-                <a:cs typeface="Consolas" panose="020B0609020204030204" pitchFamily="49" charset="0"/>
-              </a:rPr>
-              <a:t>include &lt;</a:t>
-            </a:r>
-            <a:r>
-              <a:rPr lang="en-US" sz="2100" dirty="0" err="1">
-                <a:latin typeface="Consolas" panose="020B0609020204030204" pitchFamily="49" charset="0"/>
-                <a:cs typeface="Consolas" panose="020B0609020204030204" pitchFamily="49" charset="0"/>
-              </a:rPr>
-              <a:t>iostream</a:t>
-            </a:r>
-            <a:r>
-              <a:rPr lang="en-US" sz="2100" dirty="0">
-                <a:latin typeface="Consolas" panose="020B0609020204030204" pitchFamily="49" charset="0"/>
-                <a:cs typeface="Consolas" panose="020B0609020204030204" pitchFamily="49" charset="0"/>
-              </a:rPr>
-              <a:t>&gt;</a:t>
-            </a:r>
-          </a:p>
-          <a:p>
-            <a:pPr marL="0" indent="0">
-              <a:buNone/>
-            </a:pPr>
-            <a:r>
-              <a:rPr lang="en-US" sz="2100" dirty="0" smtClean="0">
-                <a:latin typeface="Consolas" panose="020B0609020204030204" pitchFamily="49" charset="0"/>
-                <a:cs typeface="Consolas" panose="020B0609020204030204" pitchFamily="49" charset="0"/>
-              </a:rPr>
-              <a:t>  </a:t>
-            </a:r>
-            <a:r>
-              <a:rPr lang="en-US" sz="2100" dirty="0" err="1" smtClean="0">
-                <a:latin typeface="Consolas" panose="020B0609020204030204" pitchFamily="49" charset="0"/>
-                <a:cs typeface="Consolas" panose="020B0609020204030204" pitchFamily="49" charset="0"/>
-              </a:rPr>
-              <a:t>int</a:t>
-            </a:r>
-            <a:r>
-              <a:rPr lang="en-US" sz="2100" dirty="0" smtClean="0">
-                <a:latin typeface="Consolas" panose="020B0609020204030204" pitchFamily="49" charset="0"/>
-                <a:cs typeface="Consolas" panose="020B0609020204030204" pitchFamily="49" charset="0"/>
-              </a:rPr>
-              <a:t> </a:t>
-            </a:r>
-            <a:r>
-              <a:rPr lang="en-US" sz="2100" dirty="0">
-                <a:latin typeface="Consolas" panose="020B0609020204030204" pitchFamily="49" charset="0"/>
-                <a:cs typeface="Consolas" panose="020B0609020204030204" pitchFamily="49" charset="0"/>
-              </a:rPr>
-              <a:t>main() {</a:t>
-            </a:r>
-          </a:p>
-          <a:p>
-            <a:pPr marL="0" indent="0">
-              <a:buNone/>
-            </a:pPr>
-            <a:r>
-              <a:rPr lang="en-US" sz="2100" dirty="0" smtClean="0">
-                <a:latin typeface="Consolas" panose="020B0609020204030204" pitchFamily="49" charset="0"/>
-                <a:cs typeface="Consolas" panose="020B0609020204030204" pitchFamily="49" charset="0"/>
-              </a:rPr>
-              <a:t>    </a:t>
-            </a:r>
-            <a:r>
-              <a:rPr lang="en-US" sz="2100" dirty="0" err="1" smtClean="0">
-                <a:latin typeface="Consolas" panose="020B0609020204030204" pitchFamily="49" charset="0"/>
-                <a:cs typeface="Consolas" panose="020B0609020204030204" pitchFamily="49" charset="0"/>
-              </a:rPr>
-              <a:t>std</a:t>
-            </a:r>
-            <a:r>
-              <a:rPr lang="en-US" sz="2100" dirty="0">
-                <a:latin typeface="Consolas" panose="020B0609020204030204" pitchFamily="49" charset="0"/>
-                <a:cs typeface="Consolas" panose="020B0609020204030204" pitchFamily="49" charset="0"/>
-              </a:rPr>
-              <a:t>::string s = </a:t>
-            </a:r>
-            <a:r>
-              <a:rPr lang="en-US" sz="2100" dirty="0">
-                <a:solidFill>
-                  <a:srgbClr val="FF0000"/>
-                </a:solidFill>
-                <a:latin typeface="Consolas" panose="020B0609020204030204" pitchFamily="49" charset="0"/>
-                <a:cs typeface="Consolas" panose="020B0609020204030204" pitchFamily="49" charset="0"/>
-              </a:rPr>
-              <a:t>R</a:t>
-            </a:r>
-            <a:r>
-              <a:rPr lang="en-US" sz="2100" dirty="0" smtClean="0">
-                <a:solidFill>
-                  <a:srgbClr val="FF0000"/>
-                </a:solidFill>
-                <a:latin typeface="Consolas" panose="020B0609020204030204" pitchFamily="49" charset="0"/>
-                <a:cs typeface="Consolas" panose="020B0609020204030204" pitchFamily="49" charset="0"/>
-              </a:rPr>
-              <a:t>"#(</a:t>
-            </a:r>
-            <a:r>
-              <a:rPr lang="en-US" sz="2100" dirty="0" smtClean="0">
-                <a:latin typeface="Consolas" panose="020B0609020204030204" pitchFamily="49" charset="0"/>
-                <a:cs typeface="Consolas" panose="020B0609020204030204" pitchFamily="49" charset="0"/>
-              </a:rPr>
-              <a:t>\&gt;%^\t\n&amp;*(&lt;</a:t>
-            </a:r>
-            <a:r>
-              <a:rPr lang="en-US" sz="2100" dirty="0" smtClean="0">
-                <a:solidFill>
-                  <a:srgbClr val="FF0000"/>
-                </a:solidFill>
-                <a:latin typeface="Consolas" panose="020B0609020204030204" pitchFamily="49" charset="0"/>
-                <a:cs typeface="Consolas" panose="020B0609020204030204" pitchFamily="49" charset="0"/>
-              </a:rPr>
-              <a:t>)#"</a:t>
-            </a:r>
-            <a:r>
-              <a:rPr lang="en-US" sz="2100" dirty="0" smtClean="0">
-                <a:latin typeface="Consolas" panose="020B0609020204030204" pitchFamily="49" charset="0"/>
-                <a:cs typeface="Consolas" panose="020B0609020204030204" pitchFamily="49" charset="0"/>
-              </a:rPr>
-              <a:t>;</a:t>
-            </a:r>
-            <a:endParaRPr lang="en-US" sz="2100" dirty="0">
+            <a:endParaRPr lang="en-US" sz="1800" dirty="0">
               <a:latin typeface="Consolas" panose="020B0609020204030204" pitchFamily="49" charset="0"/>
               <a:cs typeface="Consolas" panose="020B0609020204030204" pitchFamily="49" charset="0"/>
             </a:endParaRPr>
@@ -5701,67 +5383,25 @@
               <a:buNone/>
             </a:pPr>
             <a:r>
-              <a:rPr lang="en-US" sz="2100" dirty="0" smtClean="0">
-                <a:latin typeface="Consolas" panose="020B0609020204030204" pitchFamily="49" charset="0"/>
-                <a:cs typeface="Consolas" panose="020B0609020204030204" pitchFamily="49" charset="0"/>
-              </a:rPr>
-              <a:t>    </a:t>
-            </a:r>
-            <a:r>
-              <a:rPr lang="en-US" sz="2100" dirty="0" err="1" smtClean="0">
-                <a:latin typeface="Consolas" panose="020B0609020204030204" pitchFamily="49" charset="0"/>
-                <a:cs typeface="Consolas" panose="020B0609020204030204" pitchFamily="49" charset="0"/>
-              </a:rPr>
-              <a:t>std</a:t>
-            </a:r>
-            <a:r>
-              <a:rPr lang="en-US" sz="2100" dirty="0">
-                <a:latin typeface="Consolas" panose="020B0609020204030204" pitchFamily="49" charset="0"/>
-                <a:cs typeface="Consolas" panose="020B0609020204030204" pitchFamily="49" charset="0"/>
-              </a:rPr>
-              <a:t>::</a:t>
-            </a:r>
-            <a:r>
-              <a:rPr lang="en-US" sz="2100" dirty="0" err="1">
-                <a:latin typeface="Consolas" panose="020B0609020204030204" pitchFamily="49" charset="0"/>
-                <a:cs typeface="Consolas" panose="020B0609020204030204" pitchFamily="49" charset="0"/>
-              </a:rPr>
-              <a:t>cout</a:t>
-            </a:r>
-            <a:r>
-              <a:rPr lang="en-US" sz="2100" dirty="0">
-                <a:latin typeface="Consolas" panose="020B0609020204030204" pitchFamily="49" charset="0"/>
-                <a:cs typeface="Consolas" panose="020B0609020204030204" pitchFamily="49" charset="0"/>
-              </a:rPr>
-              <a:t> &lt;&lt; s &lt;&lt; </a:t>
-            </a:r>
-            <a:r>
-              <a:rPr lang="en-US" sz="2100" dirty="0" err="1">
-                <a:latin typeface="Consolas" panose="020B0609020204030204" pitchFamily="49" charset="0"/>
-                <a:cs typeface="Consolas" panose="020B0609020204030204" pitchFamily="49" charset="0"/>
-              </a:rPr>
-              <a:t>std</a:t>
-            </a:r>
-            <a:r>
-              <a:rPr lang="en-US" sz="2100" dirty="0">
-                <a:latin typeface="Consolas" panose="020B0609020204030204" pitchFamily="49" charset="0"/>
-                <a:cs typeface="Consolas" panose="020B0609020204030204" pitchFamily="49" charset="0"/>
-              </a:rPr>
-              <a:t>::</a:t>
-            </a:r>
-            <a:r>
-              <a:rPr lang="en-US" sz="2100" dirty="0" err="1">
-                <a:latin typeface="Consolas" panose="020B0609020204030204" pitchFamily="49" charset="0"/>
-                <a:cs typeface="Consolas" panose="020B0609020204030204" pitchFamily="49" charset="0"/>
-              </a:rPr>
-              <a:t>endl</a:t>
-            </a:r>
-            <a:r>
-              <a:rPr lang="en-US" sz="2100" dirty="0">
-                <a:latin typeface="Consolas" panose="020B0609020204030204" pitchFamily="49" charset="0"/>
-                <a:cs typeface="Consolas" panose="020B0609020204030204" pitchFamily="49" charset="0"/>
-              </a:rPr>
-              <a:t>;</a:t>
+              <a:rPr lang="en-US" sz="1800" dirty="0" smtClean="0">
+                <a:latin typeface="Consolas" panose="020B0609020204030204" pitchFamily="49" charset="0"/>
+                <a:cs typeface="Consolas" panose="020B0609020204030204" pitchFamily="49" charset="0"/>
+              </a:rPr>
+              <a:t>  dwight@dwight-mint17 </a:t>
+            </a:r>
+            <a:r>
+              <a:rPr lang="en-US" sz="1800" dirty="0">
+                <a:latin typeface="Consolas" panose="020B0609020204030204" pitchFamily="49" charset="0"/>
+                <a:cs typeface="Consolas" panose="020B0609020204030204" pitchFamily="49" charset="0"/>
+              </a:rPr>
+              <a:t>~ $ </a:t>
+            </a:r>
+            <a:r>
+              <a:rPr lang="en-US" sz="2400" b="1" dirty="0">
+                <a:latin typeface="Consolas" panose="020B0609020204030204" pitchFamily="49" charset="0"/>
+                <a:cs typeface="Consolas" panose="020B0609020204030204" pitchFamily="49" charset="0"/>
+              </a:rPr>
+              <a:t>g++ --version</a:t>
             </a:r>
           </a:p>
           <a:p>
@@ -5769,205 +5409,111 @@
               <a:buNone/>
             </a:pPr>
             <a:r>
-              <a:rPr lang="en-US" sz="2100" dirty="0" smtClean="0">
-                <a:latin typeface="Consolas" panose="020B0609020204030204" pitchFamily="49" charset="0"/>
-                <a:cs typeface="Consolas" panose="020B0609020204030204" pitchFamily="49" charset="0"/>
-              </a:rPr>
-              <a:t>    s </a:t>
-            </a:r>
-            <a:r>
-              <a:rPr lang="en-US" sz="2100" dirty="0">
-                <a:latin typeface="Consolas" panose="020B0609020204030204" pitchFamily="49" charset="0"/>
-                <a:cs typeface="Consolas" panose="020B0609020204030204" pitchFamily="49" charset="0"/>
-              </a:rPr>
-              <a:t>= </a:t>
-            </a:r>
-            <a:r>
-              <a:rPr lang="en-US" sz="2100" dirty="0" err="1">
-                <a:solidFill>
-                  <a:srgbClr val="FF0000"/>
-                </a:solidFill>
-                <a:latin typeface="Consolas" panose="020B0609020204030204" pitchFamily="49" charset="0"/>
-                <a:cs typeface="Consolas" panose="020B0609020204030204" pitchFamily="49" charset="0"/>
-              </a:rPr>
-              <a:t>R"gobbledygook</a:t>
-            </a:r>
-            <a:r>
-              <a:rPr lang="en-US" sz="2100" dirty="0">
-                <a:latin typeface="Consolas" panose="020B0609020204030204" pitchFamily="49" charset="0"/>
-                <a:cs typeface="Consolas" panose="020B0609020204030204" pitchFamily="49" charset="0"/>
-              </a:rPr>
-              <a:t>(a raw string literal </a:t>
-            </a:r>
-            <a:r>
-              <a:rPr lang="en-US" sz="2100">
-                <a:latin typeface="Consolas" panose="020B0609020204030204" pitchFamily="49" charset="0"/>
-                <a:cs typeface="Consolas" panose="020B0609020204030204" pitchFamily="49" charset="0"/>
-              </a:rPr>
-              <a:t>with "</a:t>
-            </a:r>
-            <a:r>
-              <a:rPr lang="en-US" sz="2100" smtClean="0">
-                <a:latin typeface="Consolas" panose="020B0609020204030204" pitchFamily="49" charset="0"/>
-                <a:cs typeface="Consolas" panose="020B0609020204030204" pitchFamily="49" charset="0"/>
-              </a:rPr>
-              <a:t>gobbledygook</a:t>
-            </a:r>
-            <a:r>
-              <a:rPr lang="en-US" sz="2100" dirty="0">
-                <a:latin typeface="Consolas" panose="020B0609020204030204" pitchFamily="49" charset="0"/>
-                <a:cs typeface="Consolas" panose="020B0609020204030204" pitchFamily="49" charset="0"/>
-              </a:rPr>
-              <a:t>"</a:t>
-            </a:r>
-            <a:endParaRPr lang="en-US" sz="2100" dirty="0" smtClean="0">
+              <a:rPr lang="en-US" sz="1800" dirty="0" smtClean="0">
+                <a:latin typeface="Consolas" panose="020B0609020204030204" pitchFamily="49" charset="0"/>
+                <a:cs typeface="Consolas" panose="020B0609020204030204" pitchFamily="49" charset="0"/>
+              </a:rPr>
+              <a:t>  g</a:t>
+            </a:r>
+            <a:r>
+              <a:rPr lang="en-US" sz="1800" dirty="0">
+                <a:latin typeface="Consolas" panose="020B0609020204030204" pitchFamily="49" charset="0"/>
+                <a:cs typeface="Consolas" panose="020B0609020204030204" pitchFamily="49" charset="0"/>
+              </a:rPr>
+              <a:t>++ (Ubuntu 4.8.2-19ubuntu1) 4.8.2</a:t>
+            </a:r>
+          </a:p>
+          <a:p>
+            <a:pPr marL="0" indent="0">
+              <a:buNone/>
+            </a:pPr>
+            <a:r>
+              <a:rPr lang="en-US" sz="1800" dirty="0" smtClean="0">
+                <a:latin typeface="Consolas" panose="020B0609020204030204" pitchFamily="49" charset="0"/>
+                <a:cs typeface="Consolas" panose="020B0609020204030204" pitchFamily="49" charset="0"/>
+              </a:rPr>
+              <a:t>  Copyright </a:t>
+            </a:r>
+            <a:r>
+              <a:rPr lang="en-US" sz="1800" dirty="0">
+                <a:latin typeface="Consolas" panose="020B0609020204030204" pitchFamily="49" charset="0"/>
+                <a:cs typeface="Consolas" panose="020B0609020204030204" pitchFamily="49" charset="0"/>
+              </a:rPr>
+              <a:t>(C) 2013 Free Software Foundation, Inc</a:t>
+            </a:r>
+            <a:r>
+              <a:rPr lang="en-US" sz="1800" dirty="0" smtClean="0">
+                <a:latin typeface="Consolas" panose="020B0609020204030204" pitchFamily="49" charset="0"/>
+                <a:cs typeface="Consolas" panose="020B0609020204030204" pitchFamily="49" charset="0"/>
+              </a:rPr>
+              <a:t>.</a:t>
+            </a:r>
+          </a:p>
+          <a:p>
+            <a:pPr marL="0" indent="0">
+              <a:buNone/>
+            </a:pPr>
+            <a:endParaRPr lang="en-US" sz="1800" dirty="0">
               <a:latin typeface="Consolas" panose="020B0609020204030204" pitchFamily="49" charset="0"/>
               <a:cs typeface="Consolas" panose="020B0609020204030204" pitchFamily="49" charset="0"/>
             </a:endParaRPr>
           </a:p>
           <a:p>
+            <a:pPr marL="285750"/>
+            <a:r>
+              <a:rPr lang="en-US" sz="2800" dirty="0" smtClean="0"/>
+              <a:t>“G” is for GNU</a:t>
+            </a:r>
+            <a:endParaRPr lang="en-US" sz="2800" dirty="0"/>
+          </a:p>
+          <a:p>
+            <a:pPr marL="285750"/>
+            <a:r>
+              <a:rPr lang="en-US" sz="2800" dirty="0" smtClean="0"/>
+              <a:t>“GNU” is for “GNU is Not Unix”</a:t>
+            </a:r>
+          </a:p>
+          <a:p>
+            <a:pPr marL="285750"/>
+            <a:r>
+              <a:rPr lang="en-US" sz="2800" dirty="0" smtClean="0"/>
+              <a:t>g++ is the C++ compiler command</a:t>
+            </a:r>
+          </a:p>
+          <a:p>
+            <a:pPr marL="285750"/>
+            <a:r>
+              <a:rPr lang="en-US" sz="2800" dirty="0" err="1" smtClean="0"/>
+              <a:t>gcc</a:t>
+            </a:r>
+            <a:r>
+              <a:rPr lang="en-US" sz="2800" dirty="0" smtClean="0"/>
+              <a:t> is the C compiler command</a:t>
+            </a:r>
+          </a:p>
+          <a:p>
+            <a:pPr marL="285750"/>
+            <a:r>
+              <a:rPr lang="en-US" sz="2800" dirty="0" smtClean="0"/>
+              <a:t>GCC: “</a:t>
+            </a:r>
+            <a:r>
+              <a:rPr lang="en-US" sz="2800" dirty="0" smtClean="0">
+                <a:hlinkClick r:id="rId2"/>
+              </a:rPr>
+              <a:t>GNU compiler collection</a:t>
+            </a:r>
+            <a:r>
+              <a:rPr lang="en-US" sz="2800" dirty="0" smtClean="0"/>
+              <a:t>”</a:t>
+            </a:r>
+            <a:endParaRPr lang="en-US" sz="2800" dirty="0"/>
+          </a:p>
+          <a:p>
             <a:pPr marL="0" indent="0">
               <a:buNone/>
             </a:pPr>
-            <a:r>
-              <a:rPr lang="en-US" sz="2100" dirty="0" smtClean="0">
-                <a:latin typeface="Consolas" panose="020B0609020204030204" pitchFamily="49" charset="0"/>
-                <a:cs typeface="Consolas" panose="020B0609020204030204" pitchFamily="49" charset="0"/>
-              </a:rPr>
-              <a:t>        as the delimiter</a:t>
-            </a:r>
-            <a:r>
-              <a:rPr lang="en-US" sz="2100" dirty="0" smtClean="0">
-                <a:solidFill>
-                  <a:srgbClr val="FF0000"/>
-                </a:solidFill>
-                <a:latin typeface="Consolas" panose="020B0609020204030204" pitchFamily="49" charset="0"/>
-                <a:cs typeface="Consolas" panose="020B0609020204030204" pitchFamily="49" charset="0"/>
-              </a:rPr>
-              <a:t>)gobbledygook</a:t>
-            </a:r>
-            <a:r>
-              <a:rPr lang="en-US" sz="2100" dirty="0">
-                <a:solidFill>
-                  <a:srgbClr val="FF0000"/>
-                </a:solidFill>
-                <a:latin typeface="Consolas" panose="020B0609020204030204" pitchFamily="49" charset="0"/>
-                <a:cs typeface="Consolas" panose="020B0609020204030204" pitchFamily="49" charset="0"/>
-              </a:rPr>
-              <a:t>"</a:t>
-            </a:r>
-            <a:r>
-              <a:rPr lang="en-US" sz="2100" dirty="0">
-                <a:latin typeface="Consolas" panose="020B0609020204030204" pitchFamily="49" charset="0"/>
-                <a:cs typeface="Consolas" panose="020B0609020204030204" pitchFamily="49" charset="0"/>
-              </a:rPr>
-              <a:t>;</a:t>
-            </a:r>
-          </a:p>
-          <a:p>
-            <a:pPr marL="0" indent="0">
-              <a:buNone/>
-            </a:pPr>
-            <a:r>
-              <a:rPr lang="en-US" sz="2100" dirty="0" smtClean="0">
-                <a:latin typeface="Consolas" panose="020B0609020204030204" pitchFamily="49" charset="0"/>
-                <a:cs typeface="Consolas" panose="020B0609020204030204" pitchFamily="49" charset="0"/>
-              </a:rPr>
-              <a:t>    </a:t>
-            </a:r>
-            <a:r>
-              <a:rPr lang="en-US" sz="2100" dirty="0" err="1" smtClean="0">
-                <a:latin typeface="Consolas" panose="020B0609020204030204" pitchFamily="49" charset="0"/>
-                <a:cs typeface="Consolas" panose="020B0609020204030204" pitchFamily="49" charset="0"/>
-              </a:rPr>
-              <a:t>std</a:t>
-            </a:r>
-            <a:r>
-              <a:rPr lang="en-US" sz="2100" dirty="0">
-                <a:latin typeface="Consolas" panose="020B0609020204030204" pitchFamily="49" charset="0"/>
-                <a:cs typeface="Consolas" panose="020B0609020204030204" pitchFamily="49" charset="0"/>
-              </a:rPr>
-              <a:t>::</a:t>
-            </a:r>
-            <a:r>
-              <a:rPr lang="en-US" sz="2100" dirty="0" err="1">
-                <a:latin typeface="Consolas" panose="020B0609020204030204" pitchFamily="49" charset="0"/>
-                <a:cs typeface="Consolas" panose="020B0609020204030204" pitchFamily="49" charset="0"/>
-              </a:rPr>
-              <a:t>cout</a:t>
-            </a:r>
-            <a:r>
-              <a:rPr lang="en-US" sz="2100" dirty="0">
-                <a:latin typeface="Consolas" panose="020B0609020204030204" pitchFamily="49" charset="0"/>
-                <a:cs typeface="Consolas" panose="020B0609020204030204" pitchFamily="49" charset="0"/>
-              </a:rPr>
-              <a:t> &lt;&lt; s &lt;&lt; </a:t>
-            </a:r>
-            <a:r>
-              <a:rPr lang="en-US" sz="2100" dirty="0" err="1">
-                <a:latin typeface="Consolas" panose="020B0609020204030204" pitchFamily="49" charset="0"/>
-                <a:cs typeface="Consolas" panose="020B0609020204030204" pitchFamily="49" charset="0"/>
-              </a:rPr>
-              <a:t>std</a:t>
-            </a:r>
-            <a:r>
-              <a:rPr lang="en-US" sz="2100" dirty="0">
-                <a:latin typeface="Consolas" panose="020B0609020204030204" pitchFamily="49" charset="0"/>
-                <a:cs typeface="Consolas" panose="020B0609020204030204" pitchFamily="49" charset="0"/>
-              </a:rPr>
-              <a:t>::</a:t>
-            </a:r>
-            <a:r>
-              <a:rPr lang="en-US" sz="2100" dirty="0" err="1">
-                <a:latin typeface="Consolas" panose="020B0609020204030204" pitchFamily="49" charset="0"/>
-                <a:cs typeface="Consolas" panose="020B0609020204030204" pitchFamily="49" charset="0"/>
-              </a:rPr>
-              <a:t>endl</a:t>
-            </a:r>
-            <a:r>
-              <a:rPr lang="en-US" sz="2100" dirty="0">
-                <a:latin typeface="Consolas" panose="020B0609020204030204" pitchFamily="49" charset="0"/>
-                <a:cs typeface="Consolas" panose="020B0609020204030204" pitchFamily="49" charset="0"/>
-              </a:rPr>
-              <a:t>;</a:t>
-            </a:r>
-          </a:p>
-          <a:p>
-            <a:pPr marL="0" indent="0">
-              <a:buNone/>
-            </a:pPr>
-            <a:r>
-              <a:rPr lang="en-US" sz="2100" dirty="0" smtClean="0">
-                <a:latin typeface="Consolas" panose="020B0609020204030204" pitchFamily="49" charset="0"/>
-                <a:cs typeface="Consolas" panose="020B0609020204030204" pitchFamily="49" charset="0"/>
-              </a:rPr>
-              <a:t>    return </a:t>
-            </a:r>
-            <a:r>
-              <a:rPr lang="en-US" sz="2100" dirty="0">
-                <a:latin typeface="Consolas" panose="020B0609020204030204" pitchFamily="49" charset="0"/>
-                <a:cs typeface="Consolas" panose="020B0609020204030204" pitchFamily="49" charset="0"/>
-              </a:rPr>
-              <a:t>0;</a:t>
-            </a:r>
-          </a:p>
-          <a:p>
-            <a:pPr marL="0" indent="0">
-              <a:buNone/>
-            </a:pPr>
-            <a:r>
-              <a:rPr lang="en-US" sz="2100" dirty="0" smtClean="0">
-                <a:latin typeface="Consolas" panose="020B0609020204030204" pitchFamily="49" charset="0"/>
-                <a:cs typeface="Consolas" panose="020B0609020204030204" pitchFamily="49" charset="0"/>
-              </a:rPr>
-              <a:t>  }</a:t>
-            </a:r>
-          </a:p>
-          <a:p>
-            <a:pPr marL="0" indent="0">
-              <a:buNone/>
-            </a:pPr>
-            <a:endParaRPr lang="en-US" sz="2000" dirty="0">
+            <a:endParaRPr lang="en-US" sz="1800" dirty="0">
               <a:latin typeface="Consolas" panose="020B0609020204030204" pitchFamily="49" charset="0"/>
               <a:cs typeface="Consolas" panose="020B0609020204030204" pitchFamily="49" charset="0"/>
             </a:endParaRPr>
@@ -5976,24 +5522,7 @@
             <a:pPr marL="0" indent="0">
               <a:buNone/>
             </a:pPr>
-            <a:r>
-              <a:rPr lang="en-US" sz="2800" dirty="0"/>
-              <a:t>\&gt;%^\t\n</a:t>
-            </a:r>
-            <a:r>
-              <a:rPr lang="en-US" sz="2800" dirty="0" smtClean="0"/>
-              <a:t>&amp;*(&lt;</a:t>
-            </a:r>
-          </a:p>
-          <a:p>
-            <a:pPr marL="0" indent="0">
-              <a:buNone/>
-            </a:pPr>
-            <a:r>
-              <a:rPr lang="en-US" sz="2800" dirty="0"/>
-              <a:t>a raw string literal with "gobbledygook" as the delimiter</a:t>
-            </a:r>
-            <a:endParaRPr lang="en-US" sz="2800" dirty="0" smtClean="0">
+            <a:endParaRPr lang="en-US" sz="1800" dirty="0" smtClean="0">
               <a:latin typeface="Consolas" panose="020B0609020204030204" pitchFamily="49" charset="0"/>
               <a:cs typeface="Consolas" panose="020B0609020204030204" pitchFamily="49" charset="0"/>
             </a:endParaRPr>
@@ -6002,26 +5531,17 @@
             <a:pPr marL="0" indent="0">
               <a:buNone/>
             </a:pPr>
-            <a:endParaRPr lang="en-US" dirty="0" smtClean="0">
+            <a:endParaRPr lang="en-US" sz="1800" dirty="0">
               <a:latin typeface="Consolas" panose="020B0609020204030204" pitchFamily="49" charset="0"/>
               <a:cs typeface="Consolas" panose="020B0609020204030204" pitchFamily="49" charset="0"/>
             </a:endParaRPr>
           </a:p>
-          <a:p>
-            <a:pPr marL="0" indent="0">
-              <a:buNone/>
-            </a:pPr>
-            <a:endParaRPr lang="en-US" sz="2000" dirty="0">
-              <a:latin typeface="Consolas" panose="020B0609020204030204" pitchFamily="49" charset="0"/>
-              <a:cs typeface="Consolas" panose="020B0609020204030204" pitchFamily="49" charset="0"/>
-            </a:endParaRPr>
-          </a:p>
         </p:txBody>
       </p:sp>
     </p:spTree>
     <p:extLst>
       <p:ext uri="{BB962C8B-B14F-4D97-AF65-F5344CB8AC3E}">
-        <p14:creationId xmlns:p14="http://schemas.microsoft.com/office/powerpoint/2010/main" val="617387278"/>
+        <p14:creationId xmlns:p14="http://schemas.microsoft.com/office/powerpoint/2010/main" val="3151603959"/>
       </p:ext>
     </p:extLst>
   </p:cSld>
@@ -6072,7 +5592,7 @@
           <a:p>
             <a:r>
               <a:rPr lang="en-US" dirty="0" smtClean="0"/>
-              <a:t>Smart Pointers</a:t>
+              <a:t>String Literals: Raw</a:t>
             </a:r>
             <a:endParaRPr lang="en-US" dirty="0"/>
           </a:p>
@@ -6088,54 +5608,27 @@
             <p:ph idx="1"/>
           </p:nvPr>
         </p:nvSpPr>
-        <p:spPr/>
-        <p:txBody>
-          <a:bodyPr/>
-          <a:lstStyle/>
-          <a:p>
-            <a:r>
-              <a:rPr lang="en-US" dirty="0" err="1" smtClean="0">
-                <a:latin typeface="Consolas" panose="020B0609020204030204" pitchFamily="49" charset="0"/>
-                <a:cs typeface="Consolas" panose="020B0609020204030204" pitchFamily="49" charset="0"/>
-              </a:rPr>
-              <a:t>auto_ptr</a:t>
-            </a:r>
-            <a:r>
-              <a:rPr lang="en-US" dirty="0" smtClean="0"/>
-              <a:t> is deprecated. Do not use it.</a:t>
-            </a:r>
-          </a:p>
-          <a:p>
-            <a:r>
-              <a:rPr lang="en-US" dirty="0" err="1" smtClean="0">
-                <a:latin typeface="Consolas" panose="020B0609020204030204" pitchFamily="49" charset="0"/>
-                <a:cs typeface="Consolas" panose="020B0609020204030204" pitchFamily="49" charset="0"/>
-              </a:rPr>
-              <a:t>unique_ptr</a:t>
-            </a:r>
-            <a:r>
-              <a:rPr lang="en-US" dirty="0" smtClean="0"/>
-              <a:t> is awesome. Use it all the time.</a:t>
-            </a:r>
-          </a:p>
-          <a:p>
-            <a:r>
-              <a:rPr lang="en-US" dirty="0" smtClean="0"/>
-              <a:t>Same with </a:t>
-            </a:r>
-            <a:r>
-              <a:rPr lang="en-US" dirty="0" err="1" smtClean="0">
-                <a:latin typeface="Consolas" panose="020B0609020204030204" pitchFamily="49" charset="0"/>
-                <a:cs typeface="Consolas" panose="020B0609020204030204" pitchFamily="49" charset="0"/>
-              </a:rPr>
-              <a:t>shared_ptr</a:t>
-            </a:r>
-            <a:r>
-              <a:rPr lang="en-US" dirty="0" smtClean="0"/>
-              <a:t>. Do amazing things.</a:t>
-            </a:r>
-          </a:p>
-          <a:p>
+        <p:spPr>
+          <a:xfrm>
+            <a:off x="457200" y="1600200"/>
+            <a:ext cx="8229600" cy="4953000"/>
+          </a:xfrm>
+        </p:spPr>
+        <p:txBody>
+          <a:bodyPr>
+            <a:normAutofit fontScale="85000" lnSpcReduction="20000"/>
+          </a:bodyPr>
+          <a:lstStyle/>
+          <a:p>
+            <a:r>
+              <a:rPr lang="en-US" dirty="0" smtClean="0"/>
+              <a:t>YAY! Needed this from day 1:</a:t>
+            </a:r>
+          </a:p>
+          <a:p>
+            <a:pPr marL="0" indent="0">
+              <a:buNone/>
+            </a:pPr>
             <a:endParaRPr lang="en-US" dirty="0" smtClean="0"/>
           </a:p>
           <a:p>
@@ -6143,17 +5636,486 @@
               <a:buNone/>
             </a:pPr>
             <a:r>
-              <a:rPr lang="en-US" dirty="0" smtClean="0"/>
-              <a:t>C++ does not have garbage collection: It is deterministic in its acquisition and release of memory and other resources.</a:t>
-            </a:r>
-            <a:endParaRPr lang="en-US" dirty="0"/>
+              <a:rPr lang="en-US" sz="2100" dirty="0" smtClean="0">
+                <a:latin typeface="Consolas" panose="020B0609020204030204" pitchFamily="49" charset="0"/>
+                <a:cs typeface="Consolas" panose="020B0609020204030204" pitchFamily="49" charset="0"/>
+              </a:rPr>
+              <a:t>  #</a:t>
+            </a:r>
+            <a:r>
+              <a:rPr lang="en-US" sz="2100" dirty="0">
+                <a:latin typeface="Consolas" panose="020B0609020204030204" pitchFamily="49" charset="0"/>
+                <a:cs typeface="Consolas" panose="020B0609020204030204" pitchFamily="49" charset="0"/>
+              </a:rPr>
+              <a:t>include &lt;string&gt;</a:t>
+            </a:r>
+          </a:p>
+          <a:p>
+            <a:pPr marL="0" indent="0">
+              <a:buNone/>
+            </a:pPr>
+            <a:r>
+              <a:rPr lang="en-US" sz="2100" dirty="0" smtClean="0">
+                <a:latin typeface="Consolas" panose="020B0609020204030204" pitchFamily="49" charset="0"/>
+                <a:cs typeface="Consolas" panose="020B0609020204030204" pitchFamily="49" charset="0"/>
+              </a:rPr>
+              <a:t>  #</a:t>
+            </a:r>
+            <a:r>
+              <a:rPr lang="en-US" sz="2100" dirty="0">
+                <a:latin typeface="Consolas" panose="020B0609020204030204" pitchFamily="49" charset="0"/>
+                <a:cs typeface="Consolas" panose="020B0609020204030204" pitchFamily="49" charset="0"/>
+              </a:rPr>
+              <a:t>include &lt;</a:t>
+            </a:r>
+            <a:r>
+              <a:rPr lang="en-US" sz="2100" dirty="0" err="1">
+                <a:latin typeface="Consolas" panose="020B0609020204030204" pitchFamily="49" charset="0"/>
+                <a:cs typeface="Consolas" panose="020B0609020204030204" pitchFamily="49" charset="0"/>
+              </a:rPr>
+              <a:t>iostream</a:t>
+            </a:r>
+            <a:r>
+              <a:rPr lang="en-US" sz="2100" dirty="0">
+                <a:latin typeface="Consolas" panose="020B0609020204030204" pitchFamily="49" charset="0"/>
+                <a:cs typeface="Consolas" panose="020B0609020204030204" pitchFamily="49" charset="0"/>
+              </a:rPr>
+              <a:t>&gt;</a:t>
+            </a:r>
+          </a:p>
+          <a:p>
+            <a:pPr marL="0" indent="0">
+              <a:buNone/>
+            </a:pPr>
+            <a:r>
+              <a:rPr lang="en-US" sz="2100" dirty="0" smtClean="0">
+                <a:latin typeface="Consolas" panose="020B0609020204030204" pitchFamily="49" charset="0"/>
+                <a:cs typeface="Consolas" panose="020B0609020204030204" pitchFamily="49" charset="0"/>
+              </a:rPr>
+              <a:t>  </a:t>
+            </a:r>
+            <a:r>
+              <a:rPr lang="en-US" sz="2100" dirty="0" err="1" smtClean="0">
+                <a:latin typeface="Consolas" panose="020B0609020204030204" pitchFamily="49" charset="0"/>
+                <a:cs typeface="Consolas" panose="020B0609020204030204" pitchFamily="49" charset="0"/>
+              </a:rPr>
+              <a:t>int</a:t>
+            </a:r>
+            <a:r>
+              <a:rPr lang="en-US" sz="2100" dirty="0" smtClean="0">
+                <a:latin typeface="Consolas" panose="020B0609020204030204" pitchFamily="49" charset="0"/>
+                <a:cs typeface="Consolas" panose="020B0609020204030204" pitchFamily="49" charset="0"/>
+              </a:rPr>
+              <a:t> </a:t>
+            </a:r>
+            <a:r>
+              <a:rPr lang="en-US" sz="2100" dirty="0">
+                <a:latin typeface="Consolas" panose="020B0609020204030204" pitchFamily="49" charset="0"/>
+                <a:cs typeface="Consolas" panose="020B0609020204030204" pitchFamily="49" charset="0"/>
+              </a:rPr>
+              <a:t>main() {</a:t>
+            </a:r>
+          </a:p>
+          <a:p>
+            <a:pPr marL="0" indent="0">
+              <a:buNone/>
+            </a:pPr>
+            <a:r>
+              <a:rPr lang="en-US" sz="2100" dirty="0" smtClean="0">
+                <a:latin typeface="Consolas" panose="020B0609020204030204" pitchFamily="49" charset="0"/>
+                <a:cs typeface="Consolas" panose="020B0609020204030204" pitchFamily="49" charset="0"/>
+              </a:rPr>
+              <a:t>    </a:t>
+            </a:r>
+            <a:r>
+              <a:rPr lang="en-US" sz="2100" dirty="0" err="1" smtClean="0">
+                <a:latin typeface="Consolas" panose="020B0609020204030204" pitchFamily="49" charset="0"/>
+                <a:cs typeface="Consolas" panose="020B0609020204030204" pitchFamily="49" charset="0"/>
+              </a:rPr>
+              <a:t>std</a:t>
+            </a:r>
+            <a:r>
+              <a:rPr lang="en-US" sz="2100" dirty="0">
+                <a:latin typeface="Consolas" panose="020B0609020204030204" pitchFamily="49" charset="0"/>
+                <a:cs typeface="Consolas" panose="020B0609020204030204" pitchFamily="49" charset="0"/>
+              </a:rPr>
+              <a:t>::string s = </a:t>
+            </a:r>
+            <a:r>
+              <a:rPr lang="en-US" sz="2100" dirty="0">
+                <a:solidFill>
+                  <a:srgbClr val="FF0000"/>
+                </a:solidFill>
+                <a:latin typeface="Consolas" panose="020B0609020204030204" pitchFamily="49" charset="0"/>
+                <a:cs typeface="Consolas" panose="020B0609020204030204" pitchFamily="49" charset="0"/>
+              </a:rPr>
+              <a:t>R</a:t>
+            </a:r>
+            <a:r>
+              <a:rPr lang="en-US" sz="2100" dirty="0" smtClean="0">
+                <a:solidFill>
+                  <a:srgbClr val="FF0000"/>
+                </a:solidFill>
+                <a:latin typeface="Consolas" panose="020B0609020204030204" pitchFamily="49" charset="0"/>
+                <a:cs typeface="Consolas" panose="020B0609020204030204" pitchFamily="49" charset="0"/>
+              </a:rPr>
+              <a:t>"#(</a:t>
+            </a:r>
+            <a:r>
+              <a:rPr lang="en-US" sz="2100" dirty="0" smtClean="0">
+                <a:latin typeface="Consolas" panose="020B0609020204030204" pitchFamily="49" charset="0"/>
+                <a:cs typeface="Consolas" panose="020B0609020204030204" pitchFamily="49" charset="0"/>
+              </a:rPr>
+              <a:t>\&gt;%^\t\n&amp;*(&lt;</a:t>
+            </a:r>
+            <a:r>
+              <a:rPr lang="en-US" sz="2100" dirty="0" smtClean="0">
+                <a:solidFill>
+                  <a:srgbClr val="FF0000"/>
+                </a:solidFill>
+                <a:latin typeface="Consolas" panose="020B0609020204030204" pitchFamily="49" charset="0"/>
+                <a:cs typeface="Consolas" panose="020B0609020204030204" pitchFamily="49" charset="0"/>
+              </a:rPr>
+              <a:t>)#"</a:t>
+            </a:r>
+            <a:r>
+              <a:rPr lang="en-US" sz="2100" dirty="0" smtClean="0">
+                <a:latin typeface="Consolas" panose="020B0609020204030204" pitchFamily="49" charset="0"/>
+                <a:cs typeface="Consolas" panose="020B0609020204030204" pitchFamily="49" charset="0"/>
+              </a:rPr>
+              <a:t>;</a:t>
+            </a:r>
+            <a:endParaRPr lang="en-US" sz="2100" dirty="0">
+              <a:latin typeface="Consolas" panose="020B0609020204030204" pitchFamily="49" charset="0"/>
+              <a:cs typeface="Consolas" panose="020B0609020204030204" pitchFamily="49" charset="0"/>
+            </a:endParaRPr>
+          </a:p>
+          <a:p>
+            <a:pPr marL="0" indent="0">
+              <a:buNone/>
+            </a:pPr>
+            <a:r>
+              <a:rPr lang="en-US" sz="2100" dirty="0" smtClean="0">
+                <a:latin typeface="Consolas" panose="020B0609020204030204" pitchFamily="49" charset="0"/>
+                <a:cs typeface="Consolas" panose="020B0609020204030204" pitchFamily="49" charset="0"/>
+              </a:rPr>
+              <a:t>    </a:t>
+            </a:r>
+            <a:r>
+              <a:rPr lang="en-US" sz="2100" dirty="0" err="1" smtClean="0">
+                <a:latin typeface="Consolas" panose="020B0609020204030204" pitchFamily="49" charset="0"/>
+                <a:cs typeface="Consolas" panose="020B0609020204030204" pitchFamily="49" charset="0"/>
+              </a:rPr>
+              <a:t>std</a:t>
+            </a:r>
+            <a:r>
+              <a:rPr lang="en-US" sz="2100" dirty="0">
+                <a:latin typeface="Consolas" panose="020B0609020204030204" pitchFamily="49" charset="0"/>
+                <a:cs typeface="Consolas" panose="020B0609020204030204" pitchFamily="49" charset="0"/>
+              </a:rPr>
+              <a:t>::</a:t>
+            </a:r>
+            <a:r>
+              <a:rPr lang="en-US" sz="2100" dirty="0" err="1">
+                <a:latin typeface="Consolas" panose="020B0609020204030204" pitchFamily="49" charset="0"/>
+                <a:cs typeface="Consolas" panose="020B0609020204030204" pitchFamily="49" charset="0"/>
+              </a:rPr>
+              <a:t>cout</a:t>
+            </a:r>
+            <a:r>
+              <a:rPr lang="en-US" sz="2100" dirty="0">
+                <a:latin typeface="Consolas" panose="020B0609020204030204" pitchFamily="49" charset="0"/>
+                <a:cs typeface="Consolas" panose="020B0609020204030204" pitchFamily="49" charset="0"/>
+              </a:rPr>
+              <a:t> &lt;&lt; s &lt;&lt; </a:t>
+            </a:r>
+            <a:r>
+              <a:rPr lang="en-US" sz="2100" dirty="0" err="1">
+                <a:latin typeface="Consolas" panose="020B0609020204030204" pitchFamily="49" charset="0"/>
+                <a:cs typeface="Consolas" panose="020B0609020204030204" pitchFamily="49" charset="0"/>
+              </a:rPr>
+              <a:t>std</a:t>
+            </a:r>
+            <a:r>
+              <a:rPr lang="en-US" sz="2100" dirty="0">
+                <a:latin typeface="Consolas" panose="020B0609020204030204" pitchFamily="49" charset="0"/>
+                <a:cs typeface="Consolas" panose="020B0609020204030204" pitchFamily="49" charset="0"/>
+              </a:rPr>
+              <a:t>::</a:t>
+            </a:r>
+            <a:r>
+              <a:rPr lang="en-US" sz="2100" dirty="0" err="1">
+                <a:latin typeface="Consolas" panose="020B0609020204030204" pitchFamily="49" charset="0"/>
+                <a:cs typeface="Consolas" panose="020B0609020204030204" pitchFamily="49" charset="0"/>
+              </a:rPr>
+              <a:t>endl</a:t>
+            </a:r>
+            <a:r>
+              <a:rPr lang="en-US" sz="2100" dirty="0">
+                <a:latin typeface="Consolas" panose="020B0609020204030204" pitchFamily="49" charset="0"/>
+                <a:cs typeface="Consolas" panose="020B0609020204030204" pitchFamily="49" charset="0"/>
+              </a:rPr>
+              <a:t>;</a:t>
+            </a:r>
+          </a:p>
+          <a:p>
+            <a:pPr marL="0" indent="0">
+              <a:buNone/>
+            </a:pPr>
+            <a:r>
+              <a:rPr lang="en-US" sz="2100" dirty="0" smtClean="0">
+                <a:latin typeface="Consolas" panose="020B0609020204030204" pitchFamily="49" charset="0"/>
+                <a:cs typeface="Consolas" panose="020B0609020204030204" pitchFamily="49" charset="0"/>
+              </a:rPr>
+              <a:t>    s </a:t>
+            </a:r>
+            <a:r>
+              <a:rPr lang="en-US" sz="2100" dirty="0">
+                <a:latin typeface="Consolas" panose="020B0609020204030204" pitchFamily="49" charset="0"/>
+                <a:cs typeface="Consolas" panose="020B0609020204030204" pitchFamily="49" charset="0"/>
+              </a:rPr>
+              <a:t>= </a:t>
+            </a:r>
+            <a:r>
+              <a:rPr lang="en-US" sz="2100" dirty="0" err="1">
+                <a:solidFill>
+                  <a:srgbClr val="FF0000"/>
+                </a:solidFill>
+                <a:latin typeface="Consolas" panose="020B0609020204030204" pitchFamily="49" charset="0"/>
+                <a:cs typeface="Consolas" panose="020B0609020204030204" pitchFamily="49" charset="0"/>
+              </a:rPr>
+              <a:t>R"gobbledygook</a:t>
+            </a:r>
+            <a:r>
+              <a:rPr lang="en-US" sz="2100" dirty="0">
+                <a:latin typeface="Consolas" panose="020B0609020204030204" pitchFamily="49" charset="0"/>
+                <a:cs typeface="Consolas" panose="020B0609020204030204" pitchFamily="49" charset="0"/>
+              </a:rPr>
+              <a:t>(a raw string literal </a:t>
+            </a:r>
+            <a:r>
+              <a:rPr lang="en-US" sz="2100">
+                <a:latin typeface="Consolas" panose="020B0609020204030204" pitchFamily="49" charset="0"/>
+                <a:cs typeface="Consolas" panose="020B0609020204030204" pitchFamily="49" charset="0"/>
+              </a:rPr>
+              <a:t>with "</a:t>
+            </a:r>
+            <a:r>
+              <a:rPr lang="en-US" sz="2100" smtClean="0">
+                <a:latin typeface="Consolas" panose="020B0609020204030204" pitchFamily="49" charset="0"/>
+                <a:cs typeface="Consolas" panose="020B0609020204030204" pitchFamily="49" charset="0"/>
+              </a:rPr>
+              <a:t>gobbledygook</a:t>
+            </a:r>
+            <a:r>
+              <a:rPr lang="en-US" sz="2100" dirty="0">
+                <a:latin typeface="Consolas" panose="020B0609020204030204" pitchFamily="49" charset="0"/>
+                <a:cs typeface="Consolas" panose="020B0609020204030204" pitchFamily="49" charset="0"/>
+              </a:rPr>
+              <a:t>"</a:t>
+            </a:r>
+            <a:endParaRPr lang="en-US" sz="2100" dirty="0" smtClean="0">
+              <a:latin typeface="Consolas" panose="020B0609020204030204" pitchFamily="49" charset="0"/>
+              <a:cs typeface="Consolas" panose="020B0609020204030204" pitchFamily="49" charset="0"/>
+            </a:endParaRPr>
+          </a:p>
+          <a:p>
+            <a:pPr marL="0" indent="0">
+              <a:buNone/>
+            </a:pPr>
+            <a:r>
+              <a:rPr lang="en-US" sz="2100" dirty="0" smtClean="0">
+                <a:latin typeface="Consolas" panose="020B0609020204030204" pitchFamily="49" charset="0"/>
+                <a:cs typeface="Consolas" panose="020B0609020204030204" pitchFamily="49" charset="0"/>
+              </a:rPr>
+              <a:t>        as the delimiter</a:t>
+            </a:r>
+            <a:r>
+              <a:rPr lang="en-US" sz="2100" dirty="0" smtClean="0">
+                <a:solidFill>
+                  <a:srgbClr val="FF0000"/>
+                </a:solidFill>
+                <a:latin typeface="Consolas" panose="020B0609020204030204" pitchFamily="49" charset="0"/>
+                <a:cs typeface="Consolas" panose="020B0609020204030204" pitchFamily="49" charset="0"/>
+              </a:rPr>
+              <a:t>)gobbledygook</a:t>
+            </a:r>
+            <a:r>
+              <a:rPr lang="en-US" sz="2100" dirty="0">
+                <a:solidFill>
+                  <a:srgbClr val="FF0000"/>
+                </a:solidFill>
+                <a:latin typeface="Consolas" panose="020B0609020204030204" pitchFamily="49" charset="0"/>
+                <a:cs typeface="Consolas" panose="020B0609020204030204" pitchFamily="49" charset="0"/>
+              </a:rPr>
+              <a:t>"</a:t>
+            </a:r>
+            <a:r>
+              <a:rPr lang="en-US" sz="2100" dirty="0">
+                <a:latin typeface="Consolas" panose="020B0609020204030204" pitchFamily="49" charset="0"/>
+                <a:cs typeface="Consolas" panose="020B0609020204030204" pitchFamily="49" charset="0"/>
+              </a:rPr>
+              <a:t>;</a:t>
+            </a:r>
+          </a:p>
+          <a:p>
+            <a:pPr marL="0" indent="0">
+              <a:buNone/>
+            </a:pPr>
+            <a:r>
+              <a:rPr lang="en-US" sz="2100" dirty="0" smtClean="0">
+                <a:latin typeface="Consolas" panose="020B0609020204030204" pitchFamily="49" charset="0"/>
+                <a:cs typeface="Consolas" panose="020B0609020204030204" pitchFamily="49" charset="0"/>
+              </a:rPr>
+              <a:t>    </a:t>
+            </a:r>
+            <a:r>
+              <a:rPr lang="en-US" sz="2100" dirty="0" err="1" smtClean="0">
+                <a:latin typeface="Consolas" panose="020B0609020204030204" pitchFamily="49" charset="0"/>
+                <a:cs typeface="Consolas" panose="020B0609020204030204" pitchFamily="49" charset="0"/>
+              </a:rPr>
+              <a:t>std</a:t>
+            </a:r>
+            <a:r>
+              <a:rPr lang="en-US" sz="2100" dirty="0">
+                <a:latin typeface="Consolas" panose="020B0609020204030204" pitchFamily="49" charset="0"/>
+                <a:cs typeface="Consolas" panose="020B0609020204030204" pitchFamily="49" charset="0"/>
+              </a:rPr>
+              <a:t>::</a:t>
+            </a:r>
+            <a:r>
+              <a:rPr lang="en-US" sz="2100" dirty="0" err="1">
+                <a:latin typeface="Consolas" panose="020B0609020204030204" pitchFamily="49" charset="0"/>
+                <a:cs typeface="Consolas" panose="020B0609020204030204" pitchFamily="49" charset="0"/>
+              </a:rPr>
+              <a:t>cout</a:t>
+            </a:r>
+            <a:r>
+              <a:rPr lang="en-US" sz="2100" dirty="0">
+                <a:latin typeface="Consolas" panose="020B0609020204030204" pitchFamily="49" charset="0"/>
+                <a:cs typeface="Consolas" panose="020B0609020204030204" pitchFamily="49" charset="0"/>
+              </a:rPr>
+              <a:t> &lt;&lt; s &lt;&lt; </a:t>
+            </a:r>
+            <a:r>
+              <a:rPr lang="en-US" sz="2100" dirty="0" err="1">
+                <a:latin typeface="Consolas" panose="020B0609020204030204" pitchFamily="49" charset="0"/>
+                <a:cs typeface="Consolas" panose="020B0609020204030204" pitchFamily="49" charset="0"/>
+              </a:rPr>
+              <a:t>std</a:t>
+            </a:r>
+            <a:r>
+              <a:rPr lang="en-US" sz="2100" dirty="0">
+                <a:latin typeface="Consolas" panose="020B0609020204030204" pitchFamily="49" charset="0"/>
+                <a:cs typeface="Consolas" panose="020B0609020204030204" pitchFamily="49" charset="0"/>
+              </a:rPr>
+              <a:t>::</a:t>
+            </a:r>
+            <a:r>
+              <a:rPr lang="en-US" sz="2100" dirty="0" err="1">
+                <a:latin typeface="Consolas" panose="020B0609020204030204" pitchFamily="49" charset="0"/>
+                <a:cs typeface="Consolas" panose="020B0609020204030204" pitchFamily="49" charset="0"/>
+              </a:rPr>
+              <a:t>endl</a:t>
+            </a:r>
+            <a:r>
+              <a:rPr lang="en-US" sz="2100" dirty="0">
+                <a:latin typeface="Consolas" panose="020B0609020204030204" pitchFamily="49" charset="0"/>
+                <a:cs typeface="Consolas" panose="020B0609020204030204" pitchFamily="49" charset="0"/>
+              </a:rPr>
+              <a:t>;</a:t>
+            </a:r>
+          </a:p>
+          <a:p>
+            <a:pPr marL="0" indent="0">
+              <a:buNone/>
+            </a:pPr>
+            <a:r>
+              <a:rPr lang="en-US" sz="2100" dirty="0" smtClean="0">
+                <a:latin typeface="Consolas" panose="020B0609020204030204" pitchFamily="49" charset="0"/>
+                <a:cs typeface="Consolas" panose="020B0609020204030204" pitchFamily="49" charset="0"/>
+              </a:rPr>
+              <a:t>    return </a:t>
+            </a:r>
+            <a:r>
+              <a:rPr lang="en-US" sz="2100" dirty="0">
+                <a:latin typeface="Consolas" panose="020B0609020204030204" pitchFamily="49" charset="0"/>
+                <a:cs typeface="Consolas" panose="020B0609020204030204" pitchFamily="49" charset="0"/>
+              </a:rPr>
+              <a:t>0;</a:t>
+            </a:r>
+          </a:p>
+          <a:p>
+            <a:pPr marL="0" indent="0">
+              <a:buNone/>
+            </a:pPr>
+            <a:r>
+              <a:rPr lang="en-US" sz="2100" dirty="0" smtClean="0">
+                <a:latin typeface="Consolas" panose="020B0609020204030204" pitchFamily="49" charset="0"/>
+                <a:cs typeface="Consolas" panose="020B0609020204030204" pitchFamily="49" charset="0"/>
+              </a:rPr>
+              <a:t>  }</a:t>
+            </a:r>
+          </a:p>
+          <a:p>
+            <a:pPr marL="0" indent="0">
+              <a:buNone/>
+            </a:pPr>
+            <a:endParaRPr lang="en-US" sz="2000" dirty="0">
+              <a:latin typeface="Consolas" panose="020B0609020204030204" pitchFamily="49" charset="0"/>
+              <a:cs typeface="Consolas" panose="020B0609020204030204" pitchFamily="49" charset="0"/>
+            </a:endParaRPr>
+          </a:p>
+          <a:p>
+            <a:pPr marL="0" indent="0">
+              <a:buNone/>
+            </a:pPr>
+            <a:r>
+              <a:rPr lang="en-US" sz="2800" dirty="0"/>
+              <a:t>\&gt;%^\t\n</a:t>
+            </a:r>
+            <a:r>
+              <a:rPr lang="en-US" sz="2800" dirty="0" smtClean="0"/>
+              <a:t>&amp;*(&lt;</a:t>
+            </a:r>
+          </a:p>
+          <a:p>
+            <a:pPr marL="0" indent="0">
+              <a:buNone/>
+            </a:pPr>
+            <a:r>
+              <a:rPr lang="en-US" sz="2800" dirty="0"/>
+              <a:t>a raw string literal with "gobbledygook" as the delimiter</a:t>
+            </a:r>
+            <a:endParaRPr lang="en-US" sz="2800" dirty="0" smtClean="0">
+              <a:latin typeface="Consolas" panose="020B0609020204030204" pitchFamily="49" charset="0"/>
+              <a:cs typeface="Consolas" panose="020B0609020204030204" pitchFamily="49" charset="0"/>
+            </a:endParaRPr>
+          </a:p>
+          <a:p>
+            <a:pPr marL="0" indent="0">
+              <a:buNone/>
+            </a:pPr>
+            <a:endParaRPr lang="en-US" dirty="0" smtClean="0">
+              <a:latin typeface="Consolas" panose="020B0609020204030204" pitchFamily="49" charset="0"/>
+              <a:cs typeface="Consolas" panose="020B0609020204030204" pitchFamily="49" charset="0"/>
+            </a:endParaRPr>
+          </a:p>
+          <a:p>
+            <a:pPr marL="0" indent="0">
+              <a:buNone/>
+            </a:pPr>
+            <a:endParaRPr lang="en-US" sz="2000" dirty="0">
+              <a:latin typeface="Consolas" panose="020B0609020204030204" pitchFamily="49" charset="0"/>
+              <a:cs typeface="Consolas" panose="020B0609020204030204" pitchFamily="49" charset="0"/>
+            </a:endParaRPr>
           </a:p>
         </p:txBody>
       </p:sp>
     </p:spTree>
     <p:extLst>
       <p:ext uri="{BB962C8B-B14F-4D97-AF65-F5344CB8AC3E}">
-        <p14:creationId xmlns:p14="http://schemas.microsoft.com/office/powerpoint/2010/main" val="3828345346"/>
+        <p14:creationId xmlns:p14="http://schemas.microsoft.com/office/powerpoint/2010/main" val="617387278"/>
       </p:ext>
     </p:extLst>
   </p:cSld>
@@ -6203,466 +6165,89 @@
           <a:lstStyle/>
           <a:p>
             <a:r>
+              <a:rPr lang="en-US" dirty="0" smtClean="0"/>
+              <a:t>Smart Pointers</a:t>
+            </a:r>
+            <a:endParaRPr lang="en-US" dirty="0"/>
+          </a:p>
+        </p:txBody>
+      </p:sp>
+      <p:sp>
+        <p:nvSpPr>
+          <p:cNvPr id="3" name="Content Placeholder 2"/>
+          <p:cNvSpPr>
+            <a:spLocks noGrp="1"/>
+          </p:cNvSpPr>
+          <p:nvPr>
+            <p:ph idx="1"/>
+          </p:nvPr>
+        </p:nvSpPr>
+        <p:spPr/>
+        <p:txBody>
+          <a:bodyPr/>
+          <a:lstStyle/>
+          <a:p>
+            <a:r>
               <a:rPr lang="en-US" dirty="0" err="1" smtClean="0">
                 <a:latin typeface="Consolas" panose="020B0609020204030204" pitchFamily="49" charset="0"/>
                 <a:cs typeface="Consolas" panose="020B0609020204030204" pitchFamily="49" charset="0"/>
               </a:rPr>
-              <a:t>std</a:t>
-            </a:r>
-            <a:r>
-              <a:rPr lang="en-US" dirty="0" smtClean="0">
-                <a:latin typeface="Consolas" panose="020B0609020204030204" pitchFamily="49" charset="0"/>
-                <a:cs typeface="Consolas" panose="020B0609020204030204" pitchFamily="49" charset="0"/>
-              </a:rPr>
-              <a:t>::</a:t>
-            </a:r>
+              <a:t>auto_ptr</a:t>
+            </a:r>
+            <a:r>
+              <a:rPr lang="en-US" dirty="0" smtClean="0"/>
+              <a:t> is deprecated. Do not use it.</a:t>
+            </a:r>
+          </a:p>
+          <a:p>
             <a:r>
               <a:rPr lang="en-US" dirty="0" err="1" smtClean="0">
                 <a:latin typeface="Consolas" panose="020B0609020204030204" pitchFamily="49" charset="0"/>
                 <a:cs typeface="Consolas" panose="020B0609020204030204" pitchFamily="49" charset="0"/>
               </a:rPr>
-              <a:t>to_string</a:t>
-            </a:r>
-            <a:endParaRPr lang="en-US" dirty="0">
-              <a:latin typeface="Consolas" panose="020B0609020204030204" pitchFamily="49" charset="0"/>
-              <a:cs typeface="Consolas" panose="020B0609020204030204" pitchFamily="49" charset="0"/>
-            </a:endParaRPr>
-          </a:p>
-        </p:txBody>
-      </p:sp>
-      <p:sp>
-        <p:nvSpPr>
-          <p:cNvPr id="3" name="Content Placeholder 2"/>
-          <p:cNvSpPr>
-            <a:spLocks noGrp="1"/>
-          </p:cNvSpPr>
-          <p:nvPr>
-            <p:ph idx="1"/>
-          </p:nvPr>
-        </p:nvSpPr>
-        <p:spPr>
-          <a:xfrm>
-            <a:off x="457200" y="1600200"/>
-            <a:ext cx="8229600" cy="4800600"/>
-          </a:xfrm>
-        </p:spPr>
-        <p:txBody>
-          <a:bodyPr>
-            <a:normAutofit lnSpcReduction="10000"/>
-          </a:bodyPr>
-          <a:lstStyle/>
-          <a:p>
-            <a:r>
-              <a:rPr lang="en-US" dirty="0" smtClean="0"/>
-              <a:t>“</a:t>
-            </a:r>
-            <a:r>
-              <a:rPr lang="en-US" dirty="0"/>
-              <a:t>Converts a numeric value to </a:t>
-            </a:r>
-            <a:r>
-              <a:rPr lang="en-US" dirty="0" err="1">
-                <a:hlinkClick r:id="rId2" tooltip="cpp/string/basic string"/>
-              </a:rPr>
-              <a:t>std</a:t>
-            </a:r>
-            <a:r>
-              <a:rPr lang="en-US" dirty="0">
-                <a:hlinkClick r:id="rId2" tooltip="cpp/string/basic string"/>
-              </a:rPr>
-              <a:t>::string</a:t>
-            </a:r>
-            <a:r>
-              <a:rPr lang="en-US" dirty="0" smtClean="0"/>
-              <a:t>.”</a:t>
-            </a:r>
-          </a:p>
-          <a:p>
-            <a:pPr marL="400050" lvl="1" indent="0">
-              <a:buNone/>
-            </a:pPr>
-            <a:r>
-              <a:rPr lang="en-US" sz="2200" dirty="0" smtClean="0">
-                <a:hlinkClick r:id="rId3"/>
-              </a:rPr>
-              <a:t>http</a:t>
-            </a:r>
-            <a:r>
-              <a:rPr lang="en-US" sz="2200" dirty="0">
-                <a:hlinkClick r:id="rId3"/>
-              </a:rPr>
-              <a:t>://</a:t>
-            </a:r>
-            <a:r>
-              <a:rPr lang="en-US" sz="2200" dirty="0" smtClean="0">
-                <a:hlinkClick r:id="rId3"/>
-              </a:rPr>
-              <a:t>en.cppreference.com/w/cpp/string/basic_string/to_string</a:t>
-            </a:r>
-            <a:endParaRPr lang="en-US" sz="2200" dirty="0" smtClean="0"/>
-          </a:p>
-          <a:p>
-            <a:pPr marL="285750"/>
-            <a:r>
-              <a:rPr lang="en-US" dirty="0" smtClean="0"/>
-              <a:t>Avoid </a:t>
-            </a:r>
-            <a:r>
-              <a:rPr lang="en-US" dirty="0" err="1" smtClean="0"/>
-              <a:t>atof</a:t>
-            </a:r>
-            <a:r>
-              <a:rPr lang="en-US" dirty="0" smtClean="0"/>
-              <a:t>(), </a:t>
-            </a:r>
-            <a:r>
-              <a:rPr lang="en-US" dirty="0" err="1" smtClean="0"/>
-              <a:t>atoi</a:t>
-            </a:r>
-            <a:r>
-              <a:rPr lang="en-US" dirty="0" smtClean="0"/>
-              <a:t>(), Unicode macros, …</a:t>
-            </a:r>
-          </a:p>
-          <a:p>
-            <a:pPr marL="285750"/>
-            <a:r>
-              <a:rPr lang="en-US" dirty="0" smtClean="0"/>
-              <a:t>Use </a:t>
-            </a:r>
-            <a:r>
-              <a:rPr lang="en-US" dirty="0" err="1" smtClean="0"/>
-              <a:t>to_wstring</a:t>
-            </a:r>
-            <a:r>
-              <a:rPr lang="en-US" dirty="0" smtClean="0"/>
-              <a:t>() for wide strings</a:t>
+              <a:t>unique_ptr</a:t>
+            </a:r>
+            <a:r>
+              <a:rPr lang="en-US" dirty="0" smtClean="0"/>
+              <a:t> is awesome. Use it all the time.</a:t>
+            </a:r>
+          </a:p>
+          <a:p>
+            <a:r>
+              <a:rPr lang="en-US" dirty="0" smtClean="0"/>
+              <a:t>Same with </a:t>
+            </a:r>
+            <a:r>
+              <a:rPr lang="en-US" dirty="0" err="1" smtClean="0">
+                <a:latin typeface="Consolas" panose="020B0609020204030204" pitchFamily="49" charset="0"/>
+                <a:cs typeface="Consolas" panose="020B0609020204030204" pitchFamily="49" charset="0"/>
+              </a:rPr>
+              <a:t>shared_ptr</a:t>
+            </a:r>
+            <a:r>
+              <a:rPr lang="en-US" dirty="0" smtClean="0"/>
+              <a:t>. Do amazing things.</a:t>
+            </a:r>
+          </a:p>
+          <a:p>
+            <a:endParaRPr lang="en-US" dirty="0" smtClean="0"/>
+          </a:p>
+          <a:p>
+            <a:pPr marL="0" indent="0">
+              <a:buNone/>
+            </a:pPr>
+            <a:r>
+              <a:rPr lang="en-US" dirty="0" smtClean="0"/>
+              <a:t>C++ does not have garbage collection: It is deterministic in its acquisition and release of memory and other resources.</a:t>
             </a:r>
             <a:endParaRPr lang="en-US" dirty="0"/>
-          </a:p>
-          <a:p>
-            <a:pPr marL="400050" lvl="1" indent="0">
-              <a:buNone/>
-            </a:pPr>
-            <a:endParaRPr lang="en-US" sz="1800" dirty="0" smtClean="0"/>
-          </a:p>
-          <a:p>
-            <a:pPr marL="800100" lvl="2" indent="0">
-              <a:buNone/>
-            </a:pPr>
-            <a:r>
-              <a:rPr lang="en-US" sz="1400" dirty="0" smtClean="0">
-                <a:latin typeface="Consolas" panose="020B0609020204030204" pitchFamily="49" charset="0"/>
-                <a:cs typeface="Consolas" panose="020B0609020204030204" pitchFamily="49" charset="0"/>
-              </a:rPr>
-              <a:t>#</a:t>
-            </a:r>
-            <a:r>
-              <a:rPr lang="en-US" sz="1400" dirty="0">
-                <a:latin typeface="Consolas" panose="020B0609020204030204" pitchFamily="49" charset="0"/>
-                <a:cs typeface="Consolas" panose="020B0609020204030204" pitchFamily="49" charset="0"/>
-              </a:rPr>
-              <a:t>include &lt;</a:t>
-            </a:r>
-            <a:r>
-              <a:rPr lang="en-US" sz="1400" dirty="0" err="1">
-                <a:latin typeface="Consolas" panose="020B0609020204030204" pitchFamily="49" charset="0"/>
-                <a:cs typeface="Consolas" panose="020B0609020204030204" pitchFamily="49" charset="0"/>
-              </a:rPr>
-              <a:t>iostream</a:t>
-            </a:r>
-            <a:r>
-              <a:rPr lang="en-US" sz="1400" dirty="0">
-                <a:latin typeface="Consolas" panose="020B0609020204030204" pitchFamily="49" charset="0"/>
-                <a:cs typeface="Consolas" panose="020B0609020204030204" pitchFamily="49" charset="0"/>
-              </a:rPr>
-              <a:t>&gt;</a:t>
-            </a:r>
-          </a:p>
-          <a:p>
-            <a:pPr marL="800100" lvl="2" indent="0">
-              <a:buNone/>
-            </a:pPr>
-            <a:r>
-              <a:rPr lang="en-US" sz="1400" dirty="0">
-                <a:latin typeface="Consolas" panose="020B0609020204030204" pitchFamily="49" charset="0"/>
-                <a:cs typeface="Consolas" panose="020B0609020204030204" pitchFamily="49" charset="0"/>
-              </a:rPr>
-              <a:t>#include &lt;string</a:t>
-            </a:r>
-            <a:r>
-              <a:rPr lang="en-US" sz="1400" dirty="0" smtClean="0">
-                <a:latin typeface="Consolas" panose="020B0609020204030204" pitchFamily="49" charset="0"/>
-                <a:cs typeface="Consolas" panose="020B0609020204030204" pitchFamily="49" charset="0"/>
-              </a:rPr>
-              <a:t>&gt;</a:t>
-            </a:r>
-          </a:p>
-          <a:p>
-            <a:pPr marL="800100" lvl="2" indent="0">
-              <a:buNone/>
-            </a:pPr>
-            <a:endParaRPr lang="en-US" sz="1400" dirty="0">
-              <a:latin typeface="Consolas" panose="020B0609020204030204" pitchFamily="49" charset="0"/>
-              <a:cs typeface="Consolas" panose="020B0609020204030204" pitchFamily="49" charset="0"/>
-            </a:endParaRPr>
-          </a:p>
-          <a:p>
-            <a:pPr marL="800100" lvl="2" indent="0">
-              <a:buNone/>
-            </a:pPr>
-            <a:r>
-              <a:rPr lang="en-US" sz="1400" dirty="0" err="1" smtClean="0">
-                <a:latin typeface="Consolas" panose="020B0609020204030204" pitchFamily="49" charset="0"/>
-                <a:cs typeface="Consolas" panose="020B0609020204030204" pitchFamily="49" charset="0"/>
-              </a:rPr>
-              <a:t>int</a:t>
-            </a:r>
-            <a:r>
-              <a:rPr lang="en-US" sz="1400" dirty="0" smtClean="0">
-                <a:latin typeface="Consolas" panose="020B0609020204030204" pitchFamily="49" charset="0"/>
-                <a:cs typeface="Consolas" panose="020B0609020204030204" pitchFamily="49" charset="0"/>
-              </a:rPr>
-              <a:t> </a:t>
-            </a:r>
-            <a:r>
-              <a:rPr lang="en-US" sz="1400" dirty="0">
-                <a:latin typeface="Consolas" panose="020B0609020204030204" pitchFamily="49" charset="0"/>
-                <a:cs typeface="Consolas" panose="020B0609020204030204" pitchFamily="49" charset="0"/>
-              </a:rPr>
-              <a:t>main</a:t>
-            </a:r>
-            <a:r>
-              <a:rPr lang="en-US" sz="1400" dirty="0" smtClean="0">
-                <a:latin typeface="Consolas" panose="020B0609020204030204" pitchFamily="49" charset="0"/>
-                <a:cs typeface="Consolas" panose="020B0609020204030204" pitchFamily="49" charset="0"/>
-              </a:rPr>
-              <a:t>() {</a:t>
-            </a:r>
-            <a:endParaRPr lang="en-US" sz="1400" dirty="0">
-              <a:latin typeface="Consolas" panose="020B0609020204030204" pitchFamily="49" charset="0"/>
-              <a:cs typeface="Consolas" panose="020B0609020204030204" pitchFamily="49" charset="0"/>
-            </a:endParaRPr>
-          </a:p>
-          <a:p>
-            <a:pPr marL="800100" lvl="2" indent="0">
-              <a:buNone/>
-            </a:pPr>
-            <a:r>
-              <a:rPr lang="en-US" sz="1400" dirty="0">
-                <a:latin typeface="Consolas" panose="020B0609020204030204" pitchFamily="49" charset="0"/>
-                <a:cs typeface="Consolas" panose="020B0609020204030204" pitchFamily="49" charset="0"/>
-              </a:rPr>
-              <a:t>    double f = 23.43;</a:t>
-            </a:r>
-          </a:p>
-          <a:p>
-            <a:pPr marL="800100" lvl="2" indent="0">
-              <a:buNone/>
-            </a:pPr>
-            <a:r>
-              <a:rPr lang="en-US" sz="1400" dirty="0">
-                <a:latin typeface="Consolas" panose="020B0609020204030204" pitchFamily="49" charset="0"/>
-                <a:cs typeface="Consolas" panose="020B0609020204030204" pitchFamily="49" charset="0"/>
-              </a:rPr>
-              <a:t>    </a:t>
-            </a:r>
-            <a:r>
-              <a:rPr lang="en-US" sz="1400" dirty="0" err="1">
-                <a:latin typeface="Consolas" panose="020B0609020204030204" pitchFamily="49" charset="0"/>
-                <a:cs typeface="Consolas" panose="020B0609020204030204" pitchFamily="49" charset="0"/>
-              </a:rPr>
-              <a:t>std</a:t>
-            </a:r>
-            <a:r>
-              <a:rPr lang="en-US" sz="1400" dirty="0">
-                <a:latin typeface="Consolas" panose="020B0609020204030204" pitchFamily="49" charset="0"/>
-                <a:cs typeface="Consolas" panose="020B0609020204030204" pitchFamily="49" charset="0"/>
-              </a:rPr>
-              <a:t>::string </a:t>
-            </a:r>
-            <a:r>
-              <a:rPr lang="en-US" sz="1400" dirty="0" err="1">
-                <a:latin typeface="Consolas" panose="020B0609020204030204" pitchFamily="49" charset="0"/>
-                <a:cs typeface="Consolas" panose="020B0609020204030204" pitchFamily="49" charset="0"/>
-              </a:rPr>
-              <a:t>f_str</a:t>
-            </a:r>
-            <a:r>
-              <a:rPr lang="en-US" sz="1400" dirty="0">
-                <a:latin typeface="Consolas" panose="020B0609020204030204" pitchFamily="49" charset="0"/>
-                <a:cs typeface="Consolas" panose="020B0609020204030204" pitchFamily="49" charset="0"/>
-              </a:rPr>
-              <a:t> = </a:t>
-            </a:r>
-            <a:r>
-              <a:rPr lang="en-US" sz="1400" dirty="0" err="1">
-                <a:latin typeface="Consolas" panose="020B0609020204030204" pitchFamily="49" charset="0"/>
-                <a:cs typeface="Consolas" panose="020B0609020204030204" pitchFamily="49" charset="0"/>
-              </a:rPr>
-              <a:t>std</a:t>
-            </a:r>
-            <a:r>
-              <a:rPr lang="en-US" sz="1400" dirty="0">
-                <a:latin typeface="Consolas" panose="020B0609020204030204" pitchFamily="49" charset="0"/>
-                <a:cs typeface="Consolas" panose="020B0609020204030204" pitchFamily="49" charset="0"/>
-              </a:rPr>
-              <a:t>::</a:t>
-            </a:r>
-            <a:r>
-              <a:rPr lang="en-US" sz="1400" dirty="0" err="1">
-                <a:latin typeface="Consolas" panose="020B0609020204030204" pitchFamily="49" charset="0"/>
-                <a:cs typeface="Consolas" panose="020B0609020204030204" pitchFamily="49" charset="0"/>
-              </a:rPr>
-              <a:t>to_string</a:t>
-            </a:r>
-            <a:r>
-              <a:rPr lang="en-US" sz="1400" dirty="0">
-                <a:latin typeface="Consolas" panose="020B0609020204030204" pitchFamily="49" charset="0"/>
-                <a:cs typeface="Consolas" panose="020B0609020204030204" pitchFamily="49" charset="0"/>
-              </a:rPr>
-              <a:t>(f);</a:t>
-            </a:r>
-          </a:p>
-          <a:p>
-            <a:pPr marL="800100" lvl="2" indent="0">
-              <a:buNone/>
-            </a:pPr>
-            <a:r>
-              <a:rPr lang="en-US" sz="1400" dirty="0">
-                <a:latin typeface="Consolas" panose="020B0609020204030204" pitchFamily="49" charset="0"/>
-                <a:cs typeface="Consolas" panose="020B0609020204030204" pitchFamily="49" charset="0"/>
-              </a:rPr>
-              <a:t>    </a:t>
-            </a:r>
-            <a:r>
-              <a:rPr lang="en-US" sz="1400" dirty="0" err="1">
-                <a:latin typeface="Consolas" panose="020B0609020204030204" pitchFamily="49" charset="0"/>
-                <a:cs typeface="Consolas" panose="020B0609020204030204" pitchFamily="49" charset="0"/>
-              </a:rPr>
-              <a:t>std</a:t>
-            </a:r>
-            <a:r>
-              <a:rPr lang="en-US" sz="1400" dirty="0">
-                <a:latin typeface="Consolas" panose="020B0609020204030204" pitchFamily="49" charset="0"/>
-                <a:cs typeface="Consolas" panose="020B0609020204030204" pitchFamily="49" charset="0"/>
-              </a:rPr>
-              <a:t>::</a:t>
-            </a:r>
-            <a:r>
-              <a:rPr lang="en-US" sz="1400" dirty="0" err="1">
-                <a:latin typeface="Consolas" panose="020B0609020204030204" pitchFamily="49" charset="0"/>
-                <a:cs typeface="Consolas" panose="020B0609020204030204" pitchFamily="49" charset="0"/>
-              </a:rPr>
-              <a:t>cout</a:t>
-            </a:r>
-            <a:r>
-              <a:rPr lang="en-US" sz="1400" dirty="0">
-                <a:latin typeface="Consolas" panose="020B0609020204030204" pitchFamily="49" charset="0"/>
-                <a:cs typeface="Consolas" panose="020B0609020204030204" pitchFamily="49" charset="0"/>
-              </a:rPr>
-              <a:t> &lt;&lt; </a:t>
-            </a:r>
-            <a:r>
-              <a:rPr lang="en-US" sz="1400" dirty="0" err="1">
-                <a:latin typeface="Consolas" panose="020B0609020204030204" pitchFamily="49" charset="0"/>
-                <a:cs typeface="Consolas" panose="020B0609020204030204" pitchFamily="49" charset="0"/>
-              </a:rPr>
-              <a:t>f_str</a:t>
-            </a:r>
-            <a:r>
-              <a:rPr lang="en-US" sz="1400" dirty="0">
-                <a:latin typeface="Consolas" panose="020B0609020204030204" pitchFamily="49" charset="0"/>
-                <a:cs typeface="Consolas" panose="020B0609020204030204" pitchFamily="49" charset="0"/>
-              </a:rPr>
-              <a:t> &lt;&lt; </a:t>
-            </a:r>
-            <a:r>
-              <a:rPr lang="en-US" sz="1400" dirty="0" err="1" smtClean="0">
-                <a:latin typeface="Consolas" panose="020B0609020204030204" pitchFamily="49" charset="0"/>
-                <a:cs typeface="Consolas" panose="020B0609020204030204" pitchFamily="49" charset="0"/>
-              </a:rPr>
-              <a:t>std</a:t>
-            </a:r>
-            <a:r>
-              <a:rPr lang="en-US" sz="1400" dirty="0" smtClean="0">
-                <a:latin typeface="Consolas" panose="020B0609020204030204" pitchFamily="49" charset="0"/>
-                <a:cs typeface="Consolas" panose="020B0609020204030204" pitchFamily="49" charset="0"/>
-              </a:rPr>
-              <a:t>::</a:t>
-            </a:r>
-            <a:r>
-              <a:rPr lang="en-US" sz="1400" dirty="0" err="1" smtClean="0">
-                <a:latin typeface="Consolas" panose="020B0609020204030204" pitchFamily="49" charset="0"/>
-                <a:cs typeface="Consolas" panose="020B0609020204030204" pitchFamily="49" charset="0"/>
-              </a:rPr>
-              <a:t>endl</a:t>
-            </a:r>
-            <a:r>
-              <a:rPr lang="en-US" sz="1400" dirty="0" smtClean="0">
-                <a:latin typeface="Consolas" panose="020B0609020204030204" pitchFamily="49" charset="0"/>
-                <a:cs typeface="Consolas" panose="020B0609020204030204" pitchFamily="49" charset="0"/>
-              </a:rPr>
-              <a:t>;</a:t>
-            </a:r>
-            <a:endParaRPr lang="en-US" sz="1400" dirty="0">
-              <a:latin typeface="Consolas" panose="020B0609020204030204" pitchFamily="49" charset="0"/>
-              <a:cs typeface="Consolas" panose="020B0609020204030204" pitchFamily="49" charset="0"/>
-            </a:endParaRPr>
-          </a:p>
-          <a:p>
-            <a:pPr marL="800100" lvl="2" indent="0">
-              <a:buNone/>
-            </a:pPr>
-            <a:r>
-              <a:rPr lang="en-US" sz="1400" dirty="0" smtClean="0">
-                <a:latin typeface="Consolas" panose="020B0609020204030204" pitchFamily="49" charset="0"/>
-                <a:cs typeface="Consolas" panose="020B0609020204030204" pitchFamily="49" charset="0"/>
-              </a:rPr>
-              <a:t>}</a:t>
-            </a:r>
-          </a:p>
-          <a:p>
-            <a:pPr marL="800100" lvl="2" indent="0">
-              <a:buNone/>
-            </a:pPr>
-            <a:endParaRPr lang="en-US" sz="1400" dirty="0" smtClean="0">
-              <a:latin typeface="Consolas" panose="020B0609020204030204" pitchFamily="49" charset="0"/>
-              <a:cs typeface="Consolas" panose="020B0609020204030204" pitchFamily="49" charset="0"/>
-            </a:endParaRPr>
-          </a:p>
-          <a:p>
-            <a:pPr marL="800100" lvl="2" indent="0">
-              <a:buNone/>
-            </a:pPr>
-            <a:r>
-              <a:rPr lang="en-US" sz="1400" dirty="0" smtClean="0">
-                <a:latin typeface="Consolas" panose="020B0609020204030204" pitchFamily="49" charset="0"/>
-                <a:cs typeface="Consolas" panose="020B0609020204030204" pitchFamily="49" charset="0"/>
-              </a:rPr>
-              <a:t>output: </a:t>
-            </a:r>
-            <a:r>
-              <a:rPr lang="en-US" sz="1400" dirty="0" smtClean="0"/>
-              <a:t>23.430000</a:t>
-            </a:r>
-            <a:endParaRPr lang="en-US" sz="1400" dirty="0">
-              <a:latin typeface="Consolas" panose="020B0609020204030204" pitchFamily="49" charset="0"/>
-              <a:cs typeface="Consolas" panose="020B0609020204030204" pitchFamily="49" charset="0"/>
-            </a:endParaRPr>
-          </a:p>
-          <a:p>
-            <a:pPr marL="800100" lvl="2" indent="0">
-              <a:buNone/>
-            </a:pPr>
-            <a:endParaRPr lang="en-US" sz="1400" dirty="0" smtClean="0"/>
           </a:p>
         </p:txBody>
       </p:sp>
     </p:spTree>
     <p:extLst>
       <p:ext uri="{BB962C8B-B14F-4D97-AF65-F5344CB8AC3E}">
-        <p14:creationId xmlns:p14="http://schemas.microsoft.com/office/powerpoint/2010/main" val="146388363"/>
+        <p14:creationId xmlns:p14="http://schemas.microsoft.com/office/powerpoint/2010/main" val="3828345346"/>
       </p:ext>
     </p:extLst>
   </p:cSld>
@@ -6749,431 +6334,421 @@
             <p:ph idx="1"/>
           </p:nvPr>
         </p:nvSpPr>
-        <p:spPr/>
+        <p:spPr>
+          <a:xfrm>
+            <a:off x="457200" y="1600200"/>
+            <a:ext cx="8229600" cy="4800600"/>
+          </a:xfrm>
+        </p:spPr>
         <p:txBody>
           <a:bodyPr>
-            <a:normAutofit/>
+            <a:normAutofit lnSpcReduction="10000"/>
           </a:bodyPr>
           <a:lstStyle/>
           <a:p>
             <a:r>
               <a:rPr lang="en-US" dirty="0" smtClean="0"/>
-              <a:t>Works with all sorts of numeric types</a:t>
-            </a:r>
-          </a:p>
-          <a:p>
-            <a:r>
-              <a:rPr lang="en-US" dirty="0" smtClean="0"/>
-              <a:t>Caveat (google </a:t>
+              <a:t>“</a:t>
+            </a:r>
+            <a:r>
+              <a:rPr lang="en-US" dirty="0"/>
+              <a:t>Converts a numeric value to </a:t>
+            </a:r>
+            <a:r>
+              <a:rPr lang="en-US" dirty="0" err="1">
+                <a:hlinkClick r:id="rId2" tooltip="cpp/string/basic string"/>
+              </a:rPr>
+              <a:t>std</a:t>
+            </a:r>
+            <a:r>
+              <a:rPr lang="en-US" dirty="0">
+                <a:hlinkClick r:id="rId2" tooltip="cpp/string/basic string"/>
+              </a:rPr>
+              <a:t>::string</a:t>
+            </a:r>
+            <a:r>
+              <a:rPr lang="en-US" dirty="0" smtClean="0"/>
+              <a:t>.”</a:t>
+            </a:r>
+          </a:p>
+          <a:p>
+            <a:pPr marL="400050" lvl="1" indent="0">
+              <a:buNone/>
+            </a:pPr>
+            <a:r>
+              <a:rPr lang="en-US" sz="2200" dirty="0" smtClean="0">
+                <a:hlinkClick r:id="rId3"/>
+              </a:rPr>
+              <a:t>http</a:t>
+            </a:r>
+            <a:r>
+              <a:rPr lang="en-US" sz="2200" dirty="0">
+                <a:hlinkClick r:id="rId3"/>
+              </a:rPr>
+              <a:t>://</a:t>
+            </a:r>
+            <a:r>
+              <a:rPr lang="en-US" sz="2200" dirty="0" smtClean="0">
+                <a:hlinkClick r:id="rId3"/>
+              </a:rPr>
+              <a:t>en.cppreference.com/w/cpp/string/basic_string/to_string</a:t>
+            </a:r>
+            <a:endParaRPr lang="en-US" sz="2200" dirty="0" smtClean="0"/>
+          </a:p>
+          <a:p>
+            <a:pPr marL="285750"/>
+            <a:r>
+              <a:rPr lang="en-US" dirty="0" smtClean="0"/>
+              <a:t>Avoid </a:t>
             </a:r>
             <a:r>
               <a:rPr lang="en-US" dirty="0" err="1" smtClean="0"/>
-              <a:t>FlatBuffers</a:t>
-            </a:r>
-            <a:r>
-              <a:rPr lang="en-US" dirty="0" smtClean="0"/>
-              <a:t>):</a:t>
-            </a:r>
-          </a:p>
-          <a:p>
-            <a:pPr marL="0" indent="0">
-              <a:buNone/>
-            </a:pPr>
-            <a:endParaRPr lang="en-US" sz="1200" dirty="0" smtClean="0">
+              <a:t>atof</a:t>
+            </a:r>
+            <a:r>
+              <a:rPr lang="en-US" dirty="0" smtClean="0"/>
+              <a:t>(), </a:t>
+            </a:r>
+            <a:r>
+              <a:rPr lang="en-US" dirty="0" err="1" smtClean="0"/>
+              <a:t>atoi</a:t>
+            </a:r>
+            <a:r>
+              <a:rPr lang="en-US" dirty="0" smtClean="0"/>
+              <a:t>(), Unicode macros, …</a:t>
+            </a:r>
+          </a:p>
+          <a:p>
+            <a:pPr marL="285750"/>
+            <a:r>
+              <a:rPr lang="en-US" dirty="0" smtClean="0"/>
+              <a:t>Use </a:t>
+            </a:r>
+            <a:r>
+              <a:rPr lang="en-US" dirty="0" err="1" smtClean="0"/>
+              <a:t>to_wstring</a:t>
+            </a:r>
+            <a:r>
+              <a:rPr lang="en-US" dirty="0" smtClean="0"/>
+              <a:t>() for wide strings</a:t>
+            </a:r>
+            <a:endParaRPr lang="en-US" dirty="0"/>
+          </a:p>
+          <a:p>
+            <a:pPr marL="400050" lvl="1" indent="0">
+              <a:buNone/>
+            </a:pPr>
+            <a:endParaRPr lang="en-US" sz="1800" dirty="0" smtClean="0"/>
+          </a:p>
+          <a:p>
+            <a:pPr marL="800100" lvl="2" indent="0">
+              <a:buNone/>
+            </a:pPr>
+            <a:r>
+              <a:rPr lang="en-US" sz="1400" dirty="0" smtClean="0">
+                <a:latin typeface="Consolas" panose="020B0609020204030204" pitchFamily="49" charset="0"/>
+                <a:cs typeface="Consolas" panose="020B0609020204030204" pitchFamily="49" charset="0"/>
+              </a:rPr>
+              <a:t>#</a:t>
+            </a:r>
+            <a:r>
+              <a:rPr lang="en-US" sz="1400" dirty="0">
+                <a:latin typeface="Consolas" panose="020B0609020204030204" pitchFamily="49" charset="0"/>
+                <a:cs typeface="Consolas" panose="020B0609020204030204" pitchFamily="49" charset="0"/>
+              </a:rPr>
+              <a:t>include &lt;</a:t>
+            </a:r>
+            <a:r>
+              <a:rPr lang="en-US" sz="1400" dirty="0" err="1">
+                <a:latin typeface="Consolas" panose="020B0609020204030204" pitchFamily="49" charset="0"/>
+                <a:cs typeface="Consolas" panose="020B0609020204030204" pitchFamily="49" charset="0"/>
+              </a:rPr>
+              <a:t>iostream</a:t>
+            </a:r>
+            <a:r>
+              <a:rPr lang="en-US" sz="1400" dirty="0">
+                <a:latin typeface="Consolas" panose="020B0609020204030204" pitchFamily="49" charset="0"/>
+                <a:cs typeface="Consolas" panose="020B0609020204030204" pitchFamily="49" charset="0"/>
+              </a:rPr>
+              <a:t>&gt;</a:t>
+            </a:r>
+          </a:p>
+          <a:p>
+            <a:pPr marL="800100" lvl="2" indent="0">
+              <a:buNone/>
+            </a:pPr>
+            <a:r>
+              <a:rPr lang="en-US" sz="1400" dirty="0">
+                <a:latin typeface="Consolas" panose="020B0609020204030204" pitchFamily="49" charset="0"/>
+                <a:cs typeface="Consolas" panose="020B0609020204030204" pitchFamily="49" charset="0"/>
+              </a:rPr>
+              <a:t>#include &lt;string</a:t>
+            </a:r>
+            <a:r>
+              <a:rPr lang="en-US" sz="1400" dirty="0" smtClean="0">
+                <a:latin typeface="Consolas" panose="020B0609020204030204" pitchFamily="49" charset="0"/>
+                <a:cs typeface="Consolas" panose="020B0609020204030204" pitchFamily="49" charset="0"/>
+              </a:rPr>
+              <a:t>&gt;</a:t>
+            </a:r>
+          </a:p>
+          <a:p>
+            <a:pPr marL="800100" lvl="2" indent="0">
+              <a:buNone/>
+            </a:pPr>
+            <a:endParaRPr lang="en-US" sz="1400" dirty="0">
               <a:latin typeface="Consolas" panose="020B0609020204030204" pitchFamily="49" charset="0"/>
               <a:cs typeface="Consolas" panose="020B0609020204030204" pitchFamily="49" charset="0"/>
             </a:endParaRPr>
           </a:p>
           <a:p>
-            <a:pPr marL="0" indent="0">
-              <a:buNone/>
-            </a:pPr>
-            <a:r>
-              <a:rPr lang="en-US" sz="1200" dirty="0" smtClean="0">
-                <a:latin typeface="Consolas" panose="020B0609020204030204" pitchFamily="49" charset="0"/>
-                <a:cs typeface="Consolas" panose="020B0609020204030204" pitchFamily="49" charset="0"/>
-              </a:rPr>
-              <a:t>  namespace </a:t>
-            </a:r>
-            <a:r>
-              <a:rPr lang="en-US" sz="1200" dirty="0" err="1">
-                <a:latin typeface="Consolas" panose="020B0609020204030204" pitchFamily="49" charset="0"/>
-                <a:cs typeface="Consolas" panose="020B0609020204030204" pitchFamily="49" charset="0"/>
-              </a:rPr>
-              <a:t>flatbuffers</a:t>
-            </a:r>
-            <a:r>
-              <a:rPr lang="en-US" sz="1200" dirty="0">
-                <a:latin typeface="Consolas" panose="020B0609020204030204" pitchFamily="49" charset="0"/>
-                <a:cs typeface="Consolas" panose="020B0609020204030204" pitchFamily="49" charset="0"/>
-              </a:rPr>
-              <a:t> {</a:t>
-            </a:r>
-          </a:p>
-          <a:p>
-            <a:pPr marL="0" indent="0">
-              <a:buNone/>
-            </a:pPr>
-            <a:r>
-              <a:rPr lang="en-US" sz="1200" dirty="0" smtClean="0">
-                <a:latin typeface="Consolas" panose="020B0609020204030204" pitchFamily="49" charset="0"/>
-                <a:cs typeface="Consolas" panose="020B0609020204030204" pitchFamily="49" charset="0"/>
-              </a:rPr>
-              <a:t>    // </a:t>
-            </a:r>
-            <a:r>
-              <a:rPr lang="en-US" sz="1200" dirty="0">
-                <a:latin typeface="Consolas" panose="020B0609020204030204" pitchFamily="49" charset="0"/>
-                <a:cs typeface="Consolas" panose="020B0609020204030204" pitchFamily="49" charset="0"/>
-              </a:rPr>
-              <a:t>Convert an integer or floating point value to a string.</a:t>
-            </a:r>
-          </a:p>
-          <a:p>
-            <a:pPr marL="0" indent="0">
-              <a:buNone/>
-            </a:pPr>
-            <a:r>
-              <a:rPr lang="en-US" sz="1200" dirty="0" smtClean="0">
-                <a:latin typeface="Consolas" panose="020B0609020204030204" pitchFamily="49" charset="0"/>
-                <a:cs typeface="Consolas" panose="020B0609020204030204" pitchFamily="49" charset="0"/>
-              </a:rPr>
-              <a:t>    // </a:t>
-            </a:r>
-            <a:r>
-              <a:rPr lang="en-US" sz="1200" dirty="0">
-                <a:latin typeface="Consolas" panose="020B0609020204030204" pitchFamily="49" charset="0"/>
-                <a:cs typeface="Consolas" panose="020B0609020204030204" pitchFamily="49" charset="0"/>
-              </a:rPr>
-              <a:t>In contrast to </a:t>
-            </a:r>
-            <a:r>
-              <a:rPr lang="en-US" sz="1200" dirty="0" err="1">
-                <a:latin typeface="Consolas" panose="020B0609020204030204" pitchFamily="49" charset="0"/>
-                <a:cs typeface="Consolas" panose="020B0609020204030204" pitchFamily="49" charset="0"/>
-              </a:rPr>
-              <a:t>std</a:t>
-            </a:r>
-            <a:r>
-              <a:rPr lang="en-US" sz="1200" dirty="0">
-                <a:latin typeface="Consolas" panose="020B0609020204030204" pitchFamily="49" charset="0"/>
-                <a:cs typeface="Consolas" panose="020B0609020204030204" pitchFamily="49" charset="0"/>
-              </a:rPr>
-              <a:t>::</a:t>
-            </a:r>
-            <a:r>
-              <a:rPr lang="en-US" sz="1200" dirty="0" err="1">
-                <a:latin typeface="Consolas" panose="020B0609020204030204" pitchFamily="49" charset="0"/>
-                <a:cs typeface="Consolas" panose="020B0609020204030204" pitchFamily="49" charset="0"/>
-              </a:rPr>
-              <a:t>stringstream</a:t>
-            </a:r>
-            <a:r>
-              <a:rPr lang="en-US" sz="1200" dirty="0">
-                <a:latin typeface="Consolas" panose="020B0609020204030204" pitchFamily="49" charset="0"/>
-                <a:cs typeface="Consolas" panose="020B0609020204030204" pitchFamily="49" charset="0"/>
-              </a:rPr>
-              <a:t>, "char" values </a:t>
-            </a:r>
-            <a:r>
-              <a:rPr lang="en-US" sz="1200" dirty="0" smtClean="0">
-                <a:latin typeface="Consolas" panose="020B0609020204030204" pitchFamily="49" charset="0"/>
-                <a:cs typeface="Consolas" panose="020B0609020204030204" pitchFamily="49" charset="0"/>
-              </a:rPr>
-              <a:t>are converted </a:t>
-            </a:r>
-            <a:r>
-              <a:rPr lang="en-US" sz="1200" dirty="0">
-                <a:latin typeface="Consolas" panose="020B0609020204030204" pitchFamily="49" charset="0"/>
-                <a:cs typeface="Consolas" panose="020B0609020204030204" pitchFamily="49" charset="0"/>
-              </a:rPr>
-              <a:t>to a string of digits.</a:t>
-            </a:r>
-          </a:p>
-          <a:p>
-            <a:pPr marL="0" indent="0">
-              <a:buNone/>
-            </a:pPr>
-            <a:r>
-              <a:rPr lang="en-US" sz="1200" dirty="0" smtClean="0">
-                <a:latin typeface="Consolas" panose="020B0609020204030204" pitchFamily="49" charset="0"/>
-                <a:cs typeface="Consolas" panose="020B0609020204030204" pitchFamily="49" charset="0"/>
-              </a:rPr>
-              <a:t>    template&lt;</a:t>
-            </a:r>
-            <a:r>
-              <a:rPr lang="en-US" sz="1200" dirty="0" err="1" smtClean="0">
-                <a:latin typeface="Consolas" panose="020B0609020204030204" pitchFamily="49" charset="0"/>
-                <a:cs typeface="Consolas" panose="020B0609020204030204" pitchFamily="49" charset="0"/>
-              </a:rPr>
-              <a:t>typename</a:t>
-            </a:r>
-            <a:r>
-              <a:rPr lang="en-US" sz="1200" dirty="0" smtClean="0">
+            <a:pPr marL="800100" lvl="2" indent="0">
+              <a:buNone/>
+            </a:pPr>
+            <a:r>
+              <a:rPr lang="en-US" sz="1400" dirty="0" err="1" smtClean="0">
+                <a:latin typeface="Consolas" panose="020B0609020204030204" pitchFamily="49" charset="0"/>
+                <a:cs typeface="Consolas" panose="020B0609020204030204" pitchFamily="49" charset="0"/>
+              </a:rPr>
+              <a:t>int</a:t>
+            </a:r>
+            <a:r>
+              <a:rPr lang="en-US" sz="1400" dirty="0" smtClean="0">
                 <a:latin typeface="Consolas" panose="020B0609020204030204" pitchFamily="49" charset="0"/>
                 <a:cs typeface="Consolas" panose="020B0609020204030204" pitchFamily="49" charset="0"/>
               </a:rPr>
               <a:t> </a:t>
             </a:r>
             <a:r>
-              <a:rPr lang="en-US" sz="1200" dirty="0">
-                <a:latin typeface="Consolas" panose="020B0609020204030204" pitchFamily="49" charset="0"/>
-                <a:cs typeface="Consolas" panose="020B0609020204030204" pitchFamily="49" charset="0"/>
-              </a:rPr>
-              <a:t>T&gt; </a:t>
-            </a:r>
-            <a:r>
-              <a:rPr lang="en-US" sz="1200" dirty="0" err="1">
-                <a:latin typeface="Consolas" panose="020B0609020204030204" pitchFamily="49" charset="0"/>
-                <a:cs typeface="Consolas" panose="020B0609020204030204" pitchFamily="49" charset="0"/>
-              </a:rPr>
-              <a:t>std</a:t>
-            </a:r>
-            <a:r>
-              <a:rPr lang="en-US" sz="1200" dirty="0">
-                <a:latin typeface="Consolas" panose="020B0609020204030204" pitchFamily="49" charset="0"/>
-                <a:cs typeface="Consolas" panose="020B0609020204030204" pitchFamily="49" charset="0"/>
-              </a:rPr>
-              <a:t>::string </a:t>
-            </a:r>
-            <a:r>
-              <a:rPr lang="en-US" sz="1200" dirty="0" err="1">
-                <a:latin typeface="Consolas" panose="020B0609020204030204" pitchFamily="49" charset="0"/>
-                <a:cs typeface="Consolas" panose="020B0609020204030204" pitchFamily="49" charset="0"/>
-              </a:rPr>
-              <a:t>NumToString</a:t>
-            </a:r>
-            <a:r>
-              <a:rPr lang="en-US" sz="1200" dirty="0">
-                <a:latin typeface="Consolas" panose="020B0609020204030204" pitchFamily="49" charset="0"/>
-                <a:cs typeface="Consolas" panose="020B0609020204030204" pitchFamily="49" charset="0"/>
-              </a:rPr>
-              <a:t>(T t</a:t>
-            </a:r>
-            <a:r>
-              <a:rPr lang="en-US" sz="1200" dirty="0" smtClean="0">
-                <a:latin typeface="Consolas" panose="020B0609020204030204" pitchFamily="49" charset="0"/>
-                <a:cs typeface="Consolas" panose="020B0609020204030204" pitchFamily="49" charset="0"/>
-              </a:rPr>
-              <a:t>)</a:t>
-            </a:r>
-          </a:p>
-          <a:p>
-            <a:pPr marL="0" indent="0">
-              <a:buNone/>
-            </a:pPr>
-            <a:r>
-              <a:rPr lang="en-US" sz="1200" dirty="0">
-                <a:latin typeface="Consolas" panose="020B0609020204030204" pitchFamily="49" charset="0"/>
-                <a:cs typeface="Consolas" panose="020B0609020204030204" pitchFamily="49" charset="0"/>
-              </a:rPr>
-              <a:t> </a:t>
-            </a:r>
-            <a:r>
-              <a:rPr lang="en-US" sz="1200" dirty="0" smtClean="0">
-                <a:latin typeface="Consolas" panose="020B0609020204030204" pitchFamily="49" charset="0"/>
-                <a:cs typeface="Consolas" panose="020B0609020204030204" pitchFamily="49" charset="0"/>
-              </a:rPr>
-              <a:t>  {</a:t>
-            </a:r>
-            <a:endParaRPr lang="en-US" sz="1200" dirty="0">
+              <a:rPr lang="en-US" sz="1400" dirty="0">
+                <a:latin typeface="Consolas" panose="020B0609020204030204" pitchFamily="49" charset="0"/>
+                <a:cs typeface="Consolas" panose="020B0609020204030204" pitchFamily="49" charset="0"/>
+              </a:rPr>
+              <a:t>main</a:t>
+            </a:r>
+            <a:r>
+              <a:rPr lang="en-US" sz="1400" dirty="0" smtClean="0">
+                <a:latin typeface="Consolas" panose="020B0609020204030204" pitchFamily="49" charset="0"/>
+                <a:cs typeface="Consolas" panose="020B0609020204030204" pitchFamily="49" charset="0"/>
+              </a:rPr>
+              <a:t>() {</a:t>
+            </a:r>
+            <a:endParaRPr lang="en-US" sz="1400" dirty="0">
               <a:latin typeface="Consolas" panose="020B0609020204030204" pitchFamily="49" charset="0"/>
               <a:cs typeface="Consolas" panose="020B0609020204030204" pitchFamily="49" charset="0"/>
             </a:endParaRPr>
           </a:p>
           <a:p>
-            <a:pPr marL="0" indent="0">
-              <a:buNone/>
-            </a:pPr>
-            <a:r>
-              <a:rPr lang="en-US" sz="1200" b="1" dirty="0" smtClean="0">
-                <a:latin typeface="Consolas" panose="020B0609020204030204" pitchFamily="49" charset="0"/>
-                <a:cs typeface="Consolas" panose="020B0609020204030204" pitchFamily="49" charset="0"/>
-              </a:rPr>
-              <a:t>        </a:t>
-            </a:r>
-            <a:r>
-              <a:rPr lang="en-US" sz="1200" b="1" dirty="0">
-                <a:latin typeface="Consolas" panose="020B0609020204030204" pitchFamily="49" charset="0"/>
-                <a:cs typeface="Consolas" panose="020B0609020204030204" pitchFamily="49" charset="0"/>
-              </a:rPr>
-              <a:t>// </a:t>
-            </a:r>
-            <a:r>
-              <a:rPr lang="en-US" sz="1200" b="1" dirty="0" err="1">
+            <a:pPr marL="800100" lvl="2" indent="0">
+              <a:buNone/>
+            </a:pPr>
+            <a:r>
+              <a:rPr lang="en-US" sz="1400" dirty="0">
+                <a:latin typeface="Consolas" panose="020B0609020204030204" pitchFamily="49" charset="0"/>
+                <a:cs typeface="Consolas" panose="020B0609020204030204" pitchFamily="49" charset="0"/>
+              </a:rPr>
+              <a:t>    double f = 23.43;</a:t>
+            </a:r>
+          </a:p>
+          <a:p>
+            <a:pPr marL="800100" lvl="2" indent="0">
+              <a:buNone/>
+            </a:pPr>
+            <a:r>
+              <a:rPr lang="en-US" sz="1400" dirty="0">
+                <a:latin typeface="Consolas" panose="020B0609020204030204" pitchFamily="49" charset="0"/>
+                <a:cs typeface="Consolas" panose="020B0609020204030204" pitchFamily="49" charset="0"/>
+              </a:rPr>
+              <a:t>    </a:t>
+            </a:r>
+            <a:r>
+              <a:rPr lang="en-US" sz="1400" dirty="0" err="1">
+                <a:latin typeface="Consolas" panose="020B0609020204030204" pitchFamily="49" charset="0"/>
+                <a:cs typeface="Consolas" panose="020B0609020204030204" pitchFamily="49" charset="0"/>
+              </a:rPr>
+              <a:t>std</a:t>
+            </a:r>
+            <a:r>
+              <a:rPr lang="en-US" sz="1400" dirty="0">
+                <a:latin typeface="Consolas" panose="020B0609020204030204" pitchFamily="49" charset="0"/>
+                <a:cs typeface="Consolas" panose="020B0609020204030204" pitchFamily="49" charset="0"/>
+              </a:rPr>
+              <a:t>::string </a:t>
+            </a:r>
+            <a:r>
+              <a:rPr lang="en-US" sz="1400" dirty="0" err="1">
+                <a:latin typeface="Consolas" panose="020B0609020204030204" pitchFamily="49" charset="0"/>
+                <a:cs typeface="Consolas" panose="020B0609020204030204" pitchFamily="49" charset="0"/>
+              </a:rPr>
+              <a:t>f_str</a:t>
+            </a:r>
+            <a:r>
+              <a:rPr lang="en-US" sz="1400" dirty="0">
+                <a:latin typeface="Consolas" panose="020B0609020204030204" pitchFamily="49" charset="0"/>
+                <a:cs typeface="Consolas" panose="020B0609020204030204" pitchFamily="49" charset="0"/>
+              </a:rPr>
+              <a:t> = </a:t>
+            </a:r>
+            <a:r>
+              <a:rPr lang="en-US" sz="1400" dirty="0" err="1">
+                <a:latin typeface="Consolas" panose="020B0609020204030204" pitchFamily="49" charset="0"/>
+                <a:cs typeface="Consolas" panose="020B0609020204030204" pitchFamily="49" charset="0"/>
+              </a:rPr>
+              <a:t>std</a:t>
+            </a:r>
+            <a:r>
+              <a:rPr lang="en-US" sz="1400" dirty="0">
+                <a:latin typeface="Consolas" panose="020B0609020204030204" pitchFamily="49" charset="0"/>
+                <a:cs typeface="Consolas" panose="020B0609020204030204" pitchFamily="49" charset="0"/>
+              </a:rPr>
+              <a:t>::</a:t>
+            </a:r>
+            <a:r>
+              <a:rPr lang="en-US" sz="1400" dirty="0" err="1">
                 <a:latin typeface="Consolas" panose="020B0609020204030204" pitchFamily="49" charset="0"/>
                 <a:cs typeface="Consolas" panose="020B0609020204030204" pitchFamily="49" charset="0"/>
               </a:rPr>
               <a:t>to_string</a:t>
             </a:r>
             <a:r>
-              <a:rPr lang="en-US" sz="1200" b="1" dirty="0">
-                <a:latin typeface="Consolas" panose="020B0609020204030204" pitchFamily="49" charset="0"/>
-                <a:cs typeface="Consolas" panose="020B0609020204030204" pitchFamily="49" charset="0"/>
-              </a:rPr>
-              <a:t>() prints different numbers of digits for floats depending on</a:t>
-            </a:r>
-          </a:p>
-          <a:p>
-            <a:pPr marL="0" indent="0">
-              <a:buNone/>
-            </a:pPr>
-            <a:r>
-              <a:rPr lang="en-US" sz="1200" b="1" dirty="0" smtClean="0">
-                <a:latin typeface="Consolas" panose="020B0609020204030204" pitchFamily="49" charset="0"/>
-                <a:cs typeface="Consolas" panose="020B0609020204030204" pitchFamily="49" charset="0"/>
-              </a:rPr>
-              <a:t>        </a:t>
-            </a:r>
-            <a:r>
-              <a:rPr lang="en-US" sz="1200" b="1" dirty="0">
-                <a:latin typeface="Consolas" panose="020B0609020204030204" pitchFamily="49" charset="0"/>
-                <a:cs typeface="Consolas" panose="020B0609020204030204" pitchFamily="49" charset="0"/>
-              </a:rPr>
-              <a:t>// platform and isn't available on Android, so we use </a:t>
-            </a:r>
-            <a:r>
-              <a:rPr lang="en-US" sz="1200" b="1" dirty="0" err="1">
-                <a:latin typeface="Consolas" panose="020B0609020204030204" pitchFamily="49" charset="0"/>
-                <a:cs typeface="Consolas" panose="020B0609020204030204" pitchFamily="49" charset="0"/>
-              </a:rPr>
-              <a:t>stringstream</a:t>
-            </a:r>
-            <a:endParaRPr lang="en-US" sz="1200" b="1" dirty="0">
+              <a:rPr lang="en-US" sz="1400" dirty="0">
+                <a:latin typeface="Consolas" panose="020B0609020204030204" pitchFamily="49" charset="0"/>
+                <a:cs typeface="Consolas" panose="020B0609020204030204" pitchFamily="49" charset="0"/>
+              </a:rPr>
+              <a:t>(f);</a:t>
+            </a:r>
+          </a:p>
+          <a:p>
+            <a:pPr marL="800100" lvl="2" indent="0">
+              <a:buNone/>
+            </a:pPr>
+            <a:r>
+              <a:rPr lang="en-US" sz="1400" dirty="0">
+                <a:latin typeface="Consolas" panose="020B0609020204030204" pitchFamily="49" charset="0"/>
+                <a:cs typeface="Consolas" panose="020B0609020204030204" pitchFamily="49" charset="0"/>
+              </a:rPr>
+              <a:t>    </a:t>
+            </a:r>
+            <a:r>
+              <a:rPr lang="en-US" sz="1400" dirty="0" err="1">
+                <a:latin typeface="Consolas" panose="020B0609020204030204" pitchFamily="49" charset="0"/>
+                <a:cs typeface="Consolas" panose="020B0609020204030204" pitchFamily="49" charset="0"/>
+              </a:rPr>
+              <a:t>std</a:t>
+            </a:r>
+            <a:r>
+              <a:rPr lang="en-US" sz="1400" dirty="0">
+                <a:latin typeface="Consolas" panose="020B0609020204030204" pitchFamily="49" charset="0"/>
+                <a:cs typeface="Consolas" panose="020B0609020204030204" pitchFamily="49" charset="0"/>
+              </a:rPr>
+              <a:t>::</a:t>
+            </a:r>
+            <a:r>
+              <a:rPr lang="en-US" sz="1400" dirty="0" err="1">
+                <a:latin typeface="Consolas" panose="020B0609020204030204" pitchFamily="49" charset="0"/>
+                <a:cs typeface="Consolas" panose="020B0609020204030204" pitchFamily="49" charset="0"/>
+              </a:rPr>
+              <a:t>cout</a:t>
+            </a:r>
+            <a:r>
+              <a:rPr lang="en-US" sz="1400" dirty="0">
+                <a:latin typeface="Consolas" panose="020B0609020204030204" pitchFamily="49" charset="0"/>
+                <a:cs typeface="Consolas" panose="020B0609020204030204" pitchFamily="49" charset="0"/>
+              </a:rPr>
+              <a:t> &lt;&lt; </a:t>
+            </a:r>
+            <a:r>
+              <a:rPr lang="en-US" sz="1400" dirty="0" err="1">
+                <a:latin typeface="Consolas" panose="020B0609020204030204" pitchFamily="49" charset="0"/>
+                <a:cs typeface="Consolas" panose="020B0609020204030204" pitchFamily="49" charset="0"/>
+              </a:rPr>
+              <a:t>f_str</a:t>
+            </a:r>
+            <a:r>
+              <a:rPr lang="en-US" sz="1400" dirty="0">
+                <a:latin typeface="Consolas" panose="020B0609020204030204" pitchFamily="49" charset="0"/>
+                <a:cs typeface="Consolas" panose="020B0609020204030204" pitchFamily="49" charset="0"/>
+              </a:rPr>
+              <a:t> &lt;&lt; </a:t>
+            </a:r>
+            <a:r>
+              <a:rPr lang="en-US" sz="1400" dirty="0" err="1" smtClean="0">
+                <a:latin typeface="Consolas" panose="020B0609020204030204" pitchFamily="49" charset="0"/>
+                <a:cs typeface="Consolas" panose="020B0609020204030204" pitchFamily="49" charset="0"/>
+              </a:rPr>
+              <a:t>std</a:t>
+            </a:r>
+            <a:r>
+              <a:rPr lang="en-US" sz="1400" dirty="0" smtClean="0">
+                <a:latin typeface="Consolas" panose="020B0609020204030204" pitchFamily="49" charset="0"/>
+                <a:cs typeface="Consolas" panose="020B0609020204030204" pitchFamily="49" charset="0"/>
+              </a:rPr>
+              <a:t>::</a:t>
+            </a:r>
+            <a:r>
+              <a:rPr lang="en-US" sz="1400" dirty="0" err="1" smtClean="0">
+                <a:latin typeface="Consolas" panose="020B0609020204030204" pitchFamily="49" charset="0"/>
+                <a:cs typeface="Consolas" panose="020B0609020204030204" pitchFamily="49" charset="0"/>
+              </a:rPr>
+              <a:t>endl</a:t>
+            </a:r>
+            <a:r>
+              <a:rPr lang="en-US" sz="1400" dirty="0" smtClean="0">
+                <a:latin typeface="Consolas" panose="020B0609020204030204" pitchFamily="49" charset="0"/>
+                <a:cs typeface="Consolas" panose="020B0609020204030204" pitchFamily="49" charset="0"/>
+              </a:rPr>
+              <a:t>;</a:t>
+            </a:r>
+            <a:endParaRPr lang="en-US" sz="1400" dirty="0">
               <a:latin typeface="Consolas" panose="020B0609020204030204" pitchFamily="49" charset="0"/>
               <a:cs typeface="Consolas" panose="020B0609020204030204" pitchFamily="49" charset="0"/>
             </a:endParaRPr>
           </a:p>
           <a:p>
-            <a:pPr marL="0" indent="0">
-              <a:buNone/>
-            </a:pPr>
-            <a:r>
-              <a:rPr lang="en-US" sz="1200" dirty="0" smtClean="0">
-                <a:latin typeface="Consolas" panose="020B0609020204030204" pitchFamily="49" charset="0"/>
-                <a:cs typeface="Consolas" panose="020B0609020204030204" pitchFamily="49" charset="0"/>
-              </a:rPr>
-              <a:t>        </a:t>
-            </a:r>
-            <a:r>
-              <a:rPr lang="en-US" sz="1200" dirty="0" err="1">
-                <a:latin typeface="Consolas" panose="020B0609020204030204" pitchFamily="49" charset="0"/>
-                <a:cs typeface="Consolas" panose="020B0609020204030204" pitchFamily="49" charset="0"/>
-              </a:rPr>
-              <a:t>std</a:t>
-            </a:r>
-            <a:r>
-              <a:rPr lang="en-US" sz="1200" dirty="0">
-                <a:latin typeface="Consolas" panose="020B0609020204030204" pitchFamily="49" charset="0"/>
-                <a:cs typeface="Consolas" panose="020B0609020204030204" pitchFamily="49" charset="0"/>
-              </a:rPr>
-              <a:t>::</a:t>
-            </a:r>
-            <a:r>
-              <a:rPr lang="en-US" sz="1200" dirty="0" err="1">
-                <a:latin typeface="Consolas" panose="020B0609020204030204" pitchFamily="49" charset="0"/>
-                <a:cs typeface="Consolas" panose="020B0609020204030204" pitchFamily="49" charset="0"/>
-              </a:rPr>
-              <a:t>stringstream</a:t>
-            </a:r>
-            <a:r>
-              <a:rPr lang="en-US" sz="1200" dirty="0">
-                <a:latin typeface="Consolas" panose="020B0609020204030204" pitchFamily="49" charset="0"/>
-                <a:cs typeface="Consolas" panose="020B0609020204030204" pitchFamily="49" charset="0"/>
-              </a:rPr>
-              <a:t> </a:t>
-            </a:r>
-            <a:r>
-              <a:rPr lang="en-US" sz="1200" dirty="0" err="1">
-                <a:latin typeface="Consolas" panose="020B0609020204030204" pitchFamily="49" charset="0"/>
-                <a:cs typeface="Consolas" panose="020B0609020204030204" pitchFamily="49" charset="0"/>
-              </a:rPr>
-              <a:t>ss</a:t>
-            </a:r>
-            <a:r>
-              <a:rPr lang="en-US" sz="1200" dirty="0">
-                <a:latin typeface="Consolas" panose="020B0609020204030204" pitchFamily="49" charset="0"/>
-                <a:cs typeface="Consolas" panose="020B0609020204030204" pitchFamily="49" charset="0"/>
-              </a:rPr>
-              <a:t>;</a:t>
-            </a:r>
-          </a:p>
-          <a:p>
-            <a:pPr marL="0" indent="0">
-              <a:buNone/>
-            </a:pPr>
-            <a:r>
-              <a:rPr lang="en-US" sz="1200" dirty="0" smtClean="0">
-                <a:latin typeface="Consolas" panose="020B0609020204030204" pitchFamily="49" charset="0"/>
-                <a:cs typeface="Consolas" panose="020B0609020204030204" pitchFamily="49" charset="0"/>
-              </a:rPr>
-              <a:t>        </a:t>
-            </a:r>
-            <a:r>
-              <a:rPr lang="en-US" sz="1200" dirty="0" err="1">
-                <a:latin typeface="Consolas" panose="020B0609020204030204" pitchFamily="49" charset="0"/>
-                <a:cs typeface="Consolas" panose="020B0609020204030204" pitchFamily="49" charset="0"/>
-              </a:rPr>
-              <a:t>ss</a:t>
-            </a:r>
-            <a:r>
-              <a:rPr lang="en-US" sz="1200" dirty="0">
-                <a:latin typeface="Consolas" panose="020B0609020204030204" pitchFamily="49" charset="0"/>
-                <a:cs typeface="Consolas" panose="020B0609020204030204" pitchFamily="49" charset="0"/>
-              </a:rPr>
-              <a:t> &lt;&lt; t;</a:t>
-            </a:r>
-          </a:p>
-          <a:p>
-            <a:pPr marL="0" indent="0">
-              <a:buNone/>
-            </a:pPr>
-            <a:r>
-              <a:rPr lang="en-US" sz="1200" dirty="0" smtClean="0">
-                <a:latin typeface="Consolas" panose="020B0609020204030204" pitchFamily="49" charset="0"/>
-                <a:cs typeface="Consolas" panose="020B0609020204030204" pitchFamily="49" charset="0"/>
-              </a:rPr>
-              <a:t>        </a:t>
-            </a:r>
-            <a:r>
-              <a:rPr lang="en-US" sz="1200" dirty="0">
-                <a:latin typeface="Consolas" panose="020B0609020204030204" pitchFamily="49" charset="0"/>
-                <a:cs typeface="Consolas" panose="020B0609020204030204" pitchFamily="49" charset="0"/>
-              </a:rPr>
-              <a:t>return </a:t>
-            </a:r>
-            <a:r>
-              <a:rPr lang="en-US" sz="1200" dirty="0" err="1">
-                <a:latin typeface="Consolas" panose="020B0609020204030204" pitchFamily="49" charset="0"/>
-                <a:cs typeface="Consolas" panose="020B0609020204030204" pitchFamily="49" charset="0"/>
-              </a:rPr>
-              <a:t>ss.str</a:t>
-            </a:r>
-            <a:r>
-              <a:rPr lang="en-US" sz="1200" dirty="0">
-                <a:latin typeface="Consolas" panose="020B0609020204030204" pitchFamily="49" charset="0"/>
-                <a:cs typeface="Consolas" panose="020B0609020204030204" pitchFamily="49" charset="0"/>
-              </a:rPr>
-              <a:t>();</a:t>
-            </a:r>
-          </a:p>
-          <a:p>
-            <a:pPr marL="0" indent="0">
-              <a:buNone/>
-            </a:pPr>
-            <a:r>
-              <a:rPr lang="en-US" sz="1200" dirty="0" smtClean="0">
-                <a:latin typeface="Consolas" panose="020B0609020204030204" pitchFamily="49" charset="0"/>
-                <a:cs typeface="Consolas" panose="020B0609020204030204" pitchFamily="49" charset="0"/>
-              </a:rPr>
-              <a:t>   }</a:t>
-            </a:r>
-            <a:endParaRPr lang="en-US" sz="1200" dirty="0">
+            <a:pPr marL="800100" lvl="2" indent="0">
+              <a:buNone/>
+            </a:pPr>
+            <a:r>
+              <a:rPr lang="en-US" sz="1400" dirty="0" smtClean="0">
+                <a:latin typeface="Consolas" panose="020B0609020204030204" pitchFamily="49" charset="0"/>
+                <a:cs typeface="Consolas" panose="020B0609020204030204" pitchFamily="49" charset="0"/>
+              </a:rPr>
+              <a:t>}</a:t>
+            </a:r>
+          </a:p>
+          <a:p>
+            <a:pPr marL="800100" lvl="2" indent="0">
+              <a:buNone/>
+            </a:pPr>
+            <a:endParaRPr lang="en-US" sz="1400" dirty="0" smtClean="0">
               <a:latin typeface="Consolas" panose="020B0609020204030204" pitchFamily="49" charset="0"/>
               <a:cs typeface="Consolas" panose="020B0609020204030204" pitchFamily="49" charset="0"/>
             </a:endParaRPr>
           </a:p>
           <a:p>
+            <a:pPr marL="800100" lvl="2" indent="0">
+              <a:buNone/>
+            </a:pPr>
+            <a:r>
+              <a:rPr lang="en-US" sz="1400" dirty="0" smtClean="0">
+                <a:latin typeface="Consolas" panose="020B0609020204030204" pitchFamily="49" charset="0"/>
+                <a:cs typeface="Consolas" panose="020B0609020204030204" pitchFamily="49" charset="0"/>
+              </a:rPr>
+              <a:t>output: </a:t>
+            </a:r>
+            <a:r>
+              <a:rPr lang="en-US" sz="1400" dirty="0" smtClean="0"/>
+              <a:t>23.430000</a:t>
+            </a:r>
+            <a:endParaRPr lang="en-US" sz="1400" dirty="0">
+              <a:latin typeface="Consolas" panose="020B0609020204030204" pitchFamily="49" charset="0"/>
+              <a:cs typeface="Consolas" panose="020B0609020204030204" pitchFamily="49" charset="0"/>
+            </a:endParaRPr>
+          </a:p>
+          <a:p>
+            <a:pPr marL="800100" lvl="2" indent="0">
+              <a:buNone/>
+            </a:pPr>
             <a:endParaRPr lang="en-US" sz="1400" dirty="0" smtClean="0"/>
           </a:p>
         </p:txBody>
@@ -7181,7 +6756,7 @@
     </p:spTree>
     <p:extLst>
       <p:ext uri="{BB962C8B-B14F-4D97-AF65-F5344CB8AC3E}">
-        <p14:creationId xmlns:p14="http://schemas.microsoft.com/office/powerpoint/2010/main" val="4177361218"/>
+        <p14:creationId xmlns:p14="http://schemas.microsoft.com/office/powerpoint/2010/main" val="146388363"/>
       </p:ext>
     </p:extLst>
   </p:cSld>
@@ -7231,6 +6806,525 @@
           <a:lstStyle/>
           <a:p>
             <a:r>
+              <a:rPr lang="en-US" dirty="0" err="1" smtClean="0">
+                <a:latin typeface="Consolas" panose="020B0609020204030204" pitchFamily="49" charset="0"/>
+                <a:cs typeface="Consolas" panose="020B0609020204030204" pitchFamily="49" charset="0"/>
+              </a:rPr>
+              <a:t>std</a:t>
+            </a:r>
+            <a:r>
+              <a:rPr lang="en-US" dirty="0" smtClean="0">
+                <a:latin typeface="Consolas" panose="020B0609020204030204" pitchFamily="49" charset="0"/>
+                <a:cs typeface="Consolas" panose="020B0609020204030204" pitchFamily="49" charset="0"/>
+              </a:rPr>
+              <a:t>::</a:t>
+            </a:r>
+            <a:r>
+              <a:rPr lang="en-US" dirty="0" err="1" smtClean="0">
+                <a:latin typeface="Consolas" panose="020B0609020204030204" pitchFamily="49" charset="0"/>
+                <a:cs typeface="Consolas" panose="020B0609020204030204" pitchFamily="49" charset="0"/>
+              </a:rPr>
+              <a:t>to_string</a:t>
+            </a:r>
+            <a:endParaRPr lang="en-US" dirty="0">
+              <a:latin typeface="Consolas" panose="020B0609020204030204" pitchFamily="49" charset="0"/>
+              <a:cs typeface="Consolas" panose="020B0609020204030204" pitchFamily="49" charset="0"/>
+            </a:endParaRPr>
+          </a:p>
+        </p:txBody>
+      </p:sp>
+      <p:sp>
+        <p:nvSpPr>
+          <p:cNvPr id="3" name="Content Placeholder 2"/>
+          <p:cNvSpPr>
+            <a:spLocks noGrp="1"/>
+          </p:cNvSpPr>
+          <p:nvPr>
+            <p:ph idx="1"/>
+          </p:nvPr>
+        </p:nvSpPr>
+        <p:spPr/>
+        <p:txBody>
+          <a:bodyPr>
+            <a:normAutofit/>
+          </a:bodyPr>
+          <a:lstStyle/>
+          <a:p>
+            <a:r>
+              <a:rPr lang="en-US" dirty="0" smtClean="0"/>
+              <a:t>Works with all sorts of numeric types</a:t>
+            </a:r>
+          </a:p>
+          <a:p>
+            <a:r>
+              <a:rPr lang="en-US" dirty="0" smtClean="0"/>
+              <a:t>Caveat (google </a:t>
+            </a:r>
+            <a:r>
+              <a:rPr lang="en-US" dirty="0" err="1" smtClean="0"/>
+              <a:t>FlatBuffers</a:t>
+            </a:r>
+            <a:r>
+              <a:rPr lang="en-US" dirty="0" smtClean="0"/>
+              <a:t>):</a:t>
+            </a:r>
+          </a:p>
+          <a:p>
+            <a:pPr marL="0" indent="0">
+              <a:buNone/>
+            </a:pPr>
+            <a:endParaRPr lang="en-US" sz="1200" dirty="0" smtClean="0">
+              <a:latin typeface="Consolas" panose="020B0609020204030204" pitchFamily="49" charset="0"/>
+              <a:cs typeface="Consolas" panose="020B0609020204030204" pitchFamily="49" charset="0"/>
+            </a:endParaRPr>
+          </a:p>
+          <a:p>
+            <a:pPr marL="0" indent="0">
+              <a:buNone/>
+            </a:pPr>
+            <a:r>
+              <a:rPr lang="en-US" sz="1200" dirty="0" smtClean="0">
+                <a:latin typeface="Consolas" panose="020B0609020204030204" pitchFamily="49" charset="0"/>
+                <a:cs typeface="Consolas" panose="020B0609020204030204" pitchFamily="49" charset="0"/>
+              </a:rPr>
+              <a:t>  namespace </a:t>
+            </a:r>
+            <a:r>
+              <a:rPr lang="en-US" sz="1200" dirty="0" err="1">
+                <a:latin typeface="Consolas" panose="020B0609020204030204" pitchFamily="49" charset="0"/>
+                <a:cs typeface="Consolas" panose="020B0609020204030204" pitchFamily="49" charset="0"/>
+              </a:rPr>
+              <a:t>flatbuffers</a:t>
+            </a:r>
+            <a:r>
+              <a:rPr lang="en-US" sz="1200" dirty="0">
+                <a:latin typeface="Consolas" panose="020B0609020204030204" pitchFamily="49" charset="0"/>
+                <a:cs typeface="Consolas" panose="020B0609020204030204" pitchFamily="49" charset="0"/>
+              </a:rPr>
+              <a:t> {</a:t>
+            </a:r>
+          </a:p>
+          <a:p>
+            <a:pPr marL="0" indent="0">
+              <a:buNone/>
+            </a:pPr>
+            <a:r>
+              <a:rPr lang="en-US" sz="1200" dirty="0" smtClean="0">
+                <a:latin typeface="Consolas" panose="020B0609020204030204" pitchFamily="49" charset="0"/>
+                <a:cs typeface="Consolas" panose="020B0609020204030204" pitchFamily="49" charset="0"/>
+              </a:rPr>
+              <a:t>    // </a:t>
+            </a:r>
+            <a:r>
+              <a:rPr lang="en-US" sz="1200" dirty="0">
+                <a:latin typeface="Consolas" panose="020B0609020204030204" pitchFamily="49" charset="0"/>
+                <a:cs typeface="Consolas" panose="020B0609020204030204" pitchFamily="49" charset="0"/>
+              </a:rPr>
+              <a:t>Convert an integer or floating point value to a string.</a:t>
+            </a:r>
+          </a:p>
+          <a:p>
+            <a:pPr marL="0" indent="0">
+              <a:buNone/>
+            </a:pPr>
+            <a:r>
+              <a:rPr lang="en-US" sz="1200" dirty="0" smtClean="0">
+                <a:latin typeface="Consolas" panose="020B0609020204030204" pitchFamily="49" charset="0"/>
+                <a:cs typeface="Consolas" panose="020B0609020204030204" pitchFamily="49" charset="0"/>
+              </a:rPr>
+              <a:t>    // </a:t>
+            </a:r>
+            <a:r>
+              <a:rPr lang="en-US" sz="1200" dirty="0">
+                <a:latin typeface="Consolas" panose="020B0609020204030204" pitchFamily="49" charset="0"/>
+                <a:cs typeface="Consolas" panose="020B0609020204030204" pitchFamily="49" charset="0"/>
+              </a:rPr>
+              <a:t>In contrast to </a:t>
+            </a:r>
+            <a:r>
+              <a:rPr lang="en-US" sz="1200" dirty="0" err="1">
+                <a:latin typeface="Consolas" panose="020B0609020204030204" pitchFamily="49" charset="0"/>
+                <a:cs typeface="Consolas" panose="020B0609020204030204" pitchFamily="49" charset="0"/>
+              </a:rPr>
+              <a:t>std</a:t>
+            </a:r>
+            <a:r>
+              <a:rPr lang="en-US" sz="1200" dirty="0">
+                <a:latin typeface="Consolas" panose="020B0609020204030204" pitchFamily="49" charset="0"/>
+                <a:cs typeface="Consolas" panose="020B0609020204030204" pitchFamily="49" charset="0"/>
+              </a:rPr>
+              <a:t>::</a:t>
+            </a:r>
+            <a:r>
+              <a:rPr lang="en-US" sz="1200" dirty="0" err="1">
+                <a:latin typeface="Consolas" panose="020B0609020204030204" pitchFamily="49" charset="0"/>
+                <a:cs typeface="Consolas" panose="020B0609020204030204" pitchFamily="49" charset="0"/>
+              </a:rPr>
+              <a:t>stringstream</a:t>
+            </a:r>
+            <a:r>
+              <a:rPr lang="en-US" sz="1200" dirty="0">
+                <a:latin typeface="Consolas" panose="020B0609020204030204" pitchFamily="49" charset="0"/>
+                <a:cs typeface="Consolas" panose="020B0609020204030204" pitchFamily="49" charset="0"/>
+              </a:rPr>
+              <a:t>, "char" values </a:t>
+            </a:r>
+            <a:r>
+              <a:rPr lang="en-US" sz="1200" dirty="0" smtClean="0">
+                <a:latin typeface="Consolas" panose="020B0609020204030204" pitchFamily="49" charset="0"/>
+                <a:cs typeface="Consolas" panose="020B0609020204030204" pitchFamily="49" charset="0"/>
+              </a:rPr>
+              <a:t>are converted </a:t>
+            </a:r>
+            <a:r>
+              <a:rPr lang="en-US" sz="1200" dirty="0">
+                <a:latin typeface="Consolas" panose="020B0609020204030204" pitchFamily="49" charset="0"/>
+                <a:cs typeface="Consolas" panose="020B0609020204030204" pitchFamily="49" charset="0"/>
+              </a:rPr>
+              <a:t>to a string of digits.</a:t>
+            </a:r>
+          </a:p>
+          <a:p>
+            <a:pPr marL="0" indent="0">
+              <a:buNone/>
+            </a:pPr>
+            <a:r>
+              <a:rPr lang="en-US" sz="1200" dirty="0" smtClean="0">
+                <a:latin typeface="Consolas" panose="020B0609020204030204" pitchFamily="49" charset="0"/>
+                <a:cs typeface="Consolas" panose="020B0609020204030204" pitchFamily="49" charset="0"/>
+              </a:rPr>
+              <a:t>    template&lt;</a:t>
+            </a:r>
+            <a:r>
+              <a:rPr lang="en-US" sz="1200" dirty="0" err="1" smtClean="0">
+                <a:latin typeface="Consolas" panose="020B0609020204030204" pitchFamily="49" charset="0"/>
+                <a:cs typeface="Consolas" panose="020B0609020204030204" pitchFamily="49" charset="0"/>
+              </a:rPr>
+              <a:t>typename</a:t>
+            </a:r>
+            <a:r>
+              <a:rPr lang="en-US" sz="1200" dirty="0" smtClean="0">
+                <a:latin typeface="Consolas" panose="020B0609020204030204" pitchFamily="49" charset="0"/>
+                <a:cs typeface="Consolas" panose="020B0609020204030204" pitchFamily="49" charset="0"/>
+              </a:rPr>
+              <a:t> </a:t>
+            </a:r>
+            <a:r>
+              <a:rPr lang="en-US" sz="1200" dirty="0">
+                <a:latin typeface="Consolas" panose="020B0609020204030204" pitchFamily="49" charset="0"/>
+                <a:cs typeface="Consolas" panose="020B0609020204030204" pitchFamily="49" charset="0"/>
+              </a:rPr>
+              <a:t>T&gt; </a:t>
+            </a:r>
+            <a:r>
+              <a:rPr lang="en-US" sz="1200" dirty="0" err="1">
+                <a:latin typeface="Consolas" panose="020B0609020204030204" pitchFamily="49" charset="0"/>
+                <a:cs typeface="Consolas" panose="020B0609020204030204" pitchFamily="49" charset="0"/>
+              </a:rPr>
+              <a:t>std</a:t>
+            </a:r>
+            <a:r>
+              <a:rPr lang="en-US" sz="1200" dirty="0">
+                <a:latin typeface="Consolas" panose="020B0609020204030204" pitchFamily="49" charset="0"/>
+                <a:cs typeface="Consolas" panose="020B0609020204030204" pitchFamily="49" charset="0"/>
+              </a:rPr>
+              <a:t>::string </a:t>
+            </a:r>
+            <a:r>
+              <a:rPr lang="en-US" sz="1200" dirty="0" err="1">
+                <a:latin typeface="Consolas" panose="020B0609020204030204" pitchFamily="49" charset="0"/>
+                <a:cs typeface="Consolas" panose="020B0609020204030204" pitchFamily="49" charset="0"/>
+              </a:rPr>
+              <a:t>NumToString</a:t>
+            </a:r>
+            <a:r>
+              <a:rPr lang="en-US" sz="1200" dirty="0">
+                <a:latin typeface="Consolas" panose="020B0609020204030204" pitchFamily="49" charset="0"/>
+                <a:cs typeface="Consolas" panose="020B0609020204030204" pitchFamily="49" charset="0"/>
+              </a:rPr>
+              <a:t>(T t</a:t>
+            </a:r>
+            <a:r>
+              <a:rPr lang="en-US" sz="1200" dirty="0" smtClean="0">
+                <a:latin typeface="Consolas" panose="020B0609020204030204" pitchFamily="49" charset="0"/>
+                <a:cs typeface="Consolas" panose="020B0609020204030204" pitchFamily="49" charset="0"/>
+              </a:rPr>
+              <a:t>)</a:t>
+            </a:r>
+          </a:p>
+          <a:p>
+            <a:pPr marL="0" indent="0">
+              <a:buNone/>
+            </a:pPr>
+            <a:r>
+              <a:rPr lang="en-US" sz="1200" dirty="0">
+                <a:latin typeface="Consolas" panose="020B0609020204030204" pitchFamily="49" charset="0"/>
+                <a:cs typeface="Consolas" panose="020B0609020204030204" pitchFamily="49" charset="0"/>
+              </a:rPr>
+              <a:t> </a:t>
+            </a:r>
+            <a:r>
+              <a:rPr lang="en-US" sz="1200" dirty="0" smtClean="0">
+                <a:latin typeface="Consolas" panose="020B0609020204030204" pitchFamily="49" charset="0"/>
+                <a:cs typeface="Consolas" panose="020B0609020204030204" pitchFamily="49" charset="0"/>
+              </a:rPr>
+              <a:t>  {</a:t>
+            </a:r>
+            <a:endParaRPr lang="en-US" sz="1200" dirty="0">
+              <a:latin typeface="Consolas" panose="020B0609020204030204" pitchFamily="49" charset="0"/>
+              <a:cs typeface="Consolas" panose="020B0609020204030204" pitchFamily="49" charset="0"/>
+            </a:endParaRPr>
+          </a:p>
+          <a:p>
+            <a:pPr marL="0" indent="0">
+              <a:buNone/>
+            </a:pPr>
+            <a:r>
+              <a:rPr lang="en-US" sz="1200" b="1" dirty="0" smtClean="0">
+                <a:latin typeface="Consolas" panose="020B0609020204030204" pitchFamily="49" charset="0"/>
+                <a:cs typeface="Consolas" panose="020B0609020204030204" pitchFamily="49" charset="0"/>
+              </a:rPr>
+              <a:t>        </a:t>
+            </a:r>
+            <a:r>
+              <a:rPr lang="en-US" sz="1200" b="1" dirty="0">
+                <a:latin typeface="Consolas" panose="020B0609020204030204" pitchFamily="49" charset="0"/>
+                <a:cs typeface="Consolas" panose="020B0609020204030204" pitchFamily="49" charset="0"/>
+              </a:rPr>
+              <a:t>// </a:t>
+            </a:r>
+            <a:r>
+              <a:rPr lang="en-US" sz="1200" b="1" dirty="0" err="1">
+                <a:latin typeface="Consolas" panose="020B0609020204030204" pitchFamily="49" charset="0"/>
+                <a:cs typeface="Consolas" panose="020B0609020204030204" pitchFamily="49" charset="0"/>
+              </a:rPr>
+              <a:t>to_string</a:t>
+            </a:r>
+            <a:r>
+              <a:rPr lang="en-US" sz="1200" b="1" dirty="0">
+                <a:latin typeface="Consolas" panose="020B0609020204030204" pitchFamily="49" charset="0"/>
+                <a:cs typeface="Consolas" panose="020B0609020204030204" pitchFamily="49" charset="0"/>
+              </a:rPr>
+              <a:t>() prints different numbers of digits for floats depending on</a:t>
+            </a:r>
+          </a:p>
+          <a:p>
+            <a:pPr marL="0" indent="0">
+              <a:buNone/>
+            </a:pPr>
+            <a:r>
+              <a:rPr lang="en-US" sz="1200" b="1" dirty="0" smtClean="0">
+                <a:latin typeface="Consolas" panose="020B0609020204030204" pitchFamily="49" charset="0"/>
+                <a:cs typeface="Consolas" panose="020B0609020204030204" pitchFamily="49" charset="0"/>
+              </a:rPr>
+              <a:t>        </a:t>
+            </a:r>
+            <a:r>
+              <a:rPr lang="en-US" sz="1200" b="1" dirty="0">
+                <a:latin typeface="Consolas" panose="020B0609020204030204" pitchFamily="49" charset="0"/>
+                <a:cs typeface="Consolas" panose="020B0609020204030204" pitchFamily="49" charset="0"/>
+              </a:rPr>
+              <a:t>// platform and isn't available on Android, so we use </a:t>
+            </a:r>
+            <a:r>
+              <a:rPr lang="en-US" sz="1200" b="1" dirty="0" err="1">
+                <a:latin typeface="Consolas" panose="020B0609020204030204" pitchFamily="49" charset="0"/>
+                <a:cs typeface="Consolas" panose="020B0609020204030204" pitchFamily="49" charset="0"/>
+              </a:rPr>
+              <a:t>stringstream</a:t>
+            </a:r>
+            <a:endParaRPr lang="en-US" sz="1200" b="1" dirty="0">
+              <a:latin typeface="Consolas" panose="020B0609020204030204" pitchFamily="49" charset="0"/>
+              <a:cs typeface="Consolas" panose="020B0609020204030204" pitchFamily="49" charset="0"/>
+            </a:endParaRPr>
+          </a:p>
+          <a:p>
+            <a:pPr marL="0" indent="0">
+              <a:buNone/>
+            </a:pPr>
+            <a:r>
+              <a:rPr lang="en-US" sz="1200" dirty="0" smtClean="0">
+                <a:latin typeface="Consolas" panose="020B0609020204030204" pitchFamily="49" charset="0"/>
+                <a:cs typeface="Consolas" panose="020B0609020204030204" pitchFamily="49" charset="0"/>
+              </a:rPr>
+              <a:t>        </a:t>
+            </a:r>
+            <a:r>
+              <a:rPr lang="en-US" sz="1200" dirty="0" err="1">
+                <a:latin typeface="Consolas" panose="020B0609020204030204" pitchFamily="49" charset="0"/>
+                <a:cs typeface="Consolas" panose="020B0609020204030204" pitchFamily="49" charset="0"/>
+              </a:rPr>
+              <a:t>std</a:t>
+            </a:r>
+            <a:r>
+              <a:rPr lang="en-US" sz="1200" dirty="0">
+                <a:latin typeface="Consolas" panose="020B0609020204030204" pitchFamily="49" charset="0"/>
+                <a:cs typeface="Consolas" panose="020B0609020204030204" pitchFamily="49" charset="0"/>
+              </a:rPr>
+              <a:t>::</a:t>
+            </a:r>
+            <a:r>
+              <a:rPr lang="en-US" sz="1200" dirty="0" err="1">
+                <a:latin typeface="Consolas" panose="020B0609020204030204" pitchFamily="49" charset="0"/>
+                <a:cs typeface="Consolas" panose="020B0609020204030204" pitchFamily="49" charset="0"/>
+              </a:rPr>
+              <a:t>stringstream</a:t>
+            </a:r>
+            <a:r>
+              <a:rPr lang="en-US" sz="1200" dirty="0">
+                <a:latin typeface="Consolas" panose="020B0609020204030204" pitchFamily="49" charset="0"/>
+                <a:cs typeface="Consolas" panose="020B0609020204030204" pitchFamily="49" charset="0"/>
+              </a:rPr>
+              <a:t> </a:t>
+            </a:r>
+            <a:r>
+              <a:rPr lang="en-US" sz="1200" dirty="0" err="1">
+                <a:latin typeface="Consolas" panose="020B0609020204030204" pitchFamily="49" charset="0"/>
+                <a:cs typeface="Consolas" panose="020B0609020204030204" pitchFamily="49" charset="0"/>
+              </a:rPr>
+              <a:t>ss</a:t>
+            </a:r>
+            <a:r>
+              <a:rPr lang="en-US" sz="1200" dirty="0">
+                <a:latin typeface="Consolas" panose="020B0609020204030204" pitchFamily="49" charset="0"/>
+                <a:cs typeface="Consolas" panose="020B0609020204030204" pitchFamily="49" charset="0"/>
+              </a:rPr>
+              <a:t>;</a:t>
+            </a:r>
+          </a:p>
+          <a:p>
+            <a:pPr marL="0" indent="0">
+              <a:buNone/>
+            </a:pPr>
+            <a:r>
+              <a:rPr lang="en-US" sz="1200" dirty="0" smtClean="0">
+                <a:latin typeface="Consolas" panose="020B0609020204030204" pitchFamily="49" charset="0"/>
+                <a:cs typeface="Consolas" panose="020B0609020204030204" pitchFamily="49" charset="0"/>
+              </a:rPr>
+              <a:t>        </a:t>
+            </a:r>
+            <a:r>
+              <a:rPr lang="en-US" sz="1200" dirty="0" err="1">
+                <a:latin typeface="Consolas" panose="020B0609020204030204" pitchFamily="49" charset="0"/>
+                <a:cs typeface="Consolas" panose="020B0609020204030204" pitchFamily="49" charset="0"/>
+              </a:rPr>
+              <a:t>ss</a:t>
+            </a:r>
+            <a:r>
+              <a:rPr lang="en-US" sz="1200" dirty="0">
+                <a:latin typeface="Consolas" panose="020B0609020204030204" pitchFamily="49" charset="0"/>
+                <a:cs typeface="Consolas" panose="020B0609020204030204" pitchFamily="49" charset="0"/>
+              </a:rPr>
+              <a:t> &lt;&lt; t;</a:t>
+            </a:r>
+          </a:p>
+          <a:p>
+            <a:pPr marL="0" indent="0">
+              <a:buNone/>
+            </a:pPr>
+            <a:r>
+              <a:rPr lang="en-US" sz="1200" dirty="0" smtClean="0">
+                <a:latin typeface="Consolas" panose="020B0609020204030204" pitchFamily="49" charset="0"/>
+                <a:cs typeface="Consolas" panose="020B0609020204030204" pitchFamily="49" charset="0"/>
+              </a:rPr>
+              <a:t>        </a:t>
+            </a:r>
+            <a:r>
+              <a:rPr lang="en-US" sz="1200" dirty="0">
+                <a:latin typeface="Consolas" panose="020B0609020204030204" pitchFamily="49" charset="0"/>
+                <a:cs typeface="Consolas" panose="020B0609020204030204" pitchFamily="49" charset="0"/>
+              </a:rPr>
+              <a:t>return </a:t>
+            </a:r>
+            <a:r>
+              <a:rPr lang="en-US" sz="1200" dirty="0" err="1">
+                <a:latin typeface="Consolas" panose="020B0609020204030204" pitchFamily="49" charset="0"/>
+                <a:cs typeface="Consolas" panose="020B0609020204030204" pitchFamily="49" charset="0"/>
+              </a:rPr>
+              <a:t>ss.str</a:t>
+            </a:r>
+            <a:r>
+              <a:rPr lang="en-US" sz="1200" dirty="0">
+                <a:latin typeface="Consolas" panose="020B0609020204030204" pitchFamily="49" charset="0"/>
+                <a:cs typeface="Consolas" panose="020B0609020204030204" pitchFamily="49" charset="0"/>
+              </a:rPr>
+              <a:t>();</a:t>
+            </a:r>
+          </a:p>
+          <a:p>
+            <a:pPr marL="0" indent="0">
+              <a:buNone/>
+            </a:pPr>
+            <a:r>
+              <a:rPr lang="en-US" sz="1200" dirty="0" smtClean="0">
+                <a:latin typeface="Consolas" panose="020B0609020204030204" pitchFamily="49" charset="0"/>
+                <a:cs typeface="Consolas" panose="020B0609020204030204" pitchFamily="49" charset="0"/>
+              </a:rPr>
+              <a:t>   }</a:t>
+            </a:r>
+            <a:endParaRPr lang="en-US" sz="1200" dirty="0">
+              <a:latin typeface="Consolas" panose="020B0609020204030204" pitchFamily="49" charset="0"/>
+              <a:cs typeface="Consolas" panose="020B0609020204030204" pitchFamily="49" charset="0"/>
+            </a:endParaRPr>
+          </a:p>
+          <a:p>
+            <a:endParaRPr lang="en-US" sz="1400" dirty="0" smtClean="0"/>
+          </a:p>
+        </p:txBody>
+      </p:sp>
+    </p:spTree>
+    <p:extLst>
+      <p:ext uri="{BB962C8B-B14F-4D97-AF65-F5344CB8AC3E}">
+        <p14:creationId xmlns:p14="http://schemas.microsoft.com/office/powerpoint/2010/main" val="4177361218"/>
+      </p:ext>
+    </p:extLst>
+  </p:cSld>
+  <p:clrMapOvr>
+    <a:masterClrMapping/>
+  </p:clrMapOvr>
+  <p:timing>
+    <p:tnLst>
+      <p:par>
+        <p:cTn id="1" dur="indefinite" restart="never" nodeType="tmRoot"/>
+      </p:par>
+    </p:tnLst>
+  </p:timing>
+</p:sld>
+</file>
+
+<file path=ppt/slides/slide25.xml><?xml version="1.0" encoding="utf-8"?>
+<p:sld xmlns:a="http://schemas.openxmlformats.org/drawingml/2006/main" xmlns:r="http://schemas.openxmlformats.org/officeDocument/2006/relationships" xmlns:p="http://schemas.openxmlformats.org/presentationml/2006/main">
+  <p:cSld>
+    <p:spTree>
+      <p:nvGrpSpPr>
+        <p:cNvPr id="1" name=""/>
+        <p:cNvGrpSpPr/>
+        <p:nvPr/>
+      </p:nvGrpSpPr>
+      <p:grpSpPr>
+        <a:xfrm>
+          <a:off x="0" y="0"/>
+          <a:ext cx="0" cy="0"/>
+          <a:chOff x="0" y="0"/>
+          <a:chExt cx="0" cy="0"/>
+        </a:xfrm>
+      </p:grpSpPr>
+      <p:sp>
+        <p:nvSpPr>
+          <p:cNvPr id="2" name="Title 1"/>
+          <p:cNvSpPr>
+            <a:spLocks noGrp="1"/>
+          </p:cNvSpPr>
+          <p:nvPr>
+            <p:ph type="title"/>
+          </p:nvPr>
+        </p:nvSpPr>
+        <p:spPr/>
+        <p:txBody>
+          <a:bodyPr/>
+          <a:lstStyle/>
+          <a:p>
+            <a:r>
               <a:rPr lang="en-US" dirty="0" smtClean="0"/>
               <a:t>Google C++ guide</a:t>
             </a:r>
@@ -7484,7 +7578,7 @@
 </p:sld>
 </file>
 
-<file path=ppt/slides/slide25.xml><?xml version="1.0" encoding="utf-8"?>
+<file path=ppt/slides/slide26.xml><?xml version="1.0" encoding="utf-8"?>
 <p:sld xmlns:a="http://schemas.openxmlformats.org/drawingml/2006/main" xmlns:r="http://schemas.openxmlformats.org/officeDocument/2006/relationships" xmlns:p="http://schemas.openxmlformats.org/presentationml/2006/main">
   <p:cSld>
     <p:spTree>
@@ -7747,7 +7841,7 @@
 </p:sld>
 </file>
 
-<file path=ppt/slides/slide26.xml><?xml version="1.0" encoding="utf-8"?>
+<file path=ppt/slides/slide27.xml><?xml version="1.0" encoding="utf-8"?>
 <p:sld xmlns:a="http://schemas.openxmlformats.org/drawingml/2006/main" xmlns:r="http://schemas.openxmlformats.org/officeDocument/2006/relationships" xmlns:p="http://schemas.openxmlformats.org/presentationml/2006/main">
   <p:cSld>
     <p:spTree>
@@ -7900,7 +7994,7 @@
           <a:p>
             <a:r>
               <a:rPr lang="en-US" dirty="0" smtClean="0"/>
-              <a:t>Disclaimers	</a:t>
+              <a:t>C++ Innovators</a:t>
             </a:r>
             <a:endParaRPr lang="en-US" dirty="0"/>
           </a:p>
@@ -7924,82 +8018,82 @@
           <a:lstStyle/>
           <a:p>
             <a:r>
-              <a:rPr lang="en-US" dirty="0" smtClean="0"/>
-              <a:t>I like a lot of languages in addition to C++</a:t>
-            </a:r>
-          </a:p>
-          <a:p>
-            <a:pPr lvl="1"/>
-            <a:r>
-              <a:rPr lang="en-US" dirty="0" smtClean="0"/>
-              <a:t>C# (mostly); Python; Java; PHP; Groovy; would like to learn Ruby and </a:t>
-            </a:r>
-            <a:r>
-              <a:rPr lang="en-US" dirty="0" err="1" smtClean="0"/>
-              <a:t>Clojure</a:t>
-            </a:r>
-            <a:endParaRPr lang="en-US" dirty="0" smtClean="0"/>
-          </a:p>
-          <a:p>
-            <a:r>
-              <a:rPr lang="en-US" dirty="0" smtClean="0"/>
-              <a:t>I use Microsoft C++ mostly</a:t>
-            </a:r>
-          </a:p>
-          <a:p>
-            <a:r>
-              <a:rPr lang="en-US" dirty="0" smtClean="0"/>
-              <a:t>I’m not a C++ expert</a:t>
-            </a:r>
-          </a:p>
-          <a:p>
-            <a:pPr lvl="1"/>
-            <a:r>
-              <a:rPr lang="en-US" dirty="0" smtClean="0"/>
-              <a:t>these challenge me: </a:t>
-            </a:r>
-            <a:r>
               <a:rPr lang="en-US" dirty="0" smtClean="0">
                 <a:hlinkClick r:id="rId2"/>
               </a:rPr>
-              <a:t>http</a:t>
-            </a:r>
-            <a:r>
-              <a:rPr lang="en-US" dirty="0">
-                <a:hlinkClick r:id="rId2"/>
-              </a:rPr>
-              <a:t>://</a:t>
-            </a:r>
-            <a:r>
-              <a:rPr lang="en-US" dirty="0" smtClean="0">
-                <a:hlinkClick r:id="rId2"/>
-              </a:rPr>
-              <a:t>cppquiz.org/quiz/question/1</a:t>
-            </a:r>
-            <a:endParaRPr lang="en-US" dirty="0" smtClean="0"/>
-          </a:p>
-          <a:p>
-            <a:r>
-              <a:rPr lang="en-US" dirty="0" smtClean="0"/>
-              <a:t>It’s fun to learn new things and apply them</a:t>
-            </a:r>
-            <a:endParaRPr lang="en-US" dirty="0"/>
+              <a:t>LLVM</a:t>
+            </a:r>
+            <a:r>
+              <a:rPr lang="en-US" dirty="0" smtClean="0"/>
+              <a:t>: all your languages belong to us…</a:t>
+            </a:r>
+          </a:p>
+          <a:p>
+            <a:r>
+              <a:rPr lang="en-US" dirty="0" smtClean="0"/>
+              <a:t>Boost library: Many things make their way into C++ </a:t>
+            </a:r>
+            <a:r>
+              <a:rPr lang="en-US" dirty="0" err="1" smtClean="0"/>
+              <a:t>std</a:t>
+            </a:r>
+            <a:r>
+              <a:rPr lang="en-US" dirty="0" smtClean="0"/>
+              <a:t> lib</a:t>
+            </a:r>
+          </a:p>
+          <a:p>
+            <a:r>
+              <a:rPr lang="en-US" dirty="0" smtClean="0"/>
+              <a:t>Facebook: </a:t>
+            </a:r>
+            <a:r>
+              <a:rPr lang="en-US" dirty="0" err="1" smtClean="0"/>
+              <a:t>HipHop</a:t>
+            </a:r>
+            <a:r>
+              <a:rPr lang="en-US" dirty="0" smtClean="0"/>
+              <a:t> </a:t>
+            </a:r>
+            <a:r>
+              <a:rPr lang="en-US" dirty="0" err="1" smtClean="0"/>
+              <a:t>transpiler</a:t>
+            </a:r>
+            <a:r>
+              <a:rPr lang="en-US" dirty="0" smtClean="0"/>
+              <a:t>; many </a:t>
+            </a:r>
+            <a:r>
+              <a:rPr lang="en-US" dirty="0" err="1" smtClean="0"/>
+              <a:t>opensource</a:t>
+            </a:r>
+            <a:r>
+              <a:rPr lang="en-US" dirty="0" smtClean="0"/>
+              <a:t> libs</a:t>
+            </a:r>
+          </a:p>
+          <a:p>
+            <a:r>
+              <a:rPr lang="en-US" dirty="0" smtClean="0"/>
+              <a:t>Google – products and tools</a:t>
+            </a:r>
+          </a:p>
+          <a:p>
+            <a:r>
+              <a:rPr lang="en-US" dirty="0" smtClean="0"/>
+              <a:t>Microsoft – tools; Office</a:t>
+            </a:r>
           </a:p>
           <a:p>
             <a:pPr lvl="1"/>
-            <a:endParaRPr lang="en-US" dirty="0" smtClean="0"/>
-          </a:p>
-          <a:p>
-            <a:pPr marL="457200" lvl="1" indent="0">
-              <a:buNone/>
-            </a:pPr>
-            <a:endParaRPr lang="en-US" dirty="0" smtClean="0"/>
-          </a:p>
-          <a:p>
-            <a:pPr lvl="1"/>
-            <a:endParaRPr lang="en-US" dirty="0" smtClean="0"/>
-          </a:p>
-          <a:p>
+            <a:r>
+              <a:rPr lang="en-US" dirty="0" smtClean="0"/>
+              <a:t>.NET not used in tools </a:t>
+            </a:r>
+            <a:r>
+              <a:rPr lang="en-US" smtClean="0"/>
+              <a:t>or Office..</a:t>
+            </a:r>
             <a:endParaRPr lang="en-US" dirty="0"/>
           </a:p>
         </p:txBody>
@@ -8007,7 +8101,7 @@
     </p:spTree>
     <p:extLst>
       <p:ext uri="{BB962C8B-B14F-4D97-AF65-F5344CB8AC3E}">
-        <p14:creationId xmlns:p14="http://schemas.microsoft.com/office/powerpoint/2010/main" val="3835412766"/>
+        <p14:creationId xmlns:p14="http://schemas.microsoft.com/office/powerpoint/2010/main" val="1674393153"/>
       </p:ext>
     </p:extLst>
   </p:cSld>
@@ -8058,7 +8152,7 @@
           <a:p>
             <a:r>
               <a:rPr lang="en-US" dirty="0" smtClean="0"/>
-              <a:t>C++: Alive and Well</a:t>
+              <a:t>Disclaimers	</a:t>
             </a:r>
             <a:endParaRPr lang="en-US" dirty="0"/>
           </a:p>
@@ -8076,55 +8170,88 @@
         </p:nvSpPr>
         <p:spPr/>
         <p:txBody>
-          <a:bodyPr/>
-          <a:lstStyle/>
-          <a:p>
-            <a:r>
-              <a:rPr lang="en-US" dirty="0" smtClean="0"/>
-              <a:t>Facebook:</a:t>
+          <a:bodyPr>
+            <a:normAutofit/>
+          </a:bodyPr>
+          <a:lstStyle/>
+          <a:p>
+            <a:r>
+              <a:rPr lang="en-US" dirty="0" smtClean="0"/>
+              <a:t>I like a lot of languages in addition to C++</a:t>
             </a:r>
           </a:p>
           <a:p>
             <a:pPr lvl="1"/>
             <a:r>
-              <a:rPr lang="en-US" dirty="0" err="1"/>
-              <a:t>Proxygen</a:t>
-            </a:r>
-            <a:r>
-              <a:rPr lang="en-US" dirty="0"/>
-              <a:t> makes heavy use of the latest C++ features and depends on </a:t>
-            </a:r>
-            <a:r>
-              <a:rPr lang="en-US" b="1" dirty="0">
+              <a:rPr lang="en-US" dirty="0" smtClean="0"/>
+              <a:t>C# (mostly); Python; Java; PHP; Groovy; would like to learn Ruby and </a:t>
+            </a:r>
+            <a:r>
+              <a:rPr lang="en-US" dirty="0" err="1" smtClean="0"/>
+              <a:t>Clojure</a:t>
+            </a:r>
+            <a:endParaRPr lang="en-US" dirty="0" smtClean="0"/>
+          </a:p>
+          <a:p>
+            <a:r>
+              <a:rPr lang="en-US" dirty="0" smtClean="0"/>
+              <a:t>I use Microsoft C++ mostly</a:t>
+            </a:r>
+          </a:p>
+          <a:p>
+            <a:r>
+              <a:rPr lang="en-US" dirty="0" smtClean="0"/>
+              <a:t>I’m not a C++ expert</a:t>
+            </a:r>
+          </a:p>
+          <a:p>
+            <a:pPr lvl="1"/>
+            <a:r>
+              <a:rPr lang="en-US" dirty="0" smtClean="0"/>
+              <a:t>these challenge me: </a:t>
+            </a:r>
+            <a:r>
+              <a:rPr lang="en-US" dirty="0" smtClean="0">
                 <a:hlinkClick r:id="rId2"/>
               </a:rPr>
-              <a:t>Thrift</a:t>
-            </a:r>
-            <a:r>
-              <a:rPr lang="en-US" dirty="0"/>
-              <a:t> and </a:t>
-            </a:r>
-            <a:r>
-              <a:rPr lang="en-US" b="1" dirty="0">
-                <a:hlinkClick r:id="rId3"/>
-              </a:rPr>
-              <a:t>Folly</a:t>
-            </a:r>
-            <a:r>
-              <a:rPr lang="en-US" dirty="0"/>
-              <a:t> for its underlying network and data abstractions. We make use of move semantics to avoid extra copies for large objects like body buffers and header representations while avoiding typical pitfalls like memory leaks. Additionally, by using non-blocking IO and Linux's </a:t>
-            </a:r>
-            <a:r>
-              <a:rPr lang="en-US" dirty="0" err="1"/>
-              <a:t>epoll</a:t>
-            </a:r>
-            <a:r>
-              <a:rPr lang="en-US" dirty="0"/>
-              <a:t> under the hood, we are able to create a memory and CPU efficient server.</a:t>
-            </a:r>
+              <a:t>http</a:t>
+            </a:r>
+            <a:r>
+              <a:rPr lang="en-US" dirty="0">
+                <a:hlinkClick r:id="rId2"/>
+              </a:rPr>
+              <a:t>://</a:t>
+            </a:r>
+            <a:r>
+              <a:rPr lang="en-US" dirty="0" smtClean="0">
+                <a:hlinkClick r:id="rId2"/>
+              </a:rPr>
+              <a:t>cppquiz.org/quiz/question/1</a:t>
+            </a:r>
+            <a:endParaRPr lang="en-US" dirty="0" smtClean="0"/>
+          </a:p>
+          <a:p>
+            <a:r>
+              <a:rPr lang="en-US" dirty="0" smtClean="0"/>
+              <a:t>It’s fun to learn new things and apply them</a:t>
+            </a:r>
+            <a:endParaRPr lang="en-US" dirty="0"/>
           </a:p>
           <a:p>
             <a:pPr lvl="1"/>
+            <a:endParaRPr lang="en-US" dirty="0" smtClean="0"/>
+          </a:p>
+          <a:p>
+            <a:pPr marL="457200" lvl="1" indent="0">
+              <a:buNone/>
+            </a:pPr>
+            <a:endParaRPr lang="en-US" dirty="0" smtClean="0"/>
+          </a:p>
+          <a:p>
+            <a:pPr lvl="1"/>
+            <a:endParaRPr lang="en-US" dirty="0" smtClean="0"/>
+          </a:p>
+          <a:p>
             <a:endParaRPr lang="en-US" dirty="0"/>
           </a:p>
         </p:txBody>
@@ -8132,7 +8259,7 @@
     </p:spTree>
     <p:extLst>
       <p:ext uri="{BB962C8B-B14F-4D97-AF65-F5344CB8AC3E}">
-        <p14:creationId xmlns:p14="http://schemas.microsoft.com/office/powerpoint/2010/main" val="699224995"/>
+        <p14:creationId xmlns:p14="http://schemas.microsoft.com/office/powerpoint/2010/main" val="3835412766"/>
       </p:ext>
     </p:extLst>
   </p:cSld>
@@ -8183,7 +8310,7 @@
           <a:p>
             <a:r>
               <a:rPr lang="en-US" dirty="0" smtClean="0"/>
-              <a:t>C++ History</a:t>
+              <a:t>C++: Alive and Well</a:t>
             </a:r>
             <a:endParaRPr lang="en-US" dirty="0"/>
           </a:p>
@@ -8205,49 +8332,51 @@
           <a:lstStyle/>
           <a:p>
             <a:r>
-              <a:rPr lang="en-US" dirty="0" err="1" smtClean="0"/>
-              <a:t>Todo</a:t>
-            </a:r>
-            <a:endParaRPr lang="en-US" dirty="0" smtClean="0"/>
-          </a:p>
-          <a:p>
-            <a:r>
-              <a:rPr lang="en-US" dirty="0" smtClean="0"/>
-              <a:t>C++03</a:t>
-            </a:r>
-          </a:p>
-          <a:p>
-            <a:r>
-              <a:rPr lang="en-US" dirty="0" smtClean="0"/>
-              <a:t>TR1: </a:t>
-            </a:r>
-            <a:r>
-              <a:rPr lang="en-US" dirty="0" smtClean="0">
+              <a:rPr lang="en-US" dirty="0" smtClean="0"/>
+              <a:t>Facebook:</a:t>
+            </a:r>
+          </a:p>
+          <a:p>
+            <a:pPr lvl="1"/>
+            <a:r>
+              <a:rPr lang="en-US" dirty="0" err="1"/>
+              <a:t>Proxygen</a:t>
+            </a:r>
+            <a:r>
+              <a:rPr lang="en-US" dirty="0"/>
+              <a:t> makes heavy use of the latest C++ features and depends on </a:t>
+            </a:r>
+            <a:r>
+              <a:rPr lang="en-US" b="1" dirty="0">
                 <a:hlinkClick r:id="rId2"/>
               </a:rPr>
-              <a:t>Technical Report 1</a:t>
-            </a:r>
-            <a:endParaRPr lang="en-US" dirty="0" smtClean="0"/>
-          </a:p>
-          <a:p>
-            <a:r>
-              <a:rPr lang="en-US" dirty="0" smtClean="0"/>
-              <a:t>C++11</a:t>
-            </a:r>
-          </a:p>
-          <a:p>
-            <a:r>
-              <a:rPr lang="en-US" dirty="0" smtClean="0"/>
-              <a:t>C++14</a:t>
-            </a:r>
-          </a:p>
-          <a:p>
-            <a:r>
-              <a:rPr lang="en-US" dirty="0" smtClean="0"/>
-              <a:t>C++17</a:t>
-            </a:r>
-          </a:p>
-          <a:p>
+              <a:t>Thrift</a:t>
+            </a:r>
+            <a:r>
+              <a:rPr lang="en-US" dirty="0"/>
+              <a:t> and </a:t>
+            </a:r>
+            <a:r>
+              <a:rPr lang="en-US" b="1" dirty="0">
+                <a:hlinkClick r:id="rId3"/>
+              </a:rPr>
+              <a:t>Folly</a:t>
+            </a:r>
+            <a:r>
+              <a:rPr lang="en-US" dirty="0"/>
+              <a:t> for its underlying network and data abstractions. We make use of move semantics to avoid extra copies for large objects like body buffers and header representations while avoiding typical pitfalls like memory leaks. Additionally, by using non-blocking IO and Linux's </a:t>
+            </a:r>
+            <a:r>
+              <a:rPr lang="en-US" dirty="0" err="1"/>
+              <a:t>epoll</a:t>
+            </a:r>
+            <a:r>
+              <a:rPr lang="en-US" dirty="0"/>
+              <a:t> under the hood, we are able to create a memory and CPU efficient server.</a:t>
+            </a:r>
+          </a:p>
+          <a:p>
+            <a:pPr lvl="1"/>
             <a:endParaRPr lang="en-US" dirty="0"/>
           </a:p>
         </p:txBody>
@@ -8255,7 +8384,7 @@
     </p:spTree>
     <p:extLst>
       <p:ext uri="{BB962C8B-B14F-4D97-AF65-F5344CB8AC3E}">
-        <p14:creationId xmlns:p14="http://schemas.microsoft.com/office/powerpoint/2010/main" val="3421079094"/>
+        <p14:creationId xmlns:p14="http://schemas.microsoft.com/office/powerpoint/2010/main" val="699224995"/>
       </p:ext>
     </p:extLst>
   </p:cSld>
@@ -8306,6 +8435,129 @@
           <a:p>
             <a:r>
               <a:rPr lang="en-US" dirty="0" smtClean="0"/>
+              <a:t>C++ History</a:t>
+            </a:r>
+            <a:endParaRPr lang="en-US" dirty="0"/>
+          </a:p>
+        </p:txBody>
+      </p:sp>
+      <p:sp>
+        <p:nvSpPr>
+          <p:cNvPr id="3" name="Content Placeholder 2"/>
+          <p:cNvSpPr>
+            <a:spLocks noGrp="1"/>
+          </p:cNvSpPr>
+          <p:nvPr>
+            <p:ph idx="1"/>
+          </p:nvPr>
+        </p:nvSpPr>
+        <p:spPr/>
+        <p:txBody>
+          <a:bodyPr/>
+          <a:lstStyle/>
+          <a:p>
+            <a:r>
+              <a:rPr lang="en-US" dirty="0" err="1" smtClean="0"/>
+              <a:t>Todo</a:t>
+            </a:r>
+            <a:endParaRPr lang="en-US" dirty="0" smtClean="0"/>
+          </a:p>
+          <a:p>
+            <a:r>
+              <a:rPr lang="en-US" dirty="0" smtClean="0"/>
+              <a:t>C++03</a:t>
+            </a:r>
+          </a:p>
+          <a:p>
+            <a:r>
+              <a:rPr lang="en-US" dirty="0" smtClean="0"/>
+              <a:t>TR1: </a:t>
+            </a:r>
+            <a:r>
+              <a:rPr lang="en-US" dirty="0" smtClean="0">
+                <a:hlinkClick r:id="rId2"/>
+              </a:rPr>
+              <a:t>Technical Report 1</a:t>
+            </a:r>
+            <a:endParaRPr lang="en-US" dirty="0" smtClean="0"/>
+          </a:p>
+          <a:p>
+            <a:r>
+              <a:rPr lang="en-US" dirty="0" smtClean="0"/>
+              <a:t>C++11</a:t>
+            </a:r>
+          </a:p>
+          <a:p>
+            <a:r>
+              <a:rPr lang="en-US" dirty="0" smtClean="0"/>
+              <a:t>C++14</a:t>
+            </a:r>
+          </a:p>
+          <a:p>
+            <a:r>
+              <a:rPr lang="en-US" dirty="0" smtClean="0"/>
+              <a:t>C++17</a:t>
+            </a:r>
+          </a:p>
+          <a:p>
+            <a:endParaRPr lang="en-US" dirty="0"/>
+          </a:p>
+        </p:txBody>
+      </p:sp>
+    </p:spTree>
+    <p:extLst>
+      <p:ext uri="{BB962C8B-B14F-4D97-AF65-F5344CB8AC3E}">
+        <p14:creationId xmlns:p14="http://schemas.microsoft.com/office/powerpoint/2010/main" val="3421079094"/>
+      </p:ext>
+    </p:extLst>
+  </p:cSld>
+  <p:clrMapOvr>
+    <a:masterClrMapping/>
+  </p:clrMapOvr>
+  <p:timing>
+    <p:tnLst>
+      <p:par>
+        <p:cTn id="1" dur="indefinite" restart="never" nodeType="tmRoot"/>
+      </p:par>
+    </p:tnLst>
+  </p:timing>
+</p:sld>
+</file>
+
+<file path=ppt/slides/slide7.xml><?xml version="1.0" encoding="utf-8"?>
+<p:sld xmlns:a="http://schemas.openxmlformats.org/drawingml/2006/main" xmlns:r="http://schemas.openxmlformats.org/officeDocument/2006/relationships" xmlns:p="http://schemas.openxmlformats.org/presentationml/2006/main">
+  <p:cSld>
+    <p:spTree>
+      <p:nvGrpSpPr>
+        <p:cNvPr id="1" name=""/>
+        <p:cNvGrpSpPr/>
+        <p:nvPr/>
+      </p:nvGrpSpPr>
+      <p:grpSpPr>
+        <a:xfrm>
+          <a:off x="0" y="0"/>
+          <a:ext cx="0" cy="0"/>
+          <a:chOff x="0" y="0"/>
+          <a:chExt cx="0" cy="0"/>
+        </a:xfrm>
+      </p:grpSpPr>
+      <p:sp>
+        <p:nvSpPr>
+          <p:cNvPr id="2" name="Title 1"/>
+          <p:cNvSpPr>
+            <a:spLocks noGrp="1"/>
+          </p:cNvSpPr>
+          <p:nvPr>
+            <p:ph type="title"/>
+          </p:nvPr>
+        </p:nvSpPr>
+        <p:spPr/>
+        <p:txBody>
+          <a:bodyPr/>
+          <a:lstStyle/>
+          <a:p>
+            <a:r>
+              <a:rPr lang="en-US" dirty="0" smtClean="0"/>
               <a:t>C++ is Multi-Paradigm</a:t>
             </a:r>
             <a:endParaRPr lang="en-US" dirty="0"/>
@@ -8373,7 +8625,7 @@
 </p:sld>
 </file>
 
-<file path=ppt/slides/slide7.xml><?xml version="1.0" encoding="utf-8"?>
+<file path=ppt/slides/slide8.xml><?xml version="1.0" encoding="utf-8"?>
 <p:sld xmlns:a="http://schemas.openxmlformats.org/drawingml/2006/main" xmlns:r="http://schemas.openxmlformats.org/officeDocument/2006/relationships" xmlns:p="http://schemas.openxmlformats.org/presentationml/2006/main">
   <p:cSld>
     <p:spTree>
@@ -8528,7 +8780,7 @@
 </p:sld>
 </file>
 
-<file path=ppt/slides/slide8.xml><?xml version="1.0" encoding="utf-8"?>
+<file path=ppt/slides/slide9.xml><?xml version="1.0" encoding="utf-8"?>
 <p:sld xmlns:a="http://schemas.openxmlformats.org/drawingml/2006/main" xmlns:r="http://schemas.openxmlformats.org/officeDocument/2006/relationships" xmlns:p="http://schemas.openxmlformats.org/presentationml/2006/main">
   <p:cSld>
     <p:spTree>
@@ -8675,109 +8927,6 @@
     <p:extLst>
       <p:ext uri="{BB962C8B-B14F-4D97-AF65-F5344CB8AC3E}">
         <p14:creationId xmlns:p14="http://schemas.microsoft.com/office/powerpoint/2010/main" val="231828410"/>
-      </p:ext>
-    </p:extLst>
-  </p:cSld>
-  <p:clrMapOvr>
-    <a:masterClrMapping/>
-  </p:clrMapOvr>
-  <p:timing>
-    <p:tnLst>
-      <p:par>
-        <p:cTn id="1" dur="indefinite" restart="never" nodeType="tmRoot"/>
-      </p:par>
-    </p:tnLst>
-  </p:timing>
-</p:sld>
-</file>
-
-<file path=ppt/slides/slide9.xml><?xml version="1.0" encoding="utf-8"?>
-<p:sld xmlns:a="http://schemas.openxmlformats.org/drawingml/2006/main" xmlns:r="http://schemas.openxmlformats.org/officeDocument/2006/relationships" xmlns:p="http://schemas.openxmlformats.org/presentationml/2006/main">
-  <p:cSld>
-    <p:spTree>
-      <p:nvGrpSpPr>
-        <p:cNvPr id="1" name=""/>
-        <p:cNvGrpSpPr/>
-        <p:nvPr/>
-      </p:nvGrpSpPr>
-      <p:grpSpPr>
-        <a:xfrm>
-          <a:off x="0" y="0"/>
-          <a:ext cx="0" cy="0"/>
-          <a:chOff x="0" y="0"/>
-          <a:chExt cx="0" cy="0"/>
-        </a:xfrm>
-      </p:grpSpPr>
-      <p:sp>
-        <p:nvSpPr>
-          <p:cNvPr id="2" name="Title 1"/>
-          <p:cNvSpPr>
-            <a:spLocks noGrp="1"/>
-          </p:cNvSpPr>
-          <p:nvPr>
-            <p:ph type="title"/>
-          </p:nvPr>
-        </p:nvSpPr>
-        <p:spPr/>
-        <p:txBody>
-          <a:bodyPr/>
-          <a:lstStyle/>
-          <a:p>
-            <a:r>
-              <a:rPr lang="en-US" dirty="0" smtClean="0"/>
-              <a:t>Paradigms: Generic</a:t>
-            </a:r>
-            <a:endParaRPr lang="en-US" dirty="0"/>
-          </a:p>
-        </p:txBody>
-      </p:sp>
-      <p:sp>
-        <p:nvSpPr>
-          <p:cNvPr id="4" name="Content Placeholder 3"/>
-          <p:cNvSpPr>
-            <a:spLocks noGrp="1"/>
-          </p:cNvSpPr>
-          <p:nvPr>
-            <p:ph idx="1"/>
-          </p:nvPr>
-        </p:nvSpPr>
-        <p:spPr/>
-        <p:txBody>
-          <a:bodyPr>
-            <a:normAutofit/>
-          </a:bodyPr>
-          <a:lstStyle/>
-          <a:p>
-            <a:r>
-              <a:rPr lang="en-US" dirty="0" smtClean="0"/>
-              <a:t> Templates</a:t>
-            </a:r>
-          </a:p>
-          <a:p>
-            <a:pPr marL="0" indent="0">
-              <a:buNone/>
-            </a:pPr>
-            <a:r>
-              <a:rPr lang="en-US" dirty="0" err="1" smtClean="0"/>
-              <a:t>dlftodo</a:t>
-            </a:r>
-            <a:endParaRPr lang="en-US" dirty="0" smtClean="0"/>
-          </a:p>
-          <a:p>
-            <a:pPr marL="0" indent="0">
-              <a:buNone/>
-            </a:pPr>
-            <a:endParaRPr lang="en-US" dirty="0"/>
-          </a:p>
-          <a:p>
-            <a:endParaRPr lang="en-US" dirty="0"/>
-          </a:p>
-        </p:txBody>
-      </p:sp>
-    </p:spTree>
-    <p:extLst>
-      <p:ext uri="{BB962C8B-B14F-4D97-AF65-F5344CB8AC3E}">
-        <p14:creationId xmlns:p14="http://schemas.microsoft.com/office/powerpoint/2010/main" val="2125134433"/>
       </p:ext>
     </p:extLst>
   </p:cSld>

--- a/doc/Fun_with_C++11.pptx
+++ b/doc/Fun_with_C++11.pptx
@@ -8,30 +8,31 @@
     <p:sldId id="256" r:id="rId2"/>
     <p:sldId id="282" r:id="rId3"/>
     <p:sldId id="281" r:id="rId4"/>
-    <p:sldId id="260" r:id="rId5"/>
-    <p:sldId id="275" r:id="rId6"/>
-    <p:sldId id="276" r:id="rId7"/>
-    <p:sldId id="258" r:id="rId8"/>
-    <p:sldId id="272" r:id="rId9"/>
-    <p:sldId id="273" r:id="rId10"/>
-    <p:sldId id="277" r:id="rId11"/>
-    <p:sldId id="264" r:id="rId12"/>
-    <p:sldId id="278" r:id="rId13"/>
-    <p:sldId id="257" r:id="rId14"/>
-    <p:sldId id="259" r:id="rId15"/>
-    <p:sldId id="270" r:id="rId16"/>
-    <p:sldId id="271" r:id="rId17"/>
-    <p:sldId id="262" r:id="rId18"/>
-    <p:sldId id="263" r:id="rId19"/>
-    <p:sldId id="261" r:id="rId20"/>
-    <p:sldId id="274" r:id="rId21"/>
-    <p:sldId id="280" r:id="rId22"/>
-    <p:sldId id="279" r:id="rId23"/>
-    <p:sldId id="265" r:id="rId24"/>
-    <p:sldId id="266" r:id="rId25"/>
-    <p:sldId id="267" r:id="rId26"/>
-    <p:sldId id="268" r:id="rId27"/>
-    <p:sldId id="269" r:id="rId28"/>
+    <p:sldId id="283" r:id="rId5"/>
+    <p:sldId id="260" r:id="rId6"/>
+    <p:sldId id="275" r:id="rId7"/>
+    <p:sldId id="276" r:id="rId8"/>
+    <p:sldId id="258" r:id="rId9"/>
+    <p:sldId id="272" r:id="rId10"/>
+    <p:sldId id="273" r:id="rId11"/>
+    <p:sldId id="277" r:id="rId12"/>
+    <p:sldId id="264" r:id="rId13"/>
+    <p:sldId id="278" r:id="rId14"/>
+    <p:sldId id="257" r:id="rId15"/>
+    <p:sldId id="259" r:id="rId16"/>
+    <p:sldId id="270" r:id="rId17"/>
+    <p:sldId id="271" r:id="rId18"/>
+    <p:sldId id="262" r:id="rId19"/>
+    <p:sldId id="263" r:id="rId20"/>
+    <p:sldId id="261" r:id="rId21"/>
+    <p:sldId id="274" r:id="rId22"/>
+    <p:sldId id="280" r:id="rId23"/>
+    <p:sldId id="279" r:id="rId24"/>
+    <p:sldId id="265" r:id="rId25"/>
+    <p:sldId id="266" r:id="rId26"/>
+    <p:sldId id="267" r:id="rId27"/>
+    <p:sldId id="268" r:id="rId28"/>
+    <p:sldId id="269" r:id="rId29"/>
   </p:sldIdLst>
   <p:sldSz cx="9144000" cy="6858000" type="screen4x3"/>
   <p:notesSz cx="6858000" cy="9144000"/>
@@ -132,7 +133,7 @@
   </p:defaultTextStyle>
   <p:extLst>
     <p:ext uri="{EFAFB233-063F-42B5-8137-9DF3F51BA10A}">
-      <p15:sldGuideLst xmlns="" xmlns:p15="http://schemas.microsoft.com/office/powerpoint/2012/main">
+      <p15:sldGuideLst xmlns:p15="http://schemas.microsoft.com/office/powerpoint/2012/main" xmlns="">
         <p15:guide id="1" orient="horz" pos="2160">
           <p15:clr>
             <a:srgbClr val="A4A3A4"/>
@@ -330,7 +331,7 @@
           <a:p>
             <a:fld id="{81509AD4-132E-4B79-8E81-ED2DE054EDF4}" type="datetimeFigureOut">
               <a:rPr lang="en-US" smtClean="0"/>
-              <a:t>11/10/2014</a:t>
+              <a:t>11/11/2014</a:t>
             </a:fld>
             <a:endParaRPr lang="en-US" dirty="0"/>
           </a:p>
@@ -500,7 +501,7 @@
           <a:p>
             <a:fld id="{81509AD4-132E-4B79-8E81-ED2DE054EDF4}" type="datetimeFigureOut">
               <a:rPr lang="en-US" smtClean="0"/>
-              <a:t>11/10/2014</a:t>
+              <a:t>11/11/2014</a:t>
             </a:fld>
             <a:endParaRPr lang="en-US" dirty="0"/>
           </a:p>
@@ -680,7 +681,7 @@
           <a:p>
             <a:fld id="{81509AD4-132E-4B79-8E81-ED2DE054EDF4}" type="datetimeFigureOut">
               <a:rPr lang="en-US" smtClean="0"/>
-              <a:t>11/10/2014</a:t>
+              <a:t>11/11/2014</a:t>
             </a:fld>
             <a:endParaRPr lang="en-US" dirty="0"/>
           </a:p>
@@ -850,7 +851,7 @@
           <a:p>
             <a:fld id="{81509AD4-132E-4B79-8E81-ED2DE054EDF4}" type="datetimeFigureOut">
               <a:rPr lang="en-US" smtClean="0"/>
-              <a:t>11/10/2014</a:t>
+              <a:t>11/11/2014</a:t>
             </a:fld>
             <a:endParaRPr lang="en-US" dirty="0"/>
           </a:p>
@@ -1096,7 +1097,7 @@
           <a:p>
             <a:fld id="{81509AD4-132E-4B79-8E81-ED2DE054EDF4}" type="datetimeFigureOut">
               <a:rPr lang="en-US" smtClean="0"/>
-              <a:t>11/10/2014</a:t>
+              <a:t>11/11/2014</a:t>
             </a:fld>
             <a:endParaRPr lang="en-US" dirty="0"/>
           </a:p>
@@ -1384,7 +1385,7 @@
           <a:p>
             <a:fld id="{81509AD4-132E-4B79-8E81-ED2DE054EDF4}" type="datetimeFigureOut">
               <a:rPr lang="en-US" smtClean="0"/>
-              <a:t>11/10/2014</a:t>
+              <a:t>11/11/2014</a:t>
             </a:fld>
             <a:endParaRPr lang="en-US" dirty="0"/>
           </a:p>
@@ -1806,7 +1807,7 @@
           <a:p>
             <a:fld id="{81509AD4-132E-4B79-8E81-ED2DE054EDF4}" type="datetimeFigureOut">
               <a:rPr lang="en-US" smtClean="0"/>
-              <a:t>11/10/2014</a:t>
+              <a:t>11/11/2014</a:t>
             </a:fld>
             <a:endParaRPr lang="en-US" dirty="0"/>
           </a:p>
@@ -1924,7 +1925,7 @@
           <a:p>
             <a:fld id="{81509AD4-132E-4B79-8E81-ED2DE054EDF4}" type="datetimeFigureOut">
               <a:rPr lang="en-US" smtClean="0"/>
-              <a:t>11/10/2014</a:t>
+              <a:t>11/11/2014</a:t>
             </a:fld>
             <a:endParaRPr lang="en-US" dirty="0"/>
           </a:p>
@@ -2019,7 +2020,7 @@
           <a:p>
             <a:fld id="{81509AD4-132E-4B79-8E81-ED2DE054EDF4}" type="datetimeFigureOut">
               <a:rPr lang="en-US" smtClean="0"/>
-              <a:t>11/10/2014</a:t>
+              <a:t>11/11/2014</a:t>
             </a:fld>
             <a:endParaRPr lang="en-US" dirty="0"/>
           </a:p>
@@ -2296,7 +2297,7 @@
           <a:p>
             <a:fld id="{81509AD4-132E-4B79-8E81-ED2DE054EDF4}" type="datetimeFigureOut">
               <a:rPr lang="en-US" smtClean="0"/>
-              <a:t>11/10/2014</a:t>
+              <a:t>11/11/2014</a:t>
             </a:fld>
             <a:endParaRPr lang="en-US" dirty="0"/>
           </a:p>
@@ -2549,7 +2550,7 @@
           <a:p>
             <a:fld id="{81509AD4-132E-4B79-8E81-ED2DE054EDF4}" type="datetimeFigureOut">
               <a:rPr lang="en-US" smtClean="0"/>
-              <a:t>11/10/2014</a:t>
+              <a:t>11/11/2014</a:t>
             </a:fld>
             <a:endParaRPr lang="en-US" dirty="0"/>
           </a:p>
@@ -2762,7 +2763,7 @@
           <a:p>
             <a:fld id="{81509AD4-132E-4B79-8E81-ED2DE054EDF4}" type="datetimeFigureOut">
               <a:rPr lang="en-US" smtClean="0"/>
-              <a:t>11/10/2014</a:t>
+              <a:t>11/11/2014</a:t>
             </a:fld>
             <a:endParaRPr lang="en-US" dirty="0"/>
           </a:p>
@@ -3233,7 +3234,7 @@
           <a:p>
             <a:r>
               <a:rPr lang="en-US" dirty="0" smtClean="0"/>
-              <a:t>Paradigms: Generic</a:t>
+              <a:t>Paradigms: Object Oriented</a:t>
             </a:r>
             <a:endParaRPr lang="en-US" dirty="0"/>
           </a:p>
@@ -3258,17 +3259,13 @@
           <a:p>
             <a:r>
               <a:rPr lang="en-US" dirty="0" smtClean="0"/>
-              <a:t> Templates</a:t>
+              <a:t> Classes; objects</a:t>
             </a:r>
           </a:p>
           <a:p>
             <a:pPr marL="0" indent="0">
               <a:buNone/>
             </a:pPr>
-            <a:r>
-              <a:rPr lang="en-US" dirty="0" err="1" smtClean="0"/>
-              <a:t>dlftodo</a:t>
-            </a:r>
             <a:endParaRPr lang="en-US" dirty="0" smtClean="0"/>
           </a:p>
           <a:p>
@@ -3282,10 +3279,74 @@
           </a:p>
         </p:txBody>
       </p:sp>
+      <p:pic>
+        <p:nvPicPr>
+          <p:cNvPr id="2050" name="Picture 2"/>
+          <p:cNvPicPr>
+            <a:picLocks noChangeAspect="1" noChangeArrowheads="1"/>
+          </p:cNvPicPr>
+          <p:nvPr/>
+        </p:nvPicPr>
+        <p:blipFill>
+          <a:blip r:embed="rId2">
+            <a:extLst>
+              <a:ext uri="{28A0092B-C50C-407E-A947-70E740481C1C}">
+                <a14:useLocalDpi xmlns:a14="http://schemas.microsoft.com/office/drawing/2010/main" val="0"/>
+              </a:ext>
+            </a:extLst>
+          </a:blip>
+          <a:srcRect/>
+          <a:stretch>
+            <a:fillRect/>
+          </a:stretch>
+        </p:blipFill>
+        <p:spPr bwMode="auto">
+          <a:xfrm>
+            <a:off x="1524000" y="2209800"/>
+            <a:ext cx="6096000" cy="4534304"/>
+          </a:xfrm>
+          <a:prstGeom prst="rect">
+            <a:avLst/>
+          </a:prstGeom>
+          <a:noFill/>
+          <a:ln>
+            <a:noFill/>
+          </a:ln>
+          <a:effectLst/>
+          <a:extLst>
+            <a:ext uri="{909E8E84-426E-40DD-AFC4-6F175D3DCCD1}">
+              <a14:hiddenFill xmlns:a14="http://schemas.microsoft.com/office/drawing/2010/main">
+                <a:solidFill>
+                  <a:schemeClr val="accent1"/>
+                </a:solidFill>
+              </a14:hiddenFill>
+            </a:ext>
+            <a:ext uri="{91240B29-F687-4F45-9708-019B960494DF}">
+              <a14:hiddenLine xmlns:a14="http://schemas.microsoft.com/office/drawing/2010/main" w="9525">
+                <a:solidFill>
+                  <a:schemeClr val="tx1"/>
+                </a:solidFill>
+                <a:miter lim="800000"/>
+                <a:headEnd/>
+                <a:tailEnd/>
+              </a14:hiddenLine>
+            </a:ext>
+            <a:ext uri="{AF507438-7753-43E0-B8FC-AC1667EBCBE1}">
+              <a14:hiddenEffects xmlns:a14="http://schemas.microsoft.com/office/drawing/2010/main">
+                <a:effectLst>
+                  <a:outerShdw dist="35921" dir="2700000" algn="ctr" rotWithShape="0">
+                    <a:schemeClr val="bg2"/>
+                  </a:outerShdw>
+                </a:effectLst>
+              </a14:hiddenEffects>
+            </a:ext>
+          </a:extLst>
+        </p:spPr>
+      </p:pic>
     </p:spTree>
     <p:extLst>
       <p:ext uri="{BB962C8B-B14F-4D97-AF65-F5344CB8AC3E}">
-        <p14:creationId xmlns:p14="http://schemas.microsoft.com/office/powerpoint/2010/main" val="2125134433"/>
+        <p14:creationId xmlns:p14="http://schemas.microsoft.com/office/powerpoint/2010/main" val="231828410"/>
       </p:ext>
     </p:extLst>
   </p:cSld>
@@ -3331,29 +3392,20 @@
         </p:nvSpPr>
         <p:spPr/>
         <p:txBody>
-          <a:bodyPr>
-            <a:normAutofit fontScale="90000"/>
-          </a:bodyPr>
-          <a:lstStyle/>
-          <a:p>
-            <a:r>
-              <a:rPr lang="en-US" dirty="0" smtClean="0"/>
-              <a:t>C++ Standard Library / STL:</a:t>
-            </a:r>
-            <a:br>
-              <a:rPr lang="en-US" dirty="0" smtClean="0"/>
-            </a:br>
-            <a:r>
-              <a:rPr lang="en-US" i="1" dirty="0" smtClean="0"/>
-              <a:t>Not Object Oriented!</a:t>
-            </a:r>
-            <a:endParaRPr lang="en-US" i="1" dirty="0"/>
-          </a:p>
-        </p:txBody>
-      </p:sp>
-      <p:sp>
-        <p:nvSpPr>
-          <p:cNvPr id="3" name="Content Placeholder 2"/>
+          <a:bodyPr/>
+          <a:lstStyle/>
+          <a:p>
+            <a:r>
+              <a:rPr lang="en-US" dirty="0" smtClean="0"/>
+              <a:t>Paradigms: Generic</a:t>
+            </a:r>
+            <a:endParaRPr lang="en-US" dirty="0"/>
+          </a:p>
+        </p:txBody>
+      </p:sp>
+      <p:sp>
+        <p:nvSpPr>
+          <p:cNvPr id="4" name="Content Placeholder 3"/>
           <p:cNvSpPr>
             <a:spLocks noGrp="1"/>
           </p:cNvSpPr>
@@ -3370,66 +3422,26 @@
           <a:p>
             <a:r>
               <a:rPr lang="en-US" dirty="0" smtClean="0"/>
-              <a:t>Read what the creator of the STL has to say about this</a:t>
-            </a:r>
-            <a:r>
-              <a:rPr lang="en-US" dirty="0"/>
-              <a:t>:</a:t>
+              <a:t> Templates</a:t>
+            </a:r>
+          </a:p>
+          <a:p>
+            <a:pPr marL="0" indent="0">
+              <a:buNone/>
+            </a:pPr>
+            <a:r>
+              <a:rPr lang="en-US" dirty="0" err="1" smtClean="0"/>
+              <a:t>dlftodo</a:t>
             </a:r>
             <a:endParaRPr lang="en-US" dirty="0" smtClean="0"/>
           </a:p>
           <a:p>
-            <a:pPr marL="400050" lvl="1" indent="0">
-              <a:buNone/>
-            </a:pPr>
-            <a:r>
-              <a:rPr lang="en-US" dirty="0">
-                <a:hlinkClick r:id="rId2"/>
-              </a:rPr>
-              <a:t>https://en.wikipedia.org/wiki/Alexander_Stepanov#Criticism_of_OOP</a:t>
-            </a:r>
+            <a:pPr marL="0" indent="0">
+              <a:buNone/>
+            </a:pPr>
             <a:endParaRPr lang="en-US" dirty="0"/>
           </a:p>
           <a:p>
-            <a:r>
-              <a:rPr lang="en-US" dirty="0" smtClean="0"/>
-              <a:t>He’s got a new book, too:</a:t>
-            </a:r>
-          </a:p>
-          <a:p>
-            <a:pPr marL="400050" lvl="1" indent="0">
-              <a:buNone/>
-            </a:pPr>
-            <a:r>
-              <a:rPr lang="en-US" dirty="0" smtClean="0">
-                <a:hlinkClick r:id="rId3"/>
-              </a:rPr>
-              <a:t>http</a:t>
-            </a:r>
-            <a:r>
-              <a:rPr lang="en-US" dirty="0">
-                <a:hlinkClick r:id="rId3"/>
-              </a:rPr>
-              <a:t>://</a:t>
-            </a:r>
-            <a:r>
-              <a:rPr lang="en-US" dirty="0" smtClean="0">
-                <a:hlinkClick r:id="rId3"/>
-              </a:rPr>
-              <a:t>www.informit.com/store/from-mathematics-to-generic-programming-9780321942043</a:t>
-            </a:r>
-            <a:endParaRPr lang="en-US" dirty="0" smtClean="0"/>
-          </a:p>
-          <a:p>
-            <a:pPr marL="0" indent="0">
-              <a:buNone/>
-            </a:pPr>
-            <a:endParaRPr lang="en-US" dirty="0" smtClean="0"/>
-          </a:p>
-          <a:p>
-            <a:pPr marL="0" indent="0">
-              <a:buNone/>
-            </a:pPr>
             <a:endParaRPr lang="en-US" dirty="0"/>
           </a:p>
         </p:txBody>
@@ -3437,7 +3449,7 @@
     </p:spTree>
     <p:extLst>
       <p:ext uri="{BB962C8B-B14F-4D97-AF65-F5344CB8AC3E}">
-        <p14:creationId xmlns:p14="http://schemas.microsoft.com/office/powerpoint/2010/main" val="1243197235"/>
+        <p14:creationId xmlns:p14="http://schemas.microsoft.com/office/powerpoint/2010/main" val="2125134433"/>
       </p:ext>
     </p:extLst>
   </p:cSld>
@@ -3483,20 +3495,29 @@
         </p:nvSpPr>
         <p:spPr/>
         <p:txBody>
-          <a:bodyPr/>
-          <a:lstStyle/>
-          <a:p>
-            <a:r>
-              <a:rPr lang="en-US" dirty="0" smtClean="0"/>
-              <a:t>Paradigms: Functional</a:t>
-            </a:r>
-            <a:endParaRPr lang="en-US" dirty="0"/>
-          </a:p>
-        </p:txBody>
-      </p:sp>
-      <p:sp>
-        <p:nvSpPr>
-          <p:cNvPr id="4" name="Content Placeholder 3"/>
+          <a:bodyPr>
+            <a:normAutofit fontScale="90000"/>
+          </a:bodyPr>
+          <a:lstStyle/>
+          <a:p>
+            <a:r>
+              <a:rPr lang="en-US" dirty="0" smtClean="0"/>
+              <a:t>C++ Standard Library / STL:</a:t>
+            </a:r>
+            <a:br>
+              <a:rPr lang="en-US" dirty="0" smtClean="0"/>
+            </a:br>
+            <a:r>
+              <a:rPr lang="en-US" i="1" dirty="0" smtClean="0"/>
+              <a:t>Not Object Oriented!</a:t>
+            </a:r>
+            <a:endParaRPr lang="en-US" i="1" dirty="0"/>
+          </a:p>
+        </p:txBody>
+      </p:sp>
+      <p:sp>
+        <p:nvSpPr>
+          <p:cNvPr id="3" name="Content Placeholder 2"/>
           <p:cNvSpPr>
             <a:spLocks noGrp="1"/>
           </p:cNvSpPr>
@@ -3513,32 +3534,66 @@
           <a:p>
             <a:r>
               <a:rPr lang="en-US" dirty="0" smtClean="0"/>
-              <a:t> Lambdas</a:t>
-            </a:r>
-          </a:p>
-          <a:p>
-            <a:r>
-              <a:rPr lang="en-US" dirty="0" smtClean="0"/>
-              <a:t>map/reduce: use ??? and ??? instead</a:t>
-            </a:r>
+              <a:t>Read what the creator of the STL has to say about this</a:t>
+            </a:r>
+            <a:r>
+              <a:rPr lang="en-US" dirty="0"/>
+              <a:t>:</a:t>
+            </a:r>
+            <a:endParaRPr lang="en-US" dirty="0" smtClean="0"/>
+          </a:p>
+          <a:p>
+            <a:pPr marL="400050" lvl="1" indent="0">
+              <a:buNone/>
+            </a:pPr>
+            <a:r>
+              <a:rPr lang="en-US" dirty="0">
+                <a:hlinkClick r:id="rId2"/>
+              </a:rPr>
+              <a:t>https://en.wikipedia.org/wiki/Alexander_Stepanov#Criticism_of_OOP</a:t>
+            </a:r>
+            <a:endParaRPr lang="en-US" dirty="0"/>
+          </a:p>
+          <a:p>
+            <a:r>
+              <a:rPr lang="en-US" dirty="0" smtClean="0"/>
+              <a:t>He’s got a new book, too:</a:t>
+            </a:r>
+          </a:p>
+          <a:p>
+            <a:pPr marL="400050" lvl="1" indent="0">
+              <a:buNone/>
+            </a:pPr>
+            <a:r>
+              <a:rPr lang="en-US" dirty="0" smtClean="0">
+                <a:hlinkClick r:id="rId3"/>
+              </a:rPr>
+              <a:t>http</a:t>
+            </a:r>
+            <a:r>
+              <a:rPr lang="en-US" dirty="0">
+                <a:hlinkClick r:id="rId3"/>
+              </a:rPr>
+              <a:t>://</a:t>
+            </a:r>
+            <a:r>
+              <a:rPr lang="en-US" dirty="0" smtClean="0">
+                <a:hlinkClick r:id="rId3"/>
+              </a:rPr>
+              <a:t>www.informit.com/store/from-mathematics-to-generic-programming-9780321942043</a:t>
+            </a:r>
+            <a:endParaRPr lang="en-US" dirty="0" smtClean="0"/>
           </a:p>
           <a:p>
             <a:pPr marL="0" indent="0">
               <a:buNone/>
             </a:pPr>
-            <a:r>
-              <a:rPr lang="en-US" dirty="0" err="1" smtClean="0"/>
-              <a:t>dlftodo</a:t>
-            </a:r>
             <a:endParaRPr lang="en-US" dirty="0" smtClean="0"/>
           </a:p>
           <a:p>
             <a:pPr marL="0" indent="0">
               <a:buNone/>
             </a:pPr>
-            <a:endParaRPr lang="en-US" dirty="0"/>
-          </a:p>
-          <a:p>
             <a:endParaRPr lang="en-US" dirty="0"/>
           </a:p>
         </p:txBody>
@@ -3546,7 +3601,7 @@
     </p:spTree>
     <p:extLst>
       <p:ext uri="{BB962C8B-B14F-4D97-AF65-F5344CB8AC3E}">
-        <p14:creationId xmlns:p14="http://schemas.microsoft.com/office/powerpoint/2010/main" val="1705405775"/>
+        <p14:creationId xmlns:p14="http://schemas.microsoft.com/office/powerpoint/2010/main" val="1243197235"/>
       </p:ext>
     </p:extLst>
   </p:cSld>
@@ -3597,7 +3652,7 @@
           <a:p>
             <a:r>
               <a:rPr lang="en-US" dirty="0" smtClean="0"/>
-              <a:t>What’s missing</a:t>
+              <a:t>Paradigms: Functional</a:t>
             </a:r>
             <a:endParaRPr lang="en-US" dirty="0"/>
           </a:p>
@@ -3605,7 +3660,7 @@
       </p:sp>
       <p:sp>
         <p:nvSpPr>
-          <p:cNvPr id="3" name="Content Placeholder 2"/>
+          <p:cNvPr id="4" name="Content Placeholder 3"/>
           <p:cNvSpPr>
             <a:spLocks noGrp="1"/>
           </p:cNvSpPr>
@@ -3613,121 +3668,41 @@
             <p:ph idx="1"/>
           </p:nvPr>
         </p:nvSpPr>
-        <p:spPr>
-          <a:xfrm>
-            <a:off x="457200" y="1295400"/>
-            <a:ext cx="8229600" cy="4830763"/>
-          </a:xfrm>
-        </p:spPr>
+        <p:spPr/>
         <p:txBody>
           <a:bodyPr>
-            <a:normAutofit fontScale="85000" lnSpcReduction="20000"/>
+            <a:normAutofit/>
           </a:bodyPr>
           <a:lstStyle/>
           <a:p>
             <a:r>
               <a:rPr lang="en-US" dirty="0" smtClean="0"/>
-              <a:t>XML</a:t>
-            </a:r>
-          </a:p>
-          <a:p>
-            <a:r>
-              <a:rPr lang="en-US" dirty="0" smtClean="0"/>
-              <a:t>Packages / modules</a:t>
-            </a:r>
-          </a:p>
-          <a:p>
-            <a:pPr lvl="1"/>
-            <a:r>
-              <a:rPr lang="en-US" dirty="0" smtClean="0"/>
-              <a:t>PHP composer; Python pip; Ruby gems</a:t>
-            </a:r>
+              <a:t> Lambdas</a:t>
+            </a:r>
+          </a:p>
+          <a:p>
+            <a:r>
+              <a:rPr lang="en-US" dirty="0" smtClean="0"/>
+              <a:t>map/reduce: use ??? and ??? instead</a:t>
+            </a:r>
+          </a:p>
+          <a:p>
+            <a:pPr marL="0" indent="0">
+              <a:buNone/>
+            </a:pPr>
+            <a:r>
+              <a:rPr lang="en-US" dirty="0" err="1" smtClean="0"/>
+              <a:t>dlftodo</a:t>
+            </a:r>
+            <a:endParaRPr lang="en-US" dirty="0" smtClean="0"/>
+          </a:p>
+          <a:p>
+            <a:pPr marL="0" indent="0">
+              <a:buNone/>
+            </a:pPr>
             <a:endParaRPr lang="en-US" dirty="0"/>
           </a:p>
           <a:p>
-            <a:pPr lvl="1"/>
-            <a:r>
-              <a:rPr lang="en-US" dirty="0" smtClean="0"/>
-              <a:t>Java </a:t>
-            </a:r>
-            <a:r>
-              <a:rPr lang="en-US" dirty="0" smtClean="0">
-                <a:hlinkClick r:id="rId2"/>
-              </a:rPr>
-              <a:t>JPM4j</a:t>
-            </a:r>
-            <a:endParaRPr lang="en-US" dirty="0"/>
-          </a:p>
-          <a:p>
-            <a:r>
-              <a:rPr lang="en-US" dirty="0" smtClean="0"/>
-              <a:t>Garbage collection (as C#, Java, Python, …)</a:t>
-            </a:r>
-          </a:p>
-          <a:p>
-            <a:r>
-              <a:rPr lang="en-US" dirty="0" smtClean="0"/>
-              <a:t>Strings in switch() statement (C#)</a:t>
-            </a:r>
-          </a:p>
-          <a:p>
-            <a:r>
-              <a:rPr lang="en-US" dirty="0" smtClean="0"/>
-              <a:t>Decimal data type</a:t>
-            </a:r>
-          </a:p>
-          <a:p>
-            <a:r>
-              <a:rPr lang="en-US" dirty="0" smtClean="0"/>
-              <a:t>Serialization:</a:t>
-            </a:r>
-          </a:p>
-          <a:p>
-            <a:pPr lvl="1"/>
-            <a:r>
-              <a:rPr lang="en-US" dirty="0" smtClean="0"/>
-              <a:t>see </a:t>
-            </a:r>
-            <a:r>
-              <a:rPr lang="en-US" dirty="0" smtClean="0">
-                <a:hlinkClick r:id="rId3"/>
-              </a:rPr>
-              <a:t>google </a:t>
-            </a:r>
-            <a:r>
-              <a:rPr lang="en-US" dirty="0" err="1" smtClean="0">
-                <a:hlinkClick r:id="rId3"/>
-              </a:rPr>
-              <a:t>FlatBuffers</a:t>
-            </a:r>
-            <a:r>
-              <a:rPr lang="en-US" dirty="0" smtClean="0">
-                <a:hlinkClick r:id="rId3"/>
-              </a:rPr>
-              <a:t> </a:t>
-            </a:r>
-            <a:r>
-              <a:rPr lang="en-US" dirty="0" smtClean="0"/>
-              <a:t>– good, modern C++</a:t>
-            </a:r>
-          </a:p>
-          <a:p>
-            <a:r>
-              <a:rPr lang="en-US" dirty="0" smtClean="0"/>
-              <a:t>Run-time introspection (C#, Java, Python, …)</a:t>
-            </a:r>
-          </a:p>
-          <a:p>
-            <a:r>
-              <a:rPr lang="en-US" dirty="0" smtClean="0"/>
-              <a:t>Interfaces: Need [ugly] abstract classes</a:t>
-            </a:r>
-          </a:p>
-          <a:p>
-            <a:r>
-              <a:rPr lang="en-US" dirty="0" smtClean="0"/>
-              <a:t>command-line parsing</a:t>
-            </a:r>
             <a:endParaRPr lang="en-US" dirty="0"/>
           </a:p>
         </p:txBody>
@@ -3735,7 +3710,7 @@
     </p:spTree>
     <p:extLst>
       <p:ext uri="{BB962C8B-B14F-4D97-AF65-F5344CB8AC3E}">
-        <p14:creationId xmlns:p14="http://schemas.microsoft.com/office/powerpoint/2010/main" val="2897646070"/>
+        <p14:creationId xmlns:p14="http://schemas.microsoft.com/office/powerpoint/2010/main" val="1705405775"/>
       </p:ext>
     </p:extLst>
   </p:cSld>
@@ -3786,7 +3761,7 @@
           <a:p>
             <a:r>
               <a:rPr lang="en-US" dirty="0" smtClean="0"/>
-              <a:t>C++ Idioms</a:t>
+              <a:t>What’s missing</a:t>
             </a:r>
             <a:endParaRPr lang="en-US" dirty="0"/>
           </a:p>
@@ -3802,58 +3777,120 @@
             <p:ph idx="1"/>
           </p:nvPr>
         </p:nvSpPr>
-        <p:spPr/>
-        <p:txBody>
-          <a:bodyPr/>
-          <a:lstStyle/>
-          <a:p>
+        <p:spPr>
+          <a:xfrm>
+            <a:off x="457200" y="1295400"/>
+            <a:ext cx="8229600" cy="4830763"/>
+          </a:xfrm>
+        </p:spPr>
+        <p:txBody>
+          <a:bodyPr>
+            <a:normAutofit fontScale="85000" lnSpcReduction="20000"/>
+          </a:bodyPr>
+          <a:lstStyle/>
+          <a:p>
+            <a:r>
+              <a:rPr lang="en-US" dirty="0" smtClean="0"/>
+              <a:t>XML</a:t>
+            </a:r>
+          </a:p>
+          <a:p>
+            <a:r>
+              <a:rPr lang="en-US" dirty="0" smtClean="0"/>
+              <a:t>Packages / modules</a:t>
+            </a:r>
+          </a:p>
+          <a:p>
+            <a:pPr lvl="1"/>
+            <a:r>
+              <a:rPr lang="en-US" dirty="0" smtClean="0"/>
+              <a:t>PHP composer; Python pip; Ruby gems</a:t>
+            </a:r>
+            <a:endParaRPr lang="en-US" dirty="0"/>
+          </a:p>
+          <a:p>
+            <a:pPr lvl="1"/>
+            <a:r>
+              <a:rPr lang="en-US" dirty="0" smtClean="0"/>
+              <a:t>Java </a:t>
+            </a:r>
             <a:r>
               <a:rPr lang="en-US" dirty="0" smtClean="0">
                 <a:hlinkClick r:id="rId2"/>
               </a:rPr>
-              <a:t>RAII</a:t>
-            </a:r>
-            <a:endParaRPr lang="en-US" dirty="0" smtClean="0"/>
+              <a:t>JPM4j</a:t>
+            </a:r>
+            <a:endParaRPr lang="en-US" dirty="0"/>
+          </a:p>
+          <a:p>
+            <a:r>
+              <a:rPr lang="en-US" dirty="0" smtClean="0"/>
+              <a:t>Garbage collection (as C#, Java, Python, …)</a:t>
+            </a:r>
+          </a:p>
+          <a:p>
+            <a:r>
+              <a:rPr lang="en-US" dirty="0" smtClean="0"/>
+              <a:t>Strings in switch() statement (C#)</a:t>
+            </a:r>
+          </a:p>
+          <a:p>
+            <a:r>
+              <a:rPr lang="en-US" dirty="0" smtClean="0"/>
+              <a:t>Decimal data type</a:t>
+            </a:r>
+          </a:p>
+          <a:p>
+            <a:r>
+              <a:rPr lang="en-US" dirty="0" smtClean="0"/>
+              <a:t>Serialization:</a:t>
+            </a:r>
           </a:p>
           <a:p>
             <a:pPr lvl="1"/>
             <a:r>
               <a:rPr lang="en-US" dirty="0" smtClean="0"/>
-              <a:t>“Resource Acquisition Is Initialization”</a:t>
-            </a:r>
-          </a:p>
-          <a:p>
-            <a:pPr lvl="1"/>
-            <a:r>
-              <a:rPr lang="en-US" dirty="0" smtClean="0"/>
-              <a:t>Acquire and release things in constructor and destructor</a:t>
-            </a:r>
-          </a:p>
-          <a:p>
+              <a:t>see </a:t>
+            </a:r>
             <a:r>
               <a:rPr lang="en-US" dirty="0" smtClean="0">
                 <a:hlinkClick r:id="rId3"/>
               </a:rPr>
-              <a:t>SFINAE</a:t>
-            </a:r>
-            <a:endParaRPr lang="en-US" dirty="0" smtClean="0"/>
-          </a:p>
-          <a:p>
-            <a:pPr lvl="1"/>
-            <a:r>
-              <a:rPr lang="en-US" dirty="0"/>
-              <a:t>“Substitution </a:t>
-            </a:r>
-            <a:r>
-              <a:rPr lang="en-US" dirty="0" smtClean="0"/>
-              <a:t>Failure Is Not An Error”</a:t>
-            </a:r>
-          </a:p>
-          <a:p>
-            <a:pPr lvl="1"/>
-            <a:r>
-              <a:rPr lang="en-US" dirty="0" smtClean="0"/>
-              <a:t>You won’t get compile-time errors when fiddling with templates</a:t>
+              <a:t>google </a:t>
+            </a:r>
+            <a:r>
+              <a:rPr lang="en-US" dirty="0" err="1" smtClean="0">
+                <a:hlinkClick r:id="rId3"/>
+              </a:rPr>
+              <a:t>FlatBuffers</a:t>
+            </a:r>
+            <a:r>
+              <a:rPr lang="en-US" dirty="0" smtClean="0">
+                <a:hlinkClick r:id="rId3"/>
+              </a:rPr>
+              <a:t> </a:t>
+            </a:r>
+            <a:r>
+              <a:rPr lang="en-US" dirty="0" smtClean="0"/>
+              <a:t>– good, modern C++</a:t>
+            </a:r>
+          </a:p>
+          <a:p>
+            <a:r>
+              <a:rPr lang="en-US" dirty="0" smtClean="0"/>
+              <a:t>Run-time introspection (C#, Java, Python, …)</a:t>
+            </a:r>
+          </a:p>
+          <a:p>
+            <a:r>
+              <a:rPr lang="en-US" dirty="0" smtClean="0"/>
+              <a:t>Interfaces: Need [ugly] abstract classes</a:t>
+            </a:r>
+          </a:p>
+          <a:p>
+            <a:r>
+              <a:rPr lang="en-US" dirty="0" smtClean="0"/>
+              <a:t>command-line parsing</a:t>
             </a:r>
             <a:endParaRPr lang="en-US" dirty="0"/>
           </a:p>
@@ -3862,7 +3899,7 @@
     </p:spTree>
     <p:extLst>
       <p:ext uri="{BB962C8B-B14F-4D97-AF65-F5344CB8AC3E}">
-        <p14:creationId xmlns:p14="http://schemas.microsoft.com/office/powerpoint/2010/main" val="3246688767"/>
+        <p14:creationId xmlns:p14="http://schemas.microsoft.com/office/powerpoint/2010/main" val="2897646070"/>
       </p:ext>
     </p:extLst>
   </p:cSld>
@@ -3913,7 +3950,7 @@
           <a:p>
             <a:r>
               <a:rPr lang="en-US" dirty="0" smtClean="0"/>
-              <a:t>C++ Rule of 3</a:t>
+              <a:t>C++ Idioms</a:t>
             </a:r>
             <a:endParaRPr lang="en-US" dirty="0"/>
           </a:p>
@@ -3934,48 +3971,62 @@
           <a:bodyPr/>
           <a:lstStyle/>
           <a:p>
-            <a:pPr marL="0" indent="0">
-              <a:buNone/>
-            </a:pPr>
-            <a:r>
-              <a:rPr lang="en-US" sz="2400" dirty="0">
+            <a:r>
+              <a:rPr lang="en-US" dirty="0" smtClean="0">
                 <a:hlinkClick r:id="rId2"/>
               </a:rPr>
-              <a:t>http://</a:t>
-            </a:r>
-            <a:r>
-              <a:rPr lang="en-US" sz="2400" dirty="0" smtClean="0">
-                <a:hlinkClick r:id="rId2"/>
-              </a:rPr>
-              <a:t>en.cppreference.com/w/cpp/language/rule_of_three</a:t>
-            </a:r>
-            <a:endParaRPr lang="en-US" sz="2400" dirty="0" smtClean="0"/>
-          </a:p>
-          <a:p>
-            <a:pPr marL="0" indent="0">
-              <a:buNone/>
-            </a:pPr>
+              <a:t>RAII</a:t>
+            </a:r>
             <a:endParaRPr lang="en-US" dirty="0" smtClean="0"/>
           </a:p>
           <a:p>
-            <a:pPr marL="400050" lvl="1" indent="0">
-              <a:buNone/>
-            </a:pPr>
-            <a:r>
-              <a:rPr lang="en-US" dirty="0" smtClean="0"/>
-              <a:t>“If </a:t>
-            </a:r>
+            <a:pPr lvl="1"/>
+            <a:r>
+              <a:rPr lang="en-US" dirty="0" smtClean="0"/>
+              <a:t>“Resource Acquisition Is Initialization”</a:t>
+            </a:r>
+          </a:p>
+          <a:p>
+            <a:pPr lvl="1"/>
+            <a:r>
+              <a:rPr lang="en-US" dirty="0" smtClean="0"/>
+              <a:t>Acquire and release things in constructor and destructor</a:t>
+            </a:r>
+          </a:p>
+          <a:p>
+            <a:r>
+              <a:rPr lang="en-US" dirty="0" smtClean="0">
+                <a:hlinkClick r:id="rId3"/>
+              </a:rPr>
+              <a:t>SFINAE</a:t>
+            </a:r>
+            <a:endParaRPr lang="en-US" dirty="0" smtClean="0"/>
+          </a:p>
+          <a:p>
+            <a:pPr lvl="1"/>
             <a:r>
               <a:rPr lang="en-US" dirty="0"/>
-              <a:t>a class requires a user-defined destructor, a user-defined copy constructor, or a user-defined copy assignment operator, it almost certainly requires all three.</a:t>
-            </a:r>
+              <a:t>“Substitution </a:t>
+            </a:r>
+            <a:r>
+              <a:rPr lang="en-US" dirty="0" smtClean="0"/>
+              <a:t>Failure Is Not An Error”</a:t>
+            </a:r>
+          </a:p>
+          <a:p>
+            <a:pPr lvl="1"/>
+            <a:r>
+              <a:rPr lang="en-US" dirty="0" smtClean="0"/>
+              <a:t>You won’t get compile-time errors when fiddling with templates</a:t>
+            </a:r>
+            <a:endParaRPr lang="en-US" dirty="0"/>
           </a:p>
         </p:txBody>
       </p:sp>
     </p:spTree>
     <p:extLst>
       <p:ext uri="{BB962C8B-B14F-4D97-AF65-F5344CB8AC3E}">
-        <p14:creationId xmlns:p14="http://schemas.microsoft.com/office/powerpoint/2010/main" val="2038294293"/>
+        <p14:creationId xmlns:p14="http://schemas.microsoft.com/office/powerpoint/2010/main" val="3246688767"/>
       </p:ext>
     </p:extLst>
   </p:cSld>
@@ -4026,7 +4077,7 @@
           <a:p>
             <a:r>
               <a:rPr lang="en-US" dirty="0" smtClean="0"/>
-              <a:t>C++11 Rule of 5</a:t>
+              <a:t>C++ Rule of 3</a:t>
             </a:r>
             <a:endParaRPr lang="en-US" dirty="0"/>
           </a:p>
@@ -4075,21 +4126,20 @@
               <a:buNone/>
             </a:pPr>
             <a:r>
+              <a:rPr lang="en-US" dirty="0" smtClean="0"/>
+              <a:t>“If </a:t>
+            </a:r>
+            <a:r>
               <a:rPr lang="en-US" dirty="0"/>
-              <a:t>“Because the presence of a user-defined destructor, copy-constructor, or copy-assignment operator prevents implicit definition of the move constructor and the move assignment operator, any class for which move semantics are desirable, has to declare all five special member </a:t>
-            </a:r>
-            <a:r>
-              <a:rPr lang="en-US" dirty="0" smtClean="0"/>
-              <a:t>functions.</a:t>
-            </a:r>
-            <a:endParaRPr lang="en-US" dirty="0"/>
+              <a:t>a class requires a user-defined destructor, a user-defined copy constructor, or a user-defined copy assignment operator, it almost certainly requires all three.</a:t>
+            </a:r>
           </a:p>
         </p:txBody>
       </p:sp>
     </p:spTree>
     <p:extLst>
       <p:ext uri="{BB962C8B-B14F-4D97-AF65-F5344CB8AC3E}">
-        <p14:creationId xmlns:p14="http://schemas.microsoft.com/office/powerpoint/2010/main" val="2995229971"/>
+        <p14:creationId xmlns:p14="http://schemas.microsoft.com/office/powerpoint/2010/main" val="2038294293"/>
       </p:ext>
     </p:extLst>
   </p:cSld>
@@ -4140,7 +4190,7 @@
           <a:p>
             <a:r>
               <a:rPr lang="en-US" dirty="0" smtClean="0"/>
-              <a:t>Which C++ compiler am I using?</a:t>
+              <a:t>C++11 Rule of 5</a:t>
             </a:r>
             <a:endParaRPr lang="en-US" dirty="0"/>
           </a:p>
@@ -4158,186 +4208,52 @@
         </p:nvSpPr>
         <p:spPr/>
         <p:txBody>
-          <a:bodyPr>
-            <a:normAutofit/>
-          </a:bodyPr>
-          <a:lstStyle/>
-          <a:p>
-            <a:pPr marL="457200" lvl="1" indent="0">
-              <a:buNone/>
-            </a:pPr>
-            <a:endParaRPr lang="en-US" sz="1800" dirty="0" smtClean="0">
-              <a:latin typeface="Consolas" panose="020B0609020204030204" pitchFamily="49" charset="0"/>
-              <a:cs typeface="Consolas" panose="020B0609020204030204" pitchFamily="49" charset="0"/>
-            </a:endParaRPr>
-          </a:p>
-          <a:p>
-            <a:pPr marL="457200" lvl="1" indent="0">
-              <a:buNone/>
-            </a:pPr>
-            <a:r>
-              <a:rPr lang="en-US" sz="1800" dirty="0" smtClean="0">
-                <a:latin typeface="Consolas" panose="020B0609020204030204" pitchFamily="49" charset="0"/>
-                <a:cs typeface="Consolas" panose="020B0609020204030204" pitchFamily="49" charset="0"/>
-              </a:rPr>
-              <a:t>c</a:t>
-            </a:r>
-            <a:r>
-              <a:rPr lang="en-US" sz="1800" dirty="0">
-                <a:latin typeface="Consolas" panose="020B0609020204030204" pitchFamily="49" charset="0"/>
-                <a:cs typeface="Consolas" panose="020B0609020204030204" pitchFamily="49" charset="0"/>
-              </a:rPr>
-              <a:t>:\apps\WinDDK\7600.16385.1</a:t>
-            </a:r>
-            <a:r>
-              <a:rPr lang="en-US" sz="1800" dirty="0" smtClean="0">
-                <a:latin typeface="Consolas" panose="020B0609020204030204" pitchFamily="49" charset="0"/>
-                <a:cs typeface="Consolas" panose="020B0609020204030204" pitchFamily="49" charset="0"/>
-              </a:rPr>
-              <a:t>&gt; bin\setenv.bat </a:t>
-            </a:r>
-            <a:r>
-              <a:rPr lang="en-US" sz="1800" dirty="0">
-                <a:latin typeface="Consolas" panose="020B0609020204030204" pitchFamily="49" charset="0"/>
-                <a:cs typeface="Consolas" panose="020B0609020204030204" pitchFamily="49" charset="0"/>
-              </a:rPr>
-              <a:t>. WLH</a:t>
-            </a:r>
-          </a:p>
-          <a:p>
-            <a:pPr marL="457200" lvl="1" indent="0">
-              <a:buNone/>
-            </a:pPr>
-            <a:endParaRPr lang="en-US" sz="1800" dirty="0">
-              <a:latin typeface="Consolas" panose="020B0609020204030204" pitchFamily="49" charset="0"/>
-              <a:cs typeface="Consolas" panose="020B0609020204030204" pitchFamily="49" charset="0"/>
-            </a:endParaRPr>
-          </a:p>
-          <a:p>
-            <a:pPr marL="457200" lvl="1" indent="0">
-              <a:buNone/>
-            </a:pPr>
-            <a:r>
-              <a:rPr lang="en-US" sz="1800" dirty="0">
-                <a:latin typeface="Consolas" panose="020B0609020204030204" pitchFamily="49" charset="0"/>
-                <a:cs typeface="Consolas" panose="020B0609020204030204" pitchFamily="49" charset="0"/>
-              </a:rPr>
-              <a:t>c:\apps\WinDDK\7600.16385.1</a:t>
-            </a:r>
-            <a:r>
-              <a:rPr lang="en-US" sz="1800" smtClean="0">
-                <a:latin typeface="Consolas" panose="020B0609020204030204" pitchFamily="49" charset="0"/>
-                <a:cs typeface="Consolas" panose="020B0609020204030204" pitchFamily="49" charset="0"/>
-              </a:rPr>
-              <a:t>&gt; cl.exe</a:t>
-            </a:r>
-            <a:endParaRPr lang="en-US" sz="1800" dirty="0">
-              <a:latin typeface="Consolas" panose="020B0609020204030204" pitchFamily="49" charset="0"/>
-              <a:cs typeface="Consolas" panose="020B0609020204030204" pitchFamily="49" charset="0"/>
-            </a:endParaRPr>
-          </a:p>
-          <a:p>
-            <a:pPr marL="457200" lvl="1" indent="0">
-              <a:buNone/>
-            </a:pPr>
-            <a:endParaRPr lang="en-US" sz="1800" dirty="0">
-              <a:latin typeface="Consolas" panose="020B0609020204030204" pitchFamily="49" charset="0"/>
-              <a:cs typeface="Consolas" panose="020B0609020204030204" pitchFamily="49" charset="0"/>
-            </a:endParaRPr>
-          </a:p>
-          <a:p>
-            <a:pPr marL="457200" lvl="1" indent="0">
-              <a:buNone/>
-            </a:pPr>
-            <a:r>
-              <a:rPr lang="en-US" sz="1800" dirty="0">
-                <a:latin typeface="Consolas" panose="020B0609020204030204" pitchFamily="49" charset="0"/>
-                <a:cs typeface="Consolas" panose="020B0609020204030204" pitchFamily="49" charset="0"/>
-              </a:rPr>
-              <a:t>Microsoft (R) 32-bit C/C++ Optimizing Compiler Version </a:t>
-            </a:r>
-            <a:r>
-              <a:rPr lang="en-US" sz="1800" b="1" dirty="0">
-                <a:latin typeface="Consolas" panose="020B0609020204030204" pitchFamily="49" charset="0"/>
-                <a:cs typeface="Consolas" panose="020B0609020204030204" pitchFamily="49" charset="0"/>
-              </a:rPr>
-              <a:t>15.00.30729.207</a:t>
-            </a:r>
-            <a:r>
-              <a:rPr lang="en-US" sz="1800" dirty="0">
-                <a:latin typeface="Consolas" panose="020B0609020204030204" pitchFamily="49" charset="0"/>
-                <a:cs typeface="Consolas" panose="020B0609020204030204" pitchFamily="49" charset="0"/>
-              </a:rPr>
-              <a:t> for </a:t>
-            </a:r>
-            <a:r>
-              <a:rPr lang="en-US" sz="1800" dirty="0" smtClean="0">
-                <a:latin typeface="Consolas" panose="020B0609020204030204" pitchFamily="49" charset="0"/>
-                <a:cs typeface="Consolas" panose="020B0609020204030204" pitchFamily="49" charset="0"/>
-              </a:rPr>
-              <a:t>80x86</a:t>
-            </a:r>
-          </a:p>
-          <a:p>
-            <a:pPr marL="457200" lvl="1" indent="0">
-              <a:buNone/>
-            </a:pPr>
-            <a:endParaRPr lang="en-US" sz="1800" dirty="0">
-              <a:latin typeface="Consolas" panose="020B0609020204030204" pitchFamily="49" charset="0"/>
-              <a:cs typeface="Consolas" panose="020B0609020204030204" pitchFamily="49" charset="0"/>
-            </a:endParaRPr>
-          </a:p>
-          <a:p>
-            <a:pPr marL="457200" lvl="1" indent="0">
-              <a:buNone/>
-            </a:pPr>
-            <a:r>
-              <a:rPr lang="en-US" sz="1800" dirty="0">
-                <a:latin typeface="Consolas" panose="020B0609020204030204" pitchFamily="49" charset="0"/>
-                <a:cs typeface="Consolas" panose="020B0609020204030204" pitchFamily="49" charset="0"/>
-              </a:rPr>
-              <a:t>Copyright (C) Microsoft Corporation.  All rights reserved.</a:t>
-            </a:r>
-          </a:p>
-          <a:p>
-            <a:pPr marL="457200" lvl="1" indent="0">
-              <a:buNone/>
-            </a:pPr>
-            <a:r>
-              <a:rPr lang="en-US" sz="1800" dirty="0">
-                <a:latin typeface="Consolas" panose="020B0609020204030204" pitchFamily="49" charset="0"/>
-                <a:cs typeface="Consolas" panose="020B0609020204030204" pitchFamily="49" charset="0"/>
-              </a:rPr>
-              <a:t>usage: cl [ option... ] filename... [ /link </a:t>
-            </a:r>
-            <a:r>
-              <a:rPr lang="en-US" sz="1800" dirty="0" err="1">
-                <a:latin typeface="Consolas" panose="020B0609020204030204" pitchFamily="49" charset="0"/>
-                <a:cs typeface="Consolas" panose="020B0609020204030204" pitchFamily="49" charset="0"/>
-              </a:rPr>
-              <a:t>linkoption</a:t>
-            </a:r>
-            <a:r>
-              <a:rPr lang="en-US" sz="1800" dirty="0">
-                <a:latin typeface="Consolas" panose="020B0609020204030204" pitchFamily="49" charset="0"/>
-                <a:cs typeface="Consolas" panose="020B0609020204030204" pitchFamily="49" charset="0"/>
-              </a:rPr>
-              <a:t>... ]</a:t>
-            </a:r>
-          </a:p>
-          <a:p>
-            <a:pPr lvl="1"/>
-            <a:endParaRPr lang="en-US" sz="1800" dirty="0">
-              <a:latin typeface="Consolas" panose="020B0609020204030204" pitchFamily="49" charset="0"/>
-              <a:cs typeface="Consolas" panose="020B0609020204030204" pitchFamily="49" charset="0"/>
-            </a:endParaRPr>
+          <a:bodyPr/>
+          <a:lstStyle/>
+          <a:p>
+            <a:pPr marL="0" indent="0">
+              <a:buNone/>
+            </a:pPr>
+            <a:r>
+              <a:rPr lang="en-US" sz="2400" dirty="0">
+                <a:hlinkClick r:id="rId2"/>
+              </a:rPr>
+              <a:t>http://</a:t>
+            </a:r>
+            <a:r>
+              <a:rPr lang="en-US" sz="2400" dirty="0" smtClean="0">
+                <a:hlinkClick r:id="rId2"/>
+              </a:rPr>
+              <a:t>en.cppreference.com/w/cpp/language/rule_of_three</a:t>
+            </a:r>
+            <a:endParaRPr lang="en-US" sz="2400" dirty="0" smtClean="0"/>
+          </a:p>
+          <a:p>
+            <a:pPr marL="0" indent="0">
+              <a:buNone/>
+            </a:pPr>
+            <a:endParaRPr lang="en-US" dirty="0" smtClean="0"/>
+          </a:p>
+          <a:p>
+            <a:pPr marL="400050" lvl="1" indent="0">
+              <a:buNone/>
+            </a:pPr>
+            <a:r>
+              <a:rPr lang="en-US" dirty="0"/>
+              <a:t>“Because the presence of a user-defined destructor, copy-constructor, or copy-assignment operator prevents implicit definition of the move constructor and the move assignment operator, any class for which move semantics are desirable, has to declare all five special member </a:t>
+            </a:r>
+            <a:r>
+              <a:rPr lang="en-US" dirty="0" smtClean="0"/>
+              <a:t>functions.</a:t>
+            </a:r>
+            <a:endParaRPr lang="en-US" dirty="0"/>
           </a:p>
         </p:txBody>
       </p:sp>
     </p:spTree>
     <p:extLst>
       <p:ext uri="{BB962C8B-B14F-4D97-AF65-F5344CB8AC3E}">
-        <p14:creationId xmlns:p14="http://schemas.microsoft.com/office/powerpoint/2010/main" val="2118868596"/>
+        <p14:creationId xmlns:p14="http://schemas.microsoft.com/office/powerpoint/2010/main" val="2995229971"/>
       </p:ext>
     </p:extLst>
   </p:cSld>
@@ -4387,8 +4303,8 @@
           <a:lstStyle/>
           <a:p>
             <a:r>
-              <a:rPr lang="en-US" smtClean="0"/>
-              <a:t>Which C++ compiler?</a:t>
+              <a:rPr lang="en-US" dirty="0" smtClean="0"/>
+              <a:t>Which C++ compiler am I using?</a:t>
             </a:r>
             <a:endParaRPr lang="en-US" dirty="0"/>
           </a:p>
@@ -4407,66 +4323,53 @@
         <p:spPr/>
         <p:txBody>
           <a:bodyPr>
-            <a:normAutofit lnSpcReduction="10000"/>
+            <a:normAutofit/>
           </a:bodyPr>
           <a:lstStyle/>
           <a:p>
-            <a:pPr marL="0" indent="0">
-              <a:buNone/>
-            </a:pPr>
-            <a:r>
-              <a:rPr lang="en-US" sz="2600" dirty="0" smtClean="0">
-                <a:cs typeface="Consolas" panose="020B0609020204030204" pitchFamily="49" charset="0"/>
-              </a:rPr>
-              <a:t>Set </a:t>
-            </a:r>
-            <a:r>
-              <a:rPr lang="en-US" sz="2600" dirty="0">
-                <a:cs typeface="Consolas" panose="020B0609020204030204" pitchFamily="49" charset="0"/>
-              </a:rPr>
-              <a:t>the environment; run </a:t>
-            </a:r>
-            <a:r>
-              <a:rPr lang="en-US" sz="2600" dirty="0" smtClean="0">
-                <a:cs typeface="Consolas" panose="020B0609020204030204" pitchFamily="49" charset="0"/>
-              </a:rPr>
-              <a:t>CL.EXE</a:t>
-            </a:r>
-          </a:p>
-          <a:p>
-            <a:r>
-              <a:rPr lang="en-US" sz="2600" dirty="0" smtClean="0">
-                <a:cs typeface="Consolas" panose="020B0609020204030204" pitchFamily="49" charset="0"/>
-              </a:rPr>
-              <a:t>Visual Studio help/about: fail</a:t>
-            </a:r>
-          </a:p>
-          <a:p>
-            <a:r>
-              <a:rPr lang="en-US" sz="2600" dirty="0" smtClean="0">
-                <a:cs typeface="Consolas" panose="020B0609020204030204" pitchFamily="49" charset="0"/>
-              </a:rPr>
-              <a:t>Look for “C++” </a:t>
-            </a:r>
-            <a:r>
-              <a:rPr lang="en-US" sz="2600" dirty="0" smtClean="0">
-                <a:cs typeface="Consolas" panose="020B0609020204030204" pitchFamily="49" charset="0"/>
-                <a:hlinkClick r:id="rId2"/>
-              </a:rPr>
-              <a:t>here</a:t>
-            </a:r>
-            <a:r>
-              <a:rPr lang="en-US" sz="2600" dirty="0" smtClean="0">
-                <a:cs typeface="Consolas" panose="020B0609020204030204" pitchFamily="49" charset="0"/>
-              </a:rPr>
-              <a:t> for all MS C++ compiler versions</a:t>
-            </a:r>
-            <a:endParaRPr lang="en-US" sz="2600" dirty="0">
+            <a:pPr marL="457200" lvl="1" indent="0">
+              <a:buNone/>
+            </a:pPr>
+            <a:endParaRPr lang="en-US" sz="1800" dirty="0" smtClean="0">
+              <a:latin typeface="Consolas" panose="020B0609020204030204" pitchFamily="49" charset="0"/>
               <a:cs typeface="Consolas" panose="020B0609020204030204" pitchFamily="49" charset="0"/>
             </a:endParaRPr>
           </a:p>
           <a:p>
-            <a:pPr marL="0" indent="0">
+            <a:pPr marL="457200" lvl="1" indent="0">
+              <a:buNone/>
+            </a:pPr>
+            <a:r>
+              <a:rPr lang="en-US" sz="1800" dirty="0" smtClean="0">
+                <a:latin typeface="Consolas" panose="020B0609020204030204" pitchFamily="49" charset="0"/>
+                <a:cs typeface="Consolas" panose="020B0609020204030204" pitchFamily="49" charset="0"/>
+              </a:rPr>
+              <a:t>c</a:t>
+            </a:r>
+            <a:r>
+              <a:rPr lang="en-US" sz="1800" dirty="0">
+                <a:latin typeface="Consolas" panose="020B0609020204030204" pitchFamily="49" charset="0"/>
+                <a:cs typeface="Consolas" panose="020B0609020204030204" pitchFamily="49" charset="0"/>
+              </a:rPr>
+              <a:t>:\apps\WinDDK\7600.16385.1</a:t>
+            </a:r>
+            <a:r>
+              <a:rPr lang="en-US" sz="1800" dirty="0" smtClean="0">
+                <a:latin typeface="Consolas" panose="020B0609020204030204" pitchFamily="49" charset="0"/>
+                <a:cs typeface="Consolas" panose="020B0609020204030204" pitchFamily="49" charset="0"/>
+              </a:rPr>
+              <a:t>&gt; bin\setenv.bat </a:t>
+            </a:r>
+            <a:r>
+              <a:rPr lang="en-US" sz="1800" dirty="0">
+                <a:latin typeface="Consolas" panose="020B0609020204030204" pitchFamily="49" charset="0"/>
+                <a:cs typeface="Consolas" panose="020B0609020204030204" pitchFamily="49" charset="0"/>
+              </a:rPr>
+              <a:t>. WLH</a:t>
+            </a:r>
+          </a:p>
+          <a:p>
+            <a:pPr marL="457200" lvl="1" indent="0">
               <a:buNone/>
             </a:pPr>
             <a:endParaRPr lang="en-US" sz="1800" dirty="0">
@@ -4475,50 +4378,22 @@
             </a:endParaRPr>
           </a:p>
           <a:p>
-            <a:pPr marL="0" indent="0">
-              <a:buNone/>
-            </a:pPr>
-            <a:r>
-              <a:rPr lang="en-US" sz="1800" b="1" dirty="0" smtClean="0">
-                <a:latin typeface="Consolas" panose="020B0609020204030204" pitchFamily="49" charset="0"/>
-                <a:cs typeface="Consolas" panose="020B0609020204030204" pitchFamily="49" charset="0"/>
-              </a:rPr>
-              <a:t>vs2013</a:t>
-            </a:r>
-            <a:r>
-              <a:rPr lang="en-US" sz="1800" dirty="0" smtClean="0">
-                <a:latin typeface="Consolas" panose="020B0609020204030204" pitchFamily="49" charset="0"/>
-                <a:cs typeface="Consolas" panose="020B0609020204030204" pitchFamily="49" charset="0"/>
-              </a:rPr>
-              <a:t>env: Microsoft </a:t>
-            </a:r>
+            <a:pPr marL="457200" lvl="1" indent="0">
+              <a:buNone/>
+            </a:pPr>
             <a:r>
               <a:rPr lang="en-US" sz="1800" dirty="0">
                 <a:latin typeface="Consolas" panose="020B0609020204030204" pitchFamily="49" charset="0"/>
                 <a:cs typeface="Consolas" panose="020B0609020204030204" pitchFamily="49" charset="0"/>
               </a:rPr>
-              <a:t>(R) C/C++ Optimizing Compiler Version </a:t>
-            </a:r>
-            <a:r>
-              <a:rPr lang="en-US" sz="1800" b="1" dirty="0">
-                <a:latin typeface="Consolas" panose="020B0609020204030204" pitchFamily="49" charset="0"/>
-                <a:cs typeface="Consolas" panose="020B0609020204030204" pitchFamily="49" charset="0"/>
-              </a:rPr>
-              <a:t>18.00.31010</a:t>
-            </a:r>
-            <a:r>
-              <a:rPr lang="en-US" sz="1800" dirty="0">
-                <a:latin typeface="Consolas" panose="020B0609020204030204" pitchFamily="49" charset="0"/>
-                <a:cs typeface="Consolas" panose="020B0609020204030204" pitchFamily="49" charset="0"/>
-              </a:rPr>
-              <a:t> for </a:t>
-            </a:r>
-            <a:r>
-              <a:rPr lang="en-US" sz="1800" dirty="0" smtClean="0">
-                <a:latin typeface="Consolas" panose="020B0609020204030204" pitchFamily="49" charset="0"/>
-                <a:cs typeface="Consolas" panose="020B0609020204030204" pitchFamily="49" charset="0"/>
-              </a:rPr>
-              <a:t>x86</a:t>
+              <a:t>c:\apps\WinDDK\7600.16385.1</a:t>
+            </a:r>
+            <a:r>
+              <a:rPr lang="en-US" sz="1800" smtClean="0">
+                <a:latin typeface="Consolas" panose="020B0609020204030204" pitchFamily="49" charset="0"/>
+                <a:cs typeface="Consolas" panose="020B0609020204030204" pitchFamily="49" charset="0"/>
+              </a:rPr>
+              <a:t>&gt; cl.exe</a:t>
             </a:r>
             <a:endParaRPr lang="en-US" sz="1800" dirty="0">
               <a:latin typeface="Consolas" panose="020B0609020204030204" pitchFamily="49" charset="0"/>
@@ -4526,212 +4401,96 @@
             </a:endParaRPr>
           </a:p>
           <a:p>
-            <a:pPr marL="0" indent="0">
-              <a:buNone/>
-            </a:pPr>
-            <a:r>
-              <a:rPr lang="en-US" sz="1800" b="1" dirty="0" smtClean="0">
-                <a:latin typeface="Consolas" panose="020B0609020204030204" pitchFamily="49" charset="0"/>
-                <a:cs typeface="Consolas" panose="020B0609020204030204" pitchFamily="49" charset="0"/>
-              </a:rPr>
-              <a:t>vs2012</a:t>
-            </a:r>
-            <a:r>
-              <a:rPr lang="en-US" sz="1800" dirty="0" smtClean="0">
-                <a:latin typeface="Consolas" panose="020B0609020204030204" pitchFamily="49" charset="0"/>
-                <a:cs typeface="Consolas" panose="020B0609020204030204" pitchFamily="49" charset="0"/>
-              </a:rPr>
-              <a:t>env: Microsoft </a:t>
-            </a:r>
-            <a:r>
-              <a:rPr lang="en-US" sz="1800" dirty="0">
-                <a:latin typeface="Consolas" panose="020B0609020204030204" pitchFamily="49" charset="0"/>
-                <a:cs typeface="Consolas" panose="020B0609020204030204" pitchFamily="49" charset="0"/>
-              </a:rPr>
-              <a:t>(R) C/C++ Optimizing Compiler Version </a:t>
-            </a:r>
-            <a:r>
-              <a:rPr lang="en-US" sz="1800" b="1" dirty="0">
-                <a:latin typeface="Consolas" panose="020B0609020204030204" pitchFamily="49" charset="0"/>
-                <a:cs typeface="Consolas" panose="020B0609020204030204" pitchFamily="49" charset="0"/>
-              </a:rPr>
-              <a:t>17.00.61030</a:t>
-            </a:r>
-            <a:r>
-              <a:rPr lang="en-US" sz="1800" dirty="0">
-                <a:latin typeface="Consolas" panose="020B0609020204030204" pitchFamily="49" charset="0"/>
-                <a:cs typeface="Consolas" panose="020B0609020204030204" pitchFamily="49" charset="0"/>
-              </a:rPr>
-              <a:t> for </a:t>
-            </a:r>
-            <a:r>
-              <a:rPr lang="en-US" sz="1800" dirty="0" smtClean="0">
-                <a:latin typeface="Consolas" panose="020B0609020204030204" pitchFamily="49" charset="0"/>
-                <a:cs typeface="Consolas" panose="020B0609020204030204" pitchFamily="49" charset="0"/>
-              </a:rPr>
-              <a:t>x86</a:t>
-            </a:r>
+            <a:pPr marL="457200" lvl="1" indent="0">
+              <a:buNone/>
+            </a:pPr>
             <a:endParaRPr lang="en-US" sz="1800" dirty="0">
               <a:latin typeface="Consolas" panose="020B0609020204030204" pitchFamily="49" charset="0"/>
               <a:cs typeface="Consolas" panose="020B0609020204030204" pitchFamily="49" charset="0"/>
             </a:endParaRPr>
           </a:p>
           <a:p>
-            <a:pPr marL="0" indent="0">
-              <a:buNone/>
-            </a:pPr>
+            <a:pPr marL="457200" lvl="1" indent="0">
+              <a:buNone/>
+            </a:pPr>
+            <a:r>
+              <a:rPr lang="en-US" sz="1800" dirty="0">
+                <a:latin typeface="Consolas" panose="020B0609020204030204" pitchFamily="49" charset="0"/>
+                <a:cs typeface="Consolas" panose="020B0609020204030204" pitchFamily="49" charset="0"/>
+              </a:rPr>
+              <a:t>Microsoft (R) 32-bit C/C++ Optimizing Compiler Version </a:t>
+            </a:r>
+            <a:r>
+              <a:rPr lang="en-US" sz="1800" b="1" dirty="0">
+                <a:latin typeface="Consolas" panose="020B0609020204030204" pitchFamily="49" charset="0"/>
+                <a:cs typeface="Consolas" panose="020B0609020204030204" pitchFamily="49" charset="0"/>
+              </a:rPr>
+              <a:t>15.00.30729.207</a:t>
+            </a:r>
+            <a:r>
+              <a:rPr lang="en-US" sz="1800" dirty="0">
+                <a:latin typeface="Consolas" panose="020B0609020204030204" pitchFamily="49" charset="0"/>
+                <a:cs typeface="Consolas" panose="020B0609020204030204" pitchFamily="49" charset="0"/>
+              </a:rPr>
+              <a:t> for </a:t>
+            </a:r>
             <a:r>
               <a:rPr lang="en-US" sz="1800" dirty="0" smtClean="0">
                 <a:latin typeface="Consolas" panose="020B0609020204030204" pitchFamily="49" charset="0"/>
                 <a:cs typeface="Consolas" panose="020B0609020204030204" pitchFamily="49" charset="0"/>
               </a:rPr>
-              <a:t>vs</a:t>
-            </a:r>
-            <a:r>
-              <a:rPr lang="en-US" sz="1800" b="1" dirty="0" smtClean="0">
-                <a:latin typeface="Consolas" panose="020B0609020204030204" pitchFamily="49" charset="0"/>
-                <a:cs typeface="Consolas" panose="020B0609020204030204" pitchFamily="49" charset="0"/>
-              </a:rPr>
-              <a:t>2010</a:t>
-            </a:r>
-            <a:r>
-              <a:rPr lang="en-US" sz="1800" dirty="0" smtClean="0">
-                <a:latin typeface="Consolas" panose="020B0609020204030204" pitchFamily="49" charset="0"/>
-                <a:cs typeface="Consolas" panose="020B0609020204030204" pitchFamily="49" charset="0"/>
-              </a:rPr>
-              <a:t>env: Microsoft </a:t>
-            </a:r>
-            <a:r>
-              <a:rPr lang="en-US" sz="1800" dirty="0">
-                <a:latin typeface="Consolas" panose="020B0609020204030204" pitchFamily="49" charset="0"/>
-                <a:cs typeface="Consolas" panose="020B0609020204030204" pitchFamily="49" charset="0"/>
-              </a:rPr>
-              <a:t>(R) 32-bit C/C++ Optimizing Compiler Version </a:t>
-            </a:r>
-            <a:r>
-              <a:rPr lang="en-US" sz="1800" b="1" dirty="0">
-                <a:latin typeface="Consolas" panose="020B0609020204030204" pitchFamily="49" charset="0"/>
-                <a:cs typeface="Consolas" panose="020B0609020204030204" pitchFamily="49" charset="0"/>
-              </a:rPr>
-              <a:t>16.00.40219.01</a:t>
-            </a:r>
-            <a:r>
-              <a:rPr lang="en-US" sz="1800" dirty="0">
-                <a:latin typeface="Consolas" panose="020B0609020204030204" pitchFamily="49" charset="0"/>
-                <a:cs typeface="Consolas" panose="020B0609020204030204" pitchFamily="49" charset="0"/>
-              </a:rPr>
-              <a:t> for </a:t>
-            </a:r>
-            <a:r>
-              <a:rPr lang="en-US" sz="1800" dirty="0" smtClean="0">
-                <a:latin typeface="Consolas" panose="020B0609020204030204" pitchFamily="49" charset="0"/>
-                <a:cs typeface="Consolas" panose="020B0609020204030204" pitchFamily="49" charset="0"/>
-              </a:rPr>
               <a:t>80x86</a:t>
             </a:r>
+          </a:p>
+          <a:p>
+            <a:pPr marL="457200" lvl="1" indent="0">
+              <a:buNone/>
+            </a:pPr>
             <a:endParaRPr lang="en-US" sz="1800" dirty="0">
               <a:latin typeface="Consolas" panose="020B0609020204030204" pitchFamily="49" charset="0"/>
               <a:cs typeface="Consolas" panose="020B0609020204030204" pitchFamily="49" charset="0"/>
             </a:endParaRPr>
           </a:p>
           <a:p>
-            <a:pPr marL="0" indent="0">
-              <a:buNone/>
-            </a:pPr>
-            <a:r>
-              <a:rPr lang="en-US" sz="1800" dirty="0" smtClean="0">
-                <a:latin typeface="Consolas" panose="020B0609020204030204" pitchFamily="49" charset="0"/>
-                <a:cs typeface="Consolas" panose="020B0609020204030204" pitchFamily="49" charset="0"/>
-              </a:rPr>
-              <a:t>vs</a:t>
-            </a:r>
-            <a:r>
-              <a:rPr lang="en-US" sz="1800" b="1" dirty="0" smtClean="0">
-                <a:latin typeface="Consolas" panose="020B0609020204030204" pitchFamily="49" charset="0"/>
-                <a:cs typeface="Consolas" panose="020B0609020204030204" pitchFamily="49" charset="0"/>
-              </a:rPr>
-              <a:t>2008</a:t>
-            </a:r>
-            <a:r>
-              <a:rPr lang="en-US" sz="1800" dirty="0" smtClean="0">
-                <a:latin typeface="Consolas" panose="020B0609020204030204" pitchFamily="49" charset="0"/>
-                <a:cs typeface="Consolas" panose="020B0609020204030204" pitchFamily="49" charset="0"/>
-              </a:rPr>
-              <a:t>env: Microsoft </a:t>
-            </a:r>
+            <a:pPr marL="457200" lvl="1" indent="0">
+              <a:buNone/>
+            </a:pPr>
             <a:r>
               <a:rPr lang="en-US" sz="1800" dirty="0">
                 <a:latin typeface="Consolas" panose="020B0609020204030204" pitchFamily="49" charset="0"/>
                 <a:cs typeface="Consolas" panose="020B0609020204030204" pitchFamily="49" charset="0"/>
               </a:rPr>
-              <a:t>(R) 32-bit C/C++ Optimizing Compiler </a:t>
-            </a:r>
-            <a:r>
-              <a:rPr lang="en-US" sz="1800" dirty="0" smtClean="0">
-                <a:latin typeface="Consolas" panose="020B0609020204030204" pitchFamily="49" charset="0"/>
-                <a:cs typeface="Consolas" panose="020B0609020204030204" pitchFamily="49" charset="0"/>
-              </a:rPr>
-              <a:t>Version </a:t>
-            </a:r>
-            <a:r>
-              <a:rPr lang="en-US" sz="1800" b="1" dirty="0" smtClean="0">
-                <a:latin typeface="Consolas" panose="020B0609020204030204" pitchFamily="49" charset="0"/>
-                <a:cs typeface="Consolas" panose="020B0609020204030204" pitchFamily="49" charset="0"/>
-              </a:rPr>
-              <a:t>15.00.30729.01</a:t>
-            </a:r>
-            <a:r>
-              <a:rPr lang="en-US" sz="1800" dirty="0" smtClean="0">
-                <a:latin typeface="Consolas" panose="020B0609020204030204" pitchFamily="49" charset="0"/>
-                <a:cs typeface="Consolas" panose="020B0609020204030204" pitchFamily="49" charset="0"/>
-              </a:rPr>
-              <a:t> </a:t>
-            </a:r>
+              <a:t>Copyright (C) Microsoft Corporation.  All rights reserved.</a:t>
+            </a:r>
+          </a:p>
+          <a:p>
+            <a:pPr marL="457200" lvl="1" indent="0">
+              <a:buNone/>
+            </a:pPr>
             <a:r>
               <a:rPr lang="en-US" sz="1800" dirty="0">
                 <a:latin typeface="Consolas" panose="020B0609020204030204" pitchFamily="49" charset="0"/>
                 <a:cs typeface="Consolas" panose="020B0609020204030204" pitchFamily="49" charset="0"/>
               </a:rPr>
-              <a:t>for </a:t>
-            </a:r>
-            <a:r>
-              <a:rPr lang="en-US" sz="1800" dirty="0" smtClean="0">
-                <a:latin typeface="Consolas" panose="020B0609020204030204" pitchFamily="49" charset="0"/>
-                <a:cs typeface="Consolas" panose="020B0609020204030204" pitchFamily="49" charset="0"/>
-              </a:rPr>
-              <a:t>80x86</a:t>
-            </a:r>
-          </a:p>
-          <a:p>
-            <a:pPr marL="0" indent="0">
-              <a:buNone/>
-            </a:pPr>
+              <a:t>usage: cl [ option... ] filename... [ /link </a:t>
+            </a:r>
+            <a:r>
+              <a:rPr lang="en-US" sz="1800" dirty="0" err="1">
+                <a:latin typeface="Consolas" panose="020B0609020204030204" pitchFamily="49" charset="0"/>
+                <a:cs typeface="Consolas" panose="020B0609020204030204" pitchFamily="49" charset="0"/>
+              </a:rPr>
+              <a:t>linkoption</a:t>
+            </a:r>
             <a:r>
               <a:rPr lang="en-US" sz="1800" dirty="0">
                 <a:latin typeface="Consolas" panose="020B0609020204030204" pitchFamily="49" charset="0"/>
                 <a:cs typeface="Consolas" panose="020B0609020204030204" pitchFamily="49" charset="0"/>
               </a:rPr>
-              <a:t>vs</a:t>
-            </a:r>
-            <a:r>
-              <a:rPr lang="en-US" sz="1800" b="1" dirty="0">
-                <a:latin typeface="Consolas" panose="020B0609020204030204" pitchFamily="49" charset="0"/>
-                <a:cs typeface="Consolas" panose="020B0609020204030204" pitchFamily="49" charset="0"/>
-              </a:rPr>
-              <a:t>2014</a:t>
-            </a:r>
-            <a:r>
-              <a:rPr lang="en-US" sz="1800" dirty="0">
-                <a:latin typeface="Consolas" panose="020B0609020204030204" pitchFamily="49" charset="0"/>
-                <a:cs typeface="Consolas" panose="020B0609020204030204" pitchFamily="49" charset="0"/>
-              </a:rPr>
-              <a:t>env: Microsoft (R) C/C++ Optimizing Compiler Version 19.00.22129.1 for x86</a:t>
-            </a:r>
-          </a:p>
-          <a:p>
-            <a:pPr marL="0" indent="0">
-              <a:buNone/>
-            </a:pPr>
+              <a:t>... ]</a:t>
+            </a:r>
+          </a:p>
+          <a:p>
+            <a:pPr lvl="1"/>
             <a:endParaRPr lang="en-US" sz="1800" dirty="0">
               <a:latin typeface="Consolas" panose="020B0609020204030204" pitchFamily="49" charset="0"/>
               <a:cs typeface="Consolas" panose="020B0609020204030204" pitchFamily="49" charset="0"/>
@@ -4742,7 +4501,7 @@
     </p:spTree>
     <p:extLst>
       <p:ext uri="{BB962C8B-B14F-4D97-AF65-F5344CB8AC3E}">
-        <p14:creationId xmlns:p14="http://schemas.microsoft.com/office/powerpoint/2010/main" val="82139143"/>
+        <p14:creationId xmlns:p14="http://schemas.microsoft.com/office/powerpoint/2010/main" val="2118868596"/>
       </p:ext>
     </p:extLst>
   </p:cSld>
@@ -4793,11 +4552,7 @@
           <a:p>
             <a:r>
               <a:rPr lang="en-US" smtClean="0"/>
-              <a:t>MS C/C</a:t>
-            </a:r>
-            <a:r>
-              <a:rPr lang="en-US" dirty="0" smtClean="0"/>
-              <a:t>++ runtime dependencies</a:t>
+              <a:t>Which C++ compiler?</a:t>
             </a:r>
             <a:endParaRPr lang="en-US" dirty="0"/>
           </a:p>
@@ -4816,7 +4571,7 @@
         <p:spPr/>
         <p:txBody>
           <a:bodyPr>
-            <a:normAutofit fontScale="62500" lnSpcReduction="20000"/>
+            <a:normAutofit lnSpcReduction="10000"/>
           </a:bodyPr>
           <a:lstStyle/>
           <a:p>
@@ -4824,75 +4579,61 @@
               <a:buNone/>
             </a:pPr>
             <a:r>
-              <a:rPr lang="en-US" dirty="0">
-                <a:latin typeface="Consolas" panose="020B0609020204030204" pitchFamily="49" charset="0"/>
-                <a:cs typeface="Consolas" panose="020B0609020204030204" pitchFamily="49" charset="0"/>
-              </a:rPr>
-              <a:t>c:\apps\vs2013\VC\redist\x64</a:t>
-            </a:r>
-            <a:r>
-              <a:rPr lang="en-US" dirty="0" smtClean="0">
-                <a:latin typeface="Consolas" panose="020B0609020204030204" pitchFamily="49" charset="0"/>
-                <a:cs typeface="Consolas" panose="020B0609020204030204" pitchFamily="49" charset="0"/>
-              </a:rPr>
-              <a:t>&gt; tree </a:t>
-            </a:r>
-            <a:r>
-              <a:rPr lang="en-US" dirty="0">
-                <a:latin typeface="Consolas" panose="020B0609020204030204" pitchFamily="49" charset="0"/>
-                <a:cs typeface="Consolas" panose="020B0609020204030204" pitchFamily="49" charset="0"/>
-              </a:rPr>
-              <a:t>/f /a</a:t>
-            </a:r>
+              <a:rPr lang="en-US" sz="2600" dirty="0" smtClean="0">
+                <a:cs typeface="Consolas" panose="020B0609020204030204" pitchFamily="49" charset="0"/>
+              </a:rPr>
+              <a:t>Set </a:t>
+            </a:r>
+            <a:r>
+              <a:rPr lang="en-US" sz="2600" dirty="0">
+                <a:cs typeface="Consolas" panose="020B0609020204030204" pitchFamily="49" charset="0"/>
+              </a:rPr>
+              <a:t>the environment; run </a:t>
+            </a:r>
+            <a:r>
+              <a:rPr lang="en-US" sz="2600" dirty="0" smtClean="0">
+                <a:cs typeface="Consolas" panose="020B0609020204030204" pitchFamily="49" charset="0"/>
+              </a:rPr>
+              <a:t>CL.EXE</a:t>
+            </a:r>
+          </a:p>
+          <a:p>
+            <a:r>
+              <a:rPr lang="en-US" sz="2600" dirty="0" smtClean="0">
+                <a:cs typeface="Consolas" panose="020B0609020204030204" pitchFamily="49" charset="0"/>
+              </a:rPr>
+              <a:t>Visual Studio help/about: fail</a:t>
+            </a:r>
+          </a:p>
+          <a:p>
+            <a:r>
+              <a:rPr lang="en-US" sz="2600" dirty="0" smtClean="0">
+                <a:cs typeface="Consolas" panose="020B0609020204030204" pitchFamily="49" charset="0"/>
+              </a:rPr>
+              <a:t>Look for “C++” </a:t>
+            </a:r>
+            <a:r>
+              <a:rPr lang="en-US" sz="2600" dirty="0" smtClean="0">
+                <a:cs typeface="Consolas" panose="020B0609020204030204" pitchFamily="49" charset="0"/>
+                <a:hlinkClick r:id="rId2"/>
+              </a:rPr>
+              <a:t>here</a:t>
+            </a:r>
+            <a:r>
+              <a:rPr lang="en-US" sz="2600" dirty="0" smtClean="0">
+                <a:cs typeface="Consolas" panose="020B0609020204030204" pitchFamily="49" charset="0"/>
+              </a:rPr>
+              <a:t> for all MS C++ compiler versions</a:t>
+            </a:r>
+            <a:endParaRPr lang="en-US" sz="2600" dirty="0">
+              <a:cs typeface="Consolas" panose="020B0609020204030204" pitchFamily="49" charset="0"/>
+            </a:endParaRPr>
           </a:p>
           <a:p>
             <a:pPr marL="0" indent="0">
               <a:buNone/>
             </a:pPr>
-            <a:r>
-              <a:rPr lang="en-US" dirty="0" smtClean="0">
-                <a:latin typeface="Consolas" panose="020B0609020204030204" pitchFamily="49" charset="0"/>
-                <a:cs typeface="Consolas" panose="020B0609020204030204" pitchFamily="49" charset="0"/>
-              </a:rPr>
-              <a:t>+---</a:t>
-            </a:r>
-            <a:r>
-              <a:rPr lang="en-US" dirty="0">
-                <a:latin typeface="Consolas" panose="020B0609020204030204" pitchFamily="49" charset="0"/>
-                <a:cs typeface="Consolas" panose="020B0609020204030204" pitchFamily="49" charset="0"/>
-              </a:rPr>
-              <a:t>Microsoft.VC120.CRT</a:t>
-            </a:r>
-          </a:p>
-          <a:p>
-            <a:pPr marL="0" indent="0">
-              <a:buNone/>
-            </a:pPr>
-            <a:r>
-              <a:rPr lang="en-US" dirty="0">
-                <a:latin typeface="Consolas" panose="020B0609020204030204" pitchFamily="49" charset="0"/>
-                <a:cs typeface="Consolas" panose="020B0609020204030204" pitchFamily="49" charset="0"/>
-              </a:rPr>
-              <a:t>|       </a:t>
-            </a:r>
-            <a:r>
-              <a:rPr lang="en-US" b="1" dirty="0" smtClean="0">
-                <a:solidFill>
-                  <a:srgbClr val="FF0000"/>
-                </a:solidFill>
-                <a:latin typeface="Consolas" panose="020B0609020204030204" pitchFamily="49" charset="0"/>
-                <a:cs typeface="Consolas" panose="020B0609020204030204" pitchFamily="49" charset="0"/>
-              </a:rPr>
-              <a:t>msvcp120.dll</a:t>
-            </a:r>
-            <a:r>
-              <a:rPr lang="en-US" dirty="0" smtClean="0">
-                <a:latin typeface="Consolas" panose="020B0609020204030204" pitchFamily="49" charset="0"/>
-                <a:cs typeface="Consolas" panose="020B0609020204030204" pitchFamily="49" charset="0"/>
-              </a:rPr>
-              <a:t>	// C++ runtime</a:t>
-            </a:r>
-            <a:endParaRPr lang="en-US" dirty="0">
+            <a:endParaRPr lang="en-US" sz="1800" dirty="0">
               <a:latin typeface="Consolas" panose="020B0609020204030204" pitchFamily="49" charset="0"/>
               <a:cs typeface="Consolas" panose="020B0609020204030204" pitchFamily="49" charset="0"/>
             </a:endParaRPr>
@@ -4902,30 +4643,48 @@
               <a:buNone/>
             </a:pPr>
             <a:r>
-              <a:rPr lang="en-US" dirty="0">
-                <a:latin typeface="Consolas" panose="020B0609020204030204" pitchFamily="49" charset="0"/>
-                <a:cs typeface="Consolas" panose="020B0609020204030204" pitchFamily="49" charset="0"/>
-              </a:rPr>
-              <a:t>|       </a:t>
-            </a:r>
-            <a:r>
-              <a:rPr lang="en-US" b="1" dirty="0" smtClean="0">
-                <a:solidFill>
-                  <a:srgbClr val="FF0000"/>
-                </a:solidFill>
-                <a:latin typeface="Consolas" panose="020B0609020204030204" pitchFamily="49" charset="0"/>
-                <a:cs typeface="Consolas" panose="020B0609020204030204" pitchFamily="49" charset="0"/>
-              </a:rPr>
-              <a:t>msvcr120.dll</a:t>
-            </a:r>
-            <a:r>
-              <a:rPr lang="en-US" dirty="0" smtClean="0">
-                <a:latin typeface="Consolas" panose="020B0609020204030204" pitchFamily="49" charset="0"/>
-                <a:cs typeface="Consolas" panose="020B0609020204030204" pitchFamily="49" charset="0"/>
-              </a:rPr>
-              <a:t>	// C runtime</a:t>
-            </a:r>
-            <a:endParaRPr lang="en-US" dirty="0">
+              <a:rPr lang="en-US" sz="1800" b="1" dirty="0" smtClean="0">
+                <a:latin typeface="Consolas" panose="020B0609020204030204" pitchFamily="49" charset="0"/>
+                <a:cs typeface="Consolas" panose="020B0609020204030204" pitchFamily="49" charset="0"/>
+              </a:rPr>
+              <a:t>vs2013</a:t>
+            </a:r>
+            <a:r>
+              <a:rPr lang="en-US" sz="1800" dirty="0" smtClean="0">
+                <a:latin typeface="Consolas" panose="020B0609020204030204" pitchFamily="49" charset="0"/>
+                <a:cs typeface="Consolas" panose="020B0609020204030204" pitchFamily="49" charset="0"/>
+              </a:rPr>
+              <a:t>env: Microsoft </a:t>
+            </a:r>
+            <a:r>
+              <a:rPr lang="en-US" sz="1800" dirty="0">
+                <a:latin typeface="Consolas" panose="020B0609020204030204" pitchFamily="49" charset="0"/>
+                <a:cs typeface="Consolas" panose="020B0609020204030204" pitchFamily="49" charset="0"/>
+              </a:rPr>
+              <a:t>(R) C/C++ Optimizing Compiler Version </a:t>
+            </a:r>
+            <a:r>
+              <a:rPr lang="en-US" sz="1800" b="1" dirty="0">
+                <a:latin typeface="Consolas" panose="020B0609020204030204" pitchFamily="49" charset="0"/>
+                <a:cs typeface="Consolas" panose="020B0609020204030204" pitchFamily="49" charset="0"/>
+              </a:rPr>
+              <a:t>18.00.31010</a:t>
+            </a:r>
+            <a:r>
+              <a:rPr lang="en-US" sz="1800" dirty="0">
+                <a:latin typeface="Consolas" panose="020B0609020204030204" pitchFamily="49" charset="0"/>
+                <a:cs typeface="Consolas" panose="020B0609020204030204" pitchFamily="49" charset="0"/>
+              </a:rPr>
+              <a:t> for </a:t>
+            </a:r>
+            <a:r>
+              <a:rPr lang="en-US" sz="1800" dirty="0" smtClean="0">
+                <a:latin typeface="Consolas" panose="020B0609020204030204" pitchFamily="49" charset="0"/>
+                <a:cs typeface="Consolas" panose="020B0609020204030204" pitchFamily="49" charset="0"/>
+              </a:rPr>
+              <a:t>x86</a:t>
+            </a:r>
+            <a:endParaRPr lang="en-US" sz="1800" dirty="0">
               <a:latin typeface="Consolas" panose="020B0609020204030204" pitchFamily="49" charset="0"/>
               <a:cs typeface="Consolas" panose="020B0609020204030204" pitchFamily="49" charset="0"/>
             </a:endParaRPr>
@@ -4935,20 +4694,48 @@
               <a:buNone/>
             </a:pPr>
             <a:r>
-              <a:rPr lang="en-US" dirty="0">
-                <a:latin typeface="Consolas" panose="020B0609020204030204" pitchFamily="49" charset="0"/>
-                <a:cs typeface="Consolas" panose="020B0609020204030204" pitchFamily="49" charset="0"/>
-              </a:rPr>
-              <a:t>|       </a:t>
-            </a:r>
-            <a:r>
-              <a:rPr lang="en-US" dirty="0" smtClean="0">
-                <a:latin typeface="Consolas" panose="020B0609020204030204" pitchFamily="49" charset="0"/>
-                <a:cs typeface="Consolas" panose="020B0609020204030204" pitchFamily="49" charset="0"/>
-              </a:rPr>
-              <a:t>vccorlib120.dll 	// C++/CLI</a:t>
-            </a:r>
-            <a:endParaRPr lang="en-US" dirty="0">
+              <a:rPr lang="en-US" sz="1800" b="1" dirty="0" smtClean="0">
+                <a:latin typeface="Consolas" panose="020B0609020204030204" pitchFamily="49" charset="0"/>
+                <a:cs typeface="Consolas" panose="020B0609020204030204" pitchFamily="49" charset="0"/>
+              </a:rPr>
+              <a:t>vs2012</a:t>
+            </a:r>
+            <a:r>
+              <a:rPr lang="en-US" sz="1800" dirty="0" smtClean="0">
+                <a:latin typeface="Consolas" panose="020B0609020204030204" pitchFamily="49" charset="0"/>
+                <a:cs typeface="Consolas" panose="020B0609020204030204" pitchFamily="49" charset="0"/>
+              </a:rPr>
+              <a:t>env: Microsoft </a:t>
+            </a:r>
+            <a:r>
+              <a:rPr lang="en-US" sz="1800" dirty="0">
+                <a:latin typeface="Consolas" panose="020B0609020204030204" pitchFamily="49" charset="0"/>
+                <a:cs typeface="Consolas" panose="020B0609020204030204" pitchFamily="49" charset="0"/>
+              </a:rPr>
+              <a:t>(R) C/C++ Optimizing Compiler Version </a:t>
+            </a:r>
+            <a:r>
+              <a:rPr lang="en-US" sz="1800" b="1" dirty="0">
+                <a:latin typeface="Consolas" panose="020B0609020204030204" pitchFamily="49" charset="0"/>
+                <a:cs typeface="Consolas" panose="020B0609020204030204" pitchFamily="49" charset="0"/>
+              </a:rPr>
+              <a:t>17.00.61030</a:t>
+            </a:r>
+            <a:r>
+              <a:rPr lang="en-US" sz="1800" dirty="0">
+                <a:latin typeface="Consolas" panose="020B0609020204030204" pitchFamily="49" charset="0"/>
+                <a:cs typeface="Consolas" panose="020B0609020204030204" pitchFamily="49" charset="0"/>
+              </a:rPr>
+              <a:t> for </a:t>
+            </a:r>
+            <a:r>
+              <a:rPr lang="en-US" sz="1800" dirty="0" smtClean="0">
+                <a:latin typeface="Consolas" panose="020B0609020204030204" pitchFamily="49" charset="0"/>
+                <a:cs typeface="Consolas" panose="020B0609020204030204" pitchFamily="49" charset="0"/>
+              </a:rPr>
+              <a:t>x86</a:t>
+            </a:r>
+            <a:endParaRPr lang="en-US" sz="1800" dirty="0">
               <a:latin typeface="Consolas" panose="020B0609020204030204" pitchFamily="49" charset="0"/>
               <a:cs typeface="Consolas" panose="020B0609020204030204" pitchFamily="49" charset="0"/>
             </a:endParaRPr>
@@ -4958,127 +4745,55 @@
               <a:buNone/>
             </a:pPr>
             <a:r>
-              <a:rPr lang="en-US" dirty="0" smtClean="0">
-                <a:latin typeface="Consolas" panose="020B0609020204030204" pitchFamily="49" charset="0"/>
-                <a:cs typeface="Consolas" panose="020B0609020204030204" pitchFamily="49" charset="0"/>
-              </a:rPr>
-              <a:t>+---</a:t>
-            </a:r>
-            <a:r>
-              <a:rPr lang="en-US" dirty="0">
-                <a:latin typeface="Consolas" panose="020B0609020204030204" pitchFamily="49" charset="0"/>
-                <a:cs typeface="Consolas" panose="020B0609020204030204" pitchFamily="49" charset="0"/>
-              </a:rPr>
-              <a:t>Microsoft.VC120.CXXAMP</a:t>
-            </a:r>
-          </a:p>
-          <a:p>
-            <a:pPr marL="0" indent="0">
-              <a:buNone/>
-            </a:pPr>
-            <a:r>
-              <a:rPr lang="en-US" dirty="0">
-                <a:latin typeface="Consolas" panose="020B0609020204030204" pitchFamily="49" charset="0"/>
-                <a:cs typeface="Consolas" panose="020B0609020204030204" pitchFamily="49" charset="0"/>
-              </a:rPr>
-              <a:t>|       vcamp120.dll</a:t>
-            </a:r>
-          </a:p>
-          <a:p>
-            <a:pPr marL="0" indent="0">
-              <a:buNone/>
-            </a:pPr>
-            <a:r>
-              <a:rPr lang="en-US" dirty="0" smtClean="0">
-                <a:latin typeface="Consolas" panose="020B0609020204030204" pitchFamily="49" charset="0"/>
-                <a:cs typeface="Consolas" panose="020B0609020204030204" pitchFamily="49" charset="0"/>
-              </a:rPr>
-              <a:t>+---</a:t>
-            </a:r>
-            <a:r>
-              <a:rPr lang="en-US" dirty="0">
-                <a:latin typeface="Consolas" panose="020B0609020204030204" pitchFamily="49" charset="0"/>
-                <a:cs typeface="Consolas" panose="020B0609020204030204" pitchFamily="49" charset="0"/>
-              </a:rPr>
-              <a:t>Microsoft.VC120.MFC</a:t>
-            </a:r>
-          </a:p>
-          <a:p>
-            <a:pPr marL="0" indent="0">
-              <a:buNone/>
-            </a:pPr>
-            <a:r>
-              <a:rPr lang="en-US" dirty="0">
-                <a:latin typeface="Consolas" panose="020B0609020204030204" pitchFamily="49" charset="0"/>
-                <a:cs typeface="Consolas" panose="020B0609020204030204" pitchFamily="49" charset="0"/>
-              </a:rPr>
-              <a:t>|       mfc120u.dll</a:t>
-            </a:r>
-          </a:p>
-          <a:p>
-            <a:pPr marL="0" indent="0">
-              <a:buNone/>
-            </a:pPr>
-            <a:r>
-              <a:rPr lang="en-US" dirty="0">
-                <a:latin typeface="Consolas" panose="020B0609020204030204" pitchFamily="49" charset="0"/>
-                <a:cs typeface="Consolas" panose="020B0609020204030204" pitchFamily="49" charset="0"/>
-              </a:rPr>
-              <a:t>|       mfcm120u.dll</a:t>
-            </a:r>
-          </a:p>
-          <a:p>
-            <a:pPr marL="0" indent="0">
-              <a:buNone/>
-            </a:pPr>
-            <a:r>
-              <a:rPr lang="en-US" dirty="0" smtClean="0">
-                <a:latin typeface="Consolas" panose="020B0609020204030204" pitchFamily="49" charset="0"/>
-                <a:cs typeface="Consolas" panose="020B0609020204030204" pitchFamily="49" charset="0"/>
-              </a:rPr>
-              <a:t>+---</a:t>
-            </a:r>
-            <a:r>
-              <a:rPr lang="en-US" dirty="0">
-                <a:latin typeface="Consolas" panose="020B0609020204030204" pitchFamily="49" charset="0"/>
-                <a:cs typeface="Consolas" panose="020B0609020204030204" pitchFamily="49" charset="0"/>
-              </a:rPr>
-              <a:t>Microsoft.VC120.MFCLOC</a:t>
-            </a:r>
-          </a:p>
-          <a:p>
-            <a:pPr marL="0" indent="0">
-              <a:buNone/>
-            </a:pPr>
-            <a:r>
-              <a:rPr lang="en-US" dirty="0">
-                <a:latin typeface="Consolas" panose="020B0609020204030204" pitchFamily="49" charset="0"/>
-                <a:cs typeface="Consolas" panose="020B0609020204030204" pitchFamily="49" charset="0"/>
-              </a:rPr>
-              <a:t>|       </a:t>
-            </a:r>
-            <a:r>
-              <a:rPr lang="en-US" dirty="0" smtClean="0">
-                <a:latin typeface="Consolas" panose="020B0609020204030204" pitchFamily="49" charset="0"/>
-                <a:cs typeface="Consolas" panose="020B0609020204030204" pitchFamily="49" charset="0"/>
-              </a:rPr>
-              <a:t>//</a:t>
-            </a:r>
-            <a:r>
-              <a:rPr lang="en-US" dirty="0" err="1" smtClean="0">
-                <a:latin typeface="Consolas" panose="020B0609020204030204" pitchFamily="49" charset="0"/>
-                <a:cs typeface="Consolas" panose="020B0609020204030204" pitchFamily="49" charset="0"/>
-              </a:rPr>
-              <a:t>mfc</a:t>
-            </a:r>
-            <a:r>
-              <a:rPr lang="en-US" dirty="0" smtClean="0">
-                <a:latin typeface="Consolas" panose="020B0609020204030204" pitchFamily="49" charset="0"/>
-                <a:cs typeface="Consolas" panose="020B0609020204030204" pitchFamily="49" charset="0"/>
-              </a:rPr>
-              <a:t> localized stuff</a:t>
-            </a:r>
-            <a:endParaRPr lang="en-US" dirty="0">
+              <a:rPr lang="en-US" sz="1800" dirty="0" smtClean="0">
+                <a:latin typeface="Consolas" panose="020B0609020204030204" pitchFamily="49" charset="0"/>
+                <a:cs typeface="Consolas" panose="020B0609020204030204" pitchFamily="49" charset="0"/>
+              </a:rPr>
+              <a:t>vs</a:t>
+            </a:r>
+            <a:r>
+              <a:rPr lang="en-US" sz="1800" b="1" dirty="0" smtClean="0">
+                <a:latin typeface="Consolas" panose="020B0609020204030204" pitchFamily="49" charset="0"/>
+                <a:cs typeface="Consolas" panose="020B0609020204030204" pitchFamily="49" charset="0"/>
+              </a:rPr>
+              <a:t>2010</a:t>
+            </a:r>
+            <a:r>
+              <a:rPr lang="en-US" sz="1800" dirty="0" smtClean="0">
+                <a:latin typeface="Consolas" panose="020B0609020204030204" pitchFamily="49" charset="0"/>
+                <a:cs typeface="Consolas" panose="020B0609020204030204" pitchFamily="49" charset="0"/>
+              </a:rPr>
+              <a:t>env: Microsoft </a:t>
+            </a:r>
+            <a:r>
+              <a:rPr lang="en-US" sz="1800" dirty="0">
+                <a:latin typeface="Consolas" panose="020B0609020204030204" pitchFamily="49" charset="0"/>
+                <a:cs typeface="Consolas" panose="020B0609020204030204" pitchFamily="49" charset="0"/>
+              </a:rPr>
+              <a:t>(R) 32-bit C/C++ Optimizing Compiler Version </a:t>
+            </a:r>
+            <a:r>
+              <a:rPr lang="en-US" sz="1800" b="1" dirty="0">
+                <a:latin typeface="Consolas" panose="020B0609020204030204" pitchFamily="49" charset="0"/>
+                <a:cs typeface="Consolas" panose="020B0609020204030204" pitchFamily="49" charset="0"/>
+              </a:rPr>
+              <a:t>16.00.40219.01</a:t>
+            </a:r>
+            <a:r>
+              <a:rPr lang="en-US" sz="1800" dirty="0">
+                <a:latin typeface="Consolas" panose="020B0609020204030204" pitchFamily="49" charset="0"/>
+                <a:cs typeface="Consolas" panose="020B0609020204030204" pitchFamily="49" charset="0"/>
+              </a:rPr>
+              <a:t> for </a:t>
+            </a:r>
+            <a:r>
+              <a:rPr lang="en-US" sz="1800" dirty="0" smtClean="0">
+                <a:latin typeface="Consolas" panose="020B0609020204030204" pitchFamily="49" charset="0"/>
+                <a:cs typeface="Consolas" panose="020B0609020204030204" pitchFamily="49" charset="0"/>
+              </a:rPr>
+              <a:t>80x86</a:t>
+            </a:r>
+            <a:endParaRPr lang="en-US" sz="1800" dirty="0">
               <a:latin typeface="Consolas" panose="020B0609020204030204" pitchFamily="49" charset="0"/>
               <a:cs typeface="Consolas" panose="020B0609020204030204" pitchFamily="49" charset="0"/>
             </a:endParaRPr>
@@ -5088,18 +4803,67 @@
               <a:buNone/>
             </a:pPr>
             <a:r>
-              <a:rPr lang="en-US" dirty="0" smtClean="0">
-                <a:latin typeface="Consolas" panose="020B0609020204030204" pitchFamily="49" charset="0"/>
-                <a:cs typeface="Consolas" panose="020B0609020204030204" pitchFamily="49" charset="0"/>
-              </a:rPr>
-              <a:t>\---</a:t>
-            </a:r>
-            <a:r>
-              <a:rPr lang="en-US" dirty="0">
-                <a:latin typeface="Consolas" panose="020B0609020204030204" pitchFamily="49" charset="0"/>
-                <a:cs typeface="Consolas" panose="020B0609020204030204" pitchFamily="49" charset="0"/>
-              </a:rPr>
-              <a:t>Microsoft.VC120.OpenMP</a:t>
+              <a:rPr lang="en-US" sz="1800" dirty="0" smtClean="0">
+                <a:latin typeface="Consolas" panose="020B0609020204030204" pitchFamily="49" charset="0"/>
+                <a:cs typeface="Consolas" panose="020B0609020204030204" pitchFamily="49" charset="0"/>
+              </a:rPr>
+              <a:t>vs</a:t>
+            </a:r>
+            <a:r>
+              <a:rPr lang="en-US" sz="1800" b="1" dirty="0" smtClean="0">
+                <a:latin typeface="Consolas" panose="020B0609020204030204" pitchFamily="49" charset="0"/>
+                <a:cs typeface="Consolas" panose="020B0609020204030204" pitchFamily="49" charset="0"/>
+              </a:rPr>
+              <a:t>2008</a:t>
+            </a:r>
+            <a:r>
+              <a:rPr lang="en-US" sz="1800" dirty="0" smtClean="0">
+                <a:latin typeface="Consolas" panose="020B0609020204030204" pitchFamily="49" charset="0"/>
+                <a:cs typeface="Consolas" panose="020B0609020204030204" pitchFamily="49" charset="0"/>
+              </a:rPr>
+              <a:t>env: Microsoft </a:t>
+            </a:r>
+            <a:r>
+              <a:rPr lang="en-US" sz="1800" dirty="0">
+                <a:latin typeface="Consolas" panose="020B0609020204030204" pitchFamily="49" charset="0"/>
+                <a:cs typeface="Consolas" panose="020B0609020204030204" pitchFamily="49" charset="0"/>
+              </a:rPr>
+              <a:t>(R) 32-bit C/C++ Optimizing Compiler </a:t>
+            </a:r>
+            <a:r>
+              <a:rPr lang="en-US" sz="1800" dirty="0" smtClean="0">
+                <a:latin typeface="Consolas" panose="020B0609020204030204" pitchFamily="49" charset="0"/>
+                <a:cs typeface="Consolas" panose="020B0609020204030204" pitchFamily="49" charset="0"/>
+              </a:rPr>
+              <a:t>Version </a:t>
+            </a:r>
+            <a:r>
+              <a:rPr lang="en-US" sz="1800" b="1" dirty="0" smtClean="0">
+                <a:latin typeface="Consolas" panose="020B0609020204030204" pitchFamily="49" charset="0"/>
+                <a:cs typeface="Consolas" panose="020B0609020204030204" pitchFamily="49" charset="0"/>
+              </a:rPr>
+              <a:t>15.00.30729.01</a:t>
+            </a:r>
+            <a:r>
+              <a:rPr lang="en-US" sz="1800" dirty="0" smtClean="0">
+                <a:latin typeface="Consolas" panose="020B0609020204030204" pitchFamily="49" charset="0"/>
+                <a:cs typeface="Consolas" panose="020B0609020204030204" pitchFamily="49" charset="0"/>
+              </a:rPr>
+              <a:t> </a:t>
+            </a:r>
+            <a:r>
+              <a:rPr lang="en-US" sz="1800" dirty="0">
+                <a:latin typeface="Consolas" panose="020B0609020204030204" pitchFamily="49" charset="0"/>
+                <a:cs typeface="Consolas" panose="020B0609020204030204" pitchFamily="49" charset="0"/>
+              </a:rPr>
+              <a:t>for </a:t>
+            </a:r>
+            <a:r>
+              <a:rPr lang="en-US" sz="1800" dirty="0" smtClean="0">
+                <a:latin typeface="Consolas" panose="020B0609020204030204" pitchFamily="49" charset="0"/>
+                <a:cs typeface="Consolas" panose="020B0609020204030204" pitchFamily="49" charset="0"/>
+              </a:rPr>
+              <a:t>80x86</a:t>
             </a:r>
           </a:p>
           <a:p>
@@ -5107,25 +4871,42 @@
               <a:buNone/>
             </a:pPr>
             <a:r>
-              <a:rPr lang="en-US" dirty="0">
-                <a:latin typeface="Consolas" panose="020B0609020204030204" pitchFamily="49" charset="0"/>
-                <a:cs typeface="Consolas" panose="020B0609020204030204" pitchFamily="49" charset="0"/>
-              </a:rPr>
-              <a:t>        vcomp120.dll</a:t>
+              <a:rPr lang="en-US" sz="1800" dirty="0">
+                <a:latin typeface="Consolas" panose="020B0609020204030204" pitchFamily="49" charset="0"/>
+                <a:cs typeface="Consolas" panose="020B0609020204030204" pitchFamily="49" charset="0"/>
+              </a:rPr>
+              <a:t>vs</a:t>
+            </a:r>
+            <a:r>
+              <a:rPr lang="en-US" sz="1800" b="1" dirty="0">
+                <a:latin typeface="Consolas" panose="020B0609020204030204" pitchFamily="49" charset="0"/>
+                <a:cs typeface="Consolas" panose="020B0609020204030204" pitchFamily="49" charset="0"/>
+              </a:rPr>
+              <a:t>2014</a:t>
+            </a:r>
+            <a:r>
+              <a:rPr lang="en-US" sz="1800" dirty="0">
+                <a:latin typeface="Consolas" panose="020B0609020204030204" pitchFamily="49" charset="0"/>
+                <a:cs typeface="Consolas" panose="020B0609020204030204" pitchFamily="49" charset="0"/>
+              </a:rPr>
+              <a:t>env: Microsoft (R) C/C++ Optimizing Compiler Version 19.00.22129.1 for x86</a:t>
             </a:r>
           </a:p>
           <a:p>
             <a:pPr marL="0" indent="0">
               <a:buNone/>
             </a:pPr>
-            <a:endParaRPr lang="en-US" dirty="0"/>
+            <a:endParaRPr lang="en-US" sz="1800" dirty="0">
+              <a:latin typeface="Consolas" panose="020B0609020204030204" pitchFamily="49" charset="0"/>
+              <a:cs typeface="Consolas" panose="020B0609020204030204" pitchFamily="49" charset="0"/>
+            </a:endParaRPr>
           </a:p>
         </p:txBody>
       </p:sp>
     </p:spTree>
     <p:extLst>
       <p:ext uri="{BB962C8B-B14F-4D97-AF65-F5344CB8AC3E}">
-        <p14:creationId xmlns:p14="http://schemas.microsoft.com/office/powerpoint/2010/main" val="2368571093"/>
+        <p14:creationId xmlns:p14="http://schemas.microsoft.com/office/powerpoint/2010/main" val="82139143"/>
       </p:ext>
     </p:extLst>
   </p:cSld>
@@ -5324,7 +5105,11 @@
           <a:p>
             <a:r>
               <a:rPr lang="en-US" smtClean="0"/>
-              <a:t>Which C++ compiler?</a:t>
+              <a:t>MS C/C</a:t>
+            </a:r>
+            <a:r>
+              <a:rPr lang="en-US" dirty="0" smtClean="0"/>
+              <a:t>++ runtime dependencies</a:t>
             </a:r>
             <a:endParaRPr lang="en-US" dirty="0"/>
           </a:p>
@@ -5343,7 +5128,7 @@
         <p:spPr/>
         <p:txBody>
           <a:bodyPr>
-            <a:normAutofit lnSpcReduction="10000"/>
+            <a:normAutofit fontScale="62500" lnSpcReduction="20000"/>
           </a:bodyPr>
           <a:lstStyle/>
           <a:p>
@@ -5351,29 +5136,75 @@
               <a:buNone/>
             </a:pPr>
             <a:r>
-              <a:rPr lang="en-US" sz="2800" dirty="0" smtClean="0">
-                <a:cs typeface="Consolas" panose="020B0609020204030204" pitchFamily="49" charset="0"/>
-              </a:rPr>
-              <a:t>On an up-to-date </a:t>
-            </a:r>
-            <a:r>
-              <a:rPr lang="en-US" sz="2800" dirty="0" err="1" smtClean="0">
-                <a:cs typeface="Consolas" panose="020B0609020204030204" pitchFamily="49" charset="0"/>
-              </a:rPr>
-              <a:t>linux</a:t>
-            </a:r>
-            <a:r>
-              <a:rPr lang="en-US" sz="2800" dirty="0" smtClean="0">
-                <a:cs typeface="Consolas" panose="020B0609020204030204" pitchFamily="49" charset="0"/>
-              </a:rPr>
-              <a:t> box:</a:t>
+              <a:rPr lang="en-US" dirty="0">
+                <a:latin typeface="Consolas" panose="020B0609020204030204" pitchFamily="49" charset="0"/>
+                <a:cs typeface="Consolas" panose="020B0609020204030204" pitchFamily="49" charset="0"/>
+              </a:rPr>
+              <a:t>c:\apps\vs2013\VC\redist\x64</a:t>
+            </a:r>
+            <a:r>
+              <a:rPr lang="en-US" dirty="0" smtClean="0">
+                <a:latin typeface="Consolas" panose="020B0609020204030204" pitchFamily="49" charset="0"/>
+                <a:cs typeface="Consolas" panose="020B0609020204030204" pitchFamily="49" charset="0"/>
+              </a:rPr>
+              <a:t>&gt; tree </a:t>
+            </a:r>
+            <a:r>
+              <a:rPr lang="en-US" dirty="0">
+                <a:latin typeface="Consolas" panose="020B0609020204030204" pitchFamily="49" charset="0"/>
+                <a:cs typeface="Consolas" panose="020B0609020204030204" pitchFamily="49" charset="0"/>
+              </a:rPr>
+              <a:t>/f /a</a:t>
             </a:r>
           </a:p>
           <a:p>
             <a:pPr marL="0" indent="0">
               <a:buNone/>
             </a:pPr>
-            <a:endParaRPr lang="en-US" sz="1800" dirty="0">
+            <a:r>
+              <a:rPr lang="en-US" dirty="0" smtClean="0">
+                <a:latin typeface="Consolas" panose="020B0609020204030204" pitchFamily="49" charset="0"/>
+                <a:cs typeface="Consolas" panose="020B0609020204030204" pitchFamily="49" charset="0"/>
+              </a:rPr>
+              <a:t>+---</a:t>
+            </a:r>
+            <a:r>
+              <a:rPr lang="en-US" dirty="0">
+                <a:latin typeface="Consolas" panose="020B0609020204030204" pitchFamily="49" charset="0"/>
+                <a:cs typeface="Consolas" panose="020B0609020204030204" pitchFamily="49" charset="0"/>
+              </a:rPr>
+              <a:t>Microsoft.VC120.CRT</a:t>
+            </a:r>
+          </a:p>
+          <a:p>
+            <a:pPr marL="0" indent="0">
+              <a:buNone/>
+            </a:pPr>
+            <a:r>
+              <a:rPr lang="en-US" dirty="0">
+                <a:latin typeface="Consolas" panose="020B0609020204030204" pitchFamily="49" charset="0"/>
+                <a:cs typeface="Consolas" panose="020B0609020204030204" pitchFamily="49" charset="0"/>
+              </a:rPr>
+              <a:t>|       </a:t>
+            </a:r>
+            <a:r>
+              <a:rPr lang="en-US" b="1" dirty="0" smtClean="0">
+                <a:solidFill>
+                  <a:srgbClr val="FF0000"/>
+                </a:solidFill>
+                <a:latin typeface="Consolas" panose="020B0609020204030204" pitchFamily="49" charset="0"/>
+                <a:cs typeface="Consolas" panose="020B0609020204030204" pitchFamily="49" charset="0"/>
+              </a:rPr>
+              <a:t>msvcp120.dll</a:t>
+            </a:r>
+            <a:r>
+              <a:rPr lang="en-US" dirty="0" smtClean="0">
+                <a:latin typeface="Consolas" panose="020B0609020204030204" pitchFamily="49" charset="0"/>
+                <a:cs typeface="Consolas" panose="020B0609020204030204" pitchFamily="49" charset="0"/>
+              </a:rPr>
+              <a:t>	// C++ runtime</a:t>
+            </a:r>
+            <a:endParaRPr lang="en-US" dirty="0">
               <a:latin typeface="Consolas" panose="020B0609020204030204" pitchFamily="49" charset="0"/>
               <a:cs typeface="Consolas" panose="020B0609020204030204" pitchFamily="49" charset="0"/>
             </a:endParaRPr>
@@ -5383,137 +5214,53 @@
               <a:buNone/>
             </a:pPr>
             <a:r>
-              <a:rPr lang="en-US" sz="1800" dirty="0" smtClean="0">
-                <a:latin typeface="Consolas" panose="020B0609020204030204" pitchFamily="49" charset="0"/>
-                <a:cs typeface="Consolas" panose="020B0609020204030204" pitchFamily="49" charset="0"/>
-              </a:rPr>
-              <a:t>  dwight@dwight-mint17 </a:t>
-            </a:r>
-            <a:r>
-              <a:rPr lang="en-US" sz="1800" dirty="0">
-                <a:latin typeface="Consolas" panose="020B0609020204030204" pitchFamily="49" charset="0"/>
-                <a:cs typeface="Consolas" panose="020B0609020204030204" pitchFamily="49" charset="0"/>
-              </a:rPr>
-              <a:t>~ $ </a:t>
-            </a:r>
-            <a:r>
-              <a:rPr lang="en-US" sz="2400" b="1" dirty="0">
-                <a:latin typeface="Consolas" panose="020B0609020204030204" pitchFamily="49" charset="0"/>
-                <a:cs typeface="Consolas" panose="020B0609020204030204" pitchFamily="49" charset="0"/>
-              </a:rPr>
-              <a:t>g++ --version</a:t>
-            </a:r>
-          </a:p>
-          <a:p>
-            <a:pPr marL="0" indent="0">
-              <a:buNone/>
-            </a:pPr>
-            <a:r>
-              <a:rPr lang="en-US" sz="1800" dirty="0" smtClean="0">
-                <a:latin typeface="Consolas" panose="020B0609020204030204" pitchFamily="49" charset="0"/>
-                <a:cs typeface="Consolas" panose="020B0609020204030204" pitchFamily="49" charset="0"/>
-              </a:rPr>
-              <a:t>  g</a:t>
-            </a:r>
-            <a:r>
-              <a:rPr lang="en-US" sz="1800" dirty="0">
-                <a:latin typeface="Consolas" panose="020B0609020204030204" pitchFamily="49" charset="0"/>
-                <a:cs typeface="Consolas" panose="020B0609020204030204" pitchFamily="49" charset="0"/>
-              </a:rPr>
-              <a:t>++ (Ubuntu 4.8.2-19ubuntu1) 4.8.2</a:t>
-            </a:r>
-          </a:p>
-          <a:p>
-            <a:pPr marL="0" indent="0">
-              <a:buNone/>
-            </a:pPr>
-            <a:r>
-              <a:rPr lang="en-US" sz="1800" dirty="0" smtClean="0">
-                <a:latin typeface="Consolas" panose="020B0609020204030204" pitchFamily="49" charset="0"/>
-                <a:cs typeface="Consolas" panose="020B0609020204030204" pitchFamily="49" charset="0"/>
-              </a:rPr>
-              <a:t>  Copyright </a:t>
-            </a:r>
-            <a:r>
-              <a:rPr lang="en-US" sz="1800" dirty="0">
-                <a:latin typeface="Consolas" panose="020B0609020204030204" pitchFamily="49" charset="0"/>
-                <a:cs typeface="Consolas" panose="020B0609020204030204" pitchFamily="49" charset="0"/>
-              </a:rPr>
-              <a:t>(C) 2013 Free Software Foundation, Inc</a:t>
-            </a:r>
-            <a:r>
-              <a:rPr lang="en-US" sz="1800" dirty="0" smtClean="0">
-                <a:latin typeface="Consolas" panose="020B0609020204030204" pitchFamily="49" charset="0"/>
-                <a:cs typeface="Consolas" panose="020B0609020204030204" pitchFamily="49" charset="0"/>
-              </a:rPr>
-              <a:t>.</a:t>
-            </a:r>
-          </a:p>
-          <a:p>
-            <a:pPr marL="0" indent="0">
-              <a:buNone/>
-            </a:pPr>
-            <a:endParaRPr lang="en-US" sz="1800" dirty="0">
+              <a:rPr lang="en-US" dirty="0">
+                <a:latin typeface="Consolas" panose="020B0609020204030204" pitchFamily="49" charset="0"/>
+                <a:cs typeface="Consolas" panose="020B0609020204030204" pitchFamily="49" charset="0"/>
+              </a:rPr>
+              <a:t>|       </a:t>
+            </a:r>
+            <a:r>
+              <a:rPr lang="en-US" b="1" dirty="0" smtClean="0">
+                <a:solidFill>
+                  <a:srgbClr val="FF0000"/>
+                </a:solidFill>
+                <a:latin typeface="Consolas" panose="020B0609020204030204" pitchFamily="49" charset="0"/>
+                <a:cs typeface="Consolas" panose="020B0609020204030204" pitchFamily="49" charset="0"/>
+              </a:rPr>
+              <a:t>msvcr120.dll</a:t>
+            </a:r>
+            <a:r>
+              <a:rPr lang="en-US" dirty="0" smtClean="0">
+                <a:latin typeface="Consolas" panose="020B0609020204030204" pitchFamily="49" charset="0"/>
+                <a:cs typeface="Consolas" panose="020B0609020204030204" pitchFamily="49" charset="0"/>
+              </a:rPr>
+              <a:t>	// C runtime</a:t>
+            </a:r>
+            <a:endParaRPr lang="en-US" dirty="0">
               <a:latin typeface="Consolas" panose="020B0609020204030204" pitchFamily="49" charset="0"/>
               <a:cs typeface="Consolas" panose="020B0609020204030204" pitchFamily="49" charset="0"/>
             </a:endParaRPr>
           </a:p>
           <a:p>
-            <a:pPr marL="285750"/>
-            <a:r>
-              <a:rPr lang="en-US" sz="2800" dirty="0" smtClean="0"/>
-              <a:t>“G” is for GNU</a:t>
-            </a:r>
-            <a:endParaRPr lang="en-US" sz="2800" dirty="0"/>
-          </a:p>
-          <a:p>
-            <a:pPr marL="285750"/>
-            <a:r>
-              <a:rPr lang="en-US" sz="2800" dirty="0" smtClean="0"/>
-              <a:t>“GNU” is for “GNU is Not Unix”</a:t>
-            </a:r>
-          </a:p>
-          <a:p>
-            <a:pPr marL="285750"/>
-            <a:r>
-              <a:rPr lang="en-US" sz="2800" dirty="0" smtClean="0"/>
-              <a:t>g++ is the C++ compiler command</a:t>
-            </a:r>
-          </a:p>
-          <a:p>
-            <a:pPr marL="285750"/>
-            <a:r>
-              <a:rPr lang="en-US" sz="2800" dirty="0" err="1" smtClean="0"/>
-              <a:t>gcc</a:t>
-            </a:r>
-            <a:r>
-              <a:rPr lang="en-US" sz="2800" dirty="0" smtClean="0"/>
-              <a:t> is the C compiler command</a:t>
-            </a:r>
-          </a:p>
-          <a:p>
-            <a:pPr marL="285750"/>
-            <a:r>
-              <a:rPr lang="en-US" sz="2800" dirty="0" smtClean="0"/>
-              <a:t>GCC: “</a:t>
-            </a:r>
-            <a:r>
-              <a:rPr lang="en-US" sz="2800" dirty="0" smtClean="0">
-                <a:hlinkClick r:id="rId2"/>
-              </a:rPr>
-              <a:t>GNU compiler collection</a:t>
-            </a:r>
-            <a:r>
-              <a:rPr lang="en-US" sz="2800" dirty="0" smtClean="0"/>
-              <a:t>”</a:t>
-            </a:r>
-            <a:endParaRPr lang="en-US" sz="2800" dirty="0"/>
-          </a:p>
-          <a:p>
             <a:pPr marL="0" indent="0">
               <a:buNone/>
             </a:pPr>
-            <a:endParaRPr lang="en-US" sz="1800" dirty="0">
+            <a:r>
+              <a:rPr lang="en-US" dirty="0">
+                <a:latin typeface="Consolas" panose="020B0609020204030204" pitchFamily="49" charset="0"/>
+                <a:cs typeface="Consolas" panose="020B0609020204030204" pitchFamily="49" charset="0"/>
+              </a:rPr>
+              <a:t>|       </a:t>
+            </a:r>
+            <a:r>
+              <a:rPr lang="en-US" dirty="0" smtClean="0">
+                <a:latin typeface="Consolas" panose="020B0609020204030204" pitchFamily="49" charset="0"/>
+                <a:cs typeface="Consolas" panose="020B0609020204030204" pitchFamily="49" charset="0"/>
+              </a:rPr>
+              <a:t>vccorlib120.dll 	// C++/CLI</a:t>
+            </a:r>
+            <a:endParaRPr lang="en-US" dirty="0">
               <a:latin typeface="Consolas" panose="020B0609020204030204" pitchFamily="49" charset="0"/>
               <a:cs typeface="Consolas" panose="020B0609020204030204" pitchFamily="49" charset="0"/>
             </a:endParaRPr>
@@ -5522,7 +5269,128 @@
             <a:pPr marL="0" indent="0">
               <a:buNone/>
             </a:pPr>
-            <a:endParaRPr lang="en-US" sz="1800" dirty="0" smtClean="0">
+            <a:r>
+              <a:rPr lang="en-US" dirty="0" smtClean="0">
+                <a:latin typeface="Consolas" panose="020B0609020204030204" pitchFamily="49" charset="0"/>
+                <a:cs typeface="Consolas" panose="020B0609020204030204" pitchFamily="49" charset="0"/>
+              </a:rPr>
+              <a:t>+---</a:t>
+            </a:r>
+            <a:r>
+              <a:rPr lang="en-US" dirty="0">
+                <a:latin typeface="Consolas" panose="020B0609020204030204" pitchFamily="49" charset="0"/>
+                <a:cs typeface="Consolas" panose="020B0609020204030204" pitchFamily="49" charset="0"/>
+              </a:rPr>
+              <a:t>Microsoft.VC120.CXXAMP</a:t>
+            </a:r>
+          </a:p>
+          <a:p>
+            <a:pPr marL="0" indent="0">
+              <a:buNone/>
+            </a:pPr>
+            <a:r>
+              <a:rPr lang="en-US" dirty="0">
+                <a:latin typeface="Consolas" panose="020B0609020204030204" pitchFamily="49" charset="0"/>
+                <a:cs typeface="Consolas" panose="020B0609020204030204" pitchFamily="49" charset="0"/>
+              </a:rPr>
+              <a:t>|       vcamp120.dll</a:t>
+            </a:r>
+          </a:p>
+          <a:p>
+            <a:pPr marL="0" indent="0">
+              <a:buNone/>
+            </a:pPr>
+            <a:r>
+              <a:rPr lang="en-US" dirty="0" smtClean="0">
+                <a:latin typeface="Consolas" panose="020B0609020204030204" pitchFamily="49" charset="0"/>
+                <a:cs typeface="Consolas" panose="020B0609020204030204" pitchFamily="49" charset="0"/>
+              </a:rPr>
+              <a:t>+---</a:t>
+            </a:r>
+            <a:r>
+              <a:rPr lang="en-US" dirty="0">
+                <a:latin typeface="Consolas" panose="020B0609020204030204" pitchFamily="49" charset="0"/>
+                <a:cs typeface="Consolas" panose="020B0609020204030204" pitchFamily="49" charset="0"/>
+              </a:rPr>
+              <a:t>Microsoft.VC120.MFC</a:t>
+            </a:r>
+          </a:p>
+          <a:p>
+            <a:pPr marL="0" indent="0">
+              <a:buNone/>
+            </a:pPr>
+            <a:r>
+              <a:rPr lang="en-US" dirty="0">
+                <a:latin typeface="Consolas" panose="020B0609020204030204" pitchFamily="49" charset="0"/>
+                <a:cs typeface="Consolas" panose="020B0609020204030204" pitchFamily="49" charset="0"/>
+              </a:rPr>
+              <a:t>|       mfc120u.dll</a:t>
+            </a:r>
+          </a:p>
+          <a:p>
+            <a:pPr marL="0" indent="0">
+              <a:buNone/>
+            </a:pPr>
+            <a:r>
+              <a:rPr lang="en-US" dirty="0">
+                <a:latin typeface="Consolas" panose="020B0609020204030204" pitchFamily="49" charset="0"/>
+                <a:cs typeface="Consolas" panose="020B0609020204030204" pitchFamily="49" charset="0"/>
+              </a:rPr>
+              <a:t>|       mfcm120u.dll</a:t>
+            </a:r>
+          </a:p>
+          <a:p>
+            <a:pPr marL="0" indent="0">
+              <a:buNone/>
+            </a:pPr>
+            <a:r>
+              <a:rPr lang="en-US" dirty="0" smtClean="0">
+                <a:latin typeface="Consolas" panose="020B0609020204030204" pitchFamily="49" charset="0"/>
+                <a:cs typeface="Consolas" panose="020B0609020204030204" pitchFamily="49" charset="0"/>
+              </a:rPr>
+              <a:t>+---</a:t>
+            </a:r>
+            <a:r>
+              <a:rPr lang="en-US" dirty="0">
+                <a:latin typeface="Consolas" panose="020B0609020204030204" pitchFamily="49" charset="0"/>
+                <a:cs typeface="Consolas" panose="020B0609020204030204" pitchFamily="49" charset="0"/>
+              </a:rPr>
+              <a:t>Microsoft.VC120.MFCLOC</a:t>
+            </a:r>
+          </a:p>
+          <a:p>
+            <a:pPr marL="0" indent="0">
+              <a:buNone/>
+            </a:pPr>
+            <a:r>
+              <a:rPr lang="en-US" dirty="0">
+                <a:latin typeface="Consolas" panose="020B0609020204030204" pitchFamily="49" charset="0"/>
+                <a:cs typeface="Consolas" panose="020B0609020204030204" pitchFamily="49" charset="0"/>
+              </a:rPr>
+              <a:t>|       </a:t>
+            </a:r>
+            <a:r>
+              <a:rPr lang="en-US" dirty="0" smtClean="0">
+                <a:latin typeface="Consolas" panose="020B0609020204030204" pitchFamily="49" charset="0"/>
+                <a:cs typeface="Consolas" panose="020B0609020204030204" pitchFamily="49" charset="0"/>
+              </a:rPr>
+              <a:t>//</a:t>
+            </a:r>
+            <a:r>
+              <a:rPr lang="en-US" dirty="0" err="1" smtClean="0">
+                <a:latin typeface="Consolas" panose="020B0609020204030204" pitchFamily="49" charset="0"/>
+                <a:cs typeface="Consolas" panose="020B0609020204030204" pitchFamily="49" charset="0"/>
+              </a:rPr>
+              <a:t>mfc</a:t>
+            </a:r>
+            <a:r>
+              <a:rPr lang="en-US" dirty="0" smtClean="0">
+                <a:latin typeface="Consolas" panose="020B0609020204030204" pitchFamily="49" charset="0"/>
+                <a:cs typeface="Consolas" panose="020B0609020204030204" pitchFamily="49" charset="0"/>
+              </a:rPr>
+              <a:t> localized stuff</a:t>
+            </a:r>
+            <a:endParaRPr lang="en-US" dirty="0">
               <a:latin typeface="Consolas" panose="020B0609020204030204" pitchFamily="49" charset="0"/>
               <a:cs typeface="Consolas" panose="020B0609020204030204" pitchFamily="49" charset="0"/>
             </a:endParaRPr>
@@ -5531,17 +5399,45 @@
             <a:pPr marL="0" indent="0">
               <a:buNone/>
             </a:pPr>
-            <a:endParaRPr lang="en-US" sz="1800" dirty="0">
-              <a:latin typeface="Consolas" panose="020B0609020204030204" pitchFamily="49" charset="0"/>
-              <a:cs typeface="Consolas" panose="020B0609020204030204" pitchFamily="49" charset="0"/>
-            </a:endParaRPr>
+            <a:r>
+              <a:rPr lang="en-US" dirty="0" smtClean="0">
+                <a:latin typeface="Consolas" panose="020B0609020204030204" pitchFamily="49" charset="0"/>
+                <a:cs typeface="Consolas" panose="020B0609020204030204" pitchFamily="49" charset="0"/>
+              </a:rPr>
+              <a:t>\---</a:t>
+            </a:r>
+            <a:r>
+              <a:rPr lang="en-US" dirty="0">
+                <a:latin typeface="Consolas" panose="020B0609020204030204" pitchFamily="49" charset="0"/>
+                <a:cs typeface="Consolas" panose="020B0609020204030204" pitchFamily="49" charset="0"/>
+              </a:rPr>
+              <a:t>Microsoft.VC120.OpenMP</a:t>
+            </a:r>
+          </a:p>
+          <a:p>
+            <a:pPr marL="0" indent="0">
+              <a:buNone/>
+            </a:pPr>
+            <a:r>
+              <a:rPr lang="en-US" dirty="0">
+                <a:latin typeface="Consolas" panose="020B0609020204030204" pitchFamily="49" charset="0"/>
+                <a:cs typeface="Consolas" panose="020B0609020204030204" pitchFamily="49" charset="0"/>
+              </a:rPr>
+              <a:t>        vcomp120.dll</a:t>
+            </a:r>
+          </a:p>
+          <a:p>
+            <a:pPr marL="0" indent="0">
+              <a:buNone/>
+            </a:pPr>
+            <a:endParaRPr lang="en-US" dirty="0"/>
           </a:p>
         </p:txBody>
       </p:sp>
     </p:spTree>
     <p:extLst>
       <p:ext uri="{BB962C8B-B14F-4D97-AF65-F5344CB8AC3E}">
-        <p14:creationId xmlns:p14="http://schemas.microsoft.com/office/powerpoint/2010/main" val="3151603959"/>
+        <p14:creationId xmlns:p14="http://schemas.microsoft.com/office/powerpoint/2010/main" val="2368571093"/>
       </p:ext>
     </p:extLst>
   </p:cSld>
@@ -5591,8 +5487,8 @@
           <a:lstStyle/>
           <a:p>
             <a:r>
-              <a:rPr lang="en-US" dirty="0" smtClean="0"/>
-              <a:t>String Literals: Raw</a:t>
+              <a:rPr lang="en-US" smtClean="0"/>
+              <a:t>Which C++ compiler?</a:t>
             </a:r>
             <a:endParaRPr lang="en-US" dirty="0"/>
           </a:p>
@@ -5608,184 +5504,40 @@
             <p:ph idx="1"/>
           </p:nvPr>
         </p:nvSpPr>
-        <p:spPr>
-          <a:xfrm>
-            <a:off x="457200" y="1600200"/>
-            <a:ext cx="8229600" cy="4953000"/>
-          </a:xfrm>
-        </p:spPr>
+        <p:spPr/>
         <p:txBody>
           <a:bodyPr>
-            <a:normAutofit fontScale="85000" lnSpcReduction="20000"/>
+            <a:normAutofit lnSpcReduction="10000"/>
           </a:bodyPr>
           <a:lstStyle/>
           <a:p>
-            <a:r>
-              <a:rPr lang="en-US" dirty="0" smtClean="0"/>
-              <a:t>YAY! Needed this from day 1:</a:t>
-            </a:r>
-          </a:p>
-          <a:p>
             <a:pPr marL="0" indent="0">
               <a:buNone/>
             </a:pPr>
-            <a:endParaRPr lang="en-US" dirty="0" smtClean="0"/>
+            <a:r>
+              <a:rPr lang="en-US" sz="2800" dirty="0" smtClean="0">
+                <a:cs typeface="Consolas" panose="020B0609020204030204" pitchFamily="49" charset="0"/>
+              </a:rPr>
+              <a:t>On an up-to-date </a:t>
+            </a:r>
+            <a:r>
+              <a:rPr lang="en-US" sz="2800" dirty="0" err="1" smtClean="0">
+                <a:cs typeface="Consolas" panose="020B0609020204030204" pitchFamily="49" charset="0"/>
+              </a:rPr>
+              <a:t>linux</a:t>
+            </a:r>
+            <a:r>
+              <a:rPr lang="en-US" sz="2800" dirty="0" smtClean="0">
+                <a:cs typeface="Consolas" panose="020B0609020204030204" pitchFamily="49" charset="0"/>
+              </a:rPr>
+              <a:t> box:</a:t>
+            </a:r>
           </a:p>
           <a:p>
             <a:pPr marL="0" indent="0">
               <a:buNone/>
             </a:pPr>
-            <a:r>
-              <a:rPr lang="en-US" sz="2100" dirty="0" smtClean="0">
-                <a:latin typeface="Consolas" panose="020B0609020204030204" pitchFamily="49" charset="0"/>
-                <a:cs typeface="Consolas" panose="020B0609020204030204" pitchFamily="49" charset="0"/>
-              </a:rPr>
-              <a:t>  #</a:t>
-            </a:r>
-            <a:r>
-              <a:rPr lang="en-US" sz="2100" dirty="0">
-                <a:latin typeface="Consolas" panose="020B0609020204030204" pitchFamily="49" charset="0"/>
-                <a:cs typeface="Consolas" panose="020B0609020204030204" pitchFamily="49" charset="0"/>
-              </a:rPr>
-              <a:t>include &lt;string&gt;</a:t>
-            </a:r>
-          </a:p>
-          <a:p>
-            <a:pPr marL="0" indent="0">
-              <a:buNone/>
-            </a:pPr>
-            <a:r>
-              <a:rPr lang="en-US" sz="2100" dirty="0" smtClean="0">
-                <a:latin typeface="Consolas" panose="020B0609020204030204" pitchFamily="49" charset="0"/>
-                <a:cs typeface="Consolas" panose="020B0609020204030204" pitchFamily="49" charset="0"/>
-              </a:rPr>
-              <a:t>  #</a:t>
-            </a:r>
-            <a:r>
-              <a:rPr lang="en-US" sz="2100" dirty="0">
-                <a:latin typeface="Consolas" panose="020B0609020204030204" pitchFamily="49" charset="0"/>
-                <a:cs typeface="Consolas" panose="020B0609020204030204" pitchFamily="49" charset="0"/>
-              </a:rPr>
-              <a:t>include &lt;</a:t>
-            </a:r>
-            <a:r>
-              <a:rPr lang="en-US" sz="2100" dirty="0" err="1">
-                <a:latin typeface="Consolas" panose="020B0609020204030204" pitchFamily="49" charset="0"/>
-                <a:cs typeface="Consolas" panose="020B0609020204030204" pitchFamily="49" charset="0"/>
-              </a:rPr>
-              <a:t>iostream</a:t>
-            </a:r>
-            <a:r>
-              <a:rPr lang="en-US" sz="2100" dirty="0">
-                <a:latin typeface="Consolas" panose="020B0609020204030204" pitchFamily="49" charset="0"/>
-                <a:cs typeface="Consolas" panose="020B0609020204030204" pitchFamily="49" charset="0"/>
-              </a:rPr>
-              <a:t>&gt;</a:t>
-            </a:r>
-          </a:p>
-          <a:p>
-            <a:pPr marL="0" indent="0">
-              <a:buNone/>
-            </a:pPr>
-            <a:r>
-              <a:rPr lang="en-US" sz="2100" dirty="0" smtClean="0">
-                <a:latin typeface="Consolas" panose="020B0609020204030204" pitchFamily="49" charset="0"/>
-                <a:cs typeface="Consolas" panose="020B0609020204030204" pitchFamily="49" charset="0"/>
-              </a:rPr>
-              <a:t>  </a:t>
-            </a:r>
-            <a:r>
-              <a:rPr lang="en-US" sz="2100" dirty="0" err="1" smtClean="0">
-                <a:latin typeface="Consolas" panose="020B0609020204030204" pitchFamily="49" charset="0"/>
-                <a:cs typeface="Consolas" panose="020B0609020204030204" pitchFamily="49" charset="0"/>
-              </a:rPr>
-              <a:t>int</a:t>
-            </a:r>
-            <a:r>
-              <a:rPr lang="en-US" sz="2100" dirty="0" smtClean="0">
-                <a:latin typeface="Consolas" panose="020B0609020204030204" pitchFamily="49" charset="0"/>
-                <a:cs typeface="Consolas" panose="020B0609020204030204" pitchFamily="49" charset="0"/>
-              </a:rPr>
-              <a:t> </a:t>
-            </a:r>
-            <a:r>
-              <a:rPr lang="en-US" sz="2100" dirty="0">
-                <a:latin typeface="Consolas" panose="020B0609020204030204" pitchFamily="49" charset="0"/>
-                <a:cs typeface="Consolas" panose="020B0609020204030204" pitchFamily="49" charset="0"/>
-              </a:rPr>
-              <a:t>main() {</a:t>
-            </a:r>
-          </a:p>
-          <a:p>
-            <a:pPr marL="0" indent="0">
-              <a:buNone/>
-            </a:pPr>
-            <a:r>
-              <a:rPr lang="en-US" sz="2100" dirty="0" smtClean="0">
-                <a:latin typeface="Consolas" panose="020B0609020204030204" pitchFamily="49" charset="0"/>
-                <a:cs typeface="Consolas" panose="020B0609020204030204" pitchFamily="49" charset="0"/>
-              </a:rPr>
-              <a:t>    </a:t>
-            </a:r>
-            <a:r>
-              <a:rPr lang="en-US" sz="2100" dirty="0" err="1" smtClean="0">
-                <a:latin typeface="Consolas" panose="020B0609020204030204" pitchFamily="49" charset="0"/>
-                <a:cs typeface="Consolas" panose="020B0609020204030204" pitchFamily="49" charset="0"/>
-              </a:rPr>
-              <a:t>std</a:t>
-            </a:r>
-            <a:r>
-              <a:rPr lang="en-US" sz="2100" dirty="0">
-                <a:latin typeface="Consolas" panose="020B0609020204030204" pitchFamily="49" charset="0"/>
-                <a:cs typeface="Consolas" panose="020B0609020204030204" pitchFamily="49" charset="0"/>
-              </a:rPr>
-              <a:t>::string s = </a:t>
-            </a:r>
-            <a:r>
-              <a:rPr lang="en-US" sz="2100" dirty="0">
-                <a:solidFill>
-                  <a:srgbClr val="FF0000"/>
-                </a:solidFill>
-                <a:latin typeface="Consolas" panose="020B0609020204030204" pitchFamily="49" charset="0"/>
-                <a:cs typeface="Consolas" panose="020B0609020204030204" pitchFamily="49" charset="0"/>
-              </a:rPr>
-              <a:t>R</a:t>
-            </a:r>
-            <a:r>
-              <a:rPr lang="en-US" sz="2100" dirty="0" smtClean="0">
-                <a:solidFill>
-                  <a:srgbClr val="FF0000"/>
-                </a:solidFill>
-                <a:latin typeface="Consolas" panose="020B0609020204030204" pitchFamily="49" charset="0"/>
-                <a:cs typeface="Consolas" panose="020B0609020204030204" pitchFamily="49" charset="0"/>
-              </a:rPr>
-              <a:t>"#(</a:t>
-            </a:r>
-            <a:r>
-              <a:rPr lang="en-US" sz="2100" dirty="0" smtClean="0">
-                <a:latin typeface="Consolas" panose="020B0609020204030204" pitchFamily="49" charset="0"/>
-                <a:cs typeface="Consolas" panose="020B0609020204030204" pitchFamily="49" charset="0"/>
-              </a:rPr>
-              <a:t>\&gt;%^\t\n&amp;*(&lt;</a:t>
-            </a:r>
-            <a:r>
-              <a:rPr lang="en-US" sz="2100" dirty="0" smtClean="0">
-                <a:solidFill>
-                  <a:srgbClr val="FF0000"/>
-                </a:solidFill>
-                <a:latin typeface="Consolas" panose="020B0609020204030204" pitchFamily="49" charset="0"/>
-                <a:cs typeface="Consolas" panose="020B0609020204030204" pitchFamily="49" charset="0"/>
-              </a:rPr>
-              <a:t>)#"</a:t>
-            </a:r>
-            <a:r>
-              <a:rPr lang="en-US" sz="2100" dirty="0" smtClean="0">
-                <a:latin typeface="Consolas" panose="020B0609020204030204" pitchFamily="49" charset="0"/>
-                <a:cs typeface="Consolas" panose="020B0609020204030204" pitchFamily="49" charset="0"/>
-              </a:rPr>
-              <a:t>;</a:t>
-            </a:r>
-            <a:endParaRPr lang="en-US" sz="2100" dirty="0">
+            <a:endParaRPr lang="en-US" sz="1800" dirty="0">
               <a:latin typeface="Consolas" panose="020B0609020204030204" pitchFamily="49" charset="0"/>
               <a:cs typeface="Consolas" panose="020B0609020204030204" pitchFamily="49" charset="0"/>
             </a:endParaRPr>
@@ -5795,67 +5547,25 @@
               <a:buNone/>
             </a:pPr>
             <a:r>
-              <a:rPr lang="en-US" sz="2100" dirty="0" smtClean="0">
-                <a:latin typeface="Consolas" panose="020B0609020204030204" pitchFamily="49" charset="0"/>
-                <a:cs typeface="Consolas" panose="020B0609020204030204" pitchFamily="49" charset="0"/>
-              </a:rPr>
-              <a:t>    </a:t>
-            </a:r>
-            <a:r>
-              <a:rPr lang="en-US" sz="2100" dirty="0" err="1" smtClean="0">
-                <a:latin typeface="Consolas" panose="020B0609020204030204" pitchFamily="49" charset="0"/>
-                <a:cs typeface="Consolas" panose="020B0609020204030204" pitchFamily="49" charset="0"/>
-              </a:rPr>
-              <a:t>std</a:t>
-            </a:r>
-            <a:r>
-              <a:rPr lang="en-US" sz="2100" dirty="0">
-                <a:latin typeface="Consolas" panose="020B0609020204030204" pitchFamily="49" charset="0"/>
-                <a:cs typeface="Consolas" panose="020B0609020204030204" pitchFamily="49" charset="0"/>
-              </a:rPr>
-              <a:t>::</a:t>
-            </a:r>
-            <a:r>
-              <a:rPr lang="en-US" sz="2100" dirty="0" err="1">
-                <a:latin typeface="Consolas" panose="020B0609020204030204" pitchFamily="49" charset="0"/>
-                <a:cs typeface="Consolas" panose="020B0609020204030204" pitchFamily="49" charset="0"/>
-              </a:rPr>
-              <a:t>cout</a:t>
-            </a:r>
-            <a:r>
-              <a:rPr lang="en-US" sz="2100" dirty="0">
-                <a:latin typeface="Consolas" panose="020B0609020204030204" pitchFamily="49" charset="0"/>
-                <a:cs typeface="Consolas" panose="020B0609020204030204" pitchFamily="49" charset="0"/>
-              </a:rPr>
-              <a:t> &lt;&lt; s &lt;&lt; </a:t>
-            </a:r>
-            <a:r>
-              <a:rPr lang="en-US" sz="2100" dirty="0" err="1">
-                <a:latin typeface="Consolas" panose="020B0609020204030204" pitchFamily="49" charset="0"/>
-                <a:cs typeface="Consolas" panose="020B0609020204030204" pitchFamily="49" charset="0"/>
-              </a:rPr>
-              <a:t>std</a:t>
-            </a:r>
-            <a:r>
-              <a:rPr lang="en-US" sz="2100" dirty="0">
-                <a:latin typeface="Consolas" panose="020B0609020204030204" pitchFamily="49" charset="0"/>
-                <a:cs typeface="Consolas" panose="020B0609020204030204" pitchFamily="49" charset="0"/>
-              </a:rPr>
-              <a:t>::</a:t>
-            </a:r>
-            <a:r>
-              <a:rPr lang="en-US" sz="2100" dirty="0" err="1">
-                <a:latin typeface="Consolas" panose="020B0609020204030204" pitchFamily="49" charset="0"/>
-                <a:cs typeface="Consolas" panose="020B0609020204030204" pitchFamily="49" charset="0"/>
-              </a:rPr>
-              <a:t>endl</a:t>
-            </a:r>
-            <a:r>
-              <a:rPr lang="en-US" sz="2100" dirty="0">
-                <a:latin typeface="Consolas" panose="020B0609020204030204" pitchFamily="49" charset="0"/>
-                <a:cs typeface="Consolas" panose="020B0609020204030204" pitchFamily="49" charset="0"/>
-              </a:rPr>
-              <a:t>;</a:t>
+              <a:rPr lang="en-US" sz="1800" dirty="0" smtClean="0">
+                <a:latin typeface="Consolas" panose="020B0609020204030204" pitchFamily="49" charset="0"/>
+                <a:cs typeface="Consolas" panose="020B0609020204030204" pitchFamily="49" charset="0"/>
+              </a:rPr>
+              <a:t>  dwight@dwight-mint17 </a:t>
+            </a:r>
+            <a:r>
+              <a:rPr lang="en-US" sz="1800" dirty="0">
+                <a:latin typeface="Consolas" panose="020B0609020204030204" pitchFamily="49" charset="0"/>
+                <a:cs typeface="Consolas" panose="020B0609020204030204" pitchFamily="49" charset="0"/>
+              </a:rPr>
+              <a:t>~ $ </a:t>
+            </a:r>
+            <a:r>
+              <a:rPr lang="en-US" sz="2400" b="1" dirty="0">
+                <a:latin typeface="Consolas" panose="020B0609020204030204" pitchFamily="49" charset="0"/>
+                <a:cs typeface="Consolas" panose="020B0609020204030204" pitchFamily="49" charset="0"/>
+              </a:rPr>
+              <a:t>g++ --version</a:t>
             </a:r>
           </a:p>
           <a:p>
@@ -5863,205 +5573,111 @@
               <a:buNone/>
             </a:pPr>
             <a:r>
-              <a:rPr lang="en-US" sz="2100" dirty="0" smtClean="0">
-                <a:latin typeface="Consolas" panose="020B0609020204030204" pitchFamily="49" charset="0"/>
-                <a:cs typeface="Consolas" panose="020B0609020204030204" pitchFamily="49" charset="0"/>
-              </a:rPr>
-              <a:t>    s </a:t>
-            </a:r>
-            <a:r>
-              <a:rPr lang="en-US" sz="2100" dirty="0">
-                <a:latin typeface="Consolas" panose="020B0609020204030204" pitchFamily="49" charset="0"/>
-                <a:cs typeface="Consolas" panose="020B0609020204030204" pitchFamily="49" charset="0"/>
-              </a:rPr>
-              <a:t>= </a:t>
-            </a:r>
-            <a:r>
-              <a:rPr lang="en-US" sz="2100" dirty="0" err="1">
-                <a:solidFill>
-                  <a:srgbClr val="FF0000"/>
-                </a:solidFill>
-                <a:latin typeface="Consolas" panose="020B0609020204030204" pitchFamily="49" charset="0"/>
-                <a:cs typeface="Consolas" panose="020B0609020204030204" pitchFamily="49" charset="0"/>
-              </a:rPr>
-              <a:t>R"gobbledygook</a:t>
-            </a:r>
-            <a:r>
-              <a:rPr lang="en-US" sz="2100" dirty="0">
-                <a:latin typeface="Consolas" panose="020B0609020204030204" pitchFamily="49" charset="0"/>
-                <a:cs typeface="Consolas" panose="020B0609020204030204" pitchFamily="49" charset="0"/>
-              </a:rPr>
-              <a:t>(a raw string literal </a:t>
-            </a:r>
-            <a:r>
-              <a:rPr lang="en-US" sz="2100">
-                <a:latin typeface="Consolas" panose="020B0609020204030204" pitchFamily="49" charset="0"/>
-                <a:cs typeface="Consolas" panose="020B0609020204030204" pitchFamily="49" charset="0"/>
-              </a:rPr>
-              <a:t>with "</a:t>
-            </a:r>
-            <a:r>
-              <a:rPr lang="en-US" sz="2100" smtClean="0">
-                <a:latin typeface="Consolas" panose="020B0609020204030204" pitchFamily="49" charset="0"/>
-                <a:cs typeface="Consolas" panose="020B0609020204030204" pitchFamily="49" charset="0"/>
-              </a:rPr>
-              <a:t>gobbledygook</a:t>
-            </a:r>
-            <a:r>
-              <a:rPr lang="en-US" sz="2100" dirty="0">
-                <a:latin typeface="Consolas" panose="020B0609020204030204" pitchFamily="49" charset="0"/>
-                <a:cs typeface="Consolas" panose="020B0609020204030204" pitchFamily="49" charset="0"/>
-              </a:rPr>
-              <a:t>"</a:t>
-            </a:r>
-            <a:endParaRPr lang="en-US" sz="2100" dirty="0" smtClean="0">
+              <a:rPr lang="en-US" sz="1800" dirty="0" smtClean="0">
+                <a:latin typeface="Consolas" panose="020B0609020204030204" pitchFamily="49" charset="0"/>
+                <a:cs typeface="Consolas" panose="020B0609020204030204" pitchFamily="49" charset="0"/>
+              </a:rPr>
+              <a:t>  g</a:t>
+            </a:r>
+            <a:r>
+              <a:rPr lang="en-US" sz="1800" dirty="0">
+                <a:latin typeface="Consolas" panose="020B0609020204030204" pitchFamily="49" charset="0"/>
+                <a:cs typeface="Consolas" panose="020B0609020204030204" pitchFamily="49" charset="0"/>
+              </a:rPr>
+              <a:t>++ (Ubuntu 4.8.2-19ubuntu1) 4.8.2</a:t>
+            </a:r>
+          </a:p>
+          <a:p>
+            <a:pPr marL="0" indent="0">
+              <a:buNone/>
+            </a:pPr>
+            <a:r>
+              <a:rPr lang="en-US" sz="1800" dirty="0" smtClean="0">
+                <a:latin typeface="Consolas" panose="020B0609020204030204" pitchFamily="49" charset="0"/>
+                <a:cs typeface="Consolas" panose="020B0609020204030204" pitchFamily="49" charset="0"/>
+              </a:rPr>
+              <a:t>  Copyright </a:t>
+            </a:r>
+            <a:r>
+              <a:rPr lang="en-US" sz="1800" dirty="0">
+                <a:latin typeface="Consolas" panose="020B0609020204030204" pitchFamily="49" charset="0"/>
+                <a:cs typeface="Consolas" panose="020B0609020204030204" pitchFamily="49" charset="0"/>
+              </a:rPr>
+              <a:t>(C) 2013 Free Software Foundation, Inc</a:t>
+            </a:r>
+            <a:r>
+              <a:rPr lang="en-US" sz="1800" dirty="0" smtClean="0">
+                <a:latin typeface="Consolas" panose="020B0609020204030204" pitchFamily="49" charset="0"/>
+                <a:cs typeface="Consolas" panose="020B0609020204030204" pitchFamily="49" charset="0"/>
+              </a:rPr>
+              <a:t>.</a:t>
+            </a:r>
+          </a:p>
+          <a:p>
+            <a:pPr marL="0" indent="0">
+              <a:buNone/>
+            </a:pPr>
+            <a:endParaRPr lang="en-US" sz="1800" dirty="0">
               <a:latin typeface="Consolas" panose="020B0609020204030204" pitchFamily="49" charset="0"/>
               <a:cs typeface="Consolas" panose="020B0609020204030204" pitchFamily="49" charset="0"/>
             </a:endParaRPr>
           </a:p>
           <a:p>
+            <a:pPr marL="285750"/>
+            <a:r>
+              <a:rPr lang="en-US" sz="2800" dirty="0" smtClean="0"/>
+              <a:t>“G” is for GNU</a:t>
+            </a:r>
+            <a:endParaRPr lang="en-US" sz="2800" dirty="0"/>
+          </a:p>
+          <a:p>
+            <a:pPr marL="285750"/>
+            <a:r>
+              <a:rPr lang="en-US" sz="2800" dirty="0" smtClean="0"/>
+              <a:t>“GNU” is for “GNU is Not Unix”</a:t>
+            </a:r>
+          </a:p>
+          <a:p>
+            <a:pPr marL="285750"/>
+            <a:r>
+              <a:rPr lang="en-US" sz="2800" dirty="0" smtClean="0"/>
+              <a:t>g++ is the C++ compiler command</a:t>
+            </a:r>
+          </a:p>
+          <a:p>
+            <a:pPr marL="285750"/>
+            <a:r>
+              <a:rPr lang="en-US" sz="2800" dirty="0" err="1" smtClean="0"/>
+              <a:t>gcc</a:t>
+            </a:r>
+            <a:r>
+              <a:rPr lang="en-US" sz="2800" dirty="0" smtClean="0"/>
+              <a:t> is the C compiler command</a:t>
+            </a:r>
+          </a:p>
+          <a:p>
+            <a:pPr marL="285750"/>
+            <a:r>
+              <a:rPr lang="en-US" sz="2800" dirty="0" smtClean="0"/>
+              <a:t>GCC: “</a:t>
+            </a:r>
+            <a:r>
+              <a:rPr lang="en-US" sz="2800" dirty="0" smtClean="0">
+                <a:hlinkClick r:id="rId2"/>
+              </a:rPr>
+              <a:t>GNU compiler collection</a:t>
+            </a:r>
+            <a:r>
+              <a:rPr lang="en-US" sz="2800" dirty="0" smtClean="0"/>
+              <a:t>”</a:t>
+            </a:r>
+            <a:endParaRPr lang="en-US" sz="2800" dirty="0"/>
+          </a:p>
+          <a:p>
             <a:pPr marL="0" indent="0">
               <a:buNone/>
             </a:pPr>
-            <a:r>
-              <a:rPr lang="en-US" sz="2100" dirty="0" smtClean="0">
-                <a:latin typeface="Consolas" panose="020B0609020204030204" pitchFamily="49" charset="0"/>
-                <a:cs typeface="Consolas" panose="020B0609020204030204" pitchFamily="49" charset="0"/>
-              </a:rPr>
-              <a:t>        as the delimiter</a:t>
-            </a:r>
-            <a:r>
-              <a:rPr lang="en-US" sz="2100" dirty="0" smtClean="0">
-                <a:solidFill>
-                  <a:srgbClr val="FF0000"/>
-                </a:solidFill>
-                <a:latin typeface="Consolas" panose="020B0609020204030204" pitchFamily="49" charset="0"/>
-                <a:cs typeface="Consolas" panose="020B0609020204030204" pitchFamily="49" charset="0"/>
-              </a:rPr>
-              <a:t>)gobbledygook</a:t>
-            </a:r>
-            <a:r>
-              <a:rPr lang="en-US" sz="2100" dirty="0">
-                <a:solidFill>
-                  <a:srgbClr val="FF0000"/>
-                </a:solidFill>
-                <a:latin typeface="Consolas" panose="020B0609020204030204" pitchFamily="49" charset="0"/>
-                <a:cs typeface="Consolas" panose="020B0609020204030204" pitchFamily="49" charset="0"/>
-              </a:rPr>
-              <a:t>"</a:t>
-            </a:r>
-            <a:r>
-              <a:rPr lang="en-US" sz="2100" dirty="0">
-                <a:latin typeface="Consolas" panose="020B0609020204030204" pitchFamily="49" charset="0"/>
-                <a:cs typeface="Consolas" panose="020B0609020204030204" pitchFamily="49" charset="0"/>
-              </a:rPr>
-              <a:t>;</a:t>
-            </a:r>
-          </a:p>
-          <a:p>
-            <a:pPr marL="0" indent="0">
-              <a:buNone/>
-            </a:pPr>
-            <a:r>
-              <a:rPr lang="en-US" sz="2100" dirty="0" smtClean="0">
-                <a:latin typeface="Consolas" panose="020B0609020204030204" pitchFamily="49" charset="0"/>
-                <a:cs typeface="Consolas" panose="020B0609020204030204" pitchFamily="49" charset="0"/>
-              </a:rPr>
-              <a:t>    </a:t>
-            </a:r>
-            <a:r>
-              <a:rPr lang="en-US" sz="2100" dirty="0" err="1" smtClean="0">
-                <a:latin typeface="Consolas" panose="020B0609020204030204" pitchFamily="49" charset="0"/>
-                <a:cs typeface="Consolas" panose="020B0609020204030204" pitchFamily="49" charset="0"/>
-              </a:rPr>
-              <a:t>std</a:t>
-            </a:r>
-            <a:r>
-              <a:rPr lang="en-US" sz="2100" dirty="0">
-                <a:latin typeface="Consolas" panose="020B0609020204030204" pitchFamily="49" charset="0"/>
-                <a:cs typeface="Consolas" panose="020B0609020204030204" pitchFamily="49" charset="0"/>
-              </a:rPr>
-              <a:t>::</a:t>
-            </a:r>
-            <a:r>
-              <a:rPr lang="en-US" sz="2100" dirty="0" err="1">
-                <a:latin typeface="Consolas" panose="020B0609020204030204" pitchFamily="49" charset="0"/>
-                <a:cs typeface="Consolas" panose="020B0609020204030204" pitchFamily="49" charset="0"/>
-              </a:rPr>
-              <a:t>cout</a:t>
-            </a:r>
-            <a:r>
-              <a:rPr lang="en-US" sz="2100" dirty="0">
-                <a:latin typeface="Consolas" panose="020B0609020204030204" pitchFamily="49" charset="0"/>
-                <a:cs typeface="Consolas" panose="020B0609020204030204" pitchFamily="49" charset="0"/>
-              </a:rPr>
-              <a:t> &lt;&lt; s &lt;&lt; </a:t>
-            </a:r>
-            <a:r>
-              <a:rPr lang="en-US" sz="2100" dirty="0" err="1">
-                <a:latin typeface="Consolas" panose="020B0609020204030204" pitchFamily="49" charset="0"/>
-                <a:cs typeface="Consolas" panose="020B0609020204030204" pitchFamily="49" charset="0"/>
-              </a:rPr>
-              <a:t>std</a:t>
-            </a:r>
-            <a:r>
-              <a:rPr lang="en-US" sz="2100" dirty="0">
-                <a:latin typeface="Consolas" panose="020B0609020204030204" pitchFamily="49" charset="0"/>
-                <a:cs typeface="Consolas" panose="020B0609020204030204" pitchFamily="49" charset="0"/>
-              </a:rPr>
-              <a:t>::</a:t>
-            </a:r>
-            <a:r>
-              <a:rPr lang="en-US" sz="2100" dirty="0" err="1">
-                <a:latin typeface="Consolas" panose="020B0609020204030204" pitchFamily="49" charset="0"/>
-                <a:cs typeface="Consolas" panose="020B0609020204030204" pitchFamily="49" charset="0"/>
-              </a:rPr>
-              <a:t>endl</a:t>
-            </a:r>
-            <a:r>
-              <a:rPr lang="en-US" sz="2100" dirty="0">
-                <a:latin typeface="Consolas" panose="020B0609020204030204" pitchFamily="49" charset="0"/>
-                <a:cs typeface="Consolas" panose="020B0609020204030204" pitchFamily="49" charset="0"/>
-              </a:rPr>
-              <a:t>;</a:t>
-            </a:r>
-          </a:p>
-          <a:p>
-            <a:pPr marL="0" indent="0">
-              <a:buNone/>
-            </a:pPr>
-            <a:r>
-              <a:rPr lang="en-US" sz="2100" dirty="0" smtClean="0">
-                <a:latin typeface="Consolas" panose="020B0609020204030204" pitchFamily="49" charset="0"/>
-                <a:cs typeface="Consolas" panose="020B0609020204030204" pitchFamily="49" charset="0"/>
-              </a:rPr>
-              <a:t>    return </a:t>
-            </a:r>
-            <a:r>
-              <a:rPr lang="en-US" sz="2100" dirty="0">
-                <a:latin typeface="Consolas" panose="020B0609020204030204" pitchFamily="49" charset="0"/>
-                <a:cs typeface="Consolas" panose="020B0609020204030204" pitchFamily="49" charset="0"/>
-              </a:rPr>
-              <a:t>0;</a:t>
-            </a:r>
-          </a:p>
-          <a:p>
-            <a:pPr marL="0" indent="0">
-              <a:buNone/>
-            </a:pPr>
-            <a:r>
-              <a:rPr lang="en-US" sz="2100" dirty="0" smtClean="0">
-                <a:latin typeface="Consolas" panose="020B0609020204030204" pitchFamily="49" charset="0"/>
-                <a:cs typeface="Consolas" panose="020B0609020204030204" pitchFamily="49" charset="0"/>
-              </a:rPr>
-              <a:t>  }</a:t>
-            </a:r>
-          </a:p>
-          <a:p>
-            <a:pPr marL="0" indent="0">
-              <a:buNone/>
-            </a:pPr>
-            <a:endParaRPr lang="en-US" sz="2000" dirty="0">
+            <a:endParaRPr lang="en-US" sz="1800" dirty="0">
               <a:latin typeface="Consolas" panose="020B0609020204030204" pitchFamily="49" charset="0"/>
               <a:cs typeface="Consolas" panose="020B0609020204030204" pitchFamily="49" charset="0"/>
             </a:endParaRPr>
@@ -6070,24 +5686,7 @@
             <a:pPr marL="0" indent="0">
               <a:buNone/>
             </a:pPr>
-            <a:r>
-              <a:rPr lang="en-US" sz="2800" dirty="0"/>
-              <a:t>\&gt;%^\t\n</a:t>
-            </a:r>
-            <a:r>
-              <a:rPr lang="en-US" sz="2800" dirty="0" smtClean="0"/>
-              <a:t>&amp;*(&lt;</a:t>
-            </a:r>
-          </a:p>
-          <a:p>
-            <a:pPr marL="0" indent="0">
-              <a:buNone/>
-            </a:pPr>
-            <a:r>
-              <a:rPr lang="en-US" sz="2800" dirty="0"/>
-              <a:t>a raw string literal with "gobbledygook" as the delimiter</a:t>
-            </a:r>
-            <a:endParaRPr lang="en-US" sz="2800" dirty="0" smtClean="0">
+            <a:endParaRPr lang="en-US" sz="1800" dirty="0" smtClean="0">
               <a:latin typeface="Consolas" panose="020B0609020204030204" pitchFamily="49" charset="0"/>
               <a:cs typeface="Consolas" panose="020B0609020204030204" pitchFamily="49" charset="0"/>
             </a:endParaRPr>
@@ -6096,26 +5695,17 @@
             <a:pPr marL="0" indent="0">
               <a:buNone/>
             </a:pPr>
-            <a:endParaRPr lang="en-US" dirty="0" smtClean="0">
+            <a:endParaRPr lang="en-US" sz="1800" dirty="0">
               <a:latin typeface="Consolas" panose="020B0609020204030204" pitchFamily="49" charset="0"/>
               <a:cs typeface="Consolas" panose="020B0609020204030204" pitchFamily="49" charset="0"/>
             </a:endParaRPr>
           </a:p>
-          <a:p>
-            <a:pPr marL="0" indent="0">
-              <a:buNone/>
-            </a:pPr>
-            <a:endParaRPr lang="en-US" sz="2000" dirty="0">
-              <a:latin typeface="Consolas" panose="020B0609020204030204" pitchFamily="49" charset="0"/>
-              <a:cs typeface="Consolas" panose="020B0609020204030204" pitchFamily="49" charset="0"/>
-            </a:endParaRPr>
-          </a:p>
         </p:txBody>
       </p:sp>
     </p:spTree>
     <p:extLst>
       <p:ext uri="{BB962C8B-B14F-4D97-AF65-F5344CB8AC3E}">
-        <p14:creationId xmlns:p14="http://schemas.microsoft.com/office/powerpoint/2010/main" val="617387278"/>
+        <p14:creationId xmlns:p14="http://schemas.microsoft.com/office/powerpoint/2010/main" val="3151603959"/>
       </p:ext>
     </p:extLst>
   </p:cSld>
@@ -6166,7 +5756,7 @@
           <a:p>
             <a:r>
               <a:rPr lang="en-US" dirty="0" smtClean="0"/>
-              <a:t>Smart Pointers</a:t>
+              <a:t>String Literals: Raw</a:t>
             </a:r>
             <a:endParaRPr lang="en-US" dirty="0"/>
           </a:p>
@@ -6182,54 +5772,27 @@
             <p:ph idx="1"/>
           </p:nvPr>
         </p:nvSpPr>
-        <p:spPr/>
-        <p:txBody>
-          <a:bodyPr/>
-          <a:lstStyle/>
-          <a:p>
-            <a:r>
-              <a:rPr lang="en-US" dirty="0" err="1" smtClean="0">
-                <a:latin typeface="Consolas" panose="020B0609020204030204" pitchFamily="49" charset="0"/>
-                <a:cs typeface="Consolas" panose="020B0609020204030204" pitchFamily="49" charset="0"/>
-              </a:rPr>
-              <a:t>auto_ptr</a:t>
-            </a:r>
-            <a:r>
-              <a:rPr lang="en-US" dirty="0" smtClean="0"/>
-              <a:t> is deprecated. Do not use it.</a:t>
-            </a:r>
-          </a:p>
-          <a:p>
-            <a:r>
-              <a:rPr lang="en-US" dirty="0" err="1" smtClean="0">
-                <a:latin typeface="Consolas" panose="020B0609020204030204" pitchFamily="49" charset="0"/>
-                <a:cs typeface="Consolas" panose="020B0609020204030204" pitchFamily="49" charset="0"/>
-              </a:rPr>
-              <a:t>unique_ptr</a:t>
-            </a:r>
-            <a:r>
-              <a:rPr lang="en-US" dirty="0" smtClean="0"/>
-              <a:t> is awesome. Use it all the time.</a:t>
-            </a:r>
-          </a:p>
-          <a:p>
-            <a:r>
-              <a:rPr lang="en-US" dirty="0" smtClean="0"/>
-              <a:t>Same with </a:t>
-            </a:r>
-            <a:r>
-              <a:rPr lang="en-US" dirty="0" err="1" smtClean="0">
-                <a:latin typeface="Consolas" panose="020B0609020204030204" pitchFamily="49" charset="0"/>
-                <a:cs typeface="Consolas" panose="020B0609020204030204" pitchFamily="49" charset="0"/>
-              </a:rPr>
-              <a:t>shared_ptr</a:t>
-            </a:r>
-            <a:r>
-              <a:rPr lang="en-US" dirty="0" smtClean="0"/>
-              <a:t>. Do amazing things.</a:t>
-            </a:r>
-          </a:p>
-          <a:p>
+        <p:spPr>
+          <a:xfrm>
+            <a:off x="457200" y="1600200"/>
+            <a:ext cx="8229600" cy="4953000"/>
+          </a:xfrm>
+        </p:spPr>
+        <p:txBody>
+          <a:bodyPr>
+            <a:normAutofit fontScale="85000" lnSpcReduction="20000"/>
+          </a:bodyPr>
+          <a:lstStyle/>
+          <a:p>
+            <a:r>
+              <a:rPr lang="en-US" dirty="0" smtClean="0"/>
+              <a:t>YAY! Needed this from day 1:</a:t>
+            </a:r>
+          </a:p>
+          <a:p>
+            <a:pPr marL="0" indent="0">
+              <a:buNone/>
+            </a:pPr>
             <a:endParaRPr lang="en-US" dirty="0" smtClean="0"/>
           </a:p>
           <a:p>
@@ -6237,17 +5800,486 @@
               <a:buNone/>
             </a:pPr>
             <a:r>
-              <a:rPr lang="en-US" dirty="0" smtClean="0"/>
-              <a:t>C++ does not have garbage collection: It is deterministic in its acquisition and release of memory and other resources.</a:t>
-            </a:r>
-            <a:endParaRPr lang="en-US" dirty="0"/>
+              <a:rPr lang="en-US" sz="2100" dirty="0" smtClean="0">
+                <a:latin typeface="Consolas" panose="020B0609020204030204" pitchFamily="49" charset="0"/>
+                <a:cs typeface="Consolas" panose="020B0609020204030204" pitchFamily="49" charset="0"/>
+              </a:rPr>
+              <a:t>  #</a:t>
+            </a:r>
+            <a:r>
+              <a:rPr lang="en-US" sz="2100" dirty="0">
+                <a:latin typeface="Consolas" panose="020B0609020204030204" pitchFamily="49" charset="0"/>
+                <a:cs typeface="Consolas" panose="020B0609020204030204" pitchFamily="49" charset="0"/>
+              </a:rPr>
+              <a:t>include &lt;string&gt;</a:t>
+            </a:r>
+          </a:p>
+          <a:p>
+            <a:pPr marL="0" indent="0">
+              <a:buNone/>
+            </a:pPr>
+            <a:r>
+              <a:rPr lang="en-US" sz="2100" dirty="0" smtClean="0">
+                <a:latin typeface="Consolas" panose="020B0609020204030204" pitchFamily="49" charset="0"/>
+                <a:cs typeface="Consolas" panose="020B0609020204030204" pitchFamily="49" charset="0"/>
+              </a:rPr>
+              <a:t>  #</a:t>
+            </a:r>
+            <a:r>
+              <a:rPr lang="en-US" sz="2100" dirty="0">
+                <a:latin typeface="Consolas" panose="020B0609020204030204" pitchFamily="49" charset="0"/>
+                <a:cs typeface="Consolas" panose="020B0609020204030204" pitchFamily="49" charset="0"/>
+              </a:rPr>
+              <a:t>include &lt;</a:t>
+            </a:r>
+            <a:r>
+              <a:rPr lang="en-US" sz="2100" dirty="0" err="1">
+                <a:latin typeface="Consolas" panose="020B0609020204030204" pitchFamily="49" charset="0"/>
+                <a:cs typeface="Consolas" panose="020B0609020204030204" pitchFamily="49" charset="0"/>
+              </a:rPr>
+              <a:t>iostream</a:t>
+            </a:r>
+            <a:r>
+              <a:rPr lang="en-US" sz="2100" dirty="0">
+                <a:latin typeface="Consolas" panose="020B0609020204030204" pitchFamily="49" charset="0"/>
+                <a:cs typeface="Consolas" panose="020B0609020204030204" pitchFamily="49" charset="0"/>
+              </a:rPr>
+              <a:t>&gt;</a:t>
+            </a:r>
+          </a:p>
+          <a:p>
+            <a:pPr marL="0" indent="0">
+              <a:buNone/>
+            </a:pPr>
+            <a:r>
+              <a:rPr lang="en-US" sz="2100" dirty="0" smtClean="0">
+                <a:latin typeface="Consolas" panose="020B0609020204030204" pitchFamily="49" charset="0"/>
+                <a:cs typeface="Consolas" panose="020B0609020204030204" pitchFamily="49" charset="0"/>
+              </a:rPr>
+              <a:t>  </a:t>
+            </a:r>
+            <a:r>
+              <a:rPr lang="en-US" sz="2100" dirty="0" err="1" smtClean="0">
+                <a:latin typeface="Consolas" panose="020B0609020204030204" pitchFamily="49" charset="0"/>
+                <a:cs typeface="Consolas" panose="020B0609020204030204" pitchFamily="49" charset="0"/>
+              </a:rPr>
+              <a:t>int</a:t>
+            </a:r>
+            <a:r>
+              <a:rPr lang="en-US" sz="2100" dirty="0" smtClean="0">
+                <a:latin typeface="Consolas" panose="020B0609020204030204" pitchFamily="49" charset="0"/>
+                <a:cs typeface="Consolas" panose="020B0609020204030204" pitchFamily="49" charset="0"/>
+              </a:rPr>
+              <a:t> </a:t>
+            </a:r>
+            <a:r>
+              <a:rPr lang="en-US" sz="2100" dirty="0">
+                <a:latin typeface="Consolas" panose="020B0609020204030204" pitchFamily="49" charset="0"/>
+                <a:cs typeface="Consolas" panose="020B0609020204030204" pitchFamily="49" charset="0"/>
+              </a:rPr>
+              <a:t>main() {</a:t>
+            </a:r>
+          </a:p>
+          <a:p>
+            <a:pPr marL="0" indent="0">
+              <a:buNone/>
+            </a:pPr>
+            <a:r>
+              <a:rPr lang="en-US" sz="2100" dirty="0" smtClean="0">
+                <a:latin typeface="Consolas" panose="020B0609020204030204" pitchFamily="49" charset="0"/>
+                <a:cs typeface="Consolas" panose="020B0609020204030204" pitchFamily="49" charset="0"/>
+              </a:rPr>
+              <a:t>    </a:t>
+            </a:r>
+            <a:r>
+              <a:rPr lang="en-US" sz="2100" dirty="0" err="1" smtClean="0">
+                <a:latin typeface="Consolas" panose="020B0609020204030204" pitchFamily="49" charset="0"/>
+                <a:cs typeface="Consolas" panose="020B0609020204030204" pitchFamily="49" charset="0"/>
+              </a:rPr>
+              <a:t>std</a:t>
+            </a:r>
+            <a:r>
+              <a:rPr lang="en-US" sz="2100" dirty="0">
+                <a:latin typeface="Consolas" panose="020B0609020204030204" pitchFamily="49" charset="0"/>
+                <a:cs typeface="Consolas" panose="020B0609020204030204" pitchFamily="49" charset="0"/>
+              </a:rPr>
+              <a:t>::string s = </a:t>
+            </a:r>
+            <a:r>
+              <a:rPr lang="en-US" sz="2100" dirty="0">
+                <a:solidFill>
+                  <a:srgbClr val="FF0000"/>
+                </a:solidFill>
+                <a:latin typeface="Consolas" panose="020B0609020204030204" pitchFamily="49" charset="0"/>
+                <a:cs typeface="Consolas" panose="020B0609020204030204" pitchFamily="49" charset="0"/>
+              </a:rPr>
+              <a:t>R</a:t>
+            </a:r>
+            <a:r>
+              <a:rPr lang="en-US" sz="2100" dirty="0" smtClean="0">
+                <a:solidFill>
+                  <a:srgbClr val="FF0000"/>
+                </a:solidFill>
+                <a:latin typeface="Consolas" panose="020B0609020204030204" pitchFamily="49" charset="0"/>
+                <a:cs typeface="Consolas" panose="020B0609020204030204" pitchFamily="49" charset="0"/>
+              </a:rPr>
+              <a:t>"#(</a:t>
+            </a:r>
+            <a:r>
+              <a:rPr lang="en-US" sz="2100" dirty="0" smtClean="0">
+                <a:latin typeface="Consolas" panose="020B0609020204030204" pitchFamily="49" charset="0"/>
+                <a:cs typeface="Consolas" panose="020B0609020204030204" pitchFamily="49" charset="0"/>
+              </a:rPr>
+              <a:t>\&gt;%^\t\n&amp;*(&lt;</a:t>
+            </a:r>
+            <a:r>
+              <a:rPr lang="en-US" sz="2100" dirty="0" smtClean="0">
+                <a:solidFill>
+                  <a:srgbClr val="FF0000"/>
+                </a:solidFill>
+                <a:latin typeface="Consolas" panose="020B0609020204030204" pitchFamily="49" charset="0"/>
+                <a:cs typeface="Consolas" panose="020B0609020204030204" pitchFamily="49" charset="0"/>
+              </a:rPr>
+              <a:t>)#"</a:t>
+            </a:r>
+            <a:r>
+              <a:rPr lang="en-US" sz="2100" dirty="0" smtClean="0">
+                <a:latin typeface="Consolas" panose="020B0609020204030204" pitchFamily="49" charset="0"/>
+                <a:cs typeface="Consolas" panose="020B0609020204030204" pitchFamily="49" charset="0"/>
+              </a:rPr>
+              <a:t>;</a:t>
+            </a:r>
+            <a:endParaRPr lang="en-US" sz="2100" dirty="0">
+              <a:latin typeface="Consolas" panose="020B0609020204030204" pitchFamily="49" charset="0"/>
+              <a:cs typeface="Consolas" panose="020B0609020204030204" pitchFamily="49" charset="0"/>
+            </a:endParaRPr>
+          </a:p>
+          <a:p>
+            <a:pPr marL="0" indent="0">
+              <a:buNone/>
+            </a:pPr>
+            <a:r>
+              <a:rPr lang="en-US" sz="2100" dirty="0" smtClean="0">
+                <a:latin typeface="Consolas" panose="020B0609020204030204" pitchFamily="49" charset="0"/>
+                <a:cs typeface="Consolas" panose="020B0609020204030204" pitchFamily="49" charset="0"/>
+              </a:rPr>
+              <a:t>    </a:t>
+            </a:r>
+            <a:r>
+              <a:rPr lang="en-US" sz="2100" dirty="0" err="1" smtClean="0">
+                <a:latin typeface="Consolas" panose="020B0609020204030204" pitchFamily="49" charset="0"/>
+                <a:cs typeface="Consolas" panose="020B0609020204030204" pitchFamily="49" charset="0"/>
+              </a:rPr>
+              <a:t>std</a:t>
+            </a:r>
+            <a:r>
+              <a:rPr lang="en-US" sz="2100" dirty="0">
+                <a:latin typeface="Consolas" panose="020B0609020204030204" pitchFamily="49" charset="0"/>
+                <a:cs typeface="Consolas" panose="020B0609020204030204" pitchFamily="49" charset="0"/>
+              </a:rPr>
+              <a:t>::</a:t>
+            </a:r>
+            <a:r>
+              <a:rPr lang="en-US" sz="2100" dirty="0" err="1">
+                <a:latin typeface="Consolas" panose="020B0609020204030204" pitchFamily="49" charset="0"/>
+                <a:cs typeface="Consolas" panose="020B0609020204030204" pitchFamily="49" charset="0"/>
+              </a:rPr>
+              <a:t>cout</a:t>
+            </a:r>
+            <a:r>
+              <a:rPr lang="en-US" sz="2100" dirty="0">
+                <a:latin typeface="Consolas" panose="020B0609020204030204" pitchFamily="49" charset="0"/>
+                <a:cs typeface="Consolas" panose="020B0609020204030204" pitchFamily="49" charset="0"/>
+              </a:rPr>
+              <a:t> &lt;&lt; s &lt;&lt; </a:t>
+            </a:r>
+            <a:r>
+              <a:rPr lang="en-US" sz="2100" dirty="0" err="1">
+                <a:latin typeface="Consolas" panose="020B0609020204030204" pitchFamily="49" charset="0"/>
+                <a:cs typeface="Consolas" panose="020B0609020204030204" pitchFamily="49" charset="0"/>
+              </a:rPr>
+              <a:t>std</a:t>
+            </a:r>
+            <a:r>
+              <a:rPr lang="en-US" sz="2100" dirty="0">
+                <a:latin typeface="Consolas" panose="020B0609020204030204" pitchFamily="49" charset="0"/>
+                <a:cs typeface="Consolas" panose="020B0609020204030204" pitchFamily="49" charset="0"/>
+              </a:rPr>
+              <a:t>::</a:t>
+            </a:r>
+            <a:r>
+              <a:rPr lang="en-US" sz="2100" dirty="0" err="1">
+                <a:latin typeface="Consolas" panose="020B0609020204030204" pitchFamily="49" charset="0"/>
+                <a:cs typeface="Consolas" panose="020B0609020204030204" pitchFamily="49" charset="0"/>
+              </a:rPr>
+              <a:t>endl</a:t>
+            </a:r>
+            <a:r>
+              <a:rPr lang="en-US" sz="2100" dirty="0">
+                <a:latin typeface="Consolas" panose="020B0609020204030204" pitchFamily="49" charset="0"/>
+                <a:cs typeface="Consolas" panose="020B0609020204030204" pitchFamily="49" charset="0"/>
+              </a:rPr>
+              <a:t>;</a:t>
+            </a:r>
+          </a:p>
+          <a:p>
+            <a:pPr marL="0" indent="0">
+              <a:buNone/>
+            </a:pPr>
+            <a:r>
+              <a:rPr lang="en-US" sz="2100" dirty="0" smtClean="0">
+                <a:latin typeface="Consolas" panose="020B0609020204030204" pitchFamily="49" charset="0"/>
+                <a:cs typeface="Consolas" panose="020B0609020204030204" pitchFamily="49" charset="0"/>
+              </a:rPr>
+              <a:t>    s </a:t>
+            </a:r>
+            <a:r>
+              <a:rPr lang="en-US" sz="2100" dirty="0">
+                <a:latin typeface="Consolas" panose="020B0609020204030204" pitchFamily="49" charset="0"/>
+                <a:cs typeface="Consolas" panose="020B0609020204030204" pitchFamily="49" charset="0"/>
+              </a:rPr>
+              <a:t>= </a:t>
+            </a:r>
+            <a:r>
+              <a:rPr lang="en-US" sz="2100" dirty="0" err="1">
+                <a:solidFill>
+                  <a:srgbClr val="FF0000"/>
+                </a:solidFill>
+                <a:latin typeface="Consolas" panose="020B0609020204030204" pitchFamily="49" charset="0"/>
+                <a:cs typeface="Consolas" panose="020B0609020204030204" pitchFamily="49" charset="0"/>
+              </a:rPr>
+              <a:t>R"gobbledygook</a:t>
+            </a:r>
+            <a:r>
+              <a:rPr lang="en-US" sz="2100" dirty="0">
+                <a:latin typeface="Consolas" panose="020B0609020204030204" pitchFamily="49" charset="0"/>
+                <a:cs typeface="Consolas" panose="020B0609020204030204" pitchFamily="49" charset="0"/>
+              </a:rPr>
+              <a:t>(a raw string literal </a:t>
+            </a:r>
+            <a:r>
+              <a:rPr lang="en-US" sz="2100">
+                <a:latin typeface="Consolas" panose="020B0609020204030204" pitchFamily="49" charset="0"/>
+                <a:cs typeface="Consolas" panose="020B0609020204030204" pitchFamily="49" charset="0"/>
+              </a:rPr>
+              <a:t>with "</a:t>
+            </a:r>
+            <a:r>
+              <a:rPr lang="en-US" sz="2100" smtClean="0">
+                <a:latin typeface="Consolas" panose="020B0609020204030204" pitchFamily="49" charset="0"/>
+                <a:cs typeface="Consolas" panose="020B0609020204030204" pitchFamily="49" charset="0"/>
+              </a:rPr>
+              <a:t>gobbledygook</a:t>
+            </a:r>
+            <a:r>
+              <a:rPr lang="en-US" sz="2100" dirty="0">
+                <a:latin typeface="Consolas" panose="020B0609020204030204" pitchFamily="49" charset="0"/>
+                <a:cs typeface="Consolas" panose="020B0609020204030204" pitchFamily="49" charset="0"/>
+              </a:rPr>
+              <a:t>"</a:t>
+            </a:r>
+            <a:endParaRPr lang="en-US" sz="2100" dirty="0" smtClean="0">
+              <a:latin typeface="Consolas" panose="020B0609020204030204" pitchFamily="49" charset="0"/>
+              <a:cs typeface="Consolas" panose="020B0609020204030204" pitchFamily="49" charset="0"/>
+            </a:endParaRPr>
+          </a:p>
+          <a:p>
+            <a:pPr marL="0" indent="0">
+              <a:buNone/>
+            </a:pPr>
+            <a:r>
+              <a:rPr lang="en-US" sz="2100" dirty="0" smtClean="0">
+                <a:latin typeface="Consolas" panose="020B0609020204030204" pitchFamily="49" charset="0"/>
+                <a:cs typeface="Consolas" panose="020B0609020204030204" pitchFamily="49" charset="0"/>
+              </a:rPr>
+              <a:t>        as the delimiter</a:t>
+            </a:r>
+            <a:r>
+              <a:rPr lang="en-US" sz="2100" dirty="0" smtClean="0">
+                <a:solidFill>
+                  <a:srgbClr val="FF0000"/>
+                </a:solidFill>
+                <a:latin typeface="Consolas" panose="020B0609020204030204" pitchFamily="49" charset="0"/>
+                <a:cs typeface="Consolas" panose="020B0609020204030204" pitchFamily="49" charset="0"/>
+              </a:rPr>
+              <a:t>)gobbledygook</a:t>
+            </a:r>
+            <a:r>
+              <a:rPr lang="en-US" sz="2100" dirty="0">
+                <a:solidFill>
+                  <a:srgbClr val="FF0000"/>
+                </a:solidFill>
+                <a:latin typeface="Consolas" panose="020B0609020204030204" pitchFamily="49" charset="0"/>
+                <a:cs typeface="Consolas" panose="020B0609020204030204" pitchFamily="49" charset="0"/>
+              </a:rPr>
+              <a:t>"</a:t>
+            </a:r>
+            <a:r>
+              <a:rPr lang="en-US" sz="2100" dirty="0">
+                <a:latin typeface="Consolas" panose="020B0609020204030204" pitchFamily="49" charset="0"/>
+                <a:cs typeface="Consolas" panose="020B0609020204030204" pitchFamily="49" charset="0"/>
+              </a:rPr>
+              <a:t>;</a:t>
+            </a:r>
+          </a:p>
+          <a:p>
+            <a:pPr marL="0" indent="0">
+              <a:buNone/>
+            </a:pPr>
+            <a:r>
+              <a:rPr lang="en-US" sz="2100" dirty="0" smtClean="0">
+                <a:latin typeface="Consolas" panose="020B0609020204030204" pitchFamily="49" charset="0"/>
+                <a:cs typeface="Consolas" panose="020B0609020204030204" pitchFamily="49" charset="0"/>
+              </a:rPr>
+              <a:t>    </a:t>
+            </a:r>
+            <a:r>
+              <a:rPr lang="en-US" sz="2100" dirty="0" err="1" smtClean="0">
+                <a:latin typeface="Consolas" panose="020B0609020204030204" pitchFamily="49" charset="0"/>
+                <a:cs typeface="Consolas" panose="020B0609020204030204" pitchFamily="49" charset="0"/>
+              </a:rPr>
+              <a:t>std</a:t>
+            </a:r>
+            <a:r>
+              <a:rPr lang="en-US" sz="2100" dirty="0">
+                <a:latin typeface="Consolas" panose="020B0609020204030204" pitchFamily="49" charset="0"/>
+                <a:cs typeface="Consolas" panose="020B0609020204030204" pitchFamily="49" charset="0"/>
+              </a:rPr>
+              <a:t>::</a:t>
+            </a:r>
+            <a:r>
+              <a:rPr lang="en-US" sz="2100" dirty="0" err="1">
+                <a:latin typeface="Consolas" panose="020B0609020204030204" pitchFamily="49" charset="0"/>
+                <a:cs typeface="Consolas" panose="020B0609020204030204" pitchFamily="49" charset="0"/>
+              </a:rPr>
+              <a:t>cout</a:t>
+            </a:r>
+            <a:r>
+              <a:rPr lang="en-US" sz="2100" dirty="0">
+                <a:latin typeface="Consolas" panose="020B0609020204030204" pitchFamily="49" charset="0"/>
+                <a:cs typeface="Consolas" panose="020B0609020204030204" pitchFamily="49" charset="0"/>
+              </a:rPr>
+              <a:t> &lt;&lt; s &lt;&lt; </a:t>
+            </a:r>
+            <a:r>
+              <a:rPr lang="en-US" sz="2100" dirty="0" err="1">
+                <a:latin typeface="Consolas" panose="020B0609020204030204" pitchFamily="49" charset="0"/>
+                <a:cs typeface="Consolas" panose="020B0609020204030204" pitchFamily="49" charset="0"/>
+              </a:rPr>
+              <a:t>std</a:t>
+            </a:r>
+            <a:r>
+              <a:rPr lang="en-US" sz="2100" dirty="0">
+                <a:latin typeface="Consolas" panose="020B0609020204030204" pitchFamily="49" charset="0"/>
+                <a:cs typeface="Consolas" panose="020B0609020204030204" pitchFamily="49" charset="0"/>
+              </a:rPr>
+              <a:t>::</a:t>
+            </a:r>
+            <a:r>
+              <a:rPr lang="en-US" sz="2100" dirty="0" err="1">
+                <a:latin typeface="Consolas" panose="020B0609020204030204" pitchFamily="49" charset="0"/>
+                <a:cs typeface="Consolas" panose="020B0609020204030204" pitchFamily="49" charset="0"/>
+              </a:rPr>
+              <a:t>endl</a:t>
+            </a:r>
+            <a:r>
+              <a:rPr lang="en-US" sz="2100" dirty="0">
+                <a:latin typeface="Consolas" panose="020B0609020204030204" pitchFamily="49" charset="0"/>
+                <a:cs typeface="Consolas" panose="020B0609020204030204" pitchFamily="49" charset="0"/>
+              </a:rPr>
+              <a:t>;</a:t>
+            </a:r>
+          </a:p>
+          <a:p>
+            <a:pPr marL="0" indent="0">
+              <a:buNone/>
+            </a:pPr>
+            <a:r>
+              <a:rPr lang="en-US" sz="2100" dirty="0" smtClean="0">
+                <a:latin typeface="Consolas" panose="020B0609020204030204" pitchFamily="49" charset="0"/>
+                <a:cs typeface="Consolas" panose="020B0609020204030204" pitchFamily="49" charset="0"/>
+              </a:rPr>
+              <a:t>    return </a:t>
+            </a:r>
+            <a:r>
+              <a:rPr lang="en-US" sz="2100" dirty="0">
+                <a:latin typeface="Consolas" panose="020B0609020204030204" pitchFamily="49" charset="0"/>
+                <a:cs typeface="Consolas" panose="020B0609020204030204" pitchFamily="49" charset="0"/>
+              </a:rPr>
+              <a:t>0;</a:t>
+            </a:r>
+          </a:p>
+          <a:p>
+            <a:pPr marL="0" indent="0">
+              <a:buNone/>
+            </a:pPr>
+            <a:r>
+              <a:rPr lang="en-US" sz="2100" dirty="0" smtClean="0">
+                <a:latin typeface="Consolas" panose="020B0609020204030204" pitchFamily="49" charset="0"/>
+                <a:cs typeface="Consolas" panose="020B0609020204030204" pitchFamily="49" charset="0"/>
+              </a:rPr>
+              <a:t>  }</a:t>
+            </a:r>
+          </a:p>
+          <a:p>
+            <a:pPr marL="0" indent="0">
+              <a:buNone/>
+            </a:pPr>
+            <a:endParaRPr lang="en-US" sz="2000" dirty="0">
+              <a:latin typeface="Consolas" panose="020B0609020204030204" pitchFamily="49" charset="0"/>
+              <a:cs typeface="Consolas" panose="020B0609020204030204" pitchFamily="49" charset="0"/>
+            </a:endParaRPr>
+          </a:p>
+          <a:p>
+            <a:pPr marL="0" indent="0">
+              <a:buNone/>
+            </a:pPr>
+            <a:r>
+              <a:rPr lang="en-US" sz="2800" dirty="0"/>
+              <a:t>\&gt;%^\t\n</a:t>
+            </a:r>
+            <a:r>
+              <a:rPr lang="en-US" sz="2800" dirty="0" smtClean="0"/>
+              <a:t>&amp;*(&lt;</a:t>
+            </a:r>
+          </a:p>
+          <a:p>
+            <a:pPr marL="0" indent="0">
+              <a:buNone/>
+            </a:pPr>
+            <a:r>
+              <a:rPr lang="en-US" sz="2800" dirty="0"/>
+              <a:t>a raw string literal with "gobbledygook" as the delimiter</a:t>
+            </a:r>
+            <a:endParaRPr lang="en-US" sz="2800" dirty="0" smtClean="0">
+              <a:latin typeface="Consolas" panose="020B0609020204030204" pitchFamily="49" charset="0"/>
+              <a:cs typeface="Consolas" panose="020B0609020204030204" pitchFamily="49" charset="0"/>
+            </a:endParaRPr>
+          </a:p>
+          <a:p>
+            <a:pPr marL="0" indent="0">
+              <a:buNone/>
+            </a:pPr>
+            <a:endParaRPr lang="en-US" dirty="0" smtClean="0">
+              <a:latin typeface="Consolas" panose="020B0609020204030204" pitchFamily="49" charset="0"/>
+              <a:cs typeface="Consolas" panose="020B0609020204030204" pitchFamily="49" charset="0"/>
+            </a:endParaRPr>
+          </a:p>
+          <a:p>
+            <a:pPr marL="0" indent="0">
+              <a:buNone/>
+            </a:pPr>
+            <a:endParaRPr lang="en-US" sz="2000" dirty="0">
+              <a:latin typeface="Consolas" panose="020B0609020204030204" pitchFamily="49" charset="0"/>
+              <a:cs typeface="Consolas" panose="020B0609020204030204" pitchFamily="49" charset="0"/>
+            </a:endParaRPr>
           </a:p>
         </p:txBody>
       </p:sp>
     </p:spTree>
     <p:extLst>
       <p:ext uri="{BB962C8B-B14F-4D97-AF65-F5344CB8AC3E}">
-        <p14:creationId xmlns:p14="http://schemas.microsoft.com/office/powerpoint/2010/main" val="3828345346"/>
+        <p14:creationId xmlns:p14="http://schemas.microsoft.com/office/powerpoint/2010/main" val="617387278"/>
       </p:ext>
     </p:extLst>
   </p:cSld>
@@ -6297,466 +6329,89 @@
           <a:lstStyle/>
           <a:p>
             <a:r>
+              <a:rPr lang="en-US" dirty="0" smtClean="0"/>
+              <a:t>Smart Pointers</a:t>
+            </a:r>
+            <a:endParaRPr lang="en-US" dirty="0"/>
+          </a:p>
+        </p:txBody>
+      </p:sp>
+      <p:sp>
+        <p:nvSpPr>
+          <p:cNvPr id="3" name="Content Placeholder 2"/>
+          <p:cNvSpPr>
+            <a:spLocks noGrp="1"/>
+          </p:cNvSpPr>
+          <p:nvPr>
+            <p:ph idx="1"/>
+          </p:nvPr>
+        </p:nvSpPr>
+        <p:spPr/>
+        <p:txBody>
+          <a:bodyPr/>
+          <a:lstStyle/>
+          <a:p>
+            <a:r>
               <a:rPr lang="en-US" dirty="0" err="1" smtClean="0">
                 <a:latin typeface="Consolas" panose="020B0609020204030204" pitchFamily="49" charset="0"/>
                 <a:cs typeface="Consolas" panose="020B0609020204030204" pitchFamily="49" charset="0"/>
               </a:rPr>
-              <a:t>std</a:t>
-            </a:r>
-            <a:r>
-              <a:rPr lang="en-US" dirty="0" smtClean="0">
-                <a:latin typeface="Consolas" panose="020B0609020204030204" pitchFamily="49" charset="0"/>
-                <a:cs typeface="Consolas" panose="020B0609020204030204" pitchFamily="49" charset="0"/>
-              </a:rPr>
-              <a:t>::</a:t>
-            </a:r>
+              <a:t>auto_ptr</a:t>
+            </a:r>
+            <a:r>
+              <a:rPr lang="en-US" dirty="0" smtClean="0"/>
+              <a:t> is deprecated. Do not use it.</a:t>
+            </a:r>
+          </a:p>
+          <a:p>
             <a:r>
               <a:rPr lang="en-US" dirty="0" err="1" smtClean="0">
                 <a:latin typeface="Consolas" panose="020B0609020204030204" pitchFamily="49" charset="0"/>
                 <a:cs typeface="Consolas" panose="020B0609020204030204" pitchFamily="49" charset="0"/>
               </a:rPr>
-              <a:t>to_string</a:t>
-            </a:r>
-            <a:endParaRPr lang="en-US" dirty="0">
-              <a:latin typeface="Consolas" panose="020B0609020204030204" pitchFamily="49" charset="0"/>
-              <a:cs typeface="Consolas" panose="020B0609020204030204" pitchFamily="49" charset="0"/>
-            </a:endParaRPr>
-          </a:p>
-        </p:txBody>
-      </p:sp>
-      <p:sp>
-        <p:nvSpPr>
-          <p:cNvPr id="3" name="Content Placeholder 2"/>
-          <p:cNvSpPr>
-            <a:spLocks noGrp="1"/>
-          </p:cNvSpPr>
-          <p:nvPr>
-            <p:ph idx="1"/>
-          </p:nvPr>
-        </p:nvSpPr>
-        <p:spPr>
-          <a:xfrm>
-            <a:off x="457200" y="1600200"/>
-            <a:ext cx="8229600" cy="4800600"/>
-          </a:xfrm>
-        </p:spPr>
-        <p:txBody>
-          <a:bodyPr>
-            <a:normAutofit lnSpcReduction="10000"/>
-          </a:bodyPr>
-          <a:lstStyle/>
-          <a:p>
-            <a:r>
-              <a:rPr lang="en-US" dirty="0" smtClean="0"/>
-              <a:t>“</a:t>
-            </a:r>
-            <a:r>
-              <a:rPr lang="en-US" dirty="0"/>
-              <a:t>Converts a numeric value to </a:t>
-            </a:r>
-            <a:r>
-              <a:rPr lang="en-US" dirty="0" err="1">
-                <a:hlinkClick r:id="rId2" tooltip="cpp/string/basic string"/>
-              </a:rPr>
-              <a:t>std</a:t>
-            </a:r>
-            <a:r>
-              <a:rPr lang="en-US" dirty="0">
-                <a:hlinkClick r:id="rId2" tooltip="cpp/string/basic string"/>
-              </a:rPr>
-              <a:t>::string</a:t>
-            </a:r>
-            <a:r>
-              <a:rPr lang="en-US" dirty="0" smtClean="0"/>
-              <a:t>.”</a:t>
-            </a:r>
-          </a:p>
-          <a:p>
-            <a:pPr marL="400050" lvl="1" indent="0">
-              <a:buNone/>
-            </a:pPr>
-            <a:r>
-              <a:rPr lang="en-US" sz="2200" dirty="0" smtClean="0">
-                <a:hlinkClick r:id="rId3"/>
-              </a:rPr>
-              <a:t>http</a:t>
-            </a:r>
-            <a:r>
-              <a:rPr lang="en-US" sz="2200" dirty="0">
-                <a:hlinkClick r:id="rId3"/>
-              </a:rPr>
-              <a:t>://</a:t>
-            </a:r>
-            <a:r>
-              <a:rPr lang="en-US" sz="2200" dirty="0" smtClean="0">
-                <a:hlinkClick r:id="rId3"/>
-              </a:rPr>
-              <a:t>en.cppreference.com/w/cpp/string/basic_string/to_string</a:t>
-            </a:r>
-            <a:endParaRPr lang="en-US" sz="2200" dirty="0" smtClean="0"/>
-          </a:p>
-          <a:p>
-            <a:pPr marL="285750"/>
-            <a:r>
-              <a:rPr lang="en-US" dirty="0" smtClean="0"/>
-              <a:t>Avoid </a:t>
-            </a:r>
-            <a:r>
-              <a:rPr lang="en-US" dirty="0" err="1" smtClean="0"/>
-              <a:t>atof</a:t>
-            </a:r>
-            <a:r>
-              <a:rPr lang="en-US" dirty="0" smtClean="0"/>
-              <a:t>(), </a:t>
-            </a:r>
-            <a:r>
-              <a:rPr lang="en-US" dirty="0" err="1" smtClean="0"/>
-              <a:t>atoi</a:t>
-            </a:r>
-            <a:r>
-              <a:rPr lang="en-US" dirty="0" smtClean="0"/>
-              <a:t>(), Unicode macros, …</a:t>
-            </a:r>
-          </a:p>
-          <a:p>
-            <a:pPr marL="285750"/>
-            <a:r>
-              <a:rPr lang="en-US" dirty="0" smtClean="0"/>
-              <a:t>Use </a:t>
-            </a:r>
-            <a:r>
-              <a:rPr lang="en-US" dirty="0" err="1" smtClean="0"/>
-              <a:t>to_wstring</a:t>
-            </a:r>
-            <a:r>
-              <a:rPr lang="en-US" dirty="0" smtClean="0"/>
-              <a:t>() for wide strings</a:t>
+              <a:t>unique_ptr</a:t>
+            </a:r>
+            <a:r>
+              <a:rPr lang="en-US" dirty="0" smtClean="0"/>
+              <a:t> is awesome. Use it all the time.</a:t>
+            </a:r>
+          </a:p>
+          <a:p>
+            <a:r>
+              <a:rPr lang="en-US" dirty="0" smtClean="0"/>
+              <a:t>Same with </a:t>
+            </a:r>
+            <a:r>
+              <a:rPr lang="en-US" dirty="0" err="1" smtClean="0">
+                <a:latin typeface="Consolas" panose="020B0609020204030204" pitchFamily="49" charset="0"/>
+                <a:cs typeface="Consolas" panose="020B0609020204030204" pitchFamily="49" charset="0"/>
+              </a:rPr>
+              <a:t>shared_ptr</a:t>
+            </a:r>
+            <a:r>
+              <a:rPr lang="en-US" dirty="0" smtClean="0"/>
+              <a:t>. Do amazing things.</a:t>
+            </a:r>
+          </a:p>
+          <a:p>
+            <a:endParaRPr lang="en-US" dirty="0" smtClean="0"/>
+          </a:p>
+          <a:p>
+            <a:pPr marL="0" indent="0">
+              <a:buNone/>
+            </a:pPr>
+            <a:r>
+              <a:rPr lang="en-US" dirty="0" smtClean="0"/>
+              <a:t>C++ does not have garbage collection: It is deterministic in its acquisition and release of memory and other resources.</a:t>
             </a:r>
             <a:endParaRPr lang="en-US" dirty="0"/>
-          </a:p>
-          <a:p>
-            <a:pPr marL="400050" lvl="1" indent="0">
-              <a:buNone/>
-            </a:pPr>
-            <a:endParaRPr lang="en-US" sz="1800" dirty="0" smtClean="0"/>
-          </a:p>
-          <a:p>
-            <a:pPr marL="800100" lvl="2" indent="0">
-              <a:buNone/>
-            </a:pPr>
-            <a:r>
-              <a:rPr lang="en-US" sz="1400" dirty="0" smtClean="0">
-                <a:latin typeface="Consolas" panose="020B0609020204030204" pitchFamily="49" charset="0"/>
-                <a:cs typeface="Consolas" panose="020B0609020204030204" pitchFamily="49" charset="0"/>
-              </a:rPr>
-              <a:t>#</a:t>
-            </a:r>
-            <a:r>
-              <a:rPr lang="en-US" sz="1400" dirty="0">
-                <a:latin typeface="Consolas" panose="020B0609020204030204" pitchFamily="49" charset="0"/>
-                <a:cs typeface="Consolas" panose="020B0609020204030204" pitchFamily="49" charset="0"/>
-              </a:rPr>
-              <a:t>include &lt;</a:t>
-            </a:r>
-            <a:r>
-              <a:rPr lang="en-US" sz="1400" dirty="0" err="1">
-                <a:latin typeface="Consolas" panose="020B0609020204030204" pitchFamily="49" charset="0"/>
-                <a:cs typeface="Consolas" panose="020B0609020204030204" pitchFamily="49" charset="0"/>
-              </a:rPr>
-              <a:t>iostream</a:t>
-            </a:r>
-            <a:r>
-              <a:rPr lang="en-US" sz="1400" dirty="0">
-                <a:latin typeface="Consolas" panose="020B0609020204030204" pitchFamily="49" charset="0"/>
-                <a:cs typeface="Consolas" panose="020B0609020204030204" pitchFamily="49" charset="0"/>
-              </a:rPr>
-              <a:t>&gt;</a:t>
-            </a:r>
-          </a:p>
-          <a:p>
-            <a:pPr marL="800100" lvl="2" indent="0">
-              <a:buNone/>
-            </a:pPr>
-            <a:r>
-              <a:rPr lang="en-US" sz="1400" dirty="0">
-                <a:latin typeface="Consolas" panose="020B0609020204030204" pitchFamily="49" charset="0"/>
-                <a:cs typeface="Consolas" panose="020B0609020204030204" pitchFamily="49" charset="0"/>
-              </a:rPr>
-              <a:t>#include &lt;string</a:t>
-            </a:r>
-            <a:r>
-              <a:rPr lang="en-US" sz="1400" dirty="0" smtClean="0">
-                <a:latin typeface="Consolas" panose="020B0609020204030204" pitchFamily="49" charset="0"/>
-                <a:cs typeface="Consolas" panose="020B0609020204030204" pitchFamily="49" charset="0"/>
-              </a:rPr>
-              <a:t>&gt;</a:t>
-            </a:r>
-          </a:p>
-          <a:p>
-            <a:pPr marL="800100" lvl="2" indent="0">
-              <a:buNone/>
-            </a:pPr>
-            <a:endParaRPr lang="en-US" sz="1400" dirty="0">
-              <a:latin typeface="Consolas" panose="020B0609020204030204" pitchFamily="49" charset="0"/>
-              <a:cs typeface="Consolas" panose="020B0609020204030204" pitchFamily="49" charset="0"/>
-            </a:endParaRPr>
-          </a:p>
-          <a:p>
-            <a:pPr marL="800100" lvl="2" indent="0">
-              <a:buNone/>
-            </a:pPr>
-            <a:r>
-              <a:rPr lang="en-US" sz="1400" dirty="0" err="1" smtClean="0">
-                <a:latin typeface="Consolas" panose="020B0609020204030204" pitchFamily="49" charset="0"/>
-                <a:cs typeface="Consolas" panose="020B0609020204030204" pitchFamily="49" charset="0"/>
-              </a:rPr>
-              <a:t>int</a:t>
-            </a:r>
-            <a:r>
-              <a:rPr lang="en-US" sz="1400" dirty="0" smtClean="0">
-                <a:latin typeface="Consolas" panose="020B0609020204030204" pitchFamily="49" charset="0"/>
-                <a:cs typeface="Consolas" panose="020B0609020204030204" pitchFamily="49" charset="0"/>
-              </a:rPr>
-              <a:t> </a:t>
-            </a:r>
-            <a:r>
-              <a:rPr lang="en-US" sz="1400" dirty="0">
-                <a:latin typeface="Consolas" panose="020B0609020204030204" pitchFamily="49" charset="0"/>
-                <a:cs typeface="Consolas" panose="020B0609020204030204" pitchFamily="49" charset="0"/>
-              </a:rPr>
-              <a:t>main</a:t>
-            </a:r>
-            <a:r>
-              <a:rPr lang="en-US" sz="1400" dirty="0" smtClean="0">
-                <a:latin typeface="Consolas" panose="020B0609020204030204" pitchFamily="49" charset="0"/>
-                <a:cs typeface="Consolas" panose="020B0609020204030204" pitchFamily="49" charset="0"/>
-              </a:rPr>
-              <a:t>() {</a:t>
-            </a:r>
-            <a:endParaRPr lang="en-US" sz="1400" dirty="0">
-              <a:latin typeface="Consolas" panose="020B0609020204030204" pitchFamily="49" charset="0"/>
-              <a:cs typeface="Consolas" panose="020B0609020204030204" pitchFamily="49" charset="0"/>
-            </a:endParaRPr>
-          </a:p>
-          <a:p>
-            <a:pPr marL="800100" lvl="2" indent="0">
-              <a:buNone/>
-            </a:pPr>
-            <a:r>
-              <a:rPr lang="en-US" sz="1400" dirty="0">
-                <a:latin typeface="Consolas" panose="020B0609020204030204" pitchFamily="49" charset="0"/>
-                <a:cs typeface="Consolas" panose="020B0609020204030204" pitchFamily="49" charset="0"/>
-              </a:rPr>
-              <a:t>    double f = 23.43;</a:t>
-            </a:r>
-          </a:p>
-          <a:p>
-            <a:pPr marL="800100" lvl="2" indent="0">
-              <a:buNone/>
-            </a:pPr>
-            <a:r>
-              <a:rPr lang="en-US" sz="1400" dirty="0">
-                <a:latin typeface="Consolas" panose="020B0609020204030204" pitchFamily="49" charset="0"/>
-                <a:cs typeface="Consolas" panose="020B0609020204030204" pitchFamily="49" charset="0"/>
-              </a:rPr>
-              <a:t>    </a:t>
-            </a:r>
-            <a:r>
-              <a:rPr lang="en-US" sz="1400" dirty="0" err="1">
-                <a:latin typeface="Consolas" panose="020B0609020204030204" pitchFamily="49" charset="0"/>
-                <a:cs typeface="Consolas" panose="020B0609020204030204" pitchFamily="49" charset="0"/>
-              </a:rPr>
-              <a:t>std</a:t>
-            </a:r>
-            <a:r>
-              <a:rPr lang="en-US" sz="1400" dirty="0">
-                <a:latin typeface="Consolas" panose="020B0609020204030204" pitchFamily="49" charset="0"/>
-                <a:cs typeface="Consolas" panose="020B0609020204030204" pitchFamily="49" charset="0"/>
-              </a:rPr>
-              <a:t>::string </a:t>
-            </a:r>
-            <a:r>
-              <a:rPr lang="en-US" sz="1400" dirty="0" err="1">
-                <a:latin typeface="Consolas" panose="020B0609020204030204" pitchFamily="49" charset="0"/>
-                <a:cs typeface="Consolas" panose="020B0609020204030204" pitchFamily="49" charset="0"/>
-              </a:rPr>
-              <a:t>f_str</a:t>
-            </a:r>
-            <a:r>
-              <a:rPr lang="en-US" sz="1400" dirty="0">
-                <a:latin typeface="Consolas" panose="020B0609020204030204" pitchFamily="49" charset="0"/>
-                <a:cs typeface="Consolas" panose="020B0609020204030204" pitchFamily="49" charset="0"/>
-              </a:rPr>
-              <a:t> = </a:t>
-            </a:r>
-            <a:r>
-              <a:rPr lang="en-US" sz="1400" dirty="0" err="1">
-                <a:latin typeface="Consolas" panose="020B0609020204030204" pitchFamily="49" charset="0"/>
-                <a:cs typeface="Consolas" panose="020B0609020204030204" pitchFamily="49" charset="0"/>
-              </a:rPr>
-              <a:t>std</a:t>
-            </a:r>
-            <a:r>
-              <a:rPr lang="en-US" sz="1400" dirty="0">
-                <a:latin typeface="Consolas" panose="020B0609020204030204" pitchFamily="49" charset="0"/>
-                <a:cs typeface="Consolas" panose="020B0609020204030204" pitchFamily="49" charset="0"/>
-              </a:rPr>
-              <a:t>::</a:t>
-            </a:r>
-            <a:r>
-              <a:rPr lang="en-US" sz="1400" dirty="0" err="1">
-                <a:latin typeface="Consolas" panose="020B0609020204030204" pitchFamily="49" charset="0"/>
-                <a:cs typeface="Consolas" panose="020B0609020204030204" pitchFamily="49" charset="0"/>
-              </a:rPr>
-              <a:t>to_string</a:t>
-            </a:r>
-            <a:r>
-              <a:rPr lang="en-US" sz="1400" dirty="0">
-                <a:latin typeface="Consolas" panose="020B0609020204030204" pitchFamily="49" charset="0"/>
-                <a:cs typeface="Consolas" panose="020B0609020204030204" pitchFamily="49" charset="0"/>
-              </a:rPr>
-              <a:t>(f);</a:t>
-            </a:r>
-          </a:p>
-          <a:p>
-            <a:pPr marL="800100" lvl="2" indent="0">
-              <a:buNone/>
-            </a:pPr>
-            <a:r>
-              <a:rPr lang="en-US" sz="1400" dirty="0">
-                <a:latin typeface="Consolas" panose="020B0609020204030204" pitchFamily="49" charset="0"/>
-                <a:cs typeface="Consolas" panose="020B0609020204030204" pitchFamily="49" charset="0"/>
-              </a:rPr>
-              <a:t>    </a:t>
-            </a:r>
-            <a:r>
-              <a:rPr lang="en-US" sz="1400" dirty="0" err="1">
-                <a:latin typeface="Consolas" panose="020B0609020204030204" pitchFamily="49" charset="0"/>
-                <a:cs typeface="Consolas" panose="020B0609020204030204" pitchFamily="49" charset="0"/>
-              </a:rPr>
-              <a:t>std</a:t>
-            </a:r>
-            <a:r>
-              <a:rPr lang="en-US" sz="1400" dirty="0">
-                <a:latin typeface="Consolas" panose="020B0609020204030204" pitchFamily="49" charset="0"/>
-                <a:cs typeface="Consolas" panose="020B0609020204030204" pitchFamily="49" charset="0"/>
-              </a:rPr>
-              <a:t>::</a:t>
-            </a:r>
-            <a:r>
-              <a:rPr lang="en-US" sz="1400" dirty="0" err="1">
-                <a:latin typeface="Consolas" panose="020B0609020204030204" pitchFamily="49" charset="0"/>
-                <a:cs typeface="Consolas" panose="020B0609020204030204" pitchFamily="49" charset="0"/>
-              </a:rPr>
-              <a:t>cout</a:t>
-            </a:r>
-            <a:r>
-              <a:rPr lang="en-US" sz="1400" dirty="0">
-                <a:latin typeface="Consolas" panose="020B0609020204030204" pitchFamily="49" charset="0"/>
-                <a:cs typeface="Consolas" panose="020B0609020204030204" pitchFamily="49" charset="0"/>
-              </a:rPr>
-              <a:t> &lt;&lt; </a:t>
-            </a:r>
-            <a:r>
-              <a:rPr lang="en-US" sz="1400" dirty="0" err="1">
-                <a:latin typeface="Consolas" panose="020B0609020204030204" pitchFamily="49" charset="0"/>
-                <a:cs typeface="Consolas" panose="020B0609020204030204" pitchFamily="49" charset="0"/>
-              </a:rPr>
-              <a:t>f_str</a:t>
-            </a:r>
-            <a:r>
-              <a:rPr lang="en-US" sz="1400" dirty="0">
-                <a:latin typeface="Consolas" panose="020B0609020204030204" pitchFamily="49" charset="0"/>
-                <a:cs typeface="Consolas" panose="020B0609020204030204" pitchFamily="49" charset="0"/>
-              </a:rPr>
-              <a:t> &lt;&lt; </a:t>
-            </a:r>
-            <a:r>
-              <a:rPr lang="en-US" sz="1400" dirty="0" err="1" smtClean="0">
-                <a:latin typeface="Consolas" panose="020B0609020204030204" pitchFamily="49" charset="0"/>
-                <a:cs typeface="Consolas" panose="020B0609020204030204" pitchFamily="49" charset="0"/>
-              </a:rPr>
-              <a:t>std</a:t>
-            </a:r>
-            <a:r>
-              <a:rPr lang="en-US" sz="1400" dirty="0" smtClean="0">
-                <a:latin typeface="Consolas" panose="020B0609020204030204" pitchFamily="49" charset="0"/>
-                <a:cs typeface="Consolas" panose="020B0609020204030204" pitchFamily="49" charset="0"/>
-              </a:rPr>
-              <a:t>::</a:t>
-            </a:r>
-            <a:r>
-              <a:rPr lang="en-US" sz="1400" dirty="0" err="1" smtClean="0">
-                <a:latin typeface="Consolas" panose="020B0609020204030204" pitchFamily="49" charset="0"/>
-                <a:cs typeface="Consolas" panose="020B0609020204030204" pitchFamily="49" charset="0"/>
-              </a:rPr>
-              <a:t>endl</a:t>
-            </a:r>
-            <a:r>
-              <a:rPr lang="en-US" sz="1400" dirty="0" smtClean="0">
-                <a:latin typeface="Consolas" panose="020B0609020204030204" pitchFamily="49" charset="0"/>
-                <a:cs typeface="Consolas" panose="020B0609020204030204" pitchFamily="49" charset="0"/>
-              </a:rPr>
-              <a:t>;</a:t>
-            </a:r>
-            <a:endParaRPr lang="en-US" sz="1400" dirty="0">
-              <a:latin typeface="Consolas" panose="020B0609020204030204" pitchFamily="49" charset="0"/>
-              <a:cs typeface="Consolas" panose="020B0609020204030204" pitchFamily="49" charset="0"/>
-            </a:endParaRPr>
-          </a:p>
-          <a:p>
-            <a:pPr marL="800100" lvl="2" indent="0">
-              <a:buNone/>
-            </a:pPr>
-            <a:r>
-              <a:rPr lang="en-US" sz="1400" dirty="0" smtClean="0">
-                <a:latin typeface="Consolas" panose="020B0609020204030204" pitchFamily="49" charset="0"/>
-                <a:cs typeface="Consolas" panose="020B0609020204030204" pitchFamily="49" charset="0"/>
-              </a:rPr>
-              <a:t>}</a:t>
-            </a:r>
-          </a:p>
-          <a:p>
-            <a:pPr marL="800100" lvl="2" indent="0">
-              <a:buNone/>
-            </a:pPr>
-            <a:endParaRPr lang="en-US" sz="1400" dirty="0" smtClean="0">
-              <a:latin typeface="Consolas" panose="020B0609020204030204" pitchFamily="49" charset="0"/>
-              <a:cs typeface="Consolas" panose="020B0609020204030204" pitchFamily="49" charset="0"/>
-            </a:endParaRPr>
-          </a:p>
-          <a:p>
-            <a:pPr marL="800100" lvl="2" indent="0">
-              <a:buNone/>
-            </a:pPr>
-            <a:r>
-              <a:rPr lang="en-US" sz="1400" dirty="0" smtClean="0">
-                <a:latin typeface="Consolas" panose="020B0609020204030204" pitchFamily="49" charset="0"/>
-                <a:cs typeface="Consolas" panose="020B0609020204030204" pitchFamily="49" charset="0"/>
-              </a:rPr>
-              <a:t>output: </a:t>
-            </a:r>
-            <a:r>
-              <a:rPr lang="en-US" sz="1400" dirty="0" smtClean="0"/>
-              <a:t>23.430000</a:t>
-            </a:r>
-            <a:endParaRPr lang="en-US" sz="1400" dirty="0">
-              <a:latin typeface="Consolas" panose="020B0609020204030204" pitchFamily="49" charset="0"/>
-              <a:cs typeface="Consolas" panose="020B0609020204030204" pitchFamily="49" charset="0"/>
-            </a:endParaRPr>
-          </a:p>
-          <a:p>
-            <a:pPr marL="800100" lvl="2" indent="0">
-              <a:buNone/>
-            </a:pPr>
-            <a:endParaRPr lang="en-US" sz="1400" dirty="0" smtClean="0"/>
           </a:p>
         </p:txBody>
       </p:sp>
     </p:spTree>
     <p:extLst>
       <p:ext uri="{BB962C8B-B14F-4D97-AF65-F5344CB8AC3E}">
-        <p14:creationId xmlns:p14="http://schemas.microsoft.com/office/powerpoint/2010/main" val="146388363"/>
+        <p14:creationId xmlns:p14="http://schemas.microsoft.com/office/powerpoint/2010/main" val="3828345346"/>
       </p:ext>
     </p:extLst>
   </p:cSld>
@@ -6843,431 +6498,421 @@
             <p:ph idx="1"/>
           </p:nvPr>
         </p:nvSpPr>
-        <p:spPr/>
+        <p:spPr>
+          <a:xfrm>
+            <a:off x="457200" y="1600200"/>
+            <a:ext cx="8229600" cy="4800600"/>
+          </a:xfrm>
+        </p:spPr>
         <p:txBody>
           <a:bodyPr>
-            <a:normAutofit/>
+            <a:normAutofit lnSpcReduction="10000"/>
           </a:bodyPr>
           <a:lstStyle/>
           <a:p>
             <a:r>
               <a:rPr lang="en-US" dirty="0" smtClean="0"/>
-              <a:t>Works with all sorts of numeric types</a:t>
-            </a:r>
-          </a:p>
-          <a:p>
-            <a:r>
-              <a:rPr lang="en-US" dirty="0" smtClean="0"/>
-              <a:t>Caveat (google </a:t>
+              <a:t>“</a:t>
+            </a:r>
+            <a:r>
+              <a:rPr lang="en-US" dirty="0"/>
+              <a:t>Converts a numeric value to </a:t>
+            </a:r>
+            <a:r>
+              <a:rPr lang="en-US" dirty="0" err="1">
+                <a:hlinkClick r:id="rId2" tooltip="cpp/string/basic string"/>
+              </a:rPr>
+              <a:t>std</a:t>
+            </a:r>
+            <a:r>
+              <a:rPr lang="en-US" dirty="0">
+                <a:hlinkClick r:id="rId2" tooltip="cpp/string/basic string"/>
+              </a:rPr>
+              <a:t>::string</a:t>
+            </a:r>
+            <a:r>
+              <a:rPr lang="en-US" dirty="0" smtClean="0"/>
+              <a:t>.”</a:t>
+            </a:r>
+          </a:p>
+          <a:p>
+            <a:pPr marL="400050" lvl="1" indent="0">
+              <a:buNone/>
+            </a:pPr>
+            <a:r>
+              <a:rPr lang="en-US" sz="2200" dirty="0" smtClean="0">
+                <a:hlinkClick r:id="rId3"/>
+              </a:rPr>
+              <a:t>http</a:t>
+            </a:r>
+            <a:r>
+              <a:rPr lang="en-US" sz="2200" dirty="0">
+                <a:hlinkClick r:id="rId3"/>
+              </a:rPr>
+              <a:t>://</a:t>
+            </a:r>
+            <a:r>
+              <a:rPr lang="en-US" sz="2200" dirty="0" smtClean="0">
+                <a:hlinkClick r:id="rId3"/>
+              </a:rPr>
+              <a:t>en.cppreference.com/w/cpp/string/basic_string/to_string</a:t>
+            </a:r>
+            <a:endParaRPr lang="en-US" sz="2200" dirty="0" smtClean="0"/>
+          </a:p>
+          <a:p>
+            <a:pPr marL="285750"/>
+            <a:r>
+              <a:rPr lang="en-US" dirty="0" smtClean="0"/>
+              <a:t>Avoid </a:t>
             </a:r>
             <a:r>
               <a:rPr lang="en-US" dirty="0" err="1" smtClean="0"/>
-              <a:t>FlatBuffers</a:t>
-            </a:r>
-            <a:r>
-              <a:rPr lang="en-US" dirty="0" smtClean="0"/>
-              <a:t>):</a:t>
-            </a:r>
-          </a:p>
-          <a:p>
-            <a:pPr marL="0" indent="0">
-              <a:buNone/>
-            </a:pPr>
-            <a:endParaRPr lang="en-US" sz="1200" dirty="0" smtClean="0">
+              <a:t>atof</a:t>
+            </a:r>
+            <a:r>
+              <a:rPr lang="en-US" dirty="0" smtClean="0"/>
+              <a:t>(), </a:t>
+            </a:r>
+            <a:r>
+              <a:rPr lang="en-US" dirty="0" err="1" smtClean="0"/>
+              <a:t>atoi</a:t>
+            </a:r>
+            <a:r>
+              <a:rPr lang="en-US" dirty="0" smtClean="0"/>
+              <a:t>(), Unicode macros, …</a:t>
+            </a:r>
+          </a:p>
+          <a:p>
+            <a:pPr marL="285750"/>
+            <a:r>
+              <a:rPr lang="en-US" dirty="0" smtClean="0"/>
+              <a:t>Use </a:t>
+            </a:r>
+            <a:r>
+              <a:rPr lang="en-US" dirty="0" err="1" smtClean="0"/>
+              <a:t>to_wstring</a:t>
+            </a:r>
+            <a:r>
+              <a:rPr lang="en-US" dirty="0" smtClean="0"/>
+              <a:t>() for wide strings</a:t>
+            </a:r>
+            <a:endParaRPr lang="en-US" dirty="0"/>
+          </a:p>
+          <a:p>
+            <a:pPr marL="400050" lvl="1" indent="0">
+              <a:buNone/>
+            </a:pPr>
+            <a:endParaRPr lang="en-US" sz="1800" dirty="0" smtClean="0"/>
+          </a:p>
+          <a:p>
+            <a:pPr marL="800100" lvl="2" indent="0">
+              <a:buNone/>
+            </a:pPr>
+            <a:r>
+              <a:rPr lang="en-US" sz="1400" dirty="0" smtClean="0">
+                <a:latin typeface="Consolas" panose="020B0609020204030204" pitchFamily="49" charset="0"/>
+                <a:cs typeface="Consolas" panose="020B0609020204030204" pitchFamily="49" charset="0"/>
+              </a:rPr>
+              <a:t>#</a:t>
+            </a:r>
+            <a:r>
+              <a:rPr lang="en-US" sz="1400" dirty="0">
+                <a:latin typeface="Consolas" panose="020B0609020204030204" pitchFamily="49" charset="0"/>
+                <a:cs typeface="Consolas" panose="020B0609020204030204" pitchFamily="49" charset="0"/>
+              </a:rPr>
+              <a:t>include &lt;</a:t>
+            </a:r>
+            <a:r>
+              <a:rPr lang="en-US" sz="1400" dirty="0" err="1">
+                <a:latin typeface="Consolas" panose="020B0609020204030204" pitchFamily="49" charset="0"/>
+                <a:cs typeface="Consolas" panose="020B0609020204030204" pitchFamily="49" charset="0"/>
+              </a:rPr>
+              <a:t>iostream</a:t>
+            </a:r>
+            <a:r>
+              <a:rPr lang="en-US" sz="1400" dirty="0">
+                <a:latin typeface="Consolas" panose="020B0609020204030204" pitchFamily="49" charset="0"/>
+                <a:cs typeface="Consolas" panose="020B0609020204030204" pitchFamily="49" charset="0"/>
+              </a:rPr>
+              <a:t>&gt;</a:t>
+            </a:r>
+          </a:p>
+          <a:p>
+            <a:pPr marL="800100" lvl="2" indent="0">
+              <a:buNone/>
+            </a:pPr>
+            <a:r>
+              <a:rPr lang="en-US" sz="1400" dirty="0">
+                <a:latin typeface="Consolas" panose="020B0609020204030204" pitchFamily="49" charset="0"/>
+                <a:cs typeface="Consolas" panose="020B0609020204030204" pitchFamily="49" charset="0"/>
+              </a:rPr>
+              <a:t>#include &lt;string</a:t>
+            </a:r>
+            <a:r>
+              <a:rPr lang="en-US" sz="1400" dirty="0" smtClean="0">
+                <a:latin typeface="Consolas" panose="020B0609020204030204" pitchFamily="49" charset="0"/>
+                <a:cs typeface="Consolas" panose="020B0609020204030204" pitchFamily="49" charset="0"/>
+              </a:rPr>
+              <a:t>&gt;</a:t>
+            </a:r>
+          </a:p>
+          <a:p>
+            <a:pPr marL="800100" lvl="2" indent="0">
+              <a:buNone/>
+            </a:pPr>
+            <a:endParaRPr lang="en-US" sz="1400" dirty="0">
               <a:latin typeface="Consolas" panose="020B0609020204030204" pitchFamily="49" charset="0"/>
               <a:cs typeface="Consolas" panose="020B0609020204030204" pitchFamily="49" charset="0"/>
             </a:endParaRPr>
           </a:p>
           <a:p>
-            <a:pPr marL="0" indent="0">
-              <a:buNone/>
-            </a:pPr>
-            <a:r>
-              <a:rPr lang="en-US" sz="1200" dirty="0" smtClean="0">
-                <a:latin typeface="Consolas" panose="020B0609020204030204" pitchFamily="49" charset="0"/>
-                <a:cs typeface="Consolas" panose="020B0609020204030204" pitchFamily="49" charset="0"/>
-              </a:rPr>
-              <a:t>  namespace </a:t>
-            </a:r>
-            <a:r>
-              <a:rPr lang="en-US" sz="1200" dirty="0" err="1">
-                <a:latin typeface="Consolas" panose="020B0609020204030204" pitchFamily="49" charset="0"/>
-                <a:cs typeface="Consolas" panose="020B0609020204030204" pitchFamily="49" charset="0"/>
-              </a:rPr>
-              <a:t>flatbuffers</a:t>
-            </a:r>
-            <a:r>
-              <a:rPr lang="en-US" sz="1200" dirty="0">
-                <a:latin typeface="Consolas" panose="020B0609020204030204" pitchFamily="49" charset="0"/>
-                <a:cs typeface="Consolas" panose="020B0609020204030204" pitchFamily="49" charset="0"/>
-              </a:rPr>
-              <a:t> {</a:t>
-            </a:r>
-          </a:p>
-          <a:p>
-            <a:pPr marL="0" indent="0">
-              <a:buNone/>
-            </a:pPr>
-            <a:r>
-              <a:rPr lang="en-US" sz="1200" dirty="0" smtClean="0">
-                <a:latin typeface="Consolas" panose="020B0609020204030204" pitchFamily="49" charset="0"/>
-                <a:cs typeface="Consolas" panose="020B0609020204030204" pitchFamily="49" charset="0"/>
-              </a:rPr>
-              <a:t>    // </a:t>
-            </a:r>
-            <a:r>
-              <a:rPr lang="en-US" sz="1200" dirty="0">
-                <a:latin typeface="Consolas" panose="020B0609020204030204" pitchFamily="49" charset="0"/>
-                <a:cs typeface="Consolas" panose="020B0609020204030204" pitchFamily="49" charset="0"/>
-              </a:rPr>
-              <a:t>Convert an integer or floating point value to a string.</a:t>
-            </a:r>
-          </a:p>
-          <a:p>
-            <a:pPr marL="0" indent="0">
-              <a:buNone/>
-            </a:pPr>
-            <a:r>
-              <a:rPr lang="en-US" sz="1200" dirty="0" smtClean="0">
-                <a:latin typeface="Consolas" panose="020B0609020204030204" pitchFamily="49" charset="0"/>
-                <a:cs typeface="Consolas" panose="020B0609020204030204" pitchFamily="49" charset="0"/>
-              </a:rPr>
-              <a:t>    // </a:t>
-            </a:r>
-            <a:r>
-              <a:rPr lang="en-US" sz="1200" dirty="0">
-                <a:latin typeface="Consolas" panose="020B0609020204030204" pitchFamily="49" charset="0"/>
-                <a:cs typeface="Consolas" panose="020B0609020204030204" pitchFamily="49" charset="0"/>
-              </a:rPr>
-              <a:t>In contrast to </a:t>
-            </a:r>
-            <a:r>
-              <a:rPr lang="en-US" sz="1200" dirty="0" err="1">
-                <a:latin typeface="Consolas" panose="020B0609020204030204" pitchFamily="49" charset="0"/>
-                <a:cs typeface="Consolas" panose="020B0609020204030204" pitchFamily="49" charset="0"/>
-              </a:rPr>
-              <a:t>std</a:t>
-            </a:r>
-            <a:r>
-              <a:rPr lang="en-US" sz="1200" dirty="0">
-                <a:latin typeface="Consolas" panose="020B0609020204030204" pitchFamily="49" charset="0"/>
-                <a:cs typeface="Consolas" panose="020B0609020204030204" pitchFamily="49" charset="0"/>
-              </a:rPr>
-              <a:t>::</a:t>
-            </a:r>
-            <a:r>
-              <a:rPr lang="en-US" sz="1200" dirty="0" err="1">
-                <a:latin typeface="Consolas" panose="020B0609020204030204" pitchFamily="49" charset="0"/>
-                <a:cs typeface="Consolas" panose="020B0609020204030204" pitchFamily="49" charset="0"/>
-              </a:rPr>
-              <a:t>stringstream</a:t>
-            </a:r>
-            <a:r>
-              <a:rPr lang="en-US" sz="1200" dirty="0">
-                <a:latin typeface="Consolas" panose="020B0609020204030204" pitchFamily="49" charset="0"/>
-                <a:cs typeface="Consolas" panose="020B0609020204030204" pitchFamily="49" charset="0"/>
-              </a:rPr>
-              <a:t>, "char" values </a:t>
-            </a:r>
-            <a:r>
-              <a:rPr lang="en-US" sz="1200" dirty="0" smtClean="0">
-                <a:latin typeface="Consolas" panose="020B0609020204030204" pitchFamily="49" charset="0"/>
-                <a:cs typeface="Consolas" panose="020B0609020204030204" pitchFamily="49" charset="0"/>
-              </a:rPr>
-              <a:t>are converted </a:t>
-            </a:r>
-            <a:r>
-              <a:rPr lang="en-US" sz="1200" dirty="0">
-                <a:latin typeface="Consolas" panose="020B0609020204030204" pitchFamily="49" charset="0"/>
-                <a:cs typeface="Consolas" panose="020B0609020204030204" pitchFamily="49" charset="0"/>
-              </a:rPr>
-              <a:t>to a string of digits.</a:t>
-            </a:r>
-          </a:p>
-          <a:p>
-            <a:pPr marL="0" indent="0">
-              <a:buNone/>
-            </a:pPr>
-            <a:r>
-              <a:rPr lang="en-US" sz="1200" dirty="0" smtClean="0">
-                <a:latin typeface="Consolas" panose="020B0609020204030204" pitchFamily="49" charset="0"/>
-                <a:cs typeface="Consolas" panose="020B0609020204030204" pitchFamily="49" charset="0"/>
-              </a:rPr>
-              <a:t>    template&lt;</a:t>
-            </a:r>
-            <a:r>
-              <a:rPr lang="en-US" sz="1200" dirty="0" err="1" smtClean="0">
-                <a:latin typeface="Consolas" panose="020B0609020204030204" pitchFamily="49" charset="0"/>
-                <a:cs typeface="Consolas" panose="020B0609020204030204" pitchFamily="49" charset="0"/>
-              </a:rPr>
-              <a:t>typename</a:t>
-            </a:r>
-            <a:r>
-              <a:rPr lang="en-US" sz="1200" dirty="0" smtClean="0">
+            <a:pPr marL="800100" lvl="2" indent="0">
+              <a:buNone/>
+            </a:pPr>
+            <a:r>
+              <a:rPr lang="en-US" sz="1400" dirty="0" err="1" smtClean="0">
+                <a:latin typeface="Consolas" panose="020B0609020204030204" pitchFamily="49" charset="0"/>
+                <a:cs typeface="Consolas" panose="020B0609020204030204" pitchFamily="49" charset="0"/>
+              </a:rPr>
+              <a:t>int</a:t>
+            </a:r>
+            <a:r>
+              <a:rPr lang="en-US" sz="1400" dirty="0" smtClean="0">
                 <a:latin typeface="Consolas" panose="020B0609020204030204" pitchFamily="49" charset="0"/>
                 <a:cs typeface="Consolas" panose="020B0609020204030204" pitchFamily="49" charset="0"/>
               </a:rPr>
               <a:t> </a:t>
             </a:r>
             <a:r>
-              <a:rPr lang="en-US" sz="1200" dirty="0">
-                <a:latin typeface="Consolas" panose="020B0609020204030204" pitchFamily="49" charset="0"/>
-                <a:cs typeface="Consolas" panose="020B0609020204030204" pitchFamily="49" charset="0"/>
-              </a:rPr>
-              <a:t>T&gt; </a:t>
-            </a:r>
-            <a:r>
-              <a:rPr lang="en-US" sz="1200" dirty="0" err="1">
-                <a:latin typeface="Consolas" panose="020B0609020204030204" pitchFamily="49" charset="0"/>
-                <a:cs typeface="Consolas" panose="020B0609020204030204" pitchFamily="49" charset="0"/>
-              </a:rPr>
-              <a:t>std</a:t>
-            </a:r>
-            <a:r>
-              <a:rPr lang="en-US" sz="1200" dirty="0">
-                <a:latin typeface="Consolas" panose="020B0609020204030204" pitchFamily="49" charset="0"/>
-                <a:cs typeface="Consolas" panose="020B0609020204030204" pitchFamily="49" charset="0"/>
-              </a:rPr>
-              <a:t>::string </a:t>
-            </a:r>
-            <a:r>
-              <a:rPr lang="en-US" sz="1200" dirty="0" err="1">
-                <a:latin typeface="Consolas" panose="020B0609020204030204" pitchFamily="49" charset="0"/>
-                <a:cs typeface="Consolas" panose="020B0609020204030204" pitchFamily="49" charset="0"/>
-              </a:rPr>
-              <a:t>NumToString</a:t>
-            </a:r>
-            <a:r>
-              <a:rPr lang="en-US" sz="1200" dirty="0">
-                <a:latin typeface="Consolas" panose="020B0609020204030204" pitchFamily="49" charset="0"/>
-                <a:cs typeface="Consolas" panose="020B0609020204030204" pitchFamily="49" charset="0"/>
-              </a:rPr>
-              <a:t>(T t</a:t>
-            </a:r>
-            <a:r>
-              <a:rPr lang="en-US" sz="1200" dirty="0" smtClean="0">
-                <a:latin typeface="Consolas" panose="020B0609020204030204" pitchFamily="49" charset="0"/>
-                <a:cs typeface="Consolas" panose="020B0609020204030204" pitchFamily="49" charset="0"/>
-              </a:rPr>
-              <a:t>)</a:t>
-            </a:r>
-          </a:p>
-          <a:p>
-            <a:pPr marL="0" indent="0">
-              <a:buNone/>
-            </a:pPr>
-            <a:r>
-              <a:rPr lang="en-US" sz="1200" dirty="0">
-                <a:latin typeface="Consolas" panose="020B0609020204030204" pitchFamily="49" charset="0"/>
-                <a:cs typeface="Consolas" panose="020B0609020204030204" pitchFamily="49" charset="0"/>
-              </a:rPr>
-              <a:t> </a:t>
-            </a:r>
-            <a:r>
-              <a:rPr lang="en-US" sz="1200" dirty="0" smtClean="0">
-                <a:latin typeface="Consolas" panose="020B0609020204030204" pitchFamily="49" charset="0"/>
-                <a:cs typeface="Consolas" panose="020B0609020204030204" pitchFamily="49" charset="0"/>
-              </a:rPr>
-              <a:t>  {</a:t>
-            </a:r>
-            <a:endParaRPr lang="en-US" sz="1200" dirty="0">
+              <a:rPr lang="en-US" sz="1400" dirty="0">
+                <a:latin typeface="Consolas" panose="020B0609020204030204" pitchFamily="49" charset="0"/>
+                <a:cs typeface="Consolas" panose="020B0609020204030204" pitchFamily="49" charset="0"/>
+              </a:rPr>
+              <a:t>main</a:t>
+            </a:r>
+            <a:r>
+              <a:rPr lang="en-US" sz="1400" dirty="0" smtClean="0">
+                <a:latin typeface="Consolas" panose="020B0609020204030204" pitchFamily="49" charset="0"/>
+                <a:cs typeface="Consolas" panose="020B0609020204030204" pitchFamily="49" charset="0"/>
+              </a:rPr>
+              <a:t>() {</a:t>
+            </a:r>
+            <a:endParaRPr lang="en-US" sz="1400" dirty="0">
               <a:latin typeface="Consolas" panose="020B0609020204030204" pitchFamily="49" charset="0"/>
               <a:cs typeface="Consolas" panose="020B0609020204030204" pitchFamily="49" charset="0"/>
             </a:endParaRPr>
           </a:p>
           <a:p>
-            <a:pPr marL="0" indent="0">
-              <a:buNone/>
-            </a:pPr>
-            <a:r>
-              <a:rPr lang="en-US" sz="1200" b="1" dirty="0" smtClean="0">
-                <a:latin typeface="Consolas" panose="020B0609020204030204" pitchFamily="49" charset="0"/>
-                <a:cs typeface="Consolas" panose="020B0609020204030204" pitchFamily="49" charset="0"/>
-              </a:rPr>
-              <a:t>        </a:t>
-            </a:r>
-            <a:r>
-              <a:rPr lang="en-US" sz="1200" b="1" dirty="0">
-                <a:latin typeface="Consolas" panose="020B0609020204030204" pitchFamily="49" charset="0"/>
-                <a:cs typeface="Consolas" panose="020B0609020204030204" pitchFamily="49" charset="0"/>
-              </a:rPr>
-              <a:t>// </a:t>
-            </a:r>
-            <a:r>
-              <a:rPr lang="en-US" sz="1200" b="1" dirty="0" err="1">
+            <a:pPr marL="800100" lvl="2" indent="0">
+              <a:buNone/>
+            </a:pPr>
+            <a:r>
+              <a:rPr lang="en-US" sz="1400" dirty="0">
+                <a:latin typeface="Consolas" panose="020B0609020204030204" pitchFamily="49" charset="0"/>
+                <a:cs typeface="Consolas" panose="020B0609020204030204" pitchFamily="49" charset="0"/>
+              </a:rPr>
+              <a:t>    double f = 23.43;</a:t>
+            </a:r>
+          </a:p>
+          <a:p>
+            <a:pPr marL="800100" lvl="2" indent="0">
+              <a:buNone/>
+            </a:pPr>
+            <a:r>
+              <a:rPr lang="en-US" sz="1400" dirty="0">
+                <a:latin typeface="Consolas" panose="020B0609020204030204" pitchFamily="49" charset="0"/>
+                <a:cs typeface="Consolas" panose="020B0609020204030204" pitchFamily="49" charset="0"/>
+              </a:rPr>
+              <a:t>    </a:t>
+            </a:r>
+            <a:r>
+              <a:rPr lang="en-US" sz="1400" dirty="0" err="1">
+                <a:latin typeface="Consolas" panose="020B0609020204030204" pitchFamily="49" charset="0"/>
+                <a:cs typeface="Consolas" panose="020B0609020204030204" pitchFamily="49" charset="0"/>
+              </a:rPr>
+              <a:t>std</a:t>
+            </a:r>
+            <a:r>
+              <a:rPr lang="en-US" sz="1400" dirty="0">
+                <a:latin typeface="Consolas" panose="020B0609020204030204" pitchFamily="49" charset="0"/>
+                <a:cs typeface="Consolas" panose="020B0609020204030204" pitchFamily="49" charset="0"/>
+              </a:rPr>
+              <a:t>::string </a:t>
+            </a:r>
+            <a:r>
+              <a:rPr lang="en-US" sz="1400" dirty="0" err="1">
+                <a:latin typeface="Consolas" panose="020B0609020204030204" pitchFamily="49" charset="0"/>
+                <a:cs typeface="Consolas" panose="020B0609020204030204" pitchFamily="49" charset="0"/>
+              </a:rPr>
+              <a:t>f_str</a:t>
+            </a:r>
+            <a:r>
+              <a:rPr lang="en-US" sz="1400" dirty="0">
+                <a:latin typeface="Consolas" panose="020B0609020204030204" pitchFamily="49" charset="0"/>
+                <a:cs typeface="Consolas" panose="020B0609020204030204" pitchFamily="49" charset="0"/>
+              </a:rPr>
+              <a:t> = </a:t>
+            </a:r>
+            <a:r>
+              <a:rPr lang="en-US" sz="1400" dirty="0" err="1">
+                <a:latin typeface="Consolas" panose="020B0609020204030204" pitchFamily="49" charset="0"/>
+                <a:cs typeface="Consolas" panose="020B0609020204030204" pitchFamily="49" charset="0"/>
+              </a:rPr>
+              <a:t>std</a:t>
+            </a:r>
+            <a:r>
+              <a:rPr lang="en-US" sz="1400" dirty="0">
+                <a:latin typeface="Consolas" panose="020B0609020204030204" pitchFamily="49" charset="0"/>
+                <a:cs typeface="Consolas" panose="020B0609020204030204" pitchFamily="49" charset="0"/>
+              </a:rPr>
+              <a:t>::</a:t>
+            </a:r>
+            <a:r>
+              <a:rPr lang="en-US" sz="1400" dirty="0" err="1">
                 <a:latin typeface="Consolas" panose="020B0609020204030204" pitchFamily="49" charset="0"/>
                 <a:cs typeface="Consolas" panose="020B0609020204030204" pitchFamily="49" charset="0"/>
               </a:rPr>
               <a:t>to_string</a:t>
             </a:r>
             <a:r>
-              <a:rPr lang="en-US" sz="1200" b="1" dirty="0">
-                <a:latin typeface="Consolas" panose="020B0609020204030204" pitchFamily="49" charset="0"/>
-                <a:cs typeface="Consolas" panose="020B0609020204030204" pitchFamily="49" charset="0"/>
-              </a:rPr>
-              <a:t>() prints different numbers of digits for floats depending on</a:t>
-            </a:r>
-          </a:p>
-          <a:p>
-            <a:pPr marL="0" indent="0">
-              <a:buNone/>
-            </a:pPr>
-            <a:r>
-              <a:rPr lang="en-US" sz="1200" b="1" dirty="0" smtClean="0">
-                <a:latin typeface="Consolas" panose="020B0609020204030204" pitchFamily="49" charset="0"/>
-                <a:cs typeface="Consolas" panose="020B0609020204030204" pitchFamily="49" charset="0"/>
-              </a:rPr>
-              <a:t>        </a:t>
-            </a:r>
-            <a:r>
-              <a:rPr lang="en-US" sz="1200" b="1" dirty="0">
-                <a:latin typeface="Consolas" panose="020B0609020204030204" pitchFamily="49" charset="0"/>
-                <a:cs typeface="Consolas" panose="020B0609020204030204" pitchFamily="49" charset="0"/>
-              </a:rPr>
-              <a:t>// platform and isn't available on Android, so we use </a:t>
-            </a:r>
-            <a:r>
-              <a:rPr lang="en-US" sz="1200" b="1" dirty="0" err="1">
-                <a:latin typeface="Consolas" panose="020B0609020204030204" pitchFamily="49" charset="0"/>
-                <a:cs typeface="Consolas" panose="020B0609020204030204" pitchFamily="49" charset="0"/>
-              </a:rPr>
-              <a:t>stringstream</a:t>
-            </a:r>
-            <a:endParaRPr lang="en-US" sz="1200" b="1" dirty="0">
+              <a:rPr lang="en-US" sz="1400" dirty="0">
+                <a:latin typeface="Consolas" panose="020B0609020204030204" pitchFamily="49" charset="0"/>
+                <a:cs typeface="Consolas" panose="020B0609020204030204" pitchFamily="49" charset="0"/>
+              </a:rPr>
+              <a:t>(f);</a:t>
+            </a:r>
+          </a:p>
+          <a:p>
+            <a:pPr marL="800100" lvl="2" indent="0">
+              <a:buNone/>
+            </a:pPr>
+            <a:r>
+              <a:rPr lang="en-US" sz="1400" dirty="0">
+                <a:latin typeface="Consolas" panose="020B0609020204030204" pitchFamily="49" charset="0"/>
+                <a:cs typeface="Consolas" panose="020B0609020204030204" pitchFamily="49" charset="0"/>
+              </a:rPr>
+              <a:t>    </a:t>
+            </a:r>
+            <a:r>
+              <a:rPr lang="en-US" sz="1400" dirty="0" err="1">
+                <a:latin typeface="Consolas" panose="020B0609020204030204" pitchFamily="49" charset="0"/>
+                <a:cs typeface="Consolas" panose="020B0609020204030204" pitchFamily="49" charset="0"/>
+              </a:rPr>
+              <a:t>std</a:t>
+            </a:r>
+            <a:r>
+              <a:rPr lang="en-US" sz="1400" dirty="0">
+                <a:latin typeface="Consolas" panose="020B0609020204030204" pitchFamily="49" charset="0"/>
+                <a:cs typeface="Consolas" panose="020B0609020204030204" pitchFamily="49" charset="0"/>
+              </a:rPr>
+              <a:t>::</a:t>
+            </a:r>
+            <a:r>
+              <a:rPr lang="en-US" sz="1400" dirty="0" err="1">
+                <a:latin typeface="Consolas" panose="020B0609020204030204" pitchFamily="49" charset="0"/>
+                <a:cs typeface="Consolas" panose="020B0609020204030204" pitchFamily="49" charset="0"/>
+              </a:rPr>
+              <a:t>cout</a:t>
+            </a:r>
+            <a:r>
+              <a:rPr lang="en-US" sz="1400" dirty="0">
+                <a:latin typeface="Consolas" panose="020B0609020204030204" pitchFamily="49" charset="0"/>
+                <a:cs typeface="Consolas" panose="020B0609020204030204" pitchFamily="49" charset="0"/>
+              </a:rPr>
+              <a:t> &lt;&lt; </a:t>
+            </a:r>
+            <a:r>
+              <a:rPr lang="en-US" sz="1400" dirty="0" err="1">
+                <a:latin typeface="Consolas" panose="020B0609020204030204" pitchFamily="49" charset="0"/>
+                <a:cs typeface="Consolas" panose="020B0609020204030204" pitchFamily="49" charset="0"/>
+              </a:rPr>
+              <a:t>f_str</a:t>
+            </a:r>
+            <a:r>
+              <a:rPr lang="en-US" sz="1400" dirty="0">
+                <a:latin typeface="Consolas" panose="020B0609020204030204" pitchFamily="49" charset="0"/>
+                <a:cs typeface="Consolas" panose="020B0609020204030204" pitchFamily="49" charset="0"/>
+              </a:rPr>
+              <a:t> &lt;&lt; </a:t>
+            </a:r>
+            <a:r>
+              <a:rPr lang="en-US" sz="1400" dirty="0" err="1" smtClean="0">
+                <a:latin typeface="Consolas" panose="020B0609020204030204" pitchFamily="49" charset="0"/>
+                <a:cs typeface="Consolas" panose="020B0609020204030204" pitchFamily="49" charset="0"/>
+              </a:rPr>
+              <a:t>std</a:t>
+            </a:r>
+            <a:r>
+              <a:rPr lang="en-US" sz="1400" dirty="0" smtClean="0">
+                <a:latin typeface="Consolas" panose="020B0609020204030204" pitchFamily="49" charset="0"/>
+                <a:cs typeface="Consolas" panose="020B0609020204030204" pitchFamily="49" charset="0"/>
+              </a:rPr>
+              <a:t>::</a:t>
+            </a:r>
+            <a:r>
+              <a:rPr lang="en-US" sz="1400" dirty="0" err="1" smtClean="0">
+                <a:latin typeface="Consolas" panose="020B0609020204030204" pitchFamily="49" charset="0"/>
+                <a:cs typeface="Consolas" panose="020B0609020204030204" pitchFamily="49" charset="0"/>
+              </a:rPr>
+              <a:t>endl</a:t>
+            </a:r>
+            <a:r>
+              <a:rPr lang="en-US" sz="1400" dirty="0" smtClean="0">
+                <a:latin typeface="Consolas" panose="020B0609020204030204" pitchFamily="49" charset="0"/>
+                <a:cs typeface="Consolas" panose="020B0609020204030204" pitchFamily="49" charset="0"/>
+              </a:rPr>
+              <a:t>;</a:t>
+            </a:r>
+            <a:endParaRPr lang="en-US" sz="1400" dirty="0">
               <a:latin typeface="Consolas" panose="020B0609020204030204" pitchFamily="49" charset="0"/>
               <a:cs typeface="Consolas" panose="020B0609020204030204" pitchFamily="49" charset="0"/>
             </a:endParaRPr>
           </a:p>
           <a:p>
-            <a:pPr marL="0" indent="0">
-              <a:buNone/>
-            </a:pPr>
-            <a:r>
-              <a:rPr lang="en-US" sz="1200" dirty="0" smtClean="0">
-                <a:latin typeface="Consolas" panose="020B0609020204030204" pitchFamily="49" charset="0"/>
-                <a:cs typeface="Consolas" panose="020B0609020204030204" pitchFamily="49" charset="0"/>
-              </a:rPr>
-              <a:t>        </a:t>
-            </a:r>
-            <a:r>
-              <a:rPr lang="en-US" sz="1200" dirty="0" err="1">
-                <a:latin typeface="Consolas" panose="020B0609020204030204" pitchFamily="49" charset="0"/>
-                <a:cs typeface="Consolas" panose="020B0609020204030204" pitchFamily="49" charset="0"/>
-              </a:rPr>
-              <a:t>std</a:t>
-            </a:r>
-            <a:r>
-              <a:rPr lang="en-US" sz="1200" dirty="0">
-                <a:latin typeface="Consolas" panose="020B0609020204030204" pitchFamily="49" charset="0"/>
-                <a:cs typeface="Consolas" panose="020B0609020204030204" pitchFamily="49" charset="0"/>
-              </a:rPr>
-              <a:t>::</a:t>
-            </a:r>
-            <a:r>
-              <a:rPr lang="en-US" sz="1200" dirty="0" err="1">
-                <a:latin typeface="Consolas" panose="020B0609020204030204" pitchFamily="49" charset="0"/>
-                <a:cs typeface="Consolas" panose="020B0609020204030204" pitchFamily="49" charset="0"/>
-              </a:rPr>
-              <a:t>stringstream</a:t>
-            </a:r>
-            <a:r>
-              <a:rPr lang="en-US" sz="1200" dirty="0">
-                <a:latin typeface="Consolas" panose="020B0609020204030204" pitchFamily="49" charset="0"/>
-                <a:cs typeface="Consolas" panose="020B0609020204030204" pitchFamily="49" charset="0"/>
-              </a:rPr>
-              <a:t> </a:t>
-            </a:r>
-            <a:r>
-              <a:rPr lang="en-US" sz="1200" dirty="0" err="1">
-                <a:latin typeface="Consolas" panose="020B0609020204030204" pitchFamily="49" charset="0"/>
-                <a:cs typeface="Consolas" panose="020B0609020204030204" pitchFamily="49" charset="0"/>
-              </a:rPr>
-              <a:t>ss</a:t>
-            </a:r>
-            <a:r>
-              <a:rPr lang="en-US" sz="1200" dirty="0">
-                <a:latin typeface="Consolas" panose="020B0609020204030204" pitchFamily="49" charset="0"/>
-                <a:cs typeface="Consolas" panose="020B0609020204030204" pitchFamily="49" charset="0"/>
-              </a:rPr>
-              <a:t>;</a:t>
-            </a:r>
-          </a:p>
-          <a:p>
-            <a:pPr marL="0" indent="0">
-              <a:buNone/>
-            </a:pPr>
-            <a:r>
-              <a:rPr lang="en-US" sz="1200" dirty="0" smtClean="0">
-                <a:latin typeface="Consolas" panose="020B0609020204030204" pitchFamily="49" charset="0"/>
-                <a:cs typeface="Consolas" panose="020B0609020204030204" pitchFamily="49" charset="0"/>
-              </a:rPr>
-              <a:t>        </a:t>
-            </a:r>
-            <a:r>
-              <a:rPr lang="en-US" sz="1200" dirty="0" err="1">
-                <a:latin typeface="Consolas" panose="020B0609020204030204" pitchFamily="49" charset="0"/>
-                <a:cs typeface="Consolas" panose="020B0609020204030204" pitchFamily="49" charset="0"/>
-              </a:rPr>
-              <a:t>ss</a:t>
-            </a:r>
-            <a:r>
-              <a:rPr lang="en-US" sz="1200" dirty="0">
-                <a:latin typeface="Consolas" panose="020B0609020204030204" pitchFamily="49" charset="0"/>
-                <a:cs typeface="Consolas" panose="020B0609020204030204" pitchFamily="49" charset="0"/>
-              </a:rPr>
-              <a:t> &lt;&lt; t;</a:t>
-            </a:r>
-          </a:p>
-          <a:p>
-            <a:pPr marL="0" indent="0">
-              <a:buNone/>
-            </a:pPr>
-            <a:r>
-              <a:rPr lang="en-US" sz="1200" dirty="0" smtClean="0">
-                <a:latin typeface="Consolas" panose="020B0609020204030204" pitchFamily="49" charset="0"/>
-                <a:cs typeface="Consolas" panose="020B0609020204030204" pitchFamily="49" charset="0"/>
-              </a:rPr>
-              <a:t>        </a:t>
-            </a:r>
-            <a:r>
-              <a:rPr lang="en-US" sz="1200" dirty="0">
-                <a:latin typeface="Consolas" panose="020B0609020204030204" pitchFamily="49" charset="0"/>
-                <a:cs typeface="Consolas" panose="020B0609020204030204" pitchFamily="49" charset="0"/>
-              </a:rPr>
-              <a:t>return </a:t>
-            </a:r>
-            <a:r>
-              <a:rPr lang="en-US" sz="1200" dirty="0" err="1">
-                <a:latin typeface="Consolas" panose="020B0609020204030204" pitchFamily="49" charset="0"/>
-                <a:cs typeface="Consolas" panose="020B0609020204030204" pitchFamily="49" charset="0"/>
-              </a:rPr>
-              <a:t>ss.str</a:t>
-            </a:r>
-            <a:r>
-              <a:rPr lang="en-US" sz="1200" dirty="0">
-                <a:latin typeface="Consolas" panose="020B0609020204030204" pitchFamily="49" charset="0"/>
-                <a:cs typeface="Consolas" panose="020B0609020204030204" pitchFamily="49" charset="0"/>
-              </a:rPr>
-              <a:t>();</a:t>
-            </a:r>
-          </a:p>
-          <a:p>
-            <a:pPr marL="0" indent="0">
-              <a:buNone/>
-            </a:pPr>
-            <a:r>
-              <a:rPr lang="en-US" sz="1200" dirty="0" smtClean="0">
-                <a:latin typeface="Consolas" panose="020B0609020204030204" pitchFamily="49" charset="0"/>
-                <a:cs typeface="Consolas" panose="020B0609020204030204" pitchFamily="49" charset="0"/>
-              </a:rPr>
-              <a:t>   }</a:t>
-            </a:r>
-            <a:endParaRPr lang="en-US" sz="1200" dirty="0">
+            <a:pPr marL="800100" lvl="2" indent="0">
+              <a:buNone/>
+            </a:pPr>
+            <a:r>
+              <a:rPr lang="en-US" sz="1400" dirty="0" smtClean="0">
+                <a:latin typeface="Consolas" panose="020B0609020204030204" pitchFamily="49" charset="0"/>
+                <a:cs typeface="Consolas" panose="020B0609020204030204" pitchFamily="49" charset="0"/>
+              </a:rPr>
+              <a:t>}</a:t>
+            </a:r>
+          </a:p>
+          <a:p>
+            <a:pPr marL="800100" lvl="2" indent="0">
+              <a:buNone/>
+            </a:pPr>
+            <a:endParaRPr lang="en-US" sz="1400" dirty="0" smtClean="0">
               <a:latin typeface="Consolas" panose="020B0609020204030204" pitchFamily="49" charset="0"/>
               <a:cs typeface="Consolas" panose="020B0609020204030204" pitchFamily="49" charset="0"/>
             </a:endParaRPr>
           </a:p>
           <a:p>
+            <a:pPr marL="800100" lvl="2" indent="0">
+              <a:buNone/>
+            </a:pPr>
+            <a:r>
+              <a:rPr lang="en-US" sz="1400" dirty="0" smtClean="0">
+                <a:latin typeface="Consolas" panose="020B0609020204030204" pitchFamily="49" charset="0"/>
+                <a:cs typeface="Consolas" panose="020B0609020204030204" pitchFamily="49" charset="0"/>
+              </a:rPr>
+              <a:t>output: </a:t>
+            </a:r>
+            <a:r>
+              <a:rPr lang="en-US" sz="1400" dirty="0" smtClean="0"/>
+              <a:t>23.430000</a:t>
+            </a:r>
+            <a:endParaRPr lang="en-US" sz="1400" dirty="0">
+              <a:latin typeface="Consolas" panose="020B0609020204030204" pitchFamily="49" charset="0"/>
+              <a:cs typeface="Consolas" panose="020B0609020204030204" pitchFamily="49" charset="0"/>
+            </a:endParaRPr>
+          </a:p>
+          <a:p>
+            <a:pPr marL="800100" lvl="2" indent="0">
+              <a:buNone/>
+            </a:pPr>
             <a:endParaRPr lang="en-US" sz="1400" dirty="0" smtClean="0"/>
           </a:p>
         </p:txBody>
@@ -7275,7 +6920,7 @@
     </p:spTree>
     <p:extLst>
       <p:ext uri="{BB962C8B-B14F-4D97-AF65-F5344CB8AC3E}">
-        <p14:creationId xmlns:p14="http://schemas.microsoft.com/office/powerpoint/2010/main" val="4177361218"/>
+        <p14:creationId xmlns:p14="http://schemas.microsoft.com/office/powerpoint/2010/main" val="146388363"/>
       </p:ext>
     </p:extLst>
   </p:cSld>
@@ -7325,6 +6970,525 @@
           <a:lstStyle/>
           <a:p>
             <a:r>
+              <a:rPr lang="en-US" dirty="0" err="1" smtClean="0">
+                <a:latin typeface="Consolas" panose="020B0609020204030204" pitchFamily="49" charset="0"/>
+                <a:cs typeface="Consolas" panose="020B0609020204030204" pitchFamily="49" charset="0"/>
+              </a:rPr>
+              <a:t>std</a:t>
+            </a:r>
+            <a:r>
+              <a:rPr lang="en-US" dirty="0" smtClean="0">
+                <a:latin typeface="Consolas" panose="020B0609020204030204" pitchFamily="49" charset="0"/>
+                <a:cs typeface="Consolas" panose="020B0609020204030204" pitchFamily="49" charset="0"/>
+              </a:rPr>
+              <a:t>::</a:t>
+            </a:r>
+            <a:r>
+              <a:rPr lang="en-US" dirty="0" err="1" smtClean="0">
+                <a:latin typeface="Consolas" panose="020B0609020204030204" pitchFamily="49" charset="0"/>
+                <a:cs typeface="Consolas" panose="020B0609020204030204" pitchFamily="49" charset="0"/>
+              </a:rPr>
+              <a:t>to_string</a:t>
+            </a:r>
+            <a:endParaRPr lang="en-US" dirty="0">
+              <a:latin typeface="Consolas" panose="020B0609020204030204" pitchFamily="49" charset="0"/>
+              <a:cs typeface="Consolas" panose="020B0609020204030204" pitchFamily="49" charset="0"/>
+            </a:endParaRPr>
+          </a:p>
+        </p:txBody>
+      </p:sp>
+      <p:sp>
+        <p:nvSpPr>
+          <p:cNvPr id="3" name="Content Placeholder 2"/>
+          <p:cNvSpPr>
+            <a:spLocks noGrp="1"/>
+          </p:cNvSpPr>
+          <p:nvPr>
+            <p:ph idx="1"/>
+          </p:nvPr>
+        </p:nvSpPr>
+        <p:spPr/>
+        <p:txBody>
+          <a:bodyPr>
+            <a:normAutofit/>
+          </a:bodyPr>
+          <a:lstStyle/>
+          <a:p>
+            <a:r>
+              <a:rPr lang="en-US" dirty="0" smtClean="0"/>
+              <a:t>Works with all sorts of numeric types</a:t>
+            </a:r>
+          </a:p>
+          <a:p>
+            <a:r>
+              <a:rPr lang="en-US" dirty="0" smtClean="0"/>
+              <a:t>Caveat (google </a:t>
+            </a:r>
+            <a:r>
+              <a:rPr lang="en-US" dirty="0" err="1" smtClean="0"/>
+              <a:t>FlatBuffers</a:t>
+            </a:r>
+            <a:r>
+              <a:rPr lang="en-US" dirty="0" smtClean="0"/>
+              <a:t>):</a:t>
+            </a:r>
+          </a:p>
+          <a:p>
+            <a:pPr marL="0" indent="0">
+              <a:buNone/>
+            </a:pPr>
+            <a:endParaRPr lang="en-US" sz="1200" dirty="0" smtClean="0">
+              <a:latin typeface="Consolas" panose="020B0609020204030204" pitchFamily="49" charset="0"/>
+              <a:cs typeface="Consolas" panose="020B0609020204030204" pitchFamily="49" charset="0"/>
+            </a:endParaRPr>
+          </a:p>
+          <a:p>
+            <a:pPr marL="0" indent="0">
+              <a:buNone/>
+            </a:pPr>
+            <a:r>
+              <a:rPr lang="en-US" sz="1200" dirty="0" smtClean="0">
+                <a:latin typeface="Consolas" panose="020B0609020204030204" pitchFamily="49" charset="0"/>
+                <a:cs typeface="Consolas" panose="020B0609020204030204" pitchFamily="49" charset="0"/>
+              </a:rPr>
+              <a:t>  namespace </a:t>
+            </a:r>
+            <a:r>
+              <a:rPr lang="en-US" sz="1200" dirty="0" err="1">
+                <a:latin typeface="Consolas" panose="020B0609020204030204" pitchFamily="49" charset="0"/>
+                <a:cs typeface="Consolas" panose="020B0609020204030204" pitchFamily="49" charset="0"/>
+              </a:rPr>
+              <a:t>flatbuffers</a:t>
+            </a:r>
+            <a:r>
+              <a:rPr lang="en-US" sz="1200" dirty="0">
+                <a:latin typeface="Consolas" panose="020B0609020204030204" pitchFamily="49" charset="0"/>
+                <a:cs typeface="Consolas" panose="020B0609020204030204" pitchFamily="49" charset="0"/>
+              </a:rPr>
+              <a:t> {</a:t>
+            </a:r>
+          </a:p>
+          <a:p>
+            <a:pPr marL="0" indent="0">
+              <a:buNone/>
+            </a:pPr>
+            <a:r>
+              <a:rPr lang="en-US" sz="1200" dirty="0" smtClean="0">
+                <a:latin typeface="Consolas" panose="020B0609020204030204" pitchFamily="49" charset="0"/>
+                <a:cs typeface="Consolas" panose="020B0609020204030204" pitchFamily="49" charset="0"/>
+              </a:rPr>
+              <a:t>    // </a:t>
+            </a:r>
+            <a:r>
+              <a:rPr lang="en-US" sz="1200" dirty="0">
+                <a:latin typeface="Consolas" panose="020B0609020204030204" pitchFamily="49" charset="0"/>
+                <a:cs typeface="Consolas" panose="020B0609020204030204" pitchFamily="49" charset="0"/>
+              </a:rPr>
+              <a:t>Convert an integer or floating point value to a string.</a:t>
+            </a:r>
+          </a:p>
+          <a:p>
+            <a:pPr marL="0" indent="0">
+              <a:buNone/>
+            </a:pPr>
+            <a:r>
+              <a:rPr lang="en-US" sz="1200" dirty="0" smtClean="0">
+                <a:latin typeface="Consolas" panose="020B0609020204030204" pitchFamily="49" charset="0"/>
+                <a:cs typeface="Consolas" panose="020B0609020204030204" pitchFamily="49" charset="0"/>
+              </a:rPr>
+              <a:t>    // </a:t>
+            </a:r>
+            <a:r>
+              <a:rPr lang="en-US" sz="1200" dirty="0">
+                <a:latin typeface="Consolas" panose="020B0609020204030204" pitchFamily="49" charset="0"/>
+                <a:cs typeface="Consolas" panose="020B0609020204030204" pitchFamily="49" charset="0"/>
+              </a:rPr>
+              <a:t>In contrast to </a:t>
+            </a:r>
+            <a:r>
+              <a:rPr lang="en-US" sz="1200" dirty="0" err="1">
+                <a:latin typeface="Consolas" panose="020B0609020204030204" pitchFamily="49" charset="0"/>
+                <a:cs typeface="Consolas" panose="020B0609020204030204" pitchFamily="49" charset="0"/>
+              </a:rPr>
+              <a:t>std</a:t>
+            </a:r>
+            <a:r>
+              <a:rPr lang="en-US" sz="1200" dirty="0">
+                <a:latin typeface="Consolas" panose="020B0609020204030204" pitchFamily="49" charset="0"/>
+                <a:cs typeface="Consolas" panose="020B0609020204030204" pitchFamily="49" charset="0"/>
+              </a:rPr>
+              <a:t>::</a:t>
+            </a:r>
+            <a:r>
+              <a:rPr lang="en-US" sz="1200" dirty="0" err="1">
+                <a:latin typeface="Consolas" panose="020B0609020204030204" pitchFamily="49" charset="0"/>
+                <a:cs typeface="Consolas" panose="020B0609020204030204" pitchFamily="49" charset="0"/>
+              </a:rPr>
+              <a:t>stringstream</a:t>
+            </a:r>
+            <a:r>
+              <a:rPr lang="en-US" sz="1200" dirty="0">
+                <a:latin typeface="Consolas" panose="020B0609020204030204" pitchFamily="49" charset="0"/>
+                <a:cs typeface="Consolas" panose="020B0609020204030204" pitchFamily="49" charset="0"/>
+              </a:rPr>
+              <a:t>, "char" values </a:t>
+            </a:r>
+            <a:r>
+              <a:rPr lang="en-US" sz="1200" dirty="0" smtClean="0">
+                <a:latin typeface="Consolas" panose="020B0609020204030204" pitchFamily="49" charset="0"/>
+                <a:cs typeface="Consolas" panose="020B0609020204030204" pitchFamily="49" charset="0"/>
+              </a:rPr>
+              <a:t>are converted </a:t>
+            </a:r>
+            <a:r>
+              <a:rPr lang="en-US" sz="1200" dirty="0">
+                <a:latin typeface="Consolas" panose="020B0609020204030204" pitchFamily="49" charset="0"/>
+                <a:cs typeface="Consolas" panose="020B0609020204030204" pitchFamily="49" charset="0"/>
+              </a:rPr>
+              <a:t>to a string of digits.</a:t>
+            </a:r>
+          </a:p>
+          <a:p>
+            <a:pPr marL="0" indent="0">
+              <a:buNone/>
+            </a:pPr>
+            <a:r>
+              <a:rPr lang="en-US" sz="1200" dirty="0" smtClean="0">
+                <a:latin typeface="Consolas" panose="020B0609020204030204" pitchFamily="49" charset="0"/>
+                <a:cs typeface="Consolas" panose="020B0609020204030204" pitchFamily="49" charset="0"/>
+              </a:rPr>
+              <a:t>    template&lt;</a:t>
+            </a:r>
+            <a:r>
+              <a:rPr lang="en-US" sz="1200" dirty="0" err="1" smtClean="0">
+                <a:latin typeface="Consolas" panose="020B0609020204030204" pitchFamily="49" charset="0"/>
+                <a:cs typeface="Consolas" panose="020B0609020204030204" pitchFamily="49" charset="0"/>
+              </a:rPr>
+              <a:t>typename</a:t>
+            </a:r>
+            <a:r>
+              <a:rPr lang="en-US" sz="1200" dirty="0" smtClean="0">
+                <a:latin typeface="Consolas" panose="020B0609020204030204" pitchFamily="49" charset="0"/>
+                <a:cs typeface="Consolas" panose="020B0609020204030204" pitchFamily="49" charset="0"/>
+              </a:rPr>
+              <a:t> </a:t>
+            </a:r>
+            <a:r>
+              <a:rPr lang="en-US" sz="1200" dirty="0">
+                <a:latin typeface="Consolas" panose="020B0609020204030204" pitchFamily="49" charset="0"/>
+                <a:cs typeface="Consolas" panose="020B0609020204030204" pitchFamily="49" charset="0"/>
+              </a:rPr>
+              <a:t>T&gt; </a:t>
+            </a:r>
+            <a:r>
+              <a:rPr lang="en-US" sz="1200" dirty="0" err="1">
+                <a:latin typeface="Consolas" panose="020B0609020204030204" pitchFamily="49" charset="0"/>
+                <a:cs typeface="Consolas" panose="020B0609020204030204" pitchFamily="49" charset="0"/>
+              </a:rPr>
+              <a:t>std</a:t>
+            </a:r>
+            <a:r>
+              <a:rPr lang="en-US" sz="1200" dirty="0">
+                <a:latin typeface="Consolas" panose="020B0609020204030204" pitchFamily="49" charset="0"/>
+                <a:cs typeface="Consolas" panose="020B0609020204030204" pitchFamily="49" charset="0"/>
+              </a:rPr>
+              <a:t>::string </a:t>
+            </a:r>
+            <a:r>
+              <a:rPr lang="en-US" sz="1200" dirty="0" err="1">
+                <a:latin typeface="Consolas" panose="020B0609020204030204" pitchFamily="49" charset="0"/>
+                <a:cs typeface="Consolas" panose="020B0609020204030204" pitchFamily="49" charset="0"/>
+              </a:rPr>
+              <a:t>NumToString</a:t>
+            </a:r>
+            <a:r>
+              <a:rPr lang="en-US" sz="1200" dirty="0">
+                <a:latin typeface="Consolas" panose="020B0609020204030204" pitchFamily="49" charset="0"/>
+                <a:cs typeface="Consolas" panose="020B0609020204030204" pitchFamily="49" charset="0"/>
+              </a:rPr>
+              <a:t>(T t</a:t>
+            </a:r>
+            <a:r>
+              <a:rPr lang="en-US" sz="1200" dirty="0" smtClean="0">
+                <a:latin typeface="Consolas" panose="020B0609020204030204" pitchFamily="49" charset="0"/>
+                <a:cs typeface="Consolas" panose="020B0609020204030204" pitchFamily="49" charset="0"/>
+              </a:rPr>
+              <a:t>)</a:t>
+            </a:r>
+          </a:p>
+          <a:p>
+            <a:pPr marL="0" indent="0">
+              <a:buNone/>
+            </a:pPr>
+            <a:r>
+              <a:rPr lang="en-US" sz="1200" dirty="0">
+                <a:latin typeface="Consolas" panose="020B0609020204030204" pitchFamily="49" charset="0"/>
+                <a:cs typeface="Consolas" panose="020B0609020204030204" pitchFamily="49" charset="0"/>
+              </a:rPr>
+              <a:t> </a:t>
+            </a:r>
+            <a:r>
+              <a:rPr lang="en-US" sz="1200" dirty="0" smtClean="0">
+                <a:latin typeface="Consolas" panose="020B0609020204030204" pitchFamily="49" charset="0"/>
+                <a:cs typeface="Consolas" panose="020B0609020204030204" pitchFamily="49" charset="0"/>
+              </a:rPr>
+              <a:t>  {</a:t>
+            </a:r>
+            <a:endParaRPr lang="en-US" sz="1200" dirty="0">
+              <a:latin typeface="Consolas" panose="020B0609020204030204" pitchFamily="49" charset="0"/>
+              <a:cs typeface="Consolas" panose="020B0609020204030204" pitchFamily="49" charset="0"/>
+            </a:endParaRPr>
+          </a:p>
+          <a:p>
+            <a:pPr marL="0" indent="0">
+              <a:buNone/>
+            </a:pPr>
+            <a:r>
+              <a:rPr lang="en-US" sz="1200" b="1" dirty="0" smtClean="0">
+                <a:latin typeface="Consolas" panose="020B0609020204030204" pitchFamily="49" charset="0"/>
+                <a:cs typeface="Consolas" panose="020B0609020204030204" pitchFamily="49" charset="0"/>
+              </a:rPr>
+              <a:t>        </a:t>
+            </a:r>
+            <a:r>
+              <a:rPr lang="en-US" sz="1200" b="1" dirty="0">
+                <a:latin typeface="Consolas" panose="020B0609020204030204" pitchFamily="49" charset="0"/>
+                <a:cs typeface="Consolas" panose="020B0609020204030204" pitchFamily="49" charset="0"/>
+              </a:rPr>
+              <a:t>// </a:t>
+            </a:r>
+            <a:r>
+              <a:rPr lang="en-US" sz="1200" b="1" dirty="0" err="1">
+                <a:latin typeface="Consolas" panose="020B0609020204030204" pitchFamily="49" charset="0"/>
+                <a:cs typeface="Consolas" panose="020B0609020204030204" pitchFamily="49" charset="0"/>
+              </a:rPr>
+              <a:t>to_string</a:t>
+            </a:r>
+            <a:r>
+              <a:rPr lang="en-US" sz="1200" b="1" dirty="0">
+                <a:latin typeface="Consolas" panose="020B0609020204030204" pitchFamily="49" charset="0"/>
+                <a:cs typeface="Consolas" panose="020B0609020204030204" pitchFamily="49" charset="0"/>
+              </a:rPr>
+              <a:t>() prints different numbers of digits for floats depending on</a:t>
+            </a:r>
+          </a:p>
+          <a:p>
+            <a:pPr marL="0" indent="0">
+              <a:buNone/>
+            </a:pPr>
+            <a:r>
+              <a:rPr lang="en-US" sz="1200" b="1" dirty="0" smtClean="0">
+                <a:latin typeface="Consolas" panose="020B0609020204030204" pitchFamily="49" charset="0"/>
+                <a:cs typeface="Consolas" panose="020B0609020204030204" pitchFamily="49" charset="0"/>
+              </a:rPr>
+              <a:t>        </a:t>
+            </a:r>
+            <a:r>
+              <a:rPr lang="en-US" sz="1200" b="1" dirty="0">
+                <a:latin typeface="Consolas" panose="020B0609020204030204" pitchFamily="49" charset="0"/>
+                <a:cs typeface="Consolas" panose="020B0609020204030204" pitchFamily="49" charset="0"/>
+              </a:rPr>
+              <a:t>// platform and isn't available on Android, so we use </a:t>
+            </a:r>
+            <a:r>
+              <a:rPr lang="en-US" sz="1200" b="1" dirty="0" err="1">
+                <a:latin typeface="Consolas" panose="020B0609020204030204" pitchFamily="49" charset="0"/>
+                <a:cs typeface="Consolas" panose="020B0609020204030204" pitchFamily="49" charset="0"/>
+              </a:rPr>
+              <a:t>stringstream</a:t>
+            </a:r>
+            <a:endParaRPr lang="en-US" sz="1200" b="1" dirty="0">
+              <a:latin typeface="Consolas" panose="020B0609020204030204" pitchFamily="49" charset="0"/>
+              <a:cs typeface="Consolas" panose="020B0609020204030204" pitchFamily="49" charset="0"/>
+            </a:endParaRPr>
+          </a:p>
+          <a:p>
+            <a:pPr marL="0" indent="0">
+              <a:buNone/>
+            </a:pPr>
+            <a:r>
+              <a:rPr lang="en-US" sz="1200" dirty="0" smtClean="0">
+                <a:latin typeface="Consolas" panose="020B0609020204030204" pitchFamily="49" charset="0"/>
+                <a:cs typeface="Consolas" panose="020B0609020204030204" pitchFamily="49" charset="0"/>
+              </a:rPr>
+              <a:t>        </a:t>
+            </a:r>
+            <a:r>
+              <a:rPr lang="en-US" sz="1200" dirty="0" err="1">
+                <a:latin typeface="Consolas" panose="020B0609020204030204" pitchFamily="49" charset="0"/>
+                <a:cs typeface="Consolas" panose="020B0609020204030204" pitchFamily="49" charset="0"/>
+              </a:rPr>
+              <a:t>std</a:t>
+            </a:r>
+            <a:r>
+              <a:rPr lang="en-US" sz="1200" dirty="0">
+                <a:latin typeface="Consolas" panose="020B0609020204030204" pitchFamily="49" charset="0"/>
+                <a:cs typeface="Consolas" panose="020B0609020204030204" pitchFamily="49" charset="0"/>
+              </a:rPr>
+              <a:t>::</a:t>
+            </a:r>
+            <a:r>
+              <a:rPr lang="en-US" sz="1200" dirty="0" err="1">
+                <a:latin typeface="Consolas" panose="020B0609020204030204" pitchFamily="49" charset="0"/>
+                <a:cs typeface="Consolas" panose="020B0609020204030204" pitchFamily="49" charset="0"/>
+              </a:rPr>
+              <a:t>stringstream</a:t>
+            </a:r>
+            <a:r>
+              <a:rPr lang="en-US" sz="1200" dirty="0">
+                <a:latin typeface="Consolas" panose="020B0609020204030204" pitchFamily="49" charset="0"/>
+                <a:cs typeface="Consolas" panose="020B0609020204030204" pitchFamily="49" charset="0"/>
+              </a:rPr>
+              <a:t> </a:t>
+            </a:r>
+            <a:r>
+              <a:rPr lang="en-US" sz="1200" dirty="0" err="1">
+                <a:latin typeface="Consolas" panose="020B0609020204030204" pitchFamily="49" charset="0"/>
+                <a:cs typeface="Consolas" panose="020B0609020204030204" pitchFamily="49" charset="0"/>
+              </a:rPr>
+              <a:t>ss</a:t>
+            </a:r>
+            <a:r>
+              <a:rPr lang="en-US" sz="1200" dirty="0">
+                <a:latin typeface="Consolas" panose="020B0609020204030204" pitchFamily="49" charset="0"/>
+                <a:cs typeface="Consolas" panose="020B0609020204030204" pitchFamily="49" charset="0"/>
+              </a:rPr>
+              <a:t>;</a:t>
+            </a:r>
+          </a:p>
+          <a:p>
+            <a:pPr marL="0" indent="0">
+              <a:buNone/>
+            </a:pPr>
+            <a:r>
+              <a:rPr lang="en-US" sz="1200" dirty="0" smtClean="0">
+                <a:latin typeface="Consolas" panose="020B0609020204030204" pitchFamily="49" charset="0"/>
+                <a:cs typeface="Consolas" panose="020B0609020204030204" pitchFamily="49" charset="0"/>
+              </a:rPr>
+              <a:t>        </a:t>
+            </a:r>
+            <a:r>
+              <a:rPr lang="en-US" sz="1200" dirty="0" err="1">
+                <a:latin typeface="Consolas" panose="020B0609020204030204" pitchFamily="49" charset="0"/>
+                <a:cs typeface="Consolas" panose="020B0609020204030204" pitchFamily="49" charset="0"/>
+              </a:rPr>
+              <a:t>ss</a:t>
+            </a:r>
+            <a:r>
+              <a:rPr lang="en-US" sz="1200" dirty="0">
+                <a:latin typeface="Consolas" panose="020B0609020204030204" pitchFamily="49" charset="0"/>
+                <a:cs typeface="Consolas" panose="020B0609020204030204" pitchFamily="49" charset="0"/>
+              </a:rPr>
+              <a:t> &lt;&lt; t;</a:t>
+            </a:r>
+          </a:p>
+          <a:p>
+            <a:pPr marL="0" indent="0">
+              <a:buNone/>
+            </a:pPr>
+            <a:r>
+              <a:rPr lang="en-US" sz="1200" dirty="0" smtClean="0">
+                <a:latin typeface="Consolas" panose="020B0609020204030204" pitchFamily="49" charset="0"/>
+                <a:cs typeface="Consolas" panose="020B0609020204030204" pitchFamily="49" charset="0"/>
+              </a:rPr>
+              <a:t>        </a:t>
+            </a:r>
+            <a:r>
+              <a:rPr lang="en-US" sz="1200" dirty="0">
+                <a:latin typeface="Consolas" panose="020B0609020204030204" pitchFamily="49" charset="0"/>
+                <a:cs typeface="Consolas" panose="020B0609020204030204" pitchFamily="49" charset="0"/>
+              </a:rPr>
+              <a:t>return </a:t>
+            </a:r>
+            <a:r>
+              <a:rPr lang="en-US" sz="1200" dirty="0" err="1">
+                <a:latin typeface="Consolas" panose="020B0609020204030204" pitchFamily="49" charset="0"/>
+                <a:cs typeface="Consolas" panose="020B0609020204030204" pitchFamily="49" charset="0"/>
+              </a:rPr>
+              <a:t>ss.str</a:t>
+            </a:r>
+            <a:r>
+              <a:rPr lang="en-US" sz="1200" dirty="0">
+                <a:latin typeface="Consolas" panose="020B0609020204030204" pitchFamily="49" charset="0"/>
+                <a:cs typeface="Consolas" panose="020B0609020204030204" pitchFamily="49" charset="0"/>
+              </a:rPr>
+              <a:t>();</a:t>
+            </a:r>
+          </a:p>
+          <a:p>
+            <a:pPr marL="0" indent="0">
+              <a:buNone/>
+            </a:pPr>
+            <a:r>
+              <a:rPr lang="en-US" sz="1200" dirty="0" smtClean="0">
+                <a:latin typeface="Consolas" panose="020B0609020204030204" pitchFamily="49" charset="0"/>
+                <a:cs typeface="Consolas" panose="020B0609020204030204" pitchFamily="49" charset="0"/>
+              </a:rPr>
+              <a:t>   }</a:t>
+            </a:r>
+            <a:endParaRPr lang="en-US" sz="1200" dirty="0">
+              <a:latin typeface="Consolas" panose="020B0609020204030204" pitchFamily="49" charset="0"/>
+              <a:cs typeface="Consolas" panose="020B0609020204030204" pitchFamily="49" charset="0"/>
+            </a:endParaRPr>
+          </a:p>
+          <a:p>
+            <a:endParaRPr lang="en-US" sz="1400" dirty="0" smtClean="0"/>
+          </a:p>
+        </p:txBody>
+      </p:sp>
+    </p:spTree>
+    <p:extLst>
+      <p:ext uri="{BB962C8B-B14F-4D97-AF65-F5344CB8AC3E}">
+        <p14:creationId xmlns:p14="http://schemas.microsoft.com/office/powerpoint/2010/main" val="4177361218"/>
+      </p:ext>
+    </p:extLst>
+  </p:cSld>
+  <p:clrMapOvr>
+    <a:masterClrMapping/>
+  </p:clrMapOvr>
+  <p:timing>
+    <p:tnLst>
+      <p:par>
+        <p:cTn id="1" dur="indefinite" restart="never" nodeType="tmRoot"/>
+      </p:par>
+    </p:tnLst>
+  </p:timing>
+</p:sld>
+</file>
+
+<file path=ppt/slides/slide26.xml><?xml version="1.0" encoding="utf-8"?>
+<p:sld xmlns:a="http://schemas.openxmlformats.org/drawingml/2006/main" xmlns:r="http://schemas.openxmlformats.org/officeDocument/2006/relationships" xmlns:p="http://schemas.openxmlformats.org/presentationml/2006/main">
+  <p:cSld>
+    <p:spTree>
+      <p:nvGrpSpPr>
+        <p:cNvPr id="1" name=""/>
+        <p:cNvGrpSpPr/>
+        <p:nvPr/>
+      </p:nvGrpSpPr>
+      <p:grpSpPr>
+        <a:xfrm>
+          <a:off x="0" y="0"/>
+          <a:ext cx="0" cy="0"/>
+          <a:chOff x="0" y="0"/>
+          <a:chExt cx="0" cy="0"/>
+        </a:xfrm>
+      </p:grpSpPr>
+      <p:sp>
+        <p:nvSpPr>
+          <p:cNvPr id="2" name="Title 1"/>
+          <p:cNvSpPr>
+            <a:spLocks noGrp="1"/>
+          </p:cNvSpPr>
+          <p:nvPr>
+            <p:ph type="title"/>
+          </p:nvPr>
+        </p:nvSpPr>
+        <p:spPr/>
+        <p:txBody>
+          <a:bodyPr/>
+          <a:lstStyle/>
+          <a:p>
+            <a:r>
               <a:rPr lang="en-US" dirty="0" smtClean="0"/>
               <a:t>Google C++ guide</a:t>
             </a:r>
@@ -7578,7 +7742,7 @@
 </p:sld>
 </file>
 
-<file path=ppt/slides/slide26.xml><?xml version="1.0" encoding="utf-8"?>
+<file path=ppt/slides/slide27.xml><?xml version="1.0" encoding="utf-8"?>
 <p:sld xmlns:a="http://schemas.openxmlformats.org/drawingml/2006/main" xmlns:r="http://schemas.openxmlformats.org/officeDocument/2006/relationships" xmlns:p="http://schemas.openxmlformats.org/presentationml/2006/main">
   <p:cSld>
     <p:spTree>
@@ -7841,7 +8005,7 @@
 </p:sld>
 </file>
 
-<file path=ppt/slides/slide27.xml><?xml version="1.0" encoding="utf-8"?>
+<file path=ppt/slides/slide28.xml><?xml version="1.0" encoding="utf-8"?>
 <p:sld xmlns:a="http://schemas.openxmlformats.org/drawingml/2006/main" xmlns:r="http://schemas.openxmlformats.org/officeDocument/2006/relationships" xmlns:p="http://schemas.openxmlformats.org/presentationml/2006/main">
   <p:cSld>
     <p:spTree>
@@ -8088,11 +8252,7 @@
             <a:pPr lvl="1"/>
             <a:r>
               <a:rPr lang="en-US" dirty="0" smtClean="0"/>
-              <a:t>.NET not used in tools </a:t>
-            </a:r>
-            <a:r>
-              <a:rPr lang="en-US" smtClean="0"/>
-              <a:t>or Office..</a:t>
+              <a:t>.NET not used in tools or Office..</a:t>
             </a:r>
             <a:endParaRPr lang="en-US" dirty="0"/>
           </a:p>
@@ -8152,7 +8312,7 @@
           <a:p>
             <a:r>
               <a:rPr lang="en-US" dirty="0" smtClean="0"/>
-              <a:t>Disclaimers	</a:t>
+              <a:t>C++ Innovators</a:t>
             </a:r>
             <a:endParaRPr lang="en-US" dirty="0"/>
           </a:p>
@@ -8177,81 +8337,76 @@
           <a:p>
             <a:r>
               <a:rPr lang="en-US" dirty="0" smtClean="0"/>
-              <a:t>I like a lot of languages in addition to C++</a:t>
-            </a:r>
-          </a:p>
-          <a:p>
-            <a:pPr lvl="1"/>
-            <a:r>
-              <a:rPr lang="en-US" dirty="0" smtClean="0"/>
-              <a:t>C# (mostly); Python; Java; PHP; Groovy; would like to learn Ruby and </a:t>
-            </a:r>
-            <a:r>
-              <a:rPr lang="en-US" dirty="0" err="1" smtClean="0"/>
-              <a:t>Clojure</a:t>
-            </a:r>
-            <a:endParaRPr lang="en-US" dirty="0" smtClean="0"/>
-          </a:p>
-          <a:p>
-            <a:r>
-              <a:rPr lang="en-US" dirty="0" smtClean="0"/>
-              <a:t>I use Microsoft C++ mostly</a:t>
-            </a:r>
-          </a:p>
-          <a:p>
-            <a:r>
-              <a:rPr lang="en-US" dirty="0" smtClean="0"/>
-              <a:t>I’m not a C++ expert</a:t>
-            </a:r>
-          </a:p>
-          <a:p>
-            <a:pPr lvl="1"/>
-            <a:r>
-              <a:rPr lang="en-US" dirty="0" smtClean="0"/>
-              <a:t>these challenge me: </a:t>
+              <a:t>Dropbox: </a:t>
             </a:r>
             <a:r>
               <a:rPr lang="en-US" dirty="0" smtClean="0">
                 <a:hlinkClick r:id="rId2"/>
               </a:rPr>
-              <a:t>http</a:t>
-            </a:r>
-            <a:r>
-              <a:rPr lang="en-US" dirty="0">
-                <a:hlinkClick r:id="rId2"/>
-              </a:rPr>
-              <a:t>://</a:t>
-            </a:r>
+              <a:t>Cross-platform C++ layer</a:t>
+            </a:r>
+            <a:r>
+              <a:rPr lang="en-US" dirty="0" smtClean="0"/>
+              <a:t>. iOS, Android, …</a:t>
+            </a:r>
+          </a:p>
+          <a:p>
             <a:r>
               <a:rPr lang="en-US" dirty="0" smtClean="0">
-                <a:hlinkClick r:id="rId2"/>
-              </a:rPr>
-              <a:t>cppquiz.org/quiz/question/1</a:t>
-            </a:r>
-            <a:endParaRPr lang="en-US" dirty="0" smtClean="0"/>
-          </a:p>
-          <a:p>
-            <a:r>
-              <a:rPr lang="en-US" dirty="0" smtClean="0"/>
-              <a:t>It’s fun to learn new things and apply them</a:t>
-            </a:r>
-            <a:endParaRPr lang="en-US" dirty="0"/>
-          </a:p>
-          <a:p>
-            <a:pPr lvl="1"/>
-            <a:endParaRPr lang="en-US" dirty="0" smtClean="0"/>
-          </a:p>
-          <a:p>
-            <a:pPr marL="457200" lvl="1" indent="0">
-              <a:buNone/>
-            </a:pPr>
-            <a:endParaRPr lang="en-US" dirty="0" smtClean="0"/>
-          </a:p>
-          <a:p>
-            <a:pPr lvl="1"/>
-            <a:endParaRPr lang="en-US" dirty="0" smtClean="0"/>
-          </a:p>
-          <a:p>
+                <a:hlinkClick r:id="rId3"/>
+              </a:rPr>
+              <a:t>Catch</a:t>
+            </a:r>
+            <a:r>
+              <a:rPr lang="en-US" dirty="0"/>
+              <a:t>: “A modern, C++-native, header-only, framework for unit-tests, TDD and </a:t>
+            </a:r>
+            <a:r>
+              <a:rPr lang="en-US" dirty="0" smtClean="0"/>
+              <a:t>BDD”</a:t>
+            </a:r>
+          </a:p>
+          <a:p>
+            <a:r>
+              <a:rPr lang="en-US" dirty="0" err="1" smtClean="0"/>
+              <a:t>JetBrains</a:t>
+            </a:r>
+            <a:r>
+              <a:rPr lang="en-US" dirty="0" smtClean="0"/>
+              <a:t> (of </a:t>
+            </a:r>
+            <a:r>
+              <a:rPr lang="en-US" dirty="0" err="1" smtClean="0"/>
+              <a:t>ReSharper</a:t>
+            </a:r>
+            <a:r>
+              <a:rPr lang="en-US" dirty="0" smtClean="0"/>
+              <a:t> and </a:t>
+            </a:r>
+            <a:r>
+              <a:rPr lang="en-US" dirty="0" err="1" smtClean="0"/>
+              <a:t>IntelliJ</a:t>
+            </a:r>
+            <a:r>
+              <a:rPr lang="en-US" dirty="0" smtClean="0"/>
+              <a:t> IDEA): </a:t>
+            </a:r>
+            <a:r>
+              <a:rPr lang="en-US" dirty="0" err="1" smtClean="0">
+                <a:hlinkClick r:id="rId4"/>
+              </a:rPr>
+              <a:t>CLion</a:t>
+            </a:r>
+            <a:r>
+              <a:rPr lang="en-US" dirty="0" smtClean="0">
+                <a:hlinkClick r:id="rId4"/>
+              </a:rPr>
+              <a:t> IDE</a:t>
+            </a:r>
+            <a:r>
+              <a:rPr lang="en-US" dirty="0" smtClean="0"/>
+              <a:t> (and plug-in for VS).</a:t>
+            </a:r>
             <a:endParaRPr lang="en-US" dirty="0"/>
           </a:p>
         </p:txBody>
@@ -8259,7 +8414,7 @@
     </p:spTree>
     <p:extLst>
       <p:ext uri="{BB962C8B-B14F-4D97-AF65-F5344CB8AC3E}">
-        <p14:creationId xmlns:p14="http://schemas.microsoft.com/office/powerpoint/2010/main" val="3835412766"/>
+        <p14:creationId xmlns:p14="http://schemas.microsoft.com/office/powerpoint/2010/main" val="2478302916"/>
       </p:ext>
     </p:extLst>
   </p:cSld>
@@ -8310,7 +8465,7 @@
           <a:p>
             <a:r>
               <a:rPr lang="en-US" dirty="0" smtClean="0"/>
-              <a:t>C++: Alive and Well</a:t>
+              <a:t>Disclaimers	</a:t>
             </a:r>
             <a:endParaRPr lang="en-US" dirty="0"/>
           </a:p>
@@ -8328,55 +8483,88 @@
         </p:nvSpPr>
         <p:spPr/>
         <p:txBody>
-          <a:bodyPr/>
-          <a:lstStyle/>
-          <a:p>
-            <a:r>
-              <a:rPr lang="en-US" dirty="0" smtClean="0"/>
-              <a:t>Facebook:</a:t>
+          <a:bodyPr>
+            <a:normAutofit/>
+          </a:bodyPr>
+          <a:lstStyle/>
+          <a:p>
+            <a:r>
+              <a:rPr lang="en-US" dirty="0" smtClean="0"/>
+              <a:t>I like a lot of languages in addition to C++</a:t>
             </a:r>
           </a:p>
           <a:p>
             <a:pPr lvl="1"/>
             <a:r>
-              <a:rPr lang="en-US" dirty="0" err="1"/>
-              <a:t>Proxygen</a:t>
-            </a:r>
-            <a:r>
-              <a:rPr lang="en-US" dirty="0"/>
-              <a:t> makes heavy use of the latest C++ features and depends on </a:t>
-            </a:r>
-            <a:r>
-              <a:rPr lang="en-US" b="1" dirty="0">
+              <a:rPr lang="en-US" dirty="0" smtClean="0"/>
+              <a:t>C# (mostly); Python; Java; PHP; Groovy; would like to learn Ruby and </a:t>
+            </a:r>
+            <a:r>
+              <a:rPr lang="en-US" dirty="0" err="1" smtClean="0"/>
+              <a:t>Clojure</a:t>
+            </a:r>
+            <a:endParaRPr lang="en-US" dirty="0" smtClean="0"/>
+          </a:p>
+          <a:p>
+            <a:r>
+              <a:rPr lang="en-US" dirty="0" smtClean="0"/>
+              <a:t>I use Microsoft C++ mostly</a:t>
+            </a:r>
+          </a:p>
+          <a:p>
+            <a:r>
+              <a:rPr lang="en-US" dirty="0" smtClean="0"/>
+              <a:t>I’m not a C++ expert</a:t>
+            </a:r>
+          </a:p>
+          <a:p>
+            <a:pPr lvl="1"/>
+            <a:r>
+              <a:rPr lang="en-US" dirty="0" smtClean="0"/>
+              <a:t>these challenge me: </a:t>
+            </a:r>
+            <a:r>
+              <a:rPr lang="en-US" dirty="0" smtClean="0">
                 <a:hlinkClick r:id="rId2"/>
               </a:rPr>
-              <a:t>Thrift</a:t>
-            </a:r>
-            <a:r>
-              <a:rPr lang="en-US" dirty="0"/>
-              <a:t> and </a:t>
-            </a:r>
-            <a:r>
-              <a:rPr lang="en-US" b="1" dirty="0">
-                <a:hlinkClick r:id="rId3"/>
-              </a:rPr>
-              <a:t>Folly</a:t>
-            </a:r>
-            <a:r>
-              <a:rPr lang="en-US" dirty="0"/>
-              <a:t> for its underlying network and data abstractions. We make use of move semantics to avoid extra copies for large objects like body buffers and header representations while avoiding typical pitfalls like memory leaks. Additionally, by using non-blocking IO and Linux's </a:t>
-            </a:r>
-            <a:r>
-              <a:rPr lang="en-US" dirty="0" err="1"/>
-              <a:t>epoll</a:t>
-            </a:r>
-            <a:r>
-              <a:rPr lang="en-US" dirty="0"/>
-              <a:t> under the hood, we are able to create a memory and CPU efficient server.</a:t>
-            </a:r>
+              <a:t>http</a:t>
+            </a:r>
+            <a:r>
+              <a:rPr lang="en-US" dirty="0">
+                <a:hlinkClick r:id="rId2"/>
+              </a:rPr>
+              <a:t>://</a:t>
+            </a:r>
+            <a:r>
+              <a:rPr lang="en-US" dirty="0" smtClean="0">
+                <a:hlinkClick r:id="rId2"/>
+              </a:rPr>
+              <a:t>cppquiz.org/quiz/question/1</a:t>
+            </a:r>
+            <a:endParaRPr lang="en-US" dirty="0" smtClean="0"/>
+          </a:p>
+          <a:p>
+            <a:r>
+              <a:rPr lang="en-US" dirty="0" smtClean="0"/>
+              <a:t>It’s fun to learn new things and apply them</a:t>
+            </a:r>
+            <a:endParaRPr lang="en-US" dirty="0"/>
           </a:p>
           <a:p>
             <a:pPr lvl="1"/>
+            <a:endParaRPr lang="en-US" dirty="0" smtClean="0"/>
+          </a:p>
+          <a:p>
+            <a:pPr marL="457200" lvl="1" indent="0">
+              <a:buNone/>
+            </a:pPr>
+            <a:endParaRPr lang="en-US" dirty="0" smtClean="0"/>
+          </a:p>
+          <a:p>
+            <a:pPr lvl="1"/>
+            <a:endParaRPr lang="en-US" dirty="0" smtClean="0"/>
+          </a:p>
+          <a:p>
             <a:endParaRPr lang="en-US" dirty="0"/>
           </a:p>
         </p:txBody>
@@ -8384,7 +8572,7 @@
     </p:spTree>
     <p:extLst>
       <p:ext uri="{BB962C8B-B14F-4D97-AF65-F5344CB8AC3E}">
-        <p14:creationId xmlns:p14="http://schemas.microsoft.com/office/powerpoint/2010/main" val="699224995"/>
+        <p14:creationId xmlns:p14="http://schemas.microsoft.com/office/powerpoint/2010/main" val="3835412766"/>
       </p:ext>
     </p:extLst>
   </p:cSld>
@@ -8435,7 +8623,7 @@
           <a:p>
             <a:r>
               <a:rPr lang="en-US" dirty="0" smtClean="0"/>
-              <a:t>C++ History</a:t>
+              <a:t>C++: Alive and Well</a:t>
             </a:r>
             <a:endParaRPr lang="en-US" dirty="0"/>
           </a:p>
@@ -8457,49 +8645,51 @@
           <a:lstStyle/>
           <a:p>
             <a:r>
-              <a:rPr lang="en-US" dirty="0" err="1" smtClean="0"/>
-              <a:t>Todo</a:t>
-            </a:r>
-            <a:endParaRPr lang="en-US" dirty="0" smtClean="0"/>
-          </a:p>
-          <a:p>
-            <a:r>
-              <a:rPr lang="en-US" dirty="0" smtClean="0"/>
-              <a:t>C++03</a:t>
-            </a:r>
-          </a:p>
-          <a:p>
-            <a:r>
-              <a:rPr lang="en-US" dirty="0" smtClean="0"/>
-              <a:t>TR1: </a:t>
-            </a:r>
-            <a:r>
-              <a:rPr lang="en-US" dirty="0" smtClean="0">
+              <a:rPr lang="en-US" dirty="0" smtClean="0"/>
+              <a:t>Facebook:</a:t>
+            </a:r>
+          </a:p>
+          <a:p>
+            <a:pPr lvl="1"/>
+            <a:r>
+              <a:rPr lang="en-US" dirty="0" err="1"/>
+              <a:t>Proxygen</a:t>
+            </a:r>
+            <a:r>
+              <a:rPr lang="en-US" dirty="0"/>
+              <a:t> makes heavy use of the latest C++ features and depends on </a:t>
+            </a:r>
+            <a:r>
+              <a:rPr lang="en-US" b="1" dirty="0">
                 <a:hlinkClick r:id="rId2"/>
               </a:rPr>
-              <a:t>Technical Report 1</a:t>
-            </a:r>
-            <a:endParaRPr lang="en-US" dirty="0" smtClean="0"/>
-          </a:p>
-          <a:p>
-            <a:r>
-              <a:rPr lang="en-US" dirty="0" smtClean="0"/>
-              <a:t>C++11</a:t>
-            </a:r>
-          </a:p>
-          <a:p>
-            <a:r>
-              <a:rPr lang="en-US" dirty="0" smtClean="0"/>
-              <a:t>C++14</a:t>
-            </a:r>
-          </a:p>
-          <a:p>
-            <a:r>
-              <a:rPr lang="en-US" dirty="0" smtClean="0"/>
-              <a:t>C++17</a:t>
-            </a:r>
-          </a:p>
-          <a:p>
+              <a:t>Thrift</a:t>
+            </a:r>
+            <a:r>
+              <a:rPr lang="en-US" dirty="0"/>
+              <a:t> and </a:t>
+            </a:r>
+            <a:r>
+              <a:rPr lang="en-US" b="1" dirty="0">
+                <a:hlinkClick r:id="rId3"/>
+              </a:rPr>
+              <a:t>Folly</a:t>
+            </a:r>
+            <a:r>
+              <a:rPr lang="en-US" dirty="0"/>
+              <a:t> for its underlying network and data abstractions. We make use of move semantics to avoid extra copies for large objects like body buffers and header representations while avoiding typical pitfalls like memory leaks. Additionally, by using non-blocking IO and Linux's </a:t>
+            </a:r>
+            <a:r>
+              <a:rPr lang="en-US" dirty="0" err="1"/>
+              <a:t>epoll</a:t>
+            </a:r>
+            <a:r>
+              <a:rPr lang="en-US" dirty="0"/>
+              <a:t> under the hood, we are able to create a memory and CPU efficient server.</a:t>
+            </a:r>
+          </a:p>
+          <a:p>
+            <a:pPr lvl="1"/>
             <a:endParaRPr lang="en-US" dirty="0"/>
           </a:p>
         </p:txBody>
@@ -8507,7 +8697,7 @@
     </p:spTree>
     <p:extLst>
       <p:ext uri="{BB962C8B-B14F-4D97-AF65-F5344CB8AC3E}">
-        <p14:creationId xmlns:p14="http://schemas.microsoft.com/office/powerpoint/2010/main" val="3421079094"/>
+        <p14:creationId xmlns:p14="http://schemas.microsoft.com/office/powerpoint/2010/main" val="699224995"/>
       </p:ext>
     </p:extLst>
   </p:cSld>
@@ -8558,6 +8748,129 @@
           <a:p>
             <a:r>
               <a:rPr lang="en-US" dirty="0" smtClean="0"/>
+              <a:t>C++ History</a:t>
+            </a:r>
+            <a:endParaRPr lang="en-US" dirty="0"/>
+          </a:p>
+        </p:txBody>
+      </p:sp>
+      <p:sp>
+        <p:nvSpPr>
+          <p:cNvPr id="3" name="Content Placeholder 2"/>
+          <p:cNvSpPr>
+            <a:spLocks noGrp="1"/>
+          </p:cNvSpPr>
+          <p:nvPr>
+            <p:ph idx="1"/>
+          </p:nvPr>
+        </p:nvSpPr>
+        <p:spPr/>
+        <p:txBody>
+          <a:bodyPr/>
+          <a:lstStyle/>
+          <a:p>
+            <a:r>
+              <a:rPr lang="en-US" dirty="0" err="1" smtClean="0"/>
+              <a:t>Todo</a:t>
+            </a:r>
+            <a:endParaRPr lang="en-US" dirty="0" smtClean="0"/>
+          </a:p>
+          <a:p>
+            <a:r>
+              <a:rPr lang="en-US" dirty="0" smtClean="0"/>
+              <a:t>C++03</a:t>
+            </a:r>
+          </a:p>
+          <a:p>
+            <a:r>
+              <a:rPr lang="en-US" dirty="0" smtClean="0"/>
+              <a:t>TR1: </a:t>
+            </a:r>
+            <a:r>
+              <a:rPr lang="en-US" dirty="0" smtClean="0">
+                <a:hlinkClick r:id="rId2"/>
+              </a:rPr>
+              <a:t>Technical Report 1</a:t>
+            </a:r>
+            <a:endParaRPr lang="en-US" dirty="0" smtClean="0"/>
+          </a:p>
+          <a:p>
+            <a:r>
+              <a:rPr lang="en-US" dirty="0" smtClean="0"/>
+              <a:t>C++11</a:t>
+            </a:r>
+          </a:p>
+          <a:p>
+            <a:r>
+              <a:rPr lang="en-US" dirty="0" smtClean="0"/>
+              <a:t>C++14</a:t>
+            </a:r>
+          </a:p>
+          <a:p>
+            <a:r>
+              <a:rPr lang="en-US" dirty="0" smtClean="0"/>
+              <a:t>C++17</a:t>
+            </a:r>
+          </a:p>
+          <a:p>
+            <a:endParaRPr lang="en-US" dirty="0"/>
+          </a:p>
+        </p:txBody>
+      </p:sp>
+    </p:spTree>
+    <p:extLst>
+      <p:ext uri="{BB962C8B-B14F-4D97-AF65-F5344CB8AC3E}">
+        <p14:creationId xmlns:p14="http://schemas.microsoft.com/office/powerpoint/2010/main" val="3421079094"/>
+      </p:ext>
+    </p:extLst>
+  </p:cSld>
+  <p:clrMapOvr>
+    <a:masterClrMapping/>
+  </p:clrMapOvr>
+  <p:timing>
+    <p:tnLst>
+      <p:par>
+        <p:cTn id="1" dur="indefinite" restart="never" nodeType="tmRoot"/>
+      </p:par>
+    </p:tnLst>
+  </p:timing>
+</p:sld>
+</file>
+
+<file path=ppt/slides/slide8.xml><?xml version="1.0" encoding="utf-8"?>
+<p:sld xmlns:a="http://schemas.openxmlformats.org/drawingml/2006/main" xmlns:r="http://schemas.openxmlformats.org/officeDocument/2006/relationships" xmlns:p="http://schemas.openxmlformats.org/presentationml/2006/main">
+  <p:cSld>
+    <p:spTree>
+      <p:nvGrpSpPr>
+        <p:cNvPr id="1" name=""/>
+        <p:cNvGrpSpPr/>
+        <p:nvPr/>
+      </p:nvGrpSpPr>
+      <p:grpSpPr>
+        <a:xfrm>
+          <a:off x="0" y="0"/>
+          <a:ext cx="0" cy="0"/>
+          <a:chOff x="0" y="0"/>
+          <a:chExt cx="0" cy="0"/>
+        </a:xfrm>
+      </p:grpSpPr>
+      <p:sp>
+        <p:nvSpPr>
+          <p:cNvPr id="2" name="Title 1"/>
+          <p:cNvSpPr>
+            <a:spLocks noGrp="1"/>
+          </p:cNvSpPr>
+          <p:nvPr>
+            <p:ph type="title"/>
+          </p:nvPr>
+        </p:nvSpPr>
+        <p:spPr/>
+        <p:txBody>
+          <a:bodyPr/>
+          <a:lstStyle/>
+          <a:p>
+            <a:r>
+              <a:rPr lang="en-US" dirty="0" smtClean="0"/>
               <a:t>C++ is Multi-Paradigm</a:t>
             </a:r>
             <a:endParaRPr lang="en-US" dirty="0"/>
@@ -8625,7 +8938,7 @@
 </p:sld>
 </file>
 
-<file path=ppt/slides/slide8.xml><?xml version="1.0" encoding="utf-8"?>
+<file path=ppt/slides/slide9.xml><?xml version="1.0" encoding="utf-8"?>
 <p:sld xmlns:a="http://schemas.openxmlformats.org/drawingml/2006/main" xmlns:r="http://schemas.openxmlformats.org/officeDocument/2006/relationships" xmlns:p="http://schemas.openxmlformats.org/presentationml/2006/main">
   <p:cSld>
     <p:spTree>
@@ -8764,169 +9077,6 @@
     <p:extLst>
       <p:ext uri="{BB962C8B-B14F-4D97-AF65-F5344CB8AC3E}">
         <p14:creationId xmlns:p14="http://schemas.microsoft.com/office/powerpoint/2010/main" val="3419903391"/>
-      </p:ext>
-    </p:extLst>
-  </p:cSld>
-  <p:clrMapOvr>
-    <a:masterClrMapping/>
-  </p:clrMapOvr>
-  <p:timing>
-    <p:tnLst>
-      <p:par>
-        <p:cTn id="1" dur="indefinite" restart="never" nodeType="tmRoot"/>
-      </p:par>
-    </p:tnLst>
-  </p:timing>
-</p:sld>
-</file>
-
-<file path=ppt/slides/slide9.xml><?xml version="1.0" encoding="utf-8"?>
-<p:sld xmlns:a="http://schemas.openxmlformats.org/drawingml/2006/main" xmlns:r="http://schemas.openxmlformats.org/officeDocument/2006/relationships" xmlns:p="http://schemas.openxmlformats.org/presentationml/2006/main">
-  <p:cSld>
-    <p:spTree>
-      <p:nvGrpSpPr>
-        <p:cNvPr id="1" name=""/>
-        <p:cNvGrpSpPr/>
-        <p:nvPr/>
-      </p:nvGrpSpPr>
-      <p:grpSpPr>
-        <a:xfrm>
-          <a:off x="0" y="0"/>
-          <a:ext cx="0" cy="0"/>
-          <a:chOff x="0" y="0"/>
-          <a:chExt cx="0" cy="0"/>
-        </a:xfrm>
-      </p:grpSpPr>
-      <p:sp>
-        <p:nvSpPr>
-          <p:cNvPr id="2" name="Title 1"/>
-          <p:cNvSpPr>
-            <a:spLocks noGrp="1"/>
-          </p:cNvSpPr>
-          <p:nvPr>
-            <p:ph type="title"/>
-          </p:nvPr>
-        </p:nvSpPr>
-        <p:spPr/>
-        <p:txBody>
-          <a:bodyPr/>
-          <a:lstStyle/>
-          <a:p>
-            <a:r>
-              <a:rPr lang="en-US" dirty="0" smtClean="0"/>
-              <a:t>Paradigms: Object Oriented</a:t>
-            </a:r>
-            <a:endParaRPr lang="en-US" dirty="0"/>
-          </a:p>
-        </p:txBody>
-      </p:sp>
-      <p:sp>
-        <p:nvSpPr>
-          <p:cNvPr id="4" name="Content Placeholder 3"/>
-          <p:cNvSpPr>
-            <a:spLocks noGrp="1"/>
-          </p:cNvSpPr>
-          <p:nvPr>
-            <p:ph idx="1"/>
-          </p:nvPr>
-        </p:nvSpPr>
-        <p:spPr/>
-        <p:txBody>
-          <a:bodyPr>
-            <a:normAutofit/>
-          </a:bodyPr>
-          <a:lstStyle/>
-          <a:p>
-            <a:r>
-              <a:rPr lang="en-US" dirty="0" smtClean="0"/>
-              <a:t> Classes; objects</a:t>
-            </a:r>
-          </a:p>
-          <a:p>
-            <a:pPr marL="0" indent="0">
-              <a:buNone/>
-            </a:pPr>
-            <a:endParaRPr lang="en-US" dirty="0" smtClean="0"/>
-          </a:p>
-          <a:p>
-            <a:pPr marL="0" indent="0">
-              <a:buNone/>
-            </a:pPr>
-            <a:endParaRPr lang="en-US" dirty="0"/>
-          </a:p>
-          <a:p>
-            <a:endParaRPr lang="en-US" dirty="0"/>
-          </a:p>
-        </p:txBody>
-      </p:sp>
-      <p:pic>
-        <p:nvPicPr>
-          <p:cNvPr id="2050" name="Picture 2"/>
-          <p:cNvPicPr>
-            <a:picLocks noChangeAspect="1" noChangeArrowheads="1"/>
-          </p:cNvPicPr>
-          <p:nvPr/>
-        </p:nvPicPr>
-        <p:blipFill>
-          <a:blip r:embed="rId2">
-            <a:extLst>
-              <a:ext uri="{28A0092B-C50C-407E-A947-70E740481C1C}">
-                <a14:useLocalDpi xmlns:a14="http://schemas.microsoft.com/office/drawing/2010/main" val="0"/>
-              </a:ext>
-            </a:extLst>
-          </a:blip>
-          <a:srcRect/>
-          <a:stretch>
-            <a:fillRect/>
-          </a:stretch>
-        </p:blipFill>
-        <p:spPr bwMode="auto">
-          <a:xfrm>
-            <a:off x="1524000" y="2209800"/>
-            <a:ext cx="6096000" cy="4534304"/>
-          </a:xfrm>
-          <a:prstGeom prst="rect">
-            <a:avLst/>
-          </a:prstGeom>
-          <a:noFill/>
-          <a:ln>
-            <a:noFill/>
-          </a:ln>
-          <a:effectLst/>
-          <a:extLst>
-            <a:ext uri="{909E8E84-426E-40DD-AFC4-6F175D3DCCD1}">
-              <a14:hiddenFill xmlns:a14="http://schemas.microsoft.com/office/drawing/2010/main">
-                <a:solidFill>
-                  <a:schemeClr val="accent1"/>
-                </a:solidFill>
-              </a14:hiddenFill>
-            </a:ext>
-            <a:ext uri="{91240B29-F687-4F45-9708-019B960494DF}">
-              <a14:hiddenLine xmlns:a14="http://schemas.microsoft.com/office/drawing/2010/main" w="9525">
-                <a:solidFill>
-                  <a:schemeClr val="tx1"/>
-                </a:solidFill>
-                <a:miter lim="800000"/>
-                <a:headEnd/>
-                <a:tailEnd/>
-              </a14:hiddenLine>
-            </a:ext>
-            <a:ext uri="{AF507438-7753-43E0-B8FC-AC1667EBCBE1}">
-              <a14:hiddenEffects xmlns:a14="http://schemas.microsoft.com/office/drawing/2010/main">
-                <a:effectLst>
-                  <a:outerShdw dist="35921" dir="2700000" algn="ctr" rotWithShape="0">
-                    <a:schemeClr val="bg2"/>
-                  </a:outerShdw>
-                </a:effectLst>
-              </a14:hiddenEffects>
-            </a:ext>
-          </a:extLst>
-        </p:spPr>
-      </p:pic>
-    </p:spTree>
-    <p:extLst>
-      <p:ext uri="{BB962C8B-B14F-4D97-AF65-F5344CB8AC3E}">
-        <p14:creationId xmlns:p14="http://schemas.microsoft.com/office/powerpoint/2010/main" val="231828410"/>
       </p:ext>
     </p:extLst>
   </p:cSld>

--- a/doc/Fun_with_C++11.pptx
+++ b/doc/Fun_with_C++11.pptx
@@ -133,7 +133,7 @@
   </p:defaultTextStyle>
   <p:extLst>
     <p:ext uri="{EFAFB233-063F-42B5-8137-9DF3F51BA10A}">
-      <p15:sldGuideLst xmlns:p15="http://schemas.microsoft.com/office/powerpoint/2012/main" xmlns="">
+      <p15:sldGuideLst xmlns="" xmlns:p15="http://schemas.microsoft.com/office/powerpoint/2012/main">
         <p15:guide id="1" orient="horz" pos="2160">
           <p15:clr>
             <a:srgbClr val="A4A3A4"/>
@@ -331,7 +331,7 @@
           <a:p>
             <a:fld id="{81509AD4-132E-4B79-8E81-ED2DE054EDF4}" type="datetimeFigureOut">
               <a:rPr lang="en-US" smtClean="0"/>
-              <a:t>11/11/2014</a:t>
+              <a:t>11/13/2014</a:t>
             </a:fld>
             <a:endParaRPr lang="en-US" dirty="0"/>
           </a:p>
@@ -501,7 +501,7 @@
           <a:p>
             <a:fld id="{81509AD4-132E-4B79-8E81-ED2DE054EDF4}" type="datetimeFigureOut">
               <a:rPr lang="en-US" smtClean="0"/>
-              <a:t>11/11/2014</a:t>
+              <a:t>11/13/2014</a:t>
             </a:fld>
             <a:endParaRPr lang="en-US" dirty="0"/>
           </a:p>
@@ -681,7 +681,7 @@
           <a:p>
             <a:fld id="{81509AD4-132E-4B79-8E81-ED2DE054EDF4}" type="datetimeFigureOut">
               <a:rPr lang="en-US" smtClean="0"/>
-              <a:t>11/11/2014</a:t>
+              <a:t>11/13/2014</a:t>
             </a:fld>
             <a:endParaRPr lang="en-US" dirty="0"/>
           </a:p>
@@ -851,7 +851,7 @@
           <a:p>
             <a:fld id="{81509AD4-132E-4B79-8E81-ED2DE054EDF4}" type="datetimeFigureOut">
               <a:rPr lang="en-US" smtClean="0"/>
-              <a:t>11/11/2014</a:t>
+              <a:t>11/13/2014</a:t>
             </a:fld>
             <a:endParaRPr lang="en-US" dirty="0"/>
           </a:p>
@@ -1097,7 +1097,7 @@
           <a:p>
             <a:fld id="{81509AD4-132E-4B79-8E81-ED2DE054EDF4}" type="datetimeFigureOut">
               <a:rPr lang="en-US" smtClean="0"/>
-              <a:t>11/11/2014</a:t>
+              <a:t>11/13/2014</a:t>
             </a:fld>
             <a:endParaRPr lang="en-US" dirty="0"/>
           </a:p>
@@ -1385,7 +1385,7 @@
           <a:p>
             <a:fld id="{81509AD4-132E-4B79-8E81-ED2DE054EDF4}" type="datetimeFigureOut">
               <a:rPr lang="en-US" smtClean="0"/>
-              <a:t>11/11/2014</a:t>
+              <a:t>11/13/2014</a:t>
             </a:fld>
             <a:endParaRPr lang="en-US" dirty="0"/>
           </a:p>
@@ -1807,7 +1807,7 @@
           <a:p>
             <a:fld id="{81509AD4-132E-4B79-8E81-ED2DE054EDF4}" type="datetimeFigureOut">
               <a:rPr lang="en-US" smtClean="0"/>
-              <a:t>11/11/2014</a:t>
+              <a:t>11/13/2014</a:t>
             </a:fld>
             <a:endParaRPr lang="en-US" dirty="0"/>
           </a:p>
@@ -1925,7 +1925,7 @@
           <a:p>
             <a:fld id="{81509AD4-132E-4B79-8E81-ED2DE054EDF4}" type="datetimeFigureOut">
               <a:rPr lang="en-US" smtClean="0"/>
-              <a:t>11/11/2014</a:t>
+              <a:t>11/13/2014</a:t>
             </a:fld>
             <a:endParaRPr lang="en-US" dirty="0"/>
           </a:p>
@@ -2020,7 +2020,7 @@
           <a:p>
             <a:fld id="{81509AD4-132E-4B79-8E81-ED2DE054EDF4}" type="datetimeFigureOut">
               <a:rPr lang="en-US" smtClean="0"/>
-              <a:t>11/11/2014</a:t>
+              <a:t>11/13/2014</a:t>
             </a:fld>
             <a:endParaRPr lang="en-US" dirty="0"/>
           </a:p>
@@ -2297,7 +2297,7 @@
           <a:p>
             <a:fld id="{81509AD4-132E-4B79-8E81-ED2DE054EDF4}" type="datetimeFigureOut">
               <a:rPr lang="en-US" smtClean="0"/>
-              <a:t>11/11/2014</a:t>
+              <a:t>11/13/2014</a:t>
             </a:fld>
             <a:endParaRPr lang="en-US" dirty="0"/>
           </a:p>
@@ -2550,7 +2550,7 @@
           <a:p>
             <a:fld id="{81509AD4-132E-4B79-8E81-ED2DE054EDF4}" type="datetimeFigureOut">
               <a:rPr lang="en-US" smtClean="0"/>
-              <a:t>11/11/2014</a:t>
+              <a:t>11/13/2014</a:t>
             </a:fld>
             <a:endParaRPr lang="en-US" dirty="0"/>
           </a:p>
@@ -2763,7 +2763,7 @@
           <a:p>
             <a:fld id="{81509AD4-132E-4B79-8E81-ED2DE054EDF4}" type="datetimeFigureOut">
               <a:rPr lang="en-US" smtClean="0"/>
-              <a:t>11/11/2014</a:t>
+              <a:t>11/13/2014</a:t>
             </a:fld>
             <a:endParaRPr lang="en-US" dirty="0"/>
           </a:p>
@@ -8405,7 +8405,23 @@
             </a:r>
             <a:r>
               <a:rPr lang="en-US" dirty="0" smtClean="0"/>
-              <a:t> (and plug-in for VS).</a:t>
+              <a:t> (and plug-in for VS</a:t>
+            </a:r>
+            <a:r>
+              <a:rPr lang="en-US" dirty="0" smtClean="0"/>
+              <a:t>).</a:t>
+            </a:r>
+          </a:p>
+          <a:p>
+            <a:r>
+              <a:rPr lang="en-US" dirty="0" smtClean="0"/>
+              <a:t>Google/Android: </a:t>
+            </a:r>
+            <a:r>
+              <a:rPr lang="en-US" dirty="0" smtClean="0">
+                <a:hlinkClick r:id="rId5"/>
+              </a:rPr>
+              <a:t>tools for C/C++</a:t>
             </a:r>
             <a:endParaRPr lang="en-US" dirty="0"/>
           </a:p>

--- a/doc/Fun_with_C++11.pptx
+++ b/doc/Fun_with_C++11.pptx
@@ -4,6 +4,9 @@
   <p:sldMasterIdLst>
     <p:sldMasterId id="2147483648" r:id="rId1"/>
   </p:sldMasterIdLst>
+  <p:notesMasterIdLst>
+    <p:notesMasterId r:id="rId32"/>
+  </p:notesMasterIdLst>
   <p:sldIdLst>
     <p:sldId id="256" r:id="rId2"/>
     <p:sldId id="282" r:id="rId3"/>
@@ -20,19 +23,21 @@
     <p:sldId id="278" r:id="rId14"/>
     <p:sldId id="257" r:id="rId15"/>
     <p:sldId id="259" r:id="rId16"/>
-    <p:sldId id="270" r:id="rId17"/>
-    <p:sldId id="271" r:id="rId18"/>
-    <p:sldId id="262" r:id="rId19"/>
-    <p:sldId id="263" r:id="rId20"/>
-    <p:sldId id="261" r:id="rId21"/>
-    <p:sldId id="274" r:id="rId22"/>
-    <p:sldId id="280" r:id="rId23"/>
-    <p:sldId id="279" r:id="rId24"/>
-    <p:sldId id="265" r:id="rId25"/>
-    <p:sldId id="266" r:id="rId26"/>
-    <p:sldId id="267" r:id="rId27"/>
-    <p:sldId id="268" r:id="rId28"/>
-    <p:sldId id="269" r:id="rId29"/>
+    <p:sldId id="284" r:id="rId17"/>
+    <p:sldId id="285" r:id="rId18"/>
+    <p:sldId id="270" r:id="rId19"/>
+    <p:sldId id="271" r:id="rId20"/>
+    <p:sldId id="262" r:id="rId21"/>
+    <p:sldId id="263" r:id="rId22"/>
+    <p:sldId id="261" r:id="rId23"/>
+    <p:sldId id="274" r:id="rId24"/>
+    <p:sldId id="280" r:id="rId25"/>
+    <p:sldId id="279" r:id="rId26"/>
+    <p:sldId id="265" r:id="rId27"/>
+    <p:sldId id="266" r:id="rId28"/>
+    <p:sldId id="267" r:id="rId29"/>
+    <p:sldId id="268" r:id="rId30"/>
+    <p:sldId id="269" r:id="rId31"/>
   </p:sldIdLst>
   <p:sldSz cx="9144000" cy="6858000" type="screen4x3"/>
   <p:notesSz cx="6858000" cy="9144000"/>
@@ -133,7 +138,7 @@
   </p:defaultTextStyle>
   <p:extLst>
     <p:ext uri="{EFAFB233-063F-42B5-8137-9DF3F51BA10A}">
-      <p15:sldGuideLst xmlns="" xmlns:p15="http://schemas.microsoft.com/office/powerpoint/2012/main">
+      <p15:sldGuideLst xmlns:p15="http://schemas.microsoft.com/office/powerpoint/2012/main" xmlns="">
         <p15:guide id="1" orient="horz" pos="2160">
           <p15:clr>
             <a:srgbClr val="A4A3A4"/>
@@ -148,6 +153,356 @@
     </p:ext>
   </p:extLst>
 </p:presentation>
+</file>
+
+<file path=ppt/notesMasters/notesMaster1.xml><?xml version="1.0" encoding="utf-8"?>
+<p:notesMaster xmlns:a="http://schemas.openxmlformats.org/drawingml/2006/main" xmlns:r="http://schemas.openxmlformats.org/officeDocument/2006/relationships" xmlns:p="http://schemas.openxmlformats.org/presentationml/2006/main">
+  <p:cSld>
+    <p:bg>
+      <p:bgRef idx="1001">
+        <a:schemeClr val="bg1"/>
+      </p:bgRef>
+    </p:bg>
+    <p:spTree>
+      <p:nvGrpSpPr>
+        <p:cNvPr id="1" name=""/>
+        <p:cNvGrpSpPr/>
+        <p:nvPr/>
+      </p:nvGrpSpPr>
+      <p:grpSpPr>
+        <a:xfrm>
+          <a:off x="0" y="0"/>
+          <a:ext cx="0" cy="0"/>
+          <a:chOff x="0" y="0"/>
+          <a:chExt cx="0" cy="0"/>
+        </a:xfrm>
+      </p:grpSpPr>
+      <p:sp>
+        <p:nvSpPr>
+          <p:cNvPr id="2" name="Header Placeholder 1"/>
+          <p:cNvSpPr>
+            <a:spLocks noGrp="1"/>
+          </p:cNvSpPr>
+          <p:nvPr>
+            <p:ph type="hdr" sz="quarter"/>
+          </p:nvPr>
+        </p:nvSpPr>
+        <p:spPr>
+          <a:xfrm>
+            <a:off x="0" y="0"/>
+            <a:ext cx="2971800" cy="457200"/>
+          </a:xfrm>
+          <a:prstGeom prst="rect">
+            <a:avLst/>
+          </a:prstGeom>
+        </p:spPr>
+        <p:txBody>
+          <a:bodyPr vert="horz" lIns="91440" tIns="45720" rIns="91440" bIns="45720" rtlCol="0"/>
+          <a:lstStyle>
+            <a:lvl1pPr algn="l">
+              <a:defRPr sz="1200"/>
+            </a:lvl1pPr>
+          </a:lstStyle>
+          <a:p>
+            <a:endParaRPr lang="en-US"/>
+          </a:p>
+        </p:txBody>
+      </p:sp>
+      <p:sp>
+        <p:nvSpPr>
+          <p:cNvPr id="3" name="Date Placeholder 2"/>
+          <p:cNvSpPr>
+            <a:spLocks noGrp="1"/>
+          </p:cNvSpPr>
+          <p:nvPr>
+            <p:ph type="dt" idx="1"/>
+          </p:nvPr>
+        </p:nvSpPr>
+        <p:spPr>
+          <a:xfrm>
+            <a:off x="3884613" y="0"/>
+            <a:ext cx="2971800" cy="457200"/>
+          </a:xfrm>
+          <a:prstGeom prst="rect">
+            <a:avLst/>
+          </a:prstGeom>
+        </p:spPr>
+        <p:txBody>
+          <a:bodyPr vert="horz" lIns="91440" tIns="45720" rIns="91440" bIns="45720" rtlCol="0"/>
+          <a:lstStyle>
+            <a:lvl1pPr algn="r">
+              <a:defRPr sz="1200"/>
+            </a:lvl1pPr>
+          </a:lstStyle>
+          <a:p>
+            <a:fld id="{F97105C7-1F4A-453C-9624-D584ED7D25C7}" type="datetimeFigureOut">
+              <a:rPr lang="en-US" smtClean="0"/>
+              <a:t>11/13/2014</a:t>
+            </a:fld>
+            <a:endParaRPr lang="en-US"/>
+          </a:p>
+        </p:txBody>
+      </p:sp>
+      <p:sp>
+        <p:nvSpPr>
+          <p:cNvPr id="4" name="Slide Image Placeholder 3"/>
+          <p:cNvSpPr>
+            <a:spLocks noGrp="1" noRot="1" noChangeAspect="1"/>
+          </p:cNvSpPr>
+          <p:nvPr>
+            <p:ph type="sldImg" idx="2"/>
+          </p:nvPr>
+        </p:nvSpPr>
+        <p:spPr>
+          <a:xfrm>
+            <a:off x="1143000" y="685800"/>
+            <a:ext cx="4572000" cy="3429000"/>
+          </a:xfrm>
+          <a:prstGeom prst="rect">
+            <a:avLst/>
+          </a:prstGeom>
+          <a:noFill/>
+          <a:ln w="12700">
+            <a:solidFill>
+              <a:prstClr val="black"/>
+            </a:solidFill>
+          </a:ln>
+        </p:spPr>
+        <p:txBody>
+          <a:bodyPr vert="horz" lIns="91440" tIns="45720" rIns="91440" bIns="45720" rtlCol="0" anchor="ctr"/>
+          <a:lstStyle/>
+          <a:p>
+            <a:endParaRPr lang="en-US"/>
+          </a:p>
+        </p:txBody>
+      </p:sp>
+      <p:sp>
+        <p:nvSpPr>
+          <p:cNvPr id="5" name="Notes Placeholder 4"/>
+          <p:cNvSpPr>
+            <a:spLocks noGrp="1"/>
+          </p:cNvSpPr>
+          <p:nvPr>
+            <p:ph type="body" sz="quarter" idx="3"/>
+          </p:nvPr>
+        </p:nvSpPr>
+        <p:spPr>
+          <a:xfrm>
+            <a:off x="685800" y="4343400"/>
+            <a:ext cx="5486400" cy="4114800"/>
+          </a:xfrm>
+          <a:prstGeom prst="rect">
+            <a:avLst/>
+          </a:prstGeom>
+        </p:spPr>
+        <p:txBody>
+          <a:bodyPr vert="horz" lIns="91440" tIns="45720" rIns="91440" bIns="45720" rtlCol="0"/>
+          <a:lstStyle/>
+          <a:p>
+            <a:pPr lvl="0"/>
+            <a:r>
+              <a:rPr lang="en-US" smtClean="0"/>
+              <a:t>Click to edit Master text styles</a:t>
+            </a:r>
+          </a:p>
+          <a:p>
+            <a:pPr lvl="1"/>
+            <a:r>
+              <a:rPr lang="en-US" smtClean="0"/>
+              <a:t>Second level</a:t>
+            </a:r>
+          </a:p>
+          <a:p>
+            <a:pPr lvl="2"/>
+            <a:r>
+              <a:rPr lang="en-US" smtClean="0"/>
+              <a:t>Third level</a:t>
+            </a:r>
+          </a:p>
+          <a:p>
+            <a:pPr lvl="3"/>
+            <a:r>
+              <a:rPr lang="en-US" smtClean="0"/>
+              <a:t>Fourth level</a:t>
+            </a:r>
+          </a:p>
+          <a:p>
+            <a:pPr lvl="4"/>
+            <a:r>
+              <a:rPr lang="en-US" smtClean="0"/>
+              <a:t>Fifth level</a:t>
+            </a:r>
+            <a:endParaRPr lang="en-US"/>
+          </a:p>
+        </p:txBody>
+      </p:sp>
+      <p:sp>
+        <p:nvSpPr>
+          <p:cNvPr id="6" name="Footer Placeholder 5"/>
+          <p:cNvSpPr>
+            <a:spLocks noGrp="1"/>
+          </p:cNvSpPr>
+          <p:nvPr>
+            <p:ph type="ftr" sz="quarter" idx="4"/>
+          </p:nvPr>
+        </p:nvSpPr>
+        <p:spPr>
+          <a:xfrm>
+            <a:off x="0" y="8685213"/>
+            <a:ext cx="2971800" cy="457200"/>
+          </a:xfrm>
+          <a:prstGeom prst="rect">
+            <a:avLst/>
+          </a:prstGeom>
+        </p:spPr>
+        <p:txBody>
+          <a:bodyPr vert="horz" lIns="91440" tIns="45720" rIns="91440" bIns="45720" rtlCol="0" anchor="b"/>
+          <a:lstStyle>
+            <a:lvl1pPr algn="l">
+              <a:defRPr sz="1200"/>
+            </a:lvl1pPr>
+          </a:lstStyle>
+          <a:p>
+            <a:endParaRPr lang="en-US"/>
+          </a:p>
+        </p:txBody>
+      </p:sp>
+      <p:sp>
+        <p:nvSpPr>
+          <p:cNvPr id="7" name="Slide Number Placeholder 6"/>
+          <p:cNvSpPr>
+            <a:spLocks noGrp="1"/>
+          </p:cNvSpPr>
+          <p:nvPr>
+            <p:ph type="sldNum" sz="quarter" idx="5"/>
+          </p:nvPr>
+        </p:nvSpPr>
+        <p:spPr>
+          <a:xfrm>
+            <a:off x="3884613" y="8685213"/>
+            <a:ext cx="2971800" cy="457200"/>
+          </a:xfrm>
+          <a:prstGeom prst="rect">
+            <a:avLst/>
+          </a:prstGeom>
+        </p:spPr>
+        <p:txBody>
+          <a:bodyPr vert="horz" lIns="91440" tIns="45720" rIns="91440" bIns="45720" rtlCol="0" anchor="b"/>
+          <a:lstStyle>
+            <a:lvl1pPr algn="r">
+              <a:defRPr sz="1200"/>
+            </a:lvl1pPr>
+          </a:lstStyle>
+          <a:p>
+            <a:fld id="{1A5DCCEA-3118-45AA-8A38-9FA84D8FC178}" type="slidenum">
+              <a:rPr lang="en-US" smtClean="0"/>
+              <a:t>‹#›</a:t>
+            </a:fld>
+            <a:endParaRPr lang="en-US"/>
+          </a:p>
+        </p:txBody>
+      </p:sp>
+    </p:spTree>
+    <p:extLst>
+      <p:ext uri="{BB962C8B-B14F-4D97-AF65-F5344CB8AC3E}">
+        <p14:creationId xmlns:p14="http://schemas.microsoft.com/office/powerpoint/2010/main" val="1556969292"/>
+      </p:ext>
+    </p:extLst>
+  </p:cSld>
+  <p:clrMap bg1="lt1" tx1="dk1" bg2="lt2" tx2="dk2" accent1="accent1" accent2="accent2" accent3="accent3" accent4="accent4" accent5="accent5" accent6="accent6" hlink="hlink" folHlink="folHlink"/>
+  <p:notesStyle>
+    <a:lvl1pPr marL="0" algn="l" defTabSz="914400" rtl="0" eaLnBrk="1" latinLnBrk="0" hangingPunct="1">
+      <a:defRPr sz="1200" kern="1200">
+        <a:solidFill>
+          <a:schemeClr val="tx1"/>
+        </a:solidFill>
+        <a:latin typeface="+mn-lt"/>
+        <a:ea typeface="+mn-ea"/>
+        <a:cs typeface="+mn-cs"/>
+      </a:defRPr>
+    </a:lvl1pPr>
+    <a:lvl2pPr marL="457200" algn="l" defTabSz="914400" rtl="0" eaLnBrk="1" latinLnBrk="0" hangingPunct="1">
+      <a:defRPr sz="1200" kern="1200">
+        <a:solidFill>
+          <a:schemeClr val="tx1"/>
+        </a:solidFill>
+        <a:latin typeface="+mn-lt"/>
+        <a:ea typeface="+mn-ea"/>
+        <a:cs typeface="+mn-cs"/>
+      </a:defRPr>
+    </a:lvl2pPr>
+    <a:lvl3pPr marL="914400" algn="l" defTabSz="914400" rtl="0" eaLnBrk="1" latinLnBrk="0" hangingPunct="1">
+      <a:defRPr sz="1200" kern="1200">
+        <a:solidFill>
+          <a:schemeClr val="tx1"/>
+        </a:solidFill>
+        <a:latin typeface="+mn-lt"/>
+        <a:ea typeface="+mn-ea"/>
+        <a:cs typeface="+mn-cs"/>
+      </a:defRPr>
+    </a:lvl3pPr>
+    <a:lvl4pPr marL="1371600" algn="l" defTabSz="914400" rtl="0" eaLnBrk="1" latinLnBrk="0" hangingPunct="1">
+      <a:defRPr sz="1200" kern="1200">
+        <a:solidFill>
+          <a:schemeClr val="tx1"/>
+        </a:solidFill>
+        <a:latin typeface="+mn-lt"/>
+        <a:ea typeface="+mn-ea"/>
+        <a:cs typeface="+mn-cs"/>
+      </a:defRPr>
+    </a:lvl4pPr>
+    <a:lvl5pPr marL="1828800" algn="l" defTabSz="914400" rtl="0" eaLnBrk="1" latinLnBrk="0" hangingPunct="1">
+      <a:defRPr sz="1200" kern="1200">
+        <a:solidFill>
+          <a:schemeClr val="tx1"/>
+        </a:solidFill>
+        <a:latin typeface="+mn-lt"/>
+        <a:ea typeface="+mn-ea"/>
+        <a:cs typeface="+mn-cs"/>
+      </a:defRPr>
+    </a:lvl5pPr>
+    <a:lvl6pPr marL="2286000" algn="l" defTabSz="914400" rtl="0" eaLnBrk="1" latinLnBrk="0" hangingPunct="1">
+      <a:defRPr sz="1200" kern="1200">
+        <a:solidFill>
+          <a:schemeClr val="tx1"/>
+        </a:solidFill>
+        <a:latin typeface="+mn-lt"/>
+        <a:ea typeface="+mn-ea"/>
+        <a:cs typeface="+mn-cs"/>
+      </a:defRPr>
+    </a:lvl6pPr>
+    <a:lvl7pPr marL="2743200" algn="l" defTabSz="914400" rtl="0" eaLnBrk="1" latinLnBrk="0" hangingPunct="1">
+      <a:defRPr sz="1200" kern="1200">
+        <a:solidFill>
+          <a:schemeClr val="tx1"/>
+        </a:solidFill>
+        <a:latin typeface="+mn-lt"/>
+        <a:ea typeface="+mn-ea"/>
+        <a:cs typeface="+mn-cs"/>
+      </a:defRPr>
+    </a:lvl7pPr>
+    <a:lvl8pPr marL="3200400" algn="l" defTabSz="914400" rtl="0" eaLnBrk="1" latinLnBrk="0" hangingPunct="1">
+      <a:defRPr sz="1200" kern="1200">
+        <a:solidFill>
+          <a:schemeClr val="tx1"/>
+        </a:solidFill>
+        <a:latin typeface="+mn-lt"/>
+        <a:ea typeface="+mn-ea"/>
+        <a:cs typeface="+mn-cs"/>
+      </a:defRPr>
+    </a:lvl8pPr>
+    <a:lvl9pPr marL="3657600" algn="l" defTabSz="914400" rtl="0" eaLnBrk="1" latinLnBrk="0" hangingPunct="1">
+      <a:defRPr sz="1200" kern="1200">
+        <a:solidFill>
+          <a:schemeClr val="tx1"/>
+        </a:solidFill>
+        <a:latin typeface="+mn-lt"/>
+        <a:ea typeface="+mn-ea"/>
+        <a:cs typeface="+mn-cs"/>
+      </a:defRPr>
+    </a:lvl9pPr>
+  </p:notesStyle>
+</p:notesMaster>
 </file>
 
 <file path=ppt/slideLayouts/slideLayout1.xml><?xml version="1.0" encoding="utf-8"?>
@@ -4077,7 +4432,7 @@
           <a:p>
             <a:r>
               <a:rPr lang="en-US" dirty="0" smtClean="0"/>
-              <a:t>C++ Rule of 3</a:t>
+              <a:t>RAII</a:t>
             </a:r>
             <a:endParaRPr lang="en-US" dirty="0"/>
           </a:p>
@@ -4098,61 +4453,68 @@
           <a:bodyPr/>
           <a:lstStyle/>
           <a:p>
-            <a:pPr marL="0" indent="0">
-              <a:buNone/>
-            </a:pPr>
-            <a:r>
-              <a:rPr lang="en-US" sz="2400" dirty="0">
-                <a:hlinkClick r:id="rId2"/>
-              </a:rPr>
-              <a:t>http://</a:t>
-            </a:r>
-            <a:r>
-              <a:rPr lang="en-US" sz="2400" dirty="0" smtClean="0">
-                <a:hlinkClick r:id="rId2"/>
-              </a:rPr>
-              <a:t>en.cppreference.com/w/cpp/language/rule_of_three</a:t>
-            </a:r>
-            <a:endParaRPr lang="en-US" sz="2400" dirty="0" smtClean="0"/>
-          </a:p>
-          <a:p>
-            <a:pPr marL="0" indent="0">
-              <a:buNone/>
-            </a:pPr>
-            <a:endParaRPr lang="en-US" dirty="0" smtClean="0"/>
-          </a:p>
-          <a:p>
-            <a:pPr marL="400050" lvl="1" indent="0">
-              <a:buNone/>
-            </a:pPr>
-            <a:r>
-              <a:rPr lang="en-US" dirty="0" smtClean="0"/>
-              <a:t>“If </a:t>
-            </a:r>
             <a:r>
               <a:rPr lang="en-US" dirty="0"/>
-              <a:t>a class requires a user-defined destructor, a user-defined copy constructor, or a user-defined copy assignment operator, it almost certainly requires all three.</a:t>
-            </a:r>
+              <a:t>Constructor acquires resource</a:t>
+            </a:r>
+          </a:p>
+          <a:p>
+            <a:pPr lvl="1"/>
+            <a:r>
+              <a:rPr lang="en-US" dirty="0" smtClean="0"/>
+              <a:t>e.g. </a:t>
+            </a:r>
+            <a:r>
+              <a:rPr lang="en-US" dirty="0"/>
+              <a:t>opens </a:t>
+            </a:r>
+            <a:r>
+              <a:rPr lang="en-US" dirty="0" smtClean="0"/>
+              <a:t>file; allocate memory</a:t>
+            </a:r>
+            <a:endParaRPr lang="en-US" dirty="0"/>
+          </a:p>
+          <a:p>
+            <a:r>
+              <a:rPr lang="en-US" dirty="0"/>
+              <a:t>All other member functions know resource is acquired</a:t>
+            </a:r>
+          </a:p>
+          <a:p>
+            <a:pPr lvl="1"/>
+            <a:r>
+              <a:rPr lang="en-US" dirty="0"/>
+              <a:t>Do not need to test and make sure</a:t>
+            </a:r>
+          </a:p>
+          <a:p>
+            <a:r>
+              <a:rPr lang="en-US" dirty="0"/>
+              <a:t>Destructor releases resource</a:t>
+            </a:r>
+          </a:p>
+          <a:p>
+            <a:pPr lvl="1"/>
+            <a:r>
+              <a:rPr lang="en-US" dirty="0"/>
+              <a:t>Works even in the presence of exceptions</a:t>
+            </a:r>
+          </a:p>
+          <a:p>
+            <a:endParaRPr lang="en-US" dirty="0"/>
           </a:p>
         </p:txBody>
       </p:sp>
     </p:spTree>
     <p:extLst>
       <p:ext uri="{BB962C8B-B14F-4D97-AF65-F5344CB8AC3E}">
-        <p14:creationId xmlns:p14="http://schemas.microsoft.com/office/powerpoint/2010/main" val="2038294293"/>
+        <p14:creationId xmlns:p14="http://schemas.microsoft.com/office/powerpoint/2010/main" val="2149895591"/>
       </p:ext>
     </p:extLst>
   </p:cSld>
   <p:clrMapOvr>
     <a:masterClrMapping/>
   </p:clrMapOvr>
-  <p:timing>
-    <p:tnLst>
-      <p:par>
-        <p:cTn id="1" dur="indefinite" restart="never" nodeType="tmRoot"/>
-      </p:par>
-    </p:tnLst>
-  </p:timing>
 </p:sld>
 </file>
 
@@ -4190,7 +4552,7 @@
           <a:p>
             <a:r>
               <a:rPr lang="en-US" dirty="0" smtClean="0"/>
-              <a:t>C++11 Rule of 5</a:t>
+              <a:t>C++ smart pointers</a:t>
             </a:r>
             <a:endParaRPr lang="en-US" dirty="0"/>
           </a:p>
@@ -4208,44 +4570,95 @@
         </p:nvSpPr>
         <p:spPr/>
         <p:txBody>
-          <a:bodyPr/>
-          <a:lstStyle/>
-          <a:p>
-            <a:pPr marL="0" indent="0">
-              <a:buNone/>
-            </a:pPr>
-            <a:r>
-              <a:rPr lang="en-US" sz="2400" dirty="0">
-                <a:hlinkClick r:id="rId2"/>
-              </a:rPr>
-              <a:t>http://</a:t>
-            </a:r>
-            <a:r>
-              <a:rPr lang="en-US" sz="2400" dirty="0" smtClean="0">
-                <a:hlinkClick r:id="rId2"/>
-              </a:rPr>
-              <a:t>en.cppreference.com/w/cpp/language/rule_of_three</a:t>
-            </a:r>
-            <a:endParaRPr lang="en-US" sz="2400" dirty="0" smtClean="0"/>
-          </a:p>
-          <a:p>
-            <a:pPr marL="0" indent="0">
-              <a:buNone/>
-            </a:pPr>
-            <a:endParaRPr lang="en-US" dirty="0" smtClean="0"/>
-          </a:p>
-          <a:p>
-            <a:pPr marL="400050" lvl="1" indent="0">
-              <a:buNone/>
-            </a:pPr>
+          <a:bodyPr>
+            <a:normAutofit/>
+          </a:bodyPr>
+          <a:lstStyle/>
+          <a:p>
+            <a:r>
+              <a:rPr lang="en-US" dirty="0" err="1" smtClean="0"/>
+              <a:t>std</a:t>
+            </a:r>
+            <a:r>
+              <a:rPr lang="en-US" dirty="0" smtClean="0"/>
+              <a:t>::</a:t>
+            </a:r>
+            <a:r>
+              <a:rPr lang="en-US" dirty="0" err="1" smtClean="0"/>
+              <a:t>unique_ptr</a:t>
+            </a:r>
+            <a:r>
+              <a:rPr lang="en-US" dirty="0" smtClean="0"/>
+              <a:t> </a:t>
+            </a:r>
             <a:r>
               <a:rPr lang="en-US" dirty="0"/>
-              <a:t>“Because the presence of a user-defined destructor, copy-constructor, or copy-assignment operator prevents implicit definition of the move constructor and the move assignment operator, any class for which move semantics are desirable, has to declare all five special member </a:t>
-            </a:r>
-            <a:r>
-              <a:rPr lang="en-US" dirty="0" smtClean="0"/>
-              <a:t>functions.</a:t>
-            </a:r>
+              <a:t>if only one object needs access to the underlying pointer</a:t>
+            </a:r>
+          </a:p>
+          <a:p>
+            <a:r>
+              <a:rPr lang="en-US" dirty="0" err="1" smtClean="0"/>
+              <a:t>std</a:t>
+            </a:r>
+            <a:r>
+              <a:rPr lang="en-US" dirty="0" smtClean="0"/>
+              <a:t>::</a:t>
+            </a:r>
+            <a:r>
+              <a:rPr lang="en-US" dirty="0" err="1" smtClean="0"/>
+              <a:t>shared_ptr</a:t>
+            </a:r>
+            <a:r>
+              <a:rPr lang="en-US" dirty="0" smtClean="0"/>
+              <a:t> </a:t>
+            </a:r>
+            <a:r>
+              <a:rPr lang="en-US" dirty="0"/>
+              <a:t>if several want to use the same underlying pointer</a:t>
+            </a:r>
+          </a:p>
+          <a:p>
+            <a:pPr lvl="1"/>
+            <a:r>
+              <a:rPr lang="en-US" dirty="0"/>
+              <a:t>Cleaned up when the last copy goes out of scope</a:t>
+            </a:r>
+          </a:p>
+          <a:p>
+            <a:r>
+              <a:rPr lang="en-US" dirty="0"/>
+              <a:t>In &lt;memory&gt; header file</a:t>
+            </a:r>
+          </a:p>
+          <a:p>
+            <a:r>
+              <a:rPr lang="en-US" dirty="0" smtClean="0"/>
+              <a:t>“</a:t>
+            </a:r>
+            <a:r>
+              <a:rPr lang="en-US" i="1" dirty="0" smtClean="0"/>
+              <a:t>If </a:t>
+            </a:r>
+            <a:r>
+              <a:rPr lang="en-US" i="1" dirty="0"/>
+              <a:t>you’re using new or delete, you’re doing it </a:t>
+            </a:r>
+            <a:r>
+              <a:rPr lang="en-US" i="1" dirty="0" smtClean="0"/>
+              <a:t>wrong.</a:t>
+            </a:r>
+            <a:r>
+              <a:rPr lang="en-US" dirty="0" smtClean="0"/>
+              <a:t>” –</a:t>
+            </a:r>
+            <a:r>
+              <a:rPr lang="en-US" smtClean="0"/>
+              <a:t>Kate Gregory</a:t>
+            </a:r>
+            <a:endParaRPr lang="en-US" dirty="0"/>
+          </a:p>
+          <a:p>
             <a:endParaRPr lang="en-US" dirty="0"/>
           </a:p>
         </p:txBody>
@@ -4253,20 +4666,13 @@
     </p:spTree>
     <p:extLst>
       <p:ext uri="{BB962C8B-B14F-4D97-AF65-F5344CB8AC3E}">
-        <p14:creationId xmlns:p14="http://schemas.microsoft.com/office/powerpoint/2010/main" val="2995229971"/>
+        <p14:creationId xmlns:p14="http://schemas.microsoft.com/office/powerpoint/2010/main" val="1968980626"/>
       </p:ext>
     </p:extLst>
   </p:cSld>
   <p:clrMapOvr>
     <a:masterClrMapping/>
   </p:clrMapOvr>
-  <p:timing>
-    <p:tnLst>
-      <p:par>
-        <p:cTn id="1" dur="indefinite" restart="never" nodeType="tmRoot"/>
-      </p:par>
-    </p:tnLst>
-  </p:timing>
 </p:sld>
 </file>
 
@@ -4304,7 +4710,7 @@
           <a:p>
             <a:r>
               <a:rPr lang="en-US" dirty="0" smtClean="0"/>
-              <a:t>Which C++ compiler am I using?</a:t>
+              <a:t>C++ Rule of 3</a:t>
             </a:r>
             <a:endParaRPr lang="en-US" dirty="0"/>
           </a:p>
@@ -4322,186 +4728,51 @@
         </p:nvSpPr>
         <p:spPr/>
         <p:txBody>
-          <a:bodyPr>
-            <a:normAutofit/>
-          </a:bodyPr>
-          <a:lstStyle/>
-          <a:p>
-            <a:pPr marL="457200" lvl="1" indent="0">
-              <a:buNone/>
-            </a:pPr>
-            <a:endParaRPr lang="en-US" sz="1800" dirty="0" smtClean="0">
-              <a:latin typeface="Consolas" panose="020B0609020204030204" pitchFamily="49" charset="0"/>
-              <a:cs typeface="Consolas" panose="020B0609020204030204" pitchFamily="49" charset="0"/>
-            </a:endParaRPr>
-          </a:p>
-          <a:p>
-            <a:pPr marL="457200" lvl="1" indent="0">
-              <a:buNone/>
-            </a:pPr>
-            <a:r>
-              <a:rPr lang="en-US" sz="1800" dirty="0" smtClean="0">
-                <a:latin typeface="Consolas" panose="020B0609020204030204" pitchFamily="49" charset="0"/>
-                <a:cs typeface="Consolas" panose="020B0609020204030204" pitchFamily="49" charset="0"/>
-              </a:rPr>
-              <a:t>c</a:t>
-            </a:r>
-            <a:r>
-              <a:rPr lang="en-US" sz="1800" dirty="0">
-                <a:latin typeface="Consolas" panose="020B0609020204030204" pitchFamily="49" charset="0"/>
-                <a:cs typeface="Consolas" panose="020B0609020204030204" pitchFamily="49" charset="0"/>
-              </a:rPr>
-              <a:t>:\apps\WinDDK\7600.16385.1</a:t>
-            </a:r>
-            <a:r>
-              <a:rPr lang="en-US" sz="1800" dirty="0" smtClean="0">
-                <a:latin typeface="Consolas" panose="020B0609020204030204" pitchFamily="49" charset="0"/>
-                <a:cs typeface="Consolas" panose="020B0609020204030204" pitchFamily="49" charset="0"/>
-              </a:rPr>
-              <a:t>&gt; bin\setenv.bat </a:t>
-            </a:r>
-            <a:r>
-              <a:rPr lang="en-US" sz="1800" dirty="0">
-                <a:latin typeface="Consolas" panose="020B0609020204030204" pitchFamily="49" charset="0"/>
-                <a:cs typeface="Consolas" panose="020B0609020204030204" pitchFamily="49" charset="0"/>
-              </a:rPr>
-              <a:t>. WLH</a:t>
-            </a:r>
-          </a:p>
-          <a:p>
-            <a:pPr marL="457200" lvl="1" indent="0">
-              <a:buNone/>
-            </a:pPr>
-            <a:endParaRPr lang="en-US" sz="1800" dirty="0">
-              <a:latin typeface="Consolas" panose="020B0609020204030204" pitchFamily="49" charset="0"/>
-              <a:cs typeface="Consolas" panose="020B0609020204030204" pitchFamily="49" charset="0"/>
-            </a:endParaRPr>
-          </a:p>
-          <a:p>
-            <a:pPr marL="457200" lvl="1" indent="0">
-              <a:buNone/>
-            </a:pPr>
-            <a:r>
-              <a:rPr lang="en-US" sz="1800" dirty="0">
-                <a:latin typeface="Consolas" panose="020B0609020204030204" pitchFamily="49" charset="0"/>
-                <a:cs typeface="Consolas" panose="020B0609020204030204" pitchFamily="49" charset="0"/>
-              </a:rPr>
-              <a:t>c:\apps\WinDDK\7600.16385.1</a:t>
-            </a:r>
-            <a:r>
-              <a:rPr lang="en-US" sz="1800" smtClean="0">
-                <a:latin typeface="Consolas" panose="020B0609020204030204" pitchFamily="49" charset="0"/>
-                <a:cs typeface="Consolas" panose="020B0609020204030204" pitchFamily="49" charset="0"/>
-              </a:rPr>
-              <a:t>&gt; cl.exe</a:t>
-            </a:r>
-            <a:endParaRPr lang="en-US" sz="1800" dirty="0">
-              <a:latin typeface="Consolas" panose="020B0609020204030204" pitchFamily="49" charset="0"/>
-              <a:cs typeface="Consolas" panose="020B0609020204030204" pitchFamily="49" charset="0"/>
-            </a:endParaRPr>
-          </a:p>
-          <a:p>
-            <a:pPr marL="457200" lvl="1" indent="0">
-              <a:buNone/>
-            </a:pPr>
-            <a:endParaRPr lang="en-US" sz="1800" dirty="0">
-              <a:latin typeface="Consolas" panose="020B0609020204030204" pitchFamily="49" charset="0"/>
-              <a:cs typeface="Consolas" panose="020B0609020204030204" pitchFamily="49" charset="0"/>
-            </a:endParaRPr>
-          </a:p>
-          <a:p>
-            <a:pPr marL="457200" lvl="1" indent="0">
-              <a:buNone/>
-            </a:pPr>
-            <a:r>
-              <a:rPr lang="en-US" sz="1800" dirty="0">
-                <a:latin typeface="Consolas" panose="020B0609020204030204" pitchFamily="49" charset="0"/>
-                <a:cs typeface="Consolas" panose="020B0609020204030204" pitchFamily="49" charset="0"/>
-              </a:rPr>
-              <a:t>Microsoft (R) 32-bit C/C++ Optimizing Compiler Version </a:t>
-            </a:r>
-            <a:r>
-              <a:rPr lang="en-US" sz="1800" b="1" dirty="0">
-                <a:latin typeface="Consolas" panose="020B0609020204030204" pitchFamily="49" charset="0"/>
-                <a:cs typeface="Consolas" panose="020B0609020204030204" pitchFamily="49" charset="0"/>
-              </a:rPr>
-              <a:t>15.00.30729.207</a:t>
-            </a:r>
-            <a:r>
-              <a:rPr lang="en-US" sz="1800" dirty="0">
-                <a:latin typeface="Consolas" panose="020B0609020204030204" pitchFamily="49" charset="0"/>
-                <a:cs typeface="Consolas" panose="020B0609020204030204" pitchFamily="49" charset="0"/>
-              </a:rPr>
-              <a:t> for </a:t>
-            </a:r>
-            <a:r>
-              <a:rPr lang="en-US" sz="1800" dirty="0" smtClean="0">
-                <a:latin typeface="Consolas" panose="020B0609020204030204" pitchFamily="49" charset="0"/>
-                <a:cs typeface="Consolas" panose="020B0609020204030204" pitchFamily="49" charset="0"/>
-              </a:rPr>
-              <a:t>80x86</a:t>
-            </a:r>
-          </a:p>
-          <a:p>
-            <a:pPr marL="457200" lvl="1" indent="0">
-              <a:buNone/>
-            </a:pPr>
-            <a:endParaRPr lang="en-US" sz="1800" dirty="0">
-              <a:latin typeface="Consolas" panose="020B0609020204030204" pitchFamily="49" charset="0"/>
-              <a:cs typeface="Consolas" panose="020B0609020204030204" pitchFamily="49" charset="0"/>
-            </a:endParaRPr>
-          </a:p>
-          <a:p>
-            <a:pPr marL="457200" lvl="1" indent="0">
-              <a:buNone/>
-            </a:pPr>
-            <a:r>
-              <a:rPr lang="en-US" sz="1800" dirty="0">
-                <a:latin typeface="Consolas" panose="020B0609020204030204" pitchFamily="49" charset="0"/>
-                <a:cs typeface="Consolas" panose="020B0609020204030204" pitchFamily="49" charset="0"/>
-              </a:rPr>
-              <a:t>Copyright (C) Microsoft Corporation.  All rights reserved.</a:t>
-            </a:r>
-          </a:p>
-          <a:p>
-            <a:pPr marL="457200" lvl="1" indent="0">
-              <a:buNone/>
-            </a:pPr>
-            <a:r>
-              <a:rPr lang="en-US" sz="1800" dirty="0">
-                <a:latin typeface="Consolas" panose="020B0609020204030204" pitchFamily="49" charset="0"/>
-                <a:cs typeface="Consolas" panose="020B0609020204030204" pitchFamily="49" charset="0"/>
-              </a:rPr>
-              <a:t>usage: cl [ option... ] filename... [ /link </a:t>
-            </a:r>
-            <a:r>
-              <a:rPr lang="en-US" sz="1800" dirty="0" err="1">
-                <a:latin typeface="Consolas" panose="020B0609020204030204" pitchFamily="49" charset="0"/>
-                <a:cs typeface="Consolas" panose="020B0609020204030204" pitchFamily="49" charset="0"/>
-              </a:rPr>
-              <a:t>linkoption</a:t>
-            </a:r>
-            <a:r>
-              <a:rPr lang="en-US" sz="1800" dirty="0">
-                <a:latin typeface="Consolas" panose="020B0609020204030204" pitchFamily="49" charset="0"/>
-                <a:cs typeface="Consolas" panose="020B0609020204030204" pitchFamily="49" charset="0"/>
-              </a:rPr>
-              <a:t>... ]</a:t>
-            </a:r>
-          </a:p>
-          <a:p>
-            <a:pPr lvl="1"/>
-            <a:endParaRPr lang="en-US" sz="1800" dirty="0">
-              <a:latin typeface="Consolas" panose="020B0609020204030204" pitchFamily="49" charset="0"/>
-              <a:cs typeface="Consolas" panose="020B0609020204030204" pitchFamily="49" charset="0"/>
-            </a:endParaRPr>
+          <a:bodyPr/>
+          <a:lstStyle/>
+          <a:p>
+            <a:pPr marL="0" indent="0">
+              <a:buNone/>
+            </a:pPr>
+            <a:r>
+              <a:rPr lang="en-US" sz="2400" dirty="0">
+                <a:hlinkClick r:id="rId2"/>
+              </a:rPr>
+              <a:t>http://</a:t>
+            </a:r>
+            <a:r>
+              <a:rPr lang="en-US" sz="2400" dirty="0" smtClean="0">
+                <a:hlinkClick r:id="rId2"/>
+              </a:rPr>
+              <a:t>en.cppreference.com/w/cpp/language/rule_of_three</a:t>
+            </a:r>
+            <a:endParaRPr lang="en-US" sz="2400" dirty="0" smtClean="0"/>
+          </a:p>
+          <a:p>
+            <a:pPr marL="0" indent="0">
+              <a:buNone/>
+            </a:pPr>
+            <a:endParaRPr lang="en-US" dirty="0" smtClean="0"/>
+          </a:p>
+          <a:p>
+            <a:pPr marL="400050" lvl="1" indent="0">
+              <a:buNone/>
+            </a:pPr>
+            <a:r>
+              <a:rPr lang="en-US" dirty="0" smtClean="0"/>
+              <a:t>“If </a:t>
+            </a:r>
+            <a:r>
+              <a:rPr lang="en-US" dirty="0"/>
+              <a:t>a class requires a user-defined destructor, a user-defined copy constructor, or a user-defined copy assignment operator, it almost certainly requires all three.</a:t>
+            </a:r>
           </a:p>
         </p:txBody>
       </p:sp>
     </p:spTree>
     <p:extLst>
       <p:ext uri="{BB962C8B-B14F-4D97-AF65-F5344CB8AC3E}">
-        <p14:creationId xmlns:p14="http://schemas.microsoft.com/office/powerpoint/2010/main" val="2118868596"/>
+        <p14:creationId xmlns:p14="http://schemas.microsoft.com/office/powerpoint/2010/main" val="2038294293"/>
       </p:ext>
     </p:extLst>
   </p:cSld>
@@ -4551,8 +4822,8 @@
           <a:lstStyle/>
           <a:p>
             <a:r>
-              <a:rPr lang="en-US" smtClean="0"/>
-              <a:t>Which C++ compiler?</a:t>
+              <a:rPr lang="en-US" dirty="0" smtClean="0"/>
+              <a:t>C++11 Rule of 5</a:t>
             </a:r>
             <a:endParaRPr lang="en-US" dirty="0"/>
           </a:p>
@@ -4570,343 +4841,52 @@
         </p:nvSpPr>
         <p:spPr/>
         <p:txBody>
-          <a:bodyPr>
-            <a:normAutofit lnSpcReduction="10000"/>
-          </a:bodyPr>
+          <a:bodyPr/>
           <a:lstStyle/>
           <a:p>
             <a:pPr marL="0" indent="0">
               <a:buNone/>
             </a:pPr>
             <a:r>
-              <a:rPr lang="en-US" sz="2600" dirty="0" smtClean="0">
-                <a:cs typeface="Consolas" panose="020B0609020204030204" pitchFamily="49" charset="0"/>
-              </a:rPr>
-              <a:t>Set </a:t>
-            </a:r>
-            <a:r>
-              <a:rPr lang="en-US" sz="2600" dirty="0">
-                <a:cs typeface="Consolas" panose="020B0609020204030204" pitchFamily="49" charset="0"/>
-              </a:rPr>
-              <a:t>the environment; run </a:t>
-            </a:r>
-            <a:r>
-              <a:rPr lang="en-US" sz="2600" dirty="0" smtClean="0">
-                <a:cs typeface="Consolas" panose="020B0609020204030204" pitchFamily="49" charset="0"/>
-              </a:rPr>
-              <a:t>CL.EXE</a:t>
-            </a:r>
-          </a:p>
-          <a:p>
-            <a:r>
-              <a:rPr lang="en-US" sz="2600" dirty="0" smtClean="0">
-                <a:cs typeface="Consolas" panose="020B0609020204030204" pitchFamily="49" charset="0"/>
-              </a:rPr>
-              <a:t>Visual Studio help/about: fail</a:t>
-            </a:r>
-          </a:p>
-          <a:p>
-            <a:r>
-              <a:rPr lang="en-US" sz="2600" dirty="0" smtClean="0">
-                <a:cs typeface="Consolas" panose="020B0609020204030204" pitchFamily="49" charset="0"/>
-              </a:rPr>
-              <a:t>Look for “C++” </a:t>
-            </a:r>
-            <a:r>
-              <a:rPr lang="en-US" sz="2600" dirty="0" smtClean="0">
-                <a:cs typeface="Consolas" panose="020B0609020204030204" pitchFamily="49" charset="0"/>
+              <a:rPr lang="en-US" sz="2400" dirty="0">
                 <a:hlinkClick r:id="rId2"/>
               </a:rPr>
-              <a:t>here</a:t>
-            </a:r>
-            <a:r>
-              <a:rPr lang="en-US" sz="2600" dirty="0" smtClean="0">
-                <a:cs typeface="Consolas" panose="020B0609020204030204" pitchFamily="49" charset="0"/>
-              </a:rPr>
-              <a:t> for all MS C++ compiler versions</a:t>
-            </a:r>
-            <a:endParaRPr lang="en-US" sz="2600" dirty="0">
-              <a:cs typeface="Consolas" panose="020B0609020204030204" pitchFamily="49" charset="0"/>
-            </a:endParaRPr>
+              <a:t>http://</a:t>
+            </a:r>
+            <a:r>
+              <a:rPr lang="en-US" sz="2400" dirty="0" smtClean="0">
+                <a:hlinkClick r:id="rId2"/>
+              </a:rPr>
+              <a:t>en.cppreference.com/w/cpp/language/rule_of_three</a:t>
+            </a:r>
+            <a:endParaRPr lang="en-US" sz="2400" dirty="0" smtClean="0"/>
           </a:p>
           <a:p>
             <a:pPr marL="0" indent="0">
               <a:buNone/>
             </a:pPr>
-            <a:endParaRPr lang="en-US" sz="1800" dirty="0">
-              <a:latin typeface="Consolas" panose="020B0609020204030204" pitchFamily="49" charset="0"/>
-              <a:cs typeface="Consolas" panose="020B0609020204030204" pitchFamily="49" charset="0"/>
-            </a:endParaRPr>
-          </a:p>
-          <a:p>
-            <a:pPr marL="0" indent="0">
-              <a:buNone/>
-            </a:pPr>
-            <a:r>
-              <a:rPr lang="en-US" sz="1800" b="1" dirty="0" smtClean="0">
-                <a:latin typeface="Consolas" panose="020B0609020204030204" pitchFamily="49" charset="0"/>
-                <a:cs typeface="Consolas" panose="020B0609020204030204" pitchFamily="49" charset="0"/>
-              </a:rPr>
-              <a:t>vs2013</a:t>
-            </a:r>
-            <a:r>
-              <a:rPr lang="en-US" sz="1800" dirty="0" smtClean="0">
-                <a:latin typeface="Consolas" panose="020B0609020204030204" pitchFamily="49" charset="0"/>
-                <a:cs typeface="Consolas" panose="020B0609020204030204" pitchFamily="49" charset="0"/>
-              </a:rPr>
-              <a:t>env: Microsoft </a:t>
-            </a:r>
-            <a:r>
-              <a:rPr lang="en-US" sz="1800" dirty="0">
-                <a:latin typeface="Consolas" panose="020B0609020204030204" pitchFamily="49" charset="0"/>
-                <a:cs typeface="Consolas" panose="020B0609020204030204" pitchFamily="49" charset="0"/>
-              </a:rPr>
-              <a:t>(R) C/C++ Optimizing Compiler Version </a:t>
-            </a:r>
-            <a:r>
-              <a:rPr lang="en-US" sz="1800" b="1" dirty="0">
-                <a:latin typeface="Consolas" panose="020B0609020204030204" pitchFamily="49" charset="0"/>
-                <a:cs typeface="Consolas" panose="020B0609020204030204" pitchFamily="49" charset="0"/>
-              </a:rPr>
-              <a:t>18.00.31010</a:t>
-            </a:r>
-            <a:r>
-              <a:rPr lang="en-US" sz="1800" dirty="0">
-                <a:latin typeface="Consolas" panose="020B0609020204030204" pitchFamily="49" charset="0"/>
-                <a:cs typeface="Consolas" panose="020B0609020204030204" pitchFamily="49" charset="0"/>
-              </a:rPr>
-              <a:t> for </a:t>
-            </a:r>
-            <a:r>
-              <a:rPr lang="en-US" sz="1800" dirty="0" smtClean="0">
-                <a:latin typeface="Consolas" panose="020B0609020204030204" pitchFamily="49" charset="0"/>
-                <a:cs typeface="Consolas" panose="020B0609020204030204" pitchFamily="49" charset="0"/>
-              </a:rPr>
-              <a:t>x86</a:t>
-            </a:r>
-            <a:endParaRPr lang="en-US" sz="1800" dirty="0">
-              <a:latin typeface="Consolas" panose="020B0609020204030204" pitchFamily="49" charset="0"/>
-              <a:cs typeface="Consolas" panose="020B0609020204030204" pitchFamily="49" charset="0"/>
-            </a:endParaRPr>
-          </a:p>
-          <a:p>
-            <a:pPr marL="0" indent="0">
-              <a:buNone/>
-            </a:pPr>
-            <a:r>
-              <a:rPr lang="en-US" sz="1800" b="1" dirty="0" smtClean="0">
-                <a:latin typeface="Consolas" panose="020B0609020204030204" pitchFamily="49" charset="0"/>
-                <a:cs typeface="Consolas" panose="020B0609020204030204" pitchFamily="49" charset="0"/>
-              </a:rPr>
-              <a:t>vs2012</a:t>
-            </a:r>
-            <a:r>
-              <a:rPr lang="en-US" sz="1800" dirty="0" smtClean="0">
-                <a:latin typeface="Consolas" panose="020B0609020204030204" pitchFamily="49" charset="0"/>
-                <a:cs typeface="Consolas" panose="020B0609020204030204" pitchFamily="49" charset="0"/>
-              </a:rPr>
-              <a:t>env: Microsoft </a:t>
-            </a:r>
-            <a:r>
-              <a:rPr lang="en-US" sz="1800" dirty="0">
-                <a:latin typeface="Consolas" panose="020B0609020204030204" pitchFamily="49" charset="0"/>
-                <a:cs typeface="Consolas" panose="020B0609020204030204" pitchFamily="49" charset="0"/>
-              </a:rPr>
-              <a:t>(R) C/C++ Optimizing Compiler Version </a:t>
-            </a:r>
-            <a:r>
-              <a:rPr lang="en-US" sz="1800" b="1" dirty="0">
-                <a:latin typeface="Consolas" panose="020B0609020204030204" pitchFamily="49" charset="0"/>
-                <a:cs typeface="Consolas" panose="020B0609020204030204" pitchFamily="49" charset="0"/>
-              </a:rPr>
-              <a:t>17.00.61030</a:t>
-            </a:r>
-            <a:r>
-              <a:rPr lang="en-US" sz="1800" dirty="0">
-                <a:latin typeface="Consolas" panose="020B0609020204030204" pitchFamily="49" charset="0"/>
-                <a:cs typeface="Consolas" panose="020B0609020204030204" pitchFamily="49" charset="0"/>
-              </a:rPr>
-              <a:t> for </a:t>
-            </a:r>
-            <a:r>
-              <a:rPr lang="en-US" sz="1800" dirty="0" smtClean="0">
-                <a:latin typeface="Consolas" panose="020B0609020204030204" pitchFamily="49" charset="0"/>
-                <a:cs typeface="Consolas" panose="020B0609020204030204" pitchFamily="49" charset="0"/>
-              </a:rPr>
-              <a:t>x86</a:t>
-            </a:r>
-            <a:endParaRPr lang="en-US" sz="1800" dirty="0">
-              <a:latin typeface="Consolas" panose="020B0609020204030204" pitchFamily="49" charset="0"/>
-              <a:cs typeface="Consolas" panose="020B0609020204030204" pitchFamily="49" charset="0"/>
-            </a:endParaRPr>
-          </a:p>
-          <a:p>
-            <a:pPr marL="0" indent="0">
-              <a:buNone/>
-            </a:pPr>
-            <a:r>
-              <a:rPr lang="en-US" sz="1800" dirty="0" smtClean="0">
-                <a:latin typeface="Consolas" panose="020B0609020204030204" pitchFamily="49" charset="0"/>
-                <a:cs typeface="Consolas" panose="020B0609020204030204" pitchFamily="49" charset="0"/>
-              </a:rPr>
-              <a:t>vs</a:t>
-            </a:r>
-            <a:r>
-              <a:rPr lang="en-US" sz="1800" b="1" dirty="0" smtClean="0">
-                <a:latin typeface="Consolas" panose="020B0609020204030204" pitchFamily="49" charset="0"/>
-                <a:cs typeface="Consolas" panose="020B0609020204030204" pitchFamily="49" charset="0"/>
-              </a:rPr>
-              <a:t>2010</a:t>
-            </a:r>
-            <a:r>
-              <a:rPr lang="en-US" sz="1800" dirty="0" smtClean="0">
-                <a:latin typeface="Consolas" panose="020B0609020204030204" pitchFamily="49" charset="0"/>
-                <a:cs typeface="Consolas" panose="020B0609020204030204" pitchFamily="49" charset="0"/>
-              </a:rPr>
-              <a:t>env: Microsoft </a:t>
-            </a:r>
-            <a:r>
-              <a:rPr lang="en-US" sz="1800" dirty="0">
-                <a:latin typeface="Consolas" panose="020B0609020204030204" pitchFamily="49" charset="0"/>
-                <a:cs typeface="Consolas" panose="020B0609020204030204" pitchFamily="49" charset="0"/>
-              </a:rPr>
-              <a:t>(R) 32-bit C/C++ Optimizing Compiler Version </a:t>
-            </a:r>
-            <a:r>
-              <a:rPr lang="en-US" sz="1800" b="1" dirty="0">
-                <a:latin typeface="Consolas" panose="020B0609020204030204" pitchFamily="49" charset="0"/>
-                <a:cs typeface="Consolas" panose="020B0609020204030204" pitchFamily="49" charset="0"/>
-              </a:rPr>
-              <a:t>16.00.40219.01</a:t>
-            </a:r>
-            <a:r>
-              <a:rPr lang="en-US" sz="1800" dirty="0">
-                <a:latin typeface="Consolas" panose="020B0609020204030204" pitchFamily="49" charset="0"/>
-                <a:cs typeface="Consolas" panose="020B0609020204030204" pitchFamily="49" charset="0"/>
-              </a:rPr>
-              <a:t> for </a:t>
-            </a:r>
-            <a:r>
-              <a:rPr lang="en-US" sz="1800" dirty="0" smtClean="0">
-                <a:latin typeface="Consolas" panose="020B0609020204030204" pitchFamily="49" charset="0"/>
-                <a:cs typeface="Consolas" panose="020B0609020204030204" pitchFamily="49" charset="0"/>
-              </a:rPr>
-              <a:t>80x86</a:t>
-            </a:r>
-            <a:endParaRPr lang="en-US" sz="1800" dirty="0">
-              <a:latin typeface="Consolas" panose="020B0609020204030204" pitchFamily="49" charset="0"/>
-              <a:cs typeface="Consolas" panose="020B0609020204030204" pitchFamily="49" charset="0"/>
-            </a:endParaRPr>
-          </a:p>
-          <a:p>
-            <a:pPr marL="0" indent="0">
-              <a:buNone/>
-            </a:pPr>
-            <a:r>
-              <a:rPr lang="en-US" sz="1800" dirty="0" smtClean="0">
-                <a:latin typeface="Consolas" panose="020B0609020204030204" pitchFamily="49" charset="0"/>
-                <a:cs typeface="Consolas" panose="020B0609020204030204" pitchFamily="49" charset="0"/>
-              </a:rPr>
-              <a:t>vs</a:t>
-            </a:r>
-            <a:r>
-              <a:rPr lang="en-US" sz="1800" b="1" dirty="0" smtClean="0">
-                <a:latin typeface="Consolas" panose="020B0609020204030204" pitchFamily="49" charset="0"/>
-                <a:cs typeface="Consolas" panose="020B0609020204030204" pitchFamily="49" charset="0"/>
-              </a:rPr>
-              <a:t>2008</a:t>
-            </a:r>
-            <a:r>
-              <a:rPr lang="en-US" sz="1800" dirty="0" smtClean="0">
-                <a:latin typeface="Consolas" panose="020B0609020204030204" pitchFamily="49" charset="0"/>
-                <a:cs typeface="Consolas" panose="020B0609020204030204" pitchFamily="49" charset="0"/>
-              </a:rPr>
-              <a:t>env: Microsoft </a:t>
-            </a:r>
-            <a:r>
-              <a:rPr lang="en-US" sz="1800" dirty="0">
-                <a:latin typeface="Consolas" panose="020B0609020204030204" pitchFamily="49" charset="0"/>
-                <a:cs typeface="Consolas" panose="020B0609020204030204" pitchFamily="49" charset="0"/>
-              </a:rPr>
-              <a:t>(R) 32-bit C/C++ Optimizing Compiler </a:t>
-            </a:r>
-            <a:r>
-              <a:rPr lang="en-US" sz="1800" dirty="0" smtClean="0">
-                <a:latin typeface="Consolas" panose="020B0609020204030204" pitchFamily="49" charset="0"/>
-                <a:cs typeface="Consolas" panose="020B0609020204030204" pitchFamily="49" charset="0"/>
-              </a:rPr>
-              <a:t>Version </a:t>
-            </a:r>
-            <a:r>
-              <a:rPr lang="en-US" sz="1800" b="1" dirty="0" smtClean="0">
-                <a:latin typeface="Consolas" panose="020B0609020204030204" pitchFamily="49" charset="0"/>
-                <a:cs typeface="Consolas" panose="020B0609020204030204" pitchFamily="49" charset="0"/>
-              </a:rPr>
-              <a:t>15.00.30729.01</a:t>
-            </a:r>
-            <a:r>
-              <a:rPr lang="en-US" sz="1800" dirty="0" smtClean="0">
-                <a:latin typeface="Consolas" panose="020B0609020204030204" pitchFamily="49" charset="0"/>
-                <a:cs typeface="Consolas" panose="020B0609020204030204" pitchFamily="49" charset="0"/>
-              </a:rPr>
-              <a:t> </a:t>
-            </a:r>
-            <a:r>
-              <a:rPr lang="en-US" sz="1800" dirty="0">
-                <a:latin typeface="Consolas" panose="020B0609020204030204" pitchFamily="49" charset="0"/>
-                <a:cs typeface="Consolas" panose="020B0609020204030204" pitchFamily="49" charset="0"/>
-              </a:rPr>
-              <a:t>for </a:t>
-            </a:r>
-            <a:r>
-              <a:rPr lang="en-US" sz="1800" dirty="0" smtClean="0">
-                <a:latin typeface="Consolas" panose="020B0609020204030204" pitchFamily="49" charset="0"/>
-                <a:cs typeface="Consolas" panose="020B0609020204030204" pitchFamily="49" charset="0"/>
-              </a:rPr>
-              <a:t>80x86</a:t>
-            </a:r>
-          </a:p>
-          <a:p>
-            <a:pPr marL="0" indent="0">
-              <a:buNone/>
-            </a:pPr>
-            <a:r>
-              <a:rPr lang="en-US" sz="1800" dirty="0">
-                <a:latin typeface="Consolas" panose="020B0609020204030204" pitchFamily="49" charset="0"/>
-                <a:cs typeface="Consolas" panose="020B0609020204030204" pitchFamily="49" charset="0"/>
-              </a:rPr>
-              <a:t>vs</a:t>
-            </a:r>
-            <a:r>
-              <a:rPr lang="en-US" sz="1800" b="1" dirty="0">
-                <a:latin typeface="Consolas" panose="020B0609020204030204" pitchFamily="49" charset="0"/>
-                <a:cs typeface="Consolas" panose="020B0609020204030204" pitchFamily="49" charset="0"/>
-              </a:rPr>
-              <a:t>2014</a:t>
-            </a:r>
-            <a:r>
-              <a:rPr lang="en-US" sz="1800" dirty="0">
-                <a:latin typeface="Consolas" panose="020B0609020204030204" pitchFamily="49" charset="0"/>
-                <a:cs typeface="Consolas" panose="020B0609020204030204" pitchFamily="49" charset="0"/>
-              </a:rPr>
-              <a:t>env: Microsoft (R) C/C++ Optimizing Compiler Version 19.00.22129.1 for x86</a:t>
-            </a:r>
-          </a:p>
-          <a:p>
-            <a:pPr marL="0" indent="0">
-              <a:buNone/>
-            </a:pPr>
-            <a:endParaRPr lang="en-US" sz="1800" dirty="0">
-              <a:latin typeface="Consolas" panose="020B0609020204030204" pitchFamily="49" charset="0"/>
-              <a:cs typeface="Consolas" panose="020B0609020204030204" pitchFamily="49" charset="0"/>
-            </a:endParaRPr>
+            <a:endParaRPr lang="en-US" dirty="0" smtClean="0"/>
+          </a:p>
+          <a:p>
+            <a:pPr marL="400050" lvl="1" indent="0">
+              <a:buNone/>
+            </a:pPr>
+            <a:r>
+              <a:rPr lang="en-US" dirty="0"/>
+              <a:t>“Because the presence of a user-defined destructor, copy-constructor, or copy-assignment operator prevents implicit definition of the move constructor and the move assignment operator, any class for which move semantics are desirable, has to declare all five special member </a:t>
+            </a:r>
+            <a:r>
+              <a:rPr lang="en-US" dirty="0" smtClean="0"/>
+              <a:t>functions.</a:t>
+            </a:r>
+            <a:endParaRPr lang="en-US" dirty="0"/>
           </a:p>
         </p:txBody>
       </p:sp>
     </p:spTree>
     <p:extLst>
       <p:ext uri="{BB962C8B-B14F-4D97-AF65-F5344CB8AC3E}">
-        <p14:creationId xmlns:p14="http://schemas.microsoft.com/office/powerpoint/2010/main" val="82139143"/>
+        <p14:creationId xmlns:p14="http://schemas.microsoft.com/office/powerpoint/2010/main" val="2995229971"/>
       </p:ext>
     </p:extLst>
   </p:cSld>
@@ -5104,12 +5084,8 @@
           <a:lstStyle/>
           <a:p>
             <a:r>
-              <a:rPr lang="en-US" smtClean="0"/>
-              <a:t>MS C/C</a:t>
-            </a:r>
-            <a:r>
-              <a:rPr lang="en-US" dirty="0" smtClean="0"/>
-              <a:t>++ runtime dependencies</a:t>
+              <a:rPr lang="en-US" dirty="0" smtClean="0"/>
+              <a:t>Which C++ compiler am I using?</a:t>
             </a:r>
             <a:endParaRPr lang="en-US" dirty="0"/>
           </a:p>
@@ -5128,316 +5104,185 @@
         <p:spPr/>
         <p:txBody>
           <a:bodyPr>
-            <a:normAutofit fontScale="62500" lnSpcReduction="20000"/>
+            <a:normAutofit/>
           </a:bodyPr>
           <a:lstStyle/>
           <a:p>
-            <a:pPr marL="0" indent="0">
-              <a:buNone/>
-            </a:pPr>
-            <a:r>
-              <a:rPr lang="en-US" dirty="0">
-                <a:latin typeface="Consolas" panose="020B0609020204030204" pitchFamily="49" charset="0"/>
-                <a:cs typeface="Consolas" panose="020B0609020204030204" pitchFamily="49" charset="0"/>
-              </a:rPr>
-              <a:t>c:\apps\vs2013\VC\redist\x64</a:t>
-            </a:r>
-            <a:r>
-              <a:rPr lang="en-US" dirty="0" smtClean="0">
-                <a:latin typeface="Consolas" panose="020B0609020204030204" pitchFamily="49" charset="0"/>
-                <a:cs typeface="Consolas" panose="020B0609020204030204" pitchFamily="49" charset="0"/>
-              </a:rPr>
-              <a:t>&gt; tree </a:t>
-            </a:r>
-            <a:r>
-              <a:rPr lang="en-US" dirty="0">
-                <a:latin typeface="Consolas" panose="020B0609020204030204" pitchFamily="49" charset="0"/>
-                <a:cs typeface="Consolas" panose="020B0609020204030204" pitchFamily="49" charset="0"/>
-              </a:rPr>
-              <a:t>/f /a</a:t>
-            </a:r>
-          </a:p>
-          <a:p>
-            <a:pPr marL="0" indent="0">
-              <a:buNone/>
-            </a:pPr>
-            <a:r>
-              <a:rPr lang="en-US" dirty="0" smtClean="0">
-                <a:latin typeface="Consolas" panose="020B0609020204030204" pitchFamily="49" charset="0"/>
-                <a:cs typeface="Consolas" panose="020B0609020204030204" pitchFamily="49" charset="0"/>
-              </a:rPr>
-              <a:t>+---</a:t>
-            </a:r>
-            <a:r>
-              <a:rPr lang="en-US" dirty="0">
-                <a:latin typeface="Consolas" panose="020B0609020204030204" pitchFamily="49" charset="0"/>
-                <a:cs typeface="Consolas" panose="020B0609020204030204" pitchFamily="49" charset="0"/>
-              </a:rPr>
-              <a:t>Microsoft.VC120.CRT</a:t>
-            </a:r>
-          </a:p>
-          <a:p>
-            <a:pPr marL="0" indent="0">
-              <a:buNone/>
-            </a:pPr>
-            <a:r>
-              <a:rPr lang="en-US" dirty="0">
-                <a:latin typeface="Consolas" panose="020B0609020204030204" pitchFamily="49" charset="0"/>
-                <a:cs typeface="Consolas" panose="020B0609020204030204" pitchFamily="49" charset="0"/>
-              </a:rPr>
-              <a:t>|       </a:t>
-            </a:r>
-            <a:r>
-              <a:rPr lang="en-US" b="1" dirty="0" smtClean="0">
-                <a:solidFill>
-                  <a:srgbClr val="FF0000"/>
-                </a:solidFill>
-                <a:latin typeface="Consolas" panose="020B0609020204030204" pitchFamily="49" charset="0"/>
-                <a:cs typeface="Consolas" panose="020B0609020204030204" pitchFamily="49" charset="0"/>
-              </a:rPr>
-              <a:t>msvcp120.dll</a:t>
-            </a:r>
-            <a:r>
-              <a:rPr lang="en-US" dirty="0" smtClean="0">
-                <a:latin typeface="Consolas" panose="020B0609020204030204" pitchFamily="49" charset="0"/>
-                <a:cs typeface="Consolas" panose="020B0609020204030204" pitchFamily="49" charset="0"/>
-              </a:rPr>
-              <a:t>	// C++ runtime</a:t>
-            </a:r>
-            <a:endParaRPr lang="en-US" dirty="0">
+            <a:pPr marL="457200" lvl="1" indent="0">
+              <a:buNone/>
+            </a:pPr>
+            <a:endParaRPr lang="en-US" sz="1800" dirty="0" smtClean="0">
               <a:latin typeface="Consolas" panose="020B0609020204030204" pitchFamily="49" charset="0"/>
               <a:cs typeface="Consolas" panose="020B0609020204030204" pitchFamily="49" charset="0"/>
             </a:endParaRPr>
           </a:p>
           <a:p>
-            <a:pPr marL="0" indent="0">
-              <a:buNone/>
-            </a:pPr>
-            <a:r>
-              <a:rPr lang="en-US" dirty="0">
-                <a:latin typeface="Consolas" panose="020B0609020204030204" pitchFamily="49" charset="0"/>
-                <a:cs typeface="Consolas" panose="020B0609020204030204" pitchFamily="49" charset="0"/>
-              </a:rPr>
-              <a:t>|       </a:t>
-            </a:r>
-            <a:r>
-              <a:rPr lang="en-US" b="1" dirty="0" smtClean="0">
-                <a:solidFill>
-                  <a:srgbClr val="FF0000"/>
-                </a:solidFill>
-                <a:latin typeface="Consolas" panose="020B0609020204030204" pitchFamily="49" charset="0"/>
-                <a:cs typeface="Consolas" panose="020B0609020204030204" pitchFamily="49" charset="0"/>
-              </a:rPr>
-              <a:t>msvcr120.dll</a:t>
-            </a:r>
-            <a:r>
-              <a:rPr lang="en-US" dirty="0" smtClean="0">
-                <a:latin typeface="Consolas" panose="020B0609020204030204" pitchFamily="49" charset="0"/>
-                <a:cs typeface="Consolas" panose="020B0609020204030204" pitchFamily="49" charset="0"/>
-              </a:rPr>
-              <a:t>	// C runtime</a:t>
-            </a:r>
-            <a:endParaRPr lang="en-US" dirty="0">
+            <a:pPr marL="457200" lvl="1" indent="0">
+              <a:buNone/>
+            </a:pPr>
+            <a:r>
+              <a:rPr lang="en-US" sz="1800" dirty="0" smtClean="0">
+                <a:latin typeface="Consolas" panose="020B0609020204030204" pitchFamily="49" charset="0"/>
+                <a:cs typeface="Consolas" panose="020B0609020204030204" pitchFamily="49" charset="0"/>
+              </a:rPr>
+              <a:t>c</a:t>
+            </a:r>
+            <a:r>
+              <a:rPr lang="en-US" sz="1800" dirty="0">
+                <a:latin typeface="Consolas" panose="020B0609020204030204" pitchFamily="49" charset="0"/>
+                <a:cs typeface="Consolas" panose="020B0609020204030204" pitchFamily="49" charset="0"/>
+              </a:rPr>
+              <a:t>:\apps\WinDDK\7600.16385.1</a:t>
+            </a:r>
+            <a:r>
+              <a:rPr lang="en-US" sz="1800" dirty="0" smtClean="0">
+                <a:latin typeface="Consolas" panose="020B0609020204030204" pitchFamily="49" charset="0"/>
+                <a:cs typeface="Consolas" panose="020B0609020204030204" pitchFamily="49" charset="0"/>
+              </a:rPr>
+              <a:t>&gt; bin\setenv.bat </a:t>
+            </a:r>
+            <a:r>
+              <a:rPr lang="en-US" sz="1800" dirty="0">
+                <a:latin typeface="Consolas" panose="020B0609020204030204" pitchFamily="49" charset="0"/>
+                <a:cs typeface="Consolas" panose="020B0609020204030204" pitchFamily="49" charset="0"/>
+              </a:rPr>
+              <a:t>. WLH</a:t>
+            </a:r>
+          </a:p>
+          <a:p>
+            <a:pPr marL="457200" lvl="1" indent="0">
+              <a:buNone/>
+            </a:pPr>
+            <a:endParaRPr lang="en-US" sz="1800" dirty="0">
               <a:latin typeface="Consolas" panose="020B0609020204030204" pitchFamily="49" charset="0"/>
               <a:cs typeface="Consolas" panose="020B0609020204030204" pitchFamily="49" charset="0"/>
             </a:endParaRPr>
           </a:p>
           <a:p>
-            <a:pPr marL="0" indent="0">
-              <a:buNone/>
-            </a:pPr>
-            <a:r>
-              <a:rPr lang="en-US" dirty="0">
-                <a:latin typeface="Consolas" panose="020B0609020204030204" pitchFamily="49" charset="0"/>
-                <a:cs typeface="Consolas" panose="020B0609020204030204" pitchFamily="49" charset="0"/>
-              </a:rPr>
-              <a:t>|       </a:t>
-            </a:r>
-            <a:r>
-              <a:rPr lang="en-US" dirty="0" smtClean="0">
-                <a:latin typeface="Consolas" panose="020B0609020204030204" pitchFamily="49" charset="0"/>
-                <a:cs typeface="Consolas" panose="020B0609020204030204" pitchFamily="49" charset="0"/>
-              </a:rPr>
-              <a:t>vccorlib120.dll 	// C++/CLI</a:t>
-            </a:r>
-            <a:endParaRPr lang="en-US" dirty="0">
+            <a:pPr marL="457200" lvl="1" indent="0">
+              <a:buNone/>
+            </a:pPr>
+            <a:r>
+              <a:rPr lang="en-US" sz="1800" dirty="0">
+                <a:latin typeface="Consolas" panose="020B0609020204030204" pitchFamily="49" charset="0"/>
+                <a:cs typeface="Consolas" panose="020B0609020204030204" pitchFamily="49" charset="0"/>
+              </a:rPr>
+              <a:t>c:\apps\WinDDK\7600.16385.1</a:t>
+            </a:r>
+            <a:r>
+              <a:rPr lang="en-US" sz="1800" smtClean="0">
+                <a:latin typeface="Consolas" panose="020B0609020204030204" pitchFamily="49" charset="0"/>
+                <a:cs typeface="Consolas" panose="020B0609020204030204" pitchFamily="49" charset="0"/>
+              </a:rPr>
+              <a:t>&gt; cl.exe</a:t>
+            </a:r>
+            <a:endParaRPr lang="en-US" sz="1800" dirty="0">
               <a:latin typeface="Consolas" panose="020B0609020204030204" pitchFamily="49" charset="0"/>
               <a:cs typeface="Consolas" panose="020B0609020204030204" pitchFamily="49" charset="0"/>
             </a:endParaRPr>
           </a:p>
           <a:p>
-            <a:pPr marL="0" indent="0">
-              <a:buNone/>
-            </a:pPr>
-            <a:r>
-              <a:rPr lang="en-US" dirty="0" smtClean="0">
-                <a:latin typeface="Consolas" panose="020B0609020204030204" pitchFamily="49" charset="0"/>
-                <a:cs typeface="Consolas" panose="020B0609020204030204" pitchFamily="49" charset="0"/>
-              </a:rPr>
-              <a:t>+---</a:t>
-            </a:r>
-            <a:r>
-              <a:rPr lang="en-US" dirty="0">
-                <a:latin typeface="Consolas" panose="020B0609020204030204" pitchFamily="49" charset="0"/>
-                <a:cs typeface="Consolas" panose="020B0609020204030204" pitchFamily="49" charset="0"/>
-              </a:rPr>
-              <a:t>Microsoft.VC120.CXXAMP</a:t>
-            </a:r>
-          </a:p>
-          <a:p>
-            <a:pPr marL="0" indent="0">
-              <a:buNone/>
-            </a:pPr>
-            <a:r>
-              <a:rPr lang="en-US" dirty="0">
-                <a:latin typeface="Consolas" panose="020B0609020204030204" pitchFamily="49" charset="0"/>
-                <a:cs typeface="Consolas" panose="020B0609020204030204" pitchFamily="49" charset="0"/>
-              </a:rPr>
-              <a:t>|       vcamp120.dll</a:t>
-            </a:r>
-          </a:p>
-          <a:p>
-            <a:pPr marL="0" indent="0">
-              <a:buNone/>
-            </a:pPr>
-            <a:r>
-              <a:rPr lang="en-US" dirty="0" smtClean="0">
-                <a:latin typeface="Consolas" panose="020B0609020204030204" pitchFamily="49" charset="0"/>
-                <a:cs typeface="Consolas" panose="020B0609020204030204" pitchFamily="49" charset="0"/>
-              </a:rPr>
-              <a:t>+---</a:t>
-            </a:r>
-            <a:r>
-              <a:rPr lang="en-US" dirty="0">
-                <a:latin typeface="Consolas" panose="020B0609020204030204" pitchFamily="49" charset="0"/>
-                <a:cs typeface="Consolas" panose="020B0609020204030204" pitchFamily="49" charset="0"/>
-              </a:rPr>
-              <a:t>Microsoft.VC120.MFC</a:t>
-            </a:r>
-          </a:p>
-          <a:p>
-            <a:pPr marL="0" indent="0">
-              <a:buNone/>
-            </a:pPr>
-            <a:r>
-              <a:rPr lang="en-US" dirty="0">
-                <a:latin typeface="Consolas" panose="020B0609020204030204" pitchFamily="49" charset="0"/>
-                <a:cs typeface="Consolas" panose="020B0609020204030204" pitchFamily="49" charset="0"/>
-              </a:rPr>
-              <a:t>|       mfc120u.dll</a:t>
-            </a:r>
-          </a:p>
-          <a:p>
-            <a:pPr marL="0" indent="0">
-              <a:buNone/>
-            </a:pPr>
-            <a:r>
-              <a:rPr lang="en-US" dirty="0">
-                <a:latin typeface="Consolas" panose="020B0609020204030204" pitchFamily="49" charset="0"/>
-                <a:cs typeface="Consolas" panose="020B0609020204030204" pitchFamily="49" charset="0"/>
-              </a:rPr>
-              <a:t>|       mfcm120u.dll</a:t>
-            </a:r>
-          </a:p>
-          <a:p>
-            <a:pPr marL="0" indent="0">
-              <a:buNone/>
-            </a:pPr>
-            <a:r>
-              <a:rPr lang="en-US" dirty="0" smtClean="0">
-                <a:latin typeface="Consolas" panose="020B0609020204030204" pitchFamily="49" charset="0"/>
-                <a:cs typeface="Consolas" panose="020B0609020204030204" pitchFamily="49" charset="0"/>
-              </a:rPr>
-              <a:t>+---</a:t>
-            </a:r>
-            <a:r>
-              <a:rPr lang="en-US" dirty="0">
-                <a:latin typeface="Consolas" panose="020B0609020204030204" pitchFamily="49" charset="0"/>
-                <a:cs typeface="Consolas" panose="020B0609020204030204" pitchFamily="49" charset="0"/>
-              </a:rPr>
-              <a:t>Microsoft.VC120.MFCLOC</a:t>
-            </a:r>
-          </a:p>
-          <a:p>
-            <a:pPr marL="0" indent="0">
-              <a:buNone/>
-            </a:pPr>
-            <a:r>
-              <a:rPr lang="en-US" dirty="0">
-                <a:latin typeface="Consolas" panose="020B0609020204030204" pitchFamily="49" charset="0"/>
-                <a:cs typeface="Consolas" panose="020B0609020204030204" pitchFamily="49" charset="0"/>
-              </a:rPr>
-              <a:t>|       </a:t>
-            </a:r>
-            <a:r>
-              <a:rPr lang="en-US" dirty="0" smtClean="0">
-                <a:latin typeface="Consolas" panose="020B0609020204030204" pitchFamily="49" charset="0"/>
-                <a:cs typeface="Consolas" panose="020B0609020204030204" pitchFamily="49" charset="0"/>
-              </a:rPr>
-              <a:t>//</a:t>
-            </a:r>
-            <a:r>
-              <a:rPr lang="en-US" dirty="0" err="1" smtClean="0">
-                <a:latin typeface="Consolas" panose="020B0609020204030204" pitchFamily="49" charset="0"/>
-                <a:cs typeface="Consolas" panose="020B0609020204030204" pitchFamily="49" charset="0"/>
-              </a:rPr>
-              <a:t>mfc</a:t>
-            </a:r>
-            <a:r>
-              <a:rPr lang="en-US" dirty="0" smtClean="0">
-                <a:latin typeface="Consolas" panose="020B0609020204030204" pitchFamily="49" charset="0"/>
-                <a:cs typeface="Consolas" panose="020B0609020204030204" pitchFamily="49" charset="0"/>
-              </a:rPr>
-              <a:t> localized stuff</a:t>
-            </a:r>
-            <a:endParaRPr lang="en-US" dirty="0">
+            <a:pPr marL="457200" lvl="1" indent="0">
+              <a:buNone/>
+            </a:pPr>
+            <a:endParaRPr lang="en-US" sz="1800" dirty="0">
               <a:latin typeface="Consolas" panose="020B0609020204030204" pitchFamily="49" charset="0"/>
               <a:cs typeface="Consolas" panose="020B0609020204030204" pitchFamily="49" charset="0"/>
             </a:endParaRPr>
           </a:p>
           <a:p>
-            <a:pPr marL="0" indent="0">
-              <a:buNone/>
-            </a:pPr>
-            <a:r>
-              <a:rPr lang="en-US" dirty="0" smtClean="0">
-                <a:latin typeface="Consolas" panose="020B0609020204030204" pitchFamily="49" charset="0"/>
-                <a:cs typeface="Consolas" panose="020B0609020204030204" pitchFamily="49" charset="0"/>
-              </a:rPr>
-              <a:t>\---</a:t>
-            </a:r>
-            <a:r>
-              <a:rPr lang="en-US" dirty="0">
-                <a:latin typeface="Consolas" panose="020B0609020204030204" pitchFamily="49" charset="0"/>
-                <a:cs typeface="Consolas" panose="020B0609020204030204" pitchFamily="49" charset="0"/>
-              </a:rPr>
-              <a:t>Microsoft.VC120.OpenMP</a:t>
-            </a:r>
-          </a:p>
-          <a:p>
-            <a:pPr marL="0" indent="0">
-              <a:buNone/>
-            </a:pPr>
-            <a:r>
-              <a:rPr lang="en-US" dirty="0">
-                <a:latin typeface="Consolas" panose="020B0609020204030204" pitchFamily="49" charset="0"/>
-                <a:cs typeface="Consolas" panose="020B0609020204030204" pitchFamily="49" charset="0"/>
-              </a:rPr>
-              <a:t>        vcomp120.dll</a:t>
-            </a:r>
-          </a:p>
-          <a:p>
-            <a:pPr marL="0" indent="0">
-              <a:buNone/>
-            </a:pPr>
-            <a:endParaRPr lang="en-US" dirty="0"/>
+            <a:pPr marL="457200" lvl="1" indent="0">
+              <a:buNone/>
+            </a:pPr>
+            <a:r>
+              <a:rPr lang="en-US" sz="1800" dirty="0">
+                <a:latin typeface="Consolas" panose="020B0609020204030204" pitchFamily="49" charset="0"/>
+                <a:cs typeface="Consolas" panose="020B0609020204030204" pitchFamily="49" charset="0"/>
+              </a:rPr>
+              <a:t>Microsoft (R) 32-bit C/C++ Optimizing Compiler Version </a:t>
+            </a:r>
+            <a:r>
+              <a:rPr lang="en-US" sz="1800" b="1" dirty="0">
+                <a:latin typeface="Consolas" panose="020B0609020204030204" pitchFamily="49" charset="0"/>
+                <a:cs typeface="Consolas" panose="020B0609020204030204" pitchFamily="49" charset="0"/>
+              </a:rPr>
+              <a:t>15.00.30729.207</a:t>
+            </a:r>
+            <a:r>
+              <a:rPr lang="en-US" sz="1800" dirty="0">
+                <a:latin typeface="Consolas" panose="020B0609020204030204" pitchFamily="49" charset="0"/>
+                <a:cs typeface="Consolas" panose="020B0609020204030204" pitchFamily="49" charset="0"/>
+              </a:rPr>
+              <a:t> for </a:t>
+            </a:r>
+            <a:r>
+              <a:rPr lang="en-US" sz="1800" dirty="0" smtClean="0">
+                <a:latin typeface="Consolas" panose="020B0609020204030204" pitchFamily="49" charset="0"/>
+                <a:cs typeface="Consolas" panose="020B0609020204030204" pitchFamily="49" charset="0"/>
+              </a:rPr>
+              <a:t>80x86</a:t>
+            </a:r>
+          </a:p>
+          <a:p>
+            <a:pPr marL="457200" lvl="1" indent="0">
+              <a:buNone/>
+            </a:pPr>
+            <a:endParaRPr lang="en-US" sz="1800" dirty="0">
+              <a:latin typeface="Consolas" panose="020B0609020204030204" pitchFamily="49" charset="0"/>
+              <a:cs typeface="Consolas" panose="020B0609020204030204" pitchFamily="49" charset="0"/>
+            </a:endParaRPr>
+          </a:p>
+          <a:p>
+            <a:pPr marL="457200" lvl="1" indent="0">
+              <a:buNone/>
+            </a:pPr>
+            <a:r>
+              <a:rPr lang="en-US" sz="1800" dirty="0">
+                <a:latin typeface="Consolas" panose="020B0609020204030204" pitchFamily="49" charset="0"/>
+                <a:cs typeface="Consolas" panose="020B0609020204030204" pitchFamily="49" charset="0"/>
+              </a:rPr>
+              <a:t>Copyright (C) Microsoft Corporation.  All rights reserved.</a:t>
+            </a:r>
+          </a:p>
+          <a:p>
+            <a:pPr marL="457200" lvl="1" indent="0">
+              <a:buNone/>
+            </a:pPr>
+            <a:r>
+              <a:rPr lang="en-US" sz="1800" dirty="0">
+                <a:latin typeface="Consolas" panose="020B0609020204030204" pitchFamily="49" charset="0"/>
+                <a:cs typeface="Consolas" panose="020B0609020204030204" pitchFamily="49" charset="0"/>
+              </a:rPr>
+              <a:t>usage: cl [ option... ] filename... [ /link </a:t>
+            </a:r>
+            <a:r>
+              <a:rPr lang="en-US" sz="1800" dirty="0" err="1">
+                <a:latin typeface="Consolas" panose="020B0609020204030204" pitchFamily="49" charset="0"/>
+                <a:cs typeface="Consolas" panose="020B0609020204030204" pitchFamily="49" charset="0"/>
+              </a:rPr>
+              <a:t>linkoption</a:t>
+            </a:r>
+            <a:r>
+              <a:rPr lang="en-US" sz="1800" dirty="0">
+                <a:latin typeface="Consolas" panose="020B0609020204030204" pitchFamily="49" charset="0"/>
+                <a:cs typeface="Consolas" panose="020B0609020204030204" pitchFamily="49" charset="0"/>
+              </a:rPr>
+              <a:t>... ]</a:t>
+            </a:r>
+          </a:p>
+          <a:p>
+            <a:pPr lvl="1"/>
+            <a:endParaRPr lang="en-US" sz="1800" dirty="0">
+              <a:latin typeface="Consolas" panose="020B0609020204030204" pitchFamily="49" charset="0"/>
+              <a:cs typeface="Consolas" panose="020B0609020204030204" pitchFamily="49" charset="0"/>
+            </a:endParaRPr>
           </a:p>
         </p:txBody>
       </p:sp>
     </p:spTree>
     <p:extLst>
       <p:ext uri="{BB962C8B-B14F-4D97-AF65-F5344CB8AC3E}">
-        <p14:creationId xmlns:p14="http://schemas.microsoft.com/office/powerpoint/2010/main" val="2368571093"/>
+        <p14:creationId xmlns:p14="http://schemas.microsoft.com/office/powerpoint/2010/main" val="2118868596"/>
       </p:ext>
     </p:extLst>
   </p:cSld>
@@ -5515,23 +5360,55 @@
               <a:buNone/>
             </a:pPr>
             <a:r>
-              <a:rPr lang="en-US" sz="2800" dirty="0" smtClean="0">
-                <a:cs typeface="Consolas" panose="020B0609020204030204" pitchFamily="49" charset="0"/>
-              </a:rPr>
-              <a:t>On an up-to-date </a:t>
-            </a:r>
-            <a:r>
-              <a:rPr lang="en-US" sz="2800" dirty="0" err="1" smtClean="0">
-                <a:cs typeface="Consolas" panose="020B0609020204030204" pitchFamily="49" charset="0"/>
-              </a:rPr>
-              <a:t>linux</a:t>
-            </a:r>
-            <a:r>
-              <a:rPr lang="en-US" sz="2800" dirty="0" smtClean="0">
-                <a:cs typeface="Consolas" panose="020B0609020204030204" pitchFamily="49" charset="0"/>
-              </a:rPr>
-              <a:t> box:</a:t>
-            </a:r>
+              <a:rPr lang="en-US" sz="2600" dirty="0" smtClean="0">
+                <a:cs typeface="Consolas" panose="020B0609020204030204" pitchFamily="49" charset="0"/>
+              </a:rPr>
+              <a:t>Set </a:t>
+            </a:r>
+            <a:r>
+              <a:rPr lang="en-US" sz="2600" dirty="0">
+                <a:cs typeface="Consolas" panose="020B0609020204030204" pitchFamily="49" charset="0"/>
+              </a:rPr>
+              <a:t>the environment; run </a:t>
+            </a:r>
+            <a:r>
+              <a:rPr lang="en-US" sz="2600" dirty="0" smtClean="0">
+                <a:cs typeface="Consolas" panose="020B0609020204030204" pitchFamily="49" charset="0"/>
+              </a:rPr>
+              <a:t>CL.EXE</a:t>
+            </a:r>
+          </a:p>
+          <a:p>
+            <a:r>
+              <a:rPr lang="en-US" sz="2600" dirty="0" smtClean="0">
+                <a:cs typeface="Consolas" panose="020B0609020204030204" pitchFamily="49" charset="0"/>
+              </a:rPr>
+              <a:t>Visual Studio help/about: fail</a:t>
+            </a:r>
+          </a:p>
+          <a:p>
+            <a:r>
+              <a:rPr lang="en-US" sz="2600" dirty="0" smtClean="0">
+                <a:cs typeface="Consolas" panose="020B0609020204030204" pitchFamily="49" charset="0"/>
+              </a:rPr>
+              <a:t>Look for “C++” </a:t>
+            </a:r>
+            <a:r>
+              <a:rPr lang="en-US" sz="2600" dirty="0" smtClean="0">
+                <a:cs typeface="Consolas" panose="020B0609020204030204" pitchFamily="49" charset="0"/>
+                <a:hlinkClick r:id="rId2"/>
+              </a:rPr>
+              <a:t>here</a:t>
+            </a:r>
+            <a:r>
+              <a:rPr lang="en-US" sz="2600" dirty="0" smtClean="0">
+                <a:cs typeface="Consolas" panose="020B0609020204030204" pitchFamily="49" charset="0"/>
+              </a:rPr>
+              <a:t> for all MS C++ compiler versions</a:t>
+            </a:r>
+            <a:endParaRPr lang="en-US" sz="2600" dirty="0">
+              <a:cs typeface="Consolas" panose="020B0609020204030204" pitchFamily="49" charset="0"/>
+            </a:endParaRPr>
           </a:p>
           <a:p>
             <a:pPr marL="0" indent="0">
@@ -5547,136 +5424,98 @@
               <a:buNone/>
             </a:pPr>
             <a:r>
+              <a:rPr lang="en-US" sz="1800" b="1" dirty="0" smtClean="0">
+                <a:latin typeface="Consolas" panose="020B0609020204030204" pitchFamily="49" charset="0"/>
+                <a:cs typeface="Consolas" panose="020B0609020204030204" pitchFamily="49" charset="0"/>
+              </a:rPr>
+              <a:t>vs2013</a:t>
+            </a:r>
+            <a:r>
               <a:rPr lang="en-US" sz="1800" dirty="0" smtClean="0">
                 <a:latin typeface="Consolas" panose="020B0609020204030204" pitchFamily="49" charset="0"/>
                 <a:cs typeface="Consolas" panose="020B0609020204030204" pitchFamily="49" charset="0"/>
               </a:rPr>
-              <a:t>  dwight@dwight-mint17 </a:t>
+              <a:t>env: Microsoft </a:t>
             </a:r>
             <a:r>
               <a:rPr lang="en-US" sz="1800" dirty="0">
                 <a:latin typeface="Consolas" panose="020B0609020204030204" pitchFamily="49" charset="0"/>
                 <a:cs typeface="Consolas" panose="020B0609020204030204" pitchFamily="49" charset="0"/>
               </a:rPr>
-              <a:t>~ $ </a:t>
-            </a:r>
-            <a:r>
-              <a:rPr lang="en-US" sz="2400" b="1" dirty="0">
-                <a:latin typeface="Consolas" panose="020B0609020204030204" pitchFamily="49" charset="0"/>
-                <a:cs typeface="Consolas" panose="020B0609020204030204" pitchFamily="49" charset="0"/>
-              </a:rPr>
-              <a:t>g++ --version</a:t>
-            </a:r>
-          </a:p>
-          <a:p>
-            <a:pPr marL="0" indent="0">
-              <a:buNone/>
-            </a:pPr>
+              <a:t>(R) C/C++ Optimizing Compiler Version </a:t>
+            </a:r>
+            <a:r>
+              <a:rPr lang="en-US" sz="1800" b="1" dirty="0">
+                <a:latin typeface="Consolas" panose="020B0609020204030204" pitchFamily="49" charset="0"/>
+                <a:cs typeface="Consolas" panose="020B0609020204030204" pitchFamily="49" charset="0"/>
+              </a:rPr>
+              <a:t>18.00.31010</a:t>
+            </a:r>
+            <a:r>
+              <a:rPr lang="en-US" sz="1800" dirty="0">
+                <a:latin typeface="Consolas" panose="020B0609020204030204" pitchFamily="49" charset="0"/>
+                <a:cs typeface="Consolas" panose="020B0609020204030204" pitchFamily="49" charset="0"/>
+              </a:rPr>
+              <a:t> for </a:t>
+            </a:r>
             <a:r>
               <a:rPr lang="en-US" sz="1800" dirty="0" smtClean="0">
                 <a:latin typeface="Consolas" panose="020B0609020204030204" pitchFamily="49" charset="0"/>
                 <a:cs typeface="Consolas" panose="020B0609020204030204" pitchFamily="49" charset="0"/>
               </a:rPr>
-              <a:t>  g</a:t>
-            </a:r>
-            <a:r>
-              <a:rPr lang="en-US" sz="1800" dirty="0">
-                <a:latin typeface="Consolas" panose="020B0609020204030204" pitchFamily="49" charset="0"/>
-                <a:cs typeface="Consolas" panose="020B0609020204030204" pitchFamily="49" charset="0"/>
-              </a:rPr>
-              <a:t>++ (Ubuntu 4.8.2-19ubuntu1) 4.8.2</a:t>
-            </a:r>
-          </a:p>
-          <a:p>
-            <a:pPr marL="0" indent="0">
-              <a:buNone/>
-            </a:pPr>
-            <a:r>
-              <a:rPr lang="en-US" sz="1800" dirty="0" smtClean="0">
-                <a:latin typeface="Consolas" panose="020B0609020204030204" pitchFamily="49" charset="0"/>
-                <a:cs typeface="Consolas" panose="020B0609020204030204" pitchFamily="49" charset="0"/>
-              </a:rPr>
-              <a:t>  Copyright </a:t>
-            </a:r>
-            <a:r>
-              <a:rPr lang="en-US" sz="1800" dirty="0">
-                <a:latin typeface="Consolas" panose="020B0609020204030204" pitchFamily="49" charset="0"/>
-                <a:cs typeface="Consolas" panose="020B0609020204030204" pitchFamily="49" charset="0"/>
-              </a:rPr>
-              <a:t>(C) 2013 Free Software Foundation, Inc</a:t>
-            </a:r>
-            <a:r>
-              <a:rPr lang="en-US" sz="1800" dirty="0" smtClean="0">
-                <a:latin typeface="Consolas" panose="020B0609020204030204" pitchFamily="49" charset="0"/>
-                <a:cs typeface="Consolas" panose="020B0609020204030204" pitchFamily="49" charset="0"/>
-              </a:rPr>
-              <a:t>.</a:t>
-            </a:r>
-          </a:p>
-          <a:p>
-            <a:pPr marL="0" indent="0">
-              <a:buNone/>
-            </a:pPr>
+              <a:t>x86</a:t>
+            </a:r>
             <a:endParaRPr lang="en-US" sz="1800" dirty="0">
               <a:latin typeface="Consolas" panose="020B0609020204030204" pitchFamily="49" charset="0"/>
               <a:cs typeface="Consolas" panose="020B0609020204030204" pitchFamily="49" charset="0"/>
             </a:endParaRPr>
           </a:p>
           <a:p>
-            <a:pPr marL="285750"/>
-            <a:r>
-              <a:rPr lang="en-US" sz="2800" dirty="0" smtClean="0"/>
-              <a:t>“G” is for GNU</a:t>
-            </a:r>
-            <a:endParaRPr lang="en-US" sz="2800" dirty="0"/>
-          </a:p>
-          <a:p>
-            <a:pPr marL="285750"/>
-            <a:r>
-              <a:rPr lang="en-US" sz="2800" dirty="0" smtClean="0"/>
-              <a:t>“GNU” is for “GNU is Not Unix”</a:t>
-            </a:r>
-          </a:p>
-          <a:p>
-            <a:pPr marL="285750"/>
-            <a:r>
-              <a:rPr lang="en-US" sz="2800" dirty="0" smtClean="0"/>
-              <a:t>g++ is the C++ compiler command</a:t>
-            </a:r>
-          </a:p>
-          <a:p>
-            <a:pPr marL="285750"/>
-            <a:r>
-              <a:rPr lang="en-US" sz="2800" dirty="0" err="1" smtClean="0"/>
-              <a:t>gcc</a:t>
-            </a:r>
-            <a:r>
-              <a:rPr lang="en-US" sz="2800" dirty="0" smtClean="0"/>
-              <a:t> is the C compiler command</a:t>
-            </a:r>
-          </a:p>
-          <a:p>
-            <a:pPr marL="285750"/>
-            <a:r>
-              <a:rPr lang="en-US" sz="2800" dirty="0" smtClean="0"/>
-              <a:t>GCC: “</a:t>
-            </a:r>
-            <a:r>
-              <a:rPr lang="en-US" sz="2800" dirty="0" smtClean="0">
-                <a:hlinkClick r:id="rId2"/>
-              </a:rPr>
-              <a:t>GNU compiler collection</a:t>
-            </a:r>
-            <a:r>
-              <a:rPr lang="en-US" sz="2800" dirty="0" smtClean="0"/>
-              <a:t>”</a:t>
-            </a:r>
-            <a:endParaRPr lang="en-US" sz="2800" dirty="0"/>
-          </a:p>
-          <a:p>
             <a:pPr marL="0" indent="0">
               <a:buNone/>
             </a:pPr>
+            <a:r>
+              <a:rPr lang="en-US" sz="1800" b="1" dirty="0" smtClean="0">
+                <a:latin typeface="Consolas" panose="020B0609020204030204" pitchFamily="49" charset="0"/>
+                <a:cs typeface="Consolas" panose="020B0609020204030204" pitchFamily="49" charset="0"/>
+              </a:rPr>
+              <a:t>vs2012</a:t>
+            </a:r>
+            <a:r>
+              <a:rPr lang="en-US" sz="1800" dirty="0" smtClean="0">
+                <a:latin typeface="Consolas" panose="020B0609020204030204" pitchFamily="49" charset="0"/>
+                <a:cs typeface="Consolas" panose="020B0609020204030204" pitchFamily="49" charset="0"/>
+              </a:rPr>
+              <a:t>env: Microsoft </a:t>
+            </a:r>
+            <a:r>
+              <a:rPr lang="en-US" sz="1800" dirty="0">
+                <a:latin typeface="Consolas" panose="020B0609020204030204" pitchFamily="49" charset="0"/>
+                <a:cs typeface="Consolas" panose="020B0609020204030204" pitchFamily="49" charset="0"/>
+              </a:rPr>
+              <a:t>(R) C/C++ Optimizing Compiler Version </a:t>
+            </a:r>
+            <a:r>
+              <a:rPr lang="en-US" sz="1800" b="1" dirty="0">
+                <a:latin typeface="Consolas" panose="020B0609020204030204" pitchFamily="49" charset="0"/>
+                <a:cs typeface="Consolas" panose="020B0609020204030204" pitchFamily="49" charset="0"/>
+              </a:rPr>
+              <a:t>17.00.61030</a:t>
+            </a:r>
+            <a:r>
+              <a:rPr lang="en-US" sz="1800" dirty="0">
+                <a:latin typeface="Consolas" panose="020B0609020204030204" pitchFamily="49" charset="0"/>
+                <a:cs typeface="Consolas" panose="020B0609020204030204" pitchFamily="49" charset="0"/>
+              </a:rPr>
+              <a:t> for </a:t>
+            </a:r>
+            <a:r>
+              <a:rPr lang="en-US" sz="1800" dirty="0" smtClean="0">
+                <a:latin typeface="Consolas" panose="020B0609020204030204" pitchFamily="49" charset="0"/>
+                <a:cs typeface="Consolas" panose="020B0609020204030204" pitchFamily="49" charset="0"/>
+              </a:rPr>
+              <a:t>x86</a:t>
+            </a:r>
             <a:endParaRPr lang="en-US" sz="1800" dirty="0">
               <a:latin typeface="Consolas" panose="020B0609020204030204" pitchFamily="49" charset="0"/>
               <a:cs typeface="Consolas" panose="020B0609020204030204" pitchFamily="49" charset="0"/>
@@ -5686,26 +5525,169 @@
             <a:pPr marL="0" indent="0">
               <a:buNone/>
             </a:pPr>
-            <a:endParaRPr lang="en-US" sz="1800" dirty="0" smtClean="0">
-              <a:latin typeface="Consolas" panose="020B0609020204030204" pitchFamily="49" charset="0"/>
-              <a:cs typeface="Consolas" panose="020B0609020204030204" pitchFamily="49" charset="0"/>
-            </a:endParaRPr>
-          </a:p>
-          <a:p>
-            <a:pPr marL="0" indent="0">
-              <a:buNone/>
-            </a:pPr>
+            <a:r>
+              <a:rPr lang="en-US" sz="1800" dirty="0" smtClean="0">
+                <a:latin typeface="Consolas" panose="020B0609020204030204" pitchFamily="49" charset="0"/>
+                <a:cs typeface="Consolas" panose="020B0609020204030204" pitchFamily="49" charset="0"/>
+              </a:rPr>
+              <a:t>vs</a:t>
+            </a:r>
+            <a:r>
+              <a:rPr lang="en-US" sz="1800" b="1" dirty="0" smtClean="0">
+                <a:latin typeface="Consolas" panose="020B0609020204030204" pitchFamily="49" charset="0"/>
+                <a:cs typeface="Consolas" panose="020B0609020204030204" pitchFamily="49" charset="0"/>
+              </a:rPr>
+              <a:t>2010</a:t>
+            </a:r>
+            <a:r>
+              <a:rPr lang="en-US" sz="1800" dirty="0" smtClean="0">
+                <a:latin typeface="Consolas" panose="020B0609020204030204" pitchFamily="49" charset="0"/>
+                <a:cs typeface="Consolas" panose="020B0609020204030204" pitchFamily="49" charset="0"/>
+              </a:rPr>
+              <a:t>env: Microsoft </a:t>
+            </a:r>
+            <a:r>
+              <a:rPr lang="en-US" sz="1800" dirty="0">
+                <a:latin typeface="Consolas" panose="020B0609020204030204" pitchFamily="49" charset="0"/>
+                <a:cs typeface="Consolas" panose="020B0609020204030204" pitchFamily="49" charset="0"/>
+              </a:rPr>
+              <a:t>(R) 32-bit C/C++ Optimizing Compiler Version </a:t>
+            </a:r>
+            <a:r>
+              <a:rPr lang="en-US" sz="1800" b="1" dirty="0">
+                <a:latin typeface="Consolas" panose="020B0609020204030204" pitchFamily="49" charset="0"/>
+                <a:cs typeface="Consolas" panose="020B0609020204030204" pitchFamily="49" charset="0"/>
+              </a:rPr>
+              <a:t>16.00.40219.01</a:t>
+            </a:r>
+            <a:r>
+              <a:rPr lang="en-US" sz="1800" dirty="0">
+                <a:latin typeface="Consolas" panose="020B0609020204030204" pitchFamily="49" charset="0"/>
+                <a:cs typeface="Consolas" panose="020B0609020204030204" pitchFamily="49" charset="0"/>
+              </a:rPr>
+              <a:t> for </a:t>
+            </a:r>
+            <a:r>
+              <a:rPr lang="en-US" sz="1800" dirty="0" smtClean="0">
+                <a:latin typeface="Consolas" panose="020B0609020204030204" pitchFamily="49" charset="0"/>
+                <a:cs typeface="Consolas" panose="020B0609020204030204" pitchFamily="49" charset="0"/>
+              </a:rPr>
+              <a:t>80x86</a:t>
+            </a:r>
             <a:endParaRPr lang="en-US" sz="1800" dirty="0">
               <a:latin typeface="Consolas" panose="020B0609020204030204" pitchFamily="49" charset="0"/>
               <a:cs typeface="Consolas" panose="020B0609020204030204" pitchFamily="49" charset="0"/>
             </a:endParaRPr>
           </a:p>
+          <a:p>
+            <a:pPr marL="0" indent="0">
+              <a:buNone/>
+            </a:pPr>
+            <a:r>
+              <a:rPr lang="en-US" sz="1800" dirty="0" smtClean="0">
+                <a:latin typeface="Consolas" panose="020B0609020204030204" pitchFamily="49" charset="0"/>
+                <a:cs typeface="Consolas" panose="020B0609020204030204" pitchFamily="49" charset="0"/>
+              </a:rPr>
+              <a:t>vs</a:t>
+            </a:r>
+            <a:r>
+              <a:rPr lang="en-US" sz="1800" b="1" dirty="0" smtClean="0">
+                <a:latin typeface="Consolas" panose="020B0609020204030204" pitchFamily="49" charset="0"/>
+                <a:cs typeface="Consolas" panose="020B0609020204030204" pitchFamily="49" charset="0"/>
+              </a:rPr>
+              <a:t>2008</a:t>
+            </a:r>
+            <a:r>
+              <a:rPr lang="en-US" sz="1800" dirty="0" smtClean="0">
+                <a:latin typeface="Consolas" panose="020B0609020204030204" pitchFamily="49" charset="0"/>
+                <a:cs typeface="Consolas" panose="020B0609020204030204" pitchFamily="49" charset="0"/>
+              </a:rPr>
+              <a:t>env: Microsoft </a:t>
+            </a:r>
+            <a:r>
+              <a:rPr lang="en-US" sz="1800" dirty="0">
+                <a:latin typeface="Consolas" panose="020B0609020204030204" pitchFamily="49" charset="0"/>
+                <a:cs typeface="Consolas" panose="020B0609020204030204" pitchFamily="49" charset="0"/>
+              </a:rPr>
+              <a:t>(R) 32-bit C/C++ Optimizing Compiler </a:t>
+            </a:r>
+            <a:r>
+              <a:rPr lang="en-US" sz="1800" dirty="0" smtClean="0">
+                <a:latin typeface="Consolas" panose="020B0609020204030204" pitchFamily="49" charset="0"/>
+                <a:cs typeface="Consolas" panose="020B0609020204030204" pitchFamily="49" charset="0"/>
+              </a:rPr>
+              <a:t>Version </a:t>
+            </a:r>
+            <a:r>
+              <a:rPr lang="en-US" sz="1800" b="1" dirty="0" smtClean="0">
+                <a:latin typeface="Consolas" panose="020B0609020204030204" pitchFamily="49" charset="0"/>
+                <a:cs typeface="Consolas" panose="020B0609020204030204" pitchFamily="49" charset="0"/>
+              </a:rPr>
+              <a:t>15.00.30729.01</a:t>
+            </a:r>
+            <a:r>
+              <a:rPr lang="en-US" sz="1800" dirty="0" smtClean="0">
+                <a:latin typeface="Consolas" panose="020B0609020204030204" pitchFamily="49" charset="0"/>
+                <a:cs typeface="Consolas" panose="020B0609020204030204" pitchFamily="49" charset="0"/>
+              </a:rPr>
+              <a:t> </a:t>
+            </a:r>
+            <a:r>
+              <a:rPr lang="en-US" sz="1800" dirty="0">
+                <a:latin typeface="Consolas" panose="020B0609020204030204" pitchFamily="49" charset="0"/>
+                <a:cs typeface="Consolas" panose="020B0609020204030204" pitchFamily="49" charset="0"/>
+              </a:rPr>
+              <a:t>for </a:t>
+            </a:r>
+            <a:r>
+              <a:rPr lang="en-US" sz="1800" dirty="0" smtClean="0">
+                <a:latin typeface="Consolas" panose="020B0609020204030204" pitchFamily="49" charset="0"/>
+                <a:cs typeface="Consolas" panose="020B0609020204030204" pitchFamily="49" charset="0"/>
+              </a:rPr>
+              <a:t>80x86</a:t>
+            </a:r>
+          </a:p>
+          <a:p>
+            <a:pPr marL="0" indent="0">
+              <a:buNone/>
+            </a:pPr>
+            <a:r>
+              <a:rPr lang="en-US" sz="1800" dirty="0">
+                <a:latin typeface="Consolas" panose="020B0609020204030204" pitchFamily="49" charset="0"/>
+                <a:cs typeface="Consolas" panose="020B0609020204030204" pitchFamily="49" charset="0"/>
+              </a:rPr>
+              <a:t>vs</a:t>
+            </a:r>
+            <a:r>
+              <a:rPr lang="en-US" sz="1800" b="1" dirty="0">
+                <a:latin typeface="Consolas" panose="020B0609020204030204" pitchFamily="49" charset="0"/>
+                <a:cs typeface="Consolas" panose="020B0609020204030204" pitchFamily="49" charset="0"/>
+              </a:rPr>
+              <a:t>2014</a:t>
+            </a:r>
+            <a:r>
+              <a:rPr lang="en-US" sz="1800" dirty="0">
+                <a:latin typeface="Consolas" panose="020B0609020204030204" pitchFamily="49" charset="0"/>
+                <a:cs typeface="Consolas" panose="020B0609020204030204" pitchFamily="49" charset="0"/>
+              </a:rPr>
+              <a:t>env: Microsoft (R) C/C++ Optimizing Compiler Version 19.00.22129.1 for x86</a:t>
+            </a:r>
+          </a:p>
+          <a:p>
+            <a:pPr marL="0" indent="0">
+              <a:buNone/>
+            </a:pPr>
+            <a:endParaRPr lang="en-US" sz="1800" dirty="0">
+              <a:latin typeface="Consolas" panose="020B0609020204030204" pitchFamily="49" charset="0"/>
+              <a:cs typeface="Consolas" panose="020B0609020204030204" pitchFamily="49" charset="0"/>
+            </a:endParaRPr>
+          </a:p>
         </p:txBody>
       </p:sp>
     </p:spTree>
     <p:extLst>
       <p:ext uri="{BB962C8B-B14F-4D97-AF65-F5344CB8AC3E}">
-        <p14:creationId xmlns:p14="http://schemas.microsoft.com/office/powerpoint/2010/main" val="3151603959"/>
+        <p14:creationId xmlns:p14="http://schemas.microsoft.com/office/powerpoint/2010/main" val="82139143"/>
       </p:ext>
     </p:extLst>
   </p:cSld>
@@ -5755,8 +5737,12 @@
           <a:lstStyle/>
           <a:p>
             <a:r>
-              <a:rPr lang="en-US" dirty="0" smtClean="0"/>
-              <a:t>String Literals: Raw</a:t>
+              <a:rPr lang="en-US" smtClean="0"/>
+              <a:t>MS C/C</a:t>
+            </a:r>
+            <a:r>
+              <a:rPr lang="en-US" dirty="0" smtClean="0"/>
+              <a:t>++ runtime dependencies</a:t>
             </a:r>
             <a:endParaRPr lang="en-US" dirty="0"/>
           </a:p>
@@ -5772,46 +5758,55 @@
             <p:ph idx="1"/>
           </p:nvPr>
         </p:nvSpPr>
-        <p:spPr>
-          <a:xfrm>
-            <a:off x="457200" y="1600200"/>
-            <a:ext cx="8229600" cy="4953000"/>
-          </a:xfrm>
-        </p:spPr>
+        <p:spPr/>
         <p:txBody>
           <a:bodyPr>
-            <a:normAutofit fontScale="85000" lnSpcReduction="20000"/>
+            <a:normAutofit fontScale="62500" lnSpcReduction="20000"/>
           </a:bodyPr>
           <a:lstStyle/>
           <a:p>
-            <a:r>
-              <a:rPr lang="en-US" dirty="0" smtClean="0"/>
-              <a:t>YAY! Needed this from day 1:</a:t>
-            </a:r>
-          </a:p>
-          <a:p>
             <a:pPr marL="0" indent="0">
               <a:buNone/>
             </a:pPr>
-            <a:endParaRPr lang="en-US" dirty="0" smtClean="0"/>
+            <a:r>
+              <a:rPr lang="en-US" dirty="0">
+                <a:latin typeface="Consolas" panose="020B0609020204030204" pitchFamily="49" charset="0"/>
+                <a:cs typeface="Consolas" panose="020B0609020204030204" pitchFamily="49" charset="0"/>
+              </a:rPr>
+              <a:t>c:\apps\vs2013\VC\redist\x64</a:t>
+            </a:r>
+            <a:r>
+              <a:rPr lang="en-US" dirty="0" smtClean="0">
+                <a:latin typeface="Consolas" panose="020B0609020204030204" pitchFamily="49" charset="0"/>
+                <a:cs typeface="Consolas" panose="020B0609020204030204" pitchFamily="49" charset="0"/>
+              </a:rPr>
+              <a:t>&gt; tree </a:t>
+            </a:r>
+            <a:r>
+              <a:rPr lang="en-US" dirty="0">
+                <a:latin typeface="Consolas" panose="020B0609020204030204" pitchFamily="49" charset="0"/>
+                <a:cs typeface="Consolas" panose="020B0609020204030204" pitchFamily="49" charset="0"/>
+              </a:rPr>
+              <a:t>/f /a</a:t>
+            </a:r>
           </a:p>
           <a:p>
             <a:pPr marL="0" indent="0">
               <a:buNone/>
             </a:pPr>
             <a:r>
-              <a:rPr lang="en-US" sz="2100" dirty="0" smtClean="0">
-                <a:latin typeface="Consolas" panose="020B0609020204030204" pitchFamily="49" charset="0"/>
-                <a:cs typeface="Consolas" panose="020B0609020204030204" pitchFamily="49" charset="0"/>
-              </a:rPr>
-              <a:t>  #</a:t>
-            </a:r>
-            <a:r>
-              <a:rPr lang="en-US" sz="2100" dirty="0">
-                <a:latin typeface="Consolas" panose="020B0609020204030204" pitchFamily="49" charset="0"/>
-                <a:cs typeface="Consolas" panose="020B0609020204030204" pitchFamily="49" charset="0"/>
-              </a:rPr>
-              <a:t>include &lt;string&gt;</a:t>
+              <a:rPr lang="en-US" dirty="0" smtClean="0">
+                <a:latin typeface="Consolas" panose="020B0609020204030204" pitchFamily="49" charset="0"/>
+                <a:cs typeface="Consolas" panose="020B0609020204030204" pitchFamily="49" charset="0"/>
+              </a:rPr>
+              <a:t>+---</a:t>
+            </a:r>
+            <a:r>
+              <a:rPr lang="en-US" dirty="0">
+                <a:latin typeface="Consolas" panose="020B0609020204030204" pitchFamily="49" charset="0"/>
+                <a:cs typeface="Consolas" panose="020B0609020204030204" pitchFamily="49" charset="0"/>
+              </a:rPr>
+              <a:t>Microsoft.VC120.CRT</a:t>
             </a:r>
           </a:p>
           <a:p>
@@ -5819,137 +5814,63 @@
               <a:buNone/>
             </a:pPr>
             <a:r>
-              <a:rPr lang="en-US" sz="2100" dirty="0" smtClean="0">
-                <a:latin typeface="Consolas" panose="020B0609020204030204" pitchFamily="49" charset="0"/>
-                <a:cs typeface="Consolas" panose="020B0609020204030204" pitchFamily="49" charset="0"/>
-              </a:rPr>
-              <a:t>  #</a:t>
-            </a:r>
-            <a:r>
-              <a:rPr lang="en-US" sz="2100" dirty="0">
-                <a:latin typeface="Consolas" panose="020B0609020204030204" pitchFamily="49" charset="0"/>
-                <a:cs typeface="Consolas" panose="020B0609020204030204" pitchFamily="49" charset="0"/>
-              </a:rPr>
-              <a:t>include &lt;</a:t>
-            </a:r>
-            <a:r>
-              <a:rPr lang="en-US" sz="2100" dirty="0" err="1">
-                <a:latin typeface="Consolas" panose="020B0609020204030204" pitchFamily="49" charset="0"/>
-                <a:cs typeface="Consolas" panose="020B0609020204030204" pitchFamily="49" charset="0"/>
-              </a:rPr>
-              <a:t>iostream</a:t>
-            </a:r>
-            <a:r>
-              <a:rPr lang="en-US" sz="2100" dirty="0">
-                <a:latin typeface="Consolas" panose="020B0609020204030204" pitchFamily="49" charset="0"/>
-                <a:cs typeface="Consolas" panose="020B0609020204030204" pitchFamily="49" charset="0"/>
-              </a:rPr>
-              <a:t>&gt;</a:t>
-            </a:r>
-          </a:p>
-          <a:p>
-            <a:pPr marL="0" indent="0">
-              <a:buNone/>
-            </a:pPr>
-            <a:r>
-              <a:rPr lang="en-US" sz="2100" dirty="0" smtClean="0">
-                <a:latin typeface="Consolas" panose="020B0609020204030204" pitchFamily="49" charset="0"/>
-                <a:cs typeface="Consolas" panose="020B0609020204030204" pitchFamily="49" charset="0"/>
-              </a:rPr>
-              <a:t>  </a:t>
-            </a:r>
-            <a:r>
-              <a:rPr lang="en-US" sz="2100" dirty="0" err="1" smtClean="0">
-                <a:latin typeface="Consolas" panose="020B0609020204030204" pitchFamily="49" charset="0"/>
-                <a:cs typeface="Consolas" panose="020B0609020204030204" pitchFamily="49" charset="0"/>
-              </a:rPr>
-              <a:t>int</a:t>
-            </a:r>
-            <a:r>
-              <a:rPr lang="en-US" sz="2100" dirty="0" smtClean="0">
-                <a:latin typeface="Consolas" panose="020B0609020204030204" pitchFamily="49" charset="0"/>
-                <a:cs typeface="Consolas" panose="020B0609020204030204" pitchFamily="49" charset="0"/>
-              </a:rPr>
-              <a:t> </a:t>
-            </a:r>
-            <a:r>
-              <a:rPr lang="en-US" sz="2100" dirty="0">
-                <a:latin typeface="Consolas" panose="020B0609020204030204" pitchFamily="49" charset="0"/>
-                <a:cs typeface="Consolas" panose="020B0609020204030204" pitchFamily="49" charset="0"/>
-              </a:rPr>
-              <a:t>main() {</a:t>
-            </a:r>
-          </a:p>
-          <a:p>
-            <a:pPr marL="0" indent="0">
-              <a:buNone/>
-            </a:pPr>
-            <a:r>
-              <a:rPr lang="en-US" sz="2100" dirty="0" smtClean="0">
-                <a:latin typeface="Consolas" panose="020B0609020204030204" pitchFamily="49" charset="0"/>
-                <a:cs typeface="Consolas" panose="020B0609020204030204" pitchFamily="49" charset="0"/>
-              </a:rPr>
-              <a:t>    </a:t>
-            </a:r>
-            <a:r>
-              <a:rPr lang="en-US" sz="2100" dirty="0" err="1" smtClean="0">
-                <a:latin typeface="Consolas" panose="020B0609020204030204" pitchFamily="49" charset="0"/>
-                <a:cs typeface="Consolas" panose="020B0609020204030204" pitchFamily="49" charset="0"/>
-              </a:rPr>
-              <a:t>std</a:t>
-            </a:r>
-            <a:r>
-              <a:rPr lang="en-US" sz="2100" dirty="0">
-                <a:latin typeface="Consolas" panose="020B0609020204030204" pitchFamily="49" charset="0"/>
-                <a:cs typeface="Consolas" panose="020B0609020204030204" pitchFamily="49" charset="0"/>
-              </a:rPr>
-              <a:t>::string s = </a:t>
-            </a:r>
-            <a:r>
-              <a:rPr lang="en-US" sz="2100" dirty="0">
+              <a:rPr lang="en-US" dirty="0">
+                <a:latin typeface="Consolas" panose="020B0609020204030204" pitchFamily="49" charset="0"/>
+                <a:cs typeface="Consolas" panose="020B0609020204030204" pitchFamily="49" charset="0"/>
+              </a:rPr>
+              <a:t>|       </a:t>
+            </a:r>
+            <a:r>
+              <a:rPr lang="en-US" b="1" dirty="0" smtClean="0">
                 <a:solidFill>
                   <a:srgbClr val="FF0000"/>
                 </a:solidFill>
                 <a:latin typeface="Consolas" panose="020B0609020204030204" pitchFamily="49" charset="0"/>
                 <a:cs typeface="Consolas" panose="020B0609020204030204" pitchFamily="49" charset="0"/>
               </a:rPr>
-              <a:t>R</a:t>
-            </a:r>
-            <a:r>
-              <a:rPr lang="en-US" sz="2100" dirty="0" smtClean="0">
+              <a:t>msvcp120.dll</a:t>
+            </a:r>
+            <a:r>
+              <a:rPr lang="en-US" dirty="0" smtClean="0">
+                <a:latin typeface="Consolas" panose="020B0609020204030204" pitchFamily="49" charset="0"/>
+                <a:cs typeface="Consolas" panose="020B0609020204030204" pitchFamily="49" charset="0"/>
+              </a:rPr>
+              <a:t>	// C++ runtime</a:t>
+            </a:r>
+            <a:endParaRPr lang="en-US" dirty="0">
+              <a:latin typeface="Consolas" panose="020B0609020204030204" pitchFamily="49" charset="0"/>
+              <a:cs typeface="Consolas" panose="020B0609020204030204" pitchFamily="49" charset="0"/>
+            </a:endParaRPr>
+          </a:p>
+          <a:p>
+            <a:pPr marL="0" indent="0">
+              <a:buNone/>
+            </a:pPr>
+            <a:r>
+              <a:rPr lang="en-US" dirty="0">
+                <a:latin typeface="Consolas" panose="020B0609020204030204" pitchFamily="49" charset="0"/>
+                <a:cs typeface="Consolas" panose="020B0609020204030204" pitchFamily="49" charset="0"/>
+              </a:rPr>
+              <a:t>|       </a:t>
+            </a:r>
+            <a:r>
+              <a:rPr lang="en-US" b="1" dirty="0" smtClean="0">
                 <a:solidFill>
                   <a:srgbClr val="FF0000"/>
                 </a:solidFill>
                 <a:latin typeface="Consolas" panose="020B0609020204030204" pitchFamily="49" charset="0"/>
                 <a:cs typeface="Consolas" panose="020B0609020204030204" pitchFamily="49" charset="0"/>
               </a:rPr>
-              <a:t>"#(</a:t>
-            </a:r>
-            <a:r>
-              <a:rPr lang="en-US" sz="2100" dirty="0" smtClean="0">
-                <a:latin typeface="Consolas" panose="020B0609020204030204" pitchFamily="49" charset="0"/>
-                <a:cs typeface="Consolas" panose="020B0609020204030204" pitchFamily="49" charset="0"/>
-              </a:rPr>
-              <a:t>\&gt;%^\t\n&amp;*(&lt;</a:t>
-            </a:r>
-            <a:r>
-              <a:rPr lang="en-US" sz="2100" dirty="0" smtClean="0">
-                <a:solidFill>
-                  <a:srgbClr val="FF0000"/>
-                </a:solidFill>
-                <a:latin typeface="Consolas" panose="020B0609020204030204" pitchFamily="49" charset="0"/>
-                <a:cs typeface="Consolas" panose="020B0609020204030204" pitchFamily="49" charset="0"/>
-              </a:rPr>
-              <a:t>)#"</a:t>
-            </a:r>
-            <a:r>
-              <a:rPr lang="en-US" sz="2100" dirty="0" smtClean="0">
-                <a:latin typeface="Consolas" panose="020B0609020204030204" pitchFamily="49" charset="0"/>
-                <a:cs typeface="Consolas" panose="020B0609020204030204" pitchFamily="49" charset="0"/>
-              </a:rPr>
-              <a:t>;</a:t>
-            </a:r>
-            <a:endParaRPr lang="en-US" sz="2100" dirty="0">
+              <a:t>msvcr120.dll</a:t>
+            </a:r>
+            <a:r>
+              <a:rPr lang="en-US" dirty="0" smtClean="0">
+                <a:latin typeface="Consolas" panose="020B0609020204030204" pitchFamily="49" charset="0"/>
+                <a:cs typeface="Consolas" panose="020B0609020204030204" pitchFamily="49" charset="0"/>
+              </a:rPr>
+              <a:t>	// C runtime</a:t>
+            </a:r>
+            <a:endParaRPr lang="en-US" dirty="0">
               <a:latin typeface="Consolas" panose="020B0609020204030204" pitchFamily="49" charset="0"/>
               <a:cs typeface="Consolas" panose="020B0609020204030204" pitchFamily="49" charset="0"/>
             </a:endParaRPr>
@@ -5959,126 +5880,20 @@
               <a:buNone/>
             </a:pPr>
             <a:r>
-              <a:rPr lang="en-US" sz="2100" dirty="0" smtClean="0">
-                <a:latin typeface="Consolas" panose="020B0609020204030204" pitchFamily="49" charset="0"/>
-                <a:cs typeface="Consolas" panose="020B0609020204030204" pitchFamily="49" charset="0"/>
-              </a:rPr>
-              <a:t>    </a:t>
-            </a:r>
-            <a:r>
-              <a:rPr lang="en-US" sz="2100" dirty="0" err="1" smtClean="0">
-                <a:latin typeface="Consolas" panose="020B0609020204030204" pitchFamily="49" charset="0"/>
-                <a:cs typeface="Consolas" panose="020B0609020204030204" pitchFamily="49" charset="0"/>
-              </a:rPr>
-              <a:t>std</a:t>
-            </a:r>
-            <a:r>
-              <a:rPr lang="en-US" sz="2100" dirty="0">
-                <a:latin typeface="Consolas" panose="020B0609020204030204" pitchFamily="49" charset="0"/>
-                <a:cs typeface="Consolas" panose="020B0609020204030204" pitchFamily="49" charset="0"/>
-              </a:rPr>
-              <a:t>::</a:t>
-            </a:r>
-            <a:r>
-              <a:rPr lang="en-US" sz="2100" dirty="0" err="1">
-                <a:latin typeface="Consolas" panose="020B0609020204030204" pitchFamily="49" charset="0"/>
-                <a:cs typeface="Consolas" panose="020B0609020204030204" pitchFamily="49" charset="0"/>
-              </a:rPr>
-              <a:t>cout</a:t>
-            </a:r>
-            <a:r>
-              <a:rPr lang="en-US" sz="2100" dirty="0">
-                <a:latin typeface="Consolas" panose="020B0609020204030204" pitchFamily="49" charset="0"/>
-                <a:cs typeface="Consolas" panose="020B0609020204030204" pitchFamily="49" charset="0"/>
-              </a:rPr>
-              <a:t> &lt;&lt; s &lt;&lt; </a:t>
-            </a:r>
-            <a:r>
-              <a:rPr lang="en-US" sz="2100" dirty="0" err="1">
-                <a:latin typeface="Consolas" panose="020B0609020204030204" pitchFamily="49" charset="0"/>
-                <a:cs typeface="Consolas" panose="020B0609020204030204" pitchFamily="49" charset="0"/>
-              </a:rPr>
-              <a:t>std</a:t>
-            </a:r>
-            <a:r>
-              <a:rPr lang="en-US" sz="2100" dirty="0">
-                <a:latin typeface="Consolas" panose="020B0609020204030204" pitchFamily="49" charset="0"/>
-                <a:cs typeface="Consolas" panose="020B0609020204030204" pitchFamily="49" charset="0"/>
-              </a:rPr>
-              <a:t>::</a:t>
-            </a:r>
-            <a:r>
-              <a:rPr lang="en-US" sz="2100" dirty="0" err="1">
-                <a:latin typeface="Consolas" panose="020B0609020204030204" pitchFamily="49" charset="0"/>
-                <a:cs typeface="Consolas" panose="020B0609020204030204" pitchFamily="49" charset="0"/>
-              </a:rPr>
-              <a:t>endl</a:t>
-            </a:r>
-            <a:r>
-              <a:rPr lang="en-US" sz="2100" dirty="0">
-                <a:latin typeface="Consolas" panose="020B0609020204030204" pitchFamily="49" charset="0"/>
-                <a:cs typeface="Consolas" panose="020B0609020204030204" pitchFamily="49" charset="0"/>
-              </a:rPr>
-              <a:t>;</a:t>
-            </a:r>
-          </a:p>
-          <a:p>
-            <a:pPr marL="0" indent="0">
-              <a:buNone/>
-            </a:pPr>
-            <a:r>
-              <a:rPr lang="en-US" sz="2100" dirty="0" smtClean="0">
-                <a:latin typeface="Consolas" panose="020B0609020204030204" pitchFamily="49" charset="0"/>
-                <a:cs typeface="Consolas" panose="020B0609020204030204" pitchFamily="49" charset="0"/>
-              </a:rPr>
-              <a:t>    s </a:t>
-            </a:r>
-            <a:r>
-              <a:rPr lang="en-US" sz="2100" dirty="0">
-                <a:latin typeface="Consolas" panose="020B0609020204030204" pitchFamily="49" charset="0"/>
-                <a:cs typeface="Consolas" panose="020B0609020204030204" pitchFamily="49" charset="0"/>
-              </a:rPr>
-              <a:t>= </a:t>
-            </a:r>
-            <a:r>
-              <a:rPr lang="en-US" sz="2100" dirty="0" err="1">
-                <a:solidFill>
-                  <a:srgbClr val="FF0000"/>
-                </a:solidFill>
-                <a:latin typeface="Consolas" panose="020B0609020204030204" pitchFamily="49" charset="0"/>
-                <a:cs typeface="Consolas" panose="020B0609020204030204" pitchFamily="49" charset="0"/>
-              </a:rPr>
-              <a:t>R"gobbledygook</a:t>
-            </a:r>
-            <a:r>
-              <a:rPr lang="en-US" sz="2100" dirty="0">
-                <a:latin typeface="Consolas" panose="020B0609020204030204" pitchFamily="49" charset="0"/>
-                <a:cs typeface="Consolas" panose="020B0609020204030204" pitchFamily="49" charset="0"/>
-              </a:rPr>
-              <a:t>(a raw string literal </a:t>
-            </a:r>
-            <a:r>
-              <a:rPr lang="en-US" sz="2100">
-                <a:latin typeface="Consolas" panose="020B0609020204030204" pitchFamily="49" charset="0"/>
-                <a:cs typeface="Consolas" panose="020B0609020204030204" pitchFamily="49" charset="0"/>
-              </a:rPr>
-              <a:t>with "</a:t>
-            </a:r>
-            <a:r>
-              <a:rPr lang="en-US" sz="2100" smtClean="0">
-                <a:latin typeface="Consolas" panose="020B0609020204030204" pitchFamily="49" charset="0"/>
-                <a:cs typeface="Consolas" panose="020B0609020204030204" pitchFamily="49" charset="0"/>
-              </a:rPr>
-              <a:t>gobbledygook</a:t>
-            </a:r>
-            <a:r>
-              <a:rPr lang="en-US" sz="2100" dirty="0">
-                <a:latin typeface="Consolas" panose="020B0609020204030204" pitchFamily="49" charset="0"/>
-                <a:cs typeface="Consolas" panose="020B0609020204030204" pitchFamily="49" charset="0"/>
-              </a:rPr>
-              <a:t>"</a:t>
-            </a:r>
-            <a:endParaRPr lang="en-US" sz="2100" dirty="0" smtClean="0">
+              <a:rPr lang="en-US" dirty="0">
+                <a:latin typeface="Consolas" panose="020B0609020204030204" pitchFamily="49" charset="0"/>
+                <a:cs typeface="Consolas" panose="020B0609020204030204" pitchFamily="49" charset="0"/>
+              </a:rPr>
+              <a:t>|       </a:t>
+            </a:r>
+            <a:r>
+              <a:rPr lang="en-US" dirty="0" smtClean="0">
+                <a:latin typeface="Consolas" panose="020B0609020204030204" pitchFamily="49" charset="0"/>
+                <a:cs typeface="Consolas" panose="020B0609020204030204" pitchFamily="49" charset="0"/>
+              </a:rPr>
+              <a:t>vccorlib120.dll 	// C++/CLI</a:t>
+            </a:r>
+            <a:endParaRPr lang="en-US" dirty="0">
               <a:latin typeface="Consolas" panose="020B0609020204030204" pitchFamily="49" charset="0"/>
               <a:cs typeface="Consolas" panose="020B0609020204030204" pitchFamily="49" charset="0"/>
             </a:endParaRPr>
@@ -6088,38 +5903,18 @@
               <a:buNone/>
             </a:pPr>
             <a:r>
-              <a:rPr lang="en-US" sz="2100" dirty="0" smtClean="0">
-                <a:latin typeface="Consolas" panose="020B0609020204030204" pitchFamily="49" charset="0"/>
-                <a:cs typeface="Consolas" panose="020B0609020204030204" pitchFamily="49" charset="0"/>
-              </a:rPr>
-              <a:t>        as the delimiter</a:t>
-            </a:r>
-            <a:r>
-              <a:rPr lang="en-US" sz="2100" dirty="0" smtClean="0">
-                <a:solidFill>
-                  <a:srgbClr val="FF0000"/>
-                </a:solidFill>
-                <a:latin typeface="Consolas" panose="020B0609020204030204" pitchFamily="49" charset="0"/>
-                <a:cs typeface="Consolas" panose="020B0609020204030204" pitchFamily="49" charset="0"/>
-              </a:rPr>
-              <a:t>)gobbledygook</a:t>
-            </a:r>
-            <a:r>
-              <a:rPr lang="en-US" sz="2100" dirty="0">
-                <a:solidFill>
-                  <a:srgbClr val="FF0000"/>
-                </a:solidFill>
-                <a:latin typeface="Consolas" panose="020B0609020204030204" pitchFamily="49" charset="0"/>
-                <a:cs typeface="Consolas" panose="020B0609020204030204" pitchFamily="49" charset="0"/>
-              </a:rPr>
-              <a:t>"</a:t>
-            </a:r>
-            <a:r>
-              <a:rPr lang="en-US" sz="2100" dirty="0">
-                <a:latin typeface="Consolas" panose="020B0609020204030204" pitchFamily="49" charset="0"/>
-                <a:cs typeface="Consolas" panose="020B0609020204030204" pitchFamily="49" charset="0"/>
-              </a:rPr>
-              <a:t>;</a:t>
+              <a:rPr lang="en-US" dirty="0" smtClean="0">
+                <a:latin typeface="Consolas" panose="020B0609020204030204" pitchFamily="49" charset="0"/>
+                <a:cs typeface="Consolas" panose="020B0609020204030204" pitchFamily="49" charset="0"/>
+              </a:rPr>
+              <a:t>+---</a:t>
+            </a:r>
+            <a:r>
+              <a:rPr lang="en-US" dirty="0">
+                <a:latin typeface="Consolas" panose="020B0609020204030204" pitchFamily="49" charset="0"/>
+                <a:cs typeface="Consolas" panose="020B0609020204030204" pitchFamily="49" charset="0"/>
+              </a:rPr>
+              <a:t>Microsoft.VC120.CXXAMP</a:t>
             </a:r>
           </a:p>
           <a:p>
@@ -6127,67 +5922,11 @@
               <a:buNone/>
             </a:pPr>
             <a:r>
-              <a:rPr lang="en-US" sz="2100" dirty="0" smtClean="0">
-                <a:latin typeface="Consolas" panose="020B0609020204030204" pitchFamily="49" charset="0"/>
-                <a:cs typeface="Consolas" panose="020B0609020204030204" pitchFamily="49" charset="0"/>
-              </a:rPr>
-              <a:t>    </a:t>
-            </a:r>
-            <a:r>
-              <a:rPr lang="en-US" sz="2100" dirty="0" err="1" smtClean="0">
-                <a:latin typeface="Consolas" panose="020B0609020204030204" pitchFamily="49" charset="0"/>
-                <a:cs typeface="Consolas" panose="020B0609020204030204" pitchFamily="49" charset="0"/>
-              </a:rPr>
-              <a:t>std</a:t>
-            </a:r>
-            <a:r>
-              <a:rPr lang="en-US" sz="2100" dirty="0">
-                <a:latin typeface="Consolas" panose="020B0609020204030204" pitchFamily="49" charset="0"/>
-                <a:cs typeface="Consolas" panose="020B0609020204030204" pitchFamily="49" charset="0"/>
-              </a:rPr>
-              <a:t>::</a:t>
-            </a:r>
-            <a:r>
-              <a:rPr lang="en-US" sz="2100" dirty="0" err="1">
-                <a:latin typeface="Consolas" panose="020B0609020204030204" pitchFamily="49" charset="0"/>
-                <a:cs typeface="Consolas" panose="020B0609020204030204" pitchFamily="49" charset="0"/>
-              </a:rPr>
-              <a:t>cout</a:t>
-            </a:r>
-            <a:r>
-              <a:rPr lang="en-US" sz="2100" dirty="0">
-                <a:latin typeface="Consolas" panose="020B0609020204030204" pitchFamily="49" charset="0"/>
-                <a:cs typeface="Consolas" panose="020B0609020204030204" pitchFamily="49" charset="0"/>
-              </a:rPr>
-              <a:t> &lt;&lt; s &lt;&lt; </a:t>
-            </a:r>
-            <a:r>
-              <a:rPr lang="en-US" sz="2100" dirty="0" err="1">
-                <a:latin typeface="Consolas" panose="020B0609020204030204" pitchFamily="49" charset="0"/>
-                <a:cs typeface="Consolas" panose="020B0609020204030204" pitchFamily="49" charset="0"/>
-              </a:rPr>
-              <a:t>std</a:t>
-            </a:r>
-            <a:r>
-              <a:rPr lang="en-US" sz="2100" dirty="0">
-                <a:latin typeface="Consolas" panose="020B0609020204030204" pitchFamily="49" charset="0"/>
-                <a:cs typeface="Consolas" panose="020B0609020204030204" pitchFamily="49" charset="0"/>
-              </a:rPr>
-              <a:t>::</a:t>
-            </a:r>
-            <a:r>
-              <a:rPr lang="en-US" sz="2100" dirty="0" err="1">
-                <a:latin typeface="Consolas" panose="020B0609020204030204" pitchFamily="49" charset="0"/>
-                <a:cs typeface="Consolas" panose="020B0609020204030204" pitchFamily="49" charset="0"/>
-              </a:rPr>
-              <a:t>endl</a:t>
-            </a:r>
-            <a:r>
-              <a:rPr lang="en-US" sz="2100" dirty="0">
-                <a:latin typeface="Consolas" panose="020B0609020204030204" pitchFamily="49" charset="0"/>
-                <a:cs typeface="Consolas" panose="020B0609020204030204" pitchFamily="49" charset="0"/>
-              </a:rPr>
-              <a:t>;</a:t>
+              <a:rPr lang="en-US" dirty="0">
+                <a:latin typeface="Consolas" panose="020B0609020204030204" pitchFamily="49" charset="0"/>
+                <a:cs typeface="Consolas" panose="020B0609020204030204" pitchFamily="49" charset="0"/>
+              </a:rPr>
+              <a:t>|       vcamp120.dll</a:t>
             </a:r>
           </a:p>
           <a:p>
@@ -6195,18 +5934,18 @@
               <a:buNone/>
             </a:pPr>
             <a:r>
-              <a:rPr lang="en-US" sz="2100" dirty="0" smtClean="0">
-                <a:latin typeface="Consolas" panose="020B0609020204030204" pitchFamily="49" charset="0"/>
-                <a:cs typeface="Consolas" panose="020B0609020204030204" pitchFamily="49" charset="0"/>
-              </a:rPr>
-              <a:t>    return </a:t>
-            </a:r>
-            <a:r>
-              <a:rPr lang="en-US" sz="2100" dirty="0">
-                <a:latin typeface="Consolas" panose="020B0609020204030204" pitchFamily="49" charset="0"/>
-                <a:cs typeface="Consolas" panose="020B0609020204030204" pitchFamily="49" charset="0"/>
-              </a:rPr>
-              <a:t>0;</a:t>
+              <a:rPr lang="en-US" dirty="0" smtClean="0">
+                <a:latin typeface="Consolas" panose="020B0609020204030204" pitchFamily="49" charset="0"/>
+                <a:cs typeface="Consolas" panose="020B0609020204030204" pitchFamily="49" charset="0"/>
+              </a:rPr>
+              <a:t>+---</a:t>
+            </a:r>
+            <a:r>
+              <a:rPr lang="en-US" dirty="0">
+                <a:latin typeface="Consolas" panose="020B0609020204030204" pitchFamily="49" charset="0"/>
+                <a:cs typeface="Consolas" panose="020B0609020204030204" pitchFamily="49" charset="0"/>
+              </a:rPr>
+              <a:t>Microsoft.VC120.MFC</a:t>
             </a:r>
           </a:p>
           <a:p>
@@ -6214,18 +5953,77 @@
               <a:buNone/>
             </a:pPr>
             <a:r>
-              <a:rPr lang="en-US" sz="2100" dirty="0" smtClean="0">
-                <a:latin typeface="Consolas" panose="020B0609020204030204" pitchFamily="49" charset="0"/>
-                <a:cs typeface="Consolas" panose="020B0609020204030204" pitchFamily="49" charset="0"/>
-              </a:rPr>
-              <a:t>  }</a:t>
+              <a:rPr lang="en-US" dirty="0">
+                <a:latin typeface="Consolas" panose="020B0609020204030204" pitchFamily="49" charset="0"/>
+                <a:cs typeface="Consolas" panose="020B0609020204030204" pitchFamily="49" charset="0"/>
+              </a:rPr>
+              <a:t>|       mfc120u.dll</a:t>
             </a:r>
           </a:p>
           <a:p>
             <a:pPr marL="0" indent="0">
               <a:buNone/>
             </a:pPr>
-            <a:endParaRPr lang="en-US" sz="2000" dirty="0">
+            <a:r>
+              <a:rPr lang="en-US" dirty="0">
+                <a:latin typeface="Consolas" panose="020B0609020204030204" pitchFamily="49" charset="0"/>
+                <a:cs typeface="Consolas" panose="020B0609020204030204" pitchFamily="49" charset="0"/>
+              </a:rPr>
+              <a:t>|       mfcm120u.dll</a:t>
+            </a:r>
+          </a:p>
+          <a:p>
+            <a:pPr marL="0" indent="0">
+              <a:buNone/>
+            </a:pPr>
+            <a:r>
+              <a:rPr lang="en-US" dirty="0" smtClean="0">
+                <a:latin typeface="Consolas" panose="020B0609020204030204" pitchFamily="49" charset="0"/>
+                <a:cs typeface="Consolas" panose="020B0609020204030204" pitchFamily="49" charset="0"/>
+              </a:rPr>
+              <a:t>+---</a:t>
+            </a:r>
+            <a:r>
+              <a:rPr lang="en-US" dirty="0">
+                <a:latin typeface="Consolas" panose="020B0609020204030204" pitchFamily="49" charset="0"/>
+                <a:cs typeface="Consolas" panose="020B0609020204030204" pitchFamily="49" charset="0"/>
+              </a:rPr>
+              <a:t>Microsoft.VC120.MFCLOC</a:t>
+            </a:r>
+          </a:p>
+          <a:p>
+            <a:pPr marL="0" indent="0">
+              <a:buNone/>
+            </a:pPr>
+            <a:r>
+              <a:rPr lang="en-US" dirty="0">
+                <a:latin typeface="Consolas" panose="020B0609020204030204" pitchFamily="49" charset="0"/>
+                <a:cs typeface="Consolas" panose="020B0609020204030204" pitchFamily="49" charset="0"/>
+              </a:rPr>
+              <a:t>|       </a:t>
+            </a:r>
+            <a:r>
+              <a:rPr lang="en-US" dirty="0" smtClean="0">
+                <a:latin typeface="Consolas" panose="020B0609020204030204" pitchFamily="49" charset="0"/>
+                <a:cs typeface="Consolas" panose="020B0609020204030204" pitchFamily="49" charset="0"/>
+              </a:rPr>
+              <a:t>//</a:t>
+            </a:r>
+            <a:r>
+              <a:rPr lang="en-US" dirty="0" err="1" smtClean="0">
+                <a:latin typeface="Consolas" panose="020B0609020204030204" pitchFamily="49" charset="0"/>
+                <a:cs typeface="Consolas" panose="020B0609020204030204" pitchFamily="49" charset="0"/>
+              </a:rPr>
+              <a:t>mfc</a:t>
+            </a:r>
+            <a:r>
+              <a:rPr lang="en-US" dirty="0" smtClean="0">
+                <a:latin typeface="Consolas" panose="020B0609020204030204" pitchFamily="49" charset="0"/>
+                <a:cs typeface="Consolas" panose="020B0609020204030204" pitchFamily="49" charset="0"/>
+              </a:rPr>
+              <a:t> localized stuff</a:t>
+            </a:r>
+            <a:endParaRPr lang="en-US" dirty="0">
               <a:latin typeface="Consolas" panose="020B0609020204030204" pitchFamily="49" charset="0"/>
               <a:cs typeface="Consolas" panose="020B0609020204030204" pitchFamily="49" charset="0"/>
             </a:endParaRPr>
@@ -6235,12 +6033,18 @@
               <a:buNone/>
             </a:pPr>
             <a:r>
-              <a:rPr lang="en-US" sz="2800" dirty="0"/>
-              <a:t>\&gt;%^\t\n</a:t>
-            </a:r>
-            <a:r>
-              <a:rPr lang="en-US" sz="2800" dirty="0" smtClean="0"/>
-              <a:t>&amp;*(&lt;</a:t>
+              <a:rPr lang="en-US" dirty="0" smtClean="0">
+                <a:latin typeface="Consolas" panose="020B0609020204030204" pitchFamily="49" charset="0"/>
+                <a:cs typeface="Consolas" panose="020B0609020204030204" pitchFamily="49" charset="0"/>
+              </a:rPr>
+              <a:t>\---</a:t>
+            </a:r>
+            <a:r>
+              <a:rPr lang="en-US" dirty="0">
+                <a:latin typeface="Consolas" panose="020B0609020204030204" pitchFamily="49" charset="0"/>
+                <a:cs typeface="Consolas" panose="020B0609020204030204" pitchFamily="49" charset="0"/>
+              </a:rPr>
+              <a:t>Microsoft.VC120.OpenMP</a:t>
             </a:r>
           </a:p>
           <a:p>
@@ -6248,38 +6052,25 @@
               <a:buNone/>
             </a:pPr>
             <a:r>
-              <a:rPr lang="en-US" sz="2800" dirty="0"/>
-              <a:t>a raw string literal with "gobbledygook" as the delimiter</a:t>
-            </a:r>
-            <a:endParaRPr lang="en-US" sz="2800" dirty="0" smtClean="0">
-              <a:latin typeface="Consolas" panose="020B0609020204030204" pitchFamily="49" charset="0"/>
-              <a:cs typeface="Consolas" panose="020B0609020204030204" pitchFamily="49" charset="0"/>
-            </a:endParaRPr>
+              <a:rPr lang="en-US" dirty="0">
+                <a:latin typeface="Consolas" panose="020B0609020204030204" pitchFamily="49" charset="0"/>
+                <a:cs typeface="Consolas" panose="020B0609020204030204" pitchFamily="49" charset="0"/>
+              </a:rPr>
+              <a:t>        vcomp120.dll</a:t>
+            </a:r>
           </a:p>
           <a:p>
             <a:pPr marL="0" indent="0">
               <a:buNone/>
             </a:pPr>
-            <a:endParaRPr lang="en-US" dirty="0" smtClean="0">
-              <a:latin typeface="Consolas" panose="020B0609020204030204" pitchFamily="49" charset="0"/>
-              <a:cs typeface="Consolas" panose="020B0609020204030204" pitchFamily="49" charset="0"/>
-            </a:endParaRPr>
-          </a:p>
-          <a:p>
-            <a:pPr marL="0" indent="0">
-              <a:buNone/>
-            </a:pPr>
-            <a:endParaRPr lang="en-US" sz="2000" dirty="0">
-              <a:latin typeface="Consolas" panose="020B0609020204030204" pitchFamily="49" charset="0"/>
-              <a:cs typeface="Consolas" panose="020B0609020204030204" pitchFamily="49" charset="0"/>
-            </a:endParaRPr>
+            <a:endParaRPr lang="en-US" dirty="0"/>
           </a:p>
         </p:txBody>
       </p:sp>
     </p:spTree>
     <p:extLst>
       <p:ext uri="{BB962C8B-B14F-4D97-AF65-F5344CB8AC3E}">
-        <p14:creationId xmlns:p14="http://schemas.microsoft.com/office/powerpoint/2010/main" val="617387278"/>
+        <p14:creationId xmlns:p14="http://schemas.microsoft.com/office/powerpoint/2010/main" val="2368571093"/>
       </p:ext>
     </p:extLst>
   </p:cSld>
@@ -6329,8 +6120,8 @@
           <a:lstStyle/>
           <a:p>
             <a:r>
-              <a:rPr lang="en-US" dirty="0" smtClean="0"/>
-              <a:t>Smart Pointers</a:t>
+              <a:rPr lang="en-US" smtClean="0"/>
+              <a:t>Which C++ compiler?</a:t>
             </a:r>
             <a:endParaRPr lang="en-US" dirty="0"/>
           </a:p>
@@ -6348,70 +6139,206 @@
         </p:nvSpPr>
         <p:spPr/>
         <p:txBody>
-          <a:bodyPr/>
-          <a:lstStyle/>
-          <a:p>
-            <a:r>
-              <a:rPr lang="en-US" dirty="0" err="1" smtClean="0">
-                <a:latin typeface="Consolas" panose="020B0609020204030204" pitchFamily="49" charset="0"/>
-                <a:cs typeface="Consolas" panose="020B0609020204030204" pitchFamily="49" charset="0"/>
-              </a:rPr>
-              <a:t>auto_ptr</a:t>
-            </a:r>
-            <a:r>
-              <a:rPr lang="en-US" dirty="0" smtClean="0"/>
-              <a:t> is deprecated. Do not use it.</a:t>
-            </a:r>
-          </a:p>
-          <a:p>
-            <a:r>
-              <a:rPr lang="en-US" dirty="0" err="1" smtClean="0">
-                <a:latin typeface="Consolas" panose="020B0609020204030204" pitchFamily="49" charset="0"/>
-                <a:cs typeface="Consolas" panose="020B0609020204030204" pitchFamily="49" charset="0"/>
-              </a:rPr>
-              <a:t>unique_ptr</a:t>
-            </a:r>
-            <a:r>
-              <a:rPr lang="en-US" dirty="0" smtClean="0"/>
-              <a:t> is awesome. Use it all the time.</a:t>
-            </a:r>
-          </a:p>
-          <a:p>
-            <a:r>
-              <a:rPr lang="en-US" dirty="0" smtClean="0"/>
-              <a:t>Same with </a:t>
-            </a:r>
-            <a:r>
-              <a:rPr lang="en-US" dirty="0" err="1" smtClean="0">
-                <a:latin typeface="Consolas" panose="020B0609020204030204" pitchFamily="49" charset="0"/>
-                <a:cs typeface="Consolas" panose="020B0609020204030204" pitchFamily="49" charset="0"/>
-              </a:rPr>
-              <a:t>shared_ptr</a:t>
-            </a:r>
-            <a:r>
-              <a:rPr lang="en-US" dirty="0" smtClean="0"/>
-              <a:t>. Do amazing things.</a:t>
-            </a:r>
-          </a:p>
-          <a:p>
-            <a:endParaRPr lang="en-US" dirty="0" smtClean="0"/>
-          </a:p>
+          <a:bodyPr>
+            <a:normAutofit lnSpcReduction="10000"/>
+          </a:bodyPr>
+          <a:lstStyle/>
           <a:p>
             <a:pPr marL="0" indent="0">
               <a:buNone/>
             </a:pPr>
             <a:r>
-              <a:rPr lang="en-US" dirty="0" smtClean="0"/>
-              <a:t>C++ does not have garbage collection: It is deterministic in its acquisition and release of memory and other resources.</a:t>
-            </a:r>
-            <a:endParaRPr lang="en-US" dirty="0"/>
+              <a:rPr lang="en-US" sz="2800" dirty="0" smtClean="0">
+                <a:cs typeface="Consolas" panose="020B0609020204030204" pitchFamily="49" charset="0"/>
+              </a:rPr>
+              <a:t>On an up-to-date </a:t>
+            </a:r>
+            <a:r>
+              <a:rPr lang="en-US" sz="2800" dirty="0" err="1" smtClean="0">
+                <a:cs typeface="Consolas" panose="020B0609020204030204" pitchFamily="49" charset="0"/>
+              </a:rPr>
+              <a:t>linux</a:t>
+            </a:r>
+            <a:r>
+              <a:rPr lang="en-US" sz="2800" dirty="0" smtClean="0">
+                <a:cs typeface="Consolas" panose="020B0609020204030204" pitchFamily="49" charset="0"/>
+              </a:rPr>
+              <a:t> box:</a:t>
+            </a:r>
+          </a:p>
+          <a:p>
+            <a:pPr marL="0" indent="0">
+              <a:buNone/>
+            </a:pPr>
+            <a:endParaRPr lang="en-US" sz="1800" dirty="0">
+              <a:latin typeface="Consolas" panose="020B0609020204030204" pitchFamily="49" charset="0"/>
+              <a:cs typeface="Consolas" panose="020B0609020204030204" pitchFamily="49" charset="0"/>
+            </a:endParaRPr>
+          </a:p>
+          <a:p>
+            <a:pPr marL="0" indent="0">
+              <a:buNone/>
+            </a:pPr>
+            <a:r>
+              <a:rPr lang="en-US" sz="1800" dirty="0" smtClean="0">
+                <a:latin typeface="Consolas" panose="020B0609020204030204" pitchFamily="49" charset="0"/>
+                <a:cs typeface="Consolas" panose="020B0609020204030204" pitchFamily="49" charset="0"/>
+              </a:rPr>
+              <a:t>  dwight@dwight-mint17 </a:t>
+            </a:r>
+            <a:r>
+              <a:rPr lang="en-US" sz="1800" dirty="0">
+                <a:latin typeface="Consolas" panose="020B0609020204030204" pitchFamily="49" charset="0"/>
+                <a:cs typeface="Consolas" panose="020B0609020204030204" pitchFamily="49" charset="0"/>
+              </a:rPr>
+              <a:t>~ $ </a:t>
+            </a:r>
+            <a:r>
+              <a:rPr lang="en-US" sz="2400" b="1" dirty="0">
+                <a:latin typeface="Consolas" panose="020B0609020204030204" pitchFamily="49" charset="0"/>
+                <a:cs typeface="Consolas" panose="020B0609020204030204" pitchFamily="49" charset="0"/>
+              </a:rPr>
+              <a:t>g++ --version</a:t>
+            </a:r>
+          </a:p>
+          <a:p>
+            <a:pPr marL="0" indent="0">
+              <a:buNone/>
+            </a:pPr>
+            <a:r>
+              <a:rPr lang="en-US" sz="1800" dirty="0" smtClean="0">
+                <a:latin typeface="Consolas" panose="020B0609020204030204" pitchFamily="49" charset="0"/>
+                <a:cs typeface="Consolas" panose="020B0609020204030204" pitchFamily="49" charset="0"/>
+              </a:rPr>
+              <a:t>  g</a:t>
+            </a:r>
+            <a:r>
+              <a:rPr lang="en-US" sz="1800" dirty="0">
+                <a:latin typeface="Consolas" panose="020B0609020204030204" pitchFamily="49" charset="0"/>
+                <a:cs typeface="Consolas" panose="020B0609020204030204" pitchFamily="49" charset="0"/>
+              </a:rPr>
+              <a:t>++ (Ubuntu 4.8.2-19ubuntu1) 4.8.2</a:t>
+            </a:r>
+          </a:p>
+          <a:p>
+            <a:pPr marL="0" indent="0">
+              <a:buNone/>
+            </a:pPr>
+            <a:r>
+              <a:rPr lang="en-US" sz="1800" dirty="0" smtClean="0">
+                <a:latin typeface="Consolas" panose="020B0609020204030204" pitchFamily="49" charset="0"/>
+                <a:cs typeface="Consolas" panose="020B0609020204030204" pitchFamily="49" charset="0"/>
+              </a:rPr>
+              <a:t>  Copyright </a:t>
+            </a:r>
+            <a:r>
+              <a:rPr lang="en-US" sz="1800" dirty="0">
+                <a:latin typeface="Consolas" panose="020B0609020204030204" pitchFamily="49" charset="0"/>
+                <a:cs typeface="Consolas" panose="020B0609020204030204" pitchFamily="49" charset="0"/>
+              </a:rPr>
+              <a:t>(C) 2013 Free Software Foundation, Inc</a:t>
+            </a:r>
+            <a:r>
+              <a:rPr lang="en-US" sz="1800" dirty="0" smtClean="0">
+                <a:latin typeface="Consolas" panose="020B0609020204030204" pitchFamily="49" charset="0"/>
+                <a:cs typeface="Consolas" panose="020B0609020204030204" pitchFamily="49" charset="0"/>
+              </a:rPr>
+              <a:t>.</a:t>
+            </a:r>
+          </a:p>
+          <a:p>
+            <a:pPr marL="0" indent="0">
+              <a:buNone/>
+            </a:pPr>
+            <a:endParaRPr lang="en-US" sz="1800" dirty="0">
+              <a:latin typeface="Consolas" panose="020B0609020204030204" pitchFamily="49" charset="0"/>
+              <a:cs typeface="Consolas" panose="020B0609020204030204" pitchFamily="49" charset="0"/>
+            </a:endParaRPr>
+          </a:p>
+          <a:p>
+            <a:pPr marL="285750"/>
+            <a:r>
+              <a:rPr lang="en-US" sz="2800" dirty="0" smtClean="0"/>
+              <a:t>“G” is for GNU</a:t>
+            </a:r>
+            <a:endParaRPr lang="en-US" sz="2800" dirty="0"/>
+          </a:p>
+          <a:p>
+            <a:pPr marL="285750"/>
+            <a:r>
+              <a:rPr lang="en-US" sz="2800" dirty="0" smtClean="0"/>
+              <a:t>“GNU” is for “GNU is Not Unix”</a:t>
+            </a:r>
+          </a:p>
+          <a:p>
+            <a:pPr marL="285750"/>
+            <a:r>
+              <a:rPr lang="en-US" sz="2800" dirty="0" smtClean="0"/>
+              <a:t>g++ is the C++ compiler command</a:t>
+            </a:r>
+          </a:p>
+          <a:p>
+            <a:pPr marL="285750"/>
+            <a:r>
+              <a:rPr lang="en-US" sz="2800" dirty="0" err="1" smtClean="0"/>
+              <a:t>gcc</a:t>
+            </a:r>
+            <a:r>
+              <a:rPr lang="en-US" sz="2800" dirty="0" smtClean="0"/>
+              <a:t> is the C compiler command</a:t>
+            </a:r>
+          </a:p>
+          <a:p>
+            <a:pPr marL="285750"/>
+            <a:r>
+              <a:rPr lang="en-US" sz="2800" dirty="0" smtClean="0"/>
+              <a:t>GCC: “</a:t>
+            </a:r>
+            <a:r>
+              <a:rPr lang="en-US" sz="2800" dirty="0" smtClean="0">
+                <a:hlinkClick r:id="rId2"/>
+              </a:rPr>
+              <a:t>GNU compiler collection</a:t>
+            </a:r>
+            <a:r>
+              <a:rPr lang="en-US" sz="2800" dirty="0" smtClean="0"/>
+              <a:t>”</a:t>
+            </a:r>
+            <a:endParaRPr lang="en-US" sz="2800" dirty="0"/>
+          </a:p>
+          <a:p>
+            <a:pPr marL="0" indent="0">
+              <a:buNone/>
+            </a:pPr>
+            <a:endParaRPr lang="en-US" sz="1800" dirty="0">
+              <a:latin typeface="Consolas" panose="020B0609020204030204" pitchFamily="49" charset="0"/>
+              <a:cs typeface="Consolas" panose="020B0609020204030204" pitchFamily="49" charset="0"/>
+            </a:endParaRPr>
+          </a:p>
+          <a:p>
+            <a:pPr marL="0" indent="0">
+              <a:buNone/>
+            </a:pPr>
+            <a:endParaRPr lang="en-US" sz="1800" dirty="0" smtClean="0">
+              <a:latin typeface="Consolas" panose="020B0609020204030204" pitchFamily="49" charset="0"/>
+              <a:cs typeface="Consolas" panose="020B0609020204030204" pitchFamily="49" charset="0"/>
+            </a:endParaRPr>
+          </a:p>
+          <a:p>
+            <a:pPr marL="0" indent="0">
+              <a:buNone/>
+            </a:pPr>
+            <a:endParaRPr lang="en-US" sz="1800" dirty="0">
+              <a:latin typeface="Consolas" panose="020B0609020204030204" pitchFamily="49" charset="0"/>
+              <a:cs typeface="Consolas" panose="020B0609020204030204" pitchFamily="49" charset="0"/>
+            </a:endParaRPr>
           </a:p>
         </p:txBody>
       </p:sp>
     </p:spTree>
     <p:extLst>
       <p:ext uri="{BB962C8B-B14F-4D97-AF65-F5344CB8AC3E}">
-        <p14:creationId xmlns:p14="http://schemas.microsoft.com/office/powerpoint/2010/main" val="3828345346"/>
+        <p14:creationId xmlns:p14="http://schemas.microsoft.com/office/powerpoint/2010/main" val="3151603959"/>
       </p:ext>
     </p:extLst>
   </p:cSld>
@@ -6461,466 +6388,531 @@
           <a:lstStyle/>
           <a:p>
             <a:r>
-              <a:rPr lang="en-US" dirty="0" err="1" smtClean="0">
+              <a:rPr lang="en-US" dirty="0" smtClean="0"/>
+              <a:t>String Literals: Raw</a:t>
+            </a:r>
+            <a:endParaRPr lang="en-US" dirty="0"/>
+          </a:p>
+        </p:txBody>
+      </p:sp>
+      <p:sp>
+        <p:nvSpPr>
+          <p:cNvPr id="3" name="Content Placeholder 2"/>
+          <p:cNvSpPr>
+            <a:spLocks noGrp="1"/>
+          </p:cNvSpPr>
+          <p:nvPr>
+            <p:ph idx="1"/>
+          </p:nvPr>
+        </p:nvSpPr>
+        <p:spPr>
+          <a:xfrm>
+            <a:off x="457200" y="1600200"/>
+            <a:ext cx="8229600" cy="4953000"/>
+          </a:xfrm>
+        </p:spPr>
+        <p:txBody>
+          <a:bodyPr>
+            <a:normAutofit fontScale="85000" lnSpcReduction="20000"/>
+          </a:bodyPr>
+          <a:lstStyle/>
+          <a:p>
+            <a:r>
+              <a:rPr lang="en-US" dirty="0" smtClean="0"/>
+              <a:t>YAY! Needed this from day 1:</a:t>
+            </a:r>
+          </a:p>
+          <a:p>
+            <a:pPr marL="0" indent="0">
+              <a:buNone/>
+            </a:pPr>
+            <a:endParaRPr lang="en-US" dirty="0" smtClean="0"/>
+          </a:p>
+          <a:p>
+            <a:pPr marL="0" indent="0">
+              <a:buNone/>
+            </a:pPr>
+            <a:r>
+              <a:rPr lang="en-US" sz="2100" dirty="0" smtClean="0">
+                <a:latin typeface="Consolas" panose="020B0609020204030204" pitchFamily="49" charset="0"/>
+                <a:cs typeface="Consolas" panose="020B0609020204030204" pitchFamily="49" charset="0"/>
+              </a:rPr>
+              <a:t>  #</a:t>
+            </a:r>
+            <a:r>
+              <a:rPr lang="en-US" sz="2100" dirty="0">
+                <a:latin typeface="Consolas" panose="020B0609020204030204" pitchFamily="49" charset="0"/>
+                <a:cs typeface="Consolas" panose="020B0609020204030204" pitchFamily="49" charset="0"/>
+              </a:rPr>
+              <a:t>include &lt;string&gt;</a:t>
+            </a:r>
+          </a:p>
+          <a:p>
+            <a:pPr marL="0" indent="0">
+              <a:buNone/>
+            </a:pPr>
+            <a:r>
+              <a:rPr lang="en-US" sz="2100" dirty="0" smtClean="0">
+                <a:latin typeface="Consolas" panose="020B0609020204030204" pitchFamily="49" charset="0"/>
+                <a:cs typeface="Consolas" panose="020B0609020204030204" pitchFamily="49" charset="0"/>
+              </a:rPr>
+              <a:t>  #</a:t>
+            </a:r>
+            <a:r>
+              <a:rPr lang="en-US" sz="2100" dirty="0">
+                <a:latin typeface="Consolas" panose="020B0609020204030204" pitchFamily="49" charset="0"/>
+                <a:cs typeface="Consolas" panose="020B0609020204030204" pitchFamily="49" charset="0"/>
+              </a:rPr>
+              <a:t>include &lt;</a:t>
+            </a:r>
+            <a:r>
+              <a:rPr lang="en-US" sz="2100" dirty="0" err="1">
+                <a:latin typeface="Consolas" panose="020B0609020204030204" pitchFamily="49" charset="0"/>
+                <a:cs typeface="Consolas" panose="020B0609020204030204" pitchFamily="49" charset="0"/>
+              </a:rPr>
+              <a:t>iostream</a:t>
+            </a:r>
+            <a:r>
+              <a:rPr lang="en-US" sz="2100" dirty="0">
+                <a:latin typeface="Consolas" panose="020B0609020204030204" pitchFamily="49" charset="0"/>
+                <a:cs typeface="Consolas" panose="020B0609020204030204" pitchFamily="49" charset="0"/>
+              </a:rPr>
+              <a:t>&gt;</a:t>
+            </a:r>
+          </a:p>
+          <a:p>
+            <a:pPr marL="0" indent="0">
+              <a:buNone/>
+            </a:pPr>
+            <a:r>
+              <a:rPr lang="en-US" sz="2100" dirty="0" smtClean="0">
+                <a:latin typeface="Consolas" panose="020B0609020204030204" pitchFamily="49" charset="0"/>
+                <a:cs typeface="Consolas" panose="020B0609020204030204" pitchFamily="49" charset="0"/>
+              </a:rPr>
+              <a:t>  </a:t>
+            </a:r>
+            <a:r>
+              <a:rPr lang="en-US" sz="2100" dirty="0" err="1" smtClean="0">
+                <a:latin typeface="Consolas" panose="020B0609020204030204" pitchFamily="49" charset="0"/>
+                <a:cs typeface="Consolas" panose="020B0609020204030204" pitchFamily="49" charset="0"/>
+              </a:rPr>
+              <a:t>int</a:t>
+            </a:r>
+            <a:r>
+              <a:rPr lang="en-US" sz="2100" dirty="0" smtClean="0">
+                <a:latin typeface="Consolas" panose="020B0609020204030204" pitchFamily="49" charset="0"/>
+                <a:cs typeface="Consolas" panose="020B0609020204030204" pitchFamily="49" charset="0"/>
+              </a:rPr>
+              <a:t> </a:t>
+            </a:r>
+            <a:r>
+              <a:rPr lang="en-US" sz="2100" dirty="0">
+                <a:latin typeface="Consolas" panose="020B0609020204030204" pitchFamily="49" charset="0"/>
+                <a:cs typeface="Consolas" panose="020B0609020204030204" pitchFamily="49" charset="0"/>
+              </a:rPr>
+              <a:t>main() {</a:t>
+            </a:r>
+          </a:p>
+          <a:p>
+            <a:pPr marL="0" indent="0">
+              <a:buNone/>
+            </a:pPr>
+            <a:r>
+              <a:rPr lang="en-US" sz="2100" dirty="0" smtClean="0">
+                <a:latin typeface="Consolas" panose="020B0609020204030204" pitchFamily="49" charset="0"/>
+                <a:cs typeface="Consolas" panose="020B0609020204030204" pitchFamily="49" charset="0"/>
+              </a:rPr>
+              <a:t>    </a:t>
+            </a:r>
+            <a:r>
+              <a:rPr lang="en-US" sz="2100" dirty="0" err="1" smtClean="0">
                 <a:latin typeface="Consolas" panose="020B0609020204030204" pitchFamily="49" charset="0"/>
                 <a:cs typeface="Consolas" panose="020B0609020204030204" pitchFamily="49" charset="0"/>
               </a:rPr>
               <a:t>std</a:t>
             </a:r>
             <a:r>
-              <a:rPr lang="en-US" dirty="0" smtClean="0">
-                <a:latin typeface="Consolas" panose="020B0609020204030204" pitchFamily="49" charset="0"/>
-                <a:cs typeface="Consolas" panose="020B0609020204030204" pitchFamily="49" charset="0"/>
-              </a:rPr>
-         